--- a/docs/docker-resumo.pptx
+++ b/docs/docker-resumo.pptx
@@ -10,14 +10,16 @@
     <p:sldId id="287" r:id="rId4"/>
     <p:sldId id="288" r:id="rId5"/>
     <p:sldId id="289" r:id="rId6"/>
-    <p:sldId id="278" r:id="rId7"/>
-    <p:sldId id="281" r:id="rId8"/>
-    <p:sldId id="280" r:id="rId9"/>
-    <p:sldId id="279" r:id="rId10"/>
-    <p:sldId id="282" r:id="rId11"/>
-    <p:sldId id="283" r:id="rId12"/>
-    <p:sldId id="284" r:id="rId13"/>
-    <p:sldId id="285" r:id="rId14"/>
+    <p:sldId id="290" r:id="rId7"/>
+    <p:sldId id="291" r:id="rId8"/>
+    <p:sldId id="278" r:id="rId9"/>
+    <p:sldId id="281" r:id="rId10"/>
+    <p:sldId id="280" r:id="rId11"/>
+    <p:sldId id="279" r:id="rId12"/>
+    <p:sldId id="282" r:id="rId13"/>
+    <p:sldId id="283" r:id="rId14"/>
+    <p:sldId id="284" r:id="rId15"/>
+    <p:sldId id="285" r:id="rId16"/>
   </p:sldIdLst>
   <p:sldSz cx="12192000" cy="6858000"/>
   <p:notesSz cx="6858000" cy="9144000"/>
@@ -253,7 +255,7 @@
           <a:p>
             <a:fld id="{CC58B075-67F8-4A8D-AE1C-3D3E4193EBCA}" type="datetimeFigureOut">
               <a:rPr lang="pt-BR" smtClean="0"/>
-              <a:t>05/09/2019</a:t>
+              <a:t>06/09/2019</a:t>
             </a:fld>
             <a:endParaRPr lang="pt-BR"/>
           </a:p>
@@ -421,7 +423,7 @@
           <a:p>
             <a:fld id="{CC58B075-67F8-4A8D-AE1C-3D3E4193EBCA}" type="datetimeFigureOut">
               <a:rPr lang="pt-BR" smtClean="0"/>
-              <a:t>05/09/2019</a:t>
+              <a:t>06/09/2019</a:t>
             </a:fld>
             <a:endParaRPr lang="pt-BR"/>
           </a:p>
@@ -599,7 +601,7 @@
           <a:p>
             <a:fld id="{CC58B075-67F8-4A8D-AE1C-3D3E4193EBCA}" type="datetimeFigureOut">
               <a:rPr lang="pt-BR" smtClean="0"/>
-              <a:t>05/09/2019</a:t>
+              <a:t>06/09/2019</a:t>
             </a:fld>
             <a:endParaRPr lang="pt-BR"/>
           </a:p>
@@ -767,7 +769,7 @@
           <a:p>
             <a:fld id="{CC58B075-67F8-4A8D-AE1C-3D3E4193EBCA}" type="datetimeFigureOut">
               <a:rPr lang="pt-BR" smtClean="0"/>
-              <a:t>05/09/2019</a:t>
+              <a:t>06/09/2019</a:t>
             </a:fld>
             <a:endParaRPr lang="pt-BR"/>
           </a:p>
@@ -1012,7 +1014,7 @@
           <a:p>
             <a:fld id="{CC58B075-67F8-4A8D-AE1C-3D3E4193EBCA}" type="datetimeFigureOut">
               <a:rPr lang="pt-BR" smtClean="0"/>
-              <a:t>05/09/2019</a:t>
+              <a:t>06/09/2019</a:t>
             </a:fld>
             <a:endParaRPr lang="pt-BR"/>
           </a:p>
@@ -1241,7 +1243,7 @@
           <a:p>
             <a:fld id="{CC58B075-67F8-4A8D-AE1C-3D3E4193EBCA}" type="datetimeFigureOut">
               <a:rPr lang="pt-BR" smtClean="0"/>
-              <a:t>05/09/2019</a:t>
+              <a:t>06/09/2019</a:t>
             </a:fld>
             <a:endParaRPr lang="pt-BR"/>
           </a:p>
@@ -1605,7 +1607,7 @@
           <a:p>
             <a:fld id="{CC58B075-67F8-4A8D-AE1C-3D3E4193EBCA}" type="datetimeFigureOut">
               <a:rPr lang="pt-BR" smtClean="0"/>
-              <a:t>05/09/2019</a:t>
+              <a:t>06/09/2019</a:t>
             </a:fld>
             <a:endParaRPr lang="pt-BR"/>
           </a:p>
@@ -1722,7 +1724,7 @@
           <a:p>
             <a:fld id="{CC58B075-67F8-4A8D-AE1C-3D3E4193EBCA}" type="datetimeFigureOut">
               <a:rPr lang="pt-BR" smtClean="0"/>
-              <a:t>05/09/2019</a:t>
+              <a:t>06/09/2019</a:t>
             </a:fld>
             <a:endParaRPr lang="pt-BR"/>
           </a:p>
@@ -1817,7 +1819,7 @@
           <a:p>
             <a:fld id="{CC58B075-67F8-4A8D-AE1C-3D3E4193EBCA}" type="datetimeFigureOut">
               <a:rPr lang="pt-BR" smtClean="0"/>
-              <a:t>05/09/2019</a:t>
+              <a:t>06/09/2019</a:t>
             </a:fld>
             <a:endParaRPr lang="pt-BR"/>
           </a:p>
@@ -2092,7 +2094,7 @@
           <a:p>
             <a:fld id="{CC58B075-67F8-4A8D-AE1C-3D3E4193EBCA}" type="datetimeFigureOut">
               <a:rPr lang="pt-BR" smtClean="0"/>
-              <a:t>05/09/2019</a:t>
+              <a:t>06/09/2019</a:t>
             </a:fld>
             <a:endParaRPr lang="pt-BR"/>
           </a:p>
@@ -2344,7 +2346,7 @@
           <a:p>
             <a:fld id="{CC58B075-67F8-4A8D-AE1C-3D3E4193EBCA}" type="datetimeFigureOut">
               <a:rPr lang="pt-BR" smtClean="0"/>
-              <a:t>05/09/2019</a:t>
+              <a:t>06/09/2019</a:t>
             </a:fld>
             <a:endParaRPr lang="pt-BR"/>
           </a:p>
@@ -2555,7 +2557,7 @@
           <a:p>
             <a:fld id="{CC58B075-67F8-4A8D-AE1C-3D3E4193EBCA}" type="datetimeFigureOut">
               <a:rPr lang="pt-BR" smtClean="0"/>
-              <a:t>05/09/2019</a:t>
+              <a:t>06/09/2019</a:t>
             </a:fld>
             <a:endParaRPr lang="pt-BR"/>
           </a:p>
@@ -2978,7 +2980,7 @@
           <a:lstStyle/>
           <a:p>
             <a:r>
-              <a:rPr lang="pt-BR" sz="3600" dirty="0" err="1" smtClean="0"/>
+              <a:rPr lang="pt-BR" sz="3600" dirty="0" smtClean="0"/>
               <a:t>Docker</a:t>
             </a:r>
             <a:endParaRPr lang="pt-BR" sz="3600" dirty="0"/>
@@ -3056,7 +3058,7 @@
     </p:spTree>
     <p:extLst>
       <p:ext uri="{BB962C8B-B14F-4D97-AF65-F5344CB8AC3E}">
-        <p14:creationId xmlns:p14="http://schemas.microsoft.com/office/powerpoint/2010/main" val="3688525284"/>
+        <p14:creationId xmlns:p14="http://schemas.microsoft.com/office/powerpoint/2010/main" val="2333415383"/>
       </p:ext>
     </p:extLst>
   </p:cSld>
@@ -3124,7 +3126,7 @@
     </p:spTree>
     <p:extLst>
       <p:ext uri="{BB962C8B-B14F-4D97-AF65-F5344CB8AC3E}">
-        <p14:creationId xmlns:p14="http://schemas.microsoft.com/office/powerpoint/2010/main" val="1462747175"/>
+        <p14:creationId xmlns:p14="http://schemas.microsoft.com/office/powerpoint/2010/main" val="1812516573"/>
       </p:ext>
     </p:extLst>
   </p:cSld>
@@ -3192,7 +3194,7 @@
     </p:spTree>
     <p:extLst>
       <p:ext uri="{BB962C8B-B14F-4D97-AF65-F5344CB8AC3E}">
-        <p14:creationId xmlns:p14="http://schemas.microsoft.com/office/powerpoint/2010/main" val="3094957484"/>
+        <p14:creationId xmlns:p14="http://schemas.microsoft.com/office/powerpoint/2010/main" val="3688525284"/>
       </p:ext>
     </p:extLst>
   </p:cSld>
@@ -3234,6 +3236,142 @@
           <a:bodyPr/>
           <a:lstStyle/>
           <a:p>
+            <a:endParaRPr lang="pt-BR"/>
+          </a:p>
+        </p:txBody>
+      </p:sp>
+      <p:sp>
+        <p:nvSpPr>
+          <p:cNvPr id="3" name="Espaço Reservado para Conteúdo 2"/>
+          <p:cNvSpPr>
+            <a:spLocks noGrp="1"/>
+          </p:cNvSpPr>
+          <p:nvPr>
+            <p:ph idx="1"/>
+          </p:nvPr>
+        </p:nvSpPr>
+        <p:spPr/>
+        <p:txBody>
+          <a:bodyPr/>
+          <a:lstStyle/>
+          <a:p>
+            <a:endParaRPr lang="pt-BR"/>
+          </a:p>
+        </p:txBody>
+      </p:sp>
+    </p:spTree>
+    <p:extLst>
+      <p:ext uri="{BB962C8B-B14F-4D97-AF65-F5344CB8AC3E}">
+        <p14:creationId xmlns:p14="http://schemas.microsoft.com/office/powerpoint/2010/main" val="1462747175"/>
+      </p:ext>
+    </p:extLst>
+  </p:cSld>
+  <p:clrMapOvr>
+    <a:masterClrMapping/>
+  </p:clrMapOvr>
+</p:sld>
+</file>
+
+<file path=ppt/slides/slide14.xml><?xml version="1.0" encoding="utf-8"?>
+<p:sld xmlns:a="http://schemas.openxmlformats.org/drawingml/2006/main" xmlns:r="http://schemas.openxmlformats.org/officeDocument/2006/relationships" xmlns:p="http://schemas.openxmlformats.org/presentationml/2006/main">
+  <p:cSld>
+    <p:spTree>
+      <p:nvGrpSpPr>
+        <p:cNvPr id="1" name=""/>
+        <p:cNvGrpSpPr/>
+        <p:nvPr/>
+      </p:nvGrpSpPr>
+      <p:grpSpPr>
+        <a:xfrm>
+          <a:off x="0" y="0"/>
+          <a:ext cx="0" cy="0"/>
+          <a:chOff x="0" y="0"/>
+          <a:chExt cx="0" cy="0"/>
+        </a:xfrm>
+      </p:grpSpPr>
+      <p:sp>
+        <p:nvSpPr>
+          <p:cNvPr id="2" name="Título 1"/>
+          <p:cNvSpPr>
+            <a:spLocks noGrp="1"/>
+          </p:cNvSpPr>
+          <p:nvPr>
+            <p:ph type="title"/>
+          </p:nvPr>
+        </p:nvSpPr>
+        <p:spPr/>
+        <p:txBody>
+          <a:bodyPr/>
+          <a:lstStyle/>
+          <a:p>
+            <a:endParaRPr lang="pt-BR"/>
+          </a:p>
+        </p:txBody>
+      </p:sp>
+      <p:sp>
+        <p:nvSpPr>
+          <p:cNvPr id="3" name="Espaço Reservado para Conteúdo 2"/>
+          <p:cNvSpPr>
+            <a:spLocks noGrp="1"/>
+          </p:cNvSpPr>
+          <p:nvPr>
+            <p:ph idx="1"/>
+          </p:nvPr>
+        </p:nvSpPr>
+        <p:spPr/>
+        <p:txBody>
+          <a:bodyPr/>
+          <a:lstStyle/>
+          <a:p>
+            <a:endParaRPr lang="pt-BR"/>
+          </a:p>
+        </p:txBody>
+      </p:sp>
+    </p:spTree>
+    <p:extLst>
+      <p:ext uri="{BB962C8B-B14F-4D97-AF65-F5344CB8AC3E}">
+        <p14:creationId xmlns:p14="http://schemas.microsoft.com/office/powerpoint/2010/main" val="3094957484"/>
+      </p:ext>
+    </p:extLst>
+  </p:cSld>
+  <p:clrMapOvr>
+    <a:masterClrMapping/>
+  </p:clrMapOvr>
+</p:sld>
+</file>
+
+<file path=ppt/slides/slide15.xml><?xml version="1.0" encoding="utf-8"?>
+<p:sld xmlns:a="http://schemas.openxmlformats.org/drawingml/2006/main" xmlns:r="http://schemas.openxmlformats.org/officeDocument/2006/relationships" xmlns:p="http://schemas.openxmlformats.org/presentationml/2006/main">
+  <p:cSld>
+    <p:spTree>
+      <p:nvGrpSpPr>
+        <p:cNvPr id="1" name=""/>
+        <p:cNvGrpSpPr/>
+        <p:nvPr/>
+      </p:nvGrpSpPr>
+      <p:grpSpPr>
+        <a:xfrm>
+          <a:off x="0" y="0"/>
+          <a:ext cx="0" cy="0"/>
+          <a:chOff x="0" y="0"/>
+          <a:chExt cx="0" cy="0"/>
+        </a:xfrm>
+      </p:grpSpPr>
+      <p:sp>
+        <p:nvSpPr>
+          <p:cNvPr id="2" name="Título 1"/>
+          <p:cNvSpPr>
+            <a:spLocks noGrp="1"/>
+          </p:cNvSpPr>
+          <p:nvPr>
+            <p:ph type="title"/>
+          </p:nvPr>
+        </p:nvSpPr>
+        <p:spPr/>
+        <p:txBody>
+          <a:bodyPr/>
+          <a:lstStyle/>
+          <a:p>
             <a:r>
               <a:rPr lang="pt-BR" dirty="0" smtClean="0"/>
               <a:t>Referências Bibliográficas</a:t>
@@ -3267,11 +3405,7 @@
             </a:r>
             <a:r>
               <a:rPr lang="pt-BR" dirty="0" smtClean="0"/>
-              <a:t> </a:t>
-            </a:r>
-            <a:r>
-              <a:rPr lang="pt-BR" dirty="0" err="1" smtClean="0"/>
-              <a:t>Docker</a:t>
+              <a:t> Docker</a:t>
             </a:r>
             <a:endParaRPr lang="pt-BR" dirty="0"/>
           </a:p>
@@ -4382,7 +4516,7 @@
         </p:nvSpPr>
         <p:spPr>
           <a:xfrm>
-            <a:off x="759177" y="89552"/>
+            <a:off x="820460" y="2475394"/>
             <a:ext cx="10515600" cy="549275"/>
           </a:xfrm>
         </p:spPr>
@@ -4395,15 +4529,7 @@
             <a:pPr algn="ctr"/>
             <a:r>
               <a:rPr lang="pt-BR" sz="2800" b="1" dirty="0" smtClean="0"/>
-              <a:t>O que é o </a:t>
-            </a:r>
-            <a:r>
-              <a:rPr lang="pt-BR" sz="2800" b="1" dirty="0" err="1" smtClean="0"/>
-              <a:t>Docker</a:t>
-            </a:r>
-            <a:r>
-              <a:rPr lang="pt-BR" sz="2800" b="1" dirty="0" smtClean="0"/>
-              <a:t>?</a:t>
+              <a:t>O que é o Docker?</a:t>
             </a:r>
             <a:endParaRPr lang="pt-BR" sz="2800" b="1" dirty="0"/>
           </a:p>
@@ -4422,7 +4548,7 @@
         <p:spPr>
           <a:xfrm>
             <a:off x="530577" y="757925"/>
-            <a:ext cx="11095366" cy="535298"/>
+            <a:ext cx="11095366" cy="1763206"/>
           </a:xfrm>
         </p:spPr>
         <p:txBody>
@@ -4436,34 +4562,357 @@
               <a:t>a </a:t>
             </a:r>
             <a:r>
-              <a:rPr lang="pt-BR" sz="2000" b="1" dirty="0" err="1"/>
-              <a:t>Docker</a:t>
-            </a:r>
-            <a:r>
               <a:rPr lang="pt-BR" sz="2000" b="1" dirty="0"/>
-              <a:t>, Inc.</a:t>
+              <a:t>Docker, Inc.</a:t>
             </a:r>
             <a:r>
               <a:rPr lang="pt-BR" sz="2000" dirty="0"/>
               <a:t>, empresa que toma conta do </a:t>
             </a:r>
             <a:r>
-              <a:rPr lang="pt-BR" sz="2000" dirty="0" err="1"/>
-              <a:t>Docker</a:t>
+              <a:rPr lang="pt-BR" sz="2000" dirty="0" smtClean="0"/>
+              <a:t>Docker </a:t>
             </a:r>
             <a:r>
               <a:rPr lang="pt-BR" sz="2000" dirty="0"/>
-              <a:t>, e a tecnologia dos </a:t>
+              <a:t>e a tecnologia dos </a:t>
             </a:r>
             <a:r>
               <a:rPr lang="pt-BR" sz="2000" i="1" dirty="0"/>
               <a:t>containers</a:t>
             </a:r>
             <a:r>
-              <a:rPr lang="pt-BR" sz="2000" dirty="0"/>
+              <a:rPr lang="pt-BR" sz="2000" dirty="0" smtClean="0"/>
               <a:t>.</a:t>
             </a:r>
+          </a:p>
+          <a:p>
             <a:endParaRPr lang="pt-BR" sz="2000" dirty="0"/>
+          </a:p>
+          <a:p>
+            <a:r>
+              <a:rPr lang="pt-BR" sz="2000" dirty="0" smtClean="0"/>
+              <a:t>O </a:t>
+            </a:r>
+            <a:r>
+              <a:rPr lang="pt-BR" sz="2000" b="1" dirty="0" smtClean="0"/>
+              <a:t>Docker</a:t>
+            </a:r>
+            <a:r>
+              <a:rPr lang="pt-BR" sz="2000" dirty="0" smtClean="0"/>
+              <a:t> nada mais é do que um conjunto de tecnologias para facilitar o </a:t>
+            </a:r>
+            <a:r>
+              <a:rPr lang="pt-BR" sz="2000" dirty="0" err="1" smtClean="0"/>
+              <a:t>deploy</a:t>
+            </a:r>
+            <a:r>
+              <a:rPr lang="pt-BR" sz="2000" dirty="0" smtClean="0"/>
+              <a:t> e a execução das nossas aplicações.</a:t>
+            </a:r>
+          </a:p>
+          <a:p>
+            <a:endParaRPr lang="pt-BR" sz="2000" dirty="0"/>
+          </a:p>
+          <a:p>
+            <a:endParaRPr lang="pt-BR" sz="2000" dirty="0" smtClean="0"/>
+          </a:p>
+          <a:p>
+            <a:endParaRPr lang="pt-BR" sz="2000" dirty="0" smtClean="0"/>
+          </a:p>
+          <a:p>
+            <a:endParaRPr lang="pt-BR" sz="2000" dirty="0"/>
+          </a:p>
+        </p:txBody>
+      </p:sp>
+      <p:sp>
+        <p:nvSpPr>
+          <p:cNvPr id="4" name="Título 1"/>
+          <p:cNvSpPr txBox="1">
+            <a:spLocks/>
+          </p:cNvSpPr>
+          <p:nvPr/>
+        </p:nvSpPr>
+        <p:spPr>
+          <a:xfrm>
+            <a:off x="125627" y="115678"/>
+            <a:ext cx="11800761" cy="549275"/>
+          </a:xfrm>
+          <a:prstGeom prst="rect">
+            <a:avLst/>
+          </a:prstGeom>
+        </p:spPr>
+        <p:txBody>
+          <a:bodyPr vert="horz" lIns="91440" tIns="45720" rIns="91440" bIns="45720" rtlCol="0" anchor="ctr">
+            <a:normAutofit/>
+          </a:bodyPr>
+          <a:lstStyle>
+            <a:lvl1pPr algn="l" defTabSz="914400" rtl="0" eaLnBrk="1" latinLnBrk="0" hangingPunct="1">
+              <a:lnSpc>
+                <a:spcPct val="90000"/>
+              </a:lnSpc>
+              <a:spcBef>
+                <a:spcPct val="0"/>
+              </a:spcBef>
+              <a:buNone/>
+              <a:defRPr sz="4400" kern="1200">
+                <a:solidFill>
+                  <a:schemeClr val="tx1"/>
+                </a:solidFill>
+                <a:latin typeface="+mj-lt"/>
+                <a:ea typeface="+mj-ea"/>
+                <a:cs typeface="+mj-cs"/>
+              </a:defRPr>
+            </a:lvl1pPr>
+          </a:lstStyle>
+          <a:p>
+            <a:pPr algn="ctr"/>
+            <a:r>
+              <a:rPr lang="pt-BR" sz="2800" b="1" dirty="0" err="1" smtClean="0"/>
+              <a:t>Hello</a:t>
+            </a:r>
+            <a:r>
+              <a:rPr lang="pt-BR" sz="2800" b="1" dirty="0" smtClean="0"/>
+              <a:t> World</a:t>
+            </a:r>
+            <a:endParaRPr lang="pt-BR" sz="2800" b="1" dirty="0"/>
+          </a:p>
+        </p:txBody>
+      </p:sp>
+      <p:sp>
+        <p:nvSpPr>
+          <p:cNvPr id="5" name="CaixaDeTexto 4"/>
+          <p:cNvSpPr txBox="1"/>
+          <p:nvPr/>
+        </p:nvSpPr>
+        <p:spPr>
+          <a:xfrm>
+            <a:off x="820460" y="3243610"/>
+            <a:ext cx="8704864" cy="1477328"/>
+          </a:xfrm>
+          <a:prstGeom prst="rect">
+            <a:avLst/>
+          </a:prstGeom>
+          <a:noFill/>
+        </p:spPr>
+        <p:txBody>
+          <a:bodyPr wrap="square" rtlCol="0">
+            <a:spAutoFit/>
+          </a:bodyPr>
+          <a:lstStyle/>
+          <a:p>
+            <a:r>
+              <a:rPr lang="pt-BR" dirty="0" err="1" smtClean="0"/>
+              <a:t>docker</a:t>
+            </a:r>
+            <a:r>
+              <a:rPr lang="pt-BR" dirty="0" smtClean="0"/>
+              <a:t> </a:t>
+            </a:r>
+            <a:r>
+              <a:rPr lang="pt-BR" dirty="0" err="1" smtClean="0"/>
+              <a:t>version</a:t>
+            </a:r>
+            <a:endParaRPr lang="pt-BR" dirty="0" smtClean="0"/>
+          </a:p>
+          <a:p>
+            <a:endParaRPr lang="pt-BR" dirty="0"/>
+          </a:p>
+          <a:p>
+            <a:r>
+              <a:rPr lang="pt-BR" dirty="0" err="1" smtClean="0"/>
+              <a:t>docker</a:t>
+            </a:r>
+            <a:r>
+              <a:rPr lang="pt-BR" dirty="0" smtClean="0"/>
+              <a:t> </a:t>
+            </a:r>
+            <a:r>
+              <a:rPr lang="pt-BR" dirty="0" err="1" smtClean="0"/>
+              <a:t>run</a:t>
+            </a:r>
+            <a:r>
+              <a:rPr lang="pt-BR" dirty="0" smtClean="0"/>
+              <a:t> </a:t>
+            </a:r>
+            <a:r>
+              <a:rPr lang="pt-BR" dirty="0" err="1" smtClean="0"/>
+              <a:t>hello</a:t>
+            </a:r>
+            <a:r>
+              <a:rPr lang="pt-BR" dirty="0" smtClean="0"/>
+              <a:t>-world </a:t>
+            </a:r>
+          </a:p>
+          <a:p>
+            <a:endParaRPr lang="pt-BR" dirty="0"/>
+          </a:p>
+          <a:p>
+            <a:endParaRPr lang="pt-BR" dirty="0"/>
+          </a:p>
+        </p:txBody>
+      </p:sp>
+      <p:sp>
+        <p:nvSpPr>
+          <p:cNvPr id="6" name="Retângulo 5"/>
+          <p:cNvSpPr/>
+          <p:nvPr/>
+        </p:nvSpPr>
+        <p:spPr>
+          <a:xfrm>
+            <a:off x="1469248" y="2750032"/>
+            <a:ext cx="7820297" cy="2616101"/>
+          </a:xfrm>
+          <a:prstGeom prst="rect">
+            <a:avLst/>
+          </a:prstGeom>
+        </p:spPr>
+        <p:txBody>
+          <a:bodyPr wrap="square">
+            <a:spAutoFit/>
+          </a:bodyPr>
+          <a:lstStyle/>
+          <a:p>
+            <a:endParaRPr lang="pt-BR" sz="2000" b="1" i="1" u="sng" dirty="0">
+              <a:effectLst>
+                <a:outerShdw blurRad="38100" dist="38100" dir="2700000" algn="tl">
+                  <a:srgbClr val="000000">
+                    <a:alpha val="43137"/>
+                  </a:srgbClr>
+                </a:outerShdw>
+              </a:effectLst>
+            </a:endParaRPr>
+          </a:p>
+          <a:p>
+            <a:pPr algn="ctr"/>
+            <a:r>
+              <a:rPr lang="pt-BR" sz="2400" b="1" i="1" u="sng" dirty="0" smtClean="0">
+                <a:effectLst>
+                  <a:outerShdw blurRad="38100" dist="38100" dir="2700000" algn="tl">
+                    <a:srgbClr val="000000">
+                      <a:alpha val="43137"/>
+                    </a:srgbClr>
+                  </a:outerShdw>
+                </a:effectLst>
+              </a:rPr>
+              <a:t>Play </a:t>
+            </a:r>
+            <a:r>
+              <a:rPr lang="pt-BR" sz="2400" b="1" i="1" u="sng" dirty="0" err="1" smtClean="0">
+                <a:effectLst>
+                  <a:outerShdw blurRad="38100" dist="38100" dir="2700000" algn="tl">
+                    <a:srgbClr val="000000">
+                      <a:alpha val="43137"/>
+                    </a:srgbClr>
+                  </a:outerShdw>
+                </a:effectLst>
+              </a:rPr>
+              <a:t>with</a:t>
+            </a:r>
+            <a:r>
+              <a:rPr lang="pt-BR" sz="2400" b="1" i="1" u="sng" dirty="0" smtClean="0">
+                <a:effectLst>
+                  <a:outerShdw blurRad="38100" dist="38100" dir="2700000" algn="tl">
+                    <a:srgbClr val="000000">
+                      <a:alpha val="43137"/>
+                    </a:srgbClr>
+                  </a:outerShdw>
+                </a:effectLst>
+              </a:rPr>
+              <a:t> Docker</a:t>
+            </a:r>
+          </a:p>
+          <a:p>
+            <a:endParaRPr lang="pt-BR" sz="2000" b="1" i="1" u="sng" dirty="0" smtClean="0">
+              <a:effectLst>
+                <a:outerShdw blurRad="38100" dist="38100" dir="2700000" algn="tl">
+                  <a:srgbClr val="000000">
+                    <a:alpha val="43137"/>
+                  </a:srgbClr>
+                </a:outerShdw>
+              </a:effectLst>
+            </a:endParaRPr>
+          </a:p>
+          <a:p>
+            <a:endParaRPr lang="pt-BR" sz="2000" b="1" i="1" u="sng" dirty="0">
+              <a:effectLst>
+                <a:outerShdw blurRad="38100" dist="38100" dir="2700000" algn="tl">
+                  <a:srgbClr val="000000">
+                    <a:alpha val="43137"/>
+                  </a:srgbClr>
+                </a:outerShdw>
+              </a:effectLst>
+            </a:endParaRPr>
+          </a:p>
+          <a:p>
+            <a:r>
+              <a:rPr lang="pt-BR" sz="2000" b="1" i="1" u="sng" dirty="0">
+                <a:effectLst>
+                  <a:outerShdw blurRad="38100" dist="38100" dir="2700000" algn="tl">
+                    <a:srgbClr val="000000">
+                      <a:alpha val="43137"/>
+                    </a:srgbClr>
+                  </a:outerShdw>
+                </a:effectLst>
+                <a:hlinkClick r:id="rId2"/>
+              </a:rPr>
+              <a:t>https://labs.play-with-docker.com</a:t>
+            </a:r>
+            <a:r>
+              <a:rPr lang="pt-BR" sz="2000" b="1" i="1" u="sng" dirty="0" smtClean="0">
+                <a:effectLst>
+                  <a:outerShdw blurRad="38100" dist="38100" dir="2700000" algn="tl">
+                    <a:srgbClr val="000000">
+                      <a:alpha val="43137"/>
+                    </a:srgbClr>
+                  </a:outerShdw>
+                </a:effectLst>
+                <a:hlinkClick r:id="rId2"/>
+              </a:rPr>
+              <a:t>/</a:t>
+            </a:r>
+            <a:endParaRPr lang="pt-BR" sz="2000" b="1" i="1" u="sng" dirty="0" smtClean="0">
+              <a:effectLst>
+                <a:outerShdw blurRad="38100" dist="38100" dir="2700000" algn="tl">
+                  <a:srgbClr val="000000">
+                    <a:alpha val="43137"/>
+                  </a:srgbClr>
+                </a:outerShdw>
+              </a:effectLst>
+            </a:endParaRPr>
+          </a:p>
+          <a:p>
+            <a:endParaRPr lang="pt-BR" sz="2000" b="1" i="1" u="sng" dirty="0">
+              <a:effectLst>
+                <a:outerShdw blurRad="38100" dist="38100" dir="2700000" algn="tl">
+                  <a:srgbClr val="000000">
+                    <a:alpha val="43137"/>
+                  </a:srgbClr>
+                </a:outerShdw>
+              </a:effectLst>
+            </a:endParaRPr>
+          </a:p>
+          <a:p>
+            <a:endParaRPr lang="pt-BR" sz="2000" b="1" i="1" u="sng" dirty="0">
+              <a:effectLst>
+                <a:outerShdw blurRad="38100" dist="38100" dir="2700000" algn="tl">
+                  <a:srgbClr val="000000">
+                    <a:alpha val="43137"/>
+                  </a:srgbClr>
+                </a:outerShdw>
+              </a:effectLst>
+            </a:endParaRPr>
+          </a:p>
+          <a:p>
+            <a:endParaRPr lang="pt-BR" sz="2000" b="1" i="1" u="sng" dirty="0">
+              <a:effectLst>
+                <a:outerShdw blurRad="38100" dist="38100" dir="2700000" algn="tl">
+                  <a:srgbClr val="000000">
+                    <a:alpha val="43137"/>
+                  </a:srgbClr>
+                </a:outerShdw>
+              </a:effectLst>
+            </a:endParaRPr>
           </a:p>
         </p:txBody>
       </p:sp>
@@ -4499,46 +4948,645 @@
       </p:grpSpPr>
       <p:sp>
         <p:nvSpPr>
-          <p:cNvPr id="2" name="Título 1"/>
-          <p:cNvSpPr>
-            <a:spLocks noGrp="1"/>
-          </p:cNvSpPr>
-          <p:nvPr>
-            <p:ph type="title"/>
-          </p:nvPr>
-        </p:nvSpPr>
-        <p:spPr/>
-        <p:txBody>
-          <a:bodyPr/>
-          <a:lstStyle/>
-          <a:p>
-            <a:endParaRPr lang="pt-BR"/>
-          </a:p>
-        </p:txBody>
-      </p:sp>
-      <p:sp>
-        <p:nvSpPr>
-          <p:cNvPr id="3" name="Espaço Reservado para Conteúdo 2"/>
-          <p:cNvSpPr>
-            <a:spLocks noGrp="1"/>
-          </p:cNvSpPr>
-          <p:nvPr>
-            <p:ph idx="1"/>
-          </p:nvPr>
-        </p:nvSpPr>
-        <p:spPr/>
-        <p:txBody>
-          <a:bodyPr/>
-          <a:lstStyle/>
-          <a:p>
-            <a:endParaRPr lang="pt-BR"/>
+          <p:cNvPr id="4" name="Título 1"/>
+          <p:cNvSpPr txBox="1">
+            <a:spLocks/>
+          </p:cNvSpPr>
+          <p:nvPr/>
+        </p:nvSpPr>
+        <p:spPr>
+          <a:xfrm>
+            <a:off x="125627" y="115678"/>
+            <a:ext cx="11800761" cy="549275"/>
+          </a:xfrm>
+          <a:prstGeom prst="rect">
+            <a:avLst/>
+          </a:prstGeom>
+        </p:spPr>
+        <p:txBody>
+          <a:bodyPr vert="horz" lIns="91440" tIns="45720" rIns="91440" bIns="45720" rtlCol="0" anchor="ctr">
+            <a:normAutofit/>
+          </a:bodyPr>
+          <a:lstStyle>
+            <a:lvl1pPr algn="l" defTabSz="914400" rtl="0" eaLnBrk="1" latinLnBrk="0" hangingPunct="1">
+              <a:lnSpc>
+                <a:spcPct val="90000"/>
+              </a:lnSpc>
+              <a:spcBef>
+                <a:spcPct val="0"/>
+              </a:spcBef>
+              <a:buNone/>
+              <a:defRPr sz="4400" kern="1200">
+                <a:solidFill>
+                  <a:schemeClr val="tx1"/>
+                </a:solidFill>
+                <a:latin typeface="+mj-lt"/>
+                <a:ea typeface="+mj-ea"/>
+                <a:cs typeface="+mj-cs"/>
+              </a:defRPr>
+            </a:lvl1pPr>
+          </a:lstStyle>
+          <a:p>
+            <a:pPr algn="ctr"/>
+            <a:r>
+              <a:rPr lang="pt-BR" sz="2800" b="1" dirty="0" smtClean="0"/>
+              <a:t>Tecnologias Docker</a:t>
+            </a:r>
+            <a:endParaRPr lang="pt-BR" sz="2800" b="1" dirty="0"/>
+          </a:p>
+        </p:txBody>
+      </p:sp>
+      <p:sp>
+        <p:nvSpPr>
+          <p:cNvPr id="5" name="Espaço Reservado para Conteúdo 5"/>
+          <p:cNvSpPr txBox="1">
+            <a:spLocks/>
+          </p:cNvSpPr>
+          <p:nvPr/>
+        </p:nvSpPr>
+        <p:spPr>
+          <a:xfrm>
+            <a:off x="504450" y="1084496"/>
+            <a:ext cx="11421938" cy="3317687"/>
+          </a:xfrm>
+          <a:prstGeom prst="rect">
+            <a:avLst/>
+          </a:prstGeom>
+        </p:spPr>
+        <p:txBody>
+          <a:bodyPr vert="horz" lIns="91440" tIns="45720" rIns="91440" bIns="45720" rtlCol="0">
+            <a:normAutofit/>
+          </a:bodyPr>
+          <a:lstStyle>
+            <a:lvl1pPr marL="228600" indent="-228600" algn="l" defTabSz="914400" rtl="0" eaLnBrk="1" latinLnBrk="0" hangingPunct="1">
+              <a:lnSpc>
+                <a:spcPct val="90000"/>
+              </a:lnSpc>
+              <a:spcBef>
+                <a:spcPts val="1000"/>
+              </a:spcBef>
+              <a:buFont typeface="Arial" panose="020B0604020202020204" pitchFamily="34" charset="0"/>
+              <a:buChar char="•"/>
+              <a:defRPr sz="2800" kern="1200">
+                <a:solidFill>
+                  <a:schemeClr val="tx1"/>
+                </a:solidFill>
+                <a:latin typeface="+mn-lt"/>
+                <a:ea typeface="+mn-ea"/>
+                <a:cs typeface="+mn-cs"/>
+              </a:defRPr>
+            </a:lvl1pPr>
+            <a:lvl2pPr marL="685800" indent="-228600" algn="l" defTabSz="914400" rtl="0" eaLnBrk="1" latinLnBrk="0" hangingPunct="1">
+              <a:lnSpc>
+                <a:spcPct val="90000"/>
+              </a:lnSpc>
+              <a:spcBef>
+                <a:spcPts val="500"/>
+              </a:spcBef>
+              <a:buFont typeface="Arial" panose="020B0604020202020204" pitchFamily="34" charset="0"/>
+              <a:buChar char="•"/>
+              <a:defRPr sz="2400" kern="1200">
+                <a:solidFill>
+                  <a:schemeClr val="tx1"/>
+                </a:solidFill>
+                <a:latin typeface="+mn-lt"/>
+                <a:ea typeface="+mn-ea"/>
+                <a:cs typeface="+mn-cs"/>
+              </a:defRPr>
+            </a:lvl2pPr>
+            <a:lvl3pPr marL="1143000" indent="-228600" algn="l" defTabSz="914400" rtl="0" eaLnBrk="1" latinLnBrk="0" hangingPunct="1">
+              <a:lnSpc>
+                <a:spcPct val="90000"/>
+              </a:lnSpc>
+              <a:spcBef>
+                <a:spcPts val="500"/>
+              </a:spcBef>
+              <a:buFont typeface="Arial" panose="020B0604020202020204" pitchFamily="34" charset="0"/>
+              <a:buChar char="•"/>
+              <a:defRPr sz="2000" kern="1200">
+                <a:solidFill>
+                  <a:schemeClr val="tx1"/>
+                </a:solidFill>
+                <a:latin typeface="+mn-lt"/>
+                <a:ea typeface="+mn-ea"/>
+                <a:cs typeface="+mn-cs"/>
+              </a:defRPr>
+            </a:lvl3pPr>
+            <a:lvl4pPr marL="1600200" indent="-228600" algn="l" defTabSz="914400" rtl="0" eaLnBrk="1" latinLnBrk="0" hangingPunct="1">
+              <a:lnSpc>
+                <a:spcPct val="90000"/>
+              </a:lnSpc>
+              <a:spcBef>
+                <a:spcPts val="500"/>
+              </a:spcBef>
+              <a:buFont typeface="Arial" panose="020B0604020202020204" pitchFamily="34" charset="0"/>
+              <a:buChar char="•"/>
+              <a:defRPr sz="1800" kern="1200">
+                <a:solidFill>
+                  <a:schemeClr val="tx1"/>
+                </a:solidFill>
+                <a:latin typeface="+mn-lt"/>
+                <a:ea typeface="+mn-ea"/>
+                <a:cs typeface="+mn-cs"/>
+              </a:defRPr>
+            </a:lvl4pPr>
+            <a:lvl5pPr marL="2057400" indent="-228600" algn="l" defTabSz="914400" rtl="0" eaLnBrk="1" latinLnBrk="0" hangingPunct="1">
+              <a:lnSpc>
+                <a:spcPct val="90000"/>
+              </a:lnSpc>
+              <a:spcBef>
+                <a:spcPts val="500"/>
+              </a:spcBef>
+              <a:buFont typeface="Arial" panose="020B0604020202020204" pitchFamily="34" charset="0"/>
+              <a:buChar char="•"/>
+              <a:defRPr sz="1800" kern="1200">
+                <a:solidFill>
+                  <a:schemeClr val="tx1"/>
+                </a:solidFill>
+                <a:latin typeface="+mn-lt"/>
+                <a:ea typeface="+mn-ea"/>
+                <a:cs typeface="+mn-cs"/>
+              </a:defRPr>
+            </a:lvl5pPr>
+            <a:lvl6pPr marL="2514600" indent="-228600" algn="l" defTabSz="914400" rtl="0" eaLnBrk="1" latinLnBrk="0" hangingPunct="1">
+              <a:lnSpc>
+                <a:spcPct val="90000"/>
+              </a:lnSpc>
+              <a:spcBef>
+                <a:spcPts val="500"/>
+              </a:spcBef>
+              <a:buFont typeface="Arial" panose="020B0604020202020204" pitchFamily="34" charset="0"/>
+              <a:buChar char="•"/>
+              <a:defRPr sz="1800" kern="1200">
+                <a:solidFill>
+                  <a:schemeClr val="tx1"/>
+                </a:solidFill>
+                <a:latin typeface="+mn-lt"/>
+                <a:ea typeface="+mn-ea"/>
+                <a:cs typeface="+mn-cs"/>
+              </a:defRPr>
+            </a:lvl6pPr>
+            <a:lvl7pPr marL="2971800" indent="-228600" algn="l" defTabSz="914400" rtl="0" eaLnBrk="1" latinLnBrk="0" hangingPunct="1">
+              <a:lnSpc>
+                <a:spcPct val="90000"/>
+              </a:lnSpc>
+              <a:spcBef>
+                <a:spcPts val="500"/>
+              </a:spcBef>
+              <a:buFont typeface="Arial" panose="020B0604020202020204" pitchFamily="34" charset="0"/>
+              <a:buChar char="•"/>
+              <a:defRPr sz="1800" kern="1200">
+                <a:solidFill>
+                  <a:schemeClr val="tx1"/>
+                </a:solidFill>
+                <a:latin typeface="+mn-lt"/>
+                <a:ea typeface="+mn-ea"/>
+                <a:cs typeface="+mn-cs"/>
+              </a:defRPr>
+            </a:lvl7pPr>
+            <a:lvl8pPr marL="3429000" indent="-228600" algn="l" defTabSz="914400" rtl="0" eaLnBrk="1" latinLnBrk="0" hangingPunct="1">
+              <a:lnSpc>
+                <a:spcPct val="90000"/>
+              </a:lnSpc>
+              <a:spcBef>
+                <a:spcPts val="500"/>
+              </a:spcBef>
+              <a:buFont typeface="Arial" panose="020B0604020202020204" pitchFamily="34" charset="0"/>
+              <a:buChar char="•"/>
+              <a:defRPr sz="1800" kern="1200">
+                <a:solidFill>
+                  <a:schemeClr val="tx1"/>
+                </a:solidFill>
+                <a:latin typeface="+mn-lt"/>
+                <a:ea typeface="+mn-ea"/>
+                <a:cs typeface="+mn-cs"/>
+              </a:defRPr>
+            </a:lvl8pPr>
+            <a:lvl9pPr marL="3886200" indent="-228600" algn="l" defTabSz="914400" rtl="0" eaLnBrk="1" latinLnBrk="0" hangingPunct="1">
+              <a:lnSpc>
+                <a:spcPct val="90000"/>
+              </a:lnSpc>
+              <a:spcBef>
+                <a:spcPts val="500"/>
+              </a:spcBef>
+              <a:buFont typeface="Arial" panose="020B0604020202020204" pitchFamily="34" charset="0"/>
+              <a:buChar char="•"/>
+              <a:defRPr sz="1800" kern="1200">
+                <a:solidFill>
+                  <a:schemeClr val="tx1"/>
+                </a:solidFill>
+                <a:latin typeface="+mn-lt"/>
+                <a:ea typeface="+mn-ea"/>
+                <a:cs typeface="+mn-cs"/>
+              </a:defRPr>
+            </a:lvl9pPr>
+          </a:lstStyle>
+          <a:p>
+            <a:r>
+              <a:rPr lang="pt-BR" sz="2000" b="1" dirty="0" smtClean="0"/>
+              <a:t>Docker </a:t>
+            </a:r>
+            <a:r>
+              <a:rPr lang="pt-BR" sz="2000" b="1" dirty="0" err="1" smtClean="0"/>
+              <a:t>Compose</a:t>
+            </a:r>
+            <a:r>
+              <a:rPr lang="pt-BR" sz="2000" b="1" dirty="0" smtClean="0"/>
+              <a:t> –</a:t>
+            </a:r>
+            <a:r>
+              <a:rPr lang="pt-BR" sz="2000" dirty="0" smtClean="0"/>
+              <a:t> uma forma simples de orquestrar múltiplos containers.</a:t>
+            </a:r>
+          </a:p>
+          <a:p>
+            <a:endParaRPr lang="pt-BR" sz="2000" b="1" dirty="0" smtClean="0"/>
+          </a:p>
+          <a:p>
+            <a:r>
+              <a:rPr lang="pt-BR" sz="2000" b="1" dirty="0" smtClean="0"/>
+              <a:t>Docker </a:t>
+            </a:r>
+            <a:r>
+              <a:rPr lang="pt-BR" sz="2000" b="1" dirty="0" err="1" smtClean="0"/>
+              <a:t>Swarm</a:t>
+            </a:r>
+            <a:r>
+              <a:rPr lang="pt-BR" sz="2000" b="1" dirty="0" smtClean="0"/>
+              <a:t> </a:t>
+            </a:r>
+            <a:r>
+              <a:rPr lang="pt-BR" sz="2000" b="1" dirty="0"/>
+              <a:t>–</a:t>
+            </a:r>
+            <a:r>
+              <a:rPr lang="pt-BR" sz="2000" dirty="0"/>
+              <a:t> </a:t>
+            </a:r>
+            <a:r>
+              <a:rPr lang="pt-BR" sz="2000" dirty="0" smtClean="0"/>
+              <a:t>uma ferramenta para colocar múltiplos </a:t>
+            </a:r>
+            <a:r>
+              <a:rPr lang="pt-BR" sz="2000" dirty="0" err="1" smtClean="0"/>
+              <a:t>docker</a:t>
+            </a:r>
+            <a:r>
+              <a:rPr lang="pt-BR" sz="2000" dirty="0" smtClean="0"/>
+              <a:t> </a:t>
+            </a:r>
+            <a:r>
+              <a:rPr lang="pt-BR" sz="2000" dirty="0" err="1" smtClean="0"/>
+              <a:t>engines</a:t>
+            </a:r>
+            <a:r>
+              <a:rPr lang="pt-BR" sz="2000" dirty="0" smtClean="0"/>
+              <a:t> para funcionarem juntos num cluster.</a:t>
+            </a:r>
+          </a:p>
+          <a:p>
+            <a:endParaRPr lang="pt-BR" sz="2000" b="1" dirty="0" smtClean="0"/>
+          </a:p>
+          <a:p>
+            <a:r>
+              <a:rPr lang="pt-BR" sz="2000" b="1" dirty="0" smtClean="0"/>
+              <a:t>Docker Hub </a:t>
+            </a:r>
+            <a:r>
+              <a:rPr lang="pt-BR" sz="2000" b="1" dirty="0"/>
+              <a:t>–</a:t>
+            </a:r>
+            <a:r>
+              <a:rPr lang="pt-BR" sz="2000" dirty="0"/>
+              <a:t> </a:t>
+            </a:r>
+            <a:r>
+              <a:rPr lang="pt-BR" sz="2000" dirty="0" smtClean="0"/>
+              <a:t>um repositório com mais de 250 mil imagens diferentes para os nossos containers.</a:t>
+            </a:r>
+            <a:endParaRPr lang="pt-BR" sz="2000" dirty="0"/>
+          </a:p>
+          <a:p>
+            <a:endParaRPr lang="pt-BR" sz="2000" dirty="0"/>
+          </a:p>
+          <a:p>
+            <a:r>
+              <a:rPr lang="pt-BR" sz="2000" b="1" dirty="0"/>
+              <a:t>Docker </a:t>
+            </a:r>
+            <a:r>
+              <a:rPr lang="pt-BR" sz="2000" b="1" dirty="0" err="1" smtClean="0"/>
+              <a:t>Machine</a:t>
+            </a:r>
+            <a:r>
+              <a:rPr lang="pt-BR" sz="2000" b="1" dirty="0" smtClean="0"/>
+              <a:t> </a:t>
+            </a:r>
+            <a:r>
+              <a:rPr lang="pt-BR" sz="2000" b="1" dirty="0"/>
+              <a:t>–</a:t>
+            </a:r>
+            <a:r>
+              <a:rPr lang="pt-BR" sz="2000" dirty="0"/>
+              <a:t> </a:t>
+            </a:r>
+            <a:r>
+              <a:rPr lang="pt-BR" sz="2000" dirty="0" smtClean="0"/>
+              <a:t>uma ferramenta que nos permite gerenciar o Docker num Host Virtual.</a:t>
+            </a:r>
+          </a:p>
+          <a:p>
+            <a:endParaRPr lang="pt-BR" sz="2000" dirty="0"/>
+          </a:p>
+        </p:txBody>
+      </p:sp>
+      <p:sp>
+        <p:nvSpPr>
+          <p:cNvPr id="8" name="Espaço Reservado para Conteúdo 5"/>
+          <p:cNvSpPr txBox="1">
+            <a:spLocks/>
+          </p:cNvSpPr>
+          <p:nvPr/>
+        </p:nvSpPr>
+        <p:spPr>
+          <a:xfrm>
+            <a:off x="504450" y="4729033"/>
+            <a:ext cx="11134556" cy="1671768"/>
+          </a:xfrm>
+          <a:prstGeom prst="rect">
+            <a:avLst/>
+          </a:prstGeom>
+        </p:spPr>
+        <p:txBody>
+          <a:bodyPr vert="horz" lIns="91440" tIns="45720" rIns="91440" bIns="45720" rtlCol="0">
+            <a:normAutofit/>
+          </a:bodyPr>
+          <a:lstStyle>
+            <a:lvl1pPr marL="228600" indent="-228600" algn="l" defTabSz="914400" rtl="0" eaLnBrk="1" latinLnBrk="0" hangingPunct="1">
+              <a:lnSpc>
+                <a:spcPct val="90000"/>
+              </a:lnSpc>
+              <a:spcBef>
+                <a:spcPts val="1000"/>
+              </a:spcBef>
+              <a:buFont typeface="Arial" panose="020B0604020202020204" pitchFamily="34" charset="0"/>
+              <a:buChar char="•"/>
+              <a:defRPr sz="2800" kern="1200">
+                <a:solidFill>
+                  <a:schemeClr val="tx1"/>
+                </a:solidFill>
+                <a:latin typeface="+mn-lt"/>
+                <a:ea typeface="+mn-ea"/>
+                <a:cs typeface="+mn-cs"/>
+              </a:defRPr>
+            </a:lvl1pPr>
+            <a:lvl2pPr marL="685800" indent="-228600" algn="l" defTabSz="914400" rtl="0" eaLnBrk="1" latinLnBrk="0" hangingPunct="1">
+              <a:lnSpc>
+                <a:spcPct val="90000"/>
+              </a:lnSpc>
+              <a:spcBef>
+                <a:spcPts val="500"/>
+              </a:spcBef>
+              <a:buFont typeface="Arial" panose="020B0604020202020204" pitchFamily="34" charset="0"/>
+              <a:buChar char="•"/>
+              <a:defRPr sz="2400" kern="1200">
+                <a:solidFill>
+                  <a:schemeClr val="tx1"/>
+                </a:solidFill>
+                <a:latin typeface="+mn-lt"/>
+                <a:ea typeface="+mn-ea"/>
+                <a:cs typeface="+mn-cs"/>
+              </a:defRPr>
+            </a:lvl2pPr>
+            <a:lvl3pPr marL="1143000" indent="-228600" algn="l" defTabSz="914400" rtl="0" eaLnBrk="1" latinLnBrk="0" hangingPunct="1">
+              <a:lnSpc>
+                <a:spcPct val="90000"/>
+              </a:lnSpc>
+              <a:spcBef>
+                <a:spcPts val="500"/>
+              </a:spcBef>
+              <a:buFont typeface="Arial" panose="020B0604020202020204" pitchFamily="34" charset="0"/>
+              <a:buChar char="•"/>
+              <a:defRPr sz="2000" kern="1200">
+                <a:solidFill>
+                  <a:schemeClr val="tx1"/>
+                </a:solidFill>
+                <a:latin typeface="+mn-lt"/>
+                <a:ea typeface="+mn-ea"/>
+                <a:cs typeface="+mn-cs"/>
+              </a:defRPr>
+            </a:lvl3pPr>
+            <a:lvl4pPr marL="1600200" indent="-228600" algn="l" defTabSz="914400" rtl="0" eaLnBrk="1" latinLnBrk="0" hangingPunct="1">
+              <a:lnSpc>
+                <a:spcPct val="90000"/>
+              </a:lnSpc>
+              <a:spcBef>
+                <a:spcPts val="500"/>
+              </a:spcBef>
+              <a:buFont typeface="Arial" panose="020B0604020202020204" pitchFamily="34" charset="0"/>
+              <a:buChar char="•"/>
+              <a:defRPr sz="1800" kern="1200">
+                <a:solidFill>
+                  <a:schemeClr val="tx1"/>
+                </a:solidFill>
+                <a:latin typeface="+mn-lt"/>
+                <a:ea typeface="+mn-ea"/>
+                <a:cs typeface="+mn-cs"/>
+              </a:defRPr>
+            </a:lvl4pPr>
+            <a:lvl5pPr marL="2057400" indent="-228600" algn="l" defTabSz="914400" rtl="0" eaLnBrk="1" latinLnBrk="0" hangingPunct="1">
+              <a:lnSpc>
+                <a:spcPct val="90000"/>
+              </a:lnSpc>
+              <a:spcBef>
+                <a:spcPts val="500"/>
+              </a:spcBef>
+              <a:buFont typeface="Arial" panose="020B0604020202020204" pitchFamily="34" charset="0"/>
+              <a:buChar char="•"/>
+              <a:defRPr sz="1800" kern="1200">
+                <a:solidFill>
+                  <a:schemeClr val="tx1"/>
+                </a:solidFill>
+                <a:latin typeface="+mn-lt"/>
+                <a:ea typeface="+mn-ea"/>
+                <a:cs typeface="+mn-cs"/>
+              </a:defRPr>
+            </a:lvl5pPr>
+            <a:lvl6pPr marL="2514600" indent="-228600" algn="l" defTabSz="914400" rtl="0" eaLnBrk="1" latinLnBrk="0" hangingPunct="1">
+              <a:lnSpc>
+                <a:spcPct val="90000"/>
+              </a:lnSpc>
+              <a:spcBef>
+                <a:spcPts val="500"/>
+              </a:spcBef>
+              <a:buFont typeface="Arial" panose="020B0604020202020204" pitchFamily="34" charset="0"/>
+              <a:buChar char="•"/>
+              <a:defRPr sz="1800" kern="1200">
+                <a:solidFill>
+                  <a:schemeClr val="tx1"/>
+                </a:solidFill>
+                <a:latin typeface="+mn-lt"/>
+                <a:ea typeface="+mn-ea"/>
+                <a:cs typeface="+mn-cs"/>
+              </a:defRPr>
+            </a:lvl6pPr>
+            <a:lvl7pPr marL="2971800" indent="-228600" algn="l" defTabSz="914400" rtl="0" eaLnBrk="1" latinLnBrk="0" hangingPunct="1">
+              <a:lnSpc>
+                <a:spcPct val="90000"/>
+              </a:lnSpc>
+              <a:spcBef>
+                <a:spcPts val="500"/>
+              </a:spcBef>
+              <a:buFont typeface="Arial" panose="020B0604020202020204" pitchFamily="34" charset="0"/>
+              <a:buChar char="•"/>
+              <a:defRPr sz="1800" kern="1200">
+                <a:solidFill>
+                  <a:schemeClr val="tx1"/>
+                </a:solidFill>
+                <a:latin typeface="+mn-lt"/>
+                <a:ea typeface="+mn-ea"/>
+                <a:cs typeface="+mn-cs"/>
+              </a:defRPr>
+            </a:lvl7pPr>
+            <a:lvl8pPr marL="3429000" indent="-228600" algn="l" defTabSz="914400" rtl="0" eaLnBrk="1" latinLnBrk="0" hangingPunct="1">
+              <a:lnSpc>
+                <a:spcPct val="90000"/>
+              </a:lnSpc>
+              <a:spcBef>
+                <a:spcPts val="500"/>
+              </a:spcBef>
+              <a:buFont typeface="Arial" panose="020B0604020202020204" pitchFamily="34" charset="0"/>
+              <a:buChar char="•"/>
+              <a:defRPr sz="1800" kern="1200">
+                <a:solidFill>
+                  <a:schemeClr val="tx1"/>
+                </a:solidFill>
+                <a:latin typeface="+mn-lt"/>
+                <a:ea typeface="+mn-ea"/>
+                <a:cs typeface="+mn-cs"/>
+              </a:defRPr>
+            </a:lvl8pPr>
+            <a:lvl9pPr marL="3886200" indent="-228600" algn="l" defTabSz="914400" rtl="0" eaLnBrk="1" latinLnBrk="0" hangingPunct="1">
+              <a:lnSpc>
+                <a:spcPct val="90000"/>
+              </a:lnSpc>
+              <a:spcBef>
+                <a:spcPts val="500"/>
+              </a:spcBef>
+              <a:buFont typeface="Arial" panose="020B0604020202020204" pitchFamily="34" charset="0"/>
+              <a:buChar char="•"/>
+              <a:defRPr sz="1800" kern="1200">
+                <a:solidFill>
+                  <a:schemeClr val="tx1"/>
+                </a:solidFill>
+                <a:latin typeface="+mn-lt"/>
+                <a:ea typeface="+mn-ea"/>
+                <a:cs typeface="+mn-cs"/>
+              </a:defRPr>
+            </a:lvl9pPr>
+          </a:lstStyle>
+          <a:p>
+            <a:endParaRPr lang="pt-BR" sz="2000" dirty="0"/>
+          </a:p>
+        </p:txBody>
+      </p:sp>
+      <p:sp>
+        <p:nvSpPr>
+          <p:cNvPr id="7" name="Retângulo 6"/>
+          <p:cNvSpPr/>
+          <p:nvPr/>
+        </p:nvSpPr>
+        <p:spPr>
+          <a:xfrm>
+            <a:off x="1898468" y="4964752"/>
+            <a:ext cx="7820297" cy="1323439"/>
+          </a:xfrm>
+          <a:prstGeom prst="rect">
+            <a:avLst/>
+          </a:prstGeom>
+        </p:spPr>
+        <p:txBody>
+          <a:bodyPr wrap="square">
+            <a:spAutoFit/>
+          </a:bodyPr>
+          <a:lstStyle/>
+          <a:p>
+            <a:endParaRPr lang="pt-BR" sz="2000" b="1" i="1" u="sng" dirty="0">
+              <a:effectLst>
+                <a:outerShdw blurRad="38100" dist="38100" dir="2700000" algn="tl">
+                  <a:srgbClr val="000000">
+                    <a:alpha val="43137"/>
+                  </a:srgbClr>
+                </a:outerShdw>
+              </a:effectLst>
+            </a:endParaRPr>
+          </a:p>
+          <a:p>
+            <a:r>
+              <a:rPr lang="pt-BR" sz="2000" b="1" i="1" u="sng" dirty="0">
+                <a:effectLst>
+                  <a:outerShdw blurRad="38100" dist="38100" dir="2700000" algn="tl">
+                    <a:srgbClr val="000000">
+                      <a:alpha val="43137"/>
+                    </a:srgbClr>
+                  </a:outerShdw>
+                </a:effectLst>
+              </a:rPr>
+              <a:t>O Docker é uma ferramenta Open </a:t>
+            </a:r>
+            <a:r>
+              <a:rPr lang="pt-BR" sz="2000" b="1" i="1" u="sng" dirty="0" err="1">
+                <a:effectLst>
+                  <a:outerShdw blurRad="38100" dist="38100" dir="2700000" algn="tl">
+                    <a:srgbClr val="000000">
+                      <a:alpha val="43137"/>
+                    </a:srgbClr>
+                  </a:outerShdw>
+                </a:effectLst>
+              </a:rPr>
+              <a:t>Source</a:t>
+            </a:r>
+            <a:r>
+              <a:rPr lang="pt-BR" sz="2000" b="1" i="1" u="sng" dirty="0">
+                <a:effectLst>
+                  <a:outerShdw blurRad="38100" dist="38100" dir="2700000" algn="tl">
+                    <a:srgbClr val="000000">
+                      <a:alpha val="43137"/>
+                    </a:srgbClr>
+                  </a:outerShdw>
+                </a:effectLst>
+              </a:rPr>
+              <a:t> mantida pela Docker, Inc.</a:t>
+            </a:r>
+          </a:p>
+          <a:p>
+            <a:endParaRPr lang="pt-BR" sz="2000" b="1" i="1" u="sng" dirty="0">
+              <a:effectLst>
+                <a:outerShdw blurRad="38100" dist="38100" dir="2700000" algn="tl">
+                  <a:srgbClr val="000000">
+                    <a:alpha val="43137"/>
+                  </a:srgbClr>
+                </a:outerShdw>
+              </a:effectLst>
+            </a:endParaRPr>
+          </a:p>
+          <a:p>
+            <a:endParaRPr lang="pt-BR" sz="2000" b="1" i="1" u="sng" dirty="0">
+              <a:effectLst>
+                <a:outerShdw blurRad="38100" dist="38100" dir="2700000" algn="tl">
+                  <a:srgbClr val="000000">
+                    <a:alpha val="43137"/>
+                  </a:srgbClr>
+                </a:outerShdw>
+              </a:effectLst>
+            </a:endParaRPr>
           </a:p>
         </p:txBody>
       </p:sp>
     </p:spTree>
     <p:extLst>
       <p:ext uri="{BB962C8B-B14F-4D97-AF65-F5344CB8AC3E}">
-        <p14:creationId xmlns:p14="http://schemas.microsoft.com/office/powerpoint/2010/main" val="1965684712"/>
+        <p14:creationId xmlns:p14="http://schemas.microsoft.com/office/powerpoint/2010/main" val="3918615256"/>
       </p:ext>
     </p:extLst>
   </p:cSld>
@@ -4567,46 +5615,441 @@
       </p:grpSpPr>
       <p:sp>
         <p:nvSpPr>
-          <p:cNvPr id="2" name="Título 1"/>
-          <p:cNvSpPr>
-            <a:spLocks noGrp="1"/>
-          </p:cNvSpPr>
-          <p:nvPr>
-            <p:ph type="title"/>
-          </p:nvPr>
-        </p:nvSpPr>
-        <p:spPr/>
-        <p:txBody>
-          <a:bodyPr/>
-          <a:lstStyle/>
-          <a:p>
-            <a:endParaRPr lang="pt-BR"/>
-          </a:p>
-        </p:txBody>
-      </p:sp>
-      <p:sp>
-        <p:nvSpPr>
-          <p:cNvPr id="3" name="Espaço Reservado para Conteúdo 2"/>
-          <p:cNvSpPr>
-            <a:spLocks noGrp="1"/>
-          </p:cNvSpPr>
-          <p:nvPr>
-            <p:ph idx="1"/>
-          </p:nvPr>
-        </p:nvSpPr>
-        <p:spPr/>
-        <p:txBody>
-          <a:bodyPr/>
-          <a:lstStyle/>
-          <a:p>
-            <a:endParaRPr lang="pt-BR"/>
+          <p:cNvPr id="4" name="Título 1"/>
+          <p:cNvSpPr txBox="1">
+            <a:spLocks/>
+          </p:cNvSpPr>
+          <p:nvPr/>
+        </p:nvSpPr>
+        <p:spPr>
+          <a:xfrm>
+            <a:off x="125627" y="115678"/>
+            <a:ext cx="11800761" cy="549275"/>
+          </a:xfrm>
+          <a:prstGeom prst="rect">
+            <a:avLst/>
+          </a:prstGeom>
+        </p:spPr>
+        <p:txBody>
+          <a:bodyPr vert="horz" lIns="91440" tIns="45720" rIns="91440" bIns="45720" rtlCol="0" anchor="ctr">
+            <a:normAutofit/>
+          </a:bodyPr>
+          <a:lstStyle>
+            <a:lvl1pPr algn="l" defTabSz="914400" rtl="0" eaLnBrk="1" latinLnBrk="0" hangingPunct="1">
+              <a:lnSpc>
+                <a:spcPct val="90000"/>
+              </a:lnSpc>
+              <a:spcBef>
+                <a:spcPct val="0"/>
+              </a:spcBef>
+              <a:buNone/>
+              <a:defRPr sz="4400" kern="1200">
+                <a:solidFill>
+                  <a:schemeClr val="tx1"/>
+                </a:solidFill>
+                <a:latin typeface="+mj-lt"/>
+                <a:ea typeface="+mj-ea"/>
+                <a:cs typeface="+mj-cs"/>
+              </a:defRPr>
+            </a:lvl1pPr>
+          </a:lstStyle>
+          <a:p>
+            <a:pPr algn="ctr"/>
+            <a:r>
+              <a:rPr lang="pt-BR" sz="2800" b="1" dirty="0" smtClean="0"/>
+              <a:t>XXXX</a:t>
+            </a:r>
+            <a:endParaRPr lang="pt-BR" sz="2800" b="1" dirty="0"/>
+          </a:p>
+        </p:txBody>
+      </p:sp>
+      <p:sp>
+        <p:nvSpPr>
+          <p:cNvPr id="5" name="Espaço Reservado para Conteúdo 5"/>
+          <p:cNvSpPr txBox="1">
+            <a:spLocks/>
+          </p:cNvSpPr>
+          <p:nvPr/>
+        </p:nvSpPr>
+        <p:spPr>
+          <a:xfrm>
+            <a:off x="504450" y="1084496"/>
+            <a:ext cx="11421938" cy="3317687"/>
+          </a:xfrm>
+          <a:prstGeom prst="rect">
+            <a:avLst/>
+          </a:prstGeom>
+        </p:spPr>
+        <p:txBody>
+          <a:bodyPr vert="horz" lIns="91440" tIns="45720" rIns="91440" bIns="45720" rtlCol="0">
+            <a:normAutofit/>
+          </a:bodyPr>
+          <a:lstStyle>
+            <a:lvl1pPr marL="228600" indent="-228600" algn="l" defTabSz="914400" rtl="0" eaLnBrk="1" latinLnBrk="0" hangingPunct="1">
+              <a:lnSpc>
+                <a:spcPct val="90000"/>
+              </a:lnSpc>
+              <a:spcBef>
+                <a:spcPts val="1000"/>
+              </a:spcBef>
+              <a:buFont typeface="Arial" panose="020B0604020202020204" pitchFamily="34" charset="0"/>
+              <a:buChar char="•"/>
+              <a:defRPr sz="2800" kern="1200">
+                <a:solidFill>
+                  <a:schemeClr val="tx1"/>
+                </a:solidFill>
+                <a:latin typeface="+mn-lt"/>
+                <a:ea typeface="+mn-ea"/>
+                <a:cs typeface="+mn-cs"/>
+              </a:defRPr>
+            </a:lvl1pPr>
+            <a:lvl2pPr marL="685800" indent="-228600" algn="l" defTabSz="914400" rtl="0" eaLnBrk="1" latinLnBrk="0" hangingPunct="1">
+              <a:lnSpc>
+                <a:spcPct val="90000"/>
+              </a:lnSpc>
+              <a:spcBef>
+                <a:spcPts val="500"/>
+              </a:spcBef>
+              <a:buFont typeface="Arial" panose="020B0604020202020204" pitchFamily="34" charset="0"/>
+              <a:buChar char="•"/>
+              <a:defRPr sz="2400" kern="1200">
+                <a:solidFill>
+                  <a:schemeClr val="tx1"/>
+                </a:solidFill>
+                <a:latin typeface="+mn-lt"/>
+                <a:ea typeface="+mn-ea"/>
+                <a:cs typeface="+mn-cs"/>
+              </a:defRPr>
+            </a:lvl2pPr>
+            <a:lvl3pPr marL="1143000" indent="-228600" algn="l" defTabSz="914400" rtl="0" eaLnBrk="1" latinLnBrk="0" hangingPunct="1">
+              <a:lnSpc>
+                <a:spcPct val="90000"/>
+              </a:lnSpc>
+              <a:spcBef>
+                <a:spcPts val="500"/>
+              </a:spcBef>
+              <a:buFont typeface="Arial" panose="020B0604020202020204" pitchFamily="34" charset="0"/>
+              <a:buChar char="•"/>
+              <a:defRPr sz="2000" kern="1200">
+                <a:solidFill>
+                  <a:schemeClr val="tx1"/>
+                </a:solidFill>
+                <a:latin typeface="+mn-lt"/>
+                <a:ea typeface="+mn-ea"/>
+                <a:cs typeface="+mn-cs"/>
+              </a:defRPr>
+            </a:lvl3pPr>
+            <a:lvl4pPr marL="1600200" indent="-228600" algn="l" defTabSz="914400" rtl="0" eaLnBrk="1" latinLnBrk="0" hangingPunct="1">
+              <a:lnSpc>
+                <a:spcPct val="90000"/>
+              </a:lnSpc>
+              <a:spcBef>
+                <a:spcPts val="500"/>
+              </a:spcBef>
+              <a:buFont typeface="Arial" panose="020B0604020202020204" pitchFamily="34" charset="0"/>
+              <a:buChar char="•"/>
+              <a:defRPr sz="1800" kern="1200">
+                <a:solidFill>
+                  <a:schemeClr val="tx1"/>
+                </a:solidFill>
+                <a:latin typeface="+mn-lt"/>
+                <a:ea typeface="+mn-ea"/>
+                <a:cs typeface="+mn-cs"/>
+              </a:defRPr>
+            </a:lvl4pPr>
+            <a:lvl5pPr marL="2057400" indent="-228600" algn="l" defTabSz="914400" rtl="0" eaLnBrk="1" latinLnBrk="0" hangingPunct="1">
+              <a:lnSpc>
+                <a:spcPct val="90000"/>
+              </a:lnSpc>
+              <a:spcBef>
+                <a:spcPts val="500"/>
+              </a:spcBef>
+              <a:buFont typeface="Arial" panose="020B0604020202020204" pitchFamily="34" charset="0"/>
+              <a:buChar char="•"/>
+              <a:defRPr sz="1800" kern="1200">
+                <a:solidFill>
+                  <a:schemeClr val="tx1"/>
+                </a:solidFill>
+                <a:latin typeface="+mn-lt"/>
+                <a:ea typeface="+mn-ea"/>
+                <a:cs typeface="+mn-cs"/>
+              </a:defRPr>
+            </a:lvl5pPr>
+            <a:lvl6pPr marL="2514600" indent="-228600" algn="l" defTabSz="914400" rtl="0" eaLnBrk="1" latinLnBrk="0" hangingPunct="1">
+              <a:lnSpc>
+                <a:spcPct val="90000"/>
+              </a:lnSpc>
+              <a:spcBef>
+                <a:spcPts val="500"/>
+              </a:spcBef>
+              <a:buFont typeface="Arial" panose="020B0604020202020204" pitchFamily="34" charset="0"/>
+              <a:buChar char="•"/>
+              <a:defRPr sz="1800" kern="1200">
+                <a:solidFill>
+                  <a:schemeClr val="tx1"/>
+                </a:solidFill>
+                <a:latin typeface="+mn-lt"/>
+                <a:ea typeface="+mn-ea"/>
+                <a:cs typeface="+mn-cs"/>
+              </a:defRPr>
+            </a:lvl6pPr>
+            <a:lvl7pPr marL="2971800" indent="-228600" algn="l" defTabSz="914400" rtl="0" eaLnBrk="1" latinLnBrk="0" hangingPunct="1">
+              <a:lnSpc>
+                <a:spcPct val="90000"/>
+              </a:lnSpc>
+              <a:spcBef>
+                <a:spcPts val="500"/>
+              </a:spcBef>
+              <a:buFont typeface="Arial" panose="020B0604020202020204" pitchFamily="34" charset="0"/>
+              <a:buChar char="•"/>
+              <a:defRPr sz="1800" kern="1200">
+                <a:solidFill>
+                  <a:schemeClr val="tx1"/>
+                </a:solidFill>
+                <a:latin typeface="+mn-lt"/>
+                <a:ea typeface="+mn-ea"/>
+                <a:cs typeface="+mn-cs"/>
+              </a:defRPr>
+            </a:lvl7pPr>
+            <a:lvl8pPr marL="3429000" indent="-228600" algn="l" defTabSz="914400" rtl="0" eaLnBrk="1" latinLnBrk="0" hangingPunct="1">
+              <a:lnSpc>
+                <a:spcPct val="90000"/>
+              </a:lnSpc>
+              <a:spcBef>
+                <a:spcPts val="500"/>
+              </a:spcBef>
+              <a:buFont typeface="Arial" panose="020B0604020202020204" pitchFamily="34" charset="0"/>
+              <a:buChar char="•"/>
+              <a:defRPr sz="1800" kern="1200">
+                <a:solidFill>
+                  <a:schemeClr val="tx1"/>
+                </a:solidFill>
+                <a:latin typeface="+mn-lt"/>
+                <a:ea typeface="+mn-ea"/>
+                <a:cs typeface="+mn-cs"/>
+              </a:defRPr>
+            </a:lvl8pPr>
+            <a:lvl9pPr marL="3886200" indent="-228600" algn="l" defTabSz="914400" rtl="0" eaLnBrk="1" latinLnBrk="0" hangingPunct="1">
+              <a:lnSpc>
+                <a:spcPct val="90000"/>
+              </a:lnSpc>
+              <a:spcBef>
+                <a:spcPts val="500"/>
+              </a:spcBef>
+              <a:buFont typeface="Arial" panose="020B0604020202020204" pitchFamily="34" charset="0"/>
+              <a:buChar char="•"/>
+              <a:defRPr sz="1800" kern="1200">
+                <a:solidFill>
+                  <a:schemeClr val="tx1"/>
+                </a:solidFill>
+                <a:latin typeface="+mn-lt"/>
+                <a:ea typeface="+mn-ea"/>
+                <a:cs typeface="+mn-cs"/>
+              </a:defRPr>
+            </a:lvl9pPr>
+          </a:lstStyle>
+          <a:p>
+            <a:pPr marL="0" indent="0">
+              <a:buNone/>
+            </a:pPr>
+            <a:endParaRPr lang="pt-BR" sz="2000" dirty="0"/>
+          </a:p>
+        </p:txBody>
+      </p:sp>
+      <p:sp>
+        <p:nvSpPr>
+          <p:cNvPr id="8" name="Espaço Reservado para Conteúdo 5"/>
+          <p:cNvSpPr txBox="1">
+            <a:spLocks/>
+          </p:cNvSpPr>
+          <p:nvPr/>
+        </p:nvSpPr>
+        <p:spPr>
+          <a:xfrm>
+            <a:off x="504450" y="4729033"/>
+            <a:ext cx="11134556" cy="1671768"/>
+          </a:xfrm>
+          <a:prstGeom prst="rect">
+            <a:avLst/>
+          </a:prstGeom>
+        </p:spPr>
+        <p:txBody>
+          <a:bodyPr vert="horz" lIns="91440" tIns="45720" rIns="91440" bIns="45720" rtlCol="0">
+            <a:normAutofit/>
+          </a:bodyPr>
+          <a:lstStyle>
+            <a:lvl1pPr marL="228600" indent="-228600" algn="l" defTabSz="914400" rtl="0" eaLnBrk="1" latinLnBrk="0" hangingPunct="1">
+              <a:lnSpc>
+                <a:spcPct val="90000"/>
+              </a:lnSpc>
+              <a:spcBef>
+                <a:spcPts val="1000"/>
+              </a:spcBef>
+              <a:buFont typeface="Arial" panose="020B0604020202020204" pitchFamily="34" charset="0"/>
+              <a:buChar char="•"/>
+              <a:defRPr sz="2800" kern="1200">
+                <a:solidFill>
+                  <a:schemeClr val="tx1"/>
+                </a:solidFill>
+                <a:latin typeface="+mn-lt"/>
+                <a:ea typeface="+mn-ea"/>
+                <a:cs typeface="+mn-cs"/>
+              </a:defRPr>
+            </a:lvl1pPr>
+            <a:lvl2pPr marL="685800" indent="-228600" algn="l" defTabSz="914400" rtl="0" eaLnBrk="1" latinLnBrk="0" hangingPunct="1">
+              <a:lnSpc>
+                <a:spcPct val="90000"/>
+              </a:lnSpc>
+              <a:spcBef>
+                <a:spcPts val="500"/>
+              </a:spcBef>
+              <a:buFont typeface="Arial" panose="020B0604020202020204" pitchFamily="34" charset="0"/>
+              <a:buChar char="•"/>
+              <a:defRPr sz="2400" kern="1200">
+                <a:solidFill>
+                  <a:schemeClr val="tx1"/>
+                </a:solidFill>
+                <a:latin typeface="+mn-lt"/>
+                <a:ea typeface="+mn-ea"/>
+                <a:cs typeface="+mn-cs"/>
+              </a:defRPr>
+            </a:lvl2pPr>
+            <a:lvl3pPr marL="1143000" indent="-228600" algn="l" defTabSz="914400" rtl="0" eaLnBrk="1" latinLnBrk="0" hangingPunct="1">
+              <a:lnSpc>
+                <a:spcPct val="90000"/>
+              </a:lnSpc>
+              <a:spcBef>
+                <a:spcPts val="500"/>
+              </a:spcBef>
+              <a:buFont typeface="Arial" panose="020B0604020202020204" pitchFamily="34" charset="0"/>
+              <a:buChar char="•"/>
+              <a:defRPr sz="2000" kern="1200">
+                <a:solidFill>
+                  <a:schemeClr val="tx1"/>
+                </a:solidFill>
+                <a:latin typeface="+mn-lt"/>
+                <a:ea typeface="+mn-ea"/>
+                <a:cs typeface="+mn-cs"/>
+              </a:defRPr>
+            </a:lvl3pPr>
+            <a:lvl4pPr marL="1600200" indent="-228600" algn="l" defTabSz="914400" rtl="0" eaLnBrk="1" latinLnBrk="0" hangingPunct="1">
+              <a:lnSpc>
+                <a:spcPct val="90000"/>
+              </a:lnSpc>
+              <a:spcBef>
+                <a:spcPts val="500"/>
+              </a:spcBef>
+              <a:buFont typeface="Arial" panose="020B0604020202020204" pitchFamily="34" charset="0"/>
+              <a:buChar char="•"/>
+              <a:defRPr sz="1800" kern="1200">
+                <a:solidFill>
+                  <a:schemeClr val="tx1"/>
+                </a:solidFill>
+                <a:latin typeface="+mn-lt"/>
+                <a:ea typeface="+mn-ea"/>
+                <a:cs typeface="+mn-cs"/>
+              </a:defRPr>
+            </a:lvl4pPr>
+            <a:lvl5pPr marL="2057400" indent="-228600" algn="l" defTabSz="914400" rtl="0" eaLnBrk="1" latinLnBrk="0" hangingPunct="1">
+              <a:lnSpc>
+                <a:spcPct val="90000"/>
+              </a:lnSpc>
+              <a:spcBef>
+                <a:spcPts val="500"/>
+              </a:spcBef>
+              <a:buFont typeface="Arial" panose="020B0604020202020204" pitchFamily="34" charset="0"/>
+              <a:buChar char="•"/>
+              <a:defRPr sz="1800" kern="1200">
+                <a:solidFill>
+                  <a:schemeClr val="tx1"/>
+                </a:solidFill>
+                <a:latin typeface="+mn-lt"/>
+                <a:ea typeface="+mn-ea"/>
+                <a:cs typeface="+mn-cs"/>
+              </a:defRPr>
+            </a:lvl5pPr>
+            <a:lvl6pPr marL="2514600" indent="-228600" algn="l" defTabSz="914400" rtl="0" eaLnBrk="1" latinLnBrk="0" hangingPunct="1">
+              <a:lnSpc>
+                <a:spcPct val="90000"/>
+              </a:lnSpc>
+              <a:spcBef>
+                <a:spcPts val="500"/>
+              </a:spcBef>
+              <a:buFont typeface="Arial" panose="020B0604020202020204" pitchFamily="34" charset="0"/>
+              <a:buChar char="•"/>
+              <a:defRPr sz="1800" kern="1200">
+                <a:solidFill>
+                  <a:schemeClr val="tx1"/>
+                </a:solidFill>
+                <a:latin typeface="+mn-lt"/>
+                <a:ea typeface="+mn-ea"/>
+                <a:cs typeface="+mn-cs"/>
+              </a:defRPr>
+            </a:lvl6pPr>
+            <a:lvl7pPr marL="2971800" indent="-228600" algn="l" defTabSz="914400" rtl="0" eaLnBrk="1" latinLnBrk="0" hangingPunct="1">
+              <a:lnSpc>
+                <a:spcPct val="90000"/>
+              </a:lnSpc>
+              <a:spcBef>
+                <a:spcPts val="500"/>
+              </a:spcBef>
+              <a:buFont typeface="Arial" panose="020B0604020202020204" pitchFamily="34" charset="0"/>
+              <a:buChar char="•"/>
+              <a:defRPr sz="1800" kern="1200">
+                <a:solidFill>
+                  <a:schemeClr val="tx1"/>
+                </a:solidFill>
+                <a:latin typeface="+mn-lt"/>
+                <a:ea typeface="+mn-ea"/>
+                <a:cs typeface="+mn-cs"/>
+              </a:defRPr>
+            </a:lvl7pPr>
+            <a:lvl8pPr marL="3429000" indent="-228600" algn="l" defTabSz="914400" rtl="0" eaLnBrk="1" latinLnBrk="0" hangingPunct="1">
+              <a:lnSpc>
+                <a:spcPct val="90000"/>
+              </a:lnSpc>
+              <a:spcBef>
+                <a:spcPts val="500"/>
+              </a:spcBef>
+              <a:buFont typeface="Arial" panose="020B0604020202020204" pitchFamily="34" charset="0"/>
+              <a:buChar char="•"/>
+              <a:defRPr sz="1800" kern="1200">
+                <a:solidFill>
+                  <a:schemeClr val="tx1"/>
+                </a:solidFill>
+                <a:latin typeface="+mn-lt"/>
+                <a:ea typeface="+mn-ea"/>
+                <a:cs typeface="+mn-cs"/>
+              </a:defRPr>
+            </a:lvl8pPr>
+            <a:lvl9pPr marL="3886200" indent="-228600" algn="l" defTabSz="914400" rtl="0" eaLnBrk="1" latinLnBrk="0" hangingPunct="1">
+              <a:lnSpc>
+                <a:spcPct val="90000"/>
+              </a:lnSpc>
+              <a:spcBef>
+                <a:spcPts val="500"/>
+              </a:spcBef>
+              <a:buFont typeface="Arial" panose="020B0604020202020204" pitchFamily="34" charset="0"/>
+              <a:buChar char="•"/>
+              <a:defRPr sz="1800" kern="1200">
+                <a:solidFill>
+                  <a:schemeClr val="tx1"/>
+                </a:solidFill>
+                <a:latin typeface="+mn-lt"/>
+                <a:ea typeface="+mn-ea"/>
+                <a:cs typeface="+mn-cs"/>
+              </a:defRPr>
+            </a:lvl9pPr>
+          </a:lstStyle>
+          <a:p>
+            <a:endParaRPr lang="pt-BR" sz="2000" dirty="0"/>
           </a:p>
         </p:txBody>
       </p:sp>
     </p:spTree>
     <p:extLst>
       <p:ext uri="{BB962C8B-B14F-4D97-AF65-F5344CB8AC3E}">
-        <p14:creationId xmlns:p14="http://schemas.microsoft.com/office/powerpoint/2010/main" val="517489975"/>
+        <p14:creationId xmlns:p14="http://schemas.microsoft.com/office/powerpoint/2010/main" val="743545617"/>
       </p:ext>
     </p:extLst>
   </p:cSld>
@@ -4674,7 +6117,7 @@
     </p:spTree>
     <p:extLst>
       <p:ext uri="{BB962C8B-B14F-4D97-AF65-F5344CB8AC3E}">
-        <p14:creationId xmlns:p14="http://schemas.microsoft.com/office/powerpoint/2010/main" val="2333415383"/>
+        <p14:creationId xmlns:p14="http://schemas.microsoft.com/office/powerpoint/2010/main" val="1965684712"/>
       </p:ext>
     </p:extLst>
   </p:cSld>
@@ -4742,7 +6185,7 @@
     </p:spTree>
     <p:extLst>
       <p:ext uri="{BB962C8B-B14F-4D97-AF65-F5344CB8AC3E}">
-        <p14:creationId xmlns:p14="http://schemas.microsoft.com/office/powerpoint/2010/main" val="1812516573"/>
+        <p14:creationId xmlns:p14="http://schemas.microsoft.com/office/powerpoint/2010/main" val="517489975"/>
       </p:ext>
     </p:extLst>
   </p:cSld>

--- a/docs/docker-resumo.pptx
+++ b/docs/docker-resumo.pptx
@@ -11,15 +11,16 @@
     <p:sldId id="288" r:id="rId5"/>
     <p:sldId id="289" r:id="rId6"/>
     <p:sldId id="290" r:id="rId7"/>
-    <p:sldId id="291" r:id="rId8"/>
-    <p:sldId id="278" r:id="rId9"/>
-    <p:sldId id="281" r:id="rId10"/>
-    <p:sldId id="280" r:id="rId11"/>
-    <p:sldId id="279" r:id="rId12"/>
-    <p:sldId id="282" r:id="rId13"/>
-    <p:sldId id="283" r:id="rId14"/>
-    <p:sldId id="284" r:id="rId15"/>
-    <p:sldId id="285" r:id="rId16"/>
+    <p:sldId id="292" r:id="rId8"/>
+    <p:sldId id="291" r:id="rId9"/>
+    <p:sldId id="278" r:id="rId10"/>
+    <p:sldId id="281" r:id="rId11"/>
+    <p:sldId id="280" r:id="rId12"/>
+    <p:sldId id="279" r:id="rId13"/>
+    <p:sldId id="282" r:id="rId14"/>
+    <p:sldId id="283" r:id="rId15"/>
+    <p:sldId id="284" r:id="rId16"/>
+    <p:sldId id="285" r:id="rId17"/>
   </p:sldIdLst>
   <p:sldSz cx="12192000" cy="6858000"/>
   <p:notesSz cx="6858000" cy="9144000"/>
@@ -255,7 +256,7 @@
           <a:p>
             <a:fld id="{CC58B075-67F8-4A8D-AE1C-3D3E4193EBCA}" type="datetimeFigureOut">
               <a:rPr lang="pt-BR" smtClean="0"/>
-              <a:t>06/09/2019</a:t>
+              <a:t>10/09/2019</a:t>
             </a:fld>
             <a:endParaRPr lang="pt-BR"/>
           </a:p>
@@ -423,7 +424,7 @@
           <a:p>
             <a:fld id="{CC58B075-67F8-4A8D-AE1C-3D3E4193EBCA}" type="datetimeFigureOut">
               <a:rPr lang="pt-BR" smtClean="0"/>
-              <a:t>06/09/2019</a:t>
+              <a:t>10/09/2019</a:t>
             </a:fld>
             <a:endParaRPr lang="pt-BR"/>
           </a:p>
@@ -601,7 +602,7 @@
           <a:p>
             <a:fld id="{CC58B075-67F8-4A8D-AE1C-3D3E4193EBCA}" type="datetimeFigureOut">
               <a:rPr lang="pt-BR" smtClean="0"/>
-              <a:t>06/09/2019</a:t>
+              <a:t>10/09/2019</a:t>
             </a:fld>
             <a:endParaRPr lang="pt-BR"/>
           </a:p>
@@ -769,7 +770,7 @@
           <a:p>
             <a:fld id="{CC58B075-67F8-4A8D-AE1C-3D3E4193EBCA}" type="datetimeFigureOut">
               <a:rPr lang="pt-BR" smtClean="0"/>
-              <a:t>06/09/2019</a:t>
+              <a:t>10/09/2019</a:t>
             </a:fld>
             <a:endParaRPr lang="pt-BR"/>
           </a:p>
@@ -1014,7 +1015,7 @@
           <a:p>
             <a:fld id="{CC58B075-67F8-4A8D-AE1C-3D3E4193EBCA}" type="datetimeFigureOut">
               <a:rPr lang="pt-BR" smtClean="0"/>
-              <a:t>06/09/2019</a:t>
+              <a:t>10/09/2019</a:t>
             </a:fld>
             <a:endParaRPr lang="pt-BR"/>
           </a:p>
@@ -1243,7 +1244,7 @@
           <a:p>
             <a:fld id="{CC58B075-67F8-4A8D-AE1C-3D3E4193EBCA}" type="datetimeFigureOut">
               <a:rPr lang="pt-BR" smtClean="0"/>
-              <a:t>06/09/2019</a:t>
+              <a:t>10/09/2019</a:t>
             </a:fld>
             <a:endParaRPr lang="pt-BR"/>
           </a:p>
@@ -1607,7 +1608,7 @@
           <a:p>
             <a:fld id="{CC58B075-67F8-4A8D-AE1C-3D3E4193EBCA}" type="datetimeFigureOut">
               <a:rPr lang="pt-BR" smtClean="0"/>
-              <a:t>06/09/2019</a:t>
+              <a:t>10/09/2019</a:t>
             </a:fld>
             <a:endParaRPr lang="pt-BR"/>
           </a:p>
@@ -1724,7 +1725,7 @@
           <a:p>
             <a:fld id="{CC58B075-67F8-4A8D-AE1C-3D3E4193EBCA}" type="datetimeFigureOut">
               <a:rPr lang="pt-BR" smtClean="0"/>
-              <a:t>06/09/2019</a:t>
+              <a:t>10/09/2019</a:t>
             </a:fld>
             <a:endParaRPr lang="pt-BR"/>
           </a:p>
@@ -1819,7 +1820,7 @@
           <a:p>
             <a:fld id="{CC58B075-67F8-4A8D-AE1C-3D3E4193EBCA}" type="datetimeFigureOut">
               <a:rPr lang="pt-BR" smtClean="0"/>
-              <a:t>06/09/2019</a:t>
+              <a:t>10/09/2019</a:t>
             </a:fld>
             <a:endParaRPr lang="pt-BR"/>
           </a:p>
@@ -2094,7 +2095,7 @@
           <a:p>
             <a:fld id="{CC58B075-67F8-4A8D-AE1C-3D3E4193EBCA}" type="datetimeFigureOut">
               <a:rPr lang="pt-BR" smtClean="0"/>
-              <a:t>06/09/2019</a:t>
+              <a:t>10/09/2019</a:t>
             </a:fld>
             <a:endParaRPr lang="pt-BR"/>
           </a:p>
@@ -2346,7 +2347,7 @@
           <a:p>
             <a:fld id="{CC58B075-67F8-4A8D-AE1C-3D3E4193EBCA}" type="datetimeFigureOut">
               <a:rPr lang="pt-BR" smtClean="0"/>
-              <a:t>06/09/2019</a:t>
+              <a:t>10/09/2019</a:t>
             </a:fld>
             <a:endParaRPr lang="pt-BR"/>
           </a:p>
@@ -2557,7 +2558,7 @@
           <a:p>
             <a:fld id="{CC58B075-67F8-4A8D-AE1C-3D3E4193EBCA}" type="datetimeFigureOut">
               <a:rPr lang="pt-BR" smtClean="0"/>
-              <a:t>06/09/2019</a:t>
+              <a:t>10/09/2019</a:t>
             </a:fld>
             <a:endParaRPr lang="pt-BR"/>
           </a:p>
@@ -3058,7 +3059,7 @@
     </p:spTree>
     <p:extLst>
       <p:ext uri="{BB962C8B-B14F-4D97-AF65-F5344CB8AC3E}">
-        <p14:creationId xmlns:p14="http://schemas.microsoft.com/office/powerpoint/2010/main" val="2333415383"/>
+        <p14:creationId xmlns:p14="http://schemas.microsoft.com/office/powerpoint/2010/main" val="517489975"/>
       </p:ext>
     </p:extLst>
   </p:cSld>
@@ -3126,7 +3127,7 @@
     </p:spTree>
     <p:extLst>
       <p:ext uri="{BB962C8B-B14F-4D97-AF65-F5344CB8AC3E}">
-        <p14:creationId xmlns:p14="http://schemas.microsoft.com/office/powerpoint/2010/main" val="1812516573"/>
+        <p14:creationId xmlns:p14="http://schemas.microsoft.com/office/powerpoint/2010/main" val="2333415383"/>
       </p:ext>
     </p:extLst>
   </p:cSld>
@@ -3194,7 +3195,7 @@
     </p:spTree>
     <p:extLst>
       <p:ext uri="{BB962C8B-B14F-4D97-AF65-F5344CB8AC3E}">
-        <p14:creationId xmlns:p14="http://schemas.microsoft.com/office/powerpoint/2010/main" val="3688525284"/>
+        <p14:creationId xmlns:p14="http://schemas.microsoft.com/office/powerpoint/2010/main" val="1812516573"/>
       </p:ext>
     </p:extLst>
   </p:cSld>
@@ -3262,7 +3263,7 @@
     </p:spTree>
     <p:extLst>
       <p:ext uri="{BB962C8B-B14F-4D97-AF65-F5344CB8AC3E}">
-        <p14:creationId xmlns:p14="http://schemas.microsoft.com/office/powerpoint/2010/main" val="1462747175"/>
+        <p14:creationId xmlns:p14="http://schemas.microsoft.com/office/powerpoint/2010/main" val="3688525284"/>
       </p:ext>
     </p:extLst>
   </p:cSld>
@@ -3330,6 +3331,74 @@
     </p:spTree>
     <p:extLst>
       <p:ext uri="{BB962C8B-B14F-4D97-AF65-F5344CB8AC3E}">
+        <p14:creationId xmlns:p14="http://schemas.microsoft.com/office/powerpoint/2010/main" val="1462747175"/>
+      </p:ext>
+    </p:extLst>
+  </p:cSld>
+  <p:clrMapOvr>
+    <a:masterClrMapping/>
+  </p:clrMapOvr>
+</p:sld>
+</file>
+
+<file path=ppt/slides/slide15.xml><?xml version="1.0" encoding="utf-8"?>
+<p:sld xmlns:a="http://schemas.openxmlformats.org/drawingml/2006/main" xmlns:r="http://schemas.openxmlformats.org/officeDocument/2006/relationships" xmlns:p="http://schemas.openxmlformats.org/presentationml/2006/main">
+  <p:cSld>
+    <p:spTree>
+      <p:nvGrpSpPr>
+        <p:cNvPr id="1" name=""/>
+        <p:cNvGrpSpPr/>
+        <p:nvPr/>
+      </p:nvGrpSpPr>
+      <p:grpSpPr>
+        <a:xfrm>
+          <a:off x="0" y="0"/>
+          <a:ext cx="0" cy="0"/>
+          <a:chOff x="0" y="0"/>
+          <a:chExt cx="0" cy="0"/>
+        </a:xfrm>
+      </p:grpSpPr>
+      <p:sp>
+        <p:nvSpPr>
+          <p:cNvPr id="2" name="Título 1"/>
+          <p:cNvSpPr>
+            <a:spLocks noGrp="1"/>
+          </p:cNvSpPr>
+          <p:nvPr>
+            <p:ph type="title"/>
+          </p:nvPr>
+        </p:nvSpPr>
+        <p:spPr/>
+        <p:txBody>
+          <a:bodyPr/>
+          <a:lstStyle/>
+          <a:p>
+            <a:endParaRPr lang="pt-BR"/>
+          </a:p>
+        </p:txBody>
+      </p:sp>
+      <p:sp>
+        <p:nvSpPr>
+          <p:cNvPr id="3" name="Espaço Reservado para Conteúdo 2"/>
+          <p:cNvSpPr>
+            <a:spLocks noGrp="1"/>
+          </p:cNvSpPr>
+          <p:nvPr>
+            <p:ph idx="1"/>
+          </p:nvPr>
+        </p:nvSpPr>
+        <p:spPr/>
+        <p:txBody>
+          <a:bodyPr/>
+          <a:lstStyle/>
+          <a:p>
+            <a:endParaRPr lang="pt-BR"/>
+          </a:p>
+        </p:txBody>
+      </p:sp>
+    </p:spTree>
+    <p:extLst>
+      <p:ext uri="{BB962C8B-B14F-4D97-AF65-F5344CB8AC3E}">
         <p14:creationId xmlns:p14="http://schemas.microsoft.com/office/powerpoint/2010/main" val="3094957484"/>
       </p:ext>
     </p:extLst>
@@ -3340,7 +3409,7 @@
 </p:sld>
 </file>
 
-<file path=ppt/slides/slide15.xml><?xml version="1.0" encoding="utf-8"?>
+<file path=ppt/slides/slide16.xml><?xml version="1.0" encoding="utf-8"?>
 <p:sld xmlns:a="http://schemas.openxmlformats.org/drawingml/2006/main" xmlns:r="http://schemas.openxmlformats.org/officeDocument/2006/relationships" xmlns:p="http://schemas.openxmlformats.org/presentationml/2006/main">
   <p:cSld>
     <p:spTree>
@@ -4760,8 +4829,8 @@
         </p:nvSpPr>
         <p:spPr>
           <a:xfrm>
-            <a:off x="1469248" y="2750032"/>
-            <a:ext cx="7820297" cy="2616101"/>
+            <a:off x="2207301" y="4547993"/>
+            <a:ext cx="6518688" cy="2000548"/>
           </a:xfrm>
           <a:prstGeom prst="rect">
             <a:avLst/>
@@ -4773,6 +4842,7 @@
           </a:bodyPr>
           <a:lstStyle/>
           <a:p>
+            <a:pPr algn="ctr"/>
             <a:endParaRPr lang="pt-BR" sz="2000" b="1" i="1" u="sng" dirty="0">
               <a:effectLst>
                 <a:outerShdw blurRad="38100" dist="38100" dir="2700000" algn="tl">
@@ -4823,6 +4893,7 @@
             </a:r>
           </a:p>
           <a:p>
+            <a:pPr algn="ctr"/>
             <a:endParaRPr lang="pt-BR" sz="2000" b="1" i="1" u="sng" dirty="0" smtClean="0">
               <a:effectLst>
                 <a:outerShdw blurRad="38100" dist="38100" dir="2700000" algn="tl">
@@ -4834,6 +4905,7 @@
             </a:endParaRPr>
           </a:p>
           <a:p>
+            <a:pPr algn="ctr"/>
             <a:endParaRPr lang="pt-BR" sz="2000" b="1" i="1" u="sng" dirty="0">
               <a:effectLst>
                 <a:outerShdw blurRad="38100" dist="38100" dir="2700000" algn="tl">
@@ -4845,6 +4917,7 @@
             </a:endParaRPr>
           </a:p>
           <a:p>
+            <a:pPr algn="ctr"/>
             <a:r>
               <a:rPr lang="pt-BR" sz="2000" b="1" i="1" u="sng" dirty="0">
                 <a:effectLst>
@@ -4871,17 +4944,6 @@
               </a:rPr>
               <a:t>/</a:t>
             </a:r>
-            <a:endParaRPr lang="pt-BR" sz="2000" b="1" i="1" u="sng" dirty="0" smtClean="0">
-              <a:effectLst>
-                <a:outerShdw blurRad="38100" dist="38100" dir="2700000" algn="tl">
-                  <a:srgbClr val="000000">
-                    <a:alpha val="43137"/>
-                  </a:srgbClr>
-                </a:outerShdw>
-              </a:effectLst>
-            </a:endParaRPr>
-          </a:p>
-          <a:p>
             <a:endParaRPr lang="pt-BR" sz="2000" b="1" i="1" u="sng" dirty="0">
               <a:effectLst>
                 <a:outerShdw blurRad="38100" dist="38100" dir="2700000" algn="tl">
@@ -4893,17 +4955,7 @@
             </a:endParaRPr>
           </a:p>
           <a:p>
-            <a:endParaRPr lang="pt-BR" sz="2000" b="1" i="1" u="sng" dirty="0">
-              <a:effectLst>
-                <a:outerShdw blurRad="38100" dist="38100" dir="2700000" algn="tl">
-                  <a:srgbClr val="000000">
-                    <a:alpha val="43137"/>
-                  </a:srgbClr>
-                </a:outerShdw>
-              </a:effectLst>
-            </a:endParaRPr>
-          </a:p>
-          <a:p>
+            <a:pPr algn="ctr"/>
             <a:endParaRPr lang="pt-BR" sz="2000" b="1" i="1" u="sng" dirty="0">
               <a:effectLst>
                 <a:outerShdw blurRad="38100" dist="38100" dir="2700000" algn="tl">
@@ -5657,7 +5709,7 @@
             <a:pPr algn="ctr"/>
             <a:r>
               <a:rPr lang="pt-BR" sz="2800" b="1" dirty="0" smtClean="0"/>
-              <a:t>XXXX</a:t>
+              <a:t>Diferença entre Imagens e Containers</a:t>
             </a:r>
             <a:endParaRPr lang="pt-BR" sz="2800" b="1" dirty="0"/>
           </a:p>
@@ -6046,10 +6098,309 @@
           </a:p>
         </p:txBody>
       </p:sp>
+      <p:sp>
+        <p:nvSpPr>
+          <p:cNvPr id="3" name="CaixaDeTexto 2"/>
+          <p:cNvSpPr txBox="1"/>
+          <p:nvPr/>
+        </p:nvSpPr>
+        <p:spPr>
+          <a:xfrm>
+            <a:off x="653084" y="2150243"/>
+            <a:ext cx="11396959" cy="2554545"/>
+          </a:xfrm>
+          <a:prstGeom prst="rect">
+            <a:avLst/>
+          </a:prstGeom>
+          <a:noFill/>
+        </p:spPr>
+        <p:txBody>
+          <a:bodyPr wrap="square" rtlCol="0">
+            <a:spAutoFit/>
+          </a:bodyPr>
+          <a:lstStyle/>
+          <a:p>
+            <a:r>
+              <a:rPr lang="pt-BR" sz="1600" dirty="0"/>
+              <a:t>A </a:t>
+            </a:r>
+            <a:r>
+              <a:rPr lang="pt-BR" sz="1600" b="1" dirty="0"/>
+              <a:t>imagem</a:t>
+            </a:r>
+            <a:r>
+              <a:rPr lang="pt-BR" sz="1600" dirty="0"/>
+              <a:t> é como se fosse uma receita de bolo, uma série de instruções que o </a:t>
+            </a:r>
+            <a:r>
+              <a:rPr lang="pt-BR" sz="1600" dirty="0" err="1"/>
+              <a:t>Docker</a:t>
+            </a:r>
+            <a:r>
+              <a:rPr lang="pt-BR" sz="1600" dirty="0"/>
+              <a:t> seguirá para criar um </a:t>
+            </a:r>
+            <a:r>
+              <a:rPr lang="pt-BR" sz="1600" b="1" i="1" dirty="0"/>
+              <a:t>container</a:t>
+            </a:r>
+            <a:r>
+              <a:rPr lang="pt-BR" sz="1600" dirty="0"/>
+              <a:t>, que irá conter as instruções da </a:t>
+            </a:r>
+            <a:r>
+              <a:rPr lang="pt-BR" sz="1600" dirty="0" smtClean="0"/>
+              <a:t>imagem.</a:t>
+            </a:r>
+          </a:p>
+          <a:p>
+            <a:endParaRPr lang="pt-BR" sz="1600" dirty="0"/>
+          </a:p>
+          <a:p>
+            <a:pPr marL="285750" indent="-285750">
+              <a:buFont typeface="Wingdings" panose="05000000000000000000" pitchFamily="2" charset="2"/>
+              <a:buChar char="Ø"/>
+            </a:pPr>
+            <a:r>
+              <a:rPr lang="pt-BR" sz="1600" dirty="0" err="1" smtClean="0"/>
+              <a:t>docker</a:t>
+            </a:r>
+            <a:r>
+              <a:rPr lang="pt-BR" sz="1600" dirty="0" smtClean="0"/>
+              <a:t> </a:t>
+            </a:r>
+            <a:r>
+              <a:rPr lang="pt-BR" sz="1600" dirty="0" err="1" smtClean="0"/>
+              <a:t>ps</a:t>
+            </a:r>
+            <a:r>
+              <a:rPr lang="pt-BR" sz="1600" dirty="0" smtClean="0"/>
+              <a:t> –a</a:t>
+            </a:r>
+          </a:p>
+          <a:p>
+            <a:endParaRPr lang="pt-BR" sz="1600" dirty="0" smtClean="0"/>
+          </a:p>
+          <a:p>
+            <a:r>
+              <a:rPr lang="pt-BR" sz="1600" dirty="0"/>
+              <a:t>CONTAINER ID    IMAGE         COMMAND       CREATED         STATUS                     </a:t>
+            </a:r>
+            <a:r>
+              <a:rPr lang="pt-BR" sz="1600" dirty="0" smtClean="0"/>
+              <a:t>		PORTS     </a:t>
+            </a:r>
+            <a:r>
+              <a:rPr lang="pt-BR" sz="1600" dirty="0"/>
+              <a:t>NAMES</a:t>
+            </a:r>
+          </a:p>
+          <a:p>
+            <a:r>
+              <a:rPr lang="pt-BR" sz="1600" dirty="0"/>
+              <a:t>4139842e283a    </a:t>
+            </a:r>
+            <a:r>
+              <a:rPr lang="pt-BR" sz="1600" dirty="0" err="1"/>
+              <a:t>ubuntu</a:t>
+            </a:r>
+            <a:r>
+              <a:rPr lang="pt-BR" sz="1600" dirty="0"/>
+              <a:t>        "/bin/</a:t>
+            </a:r>
+            <a:r>
+              <a:rPr lang="pt-BR" sz="1600" dirty="0" err="1"/>
+              <a:t>bash</a:t>
+            </a:r>
+            <a:r>
+              <a:rPr lang="pt-BR" sz="1600" dirty="0"/>
+              <a:t>"   3 minutes </a:t>
+            </a:r>
+            <a:r>
+              <a:rPr lang="pt-BR" sz="1600" dirty="0" err="1"/>
+              <a:t>ago</a:t>
+            </a:r>
+            <a:r>
+              <a:rPr lang="pt-BR" sz="1600" dirty="0"/>
+              <a:t>   </a:t>
+            </a:r>
+            <a:r>
+              <a:rPr lang="pt-BR" sz="1600" dirty="0" smtClean="0"/>
+              <a:t> </a:t>
+            </a:r>
+            <a:r>
+              <a:rPr lang="pt-BR" sz="1600" dirty="0" err="1" smtClean="0"/>
+              <a:t>Exited</a:t>
+            </a:r>
+            <a:r>
+              <a:rPr lang="pt-BR" sz="1600" dirty="0" smtClean="0"/>
+              <a:t> </a:t>
+            </a:r>
+            <a:r>
+              <a:rPr lang="pt-BR" sz="1600" dirty="0"/>
+              <a:t>(0) 3 minutes </a:t>
+            </a:r>
+            <a:r>
+              <a:rPr lang="pt-BR" sz="1600" dirty="0" err="1"/>
+              <a:t>ago</a:t>
+            </a:r>
+            <a:r>
+              <a:rPr lang="pt-BR" sz="1600" dirty="0"/>
+              <a:t>          </a:t>
+            </a:r>
+            <a:r>
+              <a:rPr lang="pt-BR" sz="1600" dirty="0" smtClean="0"/>
+              <a:t>		</a:t>
+            </a:r>
+            <a:r>
+              <a:rPr lang="pt-BR" sz="1600" dirty="0" err="1" smtClean="0"/>
+              <a:t>elastic_albattani</a:t>
+            </a:r>
+            <a:endParaRPr lang="pt-BR" sz="1600" dirty="0"/>
+          </a:p>
+          <a:p>
+            <a:r>
+              <a:rPr lang="pt-BR" sz="1600" dirty="0"/>
+              <a:t>c1a155091114    </a:t>
+            </a:r>
+            <a:r>
+              <a:rPr lang="pt-BR" sz="1600" dirty="0" err="1"/>
+              <a:t>hello</a:t>
+            </a:r>
+            <a:r>
+              <a:rPr lang="pt-BR" sz="1600" dirty="0"/>
+              <a:t>-world   "/</a:t>
+            </a:r>
+            <a:r>
+              <a:rPr lang="pt-BR" sz="1600" dirty="0" err="1"/>
+              <a:t>hello</a:t>
+            </a:r>
+            <a:r>
+              <a:rPr lang="pt-BR" sz="1600" dirty="0"/>
+              <a:t>"      </a:t>
+            </a:r>
+            <a:r>
+              <a:rPr lang="pt-BR" sz="1600" dirty="0" smtClean="0"/>
+              <a:t>  4 </a:t>
+            </a:r>
+            <a:r>
+              <a:rPr lang="pt-BR" sz="1600" dirty="0" err="1"/>
+              <a:t>days</a:t>
+            </a:r>
+            <a:r>
+              <a:rPr lang="pt-BR" sz="1600" dirty="0"/>
+              <a:t> </a:t>
+            </a:r>
+            <a:r>
+              <a:rPr lang="pt-BR" sz="1600" dirty="0" err="1"/>
+              <a:t>ago</a:t>
+            </a:r>
+            <a:r>
+              <a:rPr lang="pt-BR" sz="1600" dirty="0"/>
+              <a:t>      </a:t>
+            </a:r>
+            <a:r>
+              <a:rPr lang="pt-BR" sz="1600" dirty="0" smtClean="0"/>
+              <a:t>    </a:t>
+            </a:r>
+            <a:r>
+              <a:rPr lang="pt-BR" sz="1600" dirty="0" err="1" smtClean="0"/>
+              <a:t>Exited</a:t>
+            </a:r>
+            <a:r>
+              <a:rPr lang="pt-BR" sz="1600" dirty="0" smtClean="0"/>
+              <a:t> </a:t>
+            </a:r>
+            <a:r>
+              <a:rPr lang="pt-BR" sz="1600" dirty="0"/>
+              <a:t>(0) 4 </a:t>
+            </a:r>
+            <a:r>
+              <a:rPr lang="pt-BR" sz="1600" dirty="0" err="1"/>
+              <a:t>days</a:t>
+            </a:r>
+            <a:r>
+              <a:rPr lang="pt-BR" sz="1600" dirty="0"/>
+              <a:t> </a:t>
+            </a:r>
+            <a:r>
+              <a:rPr lang="pt-BR" sz="1600" dirty="0" err="1"/>
+              <a:t>ago</a:t>
+            </a:r>
+            <a:r>
+              <a:rPr lang="pt-BR" sz="1600" dirty="0"/>
+              <a:t>                </a:t>
+            </a:r>
+            <a:r>
+              <a:rPr lang="pt-BR" sz="1600" dirty="0" smtClean="0"/>
+              <a:t>		</a:t>
+            </a:r>
+            <a:r>
+              <a:rPr lang="pt-BR" sz="1600" dirty="0" err="1" smtClean="0"/>
+              <a:t>nifty_mcclintock</a:t>
+            </a:r>
+            <a:endParaRPr lang="pt-BR" sz="1600" dirty="0" smtClean="0"/>
+          </a:p>
+          <a:p>
+            <a:endParaRPr lang="pt-BR" sz="1600" dirty="0" smtClean="0"/>
+          </a:p>
+          <a:p>
+            <a:endParaRPr lang="pt-BR" sz="1600" dirty="0"/>
+          </a:p>
+        </p:txBody>
+      </p:sp>
+      <p:pic>
+        <p:nvPicPr>
+          <p:cNvPr id="2" name="Imagem 1"/>
+          <p:cNvPicPr>
+            <a:picLocks noChangeAspect="1"/>
+          </p:cNvPicPr>
+          <p:nvPr/>
+        </p:nvPicPr>
+        <p:blipFill>
+          <a:blip r:embed="rId2"/>
+          <a:stretch>
+            <a:fillRect/>
+          </a:stretch>
+        </p:blipFill>
+        <p:spPr>
+          <a:xfrm>
+            <a:off x="3940168" y="637340"/>
+            <a:ext cx="3257442" cy="1499520"/>
+          </a:xfrm>
+          <a:prstGeom prst="rect">
+            <a:avLst/>
+          </a:prstGeom>
+        </p:spPr>
+      </p:pic>
+      <p:pic>
+        <p:nvPicPr>
+          <p:cNvPr id="7" name="Imagem 6"/>
+          <p:cNvPicPr>
+            <a:picLocks noChangeAspect="1"/>
+          </p:cNvPicPr>
+          <p:nvPr/>
+        </p:nvPicPr>
+        <p:blipFill>
+          <a:blip r:embed="rId3"/>
+          <a:stretch>
+            <a:fillRect/>
+          </a:stretch>
+        </p:blipFill>
+        <p:spPr>
+          <a:xfrm>
+            <a:off x="3040761" y="4509054"/>
+            <a:ext cx="5695950" cy="1428750"/>
+          </a:xfrm>
+          <a:prstGeom prst="rect">
+            <a:avLst/>
+          </a:prstGeom>
+        </p:spPr>
+      </p:pic>
     </p:spTree>
     <p:extLst>
       <p:ext uri="{BB962C8B-B14F-4D97-AF65-F5344CB8AC3E}">
-        <p14:creationId xmlns:p14="http://schemas.microsoft.com/office/powerpoint/2010/main" val="743545617"/>
+        <p14:creationId xmlns:p14="http://schemas.microsoft.com/office/powerpoint/2010/main" val="665658361"/>
       </p:ext>
     </p:extLst>
   </p:cSld>
@@ -6078,46 +6429,704 @@
       </p:grpSpPr>
       <p:sp>
         <p:nvSpPr>
-          <p:cNvPr id="2" name="Título 1"/>
-          <p:cNvSpPr>
-            <a:spLocks noGrp="1"/>
-          </p:cNvSpPr>
-          <p:nvPr>
-            <p:ph type="title"/>
-          </p:nvPr>
-        </p:nvSpPr>
-        <p:spPr/>
-        <p:txBody>
-          <a:bodyPr/>
-          <a:lstStyle/>
-          <a:p>
-            <a:endParaRPr lang="pt-BR"/>
-          </a:p>
-        </p:txBody>
-      </p:sp>
-      <p:sp>
-        <p:nvSpPr>
-          <p:cNvPr id="3" name="Espaço Reservado para Conteúdo 2"/>
-          <p:cNvSpPr>
-            <a:spLocks noGrp="1"/>
-          </p:cNvSpPr>
-          <p:nvPr>
-            <p:ph idx="1"/>
-          </p:nvPr>
-        </p:nvSpPr>
-        <p:spPr/>
-        <p:txBody>
-          <a:bodyPr/>
-          <a:lstStyle/>
-          <a:p>
-            <a:endParaRPr lang="pt-BR"/>
+          <p:cNvPr id="4" name="Título 1"/>
+          <p:cNvSpPr txBox="1">
+            <a:spLocks/>
+          </p:cNvSpPr>
+          <p:nvPr/>
+        </p:nvSpPr>
+        <p:spPr>
+          <a:xfrm>
+            <a:off x="125627" y="115678"/>
+            <a:ext cx="11800761" cy="549275"/>
+          </a:xfrm>
+          <a:prstGeom prst="rect">
+            <a:avLst/>
+          </a:prstGeom>
+        </p:spPr>
+        <p:txBody>
+          <a:bodyPr vert="horz" lIns="91440" tIns="45720" rIns="91440" bIns="45720" rtlCol="0" anchor="ctr">
+            <a:normAutofit/>
+          </a:bodyPr>
+          <a:lstStyle>
+            <a:lvl1pPr algn="l" defTabSz="914400" rtl="0" eaLnBrk="1" latinLnBrk="0" hangingPunct="1">
+              <a:lnSpc>
+                <a:spcPct val="90000"/>
+              </a:lnSpc>
+              <a:spcBef>
+                <a:spcPct val="0"/>
+              </a:spcBef>
+              <a:buNone/>
+              <a:defRPr sz="4400" kern="1200">
+                <a:solidFill>
+                  <a:schemeClr val="tx1"/>
+                </a:solidFill>
+                <a:latin typeface="+mj-lt"/>
+                <a:ea typeface="+mj-ea"/>
+                <a:cs typeface="+mj-cs"/>
+              </a:defRPr>
+            </a:lvl1pPr>
+          </a:lstStyle>
+          <a:p>
+            <a:pPr algn="ctr"/>
+            <a:r>
+              <a:rPr lang="pt-BR" sz="2800" b="1" dirty="0" smtClean="0"/>
+              <a:t>Diferença entre Imagens e Containers</a:t>
+            </a:r>
+            <a:endParaRPr lang="pt-BR" sz="2800" b="1" dirty="0"/>
+          </a:p>
+        </p:txBody>
+      </p:sp>
+      <p:sp>
+        <p:nvSpPr>
+          <p:cNvPr id="5" name="Espaço Reservado para Conteúdo 5"/>
+          <p:cNvSpPr txBox="1">
+            <a:spLocks/>
+          </p:cNvSpPr>
+          <p:nvPr/>
+        </p:nvSpPr>
+        <p:spPr>
+          <a:xfrm>
+            <a:off x="504450" y="1084496"/>
+            <a:ext cx="11421938" cy="3317687"/>
+          </a:xfrm>
+          <a:prstGeom prst="rect">
+            <a:avLst/>
+          </a:prstGeom>
+        </p:spPr>
+        <p:txBody>
+          <a:bodyPr vert="horz" lIns="91440" tIns="45720" rIns="91440" bIns="45720" rtlCol="0">
+            <a:normAutofit/>
+          </a:bodyPr>
+          <a:lstStyle>
+            <a:lvl1pPr marL="228600" indent="-228600" algn="l" defTabSz="914400" rtl="0" eaLnBrk="1" latinLnBrk="0" hangingPunct="1">
+              <a:lnSpc>
+                <a:spcPct val="90000"/>
+              </a:lnSpc>
+              <a:spcBef>
+                <a:spcPts val="1000"/>
+              </a:spcBef>
+              <a:buFont typeface="Arial" panose="020B0604020202020204" pitchFamily="34" charset="0"/>
+              <a:buChar char="•"/>
+              <a:defRPr sz="2800" kern="1200">
+                <a:solidFill>
+                  <a:schemeClr val="tx1"/>
+                </a:solidFill>
+                <a:latin typeface="+mn-lt"/>
+                <a:ea typeface="+mn-ea"/>
+                <a:cs typeface="+mn-cs"/>
+              </a:defRPr>
+            </a:lvl1pPr>
+            <a:lvl2pPr marL="685800" indent="-228600" algn="l" defTabSz="914400" rtl="0" eaLnBrk="1" latinLnBrk="0" hangingPunct="1">
+              <a:lnSpc>
+                <a:spcPct val="90000"/>
+              </a:lnSpc>
+              <a:spcBef>
+                <a:spcPts val="500"/>
+              </a:spcBef>
+              <a:buFont typeface="Arial" panose="020B0604020202020204" pitchFamily="34" charset="0"/>
+              <a:buChar char="•"/>
+              <a:defRPr sz="2400" kern="1200">
+                <a:solidFill>
+                  <a:schemeClr val="tx1"/>
+                </a:solidFill>
+                <a:latin typeface="+mn-lt"/>
+                <a:ea typeface="+mn-ea"/>
+                <a:cs typeface="+mn-cs"/>
+              </a:defRPr>
+            </a:lvl2pPr>
+            <a:lvl3pPr marL="1143000" indent="-228600" algn="l" defTabSz="914400" rtl="0" eaLnBrk="1" latinLnBrk="0" hangingPunct="1">
+              <a:lnSpc>
+                <a:spcPct val="90000"/>
+              </a:lnSpc>
+              <a:spcBef>
+                <a:spcPts val="500"/>
+              </a:spcBef>
+              <a:buFont typeface="Arial" panose="020B0604020202020204" pitchFamily="34" charset="0"/>
+              <a:buChar char="•"/>
+              <a:defRPr sz="2000" kern="1200">
+                <a:solidFill>
+                  <a:schemeClr val="tx1"/>
+                </a:solidFill>
+                <a:latin typeface="+mn-lt"/>
+                <a:ea typeface="+mn-ea"/>
+                <a:cs typeface="+mn-cs"/>
+              </a:defRPr>
+            </a:lvl3pPr>
+            <a:lvl4pPr marL="1600200" indent="-228600" algn="l" defTabSz="914400" rtl="0" eaLnBrk="1" latinLnBrk="0" hangingPunct="1">
+              <a:lnSpc>
+                <a:spcPct val="90000"/>
+              </a:lnSpc>
+              <a:spcBef>
+                <a:spcPts val="500"/>
+              </a:spcBef>
+              <a:buFont typeface="Arial" panose="020B0604020202020204" pitchFamily="34" charset="0"/>
+              <a:buChar char="•"/>
+              <a:defRPr sz="1800" kern="1200">
+                <a:solidFill>
+                  <a:schemeClr val="tx1"/>
+                </a:solidFill>
+                <a:latin typeface="+mn-lt"/>
+                <a:ea typeface="+mn-ea"/>
+                <a:cs typeface="+mn-cs"/>
+              </a:defRPr>
+            </a:lvl4pPr>
+            <a:lvl5pPr marL="2057400" indent="-228600" algn="l" defTabSz="914400" rtl="0" eaLnBrk="1" latinLnBrk="0" hangingPunct="1">
+              <a:lnSpc>
+                <a:spcPct val="90000"/>
+              </a:lnSpc>
+              <a:spcBef>
+                <a:spcPts val="500"/>
+              </a:spcBef>
+              <a:buFont typeface="Arial" panose="020B0604020202020204" pitchFamily="34" charset="0"/>
+              <a:buChar char="•"/>
+              <a:defRPr sz="1800" kern="1200">
+                <a:solidFill>
+                  <a:schemeClr val="tx1"/>
+                </a:solidFill>
+                <a:latin typeface="+mn-lt"/>
+                <a:ea typeface="+mn-ea"/>
+                <a:cs typeface="+mn-cs"/>
+              </a:defRPr>
+            </a:lvl5pPr>
+            <a:lvl6pPr marL="2514600" indent="-228600" algn="l" defTabSz="914400" rtl="0" eaLnBrk="1" latinLnBrk="0" hangingPunct="1">
+              <a:lnSpc>
+                <a:spcPct val="90000"/>
+              </a:lnSpc>
+              <a:spcBef>
+                <a:spcPts val="500"/>
+              </a:spcBef>
+              <a:buFont typeface="Arial" panose="020B0604020202020204" pitchFamily="34" charset="0"/>
+              <a:buChar char="•"/>
+              <a:defRPr sz="1800" kern="1200">
+                <a:solidFill>
+                  <a:schemeClr val="tx1"/>
+                </a:solidFill>
+                <a:latin typeface="+mn-lt"/>
+                <a:ea typeface="+mn-ea"/>
+                <a:cs typeface="+mn-cs"/>
+              </a:defRPr>
+            </a:lvl6pPr>
+            <a:lvl7pPr marL="2971800" indent="-228600" algn="l" defTabSz="914400" rtl="0" eaLnBrk="1" latinLnBrk="0" hangingPunct="1">
+              <a:lnSpc>
+                <a:spcPct val="90000"/>
+              </a:lnSpc>
+              <a:spcBef>
+                <a:spcPts val="500"/>
+              </a:spcBef>
+              <a:buFont typeface="Arial" panose="020B0604020202020204" pitchFamily="34" charset="0"/>
+              <a:buChar char="•"/>
+              <a:defRPr sz="1800" kern="1200">
+                <a:solidFill>
+                  <a:schemeClr val="tx1"/>
+                </a:solidFill>
+                <a:latin typeface="+mn-lt"/>
+                <a:ea typeface="+mn-ea"/>
+                <a:cs typeface="+mn-cs"/>
+              </a:defRPr>
+            </a:lvl7pPr>
+            <a:lvl8pPr marL="3429000" indent="-228600" algn="l" defTabSz="914400" rtl="0" eaLnBrk="1" latinLnBrk="0" hangingPunct="1">
+              <a:lnSpc>
+                <a:spcPct val="90000"/>
+              </a:lnSpc>
+              <a:spcBef>
+                <a:spcPts val="500"/>
+              </a:spcBef>
+              <a:buFont typeface="Arial" panose="020B0604020202020204" pitchFamily="34" charset="0"/>
+              <a:buChar char="•"/>
+              <a:defRPr sz="1800" kern="1200">
+                <a:solidFill>
+                  <a:schemeClr val="tx1"/>
+                </a:solidFill>
+                <a:latin typeface="+mn-lt"/>
+                <a:ea typeface="+mn-ea"/>
+                <a:cs typeface="+mn-cs"/>
+              </a:defRPr>
+            </a:lvl8pPr>
+            <a:lvl9pPr marL="3886200" indent="-228600" algn="l" defTabSz="914400" rtl="0" eaLnBrk="1" latinLnBrk="0" hangingPunct="1">
+              <a:lnSpc>
+                <a:spcPct val="90000"/>
+              </a:lnSpc>
+              <a:spcBef>
+                <a:spcPts val="500"/>
+              </a:spcBef>
+              <a:buFont typeface="Arial" panose="020B0604020202020204" pitchFamily="34" charset="0"/>
+              <a:buChar char="•"/>
+              <a:defRPr sz="1800" kern="1200">
+                <a:solidFill>
+                  <a:schemeClr val="tx1"/>
+                </a:solidFill>
+                <a:latin typeface="+mn-lt"/>
+                <a:ea typeface="+mn-ea"/>
+                <a:cs typeface="+mn-cs"/>
+              </a:defRPr>
+            </a:lvl9pPr>
+          </a:lstStyle>
+          <a:p>
+            <a:pPr marL="0" indent="0">
+              <a:buNone/>
+            </a:pPr>
+            <a:endParaRPr lang="pt-BR" sz="2000" dirty="0"/>
+          </a:p>
+        </p:txBody>
+      </p:sp>
+      <p:sp>
+        <p:nvSpPr>
+          <p:cNvPr id="8" name="Espaço Reservado para Conteúdo 5"/>
+          <p:cNvSpPr txBox="1">
+            <a:spLocks/>
+          </p:cNvSpPr>
+          <p:nvPr/>
+        </p:nvSpPr>
+        <p:spPr>
+          <a:xfrm>
+            <a:off x="504450" y="4729033"/>
+            <a:ext cx="11134556" cy="1671768"/>
+          </a:xfrm>
+          <a:prstGeom prst="rect">
+            <a:avLst/>
+          </a:prstGeom>
+        </p:spPr>
+        <p:txBody>
+          <a:bodyPr vert="horz" lIns="91440" tIns="45720" rIns="91440" bIns="45720" rtlCol="0">
+            <a:normAutofit/>
+          </a:bodyPr>
+          <a:lstStyle>
+            <a:lvl1pPr marL="228600" indent="-228600" algn="l" defTabSz="914400" rtl="0" eaLnBrk="1" latinLnBrk="0" hangingPunct="1">
+              <a:lnSpc>
+                <a:spcPct val="90000"/>
+              </a:lnSpc>
+              <a:spcBef>
+                <a:spcPts val="1000"/>
+              </a:spcBef>
+              <a:buFont typeface="Arial" panose="020B0604020202020204" pitchFamily="34" charset="0"/>
+              <a:buChar char="•"/>
+              <a:defRPr sz="2800" kern="1200">
+                <a:solidFill>
+                  <a:schemeClr val="tx1"/>
+                </a:solidFill>
+                <a:latin typeface="+mn-lt"/>
+                <a:ea typeface="+mn-ea"/>
+                <a:cs typeface="+mn-cs"/>
+              </a:defRPr>
+            </a:lvl1pPr>
+            <a:lvl2pPr marL="685800" indent="-228600" algn="l" defTabSz="914400" rtl="0" eaLnBrk="1" latinLnBrk="0" hangingPunct="1">
+              <a:lnSpc>
+                <a:spcPct val="90000"/>
+              </a:lnSpc>
+              <a:spcBef>
+                <a:spcPts val="500"/>
+              </a:spcBef>
+              <a:buFont typeface="Arial" panose="020B0604020202020204" pitchFamily="34" charset="0"/>
+              <a:buChar char="•"/>
+              <a:defRPr sz="2400" kern="1200">
+                <a:solidFill>
+                  <a:schemeClr val="tx1"/>
+                </a:solidFill>
+                <a:latin typeface="+mn-lt"/>
+                <a:ea typeface="+mn-ea"/>
+                <a:cs typeface="+mn-cs"/>
+              </a:defRPr>
+            </a:lvl2pPr>
+            <a:lvl3pPr marL="1143000" indent="-228600" algn="l" defTabSz="914400" rtl="0" eaLnBrk="1" latinLnBrk="0" hangingPunct="1">
+              <a:lnSpc>
+                <a:spcPct val="90000"/>
+              </a:lnSpc>
+              <a:spcBef>
+                <a:spcPts val="500"/>
+              </a:spcBef>
+              <a:buFont typeface="Arial" panose="020B0604020202020204" pitchFamily="34" charset="0"/>
+              <a:buChar char="•"/>
+              <a:defRPr sz="2000" kern="1200">
+                <a:solidFill>
+                  <a:schemeClr val="tx1"/>
+                </a:solidFill>
+                <a:latin typeface="+mn-lt"/>
+                <a:ea typeface="+mn-ea"/>
+                <a:cs typeface="+mn-cs"/>
+              </a:defRPr>
+            </a:lvl3pPr>
+            <a:lvl4pPr marL="1600200" indent="-228600" algn="l" defTabSz="914400" rtl="0" eaLnBrk="1" latinLnBrk="0" hangingPunct="1">
+              <a:lnSpc>
+                <a:spcPct val="90000"/>
+              </a:lnSpc>
+              <a:spcBef>
+                <a:spcPts val="500"/>
+              </a:spcBef>
+              <a:buFont typeface="Arial" panose="020B0604020202020204" pitchFamily="34" charset="0"/>
+              <a:buChar char="•"/>
+              <a:defRPr sz="1800" kern="1200">
+                <a:solidFill>
+                  <a:schemeClr val="tx1"/>
+                </a:solidFill>
+                <a:latin typeface="+mn-lt"/>
+                <a:ea typeface="+mn-ea"/>
+                <a:cs typeface="+mn-cs"/>
+              </a:defRPr>
+            </a:lvl4pPr>
+            <a:lvl5pPr marL="2057400" indent="-228600" algn="l" defTabSz="914400" rtl="0" eaLnBrk="1" latinLnBrk="0" hangingPunct="1">
+              <a:lnSpc>
+                <a:spcPct val="90000"/>
+              </a:lnSpc>
+              <a:spcBef>
+                <a:spcPts val="500"/>
+              </a:spcBef>
+              <a:buFont typeface="Arial" panose="020B0604020202020204" pitchFamily="34" charset="0"/>
+              <a:buChar char="•"/>
+              <a:defRPr sz="1800" kern="1200">
+                <a:solidFill>
+                  <a:schemeClr val="tx1"/>
+                </a:solidFill>
+                <a:latin typeface="+mn-lt"/>
+                <a:ea typeface="+mn-ea"/>
+                <a:cs typeface="+mn-cs"/>
+              </a:defRPr>
+            </a:lvl5pPr>
+            <a:lvl6pPr marL="2514600" indent="-228600" algn="l" defTabSz="914400" rtl="0" eaLnBrk="1" latinLnBrk="0" hangingPunct="1">
+              <a:lnSpc>
+                <a:spcPct val="90000"/>
+              </a:lnSpc>
+              <a:spcBef>
+                <a:spcPts val="500"/>
+              </a:spcBef>
+              <a:buFont typeface="Arial" panose="020B0604020202020204" pitchFamily="34" charset="0"/>
+              <a:buChar char="•"/>
+              <a:defRPr sz="1800" kern="1200">
+                <a:solidFill>
+                  <a:schemeClr val="tx1"/>
+                </a:solidFill>
+                <a:latin typeface="+mn-lt"/>
+                <a:ea typeface="+mn-ea"/>
+                <a:cs typeface="+mn-cs"/>
+              </a:defRPr>
+            </a:lvl6pPr>
+            <a:lvl7pPr marL="2971800" indent="-228600" algn="l" defTabSz="914400" rtl="0" eaLnBrk="1" latinLnBrk="0" hangingPunct="1">
+              <a:lnSpc>
+                <a:spcPct val="90000"/>
+              </a:lnSpc>
+              <a:spcBef>
+                <a:spcPts val="500"/>
+              </a:spcBef>
+              <a:buFont typeface="Arial" panose="020B0604020202020204" pitchFamily="34" charset="0"/>
+              <a:buChar char="•"/>
+              <a:defRPr sz="1800" kern="1200">
+                <a:solidFill>
+                  <a:schemeClr val="tx1"/>
+                </a:solidFill>
+                <a:latin typeface="+mn-lt"/>
+                <a:ea typeface="+mn-ea"/>
+                <a:cs typeface="+mn-cs"/>
+              </a:defRPr>
+            </a:lvl7pPr>
+            <a:lvl8pPr marL="3429000" indent="-228600" algn="l" defTabSz="914400" rtl="0" eaLnBrk="1" latinLnBrk="0" hangingPunct="1">
+              <a:lnSpc>
+                <a:spcPct val="90000"/>
+              </a:lnSpc>
+              <a:spcBef>
+                <a:spcPts val="500"/>
+              </a:spcBef>
+              <a:buFont typeface="Arial" panose="020B0604020202020204" pitchFamily="34" charset="0"/>
+              <a:buChar char="•"/>
+              <a:defRPr sz="1800" kern="1200">
+                <a:solidFill>
+                  <a:schemeClr val="tx1"/>
+                </a:solidFill>
+                <a:latin typeface="+mn-lt"/>
+                <a:ea typeface="+mn-ea"/>
+                <a:cs typeface="+mn-cs"/>
+              </a:defRPr>
+            </a:lvl8pPr>
+            <a:lvl9pPr marL="3886200" indent="-228600" algn="l" defTabSz="914400" rtl="0" eaLnBrk="1" latinLnBrk="0" hangingPunct="1">
+              <a:lnSpc>
+                <a:spcPct val="90000"/>
+              </a:lnSpc>
+              <a:spcBef>
+                <a:spcPts val="500"/>
+              </a:spcBef>
+              <a:buFont typeface="Arial" panose="020B0604020202020204" pitchFamily="34" charset="0"/>
+              <a:buChar char="•"/>
+              <a:defRPr sz="1800" kern="1200">
+                <a:solidFill>
+                  <a:schemeClr val="tx1"/>
+                </a:solidFill>
+                <a:latin typeface="+mn-lt"/>
+                <a:ea typeface="+mn-ea"/>
+                <a:cs typeface="+mn-cs"/>
+              </a:defRPr>
+            </a:lvl9pPr>
+          </a:lstStyle>
+          <a:p>
+            <a:endParaRPr lang="pt-BR" sz="2000" dirty="0"/>
+          </a:p>
+        </p:txBody>
+      </p:sp>
+      <p:sp>
+        <p:nvSpPr>
+          <p:cNvPr id="3" name="CaixaDeTexto 2"/>
+          <p:cNvSpPr txBox="1"/>
+          <p:nvPr/>
+        </p:nvSpPr>
+        <p:spPr>
+          <a:xfrm>
+            <a:off x="529429" y="1181988"/>
+            <a:ext cx="11396959" cy="4031873"/>
+          </a:xfrm>
+          <a:prstGeom prst="rect">
+            <a:avLst/>
+          </a:prstGeom>
+          <a:noFill/>
+        </p:spPr>
+        <p:txBody>
+          <a:bodyPr wrap="square" rtlCol="0">
+            <a:spAutoFit/>
+          </a:bodyPr>
+          <a:lstStyle/>
+          <a:p>
+            <a:endParaRPr lang="pt-BR" sz="1600" dirty="0" smtClean="0"/>
+          </a:p>
+          <a:p>
+            <a:pPr marL="285750" indent="-285750">
+              <a:buFont typeface="Wingdings" panose="05000000000000000000" pitchFamily="2" charset="2"/>
+              <a:buChar char="Ø"/>
+            </a:pPr>
+            <a:r>
+              <a:rPr lang="pt-BR" sz="1600" dirty="0" err="1" smtClean="0"/>
+              <a:t>docker</a:t>
+            </a:r>
+            <a:r>
+              <a:rPr lang="pt-BR" sz="1600" dirty="0" smtClean="0"/>
+              <a:t> </a:t>
+            </a:r>
+            <a:r>
+              <a:rPr lang="pt-BR" sz="1600" dirty="0" err="1" smtClean="0"/>
+              <a:t>run</a:t>
+            </a:r>
+            <a:r>
+              <a:rPr lang="pt-BR" sz="1600" dirty="0" smtClean="0"/>
+              <a:t> </a:t>
+            </a:r>
+            <a:r>
+              <a:rPr lang="pt-BR" sz="1600" dirty="0" err="1" smtClean="0"/>
+              <a:t>ubuntu</a:t>
+            </a:r>
+            <a:r>
+              <a:rPr lang="pt-BR" sz="1600" dirty="0" smtClean="0"/>
+              <a:t> </a:t>
+            </a:r>
+            <a:r>
+              <a:rPr lang="pt-BR" sz="1600" dirty="0" err="1" smtClean="0"/>
+              <a:t>echo</a:t>
+            </a:r>
+            <a:r>
+              <a:rPr lang="pt-BR" sz="1600" dirty="0" smtClean="0"/>
+              <a:t> “ Olá Mundo!”</a:t>
+            </a:r>
+          </a:p>
+          <a:p>
+            <a:pPr marL="285750" indent="-285750">
+              <a:buFont typeface="Wingdings" panose="05000000000000000000" pitchFamily="2" charset="2"/>
+              <a:buChar char="Ø"/>
+            </a:pPr>
+            <a:endParaRPr lang="pt-BR" sz="1600" dirty="0"/>
+          </a:p>
+          <a:p>
+            <a:pPr marL="285750" indent="-285750">
+              <a:buFont typeface="Wingdings" panose="05000000000000000000" pitchFamily="2" charset="2"/>
+              <a:buChar char="Ø"/>
+            </a:pPr>
+            <a:r>
+              <a:rPr lang="pt-BR" sz="1600" dirty="0" err="1"/>
+              <a:t>docker</a:t>
+            </a:r>
+            <a:r>
+              <a:rPr lang="pt-BR" sz="1600" dirty="0"/>
+              <a:t> </a:t>
+            </a:r>
+            <a:r>
+              <a:rPr lang="pt-BR" sz="1600" dirty="0" err="1"/>
+              <a:t>run</a:t>
+            </a:r>
+            <a:r>
+              <a:rPr lang="pt-BR" sz="1600" dirty="0"/>
+              <a:t> -it </a:t>
+            </a:r>
+            <a:r>
+              <a:rPr lang="pt-BR" sz="1600" dirty="0" err="1" smtClean="0"/>
+              <a:t>ubuntu</a:t>
+            </a:r>
+            <a:r>
+              <a:rPr lang="pt-BR" sz="1600" dirty="0" smtClean="0"/>
+              <a:t>  - </a:t>
+            </a:r>
+            <a:r>
+              <a:rPr lang="pt-BR" sz="1600" b="1" dirty="0" smtClean="0"/>
+              <a:t>Trabalhar dentro do Container</a:t>
+            </a:r>
+          </a:p>
+          <a:p>
+            <a:pPr marL="285750" indent="-285750">
+              <a:buFont typeface="Wingdings" panose="05000000000000000000" pitchFamily="2" charset="2"/>
+              <a:buChar char="Ø"/>
+            </a:pPr>
+            <a:endParaRPr lang="pt-BR" sz="1600" dirty="0"/>
+          </a:p>
+          <a:p>
+            <a:pPr marL="285750" indent="-285750">
+              <a:buFont typeface="Wingdings" panose="05000000000000000000" pitchFamily="2" charset="2"/>
+              <a:buChar char="Ø"/>
+            </a:pPr>
+            <a:r>
+              <a:rPr lang="pt-BR" sz="1600" dirty="0" err="1" smtClean="0"/>
+              <a:t>docker</a:t>
+            </a:r>
+            <a:r>
+              <a:rPr lang="pt-BR" sz="1600" dirty="0" smtClean="0"/>
+              <a:t> </a:t>
+            </a:r>
+            <a:r>
+              <a:rPr lang="pt-BR" sz="1600" dirty="0"/>
+              <a:t>start –help - </a:t>
+            </a:r>
+            <a:r>
+              <a:rPr lang="pt-BR" sz="1600" b="1" dirty="0"/>
+              <a:t>Ajuda sobre comandos</a:t>
+            </a:r>
+          </a:p>
+          <a:p>
+            <a:endParaRPr lang="pt-BR" sz="1600" dirty="0" smtClean="0"/>
+          </a:p>
+          <a:p>
+            <a:pPr marL="285750" indent="-285750">
+              <a:buFont typeface="Wingdings" panose="05000000000000000000" pitchFamily="2" charset="2"/>
+              <a:buChar char="Ø"/>
+            </a:pPr>
+            <a:r>
+              <a:rPr lang="pt-BR" sz="1600" dirty="0" err="1" smtClean="0"/>
+              <a:t>docker</a:t>
+            </a:r>
+            <a:r>
+              <a:rPr lang="pt-BR" sz="1600" dirty="0" smtClean="0"/>
+              <a:t> </a:t>
+            </a:r>
+            <a:r>
+              <a:rPr lang="pt-BR" sz="1600" dirty="0"/>
+              <a:t>start </a:t>
+            </a:r>
+            <a:r>
+              <a:rPr lang="pt-BR" sz="1600" dirty="0" smtClean="0"/>
+              <a:t>4139842e283a – </a:t>
+            </a:r>
+            <a:r>
+              <a:rPr lang="pt-BR" sz="1600" b="1" dirty="0" smtClean="0"/>
+              <a:t>Iniciar um container</a:t>
+            </a:r>
+            <a:endParaRPr lang="pt-BR" sz="1600" b="1" dirty="0"/>
+          </a:p>
+          <a:p>
+            <a:endParaRPr lang="pt-BR" sz="1600" dirty="0" smtClean="0"/>
+          </a:p>
+          <a:p>
+            <a:pPr marL="285750" indent="-285750">
+              <a:buFont typeface="Wingdings" panose="05000000000000000000" pitchFamily="2" charset="2"/>
+              <a:buChar char="Ø"/>
+            </a:pPr>
+            <a:r>
+              <a:rPr lang="pt-BR" sz="1600" dirty="0" err="1" smtClean="0"/>
+              <a:t>docker</a:t>
+            </a:r>
+            <a:r>
+              <a:rPr lang="pt-BR" sz="1600" dirty="0" smtClean="0"/>
+              <a:t> </a:t>
+            </a:r>
+            <a:r>
+              <a:rPr lang="pt-BR" sz="1600" dirty="0"/>
+              <a:t>stop </a:t>
+            </a:r>
+            <a:r>
+              <a:rPr lang="pt-BR" sz="1600" dirty="0" smtClean="0"/>
+              <a:t>4139842e283a – </a:t>
+            </a:r>
+            <a:r>
+              <a:rPr lang="pt-BR" sz="1600" b="1" dirty="0" smtClean="0"/>
+              <a:t>Parar um container</a:t>
+            </a:r>
+            <a:endParaRPr lang="pt-BR" sz="1600" b="1" dirty="0"/>
+          </a:p>
+          <a:p>
+            <a:endParaRPr lang="pt-BR" sz="1600" dirty="0" smtClean="0"/>
+          </a:p>
+          <a:p>
+            <a:pPr marL="285750" indent="-285750">
+              <a:buFont typeface="Wingdings" panose="05000000000000000000" pitchFamily="2" charset="2"/>
+              <a:buChar char="Ø"/>
+            </a:pPr>
+            <a:r>
+              <a:rPr lang="pt-BR" sz="1600" dirty="0" err="1" smtClean="0"/>
+              <a:t>docker</a:t>
+            </a:r>
+            <a:r>
+              <a:rPr lang="pt-BR" sz="1600" dirty="0" smtClean="0"/>
+              <a:t> </a:t>
+            </a:r>
+            <a:r>
+              <a:rPr lang="pt-BR" sz="1600" dirty="0"/>
+              <a:t>start –a –i </a:t>
+            </a:r>
+            <a:r>
+              <a:rPr lang="pt-BR" sz="1600" dirty="0" smtClean="0"/>
+              <a:t>4139842e283a – </a:t>
+            </a:r>
+            <a:r>
+              <a:rPr lang="pt-BR" sz="1600" b="1" dirty="0" smtClean="0"/>
+              <a:t>Iniciar um container e já acessá-lo ( -a </a:t>
+            </a:r>
+            <a:r>
+              <a:rPr lang="pt-BR" sz="1600" b="1" dirty="0" err="1" smtClean="0"/>
+              <a:t>attach</a:t>
+            </a:r>
+            <a:r>
+              <a:rPr lang="pt-BR" sz="1600" b="1" dirty="0" smtClean="0"/>
+              <a:t> / -i </a:t>
+            </a:r>
+            <a:r>
+              <a:rPr lang="pt-BR" sz="1600" b="1" dirty="0" err="1" smtClean="0"/>
+              <a:t>interactive</a:t>
+            </a:r>
+            <a:r>
+              <a:rPr lang="pt-BR" sz="1600" b="1" dirty="0" smtClean="0"/>
+              <a:t> )</a:t>
+            </a:r>
+          </a:p>
+          <a:p>
+            <a:pPr marL="742950" lvl="1" indent="-285750">
+              <a:buFont typeface="Wingdings" panose="05000000000000000000" pitchFamily="2" charset="2"/>
+              <a:buChar char="Ø"/>
+            </a:pPr>
+            <a:r>
+              <a:rPr lang="pt-BR" sz="1600" dirty="0" smtClean="0"/>
+              <a:t>root@4139842e283a</a:t>
+            </a:r>
+            <a:endParaRPr lang="pt-BR" sz="1600" b="1" dirty="0"/>
+          </a:p>
+          <a:p>
+            <a:endParaRPr lang="pt-BR" sz="1600" dirty="0"/>
+          </a:p>
+          <a:p>
+            <a:pPr marL="285750" indent="-285750">
+              <a:buFont typeface="Wingdings" panose="05000000000000000000" pitchFamily="2" charset="2"/>
+              <a:buChar char="Ø"/>
+            </a:pPr>
+            <a:endParaRPr lang="pt-BR" sz="1600" dirty="0" smtClean="0"/>
+          </a:p>
+          <a:p>
+            <a:endParaRPr lang="pt-BR" sz="1600" dirty="0"/>
           </a:p>
         </p:txBody>
       </p:sp>
     </p:spTree>
     <p:extLst>
       <p:ext uri="{BB962C8B-B14F-4D97-AF65-F5344CB8AC3E}">
-        <p14:creationId xmlns:p14="http://schemas.microsoft.com/office/powerpoint/2010/main" val="1965684712"/>
+        <p14:creationId xmlns:p14="http://schemas.microsoft.com/office/powerpoint/2010/main" val="743545617"/>
       </p:ext>
     </p:extLst>
   </p:cSld>
@@ -6185,7 +7194,7 @@
     </p:spTree>
     <p:extLst>
       <p:ext uri="{BB962C8B-B14F-4D97-AF65-F5344CB8AC3E}">
-        <p14:creationId xmlns:p14="http://schemas.microsoft.com/office/powerpoint/2010/main" val="517489975"/>
+        <p14:creationId xmlns:p14="http://schemas.microsoft.com/office/powerpoint/2010/main" val="1965684712"/>
       </p:ext>
     </p:extLst>
   </p:cSld>

--- a/docs/docker-resumo.pptx
+++ b/docs/docker-resumo.pptx
@@ -13,14 +13,17 @@
     <p:sldId id="290" r:id="rId7"/>
     <p:sldId id="292" r:id="rId8"/>
     <p:sldId id="291" r:id="rId9"/>
-    <p:sldId id="278" r:id="rId10"/>
-    <p:sldId id="281" r:id="rId11"/>
-    <p:sldId id="280" r:id="rId12"/>
-    <p:sldId id="279" r:id="rId13"/>
-    <p:sldId id="282" r:id="rId14"/>
-    <p:sldId id="283" r:id="rId15"/>
-    <p:sldId id="284" r:id="rId16"/>
-    <p:sldId id="285" r:id="rId17"/>
+    <p:sldId id="295" r:id="rId10"/>
+    <p:sldId id="296" r:id="rId11"/>
+    <p:sldId id="297" r:id="rId12"/>
+    <p:sldId id="293" r:id="rId13"/>
+    <p:sldId id="298" r:id="rId14"/>
+    <p:sldId id="299" r:id="rId15"/>
+    <p:sldId id="294" r:id="rId16"/>
+    <p:sldId id="281" r:id="rId17"/>
+    <p:sldId id="280" r:id="rId18"/>
+    <p:sldId id="284" r:id="rId19"/>
+    <p:sldId id="285" r:id="rId20"/>
   </p:sldIdLst>
   <p:sldSz cx="12192000" cy="6858000"/>
   <p:notesSz cx="6858000" cy="9144000"/>
@@ -256,7 +259,7 @@
           <a:p>
             <a:fld id="{CC58B075-67F8-4A8D-AE1C-3D3E4193EBCA}" type="datetimeFigureOut">
               <a:rPr lang="pt-BR" smtClean="0"/>
-              <a:t>10/09/2019</a:t>
+              <a:t>13/09/2019</a:t>
             </a:fld>
             <a:endParaRPr lang="pt-BR"/>
           </a:p>
@@ -424,7 +427,7 @@
           <a:p>
             <a:fld id="{CC58B075-67F8-4A8D-AE1C-3D3E4193EBCA}" type="datetimeFigureOut">
               <a:rPr lang="pt-BR" smtClean="0"/>
-              <a:t>10/09/2019</a:t>
+              <a:t>13/09/2019</a:t>
             </a:fld>
             <a:endParaRPr lang="pt-BR"/>
           </a:p>
@@ -602,7 +605,7 @@
           <a:p>
             <a:fld id="{CC58B075-67F8-4A8D-AE1C-3D3E4193EBCA}" type="datetimeFigureOut">
               <a:rPr lang="pt-BR" smtClean="0"/>
-              <a:t>10/09/2019</a:t>
+              <a:t>13/09/2019</a:t>
             </a:fld>
             <a:endParaRPr lang="pt-BR"/>
           </a:p>
@@ -770,7 +773,7 @@
           <a:p>
             <a:fld id="{CC58B075-67F8-4A8D-AE1C-3D3E4193EBCA}" type="datetimeFigureOut">
               <a:rPr lang="pt-BR" smtClean="0"/>
-              <a:t>10/09/2019</a:t>
+              <a:t>13/09/2019</a:t>
             </a:fld>
             <a:endParaRPr lang="pt-BR"/>
           </a:p>
@@ -1015,7 +1018,7 @@
           <a:p>
             <a:fld id="{CC58B075-67F8-4A8D-AE1C-3D3E4193EBCA}" type="datetimeFigureOut">
               <a:rPr lang="pt-BR" smtClean="0"/>
-              <a:t>10/09/2019</a:t>
+              <a:t>13/09/2019</a:t>
             </a:fld>
             <a:endParaRPr lang="pt-BR"/>
           </a:p>
@@ -1244,7 +1247,7 @@
           <a:p>
             <a:fld id="{CC58B075-67F8-4A8D-AE1C-3D3E4193EBCA}" type="datetimeFigureOut">
               <a:rPr lang="pt-BR" smtClean="0"/>
-              <a:t>10/09/2019</a:t>
+              <a:t>13/09/2019</a:t>
             </a:fld>
             <a:endParaRPr lang="pt-BR"/>
           </a:p>
@@ -1608,7 +1611,7 @@
           <a:p>
             <a:fld id="{CC58B075-67F8-4A8D-AE1C-3D3E4193EBCA}" type="datetimeFigureOut">
               <a:rPr lang="pt-BR" smtClean="0"/>
-              <a:t>10/09/2019</a:t>
+              <a:t>13/09/2019</a:t>
             </a:fld>
             <a:endParaRPr lang="pt-BR"/>
           </a:p>
@@ -1725,7 +1728,7 @@
           <a:p>
             <a:fld id="{CC58B075-67F8-4A8D-AE1C-3D3E4193EBCA}" type="datetimeFigureOut">
               <a:rPr lang="pt-BR" smtClean="0"/>
-              <a:t>10/09/2019</a:t>
+              <a:t>13/09/2019</a:t>
             </a:fld>
             <a:endParaRPr lang="pt-BR"/>
           </a:p>
@@ -1820,7 +1823,7 @@
           <a:p>
             <a:fld id="{CC58B075-67F8-4A8D-AE1C-3D3E4193EBCA}" type="datetimeFigureOut">
               <a:rPr lang="pt-BR" smtClean="0"/>
-              <a:t>10/09/2019</a:t>
+              <a:t>13/09/2019</a:t>
             </a:fld>
             <a:endParaRPr lang="pt-BR"/>
           </a:p>
@@ -2095,7 +2098,7 @@
           <a:p>
             <a:fld id="{CC58B075-67F8-4A8D-AE1C-3D3E4193EBCA}" type="datetimeFigureOut">
               <a:rPr lang="pt-BR" smtClean="0"/>
-              <a:t>10/09/2019</a:t>
+              <a:t>13/09/2019</a:t>
             </a:fld>
             <a:endParaRPr lang="pt-BR"/>
           </a:p>
@@ -2347,7 +2350,7 @@
           <a:p>
             <a:fld id="{CC58B075-67F8-4A8D-AE1C-3D3E4193EBCA}" type="datetimeFigureOut">
               <a:rPr lang="pt-BR" smtClean="0"/>
-              <a:t>10/09/2019</a:t>
+              <a:t>13/09/2019</a:t>
             </a:fld>
             <a:endParaRPr lang="pt-BR"/>
           </a:p>
@@ -2558,7 +2561,7 @@
           <a:p>
             <a:fld id="{CC58B075-67F8-4A8D-AE1C-3D3E4193EBCA}" type="datetimeFigureOut">
               <a:rPr lang="pt-BR" smtClean="0"/>
-              <a:t>10/09/2019</a:t>
+              <a:t>13/09/2019</a:t>
             </a:fld>
             <a:endParaRPr lang="pt-BR"/>
           </a:p>
@@ -3020,7 +3023,390 @@
       </p:grpSpPr>
       <p:sp>
         <p:nvSpPr>
-          <p:cNvPr id="2" name="Título 1"/>
+          <p:cNvPr id="5" name="Espaço Reservado para Conteúdo 5"/>
+          <p:cNvSpPr txBox="1">
+            <a:spLocks/>
+          </p:cNvSpPr>
+          <p:nvPr/>
+        </p:nvSpPr>
+        <p:spPr>
+          <a:xfrm>
+            <a:off x="504450" y="1084496"/>
+            <a:ext cx="11421938" cy="3317687"/>
+          </a:xfrm>
+          <a:prstGeom prst="rect">
+            <a:avLst/>
+          </a:prstGeom>
+        </p:spPr>
+        <p:txBody>
+          <a:bodyPr vert="horz" lIns="91440" tIns="45720" rIns="91440" bIns="45720" rtlCol="0">
+            <a:normAutofit/>
+          </a:bodyPr>
+          <a:lstStyle>
+            <a:lvl1pPr marL="228600" indent="-228600" algn="l" defTabSz="914400" rtl="0" eaLnBrk="1" latinLnBrk="0" hangingPunct="1">
+              <a:lnSpc>
+                <a:spcPct val="90000"/>
+              </a:lnSpc>
+              <a:spcBef>
+                <a:spcPts val="1000"/>
+              </a:spcBef>
+              <a:buFont typeface="Arial" panose="020B0604020202020204" pitchFamily="34" charset="0"/>
+              <a:buChar char="•"/>
+              <a:defRPr sz="2800" kern="1200">
+                <a:solidFill>
+                  <a:schemeClr val="tx1"/>
+                </a:solidFill>
+                <a:latin typeface="+mn-lt"/>
+                <a:ea typeface="+mn-ea"/>
+                <a:cs typeface="+mn-cs"/>
+              </a:defRPr>
+            </a:lvl1pPr>
+            <a:lvl2pPr marL="685800" indent="-228600" algn="l" defTabSz="914400" rtl="0" eaLnBrk="1" latinLnBrk="0" hangingPunct="1">
+              <a:lnSpc>
+                <a:spcPct val="90000"/>
+              </a:lnSpc>
+              <a:spcBef>
+                <a:spcPts val="500"/>
+              </a:spcBef>
+              <a:buFont typeface="Arial" panose="020B0604020202020204" pitchFamily="34" charset="0"/>
+              <a:buChar char="•"/>
+              <a:defRPr sz="2400" kern="1200">
+                <a:solidFill>
+                  <a:schemeClr val="tx1"/>
+                </a:solidFill>
+                <a:latin typeface="+mn-lt"/>
+                <a:ea typeface="+mn-ea"/>
+                <a:cs typeface="+mn-cs"/>
+              </a:defRPr>
+            </a:lvl2pPr>
+            <a:lvl3pPr marL="1143000" indent="-228600" algn="l" defTabSz="914400" rtl="0" eaLnBrk="1" latinLnBrk="0" hangingPunct="1">
+              <a:lnSpc>
+                <a:spcPct val="90000"/>
+              </a:lnSpc>
+              <a:spcBef>
+                <a:spcPts val="500"/>
+              </a:spcBef>
+              <a:buFont typeface="Arial" panose="020B0604020202020204" pitchFamily="34" charset="0"/>
+              <a:buChar char="•"/>
+              <a:defRPr sz="2000" kern="1200">
+                <a:solidFill>
+                  <a:schemeClr val="tx1"/>
+                </a:solidFill>
+                <a:latin typeface="+mn-lt"/>
+                <a:ea typeface="+mn-ea"/>
+                <a:cs typeface="+mn-cs"/>
+              </a:defRPr>
+            </a:lvl3pPr>
+            <a:lvl4pPr marL="1600200" indent="-228600" algn="l" defTabSz="914400" rtl="0" eaLnBrk="1" latinLnBrk="0" hangingPunct="1">
+              <a:lnSpc>
+                <a:spcPct val="90000"/>
+              </a:lnSpc>
+              <a:spcBef>
+                <a:spcPts val="500"/>
+              </a:spcBef>
+              <a:buFont typeface="Arial" panose="020B0604020202020204" pitchFamily="34" charset="0"/>
+              <a:buChar char="•"/>
+              <a:defRPr sz="1800" kern="1200">
+                <a:solidFill>
+                  <a:schemeClr val="tx1"/>
+                </a:solidFill>
+                <a:latin typeface="+mn-lt"/>
+                <a:ea typeface="+mn-ea"/>
+                <a:cs typeface="+mn-cs"/>
+              </a:defRPr>
+            </a:lvl4pPr>
+            <a:lvl5pPr marL="2057400" indent="-228600" algn="l" defTabSz="914400" rtl="0" eaLnBrk="1" latinLnBrk="0" hangingPunct="1">
+              <a:lnSpc>
+                <a:spcPct val="90000"/>
+              </a:lnSpc>
+              <a:spcBef>
+                <a:spcPts val="500"/>
+              </a:spcBef>
+              <a:buFont typeface="Arial" panose="020B0604020202020204" pitchFamily="34" charset="0"/>
+              <a:buChar char="•"/>
+              <a:defRPr sz="1800" kern="1200">
+                <a:solidFill>
+                  <a:schemeClr val="tx1"/>
+                </a:solidFill>
+                <a:latin typeface="+mn-lt"/>
+                <a:ea typeface="+mn-ea"/>
+                <a:cs typeface="+mn-cs"/>
+              </a:defRPr>
+            </a:lvl5pPr>
+            <a:lvl6pPr marL="2514600" indent="-228600" algn="l" defTabSz="914400" rtl="0" eaLnBrk="1" latinLnBrk="0" hangingPunct="1">
+              <a:lnSpc>
+                <a:spcPct val="90000"/>
+              </a:lnSpc>
+              <a:spcBef>
+                <a:spcPts val="500"/>
+              </a:spcBef>
+              <a:buFont typeface="Arial" panose="020B0604020202020204" pitchFamily="34" charset="0"/>
+              <a:buChar char="•"/>
+              <a:defRPr sz="1800" kern="1200">
+                <a:solidFill>
+                  <a:schemeClr val="tx1"/>
+                </a:solidFill>
+                <a:latin typeface="+mn-lt"/>
+                <a:ea typeface="+mn-ea"/>
+                <a:cs typeface="+mn-cs"/>
+              </a:defRPr>
+            </a:lvl6pPr>
+            <a:lvl7pPr marL="2971800" indent="-228600" algn="l" defTabSz="914400" rtl="0" eaLnBrk="1" latinLnBrk="0" hangingPunct="1">
+              <a:lnSpc>
+                <a:spcPct val="90000"/>
+              </a:lnSpc>
+              <a:spcBef>
+                <a:spcPts val="500"/>
+              </a:spcBef>
+              <a:buFont typeface="Arial" panose="020B0604020202020204" pitchFamily="34" charset="0"/>
+              <a:buChar char="•"/>
+              <a:defRPr sz="1800" kern="1200">
+                <a:solidFill>
+                  <a:schemeClr val="tx1"/>
+                </a:solidFill>
+                <a:latin typeface="+mn-lt"/>
+                <a:ea typeface="+mn-ea"/>
+                <a:cs typeface="+mn-cs"/>
+              </a:defRPr>
+            </a:lvl7pPr>
+            <a:lvl8pPr marL="3429000" indent="-228600" algn="l" defTabSz="914400" rtl="0" eaLnBrk="1" latinLnBrk="0" hangingPunct="1">
+              <a:lnSpc>
+                <a:spcPct val="90000"/>
+              </a:lnSpc>
+              <a:spcBef>
+                <a:spcPts val="500"/>
+              </a:spcBef>
+              <a:buFont typeface="Arial" panose="020B0604020202020204" pitchFamily="34" charset="0"/>
+              <a:buChar char="•"/>
+              <a:defRPr sz="1800" kern="1200">
+                <a:solidFill>
+                  <a:schemeClr val="tx1"/>
+                </a:solidFill>
+                <a:latin typeface="+mn-lt"/>
+                <a:ea typeface="+mn-ea"/>
+                <a:cs typeface="+mn-cs"/>
+              </a:defRPr>
+            </a:lvl8pPr>
+            <a:lvl9pPr marL="3886200" indent="-228600" algn="l" defTabSz="914400" rtl="0" eaLnBrk="1" latinLnBrk="0" hangingPunct="1">
+              <a:lnSpc>
+                <a:spcPct val="90000"/>
+              </a:lnSpc>
+              <a:spcBef>
+                <a:spcPts val="500"/>
+              </a:spcBef>
+              <a:buFont typeface="Arial" panose="020B0604020202020204" pitchFamily="34" charset="0"/>
+              <a:buChar char="•"/>
+              <a:defRPr sz="1800" kern="1200">
+                <a:solidFill>
+                  <a:schemeClr val="tx1"/>
+                </a:solidFill>
+                <a:latin typeface="+mn-lt"/>
+                <a:ea typeface="+mn-ea"/>
+                <a:cs typeface="+mn-cs"/>
+              </a:defRPr>
+            </a:lvl9pPr>
+          </a:lstStyle>
+          <a:p>
+            <a:pPr marL="0" indent="0">
+              <a:buNone/>
+            </a:pPr>
+            <a:endParaRPr lang="pt-BR" sz="2000" dirty="0"/>
+          </a:p>
+        </p:txBody>
+      </p:sp>
+      <p:sp>
+        <p:nvSpPr>
+          <p:cNvPr id="8" name="Espaço Reservado para Conteúdo 5"/>
+          <p:cNvSpPr txBox="1">
+            <a:spLocks/>
+          </p:cNvSpPr>
+          <p:nvPr/>
+        </p:nvSpPr>
+        <p:spPr>
+          <a:xfrm>
+            <a:off x="504450" y="4729033"/>
+            <a:ext cx="11134556" cy="1671768"/>
+          </a:xfrm>
+          <a:prstGeom prst="rect">
+            <a:avLst/>
+          </a:prstGeom>
+        </p:spPr>
+        <p:txBody>
+          <a:bodyPr vert="horz" lIns="91440" tIns="45720" rIns="91440" bIns="45720" rtlCol="0">
+            <a:normAutofit/>
+          </a:bodyPr>
+          <a:lstStyle>
+            <a:lvl1pPr marL="228600" indent="-228600" algn="l" defTabSz="914400" rtl="0" eaLnBrk="1" latinLnBrk="0" hangingPunct="1">
+              <a:lnSpc>
+                <a:spcPct val="90000"/>
+              </a:lnSpc>
+              <a:spcBef>
+                <a:spcPts val="1000"/>
+              </a:spcBef>
+              <a:buFont typeface="Arial" panose="020B0604020202020204" pitchFamily="34" charset="0"/>
+              <a:buChar char="•"/>
+              <a:defRPr sz="2800" kern="1200">
+                <a:solidFill>
+                  <a:schemeClr val="tx1"/>
+                </a:solidFill>
+                <a:latin typeface="+mn-lt"/>
+                <a:ea typeface="+mn-ea"/>
+                <a:cs typeface="+mn-cs"/>
+              </a:defRPr>
+            </a:lvl1pPr>
+            <a:lvl2pPr marL="685800" indent="-228600" algn="l" defTabSz="914400" rtl="0" eaLnBrk="1" latinLnBrk="0" hangingPunct="1">
+              <a:lnSpc>
+                <a:spcPct val="90000"/>
+              </a:lnSpc>
+              <a:spcBef>
+                <a:spcPts val="500"/>
+              </a:spcBef>
+              <a:buFont typeface="Arial" panose="020B0604020202020204" pitchFamily="34" charset="0"/>
+              <a:buChar char="•"/>
+              <a:defRPr sz="2400" kern="1200">
+                <a:solidFill>
+                  <a:schemeClr val="tx1"/>
+                </a:solidFill>
+                <a:latin typeface="+mn-lt"/>
+                <a:ea typeface="+mn-ea"/>
+                <a:cs typeface="+mn-cs"/>
+              </a:defRPr>
+            </a:lvl2pPr>
+            <a:lvl3pPr marL="1143000" indent="-228600" algn="l" defTabSz="914400" rtl="0" eaLnBrk="1" latinLnBrk="0" hangingPunct="1">
+              <a:lnSpc>
+                <a:spcPct val="90000"/>
+              </a:lnSpc>
+              <a:spcBef>
+                <a:spcPts val="500"/>
+              </a:spcBef>
+              <a:buFont typeface="Arial" panose="020B0604020202020204" pitchFamily="34" charset="0"/>
+              <a:buChar char="•"/>
+              <a:defRPr sz="2000" kern="1200">
+                <a:solidFill>
+                  <a:schemeClr val="tx1"/>
+                </a:solidFill>
+                <a:latin typeface="+mn-lt"/>
+                <a:ea typeface="+mn-ea"/>
+                <a:cs typeface="+mn-cs"/>
+              </a:defRPr>
+            </a:lvl3pPr>
+            <a:lvl4pPr marL="1600200" indent="-228600" algn="l" defTabSz="914400" rtl="0" eaLnBrk="1" latinLnBrk="0" hangingPunct="1">
+              <a:lnSpc>
+                <a:spcPct val="90000"/>
+              </a:lnSpc>
+              <a:spcBef>
+                <a:spcPts val="500"/>
+              </a:spcBef>
+              <a:buFont typeface="Arial" panose="020B0604020202020204" pitchFamily="34" charset="0"/>
+              <a:buChar char="•"/>
+              <a:defRPr sz="1800" kern="1200">
+                <a:solidFill>
+                  <a:schemeClr val="tx1"/>
+                </a:solidFill>
+                <a:latin typeface="+mn-lt"/>
+                <a:ea typeface="+mn-ea"/>
+                <a:cs typeface="+mn-cs"/>
+              </a:defRPr>
+            </a:lvl4pPr>
+            <a:lvl5pPr marL="2057400" indent="-228600" algn="l" defTabSz="914400" rtl="0" eaLnBrk="1" latinLnBrk="0" hangingPunct="1">
+              <a:lnSpc>
+                <a:spcPct val="90000"/>
+              </a:lnSpc>
+              <a:spcBef>
+                <a:spcPts val="500"/>
+              </a:spcBef>
+              <a:buFont typeface="Arial" panose="020B0604020202020204" pitchFamily="34" charset="0"/>
+              <a:buChar char="•"/>
+              <a:defRPr sz="1800" kern="1200">
+                <a:solidFill>
+                  <a:schemeClr val="tx1"/>
+                </a:solidFill>
+                <a:latin typeface="+mn-lt"/>
+                <a:ea typeface="+mn-ea"/>
+                <a:cs typeface="+mn-cs"/>
+              </a:defRPr>
+            </a:lvl5pPr>
+            <a:lvl6pPr marL="2514600" indent="-228600" algn="l" defTabSz="914400" rtl="0" eaLnBrk="1" latinLnBrk="0" hangingPunct="1">
+              <a:lnSpc>
+                <a:spcPct val="90000"/>
+              </a:lnSpc>
+              <a:spcBef>
+                <a:spcPts val="500"/>
+              </a:spcBef>
+              <a:buFont typeface="Arial" panose="020B0604020202020204" pitchFamily="34" charset="0"/>
+              <a:buChar char="•"/>
+              <a:defRPr sz="1800" kern="1200">
+                <a:solidFill>
+                  <a:schemeClr val="tx1"/>
+                </a:solidFill>
+                <a:latin typeface="+mn-lt"/>
+                <a:ea typeface="+mn-ea"/>
+                <a:cs typeface="+mn-cs"/>
+              </a:defRPr>
+            </a:lvl6pPr>
+            <a:lvl7pPr marL="2971800" indent="-228600" algn="l" defTabSz="914400" rtl="0" eaLnBrk="1" latinLnBrk="0" hangingPunct="1">
+              <a:lnSpc>
+                <a:spcPct val="90000"/>
+              </a:lnSpc>
+              <a:spcBef>
+                <a:spcPts val="500"/>
+              </a:spcBef>
+              <a:buFont typeface="Arial" panose="020B0604020202020204" pitchFamily="34" charset="0"/>
+              <a:buChar char="•"/>
+              <a:defRPr sz="1800" kern="1200">
+                <a:solidFill>
+                  <a:schemeClr val="tx1"/>
+                </a:solidFill>
+                <a:latin typeface="+mn-lt"/>
+                <a:ea typeface="+mn-ea"/>
+                <a:cs typeface="+mn-cs"/>
+              </a:defRPr>
+            </a:lvl7pPr>
+            <a:lvl8pPr marL="3429000" indent="-228600" algn="l" defTabSz="914400" rtl="0" eaLnBrk="1" latinLnBrk="0" hangingPunct="1">
+              <a:lnSpc>
+                <a:spcPct val="90000"/>
+              </a:lnSpc>
+              <a:spcBef>
+                <a:spcPts val="500"/>
+              </a:spcBef>
+              <a:buFont typeface="Arial" panose="020B0604020202020204" pitchFamily="34" charset="0"/>
+              <a:buChar char="•"/>
+              <a:defRPr sz="1800" kern="1200">
+                <a:solidFill>
+                  <a:schemeClr val="tx1"/>
+                </a:solidFill>
+                <a:latin typeface="+mn-lt"/>
+                <a:ea typeface="+mn-ea"/>
+                <a:cs typeface="+mn-cs"/>
+              </a:defRPr>
+            </a:lvl8pPr>
+            <a:lvl9pPr marL="3886200" indent="-228600" algn="l" defTabSz="914400" rtl="0" eaLnBrk="1" latinLnBrk="0" hangingPunct="1">
+              <a:lnSpc>
+                <a:spcPct val="90000"/>
+              </a:lnSpc>
+              <a:spcBef>
+                <a:spcPts val="500"/>
+              </a:spcBef>
+              <a:buFont typeface="Arial" panose="020B0604020202020204" pitchFamily="34" charset="0"/>
+              <a:buChar char="•"/>
+              <a:defRPr sz="1800" kern="1200">
+                <a:solidFill>
+                  <a:schemeClr val="tx1"/>
+                </a:solidFill>
+                <a:latin typeface="+mn-lt"/>
+                <a:ea typeface="+mn-ea"/>
+                <a:cs typeface="+mn-cs"/>
+              </a:defRPr>
+            </a:lvl9pPr>
+          </a:lstStyle>
+          <a:p>
+            <a:endParaRPr lang="pt-BR" sz="2000" dirty="0"/>
+          </a:p>
+        </p:txBody>
+      </p:sp>
+      <p:sp>
+        <p:nvSpPr>
+          <p:cNvPr id="9" name="Título 1"/>
           <p:cNvSpPr>
             <a:spLocks noGrp="1"/>
           </p:cNvSpPr>
@@ -3028,44 +3414,159 @@
             <p:ph type="title"/>
           </p:nvPr>
         </p:nvSpPr>
-        <p:spPr/>
-        <p:txBody>
-          <a:bodyPr/>
+        <p:spPr>
+          <a:xfrm>
+            <a:off x="292100" y="131509"/>
+            <a:ext cx="11061700" cy="452692"/>
+          </a:xfrm>
+        </p:spPr>
+        <p:txBody>
+          <a:bodyPr vert="horz" lIns="91440" tIns="45720" rIns="91440" bIns="45720" rtlCol="0" anchor="ctr">
+            <a:normAutofit fontScale="90000"/>
+          </a:bodyPr>
           <a:lstStyle/>
           <a:p>
-            <a:endParaRPr lang="pt-BR"/>
-          </a:p>
-        </p:txBody>
-      </p:sp>
-      <p:sp>
-        <p:nvSpPr>
-          <p:cNvPr id="3" name="Espaço Reservado para Conteúdo 2"/>
-          <p:cNvSpPr>
-            <a:spLocks noGrp="1"/>
-          </p:cNvSpPr>
-          <p:nvPr>
-            <p:ph idx="1"/>
-          </p:nvPr>
-        </p:nvSpPr>
-        <p:spPr/>
-        <p:txBody>
-          <a:bodyPr/>
+            <a:pPr algn="ctr"/>
+            <a:r>
+              <a:rPr lang="pt-BR" sz="2800" b="1" dirty="0" err="1" smtClean="0"/>
+              <a:t>Layered</a:t>
+            </a:r>
+            <a:r>
+              <a:rPr lang="pt-BR" sz="2800" b="1" dirty="0" smtClean="0"/>
+              <a:t> </a:t>
+            </a:r>
+            <a:r>
+              <a:rPr lang="pt-BR" sz="2800" b="1" dirty="0"/>
+              <a:t>File System</a:t>
+            </a:r>
+          </a:p>
+        </p:txBody>
+      </p:sp>
+      <p:pic>
+        <p:nvPicPr>
+          <p:cNvPr id="3" name="Imagem 2"/>
+          <p:cNvPicPr>
+            <a:picLocks noChangeAspect="1"/>
+          </p:cNvPicPr>
+          <p:nvPr/>
+        </p:nvPicPr>
+        <p:blipFill>
+          <a:blip r:embed="rId2"/>
+          <a:stretch>
+            <a:fillRect/>
+          </a:stretch>
+        </p:blipFill>
+        <p:spPr>
+          <a:xfrm>
+            <a:off x="1672850" y="584201"/>
+            <a:ext cx="7294563" cy="2424338"/>
+          </a:xfrm>
+          <a:prstGeom prst="rect">
+            <a:avLst/>
+          </a:prstGeom>
+        </p:spPr>
+      </p:pic>
+      <p:pic>
+        <p:nvPicPr>
+          <p:cNvPr id="4" name="Imagem 3"/>
+          <p:cNvPicPr>
+            <a:picLocks noChangeAspect="1"/>
+          </p:cNvPicPr>
+          <p:nvPr/>
+        </p:nvPicPr>
+        <p:blipFill>
+          <a:blip r:embed="rId3"/>
+          <a:stretch>
+            <a:fillRect/>
+          </a:stretch>
+        </p:blipFill>
+        <p:spPr>
+          <a:xfrm>
+            <a:off x="819150" y="4124798"/>
+            <a:ext cx="4559299" cy="2445976"/>
+          </a:xfrm>
+          <a:prstGeom prst="rect">
+            <a:avLst/>
+          </a:prstGeom>
+        </p:spPr>
+      </p:pic>
+      <p:sp>
+        <p:nvSpPr>
+          <p:cNvPr id="10" name="CaixaDeTexto 9"/>
+          <p:cNvSpPr txBox="1"/>
+          <p:nvPr/>
+        </p:nvSpPr>
+        <p:spPr>
+          <a:xfrm>
+            <a:off x="819150" y="3423743"/>
+            <a:ext cx="10007600" cy="369332"/>
+          </a:xfrm>
+          <a:prstGeom prst="rect">
+            <a:avLst/>
+          </a:prstGeom>
+          <a:noFill/>
+        </p:spPr>
+        <p:txBody>
+          <a:bodyPr wrap="square" rtlCol="0">
+            <a:spAutoFit/>
+          </a:bodyPr>
           <a:lstStyle/>
           <a:p>
-            <a:endParaRPr lang="pt-BR"/>
+            <a:r>
+              <a:rPr lang="pt-BR" dirty="0" smtClean="0"/>
+              <a:t>Economia de Espaço, porque uma imagem base pode ser reaproveitada em vários containers</a:t>
+            </a:r>
+            <a:endParaRPr lang="pt-BR" dirty="0"/>
+          </a:p>
+        </p:txBody>
+      </p:sp>
+      <p:sp>
+        <p:nvSpPr>
+          <p:cNvPr id="11" name="CaixaDeTexto 10"/>
+          <p:cNvSpPr txBox="1"/>
+          <p:nvPr/>
+        </p:nvSpPr>
+        <p:spPr>
+          <a:xfrm>
+            <a:off x="5502002" y="4383572"/>
+            <a:ext cx="6013450" cy="646331"/>
+          </a:xfrm>
+          <a:prstGeom prst="rect">
+            <a:avLst/>
+          </a:prstGeom>
+          <a:noFill/>
+        </p:spPr>
+        <p:txBody>
+          <a:bodyPr wrap="square" rtlCol="0">
+            <a:spAutoFit/>
+          </a:bodyPr>
+          <a:lstStyle/>
+          <a:p>
+            <a:r>
+              <a:rPr lang="pt-BR" dirty="0" smtClean="0"/>
+              <a:t>Existe uma camada que você pode escrever em cima das camadas padrão. </a:t>
+            </a:r>
+            <a:endParaRPr lang="pt-BR" dirty="0"/>
           </a:p>
         </p:txBody>
       </p:sp>
     </p:spTree>
     <p:extLst>
       <p:ext uri="{BB962C8B-B14F-4D97-AF65-F5344CB8AC3E}">
-        <p14:creationId xmlns:p14="http://schemas.microsoft.com/office/powerpoint/2010/main" val="517489975"/>
+        <p14:creationId xmlns:p14="http://schemas.microsoft.com/office/powerpoint/2010/main" val="2321404220"/>
       </p:ext>
     </p:extLst>
   </p:cSld>
   <p:clrMapOvr>
     <a:masterClrMapping/>
   </p:clrMapOvr>
+  <p:timing>
+    <p:tnLst>
+      <p:par>
+        <p:cTn id="1" dur="indefinite" restart="never" nodeType="tmRoot"/>
+      </p:par>
+    </p:tnLst>
+  </p:timing>
 </p:sld>
 </file>
 
@@ -3088,7 +3589,390 @@
       </p:grpSpPr>
       <p:sp>
         <p:nvSpPr>
-          <p:cNvPr id="2" name="Título 1"/>
+          <p:cNvPr id="5" name="Espaço Reservado para Conteúdo 5"/>
+          <p:cNvSpPr txBox="1">
+            <a:spLocks/>
+          </p:cNvSpPr>
+          <p:nvPr/>
+        </p:nvSpPr>
+        <p:spPr>
+          <a:xfrm>
+            <a:off x="504450" y="1084496"/>
+            <a:ext cx="11421938" cy="3317687"/>
+          </a:xfrm>
+          <a:prstGeom prst="rect">
+            <a:avLst/>
+          </a:prstGeom>
+        </p:spPr>
+        <p:txBody>
+          <a:bodyPr vert="horz" lIns="91440" tIns="45720" rIns="91440" bIns="45720" rtlCol="0">
+            <a:normAutofit/>
+          </a:bodyPr>
+          <a:lstStyle>
+            <a:lvl1pPr marL="228600" indent="-228600" algn="l" defTabSz="914400" rtl="0" eaLnBrk="1" latinLnBrk="0" hangingPunct="1">
+              <a:lnSpc>
+                <a:spcPct val="90000"/>
+              </a:lnSpc>
+              <a:spcBef>
+                <a:spcPts val="1000"/>
+              </a:spcBef>
+              <a:buFont typeface="Arial" panose="020B0604020202020204" pitchFamily="34" charset="0"/>
+              <a:buChar char="•"/>
+              <a:defRPr sz="2800" kern="1200">
+                <a:solidFill>
+                  <a:schemeClr val="tx1"/>
+                </a:solidFill>
+                <a:latin typeface="+mn-lt"/>
+                <a:ea typeface="+mn-ea"/>
+                <a:cs typeface="+mn-cs"/>
+              </a:defRPr>
+            </a:lvl1pPr>
+            <a:lvl2pPr marL="685800" indent="-228600" algn="l" defTabSz="914400" rtl="0" eaLnBrk="1" latinLnBrk="0" hangingPunct="1">
+              <a:lnSpc>
+                <a:spcPct val="90000"/>
+              </a:lnSpc>
+              <a:spcBef>
+                <a:spcPts val="500"/>
+              </a:spcBef>
+              <a:buFont typeface="Arial" panose="020B0604020202020204" pitchFamily="34" charset="0"/>
+              <a:buChar char="•"/>
+              <a:defRPr sz="2400" kern="1200">
+                <a:solidFill>
+                  <a:schemeClr val="tx1"/>
+                </a:solidFill>
+                <a:latin typeface="+mn-lt"/>
+                <a:ea typeface="+mn-ea"/>
+                <a:cs typeface="+mn-cs"/>
+              </a:defRPr>
+            </a:lvl2pPr>
+            <a:lvl3pPr marL="1143000" indent="-228600" algn="l" defTabSz="914400" rtl="0" eaLnBrk="1" latinLnBrk="0" hangingPunct="1">
+              <a:lnSpc>
+                <a:spcPct val="90000"/>
+              </a:lnSpc>
+              <a:spcBef>
+                <a:spcPts val="500"/>
+              </a:spcBef>
+              <a:buFont typeface="Arial" panose="020B0604020202020204" pitchFamily="34" charset="0"/>
+              <a:buChar char="•"/>
+              <a:defRPr sz="2000" kern="1200">
+                <a:solidFill>
+                  <a:schemeClr val="tx1"/>
+                </a:solidFill>
+                <a:latin typeface="+mn-lt"/>
+                <a:ea typeface="+mn-ea"/>
+                <a:cs typeface="+mn-cs"/>
+              </a:defRPr>
+            </a:lvl3pPr>
+            <a:lvl4pPr marL="1600200" indent="-228600" algn="l" defTabSz="914400" rtl="0" eaLnBrk="1" latinLnBrk="0" hangingPunct="1">
+              <a:lnSpc>
+                <a:spcPct val="90000"/>
+              </a:lnSpc>
+              <a:spcBef>
+                <a:spcPts val="500"/>
+              </a:spcBef>
+              <a:buFont typeface="Arial" panose="020B0604020202020204" pitchFamily="34" charset="0"/>
+              <a:buChar char="•"/>
+              <a:defRPr sz="1800" kern="1200">
+                <a:solidFill>
+                  <a:schemeClr val="tx1"/>
+                </a:solidFill>
+                <a:latin typeface="+mn-lt"/>
+                <a:ea typeface="+mn-ea"/>
+                <a:cs typeface="+mn-cs"/>
+              </a:defRPr>
+            </a:lvl4pPr>
+            <a:lvl5pPr marL="2057400" indent="-228600" algn="l" defTabSz="914400" rtl="0" eaLnBrk="1" latinLnBrk="0" hangingPunct="1">
+              <a:lnSpc>
+                <a:spcPct val="90000"/>
+              </a:lnSpc>
+              <a:spcBef>
+                <a:spcPts val="500"/>
+              </a:spcBef>
+              <a:buFont typeface="Arial" panose="020B0604020202020204" pitchFamily="34" charset="0"/>
+              <a:buChar char="•"/>
+              <a:defRPr sz="1800" kern="1200">
+                <a:solidFill>
+                  <a:schemeClr val="tx1"/>
+                </a:solidFill>
+                <a:latin typeface="+mn-lt"/>
+                <a:ea typeface="+mn-ea"/>
+                <a:cs typeface="+mn-cs"/>
+              </a:defRPr>
+            </a:lvl5pPr>
+            <a:lvl6pPr marL="2514600" indent="-228600" algn="l" defTabSz="914400" rtl="0" eaLnBrk="1" latinLnBrk="0" hangingPunct="1">
+              <a:lnSpc>
+                <a:spcPct val="90000"/>
+              </a:lnSpc>
+              <a:spcBef>
+                <a:spcPts val="500"/>
+              </a:spcBef>
+              <a:buFont typeface="Arial" panose="020B0604020202020204" pitchFamily="34" charset="0"/>
+              <a:buChar char="•"/>
+              <a:defRPr sz="1800" kern="1200">
+                <a:solidFill>
+                  <a:schemeClr val="tx1"/>
+                </a:solidFill>
+                <a:latin typeface="+mn-lt"/>
+                <a:ea typeface="+mn-ea"/>
+                <a:cs typeface="+mn-cs"/>
+              </a:defRPr>
+            </a:lvl6pPr>
+            <a:lvl7pPr marL="2971800" indent="-228600" algn="l" defTabSz="914400" rtl="0" eaLnBrk="1" latinLnBrk="0" hangingPunct="1">
+              <a:lnSpc>
+                <a:spcPct val="90000"/>
+              </a:lnSpc>
+              <a:spcBef>
+                <a:spcPts val="500"/>
+              </a:spcBef>
+              <a:buFont typeface="Arial" panose="020B0604020202020204" pitchFamily="34" charset="0"/>
+              <a:buChar char="•"/>
+              <a:defRPr sz="1800" kern="1200">
+                <a:solidFill>
+                  <a:schemeClr val="tx1"/>
+                </a:solidFill>
+                <a:latin typeface="+mn-lt"/>
+                <a:ea typeface="+mn-ea"/>
+                <a:cs typeface="+mn-cs"/>
+              </a:defRPr>
+            </a:lvl7pPr>
+            <a:lvl8pPr marL="3429000" indent="-228600" algn="l" defTabSz="914400" rtl="0" eaLnBrk="1" latinLnBrk="0" hangingPunct="1">
+              <a:lnSpc>
+                <a:spcPct val="90000"/>
+              </a:lnSpc>
+              <a:spcBef>
+                <a:spcPts val="500"/>
+              </a:spcBef>
+              <a:buFont typeface="Arial" panose="020B0604020202020204" pitchFamily="34" charset="0"/>
+              <a:buChar char="•"/>
+              <a:defRPr sz="1800" kern="1200">
+                <a:solidFill>
+                  <a:schemeClr val="tx1"/>
+                </a:solidFill>
+                <a:latin typeface="+mn-lt"/>
+                <a:ea typeface="+mn-ea"/>
+                <a:cs typeface="+mn-cs"/>
+              </a:defRPr>
+            </a:lvl8pPr>
+            <a:lvl9pPr marL="3886200" indent="-228600" algn="l" defTabSz="914400" rtl="0" eaLnBrk="1" latinLnBrk="0" hangingPunct="1">
+              <a:lnSpc>
+                <a:spcPct val="90000"/>
+              </a:lnSpc>
+              <a:spcBef>
+                <a:spcPts val="500"/>
+              </a:spcBef>
+              <a:buFont typeface="Arial" panose="020B0604020202020204" pitchFamily="34" charset="0"/>
+              <a:buChar char="•"/>
+              <a:defRPr sz="1800" kern="1200">
+                <a:solidFill>
+                  <a:schemeClr val="tx1"/>
+                </a:solidFill>
+                <a:latin typeface="+mn-lt"/>
+                <a:ea typeface="+mn-ea"/>
+                <a:cs typeface="+mn-cs"/>
+              </a:defRPr>
+            </a:lvl9pPr>
+          </a:lstStyle>
+          <a:p>
+            <a:pPr marL="0" indent="0">
+              <a:buNone/>
+            </a:pPr>
+            <a:endParaRPr lang="pt-BR" sz="2000" dirty="0"/>
+          </a:p>
+        </p:txBody>
+      </p:sp>
+      <p:sp>
+        <p:nvSpPr>
+          <p:cNvPr id="8" name="Espaço Reservado para Conteúdo 5"/>
+          <p:cNvSpPr txBox="1">
+            <a:spLocks/>
+          </p:cNvSpPr>
+          <p:nvPr/>
+        </p:nvSpPr>
+        <p:spPr>
+          <a:xfrm>
+            <a:off x="504450" y="4729033"/>
+            <a:ext cx="11134556" cy="1671768"/>
+          </a:xfrm>
+          <a:prstGeom prst="rect">
+            <a:avLst/>
+          </a:prstGeom>
+        </p:spPr>
+        <p:txBody>
+          <a:bodyPr vert="horz" lIns="91440" tIns="45720" rIns="91440" bIns="45720" rtlCol="0">
+            <a:normAutofit/>
+          </a:bodyPr>
+          <a:lstStyle>
+            <a:lvl1pPr marL="228600" indent="-228600" algn="l" defTabSz="914400" rtl="0" eaLnBrk="1" latinLnBrk="0" hangingPunct="1">
+              <a:lnSpc>
+                <a:spcPct val="90000"/>
+              </a:lnSpc>
+              <a:spcBef>
+                <a:spcPts val="1000"/>
+              </a:spcBef>
+              <a:buFont typeface="Arial" panose="020B0604020202020204" pitchFamily="34" charset="0"/>
+              <a:buChar char="•"/>
+              <a:defRPr sz="2800" kern="1200">
+                <a:solidFill>
+                  <a:schemeClr val="tx1"/>
+                </a:solidFill>
+                <a:latin typeface="+mn-lt"/>
+                <a:ea typeface="+mn-ea"/>
+                <a:cs typeface="+mn-cs"/>
+              </a:defRPr>
+            </a:lvl1pPr>
+            <a:lvl2pPr marL="685800" indent="-228600" algn="l" defTabSz="914400" rtl="0" eaLnBrk="1" latinLnBrk="0" hangingPunct="1">
+              <a:lnSpc>
+                <a:spcPct val="90000"/>
+              </a:lnSpc>
+              <a:spcBef>
+                <a:spcPts val="500"/>
+              </a:spcBef>
+              <a:buFont typeface="Arial" panose="020B0604020202020204" pitchFamily="34" charset="0"/>
+              <a:buChar char="•"/>
+              <a:defRPr sz="2400" kern="1200">
+                <a:solidFill>
+                  <a:schemeClr val="tx1"/>
+                </a:solidFill>
+                <a:latin typeface="+mn-lt"/>
+                <a:ea typeface="+mn-ea"/>
+                <a:cs typeface="+mn-cs"/>
+              </a:defRPr>
+            </a:lvl2pPr>
+            <a:lvl3pPr marL="1143000" indent="-228600" algn="l" defTabSz="914400" rtl="0" eaLnBrk="1" latinLnBrk="0" hangingPunct="1">
+              <a:lnSpc>
+                <a:spcPct val="90000"/>
+              </a:lnSpc>
+              <a:spcBef>
+                <a:spcPts val="500"/>
+              </a:spcBef>
+              <a:buFont typeface="Arial" panose="020B0604020202020204" pitchFamily="34" charset="0"/>
+              <a:buChar char="•"/>
+              <a:defRPr sz="2000" kern="1200">
+                <a:solidFill>
+                  <a:schemeClr val="tx1"/>
+                </a:solidFill>
+                <a:latin typeface="+mn-lt"/>
+                <a:ea typeface="+mn-ea"/>
+                <a:cs typeface="+mn-cs"/>
+              </a:defRPr>
+            </a:lvl3pPr>
+            <a:lvl4pPr marL="1600200" indent="-228600" algn="l" defTabSz="914400" rtl="0" eaLnBrk="1" latinLnBrk="0" hangingPunct="1">
+              <a:lnSpc>
+                <a:spcPct val="90000"/>
+              </a:lnSpc>
+              <a:spcBef>
+                <a:spcPts val="500"/>
+              </a:spcBef>
+              <a:buFont typeface="Arial" panose="020B0604020202020204" pitchFamily="34" charset="0"/>
+              <a:buChar char="•"/>
+              <a:defRPr sz="1800" kern="1200">
+                <a:solidFill>
+                  <a:schemeClr val="tx1"/>
+                </a:solidFill>
+                <a:latin typeface="+mn-lt"/>
+                <a:ea typeface="+mn-ea"/>
+                <a:cs typeface="+mn-cs"/>
+              </a:defRPr>
+            </a:lvl4pPr>
+            <a:lvl5pPr marL="2057400" indent="-228600" algn="l" defTabSz="914400" rtl="0" eaLnBrk="1" latinLnBrk="0" hangingPunct="1">
+              <a:lnSpc>
+                <a:spcPct val="90000"/>
+              </a:lnSpc>
+              <a:spcBef>
+                <a:spcPts val="500"/>
+              </a:spcBef>
+              <a:buFont typeface="Arial" panose="020B0604020202020204" pitchFamily="34" charset="0"/>
+              <a:buChar char="•"/>
+              <a:defRPr sz="1800" kern="1200">
+                <a:solidFill>
+                  <a:schemeClr val="tx1"/>
+                </a:solidFill>
+                <a:latin typeface="+mn-lt"/>
+                <a:ea typeface="+mn-ea"/>
+                <a:cs typeface="+mn-cs"/>
+              </a:defRPr>
+            </a:lvl5pPr>
+            <a:lvl6pPr marL="2514600" indent="-228600" algn="l" defTabSz="914400" rtl="0" eaLnBrk="1" latinLnBrk="0" hangingPunct="1">
+              <a:lnSpc>
+                <a:spcPct val="90000"/>
+              </a:lnSpc>
+              <a:spcBef>
+                <a:spcPts val="500"/>
+              </a:spcBef>
+              <a:buFont typeface="Arial" panose="020B0604020202020204" pitchFamily="34" charset="0"/>
+              <a:buChar char="•"/>
+              <a:defRPr sz="1800" kern="1200">
+                <a:solidFill>
+                  <a:schemeClr val="tx1"/>
+                </a:solidFill>
+                <a:latin typeface="+mn-lt"/>
+                <a:ea typeface="+mn-ea"/>
+                <a:cs typeface="+mn-cs"/>
+              </a:defRPr>
+            </a:lvl6pPr>
+            <a:lvl7pPr marL="2971800" indent="-228600" algn="l" defTabSz="914400" rtl="0" eaLnBrk="1" latinLnBrk="0" hangingPunct="1">
+              <a:lnSpc>
+                <a:spcPct val="90000"/>
+              </a:lnSpc>
+              <a:spcBef>
+                <a:spcPts val="500"/>
+              </a:spcBef>
+              <a:buFont typeface="Arial" panose="020B0604020202020204" pitchFamily="34" charset="0"/>
+              <a:buChar char="•"/>
+              <a:defRPr sz="1800" kern="1200">
+                <a:solidFill>
+                  <a:schemeClr val="tx1"/>
+                </a:solidFill>
+                <a:latin typeface="+mn-lt"/>
+                <a:ea typeface="+mn-ea"/>
+                <a:cs typeface="+mn-cs"/>
+              </a:defRPr>
+            </a:lvl7pPr>
+            <a:lvl8pPr marL="3429000" indent="-228600" algn="l" defTabSz="914400" rtl="0" eaLnBrk="1" latinLnBrk="0" hangingPunct="1">
+              <a:lnSpc>
+                <a:spcPct val="90000"/>
+              </a:lnSpc>
+              <a:spcBef>
+                <a:spcPts val="500"/>
+              </a:spcBef>
+              <a:buFont typeface="Arial" panose="020B0604020202020204" pitchFamily="34" charset="0"/>
+              <a:buChar char="•"/>
+              <a:defRPr sz="1800" kern="1200">
+                <a:solidFill>
+                  <a:schemeClr val="tx1"/>
+                </a:solidFill>
+                <a:latin typeface="+mn-lt"/>
+                <a:ea typeface="+mn-ea"/>
+                <a:cs typeface="+mn-cs"/>
+              </a:defRPr>
+            </a:lvl8pPr>
+            <a:lvl9pPr marL="3886200" indent="-228600" algn="l" defTabSz="914400" rtl="0" eaLnBrk="1" latinLnBrk="0" hangingPunct="1">
+              <a:lnSpc>
+                <a:spcPct val="90000"/>
+              </a:lnSpc>
+              <a:spcBef>
+                <a:spcPts val="500"/>
+              </a:spcBef>
+              <a:buFont typeface="Arial" panose="020B0604020202020204" pitchFamily="34" charset="0"/>
+              <a:buChar char="•"/>
+              <a:defRPr sz="1800" kern="1200">
+                <a:solidFill>
+                  <a:schemeClr val="tx1"/>
+                </a:solidFill>
+                <a:latin typeface="+mn-lt"/>
+                <a:ea typeface="+mn-ea"/>
+                <a:cs typeface="+mn-cs"/>
+              </a:defRPr>
+            </a:lvl9pPr>
+          </a:lstStyle>
+          <a:p>
+            <a:endParaRPr lang="pt-BR" sz="2000" dirty="0"/>
+          </a:p>
+        </p:txBody>
+      </p:sp>
+      <p:sp>
+        <p:nvSpPr>
+          <p:cNvPr id="9" name="Título 1"/>
           <p:cNvSpPr>
             <a:spLocks noGrp="1"/>
           </p:cNvSpPr>
@@ -3096,44 +3980,75 @@
             <p:ph type="title"/>
           </p:nvPr>
         </p:nvSpPr>
-        <p:spPr/>
-        <p:txBody>
-          <a:bodyPr/>
+        <p:spPr>
+          <a:xfrm>
+            <a:off x="292100" y="131509"/>
+            <a:ext cx="11061700" cy="452692"/>
+          </a:xfrm>
+        </p:spPr>
+        <p:txBody>
+          <a:bodyPr vert="horz" lIns="91440" tIns="45720" rIns="91440" bIns="45720" rtlCol="0" anchor="ctr">
+            <a:normAutofit fontScale="90000"/>
+          </a:bodyPr>
           <a:lstStyle/>
           <a:p>
-            <a:endParaRPr lang="pt-BR"/>
-          </a:p>
-        </p:txBody>
-      </p:sp>
-      <p:sp>
-        <p:nvSpPr>
-          <p:cNvPr id="3" name="Espaço Reservado para Conteúdo 2"/>
-          <p:cNvSpPr>
-            <a:spLocks noGrp="1"/>
-          </p:cNvSpPr>
-          <p:nvPr>
-            <p:ph idx="1"/>
-          </p:nvPr>
-        </p:nvSpPr>
-        <p:spPr/>
-        <p:txBody>
-          <a:bodyPr/>
-          <a:lstStyle/>
-          <a:p>
-            <a:endParaRPr lang="pt-BR"/>
-          </a:p>
-        </p:txBody>
-      </p:sp>
+            <a:pPr algn="ctr"/>
+            <a:r>
+              <a:rPr lang="pt-BR" sz="2800" b="1" dirty="0" err="1" smtClean="0"/>
+              <a:t>Layered</a:t>
+            </a:r>
+            <a:r>
+              <a:rPr lang="pt-BR" sz="2800" b="1" dirty="0" smtClean="0"/>
+              <a:t> </a:t>
+            </a:r>
+            <a:r>
+              <a:rPr lang="pt-BR" sz="2800" b="1" dirty="0"/>
+              <a:t>File System</a:t>
+            </a:r>
+          </a:p>
+        </p:txBody>
+      </p:sp>
+      <p:pic>
+        <p:nvPicPr>
+          <p:cNvPr id="2" name="Imagem 1"/>
+          <p:cNvPicPr>
+            <a:picLocks noChangeAspect="1"/>
+          </p:cNvPicPr>
+          <p:nvPr/>
+        </p:nvPicPr>
+        <p:blipFill>
+          <a:blip r:embed="rId2"/>
+          <a:stretch>
+            <a:fillRect/>
+          </a:stretch>
+        </p:blipFill>
+        <p:spPr>
+          <a:xfrm>
+            <a:off x="2053765" y="1084496"/>
+            <a:ext cx="7699835" cy="3454932"/>
+          </a:xfrm>
+          <a:prstGeom prst="rect">
+            <a:avLst/>
+          </a:prstGeom>
+        </p:spPr>
+      </p:pic>
     </p:spTree>
     <p:extLst>
       <p:ext uri="{BB962C8B-B14F-4D97-AF65-F5344CB8AC3E}">
-        <p14:creationId xmlns:p14="http://schemas.microsoft.com/office/powerpoint/2010/main" val="2333415383"/>
+        <p14:creationId xmlns:p14="http://schemas.microsoft.com/office/powerpoint/2010/main" val="3108618376"/>
       </p:ext>
     </p:extLst>
   </p:cSld>
   <p:clrMapOvr>
     <a:masterClrMapping/>
   </p:clrMapOvr>
+  <p:timing>
+    <p:tnLst>
+      <p:par>
+        <p:cTn id="1" dur="indefinite" restart="never" nodeType="tmRoot"/>
+      </p:par>
+    </p:tnLst>
+  </p:timing>
 </p:sld>
 </file>
 
@@ -3164,12 +4079,28 @@
             <p:ph type="title"/>
           </p:nvPr>
         </p:nvSpPr>
-        <p:spPr/>
-        <p:txBody>
-          <a:bodyPr/>
+        <p:spPr>
+          <a:xfrm>
+            <a:off x="838200" y="161925"/>
+            <a:ext cx="10515600" cy="422275"/>
+          </a:xfrm>
+        </p:spPr>
+        <p:txBody>
+          <a:bodyPr vert="horz" lIns="91440" tIns="45720" rIns="91440" bIns="45720" rtlCol="0" anchor="ctr">
+            <a:normAutofit fontScale="90000"/>
+          </a:bodyPr>
           <a:lstStyle/>
           <a:p>
-            <a:endParaRPr lang="pt-BR"/>
+            <a:pPr algn="ctr"/>
+            <a:r>
+              <a:rPr lang="pt-BR" sz="2800" b="1" dirty="0" smtClean="0"/>
+              <a:t>Comandos do </a:t>
+            </a:r>
+            <a:r>
+              <a:rPr lang="pt-BR" sz="2800" b="1" dirty="0" err="1" smtClean="0"/>
+              <a:t>Docker</a:t>
+            </a:r>
+            <a:endParaRPr lang="pt-BR" sz="2800" b="1" dirty="0"/>
           </a:p>
         </p:txBody>
       </p:sp>
@@ -3183,25 +4114,455 @@
             <p:ph idx="1"/>
           </p:nvPr>
         </p:nvSpPr>
-        <p:spPr/>
-        <p:txBody>
-          <a:bodyPr/>
+        <p:spPr>
+          <a:xfrm>
+            <a:off x="304800" y="847725"/>
+            <a:ext cx="11618495" cy="3483643"/>
+          </a:xfrm>
+        </p:spPr>
+        <p:txBody>
+          <a:bodyPr>
+            <a:normAutofit/>
+          </a:bodyPr>
           <a:lstStyle/>
           <a:p>
-            <a:endParaRPr lang="pt-BR"/>
+            <a:pPr algn="just"/>
+            <a:r>
+              <a:rPr lang="pt-BR" sz="2000" dirty="0" smtClean="0"/>
+              <a:t>Vamos criar um Container que dará suporte a Site Estático:</a:t>
+            </a:r>
+          </a:p>
+          <a:p>
+            <a:pPr algn="just"/>
+            <a:endParaRPr lang="pt-BR" sz="2000" dirty="0"/>
+          </a:p>
+          <a:p>
+            <a:pPr lvl="1" algn="just"/>
+            <a:r>
+              <a:rPr lang="pt-BR" sz="1800" b="1" dirty="0" smtClean="0"/>
+              <a:t>B</a:t>
+            </a:r>
+            <a:r>
+              <a:rPr lang="pt-BR" sz="1800" b="1" dirty="0" smtClean="0"/>
+              <a:t>aixando essa imagem </a:t>
+            </a:r>
+            <a:r>
+              <a:rPr lang="pt-BR" sz="1800" dirty="0" smtClean="0"/>
+              <a:t>-&gt; </a:t>
+            </a:r>
+            <a:r>
+              <a:rPr lang="pt-BR" sz="1800" dirty="0" err="1" smtClean="0"/>
+              <a:t>docker</a:t>
+            </a:r>
+            <a:r>
+              <a:rPr lang="pt-BR" sz="1800" dirty="0" smtClean="0"/>
+              <a:t> </a:t>
+            </a:r>
+            <a:r>
+              <a:rPr lang="pt-BR" sz="1800" dirty="0" err="1" smtClean="0"/>
+              <a:t>run</a:t>
+            </a:r>
+            <a:r>
+              <a:rPr lang="pt-BR" sz="1800" dirty="0" smtClean="0"/>
+              <a:t> </a:t>
+            </a:r>
+            <a:r>
+              <a:rPr lang="pt-BR" sz="1800" dirty="0" err="1" smtClean="0"/>
+              <a:t>dockersamples</a:t>
+            </a:r>
+            <a:r>
+              <a:rPr lang="pt-BR" sz="1800" dirty="0" smtClean="0"/>
+              <a:t>/</a:t>
+            </a:r>
+            <a:r>
+              <a:rPr lang="pt-BR" sz="1800" dirty="0" err="1" smtClean="0"/>
+              <a:t>static</a:t>
+            </a:r>
+            <a:r>
+              <a:rPr lang="pt-BR" sz="1800" dirty="0" smtClean="0"/>
+              <a:t>-site</a:t>
+            </a:r>
+            <a:endParaRPr lang="pt-BR" sz="1800" dirty="0"/>
+          </a:p>
+          <a:p>
+            <a:pPr marL="457200" lvl="1" indent="0" algn="just">
+              <a:buNone/>
+            </a:pPr>
+            <a:r>
+              <a:rPr lang="pt-BR" sz="1800" dirty="0" smtClean="0"/>
+              <a:t>Observações: </a:t>
+            </a:r>
+          </a:p>
+          <a:p>
+            <a:pPr marL="457200" lvl="1" indent="0" algn="just">
+              <a:buNone/>
+            </a:pPr>
+            <a:r>
+              <a:rPr lang="pt-BR" sz="1800" dirty="0"/>
+              <a:t>	</a:t>
+            </a:r>
+            <a:r>
+              <a:rPr lang="pt-BR" sz="1400" dirty="0" smtClean="0"/>
+              <a:t>Essa imagem não é uma imagem “oficial” e por isso, precisa colocar um </a:t>
+            </a:r>
+            <a:r>
+              <a:rPr lang="pt-BR" sz="1400" i="1" dirty="0" err="1" smtClean="0"/>
+              <a:t>username</a:t>
+            </a:r>
+            <a:r>
+              <a:rPr lang="pt-BR" sz="1400" dirty="0" smtClean="0"/>
+              <a:t> para ser baixada que no caso é </a:t>
+            </a:r>
+            <a:r>
+              <a:rPr lang="pt-BR" sz="1400" u="sng" dirty="0" err="1" smtClean="0"/>
+              <a:t>dockersamples</a:t>
+            </a:r>
+            <a:r>
+              <a:rPr lang="pt-BR" sz="1400" u="sng" dirty="0" smtClean="0"/>
+              <a:t>. </a:t>
+            </a:r>
+          </a:p>
+          <a:p>
+            <a:pPr marL="457200" lvl="1" indent="0" algn="just">
+              <a:buNone/>
+            </a:pPr>
+            <a:r>
+              <a:rPr lang="pt-BR" sz="1400" dirty="0" smtClean="0"/>
+              <a:t>	Essa imagem executará um Servidor Web e por isso segurará o </a:t>
+            </a:r>
+            <a:r>
+              <a:rPr lang="pt-BR" sz="1400" dirty="0" err="1" smtClean="0"/>
+              <a:t>prompt</a:t>
+            </a:r>
+            <a:r>
+              <a:rPr lang="pt-BR" sz="1400" dirty="0" smtClean="0"/>
+              <a:t> do comando. Para isso não acontecer, você precisa executar no modo </a:t>
+            </a:r>
+            <a:r>
+              <a:rPr lang="pt-BR" sz="1400" dirty="0" err="1" smtClean="0"/>
+              <a:t>detached</a:t>
+            </a:r>
+            <a:r>
+              <a:rPr lang="pt-BR" sz="1400" dirty="0" smtClean="0"/>
+              <a:t>, passando a </a:t>
+            </a:r>
+            <a:r>
+              <a:rPr lang="pt-BR" sz="1400" dirty="0" err="1" smtClean="0"/>
+              <a:t>Flag</a:t>
+            </a:r>
+            <a:r>
+              <a:rPr lang="pt-BR" sz="1400" dirty="0" smtClean="0"/>
+              <a:t> “-d” </a:t>
+            </a:r>
+          </a:p>
+          <a:p>
+            <a:pPr marL="457200" lvl="1" indent="0" algn="just">
+              <a:buNone/>
+            </a:pPr>
+            <a:endParaRPr lang="pt-BR" sz="1800" u="sng" dirty="0" smtClean="0"/>
+          </a:p>
+          <a:p>
+            <a:pPr lvl="1" algn="just"/>
+            <a:r>
+              <a:rPr lang="pt-BR" sz="1800" b="1" dirty="0" smtClean="0"/>
+              <a:t>Executando em modo </a:t>
+            </a:r>
+            <a:r>
+              <a:rPr lang="pt-BR" sz="1800" b="1" dirty="0" err="1" smtClean="0"/>
+              <a:t>Detached</a:t>
+            </a:r>
+            <a:r>
+              <a:rPr lang="pt-BR" sz="1800" b="1" dirty="0" smtClean="0"/>
+              <a:t> -&gt; </a:t>
+            </a:r>
+            <a:r>
+              <a:rPr lang="pt-BR" sz="1800" dirty="0" err="1"/>
+              <a:t>docker</a:t>
+            </a:r>
+            <a:r>
+              <a:rPr lang="pt-BR" sz="1800" dirty="0"/>
+              <a:t> </a:t>
+            </a:r>
+            <a:r>
+              <a:rPr lang="pt-BR" sz="1800" dirty="0" err="1" smtClean="0"/>
+              <a:t>run</a:t>
+            </a:r>
+            <a:r>
+              <a:rPr lang="pt-BR" sz="1800" dirty="0" smtClean="0"/>
+              <a:t> </a:t>
+            </a:r>
+            <a:r>
+              <a:rPr lang="pt-BR" sz="1800" b="1" dirty="0" smtClean="0"/>
+              <a:t>-d</a:t>
+            </a:r>
+            <a:r>
+              <a:rPr lang="pt-BR" sz="1800" dirty="0" smtClean="0"/>
+              <a:t> </a:t>
+            </a:r>
+            <a:r>
+              <a:rPr lang="pt-BR" sz="1800" dirty="0" err="1"/>
+              <a:t>dockersamples</a:t>
+            </a:r>
+            <a:r>
+              <a:rPr lang="pt-BR" sz="1800" dirty="0"/>
+              <a:t>/</a:t>
+            </a:r>
+            <a:r>
+              <a:rPr lang="pt-BR" sz="1800" dirty="0" err="1"/>
+              <a:t>static</a:t>
+            </a:r>
+            <a:r>
+              <a:rPr lang="pt-BR" sz="1800" dirty="0"/>
+              <a:t>-site</a:t>
+            </a:r>
+          </a:p>
+          <a:p>
+            <a:pPr marL="457200" lvl="1" indent="0" algn="just">
+              <a:buNone/>
+            </a:pPr>
+            <a:r>
+              <a:rPr lang="pt-BR" sz="1800" dirty="0"/>
+              <a:t>Observações: </a:t>
+            </a:r>
+          </a:p>
+          <a:p>
+            <a:pPr marL="457200" lvl="1" indent="0" algn="just">
+              <a:buNone/>
+            </a:pPr>
+            <a:r>
+              <a:rPr lang="pt-BR" dirty="0"/>
+              <a:t>	</a:t>
+            </a:r>
+            <a:r>
+              <a:rPr lang="pt-BR" sz="1600" dirty="0" smtClean="0"/>
+              <a:t>Agora o container fica executando em segundo plano.</a:t>
+            </a:r>
+            <a:endParaRPr lang="pt-BR" sz="1600" dirty="0"/>
+          </a:p>
+        </p:txBody>
+      </p:sp>
+      <p:sp>
+        <p:nvSpPr>
+          <p:cNvPr id="4" name="Retângulo 3"/>
+          <p:cNvSpPr/>
+          <p:nvPr/>
+        </p:nvSpPr>
+        <p:spPr>
+          <a:xfrm>
+            <a:off x="226594" y="4594893"/>
+            <a:ext cx="11774905" cy="584775"/>
+          </a:xfrm>
+          <a:prstGeom prst="rect">
+            <a:avLst/>
+          </a:prstGeom>
+        </p:spPr>
+        <p:txBody>
+          <a:bodyPr wrap="square">
+            <a:spAutoFit/>
+          </a:bodyPr>
+          <a:lstStyle/>
+          <a:p>
+            <a:r>
+              <a:rPr lang="en-US" sz="1600" dirty="0">
+                <a:solidFill>
+                  <a:schemeClr val="accent5"/>
+                </a:solidFill>
+              </a:rPr>
+              <a:t>CONTAINER ID   IMAGE                      </a:t>
+            </a:r>
+            <a:r>
+              <a:rPr lang="en-US" sz="1600" dirty="0" smtClean="0">
+                <a:solidFill>
+                  <a:schemeClr val="accent5"/>
+                </a:solidFill>
+              </a:rPr>
+              <a:t>	COMMAND                  </a:t>
+            </a:r>
+            <a:r>
+              <a:rPr lang="en-US" sz="1600" dirty="0">
+                <a:solidFill>
+                  <a:schemeClr val="accent5"/>
+                </a:solidFill>
+              </a:rPr>
+              <a:t>CREATED              </a:t>
+            </a:r>
+            <a:r>
+              <a:rPr lang="en-US" sz="1600" dirty="0" smtClean="0">
+                <a:solidFill>
+                  <a:schemeClr val="accent5"/>
+                </a:solidFill>
+              </a:rPr>
+              <a:t>	STATUS             	PORTS            </a:t>
+            </a:r>
+            <a:r>
+              <a:rPr lang="en-US" sz="1600" dirty="0">
+                <a:solidFill>
+                  <a:schemeClr val="accent5"/>
+                </a:solidFill>
+              </a:rPr>
+              <a:t>NAMES</a:t>
+            </a:r>
+          </a:p>
+          <a:p>
+            <a:r>
+              <a:rPr lang="en-US" sz="1600" dirty="0">
+                <a:solidFill>
+                  <a:schemeClr val="accent5"/>
+                </a:solidFill>
+              </a:rPr>
+              <a:t>a6f2fab332db   </a:t>
+            </a:r>
+            <a:r>
+              <a:rPr lang="en-US" sz="1600" dirty="0" err="1" smtClean="0">
+                <a:solidFill>
+                  <a:schemeClr val="accent5"/>
+                </a:solidFill>
+              </a:rPr>
+              <a:t>dockersamples</a:t>
+            </a:r>
+            <a:r>
+              <a:rPr lang="en-US" sz="1600" dirty="0" smtClean="0">
+                <a:solidFill>
+                  <a:schemeClr val="accent5"/>
+                </a:solidFill>
+              </a:rPr>
+              <a:t>/static-site	"/</a:t>
+            </a:r>
+            <a:r>
+              <a:rPr lang="en-US" sz="1600" dirty="0">
+                <a:solidFill>
+                  <a:schemeClr val="accent5"/>
+                </a:solidFill>
+              </a:rPr>
+              <a:t>bin/</a:t>
+            </a:r>
+            <a:r>
+              <a:rPr lang="en-US" sz="1600" dirty="0" err="1">
+                <a:solidFill>
+                  <a:schemeClr val="accent5"/>
+                </a:solidFill>
+              </a:rPr>
+              <a:t>sh</a:t>
+            </a:r>
+            <a:r>
+              <a:rPr lang="en-US" sz="1600" dirty="0">
+                <a:solidFill>
+                  <a:schemeClr val="accent5"/>
+                </a:solidFill>
+              </a:rPr>
+              <a:t> -c 'cd /u..."   About a minute ago   Up About a minute  80/</a:t>
+            </a:r>
+            <a:r>
+              <a:rPr lang="en-US" sz="1600" dirty="0" err="1">
+                <a:solidFill>
+                  <a:schemeClr val="accent5"/>
+                </a:solidFill>
+              </a:rPr>
+              <a:t>tcp</a:t>
+            </a:r>
+            <a:r>
+              <a:rPr lang="en-US" sz="1600" dirty="0">
+                <a:solidFill>
+                  <a:schemeClr val="accent5"/>
+                </a:solidFill>
+              </a:rPr>
+              <a:t>, 443/</a:t>
+            </a:r>
+            <a:r>
+              <a:rPr lang="en-US" sz="1600" dirty="0" err="1">
+                <a:solidFill>
+                  <a:schemeClr val="accent5"/>
+                </a:solidFill>
+              </a:rPr>
+              <a:t>tcp</a:t>
+            </a:r>
+            <a:r>
+              <a:rPr lang="en-US" sz="1600" dirty="0">
+                <a:solidFill>
+                  <a:schemeClr val="accent5"/>
+                </a:solidFill>
+              </a:rPr>
+              <a:t>  </a:t>
+            </a:r>
+            <a:r>
+              <a:rPr lang="en-US" sz="1600" dirty="0" err="1">
+                <a:solidFill>
+                  <a:schemeClr val="accent5"/>
+                </a:solidFill>
+              </a:rPr>
+              <a:t>brave_wozniak</a:t>
+            </a:r>
+            <a:endParaRPr lang="pt-BR" sz="1600" dirty="0">
+              <a:solidFill>
+                <a:schemeClr val="accent5"/>
+              </a:solidFill>
+            </a:endParaRPr>
+          </a:p>
+        </p:txBody>
+      </p:sp>
+      <p:sp>
+        <p:nvSpPr>
+          <p:cNvPr id="5" name="Retângulo 4"/>
+          <p:cNvSpPr/>
+          <p:nvPr/>
+        </p:nvSpPr>
+        <p:spPr>
+          <a:xfrm>
+            <a:off x="2108337" y="5699504"/>
+            <a:ext cx="7036863" cy="523220"/>
+          </a:xfrm>
+          <a:prstGeom prst="rect">
+            <a:avLst/>
+          </a:prstGeom>
+        </p:spPr>
+        <p:txBody>
+          <a:bodyPr wrap="none">
+            <a:spAutoFit/>
+          </a:bodyPr>
+          <a:lstStyle/>
+          <a:p>
+            <a:pPr lvl="1" algn="ctr"/>
+            <a:r>
+              <a:rPr lang="pt-BR" sz="2800" dirty="0">
+                <a:effectLst>
+                  <a:outerShdw blurRad="38100" dist="38100" dir="2700000" algn="tl">
+                    <a:srgbClr val="000000">
+                      <a:alpha val="43137"/>
+                    </a:srgbClr>
+                  </a:outerShdw>
+                </a:effectLst>
+              </a:rPr>
+              <a:t>Mas como fazer pra acessar o Site Estático? </a:t>
+            </a:r>
+            <a:endParaRPr lang="pt-BR" sz="2800" dirty="0">
+              <a:effectLst>
+                <a:outerShdw blurRad="38100" dist="38100" dir="2700000" algn="tl">
+                  <a:srgbClr val="000000">
+                    <a:alpha val="43137"/>
+                  </a:srgbClr>
+                </a:outerShdw>
+              </a:effectLst>
+            </a:endParaRPr>
           </a:p>
         </p:txBody>
       </p:sp>
     </p:spTree>
     <p:extLst>
       <p:ext uri="{BB962C8B-B14F-4D97-AF65-F5344CB8AC3E}">
-        <p14:creationId xmlns:p14="http://schemas.microsoft.com/office/powerpoint/2010/main" val="1812516573"/>
+        <p14:creationId xmlns:p14="http://schemas.microsoft.com/office/powerpoint/2010/main" val="1312544271"/>
       </p:ext>
     </p:extLst>
   </p:cSld>
   <p:clrMapOvr>
     <a:masterClrMapping/>
   </p:clrMapOvr>
+  <p:timing>
+    <p:tnLst>
+      <p:par>
+        <p:cTn id="1" dur="indefinite" restart="never" nodeType="tmRoot"/>
+      </p:par>
+    </p:tnLst>
+  </p:timing>
 </p:sld>
 </file>
 
@@ -3232,12 +4593,28 @@
             <p:ph type="title"/>
           </p:nvPr>
         </p:nvSpPr>
-        <p:spPr/>
-        <p:txBody>
-          <a:bodyPr/>
+        <p:spPr>
+          <a:xfrm>
+            <a:off x="838200" y="161925"/>
+            <a:ext cx="10515600" cy="422275"/>
+          </a:xfrm>
+        </p:spPr>
+        <p:txBody>
+          <a:bodyPr vert="horz" lIns="91440" tIns="45720" rIns="91440" bIns="45720" rtlCol="0" anchor="ctr">
+            <a:normAutofit fontScale="90000"/>
+          </a:bodyPr>
           <a:lstStyle/>
           <a:p>
-            <a:endParaRPr lang="pt-BR"/>
+            <a:pPr algn="ctr"/>
+            <a:r>
+              <a:rPr lang="pt-BR" sz="2800" b="1" dirty="0" smtClean="0"/>
+              <a:t>Comandos do </a:t>
+            </a:r>
+            <a:r>
+              <a:rPr lang="pt-BR" sz="2800" b="1" dirty="0" err="1" smtClean="0"/>
+              <a:t>Docker</a:t>
+            </a:r>
+            <a:endParaRPr lang="pt-BR" sz="2800" b="1" dirty="0"/>
           </a:p>
         </p:txBody>
       </p:sp>
@@ -3251,11 +4628,580 @@
             <p:ph idx="1"/>
           </p:nvPr>
         </p:nvSpPr>
-        <p:spPr/>
-        <p:txBody>
-          <a:bodyPr/>
+        <p:spPr>
+          <a:xfrm>
+            <a:off x="286752" y="751474"/>
+            <a:ext cx="11618495" cy="2344016"/>
+          </a:xfrm>
+        </p:spPr>
+        <p:txBody>
+          <a:bodyPr>
+            <a:normAutofit lnSpcReduction="10000"/>
+          </a:bodyPr>
           <a:lstStyle/>
           <a:p>
+            <a:pPr algn="just"/>
+            <a:r>
+              <a:rPr lang="pt-BR" sz="2000" dirty="0" smtClean="0"/>
+              <a:t>Qual porta acessar? Para isso podemos usar a </a:t>
+            </a:r>
+            <a:r>
+              <a:rPr lang="pt-BR" sz="2000" dirty="0" err="1" smtClean="0"/>
+              <a:t>flag</a:t>
+            </a:r>
+            <a:r>
+              <a:rPr lang="pt-BR" sz="2000" dirty="0" smtClean="0"/>
+              <a:t> </a:t>
+            </a:r>
+            <a:r>
+              <a:rPr lang="pt-BR" sz="2000" b="1" dirty="0" smtClean="0"/>
+              <a:t>–P </a:t>
+            </a:r>
+            <a:r>
+              <a:rPr lang="pt-BR" sz="2000" dirty="0" smtClean="0"/>
+              <a:t>que atribuirá portas aleatórias que farão com que o mundo externo(nossa máquina) se comunique com o container</a:t>
+            </a:r>
+          </a:p>
+          <a:p>
+            <a:pPr algn="just"/>
+            <a:endParaRPr lang="pt-BR" sz="2000" dirty="0" smtClean="0"/>
+          </a:p>
+          <a:p>
+            <a:pPr lvl="1" algn="just"/>
+            <a:r>
+              <a:rPr lang="pt-BR" sz="1800" dirty="0" err="1" smtClean="0"/>
+              <a:t>docker</a:t>
+            </a:r>
+            <a:r>
+              <a:rPr lang="pt-BR" sz="1800" dirty="0" smtClean="0"/>
+              <a:t> </a:t>
+            </a:r>
+            <a:r>
+              <a:rPr lang="pt-BR" sz="1800" dirty="0" err="1" smtClean="0"/>
+              <a:t>run</a:t>
+            </a:r>
+            <a:r>
+              <a:rPr lang="pt-BR" sz="1800" dirty="0" smtClean="0"/>
+              <a:t> </a:t>
+            </a:r>
+            <a:r>
+              <a:rPr lang="pt-BR" sz="1800" b="1" dirty="0" smtClean="0"/>
+              <a:t>–d –P </a:t>
+            </a:r>
+            <a:r>
+              <a:rPr lang="pt-BR" sz="1800" dirty="0" smtClean="0"/>
+              <a:t> </a:t>
+            </a:r>
+            <a:r>
+              <a:rPr lang="pt-BR" sz="1800" dirty="0" err="1" smtClean="0"/>
+              <a:t>dockersamples</a:t>
+            </a:r>
+            <a:r>
+              <a:rPr lang="pt-BR" sz="1800" dirty="0" smtClean="0"/>
+              <a:t>/</a:t>
+            </a:r>
+            <a:r>
+              <a:rPr lang="pt-BR" sz="1800" dirty="0" err="1" smtClean="0"/>
+              <a:t>static</a:t>
+            </a:r>
+            <a:r>
+              <a:rPr lang="pt-BR" sz="1800" dirty="0" smtClean="0"/>
+              <a:t>-site</a:t>
+            </a:r>
+          </a:p>
+          <a:p>
+            <a:pPr lvl="1" algn="just"/>
+            <a:endParaRPr lang="pt-BR" sz="1800" dirty="0"/>
+          </a:p>
+          <a:p>
+            <a:pPr algn="just"/>
+            <a:r>
+              <a:rPr lang="pt-BR" sz="2000" dirty="0" smtClean="0"/>
+              <a:t>Podemos visualizar também as portas através do comando: </a:t>
+            </a:r>
+          </a:p>
+          <a:p>
+            <a:pPr lvl="1" algn="just"/>
+            <a:r>
+              <a:rPr lang="pt-BR" sz="1800" dirty="0" err="1" smtClean="0"/>
+              <a:t>docker</a:t>
+            </a:r>
+            <a:r>
+              <a:rPr lang="pt-BR" sz="1800" dirty="0" smtClean="0"/>
+              <a:t> </a:t>
+            </a:r>
+            <a:r>
+              <a:rPr lang="pt-BR" sz="1800" b="1" dirty="0" err="1" smtClean="0"/>
+              <a:t>port</a:t>
+            </a:r>
+            <a:r>
+              <a:rPr lang="pt-BR" sz="1800" dirty="0"/>
+              <a:t> </a:t>
+            </a:r>
+            <a:r>
+              <a:rPr lang="pt-BR" sz="1800" u="sng" dirty="0"/>
+              <a:t>989e4d7d3638</a:t>
+            </a:r>
+          </a:p>
+        </p:txBody>
+      </p:sp>
+      <p:sp>
+        <p:nvSpPr>
+          <p:cNvPr id="6" name="Retângulo 5"/>
+          <p:cNvSpPr/>
+          <p:nvPr/>
+        </p:nvSpPr>
+        <p:spPr>
+          <a:xfrm>
+            <a:off x="1002631" y="3095489"/>
+            <a:ext cx="6096000" cy="646331"/>
+          </a:xfrm>
+          <a:prstGeom prst="rect">
+            <a:avLst/>
+          </a:prstGeom>
+        </p:spPr>
+        <p:txBody>
+          <a:bodyPr>
+            <a:spAutoFit/>
+          </a:bodyPr>
+          <a:lstStyle/>
+          <a:p>
+            <a:r>
+              <a:rPr lang="pt-BR" dirty="0">
+                <a:solidFill>
+                  <a:schemeClr val="accent5"/>
+                </a:solidFill>
+              </a:rPr>
+              <a:t>PORTS</a:t>
+            </a:r>
+          </a:p>
+          <a:p>
+            <a:r>
+              <a:rPr lang="pt-BR" dirty="0">
+                <a:solidFill>
+                  <a:schemeClr val="accent5"/>
+                </a:solidFill>
+              </a:rPr>
+              <a:t>0.0.0.0:9001-&gt;80/</a:t>
+            </a:r>
+            <a:r>
+              <a:rPr lang="pt-BR" dirty="0" err="1">
+                <a:solidFill>
+                  <a:schemeClr val="accent5"/>
+                </a:solidFill>
+              </a:rPr>
+              <a:t>tcp</a:t>
+            </a:r>
+            <a:r>
+              <a:rPr lang="pt-BR" dirty="0">
+                <a:solidFill>
+                  <a:schemeClr val="accent5"/>
+                </a:solidFill>
+              </a:rPr>
+              <a:t>, 0.0.0.0:9000-&gt;443/</a:t>
+            </a:r>
+            <a:r>
+              <a:rPr lang="pt-BR" dirty="0" err="1">
+                <a:solidFill>
+                  <a:schemeClr val="accent5"/>
+                </a:solidFill>
+              </a:rPr>
+              <a:t>tcp</a:t>
+            </a:r>
+            <a:endParaRPr lang="pt-BR" dirty="0">
+              <a:solidFill>
+                <a:schemeClr val="accent5"/>
+              </a:solidFill>
+            </a:endParaRPr>
+          </a:p>
+        </p:txBody>
+      </p:sp>
+      <p:sp>
+        <p:nvSpPr>
+          <p:cNvPr id="7" name="Espaço Reservado para Conteúdo 2"/>
+          <p:cNvSpPr txBox="1">
+            <a:spLocks/>
+          </p:cNvSpPr>
+          <p:nvPr/>
+        </p:nvSpPr>
+        <p:spPr>
+          <a:xfrm>
+            <a:off x="286752" y="4008021"/>
+            <a:ext cx="11618495" cy="1731042"/>
+          </a:xfrm>
+          <a:prstGeom prst="rect">
+            <a:avLst/>
+          </a:prstGeom>
+        </p:spPr>
+        <p:txBody>
+          <a:bodyPr vert="horz" lIns="91440" tIns="45720" rIns="91440" bIns="45720" rtlCol="0">
+            <a:normAutofit/>
+          </a:bodyPr>
+          <a:lstStyle>
+            <a:lvl1pPr marL="228600" indent="-228600" algn="l" defTabSz="914400" rtl="0" eaLnBrk="1" latinLnBrk="0" hangingPunct="1">
+              <a:lnSpc>
+                <a:spcPct val="90000"/>
+              </a:lnSpc>
+              <a:spcBef>
+                <a:spcPts val="1000"/>
+              </a:spcBef>
+              <a:buFont typeface="Arial" panose="020B0604020202020204" pitchFamily="34" charset="0"/>
+              <a:buChar char="•"/>
+              <a:defRPr sz="2800" kern="1200">
+                <a:solidFill>
+                  <a:schemeClr val="tx1"/>
+                </a:solidFill>
+                <a:latin typeface="+mn-lt"/>
+                <a:ea typeface="+mn-ea"/>
+                <a:cs typeface="+mn-cs"/>
+              </a:defRPr>
+            </a:lvl1pPr>
+            <a:lvl2pPr marL="685800" indent="-228600" algn="l" defTabSz="914400" rtl="0" eaLnBrk="1" latinLnBrk="0" hangingPunct="1">
+              <a:lnSpc>
+                <a:spcPct val="90000"/>
+              </a:lnSpc>
+              <a:spcBef>
+                <a:spcPts val="500"/>
+              </a:spcBef>
+              <a:buFont typeface="Arial" panose="020B0604020202020204" pitchFamily="34" charset="0"/>
+              <a:buChar char="•"/>
+              <a:defRPr sz="2400" kern="1200">
+                <a:solidFill>
+                  <a:schemeClr val="tx1"/>
+                </a:solidFill>
+                <a:latin typeface="+mn-lt"/>
+                <a:ea typeface="+mn-ea"/>
+                <a:cs typeface="+mn-cs"/>
+              </a:defRPr>
+            </a:lvl2pPr>
+            <a:lvl3pPr marL="1143000" indent="-228600" algn="l" defTabSz="914400" rtl="0" eaLnBrk="1" latinLnBrk="0" hangingPunct="1">
+              <a:lnSpc>
+                <a:spcPct val="90000"/>
+              </a:lnSpc>
+              <a:spcBef>
+                <a:spcPts val="500"/>
+              </a:spcBef>
+              <a:buFont typeface="Arial" panose="020B0604020202020204" pitchFamily="34" charset="0"/>
+              <a:buChar char="•"/>
+              <a:defRPr sz="2000" kern="1200">
+                <a:solidFill>
+                  <a:schemeClr val="tx1"/>
+                </a:solidFill>
+                <a:latin typeface="+mn-lt"/>
+                <a:ea typeface="+mn-ea"/>
+                <a:cs typeface="+mn-cs"/>
+              </a:defRPr>
+            </a:lvl3pPr>
+            <a:lvl4pPr marL="1600200" indent="-228600" algn="l" defTabSz="914400" rtl="0" eaLnBrk="1" latinLnBrk="0" hangingPunct="1">
+              <a:lnSpc>
+                <a:spcPct val="90000"/>
+              </a:lnSpc>
+              <a:spcBef>
+                <a:spcPts val="500"/>
+              </a:spcBef>
+              <a:buFont typeface="Arial" panose="020B0604020202020204" pitchFamily="34" charset="0"/>
+              <a:buChar char="•"/>
+              <a:defRPr sz="1800" kern="1200">
+                <a:solidFill>
+                  <a:schemeClr val="tx1"/>
+                </a:solidFill>
+                <a:latin typeface="+mn-lt"/>
+                <a:ea typeface="+mn-ea"/>
+                <a:cs typeface="+mn-cs"/>
+              </a:defRPr>
+            </a:lvl4pPr>
+            <a:lvl5pPr marL="2057400" indent="-228600" algn="l" defTabSz="914400" rtl="0" eaLnBrk="1" latinLnBrk="0" hangingPunct="1">
+              <a:lnSpc>
+                <a:spcPct val="90000"/>
+              </a:lnSpc>
+              <a:spcBef>
+                <a:spcPts val="500"/>
+              </a:spcBef>
+              <a:buFont typeface="Arial" panose="020B0604020202020204" pitchFamily="34" charset="0"/>
+              <a:buChar char="•"/>
+              <a:defRPr sz="1800" kern="1200">
+                <a:solidFill>
+                  <a:schemeClr val="tx1"/>
+                </a:solidFill>
+                <a:latin typeface="+mn-lt"/>
+                <a:ea typeface="+mn-ea"/>
+                <a:cs typeface="+mn-cs"/>
+              </a:defRPr>
+            </a:lvl5pPr>
+            <a:lvl6pPr marL="2514600" indent="-228600" algn="l" defTabSz="914400" rtl="0" eaLnBrk="1" latinLnBrk="0" hangingPunct="1">
+              <a:lnSpc>
+                <a:spcPct val="90000"/>
+              </a:lnSpc>
+              <a:spcBef>
+                <a:spcPts val="500"/>
+              </a:spcBef>
+              <a:buFont typeface="Arial" panose="020B0604020202020204" pitchFamily="34" charset="0"/>
+              <a:buChar char="•"/>
+              <a:defRPr sz="1800" kern="1200">
+                <a:solidFill>
+                  <a:schemeClr val="tx1"/>
+                </a:solidFill>
+                <a:latin typeface="+mn-lt"/>
+                <a:ea typeface="+mn-ea"/>
+                <a:cs typeface="+mn-cs"/>
+              </a:defRPr>
+            </a:lvl6pPr>
+            <a:lvl7pPr marL="2971800" indent="-228600" algn="l" defTabSz="914400" rtl="0" eaLnBrk="1" latinLnBrk="0" hangingPunct="1">
+              <a:lnSpc>
+                <a:spcPct val="90000"/>
+              </a:lnSpc>
+              <a:spcBef>
+                <a:spcPts val="500"/>
+              </a:spcBef>
+              <a:buFont typeface="Arial" panose="020B0604020202020204" pitchFamily="34" charset="0"/>
+              <a:buChar char="•"/>
+              <a:defRPr sz="1800" kern="1200">
+                <a:solidFill>
+                  <a:schemeClr val="tx1"/>
+                </a:solidFill>
+                <a:latin typeface="+mn-lt"/>
+                <a:ea typeface="+mn-ea"/>
+                <a:cs typeface="+mn-cs"/>
+              </a:defRPr>
+            </a:lvl7pPr>
+            <a:lvl8pPr marL="3429000" indent="-228600" algn="l" defTabSz="914400" rtl="0" eaLnBrk="1" latinLnBrk="0" hangingPunct="1">
+              <a:lnSpc>
+                <a:spcPct val="90000"/>
+              </a:lnSpc>
+              <a:spcBef>
+                <a:spcPts val="500"/>
+              </a:spcBef>
+              <a:buFont typeface="Arial" panose="020B0604020202020204" pitchFamily="34" charset="0"/>
+              <a:buChar char="•"/>
+              <a:defRPr sz="1800" kern="1200">
+                <a:solidFill>
+                  <a:schemeClr val="tx1"/>
+                </a:solidFill>
+                <a:latin typeface="+mn-lt"/>
+                <a:ea typeface="+mn-ea"/>
+                <a:cs typeface="+mn-cs"/>
+              </a:defRPr>
+            </a:lvl8pPr>
+            <a:lvl9pPr marL="3886200" indent="-228600" algn="l" defTabSz="914400" rtl="0" eaLnBrk="1" latinLnBrk="0" hangingPunct="1">
+              <a:lnSpc>
+                <a:spcPct val="90000"/>
+              </a:lnSpc>
+              <a:spcBef>
+                <a:spcPts val="500"/>
+              </a:spcBef>
+              <a:buFont typeface="Arial" panose="020B0604020202020204" pitchFamily="34" charset="0"/>
+              <a:buChar char="•"/>
+              <a:defRPr sz="1800" kern="1200">
+                <a:solidFill>
+                  <a:schemeClr val="tx1"/>
+                </a:solidFill>
+                <a:latin typeface="+mn-lt"/>
+                <a:ea typeface="+mn-ea"/>
+                <a:cs typeface="+mn-cs"/>
+              </a:defRPr>
+            </a:lvl9pPr>
+          </a:lstStyle>
+          <a:p>
+            <a:pPr algn="just"/>
+            <a:r>
+              <a:rPr lang="pt-BR" sz="2000" b="1" i="1" u="sng" dirty="0" smtClean="0">
+                <a:effectLst>
+                  <a:outerShdw blurRad="38100" dist="38100" dir="2700000" algn="tl">
+                    <a:srgbClr val="000000">
+                      <a:alpha val="43137"/>
+                    </a:srgbClr>
+                  </a:outerShdw>
+                </a:effectLst>
+              </a:rPr>
+              <a:t>DETALHE</a:t>
+            </a:r>
+            <a:r>
+              <a:rPr lang="pt-BR" sz="2000" dirty="0" smtClean="0"/>
+              <a:t>: Se vocês está utilizando o </a:t>
+            </a:r>
+            <a:r>
+              <a:rPr lang="pt-BR" sz="2000" dirty="0" err="1" smtClean="0"/>
+              <a:t>Docker</a:t>
+            </a:r>
+            <a:r>
+              <a:rPr lang="pt-BR" sz="2000" dirty="0" smtClean="0"/>
+              <a:t> no Windows pelo </a:t>
+            </a:r>
+            <a:r>
+              <a:rPr lang="pt-BR" sz="2000" b="1" dirty="0" err="1" smtClean="0"/>
+              <a:t>Docker</a:t>
+            </a:r>
+            <a:r>
+              <a:rPr lang="pt-BR" sz="2000" b="1" dirty="0" smtClean="0"/>
+              <a:t> </a:t>
+            </a:r>
+            <a:r>
+              <a:rPr lang="pt-BR" sz="2000" b="1" dirty="0" err="1" smtClean="0"/>
+              <a:t>ToolBox</a:t>
+            </a:r>
+            <a:r>
+              <a:rPr lang="pt-BR" sz="2000" dirty="0" smtClean="0"/>
+              <a:t>, ele está rodando em cima de uma Máquina Virtual. Portanto, não será o IP da máquina local e sim da VM. Para isso, rode o comando: </a:t>
+            </a:r>
+          </a:p>
+          <a:p>
+            <a:pPr lvl="1" algn="just"/>
+            <a:endParaRPr lang="pt-BR" sz="1600" b="1" dirty="0" smtClean="0"/>
+          </a:p>
+          <a:p>
+            <a:pPr lvl="1" algn="just"/>
+            <a:r>
+              <a:rPr lang="pt-BR" sz="1800" b="1" dirty="0" err="1" smtClean="0"/>
+              <a:t>docker-machine</a:t>
+            </a:r>
+            <a:r>
+              <a:rPr lang="pt-BR" sz="1800" b="1" dirty="0" smtClean="0"/>
+              <a:t> </a:t>
+            </a:r>
+            <a:r>
+              <a:rPr lang="pt-BR" sz="1800" b="1" dirty="0" err="1" smtClean="0"/>
+              <a:t>ip</a:t>
+            </a:r>
+            <a:endParaRPr lang="pt-BR" sz="1800" b="1" dirty="0" smtClean="0"/>
+          </a:p>
+          <a:p>
+            <a:pPr lvl="2" algn="just"/>
+            <a:r>
+              <a:rPr lang="pt-BR" sz="1400" b="1" dirty="0" smtClean="0"/>
+              <a:t>192.168.98.112 </a:t>
+            </a:r>
+          </a:p>
+          <a:p>
+            <a:pPr algn="just"/>
+            <a:endParaRPr lang="pt-BR" sz="1800" u="sng" dirty="0"/>
+          </a:p>
+        </p:txBody>
+      </p:sp>
+      <p:pic>
+        <p:nvPicPr>
+          <p:cNvPr id="8" name="Imagem 7"/>
+          <p:cNvPicPr>
+            <a:picLocks noChangeAspect="1"/>
+          </p:cNvPicPr>
+          <p:nvPr/>
+        </p:nvPicPr>
+        <p:blipFill>
+          <a:blip r:embed="rId2"/>
+          <a:stretch>
+            <a:fillRect/>
+          </a:stretch>
+        </p:blipFill>
+        <p:spPr>
+          <a:xfrm>
+            <a:off x="8032583" y="5283942"/>
+            <a:ext cx="2609850" cy="1381125"/>
+          </a:xfrm>
+          <a:prstGeom prst="rect">
+            <a:avLst/>
+          </a:prstGeom>
+          <a:ln>
+            <a:solidFill>
+              <a:schemeClr val="tx1"/>
+            </a:solidFill>
+          </a:ln>
+        </p:spPr>
+      </p:pic>
+      <p:sp>
+        <p:nvSpPr>
+          <p:cNvPr id="9" name="Retângulo 8"/>
+          <p:cNvSpPr/>
+          <p:nvPr/>
+        </p:nvSpPr>
+        <p:spPr>
+          <a:xfrm>
+            <a:off x="2133259" y="5739063"/>
+            <a:ext cx="3326936" cy="400110"/>
+          </a:xfrm>
+          <a:prstGeom prst="rect">
+            <a:avLst/>
+          </a:prstGeom>
+        </p:spPr>
+        <p:txBody>
+          <a:bodyPr wrap="none">
+            <a:spAutoFit/>
+          </a:bodyPr>
+          <a:lstStyle/>
+          <a:p>
+            <a:r>
+              <a:rPr lang="pt-BR" sz="2000" dirty="0">
+                <a:effectLst>
+                  <a:outerShdw blurRad="38100" dist="38100" dir="2700000" algn="tl">
+                    <a:srgbClr val="000000">
+                      <a:alpha val="43137"/>
+                    </a:srgbClr>
+                  </a:outerShdw>
+                </a:effectLst>
+              </a:rPr>
+              <a:t>http://</a:t>
+            </a:r>
+            <a:r>
+              <a:rPr lang="pt-BR" sz="2000" dirty="0" smtClean="0">
+                <a:effectLst>
+                  <a:outerShdw blurRad="38100" dist="38100" dir="2700000" algn="tl">
+                    <a:srgbClr val="000000">
+                      <a:alpha val="43137"/>
+                    </a:srgbClr>
+                  </a:outerShdw>
+                </a:effectLst>
+              </a:rPr>
+              <a:t>192.168.98.112:32769</a:t>
+            </a:r>
+            <a:r>
+              <a:rPr lang="pt-BR" sz="2000" dirty="0">
+                <a:effectLst>
+                  <a:outerShdw blurRad="38100" dist="38100" dir="2700000" algn="tl">
+                    <a:srgbClr val="000000">
+                      <a:alpha val="43137"/>
+                    </a:srgbClr>
+                  </a:outerShdw>
+                </a:effectLst>
+              </a:rPr>
+              <a:t>/</a:t>
+            </a:r>
+          </a:p>
+        </p:txBody>
+      </p:sp>
+      <p:sp>
+        <p:nvSpPr>
+          <p:cNvPr id="10" name="Seta para a Direita 9"/>
+          <p:cNvSpPr/>
+          <p:nvPr/>
+        </p:nvSpPr>
+        <p:spPr>
+          <a:xfrm>
+            <a:off x="5544416" y="5809838"/>
+            <a:ext cx="2158303" cy="329335"/>
+          </a:xfrm>
+          <a:prstGeom prst="rightArrow">
+            <a:avLst/>
+          </a:prstGeom>
+        </p:spPr>
+        <p:style>
+          <a:lnRef idx="2">
+            <a:schemeClr val="accent1">
+              <a:shade val="50000"/>
+            </a:schemeClr>
+          </a:lnRef>
+          <a:fillRef idx="1">
+            <a:schemeClr val="accent1"/>
+          </a:fillRef>
+          <a:effectRef idx="0">
+            <a:schemeClr val="accent1"/>
+          </a:effectRef>
+          <a:fontRef idx="minor">
+            <a:schemeClr val="lt1"/>
+          </a:fontRef>
+        </p:style>
+        <p:txBody>
+          <a:bodyPr rtlCol="0" anchor="ctr"/>
+          <a:lstStyle/>
+          <a:p>
+            <a:pPr algn="ctr"/>
             <a:endParaRPr lang="pt-BR"/>
           </a:p>
         </p:txBody>
@@ -3263,13 +5209,20 @@
     </p:spTree>
     <p:extLst>
       <p:ext uri="{BB962C8B-B14F-4D97-AF65-F5344CB8AC3E}">
-        <p14:creationId xmlns:p14="http://schemas.microsoft.com/office/powerpoint/2010/main" val="3688525284"/>
+        <p14:creationId xmlns:p14="http://schemas.microsoft.com/office/powerpoint/2010/main" val="1061187663"/>
       </p:ext>
     </p:extLst>
   </p:cSld>
   <p:clrMapOvr>
     <a:masterClrMapping/>
   </p:clrMapOvr>
+  <p:timing>
+    <p:tnLst>
+      <p:par>
+        <p:cTn id="1" dur="indefinite" restart="never" nodeType="tmRoot"/>
+      </p:par>
+    </p:tnLst>
+  </p:timing>
 </p:sld>
 </file>
 
@@ -3300,12 +5253,28 @@
             <p:ph type="title"/>
           </p:nvPr>
         </p:nvSpPr>
-        <p:spPr/>
-        <p:txBody>
-          <a:bodyPr/>
+        <p:spPr>
+          <a:xfrm>
+            <a:off x="838200" y="161925"/>
+            <a:ext cx="10515600" cy="422275"/>
+          </a:xfrm>
+        </p:spPr>
+        <p:txBody>
+          <a:bodyPr vert="horz" lIns="91440" tIns="45720" rIns="91440" bIns="45720" rtlCol="0" anchor="ctr">
+            <a:normAutofit fontScale="90000"/>
+          </a:bodyPr>
           <a:lstStyle/>
           <a:p>
-            <a:endParaRPr lang="pt-BR"/>
+            <a:pPr algn="ctr"/>
+            <a:r>
+              <a:rPr lang="pt-BR" sz="2800" b="1" dirty="0" smtClean="0"/>
+              <a:t>Comandos do </a:t>
+            </a:r>
+            <a:r>
+              <a:rPr lang="pt-BR" sz="2800" b="1" dirty="0" err="1" smtClean="0"/>
+              <a:t>Docker</a:t>
+            </a:r>
+            <a:endParaRPr lang="pt-BR" sz="2800" b="1" dirty="0"/>
           </a:p>
         </p:txBody>
       </p:sp>
@@ -3319,25 +5288,329 @@
             <p:ph idx="1"/>
           </p:nvPr>
         </p:nvSpPr>
-        <p:spPr/>
-        <p:txBody>
-          <a:bodyPr/>
+        <p:spPr>
+          <a:xfrm>
+            <a:off x="286752" y="584199"/>
+            <a:ext cx="11618495" cy="5612063"/>
+          </a:xfrm>
+        </p:spPr>
+        <p:txBody>
+          <a:bodyPr>
+            <a:normAutofit/>
+          </a:bodyPr>
           <a:lstStyle/>
           <a:p>
-            <a:endParaRPr lang="pt-BR"/>
-          </a:p>
-        </p:txBody>
-      </p:sp>
+            <a:pPr algn="just"/>
+            <a:r>
+              <a:rPr lang="pt-BR" sz="2000" b="1" i="1" dirty="0" smtClean="0"/>
+              <a:t>Nomeando um container – Para facilitar a localização do container posteriormente</a:t>
+            </a:r>
+          </a:p>
+          <a:p>
+            <a:pPr lvl="1" algn="just"/>
+            <a:r>
+              <a:rPr lang="pt-BR" sz="1800" dirty="0" err="1"/>
+              <a:t>docker</a:t>
+            </a:r>
+            <a:r>
+              <a:rPr lang="pt-BR" sz="1800" dirty="0"/>
+              <a:t> </a:t>
+            </a:r>
+            <a:r>
+              <a:rPr lang="pt-BR" sz="1800" dirty="0" err="1"/>
+              <a:t>run</a:t>
+            </a:r>
+            <a:r>
+              <a:rPr lang="pt-BR" sz="1800" dirty="0"/>
+              <a:t> –d –P  </a:t>
+            </a:r>
+            <a:r>
+              <a:rPr lang="pt-BR" sz="1800" b="1" dirty="0" smtClean="0"/>
+              <a:t>--</a:t>
+            </a:r>
+            <a:r>
+              <a:rPr lang="pt-BR" sz="1800" b="1" dirty="0" err="1" smtClean="0"/>
+              <a:t>name</a:t>
+            </a:r>
+            <a:r>
+              <a:rPr lang="pt-BR" sz="1800" b="1" dirty="0" smtClean="0"/>
+              <a:t>  meu-site</a:t>
+            </a:r>
+            <a:r>
+              <a:rPr lang="pt-BR" sz="1800" dirty="0" smtClean="0"/>
+              <a:t>   </a:t>
+            </a:r>
+            <a:r>
+              <a:rPr lang="pt-BR" sz="1800" dirty="0" err="1" smtClean="0"/>
+              <a:t>dockersamples</a:t>
+            </a:r>
+            <a:r>
+              <a:rPr lang="pt-BR" sz="1800" dirty="0" smtClean="0"/>
+              <a:t>/</a:t>
+            </a:r>
+            <a:r>
+              <a:rPr lang="pt-BR" sz="1800" dirty="0" err="1" smtClean="0"/>
+              <a:t>static</a:t>
+            </a:r>
+            <a:r>
+              <a:rPr lang="pt-BR" sz="1800" dirty="0" smtClean="0"/>
+              <a:t>-site</a:t>
+            </a:r>
+            <a:endParaRPr lang="pt-BR" sz="1800" dirty="0"/>
+          </a:p>
+          <a:p>
+            <a:pPr lvl="1" algn="just"/>
+            <a:endParaRPr lang="pt-BR" sz="1400" u="sng" dirty="0" smtClean="0"/>
+          </a:p>
+          <a:p>
+            <a:pPr lvl="1" algn="just"/>
+            <a:r>
+              <a:rPr lang="pt-BR" sz="1400" dirty="0" err="1" smtClean="0"/>
+              <a:t>docker</a:t>
+            </a:r>
+            <a:r>
+              <a:rPr lang="pt-BR" sz="1400" dirty="0" smtClean="0"/>
+              <a:t> stop meu-site</a:t>
+            </a:r>
+          </a:p>
+          <a:p>
+            <a:pPr lvl="1" algn="just"/>
+            <a:endParaRPr lang="pt-BR" sz="1400" dirty="0"/>
+          </a:p>
+          <a:p>
+            <a:pPr lvl="1" algn="just"/>
+            <a:endParaRPr lang="pt-BR" sz="1400" dirty="0"/>
+          </a:p>
+          <a:p>
+            <a:pPr algn="just"/>
+            <a:r>
+              <a:rPr lang="pt-BR" sz="2000" b="1" i="1" dirty="0" smtClean="0"/>
+              <a:t>Definindo uma porta específica</a:t>
+            </a:r>
+            <a:endParaRPr lang="pt-BR" sz="2000" b="1" i="1" dirty="0"/>
+          </a:p>
+          <a:p>
+            <a:pPr lvl="1" algn="just"/>
+            <a:r>
+              <a:rPr lang="pt-BR" sz="1800" dirty="0" err="1"/>
+              <a:t>docker</a:t>
+            </a:r>
+            <a:r>
+              <a:rPr lang="pt-BR" sz="1800" dirty="0"/>
+              <a:t> </a:t>
+            </a:r>
+            <a:r>
+              <a:rPr lang="pt-BR" sz="1800" dirty="0" err="1"/>
+              <a:t>run</a:t>
+            </a:r>
+            <a:r>
+              <a:rPr lang="pt-BR" sz="1800" dirty="0"/>
+              <a:t> –d</a:t>
+            </a:r>
+            <a:r>
+              <a:rPr lang="pt-BR" sz="1800" b="1" dirty="0"/>
+              <a:t> </a:t>
+            </a:r>
+            <a:r>
+              <a:rPr lang="pt-BR" sz="1800" b="1" dirty="0" smtClean="0"/>
+              <a:t>–p 12345:80 </a:t>
+            </a:r>
+            <a:r>
+              <a:rPr lang="pt-BR" sz="1800" dirty="0" smtClean="0"/>
+              <a:t>   </a:t>
+            </a:r>
+            <a:r>
+              <a:rPr lang="pt-BR" sz="1800" dirty="0" err="1"/>
+              <a:t>dockersamples</a:t>
+            </a:r>
+            <a:r>
+              <a:rPr lang="pt-BR" sz="1800" dirty="0"/>
+              <a:t>/</a:t>
+            </a:r>
+            <a:r>
+              <a:rPr lang="pt-BR" sz="1800" dirty="0" err="1"/>
+              <a:t>static</a:t>
+            </a:r>
+            <a:r>
+              <a:rPr lang="pt-BR" sz="1800" dirty="0"/>
+              <a:t>-site</a:t>
+            </a:r>
+          </a:p>
+          <a:p>
+            <a:pPr lvl="1" algn="just"/>
+            <a:endParaRPr lang="pt-BR" sz="1400" u="sng" dirty="0" smtClean="0"/>
+          </a:p>
+          <a:p>
+            <a:pPr lvl="1" algn="just"/>
+            <a:endParaRPr lang="pt-BR" sz="1400" u="sng" dirty="0"/>
+          </a:p>
+          <a:p>
+            <a:pPr algn="just"/>
+            <a:r>
+              <a:rPr lang="pt-BR" sz="2000" b="1" i="1" dirty="0" smtClean="0"/>
+              <a:t>Atribuindo uma variável específica</a:t>
+            </a:r>
+            <a:endParaRPr lang="pt-BR" sz="2000" b="1" i="1" dirty="0"/>
+          </a:p>
+          <a:p>
+            <a:pPr lvl="1" algn="just"/>
+            <a:r>
+              <a:rPr lang="pt-BR" sz="1800" dirty="0" err="1"/>
+              <a:t>docker</a:t>
+            </a:r>
+            <a:r>
+              <a:rPr lang="pt-BR" sz="1800" dirty="0"/>
+              <a:t> </a:t>
+            </a:r>
+            <a:r>
+              <a:rPr lang="pt-BR" sz="1800" dirty="0" err="1"/>
+              <a:t>run</a:t>
+            </a:r>
+            <a:r>
+              <a:rPr lang="pt-BR" sz="1800" dirty="0"/>
+              <a:t> –d </a:t>
+            </a:r>
+            <a:r>
+              <a:rPr lang="pt-BR" sz="1800" dirty="0" smtClean="0"/>
+              <a:t>–P </a:t>
+            </a:r>
+            <a:r>
+              <a:rPr lang="pt-BR" sz="1800" b="1" dirty="0" smtClean="0"/>
+              <a:t>-e AUTHOR=“Luciano Cordeiro” </a:t>
+            </a:r>
+            <a:r>
+              <a:rPr lang="pt-BR" sz="1800" dirty="0" smtClean="0"/>
+              <a:t> </a:t>
+            </a:r>
+            <a:r>
+              <a:rPr lang="pt-BR" sz="1800" dirty="0" err="1"/>
+              <a:t>dockersamples</a:t>
+            </a:r>
+            <a:r>
+              <a:rPr lang="pt-BR" sz="1800" dirty="0"/>
+              <a:t>/</a:t>
+            </a:r>
+            <a:r>
+              <a:rPr lang="pt-BR" sz="1800" dirty="0" err="1"/>
+              <a:t>static</a:t>
+            </a:r>
+            <a:r>
+              <a:rPr lang="pt-BR" sz="1800" dirty="0"/>
+              <a:t>-site</a:t>
+            </a:r>
+          </a:p>
+          <a:p>
+            <a:pPr lvl="1" algn="just"/>
+            <a:endParaRPr lang="pt-BR" sz="1400" u="sng" dirty="0" smtClean="0"/>
+          </a:p>
+          <a:p>
+            <a:pPr lvl="1" algn="just"/>
+            <a:endParaRPr lang="pt-BR" sz="1400" u="sng" dirty="0"/>
+          </a:p>
+          <a:p>
+            <a:pPr algn="just"/>
+            <a:r>
+              <a:rPr lang="pt-BR" sz="2000" b="1" i="1" dirty="0" smtClean="0"/>
+              <a:t>Parando todos os containers de uma vez</a:t>
+            </a:r>
+            <a:endParaRPr lang="pt-BR" sz="2000" b="1" i="1" dirty="0"/>
+          </a:p>
+          <a:p>
+            <a:pPr lvl="1" algn="just"/>
+            <a:r>
+              <a:rPr lang="pt-BR" sz="1800" dirty="0" err="1"/>
+              <a:t>docker</a:t>
+            </a:r>
+            <a:r>
+              <a:rPr lang="pt-BR" sz="1800" dirty="0"/>
+              <a:t> </a:t>
+            </a:r>
+            <a:r>
+              <a:rPr lang="pt-BR" sz="1800" dirty="0" smtClean="0"/>
+              <a:t>stop –t 0 $(</a:t>
+            </a:r>
+            <a:r>
+              <a:rPr lang="pt-BR" sz="1800" dirty="0" err="1" smtClean="0"/>
+              <a:t>docker</a:t>
+            </a:r>
+            <a:r>
+              <a:rPr lang="pt-BR" sz="1800" dirty="0" smtClean="0"/>
+              <a:t> </a:t>
+            </a:r>
+            <a:r>
+              <a:rPr lang="pt-BR" sz="1800" dirty="0" err="1" smtClean="0"/>
+              <a:t>ps</a:t>
+            </a:r>
+            <a:r>
+              <a:rPr lang="pt-BR" sz="1800" dirty="0" smtClean="0"/>
+              <a:t> –q)</a:t>
+            </a:r>
+            <a:endParaRPr lang="pt-BR" sz="1800" dirty="0"/>
+          </a:p>
+          <a:p>
+            <a:pPr lvl="1" algn="just"/>
+            <a:endParaRPr lang="pt-BR" sz="1400" u="sng" dirty="0"/>
+          </a:p>
+          <a:p>
+            <a:pPr marL="457200" lvl="1" indent="0" algn="just">
+              <a:buNone/>
+            </a:pPr>
+            <a:endParaRPr lang="pt-BR" sz="1400" u="sng" dirty="0" smtClean="0"/>
+          </a:p>
+          <a:p>
+            <a:pPr marL="457200" lvl="1" indent="0" algn="just">
+              <a:buNone/>
+            </a:pPr>
+            <a:endParaRPr lang="pt-BR" sz="1400" u="sng" dirty="0" smtClean="0"/>
+          </a:p>
+        </p:txBody>
+      </p:sp>
+      <p:pic>
+        <p:nvPicPr>
+          <p:cNvPr id="4" name="Imagem 3"/>
+          <p:cNvPicPr>
+            <a:picLocks noChangeAspect="1"/>
+          </p:cNvPicPr>
+          <p:nvPr/>
+        </p:nvPicPr>
+        <p:blipFill>
+          <a:blip r:embed="rId2"/>
+          <a:stretch>
+            <a:fillRect/>
+          </a:stretch>
+        </p:blipFill>
+        <p:spPr>
+          <a:xfrm>
+            <a:off x="8465970" y="3427329"/>
+            <a:ext cx="3152775" cy="1276350"/>
+          </a:xfrm>
+          <a:prstGeom prst="rect">
+            <a:avLst/>
+          </a:prstGeom>
+          <a:ln>
+            <a:solidFill>
+              <a:schemeClr val="tx1"/>
+            </a:solidFill>
+          </a:ln>
+        </p:spPr>
+      </p:pic>
     </p:spTree>
     <p:extLst>
       <p:ext uri="{BB962C8B-B14F-4D97-AF65-F5344CB8AC3E}">
-        <p14:creationId xmlns:p14="http://schemas.microsoft.com/office/powerpoint/2010/main" val="1462747175"/>
+        <p14:creationId xmlns:p14="http://schemas.microsoft.com/office/powerpoint/2010/main" val="2094361035"/>
       </p:ext>
     </p:extLst>
   </p:cSld>
   <p:clrMapOvr>
     <a:masterClrMapping/>
   </p:clrMapOvr>
+  <p:timing>
+    <p:tnLst>
+      <p:par>
+        <p:cTn id="1" dur="indefinite" restart="never" nodeType="tmRoot"/>
+      </p:par>
+    </p:tnLst>
+  </p:timing>
 </p:sld>
 </file>
 
@@ -3368,6 +5641,241 @@
             <p:ph type="title"/>
           </p:nvPr>
         </p:nvSpPr>
+        <p:spPr>
+          <a:xfrm>
+            <a:off x="838200" y="161925"/>
+            <a:ext cx="10515600" cy="422275"/>
+          </a:xfrm>
+        </p:spPr>
+        <p:txBody>
+          <a:bodyPr vert="horz" lIns="91440" tIns="45720" rIns="91440" bIns="45720" rtlCol="0" anchor="ctr">
+            <a:normAutofit fontScale="90000"/>
+          </a:bodyPr>
+          <a:lstStyle/>
+          <a:p>
+            <a:pPr algn="ctr"/>
+            <a:r>
+              <a:rPr lang="pt-BR" sz="2800" b="1" dirty="0" smtClean="0"/>
+              <a:t>Praticando com o </a:t>
+            </a:r>
+            <a:r>
+              <a:rPr lang="pt-BR" sz="2800" b="1" dirty="0" err="1" smtClean="0"/>
+              <a:t>docker</a:t>
+            </a:r>
+            <a:r>
+              <a:rPr lang="pt-BR" sz="2800" b="1" dirty="0" smtClean="0"/>
+              <a:t> </a:t>
+            </a:r>
+            <a:r>
+              <a:rPr lang="pt-BR" sz="2800" b="1" dirty="0" err="1" smtClean="0"/>
+              <a:t>run</a:t>
+            </a:r>
+            <a:endParaRPr lang="pt-BR" sz="2800" b="1" dirty="0"/>
+          </a:p>
+        </p:txBody>
+      </p:sp>
+      <p:sp>
+        <p:nvSpPr>
+          <p:cNvPr id="3" name="Espaço Reservado para Conteúdo 2"/>
+          <p:cNvSpPr>
+            <a:spLocks noGrp="1"/>
+          </p:cNvSpPr>
+          <p:nvPr>
+            <p:ph idx="1"/>
+          </p:nvPr>
+        </p:nvSpPr>
+        <p:spPr/>
+        <p:txBody>
+          <a:bodyPr/>
+          <a:lstStyle/>
+          <a:p>
+            <a:endParaRPr lang="pt-BR" dirty="0"/>
+          </a:p>
+        </p:txBody>
+      </p:sp>
+    </p:spTree>
+    <p:extLst>
+      <p:ext uri="{BB962C8B-B14F-4D97-AF65-F5344CB8AC3E}">
+        <p14:creationId xmlns:p14="http://schemas.microsoft.com/office/powerpoint/2010/main" val="1174364163"/>
+      </p:ext>
+    </p:extLst>
+  </p:cSld>
+  <p:clrMapOvr>
+    <a:masterClrMapping/>
+  </p:clrMapOvr>
+  <p:timing>
+    <p:tnLst>
+      <p:par>
+        <p:cTn id="1" dur="indefinite" restart="never" nodeType="tmRoot"/>
+      </p:par>
+    </p:tnLst>
+  </p:timing>
+</p:sld>
+</file>
+
+<file path=ppt/slides/slide16.xml><?xml version="1.0" encoding="utf-8"?>
+<p:sld xmlns:a="http://schemas.openxmlformats.org/drawingml/2006/main" xmlns:r="http://schemas.openxmlformats.org/officeDocument/2006/relationships" xmlns:p="http://schemas.openxmlformats.org/presentationml/2006/main">
+  <p:cSld>
+    <p:spTree>
+      <p:nvGrpSpPr>
+        <p:cNvPr id="1" name=""/>
+        <p:cNvGrpSpPr/>
+        <p:nvPr/>
+      </p:nvGrpSpPr>
+      <p:grpSpPr>
+        <a:xfrm>
+          <a:off x="0" y="0"/>
+          <a:ext cx="0" cy="0"/>
+          <a:chOff x="0" y="0"/>
+          <a:chExt cx="0" cy="0"/>
+        </a:xfrm>
+      </p:grpSpPr>
+      <p:sp>
+        <p:nvSpPr>
+          <p:cNvPr id="2" name="Título 1"/>
+          <p:cNvSpPr>
+            <a:spLocks noGrp="1"/>
+          </p:cNvSpPr>
+          <p:nvPr>
+            <p:ph type="title"/>
+          </p:nvPr>
+        </p:nvSpPr>
+        <p:spPr/>
+        <p:txBody>
+          <a:bodyPr/>
+          <a:lstStyle/>
+          <a:p>
+            <a:endParaRPr lang="pt-BR"/>
+          </a:p>
+        </p:txBody>
+      </p:sp>
+      <p:sp>
+        <p:nvSpPr>
+          <p:cNvPr id="3" name="Espaço Reservado para Conteúdo 2"/>
+          <p:cNvSpPr>
+            <a:spLocks noGrp="1"/>
+          </p:cNvSpPr>
+          <p:nvPr>
+            <p:ph idx="1"/>
+          </p:nvPr>
+        </p:nvSpPr>
+        <p:spPr/>
+        <p:txBody>
+          <a:bodyPr/>
+          <a:lstStyle/>
+          <a:p>
+            <a:endParaRPr lang="pt-BR"/>
+          </a:p>
+        </p:txBody>
+      </p:sp>
+    </p:spTree>
+    <p:extLst>
+      <p:ext uri="{BB962C8B-B14F-4D97-AF65-F5344CB8AC3E}">
+        <p14:creationId xmlns:p14="http://schemas.microsoft.com/office/powerpoint/2010/main" val="517489975"/>
+      </p:ext>
+    </p:extLst>
+  </p:cSld>
+  <p:clrMapOvr>
+    <a:masterClrMapping/>
+  </p:clrMapOvr>
+</p:sld>
+</file>
+
+<file path=ppt/slides/slide17.xml><?xml version="1.0" encoding="utf-8"?>
+<p:sld xmlns:a="http://schemas.openxmlformats.org/drawingml/2006/main" xmlns:r="http://schemas.openxmlformats.org/officeDocument/2006/relationships" xmlns:p="http://schemas.openxmlformats.org/presentationml/2006/main">
+  <p:cSld>
+    <p:spTree>
+      <p:nvGrpSpPr>
+        <p:cNvPr id="1" name=""/>
+        <p:cNvGrpSpPr/>
+        <p:nvPr/>
+      </p:nvGrpSpPr>
+      <p:grpSpPr>
+        <a:xfrm>
+          <a:off x="0" y="0"/>
+          <a:ext cx="0" cy="0"/>
+          <a:chOff x="0" y="0"/>
+          <a:chExt cx="0" cy="0"/>
+        </a:xfrm>
+      </p:grpSpPr>
+      <p:sp>
+        <p:nvSpPr>
+          <p:cNvPr id="2" name="Título 1"/>
+          <p:cNvSpPr>
+            <a:spLocks noGrp="1"/>
+          </p:cNvSpPr>
+          <p:nvPr>
+            <p:ph type="title"/>
+          </p:nvPr>
+        </p:nvSpPr>
+        <p:spPr/>
+        <p:txBody>
+          <a:bodyPr/>
+          <a:lstStyle/>
+          <a:p>
+            <a:endParaRPr lang="pt-BR"/>
+          </a:p>
+        </p:txBody>
+      </p:sp>
+      <p:sp>
+        <p:nvSpPr>
+          <p:cNvPr id="3" name="Espaço Reservado para Conteúdo 2"/>
+          <p:cNvSpPr>
+            <a:spLocks noGrp="1"/>
+          </p:cNvSpPr>
+          <p:nvPr>
+            <p:ph idx="1"/>
+          </p:nvPr>
+        </p:nvSpPr>
+        <p:spPr/>
+        <p:txBody>
+          <a:bodyPr/>
+          <a:lstStyle/>
+          <a:p>
+            <a:endParaRPr lang="pt-BR"/>
+          </a:p>
+        </p:txBody>
+      </p:sp>
+    </p:spTree>
+    <p:extLst>
+      <p:ext uri="{BB962C8B-B14F-4D97-AF65-F5344CB8AC3E}">
+        <p14:creationId xmlns:p14="http://schemas.microsoft.com/office/powerpoint/2010/main" val="2333415383"/>
+      </p:ext>
+    </p:extLst>
+  </p:cSld>
+  <p:clrMapOvr>
+    <a:masterClrMapping/>
+  </p:clrMapOvr>
+</p:sld>
+</file>
+
+<file path=ppt/slides/slide18.xml><?xml version="1.0" encoding="utf-8"?>
+<p:sld xmlns:a="http://schemas.openxmlformats.org/drawingml/2006/main" xmlns:r="http://schemas.openxmlformats.org/officeDocument/2006/relationships" xmlns:p="http://schemas.openxmlformats.org/presentationml/2006/main">
+  <p:cSld>
+    <p:spTree>
+      <p:nvGrpSpPr>
+        <p:cNvPr id="1" name=""/>
+        <p:cNvGrpSpPr/>
+        <p:nvPr/>
+      </p:nvGrpSpPr>
+      <p:grpSpPr>
+        <a:xfrm>
+          <a:off x="0" y="0"/>
+          <a:ext cx="0" cy="0"/>
+          <a:chOff x="0" y="0"/>
+          <a:chExt cx="0" cy="0"/>
+        </a:xfrm>
+      </p:grpSpPr>
+      <p:sp>
+        <p:nvSpPr>
+          <p:cNvPr id="2" name="Título 1"/>
+          <p:cNvSpPr>
+            <a:spLocks noGrp="1"/>
+          </p:cNvSpPr>
+          <p:nvPr>
+            <p:ph type="title"/>
+          </p:nvPr>
+        </p:nvSpPr>
         <p:spPr/>
         <p:txBody>
           <a:bodyPr/>
@@ -3409,7 +5917,7 @@
 </p:sld>
 </file>
 
-<file path=ppt/slides/slide16.xml><?xml version="1.0" encoding="utf-8"?>
+<file path=ppt/slides/slide19.xml><?xml version="1.0" encoding="utf-8"?>
 <p:sld xmlns:a="http://schemas.openxmlformats.org/drawingml/2006/main" xmlns:r="http://schemas.openxmlformats.org/officeDocument/2006/relationships" xmlns:p="http://schemas.openxmlformats.org/presentationml/2006/main">
   <p:cSld>
     <p:spTree>
@@ -6471,7 +8979,11 @@
             <a:pPr algn="ctr"/>
             <a:r>
               <a:rPr lang="pt-BR" sz="2800" b="1" dirty="0" smtClean="0"/>
-              <a:t>Diferença entre Imagens e Containers</a:t>
+              <a:t>Diferença entre Imagens e </a:t>
+            </a:r>
+            <a:r>
+              <a:rPr lang="pt-BR" sz="2800" b="1" dirty="0" smtClean="0"/>
+              <a:t>Containers  - E alguns comandos</a:t>
             </a:r>
             <a:endParaRPr lang="pt-BR" sz="2800" b="1" dirty="0"/>
           </a:p>
@@ -6868,8 +9380,8 @@
         </p:nvSpPr>
         <p:spPr>
           <a:xfrm>
-            <a:off x="529429" y="1181988"/>
-            <a:ext cx="11396959" cy="4031873"/>
+            <a:off x="332016" y="1084496"/>
+            <a:ext cx="5883403" cy="3970318"/>
           </a:xfrm>
           <a:prstGeom prst="rect">
             <a:avLst/>
@@ -6882,7 +9394,7 @@
           </a:bodyPr>
           <a:lstStyle/>
           <a:p>
-            <a:endParaRPr lang="pt-BR" sz="1600" dirty="0" smtClean="0"/>
+            <a:endParaRPr lang="pt-BR" dirty="0" smtClean="0"/>
           </a:p>
           <a:p>
             <a:pPr marL="285750" indent="-285750">
@@ -6890,35 +9402,35 @@
               <a:buChar char="Ø"/>
             </a:pPr>
             <a:r>
-              <a:rPr lang="pt-BR" sz="1600" dirty="0" err="1" smtClean="0"/>
+              <a:rPr lang="pt-BR" dirty="0" err="1" smtClean="0"/>
               <a:t>docker</a:t>
             </a:r>
             <a:r>
-              <a:rPr lang="pt-BR" sz="1600" dirty="0" smtClean="0"/>
+              <a:rPr lang="pt-BR" dirty="0" smtClean="0"/>
               <a:t> </a:t>
             </a:r>
             <a:r>
-              <a:rPr lang="pt-BR" sz="1600" dirty="0" err="1" smtClean="0"/>
+              <a:rPr lang="pt-BR" dirty="0" err="1" smtClean="0"/>
               <a:t>run</a:t>
             </a:r>
             <a:r>
-              <a:rPr lang="pt-BR" sz="1600" dirty="0" smtClean="0"/>
+              <a:rPr lang="pt-BR" dirty="0" smtClean="0"/>
               <a:t> </a:t>
             </a:r>
             <a:r>
-              <a:rPr lang="pt-BR" sz="1600" dirty="0" err="1" smtClean="0"/>
+              <a:rPr lang="pt-BR" dirty="0" err="1" smtClean="0"/>
               <a:t>ubuntu</a:t>
             </a:r>
             <a:r>
-              <a:rPr lang="pt-BR" sz="1600" dirty="0" smtClean="0"/>
+              <a:rPr lang="pt-BR" dirty="0" smtClean="0"/>
               <a:t> </a:t>
             </a:r>
             <a:r>
-              <a:rPr lang="pt-BR" sz="1600" dirty="0" err="1" smtClean="0"/>
+              <a:rPr lang="pt-BR" dirty="0" err="1" smtClean="0"/>
               <a:t>echo</a:t>
             </a:r>
             <a:r>
-              <a:rPr lang="pt-BR" sz="1600" dirty="0" smtClean="0"/>
+              <a:rPr lang="pt-BR" dirty="0" smtClean="0"/>
               <a:t> “ Olá Mundo!”</a:t>
             </a:r>
           </a:p>
@@ -6927,7 +9439,7 @@
               <a:buFont typeface="Wingdings" panose="05000000000000000000" pitchFamily="2" charset="2"/>
               <a:buChar char="Ø"/>
             </a:pPr>
-            <a:endParaRPr lang="pt-BR" sz="1600" dirty="0"/>
+            <a:endParaRPr lang="pt-BR" dirty="0"/>
           </a:p>
           <a:p>
             <a:pPr marL="285750" indent="-285750">
@@ -6935,31 +9447,31 @@
               <a:buChar char="Ø"/>
             </a:pPr>
             <a:r>
-              <a:rPr lang="pt-BR" sz="1600" dirty="0" err="1"/>
+              <a:rPr lang="pt-BR" dirty="0" err="1"/>
               <a:t>docker</a:t>
             </a:r>
             <a:r>
-              <a:rPr lang="pt-BR" sz="1600" dirty="0"/>
+              <a:rPr lang="pt-BR" dirty="0"/>
               <a:t> </a:t>
             </a:r>
             <a:r>
-              <a:rPr lang="pt-BR" sz="1600" dirty="0" err="1"/>
+              <a:rPr lang="pt-BR" dirty="0" err="1"/>
               <a:t>run</a:t>
             </a:r>
             <a:r>
-              <a:rPr lang="pt-BR" sz="1600" dirty="0"/>
+              <a:rPr lang="pt-BR" dirty="0"/>
               <a:t> -it </a:t>
             </a:r>
             <a:r>
-              <a:rPr lang="pt-BR" sz="1600" dirty="0" err="1" smtClean="0"/>
+              <a:rPr lang="pt-BR" dirty="0" err="1" smtClean="0"/>
               <a:t>ubuntu</a:t>
             </a:r>
             <a:r>
-              <a:rPr lang="pt-BR" sz="1600" dirty="0" smtClean="0"/>
+              <a:rPr lang="pt-BR" dirty="0" smtClean="0"/>
               <a:t>  - </a:t>
             </a:r>
             <a:r>
-              <a:rPr lang="pt-BR" sz="1600" b="1" dirty="0" smtClean="0"/>
+              <a:rPr lang="pt-BR" b="1" dirty="0" smtClean="0"/>
               <a:t>Trabalhar dentro do Container</a:t>
             </a:r>
           </a:p>
@@ -6968,7 +9480,7 @@
               <a:buFont typeface="Wingdings" panose="05000000000000000000" pitchFamily="2" charset="2"/>
               <a:buChar char="Ø"/>
             </a:pPr>
-            <a:endParaRPr lang="pt-BR" sz="1600" dirty="0"/>
+            <a:endParaRPr lang="pt-BR" dirty="0"/>
           </a:p>
           <a:p>
             <a:pPr marL="285750" indent="-285750">
@@ -6976,24 +9488,24 @@
               <a:buChar char="Ø"/>
             </a:pPr>
             <a:r>
-              <a:rPr lang="pt-BR" sz="1600" dirty="0" err="1" smtClean="0"/>
+              <a:rPr lang="pt-BR" dirty="0" err="1" smtClean="0"/>
               <a:t>docker</a:t>
             </a:r>
             <a:r>
-              <a:rPr lang="pt-BR" sz="1600" dirty="0" smtClean="0"/>
+              <a:rPr lang="pt-BR" dirty="0" smtClean="0"/>
               <a:t> </a:t>
             </a:r>
             <a:r>
-              <a:rPr lang="pt-BR" sz="1600" dirty="0"/>
+              <a:rPr lang="pt-BR" dirty="0"/>
               <a:t>start –help - </a:t>
             </a:r>
             <a:r>
-              <a:rPr lang="pt-BR" sz="1600" b="1" dirty="0"/>
+              <a:rPr lang="pt-BR" b="1" dirty="0"/>
               <a:t>Ajuda sobre comandos</a:t>
             </a:r>
           </a:p>
           <a:p>
-            <a:endParaRPr lang="pt-BR" sz="1600" dirty="0" smtClean="0"/>
+            <a:endParaRPr lang="pt-BR" dirty="0" smtClean="0"/>
           </a:p>
           <a:p>
             <a:pPr marL="285750" indent="-285750">
@@ -7001,29 +9513,29 @@
               <a:buChar char="Ø"/>
             </a:pPr>
             <a:r>
-              <a:rPr lang="pt-BR" sz="1600" dirty="0" err="1" smtClean="0"/>
+              <a:rPr lang="pt-BR" dirty="0" err="1" smtClean="0"/>
               <a:t>docker</a:t>
             </a:r>
             <a:r>
-              <a:rPr lang="pt-BR" sz="1600" dirty="0" smtClean="0"/>
+              <a:rPr lang="pt-BR" dirty="0" smtClean="0"/>
               <a:t> </a:t>
             </a:r>
             <a:r>
-              <a:rPr lang="pt-BR" sz="1600" dirty="0"/>
+              <a:rPr lang="pt-BR" dirty="0"/>
               <a:t>start </a:t>
             </a:r>
             <a:r>
-              <a:rPr lang="pt-BR" sz="1600" dirty="0" smtClean="0"/>
+              <a:rPr lang="pt-BR" dirty="0" smtClean="0"/>
               <a:t>4139842e283a – </a:t>
             </a:r>
             <a:r>
-              <a:rPr lang="pt-BR" sz="1600" b="1" dirty="0" smtClean="0"/>
+              <a:rPr lang="pt-BR" b="1" dirty="0" smtClean="0"/>
               <a:t>Iniciar um container</a:t>
             </a:r>
-            <a:endParaRPr lang="pt-BR" sz="1600" b="1" dirty="0"/>
-          </a:p>
-          <a:p>
-            <a:endParaRPr lang="pt-BR" sz="1600" dirty="0" smtClean="0"/>
+            <a:endParaRPr lang="pt-BR" b="1" dirty="0"/>
+          </a:p>
+          <a:p>
+            <a:endParaRPr lang="pt-BR" dirty="0" smtClean="0"/>
           </a:p>
           <a:p>
             <a:pPr marL="285750" indent="-285750">
@@ -7031,29 +9543,29 @@
               <a:buChar char="Ø"/>
             </a:pPr>
             <a:r>
-              <a:rPr lang="pt-BR" sz="1600" dirty="0" err="1" smtClean="0"/>
+              <a:rPr lang="pt-BR" dirty="0" err="1" smtClean="0"/>
               <a:t>docker</a:t>
             </a:r>
             <a:r>
-              <a:rPr lang="pt-BR" sz="1600" dirty="0" smtClean="0"/>
+              <a:rPr lang="pt-BR" dirty="0" smtClean="0"/>
               <a:t> </a:t>
             </a:r>
             <a:r>
-              <a:rPr lang="pt-BR" sz="1600" dirty="0"/>
+              <a:rPr lang="pt-BR" dirty="0"/>
               <a:t>stop </a:t>
             </a:r>
             <a:r>
-              <a:rPr lang="pt-BR" sz="1600" dirty="0" smtClean="0"/>
+              <a:rPr lang="pt-BR" dirty="0" smtClean="0"/>
               <a:t>4139842e283a – </a:t>
             </a:r>
             <a:r>
-              <a:rPr lang="pt-BR" sz="1600" b="1" dirty="0" smtClean="0"/>
+              <a:rPr lang="pt-BR" b="1" dirty="0" smtClean="0"/>
               <a:t>Parar um container</a:t>
             </a:r>
-            <a:endParaRPr lang="pt-BR" sz="1600" b="1" dirty="0"/>
-          </a:p>
-          <a:p>
-            <a:endParaRPr lang="pt-BR" sz="1600" dirty="0" smtClean="0"/>
+            <a:endParaRPr lang="pt-BR" b="1" dirty="0"/>
+          </a:p>
+          <a:p>
+            <a:endParaRPr lang="pt-BR" dirty="0" smtClean="0"/>
           </a:p>
           <a:p>
             <a:pPr marL="285750" indent="-285750">
@@ -7061,39 +9573,39 @@
               <a:buChar char="Ø"/>
             </a:pPr>
             <a:r>
-              <a:rPr lang="pt-BR" sz="1600" dirty="0" err="1" smtClean="0"/>
+              <a:rPr lang="pt-BR" dirty="0" err="1" smtClean="0"/>
               <a:t>docker</a:t>
             </a:r>
             <a:r>
-              <a:rPr lang="pt-BR" sz="1600" dirty="0" smtClean="0"/>
+              <a:rPr lang="pt-BR" dirty="0" smtClean="0"/>
               <a:t> </a:t>
             </a:r>
             <a:r>
-              <a:rPr lang="pt-BR" sz="1600" dirty="0"/>
+              <a:rPr lang="pt-BR" dirty="0"/>
               <a:t>start –a –i </a:t>
             </a:r>
             <a:r>
-              <a:rPr lang="pt-BR" sz="1600" dirty="0" smtClean="0"/>
+              <a:rPr lang="pt-BR" dirty="0" smtClean="0"/>
               <a:t>4139842e283a – </a:t>
             </a:r>
             <a:r>
-              <a:rPr lang="pt-BR" sz="1600" b="1" dirty="0" smtClean="0"/>
+              <a:rPr lang="pt-BR" b="1" dirty="0" smtClean="0"/>
               <a:t>Iniciar um container e já acessá-lo ( -a </a:t>
             </a:r>
             <a:r>
-              <a:rPr lang="pt-BR" sz="1600" b="1" dirty="0" err="1" smtClean="0"/>
+              <a:rPr lang="pt-BR" b="1" dirty="0" err="1" smtClean="0"/>
               <a:t>attach</a:t>
             </a:r>
             <a:r>
-              <a:rPr lang="pt-BR" sz="1600" b="1" dirty="0" smtClean="0"/>
+              <a:rPr lang="pt-BR" b="1" dirty="0" smtClean="0"/>
               <a:t> / -i </a:t>
             </a:r>
             <a:r>
-              <a:rPr lang="pt-BR" sz="1600" b="1" dirty="0" err="1" smtClean="0"/>
+              <a:rPr lang="pt-BR" b="1" dirty="0" err="1" smtClean="0"/>
               <a:t>interactive</a:t>
             </a:r>
             <a:r>
-              <a:rPr lang="pt-BR" sz="1600" b="1" dirty="0" smtClean="0"/>
+              <a:rPr lang="pt-BR" b="1" dirty="0" smtClean="0"/>
               <a:t> )</a:t>
             </a:r>
           </a:p>
@@ -7103,26 +9615,37 @@
               <a:buChar char="Ø"/>
             </a:pPr>
             <a:r>
-              <a:rPr lang="pt-BR" sz="1600" dirty="0" smtClean="0"/>
+              <a:rPr lang="pt-BR" dirty="0" smtClean="0"/>
               <a:t>root@4139842e283a</a:t>
             </a:r>
-            <a:endParaRPr lang="pt-BR" sz="1600" b="1" dirty="0"/>
-          </a:p>
-          <a:p>
-            <a:endParaRPr lang="pt-BR" sz="1600" dirty="0"/>
-          </a:p>
-          <a:p>
-            <a:pPr marL="285750" indent="-285750">
-              <a:buFont typeface="Wingdings" panose="05000000000000000000" pitchFamily="2" charset="2"/>
-              <a:buChar char="Ø"/>
-            </a:pPr>
-            <a:endParaRPr lang="pt-BR" sz="1600" dirty="0" smtClean="0"/>
-          </a:p>
-          <a:p>
-            <a:endParaRPr lang="pt-BR" sz="1600" dirty="0"/>
-          </a:p>
-        </p:txBody>
-      </p:sp>
+            <a:endParaRPr lang="pt-BR" b="1" dirty="0"/>
+          </a:p>
+        </p:txBody>
+      </p:sp>
+      <p:pic>
+        <p:nvPicPr>
+          <p:cNvPr id="6" name="Imagem 5"/>
+          <p:cNvPicPr>
+            <a:picLocks noChangeAspect="1"/>
+          </p:cNvPicPr>
+          <p:nvPr/>
+        </p:nvPicPr>
+        <p:blipFill>
+          <a:blip r:embed="rId2"/>
+          <a:stretch>
+            <a:fillRect/>
+          </a:stretch>
+        </p:blipFill>
+        <p:spPr>
+          <a:xfrm>
+            <a:off x="6387853" y="1930777"/>
+            <a:ext cx="5317752" cy="2277756"/>
+          </a:xfrm>
+          <a:prstGeom prst="rect">
+            <a:avLst/>
+          </a:prstGeom>
+        </p:spPr>
+      </p:pic>
     </p:spTree>
     <p:extLst>
       <p:ext uri="{BB962C8B-B14F-4D97-AF65-F5344CB8AC3E}">
@@ -7133,6 +9656,13 @@
   <p:clrMapOvr>
     <a:masterClrMapping/>
   </p:clrMapOvr>
+  <p:timing>
+    <p:tnLst>
+      <p:par>
+        <p:cTn id="1" dur="indefinite" restart="never" nodeType="tmRoot"/>
+      </p:par>
+    </p:tnLst>
+  </p:timing>
 </p:sld>
 </file>
 
@@ -7155,52 +9685,605 @@
       </p:grpSpPr>
       <p:sp>
         <p:nvSpPr>
-          <p:cNvPr id="2" name="Título 1"/>
-          <p:cNvSpPr>
-            <a:spLocks noGrp="1"/>
-          </p:cNvSpPr>
-          <p:nvPr>
-            <p:ph type="title"/>
-          </p:nvPr>
-        </p:nvSpPr>
-        <p:spPr/>
-        <p:txBody>
-          <a:bodyPr/>
+          <p:cNvPr id="5" name="Espaço Reservado para Conteúdo 5"/>
+          <p:cNvSpPr txBox="1">
+            <a:spLocks/>
+          </p:cNvSpPr>
+          <p:nvPr/>
+        </p:nvSpPr>
+        <p:spPr>
+          <a:xfrm>
+            <a:off x="504450" y="1084496"/>
+            <a:ext cx="11421938" cy="3317687"/>
+          </a:xfrm>
+          <a:prstGeom prst="rect">
+            <a:avLst/>
+          </a:prstGeom>
+        </p:spPr>
+        <p:txBody>
+          <a:bodyPr vert="horz" lIns="91440" tIns="45720" rIns="91440" bIns="45720" rtlCol="0">
+            <a:normAutofit/>
+          </a:bodyPr>
+          <a:lstStyle>
+            <a:lvl1pPr marL="228600" indent="-228600" algn="l" defTabSz="914400" rtl="0" eaLnBrk="1" latinLnBrk="0" hangingPunct="1">
+              <a:lnSpc>
+                <a:spcPct val="90000"/>
+              </a:lnSpc>
+              <a:spcBef>
+                <a:spcPts val="1000"/>
+              </a:spcBef>
+              <a:buFont typeface="Arial" panose="020B0604020202020204" pitchFamily="34" charset="0"/>
+              <a:buChar char="•"/>
+              <a:defRPr sz="2800" kern="1200">
+                <a:solidFill>
+                  <a:schemeClr val="tx1"/>
+                </a:solidFill>
+                <a:latin typeface="+mn-lt"/>
+                <a:ea typeface="+mn-ea"/>
+                <a:cs typeface="+mn-cs"/>
+              </a:defRPr>
+            </a:lvl1pPr>
+            <a:lvl2pPr marL="685800" indent="-228600" algn="l" defTabSz="914400" rtl="0" eaLnBrk="1" latinLnBrk="0" hangingPunct="1">
+              <a:lnSpc>
+                <a:spcPct val="90000"/>
+              </a:lnSpc>
+              <a:spcBef>
+                <a:spcPts val="500"/>
+              </a:spcBef>
+              <a:buFont typeface="Arial" panose="020B0604020202020204" pitchFamily="34" charset="0"/>
+              <a:buChar char="•"/>
+              <a:defRPr sz="2400" kern="1200">
+                <a:solidFill>
+                  <a:schemeClr val="tx1"/>
+                </a:solidFill>
+                <a:latin typeface="+mn-lt"/>
+                <a:ea typeface="+mn-ea"/>
+                <a:cs typeface="+mn-cs"/>
+              </a:defRPr>
+            </a:lvl2pPr>
+            <a:lvl3pPr marL="1143000" indent="-228600" algn="l" defTabSz="914400" rtl="0" eaLnBrk="1" latinLnBrk="0" hangingPunct="1">
+              <a:lnSpc>
+                <a:spcPct val="90000"/>
+              </a:lnSpc>
+              <a:spcBef>
+                <a:spcPts val="500"/>
+              </a:spcBef>
+              <a:buFont typeface="Arial" panose="020B0604020202020204" pitchFamily="34" charset="0"/>
+              <a:buChar char="•"/>
+              <a:defRPr sz="2000" kern="1200">
+                <a:solidFill>
+                  <a:schemeClr val="tx1"/>
+                </a:solidFill>
+                <a:latin typeface="+mn-lt"/>
+                <a:ea typeface="+mn-ea"/>
+                <a:cs typeface="+mn-cs"/>
+              </a:defRPr>
+            </a:lvl3pPr>
+            <a:lvl4pPr marL="1600200" indent="-228600" algn="l" defTabSz="914400" rtl="0" eaLnBrk="1" latinLnBrk="0" hangingPunct="1">
+              <a:lnSpc>
+                <a:spcPct val="90000"/>
+              </a:lnSpc>
+              <a:spcBef>
+                <a:spcPts val="500"/>
+              </a:spcBef>
+              <a:buFont typeface="Arial" panose="020B0604020202020204" pitchFamily="34" charset="0"/>
+              <a:buChar char="•"/>
+              <a:defRPr sz="1800" kern="1200">
+                <a:solidFill>
+                  <a:schemeClr val="tx1"/>
+                </a:solidFill>
+                <a:latin typeface="+mn-lt"/>
+                <a:ea typeface="+mn-ea"/>
+                <a:cs typeface="+mn-cs"/>
+              </a:defRPr>
+            </a:lvl4pPr>
+            <a:lvl5pPr marL="2057400" indent="-228600" algn="l" defTabSz="914400" rtl="0" eaLnBrk="1" latinLnBrk="0" hangingPunct="1">
+              <a:lnSpc>
+                <a:spcPct val="90000"/>
+              </a:lnSpc>
+              <a:spcBef>
+                <a:spcPts val="500"/>
+              </a:spcBef>
+              <a:buFont typeface="Arial" panose="020B0604020202020204" pitchFamily="34" charset="0"/>
+              <a:buChar char="•"/>
+              <a:defRPr sz="1800" kern="1200">
+                <a:solidFill>
+                  <a:schemeClr val="tx1"/>
+                </a:solidFill>
+                <a:latin typeface="+mn-lt"/>
+                <a:ea typeface="+mn-ea"/>
+                <a:cs typeface="+mn-cs"/>
+              </a:defRPr>
+            </a:lvl5pPr>
+            <a:lvl6pPr marL="2514600" indent="-228600" algn="l" defTabSz="914400" rtl="0" eaLnBrk="1" latinLnBrk="0" hangingPunct="1">
+              <a:lnSpc>
+                <a:spcPct val="90000"/>
+              </a:lnSpc>
+              <a:spcBef>
+                <a:spcPts val="500"/>
+              </a:spcBef>
+              <a:buFont typeface="Arial" panose="020B0604020202020204" pitchFamily="34" charset="0"/>
+              <a:buChar char="•"/>
+              <a:defRPr sz="1800" kern="1200">
+                <a:solidFill>
+                  <a:schemeClr val="tx1"/>
+                </a:solidFill>
+                <a:latin typeface="+mn-lt"/>
+                <a:ea typeface="+mn-ea"/>
+                <a:cs typeface="+mn-cs"/>
+              </a:defRPr>
+            </a:lvl6pPr>
+            <a:lvl7pPr marL="2971800" indent="-228600" algn="l" defTabSz="914400" rtl="0" eaLnBrk="1" latinLnBrk="0" hangingPunct="1">
+              <a:lnSpc>
+                <a:spcPct val="90000"/>
+              </a:lnSpc>
+              <a:spcBef>
+                <a:spcPts val="500"/>
+              </a:spcBef>
+              <a:buFont typeface="Arial" panose="020B0604020202020204" pitchFamily="34" charset="0"/>
+              <a:buChar char="•"/>
+              <a:defRPr sz="1800" kern="1200">
+                <a:solidFill>
+                  <a:schemeClr val="tx1"/>
+                </a:solidFill>
+                <a:latin typeface="+mn-lt"/>
+                <a:ea typeface="+mn-ea"/>
+                <a:cs typeface="+mn-cs"/>
+              </a:defRPr>
+            </a:lvl7pPr>
+            <a:lvl8pPr marL="3429000" indent="-228600" algn="l" defTabSz="914400" rtl="0" eaLnBrk="1" latinLnBrk="0" hangingPunct="1">
+              <a:lnSpc>
+                <a:spcPct val="90000"/>
+              </a:lnSpc>
+              <a:spcBef>
+                <a:spcPts val="500"/>
+              </a:spcBef>
+              <a:buFont typeface="Arial" panose="020B0604020202020204" pitchFamily="34" charset="0"/>
+              <a:buChar char="•"/>
+              <a:defRPr sz="1800" kern="1200">
+                <a:solidFill>
+                  <a:schemeClr val="tx1"/>
+                </a:solidFill>
+                <a:latin typeface="+mn-lt"/>
+                <a:ea typeface="+mn-ea"/>
+                <a:cs typeface="+mn-cs"/>
+              </a:defRPr>
+            </a:lvl8pPr>
+            <a:lvl9pPr marL="3886200" indent="-228600" algn="l" defTabSz="914400" rtl="0" eaLnBrk="1" latinLnBrk="0" hangingPunct="1">
+              <a:lnSpc>
+                <a:spcPct val="90000"/>
+              </a:lnSpc>
+              <a:spcBef>
+                <a:spcPts val="500"/>
+              </a:spcBef>
+              <a:buFont typeface="Arial" panose="020B0604020202020204" pitchFamily="34" charset="0"/>
+              <a:buChar char="•"/>
+              <a:defRPr sz="1800" kern="1200">
+                <a:solidFill>
+                  <a:schemeClr val="tx1"/>
+                </a:solidFill>
+                <a:latin typeface="+mn-lt"/>
+                <a:ea typeface="+mn-ea"/>
+                <a:cs typeface="+mn-cs"/>
+              </a:defRPr>
+            </a:lvl9pPr>
+          </a:lstStyle>
+          <a:p>
+            <a:pPr marL="0" indent="0">
+              <a:buNone/>
+            </a:pPr>
+            <a:endParaRPr lang="pt-BR" sz="2000" dirty="0"/>
+          </a:p>
+        </p:txBody>
+      </p:sp>
+      <p:sp>
+        <p:nvSpPr>
+          <p:cNvPr id="8" name="Espaço Reservado para Conteúdo 5"/>
+          <p:cNvSpPr txBox="1">
+            <a:spLocks/>
+          </p:cNvSpPr>
+          <p:nvPr/>
+        </p:nvSpPr>
+        <p:spPr>
+          <a:xfrm>
+            <a:off x="504450" y="4729033"/>
+            <a:ext cx="11134556" cy="1671768"/>
+          </a:xfrm>
+          <a:prstGeom prst="rect">
+            <a:avLst/>
+          </a:prstGeom>
+        </p:spPr>
+        <p:txBody>
+          <a:bodyPr vert="horz" lIns="91440" tIns="45720" rIns="91440" bIns="45720" rtlCol="0">
+            <a:normAutofit/>
+          </a:bodyPr>
+          <a:lstStyle>
+            <a:lvl1pPr marL="228600" indent="-228600" algn="l" defTabSz="914400" rtl="0" eaLnBrk="1" latinLnBrk="0" hangingPunct="1">
+              <a:lnSpc>
+                <a:spcPct val="90000"/>
+              </a:lnSpc>
+              <a:spcBef>
+                <a:spcPts val="1000"/>
+              </a:spcBef>
+              <a:buFont typeface="Arial" panose="020B0604020202020204" pitchFamily="34" charset="0"/>
+              <a:buChar char="•"/>
+              <a:defRPr sz="2800" kern="1200">
+                <a:solidFill>
+                  <a:schemeClr val="tx1"/>
+                </a:solidFill>
+                <a:latin typeface="+mn-lt"/>
+                <a:ea typeface="+mn-ea"/>
+                <a:cs typeface="+mn-cs"/>
+              </a:defRPr>
+            </a:lvl1pPr>
+            <a:lvl2pPr marL="685800" indent="-228600" algn="l" defTabSz="914400" rtl="0" eaLnBrk="1" latinLnBrk="0" hangingPunct="1">
+              <a:lnSpc>
+                <a:spcPct val="90000"/>
+              </a:lnSpc>
+              <a:spcBef>
+                <a:spcPts val="500"/>
+              </a:spcBef>
+              <a:buFont typeface="Arial" panose="020B0604020202020204" pitchFamily="34" charset="0"/>
+              <a:buChar char="•"/>
+              <a:defRPr sz="2400" kern="1200">
+                <a:solidFill>
+                  <a:schemeClr val="tx1"/>
+                </a:solidFill>
+                <a:latin typeface="+mn-lt"/>
+                <a:ea typeface="+mn-ea"/>
+                <a:cs typeface="+mn-cs"/>
+              </a:defRPr>
+            </a:lvl2pPr>
+            <a:lvl3pPr marL="1143000" indent="-228600" algn="l" defTabSz="914400" rtl="0" eaLnBrk="1" latinLnBrk="0" hangingPunct="1">
+              <a:lnSpc>
+                <a:spcPct val="90000"/>
+              </a:lnSpc>
+              <a:spcBef>
+                <a:spcPts val="500"/>
+              </a:spcBef>
+              <a:buFont typeface="Arial" panose="020B0604020202020204" pitchFamily="34" charset="0"/>
+              <a:buChar char="•"/>
+              <a:defRPr sz="2000" kern="1200">
+                <a:solidFill>
+                  <a:schemeClr val="tx1"/>
+                </a:solidFill>
+                <a:latin typeface="+mn-lt"/>
+                <a:ea typeface="+mn-ea"/>
+                <a:cs typeface="+mn-cs"/>
+              </a:defRPr>
+            </a:lvl3pPr>
+            <a:lvl4pPr marL="1600200" indent="-228600" algn="l" defTabSz="914400" rtl="0" eaLnBrk="1" latinLnBrk="0" hangingPunct="1">
+              <a:lnSpc>
+                <a:spcPct val="90000"/>
+              </a:lnSpc>
+              <a:spcBef>
+                <a:spcPts val="500"/>
+              </a:spcBef>
+              <a:buFont typeface="Arial" panose="020B0604020202020204" pitchFamily="34" charset="0"/>
+              <a:buChar char="•"/>
+              <a:defRPr sz="1800" kern="1200">
+                <a:solidFill>
+                  <a:schemeClr val="tx1"/>
+                </a:solidFill>
+                <a:latin typeface="+mn-lt"/>
+                <a:ea typeface="+mn-ea"/>
+                <a:cs typeface="+mn-cs"/>
+              </a:defRPr>
+            </a:lvl4pPr>
+            <a:lvl5pPr marL="2057400" indent="-228600" algn="l" defTabSz="914400" rtl="0" eaLnBrk="1" latinLnBrk="0" hangingPunct="1">
+              <a:lnSpc>
+                <a:spcPct val="90000"/>
+              </a:lnSpc>
+              <a:spcBef>
+                <a:spcPts val="500"/>
+              </a:spcBef>
+              <a:buFont typeface="Arial" panose="020B0604020202020204" pitchFamily="34" charset="0"/>
+              <a:buChar char="•"/>
+              <a:defRPr sz="1800" kern="1200">
+                <a:solidFill>
+                  <a:schemeClr val="tx1"/>
+                </a:solidFill>
+                <a:latin typeface="+mn-lt"/>
+                <a:ea typeface="+mn-ea"/>
+                <a:cs typeface="+mn-cs"/>
+              </a:defRPr>
+            </a:lvl5pPr>
+            <a:lvl6pPr marL="2514600" indent="-228600" algn="l" defTabSz="914400" rtl="0" eaLnBrk="1" latinLnBrk="0" hangingPunct="1">
+              <a:lnSpc>
+                <a:spcPct val="90000"/>
+              </a:lnSpc>
+              <a:spcBef>
+                <a:spcPts val="500"/>
+              </a:spcBef>
+              <a:buFont typeface="Arial" panose="020B0604020202020204" pitchFamily="34" charset="0"/>
+              <a:buChar char="•"/>
+              <a:defRPr sz="1800" kern="1200">
+                <a:solidFill>
+                  <a:schemeClr val="tx1"/>
+                </a:solidFill>
+                <a:latin typeface="+mn-lt"/>
+                <a:ea typeface="+mn-ea"/>
+                <a:cs typeface="+mn-cs"/>
+              </a:defRPr>
+            </a:lvl6pPr>
+            <a:lvl7pPr marL="2971800" indent="-228600" algn="l" defTabSz="914400" rtl="0" eaLnBrk="1" latinLnBrk="0" hangingPunct="1">
+              <a:lnSpc>
+                <a:spcPct val="90000"/>
+              </a:lnSpc>
+              <a:spcBef>
+                <a:spcPts val="500"/>
+              </a:spcBef>
+              <a:buFont typeface="Arial" panose="020B0604020202020204" pitchFamily="34" charset="0"/>
+              <a:buChar char="•"/>
+              <a:defRPr sz="1800" kern="1200">
+                <a:solidFill>
+                  <a:schemeClr val="tx1"/>
+                </a:solidFill>
+                <a:latin typeface="+mn-lt"/>
+                <a:ea typeface="+mn-ea"/>
+                <a:cs typeface="+mn-cs"/>
+              </a:defRPr>
+            </a:lvl7pPr>
+            <a:lvl8pPr marL="3429000" indent="-228600" algn="l" defTabSz="914400" rtl="0" eaLnBrk="1" latinLnBrk="0" hangingPunct="1">
+              <a:lnSpc>
+                <a:spcPct val="90000"/>
+              </a:lnSpc>
+              <a:spcBef>
+                <a:spcPts val="500"/>
+              </a:spcBef>
+              <a:buFont typeface="Arial" panose="020B0604020202020204" pitchFamily="34" charset="0"/>
+              <a:buChar char="•"/>
+              <a:defRPr sz="1800" kern="1200">
+                <a:solidFill>
+                  <a:schemeClr val="tx1"/>
+                </a:solidFill>
+                <a:latin typeface="+mn-lt"/>
+                <a:ea typeface="+mn-ea"/>
+                <a:cs typeface="+mn-cs"/>
+              </a:defRPr>
+            </a:lvl8pPr>
+            <a:lvl9pPr marL="3886200" indent="-228600" algn="l" defTabSz="914400" rtl="0" eaLnBrk="1" latinLnBrk="0" hangingPunct="1">
+              <a:lnSpc>
+                <a:spcPct val="90000"/>
+              </a:lnSpc>
+              <a:spcBef>
+                <a:spcPts val="500"/>
+              </a:spcBef>
+              <a:buFont typeface="Arial" panose="020B0604020202020204" pitchFamily="34" charset="0"/>
+              <a:buChar char="•"/>
+              <a:defRPr sz="1800" kern="1200">
+                <a:solidFill>
+                  <a:schemeClr val="tx1"/>
+                </a:solidFill>
+                <a:latin typeface="+mn-lt"/>
+                <a:ea typeface="+mn-ea"/>
+                <a:cs typeface="+mn-cs"/>
+              </a:defRPr>
+            </a:lvl9pPr>
+          </a:lstStyle>
+          <a:p>
+            <a:endParaRPr lang="pt-BR" sz="2000" dirty="0"/>
+          </a:p>
+        </p:txBody>
+      </p:sp>
+      <p:sp>
+        <p:nvSpPr>
+          <p:cNvPr id="6" name="Retângulo 5"/>
+          <p:cNvSpPr/>
+          <p:nvPr/>
+        </p:nvSpPr>
+        <p:spPr>
+          <a:xfrm>
+            <a:off x="860050" y="1084496"/>
+            <a:ext cx="8982450" cy="2862322"/>
+          </a:xfrm>
+          <a:prstGeom prst="rect">
+            <a:avLst/>
+          </a:prstGeom>
+        </p:spPr>
+        <p:txBody>
+          <a:bodyPr wrap="square">
+            <a:spAutoFit/>
+          </a:bodyPr>
           <a:lstStyle/>
           <a:p>
-            <a:endParaRPr lang="pt-BR"/>
-          </a:p>
-        </p:txBody>
-      </p:sp>
-      <p:sp>
-        <p:nvSpPr>
-          <p:cNvPr id="3" name="Espaço Reservado para Conteúdo 2"/>
-          <p:cNvSpPr>
-            <a:spLocks noGrp="1"/>
-          </p:cNvSpPr>
-          <p:nvPr>
-            <p:ph idx="1"/>
-          </p:nvPr>
-        </p:nvSpPr>
-        <p:spPr/>
-        <p:txBody>
-          <a:bodyPr/>
-          <a:lstStyle/>
-          <a:p>
-            <a:endParaRPr lang="pt-BR"/>
+            <a:r>
+              <a:rPr lang="pt-BR" u="sng" dirty="0" smtClean="0"/>
+              <a:t>Alguns comandos </a:t>
+            </a:r>
+            <a:r>
+              <a:rPr lang="pt-BR" dirty="0" smtClean="0"/>
+              <a:t>: </a:t>
+            </a:r>
+          </a:p>
+          <a:p>
+            <a:endParaRPr lang="pt-BR" dirty="0" smtClean="0"/>
+          </a:p>
+          <a:p>
+            <a:pPr marL="285750" indent="-285750">
+              <a:buFont typeface="Arial" panose="020B0604020202020204" pitchFamily="34" charset="0"/>
+              <a:buChar char="•"/>
+            </a:pPr>
+            <a:r>
+              <a:rPr lang="pt-BR" dirty="0" smtClean="0"/>
+              <a:t>Remover um Container</a:t>
+            </a:r>
+          </a:p>
+          <a:p>
+            <a:r>
+              <a:rPr lang="pt-BR" dirty="0" smtClean="0"/>
+              <a:t>	</a:t>
+            </a:r>
+            <a:r>
+              <a:rPr lang="pt-BR" b="1" dirty="0" err="1" smtClean="0"/>
+              <a:t>docker</a:t>
+            </a:r>
+            <a:r>
+              <a:rPr lang="pt-BR" b="1" dirty="0" smtClean="0"/>
+              <a:t> </a:t>
+            </a:r>
+            <a:r>
+              <a:rPr lang="pt-BR" b="1" dirty="0" err="1"/>
+              <a:t>rm</a:t>
+            </a:r>
+            <a:r>
+              <a:rPr lang="pt-BR" b="1" dirty="0"/>
+              <a:t> </a:t>
+            </a:r>
+            <a:r>
+              <a:rPr lang="pt-BR" b="1" dirty="0" smtClean="0"/>
+              <a:t>9daa6a5cd330</a:t>
+            </a:r>
+          </a:p>
+          <a:p>
+            <a:endParaRPr lang="pt-BR" dirty="0"/>
+          </a:p>
+          <a:p>
+            <a:pPr marL="285750" indent="-285750">
+              <a:buFont typeface="Arial" panose="020B0604020202020204" pitchFamily="34" charset="0"/>
+              <a:buChar char="•"/>
+            </a:pPr>
+            <a:r>
+              <a:rPr lang="pt-BR" dirty="0" smtClean="0"/>
+              <a:t>Remover todos os containers parados</a:t>
+            </a:r>
+          </a:p>
+          <a:p>
+            <a:r>
+              <a:rPr lang="pt-BR" dirty="0"/>
+              <a:t>	</a:t>
+            </a:r>
+            <a:r>
+              <a:rPr lang="pt-BR" b="1" dirty="0" err="1" smtClean="0"/>
+              <a:t>docker</a:t>
+            </a:r>
+            <a:r>
+              <a:rPr lang="pt-BR" b="1" dirty="0" smtClean="0"/>
+              <a:t> container </a:t>
+            </a:r>
+            <a:r>
+              <a:rPr lang="pt-BR" b="1" dirty="0" err="1" smtClean="0"/>
+              <a:t>prune</a:t>
+            </a:r>
+            <a:endParaRPr lang="pt-BR" b="1" dirty="0" smtClean="0"/>
+          </a:p>
+          <a:p>
+            <a:endParaRPr lang="pt-BR" dirty="0"/>
+          </a:p>
+          <a:p>
+            <a:pPr marL="285750" indent="-285750">
+              <a:buFont typeface="Arial" panose="020B0604020202020204" pitchFamily="34" charset="0"/>
+              <a:buChar char="•"/>
+            </a:pPr>
+            <a:r>
+              <a:rPr lang="pt-BR" dirty="0" smtClean="0"/>
+              <a:t>Remover uma Imagem</a:t>
+            </a:r>
+          </a:p>
+          <a:p>
+            <a:r>
+              <a:rPr lang="pt-BR" dirty="0"/>
+              <a:t>	</a:t>
+            </a:r>
+            <a:r>
+              <a:rPr lang="pt-BR" b="1" dirty="0" err="1" smtClean="0"/>
+              <a:t>docker</a:t>
+            </a:r>
+            <a:r>
+              <a:rPr lang="pt-BR" b="1" dirty="0" smtClean="0"/>
+              <a:t> </a:t>
+            </a:r>
+            <a:r>
+              <a:rPr lang="pt-BR" b="1" dirty="0" err="1" smtClean="0"/>
+              <a:t>rmi</a:t>
+            </a:r>
+            <a:r>
+              <a:rPr lang="pt-BR" b="1" dirty="0" smtClean="0"/>
+              <a:t> </a:t>
+            </a:r>
+            <a:r>
+              <a:rPr lang="pt-BR" b="1" dirty="0" err="1" smtClean="0"/>
+              <a:t>hello</a:t>
+            </a:r>
+            <a:r>
+              <a:rPr lang="pt-BR" b="1" dirty="0" smtClean="0"/>
+              <a:t>-world</a:t>
+            </a:r>
+            <a:endParaRPr lang="pt-BR" b="1" dirty="0"/>
+          </a:p>
+        </p:txBody>
+      </p:sp>
+      <p:sp>
+        <p:nvSpPr>
+          <p:cNvPr id="10" name="Título 1"/>
+          <p:cNvSpPr txBox="1">
+            <a:spLocks/>
+          </p:cNvSpPr>
+          <p:nvPr/>
+        </p:nvSpPr>
+        <p:spPr>
+          <a:xfrm>
+            <a:off x="125627" y="115678"/>
+            <a:ext cx="11800761" cy="549275"/>
+          </a:xfrm>
+          <a:prstGeom prst="rect">
+            <a:avLst/>
+          </a:prstGeom>
+        </p:spPr>
+        <p:txBody>
+          <a:bodyPr vert="horz" lIns="91440" tIns="45720" rIns="91440" bIns="45720" rtlCol="0" anchor="ctr">
+            <a:normAutofit/>
+          </a:bodyPr>
+          <a:lstStyle>
+            <a:lvl1pPr algn="l" defTabSz="914400" rtl="0" eaLnBrk="1" latinLnBrk="0" hangingPunct="1">
+              <a:lnSpc>
+                <a:spcPct val="90000"/>
+              </a:lnSpc>
+              <a:spcBef>
+                <a:spcPct val="0"/>
+              </a:spcBef>
+              <a:buNone/>
+              <a:defRPr sz="4400" kern="1200">
+                <a:solidFill>
+                  <a:schemeClr val="tx1"/>
+                </a:solidFill>
+                <a:latin typeface="+mj-lt"/>
+                <a:ea typeface="+mj-ea"/>
+                <a:cs typeface="+mj-cs"/>
+              </a:defRPr>
+            </a:lvl1pPr>
+          </a:lstStyle>
+          <a:p>
+            <a:pPr algn="ctr"/>
+            <a:r>
+              <a:rPr lang="pt-BR" sz="2800" b="1" dirty="0" smtClean="0"/>
+              <a:t>Diferença entre Imagens e </a:t>
+            </a:r>
+            <a:r>
+              <a:rPr lang="pt-BR" sz="2800" b="1" dirty="0" smtClean="0"/>
+              <a:t>Containers  - E alguns comandos</a:t>
+            </a:r>
+            <a:endParaRPr lang="pt-BR" sz="2800" b="1" dirty="0"/>
           </a:p>
         </p:txBody>
       </p:sp>
     </p:spTree>
     <p:extLst>
       <p:ext uri="{BB962C8B-B14F-4D97-AF65-F5344CB8AC3E}">
-        <p14:creationId xmlns:p14="http://schemas.microsoft.com/office/powerpoint/2010/main" val="1965684712"/>
+        <p14:creationId xmlns:p14="http://schemas.microsoft.com/office/powerpoint/2010/main" val="576133055"/>
       </p:ext>
     </p:extLst>
   </p:cSld>
   <p:clrMapOvr>
     <a:masterClrMapping/>
   </p:clrMapOvr>
+  <p:timing>
+    <p:tnLst>
+      <p:par>
+        <p:cTn id="1" dur="indefinite" restart="never" nodeType="tmRoot"/>
+      </p:par>
+    </p:tnLst>
+  </p:timing>
 </p:sld>
 </file>
 

--- a/docs/docker-resumo.pptx
+++ b/docs/docker-resumo.pptx
@@ -19,11 +19,12 @@
     <p:sldId id="293" r:id="rId13"/>
     <p:sldId id="298" r:id="rId14"/>
     <p:sldId id="299" r:id="rId15"/>
-    <p:sldId id="294" r:id="rId16"/>
-    <p:sldId id="281" r:id="rId17"/>
-    <p:sldId id="280" r:id="rId18"/>
-    <p:sldId id="284" r:id="rId19"/>
-    <p:sldId id="285" r:id="rId20"/>
+    <p:sldId id="300" r:id="rId16"/>
+    <p:sldId id="294" r:id="rId17"/>
+    <p:sldId id="281" r:id="rId18"/>
+    <p:sldId id="280" r:id="rId19"/>
+    <p:sldId id="284" r:id="rId20"/>
+    <p:sldId id="285" r:id="rId21"/>
   </p:sldIdLst>
   <p:sldSz cx="12192000" cy="6858000"/>
   <p:notesSz cx="6858000" cy="9144000"/>
@@ -259,7 +260,7 @@
           <a:p>
             <a:fld id="{CC58B075-67F8-4A8D-AE1C-3D3E4193EBCA}" type="datetimeFigureOut">
               <a:rPr lang="pt-BR" smtClean="0"/>
-              <a:t>13/09/2019</a:t>
+              <a:t>16/09/2019</a:t>
             </a:fld>
             <a:endParaRPr lang="pt-BR"/>
           </a:p>
@@ -427,7 +428,7 @@
           <a:p>
             <a:fld id="{CC58B075-67F8-4A8D-AE1C-3D3E4193EBCA}" type="datetimeFigureOut">
               <a:rPr lang="pt-BR" smtClean="0"/>
-              <a:t>13/09/2019</a:t>
+              <a:t>16/09/2019</a:t>
             </a:fld>
             <a:endParaRPr lang="pt-BR"/>
           </a:p>
@@ -605,7 +606,7 @@
           <a:p>
             <a:fld id="{CC58B075-67F8-4A8D-AE1C-3D3E4193EBCA}" type="datetimeFigureOut">
               <a:rPr lang="pt-BR" smtClean="0"/>
-              <a:t>13/09/2019</a:t>
+              <a:t>16/09/2019</a:t>
             </a:fld>
             <a:endParaRPr lang="pt-BR"/>
           </a:p>
@@ -773,7 +774,7 @@
           <a:p>
             <a:fld id="{CC58B075-67F8-4A8D-AE1C-3D3E4193EBCA}" type="datetimeFigureOut">
               <a:rPr lang="pt-BR" smtClean="0"/>
-              <a:t>13/09/2019</a:t>
+              <a:t>16/09/2019</a:t>
             </a:fld>
             <a:endParaRPr lang="pt-BR"/>
           </a:p>
@@ -1018,7 +1019,7 @@
           <a:p>
             <a:fld id="{CC58B075-67F8-4A8D-AE1C-3D3E4193EBCA}" type="datetimeFigureOut">
               <a:rPr lang="pt-BR" smtClean="0"/>
-              <a:t>13/09/2019</a:t>
+              <a:t>16/09/2019</a:t>
             </a:fld>
             <a:endParaRPr lang="pt-BR"/>
           </a:p>
@@ -1247,7 +1248,7 @@
           <a:p>
             <a:fld id="{CC58B075-67F8-4A8D-AE1C-3D3E4193EBCA}" type="datetimeFigureOut">
               <a:rPr lang="pt-BR" smtClean="0"/>
-              <a:t>13/09/2019</a:t>
+              <a:t>16/09/2019</a:t>
             </a:fld>
             <a:endParaRPr lang="pt-BR"/>
           </a:p>
@@ -1611,7 +1612,7 @@
           <a:p>
             <a:fld id="{CC58B075-67F8-4A8D-AE1C-3D3E4193EBCA}" type="datetimeFigureOut">
               <a:rPr lang="pt-BR" smtClean="0"/>
-              <a:t>13/09/2019</a:t>
+              <a:t>16/09/2019</a:t>
             </a:fld>
             <a:endParaRPr lang="pt-BR"/>
           </a:p>
@@ -1728,7 +1729,7 @@
           <a:p>
             <a:fld id="{CC58B075-67F8-4A8D-AE1C-3D3E4193EBCA}" type="datetimeFigureOut">
               <a:rPr lang="pt-BR" smtClean="0"/>
-              <a:t>13/09/2019</a:t>
+              <a:t>16/09/2019</a:t>
             </a:fld>
             <a:endParaRPr lang="pt-BR"/>
           </a:p>
@@ -1823,7 +1824,7 @@
           <a:p>
             <a:fld id="{CC58B075-67F8-4A8D-AE1C-3D3E4193EBCA}" type="datetimeFigureOut">
               <a:rPr lang="pt-BR" smtClean="0"/>
-              <a:t>13/09/2019</a:t>
+              <a:t>16/09/2019</a:t>
             </a:fld>
             <a:endParaRPr lang="pt-BR"/>
           </a:p>
@@ -2098,7 +2099,7 @@
           <a:p>
             <a:fld id="{CC58B075-67F8-4A8D-AE1C-3D3E4193EBCA}" type="datetimeFigureOut">
               <a:rPr lang="pt-BR" smtClean="0"/>
-              <a:t>13/09/2019</a:t>
+              <a:t>16/09/2019</a:t>
             </a:fld>
             <a:endParaRPr lang="pt-BR"/>
           </a:p>
@@ -2350,7 +2351,7 @@
           <a:p>
             <a:fld id="{CC58B075-67F8-4A8D-AE1C-3D3E4193EBCA}" type="datetimeFigureOut">
               <a:rPr lang="pt-BR" smtClean="0"/>
-              <a:t>13/09/2019</a:t>
+              <a:t>16/09/2019</a:t>
             </a:fld>
             <a:endParaRPr lang="pt-BR"/>
           </a:p>
@@ -2561,7 +2562,7 @@
           <a:p>
             <a:fld id="{CC58B075-67F8-4A8D-AE1C-3D3E4193EBCA}" type="datetimeFigureOut">
               <a:rPr lang="pt-BR" smtClean="0"/>
-              <a:t>13/09/2019</a:t>
+              <a:t>16/09/2019</a:t>
             </a:fld>
             <a:endParaRPr lang="pt-BR"/>
           </a:p>
@@ -4140,11 +4141,7 @@
             <a:pPr lvl="1" algn="just"/>
             <a:r>
               <a:rPr lang="pt-BR" sz="1800" b="1" dirty="0" smtClean="0"/>
-              <a:t>B</a:t>
-            </a:r>
-            <a:r>
-              <a:rPr lang="pt-BR" sz="1800" b="1" dirty="0" smtClean="0"/>
-              <a:t>aixando essa imagem </a:t>
+              <a:t>Baixando essa imagem </a:t>
             </a:r>
             <a:r>
               <a:rPr lang="pt-BR" sz="1800" dirty="0" smtClean="0"/>
@@ -4363,7 +4360,7 @@
           <a:lstStyle/>
           <a:p>
             <a:r>
-              <a:rPr lang="en-US" sz="1600" dirty="0">
+              <a:rPr lang="en-US" sz="1600" b="1" dirty="0">
                 <a:solidFill>
                   <a:schemeClr val="accent5"/>
                 </a:solidFill>
@@ -4371,7 +4368,7 @@
               <a:t>CONTAINER ID   IMAGE                      </a:t>
             </a:r>
             <a:r>
-              <a:rPr lang="en-US" sz="1600" dirty="0" smtClean="0">
+              <a:rPr lang="en-US" sz="1600" b="1" dirty="0" smtClean="0">
                 <a:solidFill>
                   <a:schemeClr val="accent5"/>
                 </a:solidFill>
@@ -4379,7 +4376,7 @@
               <a:t>	COMMAND                  </a:t>
             </a:r>
             <a:r>
-              <a:rPr lang="en-US" sz="1600" dirty="0">
+              <a:rPr lang="en-US" sz="1600" b="1" dirty="0">
                 <a:solidFill>
                   <a:schemeClr val="accent5"/>
                 </a:solidFill>
@@ -4387,7 +4384,7 @@
               <a:t>CREATED              </a:t>
             </a:r>
             <a:r>
-              <a:rPr lang="en-US" sz="1600" dirty="0" smtClean="0">
+              <a:rPr lang="en-US" sz="1600" b="1" dirty="0" smtClean="0">
                 <a:solidFill>
                   <a:schemeClr val="accent5"/>
                 </a:solidFill>
@@ -4395,7 +4392,7 @@
               <a:t>	STATUS             	PORTS            </a:t>
             </a:r>
             <a:r>
-              <a:rPr lang="en-US" sz="1600" dirty="0">
+              <a:rPr lang="en-US" sz="1600" b="1" dirty="0">
                 <a:solidFill>
                   <a:schemeClr val="accent5"/>
                 </a:solidFill>
@@ -4534,15 +4531,6 @@
               </a:rPr>
               <a:t>Mas como fazer pra acessar o Site Estático? </a:t>
             </a:r>
-            <a:endParaRPr lang="pt-BR" sz="2800" dirty="0">
-              <a:effectLst>
-                <a:outerShdw blurRad="38100" dist="38100" dir="2700000" algn="tl">
-                  <a:srgbClr val="000000">
-                    <a:alpha val="43137"/>
-                  </a:srgbClr>
-                </a:outerShdw>
-              </a:effectLst>
-            </a:endParaRPr>
           </a:p>
         </p:txBody>
       </p:sp>
@@ -4636,7 +4624,7 @@
         </p:spPr>
         <p:txBody>
           <a:bodyPr>
-            <a:normAutofit lnSpcReduction="10000"/>
+            <a:normAutofit fontScale="92500" lnSpcReduction="20000"/>
           </a:bodyPr>
           <a:lstStyle/>
           <a:p>
@@ -4719,6 +4707,26 @@
               <a:rPr lang="pt-BR" sz="2000" dirty="0" smtClean="0"/>
               <a:t>Podemos visualizar também as portas através do comando: </a:t>
             </a:r>
+            <a:r>
+              <a:rPr lang="pt-BR" sz="2000" b="1" dirty="0" err="1" smtClean="0"/>
+              <a:t>docker</a:t>
+            </a:r>
+            <a:r>
+              <a:rPr lang="pt-BR" sz="2000" b="1" dirty="0" smtClean="0"/>
+              <a:t> </a:t>
+            </a:r>
+            <a:r>
+              <a:rPr lang="pt-BR" sz="2000" b="1" dirty="0" err="1" smtClean="0"/>
+              <a:t>port</a:t>
+            </a:r>
+            <a:r>
+              <a:rPr lang="pt-BR" sz="2000" b="1" dirty="0" smtClean="0"/>
+              <a:t> container</a:t>
+            </a:r>
+          </a:p>
+          <a:p>
+            <a:pPr algn="just"/>
+            <a:endParaRPr lang="pt-BR" sz="2000" dirty="0" smtClean="0"/>
           </a:p>
           <a:p>
             <a:pPr lvl="1" algn="just"/>
@@ -5643,7 +5651,7 @@
         </p:nvSpPr>
         <p:spPr>
           <a:xfrm>
-            <a:off x="838200" y="161925"/>
+            <a:off x="826168" y="89733"/>
             <a:ext cx="10515600" cy="422275"/>
           </a:xfrm>
         </p:spPr>
@@ -5656,19 +5664,15 @@
             <a:pPr algn="ctr"/>
             <a:r>
               <a:rPr lang="pt-BR" sz="2800" b="1" dirty="0" smtClean="0"/>
-              <a:t>Praticando com o </a:t>
+              <a:t>Revisão Comandos </a:t>
+            </a:r>
+            <a:r>
+              <a:rPr lang="pt-BR" sz="2800" b="1" dirty="0" smtClean="0"/>
+              <a:t>do </a:t>
             </a:r>
             <a:r>
               <a:rPr lang="pt-BR" sz="2800" b="1" dirty="0" err="1" smtClean="0"/>
-              <a:t>docker</a:t>
-            </a:r>
-            <a:r>
-              <a:rPr lang="pt-BR" sz="2800" b="1" dirty="0" smtClean="0"/>
-              <a:t> </a:t>
-            </a:r>
-            <a:r>
-              <a:rPr lang="pt-BR" sz="2800" b="1" dirty="0" err="1" smtClean="0"/>
-              <a:t>run</a:t>
+              <a:t>Docker</a:t>
             </a:r>
             <a:endParaRPr lang="pt-BR" sz="2800" b="1" dirty="0"/>
           </a:p>
@@ -5684,19 +5688,376 @@
             <p:ph idx="1"/>
           </p:nvPr>
         </p:nvSpPr>
-        <p:spPr/>
-        <p:txBody>
-          <a:bodyPr/>
+        <p:spPr>
+          <a:xfrm>
+            <a:off x="166437" y="584200"/>
+            <a:ext cx="11492164" cy="6273800"/>
+          </a:xfrm>
+        </p:spPr>
+        <p:txBody>
+          <a:bodyPr>
+            <a:noAutofit/>
+          </a:bodyPr>
           <a:lstStyle/>
           <a:p>
-            <a:endParaRPr lang="pt-BR" dirty="0"/>
+            <a:pPr lvl="1" algn="just">
+              <a:lnSpc>
+                <a:spcPct val="150000"/>
+              </a:lnSpc>
+            </a:pPr>
+            <a:r>
+              <a:rPr lang="pt-BR" sz="1600" b="1" dirty="0" err="1"/>
+              <a:t>docker</a:t>
+            </a:r>
+            <a:r>
+              <a:rPr lang="pt-BR" sz="1600" b="1" dirty="0"/>
+              <a:t> </a:t>
+            </a:r>
+            <a:r>
+              <a:rPr lang="pt-BR" sz="1600" b="1" dirty="0" err="1"/>
+              <a:t>ps</a:t>
+            </a:r>
+            <a:r>
+              <a:rPr lang="pt-BR" sz="1600" dirty="0"/>
+              <a:t> - exibe todos os containers em execução no momento.</a:t>
+            </a:r>
+          </a:p>
+          <a:p>
+            <a:pPr lvl="1" algn="just">
+              <a:lnSpc>
+                <a:spcPct val="150000"/>
+              </a:lnSpc>
+            </a:pPr>
+            <a:r>
+              <a:rPr lang="pt-BR" sz="1600" b="1" dirty="0" err="1"/>
+              <a:t>docker</a:t>
+            </a:r>
+            <a:r>
+              <a:rPr lang="pt-BR" sz="1600" b="1" dirty="0"/>
+              <a:t> </a:t>
+            </a:r>
+            <a:r>
+              <a:rPr lang="pt-BR" sz="1600" b="1" dirty="0" err="1"/>
+              <a:t>ps</a:t>
+            </a:r>
+            <a:r>
+              <a:rPr lang="pt-BR" sz="1600" b="1" dirty="0"/>
+              <a:t> -a</a:t>
+            </a:r>
+            <a:r>
+              <a:rPr lang="pt-BR" sz="1600" dirty="0"/>
+              <a:t> - exibe todos os containers, independentemente de estarem em execução ou não.</a:t>
+            </a:r>
+          </a:p>
+          <a:p>
+            <a:pPr lvl="1" algn="just">
+              <a:lnSpc>
+                <a:spcPct val="150000"/>
+              </a:lnSpc>
+            </a:pPr>
+            <a:r>
+              <a:rPr lang="pt-BR" sz="1600" b="1" dirty="0" err="1"/>
+              <a:t>docker</a:t>
+            </a:r>
+            <a:r>
+              <a:rPr lang="pt-BR" sz="1600" b="1" dirty="0"/>
+              <a:t> </a:t>
+            </a:r>
+            <a:r>
+              <a:rPr lang="pt-BR" sz="1600" b="1" dirty="0" err="1"/>
+              <a:t>run</a:t>
+            </a:r>
+            <a:r>
+              <a:rPr lang="pt-BR" sz="1600" b="1" dirty="0"/>
+              <a:t> -it NOME_DA_IMAGEM</a:t>
+            </a:r>
+            <a:r>
+              <a:rPr lang="pt-BR" sz="1600" dirty="0"/>
+              <a:t> - conecta o terminal que estamos utilizando com o do container.</a:t>
+            </a:r>
+          </a:p>
+          <a:p>
+            <a:pPr lvl="1" algn="just">
+              <a:lnSpc>
+                <a:spcPct val="150000"/>
+              </a:lnSpc>
+            </a:pPr>
+            <a:r>
+              <a:rPr lang="pt-BR" sz="1600" b="1" dirty="0" err="1"/>
+              <a:t>docker</a:t>
+            </a:r>
+            <a:r>
+              <a:rPr lang="pt-BR" sz="1600" b="1" dirty="0"/>
+              <a:t> start ID_CONTAINER</a:t>
+            </a:r>
+            <a:r>
+              <a:rPr lang="pt-BR" sz="1600" dirty="0"/>
+              <a:t> - inicia o container com id em questão.</a:t>
+            </a:r>
+          </a:p>
+          <a:p>
+            <a:pPr lvl="1" algn="just">
+              <a:lnSpc>
+                <a:spcPct val="150000"/>
+              </a:lnSpc>
+            </a:pPr>
+            <a:r>
+              <a:rPr lang="pt-BR" sz="1600" b="1" dirty="0" err="1"/>
+              <a:t>docker</a:t>
+            </a:r>
+            <a:r>
+              <a:rPr lang="pt-BR" sz="1600" b="1" dirty="0"/>
+              <a:t> stop ID_CONTAINER</a:t>
+            </a:r>
+            <a:r>
+              <a:rPr lang="pt-BR" sz="1600" dirty="0"/>
+              <a:t> - interrompe o container com id em questão.</a:t>
+            </a:r>
+          </a:p>
+          <a:p>
+            <a:pPr lvl="1" algn="just">
+              <a:lnSpc>
+                <a:spcPct val="150000"/>
+              </a:lnSpc>
+            </a:pPr>
+            <a:r>
+              <a:rPr lang="pt-BR" sz="1600" b="1" dirty="0" err="1"/>
+              <a:t>docker</a:t>
+            </a:r>
+            <a:r>
+              <a:rPr lang="pt-BR" sz="1600" b="1" dirty="0"/>
+              <a:t> start -a -i ID_CONTAINER</a:t>
+            </a:r>
+            <a:r>
+              <a:rPr lang="pt-BR" sz="1600" dirty="0"/>
+              <a:t> - inicia o container com id em questão e integra os terminais, além de permitir interação entre ambos.</a:t>
+            </a:r>
+          </a:p>
+          <a:p>
+            <a:pPr lvl="1" algn="just">
+              <a:lnSpc>
+                <a:spcPct val="150000"/>
+              </a:lnSpc>
+            </a:pPr>
+            <a:r>
+              <a:rPr lang="pt-BR" sz="1600" b="1" dirty="0" err="1"/>
+              <a:t>docker</a:t>
+            </a:r>
+            <a:r>
+              <a:rPr lang="pt-BR" sz="1600" b="1" dirty="0"/>
+              <a:t> </a:t>
+            </a:r>
+            <a:r>
+              <a:rPr lang="pt-BR" sz="1600" b="1" dirty="0" err="1"/>
+              <a:t>rm</a:t>
+            </a:r>
+            <a:r>
+              <a:rPr lang="pt-BR" sz="1600" b="1" dirty="0"/>
+              <a:t> ID_CONTAINER</a:t>
+            </a:r>
+            <a:r>
+              <a:rPr lang="pt-BR" sz="1600" dirty="0"/>
+              <a:t> - remove o container com id em questão.</a:t>
+            </a:r>
+          </a:p>
+          <a:p>
+            <a:pPr lvl="1" algn="just">
+              <a:lnSpc>
+                <a:spcPct val="150000"/>
+              </a:lnSpc>
+            </a:pPr>
+            <a:r>
+              <a:rPr lang="pt-BR" sz="1600" b="1" dirty="0" err="1"/>
+              <a:t>docker</a:t>
+            </a:r>
+            <a:r>
+              <a:rPr lang="pt-BR" sz="1600" b="1" dirty="0"/>
+              <a:t> container </a:t>
+            </a:r>
+            <a:r>
+              <a:rPr lang="pt-BR" sz="1600" b="1" dirty="0" err="1"/>
+              <a:t>prune</a:t>
+            </a:r>
+            <a:r>
+              <a:rPr lang="pt-BR" sz="1600" dirty="0"/>
+              <a:t> - remove todos os containers que estão parados.</a:t>
+            </a:r>
+          </a:p>
+          <a:p>
+            <a:pPr lvl="1" algn="just">
+              <a:lnSpc>
+                <a:spcPct val="150000"/>
+              </a:lnSpc>
+            </a:pPr>
+            <a:r>
+              <a:rPr lang="pt-BR" sz="1600" b="1" dirty="0" err="1"/>
+              <a:t>docker</a:t>
+            </a:r>
+            <a:r>
+              <a:rPr lang="pt-BR" sz="1600" b="1" dirty="0"/>
+              <a:t> </a:t>
+            </a:r>
+            <a:r>
+              <a:rPr lang="pt-BR" sz="1600" b="1" dirty="0" err="1"/>
+              <a:t>rmi</a:t>
+            </a:r>
+            <a:r>
+              <a:rPr lang="pt-BR" sz="1600" b="1" dirty="0"/>
+              <a:t> NOME_DA_IMAGEM</a:t>
+            </a:r>
+            <a:r>
+              <a:rPr lang="pt-BR" sz="1600" dirty="0"/>
+              <a:t> - remove a imagem passada como parâmetro.</a:t>
+            </a:r>
+          </a:p>
+          <a:p>
+            <a:pPr lvl="1" algn="just">
+              <a:lnSpc>
+                <a:spcPct val="150000"/>
+              </a:lnSpc>
+            </a:pPr>
+            <a:r>
+              <a:rPr lang="pt-BR" sz="1600" b="1" dirty="0" err="1"/>
+              <a:t>docker</a:t>
+            </a:r>
+            <a:r>
+              <a:rPr lang="pt-BR" sz="1600" b="1" dirty="0"/>
+              <a:t> </a:t>
+            </a:r>
+            <a:r>
+              <a:rPr lang="pt-BR" sz="1600" b="1" dirty="0" err="1"/>
+              <a:t>run</a:t>
+            </a:r>
+            <a:r>
+              <a:rPr lang="pt-BR" sz="1600" b="1" dirty="0"/>
+              <a:t> -d -P --</a:t>
+            </a:r>
+            <a:r>
+              <a:rPr lang="pt-BR" sz="1600" b="1" dirty="0" err="1"/>
+              <a:t>name</a:t>
+            </a:r>
+            <a:r>
+              <a:rPr lang="pt-BR" sz="1600" b="1" dirty="0"/>
+              <a:t> NOME </a:t>
+            </a:r>
+            <a:r>
+              <a:rPr lang="pt-BR" sz="1600" b="1" dirty="0" err="1"/>
+              <a:t>dockersamples</a:t>
+            </a:r>
+            <a:r>
+              <a:rPr lang="pt-BR" sz="1600" b="1" dirty="0"/>
+              <a:t>/</a:t>
+            </a:r>
+            <a:r>
+              <a:rPr lang="pt-BR" sz="1600" b="1" dirty="0" err="1"/>
+              <a:t>static</a:t>
+            </a:r>
+            <a:r>
+              <a:rPr lang="pt-BR" sz="1600" b="1" dirty="0"/>
+              <a:t>-site</a:t>
+            </a:r>
+            <a:r>
+              <a:rPr lang="pt-BR" sz="1600" dirty="0"/>
+              <a:t> - ao executar, dá um nome ao container.</a:t>
+            </a:r>
+          </a:p>
+          <a:p>
+            <a:pPr lvl="1" algn="just">
+              <a:lnSpc>
+                <a:spcPct val="150000"/>
+              </a:lnSpc>
+            </a:pPr>
+            <a:r>
+              <a:rPr lang="pt-BR" sz="1600" b="1" dirty="0" err="1"/>
+              <a:t>docker</a:t>
+            </a:r>
+            <a:r>
+              <a:rPr lang="pt-BR" sz="1600" b="1" dirty="0"/>
+              <a:t> </a:t>
+            </a:r>
+            <a:r>
+              <a:rPr lang="pt-BR" sz="1600" b="1" dirty="0" err="1"/>
+              <a:t>run</a:t>
+            </a:r>
+            <a:r>
+              <a:rPr lang="pt-BR" sz="1600" b="1" dirty="0"/>
+              <a:t> -d -p 12345:80 </a:t>
+            </a:r>
+            <a:r>
+              <a:rPr lang="pt-BR" sz="1600" b="1" dirty="0" err="1"/>
+              <a:t>dockersamples</a:t>
+            </a:r>
+            <a:r>
+              <a:rPr lang="pt-BR" sz="1600" b="1" dirty="0"/>
+              <a:t>/</a:t>
+            </a:r>
+            <a:r>
+              <a:rPr lang="pt-BR" sz="1600" b="1" dirty="0" err="1"/>
+              <a:t>static</a:t>
+            </a:r>
+            <a:r>
+              <a:rPr lang="pt-BR" sz="1600" b="1" dirty="0"/>
+              <a:t>-site</a:t>
+            </a:r>
+            <a:r>
+              <a:rPr lang="pt-BR" sz="1600" dirty="0"/>
+              <a:t> - define uma porta específica para ser atribuída à porta 80 do container, neste caso 12345.</a:t>
+            </a:r>
+          </a:p>
+          <a:p>
+            <a:pPr lvl="1" algn="just">
+              <a:lnSpc>
+                <a:spcPct val="150000"/>
+              </a:lnSpc>
+            </a:pPr>
+            <a:r>
+              <a:rPr lang="pt-BR" sz="1600" b="1" dirty="0" err="1"/>
+              <a:t>docker</a:t>
+            </a:r>
+            <a:r>
+              <a:rPr lang="pt-BR" sz="1600" b="1" dirty="0"/>
+              <a:t> </a:t>
+            </a:r>
+            <a:r>
+              <a:rPr lang="pt-BR" sz="1600" b="1" dirty="0" err="1"/>
+              <a:t>run</a:t>
+            </a:r>
+            <a:r>
+              <a:rPr lang="pt-BR" sz="1600" b="1" dirty="0"/>
+              <a:t> -d -e AUTHOR="Fulano" </a:t>
+            </a:r>
+            <a:r>
+              <a:rPr lang="pt-BR" sz="1600" b="1" dirty="0" err="1"/>
+              <a:t>dockersamples</a:t>
+            </a:r>
+            <a:r>
+              <a:rPr lang="pt-BR" sz="1600" b="1" dirty="0"/>
+              <a:t>/</a:t>
+            </a:r>
+            <a:r>
+              <a:rPr lang="pt-BR" sz="1600" b="1" dirty="0" err="1"/>
+              <a:t>static</a:t>
+            </a:r>
+            <a:r>
+              <a:rPr lang="pt-BR" sz="1600" b="1" dirty="0"/>
+              <a:t>-site</a:t>
+            </a:r>
+            <a:r>
+              <a:rPr lang="pt-BR" sz="1600" dirty="0"/>
+              <a:t> - define uma variável de ambiente AUTHOR com o valor Fulano no container criado</a:t>
+            </a:r>
+            <a:r>
+              <a:rPr lang="pt-BR" sz="1600" dirty="0" smtClean="0"/>
+              <a:t>.</a:t>
+            </a:r>
+            <a:endParaRPr lang="pt-BR" sz="1600" dirty="0" smtClean="0"/>
           </a:p>
         </p:txBody>
       </p:sp>
     </p:spTree>
     <p:extLst>
       <p:ext uri="{BB962C8B-B14F-4D97-AF65-F5344CB8AC3E}">
-        <p14:creationId xmlns:p14="http://schemas.microsoft.com/office/powerpoint/2010/main" val="1174364163"/>
+        <p14:creationId xmlns:p14="http://schemas.microsoft.com/office/powerpoint/2010/main" val="2636815561"/>
       </p:ext>
     </p:extLst>
   </p:cSld>
@@ -5740,18 +6101,30 @@
             <p:ph type="title"/>
           </p:nvPr>
         </p:nvSpPr>
-        <p:spPr/>
-        <p:txBody>
-          <a:bodyPr/>
+        <p:spPr>
+          <a:xfrm>
+            <a:off x="838200" y="161925"/>
+            <a:ext cx="10515600" cy="422275"/>
+          </a:xfrm>
+        </p:spPr>
+        <p:txBody>
+          <a:bodyPr vert="horz" lIns="91440" tIns="45720" rIns="91440" bIns="45720" rtlCol="0" anchor="ctr">
+            <a:normAutofit fontScale="90000"/>
+          </a:bodyPr>
           <a:lstStyle/>
           <a:p>
-            <a:endParaRPr lang="pt-BR"/>
-          </a:p>
-        </p:txBody>
-      </p:sp>
-      <p:sp>
-        <p:nvSpPr>
-          <p:cNvPr id="3" name="Espaço Reservado para Conteúdo 2"/>
+            <a:pPr algn="ctr"/>
+            <a:r>
+              <a:rPr lang="pt-BR" sz="2800" b="1" dirty="0" smtClean="0"/>
+              <a:t>Volumes</a:t>
+            </a:r>
+            <a:endParaRPr lang="pt-BR" sz="2800" b="1" dirty="0"/>
+          </a:p>
+        </p:txBody>
+      </p:sp>
+      <p:sp>
+        <p:nvSpPr>
+          <p:cNvPr id="4" name="Espaço Reservado para Conteúdo 2"/>
           <p:cNvSpPr>
             <a:spLocks noGrp="1"/>
           </p:cNvSpPr>
@@ -5759,25 +6132,160 @@
             <p:ph idx="1"/>
           </p:nvPr>
         </p:nvSpPr>
-        <p:spPr/>
-        <p:txBody>
-          <a:bodyPr/>
+        <p:spPr>
+          <a:xfrm>
+            <a:off x="286752" y="751474"/>
+            <a:ext cx="11618495" cy="2344016"/>
+          </a:xfrm>
+        </p:spPr>
+        <p:txBody>
+          <a:bodyPr>
+            <a:normAutofit fontScale="92500" lnSpcReduction="20000"/>
+          </a:bodyPr>
           <a:lstStyle/>
           <a:p>
-            <a:endParaRPr lang="pt-BR"/>
+            <a:pPr algn="just"/>
+            <a:r>
+              <a:rPr lang="pt-BR" sz="2000" dirty="0" smtClean="0"/>
+              <a:t>Qual porta acessar? Para isso podemos usar a </a:t>
+            </a:r>
+            <a:r>
+              <a:rPr lang="pt-BR" sz="2000" dirty="0" err="1" smtClean="0"/>
+              <a:t>flag</a:t>
+            </a:r>
+            <a:r>
+              <a:rPr lang="pt-BR" sz="2000" dirty="0" smtClean="0"/>
+              <a:t> </a:t>
+            </a:r>
+            <a:r>
+              <a:rPr lang="pt-BR" sz="2000" b="1" dirty="0" smtClean="0"/>
+              <a:t>–P </a:t>
+            </a:r>
+            <a:r>
+              <a:rPr lang="pt-BR" sz="2000" dirty="0" smtClean="0"/>
+              <a:t>que atribuirá portas aleatórias que farão com que o mundo externo(nossa máquina) se comunique com o container</a:t>
+            </a:r>
+          </a:p>
+          <a:p>
+            <a:pPr algn="just"/>
+            <a:endParaRPr lang="pt-BR" sz="2000" dirty="0" smtClean="0"/>
+          </a:p>
+          <a:p>
+            <a:pPr lvl="1" algn="just"/>
+            <a:r>
+              <a:rPr lang="pt-BR" sz="1800" dirty="0" err="1" smtClean="0"/>
+              <a:t>docker</a:t>
+            </a:r>
+            <a:r>
+              <a:rPr lang="pt-BR" sz="1800" dirty="0" smtClean="0"/>
+              <a:t> </a:t>
+            </a:r>
+            <a:r>
+              <a:rPr lang="pt-BR" sz="1800" dirty="0" err="1" smtClean="0"/>
+              <a:t>run</a:t>
+            </a:r>
+            <a:r>
+              <a:rPr lang="pt-BR" sz="1800" dirty="0" smtClean="0"/>
+              <a:t> </a:t>
+            </a:r>
+            <a:r>
+              <a:rPr lang="pt-BR" sz="1800" b="1" dirty="0" smtClean="0"/>
+              <a:t>–d –P </a:t>
+            </a:r>
+            <a:r>
+              <a:rPr lang="pt-BR" sz="1800" dirty="0" smtClean="0"/>
+              <a:t> </a:t>
+            </a:r>
+            <a:r>
+              <a:rPr lang="pt-BR" sz="1800" dirty="0" err="1" smtClean="0"/>
+              <a:t>dockersamples</a:t>
+            </a:r>
+            <a:r>
+              <a:rPr lang="pt-BR" sz="1800" dirty="0" smtClean="0"/>
+              <a:t>/</a:t>
+            </a:r>
+            <a:r>
+              <a:rPr lang="pt-BR" sz="1800" dirty="0" err="1" smtClean="0"/>
+              <a:t>static</a:t>
+            </a:r>
+            <a:r>
+              <a:rPr lang="pt-BR" sz="1800" dirty="0" smtClean="0"/>
+              <a:t>-site</a:t>
+            </a:r>
+          </a:p>
+          <a:p>
+            <a:pPr lvl="1" algn="just"/>
+            <a:endParaRPr lang="pt-BR" sz="1800" dirty="0"/>
+          </a:p>
+          <a:p>
+            <a:pPr algn="just"/>
+            <a:r>
+              <a:rPr lang="pt-BR" sz="2000" dirty="0" smtClean="0"/>
+              <a:t>Podemos visualizar também as portas através do comando: </a:t>
+            </a:r>
+            <a:r>
+              <a:rPr lang="pt-BR" sz="2000" b="1" dirty="0" err="1" smtClean="0"/>
+              <a:t>docker</a:t>
+            </a:r>
+            <a:r>
+              <a:rPr lang="pt-BR" sz="2000" b="1" dirty="0" smtClean="0"/>
+              <a:t> </a:t>
+            </a:r>
+            <a:r>
+              <a:rPr lang="pt-BR" sz="2000" b="1" dirty="0" err="1" smtClean="0"/>
+              <a:t>port</a:t>
+            </a:r>
+            <a:r>
+              <a:rPr lang="pt-BR" sz="2000" b="1" dirty="0" smtClean="0"/>
+              <a:t> container</a:t>
+            </a:r>
+          </a:p>
+          <a:p>
+            <a:pPr algn="just"/>
+            <a:endParaRPr lang="pt-BR" sz="2000" dirty="0" smtClean="0"/>
+          </a:p>
+          <a:p>
+            <a:pPr lvl="1" algn="just"/>
+            <a:r>
+              <a:rPr lang="pt-BR" sz="1800" dirty="0" err="1" smtClean="0"/>
+              <a:t>docker</a:t>
+            </a:r>
+            <a:r>
+              <a:rPr lang="pt-BR" sz="1800" dirty="0" smtClean="0"/>
+              <a:t> </a:t>
+            </a:r>
+            <a:r>
+              <a:rPr lang="pt-BR" sz="1800" b="1" dirty="0" err="1" smtClean="0"/>
+              <a:t>port</a:t>
+            </a:r>
+            <a:r>
+              <a:rPr lang="pt-BR" sz="1800" dirty="0"/>
+              <a:t> </a:t>
+            </a:r>
+            <a:r>
+              <a:rPr lang="pt-BR" sz="1800" u="sng" dirty="0"/>
+              <a:t>989e4d7d3638</a:t>
+            </a:r>
           </a:p>
         </p:txBody>
       </p:sp>
     </p:spTree>
     <p:extLst>
       <p:ext uri="{BB962C8B-B14F-4D97-AF65-F5344CB8AC3E}">
-        <p14:creationId xmlns:p14="http://schemas.microsoft.com/office/powerpoint/2010/main" val="517489975"/>
+        <p14:creationId xmlns:p14="http://schemas.microsoft.com/office/powerpoint/2010/main" val="1174364163"/>
       </p:ext>
     </p:extLst>
   </p:cSld>
   <p:clrMapOvr>
     <a:masterClrMapping/>
   </p:clrMapOvr>
+  <p:timing>
+    <p:tnLst>
+      <p:par>
+        <p:cTn id="1" dur="indefinite" restart="never" nodeType="tmRoot"/>
+      </p:par>
+    </p:tnLst>
+  </p:timing>
 </p:sld>
 </file>
 
@@ -5839,7 +6347,7 @@
     </p:spTree>
     <p:extLst>
       <p:ext uri="{BB962C8B-B14F-4D97-AF65-F5344CB8AC3E}">
-        <p14:creationId xmlns:p14="http://schemas.microsoft.com/office/powerpoint/2010/main" val="2333415383"/>
+        <p14:creationId xmlns:p14="http://schemas.microsoft.com/office/powerpoint/2010/main" val="517489975"/>
       </p:ext>
     </p:extLst>
   </p:cSld>
@@ -5907,7 +6415,7 @@
     </p:spTree>
     <p:extLst>
       <p:ext uri="{BB962C8B-B14F-4D97-AF65-F5344CB8AC3E}">
-        <p14:creationId xmlns:p14="http://schemas.microsoft.com/office/powerpoint/2010/main" val="3094957484"/>
+        <p14:creationId xmlns:p14="http://schemas.microsoft.com/office/powerpoint/2010/main" val="2333415383"/>
       </p:ext>
     </p:extLst>
   </p:cSld>
@@ -5949,11 +6457,7 @@
           <a:bodyPr/>
           <a:lstStyle/>
           <a:p>
-            <a:r>
-              <a:rPr lang="pt-BR" dirty="0" smtClean="0"/>
-              <a:t>Referências Bibliográficas</a:t>
-            </a:r>
-            <a:endParaRPr lang="pt-BR" dirty="0"/>
+            <a:endParaRPr lang="pt-BR"/>
           </a:p>
         </p:txBody>
       </p:sp>
@@ -5972,26 +6476,14 @@
           <a:bodyPr/>
           <a:lstStyle/>
           <a:p>
-            <a:r>
-              <a:rPr lang="pt-BR" dirty="0" smtClean="0"/>
-              <a:t>Curso </a:t>
-            </a:r>
-            <a:r>
-              <a:rPr lang="pt-BR" dirty="0" err="1" smtClean="0"/>
-              <a:t>Alura</a:t>
-            </a:r>
-            <a:r>
-              <a:rPr lang="pt-BR" dirty="0" smtClean="0"/>
-              <a:t> Docker</a:t>
-            </a:r>
-            <a:endParaRPr lang="pt-BR" dirty="0"/>
+            <a:endParaRPr lang="pt-BR"/>
           </a:p>
         </p:txBody>
       </p:sp>
     </p:spTree>
     <p:extLst>
       <p:ext uri="{BB962C8B-B14F-4D97-AF65-F5344CB8AC3E}">
-        <p14:creationId xmlns:p14="http://schemas.microsoft.com/office/powerpoint/2010/main" val="893777767"/>
+        <p14:creationId xmlns:p14="http://schemas.microsoft.com/office/powerpoint/2010/main" val="3094957484"/>
       </p:ext>
     </p:extLst>
   </p:cSld>
@@ -6160,6 +6652,90 @@
 </p:sld>
 </file>
 
+<file path=ppt/slides/slide20.xml><?xml version="1.0" encoding="utf-8"?>
+<p:sld xmlns:a="http://schemas.openxmlformats.org/drawingml/2006/main" xmlns:r="http://schemas.openxmlformats.org/officeDocument/2006/relationships" xmlns:p="http://schemas.openxmlformats.org/presentationml/2006/main">
+  <p:cSld>
+    <p:spTree>
+      <p:nvGrpSpPr>
+        <p:cNvPr id="1" name=""/>
+        <p:cNvGrpSpPr/>
+        <p:nvPr/>
+      </p:nvGrpSpPr>
+      <p:grpSpPr>
+        <a:xfrm>
+          <a:off x="0" y="0"/>
+          <a:ext cx="0" cy="0"/>
+          <a:chOff x="0" y="0"/>
+          <a:chExt cx="0" cy="0"/>
+        </a:xfrm>
+      </p:grpSpPr>
+      <p:sp>
+        <p:nvSpPr>
+          <p:cNvPr id="2" name="Título 1"/>
+          <p:cNvSpPr>
+            <a:spLocks noGrp="1"/>
+          </p:cNvSpPr>
+          <p:nvPr>
+            <p:ph type="title"/>
+          </p:nvPr>
+        </p:nvSpPr>
+        <p:spPr/>
+        <p:txBody>
+          <a:bodyPr/>
+          <a:lstStyle/>
+          <a:p>
+            <a:r>
+              <a:rPr lang="pt-BR" dirty="0" smtClean="0"/>
+              <a:t>Referências Bibliográficas</a:t>
+            </a:r>
+            <a:endParaRPr lang="pt-BR" dirty="0"/>
+          </a:p>
+        </p:txBody>
+      </p:sp>
+      <p:sp>
+        <p:nvSpPr>
+          <p:cNvPr id="3" name="Espaço Reservado para Conteúdo 2"/>
+          <p:cNvSpPr>
+            <a:spLocks noGrp="1"/>
+          </p:cNvSpPr>
+          <p:nvPr>
+            <p:ph idx="1"/>
+          </p:nvPr>
+        </p:nvSpPr>
+        <p:spPr/>
+        <p:txBody>
+          <a:bodyPr/>
+          <a:lstStyle/>
+          <a:p>
+            <a:r>
+              <a:rPr lang="pt-BR" dirty="0" smtClean="0"/>
+              <a:t>Curso </a:t>
+            </a:r>
+            <a:r>
+              <a:rPr lang="pt-BR" dirty="0" err="1" smtClean="0"/>
+              <a:t>Alura</a:t>
+            </a:r>
+            <a:r>
+              <a:rPr lang="pt-BR" dirty="0" smtClean="0"/>
+              <a:t> Docker</a:t>
+            </a:r>
+            <a:endParaRPr lang="pt-BR" dirty="0"/>
+          </a:p>
+        </p:txBody>
+      </p:sp>
+    </p:spTree>
+    <p:extLst>
+      <p:ext uri="{BB962C8B-B14F-4D97-AF65-F5344CB8AC3E}">
+        <p14:creationId xmlns:p14="http://schemas.microsoft.com/office/powerpoint/2010/main" val="893777767"/>
+      </p:ext>
+    </p:extLst>
+  </p:cSld>
+  <p:clrMapOvr>
+    <a:masterClrMapping/>
+  </p:clrMapOvr>
+</p:sld>
+</file>
+
 <file path=ppt/slides/slide3.xml><?xml version="1.0" encoding="utf-8"?>
 <p:sld xmlns:a="http://schemas.openxmlformats.org/drawingml/2006/main" xmlns:r="http://schemas.openxmlformats.org/officeDocument/2006/relationships" xmlns:p="http://schemas.openxmlformats.org/presentationml/2006/main">
   <p:cSld>
@@ -6831,8 +7407,8 @@
         </p:nvSpPr>
         <p:spPr>
           <a:xfrm>
-            <a:off x="530577" y="5062965"/>
-            <a:ext cx="10519064" cy="1397813"/>
+            <a:off x="530576" y="5062965"/>
+            <a:ext cx="11140055" cy="1662688"/>
           </a:xfrm>
           <a:prstGeom prst="rect">
             <a:avLst/>
@@ -7040,12 +7616,12 @@
               <a:t>Sem contar que uma </a:t>
             </a:r>
             <a:r>
-              <a:rPr lang="pt-BR" sz="1800" dirty="0" err="1" smtClean="0"/>
-              <a:t>únca</a:t>
-            </a:r>
-            <a:r>
               <a:rPr lang="pt-BR" sz="1800" dirty="0" smtClean="0"/>
-              <a:t> aplicação pode congelar um ambiente</a:t>
+              <a:t>única </a:t>
+            </a:r>
+            <a:r>
+              <a:rPr lang="pt-BR" sz="1800" dirty="0" smtClean="0"/>
+              <a:t>aplicação pode congelar um ambiente</a:t>
             </a:r>
             <a:endParaRPr lang="pt-BR" sz="1800" dirty="0"/>
           </a:p>
@@ -7140,11 +7716,27 @@
             </a:r>
             <a:r>
               <a:rPr lang="pt-BR" sz="2000" b="1" dirty="0"/>
-              <a:t>Docker, Inc.</a:t>
+              <a:t>Docker, Inc</a:t>
+            </a:r>
+            <a:r>
+              <a:rPr lang="pt-BR" sz="2000" b="1" dirty="0" smtClean="0"/>
+              <a:t>. </a:t>
+            </a:r>
+            <a:r>
+              <a:rPr lang="pt-BR" sz="2000" dirty="0" smtClean="0"/>
+              <a:t>é</a:t>
+            </a:r>
+            <a:r>
+              <a:rPr lang="pt-BR" sz="2000" b="1" dirty="0" smtClean="0"/>
+              <a:t> </a:t>
+            </a:r>
+            <a:r>
+              <a:rPr lang="pt-BR" sz="2000" dirty="0" smtClean="0"/>
+              <a:t>empresa </a:t>
             </a:r>
             <a:r>
               <a:rPr lang="pt-BR" sz="2000" dirty="0"/>
-              <a:t>, empresa que toma conta do </a:t>
+              <a:t>que toma conta do </a:t>
             </a:r>
             <a:r>
               <a:rPr lang="pt-BR" sz="2000" dirty="0" smtClean="0"/>
@@ -8979,11 +9571,7 @@
             <a:pPr algn="ctr"/>
             <a:r>
               <a:rPr lang="pt-BR" sz="2800" b="1" dirty="0" smtClean="0"/>
-              <a:t>Diferença entre Imagens e </a:t>
-            </a:r>
-            <a:r>
-              <a:rPr lang="pt-BR" sz="2800" b="1" dirty="0" smtClean="0"/>
-              <a:t>Containers  - E alguns comandos</a:t>
+              <a:t>Diferença entre Imagens e Containers  - E alguns comandos</a:t>
             </a:r>
             <a:endParaRPr lang="pt-BR" sz="2800" b="1" dirty="0"/>
           </a:p>
@@ -10257,11 +10845,7 @@
             <a:pPr algn="ctr"/>
             <a:r>
               <a:rPr lang="pt-BR" sz="2800" b="1" dirty="0" smtClean="0"/>
-              <a:t>Diferença entre Imagens e </a:t>
-            </a:r>
-            <a:r>
-              <a:rPr lang="pt-BR" sz="2800" b="1" dirty="0" smtClean="0"/>
-              <a:t>Containers  - E alguns comandos</a:t>
+              <a:t>Diferença entre Imagens e Containers  - E alguns comandos</a:t>
             </a:r>
             <a:endParaRPr lang="pt-BR" sz="2800" b="1" dirty="0"/>
           </a:p>

--- a/docs/docker-resumo.pptx
+++ b/docs/docker-resumo.pptx
@@ -260,7 +260,7 @@
           <a:p>
             <a:fld id="{CC58B075-67F8-4A8D-AE1C-3D3E4193EBCA}" type="datetimeFigureOut">
               <a:rPr lang="pt-BR" smtClean="0"/>
-              <a:t>16/09/2019</a:t>
+              <a:t>20/09/2019</a:t>
             </a:fld>
             <a:endParaRPr lang="pt-BR"/>
           </a:p>
@@ -428,7 +428,7 @@
           <a:p>
             <a:fld id="{CC58B075-67F8-4A8D-AE1C-3D3E4193EBCA}" type="datetimeFigureOut">
               <a:rPr lang="pt-BR" smtClean="0"/>
-              <a:t>16/09/2019</a:t>
+              <a:t>20/09/2019</a:t>
             </a:fld>
             <a:endParaRPr lang="pt-BR"/>
           </a:p>
@@ -606,7 +606,7 @@
           <a:p>
             <a:fld id="{CC58B075-67F8-4A8D-AE1C-3D3E4193EBCA}" type="datetimeFigureOut">
               <a:rPr lang="pt-BR" smtClean="0"/>
-              <a:t>16/09/2019</a:t>
+              <a:t>20/09/2019</a:t>
             </a:fld>
             <a:endParaRPr lang="pt-BR"/>
           </a:p>
@@ -774,7 +774,7 @@
           <a:p>
             <a:fld id="{CC58B075-67F8-4A8D-AE1C-3D3E4193EBCA}" type="datetimeFigureOut">
               <a:rPr lang="pt-BR" smtClean="0"/>
-              <a:t>16/09/2019</a:t>
+              <a:t>20/09/2019</a:t>
             </a:fld>
             <a:endParaRPr lang="pt-BR"/>
           </a:p>
@@ -1019,7 +1019,7 @@
           <a:p>
             <a:fld id="{CC58B075-67F8-4A8D-AE1C-3D3E4193EBCA}" type="datetimeFigureOut">
               <a:rPr lang="pt-BR" smtClean="0"/>
-              <a:t>16/09/2019</a:t>
+              <a:t>20/09/2019</a:t>
             </a:fld>
             <a:endParaRPr lang="pt-BR"/>
           </a:p>
@@ -1248,7 +1248,7 @@
           <a:p>
             <a:fld id="{CC58B075-67F8-4A8D-AE1C-3D3E4193EBCA}" type="datetimeFigureOut">
               <a:rPr lang="pt-BR" smtClean="0"/>
-              <a:t>16/09/2019</a:t>
+              <a:t>20/09/2019</a:t>
             </a:fld>
             <a:endParaRPr lang="pt-BR"/>
           </a:p>
@@ -1612,7 +1612,7 @@
           <a:p>
             <a:fld id="{CC58B075-67F8-4A8D-AE1C-3D3E4193EBCA}" type="datetimeFigureOut">
               <a:rPr lang="pt-BR" smtClean="0"/>
-              <a:t>16/09/2019</a:t>
+              <a:t>20/09/2019</a:t>
             </a:fld>
             <a:endParaRPr lang="pt-BR"/>
           </a:p>
@@ -1729,7 +1729,7 @@
           <a:p>
             <a:fld id="{CC58B075-67F8-4A8D-AE1C-3D3E4193EBCA}" type="datetimeFigureOut">
               <a:rPr lang="pt-BR" smtClean="0"/>
-              <a:t>16/09/2019</a:t>
+              <a:t>20/09/2019</a:t>
             </a:fld>
             <a:endParaRPr lang="pt-BR"/>
           </a:p>
@@ -1824,7 +1824,7 @@
           <a:p>
             <a:fld id="{CC58B075-67F8-4A8D-AE1C-3D3E4193EBCA}" type="datetimeFigureOut">
               <a:rPr lang="pt-BR" smtClean="0"/>
-              <a:t>16/09/2019</a:t>
+              <a:t>20/09/2019</a:t>
             </a:fld>
             <a:endParaRPr lang="pt-BR"/>
           </a:p>
@@ -2099,7 +2099,7 @@
           <a:p>
             <a:fld id="{CC58B075-67F8-4A8D-AE1C-3D3E4193EBCA}" type="datetimeFigureOut">
               <a:rPr lang="pt-BR" smtClean="0"/>
-              <a:t>16/09/2019</a:t>
+              <a:t>20/09/2019</a:t>
             </a:fld>
             <a:endParaRPr lang="pt-BR"/>
           </a:p>
@@ -2351,7 +2351,7 @@
           <a:p>
             <a:fld id="{CC58B075-67F8-4A8D-AE1C-3D3E4193EBCA}" type="datetimeFigureOut">
               <a:rPr lang="pt-BR" smtClean="0"/>
-              <a:t>16/09/2019</a:t>
+              <a:t>20/09/2019</a:t>
             </a:fld>
             <a:endParaRPr lang="pt-BR"/>
           </a:p>
@@ -2562,7 +2562,7 @@
           <a:p>
             <a:fld id="{CC58B075-67F8-4A8D-AE1C-3D3E4193EBCA}" type="datetimeFigureOut">
               <a:rPr lang="pt-BR" smtClean="0"/>
-              <a:t>16/09/2019</a:t>
+              <a:t>20/09/2019</a:t>
             </a:fld>
             <a:endParaRPr lang="pt-BR"/>
           </a:p>
@@ -4843,7 +4843,7 @@
         </p:spPr>
         <p:txBody>
           <a:bodyPr vert="horz" lIns="91440" tIns="45720" rIns="91440" bIns="45720" rtlCol="0">
-            <a:normAutofit/>
+            <a:normAutofit lnSpcReduction="10000"/>
           </a:bodyPr>
           <a:lstStyle>
             <a:lvl1pPr marL="228600" indent="-228600" algn="l" defTabSz="914400" rtl="0" eaLnBrk="1" latinLnBrk="0" hangingPunct="1">
@@ -5012,7 +5012,12 @@
           <a:p>
             <a:pPr algn="just"/>
             <a:r>
-              <a:rPr lang="pt-BR" sz="2000" b="1" i="1" u="sng" dirty="0" smtClean="0">
+              <a:rPr lang="pt-BR" sz="2400" b="1" i="1" u="sng" dirty="0" smtClean="0">
+                <a:solidFill>
+                  <a:schemeClr val="accent1">
+                    <a:lumMod val="75000"/>
+                  </a:schemeClr>
+                </a:solidFill>
                 <a:effectLst>
                   <a:outerShdw blurRad="38100" dist="38100" dir="2700000" algn="tl">
                     <a:srgbClr val="000000">
@@ -5021,11 +5026,15 @@
                   </a:outerShdw>
                 </a:effectLst>
               </a:rPr>
-              <a:t>DETALHE</a:t>
+              <a:t>IMPORTANTE</a:t>
             </a:r>
             <a:r>
               <a:rPr lang="pt-BR" sz="2000" dirty="0" smtClean="0"/>
-              <a:t>: Se vocês está utilizando o </a:t>
+              <a:t>: </a:t>
+            </a:r>
+            <a:r>
+              <a:rPr lang="pt-BR" sz="2000" dirty="0" smtClean="0"/>
+              <a:t>Se vocês está utilizando o </a:t>
             </a:r>
             <a:r>
               <a:rPr lang="pt-BR" sz="2000" dirty="0" err="1" smtClean="0"/>
@@ -5049,7 +5058,23 @@
             </a:r>
             <a:r>
               <a:rPr lang="pt-BR" sz="2000" dirty="0" smtClean="0"/>
-              <a:t>, ele está rodando em cima de uma Máquina Virtual. Portanto, não será o IP da máquina local e sim da VM. Para isso, rode o comando: </a:t>
+              <a:t>, ele está rodando em cima de uma Máquina Virtual. Portanto, não será o IP da máquina </a:t>
+            </a:r>
+            <a:r>
+              <a:rPr lang="pt-BR" sz="2000" dirty="0" smtClean="0"/>
+              <a:t>local (</a:t>
+            </a:r>
+            <a:r>
+              <a:rPr lang="pt-BR" sz="2000" dirty="0" err="1" smtClean="0"/>
+              <a:t>localhost</a:t>
+            </a:r>
+            <a:r>
+              <a:rPr lang="pt-BR" sz="2000" dirty="0" smtClean="0"/>
+              <a:t>) </a:t>
+            </a:r>
+            <a:r>
+              <a:rPr lang="pt-BR" sz="2000" dirty="0" smtClean="0"/>
+              <a:t>e sim da VM. Para isso, rode o comando: </a:t>
             </a:r>
           </a:p>
           <a:p>
@@ -5299,7 +5324,7 @@
         <p:spPr>
           <a:xfrm>
             <a:off x="286752" y="584199"/>
-            <a:ext cx="11618495" cy="5612063"/>
+            <a:ext cx="11618495" cy="5876759"/>
           </a:xfrm>
         </p:spPr>
         <p:txBody>
@@ -5373,12 +5398,20 @@
           <a:p>
             <a:pPr lvl="1" algn="just"/>
             <a:r>
-              <a:rPr lang="pt-BR" sz="1400" dirty="0" err="1" smtClean="0"/>
+              <a:rPr lang="pt-BR" sz="1400" dirty="0" smtClean="0"/>
+              <a:t>Exemplo: Facilitaria para parar esse container posteriormente. -&gt; </a:t>
+            </a:r>
+            <a:r>
+              <a:rPr lang="pt-BR" sz="1400" b="1" dirty="0" err="1" smtClean="0"/>
               <a:t>docker</a:t>
             </a:r>
             <a:r>
-              <a:rPr lang="pt-BR" sz="1400" dirty="0" smtClean="0"/>
-              <a:t> stop meu-site</a:t>
+              <a:rPr lang="pt-BR" sz="1400" b="1" dirty="0" smtClean="0"/>
+              <a:t> </a:t>
+            </a:r>
+            <a:r>
+              <a:rPr lang="pt-BR" sz="1400" b="1" dirty="0" smtClean="0"/>
+              <a:t>stop meu-site</a:t>
             </a:r>
           </a:p>
           <a:p>
@@ -5480,30 +5513,38 @@
             </a:r>
             <a:r>
               <a:rPr lang="pt-BR" sz="1800" dirty="0" smtClean="0"/>
-              <a:t>–P </a:t>
+              <a:t>–p </a:t>
+            </a:r>
+            <a:r>
+              <a:rPr lang="pt-BR" sz="1800" dirty="0" smtClean="0"/>
+              <a:t>12345:80 </a:t>
             </a:r>
             <a:r>
               <a:rPr lang="pt-BR" sz="1800" b="1" dirty="0" smtClean="0"/>
-              <a:t>-e AUTHOR=“Luciano Cordeiro” </a:t>
+              <a:t>-</a:t>
+            </a:r>
+            <a:r>
+              <a:rPr lang="pt-BR" sz="1800" b="1" dirty="0" smtClean="0"/>
+              <a:t>e AUTHOR=“Luciano Cordeiro” </a:t>
             </a:r>
             <a:r>
               <a:rPr lang="pt-BR" sz="1800" dirty="0" smtClean="0"/>
               <a:t> </a:t>
             </a:r>
             <a:r>
-              <a:rPr lang="pt-BR" sz="1800" dirty="0" err="1"/>
+              <a:rPr lang="pt-BR" sz="1800" dirty="0" err="1" smtClean="0"/>
               <a:t>dockersamples</a:t>
             </a:r>
             <a:r>
-              <a:rPr lang="pt-BR" sz="1800" dirty="0"/>
+              <a:rPr lang="pt-BR" sz="1800" dirty="0" smtClean="0"/>
               <a:t>/</a:t>
             </a:r>
             <a:r>
-              <a:rPr lang="pt-BR" sz="1800" dirty="0" err="1"/>
+              <a:rPr lang="pt-BR" sz="1800" dirty="0" err="1" smtClean="0"/>
               <a:t>static</a:t>
             </a:r>
             <a:r>
-              <a:rPr lang="pt-BR" sz="1800" dirty="0"/>
+              <a:rPr lang="pt-BR" sz="1800" dirty="0" smtClean="0"/>
               <a:t>-site</a:t>
             </a:r>
           </a:p>
@@ -5517,9 +5558,21 @@
           </a:p>
           <a:p>
             <a:pPr algn="just"/>
+            <a:endParaRPr lang="pt-BR" sz="2000" b="1" i="1" dirty="0" smtClean="0"/>
+          </a:p>
+          <a:p>
+            <a:pPr algn="just"/>
+            <a:endParaRPr lang="pt-BR" sz="2000" b="1" i="1" dirty="0"/>
+          </a:p>
+          <a:p>
+            <a:pPr algn="just"/>
             <a:r>
               <a:rPr lang="pt-BR" sz="2000" b="1" i="1" dirty="0" smtClean="0"/>
-              <a:t>Parando todos os containers de uma vez</a:t>
+              <a:t>Parando </a:t>
+            </a:r>
+            <a:r>
+              <a:rPr lang="pt-BR" sz="2000" b="1" i="1" dirty="0" smtClean="0"/>
+              <a:t>todos os containers de uma vez</a:t>
             </a:r>
             <a:endParaRPr lang="pt-BR" sz="2000" b="1" i="1" dirty="0"/>
           </a:p>
@@ -5589,7 +5642,7 @@
         </p:blipFill>
         <p:spPr>
           <a:xfrm>
-            <a:off x="8465970" y="3427329"/>
+            <a:off x="8278934" y="4348778"/>
             <a:ext cx="3152775" cy="1276350"/>
           </a:xfrm>
           <a:prstGeom prst="rect">
@@ -5602,6 +5655,103 @@
           </a:ln>
         </p:spPr>
       </p:pic>
+      <p:sp>
+        <p:nvSpPr>
+          <p:cNvPr id="5" name="Retângulo 4"/>
+          <p:cNvSpPr/>
+          <p:nvPr/>
+        </p:nvSpPr>
+        <p:spPr>
+          <a:xfrm>
+            <a:off x="2684842" y="4786898"/>
+            <a:ext cx="3326936" cy="400110"/>
+          </a:xfrm>
+          <a:prstGeom prst="rect">
+            <a:avLst/>
+          </a:prstGeom>
+        </p:spPr>
+        <p:txBody>
+          <a:bodyPr wrap="none">
+            <a:spAutoFit/>
+          </a:bodyPr>
+          <a:lstStyle/>
+          <a:p>
+            <a:r>
+              <a:rPr lang="pt-BR" sz="2000" dirty="0">
+                <a:effectLst>
+                  <a:outerShdw blurRad="38100" dist="38100" dir="2700000" algn="tl">
+                    <a:srgbClr val="000000">
+                      <a:alpha val="43137"/>
+                    </a:srgbClr>
+                  </a:outerShdw>
+                </a:effectLst>
+              </a:rPr>
+              <a:t>http://</a:t>
+            </a:r>
+            <a:r>
+              <a:rPr lang="pt-BR" sz="2000" dirty="0" smtClean="0">
+                <a:effectLst>
+                  <a:outerShdw blurRad="38100" dist="38100" dir="2700000" algn="tl">
+                    <a:srgbClr val="000000">
+                      <a:alpha val="43137"/>
+                    </a:srgbClr>
+                  </a:outerShdw>
+                </a:effectLst>
+              </a:rPr>
+              <a:t>192.168.98.112:12345/</a:t>
+            </a:r>
+            <a:endParaRPr lang="pt-BR" sz="2000" dirty="0">
+              <a:effectLst>
+                <a:outerShdw blurRad="38100" dist="38100" dir="2700000" algn="tl">
+                  <a:srgbClr val="000000">
+                    <a:alpha val="43137"/>
+                  </a:srgbClr>
+                </a:outerShdw>
+              </a:effectLst>
+            </a:endParaRPr>
+          </a:p>
+        </p:txBody>
+      </p:sp>
+      <p:sp>
+        <p:nvSpPr>
+          <p:cNvPr id="6" name="Seta para a Direita 5"/>
+          <p:cNvSpPr/>
+          <p:nvPr/>
+        </p:nvSpPr>
+        <p:spPr>
+          <a:xfrm>
+            <a:off x="5979124" y="4857673"/>
+            <a:ext cx="2158303" cy="329335"/>
+          </a:xfrm>
+          <a:prstGeom prst="rightArrow">
+            <a:avLst/>
+          </a:prstGeom>
+        </p:spPr>
+        <p:style>
+          <a:lnRef idx="2">
+            <a:schemeClr val="accent1">
+              <a:shade val="50000"/>
+            </a:schemeClr>
+          </a:lnRef>
+          <a:fillRef idx="1">
+            <a:schemeClr val="accent1"/>
+          </a:fillRef>
+          <a:effectRef idx="0">
+            <a:schemeClr val="accent1"/>
+          </a:effectRef>
+          <a:fontRef idx="minor">
+            <a:schemeClr val="lt1"/>
+          </a:fontRef>
+        </p:style>
+        <p:txBody>
+          <a:bodyPr rtlCol="0" anchor="ctr"/>
+          <a:lstStyle/>
+          <a:p>
+            <a:pPr algn="ctr"/>
+            <a:endParaRPr lang="pt-BR"/>
+          </a:p>
+        </p:txBody>
+      </p:sp>
     </p:spTree>
     <p:extLst>
       <p:ext uri="{BB962C8B-B14F-4D97-AF65-F5344CB8AC3E}">
@@ -5664,11 +5814,7 @@
             <a:pPr algn="ctr"/>
             <a:r>
               <a:rPr lang="pt-BR" sz="2800" b="1" dirty="0" smtClean="0"/>
-              <a:t>Revisão Comandos </a:t>
-            </a:r>
-            <a:r>
-              <a:rPr lang="pt-BR" sz="2800" b="1" dirty="0" smtClean="0"/>
-              <a:t>do </a:t>
+              <a:t>Revisão Comandos do </a:t>
             </a:r>
             <a:r>
               <a:rPr lang="pt-BR" sz="2800" b="1" dirty="0" err="1" smtClean="0"/>
@@ -6050,7 +6196,6 @@
               <a:rPr lang="pt-BR" sz="1600" dirty="0" smtClean="0"/>
               <a:t>.</a:t>
             </a:r>
-            <a:endParaRPr lang="pt-BR" sz="1600" dirty="0" smtClean="0"/>
           </a:p>
         </p:txBody>
       </p:sp>
@@ -7613,15 +7758,7 @@
             <a:pPr lvl="1"/>
             <a:r>
               <a:rPr lang="pt-BR" sz="1800" dirty="0" smtClean="0"/>
-              <a:t>Sem contar que uma </a:t>
-            </a:r>
-            <a:r>
-              <a:rPr lang="pt-BR" sz="1800" dirty="0" smtClean="0"/>
-              <a:t>única </a:t>
-            </a:r>
-            <a:r>
-              <a:rPr lang="pt-BR" sz="1800" dirty="0" smtClean="0"/>
-              <a:t>aplicação pode congelar um ambiente</a:t>
+              <a:t>Sem contar que uma única aplicação pode congelar um ambiente</a:t>
             </a:r>
             <a:endParaRPr lang="pt-BR" sz="1800" dirty="0"/>
           </a:p>

--- a/docs/docker-resumo.pptx
+++ b/docs/docker-resumo.pptx
@@ -21,10 +21,12 @@
     <p:sldId id="299" r:id="rId15"/>
     <p:sldId id="300" r:id="rId16"/>
     <p:sldId id="294" r:id="rId17"/>
-    <p:sldId id="281" r:id="rId18"/>
-    <p:sldId id="280" r:id="rId19"/>
-    <p:sldId id="284" r:id="rId20"/>
-    <p:sldId id="285" r:id="rId21"/>
+    <p:sldId id="301" r:id="rId18"/>
+    <p:sldId id="302" r:id="rId19"/>
+    <p:sldId id="281" r:id="rId20"/>
+    <p:sldId id="280" r:id="rId21"/>
+    <p:sldId id="284" r:id="rId22"/>
+    <p:sldId id="285" r:id="rId23"/>
   </p:sldIdLst>
   <p:sldSz cx="12192000" cy="6858000"/>
   <p:notesSz cx="6858000" cy="9144000"/>
@@ -260,7 +262,7 @@
           <a:p>
             <a:fld id="{CC58B075-67F8-4A8D-AE1C-3D3E4193EBCA}" type="datetimeFigureOut">
               <a:rPr lang="pt-BR" smtClean="0"/>
-              <a:t>20/09/2019</a:t>
+              <a:t>23/09/2019</a:t>
             </a:fld>
             <a:endParaRPr lang="pt-BR"/>
           </a:p>
@@ -428,7 +430,7 @@
           <a:p>
             <a:fld id="{CC58B075-67F8-4A8D-AE1C-3D3E4193EBCA}" type="datetimeFigureOut">
               <a:rPr lang="pt-BR" smtClean="0"/>
-              <a:t>20/09/2019</a:t>
+              <a:t>23/09/2019</a:t>
             </a:fld>
             <a:endParaRPr lang="pt-BR"/>
           </a:p>
@@ -606,7 +608,7 @@
           <a:p>
             <a:fld id="{CC58B075-67F8-4A8D-AE1C-3D3E4193EBCA}" type="datetimeFigureOut">
               <a:rPr lang="pt-BR" smtClean="0"/>
-              <a:t>20/09/2019</a:t>
+              <a:t>23/09/2019</a:t>
             </a:fld>
             <a:endParaRPr lang="pt-BR"/>
           </a:p>
@@ -774,7 +776,7 @@
           <a:p>
             <a:fld id="{CC58B075-67F8-4A8D-AE1C-3D3E4193EBCA}" type="datetimeFigureOut">
               <a:rPr lang="pt-BR" smtClean="0"/>
-              <a:t>20/09/2019</a:t>
+              <a:t>23/09/2019</a:t>
             </a:fld>
             <a:endParaRPr lang="pt-BR"/>
           </a:p>
@@ -1019,7 +1021,7 @@
           <a:p>
             <a:fld id="{CC58B075-67F8-4A8D-AE1C-3D3E4193EBCA}" type="datetimeFigureOut">
               <a:rPr lang="pt-BR" smtClean="0"/>
-              <a:t>20/09/2019</a:t>
+              <a:t>23/09/2019</a:t>
             </a:fld>
             <a:endParaRPr lang="pt-BR"/>
           </a:p>
@@ -1248,7 +1250,7 @@
           <a:p>
             <a:fld id="{CC58B075-67F8-4A8D-AE1C-3D3E4193EBCA}" type="datetimeFigureOut">
               <a:rPr lang="pt-BR" smtClean="0"/>
-              <a:t>20/09/2019</a:t>
+              <a:t>23/09/2019</a:t>
             </a:fld>
             <a:endParaRPr lang="pt-BR"/>
           </a:p>
@@ -1612,7 +1614,7 @@
           <a:p>
             <a:fld id="{CC58B075-67F8-4A8D-AE1C-3D3E4193EBCA}" type="datetimeFigureOut">
               <a:rPr lang="pt-BR" smtClean="0"/>
-              <a:t>20/09/2019</a:t>
+              <a:t>23/09/2019</a:t>
             </a:fld>
             <a:endParaRPr lang="pt-BR"/>
           </a:p>
@@ -1729,7 +1731,7 @@
           <a:p>
             <a:fld id="{CC58B075-67F8-4A8D-AE1C-3D3E4193EBCA}" type="datetimeFigureOut">
               <a:rPr lang="pt-BR" smtClean="0"/>
-              <a:t>20/09/2019</a:t>
+              <a:t>23/09/2019</a:t>
             </a:fld>
             <a:endParaRPr lang="pt-BR"/>
           </a:p>
@@ -1824,7 +1826,7 @@
           <a:p>
             <a:fld id="{CC58B075-67F8-4A8D-AE1C-3D3E4193EBCA}" type="datetimeFigureOut">
               <a:rPr lang="pt-BR" smtClean="0"/>
-              <a:t>20/09/2019</a:t>
+              <a:t>23/09/2019</a:t>
             </a:fld>
             <a:endParaRPr lang="pt-BR"/>
           </a:p>
@@ -2099,7 +2101,7 @@
           <a:p>
             <a:fld id="{CC58B075-67F8-4A8D-AE1C-3D3E4193EBCA}" type="datetimeFigureOut">
               <a:rPr lang="pt-BR" smtClean="0"/>
-              <a:t>20/09/2019</a:t>
+              <a:t>23/09/2019</a:t>
             </a:fld>
             <a:endParaRPr lang="pt-BR"/>
           </a:p>
@@ -2351,7 +2353,7 @@
           <a:p>
             <a:fld id="{CC58B075-67F8-4A8D-AE1C-3D3E4193EBCA}" type="datetimeFigureOut">
               <a:rPr lang="pt-BR" smtClean="0"/>
-              <a:t>20/09/2019</a:t>
+              <a:t>23/09/2019</a:t>
             </a:fld>
             <a:endParaRPr lang="pt-BR"/>
           </a:p>
@@ -2562,7 +2564,7 @@
           <a:p>
             <a:fld id="{CC58B075-67F8-4A8D-AE1C-3D3E4193EBCA}" type="datetimeFigureOut">
               <a:rPr lang="pt-BR" smtClean="0"/>
-              <a:t>20/09/2019</a:t>
+              <a:t>23/09/2019</a:t>
             </a:fld>
             <a:endParaRPr lang="pt-BR"/>
           </a:p>
@@ -5030,11 +5032,7 @@
             </a:r>
             <a:r>
               <a:rPr lang="pt-BR" sz="2000" dirty="0" smtClean="0"/>
-              <a:t>: </a:t>
-            </a:r>
-            <a:r>
-              <a:rPr lang="pt-BR" sz="2000" dirty="0" smtClean="0"/>
-              <a:t>Se vocês está utilizando o </a:t>
+              <a:t>: Se vocês está utilizando o </a:t>
             </a:r>
             <a:r>
               <a:rPr lang="pt-BR" sz="2000" dirty="0" err="1" smtClean="0"/>
@@ -5058,11 +5056,7 @@
             </a:r>
             <a:r>
               <a:rPr lang="pt-BR" sz="2000" dirty="0" smtClean="0"/>
-              <a:t>, ele está rodando em cima de uma Máquina Virtual. Portanto, não será o IP da máquina </a:t>
-            </a:r>
-            <a:r>
-              <a:rPr lang="pt-BR" sz="2000" dirty="0" smtClean="0"/>
-              <a:t>local (</a:t>
+              <a:t>, ele está rodando em cima de uma Máquina Virtual. Portanto, não será o IP da máquina local (</a:t>
             </a:r>
             <a:r>
               <a:rPr lang="pt-BR" sz="2000" dirty="0" err="1" smtClean="0"/>
@@ -5070,11 +5064,7 @@
             </a:r>
             <a:r>
               <a:rPr lang="pt-BR" sz="2000" dirty="0" smtClean="0"/>
-              <a:t>) </a:t>
-            </a:r>
-            <a:r>
-              <a:rPr lang="pt-BR" sz="2000" dirty="0" smtClean="0"/>
-              <a:t>e sim da VM. Para isso, rode o comando: </a:t>
+              <a:t>) e sim da VM. Para isso, rode o comando: </a:t>
             </a:r>
           </a:p>
           <a:p>
@@ -5407,11 +5397,7 @@
             </a:r>
             <a:r>
               <a:rPr lang="pt-BR" sz="1400" b="1" dirty="0" smtClean="0"/>
-              <a:t> </a:t>
-            </a:r>
-            <a:r>
-              <a:rPr lang="pt-BR" sz="1400" b="1" dirty="0" smtClean="0"/>
-              <a:t>stop meu-site</a:t>
+              <a:t> stop meu-site</a:t>
             </a:r>
           </a:p>
           <a:p>
@@ -5513,19 +5499,11 @@
             </a:r>
             <a:r>
               <a:rPr lang="pt-BR" sz="1800" dirty="0" smtClean="0"/>
-              <a:t>–p </a:t>
-            </a:r>
-            <a:r>
-              <a:rPr lang="pt-BR" sz="1800" dirty="0" smtClean="0"/>
-              <a:t>12345:80 </a:t>
+              <a:t>–p 12345:80 </a:t>
             </a:r>
             <a:r>
               <a:rPr lang="pt-BR" sz="1800" b="1" dirty="0" smtClean="0"/>
-              <a:t>-</a:t>
-            </a:r>
-            <a:r>
-              <a:rPr lang="pt-BR" sz="1800" b="1" dirty="0" smtClean="0"/>
-              <a:t>e AUTHOR=“Luciano Cordeiro” </a:t>
+              <a:t>-e AUTHOR=“Luciano Cordeiro” </a:t>
             </a:r>
             <a:r>
               <a:rPr lang="pt-BR" sz="1800" dirty="0" smtClean="0"/>
@@ -5568,11 +5546,7 @@
             <a:pPr algn="just"/>
             <a:r>
               <a:rPr lang="pt-BR" sz="2000" b="1" i="1" dirty="0" smtClean="0"/>
-              <a:t>Parando </a:t>
-            </a:r>
-            <a:r>
-              <a:rPr lang="pt-BR" sz="2000" b="1" i="1" dirty="0" smtClean="0"/>
-              <a:t>todos os containers de uma vez</a:t>
+              <a:t>Parando todos os containers de uma vez</a:t>
             </a:r>
             <a:endParaRPr lang="pt-BR" sz="2000" b="1" i="1" dirty="0"/>
           </a:p>
@@ -6267,9 +6241,33 @@
           </a:p>
         </p:txBody>
       </p:sp>
-      <p:sp>
-        <p:nvSpPr>
-          <p:cNvPr id="4" name="Espaço Reservado para Conteúdo 2"/>
+      <p:pic>
+        <p:nvPicPr>
+          <p:cNvPr id="3" name="Imagem 2"/>
+          <p:cNvPicPr>
+            <a:picLocks noChangeAspect="1"/>
+          </p:cNvPicPr>
+          <p:nvPr/>
+        </p:nvPicPr>
+        <p:blipFill>
+          <a:blip r:embed="rId2"/>
+          <a:stretch>
+            <a:fillRect/>
+          </a:stretch>
+        </p:blipFill>
+        <p:spPr>
+          <a:xfrm>
+            <a:off x="3039415" y="584200"/>
+            <a:ext cx="6166832" cy="4207420"/>
+          </a:xfrm>
+          <a:prstGeom prst="rect">
+            <a:avLst/>
+          </a:prstGeom>
+        </p:spPr>
+      </p:pic>
+      <p:sp>
+        <p:nvSpPr>
+          <p:cNvPr id="5" name="Espaço Reservado para Conteúdo 4"/>
           <p:cNvSpPr>
             <a:spLocks noGrp="1"/>
           </p:cNvSpPr>
@@ -6279,138 +6277,25 @@
         </p:nvSpPr>
         <p:spPr>
           <a:xfrm>
-            <a:off x="286752" y="751474"/>
-            <a:ext cx="11618495" cy="2344016"/>
+            <a:off x="1044262" y="5164428"/>
+            <a:ext cx="9980054" cy="1017432"/>
           </a:xfrm>
         </p:spPr>
         <p:txBody>
           <a:bodyPr>
-            <a:normAutofit fontScale="92500" lnSpcReduction="20000"/>
+            <a:normAutofit/>
           </a:bodyPr>
           <a:lstStyle/>
           <a:p>
-            <a:pPr algn="just"/>
             <a:r>
               <a:rPr lang="pt-BR" sz="2000" dirty="0" smtClean="0"/>
-              <a:t>Qual porta acessar? Para isso podemos usar a </a:t>
-            </a:r>
-            <a:r>
-              <a:rPr lang="pt-BR" sz="2000" dirty="0" err="1" smtClean="0"/>
-              <a:t>flag</a:t>
-            </a:r>
-            <a:r>
-              <a:rPr lang="pt-BR" sz="2000" dirty="0" smtClean="0"/>
-              <a:t> </a:t>
+              <a:t>Se você escrever algo nesse container e este for removido, todo o conteúdo será perdido. Por isso é interessante que você utilize o conceito de </a:t>
             </a:r>
             <a:r>
               <a:rPr lang="pt-BR" sz="2000" b="1" dirty="0" smtClean="0"/>
-              <a:t>–P </a:t>
-            </a:r>
-            <a:r>
-              <a:rPr lang="pt-BR" sz="2000" dirty="0" smtClean="0"/>
-              <a:t>que atribuirá portas aleatórias que farão com que o mundo externo(nossa máquina) se comunique com o container</a:t>
-            </a:r>
-          </a:p>
-          <a:p>
-            <a:pPr algn="just"/>
-            <a:endParaRPr lang="pt-BR" sz="2000" dirty="0" smtClean="0"/>
-          </a:p>
-          <a:p>
-            <a:pPr lvl="1" algn="just"/>
-            <a:r>
-              <a:rPr lang="pt-BR" sz="1800" dirty="0" err="1" smtClean="0"/>
-              <a:t>docker</a:t>
-            </a:r>
-            <a:r>
-              <a:rPr lang="pt-BR" sz="1800" dirty="0" smtClean="0"/>
-              <a:t> </a:t>
-            </a:r>
-            <a:r>
-              <a:rPr lang="pt-BR" sz="1800" dirty="0" err="1" smtClean="0"/>
-              <a:t>run</a:t>
-            </a:r>
-            <a:r>
-              <a:rPr lang="pt-BR" sz="1800" dirty="0" smtClean="0"/>
-              <a:t> </a:t>
-            </a:r>
-            <a:r>
-              <a:rPr lang="pt-BR" sz="1800" b="1" dirty="0" smtClean="0"/>
-              <a:t>–d –P </a:t>
-            </a:r>
-            <a:r>
-              <a:rPr lang="pt-BR" sz="1800" dirty="0" smtClean="0"/>
-              <a:t> </a:t>
-            </a:r>
-            <a:r>
-              <a:rPr lang="pt-BR" sz="1800" dirty="0" err="1" smtClean="0"/>
-              <a:t>dockersamples</a:t>
-            </a:r>
-            <a:r>
-              <a:rPr lang="pt-BR" sz="1800" dirty="0" smtClean="0"/>
-              <a:t>/</a:t>
-            </a:r>
-            <a:r>
-              <a:rPr lang="pt-BR" sz="1800" dirty="0" err="1" smtClean="0"/>
-              <a:t>static</a:t>
-            </a:r>
-            <a:r>
-              <a:rPr lang="pt-BR" sz="1800" dirty="0" smtClean="0"/>
-              <a:t>-site</a:t>
-            </a:r>
-          </a:p>
-          <a:p>
-            <a:pPr lvl="1" algn="just"/>
-            <a:endParaRPr lang="pt-BR" sz="1800" dirty="0"/>
-          </a:p>
-          <a:p>
-            <a:pPr algn="just"/>
-            <a:r>
-              <a:rPr lang="pt-BR" sz="2000" dirty="0" smtClean="0"/>
-              <a:t>Podemos visualizar também as portas através do comando: </a:t>
-            </a:r>
-            <a:r>
-              <a:rPr lang="pt-BR" sz="2000" b="1" dirty="0" err="1" smtClean="0"/>
-              <a:t>docker</a:t>
-            </a:r>
-            <a:r>
-              <a:rPr lang="pt-BR" sz="2000" b="1" dirty="0" smtClean="0"/>
-              <a:t> </a:t>
-            </a:r>
-            <a:r>
-              <a:rPr lang="pt-BR" sz="2000" b="1" dirty="0" err="1" smtClean="0"/>
-              <a:t>port</a:t>
-            </a:r>
-            <a:r>
-              <a:rPr lang="pt-BR" sz="2000" b="1" dirty="0" smtClean="0"/>
-              <a:t> container</a:t>
-            </a:r>
-          </a:p>
-          <a:p>
-            <a:pPr algn="just"/>
-            <a:endParaRPr lang="pt-BR" sz="2000" dirty="0" smtClean="0"/>
-          </a:p>
-          <a:p>
-            <a:pPr lvl="1" algn="just"/>
-            <a:r>
-              <a:rPr lang="pt-BR" sz="1800" dirty="0" err="1" smtClean="0"/>
-              <a:t>docker</a:t>
-            </a:r>
-            <a:r>
-              <a:rPr lang="pt-BR" sz="1800" dirty="0" smtClean="0"/>
-              <a:t> </a:t>
-            </a:r>
-            <a:r>
-              <a:rPr lang="pt-BR" sz="1800" b="1" dirty="0" err="1" smtClean="0"/>
-              <a:t>port</a:t>
-            </a:r>
-            <a:r>
-              <a:rPr lang="pt-BR" sz="1800" dirty="0"/>
-              <a:t> </a:t>
-            </a:r>
-            <a:r>
-              <a:rPr lang="pt-BR" sz="1800" u="sng" dirty="0"/>
-              <a:t>989e4d7d3638</a:t>
-            </a:r>
+              <a:t>Volumes</a:t>
+            </a:r>
+            <a:endParaRPr lang="pt-BR" sz="2000" b="1" dirty="0"/>
           </a:p>
         </p:txBody>
       </p:sp>
@@ -6461,18 +6346,30 @@
             <p:ph type="title"/>
           </p:nvPr>
         </p:nvSpPr>
-        <p:spPr/>
-        <p:txBody>
-          <a:bodyPr/>
+        <p:spPr>
+          <a:xfrm>
+            <a:off x="838200" y="123288"/>
+            <a:ext cx="10515600" cy="422275"/>
+          </a:xfrm>
+        </p:spPr>
+        <p:txBody>
+          <a:bodyPr vert="horz" lIns="91440" tIns="45720" rIns="91440" bIns="45720" rtlCol="0" anchor="ctr">
+            <a:normAutofit fontScale="90000"/>
+          </a:bodyPr>
           <a:lstStyle/>
           <a:p>
-            <a:endParaRPr lang="pt-BR"/>
-          </a:p>
-        </p:txBody>
-      </p:sp>
-      <p:sp>
-        <p:nvSpPr>
-          <p:cNvPr id="3" name="Espaço Reservado para Conteúdo 2"/>
+            <a:pPr algn="ctr"/>
+            <a:r>
+              <a:rPr lang="pt-BR" sz="2800" b="1" dirty="0" smtClean="0"/>
+              <a:t>Volumes</a:t>
+            </a:r>
+            <a:endParaRPr lang="pt-BR" sz="2800" b="1" dirty="0"/>
+          </a:p>
+        </p:txBody>
+      </p:sp>
+      <p:sp>
+        <p:nvSpPr>
+          <p:cNvPr id="5" name="Espaço Reservado para Conteúdo 4"/>
           <p:cNvSpPr>
             <a:spLocks noGrp="1"/>
           </p:cNvSpPr>
@@ -6480,25 +6377,673 @@
             <p:ph idx="1"/>
           </p:nvPr>
         </p:nvSpPr>
-        <p:spPr/>
-        <p:txBody>
-          <a:bodyPr/>
+        <p:spPr>
+          <a:xfrm>
+            <a:off x="619259" y="626948"/>
+            <a:ext cx="9980054" cy="1017432"/>
+          </a:xfrm>
+        </p:spPr>
+        <p:txBody>
+          <a:bodyPr>
+            <a:normAutofit/>
+          </a:bodyPr>
           <a:lstStyle/>
           <a:p>
-            <a:endParaRPr lang="pt-BR"/>
+            <a:r>
+              <a:rPr lang="pt-BR" sz="2000" dirty="0" smtClean="0"/>
+              <a:t>A solução de Volumes faz com que ao se criar um conteúdo numa pasta, por exemplo, “/var/</a:t>
+            </a:r>
+            <a:r>
+              <a:rPr lang="pt-BR" sz="2000" dirty="0" err="1" smtClean="0"/>
+              <a:t>www</a:t>
+            </a:r>
+            <a:r>
+              <a:rPr lang="pt-BR" sz="2000" dirty="0" smtClean="0"/>
+              <a:t>” esse conteúdo vá para o </a:t>
+            </a:r>
+            <a:r>
+              <a:rPr lang="pt-BR" sz="2000" b="1" dirty="0" err="1" smtClean="0"/>
+              <a:t>Docker</a:t>
+            </a:r>
+            <a:r>
+              <a:rPr lang="pt-BR" sz="2000" b="1" dirty="0" smtClean="0"/>
+              <a:t> Host, </a:t>
+            </a:r>
+            <a:r>
+              <a:rPr lang="pt-BR" sz="2000" dirty="0" smtClean="0"/>
+              <a:t>fazendo com que este conteúdo não se perca se o container for apagado.</a:t>
+            </a:r>
+            <a:endParaRPr lang="pt-BR" sz="2000" b="1" dirty="0"/>
+          </a:p>
+        </p:txBody>
+      </p:sp>
+      <p:pic>
+        <p:nvPicPr>
+          <p:cNvPr id="4" name="Imagem 3"/>
+          <p:cNvPicPr>
+            <a:picLocks noChangeAspect="1"/>
+          </p:cNvPicPr>
+          <p:nvPr/>
+        </p:nvPicPr>
+        <p:blipFill>
+          <a:blip r:embed="rId2"/>
+          <a:stretch>
+            <a:fillRect/>
+          </a:stretch>
+        </p:blipFill>
+        <p:spPr>
+          <a:xfrm>
+            <a:off x="2944030" y="1495200"/>
+            <a:ext cx="5124450" cy="1676400"/>
+          </a:xfrm>
+          <a:prstGeom prst="rect">
+            <a:avLst/>
+          </a:prstGeom>
+        </p:spPr>
+      </p:pic>
+      <p:sp>
+        <p:nvSpPr>
+          <p:cNvPr id="6" name="Espaço Reservado para Conteúdo 4"/>
+          <p:cNvSpPr txBox="1">
+            <a:spLocks/>
+          </p:cNvSpPr>
+          <p:nvPr/>
+        </p:nvSpPr>
+        <p:spPr>
+          <a:xfrm>
+            <a:off x="704045" y="3171600"/>
+            <a:ext cx="10649755" cy="1378040"/>
+          </a:xfrm>
+          <a:prstGeom prst="rect">
+            <a:avLst/>
+          </a:prstGeom>
+        </p:spPr>
+        <p:txBody>
+          <a:bodyPr vert="horz" lIns="91440" tIns="45720" rIns="91440" bIns="45720" rtlCol="0">
+            <a:normAutofit/>
+          </a:bodyPr>
+          <a:lstStyle>
+            <a:lvl1pPr marL="228600" indent="-228600" algn="l" defTabSz="914400" rtl="0" eaLnBrk="1" latinLnBrk="0" hangingPunct="1">
+              <a:lnSpc>
+                <a:spcPct val="90000"/>
+              </a:lnSpc>
+              <a:spcBef>
+                <a:spcPts val="1000"/>
+              </a:spcBef>
+              <a:buFont typeface="Arial" panose="020B0604020202020204" pitchFamily="34" charset="0"/>
+              <a:buChar char="•"/>
+              <a:defRPr sz="2800" kern="1200">
+                <a:solidFill>
+                  <a:schemeClr val="tx1"/>
+                </a:solidFill>
+                <a:latin typeface="+mn-lt"/>
+                <a:ea typeface="+mn-ea"/>
+                <a:cs typeface="+mn-cs"/>
+              </a:defRPr>
+            </a:lvl1pPr>
+            <a:lvl2pPr marL="685800" indent="-228600" algn="l" defTabSz="914400" rtl="0" eaLnBrk="1" latinLnBrk="0" hangingPunct="1">
+              <a:lnSpc>
+                <a:spcPct val="90000"/>
+              </a:lnSpc>
+              <a:spcBef>
+                <a:spcPts val="500"/>
+              </a:spcBef>
+              <a:buFont typeface="Arial" panose="020B0604020202020204" pitchFamily="34" charset="0"/>
+              <a:buChar char="•"/>
+              <a:defRPr sz="2400" kern="1200">
+                <a:solidFill>
+                  <a:schemeClr val="tx1"/>
+                </a:solidFill>
+                <a:latin typeface="+mn-lt"/>
+                <a:ea typeface="+mn-ea"/>
+                <a:cs typeface="+mn-cs"/>
+              </a:defRPr>
+            </a:lvl2pPr>
+            <a:lvl3pPr marL="1143000" indent="-228600" algn="l" defTabSz="914400" rtl="0" eaLnBrk="1" latinLnBrk="0" hangingPunct="1">
+              <a:lnSpc>
+                <a:spcPct val="90000"/>
+              </a:lnSpc>
+              <a:spcBef>
+                <a:spcPts val="500"/>
+              </a:spcBef>
+              <a:buFont typeface="Arial" panose="020B0604020202020204" pitchFamily="34" charset="0"/>
+              <a:buChar char="•"/>
+              <a:defRPr sz="2000" kern="1200">
+                <a:solidFill>
+                  <a:schemeClr val="tx1"/>
+                </a:solidFill>
+                <a:latin typeface="+mn-lt"/>
+                <a:ea typeface="+mn-ea"/>
+                <a:cs typeface="+mn-cs"/>
+              </a:defRPr>
+            </a:lvl3pPr>
+            <a:lvl4pPr marL="1600200" indent="-228600" algn="l" defTabSz="914400" rtl="0" eaLnBrk="1" latinLnBrk="0" hangingPunct="1">
+              <a:lnSpc>
+                <a:spcPct val="90000"/>
+              </a:lnSpc>
+              <a:spcBef>
+                <a:spcPts val="500"/>
+              </a:spcBef>
+              <a:buFont typeface="Arial" panose="020B0604020202020204" pitchFamily="34" charset="0"/>
+              <a:buChar char="•"/>
+              <a:defRPr sz="1800" kern="1200">
+                <a:solidFill>
+                  <a:schemeClr val="tx1"/>
+                </a:solidFill>
+                <a:latin typeface="+mn-lt"/>
+                <a:ea typeface="+mn-ea"/>
+                <a:cs typeface="+mn-cs"/>
+              </a:defRPr>
+            </a:lvl4pPr>
+            <a:lvl5pPr marL="2057400" indent="-228600" algn="l" defTabSz="914400" rtl="0" eaLnBrk="1" latinLnBrk="0" hangingPunct="1">
+              <a:lnSpc>
+                <a:spcPct val="90000"/>
+              </a:lnSpc>
+              <a:spcBef>
+                <a:spcPts val="500"/>
+              </a:spcBef>
+              <a:buFont typeface="Arial" panose="020B0604020202020204" pitchFamily="34" charset="0"/>
+              <a:buChar char="•"/>
+              <a:defRPr sz="1800" kern="1200">
+                <a:solidFill>
+                  <a:schemeClr val="tx1"/>
+                </a:solidFill>
+                <a:latin typeface="+mn-lt"/>
+                <a:ea typeface="+mn-ea"/>
+                <a:cs typeface="+mn-cs"/>
+              </a:defRPr>
+            </a:lvl5pPr>
+            <a:lvl6pPr marL="2514600" indent="-228600" algn="l" defTabSz="914400" rtl="0" eaLnBrk="1" latinLnBrk="0" hangingPunct="1">
+              <a:lnSpc>
+                <a:spcPct val="90000"/>
+              </a:lnSpc>
+              <a:spcBef>
+                <a:spcPts val="500"/>
+              </a:spcBef>
+              <a:buFont typeface="Arial" panose="020B0604020202020204" pitchFamily="34" charset="0"/>
+              <a:buChar char="•"/>
+              <a:defRPr sz="1800" kern="1200">
+                <a:solidFill>
+                  <a:schemeClr val="tx1"/>
+                </a:solidFill>
+                <a:latin typeface="+mn-lt"/>
+                <a:ea typeface="+mn-ea"/>
+                <a:cs typeface="+mn-cs"/>
+              </a:defRPr>
+            </a:lvl6pPr>
+            <a:lvl7pPr marL="2971800" indent="-228600" algn="l" defTabSz="914400" rtl="0" eaLnBrk="1" latinLnBrk="0" hangingPunct="1">
+              <a:lnSpc>
+                <a:spcPct val="90000"/>
+              </a:lnSpc>
+              <a:spcBef>
+                <a:spcPts val="500"/>
+              </a:spcBef>
+              <a:buFont typeface="Arial" panose="020B0604020202020204" pitchFamily="34" charset="0"/>
+              <a:buChar char="•"/>
+              <a:defRPr sz="1800" kern="1200">
+                <a:solidFill>
+                  <a:schemeClr val="tx1"/>
+                </a:solidFill>
+                <a:latin typeface="+mn-lt"/>
+                <a:ea typeface="+mn-ea"/>
+                <a:cs typeface="+mn-cs"/>
+              </a:defRPr>
+            </a:lvl7pPr>
+            <a:lvl8pPr marL="3429000" indent="-228600" algn="l" defTabSz="914400" rtl="0" eaLnBrk="1" latinLnBrk="0" hangingPunct="1">
+              <a:lnSpc>
+                <a:spcPct val="90000"/>
+              </a:lnSpc>
+              <a:spcBef>
+                <a:spcPts val="500"/>
+              </a:spcBef>
+              <a:buFont typeface="Arial" panose="020B0604020202020204" pitchFamily="34" charset="0"/>
+              <a:buChar char="•"/>
+              <a:defRPr sz="1800" kern="1200">
+                <a:solidFill>
+                  <a:schemeClr val="tx1"/>
+                </a:solidFill>
+                <a:latin typeface="+mn-lt"/>
+                <a:ea typeface="+mn-ea"/>
+                <a:cs typeface="+mn-cs"/>
+              </a:defRPr>
+            </a:lvl8pPr>
+            <a:lvl9pPr marL="3886200" indent="-228600" algn="l" defTabSz="914400" rtl="0" eaLnBrk="1" latinLnBrk="0" hangingPunct="1">
+              <a:lnSpc>
+                <a:spcPct val="90000"/>
+              </a:lnSpc>
+              <a:spcBef>
+                <a:spcPts val="500"/>
+              </a:spcBef>
+              <a:buFont typeface="Arial" panose="020B0604020202020204" pitchFamily="34" charset="0"/>
+              <a:buChar char="•"/>
+              <a:defRPr sz="1800" kern="1200">
+                <a:solidFill>
+                  <a:schemeClr val="tx1"/>
+                </a:solidFill>
+                <a:latin typeface="+mn-lt"/>
+                <a:ea typeface="+mn-ea"/>
+                <a:cs typeface="+mn-cs"/>
+              </a:defRPr>
+            </a:lvl9pPr>
+          </a:lstStyle>
+          <a:p>
+            <a:r>
+              <a:rPr lang="pt-BR" sz="2000" b="1" dirty="0" err="1"/>
+              <a:t>docker</a:t>
+            </a:r>
+            <a:r>
+              <a:rPr lang="pt-BR" sz="2000" b="1" dirty="0"/>
+              <a:t> </a:t>
+            </a:r>
+            <a:r>
+              <a:rPr lang="pt-BR" sz="2000" b="1" dirty="0" err="1"/>
+              <a:t>run</a:t>
+            </a:r>
+            <a:r>
+              <a:rPr lang="pt-BR" sz="2000" b="1" dirty="0"/>
+              <a:t> -v "/var/</a:t>
+            </a:r>
+            <a:r>
+              <a:rPr lang="pt-BR" sz="2000" b="1" dirty="0" err="1"/>
+              <a:t>www</a:t>
+            </a:r>
+            <a:r>
+              <a:rPr lang="pt-BR" sz="2000" b="1" dirty="0"/>
+              <a:t>" </a:t>
+            </a:r>
+            <a:r>
+              <a:rPr lang="pt-BR" sz="2000" b="1" dirty="0" err="1" smtClean="0"/>
+              <a:t>ubuntu</a:t>
+            </a:r>
+            <a:r>
+              <a:rPr lang="pt-BR" sz="2000" b="1" dirty="0" smtClean="0"/>
+              <a:t> </a:t>
+            </a:r>
+          </a:p>
+          <a:p>
+            <a:pPr lvl="1"/>
+            <a:r>
+              <a:rPr lang="pt-BR" sz="1600" dirty="0" smtClean="0"/>
+              <a:t>Dessa forma </a:t>
+            </a:r>
+            <a:r>
+              <a:rPr lang="pt-BR" sz="1600" dirty="0" err="1" smtClean="0"/>
+              <a:t>vc</a:t>
+            </a:r>
+            <a:r>
+              <a:rPr lang="pt-BR" sz="1600" dirty="0" smtClean="0"/>
+              <a:t> precisa rodar um </a:t>
+            </a:r>
+            <a:r>
+              <a:rPr lang="pt-BR" sz="1600" b="1" dirty="0" err="1" smtClean="0"/>
+              <a:t>docker</a:t>
+            </a:r>
+            <a:r>
+              <a:rPr lang="pt-BR" sz="1600" b="1" dirty="0" smtClean="0"/>
+              <a:t> </a:t>
+            </a:r>
+            <a:r>
+              <a:rPr lang="pt-BR" sz="1600" b="1" dirty="0" err="1" smtClean="0"/>
+              <a:t>inspect</a:t>
+            </a:r>
+            <a:r>
+              <a:rPr lang="pt-BR" sz="1600" b="1" dirty="0" smtClean="0"/>
+              <a:t> &lt;código container&gt; </a:t>
+            </a:r>
+            <a:r>
+              <a:rPr lang="pt-BR" sz="1600" dirty="0" smtClean="0"/>
+              <a:t>para verificar o “</a:t>
+            </a:r>
+            <a:r>
+              <a:rPr lang="pt-BR" sz="1600" dirty="0" err="1" smtClean="0"/>
+              <a:t>Mounts</a:t>
+            </a:r>
+            <a:r>
+              <a:rPr lang="pt-BR" sz="1600" dirty="0" smtClean="0"/>
+              <a:t>”</a:t>
+            </a:r>
+            <a:endParaRPr lang="pt-BR" sz="1600" b="1" dirty="0"/>
+          </a:p>
+        </p:txBody>
+      </p:sp>
+      <p:sp>
+        <p:nvSpPr>
+          <p:cNvPr id="7" name="Retângulo 6"/>
+          <p:cNvSpPr/>
+          <p:nvPr/>
+        </p:nvSpPr>
+        <p:spPr>
+          <a:xfrm>
+            <a:off x="1390918" y="3967106"/>
+            <a:ext cx="10775324" cy="2800767"/>
+          </a:xfrm>
+          <a:prstGeom prst="rect">
+            <a:avLst/>
+          </a:prstGeom>
+        </p:spPr>
+        <p:txBody>
+          <a:bodyPr wrap="square">
+            <a:spAutoFit/>
+          </a:bodyPr>
+          <a:lstStyle/>
+          <a:p>
+            <a:r>
+              <a:rPr lang="pt-BR" sz="1600" dirty="0">
+                <a:solidFill>
+                  <a:schemeClr val="accent5"/>
+                </a:solidFill>
+              </a:rPr>
+              <a:t>"</a:t>
+            </a:r>
+            <a:r>
+              <a:rPr lang="pt-BR" sz="1600" dirty="0" err="1">
+                <a:solidFill>
+                  <a:schemeClr val="accent5"/>
+                </a:solidFill>
+              </a:rPr>
+              <a:t>Mounts</a:t>
+            </a:r>
+            <a:r>
+              <a:rPr lang="pt-BR" sz="1600" dirty="0">
+                <a:solidFill>
+                  <a:schemeClr val="accent5"/>
+                </a:solidFill>
+              </a:rPr>
+              <a:t>": </a:t>
+            </a:r>
+            <a:r>
+              <a:rPr lang="pt-BR" sz="1600" dirty="0" smtClean="0">
+                <a:solidFill>
+                  <a:schemeClr val="accent5"/>
+                </a:solidFill>
+              </a:rPr>
+              <a:t>[{</a:t>
+            </a:r>
+            <a:endParaRPr lang="pt-BR" sz="1600" dirty="0">
+              <a:solidFill>
+                <a:schemeClr val="accent5"/>
+              </a:solidFill>
+            </a:endParaRPr>
+          </a:p>
+          <a:p>
+            <a:r>
+              <a:rPr lang="pt-BR" sz="1600" dirty="0">
+                <a:solidFill>
+                  <a:schemeClr val="accent5"/>
+                </a:solidFill>
+              </a:rPr>
+              <a:t>        "</a:t>
+            </a:r>
+            <a:r>
+              <a:rPr lang="pt-BR" sz="1600" dirty="0" err="1">
+                <a:solidFill>
+                  <a:schemeClr val="accent5"/>
+                </a:solidFill>
+              </a:rPr>
+              <a:t>Type</a:t>
+            </a:r>
+            <a:r>
+              <a:rPr lang="pt-BR" sz="1600" dirty="0">
+                <a:solidFill>
+                  <a:schemeClr val="accent5"/>
+                </a:solidFill>
+              </a:rPr>
+              <a:t>": "volume",</a:t>
+            </a:r>
+          </a:p>
+          <a:p>
+            <a:r>
+              <a:rPr lang="pt-BR" sz="1600" dirty="0">
+                <a:solidFill>
+                  <a:schemeClr val="accent5"/>
+                </a:solidFill>
+              </a:rPr>
+              <a:t>        "</a:t>
+            </a:r>
+            <a:r>
+              <a:rPr lang="pt-BR" sz="1600" dirty="0" err="1">
+                <a:solidFill>
+                  <a:schemeClr val="accent5"/>
+                </a:solidFill>
+              </a:rPr>
+              <a:t>Name</a:t>
+            </a:r>
+            <a:r>
+              <a:rPr lang="pt-BR" sz="1600" dirty="0">
+                <a:solidFill>
+                  <a:schemeClr val="accent5"/>
+                </a:solidFill>
+              </a:rPr>
+              <a:t>": "5e1cbfd48d07284680552e56087c9d5196659600ccd6874bfa3831b51ddd0576",</a:t>
+            </a:r>
+          </a:p>
+          <a:p>
+            <a:r>
+              <a:rPr lang="pt-BR" sz="1600" dirty="0">
+                <a:solidFill>
+                  <a:schemeClr val="accent5"/>
+                </a:solidFill>
+              </a:rPr>
+              <a:t>        "</a:t>
+            </a:r>
+            <a:r>
+              <a:rPr lang="pt-BR" sz="1600" dirty="0" err="1">
+                <a:solidFill>
+                  <a:schemeClr val="accent5"/>
+                </a:solidFill>
+              </a:rPr>
+              <a:t>Source</a:t>
+            </a:r>
+            <a:r>
+              <a:rPr lang="pt-BR" sz="1600" dirty="0">
+                <a:solidFill>
+                  <a:schemeClr val="accent5"/>
+                </a:solidFill>
+              </a:rPr>
+              <a:t>": "/var/</a:t>
+            </a:r>
+            <a:r>
+              <a:rPr lang="pt-BR" sz="1600" dirty="0" err="1">
+                <a:solidFill>
+                  <a:schemeClr val="accent5"/>
+                </a:solidFill>
+              </a:rPr>
+              <a:t>lib</a:t>
+            </a:r>
+            <a:r>
+              <a:rPr lang="pt-BR" sz="1600" dirty="0">
+                <a:solidFill>
+                  <a:schemeClr val="accent5"/>
+                </a:solidFill>
+              </a:rPr>
+              <a:t>/</a:t>
+            </a:r>
+            <a:r>
+              <a:rPr lang="pt-BR" sz="1600" dirty="0" err="1">
+                <a:solidFill>
+                  <a:schemeClr val="accent5"/>
+                </a:solidFill>
+              </a:rPr>
+              <a:t>docker</a:t>
+            </a:r>
+            <a:r>
+              <a:rPr lang="pt-BR" sz="1600" dirty="0">
+                <a:solidFill>
+                  <a:schemeClr val="accent5"/>
+                </a:solidFill>
+              </a:rPr>
+              <a:t>/volumes/5e1cbfd48d07284680552e56087c9d5196659600ccd6874bfa3831b51ddd0576/_data",</a:t>
+            </a:r>
+          </a:p>
+          <a:p>
+            <a:r>
+              <a:rPr lang="pt-BR" sz="1600" dirty="0">
+                <a:solidFill>
+                  <a:schemeClr val="accent5"/>
+                </a:solidFill>
+              </a:rPr>
+              <a:t>        "</a:t>
+            </a:r>
+            <a:r>
+              <a:rPr lang="pt-BR" sz="1600" dirty="0" err="1">
+                <a:solidFill>
+                  <a:schemeClr val="accent5"/>
+                </a:solidFill>
+              </a:rPr>
+              <a:t>Destination</a:t>
+            </a:r>
+            <a:r>
+              <a:rPr lang="pt-BR" sz="1600" dirty="0">
+                <a:solidFill>
+                  <a:schemeClr val="accent5"/>
+                </a:solidFill>
+              </a:rPr>
+              <a:t>": "/var/</a:t>
+            </a:r>
+            <a:r>
+              <a:rPr lang="pt-BR" sz="1600" dirty="0" err="1">
+                <a:solidFill>
+                  <a:schemeClr val="accent5"/>
+                </a:solidFill>
+              </a:rPr>
+              <a:t>www</a:t>
+            </a:r>
+            <a:r>
+              <a:rPr lang="pt-BR" sz="1600" dirty="0">
+                <a:solidFill>
+                  <a:schemeClr val="accent5"/>
+                </a:solidFill>
+              </a:rPr>
+              <a:t>",</a:t>
+            </a:r>
+          </a:p>
+          <a:p>
+            <a:r>
+              <a:rPr lang="pt-BR" sz="1600" dirty="0">
+                <a:solidFill>
+                  <a:schemeClr val="accent5"/>
+                </a:solidFill>
+              </a:rPr>
+              <a:t>        "Driver": "local",</a:t>
+            </a:r>
+          </a:p>
+          <a:p>
+            <a:r>
+              <a:rPr lang="pt-BR" sz="1600" dirty="0">
+                <a:solidFill>
+                  <a:schemeClr val="accent5"/>
+                </a:solidFill>
+              </a:rPr>
+              <a:t>        "</a:t>
+            </a:r>
+            <a:r>
+              <a:rPr lang="pt-BR" sz="1600" dirty="0" err="1">
+                <a:solidFill>
+                  <a:schemeClr val="accent5"/>
+                </a:solidFill>
+              </a:rPr>
+              <a:t>Mode</a:t>
+            </a:r>
+            <a:r>
+              <a:rPr lang="pt-BR" sz="1600" dirty="0">
+                <a:solidFill>
+                  <a:schemeClr val="accent5"/>
+                </a:solidFill>
+              </a:rPr>
+              <a:t>": "",</a:t>
+            </a:r>
+          </a:p>
+          <a:p>
+            <a:r>
+              <a:rPr lang="pt-BR" sz="1600" dirty="0">
+                <a:solidFill>
+                  <a:schemeClr val="accent5"/>
+                </a:solidFill>
+              </a:rPr>
+              <a:t>        "RW": </a:t>
+            </a:r>
+            <a:r>
+              <a:rPr lang="pt-BR" sz="1600" dirty="0" err="1">
+                <a:solidFill>
+                  <a:schemeClr val="accent5"/>
+                </a:solidFill>
+              </a:rPr>
+              <a:t>true</a:t>
+            </a:r>
+            <a:r>
+              <a:rPr lang="pt-BR" sz="1600" dirty="0">
+                <a:solidFill>
+                  <a:schemeClr val="accent5"/>
+                </a:solidFill>
+              </a:rPr>
+              <a:t>,</a:t>
+            </a:r>
+          </a:p>
+          <a:p>
+            <a:r>
+              <a:rPr lang="pt-BR" sz="1600" dirty="0">
+                <a:solidFill>
+                  <a:schemeClr val="accent5"/>
+                </a:solidFill>
+              </a:rPr>
+              <a:t>        "</a:t>
+            </a:r>
+            <a:r>
+              <a:rPr lang="pt-BR" sz="1600" dirty="0" err="1">
+                <a:solidFill>
+                  <a:schemeClr val="accent5"/>
+                </a:solidFill>
+              </a:rPr>
+              <a:t>Propagation</a:t>
+            </a:r>
+            <a:r>
+              <a:rPr lang="pt-BR" sz="1600" dirty="0">
+                <a:solidFill>
+                  <a:schemeClr val="accent5"/>
+                </a:solidFill>
+              </a:rPr>
+              <a:t>": ""</a:t>
+            </a:r>
+          </a:p>
+          <a:p>
+            <a:r>
+              <a:rPr lang="pt-BR" sz="1600" dirty="0">
+                <a:solidFill>
+                  <a:schemeClr val="accent5"/>
+                </a:solidFill>
+              </a:rPr>
+              <a:t>    }</a:t>
+            </a:r>
+          </a:p>
+          <a:p>
+            <a:r>
+              <a:rPr lang="pt-BR" sz="1600" dirty="0">
+                <a:solidFill>
+                  <a:schemeClr val="accent5"/>
+                </a:solidFill>
+              </a:rPr>
+              <a:t>]</a:t>
+            </a:r>
           </a:p>
         </p:txBody>
       </p:sp>
     </p:spTree>
     <p:extLst>
       <p:ext uri="{BB962C8B-B14F-4D97-AF65-F5344CB8AC3E}">
-        <p14:creationId xmlns:p14="http://schemas.microsoft.com/office/powerpoint/2010/main" val="517489975"/>
+        <p14:creationId xmlns:p14="http://schemas.microsoft.com/office/powerpoint/2010/main" val="3985672435"/>
       </p:ext>
     </p:extLst>
   </p:cSld>
   <p:clrMapOvr>
     <a:masterClrMapping/>
   </p:clrMapOvr>
+  <p:timing>
+    <p:tnLst>
+      <p:par>
+        <p:cTn id="1" dur="indefinite" restart="never" nodeType="tmRoot"/>
+      </p:par>
+    </p:tnLst>
+  </p:timing>
 </p:sld>
 </file>
 
@@ -6529,18 +7074,30 @@
             <p:ph type="title"/>
           </p:nvPr>
         </p:nvSpPr>
-        <p:spPr/>
-        <p:txBody>
-          <a:bodyPr/>
+        <p:spPr>
+          <a:xfrm>
+            <a:off x="115910" y="123288"/>
+            <a:ext cx="11951594" cy="422275"/>
+          </a:xfrm>
+        </p:spPr>
+        <p:txBody>
+          <a:bodyPr vert="horz" lIns="91440" tIns="45720" rIns="91440" bIns="45720" rtlCol="0" anchor="ctr">
+            <a:normAutofit fontScale="90000"/>
+          </a:bodyPr>
           <a:lstStyle/>
           <a:p>
-            <a:endParaRPr lang="pt-BR"/>
-          </a:p>
-        </p:txBody>
-      </p:sp>
-      <p:sp>
-        <p:nvSpPr>
-          <p:cNvPr id="3" name="Espaço Reservado para Conteúdo 2"/>
+            <a:pPr algn="ctr"/>
+            <a:r>
+              <a:rPr lang="pt-BR" sz="2800" b="1" dirty="0" smtClean="0"/>
+              <a:t>Volumes</a:t>
+            </a:r>
+            <a:endParaRPr lang="pt-BR" sz="2800" b="1" dirty="0"/>
+          </a:p>
+        </p:txBody>
+      </p:sp>
+      <p:sp>
+        <p:nvSpPr>
+          <p:cNvPr id="5" name="Espaço Reservado para Conteúdo 4"/>
           <p:cNvSpPr>
             <a:spLocks noGrp="1"/>
           </p:cNvSpPr>
@@ -6548,25 +7105,521 @@
             <p:ph idx="1"/>
           </p:nvPr>
         </p:nvSpPr>
-        <p:spPr/>
-        <p:txBody>
-          <a:bodyPr/>
+        <p:spPr>
+          <a:xfrm>
+            <a:off x="241478" y="545562"/>
+            <a:ext cx="11259355" cy="5700691"/>
+          </a:xfrm>
+        </p:spPr>
+        <p:txBody>
+          <a:bodyPr>
+            <a:noAutofit/>
+          </a:bodyPr>
           <a:lstStyle/>
           <a:p>
-            <a:endParaRPr lang="pt-BR"/>
+            <a:r>
+              <a:rPr lang="pt-BR" sz="2000" dirty="0" smtClean="0"/>
+              <a:t>A pasta que é gerada no </a:t>
+            </a:r>
+            <a:r>
+              <a:rPr lang="pt-BR" sz="2000" dirty="0" err="1" smtClean="0"/>
+              <a:t>Docker</a:t>
+            </a:r>
+            <a:r>
+              <a:rPr lang="pt-BR" sz="2000" dirty="0" smtClean="0"/>
+              <a:t> Host pode ser configurada</a:t>
+            </a:r>
+          </a:p>
+          <a:p>
+            <a:endParaRPr lang="pt-BR" sz="2000" b="1" dirty="0"/>
+          </a:p>
+          <a:p>
+            <a:pPr lvl="1">
+              <a:buFont typeface="Wingdings" panose="05000000000000000000" pitchFamily="2" charset="2"/>
+              <a:buChar char="Ø"/>
+            </a:pPr>
+            <a:r>
+              <a:rPr lang="en-US" sz="2000" dirty="0" err="1">
+                <a:solidFill>
+                  <a:schemeClr val="accent5"/>
+                </a:solidFill>
+              </a:rPr>
+              <a:t>docker</a:t>
+            </a:r>
+            <a:r>
+              <a:rPr lang="en-US" sz="2000" dirty="0">
+                <a:solidFill>
+                  <a:schemeClr val="accent5"/>
+                </a:solidFill>
+              </a:rPr>
+              <a:t> run -it -v "C:\</a:t>
+            </a:r>
+            <a:r>
+              <a:rPr lang="en-US" sz="2000" dirty="0" smtClean="0">
+                <a:solidFill>
+                  <a:schemeClr val="accent5"/>
+                </a:solidFill>
+              </a:rPr>
+              <a:t>Users\Luciano\Desktop</a:t>
+            </a:r>
+            <a:r>
+              <a:rPr lang="en-US" sz="2000" dirty="0">
+                <a:solidFill>
+                  <a:schemeClr val="accent5"/>
+                </a:solidFill>
+              </a:rPr>
+              <a:t>:/var/www" </a:t>
+            </a:r>
+            <a:r>
+              <a:rPr lang="en-US" sz="2000" dirty="0" err="1">
+                <a:solidFill>
+                  <a:schemeClr val="accent5"/>
+                </a:solidFill>
+              </a:rPr>
+              <a:t>ubuntu</a:t>
+            </a:r>
+            <a:endParaRPr lang="en-US" sz="2000" dirty="0">
+              <a:solidFill>
+                <a:schemeClr val="accent5"/>
+              </a:solidFill>
+            </a:endParaRPr>
+          </a:p>
+          <a:p>
+            <a:pPr lvl="1">
+              <a:buFont typeface="Wingdings" panose="05000000000000000000" pitchFamily="2" charset="2"/>
+              <a:buChar char="Ø"/>
+            </a:pPr>
+            <a:r>
+              <a:rPr lang="en-US" sz="2000" dirty="0">
+                <a:solidFill>
+                  <a:schemeClr val="accent5"/>
+                </a:solidFill>
+              </a:rPr>
+              <a:t>root@abd0286c0083</a:t>
+            </a:r>
+            <a:r>
+              <a:rPr lang="en-US" sz="2000" dirty="0" smtClean="0">
+                <a:solidFill>
+                  <a:schemeClr val="accent5"/>
+                </a:solidFill>
+              </a:rPr>
+              <a:t>:/#</a:t>
+            </a:r>
+          </a:p>
+          <a:p>
+            <a:pPr lvl="1">
+              <a:buFont typeface="Wingdings" panose="05000000000000000000" pitchFamily="2" charset="2"/>
+              <a:buChar char="Ø"/>
+            </a:pPr>
+            <a:endParaRPr lang="en-US" sz="2000" dirty="0">
+              <a:solidFill>
+                <a:schemeClr val="accent5"/>
+              </a:solidFill>
+            </a:endParaRPr>
+          </a:p>
+          <a:p>
+            <a:pPr lvl="1">
+              <a:buFont typeface="Wingdings" panose="05000000000000000000" pitchFamily="2" charset="2"/>
+              <a:buChar char="Ø"/>
+            </a:pPr>
+            <a:endParaRPr lang="en-US" sz="2000" dirty="0">
+              <a:solidFill>
+                <a:schemeClr val="accent5"/>
+              </a:solidFill>
+            </a:endParaRPr>
+          </a:p>
+          <a:p>
+            <a:pPr lvl="1">
+              <a:buFont typeface="Wingdings" panose="05000000000000000000" pitchFamily="2" charset="2"/>
+              <a:buChar char="Ø"/>
+            </a:pPr>
+            <a:r>
+              <a:rPr lang="pt-BR" sz="2000" dirty="0">
+                <a:solidFill>
+                  <a:schemeClr val="accent5"/>
+                </a:solidFill>
+              </a:rPr>
+              <a:t>root@6ec39d5e9175:/# </a:t>
+            </a:r>
+            <a:r>
+              <a:rPr lang="pt-BR" sz="2000" dirty="0" err="1">
+                <a:solidFill>
+                  <a:schemeClr val="accent5"/>
+                </a:solidFill>
+              </a:rPr>
+              <a:t>cd</a:t>
+            </a:r>
+            <a:r>
+              <a:rPr lang="pt-BR" sz="2000" dirty="0">
+                <a:solidFill>
+                  <a:schemeClr val="accent5"/>
+                </a:solidFill>
+              </a:rPr>
+              <a:t> /var/</a:t>
+            </a:r>
+            <a:r>
+              <a:rPr lang="pt-BR" sz="2000" dirty="0" err="1">
+                <a:solidFill>
+                  <a:schemeClr val="accent5"/>
+                </a:solidFill>
+              </a:rPr>
+              <a:t>www</a:t>
+            </a:r>
+            <a:r>
+              <a:rPr lang="pt-BR" sz="2000" dirty="0">
+                <a:solidFill>
+                  <a:schemeClr val="accent5"/>
+                </a:solidFill>
+              </a:rPr>
+              <a:t>/</a:t>
+            </a:r>
+          </a:p>
+          <a:p>
+            <a:pPr lvl="1">
+              <a:buFont typeface="Wingdings" panose="05000000000000000000" pitchFamily="2" charset="2"/>
+              <a:buChar char="Ø"/>
+            </a:pPr>
+            <a:r>
+              <a:rPr lang="pt-BR" sz="2000" dirty="0">
+                <a:solidFill>
+                  <a:schemeClr val="accent5"/>
+                </a:solidFill>
+              </a:rPr>
+              <a:t>root@6ec39d5e9175 </a:t>
+            </a:r>
+            <a:r>
+              <a:rPr lang="pt-BR" sz="2000" dirty="0" smtClean="0">
+                <a:solidFill>
+                  <a:schemeClr val="accent5"/>
+                </a:solidFill>
+              </a:rPr>
+              <a:t>:/</a:t>
+            </a:r>
+            <a:r>
+              <a:rPr lang="pt-BR" sz="2000" dirty="0">
+                <a:solidFill>
+                  <a:schemeClr val="accent5"/>
+                </a:solidFill>
+              </a:rPr>
+              <a:t>var/</a:t>
+            </a:r>
+            <a:r>
+              <a:rPr lang="pt-BR" sz="2000" dirty="0" err="1">
+                <a:solidFill>
+                  <a:schemeClr val="accent5"/>
+                </a:solidFill>
+              </a:rPr>
+              <a:t>www</a:t>
+            </a:r>
+            <a:r>
+              <a:rPr lang="pt-BR" sz="2000" dirty="0">
+                <a:solidFill>
+                  <a:schemeClr val="accent5"/>
+                </a:solidFill>
+              </a:rPr>
+              <a:t># </a:t>
+            </a:r>
+            <a:r>
+              <a:rPr lang="pt-BR" sz="2000" dirty="0" err="1">
+                <a:solidFill>
+                  <a:schemeClr val="accent5"/>
+                </a:solidFill>
+              </a:rPr>
+              <a:t>touch</a:t>
+            </a:r>
+            <a:r>
+              <a:rPr lang="pt-BR" sz="2000" dirty="0">
+                <a:solidFill>
+                  <a:schemeClr val="accent5"/>
+                </a:solidFill>
+              </a:rPr>
+              <a:t> </a:t>
+            </a:r>
+            <a:r>
+              <a:rPr lang="pt-BR" sz="2000" dirty="0" smtClean="0">
+                <a:solidFill>
+                  <a:schemeClr val="accent5"/>
+                </a:solidFill>
+              </a:rPr>
+              <a:t>arquivo1.txt</a:t>
+            </a:r>
+            <a:endParaRPr lang="pt-BR" sz="2000" dirty="0">
+              <a:solidFill>
+                <a:schemeClr val="accent5"/>
+              </a:solidFill>
+            </a:endParaRPr>
+          </a:p>
+          <a:p>
+            <a:pPr lvl="1">
+              <a:buFont typeface="Wingdings" panose="05000000000000000000" pitchFamily="2" charset="2"/>
+              <a:buChar char="Ø"/>
+            </a:pPr>
+            <a:r>
+              <a:rPr lang="pt-BR" sz="2000" dirty="0" smtClean="0">
+                <a:solidFill>
+                  <a:schemeClr val="accent5"/>
+                </a:solidFill>
+              </a:rPr>
+              <a:t>root@6ec39d5e9175 :/</a:t>
+            </a:r>
+            <a:r>
+              <a:rPr lang="pt-BR" sz="2000" dirty="0">
+                <a:solidFill>
+                  <a:schemeClr val="accent5"/>
+                </a:solidFill>
+              </a:rPr>
+              <a:t>var/</a:t>
+            </a:r>
+            <a:r>
+              <a:rPr lang="pt-BR" sz="2000" dirty="0" err="1">
+                <a:solidFill>
+                  <a:schemeClr val="accent5"/>
+                </a:solidFill>
+              </a:rPr>
+              <a:t>www</a:t>
+            </a:r>
+            <a:r>
+              <a:rPr lang="pt-BR" sz="2000" dirty="0">
+                <a:solidFill>
+                  <a:schemeClr val="accent5"/>
+                </a:solidFill>
+              </a:rPr>
+              <a:t># </a:t>
+            </a:r>
+            <a:r>
+              <a:rPr lang="pt-BR" sz="2000" dirty="0" err="1">
+                <a:solidFill>
+                  <a:schemeClr val="accent5"/>
+                </a:solidFill>
+              </a:rPr>
+              <a:t>echo</a:t>
+            </a:r>
+            <a:r>
+              <a:rPr lang="pt-BR" sz="2000" dirty="0">
+                <a:solidFill>
+                  <a:schemeClr val="accent5"/>
+                </a:solidFill>
+              </a:rPr>
+              <a:t> "Este arquivo foi criado dentro de um volume" &gt; </a:t>
+            </a:r>
+            <a:r>
+              <a:rPr lang="pt-BR" sz="2000" dirty="0" smtClean="0">
+                <a:solidFill>
+                  <a:schemeClr val="accent5"/>
+                </a:solidFill>
+              </a:rPr>
+              <a:t>arquivo1.txt</a:t>
+            </a:r>
+          </a:p>
+          <a:p>
+            <a:pPr lvl="1">
+              <a:buFont typeface="Wingdings" panose="05000000000000000000" pitchFamily="2" charset="2"/>
+              <a:buChar char="Ø"/>
+            </a:pPr>
+            <a:endParaRPr lang="pt-BR" sz="2000" dirty="0">
+              <a:solidFill>
+                <a:schemeClr val="accent5"/>
+              </a:solidFill>
+            </a:endParaRPr>
+          </a:p>
+          <a:p>
+            <a:pPr marL="228600" lvl="1">
+              <a:spcBef>
+                <a:spcPts val="1000"/>
+              </a:spcBef>
+            </a:pPr>
+            <a:r>
+              <a:rPr lang="pt-BR" sz="2000" dirty="0" smtClean="0"/>
+              <a:t>Detalhe Importante: Se você estiver rodando no </a:t>
+            </a:r>
+            <a:r>
+              <a:rPr lang="pt-BR" sz="2000" dirty="0" err="1" smtClean="0"/>
+              <a:t>Docker</a:t>
+            </a:r>
+            <a:r>
+              <a:rPr lang="pt-BR" sz="2000" dirty="0" smtClean="0"/>
+              <a:t> Toolbox</a:t>
+            </a:r>
+          </a:p>
+          <a:p>
+            <a:pPr marL="685800" lvl="2">
+              <a:spcBef>
+                <a:spcPts val="1000"/>
+              </a:spcBef>
+            </a:pPr>
+            <a:endParaRPr lang="pt-BR" sz="1600" dirty="0" smtClean="0"/>
+          </a:p>
+          <a:p>
+            <a:pPr lvl="1">
+              <a:buFont typeface="Wingdings" panose="05000000000000000000" pitchFamily="2" charset="2"/>
+              <a:buChar char="Ø"/>
+            </a:pPr>
+            <a:r>
+              <a:rPr lang="pt-BR" sz="2000" dirty="0" smtClean="0">
+                <a:solidFill>
+                  <a:schemeClr val="accent5"/>
+                </a:solidFill>
+              </a:rPr>
+              <a:t> </a:t>
+            </a:r>
+            <a:r>
+              <a:rPr lang="pt-BR" sz="2000" dirty="0" err="1">
+                <a:solidFill>
+                  <a:schemeClr val="accent5"/>
+                </a:solidFill>
+              </a:rPr>
+              <a:t>docker</a:t>
+            </a:r>
+            <a:r>
+              <a:rPr lang="pt-BR" sz="2000" dirty="0">
+                <a:solidFill>
+                  <a:schemeClr val="accent5"/>
+                </a:solidFill>
+              </a:rPr>
+              <a:t> </a:t>
+            </a:r>
+            <a:r>
+              <a:rPr lang="pt-BR" sz="2000" dirty="0" err="1">
+                <a:solidFill>
+                  <a:schemeClr val="accent5"/>
+                </a:solidFill>
+              </a:rPr>
+              <a:t>run</a:t>
+            </a:r>
+            <a:r>
+              <a:rPr lang="pt-BR" sz="2000" dirty="0">
+                <a:solidFill>
+                  <a:schemeClr val="accent5"/>
+                </a:solidFill>
+              </a:rPr>
+              <a:t> -it -v "//</a:t>
+            </a:r>
+            <a:r>
+              <a:rPr lang="pt-BR" sz="2000" dirty="0">
+                <a:solidFill>
+                  <a:schemeClr val="accent5"/>
+                </a:solidFill>
+              </a:rPr>
+              <a:t>c/</a:t>
+            </a:r>
+            <a:r>
+              <a:rPr lang="pt-BR" sz="2000" dirty="0" err="1">
+                <a:solidFill>
+                  <a:schemeClr val="accent5"/>
+                </a:solidFill>
+              </a:rPr>
+              <a:t>Users</a:t>
+            </a:r>
+            <a:r>
+              <a:rPr lang="pt-BR" sz="2000" dirty="0">
+                <a:solidFill>
+                  <a:schemeClr val="accent5"/>
+                </a:solidFill>
+              </a:rPr>
+              <a:t>/Luciano/Desktop</a:t>
+            </a:r>
+            <a:r>
+              <a:rPr lang="pt-BR" sz="2000" dirty="0">
+                <a:solidFill>
+                  <a:schemeClr val="accent5"/>
+                </a:solidFill>
+              </a:rPr>
+              <a:t>:/var/</a:t>
+            </a:r>
+            <a:r>
+              <a:rPr lang="pt-BR" sz="2000" dirty="0" err="1">
+                <a:solidFill>
+                  <a:schemeClr val="accent5"/>
+                </a:solidFill>
+              </a:rPr>
+              <a:t>www</a:t>
+            </a:r>
+            <a:r>
+              <a:rPr lang="pt-BR" sz="2000" dirty="0">
+                <a:solidFill>
+                  <a:schemeClr val="accent5"/>
+                </a:solidFill>
+              </a:rPr>
+              <a:t>" </a:t>
+            </a:r>
+            <a:r>
+              <a:rPr lang="pt-BR" sz="2000" dirty="0" err="1" smtClean="0">
+                <a:solidFill>
+                  <a:schemeClr val="accent5"/>
+                </a:solidFill>
+              </a:rPr>
+              <a:t>ubuntu</a:t>
+            </a:r>
+            <a:endParaRPr lang="pt-BR" sz="2000" dirty="0" smtClean="0">
+              <a:solidFill>
+                <a:schemeClr val="accent5"/>
+              </a:solidFill>
+            </a:endParaRPr>
+          </a:p>
+          <a:p>
+            <a:pPr lvl="2"/>
+            <a:r>
+              <a:rPr lang="pt-BR" sz="1600" dirty="0" smtClean="0"/>
+              <a:t>(</a:t>
+            </a:r>
+            <a:r>
+              <a:rPr lang="pt-BR" sz="1600" dirty="0">
+                <a:hlinkClick r:id="rId2"/>
+              </a:rPr>
+              <a:t>https://medium.com/@</a:t>
+            </a:r>
+            <a:r>
+              <a:rPr lang="pt-BR" sz="1600" dirty="0" smtClean="0">
+                <a:hlinkClick r:id="rId2"/>
+              </a:rPr>
+              <a:t>Charles_Stover/fixing-volumes-in-docker-toolbox-4ad5ace0e572</a:t>
+            </a:r>
+            <a:r>
+              <a:rPr lang="pt-BR" sz="1600" dirty="0" smtClean="0"/>
+              <a:t> ) </a:t>
+            </a:r>
+          </a:p>
+          <a:p>
+            <a:pPr lvl="2">
+              <a:buFont typeface="Wingdings" panose="05000000000000000000" pitchFamily="2" charset="2"/>
+              <a:buChar char="Ø"/>
+            </a:pPr>
+            <a:endParaRPr lang="pt-BR" sz="1600" dirty="0">
+              <a:solidFill>
+                <a:schemeClr val="accent5"/>
+              </a:solidFill>
+            </a:endParaRPr>
+          </a:p>
+          <a:p>
+            <a:pPr>
+              <a:buFont typeface="Wingdings" panose="05000000000000000000" pitchFamily="2" charset="2"/>
+              <a:buChar char="Ø"/>
+            </a:pPr>
+            <a:endParaRPr lang="pt-BR" sz="2400" dirty="0">
+              <a:solidFill>
+                <a:schemeClr val="accent5"/>
+              </a:solidFill>
+            </a:endParaRPr>
           </a:p>
         </p:txBody>
       </p:sp>
     </p:spTree>
     <p:extLst>
       <p:ext uri="{BB962C8B-B14F-4D97-AF65-F5344CB8AC3E}">
-        <p14:creationId xmlns:p14="http://schemas.microsoft.com/office/powerpoint/2010/main" val="2333415383"/>
+        <p14:creationId xmlns:p14="http://schemas.microsoft.com/office/powerpoint/2010/main" val="2857905960"/>
       </p:ext>
     </p:extLst>
   </p:cSld>
   <p:clrMapOvr>
     <a:masterClrMapping/>
   </p:clrMapOvr>
+  <p:timing>
+    <p:tnLst>
+      <p:par>
+        <p:cTn id="1" dur="indefinite" restart="never" nodeType="tmRoot"/>
+      </p:par>
+    </p:tnLst>
+  </p:timing>
 </p:sld>
 </file>
 
@@ -6628,7 +7681,7 @@
     </p:spTree>
     <p:extLst>
       <p:ext uri="{BB962C8B-B14F-4D97-AF65-F5344CB8AC3E}">
-        <p14:creationId xmlns:p14="http://schemas.microsoft.com/office/powerpoint/2010/main" val="3094957484"/>
+        <p14:creationId xmlns:p14="http://schemas.microsoft.com/office/powerpoint/2010/main" val="517489975"/>
       </p:ext>
     </p:extLst>
   </p:cSld>
@@ -6798,6 +7851,142 @@
 </file>
 
 <file path=ppt/slides/slide20.xml><?xml version="1.0" encoding="utf-8"?>
+<p:sld xmlns:a="http://schemas.openxmlformats.org/drawingml/2006/main" xmlns:r="http://schemas.openxmlformats.org/officeDocument/2006/relationships" xmlns:p="http://schemas.openxmlformats.org/presentationml/2006/main">
+  <p:cSld>
+    <p:spTree>
+      <p:nvGrpSpPr>
+        <p:cNvPr id="1" name=""/>
+        <p:cNvGrpSpPr/>
+        <p:nvPr/>
+      </p:nvGrpSpPr>
+      <p:grpSpPr>
+        <a:xfrm>
+          <a:off x="0" y="0"/>
+          <a:ext cx="0" cy="0"/>
+          <a:chOff x="0" y="0"/>
+          <a:chExt cx="0" cy="0"/>
+        </a:xfrm>
+      </p:grpSpPr>
+      <p:sp>
+        <p:nvSpPr>
+          <p:cNvPr id="2" name="Título 1"/>
+          <p:cNvSpPr>
+            <a:spLocks noGrp="1"/>
+          </p:cNvSpPr>
+          <p:nvPr>
+            <p:ph type="title"/>
+          </p:nvPr>
+        </p:nvSpPr>
+        <p:spPr/>
+        <p:txBody>
+          <a:bodyPr/>
+          <a:lstStyle/>
+          <a:p>
+            <a:endParaRPr lang="pt-BR"/>
+          </a:p>
+        </p:txBody>
+      </p:sp>
+      <p:sp>
+        <p:nvSpPr>
+          <p:cNvPr id="3" name="Espaço Reservado para Conteúdo 2"/>
+          <p:cNvSpPr>
+            <a:spLocks noGrp="1"/>
+          </p:cNvSpPr>
+          <p:nvPr>
+            <p:ph idx="1"/>
+          </p:nvPr>
+        </p:nvSpPr>
+        <p:spPr/>
+        <p:txBody>
+          <a:bodyPr/>
+          <a:lstStyle/>
+          <a:p>
+            <a:endParaRPr lang="pt-BR"/>
+          </a:p>
+        </p:txBody>
+      </p:sp>
+    </p:spTree>
+    <p:extLst>
+      <p:ext uri="{BB962C8B-B14F-4D97-AF65-F5344CB8AC3E}">
+        <p14:creationId xmlns:p14="http://schemas.microsoft.com/office/powerpoint/2010/main" val="2333415383"/>
+      </p:ext>
+    </p:extLst>
+  </p:cSld>
+  <p:clrMapOvr>
+    <a:masterClrMapping/>
+  </p:clrMapOvr>
+</p:sld>
+</file>
+
+<file path=ppt/slides/slide21.xml><?xml version="1.0" encoding="utf-8"?>
+<p:sld xmlns:a="http://schemas.openxmlformats.org/drawingml/2006/main" xmlns:r="http://schemas.openxmlformats.org/officeDocument/2006/relationships" xmlns:p="http://schemas.openxmlformats.org/presentationml/2006/main">
+  <p:cSld>
+    <p:spTree>
+      <p:nvGrpSpPr>
+        <p:cNvPr id="1" name=""/>
+        <p:cNvGrpSpPr/>
+        <p:nvPr/>
+      </p:nvGrpSpPr>
+      <p:grpSpPr>
+        <a:xfrm>
+          <a:off x="0" y="0"/>
+          <a:ext cx="0" cy="0"/>
+          <a:chOff x="0" y="0"/>
+          <a:chExt cx="0" cy="0"/>
+        </a:xfrm>
+      </p:grpSpPr>
+      <p:sp>
+        <p:nvSpPr>
+          <p:cNvPr id="2" name="Título 1"/>
+          <p:cNvSpPr>
+            <a:spLocks noGrp="1"/>
+          </p:cNvSpPr>
+          <p:nvPr>
+            <p:ph type="title"/>
+          </p:nvPr>
+        </p:nvSpPr>
+        <p:spPr/>
+        <p:txBody>
+          <a:bodyPr/>
+          <a:lstStyle/>
+          <a:p>
+            <a:endParaRPr lang="pt-BR"/>
+          </a:p>
+        </p:txBody>
+      </p:sp>
+      <p:sp>
+        <p:nvSpPr>
+          <p:cNvPr id="3" name="Espaço Reservado para Conteúdo 2"/>
+          <p:cNvSpPr>
+            <a:spLocks noGrp="1"/>
+          </p:cNvSpPr>
+          <p:nvPr>
+            <p:ph idx="1"/>
+          </p:nvPr>
+        </p:nvSpPr>
+        <p:spPr/>
+        <p:txBody>
+          <a:bodyPr/>
+          <a:lstStyle/>
+          <a:p>
+            <a:endParaRPr lang="pt-BR"/>
+          </a:p>
+        </p:txBody>
+      </p:sp>
+    </p:spTree>
+    <p:extLst>
+      <p:ext uri="{BB962C8B-B14F-4D97-AF65-F5344CB8AC3E}">
+        <p14:creationId xmlns:p14="http://schemas.microsoft.com/office/powerpoint/2010/main" val="3094957484"/>
+      </p:ext>
+    </p:extLst>
+  </p:cSld>
+  <p:clrMapOvr>
+    <a:masterClrMapping/>
+  </p:clrMapOvr>
+</p:sld>
+</file>
+
+<file path=ppt/slides/slide22.xml><?xml version="1.0" encoding="utf-8"?>
 <p:sld xmlns:a="http://schemas.openxmlformats.org/drawingml/2006/main" xmlns:r="http://schemas.openxmlformats.org/officeDocument/2006/relationships" xmlns:p="http://schemas.openxmlformats.org/presentationml/2006/main">
   <p:cSld>
     <p:spTree>

--- a/docs/docker-resumo.pptx
+++ b/docs/docker-resumo.pptx
@@ -23,10 +23,16 @@
     <p:sldId id="294" r:id="rId17"/>
     <p:sldId id="301" r:id="rId18"/>
     <p:sldId id="302" r:id="rId19"/>
-    <p:sldId id="281" r:id="rId20"/>
-    <p:sldId id="280" r:id="rId21"/>
-    <p:sldId id="284" r:id="rId22"/>
-    <p:sldId id="285" r:id="rId23"/>
+    <p:sldId id="303" r:id="rId20"/>
+    <p:sldId id="281" r:id="rId21"/>
+    <p:sldId id="306" r:id="rId22"/>
+    <p:sldId id="304" r:id="rId23"/>
+    <p:sldId id="307" r:id="rId24"/>
+    <p:sldId id="305" r:id="rId25"/>
+    <p:sldId id="308" r:id="rId26"/>
+    <p:sldId id="280" r:id="rId27"/>
+    <p:sldId id="284" r:id="rId28"/>
+    <p:sldId id="285" r:id="rId29"/>
   </p:sldIdLst>
   <p:sldSz cx="12192000" cy="6858000"/>
   <p:notesSz cx="6858000" cy="9144000"/>
@@ -262,7 +268,7 @@
           <a:p>
             <a:fld id="{CC58B075-67F8-4A8D-AE1C-3D3E4193EBCA}" type="datetimeFigureOut">
               <a:rPr lang="pt-BR" smtClean="0"/>
-              <a:t>23/09/2019</a:t>
+              <a:t>09/10/2019</a:t>
             </a:fld>
             <a:endParaRPr lang="pt-BR"/>
           </a:p>
@@ -430,7 +436,7 @@
           <a:p>
             <a:fld id="{CC58B075-67F8-4A8D-AE1C-3D3E4193EBCA}" type="datetimeFigureOut">
               <a:rPr lang="pt-BR" smtClean="0"/>
-              <a:t>23/09/2019</a:t>
+              <a:t>09/10/2019</a:t>
             </a:fld>
             <a:endParaRPr lang="pt-BR"/>
           </a:p>
@@ -608,7 +614,7 @@
           <a:p>
             <a:fld id="{CC58B075-67F8-4A8D-AE1C-3D3E4193EBCA}" type="datetimeFigureOut">
               <a:rPr lang="pt-BR" smtClean="0"/>
-              <a:t>23/09/2019</a:t>
+              <a:t>09/10/2019</a:t>
             </a:fld>
             <a:endParaRPr lang="pt-BR"/>
           </a:p>
@@ -776,7 +782,7 @@
           <a:p>
             <a:fld id="{CC58B075-67F8-4A8D-AE1C-3D3E4193EBCA}" type="datetimeFigureOut">
               <a:rPr lang="pt-BR" smtClean="0"/>
-              <a:t>23/09/2019</a:t>
+              <a:t>09/10/2019</a:t>
             </a:fld>
             <a:endParaRPr lang="pt-BR"/>
           </a:p>
@@ -1021,7 +1027,7 @@
           <a:p>
             <a:fld id="{CC58B075-67F8-4A8D-AE1C-3D3E4193EBCA}" type="datetimeFigureOut">
               <a:rPr lang="pt-BR" smtClean="0"/>
-              <a:t>23/09/2019</a:t>
+              <a:t>09/10/2019</a:t>
             </a:fld>
             <a:endParaRPr lang="pt-BR"/>
           </a:p>
@@ -1250,7 +1256,7 @@
           <a:p>
             <a:fld id="{CC58B075-67F8-4A8D-AE1C-3D3E4193EBCA}" type="datetimeFigureOut">
               <a:rPr lang="pt-BR" smtClean="0"/>
-              <a:t>23/09/2019</a:t>
+              <a:t>09/10/2019</a:t>
             </a:fld>
             <a:endParaRPr lang="pt-BR"/>
           </a:p>
@@ -1614,7 +1620,7 @@
           <a:p>
             <a:fld id="{CC58B075-67F8-4A8D-AE1C-3D3E4193EBCA}" type="datetimeFigureOut">
               <a:rPr lang="pt-BR" smtClean="0"/>
-              <a:t>23/09/2019</a:t>
+              <a:t>09/10/2019</a:t>
             </a:fld>
             <a:endParaRPr lang="pt-BR"/>
           </a:p>
@@ -1731,7 +1737,7 @@
           <a:p>
             <a:fld id="{CC58B075-67F8-4A8D-AE1C-3D3E4193EBCA}" type="datetimeFigureOut">
               <a:rPr lang="pt-BR" smtClean="0"/>
-              <a:t>23/09/2019</a:t>
+              <a:t>09/10/2019</a:t>
             </a:fld>
             <a:endParaRPr lang="pt-BR"/>
           </a:p>
@@ -1826,7 +1832,7 @@
           <a:p>
             <a:fld id="{CC58B075-67F8-4A8D-AE1C-3D3E4193EBCA}" type="datetimeFigureOut">
               <a:rPr lang="pt-BR" smtClean="0"/>
-              <a:t>23/09/2019</a:t>
+              <a:t>09/10/2019</a:t>
             </a:fld>
             <a:endParaRPr lang="pt-BR"/>
           </a:p>
@@ -2101,7 +2107,7 @@
           <a:p>
             <a:fld id="{CC58B075-67F8-4A8D-AE1C-3D3E4193EBCA}" type="datetimeFigureOut">
               <a:rPr lang="pt-BR" smtClean="0"/>
-              <a:t>23/09/2019</a:t>
+              <a:t>09/10/2019</a:t>
             </a:fld>
             <a:endParaRPr lang="pt-BR"/>
           </a:p>
@@ -2353,7 +2359,7 @@
           <a:p>
             <a:fld id="{CC58B075-67F8-4A8D-AE1C-3D3E4193EBCA}" type="datetimeFigureOut">
               <a:rPr lang="pt-BR" smtClean="0"/>
-              <a:t>23/09/2019</a:t>
+              <a:t>09/10/2019</a:t>
             </a:fld>
             <a:endParaRPr lang="pt-BR"/>
           </a:p>
@@ -2564,7 +2570,7 @@
           <a:p>
             <a:fld id="{CC58B075-67F8-4A8D-AE1C-3D3E4193EBCA}" type="datetimeFigureOut">
               <a:rPr lang="pt-BR" smtClean="0"/>
-              <a:t>23/09/2019</a:t>
+              <a:t>09/10/2019</a:t>
             </a:fld>
             <a:endParaRPr lang="pt-BR"/>
           </a:p>
@@ -4585,7 +4591,7 @@
         </p:nvSpPr>
         <p:spPr>
           <a:xfrm>
-            <a:off x="838200" y="161925"/>
+            <a:off x="3401096" y="1372539"/>
             <a:ext cx="10515600" cy="422275"/>
           </a:xfrm>
         </p:spPr>
@@ -7492,15 +7498,7 @@
                   <a:schemeClr val="accent5"/>
                 </a:solidFill>
               </a:rPr>
-              <a:t> -it -v "//</a:t>
-            </a:r>
-            <a:r>
-              <a:rPr lang="pt-BR" sz="2000" dirty="0">
-                <a:solidFill>
-                  <a:schemeClr val="accent5"/>
-                </a:solidFill>
-              </a:rPr>
-              <a:t>c/</a:t>
+              <a:t> -it -v "//c/</a:t>
             </a:r>
             <a:r>
               <a:rPr lang="pt-BR" sz="2000" dirty="0" err="1">
@@ -7516,15 +7514,7 @@
                   <a:schemeClr val="accent5"/>
                 </a:solidFill>
               </a:rPr>
-              <a:t>/Luciano/Desktop</a:t>
-            </a:r>
-            <a:r>
-              <a:rPr lang="pt-BR" sz="2000" dirty="0">
-                <a:solidFill>
-                  <a:schemeClr val="accent5"/>
-                </a:solidFill>
-              </a:rPr>
-              <a:t>:/var/</a:t>
+              <a:t>/Luciano/Desktop:/var/</a:t>
             </a:r>
             <a:r>
               <a:rPr lang="pt-BR" sz="2000" dirty="0" err="1">
@@ -7650,18 +7640,30 @@
             <p:ph type="title"/>
           </p:nvPr>
         </p:nvSpPr>
-        <p:spPr/>
-        <p:txBody>
-          <a:bodyPr/>
+        <p:spPr>
+          <a:xfrm>
+            <a:off x="115910" y="123288"/>
+            <a:ext cx="11951594" cy="422275"/>
+          </a:xfrm>
+        </p:spPr>
+        <p:txBody>
+          <a:bodyPr vert="horz" lIns="91440" tIns="45720" rIns="91440" bIns="45720" rtlCol="0" anchor="ctr">
+            <a:normAutofit fontScale="90000"/>
+          </a:bodyPr>
           <a:lstStyle/>
           <a:p>
-            <a:endParaRPr lang="pt-BR"/>
-          </a:p>
-        </p:txBody>
-      </p:sp>
-      <p:sp>
-        <p:nvSpPr>
-          <p:cNvPr id="3" name="Espaço Reservado para Conteúdo 2"/>
+            <a:pPr algn="ctr"/>
+            <a:r>
+              <a:rPr lang="pt-BR" sz="2800" b="1" dirty="0" smtClean="0"/>
+              <a:t>Rodando código em um Container</a:t>
+            </a:r>
+            <a:endParaRPr lang="pt-BR" sz="2800" b="1" dirty="0"/>
+          </a:p>
+        </p:txBody>
+      </p:sp>
+      <p:sp>
+        <p:nvSpPr>
+          <p:cNvPr id="5" name="Espaço Reservado para Conteúdo 4"/>
           <p:cNvSpPr>
             <a:spLocks noGrp="1"/>
           </p:cNvSpPr>
@@ -7669,25 +7671,656 @@
             <p:ph idx="1"/>
           </p:nvPr>
         </p:nvSpPr>
-        <p:spPr/>
-        <p:txBody>
-          <a:bodyPr/>
+        <p:spPr>
+          <a:xfrm>
+            <a:off x="241478" y="927279"/>
+            <a:ext cx="11259355" cy="2434107"/>
+          </a:xfrm>
+        </p:spPr>
+        <p:txBody>
+          <a:bodyPr>
+            <a:noAutofit/>
+          </a:bodyPr>
           <a:lstStyle/>
           <a:p>
-            <a:endParaRPr lang="pt-BR"/>
+            <a:r>
+              <a:rPr lang="pt-BR" sz="2000" dirty="0" smtClean="0"/>
+              <a:t>Um exemplo que roda em </a:t>
+            </a:r>
+            <a:r>
+              <a:rPr lang="pt-BR" sz="2000" b="1" dirty="0" smtClean="0"/>
+              <a:t>Node.js </a:t>
+            </a:r>
+            <a:r>
+              <a:rPr lang="pt-BR" sz="2000" dirty="0" smtClean="0"/>
+              <a:t>e não possuímos o Node na máquina.</a:t>
+            </a:r>
+          </a:p>
+          <a:p>
+            <a:endParaRPr lang="pt-BR" sz="2000" b="1" dirty="0"/>
+          </a:p>
+          <a:p>
+            <a:pPr lvl="2">
+              <a:buFont typeface="Wingdings" panose="05000000000000000000" pitchFamily="2" charset="2"/>
+              <a:buChar char="Ø"/>
+            </a:pPr>
+            <a:r>
+              <a:rPr lang="pt-BR" sz="1600" dirty="0" err="1">
+                <a:solidFill>
+                  <a:schemeClr val="accent5"/>
+                </a:solidFill>
+              </a:rPr>
+              <a:t>docker</a:t>
+            </a:r>
+            <a:r>
+              <a:rPr lang="pt-BR" sz="1600" dirty="0">
+                <a:solidFill>
+                  <a:schemeClr val="accent5"/>
+                </a:solidFill>
+              </a:rPr>
+              <a:t> </a:t>
+            </a:r>
+            <a:r>
+              <a:rPr lang="pt-BR" sz="1600" dirty="0" err="1">
+                <a:solidFill>
+                  <a:schemeClr val="accent5"/>
+                </a:solidFill>
+              </a:rPr>
+              <a:t>run</a:t>
+            </a:r>
+            <a:r>
+              <a:rPr lang="pt-BR" sz="1600" dirty="0">
+                <a:solidFill>
+                  <a:schemeClr val="accent5"/>
+                </a:solidFill>
+              </a:rPr>
+              <a:t> -d -p 8080:3000 -v "//c/</a:t>
+            </a:r>
+            <a:r>
+              <a:rPr lang="pt-BR" sz="1600" dirty="0" err="1">
+                <a:solidFill>
+                  <a:schemeClr val="accent5"/>
+                </a:solidFill>
+              </a:rPr>
+              <a:t>Users</a:t>
+            </a:r>
+            <a:r>
+              <a:rPr lang="pt-BR" sz="1600" dirty="0" smtClean="0">
+                <a:solidFill>
+                  <a:schemeClr val="accent5"/>
+                </a:solidFill>
+              </a:rPr>
+              <a:t>/&lt;&lt;Seu caminho local&gt;&gt;/volume-exemplo</a:t>
+            </a:r>
+            <a:r>
+              <a:rPr lang="pt-BR" sz="1600" dirty="0">
+                <a:solidFill>
+                  <a:schemeClr val="accent5"/>
+                </a:solidFill>
+              </a:rPr>
+              <a:t>:/var/</a:t>
+            </a:r>
+            <a:r>
+              <a:rPr lang="pt-BR" sz="1600" dirty="0" err="1">
+                <a:solidFill>
+                  <a:schemeClr val="accent5"/>
+                </a:solidFill>
+              </a:rPr>
+              <a:t>www</a:t>
+            </a:r>
+            <a:r>
+              <a:rPr lang="pt-BR" sz="1600" dirty="0">
+                <a:solidFill>
+                  <a:schemeClr val="accent5"/>
+                </a:solidFill>
+              </a:rPr>
+              <a:t>" -w "/var/</a:t>
+            </a:r>
+            <a:r>
+              <a:rPr lang="pt-BR" sz="1600" dirty="0" err="1">
+                <a:solidFill>
+                  <a:schemeClr val="accent5"/>
+                </a:solidFill>
+              </a:rPr>
+              <a:t>www</a:t>
+            </a:r>
+            <a:r>
+              <a:rPr lang="pt-BR" sz="1600" dirty="0">
+                <a:solidFill>
+                  <a:schemeClr val="accent5"/>
+                </a:solidFill>
+              </a:rPr>
+              <a:t>" </a:t>
+            </a:r>
+            <a:r>
+              <a:rPr lang="pt-BR" sz="1600" dirty="0" smtClean="0">
+                <a:solidFill>
+                  <a:schemeClr val="accent5"/>
+                </a:solidFill>
+              </a:rPr>
+              <a:t>node </a:t>
+            </a:r>
+            <a:r>
+              <a:rPr lang="pt-BR" sz="1600" dirty="0" err="1">
+                <a:solidFill>
+                  <a:schemeClr val="accent5"/>
+                </a:solidFill>
+              </a:rPr>
+              <a:t>npm</a:t>
+            </a:r>
+            <a:r>
+              <a:rPr lang="pt-BR" sz="1600" dirty="0">
+                <a:solidFill>
+                  <a:schemeClr val="accent5"/>
+                </a:solidFill>
+              </a:rPr>
+              <a:t> start</a:t>
+            </a:r>
+            <a:endParaRPr lang="pt-BR" sz="1600" dirty="0">
+              <a:solidFill>
+                <a:schemeClr val="accent5"/>
+              </a:solidFill>
+            </a:endParaRPr>
+          </a:p>
+          <a:p>
+            <a:pPr>
+              <a:buFont typeface="Wingdings" panose="05000000000000000000" pitchFamily="2" charset="2"/>
+              <a:buChar char="Ø"/>
+            </a:pPr>
+            <a:endParaRPr lang="pt-BR" sz="2400" dirty="0" smtClean="0">
+              <a:solidFill>
+                <a:schemeClr val="accent5"/>
+              </a:solidFill>
+            </a:endParaRPr>
+          </a:p>
+          <a:p>
+            <a:pPr>
+              <a:buFont typeface="Wingdings" panose="05000000000000000000" pitchFamily="2" charset="2"/>
+              <a:buChar char="Ø"/>
+            </a:pPr>
+            <a:r>
+              <a:rPr lang="pt-BR" sz="2400" dirty="0" smtClean="0">
+                <a:solidFill>
+                  <a:schemeClr val="accent5"/>
+                </a:solidFill>
+              </a:rPr>
+              <a:t>Você conseguirá executar o código em http://localhost:8080</a:t>
+            </a:r>
+            <a:endParaRPr lang="pt-BR" sz="2400" dirty="0" smtClean="0">
+              <a:solidFill>
+                <a:schemeClr val="accent5"/>
+              </a:solidFill>
+            </a:endParaRPr>
+          </a:p>
+          <a:p>
+            <a:pPr>
+              <a:buFont typeface="Wingdings" panose="05000000000000000000" pitchFamily="2" charset="2"/>
+              <a:buChar char="Ø"/>
+            </a:pPr>
+            <a:endParaRPr lang="pt-BR" sz="2400" dirty="0">
+              <a:solidFill>
+                <a:schemeClr val="accent5"/>
+              </a:solidFill>
+            </a:endParaRPr>
+          </a:p>
+        </p:txBody>
+      </p:sp>
+      <p:sp>
+        <p:nvSpPr>
+          <p:cNvPr id="4" name="Espaço Reservado para Conteúdo 2"/>
+          <p:cNvSpPr txBox="1">
+            <a:spLocks/>
+          </p:cNvSpPr>
+          <p:nvPr/>
+        </p:nvSpPr>
+        <p:spPr>
+          <a:xfrm>
+            <a:off x="288164" y="3271233"/>
+            <a:ext cx="11165982" cy="3438659"/>
+          </a:xfrm>
+          <a:prstGeom prst="rect">
+            <a:avLst/>
+          </a:prstGeom>
+        </p:spPr>
+        <p:txBody>
+          <a:bodyPr vert="horz" lIns="91440" tIns="45720" rIns="91440" bIns="45720" rtlCol="0">
+            <a:noAutofit/>
+          </a:bodyPr>
+          <a:lstStyle>
+            <a:lvl1pPr marL="228600" indent="-228600" algn="l" defTabSz="914400" rtl="0" eaLnBrk="1" latinLnBrk="0" hangingPunct="1">
+              <a:lnSpc>
+                <a:spcPct val="90000"/>
+              </a:lnSpc>
+              <a:spcBef>
+                <a:spcPts val="1000"/>
+              </a:spcBef>
+              <a:buFont typeface="Arial" panose="020B0604020202020204" pitchFamily="34" charset="0"/>
+              <a:buChar char="•"/>
+              <a:defRPr sz="2800" kern="1200">
+                <a:solidFill>
+                  <a:schemeClr val="tx1"/>
+                </a:solidFill>
+                <a:latin typeface="+mn-lt"/>
+                <a:ea typeface="+mn-ea"/>
+                <a:cs typeface="+mn-cs"/>
+              </a:defRPr>
+            </a:lvl1pPr>
+            <a:lvl2pPr marL="685800" indent="-228600" algn="l" defTabSz="914400" rtl="0" eaLnBrk="1" latinLnBrk="0" hangingPunct="1">
+              <a:lnSpc>
+                <a:spcPct val="90000"/>
+              </a:lnSpc>
+              <a:spcBef>
+                <a:spcPts val="500"/>
+              </a:spcBef>
+              <a:buFont typeface="Arial" panose="020B0604020202020204" pitchFamily="34" charset="0"/>
+              <a:buChar char="•"/>
+              <a:defRPr sz="2400" kern="1200">
+                <a:solidFill>
+                  <a:schemeClr val="tx1"/>
+                </a:solidFill>
+                <a:latin typeface="+mn-lt"/>
+                <a:ea typeface="+mn-ea"/>
+                <a:cs typeface="+mn-cs"/>
+              </a:defRPr>
+            </a:lvl2pPr>
+            <a:lvl3pPr marL="1143000" indent="-228600" algn="l" defTabSz="914400" rtl="0" eaLnBrk="1" latinLnBrk="0" hangingPunct="1">
+              <a:lnSpc>
+                <a:spcPct val="90000"/>
+              </a:lnSpc>
+              <a:spcBef>
+                <a:spcPts val="500"/>
+              </a:spcBef>
+              <a:buFont typeface="Arial" panose="020B0604020202020204" pitchFamily="34" charset="0"/>
+              <a:buChar char="•"/>
+              <a:defRPr sz="2000" kern="1200">
+                <a:solidFill>
+                  <a:schemeClr val="tx1"/>
+                </a:solidFill>
+                <a:latin typeface="+mn-lt"/>
+                <a:ea typeface="+mn-ea"/>
+                <a:cs typeface="+mn-cs"/>
+              </a:defRPr>
+            </a:lvl3pPr>
+            <a:lvl4pPr marL="1600200" indent="-228600" algn="l" defTabSz="914400" rtl="0" eaLnBrk="1" latinLnBrk="0" hangingPunct="1">
+              <a:lnSpc>
+                <a:spcPct val="90000"/>
+              </a:lnSpc>
+              <a:spcBef>
+                <a:spcPts val="500"/>
+              </a:spcBef>
+              <a:buFont typeface="Arial" panose="020B0604020202020204" pitchFamily="34" charset="0"/>
+              <a:buChar char="•"/>
+              <a:defRPr sz="1800" kern="1200">
+                <a:solidFill>
+                  <a:schemeClr val="tx1"/>
+                </a:solidFill>
+                <a:latin typeface="+mn-lt"/>
+                <a:ea typeface="+mn-ea"/>
+                <a:cs typeface="+mn-cs"/>
+              </a:defRPr>
+            </a:lvl4pPr>
+            <a:lvl5pPr marL="2057400" indent="-228600" algn="l" defTabSz="914400" rtl="0" eaLnBrk="1" latinLnBrk="0" hangingPunct="1">
+              <a:lnSpc>
+                <a:spcPct val="90000"/>
+              </a:lnSpc>
+              <a:spcBef>
+                <a:spcPts val="500"/>
+              </a:spcBef>
+              <a:buFont typeface="Arial" panose="020B0604020202020204" pitchFamily="34" charset="0"/>
+              <a:buChar char="•"/>
+              <a:defRPr sz="1800" kern="1200">
+                <a:solidFill>
+                  <a:schemeClr val="tx1"/>
+                </a:solidFill>
+                <a:latin typeface="+mn-lt"/>
+                <a:ea typeface="+mn-ea"/>
+                <a:cs typeface="+mn-cs"/>
+              </a:defRPr>
+            </a:lvl5pPr>
+            <a:lvl6pPr marL="2514600" indent="-228600" algn="l" defTabSz="914400" rtl="0" eaLnBrk="1" latinLnBrk="0" hangingPunct="1">
+              <a:lnSpc>
+                <a:spcPct val="90000"/>
+              </a:lnSpc>
+              <a:spcBef>
+                <a:spcPts val="500"/>
+              </a:spcBef>
+              <a:buFont typeface="Arial" panose="020B0604020202020204" pitchFamily="34" charset="0"/>
+              <a:buChar char="•"/>
+              <a:defRPr sz="1800" kern="1200">
+                <a:solidFill>
+                  <a:schemeClr val="tx1"/>
+                </a:solidFill>
+                <a:latin typeface="+mn-lt"/>
+                <a:ea typeface="+mn-ea"/>
+                <a:cs typeface="+mn-cs"/>
+              </a:defRPr>
+            </a:lvl6pPr>
+            <a:lvl7pPr marL="2971800" indent="-228600" algn="l" defTabSz="914400" rtl="0" eaLnBrk="1" latinLnBrk="0" hangingPunct="1">
+              <a:lnSpc>
+                <a:spcPct val="90000"/>
+              </a:lnSpc>
+              <a:spcBef>
+                <a:spcPts val="500"/>
+              </a:spcBef>
+              <a:buFont typeface="Arial" panose="020B0604020202020204" pitchFamily="34" charset="0"/>
+              <a:buChar char="•"/>
+              <a:defRPr sz="1800" kern="1200">
+                <a:solidFill>
+                  <a:schemeClr val="tx1"/>
+                </a:solidFill>
+                <a:latin typeface="+mn-lt"/>
+                <a:ea typeface="+mn-ea"/>
+                <a:cs typeface="+mn-cs"/>
+              </a:defRPr>
+            </a:lvl7pPr>
+            <a:lvl8pPr marL="3429000" indent="-228600" algn="l" defTabSz="914400" rtl="0" eaLnBrk="1" latinLnBrk="0" hangingPunct="1">
+              <a:lnSpc>
+                <a:spcPct val="90000"/>
+              </a:lnSpc>
+              <a:spcBef>
+                <a:spcPts val="500"/>
+              </a:spcBef>
+              <a:buFont typeface="Arial" panose="020B0604020202020204" pitchFamily="34" charset="0"/>
+              <a:buChar char="•"/>
+              <a:defRPr sz="1800" kern="1200">
+                <a:solidFill>
+                  <a:schemeClr val="tx1"/>
+                </a:solidFill>
+                <a:latin typeface="+mn-lt"/>
+                <a:ea typeface="+mn-ea"/>
+                <a:cs typeface="+mn-cs"/>
+              </a:defRPr>
+            </a:lvl8pPr>
+            <a:lvl9pPr marL="3886200" indent="-228600" algn="l" defTabSz="914400" rtl="0" eaLnBrk="1" latinLnBrk="0" hangingPunct="1">
+              <a:lnSpc>
+                <a:spcPct val="90000"/>
+              </a:lnSpc>
+              <a:spcBef>
+                <a:spcPts val="500"/>
+              </a:spcBef>
+              <a:buFont typeface="Arial" panose="020B0604020202020204" pitchFamily="34" charset="0"/>
+              <a:buChar char="•"/>
+              <a:defRPr sz="1800" kern="1200">
+                <a:solidFill>
+                  <a:schemeClr val="tx1"/>
+                </a:solidFill>
+                <a:latin typeface="+mn-lt"/>
+                <a:ea typeface="+mn-ea"/>
+                <a:cs typeface="+mn-cs"/>
+              </a:defRPr>
+            </a:lvl9pPr>
+          </a:lstStyle>
+          <a:p>
+            <a:pPr lvl="1" algn="just">
+              <a:lnSpc>
+                <a:spcPct val="150000"/>
+              </a:lnSpc>
+            </a:pPr>
+            <a:r>
+              <a:rPr lang="pt-BR" sz="1800" dirty="0" smtClean="0"/>
+              <a:t>Nessa pasta volume-exemplo existe um pequeno projeto</a:t>
+            </a:r>
+            <a:r>
+              <a:rPr lang="pt-BR" sz="1800" b="1" dirty="0" smtClean="0"/>
+              <a:t> Node.js</a:t>
+            </a:r>
+          </a:p>
+          <a:p>
+            <a:pPr lvl="1" algn="just">
+              <a:lnSpc>
+                <a:spcPct val="150000"/>
+              </a:lnSpc>
+            </a:pPr>
+            <a:r>
+              <a:rPr lang="pt-BR" sz="1800" b="1" dirty="0" smtClean="0"/>
+              <a:t>“-d”</a:t>
+            </a:r>
+            <a:r>
+              <a:rPr lang="pt-BR" sz="1800" dirty="0" smtClean="0"/>
+              <a:t> – executa em modo </a:t>
+            </a:r>
+            <a:r>
+              <a:rPr lang="pt-BR" sz="1800" dirty="0" err="1" smtClean="0"/>
+              <a:t>dettached</a:t>
+            </a:r>
+            <a:r>
+              <a:rPr lang="pt-BR" sz="1800" dirty="0" smtClean="0"/>
+              <a:t> e libera o terminal </a:t>
+            </a:r>
+          </a:p>
+          <a:p>
+            <a:pPr lvl="1" algn="just">
+              <a:lnSpc>
+                <a:spcPct val="150000"/>
+              </a:lnSpc>
+            </a:pPr>
+            <a:r>
+              <a:rPr lang="pt-BR" sz="1800" b="1" dirty="0" smtClean="0"/>
+              <a:t>“-w”</a:t>
+            </a:r>
+            <a:r>
+              <a:rPr lang="pt-BR" sz="1800" dirty="0" smtClean="0"/>
+              <a:t> </a:t>
+            </a:r>
+            <a:r>
+              <a:rPr lang="pt-BR" sz="1800" dirty="0"/>
+              <a:t>– </a:t>
+            </a:r>
+            <a:r>
+              <a:rPr lang="pt-BR" sz="1800" dirty="0" smtClean="0"/>
+              <a:t>“</a:t>
+            </a:r>
+            <a:r>
+              <a:rPr lang="pt-BR" sz="1800" dirty="0" err="1" smtClean="0"/>
+              <a:t>Working</a:t>
+            </a:r>
+            <a:r>
+              <a:rPr lang="pt-BR" sz="1800" dirty="0" smtClean="0"/>
+              <a:t> </a:t>
+            </a:r>
+            <a:r>
+              <a:rPr lang="pt-BR" sz="1800" dirty="0" err="1" smtClean="0"/>
+              <a:t>Directory</a:t>
+            </a:r>
+            <a:r>
+              <a:rPr lang="pt-BR" sz="1800" dirty="0" smtClean="0"/>
+              <a:t>” informa em qual pasta o comando deve ser executado dentro do container</a:t>
+            </a:r>
+          </a:p>
+          <a:p>
+            <a:pPr lvl="1" algn="just">
+              <a:lnSpc>
+                <a:spcPct val="150000"/>
+              </a:lnSpc>
+            </a:pPr>
+            <a:endParaRPr lang="pt-BR" sz="1800" dirty="0"/>
+          </a:p>
+          <a:p>
+            <a:pPr marL="457200" lvl="1" indent="0" algn="just">
+              <a:lnSpc>
+                <a:spcPct val="100000"/>
+              </a:lnSpc>
+              <a:spcBef>
+                <a:spcPts val="0"/>
+              </a:spcBef>
+              <a:buNone/>
+            </a:pPr>
+            <a:r>
+              <a:rPr lang="pt-BR" sz="1800" dirty="0" smtClean="0"/>
+              <a:t>	Lembrando que se você estiver rodando num Windows com uma máquina virtual e rodando o </a:t>
+            </a:r>
+            <a:r>
+              <a:rPr lang="pt-BR" sz="1800" dirty="0" err="1" smtClean="0"/>
+              <a:t>Docker</a:t>
+            </a:r>
+            <a:r>
+              <a:rPr lang="pt-BR" sz="1800" dirty="0" smtClean="0"/>
+              <a:t> Toolbox, o </a:t>
+            </a:r>
+            <a:r>
+              <a:rPr lang="pt-BR" sz="1800" dirty="0" err="1" smtClean="0"/>
+              <a:t>ip</a:t>
+            </a:r>
+            <a:r>
+              <a:rPr lang="pt-BR" sz="1800" dirty="0" smtClean="0"/>
+              <a:t> será descoberto pelo “</a:t>
+            </a:r>
+            <a:r>
+              <a:rPr lang="pt-BR" sz="1800" b="1" dirty="0" err="1">
+                <a:solidFill>
+                  <a:prstClr val="black"/>
+                </a:solidFill>
+              </a:rPr>
+              <a:t>docker-machine</a:t>
+            </a:r>
+            <a:r>
+              <a:rPr lang="pt-BR" sz="1800" b="1" dirty="0">
+                <a:solidFill>
+                  <a:prstClr val="black"/>
+                </a:solidFill>
+              </a:rPr>
+              <a:t> </a:t>
+            </a:r>
+            <a:r>
+              <a:rPr lang="pt-BR" sz="1800" b="1" dirty="0" err="1" smtClean="0">
+                <a:solidFill>
+                  <a:prstClr val="black"/>
+                </a:solidFill>
+              </a:rPr>
+              <a:t>ip</a:t>
+            </a:r>
+            <a:r>
+              <a:rPr lang="pt-BR" sz="1800" b="1" dirty="0" smtClean="0">
+                <a:solidFill>
+                  <a:prstClr val="black"/>
+                </a:solidFill>
+              </a:rPr>
+              <a:t>” e você executará o código com o endereço </a:t>
+            </a:r>
+            <a:r>
+              <a:rPr lang="pt-BR" sz="1800" b="1" dirty="0" err="1" smtClean="0">
+                <a:solidFill>
+                  <a:prstClr val="black"/>
+                </a:solidFill>
+              </a:rPr>
+              <a:t>ip</a:t>
+            </a:r>
+            <a:r>
+              <a:rPr lang="pt-BR" sz="1800" b="1" dirty="0" smtClean="0">
+                <a:solidFill>
+                  <a:prstClr val="black"/>
+                </a:solidFill>
+              </a:rPr>
+              <a:t> encontrado e a porta configurada, nesse caso a 8080.</a:t>
+            </a:r>
+          </a:p>
+          <a:p>
+            <a:pPr marL="457200" lvl="1" indent="0" algn="just">
+              <a:lnSpc>
+                <a:spcPct val="100000"/>
+              </a:lnSpc>
+              <a:spcBef>
+                <a:spcPts val="0"/>
+              </a:spcBef>
+              <a:buNone/>
+            </a:pPr>
+            <a:endParaRPr lang="pt-BR" sz="1800" b="1" dirty="0">
+              <a:solidFill>
+                <a:prstClr val="black"/>
+              </a:solidFill>
+            </a:endParaRPr>
+          </a:p>
+          <a:p>
+            <a:pPr marL="457200" lvl="1" indent="0" algn="just">
+              <a:lnSpc>
+                <a:spcPct val="100000"/>
+              </a:lnSpc>
+              <a:spcBef>
+                <a:spcPts val="0"/>
+              </a:spcBef>
+              <a:buNone/>
+            </a:pPr>
+            <a:r>
+              <a:rPr lang="pt-BR" sz="1800" b="1" dirty="0" smtClean="0">
+                <a:solidFill>
+                  <a:prstClr val="black"/>
+                </a:solidFill>
+              </a:rPr>
+              <a:t>				</a:t>
+            </a:r>
+            <a:r>
+              <a:rPr lang="pt-BR" sz="1800" b="1" dirty="0" smtClean="0">
+                <a:solidFill>
+                  <a:schemeClr val="accent5"/>
+                </a:solidFill>
+              </a:rPr>
+              <a:t>http</a:t>
+            </a:r>
+            <a:r>
+              <a:rPr lang="pt-BR" sz="1800" b="1" dirty="0">
+                <a:solidFill>
+                  <a:schemeClr val="accent5"/>
+                </a:solidFill>
+              </a:rPr>
+              <a:t>://</a:t>
+            </a:r>
+            <a:r>
+              <a:rPr lang="pt-BR" sz="1800" b="1" dirty="0" smtClean="0">
+                <a:solidFill>
+                  <a:schemeClr val="accent5"/>
+                </a:solidFill>
+              </a:rPr>
+              <a:t>192.168.99.123:8080</a:t>
+            </a:r>
+            <a:r>
+              <a:rPr lang="pt-BR" sz="1800" b="1" dirty="0">
+                <a:solidFill>
+                  <a:schemeClr val="accent5"/>
+                </a:solidFill>
+              </a:rPr>
+              <a:t>/</a:t>
+            </a:r>
+            <a:endParaRPr lang="pt-BR" sz="1800" b="1" dirty="0" smtClean="0">
+              <a:solidFill>
+                <a:schemeClr val="accent5"/>
+              </a:solidFill>
+            </a:endParaRPr>
+          </a:p>
+          <a:p>
+            <a:pPr marL="457200" lvl="1" indent="0" algn="just">
+              <a:lnSpc>
+                <a:spcPct val="100000"/>
+              </a:lnSpc>
+              <a:spcBef>
+                <a:spcPts val="0"/>
+              </a:spcBef>
+              <a:buNone/>
+            </a:pPr>
+            <a:endParaRPr lang="pt-BR" sz="1800" b="1" dirty="0">
+              <a:solidFill>
+                <a:prstClr val="black"/>
+              </a:solidFill>
+            </a:endParaRPr>
           </a:p>
         </p:txBody>
       </p:sp>
     </p:spTree>
     <p:extLst>
       <p:ext uri="{BB962C8B-B14F-4D97-AF65-F5344CB8AC3E}">
-        <p14:creationId xmlns:p14="http://schemas.microsoft.com/office/powerpoint/2010/main" val="517489975"/>
+        <p14:creationId xmlns:p14="http://schemas.microsoft.com/office/powerpoint/2010/main" val="1371646598"/>
       </p:ext>
     </p:extLst>
   </p:cSld>
   <p:clrMapOvr>
     <a:masterClrMapping/>
   </p:clrMapOvr>
+  <p:timing>
+    <p:tnLst>
+      <p:par>
+        <p:cTn id="1" dur="indefinite" restart="never" nodeType="tmRoot"/>
+      </p:par>
+    </p:tnLst>
+  </p:timing>
 </p:sld>
 </file>
 
@@ -7869,7 +8502,7 @@
       </p:grpSpPr>
       <p:sp>
         <p:nvSpPr>
-          <p:cNvPr id="2" name="Título 1"/>
+          <p:cNvPr id="5" name="Título 1"/>
           <p:cNvSpPr>
             <a:spLocks noGrp="1"/>
           </p:cNvSpPr>
@@ -7877,18 +8510,30 @@
             <p:ph type="title"/>
           </p:nvPr>
         </p:nvSpPr>
-        <p:spPr/>
-        <p:txBody>
-          <a:bodyPr/>
+        <p:spPr>
+          <a:xfrm>
+            <a:off x="115910" y="123288"/>
+            <a:ext cx="11951594" cy="422275"/>
+          </a:xfrm>
+        </p:spPr>
+        <p:txBody>
+          <a:bodyPr vert="horz" lIns="91440" tIns="45720" rIns="91440" bIns="45720" rtlCol="0" anchor="ctr">
+            <a:normAutofit fontScale="90000"/>
+          </a:bodyPr>
           <a:lstStyle/>
           <a:p>
-            <a:endParaRPr lang="pt-BR"/>
-          </a:p>
-        </p:txBody>
-      </p:sp>
-      <p:sp>
-        <p:nvSpPr>
-          <p:cNvPr id="3" name="Espaço Reservado para Conteúdo 2"/>
+            <a:pPr algn="ctr"/>
+            <a:r>
+              <a:rPr lang="pt-BR" sz="2800" b="1" dirty="0" smtClean="0"/>
+              <a:t>Construir as Próprias Imagens</a:t>
+            </a:r>
+            <a:endParaRPr lang="pt-BR" sz="2800" b="1" dirty="0"/>
+          </a:p>
+        </p:txBody>
+      </p:sp>
+      <p:sp>
+        <p:nvSpPr>
+          <p:cNvPr id="6" name="Espaço Reservado para Conteúdo 2"/>
           <p:cNvSpPr>
             <a:spLocks noGrp="1"/>
           </p:cNvSpPr>
@@ -7896,19 +8541,37 @@
             <p:ph idx="1"/>
           </p:nvPr>
         </p:nvSpPr>
-        <p:spPr/>
-        <p:txBody>
-          <a:bodyPr/>
+        <p:spPr>
+          <a:xfrm>
+            <a:off x="286752" y="811369"/>
+            <a:ext cx="11618495" cy="5649589"/>
+          </a:xfrm>
+        </p:spPr>
+        <p:txBody>
+          <a:bodyPr>
+            <a:normAutofit/>
+          </a:bodyPr>
           <a:lstStyle/>
           <a:p>
-            <a:endParaRPr lang="pt-BR"/>
+            <a:pPr algn="just"/>
+            <a:r>
+              <a:rPr lang="pt-BR" sz="2000" b="1" i="1" dirty="0" smtClean="0"/>
+              <a:t>XXXXXX</a:t>
+            </a:r>
+            <a:endParaRPr lang="pt-BR" sz="1400" u="sng" dirty="0" smtClean="0"/>
+          </a:p>
+          <a:p>
+            <a:pPr marL="457200" lvl="1" indent="0" algn="just">
+              <a:buNone/>
+            </a:pPr>
+            <a:endParaRPr lang="pt-BR" sz="1400" u="sng" dirty="0" smtClean="0"/>
           </a:p>
         </p:txBody>
       </p:sp>
     </p:spTree>
     <p:extLst>
       <p:ext uri="{BB962C8B-B14F-4D97-AF65-F5344CB8AC3E}">
-        <p14:creationId xmlns:p14="http://schemas.microsoft.com/office/powerpoint/2010/main" val="2333415383"/>
+        <p14:creationId xmlns:p14="http://schemas.microsoft.com/office/powerpoint/2010/main" val="517489975"/>
       </p:ext>
     </p:extLst>
   </p:cSld>
@@ -7937,6 +8600,403 @@
       </p:grpSpPr>
       <p:sp>
         <p:nvSpPr>
+          <p:cNvPr id="5" name="Título 1"/>
+          <p:cNvSpPr>
+            <a:spLocks noGrp="1"/>
+          </p:cNvSpPr>
+          <p:nvPr>
+            <p:ph type="title"/>
+          </p:nvPr>
+        </p:nvSpPr>
+        <p:spPr>
+          <a:xfrm>
+            <a:off x="115910" y="123288"/>
+            <a:ext cx="11951594" cy="422275"/>
+          </a:xfrm>
+        </p:spPr>
+        <p:txBody>
+          <a:bodyPr vert="horz" lIns="91440" tIns="45720" rIns="91440" bIns="45720" rtlCol="0" anchor="ctr">
+            <a:normAutofit fontScale="90000"/>
+          </a:bodyPr>
+          <a:lstStyle/>
+          <a:p>
+            <a:pPr algn="ctr"/>
+            <a:r>
+              <a:rPr lang="pt-BR" sz="2800" b="1" dirty="0" smtClean="0"/>
+              <a:t>Construir as Próprias Imagens</a:t>
+            </a:r>
+            <a:endParaRPr lang="pt-BR" sz="2800" b="1" dirty="0"/>
+          </a:p>
+        </p:txBody>
+      </p:sp>
+    </p:spTree>
+    <p:extLst>
+      <p:ext uri="{BB962C8B-B14F-4D97-AF65-F5344CB8AC3E}">
+        <p14:creationId xmlns:p14="http://schemas.microsoft.com/office/powerpoint/2010/main" val="3241257494"/>
+      </p:ext>
+    </p:extLst>
+  </p:cSld>
+  <p:clrMapOvr>
+    <a:masterClrMapping/>
+  </p:clrMapOvr>
+</p:sld>
+</file>
+
+<file path=ppt/slides/slide22.xml><?xml version="1.0" encoding="utf-8"?>
+<p:sld xmlns:a="http://schemas.openxmlformats.org/drawingml/2006/main" xmlns:r="http://schemas.openxmlformats.org/officeDocument/2006/relationships" xmlns:p="http://schemas.openxmlformats.org/presentationml/2006/main">
+  <p:cSld>
+    <p:spTree>
+      <p:nvGrpSpPr>
+        <p:cNvPr id="1" name=""/>
+        <p:cNvGrpSpPr/>
+        <p:nvPr/>
+      </p:nvGrpSpPr>
+      <p:grpSpPr>
+        <a:xfrm>
+          <a:off x="0" y="0"/>
+          <a:ext cx="0" cy="0"/>
+          <a:chOff x="0" y="0"/>
+          <a:chExt cx="0" cy="0"/>
+        </a:xfrm>
+      </p:grpSpPr>
+      <p:sp>
+        <p:nvSpPr>
+          <p:cNvPr id="5" name="Título 1"/>
+          <p:cNvSpPr>
+            <a:spLocks noGrp="1"/>
+          </p:cNvSpPr>
+          <p:nvPr>
+            <p:ph type="title"/>
+          </p:nvPr>
+        </p:nvSpPr>
+        <p:spPr>
+          <a:xfrm>
+            <a:off x="115910" y="123288"/>
+            <a:ext cx="11951594" cy="422275"/>
+          </a:xfrm>
+        </p:spPr>
+        <p:txBody>
+          <a:bodyPr vert="horz" lIns="91440" tIns="45720" rIns="91440" bIns="45720" rtlCol="0" anchor="ctr">
+            <a:normAutofit fontScale="90000"/>
+          </a:bodyPr>
+          <a:lstStyle/>
+          <a:p>
+            <a:pPr algn="ctr"/>
+            <a:r>
+              <a:rPr lang="pt-BR" sz="2800" b="1" dirty="0" smtClean="0"/>
+              <a:t>Comunicação entre Containers</a:t>
+            </a:r>
+            <a:endParaRPr lang="pt-BR" sz="2800" b="1" dirty="0"/>
+          </a:p>
+        </p:txBody>
+      </p:sp>
+    </p:spTree>
+    <p:extLst>
+      <p:ext uri="{BB962C8B-B14F-4D97-AF65-F5344CB8AC3E}">
+        <p14:creationId xmlns:p14="http://schemas.microsoft.com/office/powerpoint/2010/main" val="595613826"/>
+      </p:ext>
+    </p:extLst>
+  </p:cSld>
+  <p:clrMapOvr>
+    <a:masterClrMapping/>
+  </p:clrMapOvr>
+</p:sld>
+</file>
+
+<file path=ppt/slides/slide23.xml><?xml version="1.0" encoding="utf-8"?>
+<p:sld xmlns:a="http://schemas.openxmlformats.org/drawingml/2006/main" xmlns:r="http://schemas.openxmlformats.org/officeDocument/2006/relationships" xmlns:p="http://schemas.openxmlformats.org/presentationml/2006/main">
+  <p:cSld>
+    <p:spTree>
+      <p:nvGrpSpPr>
+        <p:cNvPr id="1" name=""/>
+        <p:cNvGrpSpPr/>
+        <p:nvPr/>
+      </p:nvGrpSpPr>
+      <p:grpSpPr>
+        <a:xfrm>
+          <a:off x="0" y="0"/>
+          <a:ext cx="0" cy="0"/>
+          <a:chOff x="0" y="0"/>
+          <a:chExt cx="0" cy="0"/>
+        </a:xfrm>
+      </p:grpSpPr>
+      <p:sp>
+        <p:nvSpPr>
+          <p:cNvPr id="5" name="Título 1"/>
+          <p:cNvSpPr>
+            <a:spLocks noGrp="1"/>
+          </p:cNvSpPr>
+          <p:nvPr>
+            <p:ph type="title"/>
+          </p:nvPr>
+        </p:nvSpPr>
+        <p:spPr>
+          <a:xfrm>
+            <a:off x="115910" y="123288"/>
+            <a:ext cx="11951594" cy="422275"/>
+          </a:xfrm>
+        </p:spPr>
+        <p:txBody>
+          <a:bodyPr vert="horz" lIns="91440" tIns="45720" rIns="91440" bIns="45720" rtlCol="0" anchor="ctr">
+            <a:normAutofit fontScale="90000"/>
+          </a:bodyPr>
+          <a:lstStyle/>
+          <a:p>
+            <a:pPr algn="ctr"/>
+            <a:r>
+              <a:rPr lang="pt-BR" sz="2800" b="1" dirty="0" smtClean="0"/>
+              <a:t>Comunicação entre Containers</a:t>
+            </a:r>
+            <a:endParaRPr lang="pt-BR" sz="2800" b="1" dirty="0"/>
+          </a:p>
+        </p:txBody>
+      </p:sp>
+    </p:spTree>
+    <p:extLst>
+      <p:ext uri="{BB962C8B-B14F-4D97-AF65-F5344CB8AC3E}">
+        <p14:creationId xmlns:p14="http://schemas.microsoft.com/office/powerpoint/2010/main" val="3506319487"/>
+      </p:ext>
+    </p:extLst>
+  </p:cSld>
+  <p:clrMapOvr>
+    <a:masterClrMapping/>
+  </p:clrMapOvr>
+</p:sld>
+</file>
+
+<file path=ppt/slides/slide24.xml><?xml version="1.0" encoding="utf-8"?>
+<p:sld xmlns:a="http://schemas.openxmlformats.org/drawingml/2006/main" xmlns:r="http://schemas.openxmlformats.org/officeDocument/2006/relationships" xmlns:p="http://schemas.openxmlformats.org/presentationml/2006/main">
+  <p:cSld>
+    <p:spTree>
+      <p:nvGrpSpPr>
+        <p:cNvPr id="1" name=""/>
+        <p:cNvGrpSpPr/>
+        <p:nvPr/>
+      </p:nvGrpSpPr>
+      <p:grpSpPr>
+        <a:xfrm>
+          <a:off x="0" y="0"/>
+          <a:ext cx="0" cy="0"/>
+          <a:chOff x="0" y="0"/>
+          <a:chExt cx="0" cy="0"/>
+        </a:xfrm>
+      </p:grpSpPr>
+      <p:sp>
+        <p:nvSpPr>
+          <p:cNvPr id="5" name="Título 1"/>
+          <p:cNvSpPr>
+            <a:spLocks noGrp="1"/>
+          </p:cNvSpPr>
+          <p:nvPr>
+            <p:ph type="title"/>
+          </p:nvPr>
+        </p:nvSpPr>
+        <p:spPr>
+          <a:xfrm>
+            <a:off x="115910" y="123288"/>
+            <a:ext cx="11951594" cy="422275"/>
+          </a:xfrm>
+        </p:spPr>
+        <p:txBody>
+          <a:bodyPr vert="horz" lIns="91440" tIns="45720" rIns="91440" bIns="45720" rtlCol="0" anchor="ctr">
+            <a:normAutofit fontScale="90000"/>
+          </a:bodyPr>
+          <a:lstStyle/>
+          <a:p>
+            <a:pPr algn="ctr"/>
+            <a:r>
+              <a:rPr lang="pt-BR" sz="2800" b="1" dirty="0" smtClean="0"/>
+              <a:t>Trabalhando com o </a:t>
+            </a:r>
+            <a:r>
+              <a:rPr lang="pt-BR" sz="2800" b="1" dirty="0" err="1" smtClean="0"/>
+              <a:t>Docker</a:t>
+            </a:r>
+            <a:r>
+              <a:rPr lang="pt-BR" sz="2800" b="1" dirty="0" smtClean="0"/>
+              <a:t> </a:t>
+            </a:r>
+            <a:r>
+              <a:rPr lang="pt-BR" sz="2800" b="1" dirty="0" err="1" smtClean="0"/>
+              <a:t>Compose</a:t>
+            </a:r>
+            <a:endParaRPr lang="pt-BR" sz="2800" b="1" dirty="0"/>
+          </a:p>
+        </p:txBody>
+      </p:sp>
+    </p:spTree>
+    <p:extLst>
+      <p:ext uri="{BB962C8B-B14F-4D97-AF65-F5344CB8AC3E}">
+        <p14:creationId xmlns:p14="http://schemas.microsoft.com/office/powerpoint/2010/main" val="2618223457"/>
+      </p:ext>
+    </p:extLst>
+  </p:cSld>
+  <p:clrMapOvr>
+    <a:masterClrMapping/>
+  </p:clrMapOvr>
+</p:sld>
+</file>
+
+<file path=ppt/slides/slide25.xml><?xml version="1.0" encoding="utf-8"?>
+<p:sld xmlns:a="http://schemas.openxmlformats.org/drawingml/2006/main" xmlns:r="http://schemas.openxmlformats.org/officeDocument/2006/relationships" xmlns:p="http://schemas.openxmlformats.org/presentationml/2006/main">
+  <p:cSld>
+    <p:spTree>
+      <p:nvGrpSpPr>
+        <p:cNvPr id="1" name=""/>
+        <p:cNvGrpSpPr/>
+        <p:nvPr/>
+      </p:nvGrpSpPr>
+      <p:grpSpPr>
+        <a:xfrm>
+          <a:off x="0" y="0"/>
+          <a:ext cx="0" cy="0"/>
+          <a:chOff x="0" y="0"/>
+          <a:chExt cx="0" cy="0"/>
+        </a:xfrm>
+      </p:grpSpPr>
+      <p:sp>
+        <p:nvSpPr>
+          <p:cNvPr id="5" name="Título 1"/>
+          <p:cNvSpPr>
+            <a:spLocks noGrp="1"/>
+          </p:cNvSpPr>
+          <p:nvPr>
+            <p:ph type="title"/>
+          </p:nvPr>
+        </p:nvSpPr>
+        <p:spPr>
+          <a:xfrm>
+            <a:off x="115910" y="123288"/>
+            <a:ext cx="11951594" cy="422275"/>
+          </a:xfrm>
+        </p:spPr>
+        <p:txBody>
+          <a:bodyPr vert="horz" lIns="91440" tIns="45720" rIns="91440" bIns="45720" rtlCol="0" anchor="ctr">
+            <a:normAutofit fontScale="90000"/>
+          </a:bodyPr>
+          <a:lstStyle/>
+          <a:p>
+            <a:pPr algn="ctr"/>
+            <a:r>
+              <a:rPr lang="pt-BR" sz="2800" b="1" dirty="0" smtClean="0"/>
+              <a:t>Trabalhando com o </a:t>
+            </a:r>
+            <a:r>
+              <a:rPr lang="pt-BR" sz="2800" b="1" dirty="0" err="1" smtClean="0"/>
+              <a:t>Docker</a:t>
+            </a:r>
+            <a:r>
+              <a:rPr lang="pt-BR" sz="2800" b="1" dirty="0" smtClean="0"/>
+              <a:t> </a:t>
+            </a:r>
+            <a:r>
+              <a:rPr lang="pt-BR" sz="2800" b="1" dirty="0" err="1" smtClean="0"/>
+              <a:t>Compose</a:t>
+            </a:r>
+            <a:endParaRPr lang="pt-BR" sz="2800" b="1" dirty="0"/>
+          </a:p>
+        </p:txBody>
+      </p:sp>
+    </p:spTree>
+    <p:extLst>
+      <p:ext uri="{BB962C8B-B14F-4D97-AF65-F5344CB8AC3E}">
+        <p14:creationId xmlns:p14="http://schemas.microsoft.com/office/powerpoint/2010/main" val="1819436064"/>
+      </p:ext>
+    </p:extLst>
+  </p:cSld>
+  <p:clrMapOvr>
+    <a:masterClrMapping/>
+  </p:clrMapOvr>
+</p:sld>
+</file>
+
+<file path=ppt/slides/slide26.xml><?xml version="1.0" encoding="utf-8"?>
+<p:sld xmlns:a="http://schemas.openxmlformats.org/drawingml/2006/main" xmlns:r="http://schemas.openxmlformats.org/officeDocument/2006/relationships" xmlns:p="http://schemas.openxmlformats.org/presentationml/2006/main">
+  <p:cSld>
+    <p:spTree>
+      <p:nvGrpSpPr>
+        <p:cNvPr id="1" name=""/>
+        <p:cNvGrpSpPr/>
+        <p:nvPr/>
+      </p:nvGrpSpPr>
+      <p:grpSpPr>
+        <a:xfrm>
+          <a:off x="0" y="0"/>
+          <a:ext cx="0" cy="0"/>
+          <a:chOff x="0" y="0"/>
+          <a:chExt cx="0" cy="0"/>
+        </a:xfrm>
+      </p:grpSpPr>
+      <p:sp>
+        <p:nvSpPr>
+          <p:cNvPr id="2" name="Título 1"/>
+          <p:cNvSpPr>
+            <a:spLocks noGrp="1"/>
+          </p:cNvSpPr>
+          <p:nvPr>
+            <p:ph type="title"/>
+          </p:nvPr>
+        </p:nvSpPr>
+        <p:spPr/>
+        <p:txBody>
+          <a:bodyPr/>
+          <a:lstStyle/>
+          <a:p>
+            <a:endParaRPr lang="pt-BR"/>
+          </a:p>
+        </p:txBody>
+      </p:sp>
+      <p:sp>
+        <p:nvSpPr>
+          <p:cNvPr id="3" name="Espaço Reservado para Conteúdo 2"/>
+          <p:cNvSpPr>
+            <a:spLocks noGrp="1"/>
+          </p:cNvSpPr>
+          <p:nvPr>
+            <p:ph idx="1"/>
+          </p:nvPr>
+        </p:nvSpPr>
+        <p:spPr/>
+        <p:txBody>
+          <a:bodyPr/>
+          <a:lstStyle/>
+          <a:p>
+            <a:endParaRPr lang="pt-BR"/>
+          </a:p>
+        </p:txBody>
+      </p:sp>
+    </p:spTree>
+    <p:extLst>
+      <p:ext uri="{BB962C8B-B14F-4D97-AF65-F5344CB8AC3E}">
+        <p14:creationId xmlns:p14="http://schemas.microsoft.com/office/powerpoint/2010/main" val="2333415383"/>
+      </p:ext>
+    </p:extLst>
+  </p:cSld>
+  <p:clrMapOvr>
+    <a:masterClrMapping/>
+  </p:clrMapOvr>
+</p:sld>
+</file>
+
+<file path=ppt/slides/slide27.xml><?xml version="1.0" encoding="utf-8"?>
+<p:sld xmlns:a="http://schemas.openxmlformats.org/drawingml/2006/main" xmlns:r="http://schemas.openxmlformats.org/officeDocument/2006/relationships" xmlns:p="http://schemas.openxmlformats.org/presentationml/2006/main">
+  <p:cSld>
+    <p:spTree>
+      <p:nvGrpSpPr>
+        <p:cNvPr id="1" name=""/>
+        <p:cNvGrpSpPr/>
+        <p:nvPr/>
+      </p:nvGrpSpPr>
+      <p:grpSpPr>
+        <a:xfrm>
+          <a:off x="0" y="0"/>
+          <a:ext cx="0" cy="0"/>
+          <a:chOff x="0" y="0"/>
+          <a:chExt cx="0" cy="0"/>
+        </a:xfrm>
+      </p:grpSpPr>
+      <p:sp>
+        <p:nvSpPr>
           <p:cNvPr id="2" name="Título 1"/>
           <p:cNvSpPr>
             <a:spLocks noGrp="1"/>
@@ -7986,7 +9046,7 @@
 </p:sld>
 </file>
 
-<file path=ppt/slides/slide22.xml><?xml version="1.0" encoding="utf-8"?>
+<file path=ppt/slides/slide28.xml><?xml version="1.0" encoding="utf-8"?>
 <p:sld xmlns:a="http://schemas.openxmlformats.org/drawingml/2006/main" xmlns:r="http://schemas.openxmlformats.org/officeDocument/2006/relationships" xmlns:p="http://schemas.openxmlformats.org/presentationml/2006/main">
   <p:cSld>
     <p:spTree>

--- a/docs/docker-resumo.pptx
+++ b/docs/docker-resumo.pptx
@@ -268,7 +268,7 @@
           <a:p>
             <a:fld id="{CC58B075-67F8-4A8D-AE1C-3D3E4193EBCA}" type="datetimeFigureOut">
               <a:rPr lang="pt-BR" smtClean="0"/>
-              <a:t>09/10/2019</a:t>
+              <a:t>10/10/2019</a:t>
             </a:fld>
             <a:endParaRPr lang="pt-BR"/>
           </a:p>
@@ -436,7 +436,7 @@
           <a:p>
             <a:fld id="{CC58B075-67F8-4A8D-AE1C-3D3E4193EBCA}" type="datetimeFigureOut">
               <a:rPr lang="pt-BR" smtClean="0"/>
-              <a:t>09/10/2019</a:t>
+              <a:t>10/10/2019</a:t>
             </a:fld>
             <a:endParaRPr lang="pt-BR"/>
           </a:p>
@@ -614,7 +614,7 @@
           <a:p>
             <a:fld id="{CC58B075-67F8-4A8D-AE1C-3D3E4193EBCA}" type="datetimeFigureOut">
               <a:rPr lang="pt-BR" smtClean="0"/>
-              <a:t>09/10/2019</a:t>
+              <a:t>10/10/2019</a:t>
             </a:fld>
             <a:endParaRPr lang="pt-BR"/>
           </a:p>
@@ -782,7 +782,7 @@
           <a:p>
             <a:fld id="{CC58B075-67F8-4A8D-AE1C-3D3E4193EBCA}" type="datetimeFigureOut">
               <a:rPr lang="pt-BR" smtClean="0"/>
-              <a:t>09/10/2019</a:t>
+              <a:t>10/10/2019</a:t>
             </a:fld>
             <a:endParaRPr lang="pt-BR"/>
           </a:p>
@@ -1027,7 +1027,7 @@
           <a:p>
             <a:fld id="{CC58B075-67F8-4A8D-AE1C-3D3E4193EBCA}" type="datetimeFigureOut">
               <a:rPr lang="pt-BR" smtClean="0"/>
-              <a:t>09/10/2019</a:t>
+              <a:t>10/10/2019</a:t>
             </a:fld>
             <a:endParaRPr lang="pt-BR"/>
           </a:p>
@@ -1256,7 +1256,7 @@
           <a:p>
             <a:fld id="{CC58B075-67F8-4A8D-AE1C-3D3E4193EBCA}" type="datetimeFigureOut">
               <a:rPr lang="pt-BR" smtClean="0"/>
-              <a:t>09/10/2019</a:t>
+              <a:t>10/10/2019</a:t>
             </a:fld>
             <a:endParaRPr lang="pt-BR"/>
           </a:p>
@@ -1620,7 +1620,7 @@
           <a:p>
             <a:fld id="{CC58B075-67F8-4A8D-AE1C-3D3E4193EBCA}" type="datetimeFigureOut">
               <a:rPr lang="pt-BR" smtClean="0"/>
-              <a:t>09/10/2019</a:t>
+              <a:t>10/10/2019</a:t>
             </a:fld>
             <a:endParaRPr lang="pt-BR"/>
           </a:p>
@@ -1737,7 +1737,7 @@
           <a:p>
             <a:fld id="{CC58B075-67F8-4A8D-AE1C-3D3E4193EBCA}" type="datetimeFigureOut">
               <a:rPr lang="pt-BR" smtClean="0"/>
-              <a:t>09/10/2019</a:t>
+              <a:t>10/10/2019</a:t>
             </a:fld>
             <a:endParaRPr lang="pt-BR"/>
           </a:p>
@@ -1832,7 +1832,7 @@
           <a:p>
             <a:fld id="{CC58B075-67F8-4A8D-AE1C-3D3E4193EBCA}" type="datetimeFigureOut">
               <a:rPr lang="pt-BR" smtClean="0"/>
-              <a:t>09/10/2019</a:t>
+              <a:t>10/10/2019</a:t>
             </a:fld>
             <a:endParaRPr lang="pt-BR"/>
           </a:p>
@@ -2107,7 +2107,7 @@
           <a:p>
             <a:fld id="{CC58B075-67F8-4A8D-AE1C-3D3E4193EBCA}" type="datetimeFigureOut">
               <a:rPr lang="pt-BR" smtClean="0"/>
-              <a:t>09/10/2019</a:t>
+              <a:t>10/10/2019</a:t>
             </a:fld>
             <a:endParaRPr lang="pt-BR"/>
           </a:p>
@@ -2359,7 +2359,7 @@
           <a:p>
             <a:fld id="{CC58B075-67F8-4A8D-AE1C-3D3E4193EBCA}" type="datetimeFigureOut">
               <a:rPr lang="pt-BR" smtClean="0"/>
-              <a:t>09/10/2019</a:t>
+              <a:t>10/10/2019</a:t>
             </a:fld>
             <a:endParaRPr lang="pt-BR"/>
           </a:p>
@@ -2570,7 +2570,7 @@
           <a:p>
             <a:fld id="{CC58B075-67F8-4A8D-AE1C-3D3E4193EBCA}" type="datetimeFigureOut">
               <a:rPr lang="pt-BR" smtClean="0"/>
-              <a:t>09/10/2019</a:t>
+              <a:t>10/10/2019</a:t>
             </a:fld>
             <a:endParaRPr lang="pt-BR"/>
           </a:p>
@@ -2993,13 +2993,48 @@
           <a:lstStyle/>
           <a:p>
             <a:r>
+              <a:rPr lang="pt-BR" sz="3600" dirty="0" err="1" smtClean="0"/>
+              <a:t>Docker</a:t>
+            </a:r>
+            <a:r>
               <a:rPr lang="pt-BR" sz="3600" dirty="0" smtClean="0"/>
-              <a:t>Docker</a:t>
+              <a:t> </a:t>
+            </a:r>
+            <a:br>
+              <a:rPr lang="pt-BR" sz="3600" dirty="0" smtClean="0"/>
+            </a:br>
+            <a:r>
+              <a:rPr lang="pt-BR" sz="3600" dirty="0" smtClean="0"/>
+              <a:t>(resumo) </a:t>
             </a:r>
             <a:endParaRPr lang="pt-BR" sz="3600" dirty="0"/>
           </a:p>
         </p:txBody>
       </p:sp>
+      <p:pic>
+        <p:nvPicPr>
+          <p:cNvPr id="3" name="Imagem 2"/>
+          <p:cNvPicPr>
+            <a:picLocks noChangeAspect="1"/>
+          </p:cNvPicPr>
+          <p:nvPr/>
+        </p:nvPicPr>
+        <p:blipFill>
+          <a:blip r:embed="rId2"/>
+          <a:stretch>
+            <a:fillRect/>
+          </a:stretch>
+        </p:blipFill>
+        <p:spPr>
+          <a:xfrm>
+            <a:off x="4648200" y="3509963"/>
+            <a:ext cx="2895600" cy="1581150"/>
+          </a:xfrm>
+          <a:prstGeom prst="rect">
+            <a:avLst/>
+          </a:prstGeom>
+        </p:spPr>
+      </p:pic>
     </p:spTree>
     <p:extLst>
       <p:ext uri="{BB962C8B-B14F-4D97-AF65-F5344CB8AC3E}">
@@ -7816,11 +7851,6 @@
               </a:rPr>
               <a:t> start</a:t>
             </a:r>
-            <a:endParaRPr lang="pt-BR" sz="1600" dirty="0">
-              <a:solidFill>
-                <a:schemeClr val="accent5"/>
-              </a:solidFill>
-            </a:endParaRPr>
           </a:p>
           <a:p>
             <a:pPr>
@@ -7846,11 +7876,6 @@
               </a:rPr>
               <a:t>Você conseguirá executar o código em http://localhost:8080</a:t>
             </a:r>
-            <a:endParaRPr lang="pt-BR" sz="2400" dirty="0" smtClean="0">
-              <a:solidFill>
-                <a:schemeClr val="accent5"/>
-              </a:solidFill>
-            </a:endParaRPr>
           </a:p>
           <a:p>
             <a:pPr>

--- a/docs/docker-resumo.pptx
+++ b/docs/docker-resumo.pptx
@@ -268,7 +268,7 @@
           <a:p>
             <a:fld id="{CC58B075-67F8-4A8D-AE1C-3D3E4193EBCA}" type="datetimeFigureOut">
               <a:rPr lang="pt-BR" smtClean="0"/>
-              <a:t>10/10/2019</a:t>
+              <a:t>21/10/2019</a:t>
             </a:fld>
             <a:endParaRPr lang="pt-BR"/>
           </a:p>
@@ -436,7 +436,7 @@
           <a:p>
             <a:fld id="{CC58B075-67F8-4A8D-AE1C-3D3E4193EBCA}" type="datetimeFigureOut">
               <a:rPr lang="pt-BR" smtClean="0"/>
-              <a:t>10/10/2019</a:t>
+              <a:t>21/10/2019</a:t>
             </a:fld>
             <a:endParaRPr lang="pt-BR"/>
           </a:p>
@@ -614,7 +614,7 @@
           <a:p>
             <a:fld id="{CC58B075-67F8-4A8D-AE1C-3D3E4193EBCA}" type="datetimeFigureOut">
               <a:rPr lang="pt-BR" smtClean="0"/>
-              <a:t>10/10/2019</a:t>
+              <a:t>21/10/2019</a:t>
             </a:fld>
             <a:endParaRPr lang="pt-BR"/>
           </a:p>
@@ -782,7 +782,7 @@
           <a:p>
             <a:fld id="{CC58B075-67F8-4A8D-AE1C-3D3E4193EBCA}" type="datetimeFigureOut">
               <a:rPr lang="pt-BR" smtClean="0"/>
-              <a:t>10/10/2019</a:t>
+              <a:t>21/10/2019</a:t>
             </a:fld>
             <a:endParaRPr lang="pt-BR"/>
           </a:p>
@@ -1027,7 +1027,7 @@
           <a:p>
             <a:fld id="{CC58B075-67F8-4A8D-AE1C-3D3E4193EBCA}" type="datetimeFigureOut">
               <a:rPr lang="pt-BR" smtClean="0"/>
-              <a:t>10/10/2019</a:t>
+              <a:t>21/10/2019</a:t>
             </a:fld>
             <a:endParaRPr lang="pt-BR"/>
           </a:p>
@@ -1256,7 +1256,7 @@
           <a:p>
             <a:fld id="{CC58B075-67F8-4A8D-AE1C-3D3E4193EBCA}" type="datetimeFigureOut">
               <a:rPr lang="pt-BR" smtClean="0"/>
-              <a:t>10/10/2019</a:t>
+              <a:t>21/10/2019</a:t>
             </a:fld>
             <a:endParaRPr lang="pt-BR"/>
           </a:p>
@@ -1620,7 +1620,7 @@
           <a:p>
             <a:fld id="{CC58B075-67F8-4A8D-AE1C-3D3E4193EBCA}" type="datetimeFigureOut">
               <a:rPr lang="pt-BR" smtClean="0"/>
-              <a:t>10/10/2019</a:t>
+              <a:t>21/10/2019</a:t>
             </a:fld>
             <a:endParaRPr lang="pt-BR"/>
           </a:p>
@@ -1737,7 +1737,7 @@
           <a:p>
             <a:fld id="{CC58B075-67F8-4A8D-AE1C-3D3E4193EBCA}" type="datetimeFigureOut">
               <a:rPr lang="pt-BR" smtClean="0"/>
-              <a:t>10/10/2019</a:t>
+              <a:t>21/10/2019</a:t>
             </a:fld>
             <a:endParaRPr lang="pt-BR"/>
           </a:p>
@@ -1832,7 +1832,7 @@
           <a:p>
             <a:fld id="{CC58B075-67F8-4A8D-AE1C-3D3E4193EBCA}" type="datetimeFigureOut">
               <a:rPr lang="pt-BR" smtClean="0"/>
-              <a:t>10/10/2019</a:t>
+              <a:t>21/10/2019</a:t>
             </a:fld>
             <a:endParaRPr lang="pt-BR"/>
           </a:p>
@@ -2107,7 +2107,7 @@
           <a:p>
             <a:fld id="{CC58B075-67F8-4A8D-AE1C-3D3E4193EBCA}" type="datetimeFigureOut">
               <a:rPr lang="pt-BR" smtClean="0"/>
-              <a:t>10/10/2019</a:t>
+              <a:t>21/10/2019</a:t>
             </a:fld>
             <a:endParaRPr lang="pt-BR"/>
           </a:p>
@@ -2359,7 +2359,7 @@
           <a:p>
             <a:fld id="{CC58B075-67F8-4A8D-AE1C-3D3E4193EBCA}" type="datetimeFigureOut">
               <a:rPr lang="pt-BR" smtClean="0"/>
-              <a:t>10/10/2019</a:t>
+              <a:t>21/10/2019</a:t>
             </a:fld>
             <a:endParaRPr lang="pt-BR"/>
           </a:p>
@@ -2570,7 +2570,7 @@
           <a:p>
             <a:fld id="{CC58B075-67F8-4A8D-AE1C-3D3E4193EBCA}" type="datetimeFigureOut">
               <a:rPr lang="pt-BR" smtClean="0"/>
-              <a:t>10/10/2019</a:t>
+              <a:t>21/10/2019</a:t>
             </a:fld>
             <a:endParaRPr lang="pt-BR"/>
           </a:p>
@@ -7677,7 +7677,7 @@
         </p:nvSpPr>
         <p:spPr>
           <a:xfrm>
-            <a:off x="115910" y="123288"/>
+            <a:off x="115910" y="112271"/>
             <a:ext cx="11951594" cy="422275"/>
           </a:xfrm>
         </p:spPr>
@@ -7708,8 +7708,8 @@
         </p:nvSpPr>
         <p:spPr>
           <a:xfrm>
-            <a:off x="241478" y="927279"/>
-            <a:ext cx="11259355" cy="2434107"/>
+            <a:off x="194791" y="629823"/>
+            <a:ext cx="11259355" cy="2895575"/>
           </a:xfrm>
         </p:spPr>
         <p:txBody>
@@ -7732,20 +7732,33 @@
             </a:r>
           </a:p>
           <a:p>
-            <a:endParaRPr lang="pt-BR" sz="2000" b="1" dirty="0"/>
-          </a:p>
-          <a:p>
             <a:pPr lvl="2">
               <a:buFont typeface="Wingdings" panose="05000000000000000000" pitchFamily="2" charset="2"/>
               <a:buChar char="Ø"/>
             </a:pPr>
             <a:r>
+              <a:rPr lang="pt-BR" sz="1600" dirty="0" err="1" smtClean="0">
+                <a:solidFill>
+                  <a:schemeClr val="accent5"/>
+                </a:solidFill>
+              </a:rPr>
+              <a:t>docker</a:t>
+            </a:r>
+            <a:r>
+              <a:rPr lang="pt-BR" sz="1600" dirty="0" smtClean="0">
+                <a:solidFill>
+                  <a:schemeClr val="accent5"/>
+                </a:solidFill>
+              </a:rPr>
+              <a:t> </a:t>
+            </a:r>
+            <a:r>
               <a:rPr lang="pt-BR" sz="1600" dirty="0" err="1">
                 <a:solidFill>
                   <a:schemeClr val="accent5"/>
                 </a:solidFill>
               </a:rPr>
-              <a:t>docker</a:t>
+              <a:t>run</a:t>
             </a:r>
             <a:r>
               <a:rPr lang="pt-BR" sz="1600" dirty="0">
@@ -7753,128 +7766,278 @@
                   <a:schemeClr val="accent5"/>
                 </a:solidFill>
               </a:rPr>
+              <a:t> -d -p 8080:3000 -v "//c/</a:t>
+            </a:r>
+            <a:r>
+              <a:rPr lang="pt-BR" sz="1600" dirty="0" err="1">
+                <a:solidFill>
+                  <a:schemeClr val="accent5"/>
+                </a:solidFill>
+              </a:rPr>
+              <a:t>Users</a:t>
+            </a:r>
+            <a:r>
+              <a:rPr lang="pt-BR" sz="1600" dirty="0" smtClean="0">
+                <a:solidFill>
+                  <a:schemeClr val="accent5"/>
+                </a:solidFill>
+              </a:rPr>
+              <a:t>/&lt;&lt;Seu caminho local&gt;&gt;/volume-exemplo</a:t>
+            </a:r>
+            <a:r>
+              <a:rPr lang="pt-BR" sz="1600" dirty="0">
+                <a:solidFill>
+                  <a:schemeClr val="accent5"/>
+                </a:solidFill>
+              </a:rPr>
+              <a:t>:/var/</a:t>
+            </a:r>
+            <a:r>
+              <a:rPr lang="pt-BR" sz="1600" dirty="0" err="1">
+                <a:solidFill>
+                  <a:schemeClr val="accent5"/>
+                </a:solidFill>
+              </a:rPr>
+              <a:t>www</a:t>
+            </a:r>
+            <a:r>
+              <a:rPr lang="pt-BR" sz="1600" dirty="0">
+                <a:solidFill>
+                  <a:schemeClr val="accent5"/>
+                </a:solidFill>
+              </a:rPr>
+              <a:t>" -w "/var/</a:t>
+            </a:r>
+            <a:r>
+              <a:rPr lang="pt-BR" sz="1600" dirty="0" err="1">
+                <a:solidFill>
+                  <a:schemeClr val="accent5"/>
+                </a:solidFill>
+              </a:rPr>
+              <a:t>www</a:t>
+            </a:r>
+            <a:r>
+              <a:rPr lang="pt-BR" sz="1600" dirty="0">
+                <a:solidFill>
+                  <a:schemeClr val="accent5"/>
+                </a:solidFill>
+              </a:rPr>
+              <a:t>" </a:t>
+            </a:r>
+            <a:r>
+              <a:rPr lang="pt-BR" sz="1600" dirty="0" smtClean="0">
+                <a:solidFill>
+                  <a:schemeClr val="accent5"/>
+                </a:solidFill>
+              </a:rPr>
+              <a:t>node </a:t>
+            </a:r>
+            <a:r>
+              <a:rPr lang="pt-BR" sz="1600" dirty="0" err="1">
+                <a:solidFill>
+                  <a:schemeClr val="accent5"/>
+                </a:solidFill>
+              </a:rPr>
+              <a:t>npm</a:t>
+            </a:r>
+            <a:r>
+              <a:rPr lang="pt-BR" sz="1600" dirty="0">
+                <a:solidFill>
+                  <a:schemeClr val="accent5"/>
+                </a:solidFill>
+              </a:rPr>
               <a:t> </a:t>
             </a:r>
             <a:r>
-              <a:rPr lang="pt-BR" sz="1600" dirty="0" err="1">
+              <a:rPr lang="pt-BR" sz="1600" dirty="0" smtClean="0">
                 <a:solidFill>
                   <a:schemeClr val="accent5"/>
                 </a:solidFill>
               </a:rPr>
-              <a:t>run</a:t>
-            </a:r>
-            <a:r>
-              <a:rPr lang="pt-BR" sz="1600" dirty="0">
-                <a:solidFill>
-                  <a:schemeClr val="accent5"/>
-                </a:solidFill>
-              </a:rPr>
-              <a:t> -d -p 8080:3000 -v "//c/</a:t>
-            </a:r>
-            <a:r>
-              <a:rPr lang="pt-BR" sz="1600" dirty="0" err="1">
-                <a:solidFill>
-                  <a:schemeClr val="accent5"/>
-                </a:solidFill>
-              </a:rPr>
-              <a:t>Users</a:t>
-            </a:r>
-            <a:r>
-              <a:rPr lang="pt-BR" sz="1600" dirty="0" smtClean="0">
-                <a:solidFill>
-                  <a:schemeClr val="accent5"/>
-                </a:solidFill>
-              </a:rPr>
-              <a:t>/&lt;&lt;Seu caminho local&gt;&gt;/volume-exemplo</a:t>
-            </a:r>
-            <a:r>
-              <a:rPr lang="pt-BR" sz="1600" dirty="0">
-                <a:solidFill>
-                  <a:schemeClr val="accent5"/>
-                </a:solidFill>
-              </a:rPr>
-              <a:t>:/var/</a:t>
-            </a:r>
-            <a:r>
-              <a:rPr lang="pt-BR" sz="1600" dirty="0" err="1">
-                <a:solidFill>
-                  <a:schemeClr val="accent5"/>
-                </a:solidFill>
-              </a:rPr>
-              <a:t>www</a:t>
-            </a:r>
-            <a:r>
-              <a:rPr lang="pt-BR" sz="1600" dirty="0">
-                <a:solidFill>
-                  <a:schemeClr val="accent5"/>
-                </a:solidFill>
-              </a:rPr>
-              <a:t>" -w "/var/</a:t>
-            </a:r>
-            <a:r>
-              <a:rPr lang="pt-BR" sz="1600" dirty="0" err="1">
-                <a:solidFill>
-                  <a:schemeClr val="accent5"/>
-                </a:solidFill>
-              </a:rPr>
-              <a:t>www</a:t>
-            </a:r>
-            <a:r>
-              <a:rPr lang="pt-BR" sz="1600" dirty="0">
-                <a:solidFill>
-                  <a:schemeClr val="accent5"/>
-                </a:solidFill>
-              </a:rPr>
-              <a:t>" </a:t>
-            </a:r>
-            <a:r>
-              <a:rPr lang="pt-BR" sz="1600" dirty="0" smtClean="0">
-                <a:solidFill>
-                  <a:schemeClr val="accent5"/>
-                </a:solidFill>
-              </a:rPr>
-              <a:t>node </a:t>
-            </a:r>
-            <a:r>
-              <a:rPr lang="pt-BR" sz="1600" dirty="0" err="1">
-                <a:solidFill>
-                  <a:schemeClr val="accent5"/>
-                </a:solidFill>
-              </a:rPr>
-              <a:t>npm</a:t>
-            </a:r>
-            <a:r>
-              <a:rPr lang="pt-BR" sz="1600" dirty="0">
-                <a:solidFill>
-                  <a:schemeClr val="accent5"/>
-                </a:solidFill>
-              </a:rPr>
-              <a:t> start</a:t>
-            </a:r>
-          </a:p>
-          <a:p>
-            <a:pPr>
+              <a:t>start</a:t>
+            </a:r>
+          </a:p>
+          <a:p>
+            <a:pPr lvl="2">
               <a:buFont typeface="Wingdings" panose="05000000000000000000" pitchFamily="2" charset="2"/>
               <a:buChar char="Ø"/>
             </a:pPr>
-            <a:endParaRPr lang="pt-BR" sz="2400" dirty="0" smtClean="0">
+            <a:endParaRPr lang="pt-BR" sz="1600" dirty="0">
               <a:solidFill>
                 <a:schemeClr val="accent5"/>
               </a:solidFill>
             </a:endParaRPr>
           </a:p>
           <a:p>
-            <a:pPr>
+            <a:pPr marL="3200400" lvl="7" indent="0">
+              <a:buNone/>
+            </a:pPr>
+            <a:r>
+              <a:rPr lang="pt-BR" sz="1400" b="1" dirty="0" smtClean="0">
+                <a:solidFill>
+                  <a:schemeClr val="accent5"/>
+                </a:solidFill>
+              </a:rPr>
+              <a:t>Ou </a:t>
+            </a:r>
+          </a:p>
+          <a:p>
+            <a:pPr marL="3200400" lvl="7" indent="0">
+              <a:buNone/>
+            </a:pPr>
+            <a:endParaRPr lang="pt-BR" sz="1400" b="1" dirty="0">
+              <a:solidFill>
+                <a:schemeClr val="accent5"/>
+              </a:solidFill>
+            </a:endParaRPr>
+          </a:p>
+          <a:p>
+            <a:pPr lvl="2">
               <a:buFont typeface="Wingdings" panose="05000000000000000000" pitchFamily="2" charset="2"/>
               <a:buChar char="Ø"/>
             </a:pPr>
             <a:r>
+              <a:rPr lang="pt-BR" sz="1600" dirty="0" err="1">
+                <a:solidFill>
+                  <a:schemeClr val="accent5"/>
+                </a:solidFill>
+              </a:rPr>
+              <a:t>docker</a:t>
+            </a:r>
+            <a:r>
+              <a:rPr lang="pt-BR" sz="1600" dirty="0">
+                <a:solidFill>
+                  <a:schemeClr val="accent5"/>
+                </a:solidFill>
+              </a:rPr>
+              <a:t> </a:t>
+            </a:r>
+            <a:r>
+              <a:rPr lang="pt-BR" sz="1600" dirty="0" err="1">
+                <a:solidFill>
+                  <a:schemeClr val="accent5"/>
+                </a:solidFill>
+              </a:rPr>
+              <a:t>run</a:t>
+            </a:r>
+            <a:r>
+              <a:rPr lang="pt-BR" sz="1600" dirty="0">
+                <a:solidFill>
+                  <a:schemeClr val="accent5"/>
+                </a:solidFill>
+              </a:rPr>
+              <a:t> -d -p 8080:3000 -v </a:t>
+            </a:r>
+            <a:r>
+              <a:rPr lang="pt-BR" sz="1600" dirty="0" smtClean="0">
+                <a:solidFill>
+                  <a:schemeClr val="accent5"/>
+                </a:solidFill>
+              </a:rPr>
+              <a:t>“$(</a:t>
+            </a:r>
+            <a:r>
+              <a:rPr lang="pt-BR" sz="1600" dirty="0" err="1" smtClean="0">
+                <a:solidFill>
+                  <a:schemeClr val="accent5"/>
+                </a:solidFill>
+              </a:rPr>
+              <a:t>pwd</a:t>
+            </a:r>
+            <a:r>
+              <a:rPr lang="pt-BR" sz="1600" dirty="0" smtClean="0">
+                <a:solidFill>
+                  <a:schemeClr val="accent5"/>
+                </a:solidFill>
+              </a:rPr>
+              <a:t>):/</a:t>
+            </a:r>
+            <a:r>
+              <a:rPr lang="pt-BR" sz="1600" dirty="0">
+                <a:solidFill>
+                  <a:schemeClr val="accent5"/>
+                </a:solidFill>
+              </a:rPr>
+              <a:t>var/</a:t>
+            </a:r>
+            <a:r>
+              <a:rPr lang="pt-BR" sz="1600" dirty="0" err="1">
+                <a:solidFill>
+                  <a:schemeClr val="accent5"/>
+                </a:solidFill>
+              </a:rPr>
+              <a:t>www</a:t>
+            </a:r>
+            <a:r>
+              <a:rPr lang="pt-BR" sz="1600" dirty="0">
+                <a:solidFill>
+                  <a:schemeClr val="accent5"/>
+                </a:solidFill>
+              </a:rPr>
+              <a:t>" -w "/var/</a:t>
+            </a:r>
+            <a:r>
+              <a:rPr lang="pt-BR" sz="1600" dirty="0" err="1">
+                <a:solidFill>
+                  <a:schemeClr val="accent5"/>
+                </a:solidFill>
+              </a:rPr>
+              <a:t>www</a:t>
+            </a:r>
+            <a:r>
+              <a:rPr lang="pt-BR" sz="1600" dirty="0">
+                <a:solidFill>
+                  <a:schemeClr val="accent5"/>
+                </a:solidFill>
+              </a:rPr>
+              <a:t>" node </a:t>
+            </a:r>
+            <a:r>
+              <a:rPr lang="pt-BR" sz="1600" dirty="0" err="1">
+                <a:solidFill>
+                  <a:schemeClr val="accent5"/>
+                </a:solidFill>
+              </a:rPr>
+              <a:t>npm</a:t>
+            </a:r>
+            <a:r>
+              <a:rPr lang="pt-BR" sz="1600" dirty="0">
+                <a:solidFill>
+                  <a:schemeClr val="accent5"/>
+                </a:solidFill>
+              </a:rPr>
+              <a:t> start</a:t>
+            </a:r>
+          </a:p>
+          <a:p>
+            <a:pPr marL="3200400" lvl="7" indent="0">
+              <a:buNone/>
+            </a:pPr>
+            <a:endParaRPr lang="pt-BR" sz="1400" b="1" dirty="0" smtClean="0">
+              <a:solidFill>
+                <a:schemeClr val="accent5"/>
+              </a:solidFill>
+            </a:endParaRPr>
+          </a:p>
+          <a:p>
+            <a:pPr marL="0" indent="0" algn="ctr">
+              <a:buNone/>
+            </a:pPr>
+            <a:r>
               <a:rPr lang="pt-BR" sz="2400" dirty="0" smtClean="0">
                 <a:solidFill>
-                  <a:schemeClr val="accent5"/>
-                </a:solidFill>
-              </a:rPr>
-              <a:t>Você conseguirá executar o código em http://localhost:8080</a:t>
+                  <a:schemeClr val="accent6"/>
+                </a:solidFill>
+              </a:rPr>
+              <a:t>Você </a:t>
+            </a:r>
+            <a:r>
+              <a:rPr lang="pt-BR" sz="2400" dirty="0" smtClean="0">
+                <a:solidFill>
+                  <a:schemeClr val="accent6"/>
+                </a:solidFill>
+              </a:rPr>
+              <a:t>conseguirá executar o código em http://localhost:8080</a:t>
             </a:r>
           </a:p>
           <a:p>
@@ -7900,8 +8063,8 @@
         </p:nvSpPr>
         <p:spPr>
           <a:xfrm>
-            <a:off x="288164" y="3271233"/>
-            <a:ext cx="11165982" cy="3438659"/>
+            <a:off x="288164" y="3448280"/>
+            <a:ext cx="11165982" cy="3261612"/>
           </a:xfrm>
           <a:prstGeom prst="rect">
             <a:avLst/>
@@ -8581,15 +8744,377 @@
             <a:pPr algn="just"/>
             <a:r>
               <a:rPr lang="pt-BR" sz="2000" b="1" i="1" dirty="0" smtClean="0"/>
-              <a:t>XXXXXX</a:t>
-            </a:r>
+              <a:t>Criando um </a:t>
+            </a:r>
+            <a:r>
+              <a:rPr lang="pt-BR" sz="2000" b="1" i="1" dirty="0" err="1" smtClean="0"/>
+              <a:t>Dockerfile</a:t>
+            </a:r>
+            <a:endParaRPr lang="pt-BR" sz="2000" b="1" i="1" dirty="0" smtClean="0"/>
+          </a:p>
+          <a:p>
+            <a:pPr algn="just"/>
+            <a:endParaRPr lang="pt-BR" sz="2000" b="1" i="1" u="sng" dirty="0"/>
+          </a:p>
+          <a:p>
+            <a:pPr lvl="1"/>
+            <a:r>
+              <a:rPr lang="pt-BR" sz="1400" dirty="0">
+                <a:solidFill>
+                  <a:srgbClr val="6A9955"/>
+                </a:solidFill>
+                <a:latin typeface="Consolas" panose="020B0609020204030204" pitchFamily="49" charset="0"/>
+              </a:rPr>
+              <a:t># Poderia ter outros nomes como: </a:t>
+            </a:r>
+            <a:r>
+              <a:rPr lang="pt-BR" sz="1400" dirty="0" err="1">
+                <a:solidFill>
+                  <a:srgbClr val="6A9955"/>
+                </a:solidFill>
+                <a:latin typeface="Consolas" panose="020B0609020204030204" pitchFamily="49" charset="0"/>
+              </a:rPr>
+              <a:t>node.dockerfile</a:t>
+            </a:r>
+            <a:r>
+              <a:rPr lang="pt-BR" sz="1400" dirty="0">
+                <a:solidFill>
+                  <a:srgbClr val="6A9955"/>
+                </a:solidFill>
+                <a:latin typeface="Consolas" panose="020B0609020204030204" pitchFamily="49" charset="0"/>
+              </a:rPr>
+              <a:t>, se </a:t>
+            </a:r>
+            <a:r>
+              <a:rPr lang="pt-BR" sz="1400" dirty="0" err="1">
+                <a:solidFill>
+                  <a:srgbClr val="6A9955"/>
+                </a:solidFill>
+                <a:latin typeface="Consolas" panose="020B0609020204030204" pitchFamily="49" charset="0"/>
+              </a:rPr>
+              <a:t>vc</a:t>
+            </a:r>
+            <a:r>
+              <a:rPr lang="pt-BR" sz="1400" dirty="0">
+                <a:solidFill>
+                  <a:srgbClr val="6A9955"/>
+                </a:solidFill>
+                <a:latin typeface="Consolas" panose="020B0609020204030204" pitchFamily="49" charset="0"/>
+              </a:rPr>
+              <a:t> tivesse vários </a:t>
+            </a:r>
+            <a:r>
+              <a:rPr lang="pt-BR" sz="1400" dirty="0" err="1">
+                <a:solidFill>
+                  <a:srgbClr val="6A9955"/>
+                </a:solidFill>
+                <a:latin typeface="Consolas" panose="020B0609020204030204" pitchFamily="49" charset="0"/>
+              </a:rPr>
+              <a:t>Dockerfiles</a:t>
+            </a:r>
+            <a:endParaRPr lang="pt-BR" sz="1400" dirty="0">
+              <a:solidFill>
+                <a:srgbClr val="D4D4D4"/>
+              </a:solidFill>
+              <a:latin typeface="Consolas" panose="020B0609020204030204" pitchFamily="49" charset="0"/>
+            </a:endParaRPr>
+          </a:p>
+          <a:p>
+            <a:pPr lvl="1"/>
+            <a:r>
+              <a:rPr lang="pt-BR" sz="1400" dirty="0">
+                <a:solidFill>
+                  <a:srgbClr val="569CD6"/>
+                </a:solidFill>
+                <a:latin typeface="Consolas" panose="020B0609020204030204" pitchFamily="49" charset="0"/>
+              </a:rPr>
+              <a:t>FROM</a:t>
+            </a:r>
+            <a:r>
+              <a:rPr lang="pt-BR" sz="1400" dirty="0">
+                <a:solidFill>
+                  <a:srgbClr val="D4D4D4"/>
+                </a:solidFill>
+                <a:latin typeface="Consolas" panose="020B0609020204030204" pitchFamily="49" charset="0"/>
+              </a:rPr>
+              <a:t> </a:t>
+            </a:r>
+            <a:r>
+              <a:rPr lang="pt-BR" sz="1400" dirty="0" err="1">
+                <a:solidFill>
+                  <a:srgbClr val="D4D4D4"/>
+                </a:solidFill>
+                <a:latin typeface="Consolas" panose="020B0609020204030204" pitchFamily="49" charset="0"/>
+              </a:rPr>
+              <a:t>node:latest</a:t>
+            </a:r>
+            <a:endParaRPr lang="pt-BR" sz="1400" dirty="0">
+              <a:solidFill>
+                <a:srgbClr val="D4D4D4"/>
+              </a:solidFill>
+              <a:latin typeface="Consolas" panose="020B0609020204030204" pitchFamily="49" charset="0"/>
+            </a:endParaRPr>
+          </a:p>
+          <a:p>
+            <a:pPr lvl="1"/>
+            <a:r>
+              <a:rPr lang="pt-BR" sz="1400" dirty="0">
+                <a:solidFill>
+                  <a:srgbClr val="569CD6"/>
+                </a:solidFill>
+                <a:latin typeface="Consolas" panose="020B0609020204030204" pitchFamily="49" charset="0"/>
+              </a:rPr>
+              <a:t>MAINTAINER</a:t>
+            </a:r>
+            <a:r>
+              <a:rPr lang="pt-BR" sz="1400" dirty="0">
+                <a:solidFill>
+                  <a:srgbClr val="D4D4D4"/>
+                </a:solidFill>
+                <a:latin typeface="Consolas" panose="020B0609020204030204" pitchFamily="49" charset="0"/>
+              </a:rPr>
+              <a:t> Luciano Cordeiro</a:t>
+            </a:r>
+          </a:p>
+          <a:p>
+            <a:pPr lvl="1"/>
+            <a:r>
+              <a:rPr lang="pt-BR" sz="1400" dirty="0">
+                <a:solidFill>
+                  <a:srgbClr val="569CD6"/>
+                </a:solidFill>
+                <a:latin typeface="Consolas" panose="020B0609020204030204" pitchFamily="49" charset="0"/>
+              </a:rPr>
+              <a:t>COPY</a:t>
+            </a:r>
+            <a:r>
+              <a:rPr lang="pt-BR" sz="1400" dirty="0">
+                <a:solidFill>
+                  <a:srgbClr val="D4D4D4"/>
+                </a:solidFill>
+                <a:latin typeface="Consolas" panose="020B0609020204030204" pitchFamily="49" charset="0"/>
+              </a:rPr>
+              <a:t> . /var/</a:t>
+            </a:r>
+            <a:r>
+              <a:rPr lang="pt-BR" sz="1400" dirty="0" err="1">
+                <a:solidFill>
+                  <a:srgbClr val="D4D4D4"/>
+                </a:solidFill>
+                <a:latin typeface="Consolas" panose="020B0609020204030204" pitchFamily="49" charset="0"/>
+              </a:rPr>
+              <a:t>www</a:t>
+            </a:r>
+            <a:endParaRPr lang="pt-BR" sz="1400" dirty="0">
+              <a:solidFill>
+                <a:srgbClr val="D4D4D4"/>
+              </a:solidFill>
+              <a:latin typeface="Consolas" panose="020B0609020204030204" pitchFamily="49" charset="0"/>
+            </a:endParaRPr>
+          </a:p>
+          <a:p>
+            <a:pPr lvl="1"/>
+            <a:r>
+              <a:rPr lang="pt-BR" sz="1400" dirty="0">
+                <a:solidFill>
+                  <a:srgbClr val="569CD6"/>
+                </a:solidFill>
+                <a:latin typeface="Consolas" panose="020B0609020204030204" pitchFamily="49" charset="0"/>
+              </a:rPr>
+              <a:t>WORKDIR</a:t>
+            </a:r>
+            <a:r>
+              <a:rPr lang="pt-BR" sz="1400" dirty="0">
+                <a:solidFill>
+                  <a:srgbClr val="D4D4D4"/>
+                </a:solidFill>
+                <a:latin typeface="Consolas" panose="020B0609020204030204" pitchFamily="49" charset="0"/>
+              </a:rPr>
+              <a:t> /var/</a:t>
+            </a:r>
+            <a:r>
+              <a:rPr lang="pt-BR" sz="1400" dirty="0" err="1">
+                <a:solidFill>
+                  <a:srgbClr val="D4D4D4"/>
+                </a:solidFill>
+                <a:latin typeface="Consolas" panose="020B0609020204030204" pitchFamily="49" charset="0"/>
+              </a:rPr>
+              <a:t>www</a:t>
+            </a:r>
+            <a:endParaRPr lang="pt-BR" sz="1400" dirty="0">
+              <a:solidFill>
+                <a:srgbClr val="D4D4D4"/>
+              </a:solidFill>
+              <a:latin typeface="Consolas" panose="020B0609020204030204" pitchFamily="49" charset="0"/>
+            </a:endParaRPr>
+          </a:p>
+          <a:p>
+            <a:pPr lvl="1"/>
+            <a:r>
+              <a:rPr lang="pt-BR" sz="1400" dirty="0">
+                <a:solidFill>
+                  <a:srgbClr val="569CD6"/>
+                </a:solidFill>
+                <a:latin typeface="Consolas" panose="020B0609020204030204" pitchFamily="49" charset="0"/>
+              </a:rPr>
+              <a:t>RUN</a:t>
+            </a:r>
+            <a:r>
+              <a:rPr lang="pt-BR" sz="1400" dirty="0">
+                <a:solidFill>
+                  <a:srgbClr val="D4D4D4"/>
+                </a:solidFill>
+                <a:latin typeface="Consolas" panose="020B0609020204030204" pitchFamily="49" charset="0"/>
+              </a:rPr>
+              <a:t> </a:t>
+            </a:r>
+            <a:r>
+              <a:rPr lang="pt-BR" sz="1400" dirty="0" err="1">
+                <a:solidFill>
+                  <a:srgbClr val="D4D4D4"/>
+                </a:solidFill>
+                <a:latin typeface="Consolas" panose="020B0609020204030204" pitchFamily="49" charset="0"/>
+              </a:rPr>
+              <a:t>npm</a:t>
+            </a:r>
+            <a:r>
+              <a:rPr lang="pt-BR" sz="1400" dirty="0">
+                <a:solidFill>
+                  <a:srgbClr val="D4D4D4"/>
+                </a:solidFill>
+                <a:latin typeface="Consolas" panose="020B0609020204030204" pitchFamily="49" charset="0"/>
+              </a:rPr>
+              <a:t> </a:t>
+            </a:r>
+            <a:r>
+              <a:rPr lang="pt-BR" sz="1400" dirty="0" err="1">
+                <a:solidFill>
+                  <a:srgbClr val="D4D4D4"/>
+                </a:solidFill>
+                <a:latin typeface="Consolas" panose="020B0609020204030204" pitchFamily="49" charset="0"/>
+              </a:rPr>
+              <a:t>install</a:t>
+            </a:r>
+            <a:endParaRPr lang="pt-BR" sz="1400" dirty="0">
+              <a:solidFill>
+                <a:srgbClr val="D4D4D4"/>
+              </a:solidFill>
+              <a:latin typeface="Consolas" panose="020B0609020204030204" pitchFamily="49" charset="0"/>
+            </a:endParaRPr>
+          </a:p>
+          <a:p>
+            <a:pPr lvl="1"/>
+            <a:r>
+              <a:rPr lang="pt-BR" sz="1400" dirty="0">
+                <a:solidFill>
+                  <a:srgbClr val="569CD6"/>
+                </a:solidFill>
+                <a:latin typeface="Consolas" panose="020B0609020204030204" pitchFamily="49" charset="0"/>
+              </a:rPr>
+              <a:t>ENTRYPOINT</a:t>
+            </a:r>
+            <a:r>
+              <a:rPr lang="pt-BR" sz="1400" dirty="0">
+                <a:solidFill>
+                  <a:srgbClr val="D4D4D4"/>
+                </a:solidFill>
+                <a:latin typeface="Consolas" panose="020B0609020204030204" pitchFamily="49" charset="0"/>
+              </a:rPr>
+              <a:t> </a:t>
+            </a:r>
+            <a:r>
+              <a:rPr lang="pt-BR" sz="1400" dirty="0" err="1">
+                <a:solidFill>
+                  <a:srgbClr val="D4D4D4"/>
+                </a:solidFill>
+                <a:latin typeface="Consolas" panose="020B0609020204030204" pitchFamily="49" charset="0"/>
+              </a:rPr>
+              <a:t>npm</a:t>
+            </a:r>
+            <a:r>
+              <a:rPr lang="pt-BR" sz="1400" dirty="0">
+                <a:solidFill>
+                  <a:srgbClr val="D4D4D4"/>
+                </a:solidFill>
+                <a:latin typeface="Consolas" panose="020B0609020204030204" pitchFamily="49" charset="0"/>
+              </a:rPr>
+              <a:t> start</a:t>
+            </a:r>
+          </a:p>
+          <a:p>
+            <a:pPr lvl="1"/>
+            <a:r>
+              <a:rPr lang="pt-BR" sz="1400" dirty="0">
+                <a:solidFill>
+                  <a:srgbClr val="569CD6"/>
+                </a:solidFill>
+                <a:latin typeface="Consolas" panose="020B0609020204030204" pitchFamily="49" charset="0"/>
+              </a:rPr>
+              <a:t>EXPOSE</a:t>
+            </a:r>
+            <a:r>
+              <a:rPr lang="pt-BR" sz="1400" dirty="0">
+                <a:solidFill>
+                  <a:srgbClr val="D4D4D4"/>
+                </a:solidFill>
+                <a:latin typeface="Consolas" panose="020B0609020204030204" pitchFamily="49" charset="0"/>
+              </a:rPr>
+              <a:t> 3000</a:t>
+            </a:r>
+          </a:p>
+          <a:p>
+            <a:pPr algn="just"/>
             <a:endParaRPr lang="pt-BR" sz="1400" u="sng" dirty="0" smtClean="0"/>
           </a:p>
           <a:p>
-            <a:pPr marL="457200" lvl="1" indent="0" algn="just">
-              <a:buNone/>
+            <a:pPr marL="228600" lvl="1" algn="just">
+              <a:spcBef>
+                <a:spcPts val="1000"/>
+              </a:spcBef>
             </a:pPr>
-            <a:endParaRPr lang="pt-BR" sz="1400" u="sng" dirty="0" smtClean="0"/>
+            <a:r>
+              <a:rPr lang="pt-BR" sz="2000" b="1" i="1" dirty="0" smtClean="0"/>
+              <a:t>Build do arquivo</a:t>
+            </a:r>
+          </a:p>
+          <a:p>
+            <a:pPr marL="685800" lvl="2" algn="just">
+              <a:spcBef>
+                <a:spcPts val="1000"/>
+              </a:spcBef>
+            </a:pPr>
+            <a:r>
+              <a:rPr lang="pt-BR" sz="1600" b="1" i="1" dirty="0" err="1" smtClean="0"/>
+              <a:t>docker</a:t>
+            </a:r>
+            <a:r>
+              <a:rPr lang="pt-BR" sz="1600" b="1" i="1" dirty="0" smtClean="0"/>
+              <a:t> </a:t>
+            </a:r>
+            <a:r>
+              <a:rPr lang="pt-BR" sz="1600" b="1" i="1" dirty="0"/>
+              <a:t>build -f </a:t>
+            </a:r>
+            <a:r>
+              <a:rPr lang="pt-BR" sz="1600" b="1" i="1" dirty="0" err="1" smtClean="0"/>
+              <a:t>Dockerfile</a:t>
+            </a:r>
+            <a:r>
+              <a:rPr lang="pt-BR" sz="1600" b="1" i="1" dirty="0" smtClean="0"/>
+              <a:t> </a:t>
+            </a:r>
+            <a:r>
+              <a:rPr lang="pt-BR" sz="1600" b="1" i="1" dirty="0"/>
+              <a:t>-t </a:t>
+            </a:r>
+            <a:r>
+              <a:rPr lang="pt-BR" sz="1600" b="1" i="1" dirty="0" err="1"/>
+              <a:t>lacsousa</a:t>
+            </a:r>
+            <a:r>
+              <a:rPr lang="pt-BR" sz="1600" b="1" i="1" dirty="0"/>
+              <a:t>/node .</a:t>
+            </a:r>
           </a:p>
         </p:txBody>
       </p:sp>

--- a/docs/docker-resumo.pptx
+++ b/docs/docker-resumo.pptx
@@ -268,7 +268,7 @@
           <a:p>
             <a:fld id="{CC58B075-67F8-4A8D-AE1C-3D3E4193EBCA}" type="datetimeFigureOut">
               <a:rPr lang="pt-BR" smtClean="0"/>
-              <a:t>21/10/2019</a:t>
+              <a:t>22/10/2019</a:t>
             </a:fld>
             <a:endParaRPr lang="pt-BR"/>
           </a:p>
@@ -436,7 +436,7 @@
           <a:p>
             <a:fld id="{CC58B075-67F8-4A8D-AE1C-3D3E4193EBCA}" type="datetimeFigureOut">
               <a:rPr lang="pt-BR" smtClean="0"/>
-              <a:t>21/10/2019</a:t>
+              <a:t>22/10/2019</a:t>
             </a:fld>
             <a:endParaRPr lang="pt-BR"/>
           </a:p>
@@ -614,7 +614,7 @@
           <a:p>
             <a:fld id="{CC58B075-67F8-4A8D-AE1C-3D3E4193EBCA}" type="datetimeFigureOut">
               <a:rPr lang="pt-BR" smtClean="0"/>
-              <a:t>21/10/2019</a:t>
+              <a:t>22/10/2019</a:t>
             </a:fld>
             <a:endParaRPr lang="pt-BR"/>
           </a:p>
@@ -782,7 +782,7 @@
           <a:p>
             <a:fld id="{CC58B075-67F8-4A8D-AE1C-3D3E4193EBCA}" type="datetimeFigureOut">
               <a:rPr lang="pt-BR" smtClean="0"/>
-              <a:t>21/10/2019</a:t>
+              <a:t>22/10/2019</a:t>
             </a:fld>
             <a:endParaRPr lang="pt-BR"/>
           </a:p>
@@ -1027,7 +1027,7 @@
           <a:p>
             <a:fld id="{CC58B075-67F8-4A8D-AE1C-3D3E4193EBCA}" type="datetimeFigureOut">
               <a:rPr lang="pt-BR" smtClean="0"/>
-              <a:t>21/10/2019</a:t>
+              <a:t>22/10/2019</a:t>
             </a:fld>
             <a:endParaRPr lang="pt-BR"/>
           </a:p>
@@ -1256,7 +1256,7 @@
           <a:p>
             <a:fld id="{CC58B075-67F8-4A8D-AE1C-3D3E4193EBCA}" type="datetimeFigureOut">
               <a:rPr lang="pt-BR" smtClean="0"/>
-              <a:t>21/10/2019</a:t>
+              <a:t>22/10/2019</a:t>
             </a:fld>
             <a:endParaRPr lang="pt-BR"/>
           </a:p>
@@ -1620,7 +1620,7 @@
           <a:p>
             <a:fld id="{CC58B075-67F8-4A8D-AE1C-3D3E4193EBCA}" type="datetimeFigureOut">
               <a:rPr lang="pt-BR" smtClean="0"/>
-              <a:t>21/10/2019</a:t>
+              <a:t>22/10/2019</a:t>
             </a:fld>
             <a:endParaRPr lang="pt-BR"/>
           </a:p>
@@ -1737,7 +1737,7 @@
           <a:p>
             <a:fld id="{CC58B075-67F8-4A8D-AE1C-3D3E4193EBCA}" type="datetimeFigureOut">
               <a:rPr lang="pt-BR" smtClean="0"/>
-              <a:t>21/10/2019</a:t>
+              <a:t>22/10/2019</a:t>
             </a:fld>
             <a:endParaRPr lang="pt-BR"/>
           </a:p>
@@ -1832,7 +1832,7 @@
           <a:p>
             <a:fld id="{CC58B075-67F8-4A8D-AE1C-3D3E4193EBCA}" type="datetimeFigureOut">
               <a:rPr lang="pt-BR" smtClean="0"/>
-              <a:t>21/10/2019</a:t>
+              <a:t>22/10/2019</a:t>
             </a:fld>
             <a:endParaRPr lang="pt-BR"/>
           </a:p>
@@ -2107,7 +2107,7 @@
           <a:p>
             <a:fld id="{CC58B075-67F8-4A8D-AE1C-3D3E4193EBCA}" type="datetimeFigureOut">
               <a:rPr lang="pt-BR" smtClean="0"/>
-              <a:t>21/10/2019</a:t>
+              <a:t>22/10/2019</a:t>
             </a:fld>
             <a:endParaRPr lang="pt-BR"/>
           </a:p>
@@ -2359,7 +2359,7 @@
           <a:p>
             <a:fld id="{CC58B075-67F8-4A8D-AE1C-3D3E4193EBCA}" type="datetimeFigureOut">
               <a:rPr lang="pt-BR" smtClean="0"/>
-              <a:t>21/10/2019</a:t>
+              <a:t>22/10/2019</a:t>
             </a:fld>
             <a:endParaRPr lang="pt-BR"/>
           </a:p>
@@ -2570,7 +2570,7 @@
           <a:p>
             <a:fld id="{CC58B075-67F8-4A8D-AE1C-3D3E4193EBCA}" type="datetimeFigureOut">
               <a:rPr lang="pt-BR" smtClean="0"/>
-              <a:t>21/10/2019</a:t>
+              <a:t>22/10/2019</a:t>
             </a:fld>
             <a:endParaRPr lang="pt-BR"/>
           </a:p>
@@ -8029,15 +8029,7 @@
                   <a:schemeClr val="accent6"/>
                 </a:solidFill>
               </a:rPr>
-              <a:t>Você </a:t>
-            </a:r>
-            <a:r>
-              <a:rPr lang="pt-BR" sz="2400" dirty="0" smtClean="0">
-                <a:solidFill>
-                  <a:schemeClr val="accent6"/>
-                </a:solidFill>
-              </a:rPr>
-              <a:t>conseguirá executar o código em http://localhost:8080</a:t>
+              <a:t>Você conseguirá executar o código em http://localhost:8080</a:t>
             </a:r>
           </a:p>
           <a:p>
@@ -8750,7 +8742,23 @@
               <a:rPr lang="pt-BR" sz="2000" b="1" i="1" dirty="0" err="1" smtClean="0"/>
               <a:t>Dockerfile</a:t>
             </a:r>
-            <a:endParaRPr lang="pt-BR" sz="2000" b="1" i="1" dirty="0" smtClean="0"/>
+            <a:r>
+              <a:rPr lang="pt-BR" sz="2000" b="1" i="1" dirty="0" smtClean="0"/>
+              <a:t> – </a:t>
+            </a:r>
+            <a:r>
+              <a:rPr lang="pt-BR" sz="1800" dirty="0" smtClean="0"/>
+              <a:t>O </a:t>
+            </a:r>
+            <a:r>
+              <a:rPr lang="pt-BR" sz="1800" dirty="0" err="1" smtClean="0"/>
+              <a:t>Dockerfile</a:t>
+            </a:r>
+            <a:r>
+              <a:rPr lang="pt-BR" sz="1800" dirty="0" smtClean="0"/>
+              <a:t> define comandos para executar instalações complexas e com características específicas.</a:t>
+            </a:r>
+            <a:endParaRPr lang="pt-BR" sz="1800" dirty="0" smtClean="0"/>
           </a:p>
           <a:p>
             <a:pPr algn="just"/>
@@ -9067,53 +9075,68 @@
             <a:endParaRPr lang="pt-BR" sz="1400" u="sng" dirty="0" smtClean="0"/>
           </a:p>
           <a:p>
-            <a:pPr marL="228600" lvl="1" algn="just">
-              <a:spcBef>
-                <a:spcPts val="1000"/>
-              </a:spcBef>
-            </a:pPr>
-            <a:r>
-              <a:rPr lang="pt-BR" sz="2000" b="1" i="1" dirty="0" smtClean="0"/>
-              <a:t>Build do arquivo</a:t>
-            </a:r>
-          </a:p>
-          <a:p>
-            <a:pPr marL="685800" lvl="2" algn="just">
-              <a:spcBef>
-                <a:spcPts val="1000"/>
-              </a:spcBef>
-            </a:pPr>
-            <a:r>
-              <a:rPr lang="pt-BR" sz="1600" b="1" i="1" dirty="0" err="1" smtClean="0"/>
+            <a:pPr algn="just"/>
+            <a:r>
+              <a:rPr lang="pt-BR" sz="1800" u="sng" dirty="0" smtClean="0"/>
+              <a:t>Lembrando: </a:t>
+            </a:r>
+          </a:p>
+          <a:p>
+            <a:pPr lvl="1" algn="just"/>
+            <a:r>
+              <a:rPr lang="pt-BR" sz="1800" i="1" dirty="0" smtClean="0"/>
+              <a:t>As imagens são sempre </a:t>
+            </a:r>
+            <a:r>
+              <a:rPr lang="pt-BR" sz="1800" i="1" dirty="0" err="1" smtClean="0"/>
+              <a:t>read-only</a:t>
+            </a:r>
+            <a:endParaRPr lang="pt-BR" sz="1800" i="1" dirty="0" smtClean="0"/>
+          </a:p>
+          <a:p>
+            <a:pPr lvl="1" algn="just"/>
+            <a:r>
+              <a:rPr lang="pt-BR" sz="1800" i="1" dirty="0" smtClean="0"/>
+              <a:t>Um container é uma instância de uma imagem</a:t>
+            </a:r>
+          </a:p>
+          <a:p>
+            <a:pPr lvl="1" algn="just"/>
+            <a:r>
+              <a:rPr lang="pt-BR" sz="1800" i="1" dirty="0" smtClean="0"/>
+              <a:t>Para guardar as alterações a </a:t>
+            </a:r>
+            <a:r>
+              <a:rPr lang="pt-BR" sz="1800" i="1" dirty="0" err="1" smtClean="0"/>
               <a:t>docker</a:t>
             </a:r>
             <a:r>
-              <a:rPr lang="pt-BR" sz="1600" b="1" i="1" dirty="0" smtClean="0"/>
+              <a:rPr lang="pt-BR" sz="1800" i="1" dirty="0" smtClean="0"/>
               <a:t> </a:t>
             </a:r>
             <a:r>
-              <a:rPr lang="pt-BR" sz="1600" b="1" i="1" dirty="0"/>
-              <a:t>build -f </a:t>
-            </a:r>
-            <a:r>
-              <a:rPr lang="pt-BR" sz="1600" b="1" i="1" dirty="0" err="1" smtClean="0"/>
-              <a:t>Dockerfile</a:t>
-            </a:r>
-            <a:r>
-              <a:rPr lang="pt-BR" sz="1600" b="1" i="1" dirty="0" smtClean="0"/>
-              <a:t> </a:t>
-            </a:r>
-            <a:r>
-              <a:rPr lang="pt-BR" sz="1600" b="1" i="1" dirty="0"/>
-              <a:t>-t </a:t>
-            </a:r>
-            <a:r>
-              <a:rPr lang="pt-BR" sz="1600" b="1" i="1" dirty="0" err="1"/>
-              <a:t>lacsousa</a:t>
-            </a:r>
-            <a:r>
-              <a:rPr lang="pt-BR" sz="1600" b="1" i="1" dirty="0"/>
-              <a:t>/node .</a:t>
+              <a:rPr lang="pt-BR" sz="1800" i="1" dirty="0" err="1" smtClean="0"/>
+              <a:t>engine</a:t>
+            </a:r>
+            <a:r>
+              <a:rPr lang="pt-BR" sz="1800" i="1" dirty="0" smtClean="0"/>
+              <a:t> cria uma nova </a:t>
+            </a:r>
+            <a:r>
+              <a:rPr lang="pt-BR" sz="1800" i="1" dirty="0" err="1" smtClean="0"/>
+              <a:t>layter</a:t>
+            </a:r>
+            <a:r>
+              <a:rPr lang="pt-BR" sz="1800" i="1" dirty="0" smtClean="0"/>
+              <a:t> em cima da última </a:t>
+            </a:r>
+            <a:r>
+              <a:rPr lang="pt-BR" sz="1800" i="1" dirty="0" err="1" smtClean="0"/>
+              <a:t>layer</a:t>
+            </a:r>
+            <a:r>
+              <a:rPr lang="pt-BR" sz="1800" i="1" dirty="0" smtClean="0"/>
+              <a:t> da imagem</a:t>
             </a:r>
           </a:p>
         </p:txBody>
@@ -9150,7 +9173,7 @@
       </p:grpSpPr>
       <p:sp>
         <p:nvSpPr>
-          <p:cNvPr id="5" name="Título 1"/>
+          <p:cNvPr id="4" name="Título 1"/>
           <p:cNvSpPr>
             <a:spLocks noGrp="1"/>
           </p:cNvSpPr>
@@ -9160,8 +9183,8 @@
         </p:nvSpPr>
         <p:spPr>
           <a:xfrm>
-            <a:off x="115910" y="123288"/>
-            <a:ext cx="11951594" cy="422275"/>
+            <a:off x="826168" y="89733"/>
+            <a:ext cx="10515600" cy="422275"/>
           </a:xfrm>
         </p:spPr>
         <p:txBody>
@@ -9173,9 +9196,251 @@
             <a:pPr algn="ctr"/>
             <a:r>
               <a:rPr lang="pt-BR" sz="2800" b="1" dirty="0" smtClean="0"/>
-              <a:t>Construir as Próprias Imagens</a:t>
+              <a:t>Revisão </a:t>
+            </a:r>
+            <a:r>
+              <a:rPr lang="pt-BR" sz="2800" b="1" dirty="0" smtClean="0"/>
+              <a:t>Comandos sobre Criações de Imagens</a:t>
             </a:r>
             <a:endParaRPr lang="pt-BR" sz="2800" b="1" dirty="0"/>
+          </a:p>
+        </p:txBody>
+      </p:sp>
+      <p:sp>
+        <p:nvSpPr>
+          <p:cNvPr id="6" name="Espaço Reservado para Conteúdo 2"/>
+          <p:cNvSpPr>
+            <a:spLocks noGrp="1"/>
+          </p:cNvSpPr>
+          <p:nvPr>
+            <p:ph idx="1"/>
+          </p:nvPr>
+        </p:nvSpPr>
+        <p:spPr>
+          <a:xfrm>
+            <a:off x="166437" y="771180"/>
+            <a:ext cx="11492164" cy="3150825"/>
+          </a:xfrm>
+        </p:spPr>
+        <p:txBody>
+          <a:bodyPr>
+            <a:noAutofit/>
+          </a:bodyPr>
+          <a:lstStyle/>
+          <a:p>
+            <a:pPr lvl="1" algn="just">
+              <a:lnSpc>
+                <a:spcPct val="150000"/>
+              </a:lnSpc>
+            </a:pPr>
+            <a:r>
+              <a:rPr lang="pt-BR" sz="1800" b="1" dirty="0" err="1"/>
+              <a:t>docker</a:t>
+            </a:r>
+            <a:r>
+              <a:rPr lang="pt-BR" sz="1800" b="1" dirty="0"/>
+              <a:t> </a:t>
+            </a:r>
+            <a:r>
+              <a:rPr lang="pt-BR" sz="1800" b="1" dirty="0" smtClean="0"/>
+              <a:t>build –f </a:t>
+            </a:r>
+            <a:r>
+              <a:rPr lang="pt-BR" sz="1800" b="1" dirty="0" err="1" smtClean="0"/>
+              <a:t>Dockerfile</a:t>
+            </a:r>
+            <a:r>
+              <a:rPr lang="pt-BR" sz="1800" dirty="0" smtClean="0"/>
+              <a:t> – cria uma imagem a partir de um </a:t>
+            </a:r>
+            <a:r>
+              <a:rPr lang="pt-BR" sz="1800" dirty="0" err="1" smtClean="0"/>
+              <a:t>Dockerfile</a:t>
+            </a:r>
+            <a:r>
+              <a:rPr lang="pt-BR" sz="1800" dirty="0" smtClean="0"/>
+              <a:t>.</a:t>
+            </a:r>
+            <a:endParaRPr lang="pt-BR" sz="1800" dirty="0"/>
+          </a:p>
+          <a:p>
+            <a:pPr lvl="1" algn="just">
+              <a:lnSpc>
+                <a:spcPct val="150000"/>
+              </a:lnSpc>
+            </a:pPr>
+            <a:r>
+              <a:rPr lang="pt-BR" sz="1800" b="1" dirty="0" err="1"/>
+              <a:t>docker</a:t>
+            </a:r>
+            <a:r>
+              <a:rPr lang="pt-BR" sz="1800" b="1" dirty="0"/>
+              <a:t> </a:t>
+            </a:r>
+            <a:r>
+              <a:rPr lang="pt-BR" sz="1800" b="1" dirty="0" smtClean="0"/>
+              <a:t>build –f CAMINHO_DOCKERFILE/</a:t>
+            </a:r>
+            <a:r>
+              <a:rPr lang="pt-BR" sz="1800" b="1" dirty="0" err="1" smtClean="0"/>
+              <a:t>Dockerfile</a:t>
+            </a:r>
+            <a:r>
+              <a:rPr lang="pt-BR" sz="1800" b="1" dirty="0" smtClean="0"/>
+              <a:t> –t NOME_USUARIO/NOME_IMAGEM</a:t>
+            </a:r>
+            <a:r>
+              <a:rPr lang="pt-BR" sz="1800" dirty="0" smtClean="0"/>
+              <a:t> – </a:t>
+            </a:r>
+            <a:r>
+              <a:rPr lang="pt-BR" sz="1800" dirty="0" err="1" smtClean="0"/>
+              <a:t>cons´trói</a:t>
+            </a:r>
+            <a:r>
+              <a:rPr lang="pt-BR" sz="1800" dirty="0" smtClean="0"/>
+              <a:t> e nomeia uma imagem não –oficial informando o caminho para o </a:t>
+            </a:r>
+            <a:r>
+              <a:rPr lang="pt-BR" sz="1800" dirty="0" err="1" smtClean="0"/>
+              <a:t>Dockerfile</a:t>
+            </a:r>
+            <a:r>
+              <a:rPr lang="pt-BR" sz="1800" dirty="0" smtClean="0"/>
+              <a:t>.</a:t>
+            </a:r>
+            <a:endParaRPr lang="pt-BR" sz="1800" dirty="0"/>
+          </a:p>
+          <a:p>
+            <a:pPr lvl="1" algn="just">
+              <a:lnSpc>
+                <a:spcPct val="150000"/>
+              </a:lnSpc>
+            </a:pPr>
+            <a:r>
+              <a:rPr lang="pt-BR" sz="1800" b="1" dirty="0" err="1"/>
+              <a:t>docker</a:t>
+            </a:r>
+            <a:r>
+              <a:rPr lang="pt-BR" sz="1800" b="1" dirty="0"/>
+              <a:t> </a:t>
+            </a:r>
+            <a:r>
+              <a:rPr lang="pt-BR" sz="1800" b="1" dirty="0" err="1" smtClean="0"/>
+              <a:t>login</a:t>
+            </a:r>
+            <a:r>
+              <a:rPr lang="pt-BR" sz="1800" dirty="0" smtClean="0"/>
+              <a:t> – inicia o processo de </a:t>
+            </a:r>
+            <a:r>
+              <a:rPr lang="pt-BR" sz="1800" dirty="0" err="1" smtClean="0"/>
+              <a:t>login</a:t>
+            </a:r>
+            <a:r>
+              <a:rPr lang="pt-BR" sz="1800" dirty="0" smtClean="0"/>
+              <a:t> no </a:t>
+            </a:r>
+            <a:r>
+              <a:rPr lang="pt-BR" sz="1800" dirty="0" err="1" smtClean="0"/>
+              <a:t>Docker</a:t>
+            </a:r>
+            <a:r>
+              <a:rPr lang="pt-BR" sz="1800" dirty="0" smtClean="0"/>
+              <a:t> Hub.</a:t>
+            </a:r>
+            <a:endParaRPr lang="pt-BR" sz="1800" dirty="0"/>
+          </a:p>
+          <a:p>
+            <a:pPr lvl="1" algn="just">
+              <a:lnSpc>
+                <a:spcPct val="150000"/>
+              </a:lnSpc>
+            </a:pPr>
+            <a:r>
+              <a:rPr lang="pt-BR" sz="1800" b="1" dirty="0" err="1"/>
+              <a:t>docker</a:t>
+            </a:r>
+            <a:r>
+              <a:rPr lang="pt-BR" sz="1800" b="1" dirty="0"/>
+              <a:t> </a:t>
+            </a:r>
+            <a:r>
+              <a:rPr lang="pt-BR" sz="1800" b="1" dirty="0" err="1" smtClean="0"/>
+              <a:t>push</a:t>
+            </a:r>
+            <a:r>
+              <a:rPr lang="pt-BR" sz="1800" b="1" dirty="0" smtClean="0"/>
+              <a:t> NOME_USUARIO/NOME_IMAGEM </a:t>
+            </a:r>
+            <a:r>
+              <a:rPr lang="pt-BR" sz="1800" dirty="0" smtClean="0"/>
+              <a:t>– envia a imagem criada para o </a:t>
+            </a:r>
+            <a:r>
+              <a:rPr lang="pt-BR" sz="1800" dirty="0" err="1" smtClean="0"/>
+              <a:t>Docker</a:t>
+            </a:r>
+            <a:r>
+              <a:rPr lang="pt-BR" sz="1800" dirty="0" smtClean="0"/>
+              <a:t> Hub.</a:t>
+            </a:r>
+          </a:p>
+          <a:p>
+            <a:pPr lvl="1" algn="just">
+              <a:lnSpc>
+                <a:spcPct val="150000"/>
+              </a:lnSpc>
+            </a:pPr>
+            <a:r>
+              <a:rPr lang="pt-BR" sz="1800" b="1" dirty="0" err="1"/>
+              <a:t>docker</a:t>
+            </a:r>
+            <a:r>
+              <a:rPr lang="pt-BR" sz="1800" b="1" dirty="0"/>
+              <a:t> </a:t>
+            </a:r>
+            <a:r>
+              <a:rPr lang="pt-BR" sz="1800" b="1" dirty="0" err="1" smtClean="0"/>
+              <a:t>pull</a:t>
+            </a:r>
+            <a:r>
+              <a:rPr lang="pt-BR" sz="1800" b="1" dirty="0" smtClean="0"/>
+              <a:t> </a:t>
+            </a:r>
+            <a:r>
+              <a:rPr lang="pt-BR" sz="1800" b="1" dirty="0"/>
+              <a:t>NOME_USUARIO/NOME_IMAGEM </a:t>
+            </a:r>
+            <a:r>
+              <a:rPr lang="pt-BR" sz="1800" dirty="0"/>
+              <a:t>– </a:t>
+            </a:r>
+            <a:r>
+              <a:rPr lang="pt-BR" sz="1800" dirty="0" smtClean="0"/>
+              <a:t>baixa </a:t>
+            </a:r>
+            <a:r>
+              <a:rPr lang="pt-BR" sz="1800" dirty="0"/>
+              <a:t>a imagem criada </a:t>
+            </a:r>
+            <a:r>
+              <a:rPr lang="pt-BR" sz="1800" dirty="0" smtClean="0"/>
+              <a:t>do </a:t>
+            </a:r>
+            <a:r>
+              <a:rPr lang="pt-BR" sz="1800" dirty="0" err="1"/>
+              <a:t>Docker</a:t>
+            </a:r>
+            <a:r>
+              <a:rPr lang="pt-BR" sz="1800" dirty="0"/>
+              <a:t> Hub</a:t>
+            </a:r>
+            <a:r>
+              <a:rPr lang="pt-BR" sz="1800" dirty="0" smtClean="0"/>
+              <a:t>.</a:t>
+            </a:r>
+            <a:endParaRPr lang="pt-BR" sz="1800" dirty="0"/>
           </a:p>
         </p:txBody>
       </p:sp>

--- a/docs/docker-resumo.pptx
+++ b/docs/docker-resumo.pptx
@@ -27,12 +27,14 @@
     <p:sldId id="281" r:id="rId21"/>
     <p:sldId id="306" r:id="rId22"/>
     <p:sldId id="304" r:id="rId23"/>
-    <p:sldId id="307" r:id="rId24"/>
-    <p:sldId id="305" r:id="rId25"/>
-    <p:sldId id="308" r:id="rId26"/>
-    <p:sldId id="280" r:id="rId27"/>
-    <p:sldId id="284" r:id="rId28"/>
-    <p:sldId id="285" r:id="rId29"/>
+    <p:sldId id="309" r:id="rId24"/>
+    <p:sldId id="310" r:id="rId25"/>
+    <p:sldId id="307" r:id="rId26"/>
+    <p:sldId id="305" r:id="rId27"/>
+    <p:sldId id="308" r:id="rId28"/>
+    <p:sldId id="280" r:id="rId29"/>
+    <p:sldId id="284" r:id="rId30"/>
+    <p:sldId id="285" r:id="rId31"/>
   </p:sldIdLst>
   <p:sldSz cx="12192000" cy="6858000"/>
   <p:notesSz cx="6858000" cy="9144000"/>
@@ -268,7 +270,7 @@
           <a:p>
             <a:fld id="{CC58B075-67F8-4A8D-AE1C-3D3E4193EBCA}" type="datetimeFigureOut">
               <a:rPr lang="pt-BR" smtClean="0"/>
-              <a:t>22/10/2019</a:t>
+              <a:t>24/10/2019</a:t>
             </a:fld>
             <a:endParaRPr lang="pt-BR"/>
           </a:p>
@@ -436,7 +438,7 @@
           <a:p>
             <a:fld id="{CC58B075-67F8-4A8D-AE1C-3D3E4193EBCA}" type="datetimeFigureOut">
               <a:rPr lang="pt-BR" smtClean="0"/>
-              <a:t>22/10/2019</a:t>
+              <a:t>24/10/2019</a:t>
             </a:fld>
             <a:endParaRPr lang="pt-BR"/>
           </a:p>
@@ -614,7 +616,7 @@
           <a:p>
             <a:fld id="{CC58B075-67F8-4A8D-AE1C-3D3E4193EBCA}" type="datetimeFigureOut">
               <a:rPr lang="pt-BR" smtClean="0"/>
-              <a:t>22/10/2019</a:t>
+              <a:t>24/10/2019</a:t>
             </a:fld>
             <a:endParaRPr lang="pt-BR"/>
           </a:p>
@@ -782,7 +784,7 @@
           <a:p>
             <a:fld id="{CC58B075-67F8-4A8D-AE1C-3D3E4193EBCA}" type="datetimeFigureOut">
               <a:rPr lang="pt-BR" smtClean="0"/>
-              <a:t>22/10/2019</a:t>
+              <a:t>24/10/2019</a:t>
             </a:fld>
             <a:endParaRPr lang="pt-BR"/>
           </a:p>
@@ -1027,7 +1029,7 @@
           <a:p>
             <a:fld id="{CC58B075-67F8-4A8D-AE1C-3D3E4193EBCA}" type="datetimeFigureOut">
               <a:rPr lang="pt-BR" smtClean="0"/>
-              <a:t>22/10/2019</a:t>
+              <a:t>24/10/2019</a:t>
             </a:fld>
             <a:endParaRPr lang="pt-BR"/>
           </a:p>
@@ -1256,7 +1258,7 @@
           <a:p>
             <a:fld id="{CC58B075-67F8-4A8D-AE1C-3D3E4193EBCA}" type="datetimeFigureOut">
               <a:rPr lang="pt-BR" smtClean="0"/>
-              <a:t>22/10/2019</a:t>
+              <a:t>24/10/2019</a:t>
             </a:fld>
             <a:endParaRPr lang="pt-BR"/>
           </a:p>
@@ -1620,7 +1622,7 @@
           <a:p>
             <a:fld id="{CC58B075-67F8-4A8D-AE1C-3D3E4193EBCA}" type="datetimeFigureOut">
               <a:rPr lang="pt-BR" smtClean="0"/>
-              <a:t>22/10/2019</a:t>
+              <a:t>24/10/2019</a:t>
             </a:fld>
             <a:endParaRPr lang="pt-BR"/>
           </a:p>
@@ -1737,7 +1739,7 @@
           <a:p>
             <a:fld id="{CC58B075-67F8-4A8D-AE1C-3D3E4193EBCA}" type="datetimeFigureOut">
               <a:rPr lang="pt-BR" smtClean="0"/>
-              <a:t>22/10/2019</a:t>
+              <a:t>24/10/2019</a:t>
             </a:fld>
             <a:endParaRPr lang="pt-BR"/>
           </a:p>
@@ -1832,7 +1834,7 @@
           <a:p>
             <a:fld id="{CC58B075-67F8-4A8D-AE1C-3D3E4193EBCA}" type="datetimeFigureOut">
               <a:rPr lang="pt-BR" smtClean="0"/>
-              <a:t>22/10/2019</a:t>
+              <a:t>24/10/2019</a:t>
             </a:fld>
             <a:endParaRPr lang="pt-BR"/>
           </a:p>
@@ -2107,7 +2109,7 @@
           <a:p>
             <a:fld id="{CC58B075-67F8-4A8D-AE1C-3D3E4193EBCA}" type="datetimeFigureOut">
               <a:rPr lang="pt-BR" smtClean="0"/>
-              <a:t>22/10/2019</a:t>
+              <a:t>24/10/2019</a:t>
             </a:fld>
             <a:endParaRPr lang="pt-BR"/>
           </a:p>
@@ -2359,7 +2361,7 @@
           <a:p>
             <a:fld id="{CC58B075-67F8-4A8D-AE1C-3D3E4193EBCA}" type="datetimeFigureOut">
               <a:rPr lang="pt-BR" smtClean="0"/>
-              <a:t>22/10/2019</a:t>
+              <a:t>24/10/2019</a:t>
             </a:fld>
             <a:endParaRPr lang="pt-BR"/>
           </a:p>
@@ -2570,7 +2572,7 @@
           <a:p>
             <a:fld id="{CC58B075-67F8-4A8D-AE1C-3D3E4193EBCA}" type="datetimeFigureOut">
               <a:rPr lang="pt-BR" smtClean="0"/>
-              <a:t>22/10/2019</a:t>
+              <a:t>24/10/2019</a:t>
             </a:fld>
             <a:endParaRPr lang="pt-BR"/>
           </a:p>
@@ -6033,15 +6035,19 @@
             </a:r>
             <a:r>
               <a:rPr lang="pt-BR" sz="1600" b="1" dirty="0"/>
-              <a:t> container </a:t>
-            </a:r>
-            <a:r>
-              <a:rPr lang="pt-BR" sz="1600" b="1" dirty="0" err="1"/>
+              <a:t> </a:t>
+            </a:r>
+            <a:r>
+              <a:rPr lang="pt-BR" sz="1600" b="1" dirty="0" err="1" smtClean="0"/>
               <a:t>prune</a:t>
             </a:r>
             <a:r>
+              <a:rPr lang="pt-BR" sz="1600" dirty="0" smtClean="0"/>
+              <a:t> </a:t>
+            </a:r>
+            <a:r>
               <a:rPr lang="pt-BR" sz="1600" dirty="0"/>
-              <a:t> - remove todos os containers que estão parados.</a:t>
+              <a:t>- remove todos os containers que estão parados.</a:t>
             </a:r>
           </a:p>
           <a:p>
@@ -8758,7 +8764,6 @@
               <a:rPr lang="pt-BR" sz="1800" dirty="0" smtClean="0"/>
               <a:t> define comandos para executar instalações complexas e com características específicas.</a:t>
             </a:r>
-            <a:endParaRPr lang="pt-BR" sz="1800" dirty="0" smtClean="0"/>
           </a:p>
           <a:p>
             <a:pPr algn="just"/>
@@ -9196,11 +9201,7 @@
             <a:pPr algn="ctr"/>
             <a:r>
               <a:rPr lang="pt-BR" sz="2800" b="1" dirty="0" smtClean="0"/>
-              <a:t>Revisão </a:t>
-            </a:r>
-            <a:r>
-              <a:rPr lang="pt-BR" sz="2800" b="1" dirty="0" smtClean="0"/>
-              <a:t>Comandos sobre Criações de Imagens</a:t>
+              <a:t>Revisão Comandos sobre Criações de Imagens</a:t>
             </a:r>
             <a:endParaRPr lang="pt-BR" sz="2800" b="1" dirty="0"/>
           </a:p>
@@ -9499,9 +9500,334 @@
             <a:pPr algn="ctr"/>
             <a:r>
               <a:rPr lang="pt-BR" sz="2800" b="1" dirty="0" smtClean="0"/>
-              <a:t>Comunicação entre Containers</a:t>
+              <a:t>Redes com </a:t>
+            </a:r>
+            <a:r>
+              <a:rPr lang="pt-BR" sz="2800" b="1" dirty="0" err="1" smtClean="0"/>
+              <a:t>Docker</a:t>
             </a:r>
             <a:endParaRPr lang="pt-BR" sz="2800" b="1" dirty="0"/>
+          </a:p>
+        </p:txBody>
+      </p:sp>
+      <p:pic>
+        <p:nvPicPr>
+          <p:cNvPr id="2" name="Imagem 1"/>
+          <p:cNvPicPr>
+            <a:picLocks noChangeAspect="1"/>
+          </p:cNvPicPr>
+          <p:nvPr/>
+        </p:nvPicPr>
+        <p:blipFill>
+          <a:blip r:embed="rId2"/>
+          <a:stretch>
+            <a:fillRect/>
+          </a:stretch>
+        </p:blipFill>
+        <p:spPr>
+          <a:xfrm>
+            <a:off x="205257" y="2975243"/>
+            <a:ext cx="5886450" cy="3771900"/>
+          </a:xfrm>
+          <a:prstGeom prst="rect">
+            <a:avLst/>
+          </a:prstGeom>
+        </p:spPr>
+      </p:pic>
+      <p:sp>
+        <p:nvSpPr>
+          <p:cNvPr id="4" name="Espaço Reservado para Conteúdo 4"/>
+          <p:cNvSpPr>
+            <a:spLocks noGrp="1"/>
+          </p:cNvSpPr>
+          <p:nvPr>
+            <p:ph idx="1"/>
+          </p:nvPr>
+        </p:nvSpPr>
+        <p:spPr>
+          <a:xfrm>
+            <a:off x="383250" y="720937"/>
+            <a:ext cx="9980054" cy="1017432"/>
+          </a:xfrm>
+        </p:spPr>
+        <p:txBody>
+          <a:bodyPr>
+            <a:normAutofit/>
+          </a:bodyPr>
+          <a:lstStyle/>
+          <a:p>
+            <a:r>
+              <a:rPr lang="pt-BR" sz="2000" dirty="0" smtClean="0"/>
+              <a:t>Por padrão o </a:t>
+            </a:r>
+            <a:r>
+              <a:rPr lang="pt-BR" sz="2000" dirty="0" err="1" smtClean="0"/>
+              <a:t>Docker</a:t>
+            </a:r>
+            <a:r>
+              <a:rPr lang="pt-BR" sz="2000" dirty="0" smtClean="0"/>
+              <a:t> já cria uma </a:t>
+            </a:r>
+            <a:r>
+              <a:rPr lang="pt-BR" sz="2000" b="1" dirty="0" smtClean="0"/>
+              <a:t>default network</a:t>
+            </a:r>
+            <a:r>
+              <a:rPr lang="pt-BR" sz="2000" dirty="0" smtClean="0"/>
+              <a:t>.</a:t>
+            </a:r>
+            <a:endParaRPr lang="pt-BR" sz="2000" dirty="0"/>
+          </a:p>
+        </p:txBody>
+      </p:sp>
+      <p:sp>
+        <p:nvSpPr>
+          <p:cNvPr id="3" name="Retângulo 2"/>
+          <p:cNvSpPr/>
+          <p:nvPr/>
+        </p:nvSpPr>
+        <p:spPr>
+          <a:xfrm>
+            <a:off x="3483032" y="1229653"/>
+            <a:ext cx="8282982" cy="2862322"/>
+          </a:xfrm>
+          <a:prstGeom prst="rect">
+            <a:avLst/>
+          </a:prstGeom>
+        </p:spPr>
+        <p:txBody>
+          <a:bodyPr wrap="square">
+            <a:spAutoFit/>
+          </a:bodyPr>
+          <a:lstStyle/>
+          <a:p>
+            <a:pPr marL="742950" lvl="1" indent="-285750">
+              <a:buFont typeface="Wingdings" panose="05000000000000000000" pitchFamily="2" charset="2"/>
+              <a:buChar char="Ø"/>
+            </a:pPr>
+            <a:r>
+              <a:rPr lang="pt-BR" sz="1600" dirty="0" err="1">
+                <a:solidFill>
+                  <a:schemeClr val="accent5"/>
+                </a:solidFill>
+              </a:rPr>
+              <a:t>docker</a:t>
+            </a:r>
+            <a:r>
+              <a:rPr lang="pt-BR" sz="1600" dirty="0">
+                <a:solidFill>
+                  <a:schemeClr val="accent5"/>
+                </a:solidFill>
+              </a:rPr>
+              <a:t> </a:t>
+            </a:r>
+            <a:r>
+              <a:rPr lang="pt-BR" sz="1600" dirty="0" err="1">
+                <a:solidFill>
+                  <a:schemeClr val="accent5"/>
+                </a:solidFill>
+              </a:rPr>
+              <a:t>run</a:t>
+            </a:r>
+            <a:r>
+              <a:rPr lang="pt-BR" sz="1600" dirty="0">
+                <a:solidFill>
+                  <a:schemeClr val="accent5"/>
+                </a:solidFill>
+              </a:rPr>
+              <a:t> -it </a:t>
+            </a:r>
+            <a:r>
+              <a:rPr lang="pt-BR" sz="1600" dirty="0" err="1">
+                <a:solidFill>
+                  <a:schemeClr val="accent5"/>
+                </a:solidFill>
+              </a:rPr>
+              <a:t>ubuntu</a:t>
+            </a:r>
+            <a:endParaRPr lang="pt-BR" sz="1600" dirty="0">
+              <a:solidFill>
+                <a:schemeClr val="accent5"/>
+              </a:solidFill>
+            </a:endParaRPr>
+          </a:p>
+          <a:p>
+            <a:pPr marL="285750" indent="-285750">
+              <a:buFont typeface="Wingdings" panose="05000000000000000000" pitchFamily="2" charset="2"/>
+              <a:buChar char="Ø"/>
+            </a:pPr>
+            <a:endParaRPr lang="pt-BR" sz="2000" dirty="0">
+              <a:solidFill>
+                <a:schemeClr val="accent5"/>
+              </a:solidFill>
+            </a:endParaRPr>
+          </a:p>
+          <a:p>
+            <a:pPr marL="742950" lvl="1" indent="-285750">
+              <a:buFont typeface="Wingdings" panose="05000000000000000000" pitchFamily="2" charset="2"/>
+              <a:buChar char="Ø"/>
+            </a:pPr>
+            <a:r>
+              <a:rPr lang="pt-BR" sz="1600" dirty="0">
+                <a:solidFill>
+                  <a:schemeClr val="accent5"/>
+                </a:solidFill>
+              </a:rPr>
+              <a:t>root@d11e0d244c29:/# </a:t>
+            </a:r>
+            <a:r>
+              <a:rPr lang="pt-BR" sz="1600" dirty="0" err="1">
+                <a:solidFill>
+                  <a:schemeClr val="accent5"/>
+                </a:solidFill>
+              </a:rPr>
+              <a:t>hostname</a:t>
+            </a:r>
+            <a:r>
+              <a:rPr lang="pt-BR" sz="1600" dirty="0">
+                <a:solidFill>
+                  <a:schemeClr val="accent5"/>
+                </a:solidFill>
+              </a:rPr>
+              <a:t> -i</a:t>
+            </a:r>
+          </a:p>
+          <a:p>
+            <a:pPr lvl="1"/>
+            <a:r>
+              <a:rPr lang="pt-BR" sz="1600" dirty="0">
+                <a:solidFill>
+                  <a:schemeClr val="accent5"/>
+                </a:solidFill>
+              </a:rPr>
+              <a:t>172.17.0.3</a:t>
+            </a:r>
+          </a:p>
+          <a:p>
+            <a:pPr lvl="1"/>
+            <a:endParaRPr lang="pt-BR" sz="1600" dirty="0">
+              <a:solidFill>
+                <a:schemeClr val="accent5"/>
+              </a:solidFill>
+            </a:endParaRPr>
+          </a:p>
+          <a:p>
+            <a:pPr marL="742950" lvl="1" indent="-285750">
+              <a:buFont typeface="Wingdings" panose="05000000000000000000" pitchFamily="2" charset="2"/>
+              <a:buChar char="Ø"/>
+            </a:pPr>
+            <a:r>
+              <a:rPr lang="en-US" sz="1600" dirty="0">
+                <a:solidFill>
+                  <a:schemeClr val="accent5"/>
+                </a:solidFill>
+              </a:rPr>
+              <a:t>root@e6b45f6e15d1:/# apt-get update &amp;&amp; apt-get install </a:t>
+            </a:r>
+            <a:r>
+              <a:rPr lang="en-US" sz="1600" dirty="0" err="1">
+                <a:solidFill>
+                  <a:schemeClr val="accent5"/>
+                </a:solidFill>
+              </a:rPr>
+              <a:t>iputils</a:t>
+            </a:r>
+            <a:r>
+              <a:rPr lang="en-US" sz="1600" dirty="0">
+                <a:solidFill>
+                  <a:schemeClr val="accent5"/>
+                </a:solidFill>
+              </a:rPr>
+              <a:t>-ping</a:t>
+            </a:r>
+          </a:p>
+          <a:p>
+            <a:pPr marL="742950" lvl="1" indent="-285750">
+              <a:buFont typeface="Wingdings" panose="05000000000000000000" pitchFamily="2" charset="2"/>
+              <a:buChar char="Ø"/>
+            </a:pPr>
+            <a:endParaRPr lang="en-US" sz="1600" dirty="0">
+              <a:solidFill>
+                <a:schemeClr val="accent5"/>
+              </a:solidFill>
+            </a:endParaRPr>
+          </a:p>
+          <a:p>
+            <a:pPr marL="742950" lvl="1" indent="-285750">
+              <a:buFont typeface="Wingdings" panose="05000000000000000000" pitchFamily="2" charset="2"/>
+              <a:buChar char="Ø"/>
+            </a:pPr>
+            <a:endParaRPr lang="en-US" sz="1600" dirty="0">
+              <a:solidFill>
+                <a:schemeClr val="accent5"/>
+              </a:solidFill>
+            </a:endParaRPr>
+          </a:p>
+          <a:p>
+            <a:pPr lvl="1" algn="ctr"/>
+            <a:r>
+              <a:rPr lang="en-US" sz="1600" dirty="0"/>
+              <a:t>(</a:t>
+            </a:r>
+            <a:r>
+              <a:rPr lang="en-US" sz="1600" dirty="0" err="1"/>
+              <a:t>em</a:t>
+            </a:r>
+            <a:r>
+              <a:rPr lang="en-US" sz="1600" dirty="0"/>
+              <a:t> outro terminal </a:t>
+            </a:r>
+            <a:r>
+              <a:rPr lang="en-US" sz="1600" dirty="0" err="1"/>
+              <a:t>posso</a:t>
+            </a:r>
+            <a:r>
+              <a:rPr lang="en-US" sz="1600" dirty="0"/>
+              <a:t> </a:t>
+            </a:r>
+            <a:r>
+              <a:rPr lang="en-US" sz="1600" dirty="0" err="1"/>
+              <a:t>dar</a:t>
+            </a:r>
+            <a:r>
+              <a:rPr lang="en-US" sz="1600" dirty="0"/>
+              <a:t> um ping para um IP </a:t>
+            </a:r>
+            <a:r>
+              <a:rPr lang="en-US" sz="1600" dirty="0" err="1"/>
+              <a:t>específico</a:t>
+            </a:r>
+            <a:endParaRPr lang="en-US" sz="1600" dirty="0"/>
+          </a:p>
+          <a:p>
+            <a:pPr marL="742950" lvl="1" indent="-285750">
+              <a:buFont typeface="Wingdings" panose="05000000000000000000" pitchFamily="2" charset="2"/>
+              <a:buChar char="Ø"/>
+            </a:pPr>
+            <a:endParaRPr lang="en-US" sz="1600" dirty="0">
+              <a:solidFill>
+                <a:schemeClr val="accent5"/>
+              </a:solidFill>
+            </a:endParaRPr>
+          </a:p>
+          <a:p>
+            <a:pPr marL="742950" lvl="1" indent="-285750">
+              <a:buFont typeface="Wingdings" panose="05000000000000000000" pitchFamily="2" charset="2"/>
+              <a:buChar char="Ø"/>
+            </a:pPr>
+            <a:r>
+              <a:rPr lang="en-US" sz="1600" dirty="0">
+                <a:solidFill>
+                  <a:schemeClr val="accent5"/>
+                </a:solidFill>
+              </a:rPr>
+              <a:t>ping 172.17.0.3</a:t>
+            </a:r>
+            <a:endParaRPr lang="pt-BR" sz="1600" dirty="0">
+              <a:solidFill>
+                <a:schemeClr val="accent5"/>
+              </a:solidFill>
+            </a:endParaRPr>
           </a:p>
         </p:txBody>
       </p:sp>
@@ -9560,16 +9886,571 @@
             <a:pPr algn="ctr"/>
             <a:r>
               <a:rPr lang="pt-BR" sz="2800" b="1" dirty="0" smtClean="0"/>
-              <a:t>Comunicação entre Containers</a:t>
+              <a:t>Redes com </a:t>
+            </a:r>
+            <a:r>
+              <a:rPr lang="pt-BR" sz="2800" b="1" dirty="0" err="1" smtClean="0"/>
+              <a:t>Docker</a:t>
             </a:r>
             <a:endParaRPr lang="pt-BR" sz="2800" b="1" dirty="0"/>
+          </a:p>
+        </p:txBody>
+      </p:sp>
+      <p:sp>
+        <p:nvSpPr>
+          <p:cNvPr id="4" name="Espaço Reservado para Conteúdo 4"/>
+          <p:cNvSpPr>
+            <a:spLocks noGrp="1"/>
+          </p:cNvSpPr>
+          <p:nvPr>
+            <p:ph idx="1"/>
+          </p:nvPr>
+        </p:nvSpPr>
+        <p:spPr>
+          <a:xfrm>
+            <a:off x="383250" y="545563"/>
+            <a:ext cx="11581068" cy="809512"/>
+          </a:xfrm>
+        </p:spPr>
+        <p:txBody>
+          <a:bodyPr>
+            <a:normAutofit fontScale="92500" lnSpcReduction="10000"/>
+          </a:bodyPr>
+          <a:lstStyle/>
+          <a:p>
+            <a:r>
+              <a:rPr lang="pt-BR" sz="2000" dirty="0" smtClean="0"/>
+              <a:t>O problema é que o </a:t>
+            </a:r>
+            <a:r>
+              <a:rPr lang="pt-BR" sz="2000" dirty="0" err="1" smtClean="0"/>
+              <a:t>Docker</a:t>
+            </a:r>
+            <a:r>
+              <a:rPr lang="pt-BR" sz="2000" dirty="0" smtClean="0"/>
+              <a:t> cria um IP dinâmico todas as vezes que você “subir” um container. É Interessante “nomear” sua rede e criar sua própria rede</a:t>
+            </a:r>
+            <a:r>
+              <a:rPr lang="pt-BR" sz="2000" dirty="0" smtClean="0"/>
+              <a:t>.</a:t>
+            </a:r>
+          </a:p>
+          <a:p>
+            <a:pPr lvl="1"/>
+            <a:r>
+              <a:rPr lang="pt-BR" sz="1600" dirty="0" smtClean="0"/>
+              <a:t>P.S. – Só posso efetuar </a:t>
+            </a:r>
+            <a:r>
+              <a:rPr lang="pt-BR" sz="1600" dirty="0" err="1" smtClean="0"/>
+              <a:t>ping</a:t>
+            </a:r>
+            <a:r>
+              <a:rPr lang="pt-BR" sz="1600" dirty="0" smtClean="0"/>
+              <a:t> entre containers em redes criadas por mim</a:t>
+            </a:r>
+            <a:endParaRPr lang="pt-BR" sz="1600" dirty="0" smtClean="0"/>
+          </a:p>
+          <a:p>
+            <a:endParaRPr lang="pt-BR" sz="2000" dirty="0"/>
+          </a:p>
+        </p:txBody>
+      </p:sp>
+      <p:pic>
+        <p:nvPicPr>
+          <p:cNvPr id="6" name="Imagem 5"/>
+          <p:cNvPicPr>
+            <a:picLocks noChangeAspect="1"/>
+          </p:cNvPicPr>
+          <p:nvPr/>
+        </p:nvPicPr>
+        <p:blipFill>
+          <a:blip r:embed="rId2"/>
+          <a:stretch>
+            <a:fillRect/>
+          </a:stretch>
+        </p:blipFill>
+        <p:spPr>
+          <a:xfrm>
+            <a:off x="267215" y="2203372"/>
+            <a:ext cx="3753941" cy="2427171"/>
+          </a:xfrm>
+          <a:prstGeom prst="rect">
+            <a:avLst/>
+          </a:prstGeom>
+        </p:spPr>
+      </p:pic>
+      <p:sp>
+        <p:nvSpPr>
+          <p:cNvPr id="2" name="Retângulo 1"/>
+          <p:cNvSpPr/>
+          <p:nvPr/>
+        </p:nvSpPr>
+        <p:spPr>
+          <a:xfrm>
+            <a:off x="4105618" y="1545995"/>
+            <a:ext cx="7572261" cy="4278094"/>
+          </a:xfrm>
+          <a:prstGeom prst="rect">
+            <a:avLst/>
+          </a:prstGeom>
+        </p:spPr>
+        <p:txBody>
+          <a:bodyPr wrap="square">
+            <a:spAutoFit/>
+          </a:bodyPr>
+          <a:lstStyle/>
+          <a:p>
+            <a:pPr marL="742950" lvl="1" indent="-285750">
+              <a:buFont typeface="Wingdings" panose="05000000000000000000" pitchFamily="2" charset="2"/>
+              <a:buChar char="Ø"/>
+            </a:pPr>
+            <a:r>
+              <a:rPr lang="pt-BR" sz="1600" dirty="0" smtClean="0">
+                <a:solidFill>
+                  <a:schemeClr val="accent5"/>
+                </a:solidFill>
+              </a:rPr>
+              <a:t>C</a:t>
+            </a:r>
+            <a:r>
+              <a:rPr lang="pt-BR" sz="1600" dirty="0">
+                <a:solidFill>
+                  <a:schemeClr val="accent5"/>
+                </a:solidFill>
+              </a:rPr>
+              <a:t>:\&gt;docker network </a:t>
+            </a:r>
+            <a:r>
+              <a:rPr lang="pt-BR" sz="1600" dirty="0" err="1">
+                <a:solidFill>
+                  <a:schemeClr val="accent5"/>
+                </a:solidFill>
+              </a:rPr>
+              <a:t>ls</a:t>
+            </a:r>
+            <a:endParaRPr lang="pt-BR" sz="1600" dirty="0">
+              <a:solidFill>
+                <a:schemeClr val="accent5"/>
+              </a:solidFill>
+            </a:endParaRPr>
+          </a:p>
+          <a:p>
+            <a:pPr lvl="1"/>
+            <a:r>
+              <a:rPr lang="pt-BR" sz="1600" dirty="0">
+                <a:solidFill>
+                  <a:schemeClr val="accent5"/>
+                </a:solidFill>
+              </a:rPr>
+              <a:t>NETWORK ID          NAME                DRIVER              SCOPE</a:t>
+            </a:r>
+          </a:p>
+          <a:p>
+            <a:pPr lvl="1"/>
+            <a:r>
+              <a:rPr lang="pt-BR" sz="1600" dirty="0">
+                <a:solidFill>
+                  <a:schemeClr val="accent5"/>
+                </a:solidFill>
+              </a:rPr>
+              <a:t>65d5d9207ba6        bridge              </a:t>
+            </a:r>
+            <a:r>
+              <a:rPr lang="pt-BR" sz="1600" dirty="0" err="1">
+                <a:solidFill>
+                  <a:schemeClr val="accent5"/>
+                </a:solidFill>
+              </a:rPr>
+              <a:t>bridge</a:t>
+            </a:r>
+            <a:r>
+              <a:rPr lang="pt-BR" sz="1600" dirty="0">
+                <a:solidFill>
+                  <a:schemeClr val="accent5"/>
+                </a:solidFill>
+              </a:rPr>
+              <a:t>              local</a:t>
+            </a:r>
+          </a:p>
+          <a:p>
+            <a:pPr lvl="1"/>
+            <a:r>
+              <a:rPr lang="pt-BR" sz="1600" dirty="0">
+                <a:solidFill>
+                  <a:schemeClr val="accent5"/>
+                </a:solidFill>
+              </a:rPr>
+              <a:t>da7810516736        host                </a:t>
+            </a:r>
+            <a:r>
+              <a:rPr lang="pt-BR" sz="1600" dirty="0" err="1">
+                <a:solidFill>
+                  <a:schemeClr val="accent5"/>
+                </a:solidFill>
+              </a:rPr>
+              <a:t>host</a:t>
+            </a:r>
+            <a:r>
+              <a:rPr lang="pt-BR" sz="1600" dirty="0">
+                <a:solidFill>
+                  <a:schemeClr val="accent5"/>
+                </a:solidFill>
+              </a:rPr>
+              <a:t>                local</a:t>
+            </a:r>
+          </a:p>
+          <a:p>
+            <a:pPr lvl="1"/>
+            <a:r>
+              <a:rPr lang="pt-BR" sz="1600" dirty="0">
+                <a:solidFill>
+                  <a:schemeClr val="accent5"/>
+                </a:solidFill>
+              </a:rPr>
+              <a:t>d09a467d9ef4        </a:t>
+            </a:r>
+            <a:r>
+              <a:rPr lang="pt-BR" sz="1600" dirty="0" err="1">
+                <a:solidFill>
+                  <a:schemeClr val="accent5"/>
+                </a:solidFill>
+              </a:rPr>
+              <a:t>none</a:t>
+            </a:r>
+            <a:r>
+              <a:rPr lang="pt-BR" sz="1600" dirty="0">
+                <a:solidFill>
+                  <a:schemeClr val="accent5"/>
+                </a:solidFill>
+              </a:rPr>
+              <a:t>                </a:t>
+            </a:r>
+            <a:r>
+              <a:rPr lang="pt-BR" sz="1600" dirty="0" err="1">
+                <a:solidFill>
+                  <a:schemeClr val="accent5"/>
+                </a:solidFill>
+              </a:rPr>
+              <a:t>null</a:t>
+            </a:r>
+            <a:r>
+              <a:rPr lang="pt-BR" sz="1600" dirty="0">
+                <a:solidFill>
+                  <a:schemeClr val="accent5"/>
+                </a:solidFill>
+              </a:rPr>
+              <a:t>                local</a:t>
+            </a:r>
+          </a:p>
+          <a:p>
+            <a:pPr lvl="1"/>
+            <a:endParaRPr lang="pt-BR" sz="1600" dirty="0">
+              <a:solidFill>
+                <a:schemeClr val="accent5"/>
+              </a:solidFill>
+            </a:endParaRPr>
+          </a:p>
+          <a:p>
+            <a:pPr marL="742950" lvl="1" indent="-285750">
+              <a:buFont typeface="Wingdings" panose="05000000000000000000" pitchFamily="2" charset="2"/>
+              <a:buChar char="Ø"/>
+            </a:pPr>
+            <a:r>
+              <a:rPr lang="pt-BR" sz="1600" dirty="0">
+                <a:solidFill>
+                  <a:schemeClr val="accent5"/>
+                </a:solidFill>
+              </a:rPr>
+              <a:t>C:\&gt;docker network </a:t>
+            </a:r>
+            <a:r>
+              <a:rPr lang="pt-BR" sz="1600" dirty="0" err="1">
+                <a:solidFill>
+                  <a:schemeClr val="accent5"/>
+                </a:solidFill>
+              </a:rPr>
+              <a:t>create</a:t>
+            </a:r>
+            <a:r>
+              <a:rPr lang="pt-BR" sz="1600" dirty="0">
+                <a:solidFill>
+                  <a:schemeClr val="accent5"/>
+                </a:solidFill>
+              </a:rPr>
+              <a:t> --driver bridge minha-rede</a:t>
+            </a:r>
+          </a:p>
+          <a:p>
+            <a:pPr marL="742950" lvl="1" indent="-285750">
+              <a:buFont typeface="Wingdings" panose="05000000000000000000" pitchFamily="2" charset="2"/>
+              <a:buChar char="Ø"/>
+            </a:pPr>
+            <a:r>
+              <a:rPr lang="pt-BR" sz="1600" dirty="0">
+                <a:solidFill>
+                  <a:schemeClr val="accent5"/>
+                </a:solidFill>
+              </a:rPr>
+              <a:t>64e168dcaade06f06e53db5f4e32693fa0cebcdac01a0075e9f5747b404a5594</a:t>
+            </a:r>
+          </a:p>
+          <a:p>
+            <a:pPr marL="742950" lvl="1" indent="-285750">
+              <a:buFont typeface="Wingdings" panose="05000000000000000000" pitchFamily="2" charset="2"/>
+              <a:buChar char="Ø"/>
+            </a:pPr>
+            <a:endParaRPr lang="pt-BR" sz="1600" dirty="0">
+              <a:solidFill>
+                <a:schemeClr val="accent5"/>
+              </a:solidFill>
+            </a:endParaRPr>
+          </a:p>
+          <a:p>
+            <a:pPr marL="742950" lvl="1" indent="-285750">
+              <a:buFont typeface="Wingdings" panose="05000000000000000000" pitchFamily="2" charset="2"/>
+              <a:buChar char="Ø"/>
+            </a:pPr>
+            <a:r>
+              <a:rPr lang="pt-BR" sz="1600" dirty="0">
+                <a:solidFill>
+                  <a:schemeClr val="accent5"/>
+                </a:solidFill>
+              </a:rPr>
+              <a:t>C:\&gt;docker network </a:t>
+            </a:r>
+            <a:r>
+              <a:rPr lang="pt-BR" sz="1600" dirty="0" err="1">
+                <a:solidFill>
+                  <a:schemeClr val="accent5"/>
+                </a:solidFill>
+              </a:rPr>
+              <a:t>ls</a:t>
+            </a:r>
+            <a:endParaRPr lang="pt-BR" sz="1600" dirty="0">
+              <a:solidFill>
+                <a:schemeClr val="accent5"/>
+              </a:solidFill>
+            </a:endParaRPr>
+          </a:p>
+          <a:p>
+            <a:pPr marL="742950" lvl="1" indent="-285750">
+              <a:buFont typeface="Wingdings" panose="05000000000000000000" pitchFamily="2" charset="2"/>
+              <a:buChar char="Ø"/>
+            </a:pPr>
+            <a:r>
+              <a:rPr lang="pt-BR" sz="1600" dirty="0">
+                <a:solidFill>
+                  <a:schemeClr val="accent5"/>
+                </a:solidFill>
+              </a:rPr>
+              <a:t>NETWORK ID          NAME                DRIVER              SCOPE</a:t>
+            </a:r>
+          </a:p>
+          <a:p>
+            <a:pPr marL="742950" lvl="1" indent="-285750">
+              <a:buFont typeface="Wingdings" panose="05000000000000000000" pitchFamily="2" charset="2"/>
+              <a:buChar char="Ø"/>
+            </a:pPr>
+            <a:r>
+              <a:rPr lang="pt-BR" sz="1600" dirty="0">
+                <a:solidFill>
+                  <a:schemeClr val="accent5"/>
+                </a:solidFill>
+              </a:rPr>
+              <a:t>65d5d9207ba6        bridge              </a:t>
+            </a:r>
+            <a:r>
+              <a:rPr lang="pt-BR" sz="1600" dirty="0" smtClean="0">
+                <a:solidFill>
+                  <a:schemeClr val="accent5"/>
+                </a:solidFill>
+              </a:rPr>
+              <a:t> </a:t>
+            </a:r>
+            <a:r>
+              <a:rPr lang="pt-BR" sz="1600" dirty="0" err="1" smtClean="0">
+                <a:solidFill>
+                  <a:schemeClr val="accent5"/>
+                </a:solidFill>
+              </a:rPr>
+              <a:t>bridge</a:t>
+            </a:r>
+            <a:r>
+              <a:rPr lang="pt-BR" sz="1600" dirty="0" smtClean="0">
+                <a:solidFill>
+                  <a:schemeClr val="accent5"/>
+                </a:solidFill>
+              </a:rPr>
+              <a:t>              </a:t>
+            </a:r>
+            <a:r>
+              <a:rPr lang="pt-BR" sz="1600" dirty="0">
+                <a:solidFill>
+                  <a:schemeClr val="accent5"/>
+                </a:solidFill>
+              </a:rPr>
+              <a:t>local</a:t>
+            </a:r>
+          </a:p>
+          <a:p>
+            <a:pPr marL="742950" lvl="1" indent="-285750">
+              <a:buFont typeface="Wingdings" panose="05000000000000000000" pitchFamily="2" charset="2"/>
+              <a:buChar char="Ø"/>
+            </a:pPr>
+            <a:r>
+              <a:rPr lang="pt-BR" sz="1600" dirty="0">
+                <a:solidFill>
+                  <a:schemeClr val="accent5"/>
+                </a:solidFill>
+              </a:rPr>
+              <a:t>da7810516736        host               </a:t>
+            </a:r>
+            <a:r>
+              <a:rPr lang="pt-BR" sz="1600" dirty="0" smtClean="0">
+                <a:solidFill>
+                  <a:schemeClr val="accent5"/>
+                </a:solidFill>
+              </a:rPr>
+              <a:t>    </a:t>
+            </a:r>
+            <a:r>
+              <a:rPr lang="pt-BR" sz="1600" dirty="0" err="1" smtClean="0">
+                <a:solidFill>
+                  <a:schemeClr val="accent5"/>
+                </a:solidFill>
+              </a:rPr>
+              <a:t>host</a:t>
+            </a:r>
+            <a:r>
+              <a:rPr lang="pt-BR" sz="1600" dirty="0" smtClean="0">
+                <a:solidFill>
+                  <a:schemeClr val="accent5"/>
+                </a:solidFill>
+              </a:rPr>
+              <a:t>                </a:t>
+            </a:r>
+            <a:r>
+              <a:rPr lang="pt-BR" sz="1600" dirty="0">
+                <a:solidFill>
+                  <a:schemeClr val="accent5"/>
+                </a:solidFill>
+              </a:rPr>
+              <a:t>local</a:t>
+            </a:r>
+          </a:p>
+          <a:p>
+            <a:pPr marL="742950" lvl="1" indent="-285750">
+              <a:buFont typeface="Wingdings" panose="05000000000000000000" pitchFamily="2" charset="2"/>
+              <a:buChar char="Ø"/>
+            </a:pPr>
+            <a:r>
+              <a:rPr lang="pt-BR" sz="1600" dirty="0"/>
+              <a:t>64e168dcaade        minha-rede      </a:t>
+            </a:r>
+            <a:r>
+              <a:rPr lang="pt-BR" sz="1600" dirty="0" smtClean="0"/>
+              <a:t> bridge              </a:t>
+            </a:r>
+            <a:r>
+              <a:rPr lang="pt-BR" sz="1600" dirty="0"/>
+              <a:t>local</a:t>
+            </a:r>
+          </a:p>
+          <a:p>
+            <a:pPr marL="742950" lvl="1" indent="-285750">
+              <a:buFont typeface="Wingdings" panose="05000000000000000000" pitchFamily="2" charset="2"/>
+              <a:buChar char="Ø"/>
+            </a:pPr>
+            <a:r>
+              <a:rPr lang="pt-BR" sz="1600" dirty="0">
+                <a:solidFill>
+                  <a:schemeClr val="accent5"/>
+                </a:solidFill>
+              </a:rPr>
+              <a:t>d09a467d9ef4        </a:t>
+            </a:r>
+            <a:r>
+              <a:rPr lang="pt-BR" sz="1600" dirty="0" err="1">
+                <a:solidFill>
+                  <a:schemeClr val="accent5"/>
+                </a:solidFill>
+              </a:rPr>
+              <a:t>none</a:t>
+            </a:r>
+            <a:r>
+              <a:rPr lang="pt-BR" sz="1600" dirty="0">
+                <a:solidFill>
+                  <a:schemeClr val="accent5"/>
+                </a:solidFill>
+              </a:rPr>
+              <a:t>                </a:t>
+            </a:r>
+            <a:r>
+              <a:rPr lang="pt-BR" sz="1600" dirty="0" smtClean="0">
+                <a:solidFill>
+                  <a:schemeClr val="accent5"/>
+                </a:solidFill>
+              </a:rPr>
+              <a:t>    </a:t>
+            </a:r>
+            <a:r>
+              <a:rPr lang="pt-BR" sz="1600" dirty="0" err="1" smtClean="0">
+                <a:solidFill>
+                  <a:schemeClr val="accent5"/>
+                </a:solidFill>
+              </a:rPr>
+              <a:t>null</a:t>
+            </a:r>
+            <a:r>
+              <a:rPr lang="pt-BR" sz="1600" dirty="0" smtClean="0">
+                <a:solidFill>
+                  <a:schemeClr val="accent5"/>
+                </a:solidFill>
+              </a:rPr>
+              <a:t>                </a:t>
+            </a:r>
+            <a:r>
+              <a:rPr lang="pt-BR" sz="1600" dirty="0">
+                <a:solidFill>
+                  <a:schemeClr val="accent5"/>
+                </a:solidFill>
+              </a:rPr>
+              <a:t>local</a:t>
+            </a:r>
+          </a:p>
+          <a:p>
+            <a:pPr marL="742950" lvl="1" indent="-285750">
+              <a:buFont typeface="Wingdings" panose="05000000000000000000" pitchFamily="2" charset="2"/>
+              <a:buChar char="Ø"/>
+            </a:pPr>
+            <a:endParaRPr lang="pt-BR" sz="1600" dirty="0">
+              <a:solidFill>
+                <a:schemeClr val="accent5"/>
+              </a:solidFill>
+            </a:endParaRPr>
+          </a:p>
+          <a:p>
+            <a:pPr marL="742950" lvl="1" indent="-285750">
+              <a:buFont typeface="Wingdings" panose="05000000000000000000" pitchFamily="2" charset="2"/>
+              <a:buChar char="Ø"/>
+            </a:pPr>
+            <a:r>
+              <a:rPr lang="pt-BR" sz="1600" dirty="0">
+                <a:solidFill>
+                  <a:schemeClr val="accent5"/>
+                </a:solidFill>
+              </a:rPr>
+              <a:t>C:\Users\cyft&gt;</a:t>
+            </a:r>
+            <a:endParaRPr lang="pt-BR" sz="2000" dirty="0"/>
           </a:p>
         </p:txBody>
       </p:sp>
     </p:spTree>
     <p:extLst>
       <p:ext uri="{BB962C8B-B14F-4D97-AF65-F5344CB8AC3E}">
-        <p14:creationId xmlns:p14="http://schemas.microsoft.com/office/powerpoint/2010/main" val="3506319487"/>
+        <p14:creationId xmlns:p14="http://schemas.microsoft.com/office/powerpoint/2010/main" val="1003111895"/>
       </p:ext>
     </p:extLst>
   </p:cSld>
@@ -9621,28 +10502,541 @@
             <a:pPr algn="ctr"/>
             <a:r>
               <a:rPr lang="pt-BR" sz="2800" b="1" dirty="0" smtClean="0"/>
-              <a:t>Trabalhando com o </a:t>
+              <a:t>Redes com </a:t>
             </a:r>
             <a:r>
               <a:rPr lang="pt-BR" sz="2800" b="1" dirty="0" err="1" smtClean="0"/>
               <a:t>Docker</a:t>
             </a:r>
-            <a:r>
-              <a:rPr lang="pt-BR" sz="2800" b="1" dirty="0" smtClean="0"/>
+            <a:endParaRPr lang="pt-BR" sz="2800" b="1" dirty="0"/>
+          </a:p>
+        </p:txBody>
+      </p:sp>
+      <p:sp>
+        <p:nvSpPr>
+          <p:cNvPr id="4" name="Espaço Reservado para Conteúdo 4"/>
+          <p:cNvSpPr>
+            <a:spLocks noGrp="1"/>
+          </p:cNvSpPr>
+          <p:nvPr>
+            <p:ph idx="1"/>
+          </p:nvPr>
+        </p:nvSpPr>
+        <p:spPr>
+          <a:xfrm>
+            <a:off x="480472" y="644715"/>
+            <a:ext cx="11222470" cy="5943371"/>
+          </a:xfrm>
+        </p:spPr>
+        <p:txBody>
+          <a:bodyPr>
+            <a:normAutofit fontScale="92500" lnSpcReduction="10000"/>
+          </a:bodyPr>
+          <a:lstStyle/>
+          <a:p>
+            <a:r>
+              <a:rPr lang="pt-BR" sz="1600" dirty="0" smtClean="0"/>
+              <a:t>Quando você disponibilizar uma aplicação pelo </a:t>
+            </a:r>
+            <a:r>
+              <a:rPr lang="pt-BR" sz="1600" dirty="0" err="1" smtClean="0"/>
+              <a:t>Docker</a:t>
+            </a:r>
+            <a:r>
+              <a:rPr lang="pt-BR" sz="1600" dirty="0" smtClean="0"/>
+              <a:t> é interessante que você coloque os containers na mesma </a:t>
+            </a:r>
+            <a:r>
+              <a:rPr lang="pt-BR" sz="1600" dirty="0" smtClean="0"/>
+              <a:t>rede, através </a:t>
+            </a:r>
+            <a:r>
+              <a:rPr lang="pt-BR" sz="1600" dirty="0"/>
+              <a:t>da </a:t>
+            </a:r>
+            <a:r>
+              <a:rPr lang="pt-BR" sz="1600" dirty="0" err="1"/>
+              <a:t>flag</a:t>
+            </a:r>
+            <a:r>
+              <a:rPr lang="pt-BR" sz="1600" dirty="0"/>
               <a:t> </a:t>
             </a:r>
             <a:r>
-              <a:rPr lang="pt-BR" sz="2800" b="1" dirty="0" err="1" smtClean="0"/>
-              <a:t>Compose</a:t>
-            </a:r>
-            <a:endParaRPr lang="pt-BR" sz="2800" b="1" dirty="0"/>
+              <a:rPr lang="pt-BR" sz="1600" b="1" dirty="0" smtClean="0"/>
+              <a:t>--network</a:t>
+            </a:r>
+            <a:r>
+              <a:rPr lang="pt-BR" sz="1600" dirty="0"/>
+              <a:t>. </a:t>
+            </a:r>
+          </a:p>
+          <a:p>
+            <a:pPr marL="0" indent="0">
+              <a:buNone/>
+            </a:pPr>
+            <a:r>
+              <a:rPr lang="pt-BR" sz="1600" dirty="0" err="1"/>
+              <a:t>docker</a:t>
+            </a:r>
+            <a:r>
+              <a:rPr lang="pt-BR" sz="1600" dirty="0"/>
+              <a:t> </a:t>
+            </a:r>
+            <a:r>
+              <a:rPr lang="pt-BR" sz="1600" dirty="0" err="1"/>
+              <a:t>run</a:t>
+            </a:r>
+            <a:r>
+              <a:rPr lang="pt-BR" sz="1600" dirty="0"/>
+              <a:t> -it --</a:t>
+            </a:r>
+            <a:r>
+              <a:rPr lang="pt-BR" sz="1600" dirty="0" err="1"/>
+              <a:t>name</a:t>
+            </a:r>
+            <a:r>
+              <a:rPr lang="pt-BR" sz="1600" dirty="0"/>
+              <a:t> meu-container-de-</a:t>
+            </a:r>
+            <a:r>
+              <a:rPr lang="pt-BR" sz="1600" dirty="0" err="1"/>
+              <a:t>ubuntu</a:t>
+            </a:r>
+            <a:r>
+              <a:rPr lang="pt-BR" sz="1600" dirty="0"/>
+              <a:t> --network minha-rede </a:t>
+            </a:r>
+            <a:r>
+              <a:rPr lang="pt-BR" sz="1600" dirty="0" err="1"/>
+              <a:t>ubuntu</a:t>
+            </a:r>
+            <a:endParaRPr lang="pt-BR" sz="1600" dirty="0"/>
+          </a:p>
+          <a:p>
+            <a:endParaRPr lang="pt-BR" sz="1600" dirty="0" smtClean="0"/>
+          </a:p>
+          <a:p>
+            <a:r>
+              <a:rPr lang="pt-BR" sz="1600" dirty="0" smtClean="0"/>
+              <a:t>Agora</a:t>
+            </a:r>
+            <a:r>
+              <a:rPr lang="pt-BR" sz="1600" dirty="0"/>
+              <a:t>, se executarmos o </a:t>
+            </a:r>
+            <a:r>
+              <a:rPr lang="pt-BR" sz="1600" dirty="0" smtClean="0"/>
+              <a:t>comando </a:t>
+            </a:r>
+            <a:r>
+              <a:rPr lang="pt-BR" sz="1600" b="1" dirty="0" err="1" smtClean="0"/>
+              <a:t>docker</a:t>
+            </a:r>
+            <a:r>
+              <a:rPr lang="pt-BR" sz="1600" b="1" dirty="0" smtClean="0"/>
+              <a:t> </a:t>
+            </a:r>
+            <a:r>
+              <a:rPr lang="pt-BR" sz="1600" b="1" dirty="0" err="1" smtClean="0"/>
+              <a:t>inspect</a:t>
+            </a:r>
+            <a:r>
+              <a:rPr lang="pt-BR" sz="1600" b="1" dirty="0" smtClean="0"/>
+              <a:t> meu-container-de-</a:t>
+            </a:r>
+            <a:r>
+              <a:rPr lang="pt-BR" sz="1600" b="1" dirty="0" err="1" smtClean="0"/>
+              <a:t>ubuntu</a:t>
+            </a:r>
+            <a:r>
+              <a:rPr lang="pt-BR" sz="1600" dirty="0"/>
+              <a:t>, podemos ver em </a:t>
+            </a:r>
+            <a:r>
+              <a:rPr lang="pt-BR" sz="1600" b="1" dirty="0" err="1"/>
+              <a:t>NetworkSettings</a:t>
+            </a:r>
+            <a:r>
+              <a:rPr lang="pt-BR" sz="1600" dirty="0"/>
+              <a:t> o container está na rede minha-rede. E para testar a comunicação entre os containers na nossa rede, vamos abrir outro terminal e criar um segundo container:</a:t>
+            </a:r>
+          </a:p>
+          <a:p>
+            <a:endParaRPr lang="pt-BR" sz="1600" dirty="0"/>
+          </a:p>
+          <a:p>
+            <a:r>
+              <a:rPr lang="pt-BR" sz="1600" dirty="0" err="1"/>
+              <a:t>docker</a:t>
+            </a:r>
+            <a:r>
+              <a:rPr lang="pt-BR" sz="1600" dirty="0"/>
+              <a:t> </a:t>
+            </a:r>
+            <a:r>
+              <a:rPr lang="pt-BR" sz="1600" dirty="0" err="1"/>
+              <a:t>run</a:t>
+            </a:r>
+            <a:r>
+              <a:rPr lang="pt-BR" sz="1600" dirty="0"/>
+              <a:t> -it --</a:t>
+            </a:r>
+            <a:r>
+              <a:rPr lang="pt-BR" sz="1600" dirty="0" err="1"/>
+              <a:t>name</a:t>
+            </a:r>
+            <a:r>
+              <a:rPr lang="pt-BR" sz="1600" dirty="0"/>
+              <a:t> segundo-</a:t>
+            </a:r>
+            <a:r>
+              <a:rPr lang="pt-BR" sz="1600" dirty="0" err="1"/>
+              <a:t>ubuntu</a:t>
+            </a:r>
+            <a:r>
+              <a:rPr lang="pt-BR" sz="1600" dirty="0"/>
+              <a:t> --network minha-rede </a:t>
+            </a:r>
+            <a:r>
+              <a:rPr lang="pt-BR" sz="1600" dirty="0" err="1"/>
+              <a:t>ubuntu</a:t>
+            </a:r>
+            <a:endParaRPr lang="pt-BR" sz="1600" dirty="0"/>
+          </a:p>
+          <a:p>
+            <a:r>
+              <a:rPr lang="pt-BR" sz="1600" dirty="0"/>
+              <a:t>Agora, no segundo-</a:t>
+            </a:r>
+            <a:r>
+              <a:rPr lang="pt-BR" sz="1600" dirty="0" err="1"/>
+              <a:t>ubuntu</a:t>
+            </a:r>
+            <a:r>
+              <a:rPr lang="pt-BR" sz="1600" dirty="0"/>
+              <a:t>, instalamos o </a:t>
+            </a:r>
+            <a:r>
+              <a:rPr lang="pt-BR" sz="1600" dirty="0" err="1"/>
+              <a:t>ping</a:t>
+            </a:r>
+            <a:r>
+              <a:rPr lang="pt-BR" sz="1600" dirty="0"/>
+              <a:t> e testamos a comunicação com o meu-container-de-</a:t>
+            </a:r>
+            <a:r>
+              <a:rPr lang="pt-BR" sz="1600" dirty="0" err="1"/>
+              <a:t>ubuntu</a:t>
+            </a:r>
+            <a:r>
+              <a:rPr lang="pt-BR" sz="1600" dirty="0"/>
+              <a:t>:</a:t>
+            </a:r>
+          </a:p>
+          <a:p>
+            <a:endParaRPr lang="pt-BR" sz="1600" dirty="0"/>
+          </a:p>
+          <a:p>
+            <a:r>
+              <a:rPr lang="pt-BR" sz="1600" dirty="0"/>
+              <a:t>root@00f93075d079:/# </a:t>
+            </a:r>
+            <a:r>
+              <a:rPr lang="pt-BR" sz="1600" dirty="0" err="1"/>
+              <a:t>ping</a:t>
+            </a:r>
+            <a:r>
+              <a:rPr lang="pt-BR" sz="1600" dirty="0"/>
+              <a:t> meu-container-de-</a:t>
+            </a:r>
+            <a:r>
+              <a:rPr lang="pt-BR" sz="1600" dirty="0" err="1"/>
+              <a:t>ubuntu</a:t>
+            </a:r>
+            <a:endParaRPr lang="pt-BR" sz="1600" dirty="0"/>
+          </a:p>
+          <a:p>
+            <a:r>
+              <a:rPr lang="pt-BR" sz="1600" dirty="0"/>
+              <a:t>PING meu-container-de-</a:t>
+            </a:r>
+            <a:r>
+              <a:rPr lang="pt-BR" sz="1600" dirty="0" err="1"/>
+              <a:t>ubuntu</a:t>
+            </a:r>
+            <a:r>
+              <a:rPr lang="pt-BR" sz="1600" dirty="0"/>
+              <a:t> (172.18.0.2) 56(84) bytes </a:t>
+            </a:r>
+            <a:r>
+              <a:rPr lang="pt-BR" sz="1600" dirty="0" err="1"/>
+              <a:t>of</a:t>
+            </a:r>
+            <a:r>
+              <a:rPr lang="pt-BR" sz="1600" dirty="0"/>
+              <a:t> data.</a:t>
+            </a:r>
+          </a:p>
+          <a:p>
+            <a:r>
+              <a:rPr lang="pt-BR" sz="1600" dirty="0"/>
+              <a:t>64 bytes </a:t>
+            </a:r>
+            <a:r>
+              <a:rPr lang="pt-BR" sz="1600" dirty="0" err="1"/>
+              <a:t>from</a:t>
+            </a:r>
+            <a:r>
+              <a:rPr lang="pt-BR" sz="1600" dirty="0"/>
+              <a:t> meu-container-de-</a:t>
+            </a:r>
+            <a:r>
+              <a:rPr lang="pt-BR" sz="1600" dirty="0" err="1"/>
+              <a:t>ubuntu.minha</a:t>
+            </a:r>
+            <a:r>
+              <a:rPr lang="pt-BR" sz="1600" dirty="0"/>
+              <a:t>-rede (172.18.0.2): </a:t>
+            </a:r>
+            <a:r>
+              <a:rPr lang="pt-BR" sz="1600" dirty="0" err="1"/>
+              <a:t>icmp_seq</a:t>
+            </a:r>
+            <a:r>
+              <a:rPr lang="pt-BR" sz="1600" dirty="0"/>
+              <a:t>=1 </a:t>
+            </a:r>
+            <a:r>
+              <a:rPr lang="pt-BR" sz="1600" dirty="0" err="1"/>
+              <a:t>ttl</a:t>
+            </a:r>
+            <a:r>
+              <a:rPr lang="pt-BR" sz="1600" dirty="0"/>
+              <a:t>=64 time=0.210 </a:t>
+            </a:r>
+            <a:r>
+              <a:rPr lang="pt-BR" sz="1600" dirty="0" err="1"/>
+              <a:t>ms</a:t>
+            </a:r>
+            <a:endParaRPr lang="pt-BR" sz="1600" dirty="0"/>
+          </a:p>
+          <a:p>
+            <a:r>
+              <a:rPr lang="pt-BR" sz="1600" dirty="0"/>
+              <a:t>64 bytes </a:t>
+            </a:r>
+            <a:r>
+              <a:rPr lang="pt-BR" sz="1600" dirty="0" err="1"/>
+              <a:t>from</a:t>
+            </a:r>
+            <a:r>
+              <a:rPr lang="pt-BR" sz="1600" dirty="0"/>
+              <a:t> meu-container-de-</a:t>
+            </a:r>
+            <a:r>
+              <a:rPr lang="pt-BR" sz="1600" dirty="0" err="1"/>
+              <a:t>ubuntu.minha</a:t>
+            </a:r>
+            <a:r>
+              <a:rPr lang="pt-BR" sz="1600" dirty="0"/>
+              <a:t>-rede (172.18.0.2): </a:t>
+            </a:r>
+            <a:r>
+              <a:rPr lang="pt-BR" sz="1600" dirty="0" err="1"/>
+              <a:t>icmp_seq</a:t>
+            </a:r>
+            <a:r>
+              <a:rPr lang="pt-BR" sz="1600" dirty="0"/>
+              <a:t>=2 </a:t>
+            </a:r>
+            <a:r>
+              <a:rPr lang="pt-BR" sz="1600" dirty="0" err="1"/>
+              <a:t>ttl</a:t>
+            </a:r>
+            <a:r>
+              <a:rPr lang="pt-BR" sz="1600" dirty="0"/>
+              <a:t>=64 time=0.148 </a:t>
+            </a:r>
+            <a:r>
+              <a:rPr lang="pt-BR" sz="1600" dirty="0" err="1"/>
+              <a:t>ms</a:t>
+            </a:r>
+            <a:endParaRPr lang="pt-BR" sz="1600" dirty="0"/>
+          </a:p>
+          <a:p>
+            <a:r>
+              <a:rPr lang="pt-BR" sz="1600" dirty="0"/>
+              <a:t>64 bytes </a:t>
+            </a:r>
+            <a:r>
+              <a:rPr lang="pt-BR" sz="1600" dirty="0" err="1"/>
+              <a:t>from</a:t>
+            </a:r>
+            <a:r>
+              <a:rPr lang="pt-BR" sz="1600" dirty="0"/>
+              <a:t> meu-container-de-</a:t>
+            </a:r>
+            <a:r>
+              <a:rPr lang="pt-BR" sz="1600" dirty="0" err="1"/>
+              <a:t>ubuntu.minha</a:t>
+            </a:r>
+            <a:r>
+              <a:rPr lang="pt-BR" sz="1600" dirty="0"/>
+              <a:t>-rede (172.18.0.2): </a:t>
+            </a:r>
+            <a:r>
+              <a:rPr lang="pt-BR" sz="1600" dirty="0" err="1"/>
+              <a:t>icmp_seq</a:t>
+            </a:r>
+            <a:r>
+              <a:rPr lang="pt-BR" sz="1600" dirty="0"/>
+              <a:t>=3 </a:t>
+            </a:r>
+            <a:r>
+              <a:rPr lang="pt-BR" sz="1600" dirty="0" err="1"/>
+              <a:t>ttl</a:t>
+            </a:r>
+            <a:r>
+              <a:rPr lang="pt-BR" sz="1600" dirty="0"/>
+              <a:t>=64 time=0.138 </a:t>
+            </a:r>
+            <a:r>
+              <a:rPr lang="pt-BR" sz="1600" dirty="0" err="1"/>
+              <a:t>ms</a:t>
+            </a:r>
+            <a:endParaRPr lang="pt-BR" sz="1600" dirty="0"/>
+          </a:p>
+          <a:p>
+            <a:r>
+              <a:rPr lang="pt-BR" sz="1600" dirty="0"/>
+              <a:t>^C</a:t>
+            </a:r>
+          </a:p>
+          <a:p>
+            <a:r>
+              <a:rPr lang="pt-BR" sz="1600" dirty="0"/>
+              <a:t>--- meu-container-de-</a:t>
+            </a:r>
+            <a:r>
+              <a:rPr lang="pt-BR" sz="1600" dirty="0" err="1"/>
+              <a:t>ubuntu</a:t>
+            </a:r>
+            <a:r>
+              <a:rPr lang="pt-BR" sz="1600" dirty="0"/>
+              <a:t> </a:t>
+            </a:r>
+            <a:r>
+              <a:rPr lang="pt-BR" sz="1600" dirty="0" err="1"/>
+              <a:t>ping</a:t>
+            </a:r>
+            <a:r>
+              <a:rPr lang="pt-BR" sz="1600" dirty="0"/>
+              <a:t> </a:t>
+            </a:r>
+            <a:r>
+              <a:rPr lang="pt-BR" sz="1600" dirty="0" err="1"/>
+              <a:t>statistics</a:t>
+            </a:r>
+            <a:r>
+              <a:rPr lang="pt-BR" sz="1600" dirty="0"/>
+              <a:t> ---</a:t>
+            </a:r>
+          </a:p>
+          <a:p>
+            <a:r>
+              <a:rPr lang="pt-BR" sz="1600" dirty="0"/>
+              <a:t>3 </a:t>
+            </a:r>
+            <a:r>
+              <a:rPr lang="pt-BR" sz="1600" dirty="0" err="1"/>
+              <a:t>packets</a:t>
+            </a:r>
+            <a:r>
+              <a:rPr lang="pt-BR" sz="1600" dirty="0"/>
+              <a:t> </a:t>
+            </a:r>
+            <a:r>
+              <a:rPr lang="pt-BR" sz="1600" dirty="0" err="1"/>
+              <a:t>transmitted</a:t>
+            </a:r>
+            <a:r>
+              <a:rPr lang="pt-BR" sz="1600" dirty="0"/>
+              <a:t>, 3 </a:t>
+            </a:r>
+            <a:r>
+              <a:rPr lang="pt-BR" sz="1600" dirty="0" err="1"/>
+              <a:t>received</a:t>
+            </a:r>
+            <a:r>
+              <a:rPr lang="pt-BR" sz="1600" dirty="0"/>
+              <a:t>, 0% </a:t>
+            </a:r>
+            <a:r>
+              <a:rPr lang="pt-BR" sz="1600" dirty="0" err="1"/>
+              <a:t>packet</a:t>
+            </a:r>
+            <a:r>
+              <a:rPr lang="pt-BR" sz="1600" dirty="0"/>
+              <a:t> </a:t>
+            </a:r>
+            <a:r>
+              <a:rPr lang="pt-BR" sz="1600" dirty="0" err="1"/>
+              <a:t>loss</a:t>
+            </a:r>
+            <a:r>
+              <a:rPr lang="pt-BR" sz="1600" dirty="0"/>
+              <a:t>, time 2000ms</a:t>
+            </a:r>
+          </a:p>
+          <a:p>
+            <a:r>
+              <a:rPr lang="pt-BR" sz="1600" dirty="0" err="1"/>
+              <a:t>rtt</a:t>
+            </a:r>
+            <a:r>
+              <a:rPr lang="pt-BR" sz="1600" dirty="0"/>
+              <a:t> min/</a:t>
+            </a:r>
+            <a:r>
+              <a:rPr lang="pt-BR" sz="1600" dirty="0" err="1"/>
+              <a:t>avg</a:t>
+            </a:r>
+            <a:r>
+              <a:rPr lang="pt-BR" sz="1600" dirty="0"/>
+              <a:t>/</a:t>
+            </a:r>
+            <a:r>
+              <a:rPr lang="pt-BR" sz="1600" dirty="0" err="1"/>
+              <a:t>max</a:t>
+            </a:r>
+            <a:r>
+              <a:rPr lang="pt-BR" sz="1600" dirty="0"/>
+              <a:t>/</a:t>
+            </a:r>
+            <a:r>
+              <a:rPr lang="pt-BR" sz="1600" dirty="0" err="1"/>
+              <a:t>mdev</a:t>
+            </a:r>
+            <a:r>
+              <a:rPr lang="pt-BR" sz="1600" dirty="0"/>
+              <a:t> = 0.138/0.165/0.210/0.033 </a:t>
+            </a:r>
+            <a:r>
+              <a:rPr lang="pt-BR" sz="1600" dirty="0" err="1"/>
+              <a:t>ms</a:t>
+            </a:r>
+            <a:endParaRPr lang="pt-BR" sz="1600" dirty="0" smtClean="0"/>
+          </a:p>
+          <a:p>
+            <a:endParaRPr lang="pt-BR" sz="1600" dirty="0"/>
           </a:p>
         </p:txBody>
       </p:sp>
     </p:spTree>
     <p:extLst>
       <p:ext uri="{BB962C8B-B14F-4D97-AF65-F5344CB8AC3E}">
-        <p14:creationId xmlns:p14="http://schemas.microsoft.com/office/powerpoint/2010/main" val="2618223457"/>
+        <p14:creationId xmlns:p14="http://schemas.microsoft.com/office/powerpoint/2010/main" val="4236748709"/>
       </p:ext>
     </p:extLst>
   </p:cSld>
@@ -9694,19 +11088,7 @@
             <a:pPr algn="ctr"/>
             <a:r>
               <a:rPr lang="pt-BR" sz="2800" b="1" dirty="0" smtClean="0"/>
-              <a:t>Trabalhando com o </a:t>
-            </a:r>
-            <a:r>
-              <a:rPr lang="pt-BR" sz="2800" b="1" dirty="0" err="1" smtClean="0"/>
-              <a:t>Docker</a:t>
-            </a:r>
-            <a:r>
-              <a:rPr lang="pt-BR" sz="2800" b="1" dirty="0" smtClean="0"/>
-              <a:t> </a:t>
-            </a:r>
-            <a:r>
-              <a:rPr lang="pt-BR" sz="2800" b="1" dirty="0" err="1" smtClean="0"/>
-              <a:t>Compose</a:t>
+              <a:t>Comunicação entre Containers</a:t>
             </a:r>
             <a:endParaRPr lang="pt-BR" sz="2800" b="1" dirty="0"/>
           </a:p>
@@ -9715,7 +11097,7 @@
     </p:spTree>
     <p:extLst>
       <p:ext uri="{BB962C8B-B14F-4D97-AF65-F5344CB8AC3E}">
-        <p14:creationId xmlns:p14="http://schemas.microsoft.com/office/powerpoint/2010/main" val="1819436064"/>
+        <p14:creationId xmlns:p14="http://schemas.microsoft.com/office/powerpoint/2010/main" val="3506319487"/>
       </p:ext>
     </p:extLst>
   </p:cSld>
@@ -9744,7 +11126,7 @@
       </p:grpSpPr>
       <p:sp>
         <p:nvSpPr>
-          <p:cNvPr id="2" name="Título 1"/>
+          <p:cNvPr id="5" name="Título 1"/>
           <p:cNvSpPr>
             <a:spLocks noGrp="1"/>
           </p:cNvSpPr>
@@ -9752,38 +11134,43 @@
             <p:ph type="title"/>
           </p:nvPr>
         </p:nvSpPr>
-        <p:spPr/>
+        <p:spPr>
+          <a:xfrm>
+            <a:off x="115910" y="123288"/>
+            <a:ext cx="11951594" cy="422275"/>
+          </a:xfrm>
+        </p:spPr>
         <p:txBody>
-          <a:bodyPr/>
+          <a:bodyPr vert="horz" lIns="91440" tIns="45720" rIns="91440" bIns="45720" rtlCol="0" anchor="ctr">
+            <a:normAutofit fontScale="90000"/>
+          </a:bodyPr>
           <a:lstStyle/>
           <a:p>
-            <a:endParaRPr lang="pt-BR"/>
-          </a:p>
-        </p:txBody>
-      </p:sp>
-      <p:sp>
-        <p:nvSpPr>
-          <p:cNvPr id="3" name="Espaço Reservado para Conteúdo 2"/>
-          <p:cNvSpPr>
-            <a:spLocks noGrp="1"/>
-          </p:cNvSpPr>
-          <p:nvPr>
-            <p:ph idx="1"/>
-          </p:nvPr>
-        </p:nvSpPr>
-        <p:spPr/>
-        <p:txBody>
-          <a:bodyPr/>
-          <a:lstStyle/>
-          <a:p>
-            <a:endParaRPr lang="pt-BR"/>
+            <a:pPr algn="ctr"/>
+            <a:r>
+              <a:rPr lang="pt-BR" sz="2800" b="1" dirty="0" smtClean="0"/>
+              <a:t>Trabalhando com o </a:t>
+            </a:r>
+            <a:r>
+              <a:rPr lang="pt-BR" sz="2800" b="1" dirty="0" err="1" smtClean="0"/>
+              <a:t>Docker</a:t>
+            </a:r>
+            <a:r>
+              <a:rPr lang="pt-BR" sz="2800" b="1" dirty="0" smtClean="0"/>
+              <a:t> </a:t>
+            </a:r>
+            <a:r>
+              <a:rPr lang="pt-BR" sz="2800" b="1" dirty="0" err="1" smtClean="0"/>
+              <a:t>Compose</a:t>
+            </a:r>
+            <a:endParaRPr lang="pt-BR" sz="2800" b="1" dirty="0"/>
           </a:p>
         </p:txBody>
       </p:sp>
     </p:spTree>
     <p:extLst>
       <p:ext uri="{BB962C8B-B14F-4D97-AF65-F5344CB8AC3E}">
-        <p14:creationId xmlns:p14="http://schemas.microsoft.com/office/powerpoint/2010/main" val="2333415383"/>
+        <p14:creationId xmlns:p14="http://schemas.microsoft.com/office/powerpoint/2010/main" val="2618223457"/>
       </p:ext>
     </p:extLst>
   </p:cSld>
@@ -9812,7 +11199,7 @@
       </p:grpSpPr>
       <p:sp>
         <p:nvSpPr>
-          <p:cNvPr id="2" name="Título 1"/>
+          <p:cNvPr id="5" name="Título 1"/>
           <p:cNvSpPr>
             <a:spLocks noGrp="1"/>
           </p:cNvSpPr>
@@ -9820,38 +11207,43 @@
             <p:ph type="title"/>
           </p:nvPr>
         </p:nvSpPr>
-        <p:spPr/>
+        <p:spPr>
+          <a:xfrm>
+            <a:off x="115910" y="123288"/>
+            <a:ext cx="11951594" cy="422275"/>
+          </a:xfrm>
+        </p:spPr>
         <p:txBody>
-          <a:bodyPr/>
+          <a:bodyPr vert="horz" lIns="91440" tIns="45720" rIns="91440" bIns="45720" rtlCol="0" anchor="ctr">
+            <a:normAutofit fontScale="90000"/>
+          </a:bodyPr>
           <a:lstStyle/>
           <a:p>
-            <a:endParaRPr lang="pt-BR"/>
-          </a:p>
-        </p:txBody>
-      </p:sp>
-      <p:sp>
-        <p:nvSpPr>
-          <p:cNvPr id="3" name="Espaço Reservado para Conteúdo 2"/>
-          <p:cNvSpPr>
-            <a:spLocks noGrp="1"/>
-          </p:cNvSpPr>
-          <p:nvPr>
-            <p:ph idx="1"/>
-          </p:nvPr>
-        </p:nvSpPr>
-        <p:spPr/>
-        <p:txBody>
-          <a:bodyPr/>
-          <a:lstStyle/>
-          <a:p>
-            <a:endParaRPr lang="pt-BR"/>
+            <a:pPr algn="ctr"/>
+            <a:r>
+              <a:rPr lang="pt-BR" sz="2800" b="1" dirty="0" smtClean="0"/>
+              <a:t>Trabalhando com o </a:t>
+            </a:r>
+            <a:r>
+              <a:rPr lang="pt-BR" sz="2800" b="1" dirty="0" err="1" smtClean="0"/>
+              <a:t>Docker</a:t>
+            </a:r>
+            <a:r>
+              <a:rPr lang="pt-BR" sz="2800" b="1" dirty="0" smtClean="0"/>
+              <a:t> </a:t>
+            </a:r>
+            <a:r>
+              <a:rPr lang="pt-BR" sz="2800" b="1" dirty="0" err="1" smtClean="0"/>
+              <a:t>Compose</a:t>
+            </a:r>
+            <a:endParaRPr lang="pt-BR" sz="2800" b="1" dirty="0"/>
           </a:p>
         </p:txBody>
       </p:sp>
     </p:spTree>
     <p:extLst>
       <p:ext uri="{BB962C8B-B14F-4D97-AF65-F5344CB8AC3E}">
-        <p14:creationId xmlns:p14="http://schemas.microsoft.com/office/powerpoint/2010/main" val="3094957484"/>
+        <p14:creationId xmlns:p14="http://schemas.microsoft.com/office/powerpoint/2010/main" val="1819436064"/>
       </p:ext>
     </p:extLst>
   </p:cSld>
@@ -9893,11 +11285,7 @@
           <a:bodyPr/>
           <a:lstStyle/>
           <a:p>
-            <a:r>
-              <a:rPr lang="pt-BR" dirty="0" smtClean="0"/>
-              <a:t>Referências Bibliográficas</a:t>
-            </a:r>
-            <a:endParaRPr lang="pt-BR" dirty="0"/>
+            <a:endParaRPr lang="pt-BR"/>
           </a:p>
         </p:txBody>
       </p:sp>
@@ -9916,26 +11304,82 @@
           <a:bodyPr/>
           <a:lstStyle/>
           <a:p>
-            <a:r>
-              <a:rPr lang="pt-BR" dirty="0" smtClean="0"/>
-              <a:t>Curso </a:t>
-            </a:r>
-            <a:r>
-              <a:rPr lang="pt-BR" dirty="0" err="1" smtClean="0"/>
-              <a:t>Alura</a:t>
-            </a:r>
-            <a:r>
-              <a:rPr lang="pt-BR" dirty="0" smtClean="0"/>
-              <a:t> Docker</a:t>
-            </a:r>
-            <a:endParaRPr lang="pt-BR" dirty="0"/>
+            <a:endParaRPr lang="pt-BR"/>
           </a:p>
         </p:txBody>
       </p:sp>
     </p:spTree>
     <p:extLst>
       <p:ext uri="{BB962C8B-B14F-4D97-AF65-F5344CB8AC3E}">
-        <p14:creationId xmlns:p14="http://schemas.microsoft.com/office/powerpoint/2010/main" val="893777767"/>
+        <p14:creationId xmlns:p14="http://schemas.microsoft.com/office/powerpoint/2010/main" val="2333415383"/>
+      </p:ext>
+    </p:extLst>
+  </p:cSld>
+  <p:clrMapOvr>
+    <a:masterClrMapping/>
+  </p:clrMapOvr>
+</p:sld>
+</file>
+
+<file path=ppt/slides/slide29.xml><?xml version="1.0" encoding="utf-8"?>
+<p:sld xmlns:a="http://schemas.openxmlformats.org/drawingml/2006/main" xmlns:r="http://schemas.openxmlformats.org/officeDocument/2006/relationships" xmlns:p="http://schemas.openxmlformats.org/presentationml/2006/main">
+  <p:cSld>
+    <p:spTree>
+      <p:nvGrpSpPr>
+        <p:cNvPr id="1" name=""/>
+        <p:cNvGrpSpPr/>
+        <p:nvPr/>
+      </p:nvGrpSpPr>
+      <p:grpSpPr>
+        <a:xfrm>
+          <a:off x="0" y="0"/>
+          <a:ext cx="0" cy="0"/>
+          <a:chOff x="0" y="0"/>
+          <a:chExt cx="0" cy="0"/>
+        </a:xfrm>
+      </p:grpSpPr>
+      <p:sp>
+        <p:nvSpPr>
+          <p:cNvPr id="2" name="Título 1"/>
+          <p:cNvSpPr>
+            <a:spLocks noGrp="1"/>
+          </p:cNvSpPr>
+          <p:nvPr>
+            <p:ph type="title"/>
+          </p:nvPr>
+        </p:nvSpPr>
+        <p:spPr/>
+        <p:txBody>
+          <a:bodyPr/>
+          <a:lstStyle/>
+          <a:p>
+            <a:endParaRPr lang="pt-BR"/>
+          </a:p>
+        </p:txBody>
+      </p:sp>
+      <p:sp>
+        <p:nvSpPr>
+          <p:cNvPr id="3" name="Espaço Reservado para Conteúdo 2"/>
+          <p:cNvSpPr>
+            <a:spLocks noGrp="1"/>
+          </p:cNvSpPr>
+          <p:nvPr>
+            <p:ph idx="1"/>
+          </p:nvPr>
+        </p:nvSpPr>
+        <p:spPr/>
+        <p:txBody>
+          <a:bodyPr/>
+          <a:lstStyle/>
+          <a:p>
+            <a:endParaRPr lang="pt-BR"/>
+          </a:p>
+        </p:txBody>
+      </p:sp>
+    </p:spTree>
+    <p:extLst>
+      <p:ext uri="{BB962C8B-B14F-4D97-AF65-F5344CB8AC3E}">
+        <p14:creationId xmlns:p14="http://schemas.microsoft.com/office/powerpoint/2010/main" val="3094957484"/>
       </p:ext>
     </p:extLst>
   </p:cSld>
@@ -10286,6 +11730,90 @@
     <p:extLst>
       <p:ext uri="{BB962C8B-B14F-4D97-AF65-F5344CB8AC3E}">
         <p14:creationId xmlns:p14="http://schemas.microsoft.com/office/powerpoint/2010/main" val="2702824203"/>
+      </p:ext>
+    </p:extLst>
+  </p:cSld>
+  <p:clrMapOvr>
+    <a:masterClrMapping/>
+  </p:clrMapOvr>
+</p:sld>
+</file>
+
+<file path=ppt/slides/slide30.xml><?xml version="1.0" encoding="utf-8"?>
+<p:sld xmlns:a="http://schemas.openxmlformats.org/drawingml/2006/main" xmlns:r="http://schemas.openxmlformats.org/officeDocument/2006/relationships" xmlns:p="http://schemas.openxmlformats.org/presentationml/2006/main">
+  <p:cSld>
+    <p:spTree>
+      <p:nvGrpSpPr>
+        <p:cNvPr id="1" name=""/>
+        <p:cNvGrpSpPr/>
+        <p:nvPr/>
+      </p:nvGrpSpPr>
+      <p:grpSpPr>
+        <a:xfrm>
+          <a:off x="0" y="0"/>
+          <a:ext cx="0" cy="0"/>
+          <a:chOff x="0" y="0"/>
+          <a:chExt cx="0" cy="0"/>
+        </a:xfrm>
+      </p:grpSpPr>
+      <p:sp>
+        <p:nvSpPr>
+          <p:cNvPr id="2" name="Título 1"/>
+          <p:cNvSpPr>
+            <a:spLocks noGrp="1"/>
+          </p:cNvSpPr>
+          <p:nvPr>
+            <p:ph type="title"/>
+          </p:nvPr>
+        </p:nvSpPr>
+        <p:spPr/>
+        <p:txBody>
+          <a:bodyPr/>
+          <a:lstStyle/>
+          <a:p>
+            <a:r>
+              <a:rPr lang="pt-BR" dirty="0" smtClean="0"/>
+              <a:t>Referências Bibliográficas</a:t>
+            </a:r>
+            <a:endParaRPr lang="pt-BR" dirty="0"/>
+          </a:p>
+        </p:txBody>
+      </p:sp>
+      <p:sp>
+        <p:nvSpPr>
+          <p:cNvPr id="3" name="Espaço Reservado para Conteúdo 2"/>
+          <p:cNvSpPr>
+            <a:spLocks noGrp="1"/>
+          </p:cNvSpPr>
+          <p:nvPr>
+            <p:ph idx="1"/>
+          </p:nvPr>
+        </p:nvSpPr>
+        <p:spPr/>
+        <p:txBody>
+          <a:bodyPr/>
+          <a:lstStyle/>
+          <a:p>
+            <a:r>
+              <a:rPr lang="pt-BR" dirty="0" smtClean="0"/>
+              <a:t>Curso </a:t>
+            </a:r>
+            <a:r>
+              <a:rPr lang="pt-BR" dirty="0" err="1" smtClean="0"/>
+              <a:t>Alura</a:t>
+            </a:r>
+            <a:r>
+              <a:rPr lang="pt-BR" dirty="0" smtClean="0"/>
+              <a:t> Docker</a:t>
+            </a:r>
+            <a:endParaRPr lang="pt-BR" dirty="0"/>
+          </a:p>
+        </p:txBody>
+      </p:sp>
+    </p:spTree>
+    <p:extLst>
+      <p:ext uri="{BB962C8B-B14F-4D97-AF65-F5344CB8AC3E}">
+        <p14:creationId xmlns:p14="http://schemas.microsoft.com/office/powerpoint/2010/main" val="893777767"/>
       </p:ext>
     </p:extLst>
   </p:cSld>
@@ -13427,7 +14955,7 @@
         </p:blipFill>
         <p:spPr>
           <a:xfrm>
-            <a:off x="6387853" y="1930777"/>
+            <a:off x="6387853" y="1941794"/>
             <a:ext cx="5317752" cy="2277756"/>
           </a:xfrm>
           <a:prstGeom prst="rect">

--- a/docs/docker-resumo.pptx
+++ b/docs/docker-resumo.pptx
@@ -31,9 +31,9 @@
     <p:sldId id="310" r:id="rId25"/>
     <p:sldId id="307" r:id="rId26"/>
     <p:sldId id="305" r:id="rId27"/>
-    <p:sldId id="308" r:id="rId28"/>
-    <p:sldId id="280" r:id="rId29"/>
-    <p:sldId id="284" r:id="rId30"/>
+    <p:sldId id="312" r:id="rId28"/>
+    <p:sldId id="311" r:id="rId29"/>
+    <p:sldId id="308" r:id="rId30"/>
     <p:sldId id="285" r:id="rId31"/>
   </p:sldIdLst>
   <p:sldSz cx="12192000" cy="6858000"/>
@@ -270,7 +270,7 @@
           <a:p>
             <a:fld id="{CC58B075-67F8-4A8D-AE1C-3D3E4193EBCA}" type="datetimeFigureOut">
               <a:rPr lang="pt-BR" smtClean="0"/>
-              <a:t>24/10/2019</a:t>
+              <a:t>27/10/2019</a:t>
             </a:fld>
             <a:endParaRPr lang="pt-BR"/>
           </a:p>
@@ -438,7 +438,7 @@
           <a:p>
             <a:fld id="{CC58B075-67F8-4A8D-AE1C-3D3E4193EBCA}" type="datetimeFigureOut">
               <a:rPr lang="pt-BR" smtClean="0"/>
-              <a:t>24/10/2019</a:t>
+              <a:t>27/10/2019</a:t>
             </a:fld>
             <a:endParaRPr lang="pt-BR"/>
           </a:p>
@@ -616,7 +616,7 @@
           <a:p>
             <a:fld id="{CC58B075-67F8-4A8D-AE1C-3D3E4193EBCA}" type="datetimeFigureOut">
               <a:rPr lang="pt-BR" smtClean="0"/>
-              <a:t>24/10/2019</a:t>
+              <a:t>27/10/2019</a:t>
             </a:fld>
             <a:endParaRPr lang="pt-BR"/>
           </a:p>
@@ -784,7 +784,7 @@
           <a:p>
             <a:fld id="{CC58B075-67F8-4A8D-AE1C-3D3E4193EBCA}" type="datetimeFigureOut">
               <a:rPr lang="pt-BR" smtClean="0"/>
-              <a:t>24/10/2019</a:t>
+              <a:t>27/10/2019</a:t>
             </a:fld>
             <a:endParaRPr lang="pt-BR"/>
           </a:p>
@@ -1029,7 +1029,7 @@
           <a:p>
             <a:fld id="{CC58B075-67F8-4A8D-AE1C-3D3E4193EBCA}" type="datetimeFigureOut">
               <a:rPr lang="pt-BR" smtClean="0"/>
-              <a:t>24/10/2019</a:t>
+              <a:t>27/10/2019</a:t>
             </a:fld>
             <a:endParaRPr lang="pt-BR"/>
           </a:p>
@@ -1258,7 +1258,7 @@
           <a:p>
             <a:fld id="{CC58B075-67F8-4A8D-AE1C-3D3E4193EBCA}" type="datetimeFigureOut">
               <a:rPr lang="pt-BR" smtClean="0"/>
-              <a:t>24/10/2019</a:t>
+              <a:t>27/10/2019</a:t>
             </a:fld>
             <a:endParaRPr lang="pt-BR"/>
           </a:p>
@@ -1622,7 +1622,7 @@
           <a:p>
             <a:fld id="{CC58B075-67F8-4A8D-AE1C-3D3E4193EBCA}" type="datetimeFigureOut">
               <a:rPr lang="pt-BR" smtClean="0"/>
-              <a:t>24/10/2019</a:t>
+              <a:t>27/10/2019</a:t>
             </a:fld>
             <a:endParaRPr lang="pt-BR"/>
           </a:p>
@@ -1739,7 +1739,7 @@
           <a:p>
             <a:fld id="{CC58B075-67F8-4A8D-AE1C-3D3E4193EBCA}" type="datetimeFigureOut">
               <a:rPr lang="pt-BR" smtClean="0"/>
-              <a:t>24/10/2019</a:t>
+              <a:t>27/10/2019</a:t>
             </a:fld>
             <a:endParaRPr lang="pt-BR"/>
           </a:p>
@@ -1834,7 +1834,7 @@
           <a:p>
             <a:fld id="{CC58B075-67F8-4A8D-AE1C-3D3E4193EBCA}" type="datetimeFigureOut">
               <a:rPr lang="pt-BR" smtClean="0"/>
-              <a:t>24/10/2019</a:t>
+              <a:t>27/10/2019</a:t>
             </a:fld>
             <a:endParaRPr lang="pt-BR"/>
           </a:p>
@@ -2109,7 +2109,7 @@
           <a:p>
             <a:fld id="{CC58B075-67F8-4A8D-AE1C-3D3E4193EBCA}" type="datetimeFigureOut">
               <a:rPr lang="pt-BR" smtClean="0"/>
-              <a:t>24/10/2019</a:t>
+              <a:t>27/10/2019</a:t>
             </a:fld>
             <a:endParaRPr lang="pt-BR"/>
           </a:p>
@@ -2361,7 +2361,7 @@
           <a:p>
             <a:fld id="{CC58B075-67F8-4A8D-AE1C-3D3E4193EBCA}" type="datetimeFigureOut">
               <a:rPr lang="pt-BR" smtClean="0"/>
-              <a:t>24/10/2019</a:t>
+              <a:t>27/10/2019</a:t>
             </a:fld>
             <a:endParaRPr lang="pt-BR"/>
           </a:p>
@@ -2572,7 +2572,7 @@
           <a:p>
             <a:fld id="{CC58B075-67F8-4A8D-AE1C-3D3E4193EBCA}" type="datetimeFigureOut">
               <a:rPr lang="pt-BR" smtClean="0"/>
-              <a:t>24/10/2019</a:t>
+              <a:t>27/10/2019</a:t>
             </a:fld>
             <a:endParaRPr lang="pt-BR"/>
           </a:p>
@@ -2987,7 +2987,12 @@
             <p:ph type="ctrTitle"/>
           </p:nvPr>
         </p:nvSpPr>
-        <p:spPr/>
+        <p:spPr>
+          <a:xfrm>
+            <a:off x="1113183" y="128450"/>
+            <a:ext cx="9144000" cy="2387600"/>
+          </a:xfrm>
+        </p:spPr>
         <p:txBody>
           <a:bodyPr>
             <a:normAutofit/>
@@ -2995,21 +3000,20 @@
           <a:lstStyle/>
           <a:p>
             <a:r>
-              <a:rPr lang="pt-BR" sz="3600" dirty="0" err="1" smtClean="0"/>
+              <a:rPr lang="pt-BR" sz="3600" dirty="0" err="1"/>
               <a:t>Docker</a:t>
             </a:r>
             <a:r>
-              <a:rPr lang="pt-BR" sz="3600" dirty="0" smtClean="0"/>
+              <a:rPr lang="pt-BR" sz="3600" dirty="0"/>
               <a:t> </a:t>
             </a:r>
             <a:br>
-              <a:rPr lang="pt-BR" sz="3600" dirty="0" smtClean="0"/>
+              <a:rPr lang="pt-BR" sz="3600" dirty="0"/>
             </a:br>
             <a:r>
-              <a:rPr lang="pt-BR" sz="3600" dirty="0" smtClean="0"/>
+              <a:rPr lang="pt-BR" sz="3600" dirty="0"/>
               <a:t>(resumo) </a:t>
             </a:r>
-            <a:endParaRPr lang="pt-BR" sz="3600" dirty="0"/>
           </a:p>
         </p:txBody>
       </p:sp>
@@ -3029,8 +3033,8 @@
         </p:blipFill>
         <p:spPr>
           <a:xfrm>
-            <a:off x="4648200" y="3509963"/>
-            <a:ext cx="2895600" cy="1581150"/>
+            <a:off x="3477379" y="2516050"/>
+            <a:ext cx="4715778" cy="2575063"/>
           </a:xfrm>
           <a:prstGeom prst="rect">
             <a:avLst/>
@@ -3474,16 +3478,12 @@
           <a:p>
             <a:pPr algn="ctr"/>
             <a:r>
-              <a:rPr lang="pt-BR" sz="2800" b="1" dirty="0" err="1" smtClean="0"/>
+              <a:rPr lang="pt-BR" sz="2800" b="1" dirty="0" err="1"/>
               <a:t>Layered</a:t>
             </a:r>
             <a:r>
-              <a:rPr lang="pt-BR" sz="2800" b="1" dirty="0" smtClean="0"/>
-              <a:t> </a:t>
-            </a:r>
-            <a:r>
               <a:rPr lang="pt-BR" sz="2800" b="1" dirty="0"/>
-              <a:t>File System</a:t>
+              <a:t> File System</a:t>
             </a:r>
           </a:p>
         </p:txBody>
@@ -3559,10 +3559,9 @@
           <a:lstStyle/>
           <a:p>
             <a:r>
-              <a:rPr lang="pt-BR" dirty="0" smtClean="0"/>
+              <a:rPr lang="pt-BR" dirty="0"/>
               <a:t>Economia de Espaço, porque uma imagem base pode ser reaproveitada em vários containers</a:t>
             </a:r>
-            <a:endParaRPr lang="pt-BR" dirty="0"/>
           </a:p>
         </p:txBody>
       </p:sp>
@@ -3589,10 +3588,9 @@
           <a:lstStyle/>
           <a:p>
             <a:r>
-              <a:rPr lang="pt-BR" dirty="0" smtClean="0"/>
+              <a:rPr lang="pt-BR" dirty="0"/>
               <a:t>Existe uma camada que você pode escrever em cima das camadas padrão. </a:t>
             </a:r>
-            <a:endParaRPr lang="pt-BR" dirty="0"/>
           </a:p>
         </p:txBody>
       </p:sp>
@@ -3606,13 +3604,6 @@
   <p:clrMapOvr>
     <a:masterClrMapping/>
   </p:clrMapOvr>
-  <p:timing>
-    <p:tnLst>
-      <p:par>
-        <p:cTn id="1" dur="indefinite" restart="never" nodeType="tmRoot"/>
-      </p:par>
-    </p:tnLst>
-  </p:timing>
 </p:sld>
 </file>
 
@@ -4040,16 +4031,12 @@
           <a:p>
             <a:pPr algn="ctr"/>
             <a:r>
-              <a:rPr lang="pt-BR" sz="2800" b="1" dirty="0" err="1" smtClean="0"/>
+              <a:rPr lang="pt-BR" sz="2800" b="1" dirty="0" err="1"/>
               <a:t>Layered</a:t>
             </a:r>
             <a:r>
-              <a:rPr lang="pt-BR" sz="2800" b="1" dirty="0" smtClean="0"/>
-              <a:t> </a:t>
-            </a:r>
-            <a:r>
               <a:rPr lang="pt-BR" sz="2800" b="1" dirty="0"/>
-              <a:t>File System</a:t>
+              <a:t> File System</a:t>
             </a:r>
           </a:p>
         </p:txBody>
@@ -4088,13 +4075,6 @@
   <p:clrMapOvr>
     <a:masterClrMapping/>
   </p:clrMapOvr>
-  <p:timing>
-    <p:tnLst>
-      <p:par>
-        <p:cTn id="1" dur="indefinite" restart="never" nodeType="tmRoot"/>
-      </p:par>
-    </p:tnLst>
-  </p:timing>
 </p:sld>
 </file>
 
@@ -4139,11 +4119,11 @@
           <a:p>
             <a:pPr algn="ctr"/>
             <a:r>
-              <a:rPr lang="pt-BR" sz="2800" b="1" dirty="0" smtClean="0"/>
+              <a:rPr lang="pt-BR" sz="2800" b="1" dirty="0"/>
               <a:t>Comandos do </a:t>
             </a:r>
             <a:r>
-              <a:rPr lang="pt-BR" sz="2800" b="1" dirty="0" err="1" smtClean="0"/>
+              <a:rPr lang="pt-BR" sz="2800" b="1" dirty="0" err="1"/>
               <a:t>Docker</a:t>
             </a:r>
             <a:endParaRPr lang="pt-BR" sz="2800" b="1" dirty="0"/>
@@ -4174,7 +4154,7 @@
           <a:p>
             <a:pPr algn="just"/>
             <a:r>
-              <a:rPr lang="pt-BR" sz="2000" dirty="0" smtClean="0"/>
+              <a:rPr lang="pt-BR" sz="2000" dirty="0"/>
               <a:t>Vamos criar um Container que dará suporte a Site Estático:</a:t>
             </a:r>
           </a:p>
@@ -4185,53 +4165,52 @@
           <a:p>
             <a:pPr lvl="1" algn="just"/>
             <a:r>
-              <a:rPr lang="pt-BR" sz="1800" b="1" dirty="0" smtClean="0"/>
+              <a:rPr lang="pt-BR" sz="1800" b="1" dirty="0"/>
               <a:t>Baixando essa imagem </a:t>
             </a:r>
             <a:r>
-              <a:rPr lang="pt-BR" sz="1800" dirty="0" smtClean="0"/>
+              <a:rPr lang="pt-BR" sz="1800" dirty="0"/>
               <a:t>-&gt; </a:t>
             </a:r>
             <a:r>
-              <a:rPr lang="pt-BR" sz="1800" dirty="0" err="1" smtClean="0"/>
+              <a:rPr lang="pt-BR" sz="1800" dirty="0" err="1"/>
               <a:t>docker</a:t>
             </a:r>
             <a:r>
-              <a:rPr lang="pt-BR" sz="1800" dirty="0" smtClean="0"/>
+              <a:rPr lang="pt-BR" sz="1800" dirty="0"/>
               <a:t> </a:t>
             </a:r>
             <a:r>
-              <a:rPr lang="pt-BR" sz="1800" dirty="0" err="1" smtClean="0"/>
+              <a:rPr lang="pt-BR" sz="1800" dirty="0" err="1"/>
               <a:t>run</a:t>
             </a:r>
             <a:r>
-              <a:rPr lang="pt-BR" sz="1800" dirty="0" smtClean="0"/>
+              <a:rPr lang="pt-BR" sz="1800" dirty="0"/>
               <a:t> </a:t>
             </a:r>
             <a:r>
-              <a:rPr lang="pt-BR" sz="1800" dirty="0" err="1" smtClean="0"/>
+              <a:rPr lang="pt-BR" sz="1800" dirty="0" err="1"/>
               <a:t>dockersamples</a:t>
             </a:r>
             <a:r>
-              <a:rPr lang="pt-BR" sz="1800" dirty="0" smtClean="0"/>
+              <a:rPr lang="pt-BR" sz="1800" dirty="0"/>
               <a:t>/</a:t>
             </a:r>
             <a:r>
-              <a:rPr lang="pt-BR" sz="1800" dirty="0" err="1" smtClean="0"/>
+              <a:rPr lang="pt-BR" sz="1800" dirty="0" err="1"/>
               <a:t>static</a:t>
             </a:r>
             <a:r>
-              <a:rPr lang="pt-BR" sz="1800" dirty="0" smtClean="0"/>
+              <a:rPr lang="pt-BR" sz="1800" dirty="0"/>
               <a:t>-site</a:t>
             </a:r>
-            <a:endParaRPr lang="pt-BR" sz="1800" dirty="0"/>
           </a:p>
           <a:p>
             <a:pPr marL="457200" lvl="1" indent="0" algn="just">
               <a:buNone/>
             </a:pPr>
             <a:r>
-              <a:rPr lang="pt-BR" sz="1800" dirty="0" smtClean="0"/>
+              <a:rPr lang="pt-BR" sz="1800" dirty="0"/>
               <a:t>Observações: </a:t>
             </a:r>
           </a:p>
@@ -4244,23 +4223,23 @@
               <a:t>	</a:t>
             </a:r>
             <a:r>
-              <a:rPr lang="pt-BR" sz="1400" dirty="0" smtClean="0"/>
+              <a:rPr lang="pt-BR" sz="1400" dirty="0"/>
               <a:t>Essa imagem não é uma imagem “oficial” e por isso, precisa colocar um </a:t>
             </a:r>
             <a:r>
-              <a:rPr lang="pt-BR" sz="1400" i="1" dirty="0" err="1" smtClean="0"/>
+              <a:rPr lang="pt-BR" sz="1400" i="1" dirty="0" err="1"/>
               <a:t>username</a:t>
             </a:r>
             <a:r>
-              <a:rPr lang="pt-BR" sz="1400" dirty="0" smtClean="0"/>
+              <a:rPr lang="pt-BR" sz="1400" dirty="0"/>
               <a:t> para ser baixada que no caso é </a:t>
             </a:r>
             <a:r>
-              <a:rPr lang="pt-BR" sz="1400" u="sng" dirty="0" err="1" smtClean="0"/>
+              <a:rPr lang="pt-BR" sz="1400" u="sng" dirty="0" err="1"/>
               <a:t>dockersamples</a:t>
             </a:r>
             <a:r>
-              <a:rPr lang="pt-BR" sz="1400" u="sng" dirty="0" smtClean="0"/>
+              <a:rPr lang="pt-BR" sz="1400" u="sng" dirty="0"/>
               <a:t>. </a:t>
             </a:r>
           </a:p>
@@ -4269,31 +4248,31 @@
               <a:buNone/>
             </a:pPr>
             <a:r>
-              <a:rPr lang="pt-BR" sz="1400" dirty="0" smtClean="0"/>
+              <a:rPr lang="pt-BR" sz="1400" dirty="0"/>
               <a:t>	Essa imagem executará um Servidor Web e por isso segurará o </a:t>
             </a:r>
             <a:r>
-              <a:rPr lang="pt-BR" sz="1400" dirty="0" err="1" smtClean="0"/>
+              <a:rPr lang="pt-BR" sz="1400" dirty="0" err="1"/>
               <a:t>prompt</a:t>
             </a:r>
             <a:r>
-              <a:rPr lang="pt-BR" sz="1400" dirty="0" smtClean="0"/>
+              <a:rPr lang="pt-BR" sz="1400" dirty="0"/>
               <a:t> do comando. Para isso não acontecer, você precisa executar no modo </a:t>
             </a:r>
             <a:r>
-              <a:rPr lang="pt-BR" sz="1400" dirty="0" err="1" smtClean="0"/>
+              <a:rPr lang="pt-BR" sz="1400" dirty="0" err="1"/>
               <a:t>detached</a:t>
             </a:r>
             <a:r>
-              <a:rPr lang="pt-BR" sz="1400" dirty="0" smtClean="0"/>
+              <a:rPr lang="pt-BR" sz="1400" dirty="0"/>
               <a:t>, passando a </a:t>
             </a:r>
             <a:r>
-              <a:rPr lang="pt-BR" sz="1400" dirty="0" err="1" smtClean="0"/>
+              <a:rPr lang="pt-BR" sz="1400" dirty="0" err="1"/>
               <a:t>Flag</a:t>
             </a:r>
             <a:r>
-              <a:rPr lang="pt-BR" sz="1400" dirty="0" smtClean="0"/>
+              <a:rPr lang="pt-BR" sz="1400" dirty="0"/>
               <a:t> “-d” </a:t>
             </a:r>
           </a:p>
@@ -4301,20 +4280,20 @@
             <a:pPr marL="457200" lvl="1" indent="0" algn="just">
               <a:buNone/>
             </a:pPr>
-            <a:endParaRPr lang="pt-BR" sz="1800" u="sng" dirty="0" smtClean="0"/>
+            <a:endParaRPr lang="pt-BR" sz="1800" u="sng" dirty="0"/>
           </a:p>
           <a:p>
             <a:pPr lvl="1" algn="just"/>
             <a:r>
-              <a:rPr lang="pt-BR" sz="1800" b="1" dirty="0" smtClean="0"/>
+              <a:rPr lang="pt-BR" sz="1800" b="1" dirty="0"/>
               <a:t>Executando em modo </a:t>
             </a:r>
             <a:r>
-              <a:rPr lang="pt-BR" sz="1800" b="1" dirty="0" err="1" smtClean="0"/>
+              <a:rPr lang="pt-BR" sz="1800" b="1" dirty="0" err="1"/>
               <a:t>Detached</a:t>
             </a:r>
             <a:r>
-              <a:rPr lang="pt-BR" sz="1800" b="1" dirty="0" smtClean="0"/>
+              <a:rPr lang="pt-BR" sz="1800" b="1" dirty="0"/>
               <a:t> -&gt; </a:t>
             </a:r>
             <a:r>
@@ -4326,19 +4305,19 @@
               <a:t> </a:t>
             </a:r>
             <a:r>
-              <a:rPr lang="pt-BR" sz="1800" dirty="0" err="1" smtClean="0"/>
+              <a:rPr lang="pt-BR" sz="1800" dirty="0" err="1"/>
               <a:t>run</a:t>
             </a:r>
             <a:r>
-              <a:rPr lang="pt-BR" sz="1800" dirty="0" smtClean="0"/>
+              <a:rPr lang="pt-BR" sz="1800" dirty="0"/>
               <a:t> </a:t>
             </a:r>
             <a:r>
-              <a:rPr lang="pt-BR" sz="1800" b="1" dirty="0" smtClean="0"/>
+              <a:rPr lang="pt-BR" sz="1800" b="1" dirty="0"/>
               <a:t>-d</a:t>
             </a:r>
             <a:r>
-              <a:rPr lang="pt-BR" sz="1800" dirty="0" smtClean="0"/>
+              <a:rPr lang="pt-BR" sz="1800" dirty="0"/>
               <a:t> </a:t>
             </a:r>
             <a:r>
@@ -4376,10 +4355,9 @@
               <a:t>	</a:t>
             </a:r>
             <a:r>
-              <a:rPr lang="pt-BR" sz="1600" dirty="0" smtClean="0"/>
+              <a:rPr lang="pt-BR" sz="1600" dirty="0"/>
               <a:t>Agora o container fica executando em segundo plano.</a:t>
             </a:r>
-            <a:endParaRPr lang="pt-BR" sz="1600" dirty="0"/>
           </a:p>
         </p:txBody>
       </p:sp>
@@ -4410,73 +4388,33 @@
                   <a:schemeClr val="accent5"/>
                 </a:solidFill>
               </a:rPr>
-              <a:t>CONTAINER ID   IMAGE                      </a:t>
-            </a:r>
-            <a:r>
-              <a:rPr lang="en-US" sz="1600" b="1" dirty="0" smtClean="0">
+              <a:t>CONTAINER ID   IMAGE                      	COMMAND                  CREATED              	STATUS             	PORTS            NAMES</a:t>
+            </a:r>
+          </a:p>
+          <a:p>
+            <a:r>
+              <a:rPr lang="en-US" sz="1600" dirty="0">
                 <a:solidFill>
                   <a:schemeClr val="accent5"/>
                 </a:solidFill>
               </a:rPr>
-              <a:t>	COMMAND                  </a:t>
-            </a:r>
-            <a:r>
-              <a:rPr lang="en-US" sz="1600" b="1" dirty="0">
+              <a:t>a6f2fab332db   </a:t>
+            </a:r>
+            <a:r>
+              <a:rPr lang="en-US" sz="1600" dirty="0" err="1">
                 <a:solidFill>
                   <a:schemeClr val="accent5"/>
                 </a:solidFill>
               </a:rPr>
-              <a:t>CREATED              </a:t>
-            </a:r>
-            <a:r>
-              <a:rPr lang="en-US" sz="1600" b="1" dirty="0" smtClean="0">
+              <a:t>dockersamples</a:t>
+            </a:r>
+            <a:r>
+              <a:rPr lang="en-US" sz="1600" dirty="0">
                 <a:solidFill>
                   <a:schemeClr val="accent5"/>
                 </a:solidFill>
               </a:rPr>
-              <a:t>	STATUS             	PORTS            </a:t>
-            </a:r>
-            <a:r>
-              <a:rPr lang="en-US" sz="1600" b="1" dirty="0">
-                <a:solidFill>
-                  <a:schemeClr val="accent5"/>
-                </a:solidFill>
-              </a:rPr>
-              <a:t>NAMES</a:t>
-            </a:r>
-          </a:p>
-          <a:p>
-            <a:r>
-              <a:rPr lang="en-US" sz="1600" dirty="0">
-                <a:solidFill>
-                  <a:schemeClr val="accent5"/>
-                </a:solidFill>
-              </a:rPr>
-              <a:t>a6f2fab332db   </a:t>
-            </a:r>
-            <a:r>
-              <a:rPr lang="en-US" sz="1600" dirty="0" err="1" smtClean="0">
-                <a:solidFill>
-                  <a:schemeClr val="accent5"/>
-                </a:solidFill>
-              </a:rPr>
-              <a:t>dockersamples</a:t>
-            </a:r>
-            <a:r>
-              <a:rPr lang="en-US" sz="1600" dirty="0" smtClean="0">
-                <a:solidFill>
-                  <a:schemeClr val="accent5"/>
-                </a:solidFill>
-              </a:rPr>
-              <a:t>/static-site	"/</a:t>
-            </a:r>
-            <a:r>
-              <a:rPr lang="en-US" sz="1600" dirty="0">
-                <a:solidFill>
-                  <a:schemeClr val="accent5"/>
-                </a:solidFill>
-              </a:rPr>
-              <a:t>bin/</a:t>
+              <a:t>/static-site	"/bin/</a:t>
             </a:r>
             <a:r>
               <a:rPr lang="en-US" sz="1600" dirty="0" err="1">
@@ -4589,13 +4527,6 @@
   <p:clrMapOvr>
     <a:masterClrMapping/>
   </p:clrMapOvr>
-  <p:timing>
-    <p:tnLst>
-      <p:par>
-        <p:cTn id="1" dur="indefinite" restart="never" nodeType="tmRoot"/>
-      </p:par>
-    </p:tnLst>
-  </p:timing>
 </p:sld>
 </file>
 
@@ -4640,11 +4571,11 @@
           <a:p>
             <a:pPr algn="ctr"/>
             <a:r>
-              <a:rPr lang="pt-BR" sz="2800" b="1" dirty="0" smtClean="0"/>
+              <a:rPr lang="pt-BR" sz="2800" b="1" dirty="0"/>
               <a:t>Comandos do </a:t>
             </a:r>
             <a:r>
-              <a:rPr lang="pt-BR" sz="2800" b="1" dirty="0" err="1" smtClean="0"/>
+              <a:rPr lang="pt-BR" sz="2800" b="1" dirty="0" err="1"/>
               <a:t>Docker</a:t>
             </a:r>
             <a:endParaRPr lang="pt-BR" sz="2800" b="1" dirty="0"/>
@@ -4675,70 +4606,70 @@
           <a:p>
             <a:pPr algn="just"/>
             <a:r>
-              <a:rPr lang="pt-BR" sz="2000" dirty="0" smtClean="0"/>
+              <a:rPr lang="pt-BR" sz="2000" dirty="0"/>
               <a:t>Qual porta acessar? Para isso podemos usar a </a:t>
             </a:r>
             <a:r>
-              <a:rPr lang="pt-BR" sz="2000" dirty="0" err="1" smtClean="0"/>
+              <a:rPr lang="pt-BR" sz="2000" dirty="0" err="1"/>
               <a:t>flag</a:t>
             </a:r>
             <a:r>
-              <a:rPr lang="pt-BR" sz="2000" dirty="0" smtClean="0"/>
+              <a:rPr lang="pt-BR" sz="2000" dirty="0"/>
               <a:t> </a:t>
             </a:r>
             <a:r>
-              <a:rPr lang="pt-BR" sz="2000" b="1" dirty="0" smtClean="0"/>
+              <a:rPr lang="pt-BR" sz="2000" b="1" dirty="0"/>
               <a:t>–P </a:t>
             </a:r>
             <a:r>
-              <a:rPr lang="pt-BR" sz="2000" dirty="0" smtClean="0"/>
+              <a:rPr lang="pt-BR" sz="2000" dirty="0"/>
               <a:t>que atribuirá portas aleatórias que farão com que o mundo externo(nossa máquina) se comunique com o container</a:t>
             </a:r>
           </a:p>
           <a:p>
             <a:pPr algn="just"/>
-            <a:endParaRPr lang="pt-BR" sz="2000" dirty="0" smtClean="0"/>
+            <a:endParaRPr lang="pt-BR" sz="2000" dirty="0"/>
           </a:p>
           <a:p>
             <a:pPr lvl="1" algn="just"/>
             <a:r>
-              <a:rPr lang="pt-BR" sz="1800" dirty="0" err="1" smtClean="0"/>
+              <a:rPr lang="pt-BR" sz="1800" dirty="0" err="1"/>
               <a:t>docker</a:t>
             </a:r>
             <a:r>
-              <a:rPr lang="pt-BR" sz="1800" dirty="0" smtClean="0"/>
+              <a:rPr lang="pt-BR" sz="1800" dirty="0"/>
               <a:t> </a:t>
             </a:r>
             <a:r>
-              <a:rPr lang="pt-BR" sz="1800" dirty="0" err="1" smtClean="0"/>
+              <a:rPr lang="pt-BR" sz="1800" dirty="0" err="1"/>
               <a:t>run</a:t>
             </a:r>
             <a:r>
-              <a:rPr lang="pt-BR" sz="1800" dirty="0" smtClean="0"/>
+              <a:rPr lang="pt-BR" sz="1800" dirty="0"/>
               <a:t> </a:t>
             </a:r>
             <a:r>
-              <a:rPr lang="pt-BR" sz="1800" b="1" dirty="0" smtClean="0"/>
+              <a:rPr lang="pt-BR" sz="1800" b="1" dirty="0"/>
               <a:t>–d –P </a:t>
             </a:r>
             <a:r>
-              <a:rPr lang="pt-BR" sz="1800" dirty="0" smtClean="0"/>
+              <a:rPr lang="pt-BR" sz="1800" dirty="0"/>
               <a:t> </a:t>
             </a:r>
             <a:r>
-              <a:rPr lang="pt-BR" sz="1800" dirty="0" err="1" smtClean="0"/>
+              <a:rPr lang="pt-BR" sz="1800" dirty="0" err="1"/>
               <a:t>dockersamples</a:t>
             </a:r>
             <a:r>
-              <a:rPr lang="pt-BR" sz="1800" dirty="0" smtClean="0"/>
+              <a:rPr lang="pt-BR" sz="1800" dirty="0"/>
               <a:t>/</a:t>
             </a:r>
             <a:r>
-              <a:rPr lang="pt-BR" sz="1800" dirty="0" err="1" smtClean="0"/>
+              <a:rPr lang="pt-BR" sz="1800" dirty="0" err="1"/>
               <a:t>static</a:t>
             </a:r>
             <a:r>
-              <a:rPr lang="pt-BR" sz="1800" dirty="0" smtClean="0"/>
+              <a:rPr lang="pt-BR" sz="1800" dirty="0"/>
               <a:t>-site</a:t>
             </a:r>
           </a:p>
@@ -4749,42 +4680,42 @@
           <a:p>
             <a:pPr algn="just"/>
             <a:r>
-              <a:rPr lang="pt-BR" sz="2000" dirty="0" smtClean="0"/>
+              <a:rPr lang="pt-BR" sz="2000" dirty="0"/>
               <a:t>Podemos visualizar também as portas através do comando: </a:t>
             </a:r>
             <a:r>
-              <a:rPr lang="pt-BR" sz="2000" b="1" dirty="0" err="1" smtClean="0"/>
+              <a:rPr lang="pt-BR" sz="2000" b="1" dirty="0" err="1"/>
               <a:t>docker</a:t>
             </a:r>
             <a:r>
-              <a:rPr lang="pt-BR" sz="2000" b="1" dirty="0" smtClean="0"/>
+              <a:rPr lang="pt-BR" sz="2000" b="1" dirty="0"/>
               <a:t> </a:t>
             </a:r>
             <a:r>
-              <a:rPr lang="pt-BR" sz="2000" b="1" dirty="0" err="1" smtClean="0"/>
+              <a:rPr lang="pt-BR" sz="2000" b="1" dirty="0" err="1"/>
               <a:t>port</a:t>
             </a:r>
             <a:r>
-              <a:rPr lang="pt-BR" sz="2000" b="1" dirty="0" smtClean="0"/>
+              <a:rPr lang="pt-BR" sz="2000" b="1" dirty="0"/>
               <a:t> container</a:t>
             </a:r>
           </a:p>
           <a:p>
             <a:pPr algn="just"/>
-            <a:endParaRPr lang="pt-BR" sz="2000" dirty="0" smtClean="0"/>
+            <a:endParaRPr lang="pt-BR" sz="2000" dirty="0"/>
           </a:p>
           <a:p>
             <a:pPr lvl="1" algn="just"/>
             <a:r>
-              <a:rPr lang="pt-BR" sz="1800" dirty="0" err="1" smtClean="0"/>
+              <a:rPr lang="pt-BR" sz="1800" dirty="0" err="1"/>
               <a:t>docker</a:t>
             </a:r>
             <a:r>
-              <a:rPr lang="pt-BR" sz="1800" dirty="0" smtClean="0"/>
+              <a:rPr lang="pt-BR" sz="1800" dirty="0"/>
               <a:t> </a:t>
             </a:r>
             <a:r>
-              <a:rPr lang="pt-BR" sz="1800" b="1" dirty="0" err="1" smtClean="0"/>
+              <a:rPr lang="pt-BR" sz="1800" b="1" dirty="0" err="1"/>
               <a:t>port</a:t>
             </a:r>
             <a:r>
@@ -5057,7 +4988,7 @@
           <a:p>
             <a:pPr algn="just"/>
             <a:r>
-              <a:rPr lang="pt-BR" sz="2400" b="1" i="1" u="sng" dirty="0" smtClean="0">
+              <a:rPr lang="pt-BR" sz="2400" b="1" i="1" u="sng" dirty="0">
                 <a:solidFill>
                   <a:schemeClr val="accent1">
                     <a:lumMod val="75000"/>
@@ -5074,66 +5005,66 @@
               <a:t>IMPORTANTE</a:t>
             </a:r>
             <a:r>
-              <a:rPr lang="pt-BR" sz="2000" dirty="0" smtClean="0"/>
+              <a:rPr lang="pt-BR" sz="2000" dirty="0"/>
               <a:t>: Se vocês está utilizando o </a:t>
             </a:r>
             <a:r>
-              <a:rPr lang="pt-BR" sz="2000" dirty="0" err="1" smtClean="0"/>
+              <a:rPr lang="pt-BR" sz="2000" dirty="0" err="1"/>
               <a:t>Docker</a:t>
             </a:r>
             <a:r>
-              <a:rPr lang="pt-BR" sz="2000" dirty="0" smtClean="0"/>
+              <a:rPr lang="pt-BR" sz="2000" dirty="0"/>
               <a:t> no Windows pelo </a:t>
             </a:r>
             <a:r>
-              <a:rPr lang="pt-BR" sz="2000" b="1" dirty="0" err="1" smtClean="0"/>
+              <a:rPr lang="pt-BR" sz="2000" b="1" dirty="0" err="1"/>
               <a:t>Docker</a:t>
             </a:r>
             <a:r>
-              <a:rPr lang="pt-BR" sz="2000" b="1" dirty="0" smtClean="0"/>
+              <a:rPr lang="pt-BR" sz="2000" b="1" dirty="0"/>
               <a:t> </a:t>
             </a:r>
             <a:r>
-              <a:rPr lang="pt-BR" sz="2000" b="1" dirty="0" err="1" smtClean="0"/>
+              <a:rPr lang="pt-BR" sz="2000" b="1" dirty="0" err="1"/>
               <a:t>ToolBox</a:t>
             </a:r>
             <a:r>
-              <a:rPr lang="pt-BR" sz="2000" dirty="0" smtClean="0"/>
+              <a:rPr lang="pt-BR" sz="2000" dirty="0"/>
               <a:t>, ele está rodando em cima de uma Máquina Virtual. Portanto, não será o IP da máquina local (</a:t>
             </a:r>
             <a:r>
-              <a:rPr lang="pt-BR" sz="2000" dirty="0" err="1" smtClean="0"/>
+              <a:rPr lang="pt-BR" sz="2000" dirty="0" err="1"/>
               <a:t>localhost</a:t>
             </a:r>
             <a:r>
-              <a:rPr lang="pt-BR" sz="2000" dirty="0" smtClean="0"/>
+              <a:rPr lang="pt-BR" sz="2000" dirty="0"/>
               <a:t>) e sim da VM. Para isso, rode o comando: </a:t>
             </a:r>
           </a:p>
           <a:p>
             <a:pPr lvl="1" algn="just"/>
-            <a:endParaRPr lang="pt-BR" sz="1600" b="1" dirty="0" smtClean="0"/>
+            <a:endParaRPr lang="pt-BR" sz="1600" b="1" dirty="0"/>
           </a:p>
           <a:p>
             <a:pPr lvl="1" algn="just"/>
             <a:r>
-              <a:rPr lang="pt-BR" sz="1800" b="1" dirty="0" err="1" smtClean="0"/>
+              <a:rPr lang="pt-BR" sz="1800" b="1" dirty="0" err="1"/>
               <a:t>docker-machine</a:t>
             </a:r>
             <a:r>
-              <a:rPr lang="pt-BR" sz="1800" b="1" dirty="0" smtClean="0"/>
+              <a:rPr lang="pt-BR" sz="1800" b="1" dirty="0"/>
               <a:t> </a:t>
             </a:r>
             <a:r>
-              <a:rPr lang="pt-BR" sz="1800" b="1" dirty="0" err="1" smtClean="0"/>
+              <a:rPr lang="pt-BR" sz="1800" b="1" dirty="0" err="1"/>
               <a:t>ip</a:t>
             </a:r>
-            <a:endParaRPr lang="pt-BR" sz="1800" b="1" dirty="0" smtClean="0"/>
+            <a:endParaRPr lang="pt-BR" sz="1800" b="1" dirty="0"/>
           </a:p>
           <a:p>
             <a:pPr lvl="2" algn="just"/>
             <a:r>
-              <a:rPr lang="pt-BR" sz="1400" b="1" dirty="0" smtClean="0"/>
+              <a:rPr lang="pt-BR" sz="1400" b="1" dirty="0"/>
               <a:t>192.168.98.112 </a:t>
             </a:r>
           </a:p>
@@ -5203,31 +5134,7 @@
                   </a:outerShdw>
                 </a:effectLst>
               </a:rPr>
-              <a:t>http://</a:t>
-            </a:r>
-            <a:r>
-              <a:rPr lang="pt-BR" sz="2000" dirty="0" smtClean="0">
-                <a:effectLst>
-                  <a:outerShdw blurRad="38100" dist="38100" dir="2700000" algn="tl">
-                    <a:srgbClr val="000000">
-                      <a:alpha val="43137"/>
-                    </a:srgbClr>
-                  </a:outerShdw>
-                </a:effectLst>
-              </a:rPr>
-              <a:t>192.168.98.112:32769</a:t>
-            </a:r>
-            <a:r>
-              <a:rPr lang="pt-BR" sz="2000" dirty="0">
-                <a:effectLst>
-                  <a:outerShdw blurRad="38100" dist="38100" dir="2700000" algn="tl">
-                    <a:srgbClr val="000000">
-                      <a:alpha val="43137"/>
-                    </a:srgbClr>
-                  </a:outerShdw>
-                </a:effectLst>
-              </a:rPr>
-              <a:t>/</a:t>
+              <a:t>http://192.168.98.112:32769/</a:t>
             </a:r>
           </a:p>
         </p:txBody>
@@ -5282,13 +5189,6 @@
   <p:clrMapOvr>
     <a:masterClrMapping/>
   </p:clrMapOvr>
-  <p:timing>
-    <p:tnLst>
-      <p:par>
-        <p:cTn id="1" dur="indefinite" restart="never" nodeType="tmRoot"/>
-      </p:par>
-    </p:tnLst>
-  </p:timing>
 </p:sld>
 </file>
 
@@ -5333,11 +5233,11 @@
           <a:p>
             <a:pPr algn="ctr"/>
             <a:r>
-              <a:rPr lang="pt-BR" sz="2800" b="1" dirty="0" smtClean="0"/>
+              <a:rPr lang="pt-BR" sz="2800" b="1" dirty="0"/>
               <a:t>Comandos do </a:t>
             </a:r>
             <a:r>
-              <a:rPr lang="pt-BR" sz="2800" b="1" dirty="0" err="1" smtClean="0"/>
+              <a:rPr lang="pt-BR" sz="2800" b="1" dirty="0" err="1"/>
               <a:t>Docker</a:t>
             </a:r>
             <a:endParaRPr lang="pt-BR" sz="2800" b="1" dirty="0"/>
@@ -5368,7 +5268,7 @@
           <a:p>
             <a:pPr algn="just"/>
             <a:r>
-              <a:rPr lang="pt-BR" sz="2000" b="1" i="1" dirty="0" smtClean="0"/>
+              <a:rPr lang="pt-BR" sz="2000" b="1" i="1" dirty="0"/>
               <a:t>Nomeando um container – Para facilitar a localização do container posteriormente</a:t>
             </a:r>
           </a:p>
@@ -5391,55 +5291,54 @@
               <a:t> –d –P  </a:t>
             </a:r>
             <a:r>
-              <a:rPr lang="pt-BR" sz="1800" b="1" dirty="0" smtClean="0"/>
+              <a:rPr lang="pt-BR" sz="1800" b="1" dirty="0"/>
               <a:t>--</a:t>
             </a:r>
             <a:r>
-              <a:rPr lang="pt-BR" sz="1800" b="1" dirty="0" err="1" smtClean="0"/>
+              <a:rPr lang="pt-BR" sz="1800" b="1" dirty="0" err="1"/>
               <a:t>name</a:t>
             </a:r>
             <a:r>
-              <a:rPr lang="pt-BR" sz="1800" b="1" dirty="0" smtClean="0"/>
+              <a:rPr lang="pt-BR" sz="1800" b="1" dirty="0"/>
               <a:t>  meu-site</a:t>
             </a:r>
             <a:r>
-              <a:rPr lang="pt-BR" sz="1800" dirty="0" smtClean="0"/>
+              <a:rPr lang="pt-BR" sz="1800" dirty="0"/>
               <a:t>   </a:t>
             </a:r>
             <a:r>
-              <a:rPr lang="pt-BR" sz="1800" dirty="0" err="1" smtClean="0"/>
+              <a:rPr lang="pt-BR" sz="1800" dirty="0" err="1"/>
               <a:t>dockersamples</a:t>
             </a:r>
             <a:r>
-              <a:rPr lang="pt-BR" sz="1800" dirty="0" smtClean="0"/>
+              <a:rPr lang="pt-BR" sz="1800" dirty="0"/>
               <a:t>/</a:t>
             </a:r>
             <a:r>
-              <a:rPr lang="pt-BR" sz="1800" dirty="0" err="1" smtClean="0"/>
+              <a:rPr lang="pt-BR" sz="1800" dirty="0" err="1"/>
               <a:t>static</a:t>
             </a:r>
             <a:r>
-              <a:rPr lang="pt-BR" sz="1800" dirty="0" smtClean="0"/>
+              <a:rPr lang="pt-BR" sz="1800" dirty="0"/>
               <a:t>-site</a:t>
             </a:r>
-            <a:endParaRPr lang="pt-BR" sz="1800" dirty="0"/>
           </a:p>
           <a:p>
             <a:pPr lvl="1" algn="just"/>
-            <a:endParaRPr lang="pt-BR" sz="1400" u="sng" dirty="0" smtClean="0"/>
+            <a:endParaRPr lang="pt-BR" sz="1400" u="sng" dirty="0"/>
           </a:p>
           <a:p>
             <a:pPr lvl="1" algn="just"/>
             <a:r>
-              <a:rPr lang="pt-BR" sz="1400" dirty="0" smtClean="0"/>
+              <a:rPr lang="pt-BR" sz="1400" dirty="0"/>
               <a:t>Exemplo: Facilitaria para parar esse container posteriormente. -&gt; </a:t>
             </a:r>
             <a:r>
-              <a:rPr lang="pt-BR" sz="1400" b="1" dirty="0" err="1" smtClean="0"/>
+              <a:rPr lang="pt-BR" sz="1400" b="1" dirty="0" err="1"/>
               <a:t>docker</a:t>
             </a:r>
             <a:r>
-              <a:rPr lang="pt-BR" sz="1400" b="1" dirty="0" smtClean="0"/>
+              <a:rPr lang="pt-BR" sz="1400" b="1" dirty="0"/>
               <a:t> stop meu-site</a:t>
             </a:r>
           </a:p>
@@ -5454,10 +5353,9 @@
           <a:p>
             <a:pPr algn="just"/>
             <a:r>
-              <a:rPr lang="pt-BR" sz="2000" b="1" i="1" dirty="0" smtClean="0"/>
+              <a:rPr lang="pt-BR" sz="2000" b="1" i="1" dirty="0"/>
               <a:t>Definindo uma porta específica</a:t>
             </a:r>
-            <a:endParaRPr lang="pt-BR" sz="2000" b="1" i="1" dirty="0"/>
           </a:p>
           <a:p>
             <a:pPr lvl="1" algn="just"/>
@@ -5479,14 +5377,10 @@
             </a:r>
             <a:r>
               <a:rPr lang="pt-BR" sz="1800" b="1" dirty="0"/>
-              <a:t> </a:t>
-            </a:r>
-            <a:r>
-              <a:rPr lang="pt-BR" sz="1800" b="1" dirty="0" smtClean="0"/>
-              <a:t>–p 12345:80 </a:t>
-            </a:r>
-            <a:r>
-              <a:rPr lang="pt-BR" sz="1800" dirty="0" smtClean="0"/>
+              <a:t> –p 12345:80 </a:t>
+            </a:r>
+            <a:r>
+              <a:rPr lang="pt-BR" sz="1800" dirty="0"/>
               <a:t>   </a:t>
             </a:r>
             <a:r>
@@ -5508,7 +5402,7 @@
           </a:p>
           <a:p>
             <a:pPr lvl="1" algn="just"/>
-            <a:endParaRPr lang="pt-BR" sz="1400" u="sng" dirty="0" smtClean="0"/>
+            <a:endParaRPr lang="pt-BR" sz="1400" u="sng" dirty="0"/>
           </a:p>
           <a:p>
             <a:pPr lvl="1" algn="just"/>
@@ -5517,10 +5411,9 @@
           <a:p>
             <a:pPr algn="just"/>
             <a:r>
-              <a:rPr lang="pt-BR" sz="2000" b="1" i="1" dirty="0" smtClean="0"/>
+              <a:rPr lang="pt-BR" sz="2000" b="1" i="1" dirty="0"/>
               <a:t>Atribuindo uma variável específica</a:t>
             </a:r>
-            <a:endParaRPr lang="pt-BR" sz="2000" b="1" i="1" dirty="0"/>
           </a:p>
           <a:p>
             <a:pPr lvl="1" algn="just"/>
@@ -5538,48 +5431,40 @@
             </a:r>
             <a:r>
               <a:rPr lang="pt-BR" sz="1800" dirty="0"/>
-              <a:t> –d </a:t>
-            </a:r>
-            <a:r>
-              <a:rPr lang="pt-BR" sz="1800" dirty="0" smtClean="0"/>
-              <a:t>–p 12345:80 </a:t>
-            </a:r>
-            <a:r>
-              <a:rPr lang="pt-BR" sz="1800" b="1" dirty="0" smtClean="0"/>
+              <a:t> –d –p 12345:80 </a:t>
+            </a:r>
+            <a:r>
+              <a:rPr lang="pt-BR" sz="1800" b="1" dirty="0"/>
               <a:t>-e AUTHOR=“Luciano Cordeiro” </a:t>
             </a:r>
             <a:r>
-              <a:rPr lang="pt-BR" sz="1800" dirty="0" smtClean="0"/>
+              <a:rPr lang="pt-BR" sz="1800" dirty="0"/>
               <a:t> </a:t>
             </a:r>
             <a:r>
-              <a:rPr lang="pt-BR" sz="1800" dirty="0" err="1" smtClean="0"/>
+              <a:rPr lang="pt-BR" sz="1800" dirty="0" err="1"/>
               <a:t>dockersamples</a:t>
             </a:r>
             <a:r>
-              <a:rPr lang="pt-BR" sz="1800" dirty="0" smtClean="0"/>
+              <a:rPr lang="pt-BR" sz="1800" dirty="0"/>
               <a:t>/</a:t>
             </a:r>
             <a:r>
-              <a:rPr lang="pt-BR" sz="1800" dirty="0" err="1" smtClean="0"/>
+              <a:rPr lang="pt-BR" sz="1800" dirty="0" err="1"/>
               <a:t>static</a:t>
             </a:r>
             <a:r>
-              <a:rPr lang="pt-BR" sz="1800" dirty="0" smtClean="0"/>
+              <a:rPr lang="pt-BR" sz="1800" dirty="0"/>
               <a:t>-site</a:t>
             </a:r>
-          </a:p>
-          <a:p>
-            <a:pPr lvl="1" algn="just"/>
-            <a:endParaRPr lang="pt-BR" sz="1400" u="sng" dirty="0" smtClean="0"/>
           </a:p>
           <a:p>
             <a:pPr lvl="1" algn="just"/>
             <a:endParaRPr lang="pt-BR" sz="1400" u="sng" dirty="0"/>
           </a:p>
           <a:p>
-            <a:pPr algn="just"/>
-            <a:endParaRPr lang="pt-BR" sz="2000" b="1" i="1" dirty="0" smtClean="0"/>
+            <a:pPr lvl="1" algn="just"/>
+            <a:endParaRPr lang="pt-BR" sz="1400" u="sng" dirty="0"/>
           </a:p>
           <a:p>
             <a:pPr algn="just"/>
@@ -5587,11 +5472,14 @@
           </a:p>
           <a:p>
             <a:pPr algn="just"/>
-            <a:r>
-              <a:rPr lang="pt-BR" sz="2000" b="1" i="1" dirty="0" smtClean="0"/>
+            <a:endParaRPr lang="pt-BR" sz="2000" b="1" i="1" dirty="0"/>
+          </a:p>
+          <a:p>
+            <a:pPr algn="just"/>
+            <a:r>
+              <a:rPr lang="pt-BR" sz="2000" b="1" i="1" dirty="0"/>
               <a:t>Parando todos os containers de uma vez</a:t>
             </a:r>
-            <a:endParaRPr lang="pt-BR" sz="2000" b="1" i="1" dirty="0"/>
           </a:p>
           <a:p>
             <a:pPr lvl="1" algn="just"/>
@@ -5601,29 +5489,24 @@
             </a:r>
             <a:r>
               <a:rPr lang="pt-BR" sz="1800" dirty="0"/>
+              <a:t> stop –t 0 $(</a:t>
+            </a:r>
+            <a:r>
+              <a:rPr lang="pt-BR" sz="1800" dirty="0" err="1"/>
+              <a:t>docker</a:t>
+            </a:r>
+            <a:r>
+              <a:rPr lang="pt-BR" sz="1800" dirty="0"/>
               <a:t> </a:t>
             </a:r>
             <a:r>
-              <a:rPr lang="pt-BR" sz="1800" dirty="0" smtClean="0"/>
-              <a:t>stop –t 0 $(</a:t>
-            </a:r>
-            <a:r>
-              <a:rPr lang="pt-BR" sz="1800" dirty="0" err="1" smtClean="0"/>
-              <a:t>docker</a:t>
-            </a:r>
-            <a:r>
-              <a:rPr lang="pt-BR" sz="1800" dirty="0" smtClean="0"/>
-              <a:t> </a:t>
-            </a:r>
-            <a:r>
-              <a:rPr lang="pt-BR" sz="1800" dirty="0" err="1" smtClean="0"/>
+              <a:rPr lang="pt-BR" sz="1800" dirty="0" err="1"/>
               <a:t>ps</a:t>
             </a:r>
             <a:r>
-              <a:rPr lang="pt-BR" sz="1800" dirty="0" smtClean="0"/>
+              <a:rPr lang="pt-BR" sz="1800" dirty="0"/>
               <a:t> –q)</a:t>
             </a:r>
-            <a:endParaRPr lang="pt-BR" sz="1800" dirty="0"/>
           </a:p>
           <a:p>
             <a:pPr lvl="1" algn="just"/>
@@ -5633,13 +5516,13 @@
             <a:pPr marL="457200" lvl="1" indent="0" algn="just">
               <a:buNone/>
             </a:pPr>
-            <a:endParaRPr lang="pt-BR" sz="1400" u="sng" dirty="0" smtClean="0"/>
+            <a:endParaRPr lang="pt-BR" sz="1400" u="sng" dirty="0"/>
           </a:p>
           <a:p>
             <a:pPr marL="457200" lvl="1" indent="0" algn="just">
               <a:buNone/>
             </a:pPr>
-            <a:endParaRPr lang="pt-BR" sz="1400" u="sng" dirty="0" smtClean="0"/>
+            <a:endParaRPr lang="pt-BR" sz="1400" u="sng" dirty="0"/>
           </a:p>
         </p:txBody>
       </p:sp>
@@ -5703,29 +5586,8 @@
                   </a:outerShdw>
                 </a:effectLst>
               </a:rPr>
-              <a:t>http://</a:t>
-            </a:r>
-            <a:r>
-              <a:rPr lang="pt-BR" sz="2000" dirty="0" smtClean="0">
-                <a:effectLst>
-                  <a:outerShdw blurRad="38100" dist="38100" dir="2700000" algn="tl">
-                    <a:srgbClr val="000000">
-                      <a:alpha val="43137"/>
-                    </a:srgbClr>
-                  </a:outerShdw>
-                </a:effectLst>
-              </a:rPr>
-              <a:t>192.168.98.112:12345/</a:t>
-            </a:r>
-            <a:endParaRPr lang="pt-BR" sz="2000" dirty="0">
-              <a:effectLst>
-                <a:outerShdw blurRad="38100" dist="38100" dir="2700000" algn="tl">
-                  <a:srgbClr val="000000">
-                    <a:alpha val="43137"/>
-                  </a:srgbClr>
-                </a:outerShdw>
-              </a:effectLst>
-            </a:endParaRPr>
+              <a:t>http://192.168.98.112:12345/</a:t>
+            </a:r>
           </a:p>
         </p:txBody>
       </p:sp>
@@ -5779,13 +5641,6 @@
   <p:clrMapOvr>
     <a:masterClrMapping/>
   </p:clrMapOvr>
-  <p:timing>
-    <p:tnLst>
-      <p:par>
-        <p:cTn id="1" dur="indefinite" restart="never" nodeType="tmRoot"/>
-      </p:par>
-    </p:tnLst>
-  </p:timing>
 </p:sld>
 </file>
 
@@ -5830,11 +5685,11 @@
           <a:p>
             <a:pPr algn="ctr"/>
             <a:r>
-              <a:rPr lang="pt-BR" sz="2800" b="1" dirty="0" smtClean="0"/>
+              <a:rPr lang="pt-BR" sz="2800" b="1" dirty="0"/>
               <a:t>Revisão Comandos do </a:t>
             </a:r>
             <a:r>
-              <a:rPr lang="pt-BR" sz="2800" b="1" dirty="0" err="1" smtClean="0"/>
+              <a:rPr lang="pt-BR" sz="2800" b="1" dirty="0" err="1"/>
               <a:t>Docker</a:t>
             </a:r>
             <a:endParaRPr lang="pt-BR" sz="2800" b="1" dirty="0"/>
@@ -6038,16 +5893,12 @@
               <a:t> </a:t>
             </a:r>
             <a:r>
-              <a:rPr lang="pt-BR" sz="1600" b="1" dirty="0" err="1" smtClean="0"/>
+              <a:rPr lang="pt-BR" sz="1600" b="1" dirty="0" err="1"/>
               <a:t>prune</a:t>
             </a:r>
             <a:r>
-              <a:rPr lang="pt-BR" sz="1600" dirty="0" smtClean="0"/>
-              <a:t> </a:t>
-            </a:r>
-            <a:r>
               <a:rPr lang="pt-BR" sz="1600" dirty="0"/>
-              <a:t>- remove todos os containers que estão parados.</a:t>
+              <a:t> - remove todos os containers que estão parados.</a:t>
             </a:r>
           </a:p>
           <a:p>
@@ -6211,11 +6062,7 @@
             </a:r>
             <a:r>
               <a:rPr lang="pt-BR" sz="1600" dirty="0"/>
-              <a:t> - define uma variável de ambiente AUTHOR com o valor Fulano no container criado</a:t>
-            </a:r>
-            <a:r>
-              <a:rPr lang="pt-BR" sz="1600" dirty="0" smtClean="0"/>
-              <a:t>.</a:t>
+              <a:t> - define uma variável de ambiente AUTHOR com o valor Fulano no container criado.</a:t>
             </a:r>
           </a:p>
         </p:txBody>
@@ -6230,13 +6077,6 @@
   <p:clrMapOvr>
     <a:masterClrMapping/>
   </p:clrMapOvr>
-  <p:timing>
-    <p:tnLst>
-      <p:par>
-        <p:cTn id="1" dur="indefinite" restart="never" nodeType="tmRoot"/>
-      </p:par>
-    </p:tnLst>
-  </p:timing>
 </p:sld>
 </file>
 
@@ -6281,10 +6121,9 @@
           <a:p>
             <a:pPr algn="ctr"/>
             <a:r>
-              <a:rPr lang="pt-BR" sz="2800" b="1" dirty="0" smtClean="0"/>
+              <a:rPr lang="pt-BR" sz="2800" b="1" dirty="0"/>
               <a:t>Volumes</a:t>
             </a:r>
-            <a:endParaRPr lang="pt-BR" sz="2800" b="1" dirty="0"/>
           </a:p>
         </p:txBody>
       </p:sp>
@@ -6335,14 +6174,13 @@
           <a:lstStyle/>
           <a:p>
             <a:r>
-              <a:rPr lang="pt-BR" sz="2000" dirty="0" smtClean="0"/>
+              <a:rPr lang="pt-BR" sz="2000" dirty="0"/>
               <a:t>Se você escrever algo nesse container e este for removido, todo o conteúdo será perdido. Por isso é interessante que você utilize o conceito de </a:t>
             </a:r>
             <a:r>
-              <a:rPr lang="pt-BR" sz="2000" b="1" dirty="0" smtClean="0"/>
+              <a:rPr lang="pt-BR" sz="2000" b="1" dirty="0"/>
               <a:t>Volumes</a:t>
             </a:r>
-            <a:endParaRPr lang="pt-BR" sz="2000" b="1" dirty="0"/>
           </a:p>
         </p:txBody>
       </p:sp>
@@ -6356,13 +6194,6 @@
   <p:clrMapOvr>
     <a:masterClrMapping/>
   </p:clrMapOvr>
-  <p:timing>
-    <p:tnLst>
-      <p:par>
-        <p:cTn id="1" dur="indefinite" restart="never" nodeType="tmRoot"/>
-      </p:par>
-    </p:tnLst>
-  </p:timing>
 </p:sld>
 </file>
 
@@ -6407,10 +6238,9 @@
           <a:p>
             <a:pPr algn="ctr"/>
             <a:r>
-              <a:rPr lang="pt-BR" sz="2800" b="1" dirty="0" smtClean="0"/>
+              <a:rPr lang="pt-BR" sz="2800" b="1" dirty="0"/>
               <a:t>Volumes</a:t>
             </a:r>
-            <a:endParaRPr lang="pt-BR" sz="2800" b="1" dirty="0"/>
           </a:p>
         </p:txBody>
       </p:sp>
@@ -6437,27 +6267,27 @@
           <a:lstStyle/>
           <a:p>
             <a:r>
-              <a:rPr lang="pt-BR" sz="2000" dirty="0" smtClean="0"/>
+              <a:rPr lang="pt-BR" sz="2000" dirty="0"/>
               <a:t>A solução de Volumes faz com que ao se criar um conteúdo numa pasta, por exemplo, “/var/</a:t>
             </a:r>
             <a:r>
-              <a:rPr lang="pt-BR" sz="2000" dirty="0" err="1" smtClean="0"/>
+              <a:rPr lang="pt-BR" sz="2000" dirty="0" err="1"/>
               <a:t>www</a:t>
             </a:r>
             <a:r>
-              <a:rPr lang="pt-BR" sz="2000" dirty="0" smtClean="0"/>
+              <a:rPr lang="pt-BR" sz="2000" dirty="0"/>
               <a:t>” esse conteúdo vá para o </a:t>
             </a:r>
             <a:r>
-              <a:rPr lang="pt-BR" sz="2000" b="1" dirty="0" err="1" smtClean="0"/>
+              <a:rPr lang="pt-BR" sz="2000" b="1" dirty="0" err="1"/>
               <a:t>Docker</a:t>
             </a:r>
             <a:r>
-              <a:rPr lang="pt-BR" sz="2000" b="1" dirty="0" smtClean="0"/>
+              <a:rPr lang="pt-BR" sz="2000" b="1" dirty="0"/>
               <a:t> Host, </a:t>
             </a:r>
             <a:r>
-              <a:rPr lang="pt-BR" sz="2000" dirty="0" smtClean="0"/>
+              <a:rPr lang="pt-BR" sz="2000" dirty="0"/>
               <a:t>fazendo com que este conteúdo não se perca se o container for apagado.</a:t>
             </a:r>
             <a:endParaRPr lang="pt-BR" sz="2000" b="1" dirty="0"/>
@@ -6699,54 +6529,54 @@
               <a:t>" </a:t>
             </a:r>
             <a:r>
-              <a:rPr lang="pt-BR" sz="2000" b="1" dirty="0" err="1" smtClean="0"/>
+              <a:rPr lang="pt-BR" sz="2000" b="1" dirty="0" err="1"/>
               <a:t>ubuntu</a:t>
             </a:r>
             <a:r>
-              <a:rPr lang="pt-BR" sz="2000" b="1" dirty="0" smtClean="0"/>
+              <a:rPr lang="pt-BR" sz="2000" b="1" dirty="0"/>
               <a:t> </a:t>
             </a:r>
           </a:p>
           <a:p>
             <a:pPr lvl="1"/>
             <a:r>
-              <a:rPr lang="pt-BR" sz="1600" dirty="0" smtClean="0"/>
+              <a:rPr lang="pt-BR" sz="1600" dirty="0"/>
               <a:t>Dessa forma </a:t>
             </a:r>
             <a:r>
-              <a:rPr lang="pt-BR" sz="1600" dirty="0" err="1" smtClean="0"/>
+              <a:rPr lang="pt-BR" sz="1600" dirty="0" err="1"/>
               <a:t>vc</a:t>
             </a:r>
             <a:r>
-              <a:rPr lang="pt-BR" sz="1600" dirty="0" smtClean="0"/>
+              <a:rPr lang="pt-BR" sz="1600" dirty="0"/>
               <a:t> precisa rodar um </a:t>
             </a:r>
             <a:r>
-              <a:rPr lang="pt-BR" sz="1600" b="1" dirty="0" err="1" smtClean="0"/>
+              <a:rPr lang="pt-BR" sz="1600" b="1" dirty="0" err="1"/>
               <a:t>docker</a:t>
             </a:r>
             <a:r>
-              <a:rPr lang="pt-BR" sz="1600" b="1" dirty="0" smtClean="0"/>
+              <a:rPr lang="pt-BR" sz="1600" b="1" dirty="0"/>
               <a:t> </a:t>
             </a:r>
             <a:r>
-              <a:rPr lang="pt-BR" sz="1600" b="1" dirty="0" err="1" smtClean="0"/>
+              <a:rPr lang="pt-BR" sz="1600" b="1" dirty="0" err="1"/>
               <a:t>inspect</a:t>
             </a:r>
             <a:r>
-              <a:rPr lang="pt-BR" sz="1600" b="1" dirty="0" smtClean="0"/>
+              <a:rPr lang="pt-BR" sz="1600" b="1" dirty="0"/>
               <a:t> &lt;código container&gt; </a:t>
             </a:r>
             <a:r>
-              <a:rPr lang="pt-BR" sz="1600" dirty="0" smtClean="0"/>
+              <a:rPr lang="pt-BR" sz="1600" dirty="0"/>
               <a:t>para verificar o “</a:t>
             </a:r>
             <a:r>
-              <a:rPr lang="pt-BR" sz="1600" dirty="0" err="1" smtClean="0"/>
+              <a:rPr lang="pt-BR" sz="1600" dirty="0" err="1"/>
               <a:t>Mounts</a:t>
             </a:r>
             <a:r>
-              <a:rPr lang="pt-BR" sz="1600" dirty="0" smtClean="0"/>
+              <a:rPr lang="pt-BR" sz="1600" dirty="0"/>
               <a:t>”</a:t>
             </a:r>
             <a:endParaRPr lang="pt-BR" sz="1600" b="1" dirty="0"/>
@@ -6796,21 +6626,8 @@
                   <a:schemeClr val="accent5"/>
                 </a:solidFill>
               </a:rPr>
-              <a:t>": </a:t>
-            </a:r>
-            <a:r>
-              <a:rPr lang="pt-BR" sz="1600" dirty="0" smtClean="0">
-                <a:solidFill>
-                  <a:schemeClr val="accent5"/>
-                </a:solidFill>
-              </a:rPr>
-              <a:t>[{</a:t>
-            </a:r>
-            <a:endParaRPr lang="pt-BR" sz="1600" dirty="0">
-              <a:solidFill>
-                <a:schemeClr val="accent5"/>
-              </a:solidFill>
-            </a:endParaRPr>
+              <a:t>": [{</a:t>
+            </a:r>
           </a:p>
           <a:p>
             <a:r>
@@ -7084,13 +6901,6 @@
   <p:clrMapOvr>
     <a:masterClrMapping/>
   </p:clrMapOvr>
-  <p:timing>
-    <p:tnLst>
-      <p:par>
-        <p:cTn id="1" dur="indefinite" restart="never" nodeType="tmRoot"/>
-      </p:par>
-    </p:tnLst>
-  </p:timing>
 </p:sld>
 </file>
 
@@ -7135,10 +6945,9 @@
           <a:p>
             <a:pPr algn="ctr"/>
             <a:r>
-              <a:rPr lang="pt-BR" sz="2800" b="1" dirty="0" smtClean="0"/>
+              <a:rPr lang="pt-BR" sz="2800" b="1" dirty="0"/>
               <a:t>Volumes</a:t>
             </a:r>
-            <a:endParaRPr lang="pt-BR" sz="2800" b="1" dirty="0"/>
           </a:p>
         </p:txBody>
       </p:sp>
@@ -7165,15 +6974,15 @@
           <a:lstStyle/>
           <a:p>
             <a:r>
-              <a:rPr lang="pt-BR" sz="2000" dirty="0" smtClean="0"/>
+              <a:rPr lang="pt-BR" sz="2000" dirty="0"/>
               <a:t>A pasta que é gerada no </a:t>
             </a:r>
             <a:r>
-              <a:rPr lang="pt-BR" sz="2000" dirty="0" err="1" smtClean="0"/>
+              <a:rPr lang="pt-BR" sz="2000" dirty="0" err="1"/>
               <a:t>Docker</a:t>
             </a:r>
             <a:r>
-              <a:rPr lang="pt-BR" sz="2000" dirty="0" smtClean="0"/>
+              <a:rPr lang="pt-BR" sz="2000" dirty="0"/>
               <a:t> Host pode ser configurada</a:t>
             </a:r>
           </a:p>
@@ -7199,23 +7008,7 @@
                   <a:schemeClr val="accent5"/>
                 </a:solidFill>
               </a:rPr>
-              <a:t> run -it -v "C:\</a:t>
-            </a:r>
-            <a:r>
-              <a:rPr lang="en-US" sz="2000" dirty="0" smtClean="0">
-                <a:solidFill>
-                  <a:schemeClr val="accent5"/>
-                </a:solidFill>
-              </a:rPr>
-              <a:t>Users\Luciano\Desktop</a:t>
-            </a:r>
-            <a:r>
-              <a:rPr lang="en-US" sz="2000" dirty="0">
-                <a:solidFill>
-                  <a:schemeClr val="accent5"/>
-                </a:solidFill>
-              </a:rPr>
-              <a:t>:/var/www" </a:t>
+              <a:t> run -it -v "C:\Users\Luciano\Desktop:/var/www" </a:t>
             </a:r>
             <a:r>
               <a:rPr lang="en-US" sz="2000" dirty="0" err="1">
@@ -7242,15 +7035,7 @@
                   <a:schemeClr val="accent5"/>
                 </a:solidFill>
               </a:rPr>
-              <a:t>root@abd0286c0083</a:t>
-            </a:r>
-            <a:r>
-              <a:rPr lang="en-US" sz="2000" dirty="0" smtClean="0">
-                <a:solidFill>
-                  <a:schemeClr val="accent5"/>
-                </a:solidFill>
-              </a:rPr>
-              <a:t>:/#</a:t>
+              <a:t>root@abd0286c0083:/#</a:t>
             </a:r>
           </a:p>
           <a:p>
@@ -7332,15 +7117,15 @@
                   <a:schemeClr val="accent5"/>
                 </a:solidFill>
               </a:rPr>
-              <a:t>root@6ec39d5e9175 </a:t>
-            </a:r>
-            <a:r>
-              <a:rPr lang="pt-BR" sz="2000" dirty="0" smtClean="0">
+              <a:t>root@6ec39d5e9175 :/var/</a:t>
+            </a:r>
+            <a:r>
+              <a:rPr lang="pt-BR" sz="2000" dirty="0" err="1">
                 <a:solidFill>
                   <a:schemeClr val="accent5"/>
                 </a:solidFill>
               </a:rPr>
-              <a:t>:/</a:t>
+              <a:t>www</a:t>
             </a:r>
             <a:r>
               <a:rPr lang="pt-BR" sz="2000" dirty="0">
@@ -7348,7 +7133,7 @@
                   <a:schemeClr val="accent5"/>
                 </a:solidFill>
               </a:rPr>
-              <a:t>var/</a:t>
+              <a:t># </a:t>
             </a:r>
             <a:r>
               <a:rPr lang="pt-BR" sz="2000" dirty="0" err="1">
@@ -7356,7 +7141,7 @@
                   <a:schemeClr val="accent5"/>
                 </a:solidFill>
               </a:rPr>
-              <a:t>www</a:t>
+              <a:t>touch</a:t>
             </a:r>
             <a:r>
               <a:rPr lang="pt-BR" sz="2000" dirty="0">
@@ -7364,37 +7149,8 @@
                   <a:schemeClr val="accent5"/>
                 </a:solidFill>
               </a:rPr>
-              <a:t># </a:t>
-            </a:r>
-            <a:r>
-              <a:rPr lang="pt-BR" sz="2000" dirty="0" err="1">
-                <a:solidFill>
-                  <a:schemeClr val="accent5"/>
-                </a:solidFill>
-              </a:rPr>
-              <a:t>touch</a:t>
-            </a:r>
-            <a:r>
-              <a:rPr lang="pt-BR" sz="2000" dirty="0">
-                <a:solidFill>
-                  <a:schemeClr val="accent5"/>
-                </a:solidFill>
-              </a:rPr>
-              <a:t> </a:t>
-            </a:r>
-            <a:r>
-              <a:rPr lang="pt-BR" sz="2000" dirty="0" smtClean="0">
-                <a:solidFill>
-                  <a:schemeClr val="accent5"/>
-                </a:solidFill>
-              </a:rPr>
-              <a:t>arquivo1.txt</a:t>
-            </a:r>
-            <a:endParaRPr lang="pt-BR" sz="2000" dirty="0">
-              <a:solidFill>
-                <a:schemeClr val="accent5"/>
-              </a:solidFill>
-            </a:endParaRPr>
+              <a:t> arquivo1.txt</a:t>
+            </a:r>
           </a:p>
           <a:p>
             <a:pPr lvl="1">
@@ -7402,12 +7158,20 @@
               <a:buChar char="Ø"/>
             </a:pPr>
             <a:r>
-              <a:rPr lang="pt-BR" sz="2000" dirty="0" smtClean="0">
+              <a:rPr lang="pt-BR" sz="2000" dirty="0">
                 <a:solidFill>
                   <a:schemeClr val="accent5"/>
                 </a:solidFill>
               </a:rPr>
-              <a:t>root@6ec39d5e9175 :/</a:t>
+              <a:t>root@6ec39d5e9175 :/var/</a:t>
+            </a:r>
+            <a:r>
+              <a:rPr lang="pt-BR" sz="2000" dirty="0" err="1">
+                <a:solidFill>
+                  <a:schemeClr val="accent5"/>
+                </a:solidFill>
+              </a:rPr>
+              <a:t>www</a:t>
             </a:r>
             <a:r>
               <a:rPr lang="pt-BR" sz="2000" dirty="0">
@@ -7415,7 +7179,7 @@
                   <a:schemeClr val="accent5"/>
                 </a:solidFill>
               </a:rPr>
-              <a:t>var/</a:t>
+              <a:t># </a:t>
             </a:r>
             <a:r>
               <a:rPr lang="pt-BR" sz="2000" dirty="0" err="1">
@@ -7423,7 +7187,7 @@
                   <a:schemeClr val="accent5"/>
                 </a:solidFill>
               </a:rPr>
-              <a:t>www</a:t>
+              <a:t>echo</a:t>
             </a:r>
             <a:r>
               <a:rPr lang="pt-BR" sz="2000" dirty="0">
@@ -7431,31 +7195,7 @@
                   <a:schemeClr val="accent5"/>
                 </a:solidFill>
               </a:rPr>
-              <a:t># </a:t>
-            </a:r>
-            <a:r>
-              <a:rPr lang="pt-BR" sz="2000" dirty="0" err="1">
-                <a:solidFill>
-                  <a:schemeClr val="accent5"/>
-                </a:solidFill>
-              </a:rPr>
-              <a:t>echo</a:t>
-            </a:r>
-            <a:r>
-              <a:rPr lang="pt-BR" sz="2000" dirty="0">
-                <a:solidFill>
-                  <a:schemeClr val="accent5"/>
-                </a:solidFill>
-              </a:rPr>
-              <a:t> "Este arquivo foi criado dentro de um volume" &gt; </a:t>
-            </a:r>
-            <a:r>
-              <a:rPr lang="pt-BR" sz="2000" dirty="0" smtClean="0">
-                <a:solidFill>
-                  <a:schemeClr val="accent5"/>
-                </a:solidFill>
-              </a:rPr>
-              <a:t>arquivo1.txt</a:t>
+              <a:t> "Este arquivo foi criado dentro de um volume" &gt; arquivo1.txt</a:t>
             </a:r>
           </a:p>
           <a:p>
@@ -7476,15 +7216,15 @@
               </a:spcBef>
             </a:pPr>
             <a:r>
-              <a:rPr lang="pt-BR" sz="2000" dirty="0" smtClean="0"/>
+              <a:rPr lang="pt-BR" sz="2000" dirty="0"/>
               <a:t>Detalhe Importante: Se você estiver rodando no </a:t>
             </a:r>
             <a:r>
-              <a:rPr lang="pt-BR" sz="2000" dirty="0" err="1" smtClean="0"/>
+              <a:rPr lang="pt-BR" sz="2000" dirty="0" err="1"/>
               <a:t>Docker</a:t>
             </a:r>
             <a:r>
-              <a:rPr lang="pt-BR" sz="2000" dirty="0" smtClean="0"/>
+              <a:rPr lang="pt-BR" sz="2000" dirty="0"/>
               <a:t> Toolbox</a:t>
             </a:r>
           </a:p>
@@ -7494,7 +7234,7 @@
                 <a:spcPts val="1000"/>
               </a:spcBef>
             </a:pPr>
-            <a:endParaRPr lang="pt-BR" sz="1600" dirty="0" smtClean="0"/>
+            <a:endParaRPr lang="pt-BR" sz="1600" dirty="0"/>
           </a:p>
           <a:p>
             <a:pPr lvl="1">
@@ -7502,7 +7242,7 @@
               <a:buChar char="Ø"/>
             </a:pPr>
             <a:r>
-              <a:rPr lang="pt-BR" sz="2000" dirty="0" smtClean="0">
+              <a:rPr lang="pt-BR" sz="2000" dirty="0">
                 <a:solidFill>
                   <a:schemeClr val="accent5"/>
                 </a:solidFill>
@@ -7574,14 +7314,14 @@
               <a:t>" </a:t>
             </a:r>
             <a:r>
-              <a:rPr lang="pt-BR" sz="2000" dirty="0" err="1" smtClean="0">
+              <a:rPr lang="pt-BR" sz="2000" dirty="0" err="1">
                 <a:solidFill>
                   <a:schemeClr val="accent5"/>
                 </a:solidFill>
               </a:rPr>
               <a:t>ubuntu</a:t>
             </a:r>
-            <a:endParaRPr lang="pt-BR" sz="2000" dirty="0" smtClean="0">
+            <a:endParaRPr lang="pt-BR" sz="2000" dirty="0">
               <a:solidFill>
                 <a:schemeClr val="accent5"/>
               </a:solidFill>
@@ -7590,23 +7330,17 @@
           <a:p>
             <a:pPr lvl="2"/>
             <a:r>
-              <a:rPr lang="pt-BR" sz="1600" dirty="0" smtClean="0"/>
+              <a:rPr lang="pt-BR" sz="1600" dirty="0"/>
               <a:t>(</a:t>
             </a:r>
             <a:r>
               <a:rPr lang="pt-BR" sz="1600" dirty="0">
                 <a:hlinkClick r:id="rId2"/>
               </a:rPr>
-              <a:t>https://medium.com/@</a:t>
-            </a:r>
-            <a:r>
-              <a:rPr lang="pt-BR" sz="1600" dirty="0" smtClean="0">
-                <a:hlinkClick r:id="rId2"/>
-              </a:rPr>
-              <a:t>Charles_Stover/fixing-volumes-in-docker-toolbox-4ad5ace0e572</a:t>
-            </a:r>
-            <a:r>
-              <a:rPr lang="pt-BR" sz="1600" dirty="0" smtClean="0"/>
+              <a:t>https://medium.com/@Charles_Stover/fixing-volumes-in-docker-toolbox-4ad5ace0e572</a:t>
+            </a:r>
+            <a:r>
+              <a:rPr lang="pt-BR" sz="1600" dirty="0"/>
               <a:t> ) </a:t>
             </a:r>
           </a:p>
@@ -7644,13 +7378,6 @@
   <p:clrMapOvr>
     <a:masterClrMapping/>
   </p:clrMapOvr>
-  <p:timing>
-    <p:tnLst>
-      <p:par>
-        <p:cTn id="1" dur="indefinite" restart="never" nodeType="tmRoot"/>
-      </p:par>
-    </p:tnLst>
-  </p:timing>
 </p:sld>
 </file>
 
@@ -7695,10 +7422,9 @@
           <a:p>
             <a:pPr algn="ctr"/>
             <a:r>
-              <a:rPr lang="pt-BR" sz="2800" b="1" dirty="0" smtClean="0"/>
+              <a:rPr lang="pt-BR" sz="2800" b="1" dirty="0"/>
               <a:t>Rodando código em um Container</a:t>
             </a:r>
-            <a:endParaRPr lang="pt-BR" sz="2800" b="1" dirty="0"/>
           </a:p>
         </p:txBody>
       </p:sp>
@@ -7725,15 +7451,15 @@
           <a:lstStyle/>
           <a:p>
             <a:r>
-              <a:rPr lang="pt-BR" sz="2000" dirty="0" smtClean="0"/>
+              <a:rPr lang="pt-BR" sz="2000" dirty="0"/>
               <a:t>Um exemplo que roda em </a:t>
             </a:r>
             <a:r>
-              <a:rPr lang="pt-BR" sz="2000" b="1" dirty="0" smtClean="0"/>
+              <a:rPr lang="pt-BR" sz="2000" b="1" dirty="0"/>
               <a:t>Node.js </a:t>
             </a:r>
             <a:r>
-              <a:rPr lang="pt-BR" sz="2000" dirty="0" smtClean="0"/>
+              <a:rPr lang="pt-BR" sz="2000" dirty="0"/>
               <a:t>e não possuímos o Node na máquina.</a:t>
             </a:r>
           </a:p>
@@ -7743,7 +7469,7 @@
               <a:buChar char="Ø"/>
             </a:pPr>
             <a:r>
-              <a:rPr lang="pt-BR" sz="1600" dirty="0" err="1" smtClean="0">
+              <a:rPr lang="pt-BR" sz="1600" dirty="0" err="1">
                 <a:solidFill>
                   <a:schemeClr val="accent5"/>
                 </a:solidFill>
@@ -7751,7 +7477,7 @@
               <a:t>docker</a:t>
             </a:r>
             <a:r>
-              <a:rPr lang="pt-BR" sz="1600" dirty="0" smtClean="0">
+              <a:rPr lang="pt-BR" sz="1600" dirty="0">
                 <a:solidFill>
                   <a:schemeClr val="accent5"/>
                 </a:solidFill>
@@ -7783,12 +7509,20 @@
               <a:t>Users</a:t>
             </a:r>
             <a:r>
-              <a:rPr lang="pt-BR" sz="1600" dirty="0" smtClean="0">
+              <a:rPr lang="pt-BR" sz="1600" dirty="0">
                 <a:solidFill>
                   <a:schemeClr val="accent5"/>
                 </a:solidFill>
               </a:rPr>
-              <a:t>/&lt;&lt;Seu caminho local&gt;&gt;/volume-exemplo</a:t>
+              <a:t>/&lt;&lt;Seu caminho local&gt;&gt;/volume-exemplo:/var/</a:t>
+            </a:r>
+            <a:r>
+              <a:rPr lang="pt-BR" sz="1600" dirty="0" err="1">
+                <a:solidFill>
+                  <a:schemeClr val="accent5"/>
+                </a:solidFill>
+              </a:rPr>
+              <a:t>www</a:t>
             </a:r>
             <a:r>
               <a:rPr lang="pt-BR" sz="1600" dirty="0">
@@ -7796,7 +7530,7 @@
                   <a:schemeClr val="accent5"/>
                 </a:solidFill>
               </a:rPr>
-              <a:t>:/var/</a:t>
+              <a:t>" -w "/var/</a:t>
             </a:r>
             <a:r>
               <a:rPr lang="pt-BR" sz="1600" dirty="0" err="1">
@@ -7812,7 +7546,7 @@
                   <a:schemeClr val="accent5"/>
                 </a:solidFill>
               </a:rPr>
-              <a:t>" -w "/var/</a:t>
+              <a:t>" node </a:t>
             </a:r>
             <a:r>
               <a:rPr lang="pt-BR" sz="1600" dirty="0" err="1">
@@ -7820,7 +7554,7 @@
                   <a:schemeClr val="accent5"/>
                 </a:solidFill>
               </a:rPr>
-              <a:t>www</a:t>
+              <a:t>npm</a:t>
             </a:r>
             <a:r>
               <a:rPr lang="pt-BR" sz="1600" dirty="0">
@@ -7828,39 +7562,7 @@
                   <a:schemeClr val="accent5"/>
                 </a:solidFill>
               </a:rPr>
-              <a:t>" </a:t>
-            </a:r>
-            <a:r>
-              <a:rPr lang="pt-BR" sz="1600" dirty="0" smtClean="0">
-                <a:solidFill>
-                  <a:schemeClr val="accent5"/>
-                </a:solidFill>
-              </a:rPr>
-              <a:t>node </a:t>
-            </a:r>
-            <a:r>
-              <a:rPr lang="pt-BR" sz="1600" dirty="0" err="1">
-                <a:solidFill>
-                  <a:schemeClr val="accent5"/>
-                </a:solidFill>
-              </a:rPr>
-              <a:t>npm</a:t>
-            </a:r>
-            <a:r>
-              <a:rPr lang="pt-BR" sz="1600" dirty="0">
-                <a:solidFill>
-                  <a:schemeClr val="accent5"/>
-                </a:solidFill>
-              </a:rPr>
-              <a:t> </a:t>
-            </a:r>
-            <a:r>
-              <a:rPr lang="pt-BR" sz="1600" dirty="0" smtClean="0">
-                <a:solidFill>
-                  <a:schemeClr val="accent5"/>
-                </a:solidFill>
-              </a:rPr>
-              <a:t>start</a:t>
+              <a:t> start</a:t>
             </a:r>
           </a:p>
           <a:p>
@@ -7879,7 +7581,7 @@
               <a:buNone/>
             </a:pPr>
             <a:r>
-              <a:rPr lang="pt-BR" sz="1400" b="1" dirty="0" smtClean="0">
+              <a:rPr lang="pt-BR" sz="1400" b="1" dirty="0">
                 <a:solidFill>
                   <a:schemeClr val="accent5"/>
                 </a:solidFill>
@@ -7932,39 +7634,23 @@
                   <a:schemeClr val="accent5"/>
                 </a:solidFill>
               </a:rPr>
-              <a:t> -d -p 8080:3000 -v </a:t>
-            </a:r>
-            <a:r>
-              <a:rPr lang="pt-BR" sz="1600" dirty="0" smtClean="0">
+              <a:t> -d -p 8080:3000 -v “$(</a:t>
+            </a:r>
+            <a:r>
+              <a:rPr lang="pt-BR" sz="1600" dirty="0" err="1">
                 <a:solidFill>
                   <a:schemeClr val="accent5"/>
                 </a:solidFill>
               </a:rPr>
-              <a:t>“$(</a:t>
-            </a:r>
-            <a:r>
-              <a:rPr lang="pt-BR" sz="1600" dirty="0" err="1" smtClean="0">
+              <a:t>pwd</a:t>
+            </a:r>
+            <a:r>
+              <a:rPr lang="pt-BR" sz="1600" dirty="0">
                 <a:solidFill>
                   <a:schemeClr val="accent5"/>
                 </a:solidFill>
               </a:rPr>
-              <a:t>pwd</a:t>
-            </a:r>
-            <a:r>
-              <a:rPr lang="pt-BR" sz="1600" dirty="0" smtClean="0">
-                <a:solidFill>
-                  <a:schemeClr val="accent5"/>
-                </a:solidFill>
-              </a:rPr>
-              <a:t>):/</a:t>
-            </a:r>
-            <a:r>
-              <a:rPr lang="pt-BR" sz="1600" dirty="0">
-                <a:solidFill>
-                  <a:schemeClr val="accent5"/>
-                </a:solidFill>
-              </a:rPr>
-              <a:t>var/</a:t>
+              <a:t>):/var/</a:t>
             </a:r>
             <a:r>
               <a:rPr lang="pt-BR" sz="1600" dirty="0" err="1">
@@ -8019,7 +7705,7 @@
             <a:pPr marL="3200400" lvl="7" indent="0">
               <a:buNone/>
             </a:pPr>
-            <a:endParaRPr lang="pt-BR" sz="1400" b="1" dirty="0" smtClean="0">
+            <a:endParaRPr lang="pt-BR" sz="1400" b="1" dirty="0">
               <a:solidFill>
                 <a:schemeClr val="accent5"/>
               </a:solidFill>
@@ -8030,7 +7716,7 @@
               <a:buNone/>
             </a:pPr>
             <a:r>
-              <a:rPr lang="pt-BR" sz="2400" dirty="0" smtClean="0">
+              <a:rPr lang="pt-BR" sz="2400" dirty="0">
                 <a:solidFill>
                   <a:schemeClr val="accent6"/>
                 </a:solidFill>
@@ -8243,11 +7929,11 @@
               </a:lnSpc>
             </a:pPr>
             <a:r>
-              <a:rPr lang="pt-BR" sz="1800" dirty="0" smtClean="0"/>
+              <a:rPr lang="pt-BR" sz="1800" dirty="0"/>
               <a:t>Nessa pasta volume-exemplo existe um pequeno projeto</a:t>
             </a:r>
             <a:r>
-              <a:rPr lang="pt-BR" sz="1800" b="1" dirty="0" smtClean="0"/>
+              <a:rPr lang="pt-BR" sz="1800" b="1" dirty="0"/>
               <a:t> Node.js</a:t>
             </a:r>
           </a:p>
@@ -8258,19 +7944,19 @@
               </a:lnSpc>
             </a:pPr>
             <a:r>
-              <a:rPr lang="pt-BR" sz="1800" b="1" dirty="0" smtClean="0"/>
+              <a:rPr lang="pt-BR" sz="1800" b="1" dirty="0"/>
               <a:t>“-d”</a:t>
             </a:r>
             <a:r>
-              <a:rPr lang="pt-BR" sz="1800" dirty="0" smtClean="0"/>
+              <a:rPr lang="pt-BR" sz="1800" dirty="0"/>
               <a:t> – executa em modo </a:t>
             </a:r>
             <a:r>
-              <a:rPr lang="pt-BR" sz="1800" dirty="0" err="1" smtClean="0"/>
+              <a:rPr lang="pt-BR" sz="1800" dirty="0" err="1"/>
               <a:t>dettached</a:t>
             </a:r>
             <a:r>
-              <a:rPr lang="pt-BR" sz="1800" dirty="0" smtClean="0"/>
+              <a:rPr lang="pt-BR" sz="1800" dirty="0"/>
               <a:t> e libera o terminal </a:t>
             </a:r>
           </a:p>
@@ -8281,35 +7967,27 @@
               </a:lnSpc>
             </a:pPr>
             <a:r>
-              <a:rPr lang="pt-BR" sz="1800" b="1" dirty="0" smtClean="0"/>
+              <a:rPr lang="pt-BR" sz="1800" b="1" dirty="0"/>
               <a:t>“-w”</a:t>
             </a:r>
             <a:r>
-              <a:rPr lang="pt-BR" sz="1800" dirty="0" smtClean="0"/>
+              <a:rPr lang="pt-BR" sz="1800" dirty="0"/>
+              <a:t> – “</a:t>
+            </a:r>
+            <a:r>
+              <a:rPr lang="pt-BR" sz="1800" dirty="0" err="1"/>
+              <a:t>Working</a:t>
+            </a:r>
+            <a:r>
+              <a:rPr lang="pt-BR" sz="1800" dirty="0"/>
               <a:t> </a:t>
             </a:r>
             <a:r>
+              <a:rPr lang="pt-BR" sz="1800" dirty="0" err="1"/>
+              <a:t>Directory</a:t>
+            </a:r>
+            <a:r>
               <a:rPr lang="pt-BR" sz="1800" dirty="0"/>
-              <a:t>– </a:t>
-            </a:r>
-            <a:r>
-              <a:rPr lang="pt-BR" sz="1800" dirty="0" smtClean="0"/>
-              <a:t>“</a:t>
-            </a:r>
-            <a:r>
-              <a:rPr lang="pt-BR" sz="1800" dirty="0" err="1" smtClean="0"/>
-              <a:t>Working</a:t>
-            </a:r>
-            <a:r>
-              <a:rPr lang="pt-BR" sz="1800" dirty="0" smtClean="0"/>
-              <a:t> </a:t>
-            </a:r>
-            <a:r>
-              <a:rPr lang="pt-BR" sz="1800" dirty="0" err="1" smtClean="0"/>
-              <a:t>Directory</a:t>
-            </a:r>
-            <a:r>
-              <a:rPr lang="pt-BR" sz="1800" dirty="0" smtClean="0"/>
               <a:t>” informa em qual pasta o comando deve ser executado dentro do container</a:t>
             </a:r>
           </a:p>
@@ -8332,23 +8010,23 @@
               <a:buNone/>
             </a:pPr>
             <a:r>
-              <a:rPr lang="pt-BR" sz="1800" dirty="0" smtClean="0"/>
+              <a:rPr lang="pt-BR" sz="1800" dirty="0"/>
               <a:t>	Lembrando que se você estiver rodando num Windows com uma máquina virtual e rodando o </a:t>
             </a:r>
             <a:r>
-              <a:rPr lang="pt-BR" sz="1800" dirty="0" err="1" smtClean="0"/>
+              <a:rPr lang="pt-BR" sz="1800" dirty="0" err="1"/>
               <a:t>Docker</a:t>
             </a:r>
             <a:r>
-              <a:rPr lang="pt-BR" sz="1800" dirty="0" smtClean="0"/>
+              <a:rPr lang="pt-BR" sz="1800" dirty="0"/>
               <a:t> Toolbox, o </a:t>
             </a:r>
             <a:r>
-              <a:rPr lang="pt-BR" sz="1800" dirty="0" err="1" smtClean="0"/>
+              <a:rPr lang="pt-BR" sz="1800" dirty="0" err="1"/>
               <a:t>ip</a:t>
             </a:r>
             <a:r>
-              <a:rPr lang="pt-BR" sz="1800" dirty="0" smtClean="0"/>
+              <a:rPr lang="pt-BR" sz="1800" dirty="0"/>
               <a:t> será descoberto pelo “</a:t>
             </a:r>
             <a:r>
@@ -8368,7 +8046,7 @@
               <a:t> </a:t>
             </a:r>
             <a:r>
-              <a:rPr lang="pt-BR" sz="1800" b="1" dirty="0" err="1" smtClean="0">
+              <a:rPr lang="pt-BR" sz="1800" b="1" dirty="0" err="1">
                 <a:solidFill>
                   <a:prstClr val="black"/>
                 </a:solidFill>
@@ -8376,7 +8054,7 @@
               <a:t>ip</a:t>
             </a:r>
             <a:r>
-              <a:rPr lang="pt-BR" sz="1800" b="1" dirty="0" smtClean="0">
+              <a:rPr lang="pt-BR" sz="1800" b="1" dirty="0">
                 <a:solidFill>
                   <a:prstClr val="black"/>
                 </a:solidFill>
@@ -8384,7 +8062,7 @@
               <a:t>” e você executará o código com o endereço </a:t>
             </a:r>
             <a:r>
-              <a:rPr lang="pt-BR" sz="1800" b="1" dirty="0" err="1" smtClean="0">
+              <a:rPr lang="pt-BR" sz="1800" b="1" dirty="0" err="1">
                 <a:solidFill>
                   <a:prstClr val="black"/>
                 </a:solidFill>
@@ -8392,7 +8070,7 @@
               <a:t>ip</a:t>
             </a:r>
             <a:r>
-              <a:rPr lang="pt-BR" sz="1800" b="1" dirty="0" smtClean="0">
+              <a:rPr lang="pt-BR" sz="1800" b="1" dirty="0">
                 <a:solidFill>
                   <a:prstClr val="black"/>
                 </a:solidFill>
@@ -8427,7 +8105,7 @@
               <a:buNone/>
             </a:pPr>
             <a:r>
-              <a:rPr lang="pt-BR" sz="1800" b="1" dirty="0" smtClean="0">
+              <a:rPr lang="pt-BR" sz="1800" b="1" dirty="0">
                 <a:solidFill>
                   <a:prstClr val="black"/>
                 </a:solidFill>
@@ -8435,42 +8113,13 @@
               <a:t>				</a:t>
             </a:r>
             <a:r>
-              <a:rPr lang="pt-BR" sz="1800" b="1" dirty="0" smtClean="0">
+              <a:rPr lang="pt-BR" sz="1800" b="1" dirty="0">
                 <a:solidFill>
                   <a:schemeClr val="accent5"/>
                 </a:solidFill>
               </a:rPr>
-              <a:t>http</a:t>
-            </a:r>
-            <a:r>
-              <a:rPr lang="pt-BR" sz="1800" b="1" dirty="0">
-                <a:solidFill>
-                  <a:schemeClr val="accent5"/>
-                </a:solidFill>
-              </a:rPr>
-              <a:t>://</a:t>
-            </a:r>
-            <a:r>
-              <a:rPr lang="pt-BR" sz="1800" b="1" dirty="0" smtClean="0">
-                <a:solidFill>
-                  <a:schemeClr val="accent5"/>
-                </a:solidFill>
-              </a:rPr>
-              <a:t>192.168.99.123:8080</a:t>
-            </a:r>
-            <a:r>
-              <a:rPr lang="pt-BR" sz="1800" b="1" dirty="0">
-                <a:solidFill>
-                  <a:schemeClr val="accent5"/>
-                </a:solidFill>
-              </a:rPr>
-              <a:t>/</a:t>
-            </a:r>
-            <a:endParaRPr lang="pt-BR" sz="1800" b="1" dirty="0" smtClean="0">
-              <a:solidFill>
-                <a:schemeClr val="accent5"/>
-              </a:solidFill>
-            </a:endParaRPr>
+              <a:t>http://192.168.99.123:8080/</a:t>
+            </a:r>
           </a:p>
           <a:p>
             <a:pPr marL="457200" lvl="1" indent="0" algn="just">
@@ -8500,13 +8149,6 @@
   <p:clrMapOvr>
     <a:masterClrMapping/>
   </p:clrMapOvr>
-  <p:timing>
-    <p:tnLst>
-      <p:par>
-        <p:cTn id="1" dur="indefinite" restart="never" nodeType="tmRoot"/>
-      </p:par>
-    </p:tnLst>
-  </p:timing>
 </p:sld>
 </file>
 
@@ -8551,10 +8193,9 @@
           <a:p>
             <a:pPr algn="ctr"/>
             <a:r>
-              <a:rPr lang="pt-BR" sz="2800" b="1" dirty="0" smtClean="0"/>
+              <a:rPr lang="pt-BR" sz="2800" b="1" dirty="0"/>
               <a:t>O Problema das Máquinas Virtuais</a:t>
             </a:r>
-            <a:endParaRPr lang="pt-BR" sz="2800" b="1" dirty="0"/>
           </a:p>
         </p:txBody>
       </p:sp>
@@ -8605,30 +8246,29 @@
           <a:lstStyle/>
           <a:p>
             <a:r>
-              <a:rPr lang="pt-BR" sz="1600" dirty="0" smtClean="0"/>
+              <a:rPr lang="pt-BR" sz="1600" dirty="0"/>
               <a:t>A virtualização foi uma solução. Ou seja a utilização de </a:t>
             </a:r>
             <a:r>
-              <a:rPr lang="pt-BR" sz="1600" b="1" dirty="0" smtClean="0"/>
+              <a:rPr lang="pt-BR" sz="1600" b="1" dirty="0"/>
               <a:t>Máquinas Virtuais</a:t>
             </a:r>
             <a:r>
-              <a:rPr lang="pt-BR" sz="1600" dirty="0" smtClean="0"/>
+              <a:rPr lang="pt-BR" sz="1600" dirty="0"/>
               <a:t>. Isso só foi possível, graças a uma tecnologia chamada </a:t>
             </a:r>
             <a:r>
-              <a:rPr lang="pt-BR" sz="1600" b="1" dirty="0" err="1" smtClean="0"/>
+              <a:rPr lang="pt-BR" sz="1600" b="1" dirty="0" err="1"/>
               <a:t>Hypervisor</a:t>
             </a:r>
             <a:r>
-              <a:rPr lang="pt-BR" sz="1600" b="1" dirty="0" smtClean="0"/>
+              <a:rPr lang="pt-BR" sz="1600" b="1" dirty="0"/>
               <a:t>. </a:t>
             </a:r>
             <a:r>
-              <a:rPr lang="pt-BR" sz="1600" dirty="0" smtClean="0"/>
+              <a:rPr lang="pt-BR" sz="1600" dirty="0"/>
               <a:t>Permitindo a virtualização de recursos físicos do nosso sistema operacional.</a:t>
             </a:r>
-            <a:endParaRPr lang="pt-BR" sz="1600" dirty="0"/>
           </a:p>
         </p:txBody>
       </p:sp>
@@ -8710,10 +8350,9 @@
           <a:p>
             <a:pPr algn="ctr"/>
             <a:r>
-              <a:rPr lang="pt-BR" sz="2800" b="1" dirty="0" smtClean="0"/>
+              <a:rPr lang="pt-BR" sz="2800" b="1" dirty="0"/>
               <a:t>Construir as Próprias Imagens</a:t>
             </a:r>
-            <a:endParaRPr lang="pt-BR" sz="2800" b="1" dirty="0"/>
           </a:p>
         </p:txBody>
       </p:sp>
@@ -8741,27 +8380,27 @@
           <a:p>
             <a:pPr algn="just"/>
             <a:r>
-              <a:rPr lang="pt-BR" sz="2000" b="1" i="1" dirty="0" smtClean="0"/>
+              <a:rPr lang="pt-BR" sz="2000" b="1" i="1" dirty="0"/>
               <a:t>Criando um </a:t>
             </a:r>
             <a:r>
-              <a:rPr lang="pt-BR" sz="2000" b="1" i="1" dirty="0" err="1" smtClean="0"/>
+              <a:rPr lang="pt-BR" sz="2000" b="1" i="1" dirty="0" err="1"/>
               <a:t>Dockerfile</a:t>
             </a:r>
             <a:r>
-              <a:rPr lang="pt-BR" sz="2000" b="1" i="1" dirty="0" smtClean="0"/>
+              <a:rPr lang="pt-BR" sz="2000" b="1" i="1" dirty="0"/>
               <a:t> – </a:t>
             </a:r>
             <a:r>
-              <a:rPr lang="pt-BR" sz="1800" dirty="0" smtClean="0"/>
+              <a:rPr lang="pt-BR" sz="1800" dirty="0"/>
               <a:t>O </a:t>
             </a:r>
             <a:r>
-              <a:rPr lang="pt-BR" sz="1800" dirty="0" err="1" smtClean="0"/>
+              <a:rPr lang="pt-BR" sz="1800" dirty="0" err="1"/>
               <a:t>Dockerfile</a:t>
             </a:r>
             <a:r>
-              <a:rPr lang="pt-BR" sz="1800" dirty="0" smtClean="0"/>
+              <a:rPr lang="pt-BR" sz="1800" dirty="0"/>
               <a:t> define comandos para executar instalações complexas e com características específicas.</a:t>
             </a:r>
           </a:p>
@@ -9077,70 +8716,70 @@
           </a:p>
           <a:p>
             <a:pPr algn="just"/>
-            <a:endParaRPr lang="pt-BR" sz="1400" u="sng" dirty="0" smtClean="0"/>
+            <a:endParaRPr lang="pt-BR" sz="1400" u="sng" dirty="0"/>
           </a:p>
           <a:p>
             <a:pPr algn="just"/>
             <a:r>
-              <a:rPr lang="pt-BR" sz="1800" u="sng" dirty="0" smtClean="0"/>
+              <a:rPr lang="pt-BR" sz="1800" u="sng" dirty="0"/>
               <a:t>Lembrando: </a:t>
             </a:r>
           </a:p>
           <a:p>
             <a:pPr lvl="1" algn="just"/>
             <a:r>
-              <a:rPr lang="pt-BR" sz="1800" i="1" dirty="0" smtClean="0"/>
+              <a:rPr lang="pt-BR" sz="1800" i="1" dirty="0"/>
               <a:t>As imagens são sempre </a:t>
             </a:r>
             <a:r>
-              <a:rPr lang="pt-BR" sz="1800" i="1" dirty="0" err="1" smtClean="0"/>
+              <a:rPr lang="pt-BR" sz="1800" i="1" dirty="0" err="1"/>
               <a:t>read-only</a:t>
             </a:r>
-            <a:endParaRPr lang="pt-BR" sz="1800" i="1" dirty="0" smtClean="0"/>
+            <a:endParaRPr lang="pt-BR" sz="1800" i="1" dirty="0"/>
           </a:p>
           <a:p>
             <a:pPr lvl="1" algn="just"/>
             <a:r>
-              <a:rPr lang="pt-BR" sz="1800" i="1" dirty="0" smtClean="0"/>
+              <a:rPr lang="pt-BR" sz="1800" i="1" dirty="0"/>
               <a:t>Um container é uma instância de uma imagem</a:t>
             </a:r>
           </a:p>
           <a:p>
             <a:pPr lvl="1" algn="just"/>
             <a:r>
-              <a:rPr lang="pt-BR" sz="1800" i="1" dirty="0" smtClean="0"/>
+              <a:rPr lang="pt-BR" sz="1800" i="1" dirty="0"/>
               <a:t>Para guardar as alterações a </a:t>
             </a:r>
             <a:r>
-              <a:rPr lang="pt-BR" sz="1800" i="1" dirty="0" err="1" smtClean="0"/>
+              <a:rPr lang="pt-BR" sz="1800" i="1" dirty="0" err="1"/>
               <a:t>docker</a:t>
             </a:r>
             <a:r>
-              <a:rPr lang="pt-BR" sz="1800" i="1" dirty="0" smtClean="0"/>
+              <a:rPr lang="pt-BR" sz="1800" i="1" dirty="0"/>
               <a:t> </a:t>
             </a:r>
             <a:r>
-              <a:rPr lang="pt-BR" sz="1800" i="1" dirty="0" err="1" smtClean="0"/>
+              <a:rPr lang="pt-BR" sz="1800" i="1" dirty="0" err="1"/>
               <a:t>engine</a:t>
             </a:r>
             <a:r>
-              <a:rPr lang="pt-BR" sz="1800" i="1" dirty="0" smtClean="0"/>
+              <a:rPr lang="pt-BR" sz="1800" i="1" dirty="0"/>
               <a:t> cria uma nova </a:t>
             </a:r>
             <a:r>
-              <a:rPr lang="pt-BR" sz="1800" i="1" dirty="0" err="1" smtClean="0"/>
+              <a:rPr lang="pt-BR" sz="1800" i="1" dirty="0" err="1"/>
               <a:t>layter</a:t>
             </a:r>
             <a:r>
-              <a:rPr lang="pt-BR" sz="1800" i="1" dirty="0" smtClean="0"/>
+              <a:rPr lang="pt-BR" sz="1800" i="1" dirty="0"/>
               <a:t> em cima da última </a:t>
             </a:r>
             <a:r>
-              <a:rPr lang="pt-BR" sz="1800" i="1" dirty="0" err="1" smtClean="0"/>
+              <a:rPr lang="pt-BR" sz="1800" i="1" dirty="0" err="1"/>
               <a:t>layer</a:t>
             </a:r>
             <a:r>
-              <a:rPr lang="pt-BR" sz="1800" i="1" dirty="0" smtClean="0"/>
+              <a:rPr lang="pt-BR" sz="1800" i="1" dirty="0"/>
               <a:t> da imagem</a:t>
             </a:r>
           </a:p>
@@ -9200,10 +8839,9 @@
           <a:p>
             <a:pPr algn="ctr"/>
             <a:r>
-              <a:rPr lang="pt-BR" sz="2800" b="1" dirty="0" smtClean="0"/>
+              <a:rPr lang="pt-BR" sz="2800" b="1" dirty="0"/>
               <a:t>Revisão Comandos sobre Criações de Imagens</a:t>
             </a:r>
-            <a:endParaRPr lang="pt-BR" sz="2800" b="1" dirty="0"/>
           </a:p>
         </p:txBody>
       </p:sp>
@@ -9220,7 +8858,7 @@
         <p:spPr>
           <a:xfrm>
             <a:off x="166437" y="771180"/>
-            <a:ext cx="11492164" cy="3150825"/>
+            <a:ext cx="11492164" cy="4815428"/>
           </a:xfrm>
         </p:spPr>
         <p:txBody>
@@ -9240,29 +8878,24 @@
             </a:r>
             <a:r>
               <a:rPr lang="pt-BR" sz="1800" b="1" dirty="0"/>
-              <a:t> </a:t>
-            </a:r>
-            <a:r>
-              <a:rPr lang="pt-BR" sz="1800" b="1" dirty="0" smtClean="0"/>
-              <a:t>build –f </a:t>
-            </a:r>
-            <a:r>
-              <a:rPr lang="pt-BR" sz="1800" b="1" dirty="0" err="1" smtClean="0"/>
+              <a:t> build –f </a:t>
+            </a:r>
+            <a:r>
+              <a:rPr lang="pt-BR" sz="1800" b="1" dirty="0" err="1"/>
               <a:t>Dockerfile</a:t>
             </a:r>
             <a:r>
-              <a:rPr lang="pt-BR" sz="1800" dirty="0" smtClean="0"/>
+              <a:rPr lang="pt-BR" sz="1800" dirty="0"/>
               <a:t> – cria uma imagem a partir de um </a:t>
             </a:r>
             <a:r>
-              <a:rPr lang="pt-BR" sz="1800" dirty="0" err="1" smtClean="0"/>
+              <a:rPr lang="pt-BR" sz="1800" dirty="0" err="1"/>
               <a:t>Dockerfile</a:t>
             </a:r>
             <a:r>
-              <a:rPr lang="pt-BR" sz="1800" dirty="0" smtClean="0"/>
+              <a:rPr lang="pt-BR" sz="1800" dirty="0"/>
               <a:t>.</a:t>
             </a:r>
-            <a:endParaRPr lang="pt-BR" sz="1800" dirty="0"/>
           </a:p>
           <a:p>
             <a:pPr lvl="1" algn="just">
@@ -9276,41 +8909,190 @@
             </a:r>
             <a:r>
               <a:rPr lang="pt-BR" sz="1800" b="1" dirty="0"/>
+              <a:t> build –f CAMINHO_DOCKERFILE/</a:t>
+            </a:r>
+            <a:r>
+              <a:rPr lang="pt-BR" sz="1800" b="1" dirty="0" err="1"/>
+              <a:t>Dockerfile</a:t>
+            </a:r>
+            <a:r>
+              <a:rPr lang="pt-BR" sz="1800" b="1" dirty="0"/>
+              <a:t> –t NOME_USUARIO/NOME_IMAGEM</a:t>
+            </a:r>
+            <a:r>
+              <a:rPr lang="pt-BR" sz="1800" dirty="0"/>
+              <a:t> – constrói e nomeia uma imagem não oficial informando o caminho para o </a:t>
+            </a:r>
+            <a:r>
+              <a:rPr lang="pt-BR" sz="1800" dirty="0" err="1"/>
+              <a:t>Dockerfile</a:t>
+            </a:r>
+            <a:r>
+              <a:rPr lang="pt-BR" sz="1800" dirty="0"/>
+              <a:t>.</a:t>
+            </a:r>
+          </a:p>
+          <a:p>
+            <a:pPr lvl="2">
+              <a:buFont typeface="Wingdings" panose="05000000000000000000" pitchFamily="2" charset="2"/>
+              <a:buChar char="Ø"/>
+            </a:pPr>
+            <a:r>
+              <a:rPr lang="pt-BR" sz="1800" dirty="0" err="1">
+                <a:solidFill>
+                  <a:schemeClr val="accent5"/>
+                </a:solidFill>
+              </a:rPr>
+              <a:t>docker</a:t>
+            </a:r>
+            <a:r>
+              <a:rPr lang="pt-BR" sz="1800" dirty="0">
+                <a:solidFill>
+                  <a:schemeClr val="accent5"/>
+                </a:solidFill>
+              </a:rPr>
+              <a:t> build -</a:t>
+            </a:r>
+            <a:r>
+              <a:rPr lang="pt-BR" sz="1800" dirty="0" err="1">
+                <a:solidFill>
+                  <a:schemeClr val="accent5"/>
+                </a:solidFill>
+              </a:rPr>
+              <a:t>f</a:t>
+            </a:r>
+            <a:r>
+              <a:rPr lang="pt-BR" sz="1800" dirty="0">
+                <a:solidFill>
+                  <a:schemeClr val="accent5"/>
+                </a:solidFill>
+              </a:rPr>
               <a:t> </a:t>
             </a:r>
             <a:r>
-              <a:rPr lang="pt-BR" sz="1800" b="1" dirty="0" smtClean="0"/>
-              <a:t>build –f CAMINHO_DOCKERFILE/</a:t>
-            </a:r>
-            <a:r>
-              <a:rPr lang="pt-BR" sz="1800" b="1" dirty="0" err="1" smtClean="0"/>
+              <a:rPr lang="pt-BR" sz="1800" dirty="0" err="1">
+                <a:solidFill>
+                  <a:schemeClr val="accent5"/>
+                </a:solidFill>
+              </a:rPr>
               <a:t>Dockerfile</a:t>
             </a:r>
             <a:r>
-              <a:rPr lang="pt-BR" sz="1800" b="1" dirty="0" smtClean="0"/>
-              <a:t> –t NOME_USUARIO/NOME_IMAGEM</a:t>
-            </a:r>
-            <a:r>
-              <a:rPr lang="pt-BR" sz="1800" dirty="0" smtClean="0"/>
-              <a:t> – </a:t>
-            </a:r>
-            <a:r>
-              <a:rPr lang="pt-BR" sz="1800" dirty="0" err="1" smtClean="0"/>
-              <a:t>cons´trói</a:t>
-            </a:r>
-            <a:r>
-              <a:rPr lang="pt-BR" sz="1800" dirty="0" smtClean="0"/>
-              <a:t> e nomeia uma imagem não –oficial informando o caminho para o </a:t>
-            </a:r>
-            <a:r>
-              <a:rPr lang="pt-BR" sz="1800" dirty="0" err="1" smtClean="0"/>
-              <a:t>Dockerfile</a:t>
-            </a:r>
-            <a:r>
-              <a:rPr lang="pt-BR" sz="1800" dirty="0" smtClean="0"/>
-              <a:t>.</a:t>
-            </a:r>
-            <a:endParaRPr lang="pt-BR" sz="1800" dirty="0"/>
+              <a:rPr lang="pt-BR" sz="1800" dirty="0">
+                <a:solidFill>
+                  <a:schemeClr val="accent5"/>
+                </a:solidFill>
+              </a:rPr>
+              <a:t> -</a:t>
+            </a:r>
+            <a:r>
+              <a:rPr lang="pt-BR" sz="1800" dirty="0" err="1">
+                <a:solidFill>
+                  <a:schemeClr val="accent5"/>
+                </a:solidFill>
+              </a:rPr>
+              <a:t>t</a:t>
+            </a:r>
+            <a:r>
+              <a:rPr lang="pt-BR" sz="1800" dirty="0">
+                <a:solidFill>
+                  <a:schemeClr val="accent5"/>
+                </a:solidFill>
+              </a:rPr>
+              <a:t> </a:t>
+            </a:r>
+            <a:r>
+              <a:rPr lang="pt-BR" sz="1800" dirty="0" err="1">
+                <a:solidFill>
+                  <a:schemeClr val="accent5"/>
+                </a:solidFill>
+              </a:rPr>
+              <a:t>lacsousa</a:t>
+            </a:r>
+            <a:r>
+              <a:rPr lang="pt-BR" sz="1800" dirty="0">
+                <a:solidFill>
+                  <a:schemeClr val="accent5"/>
+                </a:solidFill>
+              </a:rPr>
+              <a:t>/node .</a:t>
+            </a:r>
+          </a:p>
+          <a:p>
+            <a:pPr lvl="2">
+              <a:buFont typeface="Wingdings" panose="05000000000000000000" pitchFamily="2" charset="2"/>
+              <a:buChar char="Ø"/>
+            </a:pPr>
+            <a:endParaRPr lang="pt-BR" sz="1800" dirty="0">
+              <a:solidFill>
+                <a:schemeClr val="accent5"/>
+              </a:solidFill>
+            </a:endParaRPr>
+          </a:p>
+          <a:p>
+            <a:pPr lvl="2" algn="just">
+              <a:lnSpc>
+                <a:spcPct val="150000"/>
+              </a:lnSpc>
+            </a:pPr>
+            <a:r>
+              <a:rPr lang="pt-BR" sz="1600" dirty="0"/>
+              <a:t>Depois do Build executado, podemos ver a imagem criada com o “</a:t>
+            </a:r>
+            <a:r>
+              <a:rPr lang="pt-BR" sz="1600" b="1" dirty="0" err="1"/>
+              <a:t>docker</a:t>
+            </a:r>
+            <a:r>
+              <a:rPr lang="pt-BR" sz="1600" b="1" dirty="0"/>
+              <a:t> </a:t>
+            </a:r>
+            <a:r>
+              <a:rPr lang="pt-BR" sz="1600" b="1" dirty="0" err="1"/>
+              <a:t>images</a:t>
+            </a:r>
+            <a:r>
+              <a:rPr lang="pt-BR" sz="1600" dirty="0"/>
+              <a:t>”.</a:t>
+            </a:r>
+          </a:p>
+          <a:p>
+            <a:pPr lvl="2" algn="just">
+              <a:lnSpc>
+                <a:spcPct val="150000"/>
+              </a:lnSpc>
+            </a:pPr>
+            <a:r>
+              <a:rPr lang="pt-BR" sz="1600" dirty="0"/>
+              <a:t>Podemos também executar essa imagem rodando como um container</a:t>
+            </a:r>
+          </a:p>
+          <a:p>
+            <a:pPr lvl="2" algn="just">
+              <a:lnSpc>
+                <a:spcPct val="150000"/>
+              </a:lnSpc>
+            </a:pPr>
+            <a:endParaRPr lang="pt-BR" sz="1600" dirty="0"/>
+          </a:p>
+          <a:p>
+            <a:pPr lvl="1" algn="just">
+              <a:lnSpc>
+                <a:spcPct val="150000"/>
+              </a:lnSpc>
+            </a:pPr>
+            <a:r>
+              <a:rPr lang="pt-BR" sz="2000" dirty="0"/>
+              <a:t>Após a criação da imagem inicia o processo para “subir” a imagem no </a:t>
+            </a:r>
+            <a:r>
+              <a:rPr lang="pt-BR" sz="2000" dirty="0" err="1"/>
+              <a:t>Docker</a:t>
+            </a:r>
+            <a:r>
+              <a:rPr lang="pt-BR" sz="2000" dirty="0"/>
+              <a:t> Hub</a:t>
+            </a:r>
           </a:p>
           <a:p>
             <a:pPr lvl="1" algn="just">
@@ -9327,30 +9109,29 @@
               <a:t> </a:t>
             </a:r>
             <a:r>
-              <a:rPr lang="pt-BR" sz="1800" b="1" dirty="0" err="1" smtClean="0"/>
+              <a:rPr lang="pt-BR" sz="1800" b="1" dirty="0" err="1"/>
               <a:t>login</a:t>
             </a:r>
             <a:r>
-              <a:rPr lang="pt-BR" sz="1800" dirty="0" smtClean="0"/>
+              <a:rPr lang="pt-BR" sz="1800" dirty="0"/>
               <a:t> – inicia o processo de </a:t>
             </a:r>
             <a:r>
-              <a:rPr lang="pt-BR" sz="1800" dirty="0" err="1" smtClean="0"/>
+              <a:rPr lang="pt-BR" sz="1800" dirty="0" err="1"/>
               <a:t>login</a:t>
             </a:r>
             <a:r>
-              <a:rPr lang="pt-BR" sz="1800" dirty="0" smtClean="0"/>
+              <a:rPr lang="pt-BR" sz="1800" dirty="0"/>
               <a:t> no </a:t>
             </a:r>
             <a:r>
-              <a:rPr lang="pt-BR" sz="1800" dirty="0" err="1" smtClean="0"/>
+              <a:rPr lang="pt-BR" sz="1800" dirty="0" err="1"/>
               <a:t>Docker</a:t>
             </a:r>
             <a:r>
-              <a:rPr lang="pt-BR" sz="1800" dirty="0" smtClean="0"/>
+              <a:rPr lang="pt-BR" sz="1800" dirty="0"/>
               <a:t> Hub.</a:t>
             </a:r>
-            <a:endParaRPr lang="pt-BR" sz="1800" dirty="0"/>
           </a:p>
           <a:p>
             <a:pPr lvl="1" algn="just">
@@ -9367,23 +9148,23 @@
               <a:t> </a:t>
             </a:r>
             <a:r>
-              <a:rPr lang="pt-BR" sz="1800" b="1" dirty="0" err="1" smtClean="0"/>
+              <a:rPr lang="pt-BR" sz="1800" b="1" dirty="0" err="1"/>
               <a:t>push</a:t>
             </a:r>
             <a:r>
-              <a:rPr lang="pt-BR" sz="1800" b="1" dirty="0" smtClean="0"/>
+              <a:rPr lang="pt-BR" sz="1800" b="1" dirty="0"/>
               <a:t> NOME_USUARIO/NOME_IMAGEM </a:t>
             </a:r>
             <a:r>
-              <a:rPr lang="pt-BR" sz="1800" dirty="0" smtClean="0"/>
+              <a:rPr lang="pt-BR" sz="1800" dirty="0"/>
               <a:t>– envia a imagem criada para o </a:t>
             </a:r>
             <a:r>
-              <a:rPr lang="pt-BR" sz="1800" dirty="0" err="1" smtClean="0"/>
+              <a:rPr lang="pt-BR" sz="1800" dirty="0" err="1"/>
               <a:t>Docker</a:t>
             </a:r>
             <a:r>
-              <a:rPr lang="pt-BR" sz="1800" dirty="0" smtClean="0"/>
+              <a:rPr lang="pt-BR" sz="1800" dirty="0"/>
               <a:t> Hub.</a:t>
             </a:r>
           </a:p>
@@ -9402,32 +9183,16 @@
               <a:t> </a:t>
             </a:r>
             <a:r>
-              <a:rPr lang="pt-BR" sz="1800" b="1" dirty="0" err="1" smtClean="0"/>
+              <a:rPr lang="pt-BR" sz="1800" b="1" dirty="0" err="1"/>
               <a:t>pull</a:t>
             </a:r>
             <a:r>
-              <a:rPr lang="pt-BR" sz="1800" b="1" dirty="0" smtClean="0"/>
-              <a:t> </a:t>
-            </a:r>
-            <a:r>
               <a:rPr lang="pt-BR" sz="1800" b="1" dirty="0"/>
-              <a:t>NOME_USUARIO/NOME_IMAGEM </a:t>
+              <a:t> NOME_USUARIO/NOME_IMAGEM </a:t>
             </a:r>
             <a:r>
               <a:rPr lang="pt-BR" sz="1800" dirty="0"/>
-              <a:t>– </a:t>
-            </a:r>
-            <a:r>
-              <a:rPr lang="pt-BR" sz="1800" dirty="0" smtClean="0"/>
-              <a:t>baixa </a:t>
-            </a:r>
-            <a:r>
-              <a:rPr lang="pt-BR" sz="1800" dirty="0"/>
-              <a:t>a imagem criada </a:t>
-            </a:r>
-            <a:r>
-              <a:rPr lang="pt-BR" sz="1800" dirty="0" smtClean="0"/>
-              <a:t>do </a:t>
+              <a:t>– baixa a imagem criada do </a:t>
             </a:r>
             <a:r>
               <a:rPr lang="pt-BR" sz="1800" dirty="0" err="1"/>
@@ -9435,13 +9200,8 @@
             </a:r>
             <a:r>
               <a:rPr lang="pt-BR" sz="1800" dirty="0"/>
-              <a:t> Hub</a:t>
-            </a:r>
-            <a:r>
-              <a:rPr lang="pt-BR" sz="1800" dirty="0" smtClean="0"/>
-              <a:t>.</a:t>
-            </a:r>
-            <a:endParaRPr lang="pt-BR" sz="1800" dirty="0"/>
+              <a:t> Hub.</a:t>
+            </a:r>
           </a:p>
         </p:txBody>
       </p:sp>
@@ -9499,11 +9259,11 @@
           <a:p>
             <a:pPr algn="ctr"/>
             <a:r>
-              <a:rPr lang="pt-BR" sz="2800" b="1" dirty="0" smtClean="0"/>
+              <a:rPr lang="pt-BR" sz="2800" b="1" dirty="0"/>
               <a:t>Redes com </a:t>
             </a:r>
             <a:r>
-              <a:rPr lang="pt-BR" sz="2800" b="1" dirty="0" err="1" smtClean="0"/>
+              <a:rPr lang="pt-BR" sz="2800" b="1" dirty="0" err="1"/>
               <a:t>Docker</a:t>
             </a:r>
             <a:endParaRPr lang="pt-BR" sz="2800" b="1" dirty="0"/>
@@ -9557,26 +9317,25 @@
           <a:lstStyle/>
           <a:p>
             <a:r>
-              <a:rPr lang="pt-BR" sz="2000" dirty="0" smtClean="0"/>
+              <a:rPr lang="pt-BR" sz="2000" dirty="0"/>
               <a:t>Por padrão o </a:t>
             </a:r>
             <a:r>
-              <a:rPr lang="pt-BR" sz="2000" dirty="0" err="1" smtClean="0"/>
+              <a:rPr lang="pt-BR" sz="2000" dirty="0" err="1"/>
               <a:t>Docker</a:t>
             </a:r>
             <a:r>
-              <a:rPr lang="pt-BR" sz="2000" dirty="0" smtClean="0"/>
+              <a:rPr lang="pt-BR" sz="2000" dirty="0"/>
               <a:t> já cria uma </a:t>
             </a:r>
             <a:r>
-              <a:rPr lang="pt-BR" sz="2000" b="1" dirty="0" smtClean="0"/>
+              <a:rPr lang="pt-BR" sz="2000" b="1" dirty="0"/>
               <a:t>default network</a:t>
             </a:r>
             <a:r>
-              <a:rPr lang="pt-BR" sz="2000" dirty="0" smtClean="0"/>
+              <a:rPr lang="pt-BR" sz="2000" dirty="0"/>
               <a:t>.</a:t>
             </a:r>
-            <a:endParaRPr lang="pt-BR" sz="2000" dirty="0"/>
           </a:p>
         </p:txBody>
       </p:sp>
@@ -9885,11 +9644,11 @@
           <a:p>
             <a:pPr algn="ctr"/>
             <a:r>
-              <a:rPr lang="pt-BR" sz="2800" b="1" dirty="0" smtClean="0"/>
+              <a:rPr lang="pt-BR" sz="2800" b="1" dirty="0"/>
               <a:t>Redes com </a:t>
             </a:r>
             <a:r>
-              <a:rPr lang="pt-BR" sz="2800" b="1" dirty="0" err="1" smtClean="0"/>
+              <a:rPr lang="pt-BR" sz="2800" b="1" dirty="0" err="1"/>
               <a:t>Docker</a:t>
             </a:r>
             <a:endParaRPr lang="pt-BR" sz="2800" b="1" dirty="0"/>
@@ -9919,37 +9678,32 @@
           <a:lstStyle/>
           <a:p>
             <a:r>
-              <a:rPr lang="pt-BR" sz="2000" dirty="0" smtClean="0"/>
+              <a:rPr lang="pt-BR" sz="2000" dirty="0"/>
               <a:t>O problema é que o </a:t>
             </a:r>
             <a:r>
-              <a:rPr lang="pt-BR" sz="2000" dirty="0" err="1" smtClean="0"/>
+              <a:rPr lang="pt-BR" sz="2000" dirty="0" err="1"/>
               <a:t>Docker</a:t>
             </a:r>
             <a:r>
-              <a:rPr lang="pt-BR" sz="2000" dirty="0" smtClean="0"/>
-              <a:t> cria um IP dinâmico todas as vezes que você “subir” um container. É Interessante “nomear” sua rede e criar sua própria rede</a:t>
-            </a:r>
-            <a:r>
-              <a:rPr lang="pt-BR" sz="2000" dirty="0" smtClean="0"/>
-              <a:t>.</a:t>
+              <a:rPr lang="pt-BR" sz="2000" dirty="0"/>
+              <a:t> cria um IP dinâmico todas as vezes que você “subir” um container. É Interessante “nomear” sua rede e criar sua própria rede.</a:t>
             </a:r>
           </a:p>
           <a:p>
             <a:pPr lvl="1"/>
             <a:r>
-              <a:rPr lang="pt-BR" sz="1600" dirty="0" smtClean="0"/>
+              <a:rPr lang="pt-BR" sz="1600" dirty="0"/>
               <a:t>P.S. – Só posso efetuar </a:t>
             </a:r>
             <a:r>
-              <a:rPr lang="pt-BR" sz="1600" dirty="0" err="1" smtClean="0"/>
+              <a:rPr lang="pt-BR" sz="1600" dirty="0" err="1"/>
               <a:t>ping</a:t>
             </a:r>
             <a:r>
-              <a:rPr lang="pt-BR" sz="1600" dirty="0" smtClean="0"/>
+              <a:rPr lang="pt-BR" sz="1600" dirty="0"/>
               <a:t> entre containers em redes criadas por mim</a:t>
             </a:r>
-            <a:endParaRPr lang="pt-BR" sz="1600" dirty="0" smtClean="0"/>
           </a:p>
           <a:p>
             <a:endParaRPr lang="pt-BR" sz="2000" dirty="0"/>
@@ -10006,20 +9760,12 @@
               <a:buChar char="Ø"/>
             </a:pPr>
             <a:r>
-              <a:rPr lang="pt-BR" sz="1600" dirty="0" smtClean="0">
+              <a:rPr lang="pt-BR" sz="1600" dirty="0">
                 <a:solidFill>
                   <a:schemeClr val="accent5"/>
                 </a:solidFill>
               </a:rPr>
-              <a:t>C</a:t>
-            </a:r>
-            <a:r>
-              <a:rPr lang="pt-BR" sz="1600" dirty="0">
-                <a:solidFill>
-                  <a:schemeClr val="accent5"/>
-                </a:solidFill>
-              </a:rPr>
-              <a:t>:\&gt;docker network </a:t>
+              <a:t>C:\&gt;docker network </a:t>
             </a:r>
             <a:r>
               <a:rPr lang="pt-BR" sz="1600" dirty="0" err="1">
@@ -10038,108 +9784,60 @@
           <a:p>
             <a:pPr lvl="1"/>
             <a:r>
-              <a:rPr lang="pt-BR" sz="1600" dirty="0">
-                <a:solidFill>
-                  <a:schemeClr val="accent5"/>
-                </a:solidFill>
-              </a:rPr>
+              <a:rPr lang="pt-BR" sz="1600" dirty="0"/>
               <a:t>NETWORK ID          NAME                DRIVER              SCOPE</a:t>
             </a:r>
           </a:p>
           <a:p>
             <a:pPr lvl="1"/>
             <a:r>
-              <a:rPr lang="pt-BR" sz="1600" dirty="0">
-                <a:solidFill>
-                  <a:schemeClr val="accent5"/>
-                </a:solidFill>
-              </a:rPr>
+              <a:rPr lang="pt-BR" sz="1600" dirty="0"/>
               <a:t>65d5d9207ba6        bridge              </a:t>
             </a:r>
             <a:r>
-              <a:rPr lang="pt-BR" sz="1600" dirty="0" err="1">
-                <a:solidFill>
-                  <a:schemeClr val="accent5"/>
-                </a:solidFill>
-              </a:rPr>
+              <a:rPr lang="pt-BR" sz="1600" dirty="0" err="1"/>
               <a:t>bridge</a:t>
             </a:r>
             <a:r>
-              <a:rPr lang="pt-BR" sz="1600" dirty="0">
-                <a:solidFill>
-                  <a:schemeClr val="accent5"/>
-                </a:solidFill>
-              </a:rPr>
+              <a:rPr lang="pt-BR" sz="1600" dirty="0"/>
               <a:t>              local</a:t>
             </a:r>
           </a:p>
           <a:p>
             <a:pPr lvl="1"/>
             <a:r>
-              <a:rPr lang="pt-BR" sz="1600" dirty="0">
-                <a:solidFill>
-                  <a:schemeClr val="accent5"/>
-                </a:solidFill>
-              </a:rPr>
+              <a:rPr lang="pt-BR" sz="1600" dirty="0"/>
               <a:t>da7810516736        host                </a:t>
             </a:r>
             <a:r>
-              <a:rPr lang="pt-BR" sz="1600" dirty="0" err="1">
-                <a:solidFill>
-                  <a:schemeClr val="accent5"/>
-                </a:solidFill>
-              </a:rPr>
+              <a:rPr lang="pt-BR" sz="1600" dirty="0" err="1"/>
               <a:t>host</a:t>
             </a:r>
             <a:r>
-              <a:rPr lang="pt-BR" sz="1600" dirty="0">
-                <a:solidFill>
-                  <a:schemeClr val="accent5"/>
-                </a:solidFill>
-              </a:rPr>
+              <a:rPr lang="pt-BR" sz="1600" dirty="0"/>
               <a:t>                local</a:t>
             </a:r>
           </a:p>
           <a:p>
             <a:pPr lvl="1"/>
             <a:r>
-              <a:rPr lang="pt-BR" sz="1600" dirty="0">
-                <a:solidFill>
-                  <a:schemeClr val="accent5"/>
-                </a:solidFill>
-              </a:rPr>
+              <a:rPr lang="pt-BR" sz="1600" dirty="0"/>
               <a:t>d09a467d9ef4        </a:t>
             </a:r>
             <a:r>
-              <a:rPr lang="pt-BR" sz="1600" dirty="0" err="1">
-                <a:solidFill>
-                  <a:schemeClr val="accent5"/>
-                </a:solidFill>
-              </a:rPr>
+              <a:rPr lang="pt-BR" sz="1600" dirty="0" err="1"/>
               <a:t>none</a:t>
             </a:r>
             <a:r>
-              <a:rPr lang="pt-BR" sz="1600" dirty="0">
-                <a:solidFill>
-                  <a:schemeClr val="accent5"/>
-                </a:solidFill>
-              </a:rPr>
+              <a:rPr lang="pt-BR" sz="1600" dirty="0"/>
               <a:t>                </a:t>
             </a:r>
             <a:r>
-              <a:rPr lang="pt-BR" sz="1600" dirty="0" err="1">
-                <a:solidFill>
-                  <a:schemeClr val="accent5"/>
-                </a:solidFill>
-              </a:rPr>
+              <a:rPr lang="pt-BR" sz="1600" dirty="0" err="1"/>
               <a:t>null</a:t>
             </a:r>
             <a:r>
-              <a:rPr lang="pt-BR" sz="1600" dirty="0">
-                <a:solidFill>
-                  <a:schemeClr val="accent5"/>
-                </a:solidFill>
-              </a:rPr>
+              <a:rPr lang="pt-BR" sz="1600" dirty="0"/>
               <a:t>                local</a:t>
             </a:r>
           </a:p>
@@ -10182,16 +9880,9 @@
             </a:r>
           </a:p>
           <a:p>
-            <a:pPr marL="742950" lvl="1" indent="-285750">
-              <a:buFont typeface="Wingdings" panose="05000000000000000000" pitchFamily="2" charset="2"/>
-              <a:buChar char="Ø"/>
-            </a:pPr>
-            <a:r>
-              <a:rPr lang="pt-BR" sz="1600" dirty="0">
-                <a:solidFill>
-                  <a:schemeClr val="accent5"/>
-                </a:solidFill>
-              </a:rPr>
+            <a:pPr lvl="1"/>
+            <a:r>
+              <a:rPr lang="pt-BR" sz="1600" dirty="0"/>
               <a:t>64e168dcaade06f06e53db5f4e32693fa0cebcdac01a0075e9f5747b404a5594</a:t>
             </a:r>
           </a:p>
@@ -10234,189 +9925,70 @@
             </a:endParaRPr>
           </a:p>
           <a:p>
-            <a:pPr marL="742950" lvl="1" indent="-285750">
-              <a:buFont typeface="Wingdings" panose="05000000000000000000" pitchFamily="2" charset="2"/>
-              <a:buChar char="Ø"/>
-            </a:pPr>
-            <a:r>
-              <a:rPr lang="pt-BR" sz="1600" dirty="0">
-                <a:solidFill>
-                  <a:schemeClr val="accent5"/>
-                </a:solidFill>
-              </a:rPr>
+            <a:pPr lvl="1"/>
+            <a:r>
+              <a:rPr lang="pt-BR" sz="1600" dirty="0"/>
               <a:t>NETWORK ID          NAME                DRIVER              SCOPE</a:t>
             </a:r>
           </a:p>
           <a:p>
-            <a:pPr marL="742950" lvl="1" indent="-285750">
-              <a:buFont typeface="Wingdings" panose="05000000000000000000" pitchFamily="2" charset="2"/>
-              <a:buChar char="Ø"/>
-            </a:pPr>
-            <a:r>
-              <a:rPr lang="pt-BR" sz="1600" dirty="0">
-                <a:solidFill>
-                  <a:schemeClr val="accent5"/>
-                </a:solidFill>
-              </a:rPr>
-              <a:t>65d5d9207ba6        bridge              </a:t>
-            </a:r>
-            <a:r>
-              <a:rPr lang="pt-BR" sz="1600" dirty="0" smtClean="0">
-                <a:solidFill>
-                  <a:schemeClr val="accent5"/>
-                </a:solidFill>
-              </a:rPr>
-              <a:t> </a:t>
-            </a:r>
-            <a:r>
-              <a:rPr lang="pt-BR" sz="1600" dirty="0" err="1" smtClean="0">
-                <a:solidFill>
-                  <a:schemeClr val="accent5"/>
-                </a:solidFill>
-              </a:rPr>
+            <a:pPr lvl="1"/>
+            <a:r>
+              <a:rPr lang="pt-BR" sz="1600" dirty="0"/>
+              <a:t>65d5d9207ba6        bridge               </a:t>
+            </a:r>
+            <a:r>
+              <a:rPr lang="pt-BR" sz="1600" dirty="0" err="1"/>
               <a:t>bridge</a:t>
             </a:r>
             <a:r>
-              <a:rPr lang="pt-BR" sz="1600" dirty="0" smtClean="0">
-                <a:solidFill>
-                  <a:schemeClr val="accent5"/>
-                </a:solidFill>
-              </a:rPr>
-              <a:t>              </a:t>
-            </a:r>
-            <a:r>
-              <a:rPr lang="pt-BR" sz="1600" dirty="0">
-                <a:solidFill>
-                  <a:schemeClr val="accent5"/>
-                </a:solidFill>
-              </a:rPr>
-              <a:t>local</a:t>
-            </a:r>
-          </a:p>
-          <a:p>
-            <a:pPr marL="742950" lvl="1" indent="-285750">
-              <a:buFont typeface="Wingdings" panose="05000000000000000000" pitchFamily="2" charset="2"/>
-              <a:buChar char="Ø"/>
-            </a:pPr>
-            <a:r>
-              <a:rPr lang="pt-BR" sz="1600" dirty="0">
-                <a:solidFill>
-                  <a:schemeClr val="accent5"/>
-                </a:solidFill>
-              </a:rPr>
-              <a:t>da7810516736        host               </a:t>
-            </a:r>
-            <a:r>
-              <a:rPr lang="pt-BR" sz="1600" dirty="0" smtClean="0">
-                <a:solidFill>
-                  <a:schemeClr val="accent5"/>
-                </a:solidFill>
-              </a:rPr>
-              <a:t>    </a:t>
-            </a:r>
-            <a:r>
-              <a:rPr lang="pt-BR" sz="1600" dirty="0" err="1" smtClean="0">
-                <a:solidFill>
-                  <a:schemeClr val="accent5"/>
-                </a:solidFill>
-              </a:rPr>
+              <a:rPr lang="pt-BR" sz="1600" dirty="0"/>
+              <a:t>              local</a:t>
+            </a:r>
+          </a:p>
+          <a:p>
+            <a:pPr lvl="1"/>
+            <a:r>
+              <a:rPr lang="pt-BR" sz="1600" dirty="0"/>
+              <a:t>da7810516736        host                   </a:t>
+            </a:r>
+            <a:r>
+              <a:rPr lang="pt-BR" sz="1600" dirty="0" err="1"/>
               <a:t>host</a:t>
             </a:r>
             <a:r>
-              <a:rPr lang="pt-BR" sz="1600" dirty="0" smtClean="0">
-                <a:solidFill>
-                  <a:schemeClr val="accent5"/>
-                </a:solidFill>
-              </a:rPr>
-              <a:t>                </a:t>
-            </a:r>
-            <a:r>
-              <a:rPr lang="pt-BR" sz="1600" dirty="0">
-                <a:solidFill>
-                  <a:schemeClr val="accent5"/>
-                </a:solidFill>
-              </a:rPr>
-              <a:t>local</a:t>
-            </a:r>
-          </a:p>
-          <a:p>
-            <a:pPr marL="742950" lvl="1" indent="-285750">
-              <a:buFont typeface="Wingdings" panose="05000000000000000000" pitchFamily="2" charset="2"/>
-              <a:buChar char="Ø"/>
-            </a:pPr>
-            <a:r>
               <a:rPr lang="pt-BR" sz="1600" dirty="0"/>
-              <a:t>64e168dcaade        minha-rede      </a:t>
-            </a:r>
-            <a:r>
-              <a:rPr lang="pt-BR" sz="1600" dirty="0" smtClean="0"/>
-              <a:t> bridge              </a:t>
-            </a:r>
+              <a:t>                local</a:t>
+            </a:r>
+          </a:p>
+          <a:p>
+            <a:pPr lvl="1"/>
             <a:r>
               <a:rPr lang="pt-BR" sz="1600" dirty="0"/>
-              <a:t>local</a:t>
-            </a:r>
-          </a:p>
-          <a:p>
-            <a:pPr marL="742950" lvl="1" indent="-285750">
-              <a:buFont typeface="Wingdings" panose="05000000000000000000" pitchFamily="2" charset="2"/>
-              <a:buChar char="Ø"/>
-            </a:pPr>
-            <a:r>
-              <a:rPr lang="pt-BR" sz="1600" dirty="0">
-                <a:solidFill>
-                  <a:schemeClr val="accent5"/>
-                </a:solidFill>
-              </a:rPr>
+              <a:t>64e168dcaade        minha-rede       bridge              local</a:t>
+            </a:r>
+          </a:p>
+          <a:p>
+            <a:pPr lvl="1"/>
+            <a:r>
+              <a:rPr lang="pt-BR" sz="1600" dirty="0"/>
               <a:t>d09a467d9ef4        </a:t>
             </a:r>
             <a:r>
-              <a:rPr lang="pt-BR" sz="1600" dirty="0" err="1">
-                <a:solidFill>
-                  <a:schemeClr val="accent5"/>
-                </a:solidFill>
-              </a:rPr>
+              <a:rPr lang="pt-BR" sz="1600" dirty="0" err="1"/>
               <a:t>none</a:t>
             </a:r>
             <a:r>
-              <a:rPr lang="pt-BR" sz="1600" dirty="0">
-                <a:solidFill>
-                  <a:schemeClr val="accent5"/>
-                </a:solidFill>
-              </a:rPr>
-              <a:t>                </a:t>
-            </a:r>
-            <a:r>
-              <a:rPr lang="pt-BR" sz="1600" dirty="0" smtClean="0">
-                <a:solidFill>
-                  <a:schemeClr val="accent5"/>
-                </a:solidFill>
-              </a:rPr>
-              <a:t>    </a:t>
-            </a:r>
-            <a:r>
-              <a:rPr lang="pt-BR" sz="1600" dirty="0" err="1" smtClean="0">
-                <a:solidFill>
-                  <a:schemeClr val="accent5"/>
-                </a:solidFill>
-              </a:rPr>
+              <a:rPr lang="pt-BR" sz="1600" dirty="0"/>
+              <a:t>                    </a:t>
+            </a:r>
+            <a:r>
+              <a:rPr lang="pt-BR" sz="1600" dirty="0" err="1"/>
               <a:t>null</a:t>
             </a:r>
             <a:r>
-              <a:rPr lang="pt-BR" sz="1600" dirty="0" smtClean="0">
-                <a:solidFill>
-                  <a:schemeClr val="accent5"/>
-                </a:solidFill>
-              </a:rPr>
-              <a:t>                </a:t>
-            </a:r>
-            <a:r>
-              <a:rPr lang="pt-BR" sz="1600" dirty="0">
-                <a:solidFill>
-                  <a:schemeClr val="accent5"/>
-                </a:solidFill>
-              </a:rPr>
-              <a:t>local</a:t>
+              <a:rPr lang="pt-BR" sz="1600" dirty="0"/>
+              <a:t>                local</a:t>
             </a:r>
           </a:p>
           <a:p>
@@ -10441,7 +10013,7 @@
                   <a:schemeClr val="accent5"/>
                 </a:solidFill>
               </a:rPr>
-              <a:t>C:\Users\cyft&gt;</a:t>
+              <a:t>C:\&gt;</a:t>
             </a:r>
             <a:endParaRPr lang="pt-BR" sz="2000" dirty="0"/>
           </a:p>
@@ -10501,11 +10073,11 @@
           <a:p>
             <a:pPr algn="ctr"/>
             <a:r>
-              <a:rPr lang="pt-BR" sz="2800" b="1" dirty="0" smtClean="0"/>
+              <a:rPr lang="pt-BR" sz="2800" b="1" dirty="0"/>
               <a:t>Redes com </a:t>
             </a:r>
             <a:r>
-              <a:rPr lang="pt-BR" sz="2800" b="1" dirty="0" err="1" smtClean="0"/>
+              <a:rPr lang="pt-BR" sz="2800" b="1" dirty="0" err="1"/>
               <a:t>Docker</a:t>
             </a:r>
             <a:endParaRPr lang="pt-BR" sz="2800" b="1" dirty="0"/>
@@ -10524,509 +10096,636 @@
         </p:nvSpPr>
         <p:spPr>
           <a:xfrm>
-            <a:off x="480472" y="644715"/>
-            <a:ext cx="11222470" cy="5943371"/>
+            <a:off x="325677" y="545563"/>
+            <a:ext cx="11252005" cy="5943371"/>
           </a:xfrm>
         </p:spPr>
         <p:txBody>
           <a:bodyPr>
-            <a:normAutofit fontScale="92500" lnSpcReduction="10000"/>
+            <a:normAutofit/>
           </a:bodyPr>
           <a:lstStyle/>
           <a:p>
             <a:r>
-              <a:rPr lang="pt-BR" sz="1600" dirty="0" smtClean="0"/>
+              <a:rPr lang="pt-BR" sz="1700" dirty="0"/>
               <a:t>Quando você disponibilizar uma aplicação pelo </a:t>
             </a:r>
             <a:r>
-              <a:rPr lang="pt-BR" sz="1600" dirty="0" err="1" smtClean="0"/>
+              <a:rPr lang="pt-BR" sz="1700" dirty="0" err="1"/>
               <a:t>Docker</a:t>
             </a:r>
             <a:r>
-              <a:rPr lang="pt-BR" sz="1600" dirty="0" smtClean="0"/>
-              <a:t> é interessante que você coloque os containers na mesma </a:t>
-            </a:r>
-            <a:r>
-              <a:rPr lang="pt-BR" sz="1600" dirty="0" smtClean="0"/>
-              <a:t>rede, através </a:t>
-            </a:r>
-            <a:r>
-              <a:rPr lang="pt-BR" sz="1600" dirty="0"/>
-              <a:t>da </a:t>
-            </a:r>
-            <a:r>
-              <a:rPr lang="pt-BR" sz="1600" dirty="0" err="1"/>
+              <a:rPr lang="pt-BR" sz="1700" dirty="0"/>
+              <a:t> é interessante que você coloque os containers na mesma rede, através da </a:t>
+            </a:r>
+            <a:r>
+              <a:rPr lang="pt-BR" sz="1700" dirty="0" err="1"/>
               <a:t>flag</a:t>
             </a:r>
             <a:r>
-              <a:rPr lang="pt-BR" sz="1600" dirty="0"/>
+              <a:rPr lang="pt-BR" sz="1700" dirty="0"/>
               <a:t> </a:t>
             </a:r>
             <a:r>
-              <a:rPr lang="pt-BR" sz="1600" b="1" dirty="0" smtClean="0"/>
+              <a:rPr lang="pt-BR" sz="1700" b="1" dirty="0"/>
               <a:t>--network</a:t>
             </a:r>
             <a:r>
-              <a:rPr lang="pt-BR" sz="1600" dirty="0"/>
+              <a:rPr lang="pt-BR" sz="1700" dirty="0"/>
               <a:t>. </a:t>
             </a:r>
           </a:p>
           <a:p>
-            <a:pPr marL="0" indent="0">
+            <a:endParaRPr lang="pt-BR" sz="1700" dirty="0"/>
+          </a:p>
+          <a:p>
+            <a:pPr marL="742950" lvl="1" indent="-285750">
+              <a:buFont typeface="Wingdings" panose="05000000000000000000" pitchFamily="2" charset="2"/>
+              <a:buChar char="Ø"/>
+            </a:pPr>
+            <a:r>
+              <a:rPr lang="pt-BR" sz="1700" dirty="0" err="1">
+                <a:solidFill>
+                  <a:schemeClr val="accent5"/>
+                </a:solidFill>
+              </a:rPr>
+              <a:t>docker</a:t>
+            </a:r>
+            <a:r>
+              <a:rPr lang="pt-BR" sz="1700" dirty="0">
+                <a:solidFill>
+                  <a:schemeClr val="accent5"/>
+                </a:solidFill>
+              </a:rPr>
+              <a:t> </a:t>
+            </a:r>
+            <a:r>
+              <a:rPr lang="pt-BR" sz="1700" dirty="0" err="1">
+                <a:solidFill>
+                  <a:schemeClr val="accent5"/>
+                </a:solidFill>
+              </a:rPr>
+              <a:t>run</a:t>
+            </a:r>
+            <a:r>
+              <a:rPr lang="pt-BR" sz="1700" dirty="0">
+                <a:solidFill>
+                  <a:schemeClr val="accent5"/>
+                </a:solidFill>
+              </a:rPr>
+              <a:t> -it --</a:t>
+            </a:r>
+            <a:r>
+              <a:rPr lang="pt-BR" sz="1700" dirty="0" err="1">
+                <a:solidFill>
+                  <a:schemeClr val="accent5"/>
+                </a:solidFill>
+              </a:rPr>
+              <a:t>name</a:t>
+            </a:r>
+            <a:r>
+              <a:rPr lang="pt-BR" sz="1700" dirty="0">
+                <a:solidFill>
+                  <a:schemeClr val="accent5"/>
+                </a:solidFill>
+              </a:rPr>
+              <a:t> meu-container-de-</a:t>
+            </a:r>
+            <a:r>
+              <a:rPr lang="pt-BR" sz="1700" dirty="0" err="1">
+                <a:solidFill>
+                  <a:schemeClr val="accent5"/>
+                </a:solidFill>
+              </a:rPr>
+              <a:t>ubuntu</a:t>
+            </a:r>
+            <a:r>
+              <a:rPr lang="pt-BR" sz="1700" dirty="0">
+                <a:solidFill>
+                  <a:schemeClr val="accent5"/>
+                </a:solidFill>
+              </a:rPr>
+              <a:t> --network minha-rede </a:t>
+            </a:r>
+            <a:r>
+              <a:rPr lang="pt-BR" sz="1700" dirty="0" err="1">
+                <a:solidFill>
+                  <a:schemeClr val="accent5"/>
+                </a:solidFill>
+              </a:rPr>
+              <a:t>ubuntu</a:t>
+            </a:r>
+            <a:endParaRPr lang="pt-BR" sz="1700" dirty="0">
+              <a:solidFill>
+                <a:schemeClr val="accent5"/>
+              </a:solidFill>
+            </a:endParaRPr>
+          </a:p>
+          <a:p>
+            <a:pPr marL="742950" lvl="1" indent="-285750">
+              <a:buFont typeface="Wingdings" panose="05000000000000000000" pitchFamily="2" charset="2"/>
+              <a:buChar char="Ø"/>
+            </a:pPr>
+            <a:endParaRPr lang="pt-BR" sz="1700" dirty="0">
+              <a:solidFill>
+                <a:schemeClr val="accent5"/>
+              </a:solidFill>
+            </a:endParaRPr>
+          </a:p>
+          <a:p>
+            <a:r>
+              <a:rPr lang="pt-BR" sz="1700" dirty="0"/>
+              <a:t>Agora, se executarmos o comando </a:t>
+            </a:r>
+            <a:r>
+              <a:rPr lang="pt-BR" sz="1700" b="1" dirty="0" err="1"/>
+              <a:t>docker</a:t>
+            </a:r>
+            <a:r>
+              <a:rPr lang="pt-BR" sz="1700" b="1" dirty="0"/>
+              <a:t> </a:t>
+            </a:r>
+            <a:r>
+              <a:rPr lang="pt-BR" sz="1700" b="1" dirty="0" err="1"/>
+              <a:t>inspect</a:t>
+            </a:r>
+            <a:r>
+              <a:rPr lang="pt-BR" sz="1700" b="1" dirty="0"/>
+              <a:t> meu-container-de-</a:t>
+            </a:r>
+            <a:r>
+              <a:rPr lang="pt-BR" sz="1700" b="1" dirty="0" err="1"/>
+              <a:t>ubuntu</a:t>
+            </a:r>
+            <a:r>
+              <a:rPr lang="pt-BR" sz="1700" dirty="0"/>
+              <a:t>, podemos ver em </a:t>
+            </a:r>
+            <a:r>
+              <a:rPr lang="pt-BR" sz="1700" b="1" dirty="0" err="1"/>
+              <a:t>NetworkSettings</a:t>
+            </a:r>
+            <a:r>
+              <a:rPr lang="pt-BR" sz="1700" dirty="0"/>
+              <a:t> o container está na rede </a:t>
+            </a:r>
+            <a:r>
+              <a:rPr lang="pt-BR" sz="1700" b="1" dirty="0"/>
+              <a:t>minha-rede</a:t>
+            </a:r>
+            <a:r>
+              <a:rPr lang="pt-BR" sz="1700" dirty="0"/>
+              <a:t>. E para testar a comunicação entre os containers na nossa rede, vamos abrir outro terminal e criar um segundo container:</a:t>
+            </a:r>
+          </a:p>
+          <a:p>
+            <a:endParaRPr lang="pt-BR" sz="1700" dirty="0"/>
+          </a:p>
+          <a:p>
+            <a:pPr marL="742950" lvl="1" indent="-285750">
+              <a:buFont typeface="Wingdings" panose="05000000000000000000" pitchFamily="2" charset="2"/>
+              <a:buChar char="Ø"/>
+            </a:pPr>
+            <a:r>
+              <a:rPr lang="pt-BR" sz="1700" dirty="0" err="1">
+                <a:solidFill>
+                  <a:schemeClr val="accent5"/>
+                </a:solidFill>
+              </a:rPr>
+              <a:t>docker</a:t>
+            </a:r>
+            <a:r>
+              <a:rPr lang="pt-BR" sz="1700" dirty="0">
+                <a:solidFill>
+                  <a:schemeClr val="accent5"/>
+                </a:solidFill>
+              </a:rPr>
+              <a:t> </a:t>
+            </a:r>
+            <a:r>
+              <a:rPr lang="pt-BR" sz="1700" dirty="0" err="1">
+                <a:solidFill>
+                  <a:schemeClr val="accent5"/>
+                </a:solidFill>
+              </a:rPr>
+              <a:t>run</a:t>
+            </a:r>
+            <a:r>
+              <a:rPr lang="pt-BR" sz="1700" dirty="0">
+                <a:solidFill>
+                  <a:schemeClr val="accent5"/>
+                </a:solidFill>
+              </a:rPr>
+              <a:t> -it --</a:t>
+            </a:r>
+            <a:r>
+              <a:rPr lang="pt-BR" sz="1700" dirty="0" err="1">
+                <a:solidFill>
+                  <a:schemeClr val="accent5"/>
+                </a:solidFill>
+              </a:rPr>
+              <a:t>name</a:t>
+            </a:r>
+            <a:r>
+              <a:rPr lang="pt-BR" sz="1700" dirty="0">
+                <a:solidFill>
+                  <a:schemeClr val="accent5"/>
+                </a:solidFill>
+              </a:rPr>
+              <a:t> segundo-</a:t>
+            </a:r>
+            <a:r>
+              <a:rPr lang="pt-BR" sz="1700" dirty="0" err="1">
+                <a:solidFill>
+                  <a:schemeClr val="accent5"/>
+                </a:solidFill>
+              </a:rPr>
+              <a:t>ubuntu</a:t>
+            </a:r>
+            <a:r>
+              <a:rPr lang="pt-BR" sz="1700" dirty="0">
+                <a:solidFill>
+                  <a:schemeClr val="accent5"/>
+                </a:solidFill>
+              </a:rPr>
+              <a:t> --network minha-rede </a:t>
+            </a:r>
+            <a:r>
+              <a:rPr lang="pt-BR" sz="1700" dirty="0" err="1">
+                <a:solidFill>
+                  <a:schemeClr val="accent5"/>
+                </a:solidFill>
+              </a:rPr>
+              <a:t>ubuntu</a:t>
+            </a:r>
+            <a:endParaRPr lang="pt-BR" sz="1700" dirty="0">
+              <a:solidFill>
+                <a:schemeClr val="accent5"/>
+              </a:solidFill>
+            </a:endParaRPr>
+          </a:p>
+          <a:p>
+            <a:r>
+              <a:rPr lang="pt-BR" sz="1700" dirty="0"/>
+              <a:t>Agora, no segundo-</a:t>
+            </a:r>
+            <a:r>
+              <a:rPr lang="pt-BR" sz="1700" dirty="0" err="1"/>
+              <a:t>ubuntu</a:t>
+            </a:r>
+            <a:r>
+              <a:rPr lang="pt-BR" sz="1700" dirty="0"/>
+              <a:t>, instalamos o </a:t>
+            </a:r>
+            <a:r>
+              <a:rPr lang="pt-BR" sz="1700" dirty="0" err="1"/>
+              <a:t>ping</a:t>
+            </a:r>
+            <a:r>
+              <a:rPr lang="pt-BR" sz="1700" dirty="0"/>
+              <a:t> e testamos a comunicação com o meu-container-de-</a:t>
+            </a:r>
+            <a:r>
+              <a:rPr lang="pt-BR" sz="1700" dirty="0" err="1"/>
+              <a:t>ubuntu</a:t>
+            </a:r>
+            <a:r>
+              <a:rPr lang="pt-BR" sz="1700" dirty="0"/>
+              <a:t>:</a:t>
+            </a:r>
+          </a:p>
+          <a:p>
+            <a:endParaRPr lang="pt-BR" sz="1600" dirty="0"/>
+          </a:p>
+          <a:p>
+            <a:pPr marL="742950" lvl="1" indent="-285750">
+              <a:buFont typeface="Wingdings" panose="05000000000000000000" pitchFamily="2" charset="2"/>
+              <a:buChar char="Ø"/>
+            </a:pPr>
+            <a:r>
+              <a:rPr lang="pt-BR" sz="1700" dirty="0">
+                <a:solidFill>
+                  <a:schemeClr val="accent5"/>
+                </a:solidFill>
+              </a:rPr>
+              <a:t>root@00f93075d079:/# </a:t>
+            </a:r>
+            <a:r>
+              <a:rPr lang="pt-BR" sz="1700" dirty="0" err="1">
+                <a:solidFill>
+                  <a:schemeClr val="accent5"/>
+                </a:solidFill>
+              </a:rPr>
+              <a:t>ping</a:t>
+            </a:r>
+            <a:r>
+              <a:rPr lang="pt-BR" sz="1700" dirty="0">
+                <a:solidFill>
+                  <a:schemeClr val="accent5"/>
+                </a:solidFill>
+              </a:rPr>
+              <a:t> meu-container-de-</a:t>
+            </a:r>
+            <a:r>
+              <a:rPr lang="pt-BR" sz="1700" dirty="0" err="1">
+                <a:solidFill>
+                  <a:schemeClr val="accent5"/>
+                </a:solidFill>
+              </a:rPr>
+              <a:t>ubuntu</a:t>
+            </a:r>
+            <a:endParaRPr lang="pt-BR" sz="1700" dirty="0">
+              <a:solidFill>
+                <a:schemeClr val="accent5"/>
+              </a:solidFill>
+            </a:endParaRPr>
+          </a:p>
+          <a:p>
+            <a:pPr marL="457200" lvl="1" indent="0">
               <a:buNone/>
             </a:pPr>
             <a:r>
-              <a:rPr lang="pt-BR" sz="1600" dirty="0" err="1"/>
-              <a:t>docker</a:t>
-            </a:r>
-            <a:r>
-              <a:rPr lang="pt-BR" sz="1600" dirty="0"/>
+              <a:rPr lang="pt-BR" sz="1400" dirty="0"/>
+              <a:t>PING meu-container-de-</a:t>
+            </a:r>
+            <a:r>
+              <a:rPr lang="pt-BR" sz="1400" dirty="0" err="1"/>
+              <a:t>ubuntu</a:t>
+            </a:r>
+            <a:r>
+              <a:rPr lang="pt-BR" sz="1400" dirty="0"/>
+              <a:t> (172.18.0.2) 56(84) bytes </a:t>
+            </a:r>
+            <a:r>
+              <a:rPr lang="pt-BR" sz="1400" dirty="0" err="1"/>
+              <a:t>of</a:t>
+            </a:r>
+            <a:r>
+              <a:rPr lang="pt-BR" sz="1400" dirty="0"/>
+              <a:t> data.</a:t>
+            </a:r>
+          </a:p>
+          <a:p>
+            <a:pPr marL="457200" lvl="1" indent="0">
+              <a:buNone/>
+            </a:pPr>
+            <a:r>
+              <a:rPr lang="pt-BR" sz="1400" dirty="0"/>
+              <a:t>64 bytes </a:t>
+            </a:r>
+            <a:r>
+              <a:rPr lang="pt-BR" sz="1400" dirty="0" err="1"/>
+              <a:t>from</a:t>
+            </a:r>
+            <a:r>
+              <a:rPr lang="pt-BR" sz="1400" dirty="0"/>
+              <a:t> meu-container-de-</a:t>
+            </a:r>
+            <a:r>
+              <a:rPr lang="pt-BR" sz="1400" dirty="0" err="1"/>
+              <a:t>ubuntu.minha</a:t>
+            </a:r>
+            <a:r>
+              <a:rPr lang="pt-BR" sz="1400" dirty="0"/>
+              <a:t>-rede (172.18.0.2): </a:t>
+            </a:r>
+            <a:r>
+              <a:rPr lang="pt-BR" sz="1400" dirty="0" err="1"/>
+              <a:t>icmp_seq</a:t>
+            </a:r>
+            <a:r>
+              <a:rPr lang="pt-BR" sz="1400" dirty="0"/>
+              <a:t>=1 </a:t>
+            </a:r>
+            <a:r>
+              <a:rPr lang="pt-BR" sz="1400" dirty="0" err="1"/>
+              <a:t>ttl</a:t>
+            </a:r>
+            <a:r>
+              <a:rPr lang="pt-BR" sz="1400" dirty="0"/>
+              <a:t>=64 time=0.210 </a:t>
+            </a:r>
+            <a:r>
+              <a:rPr lang="pt-BR" sz="1400" dirty="0" err="1"/>
+              <a:t>ms</a:t>
+            </a:r>
+            <a:endParaRPr lang="pt-BR" sz="1400" dirty="0"/>
+          </a:p>
+          <a:p>
+            <a:pPr marL="457200" lvl="1" indent="0">
+              <a:buNone/>
+            </a:pPr>
+            <a:r>
+              <a:rPr lang="pt-BR" sz="1400" dirty="0"/>
+              <a:t>64 bytes </a:t>
+            </a:r>
+            <a:r>
+              <a:rPr lang="pt-BR" sz="1400" dirty="0" err="1"/>
+              <a:t>from</a:t>
+            </a:r>
+            <a:r>
+              <a:rPr lang="pt-BR" sz="1400" dirty="0"/>
+              <a:t> meu-container-de-</a:t>
+            </a:r>
+            <a:r>
+              <a:rPr lang="pt-BR" sz="1400" dirty="0" err="1"/>
+              <a:t>ubuntu.minha</a:t>
+            </a:r>
+            <a:r>
+              <a:rPr lang="pt-BR" sz="1400" dirty="0"/>
+              <a:t>-rede (172.18.0.2): </a:t>
+            </a:r>
+            <a:r>
+              <a:rPr lang="pt-BR" sz="1400" dirty="0" err="1"/>
+              <a:t>icmp_seq</a:t>
+            </a:r>
+            <a:r>
+              <a:rPr lang="pt-BR" sz="1400" dirty="0"/>
+              <a:t>=2 </a:t>
+            </a:r>
+            <a:r>
+              <a:rPr lang="pt-BR" sz="1400" dirty="0" err="1"/>
+              <a:t>ttl</a:t>
+            </a:r>
+            <a:r>
+              <a:rPr lang="pt-BR" sz="1400" dirty="0"/>
+              <a:t>=64 time=0.148 </a:t>
+            </a:r>
+            <a:r>
+              <a:rPr lang="pt-BR" sz="1400" dirty="0" err="1"/>
+              <a:t>ms</a:t>
+            </a:r>
+            <a:endParaRPr lang="pt-BR" sz="1400" dirty="0"/>
+          </a:p>
+          <a:p>
+            <a:pPr marL="457200" lvl="1" indent="0">
+              <a:buNone/>
+            </a:pPr>
+            <a:r>
+              <a:rPr lang="pt-BR" sz="1400" dirty="0"/>
+              <a:t>64 bytes </a:t>
+            </a:r>
+            <a:r>
+              <a:rPr lang="pt-BR" sz="1400" dirty="0" err="1"/>
+              <a:t>from</a:t>
+            </a:r>
+            <a:r>
+              <a:rPr lang="pt-BR" sz="1400" dirty="0"/>
+              <a:t> meu-container-de-</a:t>
+            </a:r>
+            <a:r>
+              <a:rPr lang="pt-BR" sz="1400" dirty="0" err="1"/>
+              <a:t>ubuntu.minha</a:t>
+            </a:r>
+            <a:r>
+              <a:rPr lang="pt-BR" sz="1400" dirty="0"/>
+              <a:t>-rede (172.18.0.2): </a:t>
+            </a:r>
+            <a:r>
+              <a:rPr lang="pt-BR" sz="1400" dirty="0" err="1"/>
+              <a:t>icmp_seq</a:t>
+            </a:r>
+            <a:r>
+              <a:rPr lang="pt-BR" sz="1400" dirty="0"/>
+              <a:t>=3 </a:t>
+            </a:r>
+            <a:r>
+              <a:rPr lang="pt-BR" sz="1400" dirty="0" err="1"/>
+              <a:t>ttl</a:t>
+            </a:r>
+            <a:r>
+              <a:rPr lang="pt-BR" sz="1400" dirty="0"/>
+              <a:t>=64 time=0.138 </a:t>
+            </a:r>
+            <a:r>
+              <a:rPr lang="pt-BR" sz="1400" dirty="0" err="1"/>
+              <a:t>ms</a:t>
+            </a:r>
+            <a:endParaRPr lang="pt-BR" sz="1400" dirty="0"/>
+          </a:p>
+          <a:p>
+            <a:pPr marL="457200" lvl="1" indent="0">
+              <a:buNone/>
+            </a:pPr>
+            <a:r>
+              <a:rPr lang="pt-BR" sz="1400" dirty="0"/>
+              <a:t>--- meu-container-de-</a:t>
+            </a:r>
+            <a:r>
+              <a:rPr lang="pt-BR" sz="1400" dirty="0" err="1"/>
+              <a:t>ubuntu</a:t>
+            </a:r>
+            <a:r>
+              <a:rPr lang="pt-BR" sz="1400" dirty="0"/>
               <a:t> </a:t>
             </a:r>
             <a:r>
-              <a:rPr lang="pt-BR" sz="1600" dirty="0" err="1"/>
-              <a:t>run</a:t>
-            </a:r>
-            <a:r>
-              <a:rPr lang="pt-BR" sz="1600" dirty="0"/>
-              <a:t> -it --</a:t>
-            </a:r>
-            <a:r>
-              <a:rPr lang="pt-BR" sz="1600" dirty="0" err="1"/>
-              <a:t>name</a:t>
-            </a:r>
-            <a:r>
-              <a:rPr lang="pt-BR" sz="1600" dirty="0"/>
-              <a:t> meu-container-de-</a:t>
-            </a:r>
-            <a:r>
-              <a:rPr lang="pt-BR" sz="1600" dirty="0" err="1"/>
-              <a:t>ubuntu</a:t>
-            </a:r>
-            <a:r>
-              <a:rPr lang="pt-BR" sz="1600" dirty="0"/>
-              <a:t> --network minha-rede </a:t>
-            </a:r>
-            <a:r>
-              <a:rPr lang="pt-BR" sz="1600" dirty="0" err="1"/>
-              <a:t>ubuntu</a:t>
-            </a:r>
-            <a:endParaRPr lang="pt-BR" sz="1600" dirty="0"/>
-          </a:p>
-          <a:p>
-            <a:endParaRPr lang="pt-BR" sz="1600" dirty="0" smtClean="0"/>
-          </a:p>
-          <a:p>
-            <a:r>
-              <a:rPr lang="pt-BR" sz="1600" dirty="0" smtClean="0"/>
-              <a:t>Agora</a:t>
-            </a:r>
-            <a:r>
-              <a:rPr lang="pt-BR" sz="1600" dirty="0"/>
-              <a:t>, se executarmos o </a:t>
-            </a:r>
-            <a:r>
-              <a:rPr lang="pt-BR" sz="1600" dirty="0" smtClean="0"/>
-              <a:t>comando </a:t>
-            </a:r>
-            <a:r>
-              <a:rPr lang="pt-BR" sz="1600" b="1" dirty="0" err="1" smtClean="0"/>
-              <a:t>docker</a:t>
-            </a:r>
-            <a:r>
-              <a:rPr lang="pt-BR" sz="1600" b="1" dirty="0" smtClean="0"/>
+              <a:rPr lang="pt-BR" sz="1400" dirty="0" err="1"/>
+              <a:t>ping</a:t>
+            </a:r>
+            <a:r>
+              <a:rPr lang="pt-BR" sz="1400" dirty="0"/>
               <a:t> </a:t>
             </a:r>
             <a:r>
-              <a:rPr lang="pt-BR" sz="1600" b="1" dirty="0" err="1" smtClean="0"/>
-              <a:t>inspect</a:t>
-            </a:r>
-            <a:r>
-              <a:rPr lang="pt-BR" sz="1600" b="1" dirty="0" smtClean="0"/>
-              <a:t> meu-container-de-</a:t>
-            </a:r>
-            <a:r>
-              <a:rPr lang="pt-BR" sz="1600" b="1" dirty="0" err="1" smtClean="0"/>
-              <a:t>ubuntu</a:t>
-            </a:r>
-            <a:r>
-              <a:rPr lang="pt-BR" sz="1600" dirty="0"/>
-              <a:t>, podemos ver em </a:t>
-            </a:r>
-            <a:r>
-              <a:rPr lang="pt-BR" sz="1600" b="1" dirty="0" err="1"/>
-              <a:t>NetworkSettings</a:t>
-            </a:r>
-            <a:r>
-              <a:rPr lang="pt-BR" sz="1600" dirty="0"/>
-              <a:t> o container está na rede minha-rede. E para testar a comunicação entre os containers na nossa rede, vamos abrir outro terminal e criar um segundo container:</a:t>
-            </a:r>
-          </a:p>
-          <a:p>
-            <a:endParaRPr lang="pt-BR" sz="1600" dirty="0"/>
-          </a:p>
-          <a:p>
-            <a:r>
-              <a:rPr lang="pt-BR" sz="1600" dirty="0" err="1"/>
-              <a:t>docker</a:t>
-            </a:r>
-            <a:r>
-              <a:rPr lang="pt-BR" sz="1600" dirty="0"/>
+              <a:rPr lang="pt-BR" sz="1400" dirty="0" err="1"/>
+              <a:t>statistics</a:t>
+            </a:r>
+            <a:r>
+              <a:rPr lang="pt-BR" sz="1400" dirty="0"/>
+              <a:t> ---</a:t>
+            </a:r>
+          </a:p>
+          <a:p>
+            <a:pPr marL="457200" lvl="1" indent="0">
+              <a:buNone/>
+            </a:pPr>
+            <a:r>
+              <a:rPr lang="pt-BR" sz="1400" dirty="0"/>
+              <a:t>3 </a:t>
+            </a:r>
+            <a:r>
+              <a:rPr lang="pt-BR" sz="1400" dirty="0" err="1"/>
+              <a:t>packets</a:t>
+            </a:r>
+            <a:r>
+              <a:rPr lang="pt-BR" sz="1400" dirty="0"/>
               <a:t> </a:t>
             </a:r>
             <a:r>
-              <a:rPr lang="pt-BR" sz="1600" dirty="0" err="1"/>
-              <a:t>run</a:t>
-            </a:r>
-            <a:r>
-              <a:rPr lang="pt-BR" sz="1600" dirty="0"/>
-              <a:t> -it --</a:t>
-            </a:r>
-            <a:r>
-              <a:rPr lang="pt-BR" sz="1600" dirty="0" err="1"/>
-              <a:t>name</a:t>
-            </a:r>
-            <a:r>
-              <a:rPr lang="pt-BR" sz="1600" dirty="0"/>
-              <a:t> segundo-</a:t>
-            </a:r>
-            <a:r>
-              <a:rPr lang="pt-BR" sz="1600" dirty="0" err="1"/>
-              <a:t>ubuntu</a:t>
-            </a:r>
-            <a:r>
-              <a:rPr lang="pt-BR" sz="1600" dirty="0"/>
-              <a:t> --network minha-rede </a:t>
-            </a:r>
-            <a:r>
-              <a:rPr lang="pt-BR" sz="1600" dirty="0" err="1"/>
-              <a:t>ubuntu</a:t>
-            </a:r>
-            <a:endParaRPr lang="pt-BR" sz="1600" dirty="0"/>
-          </a:p>
-          <a:p>
-            <a:r>
-              <a:rPr lang="pt-BR" sz="1600" dirty="0"/>
-              <a:t>Agora, no segundo-</a:t>
-            </a:r>
-            <a:r>
-              <a:rPr lang="pt-BR" sz="1600" dirty="0" err="1"/>
-              <a:t>ubuntu</a:t>
-            </a:r>
-            <a:r>
-              <a:rPr lang="pt-BR" sz="1600" dirty="0"/>
-              <a:t>, instalamos o </a:t>
-            </a:r>
-            <a:r>
-              <a:rPr lang="pt-BR" sz="1600" dirty="0" err="1"/>
-              <a:t>ping</a:t>
-            </a:r>
-            <a:r>
-              <a:rPr lang="pt-BR" sz="1600" dirty="0"/>
-              <a:t> e testamos a comunicação com o meu-container-de-</a:t>
-            </a:r>
-            <a:r>
-              <a:rPr lang="pt-BR" sz="1600" dirty="0" err="1"/>
-              <a:t>ubuntu</a:t>
-            </a:r>
-            <a:r>
-              <a:rPr lang="pt-BR" sz="1600" dirty="0"/>
-              <a:t>:</a:t>
-            </a:r>
-          </a:p>
-          <a:p>
-            <a:endParaRPr lang="pt-BR" sz="1600" dirty="0"/>
-          </a:p>
-          <a:p>
-            <a:r>
-              <a:rPr lang="pt-BR" sz="1600" dirty="0"/>
-              <a:t>root@00f93075d079:/# </a:t>
-            </a:r>
-            <a:r>
-              <a:rPr lang="pt-BR" sz="1600" dirty="0" err="1"/>
-              <a:t>ping</a:t>
-            </a:r>
-            <a:r>
-              <a:rPr lang="pt-BR" sz="1600" dirty="0"/>
-              <a:t> meu-container-de-</a:t>
-            </a:r>
-            <a:r>
-              <a:rPr lang="pt-BR" sz="1600" dirty="0" err="1"/>
-              <a:t>ubuntu</a:t>
-            </a:r>
-            <a:endParaRPr lang="pt-BR" sz="1600" dirty="0"/>
-          </a:p>
-          <a:p>
-            <a:r>
-              <a:rPr lang="pt-BR" sz="1600" dirty="0"/>
-              <a:t>PING meu-container-de-</a:t>
-            </a:r>
-            <a:r>
-              <a:rPr lang="pt-BR" sz="1600" dirty="0" err="1"/>
-              <a:t>ubuntu</a:t>
-            </a:r>
-            <a:r>
-              <a:rPr lang="pt-BR" sz="1600" dirty="0"/>
-              <a:t> (172.18.0.2) 56(84) bytes </a:t>
-            </a:r>
-            <a:r>
-              <a:rPr lang="pt-BR" sz="1600" dirty="0" err="1"/>
-              <a:t>of</a:t>
-            </a:r>
-            <a:r>
-              <a:rPr lang="pt-BR" sz="1600" dirty="0"/>
-              <a:t> data.</a:t>
-            </a:r>
-          </a:p>
-          <a:p>
-            <a:r>
-              <a:rPr lang="pt-BR" sz="1600" dirty="0"/>
-              <a:t>64 bytes </a:t>
-            </a:r>
-            <a:r>
-              <a:rPr lang="pt-BR" sz="1600" dirty="0" err="1"/>
-              <a:t>from</a:t>
-            </a:r>
-            <a:r>
-              <a:rPr lang="pt-BR" sz="1600" dirty="0"/>
-              <a:t> meu-container-de-</a:t>
-            </a:r>
-            <a:r>
-              <a:rPr lang="pt-BR" sz="1600" dirty="0" err="1"/>
-              <a:t>ubuntu.minha</a:t>
-            </a:r>
-            <a:r>
-              <a:rPr lang="pt-BR" sz="1600" dirty="0"/>
-              <a:t>-rede (172.18.0.2): </a:t>
-            </a:r>
-            <a:r>
-              <a:rPr lang="pt-BR" sz="1600" dirty="0" err="1"/>
-              <a:t>icmp_seq</a:t>
-            </a:r>
-            <a:r>
-              <a:rPr lang="pt-BR" sz="1600" dirty="0"/>
-              <a:t>=1 </a:t>
-            </a:r>
-            <a:r>
-              <a:rPr lang="pt-BR" sz="1600" dirty="0" err="1"/>
-              <a:t>ttl</a:t>
-            </a:r>
-            <a:r>
-              <a:rPr lang="pt-BR" sz="1600" dirty="0"/>
-              <a:t>=64 time=0.210 </a:t>
-            </a:r>
-            <a:r>
-              <a:rPr lang="pt-BR" sz="1600" dirty="0" err="1"/>
+              <a:rPr lang="pt-BR" sz="1400" dirty="0" err="1"/>
+              <a:t>transmitted</a:t>
+            </a:r>
+            <a:r>
+              <a:rPr lang="pt-BR" sz="1400" dirty="0"/>
+              <a:t>, 3 </a:t>
+            </a:r>
+            <a:r>
+              <a:rPr lang="pt-BR" sz="1400" dirty="0" err="1"/>
+              <a:t>received</a:t>
+            </a:r>
+            <a:r>
+              <a:rPr lang="pt-BR" sz="1400" dirty="0"/>
+              <a:t>, 0% </a:t>
+            </a:r>
+            <a:r>
+              <a:rPr lang="pt-BR" sz="1400" dirty="0" err="1"/>
+              <a:t>packet</a:t>
+            </a:r>
+            <a:r>
+              <a:rPr lang="pt-BR" sz="1400" dirty="0"/>
+              <a:t> </a:t>
+            </a:r>
+            <a:r>
+              <a:rPr lang="pt-BR" sz="1400" dirty="0" err="1"/>
+              <a:t>loss</a:t>
+            </a:r>
+            <a:r>
+              <a:rPr lang="pt-BR" sz="1400" dirty="0"/>
+              <a:t>, time 2000ms</a:t>
+            </a:r>
+          </a:p>
+          <a:p>
+            <a:pPr marL="457200" lvl="1" indent="0">
+              <a:buNone/>
+            </a:pPr>
+            <a:r>
+              <a:rPr lang="pt-BR" sz="1400" dirty="0" err="1"/>
+              <a:t>rtt</a:t>
+            </a:r>
+            <a:r>
+              <a:rPr lang="pt-BR" sz="1400" dirty="0"/>
+              <a:t> min/</a:t>
+            </a:r>
+            <a:r>
+              <a:rPr lang="pt-BR" sz="1400" dirty="0" err="1"/>
+              <a:t>avg</a:t>
+            </a:r>
+            <a:r>
+              <a:rPr lang="pt-BR" sz="1400" dirty="0"/>
+              <a:t>/</a:t>
+            </a:r>
+            <a:r>
+              <a:rPr lang="pt-BR" sz="1400" dirty="0" err="1"/>
+              <a:t>max</a:t>
+            </a:r>
+            <a:r>
+              <a:rPr lang="pt-BR" sz="1400" dirty="0"/>
+              <a:t>/</a:t>
+            </a:r>
+            <a:r>
+              <a:rPr lang="pt-BR" sz="1400" dirty="0" err="1"/>
+              <a:t>mdev</a:t>
+            </a:r>
+            <a:r>
+              <a:rPr lang="pt-BR" sz="1400" dirty="0"/>
+              <a:t> = 0.138/0.165/0.210/0.033 </a:t>
+            </a:r>
+            <a:r>
+              <a:rPr lang="pt-BR" sz="1400" dirty="0" err="1"/>
               <a:t>ms</a:t>
             </a:r>
-            <a:endParaRPr lang="pt-BR" sz="1600" dirty="0"/>
-          </a:p>
-          <a:p>
-            <a:r>
-              <a:rPr lang="pt-BR" sz="1600" dirty="0"/>
-              <a:t>64 bytes </a:t>
-            </a:r>
-            <a:r>
-              <a:rPr lang="pt-BR" sz="1600" dirty="0" err="1"/>
-              <a:t>from</a:t>
-            </a:r>
-            <a:r>
-              <a:rPr lang="pt-BR" sz="1600" dirty="0"/>
-              <a:t> meu-container-de-</a:t>
-            </a:r>
-            <a:r>
-              <a:rPr lang="pt-BR" sz="1600" dirty="0" err="1"/>
-              <a:t>ubuntu.minha</a:t>
-            </a:r>
-            <a:r>
-              <a:rPr lang="pt-BR" sz="1600" dirty="0"/>
-              <a:t>-rede (172.18.0.2): </a:t>
-            </a:r>
-            <a:r>
-              <a:rPr lang="pt-BR" sz="1600" dirty="0" err="1"/>
-              <a:t>icmp_seq</a:t>
-            </a:r>
-            <a:r>
-              <a:rPr lang="pt-BR" sz="1600" dirty="0"/>
-              <a:t>=2 </a:t>
-            </a:r>
-            <a:r>
-              <a:rPr lang="pt-BR" sz="1600" dirty="0" err="1"/>
-              <a:t>ttl</a:t>
-            </a:r>
-            <a:r>
-              <a:rPr lang="pt-BR" sz="1600" dirty="0"/>
-              <a:t>=64 time=0.148 </a:t>
-            </a:r>
-            <a:r>
-              <a:rPr lang="pt-BR" sz="1600" dirty="0" err="1"/>
-              <a:t>ms</a:t>
-            </a:r>
-            <a:endParaRPr lang="pt-BR" sz="1600" dirty="0"/>
-          </a:p>
-          <a:p>
-            <a:r>
-              <a:rPr lang="pt-BR" sz="1600" dirty="0"/>
-              <a:t>64 bytes </a:t>
-            </a:r>
-            <a:r>
-              <a:rPr lang="pt-BR" sz="1600" dirty="0" err="1"/>
-              <a:t>from</a:t>
-            </a:r>
-            <a:r>
-              <a:rPr lang="pt-BR" sz="1600" dirty="0"/>
-              <a:t> meu-container-de-</a:t>
-            </a:r>
-            <a:r>
-              <a:rPr lang="pt-BR" sz="1600" dirty="0" err="1"/>
-              <a:t>ubuntu.minha</a:t>
-            </a:r>
-            <a:r>
-              <a:rPr lang="pt-BR" sz="1600" dirty="0"/>
-              <a:t>-rede (172.18.0.2): </a:t>
-            </a:r>
-            <a:r>
-              <a:rPr lang="pt-BR" sz="1600" dirty="0" err="1"/>
-              <a:t>icmp_seq</a:t>
-            </a:r>
-            <a:r>
-              <a:rPr lang="pt-BR" sz="1600" dirty="0"/>
-              <a:t>=3 </a:t>
-            </a:r>
-            <a:r>
-              <a:rPr lang="pt-BR" sz="1600" dirty="0" err="1"/>
-              <a:t>ttl</a:t>
-            </a:r>
-            <a:r>
-              <a:rPr lang="pt-BR" sz="1600" dirty="0"/>
-              <a:t>=64 time=0.138 </a:t>
-            </a:r>
-            <a:r>
-              <a:rPr lang="pt-BR" sz="1600" dirty="0" err="1"/>
-              <a:t>ms</a:t>
-            </a:r>
-            <a:endParaRPr lang="pt-BR" sz="1600" dirty="0"/>
-          </a:p>
-          <a:p>
-            <a:r>
-              <a:rPr lang="pt-BR" sz="1600" dirty="0"/>
-              <a:t>^C</a:t>
-            </a:r>
-          </a:p>
-          <a:p>
-            <a:r>
-              <a:rPr lang="pt-BR" sz="1600" dirty="0"/>
-              <a:t>--- meu-container-de-</a:t>
-            </a:r>
-            <a:r>
-              <a:rPr lang="pt-BR" sz="1600" dirty="0" err="1"/>
-              <a:t>ubuntu</a:t>
-            </a:r>
-            <a:r>
-              <a:rPr lang="pt-BR" sz="1600" dirty="0"/>
-              <a:t> </a:t>
-            </a:r>
-            <a:r>
-              <a:rPr lang="pt-BR" sz="1600" dirty="0" err="1"/>
-              <a:t>ping</a:t>
-            </a:r>
-            <a:r>
-              <a:rPr lang="pt-BR" sz="1600" dirty="0"/>
-              <a:t> </a:t>
-            </a:r>
-            <a:r>
-              <a:rPr lang="pt-BR" sz="1600" dirty="0" err="1"/>
-              <a:t>statistics</a:t>
-            </a:r>
-            <a:r>
-              <a:rPr lang="pt-BR" sz="1600" dirty="0"/>
-              <a:t> ---</a:t>
-            </a:r>
-          </a:p>
-          <a:p>
-            <a:r>
-              <a:rPr lang="pt-BR" sz="1600" dirty="0"/>
-              <a:t>3 </a:t>
-            </a:r>
-            <a:r>
-              <a:rPr lang="pt-BR" sz="1600" dirty="0" err="1"/>
-              <a:t>packets</a:t>
-            </a:r>
-            <a:r>
-              <a:rPr lang="pt-BR" sz="1600" dirty="0"/>
-              <a:t> </a:t>
-            </a:r>
-            <a:r>
-              <a:rPr lang="pt-BR" sz="1600" dirty="0" err="1"/>
-              <a:t>transmitted</a:t>
-            </a:r>
-            <a:r>
-              <a:rPr lang="pt-BR" sz="1600" dirty="0"/>
-              <a:t>, 3 </a:t>
-            </a:r>
-            <a:r>
-              <a:rPr lang="pt-BR" sz="1600" dirty="0" err="1"/>
-              <a:t>received</a:t>
-            </a:r>
-            <a:r>
-              <a:rPr lang="pt-BR" sz="1600" dirty="0"/>
-              <a:t>, 0% </a:t>
-            </a:r>
-            <a:r>
-              <a:rPr lang="pt-BR" sz="1600" dirty="0" err="1"/>
-              <a:t>packet</a:t>
-            </a:r>
-            <a:r>
-              <a:rPr lang="pt-BR" sz="1600" dirty="0"/>
-              <a:t> </a:t>
-            </a:r>
-            <a:r>
-              <a:rPr lang="pt-BR" sz="1600" dirty="0" err="1"/>
-              <a:t>loss</a:t>
-            </a:r>
-            <a:r>
-              <a:rPr lang="pt-BR" sz="1600" dirty="0"/>
-              <a:t>, time 2000ms</a:t>
-            </a:r>
-          </a:p>
-          <a:p>
-            <a:r>
-              <a:rPr lang="pt-BR" sz="1600" dirty="0" err="1"/>
-              <a:t>rtt</a:t>
-            </a:r>
-            <a:r>
-              <a:rPr lang="pt-BR" sz="1600" dirty="0"/>
-              <a:t> min/</a:t>
-            </a:r>
-            <a:r>
-              <a:rPr lang="pt-BR" sz="1600" dirty="0" err="1"/>
-              <a:t>avg</a:t>
-            </a:r>
-            <a:r>
-              <a:rPr lang="pt-BR" sz="1600" dirty="0"/>
-              <a:t>/</a:t>
-            </a:r>
-            <a:r>
-              <a:rPr lang="pt-BR" sz="1600" dirty="0" err="1"/>
-              <a:t>max</a:t>
-            </a:r>
-            <a:r>
-              <a:rPr lang="pt-BR" sz="1600" dirty="0"/>
-              <a:t>/</a:t>
-            </a:r>
-            <a:r>
-              <a:rPr lang="pt-BR" sz="1600" dirty="0" err="1"/>
-              <a:t>mdev</a:t>
-            </a:r>
-            <a:r>
-              <a:rPr lang="pt-BR" sz="1600" dirty="0"/>
-              <a:t> = 0.138/0.165/0.210/0.033 </a:t>
-            </a:r>
-            <a:r>
-              <a:rPr lang="pt-BR" sz="1600" dirty="0" err="1"/>
-              <a:t>ms</a:t>
-            </a:r>
-            <a:endParaRPr lang="pt-BR" sz="1600" dirty="0" smtClean="0"/>
+            <a:endParaRPr lang="pt-BR" sz="1400" dirty="0"/>
           </a:p>
           <a:p>
             <a:endParaRPr lang="pt-BR" sz="1600" dirty="0"/>
@@ -11087,10 +10786,493 @@
           <a:p>
             <a:pPr algn="ctr"/>
             <a:r>
-              <a:rPr lang="pt-BR" sz="2800" b="1" dirty="0" smtClean="0"/>
-              <a:t>Comunicação entre Containers</a:t>
-            </a:r>
-            <a:endParaRPr lang="pt-BR" sz="2800" b="1" dirty="0"/>
+              <a:rPr lang="pt-BR" sz="2800" b="1" dirty="0"/>
+              <a:t>Comunicação entre Containers – Recuperando dados de um Banco de Dados</a:t>
+            </a:r>
+          </a:p>
+        </p:txBody>
+      </p:sp>
+      <p:sp>
+        <p:nvSpPr>
+          <p:cNvPr id="3" name="Espaço Reservado para Conteúdo 4">
+            <a:extLst>
+              <a:ext uri="{FF2B5EF4-FFF2-40B4-BE49-F238E27FC236}">
+                <a16:creationId xmlns:a16="http://schemas.microsoft.com/office/drawing/2014/main" id="{8FB13A9A-2550-DF43-9BB4-87071BD0122D}"/>
+              </a:ext>
+            </a:extLst>
+          </p:cNvPr>
+          <p:cNvSpPr>
+            <a:spLocks noGrp="1"/>
+          </p:cNvSpPr>
+          <p:nvPr>
+            <p:ph idx="1"/>
+          </p:nvPr>
+        </p:nvSpPr>
+        <p:spPr>
+          <a:xfrm>
+            <a:off x="334243" y="823858"/>
+            <a:ext cx="11259355" cy="5700691"/>
+          </a:xfrm>
+        </p:spPr>
+        <p:txBody>
+          <a:bodyPr>
+            <a:noAutofit/>
+          </a:bodyPr>
+          <a:lstStyle/>
+          <a:p>
+            <a:r>
+              <a:rPr lang="pt-BR" sz="2000" dirty="0"/>
+              <a:t>Este exemplo utilizamos uma imagem do </a:t>
+            </a:r>
+            <a:r>
+              <a:rPr lang="pt-BR" sz="2000" dirty="0" err="1"/>
+              <a:t>MongoDB</a:t>
+            </a:r>
+            <a:r>
+              <a:rPr lang="pt-BR" sz="2000" dirty="0"/>
+              <a:t> e de uma aplicação que recupera dados de livros. </a:t>
+            </a:r>
+          </a:p>
+          <a:p>
+            <a:r>
+              <a:rPr lang="pt-BR" sz="2000" dirty="0"/>
+              <a:t>Ficar sempre atento para quando subir os containers, colocá-los na mesma rede. Para que os mesmos possam se comunicar</a:t>
+            </a:r>
+          </a:p>
+          <a:p>
+            <a:pPr marL="0" indent="0">
+              <a:buNone/>
+            </a:pPr>
+            <a:r>
+              <a:rPr lang="pt-BR" sz="2000" dirty="0"/>
+              <a:t> </a:t>
+            </a:r>
+            <a:endParaRPr lang="pt-BR" sz="2000" b="1" dirty="0"/>
+          </a:p>
+          <a:p>
+            <a:pPr lvl="1">
+              <a:buFont typeface="Wingdings" panose="05000000000000000000" pitchFamily="2" charset="2"/>
+              <a:buChar char="Ø"/>
+            </a:pPr>
+            <a:r>
+              <a:rPr lang="pt-BR" sz="2000" dirty="0" err="1">
+                <a:solidFill>
+                  <a:schemeClr val="accent1"/>
+                </a:solidFill>
+              </a:rPr>
+              <a:t>docker</a:t>
+            </a:r>
+            <a:r>
+              <a:rPr lang="pt-BR" sz="2000" dirty="0">
+                <a:solidFill>
+                  <a:schemeClr val="accent1"/>
+                </a:solidFill>
+              </a:rPr>
+              <a:t> </a:t>
+            </a:r>
+            <a:r>
+              <a:rPr lang="pt-BR" sz="2000" dirty="0" err="1">
+                <a:solidFill>
+                  <a:schemeClr val="accent1"/>
+                </a:solidFill>
+              </a:rPr>
+              <a:t>run</a:t>
+            </a:r>
+            <a:r>
+              <a:rPr lang="pt-BR" sz="2000" dirty="0">
+                <a:solidFill>
+                  <a:schemeClr val="accent1"/>
+                </a:solidFill>
+              </a:rPr>
+              <a:t> </a:t>
+            </a:r>
+            <a:r>
+              <a:rPr lang="pt-BR" dirty="0">
+                <a:solidFill>
+                  <a:schemeClr val="accent1"/>
+                </a:solidFill>
+              </a:rPr>
+              <a:t>-</a:t>
+            </a:r>
+            <a:r>
+              <a:rPr lang="pt-BR" sz="2000" dirty="0" err="1">
+                <a:solidFill>
+                  <a:schemeClr val="accent1"/>
+                </a:solidFill>
+              </a:rPr>
+              <a:t>d</a:t>
+            </a:r>
+            <a:r>
+              <a:rPr lang="pt-BR" sz="2000" dirty="0">
+                <a:solidFill>
+                  <a:schemeClr val="accent1"/>
+                </a:solidFill>
+              </a:rPr>
+              <a:t> </a:t>
+            </a:r>
+            <a:r>
+              <a:rPr lang="pt-BR" dirty="0">
+                <a:solidFill>
+                  <a:schemeClr val="accent1"/>
+                </a:solidFill>
+              </a:rPr>
+              <a:t>--</a:t>
+            </a:r>
+            <a:r>
+              <a:rPr lang="pt-BR" sz="2000" dirty="0" err="1">
+                <a:solidFill>
+                  <a:schemeClr val="accent1"/>
+                </a:solidFill>
+              </a:rPr>
+              <a:t>name</a:t>
+            </a:r>
+            <a:r>
+              <a:rPr lang="pt-BR" sz="2000" dirty="0">
+                <a:solidFill>
+                  <a:schemeClr val="accent1"/>
+                </a:solidFill>
+              </a:rPr>
+              <a:t> meu</a:t>
+            </a:r>
+            <a:r>
+              <a:rPr lang="pt-BR" dirty="0">
+                <a:solidFill>
+                  <a:schemeClr val="accent1"/>
+                </a:solidFill>
+              </a:rPr>
+              <a:t>-</a:t>
+            </a:r>
+            <a:r>
+              <a:rPr lang="pt-BR" sz="2000" dirty="0">
+                <a:solidFill>
+                  <a:schemeClr val="accent1"/>
+                </a:solidFill>
+              </a:rPr>
+              <a:t>mongo </a:t>
+            </a:r>
+            <a:r>
+              <a:rPr lang="pt-BR" dirty="0">
+                <a:solidFill>
+                  <a:schemeClr val="accent1"/>
+                </a:solidFill>
+              </a:rPr>
+              <a:t>--</a:t>
+            </a:r>
+            <a:r>
+              <a:rPr lang="pt-BR" sz="2000" dirty="0">
+                <a:solidFill>
+                  <a:schemeClr val="accent1"/>
+                </a:solidFill>
+              </a:rPr>
+              <a:t>network minha</a:t>
+            </a:r>
+            <a:r>
+              <a:rPr lang="pt-BR" dirty="0">
+                <a:solidFill>
+                  <a:schemeClr val="accent1"/>
+                </a:solidFill>
+              </a:rPr>
+              <a:t>-</a:t>
+            </a:r>
+            <a:r>
+              <a:rPr lang="pt-BR" sz="2000" dirty="0">
+                <a:solidFill>
+                  <a:schemeClr val="accent1"/>
+                </a:solidFill>
+              </a:rPr>
+              <a:t>rede mongo</a:t>
+            </a:r>
+          </a:p>
+          <a:p>
+            <a:pPr lvl="1">
+              <a:buFont typeface="Wingdings" panose="05000000000000000000" pitchFamily="2" charset="2"/>
+              <a:buChar char="Ø"/>
+            </a:pPr>
+            <a:endParaRPr lang="en-US" sz="2000" dirty="0">
+              <a:solidFill>
+                <a:schemeClr val="accent1"/>
+              </a:solidFill>
+            </a:endParaRPr>
+          </a:p>
+          <a:p>
+            <a:pPr lvl="1">
+              <a:buFont typeface="Wingdings" panose="05000000000000000000" pitchFamily="2" charset="2"/>
+              <a:buChar char="Ø"/>
+            </a:pPr>
+            <a:r>
+              <a:rPr lang="pt-BR" sz="2000" dirty="0" err="1">
+                <a:solidFill>
+                  <a:schemeClr val="accent1"/>
+                </a:solidFill>
+              </a:rPr>
+              <a:t>docker</a:t>
+            </a:r>
+            <a:r>
+              <a:rPr lang="pt-BR" sz="2000" dirty="0">
+                <a:solidFill>
+                  <a:schemeClr val="accent1"/>
+                </a:solidFill>
+              </a:rPr>
+              <a:t> </a:t>
+            </a:r>
+            <a:r>
+              <a:rPr lang="pt-BR" sz="2000" dirty="0" err="1">
+                <a:solidFill>
+                  <a:schemeClr val="accent1"/>
+                </a:solidFill>
+              </a:rPr>
+              <a:t>run</a:t>
+            </a:r>
+            <a:r>
+              <a:rPr lang="pt-BR" sz="2000" dirty="0">
+                <a:solidFill>
+                  <a:schemeClr val="accent1"/>
+                </a:solidFill>
+              </a:rPr>
+              <a:t> </a:t>
+            </a:r>
+            <a:r>
+              <a:rPr lang="pt-BR" dirty="0">
+                <a:solidFill>
+                  <a:schemeClr val="accent1"/>
+                </a:solidFill>
+              </a:rPr>
+              <a:t>--</a:t>
+            </a:r>
+            <a:r>
+              <a:rPr lang="pt-BR" sz="2000" dirty="0">
+                <a:solidFill>
+                  <a:schemeClr val="accent1"/>
+                </a:solidFill>
+              </a:rPr>
+              <a:t>network minha</a:t>
+            </a:r>
+            <a:r>
+              <a:rPr lang="pt-BR" dirty="0">
+                <a:solidFill>
+                  <a:schemeClr val="accent1"/>
+                </a:solidFill>
+              </a:rPr>
+              <a:t>-</a:t>
+            </a:r>
+            <a:r>
+              <a:rPr lang="pt-BR" sz="2000" dirty="0">
+                <a:solidFill>
+                  <a:schemeClr val="accent1"/>
+                </a:solidFill>
+              </a:rPr>
+              <a:t>rede </a:t>
+            </a:r>
+            <a:r>
+              <a:rPr lang="pt-BR" dirty="0">
+                <a:solidFill>
+                  <a:schemeClr val="accent1"/>
+                </a:solidFill>
+              </a:rPr>
+              <a:t>-</a:t>
+            </a:r>
+            <a:r>
+              <a:rPr lang="pt-BR" sz="2000" dirty="0" err="1">
+                <a:solidFill>
+                  <a:schemeClr val="accent1"/>
+                </a:solidFill>
+              </a:rPr>
+              <a:t>d</a:t>
+            </a:r>
+            <a:r>
+              <a:rPr lang="pt-BR" sz="2000" dirty="0">
+                <a:solidFill>
+                  <a:schemeClr val="accent1"/>
+                </a:solidFill>
+              </a:rPr>
+              <a:t> </a:t>
+            </a:r>
+            <a:r>
+              <a:rPr lang="pt-BR" dirty="0">
+                <a:solidFill>
+                  <a:schemeClr val="accent1"/>
+                </a:solidFill>
+              </a:rPr>
+              <a:t>-</a:t>
+            </a:r>
+            <a:r>
+              <a:rPr lang="pt-BR" sz="2000" dirty="0" err="1">
+                <a:solidFill>
+                  <a:schemeClr val="accent1"/>
+                </a:solidFill>
+              </a:rPr>
+              <a:t>p</a:t>
+            </a:r>
+            <a:r>
+              <a:rPr lang="pt-BR" sz="2000" dirty="0">
+                <a:solidFill>
+                  <a:schemeClr val="accent1"/>
+                </a:solidFill>
+              </a:rPr>
+              <a:t> </a:t>
+            </a:r>
+            <a:r>
+              <a:rPr lang="pt-BR" dirty="0">
+                <a:solidFill>
+                  <a:schemeClr val="accent1"/>
+                </a:solidFill>
+              </a:rPr>
+              <a:t>8080:3000</a:t>
+            </a:r>
+            <a:r>
+              <a:rPr lang="pt-BR" sz="2000" dirty="0">
+                <a:solidFill>
+                  <a:schemeClr val="accent1"/>
+                </a:solidFill>
+              </a:rPr>
+              <a:t> </a:t>
+            </a:r>
+            <a:r>
+              <a:rPr lang="pt-BR" sz="2000" dirty="0" err="1">
+                <a:solidFill>
+                  <a:schemeClr val="accent1"/>
+                </a:solidFill>
+              </a:rPr>
+              <a:t>douglasq</a:t>
+            </a:r>
+            <a:r>
+              <a:rPr lang="pt-BR" dirty="0">
+                <a:solidFill>
+                  <a:schemeClr val="accent1"/>
+                </a:solidFill>
+              </a:rPr>
+              <a:t>/</a:t>
+            </a:r>
+            <a:r>
+              <a:rPr lang="pt-BR" sz="2000" dirty="0">
+                <a:solidFill>
+                  <a:schemeClr val="accent1"/>
+                </a:solidFill>
+              </a:rPr>
+              <a:t>alura</a:t>
+            </a:r>
+            <a:r>
+              <a:rPr lang="pt-BR" dirty="0">
+                <a:solidFill>
+                  <a:schemeClr val="accent1"/>
+                </a:solidFill>
+              </a:rPr>
+              <a:t>-</a:t>
+            </a:r>
+            <a:r>
+              <a:rPr lang="pt-BR" sz="2000" dirty="0">
+                <a:solidFill>
+                  <a:schemeClr val="accent1"/>
+                </a:solidFill>
+              </a:rPr>
+              <a:t>books</a:t>
+            </a:r>
+            <a:r>
+              <a:rPr lang="pt-BR" dirty="0">
+                <a:solidFill>
+                  <a:schemeClr val="accent1"/>
+                </a:solidFill>
+              </a:rPr>
+              <a:t>:</a:t>
+            </a:r>
+            <a:r>
+              <a:rPr lang="pt-BR" sz="2000" dirty="0">
+                <a:solidFill>
+                  <a:schemeClr val="accent1"/>
+                </a:solidFill>
+              </a:rPr>
+              <a:t>cap05</a:t>
+            </a:r>
+          </a:p>
+          <a:p>
+            <a:pPr lvl="1">
+              <a:buFont typeface="Wingdings" panose="05000000000000000000" pitchFamily="2" charset="2"/>
+              <a:buChar char="Ø"/>
+            </a:pPr>
+            <a:endParaRPr lang="pt-BR" sz="2000" dirty="0">
+              <a:solidFill>
+                <a:schemeClr val="accent5"/>
+              </a:solidFill>
+            </a:endParaRPr>
+          </a:p>
+          <a:p>
+            <a:r>
+              <a:rPr lang="pt-BR" sz="2000" dirty="0"/>
+              <a:t>Acessando a rota da aplicação que cadastra os livros “</a:t>
+            </a:r>
+            <a:r>
+              <a:rPr lang="pt-BR" sz="2000" dirty="0" err="1"/>
+              <a:t>http</a:t>
+            </a:r>
+            <a:r>
+              <a:rPr lang="pt-BR" sz="2000" dirty="0"/>
+              <a:t>://</a:t>
+            </a:r>
+            <a:r>
+              <a:rPr lang="pt-BR" sz="2000" dirty="0" err="1"/>
+              <a:t>localhost</a:t>
+            </a:r>
+            <a:r>
+              <a:rPr lang="pt-BR" sz="2000" dirty="0"/>
+              <a:t>/</a:t>
+            </a:r>
+            <a:r>
+              <a:rPr lang="pt-BR" sz="2000" dirty="0" err="1"/>
+              <a:t>seed</a:t>
+            </a:r>
+            <a:r>
+              <a:rPr lang="pt-BR" sz="2000" dirty="0"/>
+              <a:t>”  e depois a rota “</a:t>
+            </a:r>
+            <a:r>
+              <a:rPr lang="pt-BR" sz="2000" dirty="0" err="1"/>
+              <a:t>http</a:t>
+            </a:r>
+            <a:r>
+              <a:rPr lang="pt-BR" sz="2000" dirty="0"/>
+              <a:t>://</a:t>
+            </a:r>
+            <a:r>
+              <a:rPr lang="pt-BR" sz="2000" dirty="0" err="1"/>
+              <a:t>localhost</a:t>
+            </a:r>
+            <a:r>
+              <a:rPr lang="pt-BR" sz="2000" dirty="0"/>
+              <a:t>” acharemos os livros na aplicação.</a:t>
+            </a:r>
+          </a:p>
+          <a:p>
+            <a:pPr lvl="1">
+              <a:buFont typeface="Wingdings" panose="05000000000000000000" pitchFamily="2" charset="2"/>
+              <a:buChar char="Ø"/>
+            </a:pPr>
+            <a:endParaRPr lang="en-US" sz="2000" dirty="0">
+              <a:solidFill>
+                <a:schemeClr val="accent5"/>
+              </a:solidFill>
+            </a:endParaRPr>
+          </a:p>
+          <a:p>
+            <a:pPr lvl="2">
+              <a:buFont typeface="Wingdings" panose="05000000000000000000" pitchFamily="2" charset="2"/>
+              <a:buChar char="Ø"/>
+            </a:pPr>
+            <a:endParaRPr lang="pt-BR" sz="1600" dirty="0">
+              <a:solidFill>
+                <a:schemeClr val="accent5"/>
+              </a:solidFill>
+            </a:endParaRPr>
+          </a:p>
+          <a:p>
+            <a:pPr>
+              <a:buFont typeface="Wingdings" panose="05000000000000000000" pitchFamily="2" charset="2"/>
+              <a:buChar char="Ø"/>
+            </a:pPr>
+            <a:endParaRPr lang="pt-BR" sz="2400" dirty="0">
+              <a:solidFill>
+                <a:schemeClr val="accent5"/>
+              </a:solidFill>
+            </a:endParaRPr>
           </a:p>
         </p:txBody>
       </p:sp>
@@ -11148,25 +11330,546 @@
           <a:p>
             <a:pPr algn="ctr"/>
             <a:r>
-              <a:rPr lang="pt-BR" sz="2800" b="1" dirty="0" smtClean="0"/>
+              <a:rPr lang="pt-BR" sz="2800" b="1" dirty="0"/>
               <a:t>Trabalhando com o </a:t>
             </a:r>
             <a:r>
-              <a:rPr lang="pt-BR" sz="2800" b="1" dirty="0" err="1" smtClean="0"/>
+              <a:rPr lang="pt-BR" sz="2800" b="1" dirty="0" err="1"/>
               <a:t>Docker</a:t>
             </a:r>
             <a:r>
-              <a:rPr lang="pt-BR" sz="2800" b="1" dirty="0" smtClean="0"/>
+              <a:rPr lang="pt-BR" sz="2800" b="1" dirty="0"/>
               <a:t> </a:t>
             </a:r>
             <a:r>
-              <a:rPr lang="pt-BR" sz="2800" b="1" dirty="0" err="1" smtClean="0"/>
+              <a:rPr lang="pt-BR" sz="2800" b="1" dirty="0" err="1"/>
               <a:t>Compose</a:t>
             </a:r>
             <a:endParaRPr lang="pt-BR" sz="2800" b="1" dirty="0"/>
           </a:p>
         </p:txBody>
       </p:sp>
+      <p:sp>
+        <p:nvSpPr>
+          <p:cNvPr id="3" name="Espaço Reservado para Conteúdo 4">
+            <a:extLst>
+              <a:ext uri="{FF2B5EF4-FFF2-40B4-BE49-F238E27FC236}">
+                <a16:creationId xmlns:a16="http://schemas.microsoft.com/office/drawing/2014/main" id="{D07DBE4E-32E4-C849-B81C-80C0B31CF14C}"/>
+              </a:ext>
+            </a:extLst>
+          </p:cNvPr>
+          <p:cNvSpPr>
+            <a:spLocks noGrp="1"/>
+          </p:cNvSpPr>
+          <p:nvPr>
+            <p:ph idx="1"/>
+          </p:nvPr>
+        </p:nvSpPr>
+        <p:spPr>
+          <a:xfrm>
+            <a:off x="334243" y="664832"/>
+            <a:ext cx="11259355" cy="5700691"/>
+          </a:xfrm>
+        </p:spPr>
+        <p:txBody>
+          <a:bodyPr>
+            <a:noAutofit/>
+          </a:bodyPr>
+          <a:lstStyle/>
+          <a:p>
+            <a:r>
+              <a:rPr lang="pt-BR" sz="2000" dirty="0"/>
+              <a:t>Subir múltiplos containers ? Muitas </a:t>
+            </a:r>
+            <a:r>
+              <a:rPr lang="pt-BR" sz="2000" dirty="0" err="1"/>
+              <a:t>Flags</a:t>
+            </a:r>
+            <a:r>
+              <a:rPr lang="pt-BR" sz="2000" dirty="0"/>
+              <a:t> !!! Muito Manual. Podem ser 10 containers !!! </a:t>
+            </a:r>
+          </a:p>
+          <a:p>
+            <a:r>
+              <a:rPr lang="pt-BR" sz="2000" dirty="0"/>
+              <a:t>Fácil de errar. Precisa garantir a Ordem!!!</a:t>
+            </a:r>
+          </a:p>
+          <a:p>
+            <a:pPr marL="0" indent="0">
+              <a:buNone/>
+            </a:pPr>
+            <a:r>
+              <a:rPr lang="pt-BR" sz="2000" dirty="0"/>
+              <a:t> </a:t>
+            </a:r>
+            <a:endParaRPr lang="pt-BR" sz="2000" b="1" dirty="0"/>
+          </a:p>
+          <a:p>
+            <a:pPr lvl="1">
+              <a:buFont typeface="Wingdings" panose="05000000000000000000" pitchFamily="2" charset="2"/>
+              <a:buChar char="Ø"/>
+            </a:pPr>
+            <a:r>
+              <a:rPr lang="pt-BR" sz="2000" dirty="0" err="1">
+                <a:solidFill>
+                  <a:schemeClr val="accent1"/>
+                </a:solidFill>
+              </a:rPr>
+              <a:t>docker</a:t>
+            </a:r>
+            <a:r>
+              <a:rPr lang="pt-BR" sz="2000" dirty="0">
+                <a:solidFill>
+                  <a:schemeClr val="accent1"/>
+                </a:solidFill>
+              </a:rPr>
+              <a:t> </a:t>
+            </a:r>
+            <a:r>
+              <a:rPr lang="pt-BR" sz="2000" dirty="0" err="1">
+                <a:solidFill>
+                  <a:schemeClr val="accent1"/>
+                </a:solidFill>
+              </a:rPr>
+              <a:t>run</a:t>
+            </a:r>
+            <a:r>
+              <a:rPr lang="pt-BR" sz="2000" dirty="0">
+                <a:solidFill>
+                  <a:schemeClr val="accent1"/>
+                </a:solidFill>
+              </a:rPr>
+              <a:t> </a:t>
+            </a:r>
+            <a:r>
+              <a:rPr lang="pt-BR" dirty="0">
+                <a:solidFill>
+                  <a:schemeClr val="accent1"/>
+                </a:solidFill>
+              </a:rPr>
+              <a:t>-</a:t>
+            </a:r>
+            <a:r>
+              <a:rPr lang="pt-BR" sz="2000" dirty="0" err="1">
+                <a:solidFill>
+                  <a:schemeClr val="accent1"/>
+                </a:solidFill>
+              </a:rPr>
+              <a:t>d</a:t>
+            </a:r>
+            <a:r>
+              <a:rPr lang="pt-BR" sz="2000" dirty="0">
+                <a:solidFill>
+                  <a:schemeClr val="accent1"/>
+                </a:solidFill>
+              </a:rPr>
+              <a:t> </a:t>
+            </a:r>
+            <a:r>
+              <a:rPr lang="pt-BR" dirty="0">
+                <a:solidFill>
+                  <a:schemeClr val="accent1"/>
+                </a:solidFill>
+              </a:rPr>
+              <a:t>--</a:t>
+            </a:r>
+            <a:r>
+              <a:rPr lang="pt-BR" sz="2000" dirty="0" err="1">
+                <a:solidFill>
+                  <a:schemeClr val="accent1"/>
+                </a:solidFill>
+              </a:rPr>
+              <a:t>name</a:t>
+            </a:r>
+            <a:r>
+              <a:rPr lang="pt-BR" sz="2000" dirty="0">
+                <a:solidFill>
+                  <a:schemeClr val="accent1"/>
+                </a:solidFill>
+              </a:rPr>
+              <a:t> meu</a:t>
+            </a:r>
+            <a:r>
+              <a:rPr lang="pt-BR" dirty="0">
+                <a:solidFill>
+                  <a:schemeClr val="accent1"/>
+                </a:solidFill>
+              </a:rPr>
+              <a:t>-</a:t>
+            </a:r>
+            <a:r>
+              <a:rPr lang="pt-BR" sz="2000" dirty="0">
+                <a:solidFill>
+                  <a:schemeClr val="accent1"/>
+                </a:solidFill>
+              </a:rPr>
+              <a:t>mongo </a:t>
+            </a:r>
+            <a:r>
+              <a:rPr lang="pt-BR" dirty="0">
+                <a:solidFill>
+                  <a:schemeClr val="accent1"/>
+                </a:solidFill>
+              </a:rPr>
+              <a:t>--</a:t>
+            </a:r>
+            <a:r>
+              <a:rPr lang="pt-BR" sz="2000" dirty="0">
+                <a:solidFill>
+                  <a:schemeClr val="accent1"/>
+                </a:solidFill>
+              </a:rPr>
+              <a:t>network minha</a:t>
+            </a:r>
+            <a:r>
+              <a:rPr lang="pt-BR" dirty="0">
+                <a:solidFill>
+                  <a:schemeClr val="accent1"/>
+                </a:solidFill>
+              </a:rPr>
+              <a:t>-</a:t>
+            </a:r>
+            <a:r>
+              <a:rPr lang="pt-BR" sz="2000" dirty="0">
+                <a:solidFill>
+                  <a:schemeClr val="accent1"/>
+                </a:solidFill>
+              </a:rPr>
+              <a:t>rede mongo</a:t>
+            </a:r>
+            <a:endParaRPr lang="en-US" sz="2000" dirty="0">
+              <a:solidFill>
+                <a:schemeClr val="accent1"/>
+              </a:solidFill>
+            </a:endParaRPr>
+          </a:p>
+          <a:p>
+            <a:pPr lvl="1">
+              <a:buFont typeface="Wingdings" panose="05000000000000000000" pitchFamily="2" charset="2"/>
+              <a:buChar char="Ø"/>
+            </a:pPr>
+            <a:r>
+              <a:rPr lang="pt-BR" sz="2000" dirty="0" err="1">
+                <a:solidFill>
+                  <a:schemeClr val="accent1"/>
+                </a:solidFill>
+              </a:rPr>
+              <a:t>docker</a:t>
+            </a:r>
+            <a:r>
+              <a:rPr lang="pt-BR" sz="2000" dirty="0">
+                <a:solidFill>
+                  <a:schemeClr val="accent1"/>
+                </a:solidFill>
+              </a:rPr>
+              <a:t> </a:t>
+            </a:r>
+            <a:r>
+              <a:rPr lang="pt-BR" sz="2000" dirty="0" err="1">
+                <a:solidFill>
+                  <a:schemeClr val="accent1"/>
+                </a:solidFill>
+              </a:rPr>
+              <a:t>run</a:t>
+            </a:r>
+            <a:r>
+              <a:rPr lang="pt-BR" sz="2000" dirty="0">
+                <a:solidFill>
+                  <a:schemeClr val="accent1"/>
+                </a:solidFill>
+              </a:rPr>
+              <a:t> </a:t>
+            </a:r>
+            <a:r>
+              <a:rPr lang="pt-BR" dirty="0">
+                <a:solidFill>
+                  <a:schemeClr val="accent1"/>
+                </a:solidFill>
+              </a:rPr>
+              <a:t>--</a:t>
+            </a:r>
+            <a:r>
+              <a:rPr lang="pt-BR" sz="2000" dirty="0">
+                <a:solidFill>
+                  <a:schemeClr val="accent1"/>
+                </a:solidFill>
+              </a:rPr>
+              <a:t>network minha</a:t>
+            </a:r>
+            <a:r>
+              <a:rPr lang="pt-BR" dirty="0">
+                <a:solidFill>
+                  <a:schemeClr val="accent1"/>
+                </a:solidFill>
+              </a:rPr>
+              <a:t>-</a:t>
+            </a:r>
+            <a:r>
+              <a:rPr lang="pt-BR" sz="2000" dirty="0">
+                <a:solidFill>
+                  <a:schemeClr val="accent1"/>
+                </a:solidFill>
+              </a:rPr>
+              <a:t>rede </a:t>
+            </a:r>
+            <a:r>
+              <a:rPr lang="pt-BR" dirty="0">
+                <a:solidFill>
+                  <a:schemeClr val="accent1"/>
+                </a:solidFill>
+              </a:rPr>
+              <a:t>-</a:t>
+            </a:r>
+            <a:r>
+              <a:rPr lang="pt-BR" sz="2000" dirty="0" err="1">
+                <a:solidFill>
+                  <a:schemeClr val="accent1"/>
+                </a:solidFill>
+              </a:rPr>
+              <a:t>d</a:t>
+            </a:r>
+            <a:r>
+              <a:rPr lang="pt-BR" sz="2000" dirty="0">
+                <a:solidFill>
+                  <a:schemeClr val="accent1"/>
+                </a:solidFill>
+              </a:rPr>
+              <a:t> </a:t>
+            </a:r>
+            <a:r>
+              <a:rPr lang="pt-BR" dirty="0">
+                <a:solidFill>
+                  <a:schemeClr val="accent1"/>
+                </a:solidFill>
+              </a:rPr>
+              <a:t>-</a:t>
+            </a:r>
+            <a:r>
+              <a:rPr lang="pt-BR" sz="2000" dirty="0" err="1">
+                <a:solidFill>
+                  <a:schemeClr val="accent1"/>
+                </a:solidFill>
+              </a:rPr>
+              <a:t>p</a:t>
+            </a:r>
+            <a:r>
+              <a:rPr lang="pt-BR" sz="2000" dirty="0">
+                <a:solidFill>
+                  <a:schemeClr val="accent1"/>
+                </a:solidFill>
+              </a:rPr>
+              <a:t> </a:t>
+            </a:r>
+            <a:r>
+              <a:rPr lang="pt-BR" dirty="0">
+                <a:solidFill>
+                  <a:schemeClr val="accent1"/>
+                </a:solidFill>
+              </a:rPr>
+              <a:t>8080:3000</a:t>
+            </a:r>
+            <a:r>
+              <a:rPr lang="pt-BR" sz="2000" dirty="0">
+                <a:solidFill>
+                  <a:schemeClr val="accent1"/>
+                </a:solidFill>
+              </a:rPr>
+              <a:t> </a:t>
+            </a:r>
+            <a:r>
+              <a:rPr lang="pt-BR" sz="2000" dirty="0" err="1">
+                <a:solidFill>
+                  <a:schemeClr val="accent1"/>
+                </a:solidFill>
+              </a:rPr>
+              <a:t>douglasq</a:t>
+            </a:r>
+            <a:r>
+              <a:rPr lang="pt-BR" dirty="0">
+                <a:solidFill>
+                  <a:schemeClr val="accent1"/>
+                </a:solidFill>
+              </a:rPr>
+              <a:t>/</a:t>
+            </a:r>
+            <a:r>
+              <a:rPr lang="pt-BR" sz="2000" dirty="0">
+                <a:solidFill>
+                  <a:schemeClr val="accent1"/>
+                </a:solidFill>
+              </a:rPr>
+              <a:t>alura</a:t>
+            </a:r>
+            <a:r>
+              <a:rPr lang="pt-BR" dirty="0">
+                <a:solidFill>
+                  <a:schemeClr val="accent1"/>
+                </a:solidFill>
+              </a:rPr>
+              <a:t>-</a:t>
+            </a:r>
+            <a:r>
+              <a:rPr lang="pt-BR" sz="2000" dirty="0">
+                <a:solidFill>
+                  <a:schemeClr val="accent1"/>
+                </a:solidFill>
+              </a:rPr>
+              <a:t>books</a:t>
+            </a:r>
+            <a:r>
+              <a:rPr lang="pt-BR" dirty="0">
+                <a:solidFill>
+                  <a:schemeClr val="accent1"/>
+                </a:solidFill>
+              </a:rPr>
+              <a:t>:</a:t>
+            </a:r>
+            <a:r>
+              <a:rPr lang="pt-BR" sz="2000" dirty="0">
+                <a:solidFill>
+                  <a:schemeClr val="accent1"/>
+                </a:solidFill>
+              </a:rPr>
+              <a:t>cap05</a:t>
+            </a:r>
+          </a:p>
+          <a:p>
+            <a:pPr lvl="2">
+              <a:buFont typeface="Wingdings" panose="05000000000000000000" pitchFamily="2" charset="2"/>
+              <a:buChar char="Ø"/>
+            </a:pPr>
+            <a:endParaRPr lang="pt-BR" sz="1600" dirty="0">
+              <a:solidFill>
+                <a:schemeClr val="accent5"/>
+              </a:solidFill>
+            </a:endParaRPr>
+          </a:p>
+          <a:p>
+            <a:pPr>
+              <a:buFont typeface="Wingdings" panose="05000000000000000000" pitchFamily="2" charset="2"/>
+              <a:buChar char="Ø"/>
+            </a:pPr>
+            <a:endParaRPr lang="pt-BR" sz="2400" dirty="0">
+              <a:solidFill>
+                <a:schemeClr val="accent5"/>
+              </a:solidFill>
+            </a:endParaRPr>
+          </a:p>
+        </p:txBody>
+      </p:sp>
+      <p:pic>
+        <p:nvPicPr>
+          <p:cNvPr id="2" name="Imagem 1">
+            <a:extLst>
+              <a:ext uri="{FF2B5EF4-FFF2-40B4-BE49-F238E27FC236}">
+                <a16:creationId xmlns:a16="http://schemas.microsoft.com/office/drawing/2014/main" id="{B681037B-DE2F-0F48-89E3-61C5A23BE7E8}"/>
+              </a:ext>
+            </a:extLst>
+          </p:cNvPr>
+          <p:cNvPicPr>
+            <a:picLocks noChangeAspect="1"/>
+          </p:cNvPicPr>
+          <p:nvPr/>
+        </p:nvPicPr>
+        <p:blipFill>
+          <a:blip r:embed="rId2"/>
+          <a:stretch>
+            <a:fillRect/>
+          </a:stretch>
+        </p:blipFill>
+        <p:spPr>
+          <a:xfrm>
+            <a:off x="1398105" y="3144907"/>
+            <a:ext cx="2743200" cy="2476500"/>
+          </a:xfrm>
+          <a:prstGeom prst="rect">
+            <a:avLst/>
+          </a:prstGeom>
+        </p:spPr>
+      </p:pic>
+      <p:grpSp>
+        <p:nvGrpSpPr>
+          <p:cNvPr id="8" name="Agrupar 7">
+            <a:extLst>
+              <a:ext uri="{FF2B5EF4-FFF2-40B4-BE49-F238E27FC236}">
+                <a16:creationId xmlns:a16="http://schemas.microsoft.com/office/drawing/2014/main" id="{3B98451B-D465-5946-B2BF-3F62EDE76F1E}"/>
+              </a:ext>
+            </a:extLst>
+          </p:cNvPr>
+          <p:cNvGrpSpPr/>
+          <p:nvPr/>
+        </p:nvGrpSpPr>
+        <p:grpSpPr>
+          <a:xfrm>
+            <a:off x="6781523" y="3094107"/>
+            <a:ext cx="2578100" cy="2578100"/>
+            <a:chOff x="6755019" y="2919623"/>
+            <a:chExt cx="2578100" cy="2578100"/>
+          </a:xfrm>
+        </p:grpSpPr>
+        <p:pic>
+          <p:nvPicPr>
+            <p:cNvPr id="4" name="Imagem 3">
+              <a:extLst>
+                <a:ext uri="{FF2B5EF4-FFF2-40B4-BE49-F238E27FC236}">
+                  <a16:creationId xmlns:a16="http://schemas.microsoft.com/office/drawing/2014/main" id="{A3251C9D-4C60-D64B-A9AB-BDF5DA677ACE}"/>
+                </a:ext>
+              </a:extLst>
+            </p:cNvPr>
+            <p:cNvPicPr>
+              <a:picLocks noChangeAspect="1"/>
+            </p:cNvPicPr>
+            <p:nvPr/>
+          </p:nvPicPr>
+          <p:blipFill>
+            <a:blip r:embed="rId3"/>
+            <a:stretch>
+              <a:fillRect/>
+            </a:stretch>
+          </p:blipFill>
+          <p:spPr>
+            <a:xfrm>
+              <a:off x="6989969" y="2919623"/>
+              <a:ext cx="2108200" cy="698500"/>
+            </a:xfrm>
+            <a:prstGeom prst="rect">
+              <a:avLst/>
+            </a:prstGeom>
+          </p:spPr>
+        </p:pic>
+        <p:pic>
+          <p:nvPicPr>
+            <p:cNvPr id="7" name="Imagem 6">
+              <a:extLst>
+                <a:ext uri="{FF2B5EF4-FFF2-40B4-BE49-F238E27FC236}">
+                  <a16:creationId xmlns:a16="http://schemas.microsoft.com/office/drawing/2014/main" id="{6124A5C4-ABC0-074E-87B7-87C217815CBC}"/>
+                </a:ext>
+              </a:extLst>
+            </p:cNvPr>
+            <p:cNvPicPr>
+              <a:picLocks noChangeAspect="1"/>
+            </p:cNvPicPr>
+            <p:nvPr/>
+          </p:nvPicPr>
+          <p:blipFill>
+            <a:blip r:embed="rId4"/>
+            <a:stretch>
+              <a:fillRect/>
+            </a:stretch>
+          </p:blipFill>
+          <p:spPr>
+            <a:xfrm>
+              <a:off x="6755019" y="3618123"/>
+              <a:ext cx="2578100" cy="1879600"/>
+            </a:xfrm>
+            <a:prstGeom prst="rect">
+              <a:avLst/>
+            </a:prstGeom>
+          </p:spPr>
+        </p:pic>
+      </p:grpSp>
     </p:spTree>
     <p:extLst>
       <p:ext uri="{BB962C8B-B14F-4D97-AF65-F5344CB8AC3E}">
@@ -11221,29 +11924,105 @@
           <a:p>
             <a:pPr algn="ctr"/>
             <a:r>
-              <a:rPr lang="pt-BR" sz="2800" b="1" dirty="0" smtClean="0"/>
+              <a:rPr lang="pt-BR" sz="2800" b="1" dirty="0"/>
               <a:t>Trabalhando com o </a:t>
             </a:r>
             <a:r>
-              <a:rPr lang="pt-BR" sz="2800" b="1" dirty="0" err="1" smtClean="0"/>
+              <a:rPr lang="pt-BR" sz="2800" b="1" dirty="0" err="1"/>
               <a:t>Docker</a:t>
             </a:r>
             <a:r>
-              <a:rPr lang="pt-BR" sz="2800" b="1" dirty="0" smtClean="0"/>
+              <a:rPr lang="pt-BR" sz="2800" b="1" dirty="0"/>
               <a:t> </a:t>
             </a:r>
             <a:r>
-              <a:rPr lang="pt-BR" sz="2800" b="1" dirty="0" err="1" smtClean="0"/>
+              <a:rPr lang="pt-BR" sz="2800" b="1" dirty="0" err="1"/>
               <a:t>Compose</a:t>
             </a:r>
             <a:endParaRPr lang="pt-BR" sz="2800" b="1" dirty="0"/>
           </a:p>
         </p:txBody>
       </p:sp>
+      <p:sp>
+        <p:nvSpPr>
+          <p:cNvPr id="3" name="Espaço Reservado para Conteúdo 4">
+            <a:extLst>
+              <a:ext uri="{FF2B5EF4-FFF2-40B4-BE49-F238E27FC236}">
+                <a16:creationId xmlns:a16="http://schemas.microsoft.com/office/drawing/2014/main" id="{D07DBE4E-32E4-C849-B81C-80C0B31CF14C}"/>
+              </a:ext>
+            </a:extLst>
+          </p:cNvPr>
+          <p:cNvSpPr>
+            <a:spLocks noGrp="1"/>
+          </p:cNvSpPr>
+          <p:nvPr>
+            <p:ph idx="1"/>
+          </p:nvPr>
+        </p:nvSpPr>
+        <p:spPr>
+          <a:xfrm>
+            <a:off x="334243" y="625075"/>
+            <a:ext cx="11733261" cy="575931"/>
+          </a:xfrm>
+        </p:spPr>
+        <p:txBody>
+          <a:bodyPr>
+            <a:noAutofit/>
+          </a:bodyPr>
+          <a:lstStyle/>
+          <a:p>
+            <a:r>
+              <a:rPr lang="pt-BR" sz="2000" dirty="0"/>
+              <a:t>Em geral as aplicações possuem mais do que 2 containers. No caso abaixo 5 containers, mas em qual ordem?</a:t>
+            </a:r>
+            <a:endParaRPr lang="pt-BR" sz="2000" b="1" dirty="0"/>
+          </a:p>
+          <a:p>
+            <a:pPr marL="0" indent="0">
+              <a:buNone/>
+            </a:pPr>
+            <a:endParaRPr lang="pt-BR" sz="2400" dirty="0">
+              <a:solidFill>
+                <a:schemeClr val="accent5"/>
+              </a:solidFill>
+            </a:endParaRPr>
+          </a:p>
+        </p:txBody>
+      </p:sp>
+      <p:pic>
+        <p:nvPicPr>
+          <p:cNvPr id="6" name="Imagem 5">
+            <a:extLst>
+              <a:ext uri="{FF2B5EF4-FFF2-40B4-BE49-F238E27FC236}">
+                <a16:creationId xmlns:a16="http://schemas.microsoft.com/office/drawing/2014/main" id="{E87D606F-7552-AD45-94F5-ED99EB3F6961}"/>
+              </a:ext>
+            </a:extLst>
+          </p:cNvPr>
+          <p:cNvPicPr>
+            <a:picLocks noChangeAspect="1"/>
+          </p:cNvPicPr>
+          <p:nvPr/>
+        </p:nvPicPr>
+        <p:blipFill>
+          <a:blip r:embed="rId2"/>
+          <a:stretch>
+            <a:fillRect/>
+          </a:stretch>
+        </p:blipFill>
+        <p:spPr>
+          <a:xfrm>
+            <a:off x="556590" y="1121494"/>
+            <a:ext cx="11012557" cy="5449900"/>
+          </a:xfrm>
+          <a:prstGeom prst="rect">
+            <a:avLst/>
+          </a:prstGeom>
+        </p:spPr>
+      </p:pic>
     </p:spTree>
     <p:extLst>
       <p:ext uri="{BB962C8B-B14F-4D97-AF65-F5344CB8AC3E}">
-        <p14:creationId xmlns:p14="http://schemas.microsoft.com/office/powerpoint/2010/main" val="1819436064"/>
+        <p14:creationId xmlns:p14="http://schemas.microsoft.com/office/powerpoint/2010/main" val="3752580310"/>
       </p:ext>
     </p:extLst>
   </p:cSld>
@@ -11272,7 +12051,7 @@
       </p:grpSpPr>
       <p:sp>
         <p:nvSpPr>
-          <p:cNvPr id="2" name="Título 1"/>
+          <p:cNvPr id="5" name="Título 1"/>
           <p:cNvSpPr>
             <a:spLocks noGrp="1"/>
           </p:cNvSpPr>
@@ -11280,38 +12059,103 @@
             <p:ph type="title"/>
           </p:nvPr>
         </p:nvSpPr>
-        <p:spPr/>
+        <p:spPr>
+          <a:xfrm>
+            <a:off x="115910" y="123288"/>
+            <a:ext cx="11951594" cy="422275"/>
+          </a:xfrm>
+        </p:spPr>
         <p:txBody>
-          <a:bodyPr/>
+          <a:bodyPr vert="horz" lIns="91440" tIns="45720" rIns="91440" bIns="45720" rtlCol="0" anchor="ctr">
+            <a:normAutofit fontScale="90000"/>
+          </a:bodyPr>
           <a:lstStyle/>
           <a:p>
-            <a:endParaRPr lang="pt-BR"/>
+            <a:pPr algn="ctr"/>
+            <a:r>
+              <a:rPr lang="pt-BR" sz="2800" b="1" dirty="0"/>
+              <a:t>Trabalhando com o </a:t>
+            </a:r>
+            <a:r>
+              <a:rPr lang="pt-BR" sz="2800" b="1" dirty="0" err="1"/>
+              <a:t>Docker</a:t>
+            </a:r>
+            <a:r>
+              <a:rPr lang="pt-BR" sz="2800" b="1" dirty="0"/>
+              <a:t> </a:t>
+            </a:r>
+            <a:r>
+              <a:rPr lang="pt-BR" sz="2800" b="1" dirty="0" err="1"/>
+              <a:t>Compose</a:t>
+            </a:r>
+            <a:endParaRPr lang="pt-BR" sz="2800" b="1" dirty="0"/>
           </a:p>
         </p:txBody>
       </p:sp>
-      <p:sp>
-        <p:nvSpPr>
-          <p:cNvPr id="3" name="Espaço Reservado para Conteúdo 2"/>
-          <p:cNvSpPr>
-            <a:spLocks noGrp="1"/>
-          </p:cNvSpPr>
-          <p:nvPr>
-            <p:ph idx="1"/>
-          </p:nvPr>
-        </p:nvSpPr>
-        <p:spPr/>
-        <p:txBody>
-          <a:bodyPr/>
-          <a:lstStyle/>
-          <a:p>
-            <a:endParaRPr lang="pt-BR"/>
-          </a:p>
-        </p:txBody>
-      </p:sp>
+      <p:pic>
+        <p:nvPicPr>
+          <p:cNvPr id="2" name="Imagem 1">
+            <a:extLst>
+              <a:ext uri="{FF2B5EF4-FFF2-40B4-BE49-F238E27FC236}">
+                <a16:creationId xmlns:a16="http://schemas.microsoft.com/office/drawing/2014/main" id="{70DD6413-05E4-2743-B6B7-A85AB506331F}"/>
+              </a:ext>
+            </a:extLst>
+          </p:cNvPr>
+          <p:cNvPicPr>
+            <a:picLocks noChangeAspect="1"/>
+          </p:cNvPicPr>
+          <p:nvPr/>
+        </p:nvPicPr>
+        <p:blipFill>
+          <a:blip r:embed="rId2"/>
+          <a:stretch>
+            <a:fillRect/>
+          </a:stretch>
+        </p:blipFill>
+        <p:spPr>
+          <a:xfrm>
+            <a:off x="714464" y="890120"/>
+            <a:ext cx="5377243" cy="4640635"/>
+          </a:xfrm>
+          <a:prstGeom prst="rect">
+            <a:avLst/>
+          </a:prstGeom>
+        </p:spPr>
+      </p:pic>
+      <p:pic>
+        <p:nvPicPr>
+          <p:cNvPr id="7" name="Imagem 6">
+            <a:extLst>
+              <a:ext uri="{FF2B5EF4-FFF2-40B4-BE49-F238E27FC236}">
+                <a16:creationId xmlns:a16="http://schemas.microsoft.com/office/drawing/2014/main" id="{4E0E4B82-F4AA-2F44-A18F-3801D3C3D3AD}"/>
+              </a:ext>
+            </a:extLst>
+          </p:cNvPr>
+          <p:cNvPicPr>
+            <a:picLocks noChangeAspect="1"/>
+          </p:cNvPicPr>
+          <p:nvPr/>
+        </p:nvPicPr>
+        <p:blipFill>
+          <a:blip r:embed="rId3"/>
+          <a:stretch>
+            <a:fillRect/>
+          </a:stretch>
+        </p:blipFill>
+        <p:spPr>
+          <a:xfrm>
+            <a:off x="7666106" y="1432437"/>
+            <a:ext cx="3035300" cy="3556000"/>
+          </a:xfrm>
+          <a:prstGeom prst="rect">
+            <a:avLst/>
+          </a:prstGeom>
+        </p:spPr>
+      </p:pic>
     </p:spTree>
     <p:extLst>
       <p:ext uri="{BB962C8B-B14F-4D97-AF65-F5344CB8AC3E}">
-        <p14:creationId xmlns:p14="http://schemas.microsoft.com/office/powerpoint/2010/main" val="2333415383"/>
+        <p14:creationId xmlns:p14="http://schemas.microsoft.com/office/powerpoint/2010/main" val="502485619"/>
       </p:ext>
     </p:extLst>
   </p:cSld>
@@ -11340,7 +12184,7 @@
       </p:grpSpPr>
       <p:sp>
         <p:nvSpPr>
-          <p:cNvPr id="2" name="Título 1"/>
+          <p:cNvPr id="5" name="Título 1"/>
           <p:cNvSpPr>
             <a:spLocks noGrp="1"/>
           </p:cNvSpPr>
@@ -11348,18 +12192,48 @@
             <p:ph type="title"/>
           </p:nvPr>
         </p:nvSpPr>
-        <p:spPr/>
+        <p:spPr>
+          <a:xfrm>
+            <a:off x="115910" y="123288"/>
+            <a:ext cx="11951594" cy="422275"/>
+          </a:xfrm>
+        </p:spPr>
         <p:txBody>
-          <a:bodyPr/>
+          <a:bodyPr vert="horz" lIns="91440" tIns="45720" rIns="91440" bIns="45720" rtlCol="0" anchor="ctr">
+            <a:normAutofit fontScale="90000"/>
+          </a:bodyPr>
           <a:lstStyle/>
           <a:p>
-            <a:endParaRPr lang="pt-BR"/>
+            <a:pPr algn="ctr"/>
+            <a:r>
+              <a:rPr lang="pt-BR" sz="2800" b="1" dirty="0"/>
+              <a:t>Trabalhando com o </a:t>
+            </a:r>
+            <a:r>
+              <a:rPr lang="pt-BR" sz="2800" b="1" dirty="0" err="1"/>
+              <a:t>Docker</a:t>
+            </a:r>
+            <a:r>
+              <a:rPr lang="pt-BR" sz="2800" b="1" dirty="0"/>
+              <a:t> </a:t>
+            </a:r>
+            <a:r>
+              <a:rPr lang="pt-BR" sz="2800" b="1" dirty="0" err="1"/>
+              <a:t>Compose</a:t>
+            </a:r>
+            <a:endParaRPr lang="pt-BR" sz="2800" b="1" dirty="0"/>
           </a:p>
         </p:txBody>
       </p:sp>
       <p:sp>
         <p:nvSpPr>
-          <p:cNvPr id="3" name="Espaço Reservado para Conteúdo 2"/>
+          <p:cNvPr id="4" name="Espaço Reservado para Conteúdo 2">
+            <a:extLst>
+              <a:ext uri="{FF2B5EF4-FFF2-40B4-BE49-F238E27FC236}">
+                <a16:creationId xmlns:a16="http://schemas.microsoft.com/office/drawing/2014/main" id="{15E972C6-5240-824A-8B79-94A49A406279}"/>
+              </a:ext>
+            </a:extLst>
+          </p:cNvPr>
           <p:cNvSpPr>
             <a:spLocks noGrp="1"/>
           </p:cNvSpPr>
@@ -11367,19 +12241,201 @@
             <p:ph idx="1"/>
           </p:nvPr>
         </p:nvSpPr>
-        <p:spPr/>
+        <p:spPr>
+          <a:xfrm>
+            <a:off x="371061" y="781878"/>
+            <a:ext cx="11357113" cy="5738192"/>
+          </a:xfrm>
+        </p:spPr>
         <p:txBody>
-          <a:bodyPr/>
+          <a:bodyPr>
+            <a:noAutofit/>
+          </a:bodyPr>
           <a:lstStyle/>
           <a:p>
-            <a:endParaRPr lang="pt-BR"/>
+            <a:r>
+              <a:rPr lang="pt-BR" sz="2000" dirty="0"/>
+              <a:t>A necessidade de usar o </a:t>
+            </a:r>
+            <a:r>
+              <a:rPr lang="pt-BR" sz="2000" b="1" i="1" dirty="0" err="1"/>
+              <a:t>Docker</a:t>
+            </a:r>
+            <a:r>
+              <a:rPr lang="pt-BR" sz="2000" b="1" i="1" dirty="0"/>
+              <a:t> </a:t>
+            </a:r>
+            <a:r>
+              <a:rPr lang="pt-BR" sz="2000" b="1" i="1" dirty="0" err="1"/>
+              <a:t>Compose</a:t>
+            </a:r>
+            <a:endParaRPr lang="pt-BR" sz="2000" b="1" i="1" dirty="0"/>
+          </a:p>
+          <a:p>
+            <a:pPr marL="0" indent="0">
+              <a:buNone/>
+            </a:pPr>
+            <a:endParaRPr lang="pt-BR" sz="2000" b="1" dirty="0"/>
+          </a:p>
+          <a:p>
+            <a:r>
+              <a:rPr lang="pt-BR" sz="2000" dirty="0"/>
+              <a:t>Configurar o build de vários containers através do </a:t>
+            </a:r>
+            <a:r>
+              <a:rPr lang="pt-BR" sz="2000" b="1" dirty="0" err="1"/>
+              <a:t>docker-compose.yml</a:t>
+            </a:r>
+            <a:endParaRPr lang="pt-BR" sz="2000" b="1" dirty="0"/>
+          </a:p>
+          <a:p>
+            <a:endParaRPr lang="pt-BR" sz="2000" dirty="0"/>
+          </a:p>
+          <a:p>
+            <a:r>
+              <a:rPr lang="pt-BR" sz="2000" dirty="0"/>
+              <a:t>Subir e parar os containers de maneira coordenada com </a:t>
+            </a:r>
+            <a:r>
+              <a:rPr lang="pt-BR" sz="2000" i="1" dirty="0" err="1"/>
+              <a:t>Docker</a:t>
+            </a:r>
+            <a:r>
+              <a:rPr lang="pt-BR" sz="2000" i="1" dirty="0"/>
+              <a:t> </a:t>
+            </a:r>
+            <a:r>
+              <a:rPr lang="pt-BR" sz="2000" i="1" dirty="0" err="1"/>
+              <a:t>Compose</a:t>
+            </a:r>
+            <a:endParaRPr lang="pt-BR" sz="2000" i="1" dirty="0"/>
+          </a:p>
+          <a:p>
+            <a:endParaRPr lang="pt-BR" sz="2000" dirty="0"/>
+          </a:p>
+          <a:p>
+            <a:r>
+              <a:rPr lang="pt-BR" sz="2000" b="1" i="1" dirty="0" err="1"/>
+              <a:t>docker-compose</a:t>
+            </a:r>
+            <a:r>
+              <a:rPr lang="pt-BR" sz="2000" b="1" i="1" dirty="0"/>
+              <a:t> </a:t>
+            </a:r>
+            <a:r>
+              <a:rPr lang="pt-BR" sz="2000" b="1" i="1" dirty="0" err="1"/>
+              <a:t>up</a:t>
+            </a:r>
+            <a:r>
+              <a:rPr lang="pt-BR" sz="2000" dirty="0"/>
+              <a:t> - sobe os serviços criados</a:t>
+            </a:r>
+          </a:p>
+          <a:p>
+            <a:endParaRPr lang="pt-BR" sz="2000" dirty="0"/>
+          </a:p>
+          <a:p>
+            <a:r>
+              <a:rPr lang="pt-BR" sz="2000" b="1" i="1" dirty="0" err="1"/>
+              <a:t>docker-compose</a:t>
+            </a:r>
+            <a:r>
+              <a:rPr lang="pt-BR" sz="2000" b="1" i="1" dirty="0"/>
+              <a:t> </a:t>
+            </a:r>
+            <a:r>
+              <a:rPr lang="pt-BR" sz="2000" b="1" i="1" dirty="0" err="1"/>
+              <a:t>down</a:t>
+            </a:r>
+            <a:r>
+              <a:rPr lang="pt-BR" sz="2000" dirty="0"/>
+              <a:t> - para os serviços criados.</a:t>
+            </a:r>
+          </a:p>
+          <a:p>
+            <a:endParaRPr lang="pt-BR" sz="2000" dirty="0"/>
+          </a:p>
+          <a:p>
+            <a:r>
+              <a:rPr lang="pt-BR" sz="2000" b="1" i="1" dirty="0" err="1"/>
+              <a:t>docker-compose</a:t>
+            </a:r>
+            <a:r>
+              <a:rPr lang="pt-BR" sz="2000" b="1" i="1" dirty="0"/>
+              <a:t> </a:t>
+            </a:r>
+            <a:r>
+              <a:rPr lang="pt-BR" sz="2000" b="1" i="1" dirty="0" err="1"/>
+              <a:t>ps</a:t>
+            </a:r>
+            <a:r>
+              <a:rPr lang="pt-BR" sz="2000" dirty="0"/>
+              <a:t> - lista os serviços que estão rodando.</a:t>
+            </a:r>
+          </a:p>
+          <a:p>
+            <a:endParaRPr lang="pt-BR" sz="2000" dirty="0"/>
+          </a:p>
+          <a:p>
+            <a:r>
+              <a:rPr lang="pt-BR" sz="2000" b="1" i="1" dirty="0" err="1"/>
+              <a:t>docker</a:t>
+            </a:r>
+            <a:r>
+              <a:rPr lang="pt-BR" sz="2000" b="1" i="1" dirty="0"/>
+              <a:t> </a:t>
+            </a:r>
+            <a:r>
+              <a:rPr lang="pt-BR" sz="2000" b="1" i="1" dirty="0" err="1"/>
+              <a:t>exec</a:t>
+            </a:r>
+            <a:r>
+              <a:rPr lang="pt-BR" sz="2000" b="1" i="1" dirty="0"/>
+              <a:t> </a:t>
+            </a:r>
+            <a:r>
+              <a:rPr lang="pt-BR" sz="2000" dirty="0"/>
+              <a:t>-it alura-books-1 </a:t>
+            </a:r>
+            <a:r>
+              <a:rPr lang="pt-BR" sz="2000" dirty="0" err="1"/>
+              <a:t>ping</a:t>
+            </a:r>
+            <a:r>
+              <a:rPr lang="pt-BR" sz="2000" dirty="0"/>
+              <a:t> node2- executa o comando </a:t>
+            </a:r>
+            <a:r>
+              <a:rPr lang="pt-BR" sz="2000" dirty="0" err="1"/>
+              <a:t>ping</a:t>
+            </a:r>
+            <a:r>
+              <a:rPr lang="pt-BR" sz="2000" dirty="0"/>
+              <a:t> node2 dentro do container alura-books-1</a:t>
+            </a:r>
+          </a:p>
+          <a:p>
+            <a:pPr lvl="1" algn="just">
+              <a:lnSpc>
+                <a:spcPct val="150000"/>
+              </a:lnSpc>
+            </a:pPr>
+            <a:endParaRPr lang="pt-BR" sz="1800" dirty="0"/>
+          </a:p>
+          <a:p>
+            <a:pPr lvl="1" algn="just">
+              <a:lnSpc>
+                <a:spcPct val="150000"/>
+              </a:lnSpc>
+            </a:pPr>
+            <a:endParaRPr lang="pt-BR" sz="1800" dirty="0"/>
           </a:p>
         </p:txBody>
       </p:sp>
     </p:spTree>
     <p:extLst>
       <p:ext uri="{BB962C8B-B14F-4D97-AF65-F5344CB8AC3E}">
-        <p14:creationId xmlns:p14="http://schemas.microsoft.com/office/powerpoint/2010/main" val="3094957484"/>
+        <p14:creationId xmlns:p14="http://schemas.microsoft.com/office/powerpoint/2010/main" val="1819436064"/>
       </p:ext>
     </p:extLst>
   </p:cSld>
@@ -11430,10 +12486,9 @@
           <a:p>
             <a:pPr algn="ctr"/>
             <a:r>
-              <a:rPr lang="pt-BR" sz="2800" b="1" dirty="0" smtClean="0"/>
+              <a:rPr lang="pt-BR" sz="2800" b="1" dirty="0"/>
               <a:t>O Problema das Máquinas Virtuais</a:t>
             </a:r>
-            <a:endParaRPr lang="pt-BR" sz="2800" b="1" dirty="0"/>
           </a:p>
         </p:txBody>
       </p:sp>
@@ -11460,18 +12515,17 @@
           <a:lstStyle/>
           <a:p>
             <a:r>
-              <a:rPr lang="pt-BR" sz="1600" dirty="0" smtClean="0"/>
+              <a:rPr lang="pt-BR" sz="1600" dirty="0"/>
               <a:t>A partir daí foi possível colocar nossas aplicações nessas </a:t>
             </a:r>
             <a:r>
-              <a:rPr lang="pt-BR" sz="1600" dirty="0" err="1" smtClean="0"/>
+              <a:rPr lang="pt-BR" sz="1600" dirty="0" err="1"/>
               <a:t>VMs</a:t>
             </a:r>
             <a:r>
-              <a:rPr lang="pt-BR" sz="1600" dirty="0" smtClean="0"/>
+              <a:rPr lang="pt-BR" sz="1600" dirty="0"/>
               <a:t>.</a:t>
             </a:r>
-            <a:endParaRPr lang="pt-BR" sz="1600" dirty="0"/>
           </a:p>
         </p:txBody>
       </p:sp>
@@ -11686,28 +12740,28 @@
           </a:lstStyle>
           <a:p>
             <a:r>
-              <a:rPr lang="pt-BR" sz="1600" dirty="0" smtClean="0"/>
+              <a:rPr lang="pt-BR" sz="1600" dirty="0"/>
               <a:t>Problemas nessa arquitetura: </a:t>
             </a:r>
           </a:p>
           <a:p>
             <a:pPr lvl="1"/>
             <a:r>
-              <a:rPr lang="pt-BR" sz="1600" dirty="0" smtClean="0"/>
+              <a:rPr lang="pt-BR" sz="1600" dirty="0"/>
               <a:t>Cada aplicação precisa de um S.O. específico</a:t>
             </a:r>
           </a:p>
           <a:p>
             <a:pPr lvl="1"/>
             <a:r>
-              <a:rPr lang="pt-BR" sz="1600" dirty="0" smtClean="0"/>
+              <a:rPr lang="pt-BR" sz="1600" dirty="0"/>
               <a:t>Custo alto de configurações</a:t>
             </a:r>
           </a:p>
           <a:p>
             <a:pPr lvl="1"/>
             <a:r>
-              <a:rPr lang="pt-BR" sz="1600" dirty="0" smtClean="0"/>
+              <a:rPr lang="pt-BR" sz="1600" dirty="0"/>
               <a:t>Tempo alto de manutenção dessas máquinas virtuais. Ao invés de se gastar tempo com o Core da empresa, gasta-se com softwares de infraestrutura</a:t>
             </a:r>
           </a:p>
@@ -11715,14 +12769,13 @@
             <a:pPr marL="457200" lvl="1" indent="0">
               <a:buNone/>
             </a:pPr>
-            <a:endParaRPr lang="pt-BR" sz="1600" dirty="0" smtClean="0"/>
-          </a:p>
-          <a:p>
-            <a:r>
-              <a:rPr lang="pt-BR" sz="2000" dirty="0" smtClean="0"/>
+            <a:endParaRPr lang="pt-BR" sz="1600" dirty="0"/>
+          </a:p>
+          <a:p>
+            <a:r>
+              <a:rPr lang="pt-BR" sz="2000" dirty="0"/>
               <a:t>Com isso deu-se origem aos Containers</a:t>
             </a:r>
-            <a:endParaRPr lang="pt-BR" sz="2000" dirty="0"/>
           </a:p>
         </p:txBody>
       </p:sp>
@@ -11772,10 +12825,9 @@
           <a:lstStyle/>
           <a:p>
             <a:r>
-              <a:rPr lang="pt-BR" dirty="0" smtClean="0"/>
+              <a:rPr lang="pt-BR" dirty="0"/>
               <a:t>Referências Bibliográficas</a:t>
             </a:r>
-            <a:endParaRPr lang="pt-BR" dirty="0"/>
           </a:p>
         </p:txBody>
       </p:sp>
@@ -11795,18 +12847,17 @@
           <a:lstStyle/>
           <a:p>
             <a:r>
-              <a:rPr lang="pt-BR" dirty="0" smtClean="0"/>
+              <a:rPr lang="pt-BR" dirty="0"/>
               <a:t>Curso </a:t>
             </a:r>
             <a:r>
-              <a:rPr lang="pt-BR" dirty="0" err="1" smtClean="0"/>
+              <a:rPr lang="pt-BR" dirty="0" err="1"/>
               <a:t>Alura</a:t>
             </a:r>
             <a:r>
-              <a:rPr lang="pt-BR" dirty="0" smtClean="0"/>
+              <a:rPr lang="pt-BR" dirty="0"/>
               <a:t> Docker</a:t>
             </a:r>
-            <a:endParaRPr lang="pt-BR" dirty="0"/>
           </a:p>
         </p:txBody>
       </p:sp>
@@ -11864,10 +12915,9 @@
           <a:p>
             <a:pPr algn="ctr"/>
             <a:r>
-              <a:rPr lang="pt-BR" sz="2800" b="1" dirty="0" smtClean="0"/>
+              <a:rPr lang="pt-BR" sz="2800" b="1" dirty="0"/>
               <a:t>Containers</a:t>
             </a:r>
-            <a:endParaRPr lang="pt-BR" sz="2800" b="1" dirty="0"/>
           </a:p>
         </p:txBody>
       </p:sp>
@@ -11894,10 +12944,9 @@
           <a:lstStyle/>
           <a:p>
             <a:r>
-              <a:rPr lang="pt-BR" sz="1600" dirty="0" smtClean="0"/>
+              <a:rPr lang="pt-BR" sz="1600" dirty="0"/>
               <a:t>Um container funciona junto do nosso S.O. e receberá a nossa aplicação, ou seja, a aplicação funcionará dentro dele </a:t>
             </a:r>
-            <a:endParaRPr lang="pt-BR" sz="1600" dirty="0"/>
           </a:p>
         </p:txBody>
       </p:sp>
@@ -12088,25 +13137,24 @@
           </a:lstStyle>
           <a:p>
             <a:r>
-              <a:rPr lang="pt-BR" sz="1800" dirty="0" smtClean="0"/>
+              <a:rPr lang="pt-BR" sz="1800" dirty="0"/>
               <a:t>Vantagens</a:t>
             </a:r>
           </a:p>
           <a:p>
             <a:pPr lvl="1"/>
             <a:r>
-              <a:rPr lang="pt-BR" sz="1800" dirty="0" smtClean="0"/>
+              <a:rPr lang="pt-BR" sz="1800" dirty="0"/>
               <a:t>Por não possuir um S.O. é muito mais leve e  não possui o custo de vários </a:t>
             </a:r>
             <a:r>
-              <a:rPr lang="pt-BR" sz="1800" dirty="0" err="1" smtClean="0"/>
+              <a:rPr lang="pt-BR" sz="1800" dirty="0" err="1"/>
               <a:t>S.O.s.</a:t>
             </a:r>
             <a:r>
-              <a:rPr lang="pt-BR" sz="1800" dirty="0" smtClean="0"/>
+              <a:rPr lang="pt-BR" sz="1800" dirty="0"/>
               <a:t> Muito mais rápido pra subir </a:t>
             </a:r>
-            <a:endParaRPr lang="pt-BR" sz="1800" dirty="0"/>
           </a:p>
         </p:txBody>
       </p:sp>
@@ -12321,38 +13369,37 @@
           </a:lstStyle>
           <a:p>
             <a:r>
-              <a:rPr lang="pt-BR" sz="1800" dirty="0" smtClean="0"/>
+              <a:rPr lang="pt-BR" sz="1800" dirty="0"/>
               <a:t>Por que usar um Container? </a:t>
             </a:r>
           </a:p>
           <a:p>
             <a:pPr lvl="1"/>
             <a:r>
-              <a:rPr lang="pt-BR" sz="1800" dirty="0" smtClean="0"/>
+              <a:rPr lang="pt-BR" sz="1800" dirty="0"/>
               <a:t>Imagine numa mesma máquina 2 sistemas que utilizam a mesma porta de rede.</a:t>
             </a:r>
           </a:p>
           <a:p>
             <a:pPr lvl="1"/>
             <a:r>
-              <a:rPr lang="pt-BR" sz="1800" dirty="0" smtClean="0"/>
+              <a:rPr lang="pt-BR" sz="1800" dirty="0"/>
               <a:t>E se uma aplicação consumir toda a CPU de outra aplicação? </a:t>
             </a:r>
           </a:p>
           <a:p>
             <a:pPr lvl="1"/>
             <a:r>
-              <a:rPr lang="pt-BR" sz="1800" dirty="0" smtClean="0"/>
+              <a:rPr lang="pt-BR" sz="1800" dirty="0"/>
               <a:t>Uma aplicação usa Java 7 e outra usa Java 8</a:t>
             </a:r>
           </a:p>
           <a:p>
             <a:pPr lvl="1"/>
             <a:r>
-              <a:rPr lang="pt-BR" sz="1800" dirty="0" smtClean="0"/>
+              <a:rPr lang="pt-BR" sz="1800" dirty="0"/>
               <a:t>Sem contar que uma única aplicação pode congelar um ambiente</a:t>
             </a:r>
-            <a:endParaRPr lang="pt-BR" sz="1800" dirty="0"/>
           </a:p>
         </p:txBody>
       </p:sp>
@@ -12410,10 +13457,9 @@
           <a:p>
             <a:pPr algn="ctr"/>
             <a:r>
-              <a:rPr lang="pt-BR" sz="2800" b="1" dirty="0" smtClean="0"/>
+              <a:rPr lang="pt-BR" sz="2800" b="1" dirty="0"/>
               <a:t>O que é o Docker?</a:t>
             </a:r>
-            <a:endParaRPr lang="pt-BR" sz="2800" b="1" dirty="0"/>
           </a:p>
         </p:txBody>
       </p:sp>
@@ -12445,42 +13491,26 @@
             </a:r>
             <a:r>
               <a:rPr lang="pt-BR" sz="2000" b="1" dirty="0"/>
-              <a:t>Docker, Inc</a:t>
-            </a:r>
-            <a:r>
-              <a:rPr lang="pt-BR" sz="2000" b="1" dirty="0" smtClean="0"/>
-              <a:t>. </a:t>
-            </a:r>
-            <a:r>
-              <a:rPr lang="pt-BR" sz="2000" dirty="0" smtClean="0"/>
+              <a:t>Docker, Inc. </a:t>
+            </a:r>
+            <a:r>
+              <a:rPr lang="pt-BR" sz="2000" dirty="0"/>
               <a:t>é</a:t>
             </a:r>
             <a:r>
-              <a:rPr lang="pt-BR" sz="2000" b="1" dirty="0" smtClean="0"/>
+              <a:rPr lang="pt-BR" sz="2000" b="1" dirty="0"/>
               <a:t> </a:t>
             </a:r>
             <a:r>
-              <a:rPr lang="pt-BR" sz="2000" dirty="0" smtClean="0"/>
-              <a:t>empresa </a:t>
-            </a:r>
-            <a:r>
               <a:rPr lang="pt-BR" sz="2000" dirty="0"/>
-              <a:t>que toma conta do </a:t>
-            </a:r>
-            <a:r>
-              <a:rPr lang="pt-BR" sz="2000" dirty="0" smtClean="0"/>
-              <a:t>Docker </a:t>
-            </a:r>
-            <a:r>
-              <a:rPr lang="pt-BR" sz="2000" dirty="0"/>
-              <a:t>e a tecnologia dos </a:t>
+              <a:t>empresa que toma conta do Docker e a tecnologia dos </a:t>
             </a:r>
             <a:r>
               <a:rPr lang="pt-BR" sz="2000" i="1" dirty="0"/>
               <a:t>containers</a:t>
             </a:r>
             <a:r>
-              <a:rPr lang="pt-BR" sz="2000" dirty="0" smtClean="0"/>
+              <a:rPr lang="pt-BR" sz="2000" dirty="0"/>
               <a:t>.</a:t>
             </a:r>
           </a:p>
@@ -12489,23 +13519,23 @@
           </a:p>
           <a:p>
             <a:r>
-              <a:rPr lang="pt-BR" sz="2000" dirty="0" smtClean="0"/>
+              <a:rPr lang="pt-BR" sz="2000" dirty="0"/>
               <a:t>O </a:t>
             </a:r>
             <a:r>
-              <a:rPr lang="pt-BR" sz="2000" b="1" dirty="0" smtClean="0"/>
+              <a:rPr lang="pt-BR" sz="2000" b="1" dirty="0"/>
               <a:t>Docker</a:t>
             </a:r>
             <a:r>
-              <a:rPr lang="pt-BR" sz="2000" dirty="0" smtClean="0"/>
+              <a:rPr lang="pt-BR" sz="2000" dirty="0"/>
               <a:t> nada mais é do que um conjunto de tecnologias para facilitar o </a:t>
             </a:r>
             <a:r>
-              <a:rPr lang="pt-BR" sz="2000" dirty="0" err="1" smtClean="0"/>
+              <a:rPr lang="pt-BR" sz="2000" dirty="0" err="1"/>
               <a:t>deploy</a:t>
             </a:r>
             <a:r>
-              <a:rPr lang="pt-BR" sz="2000" dirty="0" smtClean="0"/>
+              <a:rPr lang="pt-BR" sz="2000" dirty="0"/>
               <a:t> e a execução das nossas aplicações.</a:t>
             </a:r>
           </a:p>
@@ -12513,10 +13543,10 @@
             <a:endParaRPr lang="pt-BR" sz="2000" dirty="0"/>
           </a:p>
           <a:p>
-            <a:endParaRPr lang="pt-BR" sz="2000" dirty="0" smtClean="0"/>
-          </a:p>
-          <a:p>
-            <a:endParaRPr lang="pt-BR" sz="2000" dirty="0" smtClean="0"/>
+            <a:endParaRPr lang="pt-BR" sz="2000" dirty="0"/>
+          </a:p>
+          <a:p>
+            <a:endParaRPr lang="pt-BR" sz="2000" dirty="0"/>
           </a:p>
           <a:p>
             <a:endParaRPr lang="pt-BR" sz="2000" dirty="0"/>
@@ -12566,14 +13596,13 @@
           <a:p>
             <a:pPr algn="ctr"/>
             <a:r>
-              <a:rPr lang="pt-BR" sz="2800" b="1" dirty="0" err="1" smtClean="0"/>
+              <a:rPr lang="pt-BR" sz="2800" b="1" dirty="0" err="1"/>
               <a:t>Hello</a:t>
             </a:r>
             <a:r>
-              <a:rPr lang="pt-BR" sz="2800" b="1" dirty="0" smtClean="0"/>
+              <a:rPr lang="pt-BR" sz="2800" b="1" dirty="0"/>
               <a:t> World</a:t>
             </a:r>
-            <a:endParaRPr lang="pt-BR" sz="2800" b="1" dirty="0"/>
           </a:p>
         </p:txBody>
       </p:sp>
@@ -12600,45 +13629,45 @@
           <a:lstStyle/>
           <a:p>
             <a:r>
-              <a:rPr lang="pt-BR" dirty="0" err="1" smtClean="0"/>
+              <a:rPr lang="pt-BR" dirty="0" err="1"/>
               <a:t>docker</a:t>
             </a:r>
             <a:r>
-              <a:rPr lang="pt-BR" dirty="0" smtClean="0"/>
+              <a:rPr lang="pt-BR" dirty="0"/>
               <a:t> </a:t>
             </a:r>
             <a:r>
-              <a:rPr lang="pt-BR" dirty="0" err="1" smtClean="0"/>
+              <a:rPr lang="pt-BR" dirty="0" err="1"/>
               <a:t>version</a:t>
             </a:r>
-            <a:endParaRPr lang="pt-BR" dirty="0" smtClean="0"/>
-          </a:p>
-          <a:p>
             <a:endParaRPr lang="pt-BR" dirty="0"/>
           </a:p>
           <a:p>
-            <a:r>
-              <a:rPr lang="pt-BR" dirty="0" err="1" smtClean="0"/>
+            <a:endParaRPr lang="pt-BR" dirty="0"/>
+          </a:p>
+          <a:p>
+            <a:r>
+              <a:rPr lang="pt-BR" dirty="0" err="1"/>
               <a:t>docker</a:t>
             </a:r>
             <a:r>
-              <a:rPr lang="pt-BR" dirty="0" smtClean="0"/>
+              <a:rPr lang="pt-BR" dirty="0"/>
               <a:t> </a:t>
             </a:r>
             <a:r>
-              <a:rPr lang="pt-BR" dirty="0" err="1" smtClean="0"/>
+              <a:rPr lang="pt-BR" dirty="0" err="1"/>
               <a:t>run</a:t>
             </a:r>
             <a:r>
-              <a:rPr lang="pt-BR" dirty="0" smtClean="0"/>
+              <a:rPr lang="pt-BR" dirty="0"/>
               <a:t> </a:t>
             </a:r>
             <a:r>
-              <a:rPr lang="pt-BR" dirty="0" err="1" smtClean="0"/>
+              <a:rPr lang="pt-BR" dirty="0" err="1"/>
               <a:t>hello</a:t>
             </a:r>
             <a:r>
-              <a:rPr lang="pt-BR" dirty="0" smtClean="0"/>
+              <a:rPr lang="pt-BR" dirty="0"/>
               <a:t>-world </a:t>
             </a:r>
           </a:p>
@@ -12685,7 +13714,7 @@
           <a:p>
             <a:pPr algn="ctr"/>
             <a:r>
-              <a:rPr lang="pt-BR" sz="2400" b="1" i="1" u="sng" dirty="0" smtClean="0">
+              <a:rPr lang="pt-BR" sz="2400" b="1" i="1" u="sng" dirty="0">
                 <a:effectLst>
                   <a:outerShdw blurRad="38100" dist="38100" dir="2700000" algn="tl">
                     <a:srgbClr val="000000">
@@ -12697,7 +13726,7 @@
               <a:t>Play </a:t>
             </a:r>
             <a:r>
-              <a:rPr lang="pt-BR" sz="2400" b="1" i="1" u="sng" dirty="0" err="1" smtClean="0">
+              <a:rPr lang="pt-BR" sz="2400" b="1" i="1" u="sng" dirty="0" err="1">
                 <a:effectLst>
                   <a:outerShdw blurRad="38100" dist="38100" dir="2700000" algn="tl">
                     <a:srgbClr val="000000">
@@ -12709,7 +13738,7 @@
               <a:t>with</a:t>
             </a:r>
             <a:r>
-              <a:rPr lang="pt-BR" sz="2400" b="1" i="1" u="sng" dirty="0" smtClean="0">
+              <a:rPr lang="pt-BR" sz="2400" b="1" i="1" u="sng" dirty="0">
                 <a:effectLst>
                   <a:outerShdw blurRad="38100" dist="38100" dir="2700000" algn="tl">
                     <a:srgbClr val="000000">
@@ -12720,18 +13749,6 @@
               </a:rPr>
               <a:t> Docker</a:t>
             </a:r>
-          </a:p>
-          <a:p>
-            <a:pPr algn="ctr"/>
-            <a:endParaRPr lang="pt-BR" sz="2000" b="1" i="1" u="sng" dirty="0" smtClean="0">
-              <a:effectLst>
-                <a:outerShdw blurRad="38100" dist="38100" dir="2700000" algn="tl">
-                  <a:srgbClr val="000000">
-                    <a:alpha val="43137"/>
-                  </a:srgbClr>
-                </a:outerShdw>
-              </a:effectLst>
-            </a:endParaRPr>
           </a:p>
           <a:p>
             <a:pPr algn="ctr"/>
@@ -12747,6 +13764,18 @@
           </a:p>
           <a:p>
             <a:pPr algn="ctr"/>
+            <a:endParaRPr lang="pt-BR" sz="2000" b="1" i="1" u="sng" dirty="0">
+              <a:effectLst>
+                <a:outerShdw blurRad="38100" dist="38100" dir="2700000" algn="tl">
+                  <a:srgbClr val="000000">
+                    <a:alpha val="43137"/>
+                  </a:srgbClr>
+                </a:outerShdw>
+              </a:effectLst>
+            </a:endParaRPr>
+          </a:p>
+          <a:p>
+            <a:pPr algn="ctr"/>
             <a:r>
               <a:rPr lang="pt-BR" sz="2000" b="1" i="1" u="sng" dirty="0">
                 <a:effectLst>
@@ -12758,20 +13787,7 @@
                 </a:effectLst>
                 <a:hlinkClick r:id="rId2"/>
               </a:rPr>
-              <a:t>https://labs.play-with-docker.com</a:t>
-            </a:r>
-            <a:r>
-              <a:rPr lang="pt-BR" sz="2000" b="1" i="1" u="sng" dirty="0" smtClean="0">
-                <a:effectLst>
-                  <a:outerShdw blurRad="38100" dist="38100" dir="2700000" algn="tl">
-                    <a:srgbClr val="000000">
-                      <a:alpha val="43137"/>
-                    </a:srgbClr>
-                  </a:outerShdw>
-                </a:effectLst>
-                <a:hlinkClick r:id="rId2"/>
-              </a:rPr>
-              <a:t>/</a:t>
+              <a:t>https://labs.play-with-docker.com/</a:t>
             </a:r>
             <a:endParaRPr lang="pt-BR" sz="2000" b="1" i="1" u="sng" dirty="0">
               <a:effectLst>
@@ -12870,10 +13886,9 @@
           <a:p>
             <a:pPr algn="ctr"/>
             <a:r>
-              <a:rPr lang="pt-BR" sz="2800" b="1" dirty="0" smtClean="0"/>
+              <a:rPr lang="pt-BR" sz="2800" b="1" dirty="0"/>
               <a:t>Tecnologias Docker</a:t>
             </a:r>
-            <a:endParaRPr lang="pt-BR" sz="2800" b="1" dirty="0"/>
           </a:p>
         </p:txBody>
       </p:sp>
@@ -13064,88 +14079,71 @@
           </a:lstStyle>
           <a:p>
             <a:r>
-              <a:rPr lang="pt-BR" sz="2000" b="1" dirty="0" smtClean="0"/>
+              <a:rPr lang="pt-BR" sz="2000" b="1" dirty="0"/>
               <a:t>Docker </a:t>
             </a:r>
             <a:r>
-              <a:rPr lang="pt-BR" sz="2000" b="1" dirty="0" err="1" smtClean="0"/>
+              <a:rPr lang="pt-BR" sz="2000" b="1" dirty="0" err="1"/>
               <a:t>Compose</a:t>
             </a:r>
             <a:r>
-              <a:rPr lang="pt-BR" sz="2000" b="1" dirty="0" smtClean="0"/>
+              <a:rPr lang="pt-BR" sz="2000" b="1" dirty="0"/>
               <a:t> –</a:t>
             </a:r>
             <a:r>
-              <a:rPr lang="pt-BR" sz="2000" dirty="0" smtClean="0"/>
+              <a:rPr lang="pt-BR" sz="2000" dirty="0"/>
               <a:t> uma forma simples de orquestrar múltiplos containers.</a:t>
             </a:r>
           </a:p>
           <a:p>
-            <a:endParaRPr lang="pt-BR" sz="2000" b="1" dirty="0" smtClean="0"/>
-          </a:p>
-          <a:p>
-            <a:r>
-              <a:rPr lang="pt-BR" sz="2000" b="1" dirty="0" smtClean="0"/>
+            <a:endParaRPr lang="pt-BR" sz="2000" b="1" dirty="0"/>
+          </a:p>
+          <a:p>
+            <a:r>
+              <a:rPr lang="pt-BR" sz="2000" b="1" dirty="0"/>
               <a:t>Docker </a:t>
             </a:r>
             <a:r>
-              <a:rPr lang="pt-BR" sz="2000" b="1" dirty="0" err="1" smtClean="0"/>
+              <a:rPr lang="pt-BR" sz="2000" b="1" dirty="0" err="1"/>
               <a:t>Swarm</a:t>
             </a:r>
             <a:r>
-              <a:rPr lang="pt-BR" sz="2000" b="1" dirty="0" smtClean="0"/>
-              <a:t> </a:t>
-            </a:r>
-            <a:r>
               <a:rPr lang="pt-BR" sz="2000" b="1" dirty="0"/>
-              <a:t>–</a:t>
+              <a:t> –</a:t>
+            </a:r>
+            <a:r>
+              <a:rPr lang="pt-BR" sz="2000" dirty="0"/>
+              <a:t> uma ferramenta para colocar múltiplos </a:t>
+            </a:r>
+            <a:r>
+              <a:rPr lang="pt-BR" sz="2000" dirty="0" err="1"/>
+              <a:t>docker</a:t>
             </a:r>
             <a:r>
               <a:rPr lang="pt-BR" sz="2000" dirty="0"/>
               <a:t> </a:t>
             </a:r>
             <a:r>
-              <a:rPr lang="pt-BR" sz="2000" dirty="0" smtClean="0"/>
-              <a:t>uma ferramenta para colocar múltiplos </a:t>
-            </a:r>
-            <a:r>
-              <a:rPr lang="pt-BR" sz="2000" dirty="0" err="1" smtClean="0"/>
-              <a:t>docker</a:t>
-            </a:r>
-            <a:r>
-              <a:rPr lang="pt-BR" sz="2000" dirty="0" smtClean="0"/>
-              <a:t> </a:t>
-            </a:r>
-            <a:r>
-              <a:rPr lang="pt-BR" sz="2000" dirty="0" err="1" smtClean="0"/>
+              <a:rPr lang="pt-BR" sz="2000" dirty="0" err="1"/>
               <a:t>engines</a:t>
             </a:r>
             <a:r>
-              <a:rPr lang="pt-BR" sz="2000" dirty="0" smtClean="0"/>
+              <a:rPr lang="pt-BR" sz="2000" dirty="0"/>
               <a:t> para funcionarem juntos num cluster.</a:t>
             </a:r>
           </a:p>
           <a:p>
-            <a:endParaRPr lang="pt-BR" sz="2000" b="1" dirty="0" smtClean="0"/>
-          </a:p>
-          <a:p>
-            <a:r>
-              <a:rPr lang="pt-BR" sz="2000" b="1" dirty="0" smtClean="0"/>
-              <a:t>Docker Hub </a:t>
-            </a:r>
+            <a:endParaRPr lang="pt-BR" sz="2000" b="1" dirty="0"/>
+          </a:p>
+          <a:p>
             <a:r>
               <a:rPr lang="pt-BR" sz="2000" b="1" dirty="0"/>
-              <a:t>–</a:t>
+              <a:t>Docker Hub –</a:t>
             </a:r>
             <a:r>
               <a:rPr lang="pt-BR" sz="2000" dirty="0"/>
-              <a:t> </a:t>
-            </a:r>
-            <a:r>
-              <a:rPr lang="pt-BR" sz="2000" dirty="0" smtClean="0"/>
-              <a:t>um repositório com mais de 250 mil imagens diferentes para os nossos containers.</a:t>
-            </a:r>
-            <a:endParaRPr lang="pt-BR" sz="2000" dirty="0"/>
+              <a:t> um repositório com mais de 250 mil imagens diferentes para os nossos containers.</a:t>
+            </a:r>
           </a:p>
           <a:p>
             <a:endParaRPr lang="pt-BR" sz="2000" dirty="0"/>
@@ -13156,24 +14154,16 @@
               <a:t>Docker </a:t>
             </a:r>
             <a:r>
-              <a:rPr lang="pt-BR" sz="2000" b="1" dirty="0" err="1" smtClean="0"/>
+              <a:rPr lang="pt-BR" sz="2000" b="1" dirty="0" err="1"/>
               <a:t>Machine</a:t>
             </a:r>
             <a:r>
-              <a:rPr lang="pt-BR" sz="2000" b="1" dirty="0" smtClean="0"/>
-              <a:t> </a:t>
-            </a:r>
-            <a:r>
               <a:rPr lang="pt-BR" sz="2000" b="1" dirty="0"/>
-              <a:t>–</a:t>
+              <a:t> –</a:t>
             </a:r>
             <a:r>
               <a:rPr lang="pt-BR" sz="2000" dirty="0"/>
-              <a:t> </a:t>
-            </a:r>
-            <a:r>
-              <a:rPr lang="pt-BR" sz="2000" dirty="0" smtClean="0"/>
-              <a:t>uma ferramenta que nos permite gerenciar o Docker num Host Virtual.</a:t>
+              <a:t> uma ferramenta que nos permite gerenciar o Docker num Host Virtual.</a:t>
             </a:r>
           </a:p>
           <a:p>
@@ -13537,10 +14527,9 @@
           <a:p>
             <a:pPr algn="ctr"/>
             <a:r>
-              <a:rPr lang="pt-BR" sz="2800" b="1" dirty="0" smtClean="0"/>
+              <a:rPr lang="pt-BR" sz="2800" b="1" dirty="0"/>
               <a:t>Diferença entre Imagens e Containers</a:t>
             </a:r>
-            <a:endParaRPr lang="pt-BR" sz="2800" b="1" dirty="0"/>
           </a:p>
         </p:txBody>
       </p:sp>
@@ -13975,11 +14964,7 @@
             </a:r>
             <a:r>
               <a:rPr lang="pt-BR" sz="1600" dirty="0"/>
-              <a:t>, que irá conter as instruções da </a:t>
-            </a:r>
-            <a:r>
-              <a:rPr lang="pt-BR" sz="1600" dirty="0" smtClean="0"/>
-              <a:t>imagem.</a:t>
+              <a:t>, que irá conter as instruções da imagem.</a:t>
             </a:r>
           </a:p>
           <a:p>
@@ -13991,37 +14976,29 @@
               <a:buChar char="Ø"/>
             </a:pPr>
             <a:r>
-              <a:rPr lang="pt-BR" sz="1600" dirty="0" err="1" smtClean="0"/>
+              <a:rPr lang="pt-BR" sz="1600" dirty="0" err="1"/>
               <a:t>docker</a:t>
             </a:r>
             <a:r>
-              <a:rPr lang="pt-BR" sz="1600" dirty="0" smtClean="0"/>
+              <a:rPr lang="pt-BR" sz="1600" dirty="0"/>
               <a:t> </a:t>
             </a:r>
             <a:r>
-              <a:rPr lang="pt-BR" sz="1600" dirty="0" err="1" smtClean="0"/>
+              <a:rPr lang="pt-BR" sz="1600" dirty="0" err="1"/>
               <a:t>ps</a:t>
             </a:r>
             <a:r>
-              <a:rPr lang="pt-BR" sz="1600" dirty="0" smtClean="0"/>
+              <a:rPr lang="pt-BR" sz="1600" dirty="0"/>
               <a:t> –a</a:t>
             </a:r>
           </a:p>
           <a:p>
-            <a:endParaRPr lang="pt-BR" sz="1600" dirty="0" smtClean="0"/>
+            <a:endParaRPr lang="pt-BR" sz="1600" dirty="0"/>
           </a:p>
           <a:p>
             <a:r>
               <a:rPr lang="pt-BR" sz="1600" dirty="0"/>
-              <a:t>CONTAINER ID    IMAGE         COMMAND       CREATED         STATUS                     </a:t>
-            </a:r>
-            <a:r>
-              <a:rPr lang="pt-BR" sz="1600" dirty="0" smtClean="0"/>
-              <a:t>		PORTS     </a:t>
-            </a:r>
-            <a:r>
-              <a:rPr lang="pt-BR" sz="1600" dirty="0"/>
-              <a:t>NAMES</a:t>
+              <a:t>CONTAINER ID    IMAGE         COMMAND       CREATED         STATUS                     		PORTS     NAMES</a:t>
             </a:r>
           </a:p>
           <a:p>
@@ -14051,23 +15028,15 @@
             </a:r>
             <a:r>
               <a:rPr lang="pt-BR" sz="1600" dirty="0"/>
-              <a:t>   </a:t>
-            </a:r>
-            <a:r>
-              <a:rPr lang="pt-BR" sz="1600" dirty="0" smtClean="0"/>
-              <a:t> </a:t>
-            </a:r>
-            <a:r>
-              <a:rPr lang="pt-BR" sz="1600" dirty="0" err="1" smtClean="0"/>
+              <a:t>    </a:t>
+            </a:r>
+            <a:r>
+              <a:rPr lang="pt-BR" sz="1600" dirty="0" err="1"/>
               <a:t>Exited</a:t>
             </a:r>
             <a:r>
-              <a:rPr lang="pt-BR" sz="1600" dirty="0" smtClean="0"/>
-              <a:t> </a:t>
-            </a:r>
-            <a:r>
               <a:rPr lang="pt-BR" sz="1600" dirty="0"/>
-              <a:t>(0) 3 minutes </a:t>
+              <a:t> (0) 3 minutes </a:t>
             </a:r>
             <a:r>
               <a:rPr lang="pt-BR" sz="1600" dirty="0" err="1"/>
@@ -14075,14 +15044,10 @@
             </a:r>
             <a:r>
               <a:rPr lang="pt-BR" sz="1600" dirty="0"/>
-              <a:t>          </a:t>
-            </a:r>
-            <a:r>
-              <a:rPr lang="pt-BR" sz="1600" dirty="0" smtClean="0"/>
-              <a:t>		</a:t>
-            </a:r>
-            <a:r>
-              <a:rPr lang="pt-BR" sz="1600" dirty="0" err="1" smtClean="0"/>
+              <a:t>          		</a:t>
+            </a:r>
+            <a:r>
+              <a:rPr lang="pt-BR" sz="1600" dirty="0" err="1"/>
               <a:t>elastic_albattani</a:t>
             </a:r>
             <a:endParaRPr lang="pt-BR" sz="1600" dirty="0"/>
@@ -14106,11 +15071,7 @@
             </a:r>
             <a:r>
               <a:rPr lang="pt-BR" sz="1600" dirty="0"/>
-              <a:t>"      </a:t>
-            </a:r>
-            <a:r>
-              <a:rPr lang="pt-BR" sz="1600" dirty="0" smtClean="0"/>
-              <a:t>  4 </a:t>
+              <a:t>"        4 </a:t>
             </a:r>
             <a:r>
               <a:rPr lang="pt-BR" sz="1600" dirty="0" err="1"/>
@@ -14126,23 +15087,15 @@
             </a:r>
             <a:r>
               <a:rPr lang="pt-BR" sz="1600" dirty="0"/>
-              <a:t>      </a:t>
-            </a:r>
-            <a:r>
-              <a:rPr lang="pt-BR" sz="1600" dirty="0" smtClean="0"/>
-              <a:t>    </a:t>
-            </a:r>
-            <a:r>
-              <a:rPr lang="pt-BR" sz="1600" dirty="0" err="1" smtClean="0"/>
+              <a:t>          </a:t>
+            </a:r>
+            <a:r>
+              <a:rPr lang="pt-BR" sz="1600" dirty="0" err="1"/>
               <a:t>Exited</a:t>
             </a:r>
             <a:r>
-              <a:rPr lang="pt-BR" sz="1600" dirty="0" smtClean="0"/>
-              <a:t> </a:t>
-            </a:r>
-            <a:r>
               <a:rPr lang="pt-BR" sz="1600" dirty="0"/>
-              <a:t>(0) 4 </a:t>
+              <a:t> (0) 4 </a:t>
             </a:r>
             <a:r>
               <a:rPr lang="pt-BR" sz="1600" dirty="0" err="1"/>
@@ -14158,20 +15111,16 @@
             </a:r>
             <a:r>
               <a:rPr lang="pt-BR" sz="1600" dirty="0"/>
-              <a:t>                </a:t>
-            </a:r>
-            <a:r>
-              <a:rPr lang="pt-BR" sz="1600" dirty="0" smtClean="0"/>
-              <a:t>		</a:t>
-            </a:r>
-            <a:r>
-              <a:rPr lang="pt-BR" sz="1600" dirty="0" err="1" smtClean="0"/>
+              <a:t>                		</a:t>
+            </a:r>
+            <a:r>
+              <a:rPr lang="pt-BR" sz="1600" dirty="0" err="1"/>
               <a:t>nifty_mcclintock</a:t>
             </a:r>
-            <a:endParaRPr lang="pt-BR" sz="1600" dirty="0" smtClean="0"/>
-          </a:p>
-          <a:p>
-            <a:endParaRPr lang="pt-BR" sz="1600" dirty="0" smtClean="0"/>
+            <a:endParaRPr lang="pt-BR" sz="1600" dirty="0"/>
+          </a:p>
+          <a:p>
+            <a:endParaRPr lang="pt-BR" sz="1600" dirty="0"/>
           </a:p>
           <a:p>
             <a:endParaRPr lang="pt-BR" sz="1600" dirty="0"/>
@@ -14299,10 +15248,9 @@
           <a:p>
             <a:pPr algn="ctr"/>
             <a:r>
-              <a:rPr lang="pt-BR" sz="2800" b="1" dirty="0" smtClean="0"/>
+              <a:rPr lang="pt-BR" sz="2800" b="1" dirty="0"/>
               <a:t>Diferença entre Imagens e Containers  - E alguns comandos</a:t>
             </a:r>
-            <a:endParaRPr lang="pt-BR" sz="2800" b="1" dirty="0"/>
           </a:p>
         </p:txBody>
       </p:sp>
@@ -14711,7 +15659,7 @@
           </a:bodyPr>
           <a:lstStyle/>
           <a:p>
-            <a:endParaRPr lang="pt-BR" dirty="0" smtClean="0"/>
+            <a:endParaRPr lang="pt-BR" dirty="0"/>
           </a:p>
           <a:p>
             <a:pPr marL="285750" indent="-285750">
@@ -14719,35 +15667,35 @@
               <a:buChar char="Ø"/>
             </a:pPr>
             <a:r>
-              <a:rPr lang="pt-BR" dirty="0" err="1" smtClean="0"/>
+              <a:rPr lang="pt-BR" dirty="0" err="1"/>
               <a:t>docker</a:t>
             </a:r>
             <a:r>
-              <a:rPr lang="pt-BR" dirty="0" smtClean="0"/>
+              <a:rPr lang="pt-BR" dirty="0"/>
               <a:t> </a:t>
             </a:r>
             <a:r>
-              <a:rPr lang="pt-BR" dirty="0" err="1" smtClean="0"/>
+              <a:rPr lang="pt-BR" dirty="0" err="1"/>
               <a:t>run</a:t>
             </a:r>
             <a:r>
-              <a:rPr lang="pt-BR" dirty="0" smtClean="0"/>
+              <a:rPr lang="pt-BR" dirty="0"/>
               <a:t> </a:t>
             </a:r>
             <a:r>
-              <a:rPr lang="pt-BR" dirty="0" err="1" smtClean="0"/>
+              <a:rPr lang="pt-BR" dirty="0" err="1"/>
               <a:t>ubuntu</a:t>
             </a:r>
             <a:r>
-              <a:rPr lang="pt-BR" dirty="0" smtClean="0"/>
+              <a:rPr lang="pt-BR" dirty="0"/>
               <a:t> </a:t>
             </a:r>
             <a:r>
-              <a:rPr lang="pt-BR" dirty="0" err="1" smtClean="0"/>
+              <a:rPr lang="pt-BR" dirty="0" err="1"/>
               <a:t>echo</a:t>
             </a:r>
             <a:r>
-              <a:rPr lang="pt-BR" dirty="0" smtClean="0"/>
+              <a:rPr lang="pt-BR" dirty="0"/>
               <a:t> “ Olá Mundo!”</a:t>
             </a:r>
           </a:p>
@@ -14780,15 +15728,15 @@
               <a:t> -it </a:t>
             </a:r>
             <a:r>
-              <a:rPr lang="pt-BR" dirty="0" err="1" smtClean="0"/>
+              <a:rPr lang="pt-BR" dirty="0" err="1"/>
               <a:t>ubuntu</a:t>
             </a:r>
             <a:r>
-              <a:rPr lang="pt-BR" dirty="0" smtClean="0"/>
+              <a:rPr lang="pt-BR" dirty="0"/>
               <a:t>  - </a:t>
             </a:r>
             <a:r>
-              <a:rPr lang="pt-BR" b="1" dirty="0" smtClean="0"/>
+              <a:rPr lang="pt-BR" b="1" dirty="0"/>
               <a:t>Trabalhar dentro do Container</a:t>
             </a:r>
           </a:p>
@@ -14805,16 +15753,12 @@
               <a:buChar char="Ø"/>
             </a:pPr>
             <a:r>
-              <a:rPr lang="pt-BR" dirty="0" err="1" smtClean="0"/>
+              <a:rPr lang="pt-BR" dirty="0" err="1"/>
               <a:t>docker</a:t>
             </a:r>
             <a:r>
-              <a:rPr lang="pt-BR" dirty="0" smtClean="0"/>
-              <a:t> </a:t>
-            </a:r>
-            <a:r>
               <a:rPr lang="pt-BR" dirty="0"/>
-              <a:t>start –help - </a:t>
+              <a:t> start –help - </a:t>
             </a:r>
             <a:r>
               <a:rPr lang="pt-BR" b="1" dirty="0"/>
@@ -14822,7 +15766,7 @@
             </a:r>
           </a:p>
           <a:p>
-            <a:endParaRPr lang="pt-BR" dirty="0" smtClean="0"/>
+            <a:endParaRPr lang="pt-BR" dirty="0"/>
           </a:p>
           <a:p>
             <a:pPr marL="285750" indent="-285750">
@@ -14830,29 +15774,20 @@
               <a:buChar char="Ø"/>
             </a:pPr>
             <a:r>
-              <a:rPr lang="pt-BR" dirty="0" err="1" smtClean="0"/>
+              <a:rPr lang="pt-BR" dirty="0" err="1"/>
               <a:t>docker</a:t>
             </a:r>
             <a:r>
-              <a:rPr lang="pt-BR" dirty="0" smtClean="0"/>
-              <a:t> </a:t>
-            </a:r>
-            <a:r>
               <a:rPr lang="pt-BR" dirty="0"/>
-              <a:t>start </a:t>
-            </a:r>
-            <a:r>
-              <a:rPr lang="pt-BR" dirty="0" smtClean="0"/>
-              <a:t>4139842e283a – </a:t>
-            </a:r>
-            <a:r>
-              <a:rPr lang="pt-BR" b="1" dirty="0" smtClean="0"/>
+              <a:t> start 4139842e283a – </a:t>
+            </a:r>
+            <a:r>
+              <a:rPr lang="pt-BR" b="1" dirty="0"/>
               <a:t>Iniciar um container</a:t>
             </a:r>
-            <a:endParaRPr lang="pt-BR" b="1" dirty="0"/>
-          </a:p>
-          <a:p>
-            <a:endParaRPr lang="pt-BR" dirty="0" smtClean="0"/>
+          </a:p>
+          <a:p>
+            <a:endParaRPr lang="pt-BR" dirty="0"/>
           </a:p>
           <a:p>
             <a:pPr marL="285750" indent="-285750">
@@ -14860,29 +15795,20 @@
               <a:buChar char="Ø"/>
             </a:pPr>
             <a:r>
-              <a:rPr lang="pt-BR" dirty="0" err="1" smtClean="0"/>
+              <a:rPr lang="pt-BR" dirty="0" err="1"/>
               <a:t>docker</a:t>
             </a:r>
             <a:r>
-              <a:rPr lang="pt-BR" dirty="0" smtClean="0"/>
-              <a:t> </a:t>
-            </a:r>
-            <a:r>
               <a:rPr lang="pt-BR" dirty="0"/>
-              <a:t>stop </a:t>
-            </a:r>
-            <a:r>
-              <a:rPr lang="pt-BR" dirty="0" smtClean="0"/>
-              <a:t>4139842e283a – </a:t>
-            </a:r>
-            <a:r>
-              <a:rPr lang="pt-BR" b="1" dirty="0" smtClean="0"/>
+              <a:t> stop 4139842e283a – </a:t>
+            </a:r>
+            <a:r>
+              <a:rPr lang="pt-BR" b="1" dirty="0"/>
               <a:t>Parar um container</a:t>
             </a:r>
-            <a:endParaRPr lang="pt-BR" b="1" dirty="0"/>
-          </a:p>
-          <a:p>
-            <a:endParaRPr lang="pt-BR" dirty="0" smtClean="0"/>
+          </a:p>
+          <a:p>
+            <a:endParaRPr lang="pt-BR" dirty="0"/>
           </a:p>
           <a:p>
             <a:pPr marL="285750" indent="-285750">
@@ -14890,39 +15816,31 @@
               <a:buChar char="Ø"/>
             </a:pPr>
             <a:r>
-              <a:rPr lang="pt-BR" dirty="0" err="1" smtClean="0"/>
+              <a:rPr lang="pt-BR" dirty="0" err="1"/>
               <a:t>docker</a:t>
             </a:r>
             <a:r>
-              <a:rPr lang="pt-BR" dirty="0" smtClean="0"/>
-              <a:t> </a:t>
-            </a:r>
-            <a:r>
               <a:rPr lang="pt-BR" dirty="0"/>
-              <a:t>start –a –i </a:t>
-            </a:r>
-            <a:r>
-              <a:rPr lang="pt-BR" dirty="0" smtClean="0"/>
-              <a:t>4139842e283a – </a:t>
-            </a:r>
-            <a:r>
-              <a:rPr lang="pt-BR" b="1" dirty="0" smtClean="0"/>
+              <a:t> start –a –i 4139842e283a – </a:t>
+            </a:r>
+            <a:r>
+              <a:rPr lang="pt-BR" b="1" dirty="0"/>
               <a:t>Iniciar um container e já acessá-lo ( -a </a:t>
             </a:r>
             <a:r>
-              <a:rPr lang="pt-BR" b="1" dirty="0" err="1" smtClean="0"/>
+              <a:rPr lang="pt-BR" b="1" dirty="0" err="1"/>
               <a:t>attach</a:t>
             </a:r>
             <a:r>
-              <a:rPr lang="pt-BR" b="1" dirty="0" smtClean="0"/>
+              <a:rPr lang="pt-BR" b="1" dirty="0"/>
               <a:t> / -i </a:t>
             </a:r>
             <a:r>
-              <a:rPr lang="pt-BR" b="1" dirty="0" err="1" smtClean="0"/>
+              <a:rPr lang="pt-BR" b="1" dirty="0" err="1"/>
               <a:t>interactive</a:t>
             </a:r>
             <a:r>
-              <a:rPr lang="pt-BR" b="1" dirty="0" smtClean="0"/>
+              <a:rPr lang="pt-BR" b="1" dirty="0"/>
               <a:t> )</a:t>
             </a:r>
           </a:p>
@@ -14932,7 +15850,7 @@
               <a:buChar char="Ø"/>
             </a:pPr>
             <a:r>
-              <a:rPr lang="pt-BR" dirty="0" smtClean="0"/>
+              <a:rPr lang="pt-BR" dirty="0"/>
               <a:t>root@4139842e283a</a:t>
             </a:r>
             <a:endParaRPr lang="pt-BR" b="1" dirty="0"/>
@@ -14973,13 +15891,6 @@
   <p:clrMapOvr>
     <a:masterClrMapping/>
   </p:clrMapOvr>
-  <p:timing>
-    <p:tnLst>
-      <p:par>
-        <p:cTn id="1" dur="indefinite" restart="never" nodeType="tmRoot"/>
-      </p:par>
-    </p:tnLst>
-  </p:timing>
 </p:sld>
 </file>
 
@@ -15405,16 +16316,16 @@
           <a:lstStyle/>
           <a:p>
             <a:r>
-              <a:rPr lang="pt-BR" u="sng" dirty="0" smtClean="0"/>
+              <a:rPr lang="pt-BR" u="sng" dirty="0"/>
               <a:t>Alguns comandos </a:t>
             </a:r>
             <a:r>
-              <a:rPr lang="pt-BR" dirty="0" smtClean="0"/>
+              <a:rPr lang="pt-BR" dirty="0"/>
               <a:t>: </a:t>
             </a:r>
           </a:p>
           <a:p>
-            <a:endParaRPr lang="pt-BR" dirty="0" smtClean="0"/>
+            <a:endParaRPr lang="pt-BR" dirty="0"/>
           </a:p>
           <a:p>
             <a:pPr marL="285750" indent="-285750">
@@ -15422,21 +16333,21 @@
               <a:buChar char="•"/>
             </a:pPr>
             <a:r>
-              <a:rPr lang="pt-BR" dirty="0" smtClean="0"/>
+              <a:rPr lang="pt-BR" dirty="0"/>
               <a:t>Remover um Container</a:t>
             </a:r>
           </a:p>
           <a:p>
             <a:r>
-              <a:rPr lang="pt-BR" dirty="0" smtClean="0"/>
+              <a:rPr lang="pt-BR" dirty="0"/>
               <a:t>	</a:t>
             </a:r>
             <a:r>
-              <a:rPr lang="pt-BR" b="1" dirty="0" err="1" smtClean="0"/>
+              <a:rPr lang="pt-BR" b="1" dirty="0" err="1"/>
               <a:t>docker</a:t>
             </a:r>
             <a:r>
-              <a:rPr lang="pt-BR" b="1" dirty="0" smtClean="0"/>
+              <a:rPr lang="pt-BR" b="1" dirty="0"/>
               <a:t> </a:t>
             </a:r>
             <a:r>
@@ -15445,11 +16356,7 @@
             </a:r>
             <a:r>
               <a:rPr lang="pt-BR" b="1" dirty="0"/>
-              <a:t> </a:t>
-            </a:r>
-            <a:r>
-              <a:rPr lang="pt-BR" b="1" dirty="0" smtClean="0"/>
-              <a:t>9daa6a5cd330</a:t>
+              <a:t> 9daa6a5cd330</a:t>
             </a:r>
           </a:p>
           <a:p>
@@ -15461,7 +16368,7 @@
               <a:buChar char="•"/>
             </a:pPr>
             <a:r>
-              <a:rPr lang="pt-BR" dirty="0" smtClean="0"/>
+              <a:rPr lang="pt-BR" dirty="0"/>
               <a:t>Remover todos os containers parados</a:t>
             </a:r>
           </a:p>
@@ -15471,18 +16378,18 @@
               <a:t>	</a:t>
             </a:r>
             <a:r>
-              <a:rPr lang="pt-BR" b="1" dirty="0" err="1" smtClean="0"/>
+              <a:rPr lang="pt-BR" b="1" dirty="0" err="1"/>
               <a:t>docker</a:t>
             </a:r>
             <a:r>
-              <a:rPr lang="pt-BR" b="1" dirty="0" smtClean="0"/>
+              <a:rPr lang="pt-BR" b="1" dirty="0"/>
               <a:t> container </a:t>
             </a:r>
             <a:r>
-              <a:rPr lang="pt-BR" b="1" dirty="0" err="1" smtClean="0"/>
+              <a:rPr lang="pt-BR" b="1" dirty="0" err="1"/>
               <a:t>prune</a:t>
             </a:r>
-            <a:endParaRPr lang="pt-BR" b="1" dirty="0" smtClean="0"/>
+            <a:endParaRPr lang="pt-BR" b="1" dirty="0"/>
           </a:p>
           <a:p>
             <a:endParaRPr lang="pt-BR" dirty="0"/>
@@ -15493,7 +16400,7 @@
               <a:buChar char="•"/>
             </a:pPr>
             <a:r>
-              <a:rPr lang="pt-BR" dirty="0" smtClean="0"/>
+              <a:rPr lang="pt-BR" dirty="0"/>
               <a:t>Remover uma Imagem</a:t>
             </a:r>
           </a:p>
@@ -15503,30 +16410,29 @@
               <a:t>	</a:t>
             </a:r>
             <a:r>
-              <a:rPr lang="pt-BR" b="1" dirty="0" err="1" smtClean="0"/>
+              <a:rPr lang="pt-BR" b="1" dirty="0" err="1"/>
               <a:t>docker</a:t>
             </a:r>
             <a:r>
-              <a:rPr lang="pt-BR" b="1" dirty="0" smtClean="0"/>
+              <a:rPr lang="pt-BR" b="1" dirty="0"/>
               <a:t> </a:t>
             </a:r>
             <a:r>
-              <a:rPr lang="pt-BR" b="1" dirty="0" err="1" smtClean="0"/>
+              <a:rPr lang="pt-BR" b="1" dirty="0" err="1"/>
               <a:t>rmi</a:t>
             </a:r>
             <a:r>
-              <a:rPr lang="pt-BR" b="1" dirty="0" smtClean="0"/>
+              <a:rPr lang="pt-BR" b="1" dirty="0"/>
               <a:t> </a:t>
             </a:r>
             <a:r>
-              <a:rPr lang="pt-BR" b="1" dirty="0" err="1" smtClean="0"/>
+              <a:rPr lang="pt-BR" b="1" dirty="0" err="1"/>
               <a:t>hello</a:t>
             </a:r>
             <a:r>
-              <a:rPr lang="pt-BR" b="1" dirty="0" smtClean="0"/>
+              <a:rPr lang="pt-BR" b="1" dirty="0"/>
               <a:t>-world</a:t>
             </a:r>
-            <a:endParaRPr lang="pt-BR" b="1" dirty="0"/>
           </a:p>
         </p:txBody>
       </p:sp>
@@ -15573,10 +16479,9 @@
           <a:p>
             <a:pPr algn="ctr"/>
             <a:r>
-              <a:rPr lang="pt-BR" sz="2800" b="1" dirty="0" smtClean="0"/>
+              <a:rPr lang="pt-BR" sz="2800" b="1" dirty="0"/>
               <a:t>Diferença entre Imagens e Containers  - E alguns comandos</a:t>
             </a:r>
-            <a:endParaRPr lang="pt-BR" sz="2800" b="1" dirty="0"/>
           </a:p>
         </p:txBody>
       </p:sp>
@@ -15590,13 +16495,6 @@
   <p:clrMapOvr>
     <a:masterClrMapping/>
   </p:clrMapOvr>
-  <p:timing>
-    <p:tnLst>
-      <p:par>
-        <p:cTn id="1" dur="indefinite" restart="never" nodeType="tmRoot"/>
-      </p:par>
-    </p:tnLst>
-  </p:timing>
 </p:sld>
 </file>
 

--- a/docs/docker-resumo.pptx
+++ b/docs/docker-resumo.pptx
@@ -23,18 +23,19 @@
     <p:sldId id="294" r:id="rId17"/>
     <p:sldId id="301" r:id="rId18"/>
     <p:sldId id="302" r:id="rId19"/>
-    <p:sldId id="303" r:id="rId20"/>
-    <p:sldId id="281" r:id="rId21"/>
-    <p:sldId id="306" r:id="rId22"/>
-    <p:sldId id="304" r:id="rId23"/>
-    <p:sldId id="309" r:id="rId24"/>
-    <p:sldId id="310" r:id="rId25"/>
-    <p:sldId id="307" r:id="rId26"/>
-    <p:sldId id="305" r:id="rId27"/>
-    <p:sldId id="312" r:id="rId28"/>
-    <p:sldId id="311" r:id="rId29"/>
-    <p:sldId id="308" r:id="rId30"/>
-    <p:sldId id="285" r:id="rId31"/>
+    <p:sldId id="313" r:id="rId20"/>
+    <p:sldId id="303" r:id="rId21"/>
+    <p:sldId id="281" r:id="rId22"/>
+    <p:sldId id="306" r:id="rId23"/>
+    <p:sldId id="304" r:id="rId24"/>
+    <p:sldId id="309" r:id="rId25"/>
+    <p:sldId id="310" r:id="rId26"/>
+    <p:sldId id="307" r:id="rId27"/>
+    <p:sldId id="305" r:id="rId28"/>
+    <p:sldId id="312" r:id="rId29"/>
+    <p:sldId id="311" r:id="rId30"/>
+    <p:sldId id="308" r:id="rId31"/>
+    <p:sldId id="285" r:id="rId32"/>
   </p:sldIdLst>
   <p:sldSz cx="12192000" cy="6858000"/>
   <p:notesSz cx="6858000" cy="9144000"/>
@@ -270,7 +271,7 @@
           <a:p>
             <a:fld id="{CC58B075-67F8-4A8D-AE1C-3D3E4193EBCA}" type="datetimeFigureOut">
               <a:rPr lang="pt-BR" smtClean="0"/>
-              <a:t>27/10/2019</a:t>
+              <a:t>06/11/2019</a:t>
             </a:fld>
             <a:endParaRPr lang="pt-BR"/>
           </a:p>
@@ -438,7 +439,7 @@
           <a:p>
             <a:fld id="{CC58B075-67F8-4A8D-AE1C-3D3E4193EBCA}" type="datetimeFigureOut">
               <a:rPr lang="pt-BR" smtClean="0"/>
-              <a:t>27/10/2019</a:t>
+              <a:t>06/11/2019</a:t>
             </a:fld>
             <a:endParaRPr lang="pt-BR"/>
           </a:p>
@@ -616,7 +617,7 @@
           <a:p>
             <a:fld id="{CC58B075-67F8-4A8D-AE1C-3D3E4193EBCA}" type="datetimeFigureOut">
               <a:rPr lang="pt-BR" smtClean="0"/>
-              <a:t>27/10/2019</a:t>
+              <a:t>06/11/2019</a:t>
             </a:fld>
             <a:endParaRPr lang="pt-BR"/>
           </a:p>
@@ -784,7 +785,7 @@
           <a:p>
             <a:fld id="{CC58B075-67F8-4A8D-AE1C-3D3E4193EBCA}" type="datetimeFigureOut">
               <a:rPr lang="pt-BR" smtClean="0"/>
-              <a:t>27/10/2019</a:t>
+              <a:t>06/11/2019</a:t>
             </a:fld>
             <a:endParaRPr lang="pt-BR"/>
           </a:p>
@@ -1029,7 +1030,7 @@
           <a:p>
             <a:fld id="{CC58B075-67F8-4A8D-AE1C-3D3E4193EBCA}" type="datetimeFigureOut">
               <a:rPr lang="pt-BR" smtClean="0"/>
-              <a:t>27/10/2019</a:t>
+              <a:t>06/11/2019</a:t>
             </a:fld>
             <a:endParaRPr lang="pt-BR"/>
           </a:p>
@@ -1258,7 +1259,7 @@
           <a:p>
             <a:fld id="{CC58B075-67F8-4A8D-AE1C-3D3E4193EBCA}" type="datetimeFigureOut">
               <a:rPr lang="pt-BR" smtClean="0"/>
-              <a:t>27/10/2019</a:t>
+              <a:t>06/11/2019</a:t>
             </a:fld>
             <a:endParaRPr lang="pt-BR"/>
           </a:p>
@@ -1622,7 +1623,7 @@
           <a:p>
             <a:fld id="{CC58B075-67F8-4A8D-AE1C-3D3E4193EBCA}" type="datetimeFigureOut">
               <a:rPr lang="pt-BR" smtClean="0"/>
-              <a:t>27/10/2019</a:t>
+              <a:t>06/11/2019</a:t>
             </a:fld>
             <a:endParaRPr lang="pt-BR"/>
           </a:p>
@@ -1739,7 +1740,7 @@
           <a:p>
             <a:fld id="{CC58B075-67F8-4A8D-AE1C-3D3E4193EBCA}" type="datetimeFigureOut">
               <a:rPr lang="pt-BR" smtClean="0"/>
-              <a:t>27/10/2019</a:t>
+              <a:t>06/11/2019</a:t>
             </a:fld>
             <a:endParaRPr lang="pt-BR"/>
           </a:p>
@@ -1834,7 +1835,7 @@
           <a:p>
             <a:fld id="{CC58B075-67F8-4A8D-AE1C-3D3E4193EBCA}" type="datetimeFigureOut">
               <a:rPr lang="pt-BR" smtClean="0"/>
-              <a:t>27/10/2019</a:t>
+              <a:t>06/11/2019</a:t>
             </a:fld>
             <a:endParaRPr lang="pt-BR"/>
           </a:p>
@@ -2109,7 +2110,7 @@
           <a:p>
             <a:fld id="{CC58B075-67F8-4A8D-AE1C-3D3E4193EBCA}" type="datetimeFigureOut">
               <a:rPr lang="pt-BR" smtClean="0"/>
-              <a:t>27/10/2019</a:t>
+              <a:t>06/11/2019</a:t>
             </a:fld>
             <a:endParaRPr lang="pt-BR"/>
           </a:p>
@@ -2361,7 +2362,7 @@
           <a:p>
             <a:fld id="{CC58B075-67F8-4A8D-AE1C-3D3E4193EBCA}" type="datetimeFigureOut">
               <a:rPr lang="pt-BR" smtClean="0"/>
-              <a:t>27/10/2019</a:t>
+              <a:t>06/11/2019</a:t>
             </a:fld>
             <a:endParaRPr lang="pt-BR"/>
           </a:p>
@@ -2572,7 +2573,7 @@
           <a:p>
             <a:fld id="{CC58B075-67F8-4A8D-AE1C-3D3E4193EBCA}" type="datetimeFigureOut">
               <a:rPr lang="pt-BR" smtClean="0"/>
-              <a:t>27/10/2019</a:t>
+              <a:t>06/11/2019</a:t>
             </a:fld>
             <a:endParaRPr lang="pt-BR"/>
           </a:p>
@@ -4559,7 +4560,7 @@
         </p:nvSpPr>
         <p:spPr>
           <a:xfrm>
-            <a:off x="3401096" y="1372539"/>
+            <a:off x="560974" y="103809"/>
             <a:ext cx="10515600" cy="422275"/>
           </a:xfrm>
         </p:spPr>
@@ -4594,7 +4595,7 @@
         </p:nvSpPr>
         <p:spPr>
           <a:xfrm>
-            <a:off x="286752" y="751474"/>
+            <a:off x="286751" y="680698"/>
             <a:ext cx="11618495" cy="2344016"/>
           </a:xfrm>
         </p:spPr>
@@ -7210,141 +7211,6 @@
             </a:endParaRPr>
           </a:p>
           <a:p>
-            <a:pPr marL="228600" lvl="1">
-              <a:spcBef>
-                <a:spcPts val="1000"/>
-              </a:spcBef>
-            </a:pPr>
-            <a:r>
-              <a:rPr lang="pt-BR" sz="2000" dirty="0"/>
-              <a:t>Detalhe Importante: Se você estiver rodando no </a:t>
-            </a:r>
-            <a:r>
-              <a:rPr lang="pt-BR" sz="2000" dirty="0" err="1"/>
-              <a:t>Docker</a:t>
-            </a:r>
-            <a:r>
-              <a:rPr lang="pt-BR" sz="2000" dirty="0"/>
-              <a:t> Toolbox</a:t>
-            </a:r>
-          </a:p>
-          <a:p>
-            <a:pPr marL="685800" lvl="2">
-              <a:spcBef>
-                <a:spcPts val="1000"/>
-              </a:spcBef>
-            </a:pPr>
-            <a:endParaRPr lang="pt-BR" sz="1600" dirty="0"/>
-          </a:p>
-          <a:p>
-            <a:pPr lvl="1">
-              <a:buFont typeface="Wingdings" panose="05000000000000000000" pitchFamily="2" charset="2"/>
-              <a:buChar char="Ø"/>
-            </a:pPr>
-            <a:r>
-              <a:rPr lang="pt-BR" sz="2000" dirty="0">
-                <a:solidFill>
-                  <a:schemeClr val="accent5"/>
-                </a:solidFill>
-              </a:rPr>
-              <a:t> </a:t>
-            </a:r>
-            <a:r>
-              <a:rPr lang="pt-BR" sz="2000" dirty="0" err="1">
-                <a:solidFill>
-                  <a:schemeClr val="accent5"/>
-                </a:solidFill>
-              </a:rPr>
-              <a:t>docker</a:t>
-            </a:r>
-            <a:r>
-              <a:rPr lang="pt-BR" sz="2000" dirty="0">
-                <a:solidFill>
-                  <a:schemeClr val="accent5"/>
-                </a:solidFill>
-              </a:rPr>
-              <a:t> </a:t>
-            </a:r>
-            <a:r>
-              <a:rPr lang="pt-BR" sz="2000" dirty="0" err="1">
-                <a:solidFill>
-                  <a:schemeClr val="accent5"/>
-                </a:solidFill>
-              </a:rPr>
-              <a:t>run</a:t>
-            </a:r>
-            <a:r>
-              <a:rPr lang="pt-BR" sz="2000" dirty="0">
-                <a:solidFill>
-                  <a:schemeClr val="accent5"/>
-                </a:solidFill>
-              </a:rPr>
-              <a:t> -it -v "//c/</a:t>
-            </a:r>
-            <a:r>
-              <a:rPr lang="pt-BR" sz="2000" dirty="0" err="1">
-                <a:solidFill>
-                  <a:schemeClr val="accent5"/>
-                </a:solidFill>
-              </a:rPr>
-              <a:t>Users</a:t>
-            </a:r>
-            <a:r>
-              <a:rPr lang="pt-BR" sz="2000" dirty="0">
-                <a:solidFill>
-                  <a:schemeClr val="accent5"/>
-                </a:solidFill>
-              </a:rPr>
-              <a:t>/Luciano/Desktop:/var/</a:t>
-            </a:r>
-            <a:r>
-              <a:rPr lang="pt-BR" sz="2000" dirty="0" err="1">
-                <a:solidFill>
-                  <a:schemeClr val="accent5"/>
-                </a:solidFill>
-              </a:rPr>
-              <a:t>www</a:t>
-            </a:r>
-            <a:r>
-              <a:rPr lang="pt-BR" sz="2000" dirty="0">
-                <a:solidFill>
-                  <a:schemeClr val="accent5"/>
-                </a:solidFill>
-              </a:rPr>
-              <a:t>" </a:t>
-            </a:r>
-            <a:r>
-              <a:rPr lang="pt-BR" sz="2000" dirty="0" err="1">
-                <a:solidFill>
-                  <a:schemeClr val="accent5"/>
-                </a:solidFill>
-              </a:rPr>
-              <a:t>ubuntu</a:t>
-            </a:r>
-            <a:endParaRPr lang="pt-BR" sz="2000" dirty="0">
-              <a:solidFill>
-                <a:schemeClr val="accent5"/>
-              </a:solidFill>
-            </a:endParaRPr>
-          </a:p>
-          <a:p>
-            <a:pPr lvl="2"/>
-            <a:r>
-              <a:rPr lang="pt-BR" sz="1600" dirty="0"/>
-              <a:t>(</a:t>
-            </a:r>
-            <a:r>
-              <a:rPr lang="pt-BR" sz="1600" dirty="0">
-                <a:hlinkClick r:id="rId2"/>
-              </a:rPr>
-              <a:t>https://medium.com/@Charles_Stover/fixing-volumes-in-docker-toolbox-4ad5ace0e572</a:t>
-            </a:r>
-            <a:r>
-              <a:rPr lang="pt-BR" sz="1600" dirty="0"/>
-              <a:t> ) </a:t>
-            </a:r>
-          </a:p>
-          <a:p>
             <a:pPr lvl="2">
               <a:buFont typeface="Wingdings" panose="05000000000000000000" pitchFamily="2" charset="2"/>
               <a:buChar char="Ø"/>
@@ -7410,7 +7276,7 @@
         </p:nvSpPr>
         <p:spPr>
           <a:xfrm>
-            <a:off x="115910" y="112271"/>
+            <a:off x="115910" y="123288"/>
             <a:ext cx="11951594" cy="422275"/>
           </a:xfrm>
         </p:spPr>
@@ -7422,9 +7288,18 @@
           <a:p>
             <a:pPr algn="ctr"/>
             <a:r>
-              <a:rPr lang="pt-BR" sz="2800" b="1" dirty="0"/>
-              <a:t>Rodando código em um Container</a:t>
-            </a:r>
+              <a:rPr lang="pt-BR" sz="2800" b="1" dirty="0" smtClean="0"/>
+              <a:t>Volumes no </a:t>
+            </a:r>
+            <a:r>
+              <a:rPr lang="pt-BR" sz="2800" b="1" dirty="0" err="1" smtClean="0"/>
+              <a:t>Docker</a:t>
+            </a:r>
+            <a:r>
+              <a:rPr lang="pt-BR" sz="2800" b="1" dirty="0" smtClean="0"/>
+              <a:t> Toolbox</a:t>
+            </a:r>
+            <a:endParaRPr lang="pt-BR" sz="2800" b="1" dirty="0"/>
           </a:p>
         </p:txBody>
       </p:sp>
@@ -7440,8 +7315,8 @@
         </p:nvSpPr>
         <p:spPr>
           <a:xfrm>
-            <a:off x="194791" y="629823"/>
-            <a:ext cx="11259355" cy="2895575"/>
+            <a:off x="241478" y="545563"/>
+            <a:ext cx="11259355" cy="2398360"/>
           </a:xfrm>
         </p:spPr>
         <p:txBody>
@@ -7450,120 +7325,157 @@
           </a:bodyPr>
           <a:lstStyle/>
           <a:p>
+            <a:pPr marL="228600" lvl="1">
+              <a:spcBef>
+                <a:spcPts val="1000"/>
+              </a:spcBef>
+            </a:pPr>
+            <a:r>
+              <a:rPr lang="pt-BR" sz="2000" dirty="0" smtClean="0"/>
+              <a:t>Detalhe </a:t>
+            </a:r>
             <a:r>
               <a:rPr lang="pt-BR" sz="2000" dirty="0"/>
-              <a:t>Um exemplo que roda em </a:t>
-            </a:r>
-            <a:r>
-              <a:rPr lang="pt-BR" sz="2000" b="1" dirty="0"/>
-              <a:t>Node.js </a:t>
+              <a:t>Importante: Se você estiver rodando no </a:t>
+            </a:r>
+            <a:r>
+              <a:rPr lang="pt-BR" sz="2000" dirty="0" err="1"/>
+              <a:t>Docker</a:t>
             </a:r>
             <a:r>
               <a:rPr lang="pt-BR" sz="2000" dirty="0"/>
-              <a:t>e não possuímos o Node na máquina.</a:t>
-            </a:r>
-          </a:p>
-          <a:p>
-            <a:pPr lvl="2">
+              <a:t> Toolbox</a:t>
+            </a:r>
+          </a:p>
+          <a:p>
+            <a:pPr marL="685800" lvl="2">
+              <a:spcBef>
+                <a:spcPts val="1000"/>
+              </a:spcBef>
+            </a:pPr>
+            <a:endParaRPr lang="pt-BR" sz="1600" dirty="0"/>
+          </a:p>
+          <a:p>
+            <a:pPr lvl="1">
               <a:buFont typeface="Wingdings" panose="05000000000000000000" pitchFamily="2" charset="2"/>
               <a:buChar char="Ø"/>
             </a:pPr>
             <a:r>
-              <a:rPr lang="pt-BR" sz="1600" dirty="0" err="1">
+              <a:rPr lang="pt-BR" sz="2000" dirty="0">
                 <a:solidFill>
                   <a:schemeClr val="accent5"/>
                 </a:solidFill>
               </a:rPr>
+              <a:t> </a:t>
+            </a:r>
+            <a:r>
+              <a:rPr lang="pt-BR" sz="2000" dirty="0" err="1">
+                <a:solidFill>
+                  <a:schemeClr val="accent5"/>
+                </a:solidFill>
+              </a:rPr>
               <a:t>docker</a:t>
             </a:r>
             <a:r>
+              <a:rPr lang="pt-BR" sz="2000" dirty="0">
+                <a:solidFill>
+                  <a:schemeClr val="accent5"/>
+                </a:solidFill>
+              </a:rPr>
+              <a:t> </a:t>
+            </a:r>
+            <a:r>
+              <a:rPr lang="pt-BR" sz="2000" dirty="0" err="1">
+                <a:solidFill>
+                  <a:schemeClr val="accent5"/>
+                </a:solidFill>
+              </a:rPr>
+              <a:t>run</a:t>
+            </a:r>
+            <a:r>
+              <a:rPr lang="pt-BR" sz="2000" dirty="0">
+                <a:solidFill>
+                  <a:schemeClr val="accent5"/>
+                </a:solidFill>
+              </a:rPr>
+              <a:t> -it -v "//c/</a:t>
+            </a:r>
+            <a:r>
+              <a:rPr lang="pt-BR" sz="2000" dirty="0" err="1">
+                <a:solidFill>
+                  <a:schemeClr val="accent5"/>
+                </a:solidFill>
+              </a:rPr>
+              <a:t>Users</a:t>
+            </a:r>
+            <a:r>
+              <a:rPr lang="pt-BR" sz="2000" dirty="0">
+                <a:solidFill>
+                  <a:schemeClr val="accent5"/>
+                </a:solidFill>
+              </a:rPr>
+              <a:t>/Luciano/Desktop:/var/</a:t>
+            </a:r>
+            <a:r>
+              <a:rPr lang="pt-BR" sz="2000" dirty="0" err="1">
+                <a:solidFill>
+                  <a:schemeClr val="accent5"/>
+                </a:solidFill>
+              </a:rPr>
+              <a:t>www</a:t>
+            </a:r>
+            <a:r>
+              <a:rPr lang="pt-BR" sz="2000" dirty="0">
+                <a:solidFill>
+                  <a:schemeClr val="accent5"/>
+                </a:solidFill>
+              </a:rPr>
+              <a:t>" </a:t>
+            </a:r>
+            <a:r>
+              <a:rPr lang="pt-BR" sz="2000" dirty="0" err="1">
+                <a:solidFill>
+                  <a:schemeClr val="accent5"/>
+                </a:solidFill>
+              </a:rPr>
+              <a:t>ubuntu</a:t>
+            </a:r>
+            <a:endParaRPr lang="pt-BR" sz="2000" dirty="0">
+              <a:solidFill>
+                <a:schemeClr val="accent5"/>
+              </a:solidFill>
+            </a:endParaRPr>
+          </a:p>
+          <a:p>
+            <a:pPr lvl="2"/>
+            <a:r>
+              <a:rPr lang="pt-BR" sz="1600" dirty="0"/>
+              <a:t>(</a:t>
+            </a:r>
+            <a:r>
               <a:rPr lang="pt-BR" sz="1600" dirty="0">
-                <a:solidFill>
-                  <a:schemeClr val="accent5"/>
-                </a:solidFill>
-              </a:rPr>
-              <a:t> </a:t>
-            </a:r>
-            <a:r>
-              <a:rPr lang="pt-BR" sz="1600" dirty="0" err="1">
-                <a:solidFill>
-                  <a:schemeClr val="accent5"/>
-                </a:solidFill>
-              </a:rPr>
-              <a:t>run</a:t>
-            </a:r>
-            <a:r>
-              <a:rPr lang="pt-BR" sz="1600" dirty="0">
-                <a:solidFill>
-                  <a:schemeClr val="accent5"/>
-                </a:solidFill>
-              </a:rPr>
-              <a:t> -d -p 8080:3000 -v "//c/</a:t>
-            </a:r>
-            <a:r>
-              <a:rPr lang="pt-BR" sz="1600" dirty="0" err="1">
-                <a:solidFill>
-                  <a:schemeClr val="accent5"/>
-                </a:solidFill>
-              </a:rPr>
-              <a:t>Users</a:t>
-            </a:r>
-            <a:r>
-              <a:rPr lang="pt-BR" sz="1600" dirty="0">
-                <a:solidFill>
-                  <a:schemeClr val="accent5"/>
-                </a:solidFill>
-              </a:rPr>
-              <a:t>/&lt;&lt;Seu caminho local&gt;&gt;/volume-exemplo:/var/</a:t>
-            </a:r>
-            <a:r>
-              <a:rPr lang="pt-BR" sz="1600" dirty="0" err="1">
-                <a:solidFill>
-                  <a:schemeClr val="accent5"/>
-                </a:solidFill>
-              </a:rPr>
-              <a:t>www</a:t>
-            </a:r>
-            <a:r>
-              <a:rPr lang="pt-BR" sz="1600" dirty="0">
-                <a:solidFill>
-                  <a:schemeClr val="accent5"/>
-                </a:solidFill>
-              </a:rPr>
-              <a:t>" -w "/var/</a:t>
-            </a:r>
-            <a:r>
-              <a:rPr lang="pt-BR" sz="1600" dirty="0" err="1">
-                <a:solidFill>
-                  <a:schemeClr val="accent5"/>
-                </a:solidFill>
-              </a:rPr>
-              <a:t>www</a:t>
-            </a:r>
-            <a:r>
-              <a:rPr lang="pt-BR" sz="1600" dirty="0">
-                <a:solidFill>
-                  <a:schemeClr val="accent5"/>
-                </a:solidFill>
-              </a:rPr>
-              <a:t>" node </a:t>
-            </a:r>
-            <a:r>
-              <a:rPr lang="pt-BR" sz="1600" dirty="0" err="1">
-                <a:solidFill>
-                  <a:schemeClr val="accent5"/>
-                </a:solidFill>
-              </a:rPr>
-              <a:t>npm</a:t>
-            </a:r>
-            <a:r>
-              <a:rPr lang="pt-BR" sz="1600" dirty="0">
-                <a:solidFill>
-                  <a:schemeClr val="accent5"/>
-                </a:solidFill>
-              </a:rPr>
-              <a:t> start</a:t>
-            </a:r>
+                <a:hlinkClick r:id="rId2"/>
+              </a:rPr>
+              <a:t>https://medium.com/@Charles_Stover/fixing-volumes-in-docker-toolbox-4ad5ace0e572</a:t>
+            </a:r>
+            <a:r>
+              <a:rPr lang="pt-BR" sz="1600" dirty="0"/>
+              <a:t> ) </a:t>
+            </a:r>
+            <a:endParaRPr lang="pt-BR" sz="1600" dirty="0" smtClean="0"/>
+          </a:p>
+          <a:p>
+            <a:pPr marL="914400" lvl="2" indent="0">
+              <a:buNone/>
+            </a:pPr>
+            <a:endParaRPr lang="pt-BR" sz="1600" dirty="0" smtClean="0"/>
+          </a:p>
+          <a:p>
+            <a:r>
+              <a:rPr lang="pt-BR" sz="2400" dirty="0" smtClean="0"/>
+              <a:t>Além disso é necessário mapear na sua Virtual Box a pasta que será compartilhada com o volume do Container</a:t>
+            </a:r>
+            <a:endParaRPr lang="pt-BR" sz="2400" dirty="0"/>
           </a:p>
           <a:p>
             <a:pPr lvl="2">
@@ -7577,154 +7489,6 @@
             </a:endParaRPr>
           </a:p>
           <a:p>
-            <a:pPr marL="3200400" lvl="7" indent="0">
-              <a:buNone/>
-            </a:pPr>
-            <a:r>
-              <a:rPr lang="pt-BR" sz="1400" b="1" dirty="0">
-                <a:solidFill>
-                  <a:schemeClr val="accent5"/>
-                </a:solidFill>
-              </a:rPr>
-              <a:t>Ou </a:t>
-            </a:r>
-          </a:p>
-          <a:p>
-            <a:pPr marL="3200400" lvl="7" indent="0">
-              <a:buNone/>
-            </a:pPr>
-            <a:endParaRPr lang="pt-BR" sz="1400" b="1" dirty="0">
-              <a:solidFill>
-                <a:schemeClr val="accent5"/>
-              </a:solidFill>
-            </a:endParaRPr>
-          </a:p>
-          <a:p>
-            <a:pPr lvl="2">
-              <a:buFont typeface="Wingdings" panose="05000000000000000000" pitchFamily="2" charset="2"/>
-              <a:buChar char="Ø"/>
-            </a:pPr>
-            <a:r>
-              <a:rPr lang="pt-BR" sz="1600" dirty="0" err="1">
-                <a:solidFill>
-                  <a:schemeClr val="accent5"/>
-                </a:solidFill>
-              </a:rPr>
-              <a:t>docker</a:t>
-            </a:r>
-            <a:r>
-              <a:rPr lang="pt-BR" sz="1600" dirty="0">
-                <a:solidFill>
-                  <a:schemeClr val="accent5"/>
-                </a:solidFill>
-              </a:rPr>
-              <a:t> </a:t>
-            </a:r>
-            <a:r>
-              <a:rPr lang="pt-BR" sz="1600" dirty="0" err="1">
-                <a:solidFill>
-                  <a:schemeClr val="accent5"/>
-                </a:solidFill>
-              </a:rPr>
-              <a:t>run</a:t>
-            </a:r>
-            <a:r>
-              <a:rPr lang="pt-BR" sz="1600" dirty="0">
-                <a:solidFill>
-                  <a:schemeClr val="accent5"/>
-                </a:solidFill>
-              </a:rPr>
-              <a:t> -d -p 8080:3000 -v “$(</a:t>
-            </a:r>
-            <a:r>
-              <a:rPr lang="pt-BR" sz="1600" dirty="0" err="1">
-                <a:solidFill>
-                  <a:schemeClr val="accent5"/>
-                </a:solidFill>
-              </a:rPr>
-              <a:t>pwd</a:t>
-            </a:r>
-            <a:r>
-              <a:rPr lang="pt-BR" sz="1600" dirty="0">
-                <a:solidFill>
-                  <a:schemeClr val="accent5"/>
-                </a:solidFill>
-              </a:rPr>
-              <a:t>):/var/</a:t>
-            </a:r>
-            <a:r>
-              <a:rPr lang="pt-BR" sz="1600" dirty="0" err="1">
-                <a:solidFill>
-                  <a:schemeClr val="accent5"/>
-                </a:solidFill>
-              </a:rPr>
-              <a:t>www</a:t>
-            </a:r>
-            <a:r>
-              <a:rPr lang="pt-BR" sz="1600" dirty="0">
-                <a:solidFill>
-                  <a:schemeClr val="accent5"/>
-                </a:solidFill>
-              </a:rPr>
-              <a:t>" -w "/var/</a:t>
-            </a:r>
-            <a:r>
-              <a:rPr lang="pt-BR" sz="1600" dirty="0" err="1">
-                <a:solidFill>
-                  <a:schemeClr val="accent5"/>
-                </a:solidFill>
-              </a:rPr>
-              <a:t>www</a:t>
-            </a:r>
-            <a:r>
-              <a:rPr lang="pt-BR" sz="1600" dirty="0">
-                <a:solidFill>
-                  <a:schemeClr val="accent5"/>
-                </a:solidFill>
-              </a:rPr>
-              <a:t>" node </a:t>
-            </a:r>
-            <a:r>
-              <a:rPr lang="pt-BR" sz="1600" dirty="0" err="1">
-                <a:solidFill>
-                  <a:schemeClr val="accent5"/>
-                </a:solidFill>
-              </a:rPr>
-              <a:t>npm</a:t>
-            </a:r>
-            <a:r>
-              <a:rPr lang="pt-BR" sz="1600" dirty="0">
-                <a:solidFill>
-                  <a:schemeClr val="accent5"/>
-                </a:solidFill>
-              </a:rPr>
-              <a:t> start</a:t>
-            </a:r>
-          </a:p>
-          <a:p>
-            <a:pPr marL="3200400" lvl="7" indent="0">
-              <a:buNone/>
-            </a:pPr>
-            <a:endParaRPr lang="pt-BR" sz="1400" b="1" dirty="0">
-              <a:solidFill>
-                <a:schemeClr val="accent5"/>
-              </a:solidFill>
-            </a:endParaRPr>
-          </a:p>
-          <a:p>
-            <a:pPr marL="0" indent="0" algn="ctr">
-              <a:buNone/>
-            </a:pPr>
-            <a:r>
-              <a:rPr lang="pt-BR" sz="2400" dirty="0">
-                <a:solidFill>
-                  <a:schemeClr val="accent6"/>
-                </a:solidFill>
-              </a:rPr>
-              <a:t>Você conseguirá executar o código em http://localhost:8080</a:t>
-            </a:r>
-          </a:p>
-          <a:p>
             <a:pPr>
               <a:buFont typeface="Wingdings" panose="05000000000000000000" pitchFamily="2" charset="2"/>
               <a:buChar char="Ø"/>
@@ -7737,412 +7501,34 @@
           </a:p>
         </p:txBody>
       </p:sp>
-      <p:sp>
-        <p:nvSpPr>
-          <p:cNvPr id="4" name="Espaço Reservado para Conteúdo 2"/>
-          <p:cNvSpPr txBox="1">
-            <a:spLocks/>
-          </p:cNvSpPr>
+      <p:pic>
+        <p:nvPicPr>
+          <p:cNvPr id="3" name="Imagem 2"/>
+          <p:cNvPicPr>
+            <a:picLocks noChangeAspect="1"/>
+          </p:cNvPicPr>
           <p:nvPr/>
-        </p:nvSpPr>
+        </p:nvPicPr>
+        <p:blipFill>
+          <a:blip r:embed="rId3"/>
+          <a:stretch>
+            <a:fillRect/>
+          </a:stretch>
+        </p:blipFill>
         <p:spPr>
           <a:xfrm>
-            <a:off x="288164" y="3448280"/>
-            <a:ext cx="11165982" cy="3261612"/>
+            <a:off x="3519604" y="2726589"/>
+            <a:ext cx="5512884" cy="3933463"/>
           </a:xfrm>
           <a:prstGeom prst="rect">
             <a:avLst/>
           </a:prstGeom>
         </p:spPr>
-        <p:txBody>
-          <a:bodyPr vert="horz" lIns="91440" tIns="45720" rIns="91440" bIns="45720" rtlCol="0">
-            <a:noAutofit/>
-          </a:bodyPr>
-          <a:lstStyle>
-            <a:lvl1pPr marL="228600" indent="-228600" algn="l" defTabSz="914400" rtl="0" eaLnBrk="1" latinLnBrk="0" hangingPunct="1">
-              <a:lnSpc>
-                <a:spcPct val="90000"/>
-              </a:lnSpc>
-              <a:spcBef>
-                <a:spcPts val="1000"/>
-              </a:spcBef>
-              <a:buFont typeface="Arial" panose="020B0604020202020204" pitchFamily="34" charset="0"/>
-              <a:buChar char="•"/>
-              <a:defRPr sz="2800" kern="1200">
-                <a:solidFill>
-                  <a:schemeClr val="tx1"/>
-                </a:solidFill>
-                <a:latin typeface="+mn-lt"/>
-                <a:ea typeface="+mn-ea"/>
-                <a:cs typeface="+mn-cs"/>
-              </a:defRPr>
-            </a:lvl1pPr>
-            <a:lvl2pPr marL="685800" indent="-228600" algn="l" defTabSz="914400" rtl="0" eaLnBrk="1" latinLnBrk="0" hangingPunct="1">
-              <a:lnSpc>
-                <a:spcPct val="90000"/>
-              </a:lnSpc>
-              <a:spcBef>
-                <a:spcPts val="500"/>
-              </a:spcBef>
-              <a:buFont typeface="Arial" panose="020B0604020202020204" pitchFamily="34" charset="0"/>
-              <a:buChar char="•"/>
-              <a:defRPr sz="2400" kern="1200">
-                <a:solidFill>
-                  <a:schemeClr val="tx1"/>
-                </a:solidFill>
-                <a:latin typeface="+mn-lt"/>
-                <a:ea typeface="+mn-ea"/>
-                <a:cs typeface="+mn-cs"/>
-              </a:defRPr>
-            </a:lvl2pPr>
-            <a:lvl3pPr marL="1143000" indent="-228600" algn="l" defTabSz="914400" rtl="0" eaLnBrk="1" latinLnBrk="0" hangingPunct="1">
-              <a:lnSpc>
-                <a:spcPct val="90000"/>
-              </a:lnSpc>
-              <a:spcBef>
-                <a:spcPts val="500"/>
-              </a:spcBef>
-              <a:buFont typeface="Arial" panose="020B0604020202020204" pitchFamily="34" charset="0"/>
-              <a:buChar char="•"/>
-              <a:defRPr sz="2000" kern="1200">
-                <a:solidFill>
-                  <a:schemeClr val="tx1"/>
-                </a:solidFill>
-                <a:latin typeface="+mn-lt"/>
-                <a:ea typeface="+mn-ea"/>
-                <a:cs typeface="+mn-cs"/>
-              </a:defRPr>
-            </a:lvl3pPr>
-            <a:lvl4pPr marL="1600200" indent="-228600" algn="l" defTabSz="914400" rtl="0" eaLnBrk="1" latinLnBrk="0" hangingPunct="1">
-              <a:lnSpc>
-                <a:spcPct val="90000"/>
-              </a:lnSpc>
-              <a:spcBef>
-                <a:spcPts val="500"/>
-              </a:spcBef>
-              <a:buFont typeface="Arial" panose="020B0604020202020204" pitchFamily="34" charset="0"/>
-              <a:buChar char="•"/>
-              <a:defRPr sz="1800" kern="1200">
-                <a:solidFill>
-                  <a:schemeClr val="tx1"/>
-                </a:solidFill>
-                <a:latin typeface="+mn-lt"/>
-                <a:ea typeface="+mn-ea"/>
-                <a:cs typeface="+mn-cs"/>
-              </a:defRPr>
-            </a:lvl4pPr>
-            <a:lvl5pPr marL="2057400" indent="-228600" algn="l" defTabSz="914400" rtl="0" eaLnBrk="1" latinLnBrk="0" hangingPunct="1">
-              <a:lnSpc>
-                <a:spcPct val="90000"/>
-              </a:lnSpc>
-              <a:spcBef>
-                <a:spcPts val="500"/>
-              </a:spcBef>
-              <a:buFont typeface="Arial" panose="020B0604020202020204" pitchFamily="34" charset="0"/>
-              <a:buChar char="•"/>
-              <a:defRPr sz="1800" kern="1200">
-                <a:solidFill>
-                  <a:schemeClr val="tx1"/>
-                </a:solidFill>
-                <a:latin typeface="+mn-lt"/>
-                <a:ea typeface="+mn-ea"/>
-                <a:cs typeface="+mn-cs"/>
-              </a:defRPr>
-            </a:lvl5pPr>
-            <a:lvl6pPr marL="2514600" indent="-228600" algn="l" defTabSz="914400" rtl="0" eaLnBrk="1" latinLnBrk="0" hangingPunct="1">
-              <a:lnSpc>
-                <a:spcPct val="90000"/>
-              </a:lnSpc>
-              <a:spcBef>
-                <a:spcPts val="500"/>
-              </a:spcBef>
-              <a:buFont typeface="Arial" panose="020B0604020202020204" pitchFamily="34" charset="0"/>
-              <a:buChar char="•"/>
-              <a:defRPr sz="1800" kern="1200">
-                <a:solidFill>
-                  <a:schemeClr val="tx1"/>
-                </a:solidFill>
-                <a:latin typeface="+mn-lt"/>
-                <a:ea typeface="+mn-ea"/>
-                <a:cs typeface="+mn-cs"/>
-              </a:defRPr>
-            </a:lvl6pPr>
-            <a:lvl7pPr marL="2971800" indent="-228600" algn="l" defTabSz="914400" rtl="0" eaLnBrk="1" latinLnBrk="0" hangingPunct="1">
-              <a:lnSpc>
-                <a:spcPct val="90000"/>
-              </a:lnSpc>
-              <a:spcBef>
-                <a:spcPts val="500"/>
-              </a:spcBef>
-              <a:buFont typeface="Arial" panose="020B0604020202020204" pitchFamily="34" charset="0"/>
-              <a:buChar char="•"/>
-              <a:defRPr sz="1800" kern="1200">
-                <a:solidFill>
-                  <a:schemeClr val="tx1"/>
-                </a:solidFill>
-                <a:latin typeface="+mn-lt"/>
-                <a:ea typeface="+mn-ea"/>
-                <a:cs typeface="+mn-cs"/>
-              </a:defRPr>
-            </a:lvl7pPr>
-            <a:lvl8pPr marL="3429000" indent="-228600" algn="l" defTabSz="914400" rtl="0" eaLnBrk="1" latinLnBrk="0" hangingPunct="1">
-              <a:lnSpc>
-                <a:spcPct val="90000"/>
-              </a:lnSpc>
-              <a:spcBef>
-                <a:spcPts val="500"/>
-              </a:spcBef>
-              <a:buFont typeface="Arial" panose="020B0604020202020204" pitchFamily="34" charset="0"/>
-              <a:buChar char="•"/>
-              <a:defRPr sz="1800" kern="1200">
-                <a:solidFill>
-                  <a:schemeClr val="tx1"/>
-                </a:solidFill>
-                <a:latin typeface="+mn-lt"/>
-                <a:ea typeface="+mn-ea"/>
-                <a:cs typeface="+mn-cs"/>
-              </a:defRPr>
-            </a:lvl8pPr>
-            <a:lvl9pPr marL="3886200" indent="-228600" algn="l" defTabSz="914400" rtl="0" eaLnBrk="1" latinLnBrk="0" hangingPunct="1">
-              <a:lnSpc>
-                <a:spcPct val="90000"/>
-              </a:lnSpc>
-              <a:spcBef>
-                <a:spcPts val="500"/>
-              </a:spcBef>
-              <a:buFont typeface="Arial" panose="020B0604020202020204" pitchFamily="34" charset="0"/>
-              <a:buChar char="•"/>
-              <a:defRPr sz="1800" kern="1200">
-                <a:solidFill>
-                  <a:schemeClr val="tx1"/>
-                </a:solidFill>
-                <a:latin typeface="+mn-lt"/>
-                <a:ea typeface="+mn-ea"/>
-                <a:cs typeface="+mn-cs"/>
-              </a:defRPr>
-            </a:lvl9pPr>
-          </a:lstStyle>
-          <a:p>
-            <a:pPr lvl="1" algn="just">
-              <a:lnSpc>
-                <a:spcPct val="150000"/>
-              </a:lnSpc>
-            </a:pPr>
-            <a:r>
-              <a:rPr lang="pt-BR" sz="1800" dirty="0"/>
-              <a:t>Nessa pasta volume-exemplo existe um pequeno projeto</a:t>
-            </a:r>
-            <a:r>
-              <a:rPr lang="pt-BR" sz="1800" b="1" dirty="0"/>
-              <a:t> Node.js</a:t>
-            </a:r>
-          </a:p>
-          <a:p>
-            <a:pPr lvl="1" algn="just">
-              <a:lnSpc>
-                <a:spcPct val="150000"/>
-              </a:lnSpc>
-            </a:pPr>
-            <a:r>
-              <a:rPr lang="pt-BR" sz="1800" b="1" dirty="0"/>
-              <a:t>“-d”</a:t>
-            </a:r>
-            <a:r>
-              <a:rPr lang="pt-BR" sz="1800" dirty="0"/>
-              <a:t> – executa em modo </a:t>
-            </a:r>
-            <a:r>
-              <a:rPr lang="pt-BR" sz="1800" dirty="0" err="1"/>
-              <a:t>dettached</a:t>
-            </a:r>
-            <a:r>
-              <a:rPr lang="pt-BR" sz="1800" dirty="0"/>
-              <a:t> e libera o terminal </a:t>
-            </a:r>
-          </a:p>
-          <a:p>
-            <a:pPr lvl="1" algn="just">
-              <a:lnSpc>
-                <a:spcPct val="150000"/>
-              </a:lnSpc>
-            </a:pPr>
-            <a:r>
-              <a:rPr lang="pt-BR" sz="1800" b="1" dirty="0"/>
-              <a:t>“-w”</a:t>
-            </a:r>
-            <a:r>
-              <a:rPr lang="pt-BR" sz="1800" dirty="0"/>
-              <a:t> – “</a:t>
-            </a:r>
-            <a:r>
-              <a:rPr lang="pt-BR" sz="1800" dirty="0" err="1"/>
-              <a:t>Working</a:t>
-            </a:r>
-            <a:r>
-              <a:rPr lang="pt-BR" sz="1800" dirty="0"/>
-              <a:t> </a:t>
-            </a:r>
-            <a:r>
-              <a:rPr lang="pt-BR" sz="1800" dirty="0" err="1"/>
-              <a:t>Directory</a:t>
-            </a:r>
-            <a:r>
-              <a:rPr lang="pt-BR" sz="1800" dirty="0"/>
-              <a:t>” informa em qual pasta o comando deve ser executado dentro do container</a:t>
-            </a:r>
-          </a:p>
-          <a:p>
-            <a:pPr lvl="1" algn="just">
-              <a:lnSpc>
-                <a:spcPct val="150000"/>
-              </a:lnSpc>
-            </a:pPr>
-            <a:endParaRPr lang="pt-BR" sz="1800" dirty="0"/>
-          </a:p>
-          <a:p>
-            <a:pPr marL="457200" lvl="1" indent="0" algn="just">
-              <a:lnSpc>
-                <a:spcPct val="100000"/>
-              </a:lnSpc>
-              <a:spcBef>
-                <a:spcPts val="0"/>
-              </a:spcBef>
-              <a:buNone/>
-            </a:pPr>
-            <a:r>
-              <a:rPr lang="pt-BR" sz="1800" dirty="0"/>
-              <a:t>	Lembrando que se você estiver rodando num Windows com uma máquina virtual e rodando o </a:t>
-            </a:r>
-            <a:r>
-              <a:rPr lang="pt-BR" sz="1800" dirty="0" err="1"/>
-              <a:t>Docker</a:t>
-            </a:r>
-            <a:r>
-              <a:rPr lang="pt-BR" sz="1800" dirty="0"/>
-              <a:t> Toolbox, o </a:t>
-            </a:r>
-            <a:r>
-              <a:rPr lang="pt-BR" sz="1800" dirty="0" err="1"/>
-              <a:t>ip</a:t>
-            </a:r>
-            <a:r>
-              <a:rPr lang="pt-BR" sz="1800" dirty="0"/>
-              <a:t> será descoberto pelo “</a:t>
-            </a:r>
-            <a:r>
-              <a:rPr lang="pt-BR" sz="1800" b="1" dirty="0" err="1">
-                <a:solidFill>
-                  <a:prstClr val="black"/>
-                </a:solidFill>
-              </a:rPr>
-              <a:t>docker-machine</a:t>
-            </a:r>
-            <a:r>
-              <a:rPr lang="pt-BR" sz="1800" b="1" dirty="0">
-                <a:solidFill>
-                  <a:prstClr val="black"/>
-                </a:solidFill>
-              </a:rPr>
-              <a:t> </a:t>
-            </a:r>
-            <a:r>
-              <a:rPr lang="pt-BR" sz="1800" b="1" dirty="0" err="1">
-                <a:solidFill>
-                  <a:prstClr val="black"/>
-                </a:solidFill>
-              </a:rPr>
-              <a:t>ip</a:t>
-            </a:r>
-            <a:r>
-              <a:rPr lang="pt-BR" sz="1800" b="1" dirty="0">
-                <a:solidFill>
-                  <a:prstClr val="black"/>
-                </a:solidFill>
-              </a:rPr>
-              <a:t>” e você executará o código com o endereço </a:t>
-            </a:r>
-            <a:r>
-              <a:rPr lang="pt-BR" sz="1800" b="1" dirty="0" err="1">
-                <a:solidFill>
-                  <a:prstClr val="black"/>
-                </a:solidFill>
-              </a:rPr>
-              <a:t>ip</a:t>
-            </a:r>
-            <a:r>
-              <a:rPr lang="pt-BR" sz="1800" b="1" dirty="0">
-                <a:solidFill>
-                  <a:prstClr val="black"/>
-                </a:solidFill>
-              </a:rPr>
-              <a:t> encontrado e a porta configurada, nesse caso a 8080.</a:t>
-            </a:r>
-          </a:p>
-          <a:p>
-            <a:pPr marL="457200" lvl="1" indent="0" algn="just">
-              <a:lnSpc>
-                <a:spcPct val="100000"/>
-              </a:lnSpc>
-              <a:spcBef>
-                <a:spcPts val="0"/>
-              </a:spcBef>
-              <a:buNone/>
-            </a:pPr>
-            <a:endParaRPr lang="pt-BR" sz="1800" b="1" dirty="0">
-              <a:solidFill>
-                <a:prstClr val="black"/>
-              </a:solidFill>
-            </a:endParaRPr>
-          </a:p>
-          <a:p>
-            <a:pPr marL="457200" lvl="1" indent="0" algn="just">
-              <a:lnSpc>
-                <a:spcPct val="100000"/>
-              </a:lnSpc>
-              <a:spcBef>
-                <a:spcPts val="0"/>
-              </a:spcBef>
-              <a:buNone/>
-            </a:pPr>
-            <a:r>
-              <a:rPr lang="pt-BR" sz="1800" b="1" dirty="0">
-                <a:solidFill>
-                  <a:prstClr val="black"/>
-                </a:solidFill>
-              </a:rPr>
-              <a:t>				</a:t>
-            </a:r>
-            <a:r>
-              <a:rPr lang="pt-BR" sz="1800" b="1" dirty="0">
-                <a:solidFill>
-                  <a:schemeClr val="accent5"/>
-                </a:solidFill>
-              </a:rPr>
-              <a:t>http://192.168.99.123:8080/</a:t>
-            </a:r>
-          </a:p>
-          <a:p>
-            <a:pPr marL="457200" lvl="1" indent="0" algn="just">
-              <a:lnSpc>
-                <a:spcPct val="100000"/>
-              </a:lnSpc>
-              <a:spcBef>
-                <a:spcPts val="0"/>
-              </a:spcBef>
-              <a:buNone/>
-            </a:pPr>
-            <a:endParaRPr lang="pt-BR" sz="1800" b="1" dirty="0">
-              <a:solidFill>
-                <a:prstClr val="black"/>
-              </a:solidFill>
-            </a:endParaRPr>
-          </a:p>
-        </p:txBody>
-      </p:sp>
+      </p:pic>
     </p:spTree>
     <p:extLst>
       <p:ext uri="{BB962C8B-B14F-4D97-AF65-F5344CB8AC3E}">
-        <p14:creationId xmlns:p14="http://schemas.microsoft.com/office/powerpoint/2010/main" val="1371646598"/>
+        <p14:creationId xmlns:p14="http://schemas.microsoft.com/office/powerpoint/2010/main" val="3214905604"/>
       </p:ext>
     </p:extLst>
   </p:cSld>
@@ -8328,6 +7714,777 @@
       </p:grpSpPr>
       <p:sp>
         <p:nvSpPr>
+          <p:cNvPr id="2" name="Título 1"/>
+          <p:cNvSpPr>
+            <a:spLocks noGrp="1"/>
+          </p:cNvSpPr>
+          <p:nvPr>
+            <p:ph type="title"/>
+          </p:nvPr>
+        </p:nvSpPr>
+        <p:spPr>
+          <a:xfrm>
+            <a:off x="115910" y="112271"/>
+            <a:ext cx="11951594" cy="422275"/>
+          </a:xfrm>
+        </p:spPr>
+        <p:txBody>
+          <a:bodyPr vert="horz" lIns="91440" tIns="45720" rIns="91440" bIns="45720" rtlCol="0" anchor="ctr">
+            <a:normAutofit fontScale="90000"/>
+          </a:bodyPr>
+          <a:lstStyle/>
+          <a:p>
+            <a:pPr algn="ctr"/>
+            <a:r>
+              <a:rPr lang="pt-BR" sz="2800" b="1" dirty="0"/>
+              <a:t>Rodando código em um Container</a:t>
+            </a:r>
+          </a:p>
+        </p:txBody>
+      </p:sp>
+      <p:sp>
+        <p:nvSpPr>
+          <p:cNvPr id="5" name="Espaço Reservado para Conteúdo 4"/>
+          <p:cNvSpPr>
+            <a:spLocks noGrp="1"/>
+          </p:cNvSpPr>
+          <p:nvPr>
+            <p:ph idx="1"/>
+          </p:nvPr>
+        </p:nvSpPr>
+        <p:spPr>
+          <a:xfrm>
+            <a:off x="194791" y="629823"/>
+            <a:ext cx="11259355" cy="2895575"/>
+          </a:xfrm>
+        </p:spPr>
+        <p:txBody>
+          <a:bodyPr>
+            <a:noAutofit/>
+          </a:bodyPr>
+          <a:lstStyle/>
+          <a:p>
+            <a:r>
+              <a:rPr lang="pt-BR" sz="2000" dirty="0"/>
+              <a:t>Um exemplo que roda em </a:t>
+            </a:r>
+            <a:r>
+              <a:rPr lang="pt-BR" sz="2000" b="1" dirty="0"/>
+              <a:t>Node.js </a:t>
+            </a:r>
+            <a:r>
+              <a:rPr lang="pt-BR" sz="2000" dirty="0"/>
+              <a:t>e não possuímos o Node na máquina.</a:t>
+            </a:r>
+          </a:p>
+          <a:p>
+            <a:pPr lvl="2">
+              <a:buFont typeface="Wingdings" panose="05000000000000000000" pitchFamily="2" charset="2"/>
+              <a:buChar char="Ø"/>
+            </a:pPr>
+            <a:r>
+              <a:rPr lang="pt-BR" sz="1600" dirty="0" err="1">
+                <a:solidFill>
+                  <a:schemeClr val="accent5"/>
+                </a:solidFill>
+              </a:rPr>
+              <a:t>docker</a:t>
+            </a:r>
+            <a:r>
+              <a:rPr lang="pt-BR" sz="1600" dirty="0">
+                <a:solidFill>
+                  <a:schemeClr val="accent5"/>
+                </a:solidFill>
+              </a:rPr>
+              <a:t> </a:t>
+            </a:r>
+            <a:r>
+              <a:rPr lang="pt-BR" sz="1600" dirty="0" err="1">
+                <a:solidFill>
+                  <a:schemeClr val="accent5"/>
+                </a:solidFill>
+              </a:rPr>
+              <a:t>run</a:t>
+            </a:r>
+            <a:r>
+              <a:rPr lang="pt-BR" sz="1600" dirty="0">
+                <a:solidFill>
+                  <a:schemeClr val="accent5"/>
+                </a:solidFill>
+              </a:rPr>
+              <a:t> -d -p 8080:3000 -v "//c/</a:t>
+            </a:r>
+            <a:r>
+              <a:rPr lang="pt-BR" sz="1600" dirty="0" err="1">
+                <a:solidFill>
+                  <a:schemeClr val="accent5"/>
+                </a:solidFill>
+              </a:rPr>
+              <a:t>Users</a:t>
+            </a:r>
+            <a:r>
+              <a:rPr lang="pt-BR" sz="1600" dirty="0">
+                <a:solidFill>
+                  <a:schemeClr val="accent5"/>
+                </a:solidFill>
+              </a:rPr>
+              <a:t>/&lt;&lt;Seu caminho local&gt;&gt;/volume-exemplo:/var/</a:t>
+            </a:r>
+            <a:r>
+              <a:rPr lang="pt-BR" sz="1600" dirty="0" err="1">
+                <a:solidFill>
+                  <a:schemeClr val="accent5"/>
+                </a:solidFill>
+              </a:rPr>
+              <a:t>www</a:t>
+            </a:r>
+            <a:r>
+              <a:rPr lang="pt-BR" sz="1600" dirty="0">
+                <a:solidFill>
+                  <a:schemeClr val="accent5"/>
+                </a:solidFill>
+              </a:rPr>
+              <a:t>" -w "/var/</a:t>
+            </a:r>
+            <a:r>
+              <a:rPr lang="pt-BR" sz="1600" dirty="0" err="1">
+                <a:solidFill>
+                  <a:schemeClr val="accent5"/>
+                </a:solidFill>
+              </a:rPr>
+              <a:t>www</a:t>
+            </a:r>
+            <a:r>
+              <a:rPr lang="pt-BR" sz="1600" dirty="0">
+                <a:solidFill>
+                  <a:schemeClr val="accent5"/>
+                </a:solidFill>
+              </a:rPr>
+              <a:t>" node </a:t>
+            </a:r>
+            <a:r>
+              <a:rPr lang="pt-BR" sz="1600" dirty="0" err="1">
+                <a:solidFill>
+                  <a:schemeClr val="accent5"/>
+                </a:solidFill>
+              </a:rPr>
+              <a:t>npm</a:t>
+            </a:r>
+            <a:r>
+              <a:rPr lang="pt-BR" sz="1600" dirty="0">
+                <a:solidFill>
+                  <a:schemeClr val="accent5"/>
+                </a:solidFill>
+              </a:rPr>
+              <a:t> start</a:t>
+            </a:r>
+          </a:p>
+          <a:p>
+            <a:pPr lvl="2">
+              <a:buFont typeface="Wingdings" panose="05000000000000000000" pitchFamily="2" charset="2"/>
+              <a:buChar char="Ø"/>
+            </a:pPr>
+            <a:endParaRPr lang="pt-BR" sz="1600" dirty="0">
+              <a:solidFill>
+                <a:schemeClr val="accent5"/>
+              </a:solidFill>
+            </a:endParaRPr>
+          </a:p>
+          <a:p>
+            <a:pPr marL="3200400" lvl="7" indent="0">
+              <a:buNone/>
+            </a:pPr>
+            <a:r>
+              <a:rPr lang="pt-BR" sz="1400" b="1" dirty="0">
+                <a:solidFill>
+                  <a:schemeClr val="accent5"/>
+                </a:solidFill>
+              </a:rPr>
+              <a:t>Ou </a:t>
+            </a:r>
+          </a:p>
+          <a:p>
+            <a:pPr marL="3200400" lvl="7" indent="0">
+              <a:buNone/>
+            </a:pPr>
+            <a:endParaRPr lang="pt-BR" sz="1400" b="1" dirty="0">
+              <a:solidFill>
+                <a:schemeClr val="accent5"/>
+              </a:solidFill>
+            </a:endParaRPr>
+          </a:p>
+          <a:p>
+            <a:pPr lvl="2">
+              <a:buFont typeface="Wingdings" panose="05000000000000000000" pitchFamily="2" charset="2"/>
+              <a:buChar char="Ø"/>
+            </a:pPr>
+            <a:r>
+              <a:rPr lang="pt-BR" sz="1600" dirty="0" err="1">
+                <a:solidFill>
+                  <a:schemeClr val="accent5"/>
+                </a:solidFill>
+              </a:rPr>
+              <a:t>docker</a:t>
+            </a:r>
+            <a:r>
+              <a:rPr lang="pt-BR" sz="1600" dirty="0">
+                <a:solidFill>
+                  <a:schemeClr val="accent5"/>
+                </a:solidFill>
+              </a:rPr>
+              <a:t> </a:t>
+            </a:r>
+            <a:r>
+              <a:rPr lang="pt-BR" sz="1600" dirty="0" err="1">
+                <a:solidFill>
+                  <a:schemeClr val="accent5"/>
+                </a:solidFill>
+              </a:rPr>
+              <a:t>run</a:t>
+            </a:r>
+            <a:r>
+              <a:rPr lang="pt-BR" sz="1600" dirty="0">
+                <a:solidFill>
+                  <a:schemeClr val="accent5"/>
+                </a:solidFill>
+              </a:rPr>
+              <a:t> -d -p 8080:3000 -v “$(</a:t>
+            </a:r>
+            <a:r>
+              <a:rPr lang="pt-BR" sz="1600" dirty="0" err="1">
+                <a:solidFill>
+                  <a:schemeClr val="accent5"/>
+                </a:solidFill>
+              </a:rPr>
+              <a:t>pwd</a:t>
+            </a:r>
+            <a:r>
+              <a:rPr lang="pt-BR" sz="1600" dirty="0">
+                <a:solidFill>
+                  <a:schemeClr val="accent5"/>
+                </a:solidFill>
+              </a:rPr>
+              <a:t>):/var/</a:t>
+            </a:r>
+            <a:r>
+              <a:rPr lang="pt-BR" sz="1600" dirty="0" err="1">
+                <a:solidFill>
+                  <a:schemeClr val="accent5"/>
+                </a:solidFill>
+              </a:rPr>
+              <a:t>www</a:t>
+            </a:r>
+            <a:r>
+              <a:rPr lang="pt-BR" sz="1600" dirty="0">
+                <a:solidFill>
+                  <a:schemeClr val="accent5"/>
+                </a:solidFill>
+              </a:rPr>
+              <a:t>" -w "/var/</a:t>
+            </a:r>
+            <a:r>
+              <a:rPr lang="pt-BR" sz="1600" dirty="0" err="1">
+                <a:solidFill>
+                  <a:schemeClr val="accent5"/>
+                </a:solidFill>
+              </a:rPr>
+              <a:t>www</a:t>
+            </a:r>
+            <a:r>
+              <a:rPr lang="pt-BR" sz="1600" dirty="0">
+                <a:solidFill>
+                  <a:schemeClr val="accent5"/>
+                </a:solidFill>
+              </a:rPr>
+              <a:t>" node </a:t>
+            </a:r>
+            <a:r>
+              <a:rPr lang="pt-BR" sz="1600" dirty="0" err="1">
+                <a:solidFill>
+                  <a:schemeClr val="accent5"/>
+                </a:solidFill>
+              </a:rPr>
+              <a:t>npm</a:t>
+            </a:r>
+            <a:r>
+              <a:rPr lang="pt-BR" sz="1600" dirty="0">
+                <a:solidFill>
+                  <a:schemeClr val="accent5"/>
+                </a:solidFill>
+              </a:rPr>
+              <a:t> start</a:t>
+            </a:r>
+          </a:p>
+          <a:p>
+            <a:pPr marL="3200400" lvl="7" indent="0">
+              <a:buNone/>
+            </a:pPr>
+            <a:endParaRPr lang="pt-BR" sz="1400" b="1" dirty="0">
+              <a:solidFill>
+                <a:schemeClr val="accent5"/>
+              </a:solidFill>
+            </a:endParaRPr>
+          </a:p>
+          <a:p>
+            <a:pPr marL="0" indent="0" algn="ctr">
+              <a:buNone/>
+            </a:pPr>
+            <a:r>
+              <a:rPr lang="pt-BR" sz="2400" dirty="0">
+                <a:solidFill>
+                  <a:schemeClr val="accent6"/>
+                </a:solidFill>
+              </a:rPr>
+              <a:t>Você conseguirá executar o código em http://localhost:8080</a:t>
+            </a:r>
+          </a:p>
+          <a:p>
+            <a:pPr>
+              <a:buFont typeface="Wingdings" panose="05000000000000000000" pitchFamily="2" charset="2"/>
+              <a:buChar char="Ø"/>
+            </a:pPr>
+            <a:endParaRPr lang="pt-BR" sz="2400" dirty="0">
+              <a:solidFill>
+                <a:schemeClr val="accent5"/>
+              </a:solidFill>
+            </a:endParaRPr>
+          </a:p>
+        </p:txBody>
+      </p:sp>
+      <p:sp>
+        <p:nvSpPr>
+          <p:cNvPr id="4" name="Espaço Reservado para Conteúdo 2"/>
+          <p:cNvSpPr txBox="1">
+            <a:spLocks/>
+          </p:cNvSpPr>
+          <p:nvPr/>
+        </p:nvSpPr>
+        <p:spPr>
+          <a:xfrm>
+            <a:off x="288164" y="3448280"/>
+            <a:ext cx="11165982" cy="3261612"/>
+          </a:xfrm>
+          <a:prstGeom prst="rect">
+            <a:avLst/>
+          </a:prstGeom>
+        </p:spPr>
+        <p:txBody>
+          <a:bodyPr vert="horz" lIns="91440" tIns="45720" rIns="91440" bIns="45720" rtlCol="0">
+            <a:noAutofit/>
+          </a:bodyPr>
+          <a:lstStyle>
+            <a:lvl1pPr marL="228600" indent="-228600" algn="l" defTabSz="914400" rtl="0" eaLnBrk="1" latinLnBrk="0" hangingPunct="1">
+              <a:lnSpc>
+                <a:spcPct val="90000"/>
+              </a:lnSpc>
+              <a:spcBef>
+                <a:spcPts val="1000"/>
+              </a:spcBef>
+              <a:buFont typeface="Arial" panose="020B0604020202020204" pitchFamily="34" charset="0"/>
+              <a:buChar char="•"/>
+              <a:defRPr sz="2800" kern="1200">
+                <a:solidFill>
+                  <a:schemeClr val="tx1"/>
+                </a:solidFill>
+                <a:latin typeface="+mn-lt"/>
+                <a:ea typeface="+mn-ea"/>
+                <a:cs typeface="+mn-cs"/>
+              </a:defRPr>
+            </a:lvl1pPr>
+            <a:lvl2pPr marL="685800" indent="-228600" algn="l" defTabSz="914400" rtl="0" eaLnBrk="1" latinLnBrk="0" hangingPunct="1">
+              <a:lnSpc>
+                <a:spcPct val="90000"/>
+              </a:lnSpc>
+              <a:spcBef>
+                <a:spcPts val="500"/>
+              </a:spcBef>
+              <a:buFont typeface="Arial" panose="020B0604020202020204" pitchFamily="34" charset="0"/>
+              <a:buChar char="•"/>
+              <a:defRPr sz="2400" kern="1200">
+                <a:solidFill>
+                  <a:schemeClr val="tx1"/>
+                </a:solidFill>
+                <a:latin typeface="+mn-lt"/>
+                <a:ea typeface="+mn-ea"/>
+                <a:cs typeface="+mn-cs"/>
+              </a:defRPr>
+            </a:lvl2pPr>
+            <a:lvl3pPr marL="1143000" indent="-228600" algn="l" defTabSz="914400" rtl="0" eaLnBrk="1" latinLnBrk="0" hangingPunct="1">
+              <a:lnSpc>
+                <a:spcPct val="90000"/>
+              </a:lnSpc>
+              <a:spcBef>
+                <a:spcPts val="500"/>
+              </a:spcBef>
+              <a:buFont typeface="Arial" panose="020B0604020202020204" pitchFamily="34" charset="0"/>
+              <a:buChar char="•"/>
+              <a:defRPr sz="2000" kern="1200">
+                <a:solidFill>
+                  <a:schemeClr val="tx1"/>
+                </a:solidFill>
+                <a:latin typeface="+mn-lt"/>
+                <a:ea typeface="+mn-ea"/>
+                <a:cs typeface="+mn-cs"/>
+              </a:defRPr>
+            </a:lvl3pPr>
+            <a:lvl4pPr marL="1600200" indent="-228600" algn="l" defTabSz="914400" rtl="0" eaLnBrk="1" latinLnBrk="0" hangingPunct="1">
+              <a:lnSpc>
+                <a:spcPct val="90000"/>
+              </a:lnSpc>
+              <a:spcBef>
+                <a:spcPts val="500"/>
+              </a:spcBef>
+              <a:buFont typeface="Arial" panose="020B0604020202020204" pitchFamily="34" charset="0"/>
+              <a:buChar char="•"/>
+              <a:defRPr sz="1800" kern="1200">
+                <a:solidFill>
+                  <a:schemeClr val="tx1"/>
+                </a:solidFill>
+                <a:latin typeface="+mn-lt"/>
+                <a:ea typeface="+mn-ea"/>
+                <a:cs typeface="+mn-cs"/>
+              </a:defRPr>
+            </a:lvl4pPr>
+            <a:lvl5pPr marL="2057400" indent="-228600" algn="l" defTabSz="914400" rtl="0" eaLnBrk="1" latinLnBrk="0" hangingPunct="1">
+              <a:lnSpc>
+                <a:spcPct val="90000"/>
+              </a:lnSpc>
+              <a:spcBef>
+                <a:spcPts val="500"/>
+              </a:spcBef>
+              <a:buFont typeface="Arial" panose="020B0604020202020204" pitchFamily="34" charset="0"/>
+              <a:buChar char="•"/>
+              <a:defRPr sz="1800" kern="1200">
+                <a:solidFill>
+                  <a:schemeClr val="tx1"/>
+                </a:solidFill>
+                <a:latin typeface="+mn-lt"/>
+                <a:ea typeface="+mn-ea"/>
+                <a:cs typeface="+mn-cs"/>
+              </a:defRPr>
+            </a:lvl5pPr>
+            <a:lvl6pPr marL="2514600" indent="-228600" algn="l" defTabSz="914400" rtl="0" eaLnBrk="1" latinLnBrk="0" hangingPunct="1">
+              <a:lnSpc>
+                <a:spcPct val="90000"/>
+              </a:lnSpc>
+              <a:spcBef>
+                <a:spcPts val="500"/>
+              </a:spcBef>
+              <a:buFont typeface="Arial" panose="020B0604020202020204" pitchFamily="34" charset="0"/>
+              <a:buChar char="•"/>
+              <a:defRPr sz="1800" kern="1200">
+                <a:solidFill>
+                  <a:schemeClr val="tx1"/>
+                </a:solidFill>
+                <a:latin typeface="+mn-lt"/>
+                <a:ea typeface="+mn-ea"/>
+                <a:cs typeface="+mn-cs"/>
+              </a:defRPr>
+            </a:lvl6pPr>
+            <a:lvl7pPr marL="2971800" indent="-228600" algn="l" defTabSz="914400" rtl="0" eaLnBrk="1" latinLnBrk="0" hangingPunct="1">
+              <a:lnSpc>
+                <a:spcPct val="90000"/>
+              </a:lnSpc>
+              <a:spcBef>
+                <a:spcPts val="500"/>
+              </a:spcBef>
+              <a:buFont typeface="Arial" panose="020B0604020202020204" pitchFamily="34" charset="0"/>
+              <a:buChar char="•"/>
+              <a:defRPr sz="1800" kern="1200">
+                <a:solidFill>
+                  <a:schemeClr val="tx1"/>
+                </a:solidFill>
+                <a:latin typeface="+mn-lt"/>
+                <a:ea typeface="+mn-ea"/>
+                <a:cs typeface="+mn-cs"/>
+              </a:defRPr>
+            </a:lvl7pPr>
+            <a:lvl8pPr marL="3429000" indent="-228600" algn="l" defTabSz="914400" rtl="0" eaLnBrk="1" latinLnBrk="0" hangingPunct="1">
+              <a:lnSpc>
+                <a:spcPct val="90000"/>
+              </a:lnSpc>
+              <a:spcBef>
+                <a:spcPts val="500"/>
+              </a:spcBef>
+              <a:buFont typeface="Arial" panose="020B0604020202020204" pitchFamily="34" charset="0"/>
+              <a:buChar char="•"/>
+              <a:defRPr sz="1800" kern="1200">
+                <a:solidFill>
+                  <a:schemeClr val="tx1"/>
+                </a:solidFill>
+                <a:latin typeface="+mn-lt"/>
+                <a:ea typeface="+mn-ea"/>
+                <a:cs typeface="+mn-cs"/>
+              </a:defRPr>
+            </a:lvl8pPr>
+            <a:lvl9pPr marL="3886200" indent="-228600" algn="l" defTabSz="914400" rtl="0" eaLnBrk="1" latinLnBrk="0" hangingPunct="1">
+              <a:lnSpc>
+                <a:spcPct val="90000"/>
+              </a:lnSpc>
+              <a:spcBef>
+                <a:spcPts val="500"/>
+              </a:spcBef>
+              <a:buFont typeface="Arial" panose="020B0604020202020204" pitchFamily="34" charset="0"/>
+              <a:buChar char="•"/>
+              <a:defRPr sz="1800" kern="1200">
+                <a:solidFill>
+                  <a:schemeClr val="tx1"/>
+                </a:solidFill>
+                <a:latin typeface="+mn-lt"/>
+                <a:ea typeface="+mn-ea"/>
+                <a:cs typeface="+mn-cs"/>
+              </a:defRPr>
+            </a:lvl9pPr>
+          </a:lstStyle>
+          <a:p>
+            <a:pPr lvl="1" algn="just">
+              <a:lnSpc>
+                <a:spcPct val="150000"/>
+              </a:lnSpc>
+            </a:pPr>
+            <a:r>
+              <a:rPr lang="pt-BR" sz="1800" dirty="0"/>
+              <a:t>Nessa pasta volume-exemplo existe um pequeno projeto</a:t>
+            </a:r>
+            <a:r>
+              <a:rPr lang="pt-BR" sz="1800" b="1" dirty="0"/>
+              <a:t> Node.js</a:t>
+            </a:r>
+          </a:p>
+          <a:p>
+            <a:pPr lvl="1" algn="just">
+              <a:lnSpc>
+                <a:spcPct val="150000"/>
+              </a:lnSpc>
+            </a:pPr>
+            <a:r>
+              <a:rPr lang="pt-BR" sz="1800" b="1" dirty="0"/>
+              <a:t>“-d”</a:t>
+            </a:r>
+            <a:r>
+              <a:rPr lang="pt-BR" sz="1800" dirty="0"/>
+              <a:t> – executa em modo </a:t>
+            </a:r>
+            <a:r>
+              <a:rPr lang="pt-BR" sz="1800" dirty="0" err="1"/>
+              <a:t>dettached</a:t>
+            </a:r>
+            <a:r>
+              <a:rPr lang="pt-BR" sz="1800" dirty="0"/>
+              <a:t> e libera o terminal </a:t>
+            </a:r>
+          </a:p>
+          <a:p>
+            <a:pPr lvl="1" algn="just">
+              <a:lnSpc>
+                <a:spcPct val="150000"/>
+              </a:lnSpc>
+            </a:pPr>
+            <a:r>
+              <a:rPr lang="pt-BR" sz="1800" b="1" dirty="0"/>
+              <a:t>“-w”</a:t>
+            </a:r>
+            <a:r>
+              <a:rPr lang="pt-BR" sz="1800" dirty="0"/>
+              <a:t> – “</a:t>
+            </a:r>
+            <a:r>
+              <a:rPr lang="pt-BR" sz="1800" dirty="0" err="1"/>
+              <a:t>Working</a:t>
+            </a:r>
+            <a:r>
+              <a:rPr lang="pt-BR" sz="1800" dirty="0"/>
+              <a:t> </a:t>
+            </a:r>
+            <a:r>
+              <a:rPr lang="pt-BR" sz="1800" dirty="0" err="1"/>
+              <a:t>Directory</a:t>
+            </a:r>
+            <a:r>
+              <a:rPr lang="pt-BR" sz="1800" dirty="0"/>
+              <a:t>” informa em qual pasta o comando deve ser executado dentro do container</a:t>
+            </a:r>
+          </a:p>
+          <a:p>
+            <a:pPr lvl="1" algn="just">
+              <a:lnSpc>
+                <a:spcPct val="150000"/>
+              </a:lnSpc>
+            </a:pPr>
+            <a:endParaRPr lang="pt-BR" sz="1800" dirty="0"/>
+          </a:p>
+          <a:p>
+            <a:pPr marL="457200" lvl="1" indent="0" algn="just">
+              <a:lnSpc>
+                <a:spcPct val="100000"/>
+              </a:lnSpc>
+              <a:spcBef>
+                <a:spcPts val="0"/>
+              </a:spcBef>
+              <a:buNone/>
+            </a:pPr>
+            <a:r>
+              <a:rPr lang="pt-BR" sz="1800" dirty="0"/>
+              <a:t>	Lembrando que se você estiver rodando num Windows com uma máquina virtual e rodando o </a:t>
+            </a:r>
+            <a:r>
+              <a:rPr lang="pt-BR" sz="1800" dirty="0" err="1"/>
+              <a:t>Docker</a:t>
+            </a:r>
+            <a:r>
+              <a:rPr lang="pt-BR" sz="1800" dirty="0"/>
+              <a:t> Toolbox, o </a:t>
+            </a:r>
+            <a:r>
+              <a:rPr lang="pt-BR" sz="1800" dirty="0" err="1"/>
+              <a:t>ip</a:t>
+            </a:r>
+            <a:r>
+              <a:rPr lang="pt-BR" sz="1800" dirty="0"/>
+              <a:t> será descoberto pelo “</a:t>
+            </a:r>
+            <a:r>
+              <a:rPr lang="pt-BR" sz="1800" b="1" dirty="0" err="1">
+                <a:solidFill>
+                  <a:prstClr val="black"/>
+                </a:solidFill>
+              </a:rPr>
+              <a:t>docker-machine</a:t>
+            </a:r>
+            <a:r>
+              <a:rPr lang="pt-BR" sz="1800" b="1" dirty="0">
+                <a:solidFill>
+                  <a:prstClr val="black"/>
+                </a:solidFill>
+              </a:rPr>
+              <a:t> </a:t>
+            </a:r>
+            <a:r>
+              <a:rPr lang="pt-BR" sz="1800" b="1" dirty="0" err="1">
+                <a:solidFill>
+                  <a:prstClr val="black"/>
+                </a:solidFill>
+              </a:rPr>
+              <a:t>ip</a:t>
+            </a:r>
+            <a:r>
+              <a:rPr lang="pt-BR" sz="1800" b="1" dirty="0">
+                <a:solidFill>
+                  <a:prstClr val="black"/>
+                </a:solidFill>
+              </a:rPr>
+              <a:t>” e você executará o código com o endereço </a:t>
+            </a:r>
+            <a:r>
+              <a:rPr lang="pt-BR" sz="1800" b="1" dirty="0" err="1">
+                <a:solidFill>
+                  <a:prstClr val="black"/>
+                </a:solidFill>
+              </a:rPr>
+              <a:t>ip</a:t>
+            </a:r>
+            <a:r>
+              <a:rPr lang="pt-BR" sz="1800" b="1" dirty="0">
+                <a:solidFill>
+                  <a:prstClr val="black"/>
+                </a:solidFill>
+              </a:rPr>
+              <a:t> encontrado e a porta configurada, nesse caso a 8080.</a:t>
+            </a:r>
+          </a:p>
+          <a:p>
+            <a:pPr marL="457200" lvl="1" indent="0" algn="just">
+              <a:lnSpc>
+                <a:spcPct val="100000"/>
+              </a:lnSpc>
+              <a:spcBef>
+                <a:spcPts val="0"/>
+              </a:spcBef>
+              <a:buNone/>
+            </a:pPr>
+            <a:endParaRPr lang="pt-BR" sz="1800" b="1" dirty="0">
+              <a:solidFill>
+                <a:prstClr val="black"/>
+              </a:solidFill>
+            </a:endParaRPr>
+          </a:p>
+          <a:p>
+            <a:pPr marL="457200" lvl="1" indent="0" algn="just">
+              <a:lnSpc>
+                <a:spcPct val="100000"/>
+              </a:lnSpc>
+              <a:spcBef>
+                <a:spcPts val="0"/>
+              </a:spcBef>
+              <a:buNone/>
+            </a:pPr>
+            <a:r>
+              <a:rPr lang="pt-BR" sz="1800" b="1" dirty="0">
+                <a:solidFill>
+                  <a:prstClr val="black"/>
+                </a:solidFill>
+              </a:rPr>
+              <a:t>				</a:t>
+            </a:r>
+            <a:r>
+              <a:rPr lang="pt-BR" sz="1800" b="1" dirty="0">
+                <a:solidFill>
+                  <a:schemeClr val="accent5"/>
+                </a:solidFill>
+              </a:rPr>
+              <a:t>http://192.168.99.123:8080/</a:t>
+            </a:r>
+          </a:p>
+          <a:p>
+            <a:pPr marL="457200" lvl="1" indent="0" algn="just">
+              <a:lnSpc>
+                <a:spcPct val="100000"/>
+              </a:lnSpc>
+              <a:spcBef>
+                <a:spcPts val="0"/>
+              </a:spcBef>
+              <a:buNone/>
+            </a:pPr>
+            <a:endParaRPr lang="pt-BR" sz="1800" b="1" dirty="0">
+              <a:solidFill>
+                <a:prstClr val="black"/>
+              </a:solidFill>
+            </a:endParaRPr>
+          </a:p>
+        </p:txBody>
+      </p:sp>
+    </p:spTree>
+    <p:extLst>
+      <p:ext uri="{BB962C8B-B14F-4D97-AF65-F5344CB8AC3E}">
+        <p14:creationId xmlns:p14="http://schemas.microsoft.com/office/powerpoint/2010/main" val="1371646598"/>
+      </p:ext>
+    </p:extLst>
+  </p:cSld>
+  <p:clrMapOvr>
+    <a:masterClrMapping/>
+  </p:clrMapOvr>
+</p:sld>
+</file>
+
+<file path=ppt/slides/slide21.xml><?xml version="1.0" encoding="utf-8"?>
+<p:sld xmlns:a="http://schemas.openxmlformats.org/drawingml/2006/main" xmlns:r="http://schemas.openxmlformats.org/officeDocument/2006/relationships" xmlns:p="http://schemas.openxmlformats.org/presentationml/2006/main">
+  <p:cSld>
+    <p:spTree>
+      <p:nvGrpSpPr>
+        <p:cNvPr id="1" name=""/>
+        <p:cNvGrpSpPr/>
+        <p:nvPr/>
+      </p:nvGrpSpPr>
+      <p:grpSpPr>
+        <a:xfrm>
+          <a:off x="0" y="0"/>
+          <a:ext cx="0" cy="0"/>
+          <a:chOff x="0" y="0"/>
+          <a:chExt cx="0" cy="0"/>
+        </a:xfrm>
+      </p:grpSpPr>
+      <p:sp>
+        <p:nvSpPr>
           <p:cNvPr id="5" name="Título 1"/>
           <p:cNvSpPr>
             <a:spLocks noGrp="1"/>
@@ -8798,7 +8955,7 @@
 </p:sld>
 </file>
 
-<file path=ppt/slides/slide21.xml><?xml version="1.0" encoding="utf-8"?>
+<file path=ppt/slides/slide22.xml><?xml version="1.0" encoding="utf-8"?>
 <p:sld xmlns:a="http://schemas.openxmlformats.org/drawingml/2006/main" xmlns:r="http://schemas.openxmlformats.org/officeDocument/2006/relationships" xmlns:p="http://schemas.openxmlformats.org/presentationml/2006/main">
   <p:cSld>
     <p:spTree>
@@ -9218,7 +9375,7 @@
 </p:sld>
 </file>
 
-<file path=ppt/slides/slide22.xml><?xml version="1.0" encoding="utf-8"?>
+<file path=ppt/slides/slide23.xml><?xml version="1.0" encoding="utf-8"?>
 <p:sld xmlns:a="http://schemas.openxmlformats.org/drawingml/2006/main" xmlns:r="http://schemas.openxmlformats.org/officeDocument/2006/relationships" xmlns:p="http://schemas.openxmlformats.org/presentationml/2006/main">
   <p:cSld>
     <p:spTree>
@@ -9603,7 +9760,7 @@
 </p:sld>
 </file>
 
-<file path=ppt/slides/slide23.xml><?xml version="1.0" encoding="utf-8"?>
+<file path=ppt/slides/slide24.xml><?xml version="1.0" encoding="utf-8"?>
 <p:sld xmlns:a="http://schemas.openxmlformats.org/drawingml/2006/main" xmlns:r="http://schemas.openxmlformats.org/officeDocument/2006/relationships" xmlns:p="http://schemas.openxmlformats.org/presentationml/2006/main">
   <p:cSld>
     <p:spTree>
@@ -10023,719 +10180,6 @@
     <p:extLst>
       <p:ext uri="{BB962C8B-B14F-4D97-AF65-F5344CB8AC3E}">
         <p14:creationId xmlns:p14="http://schemas.microsoft.com/office/powerpoint/2010/main" val="1003111895"/>
-      </p:ext>
-    </p:extLst>
-  </p:cSld>
-  <p:clrMapOvr>
-    <a:masterClrMapping/>
-  </p:clrMapOvr>
-</p:sld>
-</file>
-
-<file path=ppt/slides/slide24.xml><?xml version="1.0" encoding="utf-8"?>
-<p:sld xmlns:a="http://schemas.openxmlformats.org/drawingml/2006/main" xmlns:r="http://schemas.openxmlformats.org/officeDocument/2006/relationships" xmlns:p="http://schemas.openxmlformats.org/presentationml/2006/main">
-  <p:cSld>
-    <p:spTree>
-      <p:nvGrpSpPr>
-        <p:cNvPr id="1" name=""/>
-        <p:cNvGrpSpPr/>
-        <p:nvPr/>
-      </p:nvGrpSpPr>
-      <p:grpSpPr>
-        <a:xfrm>
-          <a:off x="0" y="0"/>
-          <a:ext cx="0" cy="0"/>
-          <a:chOff x="0" y="0"/>
-          <a:chExt cx="0" cy="0"/>
-        </a:xfrm>
-      </p:grpSpPr>
-      <p:sp>
-        <p:nvSpPr>
-          <p:cNvPr id="5" name="Título 1"/>
-          <p:cNvSpPr>
-            <a:spLocks noGrp="1"/>
-          </p:cNvSpPr>
-          <p:nvPr>
-            <p:ph type="title"/>
-          </p:nvPr>
-        </p:nvSpPr>
-        <p:spPr>
-          <a:xfrm>
-            <a:off x="115910" y="123288"/>
-            <a:ext cx="11951594" cy="422275"/>
-          </a:xfrm>
-        </p:spPr>
-        <p:txBody>
-          <a:bodyPr vert="horz" lIns="91440" tIns="45720" rIns="91440" bIns="45720" rtlCol="0" anchor="ctr">
-            <a:normAutofit fontScale="90000"/>
-          </a:bodyPr>
-          <a:lstStyle/>
-          <a:p>
-            <a:pPr algn="ctr"/>
-            <a:r>
-              <a:rPr lang="pt-BR" sz="2800" b="1" dirty="0"/>
-              <a:t>Redes com </a:t>
-            </a:r>
-            <a:r>
-              <a:rPr lang="pt-BR" sz="2800" b="1" dirty="0" err="1"/>
-              <a:t>Docker</a:t>
-            </a:r>
-            <a:endParaRPr lang="pt-BR" sz="2800" b="1" dirty="0"/>
-          </a:p>
-        </p:txBody>
-      </p:sp>
-      <p:sp>
-        <p:nvSpPr>
-          <p:cNvPr id="4" name="Espaço Reservado para Conteúdo 4"/>
-          <p:cNvSpPr>
-            <a:spLocks noGrp="1"/>
-          </p:cNvSpPr>
-          <p:nvPr>
-            <p:ph idx="1"/>
-          </p:nvPr>
-        </p:nvSpPr>
-        <p:spPr>
-          <a:xfrm>
-            <a:off x="325677" y="545563"/>
-            <a:ext cx="11252005" cy="5943371"/>
-          </a:xfrm>
-        </p:spPr>
-        <p:txBody>
-          <a:bodyPr>
-            <a:normAutofit/>
-          </a:bodyPr>
-          <a:lstStyle/>
-          <a:p>
-            <a:r>
-              <a:rPr lang="pt-BR" sz="1700" dirty="0"/>
-              <a:t>Quando você disponibilizar uma aplicação pelo </a:t>
-            </a:r>
-            <a:r>
-              <a:rPr lang="pt-BR" sz="1700" dirty="0" err="1"/>
-              <a:t>Docker</a:t>
-            </a:r>
-            <a:r>
-              <a:rPr lang="pt-BR" sz="1700" dirty="0"/>
-              <a:t> é interessante que você coloque os containers na mesma rede, através da </a:t>
-            </a:r>
-            <a:r>
-              <a:rPr lang="pt-BR" sz="1700" dirty="0" err="1"/>
-              <a:t>flag</a:t>
-            </a:r>
-            <a:r>
-              <a:rPr lang="pt-BR" sz="1700" dirty="0"/>
-              <a:t> </a:t>
-            </a:r>
-            <a:r>
-              <a:rPr lang="pt-BR" sz="1700" b="1" dirty="0"/>
-              <a:t>--network</a:t>
-            </a:r>
-            <a:r>
-              <a:rPr lang="pt-BR" sz="1700" dirty="0"/>
-              <a:t>. </a:t>
-            </a:r>
-          </a:p>
-          <a:p>
-            <a:endParaRPr lang="pt-BR" sz="1700" dirty="0"/>
-          </a:p>
-          <a:p>
-            <a:pPr marL="742950" lvl="1" indent="-285750">
-              <a:buFont typeface="Wingdings" panose="05000000000000000000" pitchFamily="2" charset="2"/>
-              <a:buChar char="Ø"/>
-            </a:pPr>
-            <a:r>
-              <a:rPr lang="pt-BR" sz="1700" dirty="0" err="1">
-                <a:solidFill>
-                  <a:schemeClr val="accent5"/>
-                </a:solidFill>
-              </a:rPr>
-              <a:t>docker</a:t>
-            </a:r>
-            <a:r>
-              <a:rPr lang="pt-BR" sz="1700" dirty="0">
-                <a:solidFill>
-                  <a:schemeClr val="accent5"/>
-                </a:solidFill>
-              </a:rPr>
-              <a:t> </a:t>
-            </a:r>
-            <a:r>
-              <a:rPr lang="pt-BR" sz="1700" dirty="0" err="1">
-                <a:solidFill>
-                  <a:schemeClr val="accent5"/>
-                </a:solidFill>
-              </a:rPr>
-              <a:t>run</a:t>
-            </a:r>
-            <a:r>
-              <a:rPr lang="pt-BR" sz="1700" dirty="0">
-                <a:solidFill>
-                  <a:schemeClr val="accent5"/>
-                </a:solidFill>
-              </a:rPr>
-              <a:t> -it --</a:t>
-            </a:r>
-            <a:r>
-              <a:rPr lang="pt-BR" sz="1700" dirty="0" err="1">
-                <a:solidFill>
-                  <a:schemeClr val="accent5"/>
-                </a:solidFill>
-              </a:rPr>
-              <a:t>name</a:t>
-            </a:r>
-            <a:r>
-              <a:rPr lang="pt-BR" sz="1700" dirty="0">
-                <a:solidFill>
-                  <a:schemeClr val="accent5"/>
-                </a:solidFill>
-              </a:rPr>
-              <a:t> meu-container-de-</a:t>
-            </a:r>
-            <a:r>
-              <a:rPr lang="pt-BR" sz="1700" dirty="0" err="1">
-                <a:solidFill>
-                  <a:schemeClr val="accent5"/>
-                </a:solidFill>
-              </a:rPr>
-              <a:t>ubuntu</a:t>
-            </a:r>
-            <a:r>
-              <a:rPr lang="pt-BR" sz="1700" dirty="0">
-                <a:solidFill>
-                  <a:schemeClr val="accent5"/>
-                </a:solidFill>
-              </a:rPr>
-              <a:t> --network minha-rede </a:t>
-            </a:r>
-            <a:r>
-              <a:rPr lang="pt-BR" sz="1700" dirty="0" err="1">
-                <a:solidFill>
-                  <a:schemeClr val="accent5"/>
-                </a:solidFill>
-              </a:rPr>
-              <a:t>ubuntu</a:t>
-            </a:r>
-            <a:endParaRPr lang="pt-BR" sz="1700" dirty="0">
-              <a:solidFill>
-                <a:schemeClr val="accent5"/>
-              </a:solidFill>
-            </a:endParaRPr>
-          </a:p>
-          <a:p>
-            <a:pPr marL="742950" lvl="1" indent="-285750">
-              <a:buFont typeface="Wingdings" panose="05000000000000000000" pitchFamily="2" charset="2"/>
-              <a:buChar char="Ø"/>
-            </a:pPr>
-            <a:endParaRPr lang="pt-BR" sz="1700" dirty="0">
-              <a:solidFill>
-                <a:schemeClr val="accent5"/>
-              </a:solidFill>
-            </a:endParaRPr>
-          </a:p>
-          <a:p>
-            <a:r>
-              <a:rPr lang="pt-BR" sz="1700" dirty="0"/>
-              <a:t>Agora, se executarmos o comando </a:t>
-            </a:r>
-            <a:r>
-              <a:rPr lang="pt-BR" sz="1700" b="1" dirty="0" err="1"/>
-              <a:t>docker</a:t>
-            </a:r>
-            <a:r>
-              <a:rPr lang="pt-BR" sz="1700" b="1" dirty="0"/>
-              <a:t> </a:t>
-            </a:r>
-            <a:r>
-              <a:rPr lang="pt-BR" sz="1700" b="1" dirty="0" err="1"/>
-              <a:t>inspect</a:t>
-            </a:r>
-            <a:r>
-              <a:rPr lang="pt-BR" sz="1700" b="1" dirty="0"/>
-              <a:t> meu-container-de-</a:t>
-            </a:r>
-            <a:r>
-              <a:rPr lang="pt-BR" sz="1700" b="1" dirty="0" err="1"/>
-              <a:t>ubuntu</a:t>
-            </a:r>
-            <a:r>
-              <a:rPr lang="pt-BR" sz="1700" dirty="0"/>
-              <a:t>, podemos ver em </a:t>
-            </a:r>
-            <a:r>
-              <a:rPr lang="pt-BR" sz="1700" b="1" dirty="0" err="1"/>
-              <a:t>NetworkSettings</a:t>
-            </a:r>
-            <a:r>
-              <a:rPr lang="pt-BR" sz="1700" dirty="0"/>
-              <a:t> o container está na rede </a:t>
-            </a:r>
-            <a:r>
-              <a:rPr lang="pt-BR" sz="1700" b="1" dirty="0"/>
-              <a:t>minha-rede</a:t>
-            </a:r>
-            <a:r>
-              <a:rPr lang="pt-BR" sz="1700" dirty="0"/>
-              <a:t>. E para testar a comunicação entre os containers na nossa rede, vamos abrir outro terminal e criar um segundo container:</a:t>
-            </a:r>
-          </a:p>
-          <a:p>
-            <a:endParaRPr lang="pt-BR" sz="1700" dirty="0"/>
-          </a:p>
-          <a:p>
-            <a:pPr marL="742950" lvl="1" indent="-285750">
-              <a:buFont typeface="Wingdings" panose="05000000000000000000" pitchFamily="2" charset="2"/>
-              <a:buChar char="Ø"/>
-            </a:pPr>
-            <a:r>
-              <a:rPr lang="pt-BR" sz="1700" dirty="0" err="1">
-                <a:solidFill>
-                  <a:schemeClr val="accent5"/>
-                </a:solidFill>
-              </a:rPr>
-              <a:t>docker</a:t>
-            </a:r>
-            <a:r>
-              <a:rPr lang="pt-BR" sz="1700" dirty="0">
-                <a:solidFill>
-                  <a:schemeClr val="accent5"/>
-                </a:solidFill>
-              </a:rPr>
-              <a:t> </a:t>
-            </a:r>
-            <a:r>
-              <a:rPr lang="pt-BR" sz="1700" dirty="0" err="1">
-                <a:solidFill>
-                  <a:schemeClr val="accent5"/>
-                </a:solidFill>
-              </a:rPr>
-              <a:t>run</a:t>
-            </a:r>
-            <a:r>
-              <a:rPr lang="pt-BR" sz="1700" dirty="0">
-                <a:solidFill>
-                  <a:schemeClr val="accent5"/>
-                </a:solidFill>
-              </a:rPr>
-              <a:t> -it --</a:t>
-            </a:r>
-            <a:r>
-              <a:rPr lang="pt-BR" sz="1700" dirty="0" err="1">
-                <a:solidFill>
-                  <a:schemeClr val="accent5"/>
-                </a:solidFill>
-              </a:rPr>
-              <a:t>name</a:t>
-            </a:r>
-            <a:r>
-              <a:rPr lang="pt-BR" sz="1700" dirty="0">
-                <a:solidFill>
-                  <a:schemeClr val="accent5"/>
-                </a:solidFill>
-              </a:rPr>
-              <a:t> segundo-</a:t>
-            </a:r>
-            <a:r>
-              <a:rPr lang="pt-BR" sz="1700" dirty="0" err="1">
-                <a:solidFill>
-                  <a:schemeClr val="accent5"/>
-                </a:solidFill>
-              </a:rPr>
-              <a:t>ubuntu</a:t>
-            </a:r>
-            <a:r>
-              <a:rPr lang="pt-BR" sz="1700" dirty="0">
-                <a:solidFill>
-                  <a:schemeClr val="accent5"/>
-                </a:solidFill>
-              </a:rPr>
-              <a:t> --network minha-rede </a:t>
-            </a:r>
-            <a:r>
-              <a:rPr lang="pt-BR" sz="1700" dirty="0" err="1">
-                <a:solidFill>
-                  <a:schemeClr val="accent5"/>
-                </a:solidFill>
-              </a:rPr>
-              <a:t>ubuntu</a:t>
-            </a:r>
-            <a:endParaRPr lang="pt-BR" sz="1700" dirty="0">
-              <a:solidFill>
-                <a:schemeClr val="accent5"/>
-              </a:solidFill>
-            </a:endParaRPr>
-          </a:p>
-          <a:p>
-            <a:r>
-              <a:rPr lang="pt-BR" sz="1700" dirty="0"/>
-              <a:t>Agora, no segundo-</a:t>
-            </a:r>
-            <a:r>
-              <a:rPr lang="pt-BR" sz="1700" dirty="0" err="1"/>
-              <a:t>ubuntu</a:t>
-            </a:r>
-            <a:r>
-              <a:rPr lang="pt-BR" sz="1700" dirty="0"/>
-              <a:t>, instalamos o </a:t>
-            </a:r>
-            <a:r>
-              <a:rPr lang="pt-BR" sz="1700" dirty="0" err="1"/>
-              <a:t>ping</a:t>
-            </a:r>
-            <a:r>
-              <a:rPr lang="pt-BR" sz="1700" dirty="0"/>
-              <a:t> e testamos a comunicação com o meu-container-de-</a:t>
-            </a:r>
-            <a:r>
-              <a:rPr lang="pt-BR" sz="1700" dirty="0" err="1"/>
-              <a:t>ubuntu</a:t>
-            </a:r>
-            <a:r>
-              <a:rPr lang="pt-BR" sz="1700" dirty="0"/>
-              <a:t>:</a:t>
-            </a:r>
-          </a:p>
-          <a:p>
-            <a:endParaRPr lang="pt-BR" sz="1600" dirty="0"/>
-          </a:p>
-          <a:p>
-            <a:pPr marL="742950" lvl="1" indent="-285750">
-              <a:buFont typeface="Wingdings" panose="05000000000000000000" pitchFamily="2" charset="2"/>
-              <a:buChar char="Ø"/>
-            </a:pPr>
-            <a:r>
-              <a:rPr lang="pt-BR" sz="1700" dirty="0">
-                <a:solidFill>
-                  <a:schemeClr val="accent5"/>
-                </a:solidFill>
-              </a:rPr>
-              <a:t>root@00f93075d079:/# </a:t>
-            </a:r>
-            <a:r>
-              <a:rPr lang="pt-BR" sz="1700" dirty="0" err="1">
-                <a:solidFill>
-                  <a:schemeClr val="accent5"/>
-                </a:solidFill>
-              </a:rPr>
-              <a:t>ping</a:t>
-            </a:r>
-            <a:r>
-              <a:rPr lang="pt-BR" sz="1700" dirty="0">
-                <a:solidFill>
-                  <a:schemeClr val="accent5"/>
-                </a:solidFill>
-              </a:rPr>
-              <a:t> meu-container-de-</a:t>
-            </a:r>
-            <a:r>
-              <a:rPr lang="pt-BR" sz="1700" dirty="0" err="1">
-                <a:solidFill>
-                  <a:schemeClr val="accent5"/>
-                </a:solidFill>
-              </a:rPr>
-              <a:t>ubuntu</a:t>
-            </a:r>
-            <a:endParaRPr lang="pt-BR" sz="1700" dirty="0">
-              <a:solidFill>
-                <a:schemeClr val="accent5"/>
-              </a:solidFill>
-            </a:endParaRPr>
-          </a:p>
-          <a:p>
-            <a:pPr marL="457200" lvl="1" indent="0">
-              <a:buNone/>
-            </a:pPr>
-            <a:r>
-              <a:rPr lang="pt-BR" sz="1400" dirty="0"/>
-              <a:t>PING meu-container-de-</a:t>
-            </a:r>
-            <a:r>
-              <a:rPr lang="pt-BR" sz="1400" dirty="0" err="1"/>
-              <a:t>ubuntu</a:t>
-            </a:r>
-            <a:r>
-              <a:rPr lang="pt-BR" sz="1400" dirty="0"/>
-              <a:t> (172.18.0.2) 56(84) bytes </a:t>
-            </a:r>
-            <a:r>
-              <a:rPr lang="pt-BR" sz="1400" dirty="0" err="1"/>
-              <a:t>of</a:t>
-            </a:r>
-            <a:r>
-              <a:rPr lang="pt-BR" sz="1400" dirty="0"/>
-              <a:t> data.</a:t>
-            </a:r>
-          </a:p>
-          <a:p>
-            <a:pPr marL="457200" lvl="1" indent="0">
-              <a:buNone/>
-            </a:pPr>
-            <a:r>
-              <a:rPr lang="pt-BR" sz="1400" dirty="0"/>
-              <a:t>64 bytes </a:t>
-            </a:r>
-            <a:r>
-              <a:rPr lang="pt-BR" sz="1400" dirty="0" err="1"/>
-              <a:t>from</a:t>
-            </a:r>
-            <a:r>
-              <a:rPr lang="pt-BR" sz="1400" dirty="0"/>
-              <a:t> meu-container-de-</a:t>
-            </a:r>
-            <a:r>
-              <a:rPr lang="pt-BR" sz="1400" dirty="0" err="1"/>
-              <a:t>ubuntu.minha</a:t>
-            </a:r>
-            <a:r>
-              <a:rPr lang="pt-BR" sz="1400" dirty="0"/>
-              <a:t>-rede (172.18.0.2): </a:t>
-            </a:r>
-            <a:r>
-              <a:rPr lang="pt-BR" sz="1400" dirty="0" err="1"/>
-              <a:t>icmp_seq</a:t>
-            </a:r>
-            <a:r>
-              <a:rPr lang="pt-BR" sz="1400" dirty="0"/>
-              <a:t>=1 </a:t>
-            </a:r>
-            <a:r>
-              <a:rPr lang="pt-BR" sz="1400" dirty="0" err="1"/>
-              <a:t>ttl</a:t>
-            </a:r>
-            <a:r>
-              <a:rPr lang="pt-BR" sz="1400" dirty="0"/>
-              <a:t>=64 time=0.210 </a:t>
-            </a:r>
-            <a:r>
-              <a:rPr lang="pt-BR" sz="1400" dirty="0" err="1"/>
-              <a:t>ms</a:t>
-            </a:r>
-            <a:endParaRPr lang="pt-BR" sz="1400" dirty="0"/>
-          </a:p>
-          <a:p>
-            <a:pPr marL="457200" lvl="1" indent="0">
-              <a:buNone/>
-            </a:pPr>
-            <a:r>
-              <a:rPr lang="pt-BR" sz="1400" dirty="0"/>
-              <a:t>64 bytes </a:t>
-            </a:r>
-            <a:r>
-              <a:rPr lang="pt-BR" sz="1400" dirty="0" err="1"/>
-              <a:t>from</a:t>
-            </a:r>
-            <a:r>
-              <a:rPr lang="pt-BR" sz="1400" dirty="0"/>
-              <a:t> meu-container-de-</a:t>
-            </a:r>
-            <a:r>
-              <a:rPr lang="pt-BR" sz="1400" dirty="0" err="1"/>
-              <a:t>ubuntu.minha</a:t>
-            </a:r>
-            <a:r>
-              <a:rPr lang="pt-BR" sz="1400" dirty="0"/>
-              <a:t>-rede (172.18.0.2): </a:t>
-            </a:r>
-            <a:r>
-              <a:rPr lang="pt-BR" sz="1400" dirty="0" err="1"/>
-              <a:t>icmp_seq</a:t>
-            </a:r>
-            <a:r>
-              <a:rPr lang="pt-BR" sz="1400" dirty="0"/>
-              <a:t>=2 </a:t>
-            </a:r>
-            <a:r>
-              <a:rPr lang="pt-BR" sz="1400" dirty="0" err="1"/>
-              <a:t>ttl</a:t>
-            </a:r>
-            <a:r>
-              <a:rPr lang="pt-BR" sz="1400" dirty="0"/>
-              <a:t>=64 time=0.148 </a:t>
-            </a:r>
-            <a:r>
-              <a:rPr lang="pt-BR" sz="1400" dirty="0" err="1"/>
-              <a:t>ms</a:t>
-            </a:r>
-            <a:endParaRPr lang="pt-BR" sz="1400" dirty="0"/>
-          </a:p>
-          <a:p>
-            <a:pPr marL="457200" lvl="1" indent="0">
-              <a:buNone/>
-            </a:pPr>
-            <a:r>
-              <a:rPr lang="pt-BR" sz="1400" dirty="0"/>
-              <a:t>64 bytes </a:t>
-            </a:r>
-            <a:r>
-              <a:rPr lang="pt-BR" sz="1400" dirty="0" err="1"/>
-              <a:t>from</a:t>
-            </a:r>
-            <a:r>
-              <a:rPr lang="pt-BR" sz="1400" dirty="0"/>
-              <a:t> meu-container-de-</a:t>
-            </a:r>
-            <a:r>
-              <a:rPr lang="pt-BR" sz="1400" dirty="0" err="1"/>
-              <a:t>ubuntu.minha</a:t>
-            </a:r>
-            <a:r>
-              <a:rPr lang="pt-BR" sz="1400" dirty="0"/>
-              <a:t>-rede (172.18.0.2): </a:t>
-            </a:r>
-            <a:r>
-              <a:rPr lang="pt-BR" sz="1400" dirty="0" err="1"/>
-              <a:t>icmp_seq</a:t>
-            </a:r>
-            <a:r>
-              <a:rPr lang="pt-BR" sz="1400" dirty="0"/>
-              <a:t>=3 </a:t>
-            </a:r>
-            <a:r>
-              <a:rPr lang="pt-BR" sz="1400" dirty="0" err="1"/>
-              <a:t>ttl</a:t>
-            </a:r>
-            <a:r>
-              <a:rPr lang="pt-BR" sz="1400" dirty="0"/>
-              <a:t>=64 time=0.138 </a:t>
-            </a:r>
-            <a:r>
-              <a:rPr lang="pt-BR" sz="1400" dirty="0" err="1"/>
-              <a:t>ms</a:t>
-            </a:r>
-            <a:endParaRPr lang="pt-BR" sz="1400" dirty="0"/>
-          </a:p>
-          <a:p>
-            <a:pPr marL="457200" lvl="1" indent="0">
-              <a:buNone/>
-            </a:pPr>
-            <a:r>
-              <a:rPr lang="pt-BR" sz="1400" dirty="0"/>
-              <a:t>--- meu-container-de-</a:t>
-            </a:r>
-            <a:r>
-              <a:rPr lang="pt-BR" sz="1400" dirty="0" err="1"/>
-              <a:t>ubuntu</a:t>
-            </a:r>
-            <a:r>
-              <a:rPr lang="pt-BR" sz="1400" dirty="0"/>
-              <a:t> </a:t>
-            </a:r>
-            <a:r>
-              <a:rPr lang="pt-BR" sz="1400" dirty="0" err="1"/>
-              <a:t>ping</a:t>
-            </a:r>
-            <a:r>
-              <a:rPr lang="pt-BR" sz="1400" dirty="0"/>
-              <a:t> </a:t>
-            </a:r>
-            <a:r>
-              <a:rPr lang="pt-BR" sz="1400" dirty="0" err="1"/>
-              <a:t>statistics</a:t>
-            </a:r>
-            <a:r>
-              <a:rPr lang="pt-BR" sz="1400" dirty="0"/>
-              <a:t> ---</a:t>
-            </a:r>
-          </a:p>
-          <a:p>
-            <a:pPr marL="457200" lvl="1" indent="0">
-              <a:buNone/>
-            </a:pPr>
-            <a:r>
-              <a:rPr lang="pt-BR" sz="1400" dirty="0"/>
-              <a:t>3 </a:t>
-            </a:r>
-            <a:r>
-              <a:rPr lang="pt-BR" sz="1400" dirty="0" err="1"/>
-              <a:t>packets</a:t>
-            </a:r>
-            <a:r>
-              <a:rPr lang="pt-BR" sz="1400" dirty="0"/>
-              <a:t> </a:t>
-            </a:r>
-            <a:r>
-              <a:rPr lang="pt-BR" sz="1400" dirty="0" err="1"/>
-              <a:t>transmitted</a:t>
-            </a:r>
-            <a:r>
-              <a:rPr lang="pt-BR" sz="1400" dirty="0"/>
-              <a:t>, 3 </a:t>
-            </a:r>
-            <a:r>
-              <a:rPr lang="pt-BR" sz="1400" dirty="0" err="1"/>
-              <a:t>received</a:t>
-            </a:r>
-            <a:r>
-              <a:rPr lang="pt-BR" sz="1400" dirty="0"/>
-              <a:t>, 0% </a:t>
-            </a:r>
-            <a:r>
-              <a:rPr lang="pt-BR" sz="1400" dirty="0" err="1"/>
-              <a:t>packet</a:t>
-            </a:r>
-            <a:r>
-              <a:rPr lang="pt-BR" sz="1400" dirty="0"/>
-              <a:t> </a:t>
-            </a:r>
-            <a:r>
-              <a:rPr lang="pt-BR" sz="1400" dirty="0" err="1"/>
-              <a:t>loss</a:t>
-            </a:r>
-            <a:r>
-              <a:rPr lang="pt-BR" sz="1400" dirty="0"/>
-              <a:t>, time 2000ms</a:t>
-            </a:r>
-          </a:p>
-          <a:p>
-            <a:pPr marL="457200" lvl="1" indent="0">
-              <a:buNone/>
-            </a:pPr>
-            <a:r>
-              <a:rPr lang="pt-BR" sz="1400" dirty="0" err="1"/>
-              <a:t>rtt</a:t>
-            </a:r>
-            <a:r>
-              <a:rPr lang="pt-BR" sz="1400" dirty="0"/>
-              <a:t> min/</a:t>
-            </a:r>
-            <a:r>
-              <a:rPr lang="pt-BR" sz="1400" dirty="0" err="1"/>
-              <a:t>avg</a:t>
-            </a:r>
-            <a:r>
-              <a:rPr lang="pt-BR" sz="1400" dirty="0"/>
-              <a:t>/</a:t>
-            </a:r>
-            <a:r>
-              <a:rPr lang="pt-BR" sz="1400" dirty="0" err="1"/>
-              <a:t>max</a:t>
-            </a:r>
-            <a:r>
-              <a:rPr lang="pt-BR" sz="1400" dirty="0"/>
-              <a:t>/</a:t>
-            </a:r>
-            <a:r>
-              <a:rPr lang="pt-BR" sz="1400" dirty="0" err="1"/>
-              <a:t>mdev</a:t>
-            </a:r>
-            <a:r>
-              <a:rPr lang="pt-BR" sz="1400" dirty="0"/>
-              <a:t> = 0.138/0.165/0.210/0.033 </a:t>
-            </a:r>
-            <a:r>
-              <a:rPr lang="pt-BR" sz="1400" dirty="0" err="1"/>
-              <a:t>ms</a:t>
-            </a:r>
-            <a:endParaRPr lang="pt-BR" sz="1400" dirty="0"/>
-          </a:p>
-          <a:p>
-            <a:endParaRPr lang="pt-BR" sz="1600" dirty="0"/>
-          </a:p>
-        </p:txBody>
-      </p:sp>
-    </p:spTree>
-    <p:extLst>
-      <p:ext uri="{BB962C8B-B14F-4D97-AF65-F5344CB8AC3E}">
-        <p14:creationId xmlns:p14="http://schemas.microsoft.com/office/powerpoint/2010/main" val="4236748709"/>
       </p:ext>
     </p:extLst>
   </p:cSld>
@@ -10787,6 +10231,719 @@
             <a:pPr algn="ctr"/>
             <a:r>
               <a:rPr lang="pt-BR" sz="2800" b="1" dirty="0"/>
+              <a:t>Redes com </a:t>
+            </a:r>
+            <a:r>
+              <a:rPr lang="pt-BR" sz="2800" b="1" dirty="0" err="1"/>
+              <a:t>Docker</a:t>
+            </a:r>
+            <a:endParaRPr lang="pt-BR" sz="2800" b="1" dirty="0"/>
+          </a:p>
+        </p:txBody>
+      </p:sp>
+      <p:sp>
+        <p:nvSpPr>
+          <p:cNvPr id="4" name="Espaço Reservado para Conteúdo 4"/>
+          <p:cNvSpPr>
+            <a:spLocks noGrp="1"/>
+          </p:cNvSpPr>
+          <p:nvPr>
+            <p:ph idx="1"/>
+          </p:nvPr>
+        </p:nvSpPr>
+        <p:spPr>
+          <a:xfrm>
+            <a:off x="325677" y="545563"/>
+            <a:ext cx="11252005" cy="5943371"/>
+          </a:xfrm>
+        </p:spPr>
+        <p:txBody>
+          <a:bodyPr>
+            <a:normAutofit/>
+          </a:bodyPr>
+          <a:lstStyle/>
+          <a:p>
+            <a:r>
+              <a:rPr lang="pt-BR" sz="1700" dirty="0"/>
+              <a:t>Quando você disponibilizar uma aplicação pelo </a:t>
+            </a:r>
+            <a:r>
+              <a:rPr lang="pt-BR" sz="1700" dirty="0" err="1"/>
+              <a:t>Docker</a:t>
+            </a:r>
+            <a:r>
+              <a:rPr lang="pt-BR" sz="1700" dirty="0"/>
+              <a:t> é interessante que você coloque os containers na mesma rede, através da </a:t>
+            </a:r>
+            <a:r>
+              <a:rPr lang="pt-BR" sz="1700" dirty="0" err="1"/>
+              <a:t>flag</a:t>
+            </a:r>
+            <a:r>
+              <a:rPr lang="pt-BR" sz="1700" dirty="0"/>
+              <a:t> </a:t>
+            </a:r>
+            <a:r>
+              <a:rPr lang="pt-BR" sz="1700" b="1" dirty="0"/>
+              <a:t>--network</a:t>
+            </a:r>
+            <a:r>
+              <a:rPr lang="pt-BR" sz="1700" dirty="0"/>
+              <a:t>. </a:t>
+            </a:r>
+          </a:p>
+          <a:p>
+            <a:endParaRPr lang="pt-BR" sz="1700" dirty="0"/>
+          </a:p>
+          <a:p>
+            <a:pPr marL="742950" lvl="1" indent="-285750">
+              <a:buFont typeface="Wingdings" panose="05000000000000000000" pitchFamily="2" charset="2"/>
+              <a:buChar char="Ø"/>
+            </a:pPr>
+            <a:r>
+              <a:rPr lang="pt-BR" sz="1700" dirty="0" err="1">
+                <a:solidFill>
+                  <a:schemeClr val="accent5"/>
+                </a:solidFill>
+              </a:rPr>
+              <a:t>docker</a:t>
+            </a:r>
+            <a:r>
+              <a:rPr lang="pt-BR" sz="1700" dirty="0">
+                <a:solidFill>
+                  <a:schemeClr val="accent5"/>
+                </a:solidFill>
+              </a:rPr>
+              <a:t> </a:t>
+            </a:r>
+            <a:r>
+              <a:rPr lang="pt-BR" sz="1700" dirty="0" err="1">
+                <a:solidFill>
+                  <a:schemeClr val="accent5"/>
+                </a:solidFill>
+              </a:rPr>
+              <a:t>run</a:t>
+            </a:r>
+            <a:r>
+              <a:rPr lang="pt-BR" sz="1700" dirty="0">
+                <a:solidFill>
+                  <a:schemeClr val="accent5"/>
+                </a:solidFill>
+              </a:rPr>
+              <a:t> -it --</a:t>
+            </a:r>
+            <a:r>
+              <a:rPr lang="pt-BR" sz="1700" dirty="0" err="1">
+                <a:solidFill>
+                  <a:schemeClr val="accent5"/>
+                </a:solidFill>
+              </a:rPr>
+              <a:t>name</a:t>
+            </a:r>
+            <a:r>
+              <a:rPr lang="pt-BR" sz="1700" dirty="0">
+                <a:solidFill>
+                  <a:schemeClr val="accent5"/>
+                </a:solidFill>
+              </a:rPr>
+              <a:t> meu-container-de-</a:t>
+            </a:r>
+            <a:r>
+              <a:rPr lang="pt-BR" sz="1700" dirty="0" err="1">
+                <a:solidFill>
+                  <a:schemeClr val="accent5"/>
+                </a:solidFill>
+              </a:rPr>
+              <a:t>ubuntu</a:t>
+            </a:r>
+            <a:r>
+              <a:rPr lang="pt-BR" sz="1700" dirty="0">
+                <a:solidFill>
+                  <a:schemeClr val="accent5"/>
+                </a:solidFill>
+              </a:rPr>
+              <a:t> --network minha-rede </a:t>
+            </a:r>
+            <a:r>
+              <a:rPr lang="pt-BR" sz="1700" dirty="0" err="1">
+                <a:solidFill>
+                  <a:schemeClr val="accent5"/>
+                </a:solidFill>
+              </a:rPr>
+              <a:t>ubuntu</a:t>
+            </a:r>
+            <a:endParaRPr lang="pt-BR" sz="1700" dirty="0">
+              <a:solidFill>
+                <a:schemeClr val="accent5"/>
+              </a:solidFill>
+            </a:endParaRPr>
+          </a:p>
+          <a:p>
+            <a:pPr marL="742950" lvl="1" indent="-285750">
+              <a:buFont typeface="Wingdings" panose="05000000000000000000" pitchFamily="2" charset="2"/>
+              <a:buChar char="Ø"/>
+            </a:pPr>
+            <a:endParaRPr lang="pt-BR" sz="1700" dirty="0">
+              <a:solidFill>
+                <a:schemeClr val="accent5"/>
+              </a:solidFill>
+            </a:endParaRPr>
+          </a:p>
+          <a:p>
+            <a:r>
+              <a:rPr lang="pt-BR" sz="1700" dirty="0"/>
+              <a:t>Agora, se executarmos o comando </a:t>
+            </a:r>
+            <a:r>
+              <a:rPr lang="pt-BR" sz="1700" b="1" dirty="0" err="1"/>
+              <a:t>docker</a:t>
+            </a:r>
+            <a:r>
+              <a:rPr lang="pt-BR" sz="1700" b="1" dirty="0"/>
+              <a:t> </a:t>
+            </a:r>
+            <a:r>
+              <a:rPr lang="pt-BR" sz="1700" b="1" dirty="0" err="1"/>
+              <a:t>inspect</a:t>
+            </a:r>
+            <a:r>
+              <a:rPr lang="pt-BR" sz="1700" b="1" dirty="0"/>
+              <a:t> meu-container-de-</a:t>
+            </a:r>
+            <a:r>
+              <a:rPr lang="pt-BR" sz="1700" b="1" dirty="0" err="1"/>
+              <a:t>ubuntu</a:t>
+            </a:r>
+            <a:r>
+              <a:rPr lang="pt-BR" sz="1700" dirty="0"/>
+              <a:t>, podemos ver em </a:t>
+            </a:r>
+            <a:r>
+              <a:rPr lang="pt-BR" sz="1700" b="1" dirty="0" err="1"/>
+              <a:t>NetworkSettings</a:t>
+            </a:r>
+            <a:r>
+              <a:rPr lang="pt-BR" sz="1700" dirty="0"/>
+              <a:t> o container está na rede </a:t>
+            </a:r>
+            <a:r>
+              <a:rPr lang="pt-BR" sz="1700" b="1" dirty="0"/>
+              <a:t>minha-rede</a:t>
+            </a:r>
+            <a:r>
+              <a:rPr lang="pt-BR" sz="1700" dirty="0"/>
+              <a:t>. E para testar a comunicação entre os containers na nossa rede, vamos abrir outro terminal e criar um segundo container:</a:t>
+            </a:r>
+          </a:p>
+          <a:p>
+            <a:endParaRPr lang="pt-BR" sz="1700" dirty="0"/>
+          </a:p>
+          <a:p>
+            <a:pPr marL="742950" lvl="1" indent="-285750">
+              <a:buFont typeface="Wingdings" panose="05000000000000000000" pitchFamily="2" charset="2"/>
+              <a:buChar char="Ø"/>
+            </a:pPr>
+            <a:r>
+              <a:rPr lang="pt-BR" sz="1700" dirty="0" err="1">
+                <a:solidFill>
+                  <a:schemeClr val="accent5"/>
+                </a:solidFill>
+              </a:rPr>
+              <a:t>docker</a:t>
+            </a:r>
+            <a:r>
+              <a:rPr lang="pt-BR" sz="1700" dirty="0">
+                <a:solidFill>
+                  <a:schemeClr val="accent5"/>
+                </a:solidFill>
+              </a:rPr>
+              <a:t> </a:t>
+            </a:r>
+            <a:r>
+              <a:rPr lang="pt-BR" sz="1700" dirty="0" err="1">
+                <a:solidFill>
+                  <a:schemeClr val="accent5"/>
+                </a:solidFill>
+              </a:rPr>
+              <a:t>run</a:t>
+            </a:r>
+            <a:r>
+              <a:rPr lang="pt-BR" sz="1700" dirty="0">
+                <a:solidFill>
+                  <a:schemeClr val="accent5"/>
+                </a:solidFill>
+              </a:rPr>
+              <a:t> -it --</a:t>
+            </a:r>
+            <a:r>
+              <a:rPr lang="pt-BR" sz="1700" dirty="0" err="1">
+                <a:solidFill>
+                  <a:schemeClr val="accent5"/>
+                </a:solidFill>
+              </a:rPr>
+              <a:t>name</a:t>
+            </a:r>
+            <a:r>
+              <a:rPr lang="pt-BR" sz="1700" dirty="0">
+                <a:solidFill>
+                  <a:schemeClr val="accent5"/>
+                </a:solidFill>
+              </a:rPr>
+              <a:t> segundo-</a:t>
+            </a:r>
+            <a:r>
+              <a:rPr lang="pt-BR" sz="1700" dirty="0" err="1">
+                <a:solidFill>
+                  <a:schemeClr val="accent5"/>
+                </a:solidFill>
+              </a:rPr>
+              <a:t>ubuntu</a:t>
+            </a:r>
+            <a:r>
+              <a:rPr lang="pt-BR" sz="1700" dirty="0">
+                <a:solidFill>
+                  <a:schemeClr val="accent5"/>
+                </a:solidFill>
+              </a:rPr>
+              <a:t> --network minha-rede </a:t>
+            </a:r>
+            <a:r>
+              <a:rPr lang="pt-BR" sz="1700" dirty="0" err="1">
+                <a:solidFill>
+                  <a:schemeClr val="accent5"/>
+                </a:solidFill>
+              </a:rPr>
+              <a:t>ubuntu</a:t>
+            </a:r>
+            <a:endParaRPr lang="pt-BR" sz="1700" dirty="0">
+              <a:solidFill>
+                <a:schemeClr val="accent5"/>
+              </a:solidFill>
+            </a:endParaRPr>
+          </a:p>
+          <a:p>
+            <a:r>
+              <a:rPr lang="pt-BR" sz="1700" dirty="0"/>
+              <a:t>Agora, no segundo-</a:t>
+            </a:r>
+            <a:r>
+              <a:rPr lang="pt-BR" sz="1700" dirty="0" err="1"/>
+              <a:t>ubuntu</a:t>
+            </a:r>
+            <a:r>
+              <a:rPr lang="pt-BR" sz="1700" dirty="0"/>
+              <a:t>, instalamos o </a:t>
+            </a:r>
+            <a:r>
+              <a:rPr lang="pt-BR" sz="1700" dirty="0" err="1"/>
+              <a:t>ping</a:t>
+            </a:r>
+            <a:r>
+              <a:rPr lang="pt-BR" sz="1700" dirty="0"/>
+              <a:t> e testamos a comunicação com o meu-container-de-</a:t>
+            </a:r>
+            <a:r>
+              <a:rPr lang="pt-BR" sz="1700" dirty="0" err="1"/>
+              <a:t>ubuntu</a:t>
+            </a:r>
+            <a:r>
+              <a:rPr lang="pt-BR" sz="1700" dirty="0"/>
+              <a:t>:</a:t>
+            </a:r>
+          </a:p>
+          <a:p>
+            <a:endParaRPr lang="pt-BR" sz="1600" dirty="0"/>
+          </a:p>
+          <a:p>
+            <a:pPr marL="742950" lvl="1" indent="-285750">
+              <a:buFont typeface="Wingdings" panose="05000000000000000000" pitchFamily="2" charset="2"/>
+              <a:buChar char="Ø"/>
+            </a:pPr>
+            <a:r>
+              <a:rPr lang="pt-BR" sz="1700" dirty="0">
+                <a:solidFill>
+                  <a:schemeClr val="accent5"/>
+                </a:solidFill>
+              </a:rPr>
+              <a:t>root@00f93075d079:/# </a:t>
+            </a:r>
+            <a:r>
+              <a:rPr lang="pt-BR" sz="1700" dirty="0" err="1">
+                <a:solidFill>
+                  <a:schemeClr val="accent5"/>
+                </a:solidFill>
+              </a:rPr>
+              <a:t>ping</a:t>
+            </a:r>
+            <a:r>
+              <a:rPr lang="pt-BR" sz="1700" dirty="0">
+                <a:solidFill>
+                  <a:schemeClr val="accent5"/>
+                </a:solidFill>
+              </a:rPr>
+              <a:t> meu-container-de-</a:t>
+            </a:r>
+            <a:r>
+              <a:rPr lang="pt-BR" sz="1700" dirty="0" err="1">
+                <a:solidFill>
+                  <a:schemeClr val="accent5"/>
+                </a:solidFill>
+              </a:rPr>
+              <a:t>ubuntu</a:t>
+            </a:r>
+            <a:endParaRPr lang="pt-BR" sz="1700" dirty="0">
+              <a:solidFill>
+                <a:schemeClr val="accent5"/>
+              </a:solidFill>
+            </a:endParaRPr>
+          </a:p>
+          <a:p>
+            <a:pPr marL="457200" lvl="1" indent="0">
+              <a:buNone/>
+            </a:pPr>
+            <a:r>
+              <a:rPr lang="pt-BR" sz="1400" dirty="0"/>
+              <a:t>PING meu-container-de-</a:t>
+            </a:r>
+            <a:r>
+              <a:rPr lang="pt-BR" sz="1400" dirty="0" err="1"/>
+              <a:t>ubuntu</a:t>
+            </a:r>
+            <a:r>
+              <a:rPr lang="pt-BR" sz="1400" dirty="0"/>
+              <a:t> (172.18.0.2) 56(84) bytes </a:t>
+            </a:r>
+            <a:r>
+              <a:rPr lang="pt-BR" sz="1400" dirty="0" err="1"/>
+              <a:t>of</a:t>
+            </a:r>
+            <a:r>
+              <a:rPr lang="pt-BR" sz="1400" dirty="0"/>
+              <a:t> data.</a:t>
+            </a:r>
+          </a:p>
+          <a:p>
+            <a:pPr marL="457200" lvl="1" indent="0">
+              <a:buNone/>
+            </a:pPr>
+            <a:r>
+              <a:rPr lang="pt-BR" sz="1400" dirty="0"/>
+              <a:t>64 bytes </a:t>
+            </a:r>
+            <a:r>
+              <a:rPr lang="pt-BR" sz="1400" dirty="0" err="1"/>
+              <a:t>from</a:t>
+            </a:r>
+            <a:r>
+              <a:rPr lang="pt-BR" sz="1400" dirty="0"/>
+              <a:t> meu-container-de-</a:t>
+            </a:r>
+            <a:r>
+              <a:rPr lang="pt-BR" sz="1400" dirty="0" err="1"/>
+              <a:t>ubuntu.minha</a:t>
+            </a:r>
+            <a:r>
+              <a:rPr lang="pt-BR" sz="1400" dirty="0"/>
+              <a:t>-rede (172.18.0.2): </a:t>
+            </a:r>
+            <a:r>
+              <a:rPr lang="pt-BR" sz="1400" dirty="0" err="1"/>
+              <a:t>icmp_seq</a:t>
+            </a:r>
+            <a:r>
+              <a:rPr lang="pt-BR" sz="1400" dirty="0"/>
+              <a:t>=1 </a:t>
+            </a:r>
+            <a:r>
+              <a:rPr lang="pt-BR" sz="1400" dirty="0" err="1"/>
+              <a:t>ttl</a:t>
+            </a:r>
+            <a:r>
+              <a:rPr lang="pt-BR" sz="1400" dirty="0"/>
+              <a:t>=64 time=0.210 </a:t>
+            </a:r>
+            <a:r>
+              <a:rPr lang="pt-BR" sz="1400" dirty="0" err="1"/>
+              <a:t>ms</a:t>
+            </a:r>
+            <a:endParaRPr lang="pt-BR" sz="1400" dirty="0"/>
+          </a:p>
+          <a:p>
+            <a:pPr marL="457200" lvl="1" indent="0">
+              <a:buNone/>
+            </a:pPr>
+            <a:r>
+              <a:rPr lang="pt-BR" sz="1400" dirty="0"/>
+              <a:t>64 bytes </a:t>
+            </a:r>
+            <a:r>
+              <a:rPr lang="pt-BR" sz="1400" dirty="0" err="1"/>
+              <a:t>from</a:t>
+            </a:r>
+            <a:r>
+              <a:rPr lang="pt-BR" sz="1400" dirty="0"/>
+              <a:t> meu-container-de-</a:t>
+            </a:r>
+            <a:r>
+              <a:rPr lang="pt-BR" sz="1400" dirty="0" err="1"/>
+              <a:t>ubuntu.minha</a:t>
+            </a:r>
+            <a:r>
+              <a:rPr lang="pt-BR" sz="1400" dirty="0"/>
+              <a:t>-rede (172.18.0.2): </a:t>
+            </a:r>
+            <a:r>
+              <a:rPr lang="pt-BR" sz="1400" dirty="0" err="1"/>
+              <a:t>icmp_seq</a:t>
+            </a:r>
+            <a:r>
+              <a:rPr lang="pt-BR" sz="1400" dirty="0"/>
+              <a:t>=2 </a:t>
+            </a:r>
+            <a:r>
+              <a:rPr lang="pt-BR" sz="1400" dirty="0" err="1"/>
+              <a:t>ttl</a:t>
+            </a:r>
+            <a:r>
+              <a:rPr lang="pt-BR" sz="1400" dirty="0"/>
+              <a:t>=64 time=0.148 </a:t>
+            </a:r>
+            <a:r>
+              <a:rPr lang="pt-BR" sz="1400" dirty="0" err="1"/>
+              <a:t>ms</a:t>
+            </a:r>
+            <a:endParaRPr lang="pt-BR" sz="1400" dirty="0"/>
+          </a:p>
+          <a:p>
+            <a:pPr marL="457200" lvl="1" indent="0">
+              <a:buNone/>
+            </a:pPr>
+            <a:r>
+              <a:rPr lang="pt-BR" sz="1400" dirty="0"/>
+              <a:t>64 bytes </a:t>
+            </a:r>
+            <a:r>
+              <a:rPr lang="pt-BR" sz="1400" dirty="0" err="1"/>
+              <a:t>from</a:t>
+            </a:r>
+            <a:r>
+              <a:rPr lang="pt-BR" sz="1400" dirty="0"/>
+              <a:t> meu-container-de-</a:t>
+            </a:r>
+            <a:r>
+              <a:rPr lang="pt-BR" sz="1400" dirty="0" err="1"/>
+              <a:t>ubuntu.minha</a:t>
+            </a:r>
+            <a:r>
+              <a:rPr lang="pt-BR" sz="1400" dirty="0"/>
+              <a:t>-rede (172.18.0.2): </a:t>
+            </a:r>
+            <a:r>
+              <a:rPr lang="pt-BR" sz="1400" dirty="0" err="1"/>
+              <a:t>icmp_seq</a:t>
+            </a:r>
+            <a:r>
+              <a:rPr lang="pt-BR" sz="1400" dirty="0"/>
+              <a:t>=3 </a:t>
+            </a:r>
+            <a:r>
+              <a:rPr lang="pt-BR" sz="1400" dirty="0" err="1"/>
+              <a:t>ttl</a:t>
+            </a:r>
+            <a:r>
+              <a:rPr lang="pt-BR" sz="1400" dirty="0"/>
+              <a:t>=64 time=0.138 </a:t>
+            </a:r>
+            <a:r>
+              <a:rPr lang="pt-BR" sz="1400" dirty="0" err="1"/>
+              <a:t>ms</a:t>
+            </a:r>
+            <a:endParaRPr lang="pt-BR" sz="1400" dirty="0"/>
+          </a:p>
+          <a:p>
+            <a:pPr marL="457200" lvl="1" indent="0">
+              <a:buNone/>
+            </a:pPr>
+            <a:r>
+              <a:rPr lang="pt-BR" sz="1400" dirty="0"/>
+              <a:t>--- meu-container-de-</a:t>
+            </a:r>
+            <a:r>
+              <a:rPr lang="pt-BR" sz="1400" dirty="0" err="1"/>
+              <a:t>ubuntu</a:t>
+            </a:r>
+            <a:r>
+              <a:rPr lang="pt-BR" sz="1400" dirty="0"/>
+              <a:t> </a:t>
+            </a:r>
+            <a:r>
+              <a:rPr lang="pt-BR" sz="1400" dirty="0" err="1"/>
+              <a:t>ping</a:t>
+            </a:r>
+            <a:r>
+              <a:rPr lang="pt-BR" sz="1400" dirty="0"/>
+              <a:t> </a:t>
+            </a:r>
+            <a:r>
+              <a:rPr lang="pt-BR" sz="1400" dirty="0" err="1"/>
+              <a:t>statistics</a:t>
+            </a:r>
+            <a:r>
+              <a:rPr lang="pt-BR" sz="1400" dirty="0"/>
+              <a:t> ---</a:t>
+            </a:r>
+          </a:p>
+          <a:p>
+            <a:pPr marL="457200" lvl="1" indent="0">
+              <a:buNone/>
+            </a:pPr>
+            <a:r>
+              <a:rPr lang="pt-BR" sz="1400" dirty="0"/>
+              <a:t>3 </a:t>
+            </a:r>
+            <a:r>
+              <a:rPr lang="pt-BR" sz="1400" dirty="0" err="1"/>
+              <a:t>packets</a:t>
+            </a:r>
+            <a:r>
+              <a:rPr lang="pt-BR" sz="1400" dirty="0"/>
+              <a:t> </a:t>
+            </a:r>
+            <a:r>
+              <a:rPr lang="pt-BR" sz="1400" dirty="0" err="1"/>
+              <a:t>transmitted</a:t>
+            </a:r>
+            <a:r>
+              <a:rPr lang="pt-BR" sz="1400" dirty="0"/>
+              <a:t>, 3 </a:t>
+            </a:r>
+            <a:r>
+              <a:rPr lang="pt-BR" sz="1400" dirty="0" err="1"/>
+              <a:t>received</a:t>
+            </a:r>
+            <a:r>
+              <a:rPr lang="pt-BR" sz="1400" dirty="0"/>
+              <a:t>, 0% </a:t>
+            </a:r>
+            <a:r>
+              <a:rPr lang="pt-BR" sz="1400" dirty="0" err="1"/>
+              <a:t>packet</a:t>
+            </a:r>
+            <a:r>
+              <a:rPr lang="pt-BR" sz="1400" dirty="0"/>
+              <a:t> </a:t>
+            </a:r>
+            <a:r>
+              <a:rPr lang="pt-BR" sz="1400" dirty="0" err="1"/>
+              <a:t>loss</a:t>
+            </a:r>
+            <a:r>
+              <a:rPr lang="pt-BR" sz="1400" dirty="0"/>
+              <a:t>, time 2000ms</a:t>
+            </a:r>
+          </a:p>
+          <a:p>
+            <a:pPr marL="457200" lvl="1" indent="0">
+              <a:buNone/>
+            </a:pPr>
+            <a:r>
+              <a:rPr lang="pt-BR" sz="1400" dirty="0" err="1"/>
+              <a:t>rtt</a:t>
+            </a:r>
+            <a:r>
+              <a:rPr lang="pt-BR" sz="1400" dirty="0"/>
+              <a:t> min/</a:t>
+            </a:r>
+            <a:r>
+              <a:rPr lang="pt-BR" sz="1400" dirty="0" err="1"/>
+              <a:t>avg</a:t>
+            </a:r>
+            <a:r>
+              <a:rPr lang="pt-BR" sz="1400" dirty="0"/>
+              <a:t>/</a:t>
+            </a:r>
+            <a:r>
+              <a:rPr lang="pt-BR" sz="1400" dirty="0" err="1"/>
+              <a:t>max</a:t>
+            </a:r>
+            <a:r>
+              <a:rPr lang="pt-BR" sz="1400" dirty="0"/>
+              <a:t>/</a:t>
+            </a:r>
+            <a:r>
+              <a:rPr lang="pt-BR" sz="1400" dirty="0" err="1"/>
+              <a:t>mdev</a:t>
+            </a:r>
+            <a:r>
+              <a:rPr lang="pt-BR" sz="1400" dirty="0"/>
+              <a:t> = 0.138/0.165/0.210/0.033 </a:t>
+            </a:r>
+            <a:r>
+              <a:rPr lang="pt-BR" sz="1400" dirty="0" err="1"/>
+              <a:t>ms</a:t>
+            </a:r>
+            <a:endParaRPr lang="pt-BR" sz="1400" dirty="0"/>
+          </a:p>
+          <a:p>
+            <a:endParaRPr lang="pt-BR" sz="1600" dirty="0"/>
+          </a:p>
+        </p:txBody>
+      </p:sp>
+    </p:spTree>
+    <p:extLst>
+      <p:ext uri="{BB962C8B-B14F-4D97-AF65-F5344CB8AC3E}">
+        <p14:creationId xmlns:p14="http://schemas.microsoft.com/office/powerpoint/2010/main" val="4236748709"/>
+      </p:ext>
+    </p:extLst>
+  </p:cSld>
+  <p:clrMapOvr>
+    <a:masterClrMapping/>
+  </p:clrMapOvr>
+</p:sld>
+</file>
+
+<file path=ppt/slides/slide26.xml><?xml version="1.0" encoding="utf-8"?>
+<p:sld xmlns:a="http://schemas.openxmlformats.org/drawingml/2006/main" xmlns:r="http://schemas.openxmlformats.org/officeDocument/2006/relationships" xmlns:p="http://schemas.openxmlformats.org/presentationml/2006/main">
+  <p:cSld>
+    <p:spTree>
+      <p:nvGrpSpPr>
+        <p:cNvPr id="1" name=""/>
+        <p:cNvGrpSpPr/>
+        <p:nvPr/>
+      </p:nvGrpSpPr>
+      <p:grpSpPr>
+        <a:xfrm>
+          <a:off x="0" y="0"/>
+          <a:ext cx="0" cy="0"/>
+          <a:chOff x="0" y="0"/>
+          <a:chExt cx="0" cy="0"/>
+        </a:xfrm>
+      </p:grpSpPr>
+      <p:sp>
+        <p:nvSpPr>
+          <p:cNvPr id="5" name="Título 1"/>
+          <p:cNvSpPr>
+            <a:spLocks noGrp="1"/>
+          </p:cNvSpPr>
+          <p:nvPr>
+            <p:ph type="title"/>
+          </p:nvPr>
+        </p:nvSpPr>
+        <p:spPr>
+          <a:xfrm>
+            <a:off x="115910" y="123288"/>
+            <a:ext cx="11951594" cy="422275"/>
+          </a:xfrm>
+        </p:spPr>
+        <p:txBody>
+          <a:bodyPr vert="horz" lIns="91440" tIns="45720" rIns="91440" bIns="45720" rtlCol="0" anchor="ctr">
+            <a:normAutofit fontScale="90000"/>
+          </a:bodyPr>
+          <a:lstStyle/>
+          <a:p>
+            <a:pPr algn="ctr"/>
+            <a:r>
+              <a:rPr lang="pt-BR" sz="2800" b="1" dirty="0"/>
               <a:t>Comunicação entre Containers – Recuperando dados de um Banco de Dados</a:t>
             </a:r>
           </a:p>
@@ -11289,7 +11446,7 @@
 </p:sld>
 </file>
 
-<file path=ppt/slides/slide26.xml><?xml version="1.0" encoding="utf-8"?>
+<file path=ppt/slides/slide27.xml><?xml version="1.0" encoding="utf-8"?>
 <p:sld xmlns:a="http://schemas.openxmlformats.org/drawingml/2006/main" xmlns:r="http://schemas.openxmlformats.org/officeDocument/2006/relationships" xmlns:p="http://schemas.openxmlformats.org/presentationml/2006/main">
   <p:cSld>
     <p:spTree>
@@ -11883,7 +12040,7 @@
 </p:sld>
 </file>
 
-<file path=ppt/slides/slide27.xml><?xml version="1.0" encoding="utf-8"?>
+<file path=ppt/slides/slide28.xml><?xml version="1.0" encoding="utf-8"?>
 <p:sld xmlns:a="http://schemas.openxmlformats.org/drawingml/2006/main" xmlns:r="http://schemas.openxmlformats.org/officeDocument/2006/relationships" xmlns:p="http://schemas.openxmlformats.org/presentationml/2006/main">
   <p:cSld>
     <p:spTree>
@@ -12032,7 +12189,7 @@
 </p:sld>
 </file>
 
-<file path=ppt/slides/slide28.xml><?xml version="1.0" encoding="utf-8"?>
+<file path=ppt/slides/slide29.xml><?xml version="1.0" encoding="utf-8"?>
 <p:sld xmlns:a="http://schemas.openxmlformats.org/drawingml/2006/main" xmlns:r="http://schemas.openxmlformats.org/officeDocument/2006/relationships" xmlns:p="http://schemas.openxmlformats.org/presentationml/2006/main">
   <p:cSld>
     <p:spTree>
@@ -12165,286 +12322,6 @@
 </p:sld>
 </file>
 
-<file path=ppt/slides/slide29.xml><?xml version="1.0" encoding="utf-8"?>
-<p:sld xmlns:a="http://schemas.openxmlformats.org/drawingml/2006/main" xmlns:r="http://schemas.openxmlformats.org/officeDocument/2006/relationships" xmlns:p="http://schemas.openxmlformats.org/presentationml/2006/main">
-  <p:cSld>
-    <p:spTree>
-      <p:nvGrpSpPr>
-        <p:cNvPr id="1" name=""/>
-        <p:cNvGrpSpPr/>
-        <p:nvPr/>
-      </p:nvGrpSpPr>
-      <p:grpSpPr>
-        <a:xfrm>
-          <a:off x="0" y="0"/>
-          <a:ext cx="0" cy="0"/>
-          <a:chOff x="0" y="0"/>
-          <a:chExt cx="0" cy="0"/>
-        </a:xfrm>
-      </p:grpSpPr>
-      <p:sp>
-        <p:nvSpPr>
-          <p:cNvPr id="5" name="Título 1"/>
-          <p:cNvSpPr>
-            <a:spLocks noGrp="1"/>
-          </p:cNvSpPr>
-          <p:nvPr>
-            <p:ph type="title"/>
-          </p:nvPr>
-        </p:nvSpPr>
-        <p:spPr>
-          <a:xfrm>
-            <a:off x="115910" y="123288"/>
-            <a:ext cx="11951594" cy="422275"/>
-          </a:xfrm>
-        </p:spPr>
-        <p:txBody>
-          <a:bodyPr vert="horz" lIns="91440" tIns="45720" rIns="91440" bIns="45720" rtlCol="0" anchor="ctr">
-            <a:normAutofit fontScale="90000"/>
-          </a:bodyPr>
-          <a:lstStyle/>
-          <a:p>
-            <a:pPr algn="ctr"/>
-            <a:r>
-              <a:rPr lang="pt-BR" sz="2800" b="1" dirty="0"/>
-              <a:t>Trabalhando com o </a:t>
-            </a:r>
-            <a:r>
-              <a:rPr lang="pt-BR" sz="2800" b="1" dirty="0" err="1"/>
-              <a:t>Docker</a:t>
-            </a:r>
-            <a:r>
-              <a:rPr lang="pt-BR" sz="2800" b="1" dirty="0"/>
-              <a:t> </a:t>
-            </a:r>
-            <a:r>
-              <a:rPr lang="pt-BR" sz="2800" b="1" dirty="0" err="1"/>
-              <a:t>Compose</a:t>
-            </a:r>
-            <a:endParaRPr lang="pt-BR" sz="2800" b="1" dirty="0"/>
-          </a:p>
-        </p:txBody>
-      </p:sp>
-      <p:sp>
-        <p:nvSpPr>
-          <p:cNvPr id="4" name="Espaço Reservado para Conteúdo 2">
-            <a:extLst>
-              <a:ext uri="{FF2B5EF4-FFF2-40B4-BE49-F238E27FC236}">
-                <a16:creationId xmlns:a16="http://schemas.microsoft.com/office/drawing/2014/main" id="{15E972C6-5240-824A-8B79-94A49A406279}"/>
-              </a:ext>
-            </a:extLst>
-          </p:cNvPr>
-          <p:cNvSpPr>
-            <a:spLocks noGrp="1"/>
-          </p:cNvSpPr>
-          <p:nvPr>
-            <p:ph idx="1"/>
-          </p:nvPr>
-        </p:nvSpPr>
-        <p:spPr>
-          <a:xfrm>
-            <a:off x="371061" y="781878"/>
-            <a:ext cx="11357113" cy="5738192"/>
-          </a:xfrm>
-        </p:spPr>
-        <p:txBody>
-          <a:bodyPr>
-            <a:noAutofit/>
-          </a:bodyPr>
-          <a:lstStyle/>
-          <a:p>
-            <a:r>
-              <a:rPr lang="pt-BR" sz="2000" dirty="0"/>
-              <a:t>A necessidade de usar o </a:t>
-            </a:r>
-            <a:r>
-              <a:rPr lang="pt-BR" sz="2000" b="1" i="1" dirty="0" err="1"/>
-              <a:t>Docker</a:t>
-            </a:r>
-            <a:r>
-              <a:rPr lang="pt-BR" sz="2000" b="1" i="1" dirty="0"/>
-              <a:t> </a:t>
-            </a:r>
-            <a:r>
-              <a:rPr lang="pt-BR" sz="2000" b="1" i="1" dirty="0" err="1"/>
-              <a:t>Compose</a:t>
-            </a:r>
-            <a:endParaRPr lang="pt-BR" sz="2000" b="1" i="1" dirty="0"/>
-          </a:p>
-          <a:p>
-            <a:pPr marL="0" indent="0">
-              <a:buNone/>
-            </a:pPr>
-            <a:endParaRPr lang="pt-BR" sz="2000" b="1" dirty="0"/>
-          </a:p>
-          <a:p>
-            <a:r>
-              <a:rPr lang="pt-BR" sz="2000" dirty="0"/>
-              <a:t>Configurar o build de vários containers através do </a:t>
-            </a:r>
-            <a:r>
-              <a:rPr lang="pt-BR" sz="2000" b="1" dirty="0" err="1"/>
-              <a:t>docker-compose.yml</a:t>
-            </a:r>
-            <a:endParaRPr lang="pt-BR" sz="2000" b="1" dirty="0"/>
-          </a:p>
-          <a:p>
-            <a:endParaRPr lang="pt-BR" sz="2000" dirty="0"/>
-          </a:p>
-          <a:p>
-            <a:r>
-              <a:rPr lang="pt-BR" sz="2000" dirty="0"/>
-              <a:t>Subir e parar os containers de maneira coordenada com </a:t>
-            </a:r>
-            <a:r>
-              <a:rPr lang="pt-BR" sz="2000" i="1" dirty="0" err="1"/>
-              <a:t>Docker</a:t>
-            </a:r>
-            <a:r>
-              <a:rPr lang="pt-BR" sz="2000" i="1" dirty="0"/>
-              <a:t> </a:t>
-            </a:r>
-            <a:r>
-              <a:rPr lang="pt-BR" sz="2000" i="1" dirty="0" err="1"/>
-              <a:t>Compose</a:t>
-            </a:r>
-            <a:endParaRPr lang="pt-BR" sz="2000" i="1" dirty="0"/>
-          </a:p>
-          <a:p>
-            <a:endParaRPr lang="pt-BR" sz="2000" dirty="0"/>
-          </a:p>
-          <a:p>
-            <a:r>
-              <a:rPr lang="pt-BR" sz="2000" b="1" i="1" dirty="0" err="1"/>
-              <a:t>docker-compose</a:t>
-            </a:r>
-            <a:r>
-              <a:rPr lang="pt-BR" sz="2000" b="1" i="1" dirty="0"/>
-              <a:t> </a:t>
-            </a:r>
-            <a:r>
-              <a:rPr lang="pt-BR" sz="2000" b="1" i="1" dirty="0" err="1"/>
-              <a:t>up</a:t>
-            </a:r>
-            <a:r>
-              <a:rPr lang="pt-BR" sz="2000" dirty="0"/>
-              <a:t> - sobe os serviços criados</a:t>
-            </a:r>
-          </a:p>
-          <a:p>
-            <a:endParaRPr lang="pt-BR" sz="2000" dirty="0"/>
-          </a:p>
-          <a:p>
-            <a:r>
-              <a:rPr lang="pt-BR" sz="2000" b="1" i="1" dirty="0" err="1"/>
-              <a:t>docker-compose</a:t>
-            </a:r>
-            <a:r>
-              <a:rPr lang="pt-BR" sz="2000" b="1" i="1" dirty="0"/>
-              <a:t> </a:t>
-            </a:r>
-            <a:r>
-              <a:rPr lang="pt-BR" sz="2000" b="1" i="1" dirty="0" err="1"/>
-              <a:t>down</a:t>
-            </a:r>
-            <a:r>
-              <a:rPr lang="pt-BR" sz="2000" dirty="0"/>
-              <a:t> - para os serviços criados.</a:t>
-            </a:r>
-          </a:p>
-          <a:p>
-            <a:endParaRPr lang="pt-BR" sz="2000" dirty="0"/>
-          </a:p>
-          <a:p>
-            <a:r>
-              <a:rPr lang="pt-BR" sz="2000" b="1" i="1" dirty="0" err="1"/>
-              <a:t>docker-compose</a:t>
-            </a:r>
-            <a:r>
-              <a:rPr lang="pt-BR" sz="2000" b="1" i="1" dirty="0"/>
-              <a:t> </a:t>
-            </a:r>
-            <a:r>
-              <a:rPr lang="pt-BR" sz="2000" b="1" i="1" dirty="0" err="1"/>
-              <a:t>ps</a:t>
-            </a:r>
-            <a:r>
-              <a:rPr lang="pt-BR" sz="2000" dirty="0"/>
-              <a:t> - lista os serviços que estão rodando.</a:t>
-            </a:r>
-          </a:p>
-          <a:p>
-            <a:endParaRPr lang="pt-BR" sz="2000" dirty="0"/>
-          </a:p>
-          <a:p>
-            <a:r>
-              <a:rPr lang="pt-BR" sz="2000" b="1" i="1" dirty="0" err="1"/>
-              <a:t>docker</a:t>
-            </a:r>
-            <a:r>
-              <a:rPr lang="pt-BR" sz="2000" b="1" i="1" dirty="0"/>
-              <a:t> </a:t>
-            </a:r>
-            <a:r>
-              <a:rPr lang="pt-BR" sz="2000" b="1" i="1" dirty="0" err="1"/>
-              <a:t>exec</a:t>
-            </a:r>
-            <a:r>
-              <a:rPr lang="pt-BR" sz="2000" b="1" i="1" dirty="0"/>
-              <a:t> </a:t>
-            </a:r>
-            <a:r>
-              <a:rPr lang="pt-BR" sz="2000" dirty="0"/>
-              <a:t>-it alura-books-1 </a:t>
-            </a:r>
-            <a:r>
-              <a:rPr lang="pt-BR" sz="2000" dirty="0" err="1"/>
-              <a:t>ping</a:t>
-            </a:r>
-            <a:r>
-              <a:rPr lang="pt-BR" sz="2000" dirty="0"/>
-              <a:t> node2- executa o comando </a:t>
-            </a:r>
-            <a:r>
-              <a:rPr lang="pt-BR" sz="2000" dirty="0" err="1"/>
-              <a:t>ping</a:t>
-            </a:r>
-            <a:r>
-              <a:rPr lang="pt-BR" sz="2000" dirty="0"/>
-              <a:t> node2 dentro do container alura-books-1</a:t>
-            </a:r>
-          </a:p>
-          <a:p>
-            <a:pPr lvl="1" algn="just">
-              <a:lnSpc>
-                <a:spcPct val="150000"/>
-              </a:lnSpc>
-            </a:pPr>
-            <a:endParaRPr lang="pt-BR" sz="1800" dirty="0"/>
-          </a:p>
-          <a:p>
-            <a:pPr lvl="1" algn="just">
-              <a:lnSpc>
-                <a:spcPct val="150000"/>
-              </a:lnSpc>
-            </a:pPr>
-            <a:endParaRPr lang="pt-BR" sz="1800" dirty="0"/>
-          </a:p>
-        </p:txBody>
-      </p:sp>
-    </p:spTree>
-    <p:extLst>
-      <p:ext uri="{BB962C8B-B14F-4D97-AF65-F5344CB8AC3E}">
-        <p14:creationId xmlns:p14="http://schemas.microsoft.com/office/powerpoint/2010/main" val="1819436064"/>
-      </p:ext>
-    </p:extLst>
-  </p:cSld>
-  <p:clrMapOvr>
-    <a:masterClrMapping/>
-  </p:clrMapOvr>
-</p:sld>
-</file>
-
 <file path=ppt/slides/slide3.xml><?xml version="1.0" encoding="utf-8"?>
 <p:sld xmlns:a="http://schemas.openxmlformats.org/drawingml/2006/main" xmlns:r="http://schemas.openxmlformats.org/officeDocument/2006/relationships" xmlns:p="http://schemas.openxmlformats.org/presentationml/2006/main">
   <p:cSld>
@@ -12793,6 +12670,286 @@
 </file>
 
 <file path=ppt/slides/slide30.xml><?xml version="1.0" encoding="utf-8"?>
+<p:sld xmlns:a="http://schemas.openxmlformats.org/drawingml/2006/main" xmlns:r="http://schemas.openxmlformats.org/officeDocument/2006/relationships" xmlns:p="http://schemas.openxmlformats.org/presentationml/2006/main">
+  <p:cSld>
+    <p:spTree>
+      <p:nvGrpSpPr>
+        <p:cNvPr id="1" name=""/>
+        <p:cNvGrpSpPr/>
+        <p:nvPr/>
+      </p:nvGrpSpPr>
+      <p:grpSpPr>
+        <a:xfrm>
+          <a:off x="0" y="0"/>
+          <a:ext cx="0" cy="0"/>
+          <a:chOff x="0" y="0"/>
+          <a:chExt cx="0" cy="0"/>
+        </a:xfrm>
+      </p:grpSpPr>
+      <p:sp>
+        <p:nvSpPr>
+          <p:cNvPr id="5" name="Título 1"/>
+          <p:cNvSpPr>
+            <a:spLocks noGrp="1"/>
+          </p:cNvSpPr>
+          <p:nvPr>
+            <p:ph type="title"/>
+          </p:nvPr>
+        </p:nvSpPr>
+        <p:spPr>
+          <a:xfrm>
+            <a:off x="115910" y="123288"/>
+            <a:ext cx="11951594" cy="422275"/>
+          </a:xfrm>
+        </p:spPr>
+        <p:txBody>
+          <a:bodyPr vert="horz" lIns="91440" tIns="45720" rIns="91440" bIns="45720" rtlCol="0" anchor="ctr">
+            <a:normAutofit fontScale="90000"/>
+          </a:bodyPr>
+          <a:lstStyle/>
+          <a:p>
+            <a:pPr algn="ctr"/>
+            <a:r>
+              <a:rPr lang="pt-BR" sz="2800" b="1" dirty="0"/>
+              <a:t>Trabalhando com o </a:t>
+            </a:r>
+            <a:r>
+              <a:rPr lang="pt-BR" sz="2800" b="1" dirty="0" err="1"/>
+              <a:t>Docker</a:t>
+            </a:r>
+            <a:r>
+              <a:rPr lang="pt-BR" sz="2800" b="1" dirty="0"/>
+              <a:t> </a:t>
+            </a:r>
+            <a:r>
+              <a:rPr lang="pt-BR" sz="2800" b="1" dirty="0" err="1"/>
+              <a:t>Compose</a:t>
+            </a:r>
+            <a:endParaRPr lang="pt-BR" sz="2800" b="1" dirty="0"/>
+          </a:p>
+        </p:txBody>
+      </p:sp>
+      <p:sp>
+        <p:nvSpPr>
+          <p:cNvPr id="4" name="Espaço Reservado para Conteúdo 2">
+            <a:extLst>
+              <a:ext uri="{FF2B5EF4-FFF2-40B4-BE49-F238E27FC236}">
+                <a16:creationId xmlns:a16="http://schemas.microsoft.com/office/drawing/2014/main" id="{15E972C6-5240-824A-8B79-94A49A406279}"/>
+              </a:ext>
+            </a:extLst>
+          </p:cNvPr>
+          <p:cNvSpPr>
+            <a:spLocks noGrp="1"/>
+          </p:cNvSpPr>
+          <p:nvPr>
+            <p:ph idx="1"/>
+          </p:nvPr>
+        </p:nvSpPr>
+        <p:spPr>
+          <a:xfrm>
+            <a:off x="371061" y="781878"/>
+            <a:ext cx="11357113" cy="5738192"/>
+          </a:xfrm>
+        </p:spPr>
+        <p:txBody>
+          <a:bodyPr>
+            <a:noAutofit/>
+          </a:bodyPr>
+          <a:lstStyle/>
+          <a:p>
+            <a:r>
+              <a:rPr lang="pt-BR" sz="2000" dirty="0"/>
+              <a:t>A necessidade de usar o </a:t>
+            </a:r>
+            <a:r>
+              <a:rPr lang="pt-BR" sz="2000" b="1" i="1" dirty="0" err="1"/>
+              <a:t>Docker</a:t>
+            </a:r>
+            <a:r>
+              <a:rPr lang="pt-BR" sz="2000" b="1" i="1" dirty="0"/>
+              <a:t> </a:t>
+            </a:r>
+            <a:r>
+              <a:rPr lang="pt-BR" sz="2000" b="1" i="1" dirty="0" err="1"/>
+              <a:t>Compose</a:t>
+            </a:r>
+            <a:endParaRPr lang="pt-BR" sz="2000" b="1" i="1" dirty="0"/>
+          </a:p>
+          <a:p>
+            <a:pPr marL="0" indent="0">
+              <a:buNone/>
+            </a:pPr>
+            <a:endParaRPr lang="pt-BR" sz="2000" b="1" dirty="0"/>
+          </a:p>
+          <a:p>
+            <a:r>
+              <a:rPr lang="pt-BR" sz="2000" dirty="0"/>
+              <a:t>Configurar o build de vários containers através do </a:t>
+            </a:r>
+            <a:r>
+              <a:rPr lang="pt-BR" sz="2000" b="1" dirty="0" err="1"/>
+              <a:t>docker-compose.yml</a:t>
+            </a:r>
+            <a:endParaRPr lang="pt-BR" sz="2000" b="1" dirty="0"/>
+          </a:p>
+          <a:p>
+            <a:endParaRPr lang="pt-BR" sz="2000" dirty="0"/>
+          </a:p>
+          <a:p>
+            <a:r>
+              <a:rPr lang="pt-BR" sz="2000" dirty="0"/>
+              <a:t>Subir e parar os containers de maneira coordenada com </a:t>
+            </a:r>
+            <a:r>
+              <a:rPr lang="pt-BR" sz="2000" i="1" dirty="0" err="1"/>
+              <a:t>Docker</a:t>
+            </a:r>
+            <a:r>
+              <a:rPr lang="pt-BR" sz="2000" i="1" dirty="0"/>
+              <a:t> </a:t>
+            </a:r>
+            <a:r>
+              <a:rPr lang="pt-BR" sz="2000" i="1" dirty="0" err="1"/>
+              <a:t>Compose</a:t>
+            </a:r>
+            <a:endParaRPr lang="pt-BR" sz="2000" i="1" dirty="0"/>
+          </a:p>
+          <a:p>
+            <a:endParaRPr lang="pt-BR" sz="2000" dirty="0"/>
+          </a:p>
+          <a:p>
+            <a:r>
+              <a:rPr lang="pt-BR" sz="2000" b="1" i="1" dirty="0" err="1"/>
+              <a:t>docker-compose</a:t>
+            </a:r>
+            <a:r>
+              <a:rPr lang="pt-BR" sz="2000" b="1" i="1" dirty="0"/>
+              <a:t> </a:t>
+            </a:r>
+            <a:r>
+              <a:rPr lang="pt-BR" sz="2000" b="1" i="1" dirty="0" err="1"/>
+              <a:t>up</a:t>
+            </a:r>
+            <a:r>
+              <a:rPr lang="pt-BR" sz="2000" dirty="0"/>
+              <a:t> - sobe os serviços criados</a:t>
+            </a:r>
+          </a:p>
+          <a:p>
+            <a:endParaRPr lang="pt-BR" sz="2000" dirty="0"/>
+          </a:p>
+          <a:p>
+            <a:r>
+              <a:rPr lang="pt-BR" sz="2000" b="1" i="1" dirty="0" err="1"/>
+              <a:t>docker-compose</a:t>
+            </a:r>
+            <a:r>
+              <a:rPr lang="pt-BR" sz="2000" b="1" i="1" dirty="0"/>
+              <a:t> </a:t>
+            </a:r>
+            <a:r>
+              <a:rPr lang="pt-BR" sz="2000" b="1" i="1" dirty="0" err="1"/>
+              <a:t>down</a:t>
+            </a:r>
+            <a:r>
+              <a:rPr lang="pt-BR" sz="2000" dirty="0"/>
+              <a:t> - para os serviços criados.</a:t>
+            </a:r>
+          </a:p>
+          <a:p>
+            <a:endParaRPr lang="pt-BR" sz="2000" dirty="0"/>
+          </a:p>
+          <a:p>
+            <a:r>
+              <a:rPr lang="pt-BR" sz="2000" b="1" i="1" dirty="0" err="1"/>
+              <a:t>docker-compose</a:t>
+            </a:r>
+            <a:r>
+              <a:rPr lang="pt-BR" sz="2000" b="1" i="1" dirty="0"/>
+              <a:t> </a:t>
+            </a:r>
+            <a:r>
+              <a:rPr lang="pt-BR" sz="2000" b="1" i="1" dirty="0" err="1"/>
+              <a:t>ps</a:t>
+            </a:r>
+            <a:r>
+              <a:rPr lang="pt-BR" sz="2000" dirty="0"/>
+              <a:t> - lista os serviços que estão rodando.</a:t>
+            </a:r>
+          </a:p>
+          <a:p>
+            <a:endParaRPr lang="pt-BR" sz="2000" dirty="0"/>
+          </a:p>
+          <a:p>
+            <a:r>
+              <a:rPr lang="pt-BR" sz="2000" b="1" i="1" dirty="0" err="1"/>
+              <a:t>docker</a:t>
+            </a:r>
+            <a:r>
+              <a:rPr lang="pt-BR" sz="2000" b="1" i="1" dirty="0"/>
+              <a:t> </a:t>
+            </a:r>
+            <a:r>
+              <a:rPr lang="pt-BR" sz="2000" b="1" i="1" dirty="0" err="1"/>
+              <a:t>exec</a:t>
+            </a:r>
+            <a:r>
+              <a:rPr lang="pt-BR" sz="2000" b="1" i="1" dirty="0"/>
+              <a:t> </a:t>
+            </a:r>
+            <a:r>
+              <a:rPr lang="pt-BR" sz="2000" dirty="0"/>
+              <a:t>-it alura-books-1 </a:t>
+            </a:r>
+            <a:r>
+              <a:rPr lang="pt-BR" sz="2000" dirty="0" err="1"/>
+              <a:t>ping</a:t>
+            </a:r>
+            <a:r>
+              <a:rPr lang="pt-BR" sz="2000" dirty="0"/>
+              <a:t> node2- executa o comando </a:t>
+            </a:r>
+            <a:r>
+              <a:rPr lang="pt-BR" sz="2000" dirty="0" err="1"/>
+              <a:t>ping</a:t>
+            </a:r>
+            <a:r>
+              <a:rPr lang="pt-BR" sz="2000" dirty="0"/>
+              <a:t> node2 dentro do container alura-books-1</a:t>
+            </a:r>
+          </a:p>
+          <a:p>
+            <a:pPr lvl="1" algn="just">
+              <a:lnSpc>
+                <a:spcPct val="150000"/>
+              </a:lnSpc>
+            </a:pPr>
+            <a:endParaRPr lang="pt-BR" sz="1800" dirty="0"/>
+          </a:p>
+          <a:p>
+            <a:pPr lvl="1" algn="just">
+              <a:lnSpc>
+                <a:spcPct val="150000"/>
+              </a:lnSpc>
+            </a:pPr>
+            <a:endParaRPr lang="pt-BR" sz="1800" dirty="0"/>
+          </a:p>
+        </p:txBody>
+      </p:sp>
+    </p:spTree>
+    <p:extLst>
+      <p:ext uri="{BB962C8B-B14F-4D97-AF65-F5344CB8AC3E}">
+        <p14:creationId xmlns:p14="http://schemas.microsoft.com/office/powerpoint/2010/main" val="1819436064"/>
+      </p:ext>
+    </p:extLst>
+  </p:cSld>
+  <p:clrMapOvr>
+    <a:masterClrMapping/>
+  </p:clrMapOvr>
+</p:sld>
+</file>
+
+<file path=ppt/slides/slide31.xml><?xml version="1.0" encoding="utf-8"?>
 <p:sld xmlns:a="http://schemas.openxmlformats.org/drawingml/2006/main" xmlns:r="http://schemas.openxmlformats.org/officeDocument/2006/relationships" xmlns:p="http://schemas.openxmlformats.org/presentationml/2006/main">
   <p:cSld>
     <p:spTree>

--- a/docs/docker-resumo.pptx
+++ b/docs/docker-resumo.pptx
@@ -271,7 +271,7 @@
           <a:p>
             <a:fld id="{CC58B075-67F8-4A8D-AE1C-3D3E4193EBCA}" type="datetimeFigureOut">
               <a:rPr lang="pt-BR" smtClean="0"/>
-              <a:t>06/11/2019</a:t>
+              <a:t>03/12/2019</a:t>
             </a:fld>
             <a:endParaRPr lang="pt-BR"/>
           </a:p>
@@ -439,7 +439,7 @@
           <a:p>
             <a:fld id="{CC58B075-67F8-4A8D-AE1C-3D3E4193EBCA}" type="datetimeFigureOut">
               <a:rPr lang="pt-BR" smtClean="0"/>
-              <a:t>06/11/2019</a:t>
+              <a:t>03/12/2019</a:t>
             </a:fld>
             <a:endParaRPr lang="pt-BR"/>
           </a:p>
@@ -617,7 +617,7 @@
           <a:p>
             <a:fld id="{CC58B075-67F8-4A8D-AE1C-3D3E4193EBCA}" type="datetimeFigureOut">
               <a:rPr lang="pt-BR" smtClean="0"/>
-              <a:t>06/11/2019</a:t>
+              <a:t>03/12/2019</a:t>
             </a:fld>
             <a:endParaRPr lang="pt-BR"/>
           </a:p>
@@ -785,7 +785,7 @@
           <a:p>
             <a:fld id="{CC58B075-67F8-4A8D-AE1C-3D3E4193EBCA}" type="datetimeFigureOut">
               <a:rPr lang="pt-BR" smtClean="0"/>
-              <a:t>06/11/2019</a:t>
+              <a:t>03/12/2019</a:t>
             </a:fld>
             <a:endParaRPr lang="pt-BR"/>
           </a:p>
@@ -1030,7 +1030,7 @@
           <a:p>
             <a:fld id="{CC58B075-67F8-4A8D-AE1C-3D3E4193EBCA}" type="datetimeFigureOut">
               <a:rPr lang="pt-BR" smtClean="0"/>
-              <a:t>06/11/2019</a:t>
+              <a:t>03/12/2019</a:t>
             </a:fld>
             <a:endParaRPr lang="pt-BR"/>
           </a:p>
@@ -1259,7 +1259,7 @@
           <a:p>
             <a:fld id="{CC58B075-67F8-4A8D-AE1C-3D3E4193EBCA}" type="datetimeFigureOut">
               <a:rPr lang="pt-BR" smtClean="0"/>
-              <a:t>06/11/2019</a:t>
+              <a:t>03/12/2019</a:t>
             </a:fld>
             <a:endParaRPr lang="pt-BR"/>
           </a:p>
@@ -1623,7 +1623,7 @@
           <a:p>
             <a:fld id="{CC58B075-67F8-4A8D-AE1C-3D3E4193EBCA}" type="datetimeFigureOut">
               <a:rPr lang="pt-BR" smtClean="0"/>
-              <a:t>06/11/2019</a:t>
+              <a:t>03/12/2019</a:t>
             </a:fld>
             <a:endParaRPr lang="pt-BR"/>
           </a:p>
@@ -1740,7 +1740,7 @@
           <a:p>
             <a:fld id="{CC58B075-67F8-4A8D-AE1C-3D3E4193EBCA}" type="datetimeFigureOut">
               <a:rPr lang="pt-BR" smtClean="0"/>
-              <a:t>06/11/2019</a:t>
+              <a:t>03/12/2019</a:t>
             </a:fld>
             <a:endParaRPr lang="pt-BR"/>
           </a:p>
@@ -1835,7 +1835,7 @@
           <a:p>
             <a:fld id="{CC58B075-67F8-4A8D-AE1C-3D3E4193EBCA}" type="datetimeFigureOut">
               <a:rPr lang="pt-BR" smtClean="0"/>
-              <a:t>06/11/2019</a:t>
+              <a:t>03/12/2019</a:t>
             </a:fld>
             <a:endParaRPr lang="pt-BR"/>
           </a:p>
@@ -2110,7 +2110,7 @@
           <a:p>
             <a:fld id="{CC58B075-67F8-4A8D-AE1C-3D3E4193EBCA}" type="datetimeFigureOut">
               <a:rPr lang="pt-BR" smtClean="0"/>
-              <a:t>06/11/2019</a:t>
+              <a:t>03/12/2019</a:t>
             </a:fld>
             <a:endParaRPr lang="pt-BR"/>
           </a:p>
@@ -2362,7 +2362,7 @@
           <a:p>
             <a:fld id="{CC58B075-67F8-4A8D-AE1C-3D3E4193EBCA}" type="datetimeFigureOut">
               <a:rPr lang="pt-BR" smtClean="0"/>
-              <a:t>06/11/2019</a:t>
+              <a:t>03/12/2019</a:t>
             </a:fld>
             <a:endParaRPr lang="pt-BR"/>
           </a:p>
@@ -2573,7 +2573,7 @@
           <a:p>
             <a:fld id="{CC58B075-67F8-4A8D-AE1C-3D3E4193EBCA}" type="datetimeFigureOut">
               <a:rPr lang="pt-BR" smtClean="0"/>
-              <a:t>06/11/2019</a:t>
+              <a:t>03/12/2019</a:t>
             </a:fld>
             <a:endParaRPr lang="pt-BR"/>
           </a:p>
@@ -12853,7 +12853,19 @@
             </a:r>
             <a:r>
               <a:rPr lang="pt-BR" sz="2000" dirty="0"/>
-              <a:t> - para os serviços criados.</a:t>
+              <a:t> - </a:t>
+            </a:r>
+            <a:r>
+              <a:rPr lang="pt-BR" sz="2000" dirty="0" err="1" smtClean="0"/>
+              <a:t>pára</a:t>
+            </a:r>
+            <a:r>
+              <a:rPr lang="pt-BR" sz="2000" dirty="0" smtClean="0"/>
+              <a:t> </a:t>
+            </a:r>
+            <a:r>
+              <a:rPr lang="pt-BR" sz="2000" dirty="0"/>
+              <a:t>os serviços criados.</a:t>
             </a:r>
           </a:p>
           <a:p>
@@ -12898,16 +12910,20 @@
               <a:t> </a:t>
             </a:r>
             <a:r>
+              <a:rPr lang="pt-BR" sz="2000" b="1" dirty="0"/>
+              <a:t>-it alura-books-1 </a:t>
+            </a:r>
+            <a:r>
+              <a:rPr lang="pt-BR" sz="2000" b="1" dirty="0" err="1"/>
+              <a:t>ping</a:t>
+            </a:r>
+            <a:r>
+              <a:rPr lang="pt-BR" sz="2000" b="1" dirty="0"/>
+              <a:t> node2- </a:t>
+            </a:r>
+            <a:r>
               <a:rPr lang="pt-BR" sz="2000" dirty="0"/>
-              <a:t>-it alura-books-1 </a:t>
-            </a:r>
-            <a:r>
-              <a:rPr lang="pt-BR" sz="2000" dirty="0" err="1"/>
-              <a:t>ping</a:t>
-            </a:r>
-            <a:r>
-              <a:rPr lang="pt-BR" sz="2000" dirty="0"/>
-              <a:t> node2- executa o comando </a:t>
+              <a:t>executa o comando </a:t>
             </a:r>
             <a:r>
               <a:rPr lang="pt-BR" sz="2000" dirty="0" err="1"/>

--- a/docs/docker-resumo.pptx
+++ b/docs/docker-resumo.pptx
@@ -4,38 +4,44 @@
   <p:sldMasterIdLst>
     <p:sldMasterId id="2147483648" r:id="rId1"/>
   </p:sldMasterIdLst>
+  <p:notesMasterIdLst>
+    <p:notesMasterId r:id="rId36"/>
+  </p:notesMasterIdLst>
   <p:sldIdLst>
     <p:sldId id="256" r:id="rId2"/>
     <p:sldId id="266" r:id="rId3"/>
-    <p:sldId id="287" r:id="rId4"/>
-    <p:sldId id="288" r:id="rId5"/>
-    <p:sldId id="289" r:id="rId6"/>
-    <p:sldId id="290" r:id="rId7"/>
-    <p:sldId id="292" r:id="rId8"/>
-    <p:sldId id="291" r:id="rId9"/>
-    <p:sldId id="295" r:id="rId10"/>
-    <p:sldId id="296" r:id="rId11"/>
-    <p:sldId id="297" r:id="rId12"/>
-    <p:sldId id="293" r:id="rId13"/>
-    <p:sldId id="298" r:id="rId14"/>
-    <p:sldId id="299" r:id="rId15"/>
-    <p:sldId id="300" r:id="rId16"/>
-    <p:sldId id="294" r:id="rId17"/>
-    <p:sldId id="301" r:id="rId18"/>
-    <p:sldId id="302" r:id="rId19"/>
-    <p:sldId id="313" r:id="rId20"/>
-    <p:sldId id="303" r:id="rId21"/>
-    <p:sldId id="281" r:id="rId22"/>
-    <p:sldId id="306" r:id="rId23"/>
-    <p:sldId id="304" r:id="rId24"/>
-    <p:sldId id="309" r:id="rId25"/>
-    <p:sldId id="310" r:id="rId26"/>
-    <p:sldId id="307" r:id="rId27"/>
-    <p:sldId id="305" r:id="rId28"/>
-    <p:sldId id="312" r:id="rId29"/>
-    <p:sldId id="311" r:id="rId30"/>
-    <p:sldId id="308" r:id="rId31"/>
-    <p:sldId id="285" r:id="rId32"/>
+    <p:sldId id="315" r:id="rId4"/>
+    <p:sldId id="314" r:id="rId5"/>
+    <p:sldId id="287" r:id="rId6"/>
+    <p:sldId id="288" r:id="rId7"/>
+    <p:sldId id="289" r:id="rId8"/>
+    <p:sldId id="290" r:id="rId9"/>
+    <p:sldId id="292" r:id="rId10"/>
+    <p:sldId id="291" r:id="rId11"/>
+    <p:sldId id="295" r:id="rId12"/>
+    <p:sldId id="296" r:id="rId13"/>
+    <p:sldId id="297" r:id="rId14"/>
+    <p:sldId id="293" r:id="rId15"/>
+    <p:sldId id="298" r:id="rId16"/>
+    <p:sldId id="299" r:id="rId17"/>
+    <p:sldId id="316" r:id="rId18"/>
+    <p:sldId id="300" r:id="rId19"/>
+    <p:sldId id="294" r:id="rId20"/>
+    <p:sldId id="301" r:id="rId21"/>
+    <p:sldId id="302" r:id="rId22"/>
+    <p:sldId id="313" r:id="rId23"/>
+    <p:sldId id="303" r:id="rId24"/>
+    <p:sldId id="281" r:id="rId25"/>
+    <p:sldId id="306" r:id="rId26"/>
+    <p:sldId id="304" r:id="rId27"/>
+    <p:sldId id="309" r:id="rId28"/>
+    <p:sldId id="310" r:id="rId29"/>
+    <p:sldId id="307" r:id="rId30"/>
+    <p:sldId id="305" r:id="rId31"/>
+    <p:sldId id="312" r:id="rId32"/>
+    <p:sldId id="311" r:id="rId33"/>
+    <p:sldId id="308" r:id="rId34"/>
+    <p:sldId id="285" r:id="rId35"/>
   </p:sldIdLst>
   <p:sldSz cx="12192000" cy="6858000"/>
   <p:notesSz cx="6858000" cy="9144000"/>
@@ -142,6 +148,484 @@
 </p:presentation>
 </file>
 
+<file path=ppt/notesMasters/notesMaster1.xml><?xml version="1.0" encoding="utf-8"?>
+<p:notesMaster xmlns:a="http://schemas.openxmlformats.org/drawingml/2006/main" xmlns:r="http://schemas.openxmlformats.org/officeDocument/2006/relationships" xmlns:p="http://schemas.openxmlformats.org/presentationml/2006/main">
+  <p:cSld>
+    <p:bg>
+      <p:bgRef idx="1001">
+        <a:schemeClr val="bg1"/>
+      </p:bgRef>
+    </p:bg>
+    <p:spTree>
+      <p:nvGrpSpPr>
+        <p:cNvPr id="1" name=""/>
+        <p:cNvGrpSpPr/>
+        <p:nvPr/>
+      </p:nvGrpSpPr>
+      <p:grpSpPr>
+        <a:xfrm>
+          <a:off x="0" y="0"/>
+          <a:ext cx="0" cy="0"/>
+          <a:chOff x="0" y="0"/>
+          <a:chExt cx="0" cy="0"/>
+        </a:xfrm>
+      </p:grpSpPr>
+      <p:sp>
+        <p:nvSpPr>
+          <p:cNvPr id="2" name="Espaço Reservado para Cabeçalho 1"/>
+          <p:cNvSpPr>
+            <a:spLocks noGrp="1"/>
+          </p:cNvSpPr>
+          <p:nvPr>
+            <p:ph type="hdr" sz="quarter"/>
+          </p:nvPr>
+        </p:nvSpPr>
+        <p:spPr>
+          <a:xfrm>
+            <a:off x="0" y="0"/>
+            <a:ext cx="2971800" cy="458788"/>
+          </a:xfrm>
+          <a:prstGeom prst="rect">
+            <a:avLst/>
+          </a:prstGeom>
+        </p:spPr>
+        <p:txBody>
+          <a:bodyPr vert="horz" lIns="91440" tIns="45720" rIns="91440" bIns="45720" rtlCol="0"/>
+          <a:lstStyle>
+            <a:lvl1pPr algn="l">
+              <a:defRPr sz="1200"/>
+            </a:lvl1pPr>
+          </a:lstStyle>
+          <a:p>
+            <a:endParaRPr lang="pt-BR"/>
+          </a:p>
+        </p:txBody>
+      </p:sp>
+      <p:sp>
+        <p:nvSpPr>
+          <p:cNvPr id="3" name="Espaço Reservado para Data 2"/>
+          <p:cNvSpPr>
+            <a:spLocks noGrp="1"/>
+          </p:cNvSpPr>
+          <p:nvPr>
+            <p:ph type="dt" idx="1"/>
+          </p:nvPr>
+        </p:nvSpPr>
+        <p:spPr>
+          <a:xfrm>
+            <a:off x="3884613" y="0"/>
+            <a:ext cx="2971800" cy="458788"/>
+          </a:xfrm>
+          <a:prstGeom prst="rect">
+            <a:avLst/>
+          </a:prstGeom>
+        </p:spPr>
+        <p:txBody>
+          <a:bodyPr vert="horz" lIns="91440" tIns="45720" rIns="91440" bIns="45720" rtlCol="0"/>
+          <a:lstStyle>
+            <a:lvl1pPr algn="r">
+              <a:defRPr sz="1200"/>
+            </a:lvl1pPr>
+          </a:lstStyle>
+          <a:p>
+            <a:fld id="{00303553-004A-4AC0-97DD-6833C5CCC6AB}" type="datetimeFigureOut">
+              <a:rPr lang="pt-BR" smtClean="0"/>
+              <a:t>13/12/2019</a:t>
+            </a:fld>
+            <a:endParaRPr lang="pt-BR"/>
+          </a:p>
+        </p:txBody>
+      </p:sp>
+      <p:sp>
+        <p:nvSpPr>
+          <p:cNvPr id="4" name="Espaço Reservado para Imagem de Slide 3"/>
+          <p:cNvSpPr>
+            <a:spLocks noGrp="1" noRot="1" noChangeAspect="1"/>
+          </p:cNvSpPr>
+          <p:nvPr>
+            <p:ph type="sldImg" idx="2"/>
+          </p:nvPr>
+        </p:nvSpPr>
+        <p:spPr>
+          <a:xfrm>
+            <a:off x="685800" y="1143000"/>
+            <a:ext cx="5486400" cy="3086100"/>
+          </a:xfrm>
+          <a:prstGeom prst="rect">
+            <a:avLst/>
+          </a:prstGeom>
+          <a:noFill/>
+          <a:ln w="12700">
+            <a:solidFill>
+              <a:prstClr val="black"/>
+            </a:solidFill>
+          </a:ln>
+        </p:spPr>
+        <p:txBody>
+          <a:bodyPr vert="horz" lIns="91440" tIns="45720" rIns="91440" bIns="45720" rtlCol="0" anchor="ctr"/>
+          <a:lstStyle/>
+          <a:p>
+            <a:endParaRPr lang="pt-BR"/>
+          </a:p>
+        </p:txBody>
+      </p:sp>
+      <p:sp>
+        <p:nvSpPr>
+          <p:cNvPr id="5" name="Espaço Reservado para Anotações 4"/>
+          <p:cNvSpPr>
+            <a:spLocks noGrp="1"/>
+          </p:cNvSpPr>
+          <p:nvPr>
+            <p:ph type="body" sz="quarter" idx="3"/>
+          </p:nvPr>
+        </p:nvSpPr>
+        <p:spPr>
+          <a:xfrm>
+            <a:off x="685800" y="4400550"/>
+            <a:ext cx="5486400" cy="3600450"/>
+          </a:xfrm>
+          <a:prstGeom prst="rect">
+            <a:avLst/>
+          </a:prstGeom>
+        </p:spPr>
+        <p:txBody>
+          <a:bodyPr vert="horz" lIns="91440" tIns="45720" rIns="91440" bIns="45720" rtlCol="0"/>
+          <a:lstStyle/>
+          <a:p>
+            <a:pPr lvl="0"/>
+            <a:r>
+              <a:rPr lang="pt-BR" smtClean="0"/>
+              <a:t>Editar estilos de texto Mestre</a:t>
+            </a:r>
+          </a:p>
+          <a:p>
+            <a:pPr lvl="1"/>
+            <a:r>
+              <a:rPr lang="pt-BR" smtClean="0"/>
+              <a:t>Segundo nível</a:t>
+            </a:r>
+          </a:p>
+          <a:p>
+            <a:pPr lvl="2"/>
+            <a:r>
+              <a:rPr lang="pt-BR" smtClean="0"/>
+              <a:t>Terceiro nível</a:t>
+            </a:r>
+          </a:p>
+          <a:p>
+            <a:pPr lvl="3"/>
+            <a:r>
+              <a:rPr lang="pt-BR" smtClean="0"/>
+              <a:t>Quarto nível</a:t>
+            </a:r>
+          </a:p>
+          <a:p>
+            <a:pPr lvl="4"/>
+            <a:r>
+              <a:rPr lang="pt-BR" smtClean="0"/>
+              <a:t>Quinto nível</a:t>
+            </a:r>
+            <a:endParaRPr lang="pt-BR"/>
+          </a:p>
+        </p:txBody>
+      </p:sp>
+      <p:sp>
+        <p:nvSpPr>
+          <p:cNvPr id="6" name="Espaço Reservado para Rodapé 5"/>
+          <p:cNvSpPr>
+            <a:spLocks noGrp="1"/>
+          </p:cNvSpPr>
+          <p:nvPr>
+            <p:ph type="ftr" sz="quarter" idx="4"/>
+          </p:nvPr>
+        </p:nvSpPr>
+        <p:spPr>
+          <a:xfrm>
+            <a:off x="0" y="8685213"/>
+            <a:ext cx="2971800" cy="458787"/>
+          </a:xfrm>
+          <a:prstGeom prst="rect">
+            <a:avLst/>
+          </a:prstGeom>
+        </p:spPr>
+        <p:txBody>
+          <a:bodyPr vert="horz" lIns="91440" tIns="45720" rIns="91440" bIns="45720" rtlCol="0" anchor="b"/>
+          <a:lstStyle>
+            <a:lvl1pPr algn="l">
+              <a:defRPr sz="1200"/>
+            </a:lvl1pPr>
+          </a:lstStyle>
+          <a:p>
+            <a:endParaRPr lang="pt-BR"/>
+          </a:p>
+        </p:txBody>
+      </p:sp>
+      <p:sp>
+        <p:nvSpPr>
+          <p:cNvPr id="7" name="Espaço Reservado para Número de Slide 6"/>
+          <p:cNvSpPr>
+            <a:spLocks noGrp="1"/>
+          </p:cNvSpPr>
+          <p:nvPr>
+            <p:ph type="sldNum" sz="quarter" idx="5"/>
+          </p:nvPr>
+        </p:nvSpPr>
+        <p:spPr>
+          <a:xfrm>
+            <a:off x="3884613" y="8685213"/>
+            <a:ext cx="2971800" cy="458787"/>
+          </a:xfrm>
+          <a:prstGeom prst="rect">
+            <a:avLst/>
+          </a:prstGeom>
+        </p:spPr>
+        <p:txBody>
+          <a:bodyPr vert="horz" lIns="91440" tIns="45720" rIns="91440" bIns="45720" rtlCol="0" anchor="b"/>
+          <a:lstStyle>
+            <a:lvl1pPr algn="r">
+              <a:defRPr sz="1200"/>
+            </a:lvl1pPr>
+          </a:lstStyle>
+          <a:p>
+            <a:fld id="{E99F75BA-2413-497C-9A18-77E2B7FB0011}" type="slidenum">
+              <a:rPr lang="pt-BR" smtClean="0"/>
+              <a:t>‹nº›</a:t>
+            </a:fld>
+            <a:endParaRPr lang="pt-BR"/>
+          </a:p>
+        </p:txBody>
+      </p:sp>
+    </p:spTree>
+    <p:extLst>
+      <p:ext uri="{BB962C8B-B14F-4D97-AF65-F5344CB8AC3E}">
+        <p14:creationId xmlns:p14="http://schemas.microsoft.com/office/powerpoint/2010/main" val="2673296370"/>
+      </p:ext>
+    </p:extLst>
+  </p:cSld>
+  <p:clrMap bg1="lt1" tx1="dk1" bg2="lt2" tx2="dk2" accent1="accent1" accent2="accent2" accent3="accent3" accent4="accent4" accent5="accent5" accent6="accent6" hlink="hlink" folHlink="folHlink"/>
+  <p:notesStyle>
+    <a:lvl1pPr marL="0" algn="l" defTabSz="914400" rtl="0" eaLnBrk="1" latinLnBrk="0" hangingPunct="1">
+      <a:defRPr sz="1200" kern="1200">
+        <a:solidFill>
+          <a:schemeClr val="tx1"/>
+        </a:solidFill>
+        <a:latin typeface="+mn-lt"/>
+        <a:ea typeface="+mn-ea"/>
+        <a:cs typeface="+mn-cs"/>
+      </a:defRPr>
+    </a:lvl1pPr>
+    <a:lvl2pPr marL="457200" algn="l" defTabSz="914400" rtl="0" eaLnBrk="1" latinLnBrk="0" hangingPunct="1">
+      <a:defRPr sz="1200" kern="1200">
+        <a:solidFill>
+          <a:schemeClr val="tx1"/>
+        </a:solidFill>
+        <a:latin typeface="+mn-lt"/>
+        <a:ea typeface="+mn-ea"/>
+        <a:cs typeface="+mn-cs"/>
+      </a:defRPr>
+    </a:lvl2pPr>
+    <a:lvl3pPr marL="914400" algn="l" defTabSz="914400" rtl="0" eaLnBrk="1" latinLnBrk="0" hangingPunct="1">
+      <a:defRPr sz="1200" kern="1200">
+        <a:solidFill>
+          <a:schemeClr val="tx1"/>
+        </a:solidFill>
+        <a:latin typeface="+mn-lt"/>
+        <a:ea typeface="+mn-ea"/>
+        <a:cs typeface="+mn-cs"/>
+      </a:defRPr>
+    </a:lvl3pPr>
+    <a:lvl4pPr marL="1371600" algn="l" defTabSz="914400" rtl="0" eaLnBrk="1" latinLnBrk="0" hangingPunct="1">
+      <a:defRPr sz="1200" kern="1200">
+        <a:solidFill>
+          <a:schemeClr val="tx1"/>
+        </a:solidFill>
+        <a:latin typeface="+mn-lt"/>
+        <a:ea typeface="+mn-ea"/>
+        <a:cs typeface="+mn-cs"/>
+      </a:defRPr>
+    </a:lvl4pPr>
+    <a:lvl5pPr marL="1828800" algn="l" defTabSz="914400" rtl="0" eaLnBrk="1" latinLnBrk="0" hangingPunct="1">
+      <a:defRPr sz="1200" kern="1200">
+        <a:solidFill>
+          <a:schemeClr val="tx1"/>
+        </a:solidFill>
+        <a:latin typeface="+mn-lt"/>
+        <a:ea typeface="+mn-ea"/>
+        <a:cs typeface="+mn-cs"/>
+      </a:defRPr>
+    </a:lvl5pPr>
+    <a:lvl6pPr marL="2286000" algn="l" defTabSz="914400" rtl="0" eaLnBrk="1" latinLnBrk="0" hangingPunct="1">
+      <a:defRPr sz="1200" kern="1200">
+        <a:solidFill>
+          <a:schemeClr val="tx1"/>
+        </a:solidFill>
+        <a:latin typeface="+mn-lt"/>
+        <a:ea typeface="+mn-ea"/>
+        <a:cs typeface="+mn-cs"/>
+      </a:defRPr>
+    </a:lvl6pPr>
+    <a:lvl7pPr marL="2743200" algn="l" defTabSz="914400" rtl="0" eaLnBrk="1" latinLnBrk="0" hangingPunct="1">
+      <a:defRPr sz="1200" kern="1200">
+        <a:solidFill>
+          <a:schemeClr val="tx1"/>
+        </a:solidFill>
+        <a:latin typeface="+mn-lt"/>
+        <a:ea typeface="+mn-ea"/>
+        <a:cs typeface="+mn-cs"/>
+      </a:defRPr>
+    </a:lvl7pPr>
+    <a:lvl8pPr marL="3200400" algn="l" defTabSz="914400" rtl="0" eaLnBrk="1" latinLnBrk="0" hangingPunct="1">
+      <a:defRPr sz="1200" kern="1200">
+        <a:solidFill>
+          <a:schemeClr val="tx1"/>
+        </a:solidFill>
+        <a:latin typeface="+mn-lt"/>
+        <a:ea typeface="+mn-ea"/>
+        <a:cs typeface="+mn-cs"/>
+      </a:defRPr>
+    </a:lvl8pPr>
+    <a:lvl9pPr marL="3657600" algn="l" defTabSz="914400" rtl="0" eaLnBrk="1" latinLnBrk="0" hangingPunct="1">
+      <a:defRPr sz="1200" kern="1200">
+        <a:solidFill>
+          <a:schemeClr val="tx1"/>
+        </a:solidFill>
+        <a:latin typeface="+mn-lt"/>
+        <a:ea typeface="+mn-ea"/>
+        <a:cs typeface="+mn-cs"/>
+      </a:defRPr>
+    </a:lvl9pPr>
+  </p:notesStyle>
+</p:notesMaster>
+</file>
+
+<file path=ppt/notesSlides/notesSlide1.xml><?xml version="1.0" encoding="utf-8"?>
+<p:notes xmlns:a="http://schemas.openxmlformats.org/drawingml/2006/main" xmlns:r="http://schemas.openxmlformats.org/officeDocument/2006/relationships" xmlns:p="http://schemas.openxmlformats.org/presentationml/2006/main">
+  <p:cSld>
+    <p:spTree>
+      <p:nvGrpSpPr>
+        <p:cNvPr id="1" name=""/>
+        <p:cNvGrpSpPr/>
+        <p:nvPr/>
+      </p:nvGrpSpPr>
+      <p:grpSpPr>
+        <a:xfrm>
+          <a:off x="0" y="0"/>
+          <a:ext cx="0" cy="0"/>
+          <a:chOff x="0" y="0"/>
+          <a:chExt cx="0" cy="0"/>
+        </a:xfrm>
+      </p:grpSpPr>
+      <p:sp>
+        <p:nvSpPr>
+          <p:cNvPr id="2" name="Espaço Reservado para Imagem de Slide 1"/>
+          <p:cNvSpPr>
+            <a:spLocks noGrp="1" noRot="1" noChangeAspect="1"/>
+          </p:cNvSpPr>
+          <p:nvPr>
+            <p:ph type="sldImg"/>
+          </p:nvPr>
+        </p:nvSpPr>
+        <p:spPr/>
+      </p:sp>
+      <p:sp>
+        <p:nvSpPr>
+          <p:cNvPr id="3" name="Espaço Reservado para Anotações 2"/>
+          <p:cNvSpPr>
+            <a:spLocks noGrp="1"/>
+          </p:cNvSpPr>
+          <p:nvPr>
+            <p:ph type="body" idx="1"/>
+          </p:nvPr>
+        </p:nvSpPr>
+        <p:spPr/>
+        <p:txBody>
+          <a:bodyPr/>
+          <a:lstStyle/>
+          <a:p>
+            <a:r>
+              <a:rPr lang="pt-BR" dirty="0" smtClean="0"/>
+              <a:t>Várias Máquinas</a:t>
+            </a:r>
+          </a:p>
+          <a:p>
+            <a:r>
+              <a:rPr lang="pt-BR" dirty="0" smtClean="0"/>
+              <a:t>Vários Sistemas Operacionais</a:t>
+            </a:r>
+          </a:p>
+          <a:p>
+            <a:r>
+              <a:rPr lang="pt-BR" dirty="0" smtClean="0"/>
+              <a:t>Custos com Energia</a:t>
+            </a:r>
+          </a:p>
+          <a:p>
+            <a:r>
+              <a:rPr lang="pt-BR" dirty="0" smtClean="0"/>
+              <a:t>Custo de Manutenção</a:t>
+            </a:r>
+          </a:p>
+          <a:p>
+            <a:r>
+              <a:rPr lang="pt-BR" dirty="0" smtClean="0"/>
+              <a:t>Velocidades lentas de </a:t>
+            </a:r>
+            <a:r>
+              <a:rPr lang="pt-BR" dirty="0" err="1" smtClean="0"/>
+              <a:t>Deploy</a:t>
+            </a:r>
+            <a:r>
+              <a:rPr lang="pt-BR" dirty="0" smtClean="0"/>
+              <a:t> </a:t>
+            </a:r>
+          </a:p>
+          <a:p>
+            <a:r>
+              <a:rPr lang="pt-BR" dirty="0" smtClean="0"/>
+              <a:t>Capacidade pouco Aproveitada</a:t>
+            </a:r>
+          </a:p>
+          <a:p>
+            <a:endParaRPr lang="pt-BR" dirty="0"/>
+          </a:p>
+        </p:txBody>
+      </p:sp>
+      <p:sp>
+        <p:nvSpPr>
+          <p:cNvPr id="4" name="Espaço Reservado para Número de Slide 3"/>
+          <p:cNvSpPr>
+            <a:spLocks noGrp="1"/>
+          </p:cNvSpPr>
+          <p:nvPr>
+            <p:ph type="sldNum" sz="quarter" idx="10"/>
+          </p:nvPr>
+        </p:nvSpPr>
+        <p:spPr/>
+        <p:txBody>
+          <a:bodyPr/>
+          <a:lstStyle/>
+          <a:p>
+            <a:fld id="{E99F75BA-2413-497C-9A18-77E2B7FB0011}" type="slidenum">
+              <a:rPr lang="pt-BR" smtClean="0"/>
+              <a:t>3</a:t>
+            </a:fld>
+            <a:endParaRPr lang="pt-BR"/>
+          </a:p>
+        </p:txBody>
+      </p:sp>
+    </p:spTree>
+    <p:extLst>
+      <p:ext uri="{BB962C8B-B14F-4D97-AF65-F5344CB8AC3E}">
+        <p14:creationId xmlns:p14="http://schemas.microsoft.com/office/powerpoint/2010/main" val="2551998945"/>
+      </p:ext>
+    </p:extLst>
+  </p:cSld>
+  <p:clrMapOvr>
+    <a:masterClrMapping/>
+  </p:clrMapOvr>
+</p:notes>
+</file>
+
 <file path=ppt/slideLayouts/slideLayout1.xml><?xml version="1.0" encoding="utf-8"?>
 <p:sldLayout xmlns:a="http://schemas.openxmlformats.org/drawingml/2006/main" xmlns:r="http://schemas.openxmlformats.org/officeDocument/2006/relationships" xmlns:p="http://schemas.openxmlformats.org/presentationml/2006/main" type="title" preserve="1">
   <p:cSld name="Slide de Título">
@@ -271,7 +755,7 @@
           <a:p>
             <a:fld id="{CC58B075-67F8-4A8D-AE1C-3D3E4193EBCA}" type="datetimeFigureOut">
               <a:rPr lang="pt-BR" smtClean="0"/>
-              <a:t>03/12/2019</a:t>
+              <a:t>09/12/2019</a:t>
             </a:fld>
             <a:endParaRPr lang="pt-BR"/>
           </a:p>
@@ -439,7 +923,7 @@
           <a:p>
             <a:fld id="{CC58B075-67F8-4A8D-AE1C-3D3E4193EBCA}" type="datetimeFigureOut">
               <a:rPr lang="pt-BR" smtClean="0"/>
-              <a:t>03/12/2019</a:t>
+              <a:t>09/12/2019</a:t>
             </a:fld>
             <a:endParaRPr lang="pt-BR"/>
           </a:p>
@@ -617,7 +1101,7 @@
           <a:p>
             <a:fld id="{CC58B075-67F8-4A8D-AE1C-3D3E4193EBCA}" type="datetimeFigureOut">
               <a:rPr lang="pt-BR" smtClean="0"/>
-              <a:t>03/12/2019</a:t>
+              <a:t>09/12/2019</a:t>
             </a:fld>
             <a:endParaRPr lang="pt-BR"/>
           </a:p>
@@ -785,7 +1269,7 @@
           <a:p>
             <a:fld id="{CC58B075-67F8-4A8D-AE1C-3D3E4193EBCA}" type="datetimeFigureOut">
               <a:rPr lang="pt-BR" smtClean="0"/>
-              <a:t>03/12/2019</a:t>
+              <a:t>09/12/2019</a:t>
             </a:fld>
             <a:endParaRPr lang="pt-BR"/>
           </a:p>
@@ -1030,7 +1514,7 @@
           <a:p>
             <a:fld id="{CC58B075-67F8-4A8D-AE1C-3D3E4193EBCA}" type="datetimeFigureOut">
               <a:rPr lang="pt-BR" smtClean="0"/>
-              <a:t>03/12/2019</a:t>
+              <a:t>09/12/2019</a:t>
             </a:fld>
             <a:endParaRPr lang="pt-BR"/>
           </a:p>
@@ -1259,7 +1743,7 @@
           <a:p>
             <a:fld id="{CC58B075-67F8-4A8D-AE1C-3D3E4193EBCA}" type="datetimeFigureOut">
               <a:rPr lang="pt-BR" smtClean="0"/>
-              <a:t>03/12/2019</a:t>
+              <a:t>09/12/2019</a:t>
             </a:fld>
             <a:endParaRPr lang="pt-BR"/>
           </a:p>
@@ -1623,7 +2107,7 @@
           <a:p>
             <a:fld id="{CC58B075-67F8-4A8D-AE1C-3D3E4193EBCA}" type="datetimeFigureOut">
               <a:rPr lang="pt-BR" smtClean="0"/>
-              <a:t>03/12/2019</a:t>
+              <a:t>09/12/2019</a:t>
             </a:fld>
             <a:endParaRPr lang="pt-BR"/>
           </a:p>
@@ -1740,7 +2224,7 @@
           <a:p>
             <a:fld id="{CC58B075-67F8-4A8D-AE1C-3D3E4193EBCA}" type="datetimeFigureOut">
               <a:rPr lang="pt-BR" smtClean="0"/>
-              <a:t>03/12/2019</a:t>
+              <a:t>09/12/2019</a:t>
             </a:fld>
             <a:endParaRPr lang="pt-BR"/>
           </a:p>
@@ -1835,7 +2319,7 @@
           <a:p>
             <a:fld id="{CC58B075-67F8-4A8D-AE1C-3D3E4193EBCA}" type="datetimeFigureOut">
               <a:rPr lang="pt-BR" smtClean="0"/>
-              <a:t>03/12/2019</a:t>
+              <a:t>09/12/2019</a:t>
             </a:fld>
             <a:endParaRPr lang="pt-BR"/>
           </a:p>
@@ -2110,7 +2594,7 @@
           <a:p>
             <a:fld id="{CC58B075-67F8-4A8D-AE1C-3D3E4193EBCA}" type="datetimeFigureOut">
               <a:rPr lang="pt-BR" smtClean="0"/>
-              <a:t>03/12/2019</a:t>
+              <a:t>09/12/2019</a:t>
             </a:fld>
             <a:endParaRPr lang="pt-BR"/>
           </a:p>
@@ -2362,7 +2846,7 @@
           <a:p>
             <a:fld id="{CC58B075-67F8-4A8D-AE1C-3D3E4193EBCA}" type="datetimeFigureOut">
               <a:rPr lang="pt-BR" smtClean="0"/>
-              <a:t>03/12/2019</a:t>
+              <a:t>09/12/2019</a:t>
             </a:fld>
             <a:endParaRPr lang="pt-BR"/>
           </a:p>
@@ -2573,7 +3057,7 @@
           <a:p>
             <a:fld id="{CC58B075-67F8-4A8D-AE1C-3D3E4193EBCA}" type="datetimeFigureOut">
               <a:rPr lang="pt-BR" smtClean="0"/>
-              <a:t>03/12/2019</a:t>
+              <a:t>09/12/2019</a:t>
             </a:fld>
             <a:endParaRPr lang="pt-BR"/>
           </a:p>
@@ -3052,10 +3536,1327 @@
   <p:clrMapOvr>
     <a:masterClrMapping/>
   </p:clrMapOvr>
+  <p:timing>
+    <p:tnLst>
+      <p:par>
+        <p:cTn id="1" dur="indefinite" restart="never" nodeType="tmRoot"/>
+      </p:par>
+    </p:tnLst>
+  </p:timing>
 </p:sld>
 </file>
 
 <file path=ppt/slides/slide10.xml><?xml version="1.0" encoding="utf-8"?>
+<p:sld xmlns:a="http://schemas.openxmlformats.org/drawingml/2006/main" xmlns:r="http://schemas.openxmlformats.org/officeDocument/2006/relationships" xmlns:p="http://schemas.openxmlformats.org/presentationml/2006/main">
+  <p:cSld>
+    <p:spTree>
+      <p:nvGrpSpPr>
+        <p:cNvPr id="1" name=""/>
+        <p:cNvGrpSpPr/>
+        <p:nvPr/>
+      </p:nvGrpSpPr>
+      <p:grpSpPr>
+        <a:xfrm>
+          <a:off x="0" y="0"/>
+          <a:ext cx="0" cy="0"/>
+          <a:chOff x="0" y="0"/>
+          <a:chExt cx="0" cy="0"/>
+        </a:xfrm>
+      </p:grpSpPr>
+      <p:sp>
+        <p:nvSpPr>
+          <p:cNvPr id="4" name="Título 1"/>
+          <p:cNvSpPr txBox="1">
+            <a:spLocks/>
+          </p:cNvSpPr>
+          <p:nvPr/>
+        </p:nvSpPr>
+        <p:spPr>
+          <a:xfrm>
+            <a:off x="125627" y="115678"/>
+            <a:ext cx="11800761" cy="549275"/>
+          </a:xfrm>
+          <a:prstGeom prst="rect">
+            <a:avLst/>
+          </a:prstGeom>
+        </p:spPr>
+        <p:txBody>
+          <a:bodyPr vert="horz" lIns="91440" tIns="45720" rIns="91440" bIns="45720" rtlCol="0" anchor="ctr">
+            <a:normAutofit/>
+          </a:bodyPr>
+          <a:lstStyle>
+            <a:lvl1pPr algn="l" defTabSz="914400" rtl="0" eaLnBrk="1" latinLnBrk="0" hangingPunct="1">
+              <a:lnSpc>
+                <a:spcPct val="90000"/>
+              </a:lnSpc>
+              <a:spcBef>
+                <a:spcPct val="0"/>
+              </a:spcBef>
+              <a:buNone/>
+              <a:defRPr sz="4400" kern="1200">
+                <a:solidFill>
+                  <a:schemeClr val="tx1"/>
+                </a:solidFill>
+                <a:latin typeface="+mj-lt"/>
+                <a:ea typeface="+mj-ea"/>
+                <a:cs typeface="+mj-cs"/>
+              </a:defRPr>
+            </a:lvl1pPr>
+          </a:lstStyle>
+          <a:p>
+            <a:pPr algn="ctr"/>
+            <a:r>
+              <a:rPr lang="pt-BR" sz="2800" b="1" dirty="0"/>
+              <a:t>Diferença entre Imagens e Containers  - E alguns comandos</a:t>
+            </a:r>
+          </a:p>
+        </p:txBody>
+      </p:sp>
+      <p:sp>
+        <p:nvSpPr>
+          <p:cNvPr id="5" name="Espaço Reservado para Conteúdo 5"/>
+          <p:cNvSpPr txBox="1">
+            <a:spLocks/>
+          </p:cNvSpPr>
+          <p:nvPr/>
+        </p:nvSpPr>
+        <p:spPr>
+          <a:xfrm>
+            <a:off x="504450" y="1084496"/>
+            <a:ext cx="11421938" cy="3317687"/>
+          </a:xfrm>
+          <a:prstGeom prst="rect">
+            <a:avLst/>
+          </a:prstGeom>
+        </p:spPr>
+        <p:txBody>
+          <a:bodyPr vert="horz" lIns="91440" tIns="45720" rIns="91440" bIns="45720" rtlCol="0">
+            <a:normAutofit/>
+          </a:bodyPr>
+          <a:lstStyle>
+            <a:lvl1pPr marL="228600" indent="-228600" algn="l" defTabSz="914400" rtl="0" eaLnBrk="1" latinLnBrk="0" hangingPunct="1">
+              <a:lnSpc>
+                <a:spcPct val="90000"/>
+              </a:lnSpc>
+              <a:spcBef>
+                <a:spcPts val="1000"/>
+              </a:spcBef>
+              <a:buFont typeface="Arial" panose="020B0604020202020204" pitchFamily="34" charset="0"/>
+              <a:buChar char="•"/>
+              <a:defRPr sz="2800" kern="1200">
+                <a:solidFill>
+                  <a:schemeClr val="tx1"/>
+                </a:solidFill>
+                <a:latin typeface="+mn-lt"/>
+                <a:ea typeface="+mn-ea"/>
+                <a:cs typeface="+mn-cs"/>
+              </a:defRPr>
+            </a:lvl1pPr>
+            <a:lvl2pPr marL="685800" indent="-228600" algn="l" defTabSz="914400" rtl="0" eaLnBrk="1" latinLnBrk="0" hangingPunct="1">
+              <a:lnSpc>
+                <a:spcPct val="90000"/>
+              </a:lnSpc>
+              <a:spcBef>
+                <a:spcPts val="500"/>
+              </a:spcBef>
+              <a:buFont typeface="Arial" panose="020B0604020202020204" pitchFamily="34" charset="0"/>
+              <a:buChar char="•"/>
+              <a:defRPr sz="2400" kern="1200">
+                <a:solidFill>
+                  <a:schemeClr val="tx1"/>
+                </a:solidFill>
+                <a:latin typeface="+mn-lt"/>
+                <a:ea typeface="+mn-ea"/>
+                <a:cs typeface="+mn-cs"/>
+              </a:defRPr>
+            </a:lvl2pPr>
+            <a:lvl3pPr marL="1143000" indent="-228600" algn="l" defTabSz="914400" rtl="0" eaLnBrk="1" latinLnBrk="0" hangingPunct="1">
+              <a:lnSpc>
+                <a:spcPct val="90000"/>
+              </a:lnSpc>
+              <a:spcBef>
+                <a:spcPts val="500"/>
+              </a:spcBef>
+              <a:buFont typeface="Arial" panose="020B0604020202020204" pitchFamily="34" charset="0"/>
+              <a:buChar char="•"/>
+              <a:defRPr sz="2000" kern="1200">
+                <a:solidFill>
+                  <a:schemeClr val="tx1"/>
+                </a:solidFill>
+                <a:latin typeface="+mn-lt"/>
+                <a:ea typeface="+mn-ea"/>
+                <a:cs typeface="+mn-cs"/>
+              </a:defRPr>
+            </a:lvl3pPr>
+            <a:lvl4pPr marL="1600200" indent="-228600" algn="l" defTabSz="914400" rtl="0" eaLnBrk="1" latinLnBrk="0" hangingPunct="1">
+              <a:lnSpc>
+                <a:spcPct val="90000"/>
+              </a:lnSpc>
+              <a:spcBef>
+                <a:spcPts val="500"/>
+              </a:spcBef>
+              <a:buFont typeface="Arial" panose="020B0604020202020204" pitchFamily="34" charset="0"/>
+              <a:buChar char="•"/>
+              <a:defRPr sz="1800" kern="1200">
+                <a:solidFill>
+                  <a:schemeClr val="tx1"/>
+                </a:solidFill>
+                <a:latin typeface="+mn-lt"/>
+                <a:ea typeface="+mn-ea"/>
+                <a:cs typeface="+mn-cs"/>
+              </a:defRPr>
+            </a:lvl4pPr>
+            <a:lvl5pPr marL="2057400" indent="-228600" algn="l" defTabSz="914400" rtl="0" eaLnBrk="1" latinLnBrk="0" hangingPunct="1">
+              <a:lnSpc>
+                <a:spcPct val="90000"/>
+              </a:lnSpc>
+              <a:spcBef>
+                <a:spcPts val="500"/>
+              </a:spcBef>
+              <a:buFont typeface="Arial" panose="020B0604020202020204" pitchFamily="34" charset="0"/>
+              <a:buChar char="•"/>
+              <a:defRPr sz="1800" kern="1200">
+                <a:solidFill>
+                  <a:schemeClr val="tx1"/>
+                </a:solidFill>
+                <a:latin typeface="+mn-lt"/>
+                <a:ea typeface="+mn-ea"/>
+                <a:cs typeface="+mn-cs"/>
+              </a:defRPr>
+            </a:lvl5pPr>
+            <a:lvl6pPr marL="2514600" indent="-228600" algn="l" defTabSz="914400" rtl="0" eaLnBrk="1" latinLnBrk="0" hangingPunct="1">
+              <a:lnSpc>
+                <a:spcPct val="90000"/>
+              </a:lnSpc>
+              <a:spcBef>
+                <a:spcPts val="500"/>
+              </a:spcBef>
+              <a:buFont typeface="Arial" panose="020B0604020202020204" pitchFamily="34" charset="0"/>
+              <a:buChar char="•"/>
+              <a:defRPr sz="1800" kern="1200">
+                <a:solidFill>
+                  <a:schemeClr val="tx1"/>
+                </a:solidFill>
+                <a:latin typeface="+mn-lt"/>
+                <a:ea typeface="+mn-ea"/>
+                <a:cs typeface="+mn-cs"/>
+              </a:defRPr>
+            </a:lvl6pPr>
+            <a:lvl7pPr marL="2971800" indent="-228600" algn="l" defTabSz="914400" rtl="0" eaLnBrk="1" latinLnBrk="0" hangingPunct="1">
+              <a:lnSpc>
+                <a:spcPct val="90000"/>
+              </a:lnSpc>
+              <a:spcBef>
+                <a:spcPts val="500"/>
+              </a:spcBef>
+              <a:buFont typeface="Arial" panose="020B0604020202020204" pitchFamily="34" charset="0"/>
+              <a:buChar char="•"/>
+              <a:defRPr sz="1800" kern="1200">
+                <a:solidFill>
+                  <a:schemeClr val="tx1"/>
+                </a:solidFill>
+                <a:latin typeface="+mn-lt"/>
+                <a:ea typeface="+mn-ea"/>
+                <a:cs typeface="+mn-cs"/>
+              </a:defRPr>
+            </a:lvl7pPr>
+            <a:lvl8pPr marL="3429000" indent="-228600" algn="l" defTabSz="914400" rtl="0" eaLnBrk="1" latinLnBrk="0" hangingPunct="1">
+              <a:lnSpc>
+                <a:spcPct val="90000"/>
+              </a:lnSpc>
+              <a:spcBef>
+                <a:spcPts val="500"/>
+              </a:spcBef>
+              <a:buFont typeface="Arial" panose="020B0604020202020204" pitchFamily="34" charset="0"/>
+              <a:buChar char="•"/>
+              <a:defRPr sz="1800" kern="1200">
+                <a:solidFill>
+                  <a:schemeClr val="tx1"/>
+                </a:solidFill>
+                <a:latin typeface="+mn-lt"/>
+                <a:ea typeface="+mn-ea"/>
+                <a:cs typeface="+mn-cs"/>
+              </a:defRPr>
+            </a:lvl8pPr>
+            <a:lvl9pPr marL="3886200" indent="-228600" algn="l" defTabSz="914400" rtl="0" eaLnBrk="1" latinLnBrk="0" hangingPunct="1">
+              <a:lnSpc>
+                <a:spcPct val="90000"/>
+              </a:lnSpc>
+              <a:spcBef>
+                <a:spcPts val="500"/>
+              </a:spcBef>
+              <a:buFont typeface="Arial" panose="020B0604020202020204" pitchFamily="34" charset="0"/>
+              <a:buChar char="•"/>
+              <a:defRPr sz="1800" kern="1200">
+                <a:solidFill>
+                  <a:schemeClr val="tx1"/>
+                </a:solidFill>
+                <a:latin typeface="+mn-lt"/>
+                <a:ea typeface="+mn-ea"/>
+                <a:cs typeface="+mn-cs"/>
+              </a:defRPr>
+            </a:lvl9pPr>
+          </a:lstStyle>
+          <a:p>
+            <a:pPr marL="0" indent="0">
+              <a:buNone/>
+            </a:pPr>
+            <a:endParaRPr lang="pt-BR" sz="2000" dirty="0"/>
+          </a:p>
+        </p:txBody>
+      </p:sp>
+      <p:sp>
+        <p:nvSpPr>
+          <p:cNvPr id="8" name="Espaço Reservado para Conteúdo 5"/>
+          <p:cNvSpPr txBox="1">
+            <a:spLocks/>
+          </p:cNvSpPr>
+          <p:nvPr/>
+        </p:nvSpPr>
+        <p:spPr>
+          <a:xfrm>
+            <a:off x="504450" y="4729033"/>
+            <a:ext cx="11134556" cy="1671768"/>
+          </a:xfrm>
+          <a:prstGeom prst="rect">
+            <a:avLst/>
+          </a:prstGeom>
+        </p:spPr>
+        <p:txBody>
+          <a:bodyPr vert="horz" lIns="91440" tIns="45720" rIns="91440" bIns="45720" rtlCol="0">
+            <a:normAutofit/>
+          </a:bodyPr>
+          <a:lstStyle>
+            <a:lvl1pPr marL="228600" indent="-228600" algn="l" defTabSz="914400" rtl="0" eaLnBrk="1" latinLnBrk="0" hangingPunct="1">
+              <a:lnSpc>
+                <a:spcPct val="90000"/>
+              </a:lnSpc>
+              <a:spcBef>
+                <a:spcPts val="1000"/>
+              </a:spcBef>
+              <a:buFont typeface="Arial" panose="020B0604020202020204" pitchFamily="34" charset="0"/>
+              <a:buChar char="•"/>
+              <a:defRPr sz="2800" kern="1200">
+                <a:solidFill>
+                  <a:schemeClr val="tx1"/>
+                </a:solidFill>
+                <a:latin typeface="+mn-lt"/>
+                <a:ea typeface="+mn-ea"/>
+                <a:cs typeface="+mn-cs"/>
+              </a:defRPr>
+            </a:lvl1pPr>
+            <a:lvl2pPr marL="685800" indent="-228600" algn="l" defTabSz="914400" rtl="0" eaLnBrk="1" latinLnBrk="0" hangingPunct="1">
+              <a:lnSpc>
+                <a:spcPct val="90000"/>
+              </a:lnSpc>
+              <a:spcBef>
+                <a:spcPts val="500"/>
+              </a:spcBef>
+              <a:buFont typeface="Arial" panose="020B0604020202020204" pitchFamily="34" charset="0"/>
+              <a:buChar char="•"/>
+              <a:defRPr sz="2400" kern="1200">
+                <a:solidFill>
+                  <a:schemeClr val="tx1"/>
+                </a:solidFill>
+                <a:latin typeface="+mn-lt"/>
+                <a:ea typeface="+mn-ea"/>
+                <a:cs typeface="+mn-cs"/>
+              </a:defRPr>
+            </a:lvl2pPr>
+            <a:lvl3pPr marL="1143000" indent="-228600" algn="l" defTabSz="914400" rtl="0" eaLnBrk="1" latinLnBrk="0" hangingPunct="1">
+              <a:lnSpc>
+                <a:spcPct val="90000"/>
+              </a:lnSpc>
+              <a:spcBef>
+                <a:spcPts val="500"/>
+              </a:spcBef>
+              <a:buFont typeface="Arial" panose="020B0604020202020204" pitchFamily="34" charset="0"/>
+              <a:buChar char="•"/>
+              <a:defRPr sz="2000" kern="1200">
+                <a:solidFill>
+                  <a:schemeClr val="tx1"/>
+                </a:solidFill>
+                <a:latin typeface="+mn-lt"/>
+                <a:ea typeface="+mn-ea"/>
+                <a:cs typeface="+mn-cs"/>
+              </a:defRPr>
+            </a:lvl3pPr>
+            <a:lvl4pPr marL="1600200" indent="-228600" algn="l" defTabSz="914400" rtl="0" eaLnBrk="1" latinLnBrk="0" hangingPunct="1">
+              <a:lnSpc>
+                <a:spcPct val="90000"/>
+              </a:lnSpc>
+              <a:spcBef>
+                <a:spcPts val="500"/>
+              </a:spcBef>
+              <a:buFont typeface="Arial" panose="020B0604020202020204" pitchFamily="34" charset="0"/>
+              <a:buChar char="•"/>
+              <a:defRPr sz="1800" kern="1200">
+                <a:solidFill>
+                  <a:schemeClr val="tx1"/>
+                </a:solidFill>
+                <a:latin typeface="+mn-lt"/>
+                <a:ea typeface="+mn-ea"/>
+                <a:cs typeface="+mn-cs"/>
+              </a:defRPr>
+            </a:lvl4pPr>
+            <a:lvl5pPr marL="2057400" indent="-228600" algn="l" defTabSz="914400" rtl="0" eaLnBrk="1" latinLnBrk="0" hangingPunct="1">
+              <a:lnSpc>
+                <a:spcPct val="90000"/>
+              </a:lnSpc>
+              <a:spcBef>
+                <a:spcPts val="500"/>
+              </a:spcBef>
+              <a:buFont typeface="Arial" panose="020B0604020202020204" pitchFamily="34" charset="0"/>
+              <a:buChar char="•"/>
+              <a:defRPr sz="1800" kern="1200">
+                <a:solidFill>
+                  <a:schemeClr val="tx1"/>
+                </a:solidFill>
+                <a:latin typeface="+mn-lt"/>
+                <a:ea typeface="+mn-ea"/>
+                <a:cs typeface="+mn-cs"/>
+              </a:defRPr>
+            </a:lvl5pPr>
+            <a:lvl6pPr marL="2514600" indent="-228600" algn="l" defTabSz="914400" rtl="0" eaLnBrk="1" latinLnBrk="0" hangingPunct="1">
+              <a:lnSpc>
+                <a:spcPct val="90000"/>
+              </a:lnSpc>
+              <a:spcBef>
+                <a:spcPts val="500"/>
+              </a:spcBef>
+              <a:buFont typeface="Arial" panose="020B0604020202020204" pitchFamily="34" charset="0"/>
+              <a:buChar char="•"/>
+              <a:defRPr sz="1800" kern="1200">
+                <a:solidFill>
+                  <a:schemeClr val="tx1"/>
+                </a:solidFill>
+                <a:latin typeface="+mn-lt"/>
+                <a:ea typeface="+mn-ea"/>
+                <a:cs typeface="+mn-cs"/>
+              </a:defRPr>
+            </a:lvl6pPr>
+            <a:lvl7pPr marL="2971800" indent="-228600" algn="l" defTabSz="914400" rtl="0" eaLnBrk="1" latinLnBrk="0" hangingPunct="1">
+              <a:lnSpc>
+                <a:spcPct val="90000"/>
+              </a:lnSpc>
+              <a:spcBef>
+                <a:spcPts val="500"/>
+              </a:spcBef>
+              <a:buFont typeface="Arial" panose="020B0604020202020204" pitchFamily="34" charset="0"/>
+              <a:buChar char="•"/>
+              <a:defRPr sz="1800" kern="1200">
+                <a:solidFill>
+                  <a:schemeClr val="tx1"/>
+                </a:solidFill>
+                <a:latin typeface="+mn-lt"/>
+                <a:ea typeface="+mn-ea"/>
+                <a:cs typeface="+mn-cs"/>
+              </a:defRPr>
+            </a:lvl7pPr>
+            <a:lvl8pPr marL="3429000" indent="-228600" algn="l" defTabSz="914400" rtl="0" eaLnBrk="1" latinLnBrk="0" hangingPunct="1">
+              <a:lnSpc>
+                <a:spcPct val="90000"/>
+              </a:lnSpc>
+              <a:spcBef>
+                <a:spcPts val="500"/>
+              </a:spcBef>
+              <a:buFont typeface="Arial" panose="020B0604020202020204" pitchFamily="34" charset="0"/>
+              <a:buChar char="•"/>
+              <a:defRPr sz="1800" kern="1200">
+                <a:solidFill>
+                  <a:schemeClr val="tx1"/>
+                </a:solidFill>
+                <a:latin typeface="+mn-lt"/>
+                <a:ea typeface="+mn-ea"/>
+                <a:cs typeface="+mn-cs"/>
+              </a:defRPr>
+            </a:lvl8pPr>
+            <a:lvl9pPr marL="3886200" indent="-228600" algn="l" defTabSz="914400" rtl="0" eaLnBrk="1" latinLnBrk="0" hangingPunct="1">
+              <a:lnSpc>
+                <a:spcPct val="90000"/>
+              </a:lnSpc>
+              <a:spcBef>
+                <a:spcPts val="500"/>
+              </a:spcBef>
+              <a:buFont typeface="Arial" panose="020B0604020202020204" pitchFamily="34" charset="0"/>
+              <a:buChar char="•"/>
+              <a:defRPr sz="1800" kern="1200">
+                <a:solidFill>
+                  <a:schemeClr val="tx1"/>
+                </a:solidFill>
+                <a:latin typeface="+mn-lt"/>
+                <a:ea typeface="+mn-ea"/>
+                <a:cs typeface="+mn-cs"/>
+              </a:defRPr>
+            </a:lvl9pPr>
+          </a:lstStyle>
+          <a:p>
+            <a:endParaRPr lang="pt-BR" sz="2000" dirty="0"/>
+          </a:p>
+        </p:txBody>
+      </p:sp>
+      <p:sp>
+        <p:nvSpPr>
+          <p:cNvPr id="3" name="CaixaDeTexto 2"/>
+          <p:cNvSpPr txBox="1"/>
+          <p:nvPr/>
+        </p:nvSpPr>
+        <p:spPr>
+          <a:xfrm>
+            <a:off x="332016" y="1084496"/>
+            <a:ext cx="5883403" cy="3970318"/>
+          </a:xfrm>
+          <a:prstGeom prst="rect">
+            <a:avLst/>
+          </a:prstGeom>
+          <a:noFill/>
+        </p:spPr>
+        <p:txBody>
+          <a:bodyPr wrap="square" rtlCol="0">
+            <a:spAutoFit/>
+          </a:bodyPr>
+          <a:lstStyle/>
+          <a:p>
+            <a:endParaRPr lang="pt-BR" dirty="0"/>
+          </a:p>
+          <a:p>
+            <a:pPr marL="285750" indent="-285750">
+              <a:buFont typeface="Wingdings" panose="05000000000000000000" pitchFamily="2" charset="2"/>
+              <a:buChar char="Ø"/>
+            </a:pPr>
+            <a:r>
+              <a:rPr lang="pt-BR" dirty="0" err="1"/>
+              <a:t>docker</a:t>
+            </a:r>
+            <a:r>
+              <a:rPr lang="pt-BR" dirty="0"/>
+              <a:t> </a:t>
+            </a:r>
+            <a:r>
+              <a:rPr lang="pt-BR" dirty="0" err="1"/>
+              <a:t>run</a:t>
+            </a:r>
+            <a:r>
+              <a:rPr lang="pt-BR" dirty="0"/>
+              <a:t> </a:t>
+            </a:r>
+            <a:r>
+              <a:rPr lang="pt-BR" dirty="0" err="1"/>
+              <a:t>ubuntu</a:t>
+            </a:r>
+            <a:r>
+              <a:rPr lang="pt-BR" dirty="0"/>
+              <a:t> </a:t>
+            </a:r>
+            <a:r>
+              <a:rPr lang="pt-BR" dirty="0" err="1"/>
+              <a:t>echo</a:t>
+            </a:r>
+            <a:r>
+              <a:rPr lang="pt-BR" dirty="0"/>
+              <a:t> “ Olá Mundo!”</a:t>
+            </a:r>
+          </a:p>
+          <a:p>
+            <a:pPr marL="285750" indent="-285750">
+              <a:buFont typeface="Wingdings" panose="05000000000000000000" pitchFamily="2" charset="2"/>
+              <a:buChar char="Ø"/>
+            </a:pPr>
+            <a:endParaRPr lang="pt-BR" dirty="0"/>
+          </a:p>
+          <a:p>
+            <a:pPr marL="285750" indent="-285750">
+              <a:buFont typeface="Wingdings" panose="05000000000000000000" pitchFamily="2" charset="2"/>
+              <a:buChar char="Ø"/>
+            </a:pPr>
+            <a:r>
+              <a:rPr lang="pt-BR" dirty="0" err="1"/>
+              <a:t>docker</a:t>
+            </a:r>
+            <a:r>
+              <a:rPr lang="pt-BR" dirty="0"/>
+              <a:t> </a:t>
+            </a:r>
+            <a:r>
+              <a:rPr lang="pt-BR" dirty="0" err="1"/>
+              <a:t>run</a:t>
+            </a:r>
+            <a:r>
+              <a:rPr lang="pt-BR" dirty="0"/>
+              <a:t> -it </a:t>
+            </a:r>
+            <a:r>
+              <a:rPr lang="pt-BR" dirty="0" err="1"/>
+              <a:t>ubuntu</a:t>
+            </a:r>
+            <a:r>
+              <a:rPr lang="pt-BR" dirty="0"/>
+              <a:t>  - </a:t>
+            </a:r>
+            <a:r>
+              <a:rPr lang="pt-BR" b="1" dirty="0"/>
+              <a:t>Trabalhar dentro do Container</a:t>
+            </a:r>
+          </a:p>
+          <a:p>
+            <a:pPr marL="285750" indent="-285750">
+              <a:buFont typeface="Wingdings" panose="05000000000000000000" pitchFamily="2" charset="2"/>
+              <a:buChar char="Ø"/>
+            </a:pPr>
+            <a:endParaRPr lang="pt-BR" dirty="0"/>
+          </a:p>
+          <a:p>
+            <a:pPr marL="285750" indent="-285750">
+              <a:buFont typeface="Wingdings" panose="05000000000000000000" pitchFamily="2" charset="2"/>
+              <a:buChar char="Ø"/>
+            </a:pPr>
+            <a:r>
+              <a:rPr lang="pt-BR" dirty="0" err="1"/>
+              <a:t>docker</a:t>
+            </a:r>
+            <a:r>
+              <a:rPr lang="pt-BR" dirty="0"/>
+              <a:t> start –help - </a:t>
+            </a:r>
+            <a:r>
+              <a:rPr lang="pt-BR" b="1" dirty="0"/>
+              <a:t>Ajuda sobre comandos</a:t>
+            </a:r>
+          </a:p>
+          <a:p>
+            <a:endParaRPr lang="pt-BR" dirty="0"/>
+          </a:p>
+          <a:p>
+            <a:pPr marL="285750" indent="-285750">
+              <a:buFont typeface="Wingdings" panose="05000000000000000000" pitchFamily="2" charset="2"/>
+              <a:buChar char="Ø"/>
+            </a:pPr>
+            <a:r>
+              <a:rPr lang="pt-BR" dirty="0" err="1"/>
+              <a:t>docker</a:t>
+            </a:r>
+            <a:r>
+              <a:rPr lang="pt-BR" dirty="0"/>
+              <a:t> start 4139842e283a – </a:t>
+            </a:r>
+            <a:r>
+              <a:rPr lang="pt-BR" b="1" dirty="0"/>
+              <a:t>Iniciar um container</a:t>
+            </a:r>
+          </a:p>
+          <a:p>
+            <a:endParaRPr lang="pt-BR" dirty="0"/>
+          </a:p>
+          <a:p>
+            <a:pPr marL="285750" indent="-285750">
+              <a:buFont typeface="Wingdings" panose="05000000000000000000" pitchFamily="2" charset="2"/>
+              <a:buChar char="Ø"/>
+            </a:pPr>
+            <a:r>
+              <a:rPr lang="pt-BR" dirty="0" err="1"/>
+              <a:t>docker</a:t>
+            </a:r>
+            <a:r>
+              <a:rPr lang="pt-BR" dirty="0"/>
+              <a:t> stop 4139842e283a – </a:t>
+            </a:r>
+            <a:r>
+              <a:rPr lang="pt-BR" b="1" dirty="0"/>
+              <a:t>Parar um container</a:t>
+            </a:r>
+          </a:p>
+          <a:p>
+            <a:endParaRPr lang="pt-BR" dirty="0"/>
+          </a:p>
+          <a:p>
+            <a:pPr marL="285750" indent="-285750">
+              <a:buFont typeface="Wingdings" panose="05000000000000000000" pitchFamily="2" charset="2"/>
+              <a:buChar char="Ø"/>
+            </a:pPr>
+            <a:r>
+              <a:rPr lang="pt-BR" dirty="0" err="1"/>
+              <a:t>docker</a:t>
+            </a:r>
+            <a:r>
+              <a:rPr lang="pt-BR" dirty="0"/>
+              <a:t> start –a –i 4139842e283a – </a:t>
+            </a:r>
+            <a:r>
+              <a:rPr lang="pt-BR" b="1" dirty="0"/>
+              <a:t>Iniciar um container e já acessá-lo ( -a </a:t>
+            </a:r>
+            <a:r>
+              <a:rPr lang="pt-BR" b="1" dirty="0" err="1"/>
+              <a:t>attach</a:t>
+            </a:r>
+            <a:r>
+              <a:rPr lang="pt-BR" b="1" dirty="0"/>
+              <a:t> / -i </a:t>
+            </a:r>
+            <a:r>
+              <a:rPr lang="pt-BR" b="1" dirty="0" err="1"/>
+              <a:t>interactive</a:t>
+            </a:r>
+            <a:r>
+              <a:rPr lang="pt-BR" b="1" dirty="0"/>
+              <a:t> )</a:t>
+            </a:r>
+          </a:p>
+          <a:p>
+            <a:pPr marL="742950" lvl="1" indent="-285750">
+              <a:buFont typeface="Wingdings" panose="05000000000000000000" pitchFamily="2" charset="2"/>
+              <a:buChar char="Ø"/>
+            </a:pPr>
+            <a:r>
+              <a:rPr lang="pt-BR" dirty="0"/>
+              <a:t>root@4139842e283a</a:t>
+            </a:r>
+            <a:endParaRPr lang="pt-BR" b="1" dirty="0"/>
+          </a:p>
+        </p:txBody>
+      </p:sp>
+      <p:pic>
+        <p:nvPicPr>
+          <p:cNvPr id="6" name="Imagem 5"/>
+          <p:cNvPicPr>
+            <a:picLocks noChangeAspect="1"/>
+          </p:cNvPicPr>
+          <p:nvPr/>
+        </p:nvPicPr>
+        <p:blipFill>
+          <a:blip r:embed="rId2"/>
+          <a:stretch>
+            <a:fillRect/>
+          </a:stretch>
+        </p:blipFill>
+        <p:spPr>
+          <a:xfrm>
+            <a:off x="6387853" y="1941794"/>
+            <a:ext cx="5317752" cy="2277756"/>
+          </a:xfrm>
+          <a:prstGeom prst="rect">
+            <a:avLst/>
+          </a:prstGeom>
+        </p:spPr>
+      </p:pic>
+    </p:spTree>
+    <p:extLst>
+      <p:ext uri="{BB962C8B-B14F-4D97-AF65-F5344CB8AC3E}">
+        <p14:creationId xmlns:p14="http://schemas.microsoft.com/office/powerpoint/2010/main" val="743545617"/>
+      </p:ext>
+    </p:extLst>
+  </p:cSld>
+  <p:clrMapOvr>
+    <a:masterClrMapping/>
+  </p:clrMapOvr>
+</p:sld>
+</file>
+
+<file path=ppt/slides/slide11.xml><?xml version="1.0" encoding="utf-8"?>
+<p:sld xmlns:a="http://schemas.openxmlformats.org/drawingml/2006/main" xmlns:r="http://schemas.openxmlformats.org/officeDocument/2006/relationships" xmlns:p="http://schemas.openxmlformats.org/presentationml/2006/main">
+  <p:cSld>
+    <p:spTree>
+      <p:nvGrpSpPr>
+        <p:cNvPr id="1" name=""/>
+        <p:cNvGrpSpPr/>
+        <p:nvPr/>
+      </p:nvGrpSpPr>
+      <p:grpSpPr>
+        <a:xfrm>
+          <a:off x="0" y="0"/>
+          <a:ext cx="0" cy="0"/>
+          <a:chOff x="0" y="0"/>
+          <a:chExt cx="0" cy="0"/>
+        </a:xfrm>
+      </p:grpSpPr>
+      <p:sp>
+        <p:nvSpPr>
+          <p:cNvPr id="5" name="Espaço Reservado para Conteúdo 5"/>
+          <p:cNvSpPr txBox="1">
+            <a:spLocks/>
+          </p:cNvSpPr>
+          <p:nvPr/>
+        </p:nvSpPr>
+        <p:spPr>
+          <a:xfrm>
+            <a:off x="504450" y="1084496"/>
+            <a:ext cx="11421938" cy="3317687"/>
+          </a:xfrm>
+          <a:prstGeom prst="rect">
+            <a:avLst/>
+          </a:prstGeom>
+        </p:spPr>
+        <p:txBody>
+          <a:bodyPr vert="horz" lIns="91440" tIns="45720" rIns="91440" bIns="45720" rtlCol="0">
+            <a:normAutofit/>
+          </a:bodyPr>
+          <a:lstStyle>
+            <a:lvl1pPr marL="228600" indent="-228600" algn="l" defTabSz="914400" rtl="0" eaLnBrk="1" latinLnBrk="0" hangingPunct="1">
+              <a:lnSpc>
+                <a:spcPct val="90000"/>
+              </a:lnSpc>
+              <a:spcBef>
+                <a:spcPts val="1000"/>
+              </a:spcBef>
+              <a:buFont typeface="Arial" panose="020B0604020202020204" pitchFamily="34" charset="0"/>
+              <a:buChar char="•"/>
+              <a:defRPr sz="2800" kern="1200">
+                <a:solidFill>
+                  <a:schemeClr val="tx1"/>
+                </a:solidFill>
+                <a:latin typeface="+mn-lt"/>
+                <a:ea typeface="+mn-ea"/>
+                <a:cs typeface="+mn-cs"/>
+              </a:defRPr>
+            </a:lvl1pPr>
+            <a:lvl2pPr marL="685800" indent="-228600" algn="l" defTabSz="914400" rtl="0" eaLnBrk="1" latinLnBrk="0" hangingPunct="1">
+              <a:lnSpc>
+                <a:spcPct val="90000"/>
+              </a:lnSpc>
+              <a:spcBef>
+                <a:spcPts val="500"/>
+              </a:spcBef>
+              <a:buFont typeface="Arial" panose="020B0604020202020204" pitchFamily="34" charset="0"/>
+              <a:buChar char="•"/>
+              <a:defRPr sz="2400" kern="1200">
+                <a:solidFill>
+                  <a:schemeClr val="tx1"/>
+                </a:solidFill>
+                <a:latin typeface="+mn-lt"/>
+                <a:ea typeface="+mn-ea"/>
+                <a:cs typeface="+mn-cs"/>
+              </a:defRPr>
+            </a:lvl2pPr>
+            <a:lvl3pPr marL="1143000" indent="-228600" algn="l" defTabSz="914400" rtl="0" eaLnBrk="1" latinLnBrk="0" hangingPunct="1">
+              <a:lnSpc>
+                <a:spcPct val="90000"/>
+              </a:lnSpc>
+              <a:spcBef>
+                <a:spcPts val="500"/>
+              </a:spcBef>
+              <a:buFont typeface="Arial" panose="020B0604020202020204" pitchFamily="34" charset="0"/>
+              <a:buChar char="•"/>
+              <a:defRPr sz="2000" kern="1200">
+                <a:solidFill>
+                  <a:schemeClr val="tx1"/>
+                </a:solidFill>
+                <a:latin typeface="+mn-lt"/>
+                <a:ea typeface="+mn-ea"/>
+                <a:cs typeface="+mn-cs"/>
+              </a:defRPr>
+            </a:lvl3pPr>
+            <a:lvl4pPr marL="1600200" indent="-228600" algn="l" defTabSz="914400" rtl="0" eaLnBrk="1" latinLnBrk="0" hangingPunct="1">
+              <a:lnSpc>
+                <a:spcPct val="90000"/>
+              </a:lnSpc>
+              <a:spcBef>
+                <a:spcPts val="500"/>
+              </a:spcBef>
+              <a:buFont typeface="Arial" panose="020B0604020202020204" pitchFamily="34" charset="0"/>
+              <a:buChar char="•"/>
+              <a:defRPr sz="1800" kern="1200">
+                <a:solidFill>
+                  <a:schemeClr val="tx1"/>
+                </a:solidFill>
+                <a:latin typeface="+mn-lt"/>
+                <a:ea typeface="+mn-ea"/>
+                <a:cs typeface="+mn-cs"/>
+              </a:defRPr>
+            </a:lvl4pPr>
+            <a:lvl5pPr marL="2057400" indent="-228600" algn="l" defTabSz="914400" rtl="0" eaLnBrk="1" latinLnBrk="0" hangingPunct="1">
+              <a:lnSpc>
+                <a:spcPct val="90000"/>
+              </a:lnSpc>
+              <a:spcBef>
+                <a:spcPts val="500"/>
+              </a:spcBef>
+              <a:buFont typeface="Arial" panose="020B0604020202020204" pitchFamily="34" charset="0"/>
+              <a:buChar char="•"/>
+              <a:defRPr sz="1800" kern="1200">
+                <a:solidFill>
+                  <a:schemeClr val="tx1"/>
+                </a:solidFill>
+                <a:latin typeface="+mn-lt"/>
+                <a:ea typeface="+mn-ea"/>
+                <a:cs typeface="+mn-cs"/>
+              </a:defRPr>
+            </a:lvl5pPr>
+            <a:lvl6pPr marL="2514600" indent="-228600" algn="l" defTabSz="914400" rtl="0" eaLnBrk="1" latinLnBrk="0" hangingPunct="1">
+              <a:lnSpc>
+                <a:spcPct val="90000"/>
+              </a:lnSpc>
+              <a:spcBef>
+                <a:spcPts val="500"/>
+              </a:spcBef>
+              <a:buFont typeface="Arial" panose="020B0604020202020204" pitchFamily="34" charset="0"/>
+              <a:buChar char="•"/>
+              <a:defRPr sz="1800" kern="1200">
+                <a:solidFill>
+                  <a:schemeClr val="tx1"/>
+                </a:solidFill>
+                <a:latin typeface="+mn-lt"/>
+                <a:ea typeface="+mn-ea"/>
+                <a:cs typeface="+mn-cs"/>
+              </a:defRPr>
+            </a:lvl6pPr>
+            <a:lvl7pPr marL="2971800" indent="-228600" algn="l" defTabSz="914400" rtl="0" eaLnBrk="1" latinLnBrk="0" hangingPunct="1">
+              <a:lnSpc>
+                <a:spcPct val="90000"/>
+              </a:lnSpc>
+              <a:spcBef>
+                <a:spcPts val="500"/>
+              </a:spcBef>
+              <a:buFont typeface="Arial" panose="020B0604020202020204" pitchFamily="34" charset="0"/>
+              <a:buChar char="•"/>
+              <a:defRPr sz="1800" kern="1200">
+                <a:solidFill>
+                  <a:schemeClr val="tx1"/>
+                </a:solidFill>
+                <a:latin typeface="+mn-lt"/>
+                <a:ea typeface="+mn-ea"/>
+                <a:cs typeface="+mn-cs"/>
+              </a:defRPr>
+            </a:lvl7pPr>
+            <a:lvl8pPr marL="3429000" indent="-228600" algn="l" defTabSz="914400" rtl="0" eaLnBrk="1" latinLnBrk="0" hangingPunct="1">
+              <a:lnSpc>
+                <a:spcPct val="90000"/>
+              </a:lnSpc>
+              <a:spcBef>
+                <a:spcPts val="500"/>
+              </a:spcBef>
+              <a:buFont typeface="Arial" panose="020B0604020202020204" pitchFamily="34" charset="0"/>
+              <a:buChar char="•"/>
+              <a:defRPr sz="1800" kern="1200">
+                <a:solidFill>
+                  <a:schemeClr val="tx1"/>
+                </a:solidFill>
+                <a:latin typeface="+mn-lt"/>
+                <a:ea typeface="+mn-ea"/>
+                <a:cs typeface="+mn-cs"/>
+              </a:defRPr>
+            </a:lvl8pPr>
+            <a:lvl9pPr marL="3886200" indent="-228600" algn="l" defTabSz="914400" rtl="0" eaLnBrk="1" latinLnBrk="0" hangingPunct="1">
+              <a:lnSpc>
+                <a:spcPct val="90000"/>
+              </a:lnSpc>
+              <a:spcBef>
+                <a:spcPts val="500"/>
+              </a:spcBef>
+              <a:buFont typeface="Arial" panose="020B0604020202020204" pitchFamily="34" charset="0"/>
+              <a:buChar char="•"/>
+              <a:defRPr sz="1800" kern="1200">
+                <a:solidFill>
+                  <a:schemeClr val="tx1"/>
+                </a:solidFill>
+                <a:latin typeface="+mn-lt"/>
+                <a:ea typeface="+mn-ea"/>
+                <a:cs typeface="+mn-cs"/>
+              </a:defRPr>
+            </a:lvl9pPr>
+          </a:lstStyle>
+          <a:p>
+            <a:pPr marL="0" indent="0">
+              <a:buNone/>
+            </a:pPr>
+            <a:endParaRPr lang="pt-BR" sz="2000" dirty="0"/>
+          </a:p>
+        </p:txBody>
+      </p:sp>
+      <p:sp>
+        <p:nvSpPr>
+          <p:cNvPr id="8" name="Espaço Reservado para Conteúdo 5"/>
+          <p:cNvSpPr txBox="1">
+            <a:spLocks/>
+          </p:cNvSpPr>
+          <p:nvPr/>
+        </p:nvSpPr>
+        <p:spPr>
+          <a:xfrm>
+            <a:off x="504450" y="4729033"/>
+            <a:ext cx="11134556" cy="1671768"/>
+          </a:xfrm>
+          <a:prstGeom prst="rect">
+            <a:avLst/>
+          </a:prstGeom>
+        </p:spPr>
+        <p:txBody>
+          <a:bodyPr vert="horz" lIns="91440" tIns="45720" rIns="91440" bIns="45720" rtlCol="0">
+            <a:normAutofit/>
+          </a:bodyPr>
+          <a:lstStyle>
+            <a:lvl1pPr marL="228600" indent="-228600" algn="l" defTabSz="914400" rtl="0" eaLnBrk="1" latinLnBrk="0" hangingPunct="1">
+              <a:lnSpc>
+                <a:spcPct val="90000"/>
+              </a:lnSpc>
+              <a:spcBef>
+                <a:spcPts val="1000"/>
+              </a:spcBef>
+              <a:buFont typeface="Arial" panose="020B0604020202020204" pitchFamily="34" charset="0"/>
+              <a:buChar char="•"/>
+              <a:defRPr sz="2800" kern="1200">
+                <a:solidFill>
+                  <a:schemeClr val="tx1"/>
+                </a:solidFill>
+                <a:latin typeface="+mn-lt"/>
+                <a:ea typeface="+mn-ea"/>
+                <a:cs typeface="+mn-cs"/>
+              </a:defRPr>
+            </a:lvl1pPr>
+            <a:lvl2pPr marL="685800" indent="-228600" algn="l" defTabSz="914400" rtl="0" eaLnBrk="1" latinLnBrk="0" hangingPunct="1">
+              <a:lnSpc>
+                <a:spcPct val="90000"/>
+              </a:lnSpc>
+              <a:spcBef>
+                <a:spcPts val="500"/>
+              </a:spcBef>
+              <a:buFont typeface="Arial" panose="020B0604020202020204" pitchFamily="34" charset="0"/>
+              <a:buChar char="•"/>
+              <a:defRPr sz="2400" kern="1200">
+                <a:solidFill>
+                  <a:schemeClr val="tx1"/>
+                </a:solidFill>
+                <a:latin typeface="+mn-lt"/>
+                <a:ea typeface="+mn-ea"/>
+                <a:cs typeface="+mn-cs"/>
+              </a:defRPr>
+            </a:lvl2pPr>
+            <a:lvl3pPr marL="1143000" indent="-228600" algn="l" defTabSz="914400" rtl="0" eaLnBrk="1" latinLnBrk="0" hangingPunct="1">
+              <a:lnSpc>
+                <a:spcPct val="90000"/>
+              </a:lnSpc>
+              <a:spcBef>
+                <a:spcPts val="500"/>
+              </a:spcBef>
+              <a:buFont typeface="Arial" panose="020B0604020202020204" pitchFamily="34" charset="0"/>
+              <a:buChar char="•"/>
+              <a:defRPr sz="2000" kern="1200">
+                <a:solidFill>
+                  <a:schemeClr val="tx1"/>
+                </a:solidFill>
+                <a:latin typeface="+mn-lt"/>
+                <a:ea typeface="+mn-ea"/>
+                <a:cs typeface="+mn-cs"/>
+              </a:defRPr>
+            </a:lvl3pPr>
+            <a:lvl4pPr marL="1600200" indent="-228600" algn="l" defTabSz="914400" rtl="0" eaLnBrk="1" latinLnBrk="0" hangingPunct="1">
+              <a:lnSpc>
+                <a:spcPct val="90000"/>
+              </a:lnSpc>
+              <a:spcBef>
+                <a:spcPts val="500"/>
+              </a:spcBef>
+              <a:buFont typeface="Arial" panose="020B0604020202020204" pitchFamily="34" charset="0"/>
+              <a:buChar char="•"/>
+              <a:defRPr sz="1800" kern="1200">
+                <a:solidFill>
+                  <a:schemeClr val="tx1"/>
+                </a:solidFill>
+                <a:latin typeface="+mn-lt"/>
+                <a:ea typeface="+mn-ea"/>
+                <a:cs typeface="+mn-cs"/>
+              </a:defRPr>
+            </a:lvl4pPr>
+            <a:lvl5pPr marL="2057400" indent="-228600" algn="l" defTabSz="914400" rtl="0" eaLnBrk="1" latinLnBrk="0" hangingPunct="1">
+              <a:lnSpc>
+                <a:spcPct val="90000"/>
+              </a:lnSpc>
+              <a:spcBef>
+                <a:spcPts val="500"/>
+              </a:spcBef>
+              <a:buFont typeface="Arial" panose="020B0604020202020204" pitchFamily="34" charset="0"/>
+              <a:buChar char="•"/>
+              <a:defRPr sz="1800" kern="1200">
+                <a:solidFill>
+                  <a:schemeClr val="tx1"/>
+                </a:solidFill>
+                <a:latin typeface="+mn-lt"/>
+                <a:ea typeface="+mn-ea"/>
+                <a:cs typeface="+mn-cs"/>
+              </a:defRPr>
+            </a:lvl5pPr>
+            <a:lvl6pPr marL="2514600" indent="-228600" algn="l" defTabSz="914400" rtl="0" eaLnBrk="1" latinLnBrk="0" hangingPunct="1">
+              <a:lnSpc>
+                <a:spcPct val="90000"/>
+              </a:lnSpc>
+              <a:spcBef>
+                <a:spcPts val="500"/>
+              </a:spcBef>
+              <a:buFont typeface="Arial" panose="020B0604020202020204" pitchFamily="34" charset="0"/>
+              <a:buChar char="•"/>
+              <a:defRPr sz="1800" kern="1200">
+                <a:solidFill>
+                  <a:schemeClr val="tx1"/>
+                </a:solidFill>
+                <a:latin typeface="+mn-lt"/>
+                <a:ea typeface="+mn-ea"/>
+                <a:cs typeface="+mn-cs"/>
+              </a:defRPr>
+            </a:lvl6pPr>
+            <a:lvl7pPr marL="2971800" indent="-228600" algn="l" defTabSz="914400" rtl="0" eaLnBrk="1" latinLnBrk="0" hangingPunct="1">
+              <a:lnSpc>
+                <a:spcPct val="90000"/>
+              </a:lnSpc>
+              <a:spcBef>
+                <a:spcPts val="500"/>
+              </a:spcBef>
+              <a:buFont typeface="Arial" panose="020B0604020202020204" pitchFamily="34" charset="0"/>
+              <a:buChar char="•"/>
+              <a:defRPr sz="1800" kern="1200">
+                <a:solidFill>
+                  <a:schemeClr val="tx1"/>
+                </a:solidFill>
+                <a:latin typeface="+mn-lt"/>
+                <a:ea typeface="+mn-ea"/>
+                <a:cs typeface="+mn-cs"/>
+              </a:defRPr>
+            </a:lvl7pPr>
+            <a:lvl8pPr marL="3429000" indent="-228600" algn="l" defTabSz="914400" rtl="0" eaLnBrk="1" latinLnBrk="0" hangingPunct="1">
+              <a:lnSpc>
+                <a:spcPct val="90000"/>
+              </a:lnSpc>
+              <a:spcBef>
+                <a:spcPts val="500"/>
+              </a:spcBef>
+              <a:buFont typeface="Arial" panose="020B0604020202020204" pitchFamily="34" charset="0"/>
+              <a:buChar char="•"/>
+              <a:defRPr sz="1800" kern="1200">
+                <a:solidFill>
+                  <a:schemeClr val="tx1"/>
+                </a:solidFill>
+                <a:latin typeface="+mn-lt"/>
+                <a:ea typeface="+mn-ea"/>
+                <a:cs typeface="+mn-cs"/>
+              </a:defRPr>
+            </a:lvl8pPr>
+            <a:lvl9pPr marL="3886200" indent="-228600" algn="l" defTabSz="914400" rtl="0" eaLnBrk="1" latinLnBrk="0" hangingPunct="1">
+              <a:lnSpc>
+                <a:spcPct val="90000"/>
+              </a:lnSpc>
+              <a:spcBef>
+                <a:spcPts val="500"/>
+              </a:spcBef>
+              <a:buFont typeface="Arial" panose="020B0604020202020204" pitchFamily="34" charset="0"/>
+              <a:buChar char="•"/>
+              <a:defRPr sz="1800" kern="1200">
+                <a:solidFill>
+                  <a:schemeClr val="tx1"/>
+                </a:solidFill>
+                <a:latin typeface="+mn-lt"/>
+                <a:ea typeface="+mn-ea"/>
+                <a:cs typeface="+mn-cs"/>
+              </a:defRPr>
+            </a:lvl9pPr>
+          </a:lstStyle>
+          <a:p>
+            <a:endParaRPr lang="pt-BR" sz="2000" dirty="0"/>
+          </a:p>
+        </p:txBody>
+      </p:sp>
+      <p:sp>
+        <p:nvSpPr>
+          <p:cNvPr id="6" name="Retângulo 5"/>
+          <p:cNvSpPr/>
+          <p:nvPr/>
+        </p:nvSpPr>
+        <p:spPr>
+          <a:xfrm>
+            <a:off x="860050" y="1084496"/>
+            <a:ext cx="8982450" cy="2862322"/>
+          </a:xfrm>
+          <a:prstGeom prst="rect">
+            <a:avLst/>
+          </a:prstGeom>
+        </p:spPr>
+        <p:txBody>
+          <a:bodyPr wrap="square">
+            <a:spAutoFit/>
+          </a:bodyPr>
+          <a:lstStyle/>
+          <a:p>
+            <a:r>
+              <a:rPr lang="pt-BR" u="sng" dirty="0"/>
+              <a:t>Alguns comandos </a:t>
+            </a:r>
+            <a:r>
+              <a:rPr lang="pt-BR" dirty="0"/>
+              <a:t>: </a:t>
+            </a:r>
+          </a:p>
+          <a:p>
+            <a:endParaRPr lang="pt-BR" dirty="0"/>
+          </a:p>
+          <a:p>
+            <a:pPr marL="285750" indent="-285750">
+              <a:buFont typeface="Arial" panose="020B0604020202020204" pitchFamily="34" charset="0"/>
+              <a:buChar char="•"/>
+            </a:pPr>
+            <a:r>
+              <a:rPr lang="pt-BR" dirty="0"/>
+              <a:t>Remover um Container</a:t>
+            </a:r>
+          </a:p>
+          <a:p>
+            <a:r>
+              <a:rPr lang="pt-BR" dirty="0"/>
+              <a:t>	</a:t>
+            </a:r>
+            <a:r>
+              <a:rPr lang="pt-BR" b="1" dirty="0" err="1"/>
+              <a:t>docker</a:t>
+            </a:r>
+            <a:r>
+              <a:rPr lang="pt-BR" b="1" dirty="0"/>
+              <a:t> </a:t>
+            </a:r>
+            <a:r>
+              <a:rPr lang="pt-BR" b="1" dirty="0" err="1"/>
+              <a:t>rm</a:t>
+            </a:r>
+            <a:r>
+              <a:rPr lang="pt-BR" b="1" dirty="0"/>
+              <a:t> 9daa6a5cd330</a:t>
+            </a:r>
+          </a:p>
+          <a:p>
+            <a:endParaRPr lang="pt-BR" dirty="0"/>
+          </a:p>
+          <a:p>
+            <a:pPr marL="285750" indent="-285750">
+              <a:buFont typeface="Arial" panose="020B0604020202020204" pitchFamily="34" charset="0"/>
+              <a:buChar char="•"/>
+            </a:pPr>
+            <a:r>
+              <a:rPr lang="pt-BR" dirty="0"/>
+              <a:t>Remover todos os containers parados</a:t>
+            </a:r>
+          </a:p>
+          <a:p>
+            <a:r>
+              <a:rPr lang="pt-BR" dirty="0"/>
+              <a:t>	</a:t>
+            </a:r>
+            <a:r>
+              <a:rPr lang="pt-BR" b="1" dirty="0" err="1"/>
+              <a:t>docker</a:t>
+            </a:r>
+            <a:r>
+              <a:rPr lang="pt-BR" b="1" dirty="0"/>
+              <a:t> container </a:t>
+            </a:r>
+            <a:r>
+              <a:rPr lang="pt-BR" b="1" dirty="0" err="1"/>
+              <a:t>prune</a:t>
+            </a:r>
+            <a:endParaRPr lang="pt-BR" b="1" dirty="0"/>
+          </a:p>
+          <a:p>
+            <a:endParaRPr lang="pt-BR" dirty="0"/>
+          </a:p>
+          <a:p>
+            <a:pPr marL="285750" indent="-285750">
+              <a:buFont typeface="Arial" panose="020B0604020202020204" pitchFamily="34" charset="0"/>
+              <a:buChar char="•"/>
+            </a:pPr>
+            <a:r>
+              <a:rPr lang="pt-BR" dirty="0"/>
+              <a:t>Remover uma Imagem</a:t>
+            </a:r>
+          </a:p>
+          <a:p>
+            <a:r>
+              <a:rPr lang="pt-BR" dirty="0"/>
+              <a:t>	</a:t>
+            </a:r>
+            <a:r>
+              <a:rPr lang="pt-BR" b="1" dirty="0" err="1"/>
+              <a:t>docker</a:t>
+            </a:r>
+            <a:r>
+              <a:rPr lang="pt-BR" b="1" dirty="0"/>
+              <a:t> </a:t>
+            </a:r>
+            <a:r>
+              <a:rPr lang="pt-BR" b="1" dirty="0" err="1"/>
+              <a:t>rmi</a:t>
+            </a:r>
+            <a:r>
+              <a:rPr lang="pt-BR" b="1" dirty="0"/>
+              <a:t> </a:t>
+            </a:r>
+            <a:r>
+              <a:rPr lang="pt-BR" b="1" dirty="0" err="1"/>
+              <a:t>hello</a:t>
+            </a:r>
+            <a:r>
+              <a:rPr lang="pt-BR" b="1" dirty="0"/>
+              <a:t>-world</a:t>
+            </a:r>
+          </a:p>
+        </p:txBody>
+      </p:sp>
+      <p:sp>
+        <p:nvSpPr>
+          <p:cNvPr id="10" name="Título 1"/>
+          <p:cNvSpPr txBox="1">
+            <a:spLocks/>
+          </p:cNvSpPr>
+          <p:nvPr/>
+        </p:nvSpPr>
+        <p:spPr>
+          <a:xfrm>
+            <a:off x="125627" y="115678"/>
+            <a:ext cx="11800761" cy="549275"/>
+          </a:xfrm>
+          <a:prstGeom prst="rect">
+            <a:avLst/>
+          </a:prstGeom>
+        </p:spPr>
+        <p:txBody>
+          <a:bodyPr vert="horz" lIns="91440" tIns="45720" rIns="91440" bIns="45720" rtlCol="0" anchor="ctr">
+            <a:normAutofit/>
+          </a:bodyPr>
+          <a:lstStyle>
+            <a:lvl1pPr algn="l" defTabSz="914400" rtl="0" eaLnBrk="1" latinLnBrk="0" hangingPunct="1">
+              <a:lnSpc>
+                <a:spcPct val="90000"/>
+              </a:lnSpc>
+              <a:spcBef>
+                <a:spcPct val="0"/>
+              </a:spcBef>
+              <a:buNone/>
+              <a:defRPr sz="4400" kern="1200">
+                <a:solidFill>
+                  <a:schemeClr val="tx1"/>
+                </a:solidFill>
+                <a:latin typeface="+mj-lt"/>
+                <a:ea typeface="+mj-ea"/>
+                <a:cs typeface="+mj-cs"/>
+              </a:defRPr>
+            </a:lvl1pPr>
+          </a:lstStyle>
+          <a:p>
+            <a:pPr algn="ctr"/>
+            <a:r>
+              <a:rPr lang="pt-BR" sz="2800" b="1" dirty="0"/>
+              <a:t>Diferença entre Imagens e Containers  - E alguns comandos</a:t>
+            </a:r>
+          </a:p>
+        </p:txBody>
+      </p:sp>
+    </p:spTree>
+    <p:extLst>
+      <p:ext uri="{BB962C8B-B14F-4D97-AF65-F5344CB8AC3E}">
+        <p14:creationId xmlns:p14="http://schemas.microsoft.com/office/powerpoint/2010/main" val="576133055"/>
+      </p:ext>
+    </p:extLst>
+  </p:cSld>
+  <p:clrMapOvr>
+    <a:masterClrMapping/>
+  </p:clrMapOvr>
+</p:sld>
+</file>
+
+<file path=ppt/slides/slide12.xml><?xml version="1.0" encoding="utf-8"?>
 <p:sld xmlns:a="http://schemas.openxmlformats.org/drawingml/2006/main" xmlns:r="http://schemas.openxmlformats.org/officeDocument/2006/relationships" xmlns:p="http://schemas.openxmlformats.org/presentationml/2006/main">
   <p:cSld>
     <p:spTree>
@@ -3608,7 +5409,7 @@
 </p:sld>
 </file>
 
-<file path=ppt/slides/slide11.xml><?xml version="1.0" encoding="utf-8"?>
+<file path=ppt/slides/slide13.xml><?xml version="1.0" encoding="utf-8"?>
 <p:sld xmlns:a="http://schemas.openxmlformats.org/drawingml/2006/main" xmlns:r="http://schemas.openxmlformats.org/officeDocument/2006/relationships" xmlns:p="http://schemas.openxmlformats.org/presentationml/2006/main">
   <p:cSld>
     <p:spTree>
@@ -4079,7 +5880,7 @@
 </p:sld>
 </file>
 
-<file path=ppt/slides/slide12.xml><?xml version="1.0" encoding="utf-8"?>
+<file path=ppt/slides/slide14.xml><?xml version="1.0" encoding="utf-8"?>
 <p:sld xmlns:a="http://schemas.openxmlformats.org/drawingml/2006/main" xmlns:r="http://schemas.openxmlformats.org/officeDocument/2006/relationships" xmlns:p="http://schemas.openxmlformats.org/presentationml/2006/main">
   <p:cSld>
     <p:spTree>
@@ -4528,10 +6329,17 @@
   <p:clrMapOvr>
     <a:masterClrMapping/>
   </p:clrMapOvr>
+  <p:timing>
+    <p:tnLst>
+      <p:par>
+        <p:cTn id="1" dur="indefinite" restart="never" nodeType="tmRoot"/>
+      </p:par>
+    </p:tnLst>
+  </p:timing>
 </p:sld>
 </file>
 
-<file path=ppt/slides/slide13.xml><?xml version="1.0" encoding="utf-8"?>
+<file path=ppt/slides/slide15.xml><?xml version="1.0" encoding="utf-8"?>
 <p:sld xmlns:a="http://schemas.openxmlformats.org/drawingml/2006/main" xmlns:r="http://schemas.openxmlformats.org/officeDocument/2006/relationships" xmlns:p="http://schemas.openxmlformats.org/presentationml/2006/main">
   <p:cSld>
     <p:spTree>
@@ -5190,10 +6998,148 @@
   <p:clrMapOvr>
     <a:masterClrMapping/>
   </p:clrMapOvr>
+  <p:timing>
+    <p:tnLst>
+      <p:par>
+        <p:cTn id="1" dur="indefinite" restart="never" nodeType="tmRoot"/>
+      </p:par>
+    </p:tnLst>
+  </p:timing>
 </p:sld>
 </file>
 
-<file path=ppt/slides/slide14.xml><?xml version="1.0" encoding="utf-8"?>
+<file path=ppt/slides/slide16.xml><?xml version="1.0" encoding="utf-8"?>
+<p:sld xmlns:a="http://schemas.openxmlformats.org/drawingml/2006/main" xmlns:r="http://schemas.openxmlformats.org/officeDocument/2006/relationships" xmlns:p="http://schemas.openxmlformats.org/presentationml/2006/main">
+  <p:cSld>
+    <p:spTree>
+      <p:nvGrpSpPr>
+        <p:cNvPr id="1" name=""/>
+        <p:cNvGrpSpPr/>
+        <p:nvPr/>
+      </p:nvGrpSpPr>
+      <p:grpSpPr>
+        <a:xfrm>
+          <a:off x="0" y="0"/>
+          <a:ext cx="0" cy="0"/>
+          <a:chOff x="0" y="0"/>
+          <a:chExt cx="0" cy="0"/>
+        </a:xfrm>
+      </p:grpSpPr>
+      <p:sp>
+        <p:nvSpPr>
+          <p:cNvPr id="2" name="Título 1"/>
+          <p:cNvSpPr>
+            <a:spLocks noGrp="1"/>
+          </p:cNvSpPr>
+          <p:nvPr>
+            <p:ph type="title"/>
+          </p:nvPr>
+        </p:nvSpPr>
+        <p:spPr>
+          <a:xfrm>
+            <a:off x="838200" y="161925"/>
+            <a:ext cx="10515600" cy="422275"/>
+          </a:xfrm>
+        </p:spPr>
+        <p:txBody>
+          <a:bodyPr vert="horz" lIns="91440" tIns="45720" rIns="91440" bIns="45720" rtlCol="0" anchor="ctr">
+            <a:normAutofit fontScale="90000"/>
+          </a:bodyPr>
+          <a:lstStyle/>
+          <a:p>
+            <a:pPr algn="ctr"/>
+            <a:r>
+              <a:rPr lang="pt-BR" sz="2800" b="1" dirty="0"/>
+              <a:t>Comandos do </a:t>
+            </a:r>
+            <a:r>
+              <a:rPr lang="pt-BR" sz="2800" b="1" dirty="0" err="1"/>
+              <a:t>Docker</a:t>
+            </a:r>
+            <a:endParaRPr lang="pt-BR" sz="2800" b="1" dirty="0"/>
+          </a:p>
+        </p:txBody>
+      </p:sp>
+      <p:sp>
+        <p:nvSpPr>
+          <p:cNvPr id="3" name="Espaço Reservado para Conteúdo 2"/>
+          <p:cNvSpPr>
+            <a:spLocks noGrp="1"/>
+          </p:cNvSpPr>
+          <p:nvPr>
+            <p:ph idx="1"/>
+          </p:nvPr>
+        </p:nvSpPr>
+        <p:spPr>
+          <a:xfrm>
+            <a:off x="286752" y="584199"/>
+            <a:ext cx="11618495" cy="5876759"/>
+          </a:xfrm>
+        </p:spPr>
+        <p:txBody>
+          <a:bodyPr>
+            <a:normAutofit/>
+          </a:bodyPr>
+          <a:lstStyle/>
+          <a:p>
+            <a:pPr algn="just"/>
+            <a:endParaRPr lang="pt-BR" sz="2000" b="1" i="1" dirty="0" smtClean="0"/>
+          </a:p>
+          <a:p>
+            <a:pPr algn="just"/>
+            <a:endParaRPr lang="pt-BR" sz="2000" b="1" i="1" dirty="0"/>
+          </a:p>
+          <a:p>
+            <a:pPr algn="just"/>
+            <a:endParaRPr lang="pt-BR" sz="2000" b="1" i="1" dirty="0" smtClean="0"/>
+          </a:p>
+          <a:p>
+            <a:pPr algn="just"/>
+            <a:r>
+              <a:rPr lang="pt-BR" sz="2000" b="1" i="1" dirty="0" smtClean="0"/>
+              <a:t>Colocar exemplo do MySQL e </a:t>
+            </a:r>
+            <a:r>
+              <a:rPr lang="pt-BR" sz="2000" b="1" i="1" dirty="0" err="1" smtClean="0"/>
+              <a:t>MySQLAdmin</a:t>
+            </a:r>
+            <a:endParaRPr lang="pt-BR" sz="1400" u="sng" dirty="0"/>
+          </a:p>
+          <a:p>
+            <a:pPr marL="457200" lvl="1" indent="0" algn="just">
+              <a:buNone/>
+            </a:pPr>
+            <a:endParaRPr lang="pt-BR" sz="1400" u="sng" dirty="0"/>
+          </a:p>
+          <a:p>
+            <a:pPr marL="457200" lvl="1" indent="0" algn="just">
+              <a:buNone/>
+            </a:pPr>
+            <a:endParaRPr lang="pt-BR" sz="1400" u="sng" dirty="0"/>
+          </a:p>
+        </p:txBody>
+      </p:sp>
+    </p:spTree>
+    <p:extLst>
+      <p:ext uri="{BB962C8B-B14F-4D97-AF65-F5344CB8AC3E}">
+        <p14:creationId xmlns:p14="http://schemas.microsoft.com/office/powerpoint/2010/main" val="2094361035"/>
+      </p:ext>
+    </p:extLst>
+  </p:cSld>
+  <p:clrMapOvr>
+    <a:masterClrMapping/>
+  </p:clrMapOvr>
+  <p:timing>
+    <p:tnLst>
+      <p:par>
+        <p:cTn id="1" dur="indefinite" restart="never" nodeType="tmRoot"/>
+      </p:par>
+    </p:tnLst>
+  </p:timing>
+</p:sld>
+</file>
+
+<file path=ppt/slides/slide17.xml><?xml version="1.0" encoding="utf-8"?>
 <p:sld xmlns:a="http://schemas.openxmlformats.org/drawingml/2006/main" xmlns:r="http://schemas.openxmlformats.org/officeDocument/2006/relationships" xmlns:p="http://schemas.openxmlformats.org/presentationml/2006/main">
   <p:cSld>
     <p:spTree>
@@ -5635,17 +7581,24 @@
     </p:spTree>
     <p:extLst>
       <p:ext uri="{BB962C8B-B14F-4D97-AF65-F5344CB8AC3E}">
-        <p14:creationId xmlns:p14="http://schemas.microsoft.com/office/powerpoint/2010/main" val="2094361035"/>
+        <p14:creationId xmlns:p14="http://schemas.microsoft.com/office/powerpoint/2010/main" val="1861076728"/>
       </p:ext>
     </p:extLst>
   </p:cSld>
   <p:clrMapOvr>
     <a:masterClrMapping/>
   </p:clrMapOvr>
+  <p:timing>
+    <p:tnLst>
+      <p:par>
+        <p:cTn id="1" dur="indefinite" restart="never" nodeType="tmRoot"/>
+      </p:par>
+    </p:tnLst>
+  </p:timing>
 </p:sld>
 </file>
 
-<file path=ppt/slides/slide15.xml><?xml version="1.0" encoding="utf-8"?>
+<file path=ppt/slides/slide18.xml><?xml version="1.0" encoding="utf-8"?>
 <p:sld xmlns:a="http://schemas.openxmlformats.org/drawingml/2006/main" xmlns:r="http://schemas.openxmlformats.org/officeDocument/2006/relationships" xmlns:p="http://schemas.openxmlformats.org/presentationml/2006/main">
   <p:cSld>
     <p:spTree>
@@ -6081,7 +8034,7 @@
 </p:sld>
 </file>
 
-<file path=ppt/slides/slide16.xml><?xml version="1.0" encoding="utf-8"?>
+<file path=ppt/slides/slide19.xml><?xml version="1.0" encoding="utf-8"?>
 <p:sld xmlns:a="http://schemas.openxmlformats.org/drawingml/2006/main" xmlns:r="http://schemas.openxmlformats.org/officeDocument/2006/relationships" xmlns:p="http://schemas.openxmlformats.org/presentationml/2006/main">
   <p:cSld>
     <p:spTree>
@@ -6198,7 +8151,105 @@
 </p:sld>
 </file>
 
-<file path=ppt/slides/slide17.xml><?xml version="1.0" encoding="utf-8"?>
+<file path=ppt/slides/slide2.xml><?xml version="1.0" encoding="utf-8"?>
+<p:sld xmlns:a="http://schemas.openxmlformats.org/drawingml/2006/main" xmlns:r="http://schemas.openxmlformats.org/officeDocument/2006/relationships" xmlns:p="http://schemas.openxmlformats.org/presentationml/2006/main">
+  <p:cSld>
+    <p:spTree>
+      <p:nvGrpSpPr>
+        <p:cNvPr id="1" name=""/>
+        <p:cNvGrpSpPr/>
+        <p:nvPr/>
+      </p:nvGrpSpPr>
+      <p:grpSpPr>
+        <a:xfrm>
+          <a:off x="0" y="0"/>
+          <a:ext cx="0" cy="0"/>
+          <a:chOff x="0" y="0"/>
+          <a:chExt cx="0" cy="0"/>
+        </a:xfrm>
+      </p:grpSpPr>
+      <p:sp>
+        <p:nvSpPr>
+          <p:cNvPr id="2" name="Título 1"/>
+          <p:cNvSpPr>
+            <a:spLocks noGrp="1"/>
+          </p:cNvSpPr>
+          <p:nvPr>
+            <p:ph type="title"/>
+          </p:nvPr>
+        </p:nvSpPr>
+        <p:spPr>
+          <a:xfrm>
+            <a:off x="759177" y="89552"/>
+            <a:ext cx="10515600" cy="549275"/>
+          </a:xfrm>
+        </p:spPr>
+        <p:txBody>
+          <a:bodyPr>
+            <a:normAutofit/>
+          </a:bodyPr>
+          <a:lstStyle/>
+          <a:p>
+            <a:pPr algn="ctr"/>
+            <a:r>
+              <a:rPr lang="pt-BR" sz="2800" b="1" dirty="0" smtClean="0"/>
+              <a:t>Agenda</a:t>
+            </a:r>
+            <a:endParaRPr lang="pt-BR" sz="2800" b="1" dirty="0"/>
+          </a:p>
+        </p:txBody>
+      </p:sp>
+      <p:sp>
+        <p:nvSpPr>
+          <p:cNvPr id="10" name="Espaço Reservado para Conteúdo 5"/>
+          <p:cNvSpPr>
+            <a:spLocks noGrp="1"/>
+          </p:cNvSpPr>
+          <p:nvPr>
+            <p:ph idx="1"/>
+          </p:nvPr>
+        </p:nvSpPr>
+        <p:spPr>
+          <a:xfrm>
+            <a:off x="476148" y="797510"/>
+            <a:ext cx="10519064" cy="706826"/>
+          </a:xfrm>
+        </p:spPr>
+        <p:txBody>
+          <a:bodyPr>
+            <a:normAutofit/>
+          </a:bodyPr>
+          <a:lstStyle/>
+          <a:p>
+            <a:r>
+              <a:rPr lang="pt-BR" sz="1600" dirty="0" smtClean="0"/>
+              <a:t>Contexto</a:t>
+            </a:r>
+            <a:endParaRPr lang="pt-BR" sz="1600" dirty="0"/>
+          </a:p>
+        </p:txBody>
+      </p:sp>
+    </p:spTree>
+    <p:extLst>
+      <p:ext uri="{BB962C8B-B14F-4D97-AF65-F5344CB8AC3E}">
+        <p14:creationId xmlns:p14="http://schemas.microsoft.com/office/powerpoint/2010/main" val="1288214671"/>
+      </p:ext>
+    </p:extLst>
+  </p:cSld>
+  <p:clrMapOvr>
+    <a:masterClrMapping/>
+  </p:clrMapOvr>
+  <p:timing>
+    <p:tnLst>
+      <p:par>
+        <p:cTn id="1" dur="indefinite" restart="never" nodeType="tmRoot"/>
+      </p:par>
+    </p:tnLst>
+  </p:timing>
+</p:sld>
+</file>
+
+<file path=ppt/slides/slide20.xml><?xml version="1.0" encoding="utf-8"?>
 <p:sld xmlns:a="http://schemas.openxmlformats.org/drawingml/2006/main" xmlns:r="http://schemas.openxmlformats.org/officeDocument/2006/relationships" xmlns:p="http://schemas.openxmlformats.org/presentationml/2006/main">
   <p:cSld>
     <p:spTree>
@@ -6905,7 +8956,7 @@
 </p:sld>
 </file>
 
-<file path=ppt/slides/slide18.xml><?xml version="1.0" encoding="utf-8"?>
+<file path=ppt/slides/slide21.xml><?xml version="1.0" encoding="utf-8"?>
 <p:sld xmlns:a="http://schemas.openxmlformats.org/drawingml/2006/main" xmlns:r="http://schemas.openxmlformats.org/officeDocument/2006/relationships" xmlns:p="http://schemas.openxmlformats.org/presentationml/2006/main">
   <p:cSld>
     <p:spTree>
@@ -7247,7 +9298,7 @@
 </p:sld>
 </file>
 
-<file path=ppt/slides/slide19.xml><?xml version="1.0" encoding="utf-8"?>
+<file path=ppt/slides/slide22.xml><?xml version="1.0" encoding="utf-8"?>
 <p:sld xmlns:a="http://schemas.openxmlformats.org/drawingml/2006/main" xmlns:r="http://schemas.openxmlformats.org/officeDocument/2006/relationships" xmlns:p="http://schemas.openxmlformats.org/presentationml/2006/main">
   <p:cSld>
     <p:spTree>
@@ -7538,164 +9589,7 @@
 </p:sld>
 </file>
 
-<file path=ppt/slides/slide2.xml><?xml version="1.0" encoding="utf-8"?>
-<p:sld xmlns:a="http://schemas.openxmlformats.org/drawingml/2006/main" xmlns:r="http://schemas.openxmlformats.org/officeDocument/2006/relationships" xmlns:p="http://schemas.openxmlformats.org/presentationml/2006/main">
-  <p:cSld>
-    <p:spTree>
-      <p:nvGrpSpPr>
-        <p:cNvPr id="1" name=""/>
-        <p:cNvGrpSpPr/>
-        <p:nvPr/>
-      </p:nvGrpSpPr>
-      <p:grpSpPr>
-        <a:xfrm>
-          <a:off x="0" y="0"/>
-          <a:ext cx="0" cy="0"/>
-          <a:chOff x="0" y="0"/>
-          <a:chExt cx="0" cy="0"/>
-        </a:xfrm>
-      </p:grpSpPr>
-      <p:sp>
-        <p:nvSpPr>
-          <p:cNvPr id="2" name="Título 1"/>
-          <p:cNvSpPr>
-            <a:spLocks noGrp="1"/>
-          </p:cNvSpPr>
-          <p:nvPr>
-            <p:ph type="title"/>
-          </p:nvPr>
-        </p:nvSpPr>
-        <p:spPr>
-          <a:xfrm>
-            <a:off x="759177" y="89552"/>
-            <a:ext cx="10515600" cy="549275"/>
-          </a:xfrm>
-        </p:spPr>
-        <p:txBody>
-          <a:bodyPr>
-            <a:normAutofit/>
-          </a:bodyPr>
-          <a:lstStyle/>
-          <a:p>
-            <a:pPr algn="ctr"/>
-            <a:r>
-              <a:rPr lang="pt-BR" sz="2800" b="1" dirty="0"/>
-              <a:t>O Problema das Máquinas Virtuais</a:t>
-            </a:r>
-          </a:p>
-        </p:txBody>
-      </p:sp>
-      <p:pic>
-        <p:nvPicPr>
-          <p:cNvPr id="9" name="Imagem 8"/>
-          <p:cNvPicPr>
-            <a:picLocks noChangeAspect="1"/>
-          </p:cNvPicPr>
-          <p:nvPr/>
-        </p:nvPicPr>
-        <p:blipFill>
-          <a:blip r:embed="rId2"/>
-          <a:stretch>
-            <a:fillRect/>
-          </a:stretch>
-        </p:blipFill>
-        <p:spPr>
-          <a:xfrm>
-            <a:off x="3761509" y="825500"/>
-            <a:ext cx="5099338" cy="1657680"/>
-          </a:xfrm>
-          <a:prstGeom prst="rect">
-            <a:avLst/>
-          </a:prstGeom>
-        </p:spPr>
-      </p:pic>
-      <p:sp>
-        <p:nvSpPr>
-          <p:cNvPr id="10" name="Espaço Reservado para Conteúdo 5"/>
-          <p:cNvSpPr>
-            <a:spLocks noGrp="1"/>
-          </p:cNvSpPr>
-          <p:nvPr>
-            <p:ph idx="1"/>
-          </p:nvPr>
-        </p:nvSpPr>
-        <p:spPr>
-          <a:xfrm>
-            <a:off x="759177" y="2669853"/>
-            <a:ext cx="10519064" cy="706826"/>
-          </a:xfrm>
-        </p:spPr>
-        <p:txBody>
-          <a:bodyPr>
-            <a:normAutofit/>
-          </a:bodyPr>
-          <a:lstStyle/>
-          <a:p>
-            <a:r>
-              <a:rPr lang="pt-BR" sz="1600" dirty="0"/>
-              <a:t>A virtualização foi uma solução. Ou seja a utilização de </a:t>
-            </a:r>
-            <a:r>
-              <a:rPr lang="pt-BR" sz="1600" b="1" dirty="0"/>
-              <a:t>Máquinas Virtuais</a:t>
-            </a:r>
-            <a:r>
-              <a:rPr lang="pt-BR" sz="1600" dirty="0"/>
-              <a:t>. Isso só foi possível, graças a uma tecnologia chamada </a:t>
-            </a:r>
-            <a:r>
-              <a:rPr lang="pt-BR" sz="1600" b="1" dirty="0" err="1"/>
-              <a:t>Hypervisor</a:t>
-            </a:r>
-            <a:r>
-              <a:rPr lang="pt-BR" sz="1600" b="1" dirty="0"/>
-              <a:t>. </a:t>
-            </a:r>
-            <a:r>
-              <a:rPr lang="pt-BR" sz="1600" dirty="0"/>
-              <a:t>Permitindo a virtualização de recursos físicos do nosso sistema operacional.</a:t>
-            </a:r>
-          </a:p>
-        </p:txBody>
-      </p:sp>
-      <p:pic>
-        <p:nvPicPr>
-          <p:cNvPr id="11" name="Imagem 10"/>
-          <p:cNvPicPr>
-            <a:picLocks noChangeAspect="1"/>
-          </p:cNvPicPr>
-          <p:nvPr/>
-        </p:nvPicPr>
-        <p:blipFill>
-          <a:blip r:embed="rId3"/>
-          <a:stretch>
-            <a:fillRect/>
-          </a:stretch>
-        </p:blipFill>
-        <p:spPr>
-          <a:xfrm>
-            <a:off x="4826576" y="3376679"/>
-            <a:ext cx="2706833" cy="2791663"/>
-          </a:xfrm>
-          <a:prstGeom prst="rect">
-            <a:avLst/>
-          </a:prstGeom>
-        </p:spPr>
-      </p:pic>
-    </p:spTree>
-    <p:extLst>
-      <p:ext uri="{BB962C8B-B14F-4D97-AF65-F5344CB8AC3E}">
-        <p14:creationId xmlns:p14="http://schemas.microsoft.com/office/powerpoint/2010/main" val="1288214671"/>
-      </p:ext>
-    </p:extLst>
-  </p:cSld>
-  <p:clrMapOvr>
-    <a:masterClrMapping/>
-  </p:clrMapOvr>
-</p:sld>
-</file>
-
-<file path=ppt/slides/slide20.xml><?xml version="1.0" encoding="utf-8"?>
+<file path=ppt/slides/slide23.xml><?xml version="1.0" encoding="utf-8"?>
 <p:sld xmlns:a="http://schemas.openxmlformats.org/drawingml/2006/main" xmlns:r="http://schemas.openxmlformats.org/officeDocument/2006/relationships" xmlns:p="http://schemas.openxmlformats.org/presentationml/2006/main">
   <p:cSld>
     <p:spTree>
@@ -8466,7 +10360,7 @@
 </p:sld>
 </file>
 
-<file path=ppt/slides/slide21.xml><?xml version="1.0" encoding="utf-8"?>
+<file path=ppt/slides/slide24.xml><?xml version="1.0" encoding="utf-8"?>
 <p:sld xmlns:a="http://schemas.openxmlformats.org/drawingml/2006/main" xmlns:r="http://schemas.openxmlformats.org/officeDocument/2006/relationships" xmlns:p="http://schemas.openxmlformats.org/presentationml/2006/main">
   <p:cSld>
     <p:spTree>
@@ -8924,12 +10818,16 @@
               <a:t> cria uma nova </a:t>
             </a:r>
             <a:r>
-              <a:rPr lang="pt-BR" sz="1800" i="1" dirty="0" err="1"/>
-              <a:t>layter</a:t>
+              <a:rPr lang="pt-BR" sz="1800" i="1" dirty="0" err="1" smtClean="0"/>
+              <a:t>layer</a:t>
+            </a:r>
+            <a:r>
+              <a:rPr lang="pt-BR" sz="1800" i="1" dirty="0" smtClean="0"/>
+              <a:t> </a:t>
             </a:r>
             <a:r>
               <a:rPr lang="pt-BR" sz="1800" i="1" dirty="0"/>
-              <a:t> em cima da última </a:t>
+              <a:t>em cima da última </a:t>
             </a:r>
             <a:r>
               <a:rPr lang="pt-BR" sz="1800" i="1" dirty="0" err="1"/>
@@ -8955,7 +10853,7 @@
 </p:sld>
 </file>
 
-<file path=ppt/slides/slide22.xml><?xml version="1.0" encoding="utf-8"?>
+<file path=ppt/slides/slide25.xml><?xml version="1.0" encoding="utf-8"?>
 <p:sld xmlns:a="http://schemas.openxmlformats.org/drawingml/2006/main" xmlns:r="http://schemas.openxmlformats.org/officeDocument/2006/relationships" xmlns:p="http://schemas.openxmlformats.org/presentationml/2006/main">
   <p:cSld>
     <p:spTree>
@@ -9375,7 +11273,7 @@
 </p:sld>
 </file>
 
-<file path=ppt/slides/slide23.xml><?xml version="1.0" encoding="utf-8"?>
+<file path=ppt/slides/slide26.xml><?xml version="1.0" encoding="utf-8"?>
 <p:sld xmlns:a="http://schemas.openxmlformats.org/drawingml/2006/main" xmlns:r="http://schemas.openxmlformats.org/officeDocument/2006/relationships" xmlns:p="http://schemas.openxmlformats.org/presentationml/2006/main">
   <p:cSld>
     <p:spTree>
@@ -9760,7 +11658,7 @@
 </p:sld>
 </file>
 
-<file path=ppt/slides/slide24.xml><?xml version="1.0" encoding="utf-8"?>
+<file path=ppt/slides/slide27.xml><?xml version="1.0" encoding="utf-8"?>
 <p:sld xmlns:a="http://schemas.openxmlformats.org/drawingml/2006/main" xmlns:r="http://schemas.openxmlformats.org/officeDocument/2006/relationships" xmlns:p="http://schemas.openxmlformats.org/presentationml/2006/main">
   <p:cSld>
     <p:spTree>
@@ -10189,7 +12087,7 @@
 </p:sld>
 </file>
 
-<file path=ppt/slides/slide25.xml><?xml version="1.0" encoding="utf-8"?>
+<file path=ppt/slides/slide28.xml><?xml version="1.0" encoding="utf-8"?>
 <p:sld xmlns:a="http://schemas.openxmlformats.org/drawingml/2006/main" xmlns:r="http://schemas.openxmlformats.org/officeDocument/2006/relationships" xmlns:p="http://schemas.openxmlformats.org/presentationml/2006/main">
   <p:cSld>
     <p:spTree>
@@ -10902,7 +12800,7 @@
 </p:sld>
 </file>
 
-<file path=ppt/slides/slide26.xml><?xml version="1.0" encoding="utf-8"?>
+<file path=ppt/slides/slide29.xml><?xml version="1.0" encoding="utf-8"?>
 <p:sld xmlns:a="http://schemas.openxmlformats.org/drawingml/2006/main" xmlns:r="http://schemas.openxmlformats.org/officeDocument/2006/relationships" xmlns:p="http://schemas.openxmlformats.org/presentationml/2006/main">
   <p:cSld>
     <p:spTree>
@@ -11446,7 +13344,925 @@
 </p:sld>
 </file>
 
-<file path=ppt/slides/slide27.xml><?xml version="1.0" encoding="utf-8"?>
+<file path=ppt/slides/slide3.xml><?xml version="1.0" encoding="utf-8"?>
+<p:sld xmlns:a="http://schemas.openxmlformats.org/drawingml/2006/main" xmlns:r="http://schemas.openxmlformats.org/officeDocument/2006/relationships" xmlns:p="http://schemas.openxmlformats.org/presentationml/2006/main">
+  <p:cSld>
+    <p:spTree>
+      <p:nvGrpSpPr>
+        <p:cNvPr id="1" name=""/>
+        <p:cNvGrpSpPr/>
+        <p:nvPr/>
+      </p:nvGrpSpPr>
+      <p:grpSpPr>
+        <a:xfrm>
+          <a:off x="0" y="0"/>
+          <a:ext cx="0" cy="0"/>
+          <a:chOff x="0" y="0"/>
+          <a:chExt cx="0" cy="0"/>
+        </a:xfrm>
+      </p:grpSpPr>
+      <p:pic>
+        <p:nvPicPr>
+          <p:cNvPr id="9" name="Imagem 8"/>
+          <p:cNvPicPr>
+            <a:picLocks noChangeAspect="1"/>
+          </p:cNvPicPr>
+          <p:nvPr/>
+        </p:nvPicPr>
+        <p:blipFill>
+          <a:blip r:embed="rId3"/>
+          <a:stretch>
+            <a:fillRect/>
+          </a:stretch>
+        </p:blipFill>
+        <p:spPr>
+          <a:xfrm>
+            <a:off x="1281619" y="1072424"/>
+            <a:ext cx="8790214" cy="2857501"/>
+          </a:xfrm>
+          <a:prstGeom prst="rect">
+            <a:avLst/>
+          </a:prstGeom>
+        </p:spPr>
+      </p:pic>
+      <p:sp>
+        <p:nvSpPr>
+          <p:cNvPr id="2" name="Título 1"/>
+          <p:cNvSpPr>
+            <a:spLocks noGrp="1"/>
+          </p:cNvSpPr>
+          <p:nvPr>
+            <p:ph type="title"/>
+          </p:nvPr>
+        </p:nvSpPr>
+        <p:spPr>
+          <a:xfrm>
+            <a:off x="759177" y="89552"/>
+            <a:ext cx="10515600" cy="549275"/>
+          </a:xfrm>
+        </p:spPr>
+        <p:txBody>
+          <a:bodyPr>
+            <a:normAutofit/>
+          </a:bodyPr>
+          <a:lstStyle/>
+          <a:p>
+            <a:pPr algn="ctr"/>
+            <a:r>
+              <a:rPr lang="pt-BR" sz="2800" b="1" dirty="0" smtClean="0"/>
+              <a:t>Contexto</a:t>
+            </a:r>
+            <a:endParaRPr lang="pt-BR" sz="2800" b="1" dirty="0"/>
+          </a:p>
+        </p:txBody>
+      </p:sp>
+      <p:grpSp>
+        <p:nvGrpSpPr>
+          <p:cNvPr id="8" name="Agrupar 7"/>
+          <p:cNvGrpSpPr/>
+          <p:nvPr/>
+        </p:nvGrpSpPr>
+        <p:grpSpPr>
+          <a:xfrm>
+            <a:off x="2053317" y="1937784"/>
+            <a:ext cx="7608329" cy="552450"/>
+            <a:chOff x="1967592" y="1868833"/>
+            <a:chExt cx="7608329" cy="552450"/>
+          </a:xfrm>
+        </p:grpSpPr>
+        <p:pic>
+          <p:nvPicPr>
+            <p:cNvPr id="6" name="Imagem 5"/>
+            <p:cNvPicPr>
+              <a:picLocks noChangeAspect="1"/>
+            </p:cNvPicPr>
+            <p:nvPr/>
+          </p:nvPicPr>
+          <p:blipFill>
+            <a:blip r:embed="rId4"/>
+            <a:stretch>
+              <a:fillRect/>
+            </a:stretch>
+          </p:blipFill>
+          <p:spPr>
+            <a:xfrm>
+              <a:off x="1967592" y="1889298"/>
+              <a:ext cx="542925" cy="514350"/>
+            </a:xfrm>
+            <a:prstGeom prst="rect">
+              <a:avLst/>
+            </a:prstGeom>
+          </p:spPr>
+        </p:pic>
+        <p:pic>
+          <p:nvPicPr>
+            <p:cNvPr id="12" name="Imagem 11"/>
+            <p:cNvPicPr>
+              <a:picLocks noChangeAspect="1"/>
+            </p:cNvPicPr>
+            <p:nvPr/>
+          </p:nvPicPr>
+          <p:blipFill>
+            <a:blip r:embed="rId4"/>
+            <a:stretch>
+              <a:fillRect/>
+            </a:stretch>
+          </p:blipFill>
+          <p:spPr>
+            <a:xfrm>
+              <a:off x="5960946" y="1906933"/>
+              <a:ext cx="542925" cy="514350"/>
+            </a:xfrm>
+            <a:prstGeom prst="rect">
+              <a:avLst/>
+            </a:prstGeom>
+          </p:spPr>
+        </p:pic>
+        <p:pic>
+          <p:nvPicPr>
+            <p:cNvPr id="13" name="Imagem 12"/>
+            <p:cNvPicPr>
+              <a:picLocks noChangeAspect="1"/>
+            </p:cNvPicPr>
+            <p:nvPr/>
+          </p:nvPicPr>
+          <p:blipFill>
+            <a:blip r:embed="rId4"/>
+            <a:stretch>
+              <a:fillRect/>
+            </a:stretch>
+          </p:blipFill>
+          <p:spPr>
+            <a:xfrm>
+              <a:off x="4832916" y="1906933"/>
+              <a:ext cx="542925" cy="514350"/>
+            </a:xfrm>
+            <a:prstGeom prst="rect">
+              <a:avLst/>
+            </a:prstGeom>
+          </p:spPr>
+        </p:pic>
+        <p:pic>
+          <p:nvPicPr>
+            <p:cNvPr id="14" name="Imagem 13"/>
+            <p:cNvPicPr>
+              <a:picLocks noChangeAspect="1"/>
+            </p:cNvPicPr>
+            <p:nvPr/>
+          </p:nvPicPr>
+          <p:blipFill>
+            <a:blip r:embed="rId4"/>
+            <a:stretch>
+              <a:fillRect/>
+            </a:stretch>
+          </p:blipFill>
+          <p:spPr>
+            <a:xfrm>
+              <a:off x="3367085" y="1868833"/>
+              <a:ext cx="542925" cy="514350"/>
+            </a:xfrm>
+            <a:prstGeom prst="rect">
+              <a:avLst/>
+            </a:prstGeom>
+          </p:spPr>
+        </p:pic>
+        <p:pic>
+          <p:nvPicPr>
+            <p:cNvPr id="15" name="Imagem 14"/>
+            <p:cNvPicPr>
+              <a:picLocks noChangeAspect="1"/>
+            </p:cNvPicPr>
+            <p:nvPr/>
+          </p:nvPicPr>
+          <p:blipFill>
+            <a:blip r:embed="rId4"/>
+            <a:stretch>
+              <a:fillRect/>
+            </a:stretch>
+          </p:blipFill>
+          <p:spPr>
+            <a:xfrm>
+              <a:off x="7491239" y="1868833"/>
+              <a:ext cx="542925" cy="514350"/>
+            </a:xfrm>
+            <a:prstGeom prst="rect">
+              <a:avLst/>
+            </a:prstGeom>
+          </p:spPr>
+        </p:pic>
+        <p:pic>
+          <p:nvPicPr>
+            <p:cNvPr id="7" name="Imagem 6"/>
+            <p:cNvPicPr>
+              <a:picLocks noChangeAspect="1"/>
+            </p:cNvPicPr>
+            <p:nvPr/>
+          </p:nvPicPr>
+          <p:blipFill>
+            <a:blip r:embed="rId5"/>
+            <a:stretch>
+              <a:fillRect/>
+            </a:stretch>
+          </p:blipFill>
+          <p:spPr>
+            <a:xfrm>
+              <a:off x="9023471" y="1908348"/>
+              <a:ext cx="552450" cy="495300"/>
+            </a:xfrm>
+            <a:prstGeom prst="rect">
+              <a:avLst/>
+            </a:prstGeom>
+          </p:spPr>
+        </p:pic>
+      </p:grpSp>
+      <p:grpSp>
+        <p:nvGrpSpPr>
+          <p:cNvPr id="23" name="Agrupar 22"/>
+          <p:cNvGrpSpPr/>
+          <p:nvPr/>
+        </p:nvGrpSpPr>
+        <p:grpSpPr>
+          <a:xfrm>
+            <a:off x="1733551" y="3610935"/>
+            <a:ext cx="7985247" cy="847837"/>
+            <a:chOff x="1753280" y="3654982"/>
+            <a:chExt cx="7985247" cy="847837"/>
+          </a:xfrm>
+        </p:grpSpPr>
+        <p:pic>
+          <p:nvPicPr>
+            <p:cNvPr id="4" name="Imagem 3"/>
+            <p:cNvPicPr>
+              <a:picLocks noChangeAspect="1"/>
+            </p:cNvPicPr>
+            <p:nvPr/>
+          </p:nvPicPr>
+          <p:blipFill>
+            <a:blip r:embed="rId6"/>
+            <a:stretch>
+              <a:fillRect/>
+            </a:stretch>
+          </p:blipFill>
+          <p:spPr>
+            <a:xfrm>
+              <a:off x="1753280" y="3715822"/>
+              <a:ext cx="942975" cy="742950"/>
+            </a:xfrm>
+            <a:prstGeom prst="rect">
+              <a:avLst/>
+            </a:prstGeom>
+          </p:spPr>
+        </p:pic>
+        <p:pic>
+          <p:nvPicPr>
+            <p:cNvPr id="18" name="Imagem 17"/>
+            <p:cNvPicPr>
+              <a:picLocks noChangeAspect="1"/>
+            </p:cNvPicPr>
+            <p:nvPr/>
+          </p:nvPicPr>
+          <p:blipFill>
+            <a:blip r:embed="rId6"/>
+            <a:stretch>
+              <a:fillRect/>
+            </a:stretch>
+          </p:blipFill>
+          <p:spPr>
+            <a:xfrm>
+              <a:off x="3138556" y="3683558"/>
+              <a:ext cx="942975" cy="742950"/>
+            </a:xfrm>
+            <a:prstGeom prst="rect">
+              <a:avLst/>
+            </a:prstGeom>
+          </p:spPr>
+        </p:pic>
+        <p:pic>
+          <p:nvPicPr>
+            <p:cNvPr id="19" name="Imagem 18"/>
+            <p:cNvPicPr>
+              <a:picLocks noChangeAspect="1"/>
+            </p:cNvPicPr>
+            <p:nvPr/>
+          </p:nvPicPr>
+          <p:blipFill>
+            <a:blip r:embed="rId6"/>
+            <a:stretch>
+              <a:fillRect/>
+            </a:stretch>
+          </p:blipFill>
+          <p:spPr>
+            <a:xfrm>
+              <a:off x="4475390" y="3683558"/>
+              <a:ext cx="942975" cy="742950"/>
+            </a:xfrm>
+            <a:prstGeom prst="rect">
+              <a:avLst/>
+            </a:prstGeom>
+          </p:spPr>
+        </p:pic>
+        <p:pic>
+          <p:nvPicPr>
+            <p:cNvPr id="20" name="Imagem 19"/>
+            <p:cNvPicPr>
+              <a:picLocks noChangeAspect="1"/>
+            </p:cNvPicPr>
+            <p:nvPr/>
+          </p:nvPicPr>
+          <p:blipFill>
+            <a:blip r:embed="rId6"/>
+            <a:stretch>
+              <a:fillRect/>
+            </a:stretch>
+          </p:blipFill>
+          <p:spPr>
+            <a:xfrm>
+              <a:off x="5696455" y="3654982"/>
+              <a:ext cx="942975" cy="742950"/>
+            </a:xfrm>
+            <a:prstGeom prst="rect">
+              <a:avLst/>
+            </a:prstGeom>
+          </p:spPr>
+        </p:pic>
+        <p:pic>
+          <p:nvPicPr>
+            <p:cNvPr id="21" name="Imagem 20"/>
+            <p:cNvPicPr>
+              <a:picLocks noChangeAspect="1"/>
+            </p:cNvPicPr>
+            <p:nvPr/>
+          </p:nvPicPr>
+          <p:blipFill>
+            <a:blip r:embed="rId6"/>
+            <a:stretch>
+              <a:fillRect/>
+            </a:stretch>
+          </p:blipFill>
+          <p:spPr>
+            <a:xfrm>
+              <a:off x="7246003" y="3666652"/>
+              <a:ext cx="942975" cy="742950"/>
+            </a:xfrm>
+            <a:prstGeom prst="rect">
+              <a:avLst/>
+            </a:prstGeom>
+          </p:spPr>
+        </p:pic>
+        <p:pic>
+          <p:nvPicPr>
+            <p:cNvPr id="22" name="Imagem 21"/>
+            <p:cNvPicPr>
+              <a:picLocks noChangeAspect="1"/>
+            </p:cNvPicPr>
+            <p:nvPr/>
+          </p:nvPicPr>
+          <p:blipFill>
+            <a:blip r:embed="rId6"/>
+            <a:stretch>
+              <a:fillRect/>
+            </a:stretch>
+          </p:blipFill>
+          <p:spPr>
+            <a:xfrm>
+              <a:off x="8795552" y="3759869"/>
+              <a:ext cx="942975" cy="742950"/>
+            </a:xfrm>
+            <a:prstGeom prst="rect">
+              <a:avLst/>
+            </a:prstGeom>
+          </p:spPr>
+        </p:pic>
+      </p:grpSp>
+      <p:grpSp>
+        <p:nvGrpSpPr>
+          <p:cNvPr id="30" name="Agrupar 29"/>
+          <p:cNvGrpSpPr/>
+          <p:nvPr/>
+        </p:nvGrpSpPr>
+        <p:grpSpPr>
+          <a:xfrm>
+            <a:off x="1815017" y="4504772"/>
+            <a:ext cx="7846629" cy="711013"/>
+            <a:chOff x="1815017" y="4504772"/>
+            <a:chExt cx="7846629" cy="711013"/>
+          </a:xfrm>
+        </p:grpSpPr>
+        <p:pic>
+          <p:nvPicPr>
+            <p:cNvPr id="24" name="Imagem 23"/>
+            <p:cNvPicPr>
+              <a:picLocks noChangeAspect="1"/>
+            </p:cNvPicPr>
+            <p:nvPr/>
+          </p:nvPicPr>
+          <p:blipFill>
+            <a:blip r:embed="rId7"/>
+            <a:stretch>
+              <a:fillRect/>
+            </a:stretch>
+          </p:blipFill>
+          <p:spPr>
+            <a:xfrm>
+              <a:off x="1815017" y="4558560"/>
+              <a:ext cx="800100" cy="657225"/>
+            </a:xfrm>
+            <a:prstGeom prst="rect">
+              <a:avLst/>
+            </a:prstGeom>
+          </p:spPr>
+        </p:pic>
+        <p:pic>
+          <p:nvPicPr>
+            <p:cNvPr id="25" name="Imagem 24"/>
+            <p:cNvPicPr>
+              <a:picLocks noChangeAspect="1"/>
+            </p:cNvPicPr>
+            <p:nvPr/>
+          </p:nvPicPr>
+          <p:blipFill>
+            <a:blip r:embed="rId7"/>
+            <a:stretch>
+              <a:fillRect/>
+            </a:stretch>
+          </p:blipFill>
+          <p:spPr>
+            <a:xfrm>
+              <a:off x="3261702" y="4530847"/>
+              <a:ext cx="800100" cy="657225"/>
+            </a:xfrm>
+            <a:prstGeom prst="rect">
+              <a:avLst/>
+            </a:prstGeom>
+          </p:spPr>
+        </p:pic>
+        <p:pic>
+          <p:nvPicPr>
+            <p:cNvPr id="26" name="Imagem 25"/>
+            <p:cNvPicPr>
+              <a:picLocks noChangeAspect="1"/>
+            </p:cNvPicPr>
+            <p:nvPr/>
+          </p:nvPicPr>
+          <p:blipFill>
+            <a:blip r:embed="rId7"/>
+            <a:stretch>
+              <a:fillRect/>
+            </a:stretch>
+          </p:blipFill>
+          <p:spPr>
+            <a:xfrm>
+              <a:off x="4518591" y="4504772"/>
+              <a:ext cx="800100" cy="657225"/>
+            </a:xfrm>
+            <a:prstGeom prst="rect">
+              <a:avLst/>
+            </a:prstGeom>
+          </p:spPr>
+        </p:pic>
+        <p:pic>
+          <p:nvPicPr>
+            <p:cNvPr id="27" name="Imagem 26"/>
+            <p:cNvPicPr>
+              <a:picLocks noChangeAspect="1"/>
+            </p:cNvPicPr>
+            <p:nvPr/>
+          </p:nvPicPr>
+          <p:blipFill>
+            <a:blip r:embed="rId7"/>
+            <a:stretch>
+              <a:fillRect/>
+            </a:stretch>
+          </p:blipFill>
+          <p:spPr>
+            <a:xfrm>
+              <a:off x="5616927" y="4504772"/>
+              <a:ext cx="800100" cy="657225"/>
+            </a:xfrm>
+            <a:prstGeom prst="rect">
+              <a:avLst/>
+            </a:prstGeom>
+          </p:spPr>
+        </p:pic>
+        <p:pic>
+          <p:nvPicPr>
+            <p:cNvPr id="28" name="Imagem 27"/>
+            <p:cNvPicPr>
+              <a:picLocks noChangeAspect="1"/>
+            </p:cNvPicPr>
+            <p:nvPr/>
+          </p:nvPicPr>
+          <p:blipFill>
+            <a:blip r:embed="rId7"/>
+            <a:stretch>
+              <a:fillRect/>
+            </a:stretch>
+          </p:blipFill>
+          <p:spPr>
+            <a:xfrm>
+              <a:off x="7259437" y="4504772"/>
+              <a:ext cx="800100" cy="657225"/>
+            </a:xfrm>
+            <a:prstGeom prst="rect">
+              <a:avLst/>
+            </a:prstGeom>
+          </p:spPr>
+        </p:pic>
+        <p:pic>
+          <p:nvPicPr>
+            <p:cNvPr id="29" name="Imagem 28"/>
+            <p:cNvPicPr>
+              <a:picLocks noChangeAspect="1"/>
+            </p:cNvPicPr>
+            <p:nvPr/>
+          </p:nvPicPr>
+          <p:blipFill>
+            <a:blip r:embed="rId7"/>
+            <a:stretch>
+              <a:fillRect/>
+            </a:stretch>
+          </p:blipFill>
+          <p:spPr>
+            <a:xfrm>
+              <a:off x="8861546" y="4528032"/>
+              <a:ext cx="800100" cy="657225"/>
+            </a:xfrm>
+            <a:prstGeom prst="rect">
+              <a:avLst/>
+            </a:prstGeom>
+          </p:spPr>
+        </p:pic>
+      </p:grpSp>
+    </p:spTree>
+    <p:extLst>
+      <p:ext uri="{BB962C8B-B14F-4D97-AF65-F5344CB8AC3E}">
+        <p14:creationId xmlns:p14="http://schemas.microsoft.com/office/powerpoint/2010/main" val="2662931583"/>
+      </p:ext>
+    </p:extLst>
+  </p:cSld>
+  <p:clrMapOvr>
+    <a:masterClrMapping/>
+  </p:clrMapOvr>
+  <p:timing>
+    <p:tnLst>
+      <p:par>
+        <p:cTn id="1" dur="indefinite" restart="never" nodeType="tmRoot">
+          <p:childTnLst>
+            <p:seq concurrent="1" nextAc="seek">
+              <p:cTn id="2" dur="indefinite" nodeType="mainSeq">
+                <p:childTnLst>
+                  <p:par>
+                    <p:cTn id="3" fill="hold">
+                      <p:stCondLst>
+                        <p:cond delay="indefinite"/>
+                      </p:stCondLst>
+                      <p:childTnLst>
+                        <p:par>
+                          <p:cTn id="4" fill="hold">
+                            <p:stCondLst>
+                              <p:cond delay="0"/>
+                            </p:stCondLst>
+                            <p:childTnLst>
+                              <p:par>
+                                <p:cTn id="5" presetID="1" presetClass="entr" presetSubtype="0" fill="hold" nodeType="clickEffect">
+                                  <p:stCondLst>
+                                    <p:cond delay="0"/>
+                                  </p:stCondLst>
+                                  <p:childTnLst>
+                                    <p:set>
+                                      <p:cBhvr>
+                                        <p:cTn id="6" dur="1" fill="hold">
+                                          <p:stCondLst>
+                                            <p:cond delay="0"/>
+                                          </p:stCondLst>
+                                        </p:cTn>
+                                        <p:tgtEl>
+                                          <p:spTgt spid="9"/>
+                                        </p:tgtEl>
+                                        <p:attrNameLst>
+                                          <p:attrName>style.visibility</p:attrName>
+                                        </p:attrNameLst>
+                                      </p:cBhvr>
+                                      <p:to>
+                                        <p:strVal val="visible"/>
+                                      </p:to>
+                                    </p:set>
+                                  </p:childTnLst>
+                                </p:cTn>
+                              </p:par>
+                            </p:childTnLst>
+                          </p:cTn>
+                        </p:par>
+                      </p:childTnLst>
+                    </p:cTn>
+                  </p:par>
+                  <p:par>
+                    <p:cTn id="7" fill="hold">
+                      <p:stCondLst>
+                        <p:cond delay="indefinite"/>
+                      </p:stCondLst>
+                      <p:childTnLst>
+                        <p:par>
+                          <p:cTn id="8" fill="hold">
+                            <p:stCondLst>
+                              <p:cond delay="0"/>
+                            </p:stCondLst>
+                            <p:childTnLst>
+                              <p:par>
+                                <p:cTn id="9" presetID="42" presetClass="entr" presetSubtype="0" fill="hold" nodeType="clickEffect">
+                                  <p:stCondLst>
+                                    <p:cond delay="0"/>
+                                  </p:stCondLst>
+                                  <p:childTnLst>
+                                    <p:set>
+                                      <p:cBhvr>
+                                        <p:cTn id="10" dur="1" fill="hold">
+                                          <p:stCondLst>
+                                            <p:cond delay="0"/>
+                                          </p:stCondLst>
+                                        </p:cTn>
+                                        <p:tgtEl>
+                                          <p:spTgt spid="8"/>
+                                        </p:tgtEl>
+                                        <p:attrNameLst>
+                                          <p:attrName>style.visibility</p:attrName>
+                                        </p:attrNameLst>
+                                      </p:cBhvr>
+                                      <p:to>
+                                        <p:strVal val="visible"/>
+                                      </p:to>
+                                    </p:set>
+                                    <p:animEffect transition="in" filter="fade">
+                                      <p:cBhvr>
+                                        <p:cTn id="11" dur="1000"/>
+                                        <p:tgtEl>
+                                          <p:spTgt spid="8"/>
+                                        </p:tgtEl>
+                                      </p:cBhvr>
+                                    </p:animEffect>
+                                    <p:anim calcmode="lin" valueType="num">
+                                      <p:cBhvr>
+                                        <p:cTn id="12" dur="1000" fill="hold"/>
+                                        <p:tgtEl>
+                                          <p:spTgt spid="8"/>
+                                        </p:tgtEl>
+                                        <p:attrNameLst>
+                                          <p:attrName>ppt_x</p:attrName>
+                                        </p:attrNameLst>
+                                      </p:cBhvr>
+                                      <p:tavLst>
+                                        <p:tav tm="0">
+                                          <p:val>
+                                            <p:strVal val="#ppt_x"/>
+                                          </p:val>
+                                        </p:tav>
+                                        <p:tav tm="100000">
+                                          <p:val>
+                                            <p:strVal val="#ppt_x"/>
+                                          </p:val>
+                                        </p:tav>
+                                      </p:tavLst>
+                                    </p:anim>
+                                    <p:anim calcmode="lin" valueType="num">
+                                      <p:cBhvr>
+                                        <p:cTn id="13" dur="1000" fill="hold"/>
+                                        <p:tgtEl>
+                                          <p:spTgt spid="8"/>
+                                        </p:tgtEl>
+                                        <p:attrNameLst>
+                                          <p:attrName>ppt_y</p:attrName>
+                                        </p:attrNameLst>
+                                      </p:cBhvr>
+                                      <p:tavLst>
+                                        <p:tav tm="0">
+                                          <p:val>
+                                            <p:strVal val="#ppt_y+.1"/>
+                                          </p:val>
+                                        </p:tav>
+                                        <p:tav tm="100000">
+                                          <p:val>
+                                            <p:strVal val="#ppt_y"/>
+                                          </p:val>
+                                        </p:tav>
+                                      </p:tavLst>
+                                    </p:anim>
+                                  </p:childTnLst>
+                                </p:cTn>
+                              </p:par>
+                            </p:childTnLst>
+                          </p:cTn>
+                        </p:par>
+                      </p:childTnLst>
+                    </p:cTn>
+                  </p:par>
+                  <p:par>
+                    <p:cTn id="14" fill="hold">
+                      <p:stCondLst>
+                        <p:cond delay="indefinite"/>
+                      </p:stCondLst>
+                      <p:childTnLst>
+                        <p:par>
+                          <p:cTn id="15" fill="hold">
+                            <p:stCondLst>
+                              <p:cond delay="0"/>
+                            </p:stCondLst>
+                            <p:childTnLst>
+                              <p:par>
+                                <p:cTn id="16" presetID="2" presetClass="entr" presetSubtype="4" fill="hold" nodeType="clickEffect">
+                                  <p:stCondLst>
+                                    <p:cond delay="0"/>
+                                  </p:stCondLst>
+                                  <p:childTnLst>
+                                    <p:set>
+                                      <p:cBhvr>
+                                        <p:cTn id="17" dur="1" fill="hold">
+                                          <p:stCondLst>
+                                            <p:cond delay="0"/>
+                                          </p:stCondLst>
+                                        </p:cTn>
+                                        <p:tgtEl>
+                                          <p:spTgt spid="23"/>
+                                        </p:tgtEl>
+                                        <p:attrNameLst>
+                                          <p:attrName>style.visibility</p:attrName>
+                                        </p:attrNameLst>
+                                      </p:cBhvr>
+                                      <p:to>
+                                        <p:strVal val="visible"/>
+                                      </p:to>
+                                    </p:set>
+                                    <p:anim calcmode="lin" valueType="num">
+                                      <p:cBhvr additive="base">
+                                        <p:cTn id="18" dur="500" fill="hold"/>
+                                        <p:tgtEl>
+                                          <p:spTgt spid="23"/>
+                                        </p:tgtEl>
+                                        <p:attrNameLst>
+                                          <p:attrName>ppt_x</p:attrName>
+                                        </p:attrNameLst>
+                                      </p:cBhvr>
+                                      <p:tavLst>
+                                        <p:tav tm="0">
+                                          <p:val>
+                                            <p:strVal val="#ppt_x"/>
+                                          </p:val>
+                                        </p:tav>
+                                        <p:tav tm="100000">
+                                          <p:val>
+                                            <p:strVal val="#ppt_x"/>
+                                          </p:val>
+                                        </p:tav>
+                                      </p:tavLst>
+                                    </p:anim>
+                                    <p:anim calcmode="lin" valueType="num">
+                                      <p:cBhvr additive="base">
+                                        <p:cTn id="19" dur="500" fill="hold"/>
+                                        <p:tgtEl>
+                                          <p:spTgt spid="23"/>
+                                        </p:tgtEl>
+                                        <p:attrNameLst>
+                                          <p:attrName>ppt_y</p:attrName>
+                                        </p:attrNameLst>
+                                      </p:cBhvr>
+                                      <p:tavLst>
+                                        <p:tav tm="0">
+                                          <p:val>
+                                            <p:strVal val="1+#ppt_h/2"/>
+                                          </p:val>
+                                        </p:tav>
+                                        <p:tav tm="100000">
+                                          <p:val>
+                                            <p:strVal val="#ppt_y"/>
+                                          </p:val>
+                                        </p:tav>
+                                      </p:tavLst>
+                                    </p:anim>
+                                  </p:childTnLst>
+                                </p:cTn>
+                              </p:par>
+                            </p:childTnLst>
+                          </p:cTn>
+                        </p:par>
+                      </p:childTnLst>
+                    </p:cTn>
+                  </p:par>
+                  <p:par>
+                    <p:cTn id="20" fill="hold">
+                      <p:stCondLst>
+                        <p:cond delay="indefinite"/>
+                      </p:stCondLst>
+                      <p:childTnLst>
+                        <p:par>
+                          <p:cTn id="21" fill="hold">
+                            <p:stCondLst>
+                              <p:cond delay="0"/>
+                            </p:stCondLst>
+                            <p:childTnLst>
+                              <p:par>
+                                <p:cTn id="22" presetID="2" presetClass="entr" presetSubtype="4" fill="hold" nodeType="clickEffect">
+                                  <p:stCondLst>
+                                    <p:cond delay="0"/>
+                                  </p:stCondLst>
+                                  <p:childTnLst>
+                                    <p:set>
+                                      <p:cBhvr>
+                                        <p:cTn id="23" dur="1" fill="hold">
+                                          <p:stCondLst>
+                                            <p:cond delay="0"/>
+                                          </p:stCondLst>
+                                        </p:cTn>
+                                        <p:tgtEl>
+                                          <p:spTgt spid="30"/>
+                                        </p:tgtEl>
+                                        <p:attrNameLst>
+                                          <p:attrName>style.visibility</p:attrName>
+                                        </p:attrNameLst>
+                                      </p:cBhvr>
+                                      <p:to>
+                                        <p:strVal val="visible"/>
+                                      </p:to>
+                                    </p:set>
+                                    <p:anim calcmode="lin" valueType="num">
+                                      <p:cBhvr additive="base">
+                                        <p:cTn id="24" dur="500" fill="hold"/>
+                                        <p:tgtEl>
+                                          <p:spTgt spid="30"/>
+                                        </p:tgtEl>
+                                        <p:attrNameLst>
+                                          <p:attrName>ppt_x</p:attrName>
+                                        </p:attrNameLst>
+                                      </p:cBhvr>
+                                      <p:tavLst>
+                                        <p:tav tm="0">
+                                          <p:val>
+                                            <p:strVal val="#ppt_x"/>
+                                          </p:val>
+                                        </p:tav>
+                                        <p:tav tm="100000">
+                                          <p:val>
+                                            <p:strVal val="#ppt_x"/>
+                                          </p:val>
+                                        </p:tav>
+                                      </p:tavLst>
+                                    </p:anim>
+                                    <p:anim calcmode="lin" valueType="num">
+                                      <p:cBhvr additive="base">
+                                        <p:cTn id="25" dur="500" fill="hold"/>
+                                        <p:tgtEl>
+                                          <p:spTgt spid="30"/>
+                                        </p:tgtEl>
+                                        <p:attrNameLst>
+                                          <p:attrName>ppt_y</p:attrName>
+                                        </p:attrNameLst>
+                                      </p:cBhvr>
+                                      <p:tavLst>
+                                        <p:tav tm="0">
+                                          <p:val>
+                                            <p:strVal val="1+#ppt_h/2"/>
+                                          </p:val>
+                                        </p:tav>
+                                        <p:tav tm="100000">
+                                          <p:val>
+                                            <p:strVal val="#ppt_y"/>
+                                          </p:val>
+                                        </p:tav>
+                                      </p:tavLst>
+                                    </p:anim>
+                                  </p:childTnLst>
+                                </p:cTn>
+                              </p:par>
+                            </p:childTnLst>
+                          </p:cTn>
+                        </p:par>
+                      </p:childTnLst>
+                    </p:cTn>
+                  </p:par>
+                </p:childTnLst>
+              </p:cTn>
+              <p:prevCondLst>
+                <p:cond evt="onPrev" delay="0">
+                  <p:tgtEl>
+                    <p:sldTgt/>
+                  </p:tgtEl>
+                </p:cond>
+              </p:prevCondLst>
+              <p:nextCondLst>
+                <p:cond evt="onNext" delay="0">
+                  <p:tgtEl>
+                    <p:sldTgt/>
+                  </p:tgtEl>
+                </p:cond>
+              </p:nextCondLst>
+            </p:seq>
+          </p:childTnLst>
+        </p:cTn>
+      </p:par>
+    </p:tnLst>
+  </p:timing>
+</p:sld>
+</file>
+
+<file path=ppt/slides/slide30.xml><?xml version="1.0" encoding="utf-8"?>
 <p:sld xmlns:a="http://schemas.openxmlformats.org/drawingml/2006/main" xmlns:r="http://schemas.openxmlformats.org/officeDocument/2006/relationships" xmlns:p="http://schemas.openxmlformats.org/presentationml/2006/main">
   <p:cSld>
     <p:spTree>
@@ -12040,7 +14856,7 @@
 </p:sld>
 </file>
 
-<file path=ppt/slides/slide28.xml><?xml version="1.0" encoding="utf-8"?>
+<file path=ppt/slides/slide31.xml><?xml version="1.0" encoding="utf-8"?>
 <p:sld xmlns:a="http://schemas.openxmlformats.org/drawingml/2006/main" xmlns:r="http://schemas.openxmlformats.org/officeDocument/2006/relationships" xmlns:p="http://schemas.openxmlformats.org/presentationml/2006/main">
   <p:cSld>
     <p:spTree>
@@ -12189,7 +15005,7 @@
 </p:sld>
 </file>
 
-<file path=ppt/slides/slide29.xml><?xml version="1.0" encoding="utf-8"?>
+<file path=ppt/slides/slide32.xml><?xml version="1.0" encoding="utf-8"?>
 <p:sld xmlns:a="http://schemas.openxmlformats.org/drawingml/2006/main" xmlns:r="http://schemas.openxmlformats.org/officeDocument/2006/relationships" xmlns:p="http://schemas.openxmlformats.org/presentationml/2006/main">
   <p:cSld>
     <p:spTree>
@@ -12322,354 +15138,7 @@
 </p:sld>
 </file>
 
-<file path=ppt/slides/slide3.xml><?xml version="1.0" encoding="utf-8"?>
-<p:sld xmlns:a="http://schemas.openxmlformats.org/drawingml/2006/main" xmlns:r="http://schemas.openxmlformats.org/officeDocument/2006/relationships" xmlns:p="http://schemas.openxmlformats.org/presentationml/2006/main">
-  <p:cSld>
-    <p:spTree>
-      <p:nvGrpSpPr>
-        <p:cNvPr id="1" name=""/>
-        <p:cNvGrpSpPr/>
-        <p:nvPr/>
-      </p:nvGrpSpPr>
-      <p:grpSpPr>
-        <a:xfrm>
-          <a:off x="0" y="0"/>
-          <a:ext cx="0" cy="0"/>
-          <a:chOff x="0" y="0"/>
-          <a:chExt cx="0" cy="0"/>
-        </a:xfrm>
-      </p:grpSpPr>
-      <p:sp>
-        <p:nvSpPr>
-          <p:cNvPr id="2" name="Título 1"/>
-          <p:cNvSpPr>
-            <a:spLocks noGrp="1"/>
-          </p:cNvSpPr>
-          <p:nvPr>
-            <p:ph type="title"/>
-          </p:nvPr>
-        </p:nvSpPr>
-        <p:spPr>
-          <a:xfrm>
-            <a:off x="759177" y="89552"/>
-            <a:ext cx="10515600" cy="549275"/>
-          </a:xfrm>
-        </p:spPr>
-        <p:txBody>
-          <a:bodyPr>
-            <a:normAutofit/>
-          </a:bodyPr>
-          <a:lstStyle/>
-          <a:p>
-            <a:pPr algn="ctr"/>
-            <a:r>
-              <a:rPr lang="pt-BR" sz="2800" b="1" dirty="0"/>
-              <a:t>O Problema das Máquinas Virtuais</a:t>
-            </a:r>
-          </a:p>
-        </p:txBody>
-      </p:sp>
-      <p:sp>
-        <p:nvSpPr>
-          <p:cNvPr id="10" name="Espaço Reservado para Conteúdo 5"/>
-          <p:cNvSpPr>
-            <a:spLocks noGrp="1"/>
-          </p:cNvSpPr>
-          <p:nvPr>
-            <p:ph idx="1"/>
-          </p:nvPr>
-        </p:nvSpPr>
-        <p:spPr>
-          <a:xfrm>
-            <a:off x="530577" y="757925"/>
-            <a:ext cx="10519064" cy="353902"/>
-          </a:xfrm>
-        </p:spPr>
-        <p:txBody>
-          <a:bodyPr>
-            <a:normAutofit/>
-          </a:bodyPr>
-          <a:lstStyle/>
-          <a:p>
-            <a:r>
-              <a:rPr lang="pt-BR" sz="1600" dirty="0"/>
-              <a:t>A partir daí foi possível colocar nossas aplicações nessas </a:t>
-            </a:r>
-            <a:r>
-              <a:rPr lang="pt-BR" sz="1600" dirty="0" err="1"/>
-              <a:t>VMs</a:t>
-            </a:r>
-            <a:r>
-              <a:rPr lang="pt-BR" sz="1600" dirty="0"/>
-              <a:t>.</a:t>
-            </a:r>
-          </a:p>
-        </p:txBody>
-      </p:sp>
-      <p:pic>
-        <p:nvPicPr>
-          <p:cNvPr id="3" name="Imagem 2"/>
-          <p:cNvPicPr>
-            <a:picLocks noChangeAspect="1"/>
-          </p:cNvPicPr>
-          <p:nvPr/>
-        </p:nvPicPr>
-        <p:blipFill>
-          <a:blip r:embed="rId2"/>
-          <a:stretch>
-            <a:fillRect/>
-          </a:stretch>
-        </p:blipFill>
-        <p:spPr>
-          <a:xfrm>
-            <a:off x="4643004" y="1038225"/>
-            <a:ext cx="3238500" cy="3409950"/>
-          </a:xfrm>
-          <a:prstGeom prst="rect">
-            <a:avLst/>
-          </a:prstGeom>
-        </p:spPr>
-      </p:pic>
-      <p:sp>
-        <p:nvSpPr>
-          <p:cNvPr id="7" name="Espaço Reservado para Conteúdo 5"/>
-          <p:cNvSpPr txBox="1">
-            <a:spLocks/>
-          </p:cNvSpPr>
-          <p:nvPr/>
-        </p:nvSpPr>
-        <p:spPr>
-          <a:xfrm>
-            <a:off x="530577" y="4551523"/>
-            <a:ext cx="10519064" cy="2025921"/>
-          </a:xfrm>
-          <a:prstGeom prst="rect">
-            <a:avLst/>
-          </a:prstGeom>
-        </p:spPr>
-        <p:txBody>
-          <a:bodyPr vert="horz" lIns="91440" tIns="45720" rIns="91440" bIns="45720" rtlCol="0">
-            <a:noAutofit/>
-          </a:bodyPr>
-          <a:lstStyle>
-            <a:lvl1pPr marL="228600" indent="-228600" algn="l" defTabSz="914400" rtl="0" eaLnBrk="1" latinLnBrk="0" hangingPunct="1">
-              <a:lnSpc>
-                <a:spcPct val="90000"/>
-              </a:lnSpc>
-              <a:spcBef>
-                <a:spcPts val="1000"/>
-              </a:spcBef>
-              <a:buFont typeface="Arial" panose="020B0604020202020204" pitchFamily="34" charset="0"/>
-              <a:buChar char="•"/>
-              <a:defRPr sz="2800" kern="1200">
-                <a:solidFill>
-                  <a:schemeClr val="tx1"/>
-                </a:solidFill>
-                <a:latin typeface="+mn-lt"/>
-                <a:ea typeface="+mn-ea"/>
-                <a:cs typeface="+mn-cs"/>
-              </a:defRPr>
-            </a:lvl1pPr>
-            <a:lvl2pPr marL="685800" indent="-228600" algn="l" defTabSz="914400" rtl="0" eaLnBrk="1" latinLnBrk="0" hangingPunct="1">
-              <a:lnSpc>
-                <a:spcPct val="90000"/>
-              </a:lnSpc>
-              <a:spcBef>
-                <a:spcPts val="500"/>
-              </a:spcBef>
-              <a:buFont typeface="Arial" panose="020B0604020202020204" pitchFamily="34" charset="0"/>
-              <a:buChar char="•"/>
-              <a:defRPr sz="2400" kern="1200">
-                <a:solidFill>
-                  <a:schemeClr val="tx1"/>
-                </a:solidFill>
-                <a:latin typeface="+mn-lt"/>
-                <a:ea typeface="+mn-ea"/>
-                <a:cs typeface="+mn-cs"/>
-              </a:defRPr>
-            </a:lvl2pPr>
-            <a:lvl3pPr marL="1143000" indent="-228600" algn="l" defTabSz="914400" rtl="0" eaLnBrk="1" latinLnBrk="0" hangingPunct="1">
-              <a:lnSpc>
-                <a:spcPct val="90000"/>
-              </a:lnSpc>
-              <a:spcBef>
-                <a:spcPts val="500"/>
-              </a:spcBef>
-              <a:buFont typeface="Arial" panose="020B0604020202020204" pitchFamily="34" charset="0"/>
-              <a:buChar char="•"/>
-              <a:defRPr sz="2000" kern="1200">
-                <a:solidFill>
-                  <a:schemeClr val="tx1"/>
-                </a:solidFill>
-                <a:latin typeface="+mn-lt"/>
-                <a:ea typeface="+mn-ea"/>
-                <a:cs typeface="+mn-cs"/>
-              </a:defRPr>
-            </a:lvl3pPr>
-            <a:lvl4pPr marL="1600200" indent="-228600" algn="l" defTabSz="914400" rtl="0" eaLnBrk="1" latinLnBrk="0" hangingPunct="1">
-              <a:lnSpc>
-                <a:spcPct val="90000"/>
-              </a:lnSpc>
-              <a:spcBef>
-                <a:spcPts val="500"/>
-              </a:spcBef>
-              <a:buFont typeface="Arial" panose="020B0604020202020204" pitchFamily="34" charset="0"/>
-              <a:buChar char="•"/>
-              <a:defRPr sz="1800" kern="1200">
-                <a:solidFill>
-                  <a:schemeClr val="tx1"/>
-                </a:solidFill>
-                <a:latin typeface="+mn-lt"/>
-                <a:ea typeface="+mn-ea"/>
-                <a:cs typeface="+mn-cs"/>
-              </a:defRPr>
-            </a:lvl4pPr>
-            <a:lvl5pPr marL="2057400" indent="-228600" algn="l" defTabSz="914400" rtl="0" eaLnBrk="1" latinLnBrk="0" hangingPunct="1">
-              <a:lnSpc>
-                <a:spcPct val="90000"/>
-              </a:lnSpc>
-              <a:spcBef>
-                <a:spcPts val="500"/>
-              </a:spcBef>
-              <a:buFont typeface="Arial" panose="020B0604020202020204" pitchFamily="34" charset="0"/>
-              <a:buChar char="•"/>
-              <a:defRPr sz="1800" kern="1200">
-                <a:solidFill>
-                  <a:schemeClr val="tx1"/>
-                </a:solidFill>
-                <a:latin typeface="+mn-lt"/>
-                <a:ea typeface="+mn-ea"/>
-                <a:cs typeface="+mn-cs"/>
-              </a:defRPr>
-            </a:lvl5pPr>
-            <a:lvl6pPr marL="2514600" indent="-228600" algn="l" defTabSz="914400" rtl="0" eaLnBrk="1" latinLnBrk="0" hangingPunct="1">
-              <a:lnSpc>
-                <a:spcPct val="90000"/>
-              </a:lnSpc>
-              <a:spcBef>
-                <a:spcPts val="500"/>
-              </a:spcBef>
-              <a:buFont typeface="Arial" panose="020B0604020202020204" pitchFamily="34" charset="0"/>
-              <a:buChar char="•"/>
-              <a:defRPr sz="1800" kern="1200">
-                <a:solidFill>
-                  <a:schemeClr val="tx1"/>
-                </a:solidFill>
-                <a:latin typeface="+mn-lt"/>
-                <a:ea typeface="+mn-ea"/>
-                <a:cs typeface="+mn-cs"/>
-              </a:defRPr>
-            </a:lvl6pPr>
-            <a:lvl7pPr marL="2971800" indent="-228600" algn="l" defTabSz="914400" rtl="0" eaLnBrk="1" latinLnBrk="0" hangingPunct="1">
-              <a:lnSpc>
-                <a:spcPct val="90000"/>
-              </a:lnSpc>
-              <a:spcBef>
-                <a:spcPts val="500"/>
-              </a:spcBef>
-              <a:buFont typeface="Arial" panose="020B0604020202020204" pitchFamily="34" charset="0"/>
-              <a:buChar char="•"/>
-              <a:defRPr sz="1800" kern="1200">
-                <a:solidFill>
-                  <a:schemeClr val="tx1"/>
-                </a:solidFill>
-                <a:latin typeface="+mn-lt"/>
-                <a:ea typeface="+mn-ea"/>
-                <a:cs typeface="+mn-cs"/>
-              </a:defRPr>
-            </a:lvl7pPr>
-            <a:lvl8pPr marL="3429000" indent="-228600" algn="l" defTabSz="914400" rtl="0" eaLnBrk="1" latinLnBrk="0" hangingPunct="1">
-              <a:lnSpc>
-                <a:spcPct val="90000"/>
-              </a:lnSpc>
-              <a:spcBef>
-                <a:spcPts val="500"/>
-              </a:spcBef>
-              <a:buFont typeface="Arial" panose="020B0604020202020204" pitchFamily="34" charset="0"/>
-              <a:buChar char="•"/>
-              <a:defRPr sz="1800" kern="1200">
-                <a:solidFill>
-                  <a:schemeClr val="tx1"/>
-                </a:solidFill>
-                <a:latin typeface="+mn-lt"/>
-                <a:ea typeface="+mn-ea"/>
-                <a:cs typeface="+mn-cs"/>
-              </a:defRPr>
-            </a:lvl8pPr>
-            <a:lvl9pPr marL="3886200" indent="-228600" algn="l" defTabSz="914400" rtl="0" eaLnBrk="1" latinLnBrk="0" hangingPunct="1">
-              <a:lnSpc>
-                <a:spcPct val="90000"/>
-              </a:lnSpc>
-              <a:spcBef>
-                <a:spcPts val="500"/>
-              </a:spcBef>
-              <a:buFont typeface="Arial" panose="020B0604020202020204" pitchFamily="34" charset="0"/>
-              <a:buChar char="•"/>
-              <a:defRPr sz="1800" kern="1200">
-                <a:solidFill>
-                  <a:schemeClr val="tx1"/>
-                </a:solidFill>
-                <a:latin typeface="+mn-lt"/>
-                <a:ea typeface="+mn-ea"/>
-                <a:cs typeface="+mn-cs"/>
-              </a:defRPr>
-            </a:lvl9pPr>
-          </a:lstStyle>
-          <a:p>
-            <a:r>
-              <a:rPr lang="pt-BR" sz="1600" dirty="0"/>
-              <a:t>Problemas nessa arquitetura: </a:t>
-            </a:r>
-          </a:p>
-          <a:p>
-            <a:pPr lvl="1"/>
-            <a:r>
-              <a:rPr lang="pt-BR" sz="1600" dirty="0"/>
-              <a:t>Cada aplicação precisa de um S.O. específico</a:t>
-            </a:r>
-          </a:p>
-          <a:p>
-            <a:pPr lvl="1"/>
-            <a:r>
-              <a:rPr lang="pt-BR" sz="1600" dirty="0"/>
-              <a:t>Custo alto de configurações</a:t>
-            </a:r>
-          </a:p>
-          <a:p>
-            <a:pPr lvl="1"/>
-            <a:r>
-              <a:rPr lang="pt-BR" sz="1600" dirty="0"/>
-              <a:t>Tempo alto de manutenção dessas máquinas virtuais. Ao invés de se gastar tempo com o Core da empresa, gasta-se com softwares de infraestrutura</a:t>
-            </a:r>
-          </a:p>
-          <a:p>
-            <a:pPr marL="457200" lvl="1" indent="0">
-              <a:buNone/>
-            </a:pPr>
-            <a:endParaRPr lang="pt-BR" sz="1600" dirty="0"/>
-          </a:p>
-          <a:p>
-            <a:r>
-              <a:rPr lang="pt-BR" sz="2000" dirty="0"/>
-              <a:t>Com isso deu-se origem aos Containers</a:t>
-            </a:r>
-          </a:p>
-        </p:txBody>
-      </p:sp>
-    </p:spTree>
-    <p:extLst>
-      <p:ext uri="{BB962C8B-B14F-4D97-AF65-F5344CB8AC3E}">
-        <p14:creationId xmlns:p14="http://schemas.microsoft.com/office/powerpoint/2010/main" val="2702824203"/>
-      </p:ext>
-    </p:extLst>
-  </p:cSld>
-  <p:clrMapOvr>
-    <a:masterClrMapping/>
-  </p:clrMapOvr>
-</p:sld>
-</file>
-
-<file path=ppt/slides/slide30.xml><?xml version="1.0" encoding="utf-8"?>
+<file path=ppt/slides/slide33.xml><?xml version="1.0" encoding="utf-8"?>
 <p:sld xmlns:a="http://schemas.openxmlformats.org/drawingml/2006/main" xmlns:r="http://schemas.openxmlformats.org/officeDocument/2006/relationships" xmlns:p="http://schemas.openxmlformats.org/presentationml/2006/main">
   <p:cSld>
     <p:spTree>
@@ -12965,7 +15434,7 @@
 </p:sld>
 </file>
 
-<file path=ppt/slides/slide31.xml><?xml version="1.0" encoding="utf-8"?>
+<file path=ppt/slides/slide34.xml><?xml version="1.0" encoding="utf-8"?>
 <p:sld xmlns:a="http://schemas.openxmlformats.org/drawingml/2006/main" xmlns:r="http://schemas.openxmlformats.org/officeDocument/2006/relationships" xmlns:p="http://schemas.openxmlformats.org/presentationml/2006/main">
   <p:cSld>
     <p:spTree>
@@ -13089,6 +15558,517 @@
             <a:pPr algn="ctr"/>
             <a:r>
               <a:rPr lang="pt-BR" sz="2800" b="1" dirty="0"/>
+              <a:t>O Problema das Máquinas Virtuais</a:t>
+            </a:r>
+          </a:p>
+        </p:txBody>
+      </p:sp>
+      <p:pic>
+        <p:nvPicPr>
+          <p:cNvPr id="9" name="Imagem 8"/>
+          <p:cNvPicPr>
+            <a:picLocks noChangeAspect="1"/>
+          </p:cNvPicPr>
+          <p:nvPr/>
+        </p:nvPicPr>
+        <p:blipFill>
+          <a:blip r:embed="rId2"/>
+          <a:stretch>
+            <a:fillRect/>
+          </a:stretch>
+        </p:blipFill>
+        <p:spPr>
+          <a:xfrm>
+            <a:off x="3761509" y="825500"/>
+            <a:ext cx="5099338" cy="1657680"/>
+          </a:xfrm>
+          <a:prstGeom prst="rect">
+            <a:avLst/>
+          </a:prstGeom>
+        </p:spPr>
+      </p:pic>
+      <p:sp>
+        <p:nvSpPr>
+          <p:cNvPr id="10" name="Espaço Reservado para Conteúdo 5"/>
+          <p:cNvSpPr>
+            <a:spLocks noGrp="1"/>
+          </p:cNvSpPr>
+          <p:nvPr>
+            <p:ph idx="1"/>
+          </p:nvPr>
+        </p:nvSpPr>
+        <p:spPr>
+          <a:xfrm>
+            <a:off x="759177" y="2669853"/>
+            <a:ext cx="10519064" cy="706826"/>
+          </a:xfrm>
+        </p:spPr>
+        <p:txBody>
+          <a:bodyPr>
+            <a:normAutofit/>
+          </a:bodyPr>
+          <a:lstStyle/>
+          <a:p>
+            <a:r>
+              <a:rPr lang="pt-BR" sz="1600" dirty="0"/>
+              <a:t>A virtualização foi uma solução. Ou seja a utilização de </a:t>
+            </a:r>
+            <a:r>
+              <a:rPr lang="pt-BR" sz="1600" b="1" dirty="0"/>
+              <a:t>Máquinas Virtuais</a:t>
+            </a:r>
+            <a:r>
+              <a:rPr lang="pt-BR" sz="1600" dirty="0"/>
+              <a:t>. Isso só foi possível, graças a uma tecnologia chamada </a:t>
+            </a:r>
+            <a:r>
+              <a:rPr lang="pt-BR" sz="1600" b="1" dirty="0" err="1"/>
+              <a:t>Hypervisor</a:t>
+            </a:r>
+            <a:r>
+              <a:rPr lang="pt-BR" sz="1600" b="1" dirty="0"/>
+              <a:t>. </a:t>
+            </a:r>
+            <a:r>
+              <a:rPr lang="pt-BR" sz="1600" dirty="0"/>
+              <a:t>Permitindo a virtualização de recursos físicos do nosso sistema operacional.</a:t>
+            </a:r>
+          </a:p>
+        </p:txBody>
+      </p:sp>
+      <p:pic>
+        <p:nvPicPr>
+          <p:cNvPr id="11" name="Imagem 10"/>
+          <p:cNvPicPr>
+            <a:picLocks noChangeAspect="1"/>
+          </p:cNvPicPr>
+          <p:nvPr/>
+        </p:nvPicPr>
+        <p:blipFill>
+          <a:blip r:embed="rId3"/>
+          <a:stretch>
+            <a:fillRect/>
+          </a:stretch>
+        </p:blipFill>
+        <p:spPr>
+          <a:xfrm>
+            <a:off x="4826576" y="3376679"/>
+            <a:ext cx="2706833" cy="2791663"/>
+          </a:xfrm>
+          <a:prstGeom prst="rect">
+            <a:avLst/>
+          </a:prstGeom>
+        </p:spPr>
+      </p:pic>
+    </p:spTree>
+    <p:extLst>
+      <p:ext uri="{BB962C8B-B14F-4D97-AF65-F5344CB8AC3E}">
+        <p14:creationId xmlns:p14="http://schemas.microsoft.com/office/powerpoint/2010/main" val="1264980126"/>
+      </p:ext>
+    </p:extLst>
+  </p:cSld>
+  <p:clrMapOvr>
+    <a:masterClrMapping/>
+  </p:clrMapOvr>
+  <p:timing>
+    <p:tnLst>
+      <p:par>
+        <p:cTn id="1" dur="indefinite" restart="never" nodeType="tmRoot"/>
+      </p:par>
+    </p:tnLst>
+  </p:timing>
+</p:sld>
+</file>
+
+<file path=ppt/slides/slide5.xml><?xml version="1.0" encoding="utf-8"?>
+<p:sld xmlns:a="http://schemas.openxmlformats.org/drawingml/2006/main" xmlns:r="http://schemas.openxmlformats.org/officeDocument/2006/relationships" xmlns:p="http://schemas.openxmlformats.org/presentationml/2006/main">
+  <p:cSld>
+    <p:spTree>
+      <p:nvGrpSpPr>
+        <p:cNvPr id="1" name=""/>
+        <p:cNvGrpSpPr/>
+        <p:nvPr/>
+      </p:nvGrpSpPr>
+      <p:grpSpPr>
+        <a:xfrm>
+          <a:off x="0" y="0"/>
+          <a:ext cx="0" cy="0"/>
+          <a:chOff x="0" y="0"/>
+          <a:chExt cx="0" cy="0"/>
+        </a:xfrm>
+      </p:grpSpPr>
+      <p:sp>
+        <p:nvSpPr>
+          <p:cNvPr id="2" name="Título 1"/>
+          <p:cNvSpPr>
+            <a:spLocks noGrp="1"/>
+          </p:cNvSpPr>
+          <p:nvPr>
+            <p:ph type="title"/>
+          </p:nvPr>
+        </p:nvSpPr>
+        <p:spPr>
+          <a:xfrm>
+            <a:off x="759177" y="89552"/>
+            <a:ext cx="10515600" cy="549275"/>
+          </a:xfrm>
+        </p:spPr>
+        <p:txBody>
+          <a:bodyPr>
+            <a:normAutofit/>
+          </a:bodyPr>
+          <a:lstStyle/>
+          <a:p>
+            <a:pPr algn="ctr"/>
+            <a:r>
+              <a:rPr lang="pt-BR" sz="2800" b="1" dirty="0"/>
+              <a:t>O Problema das Máquinas Virtuais</a:t>
+            </a:r>
+          </a:p>
+        </p:txBody>
+      </p:sp>
+      <p:sp>
+        <p:nvSpPr>
+          <p:cNvPr id="10" name="Espaço Reservado para Conteúdo 5"/>
+          <p:cNvSpPr>
+            <a:spLocks noGrp="1"/>
+          </p:cNvSpPr>
+          <p:nvPr>
+            <p:ph idx="1"/>
+          </p:nvPr>
+        </p:nvSpPr>
+        <p:spPr>
+          <a:xfrm>
+            <a:off x="530577" y="757925"/>
+            <a:ext cx="10519064" cy="353902"/>
+          </a:xfrm>
+        </p:spPr>
+        <p:txBody>
+          <a:bodyPr>
+            <a:normAutofit/>
+          </a:bodyPr>
+          <a:lstStyle/>
+          <a:p>
+            <a:r>
+              <a:rPr lang="pt-BR" sz="1600" dirty="0"/>
+              <a:t>A partir daí foi possível colocar nossas aplicações nessas </a:t>
+            </a:r>
+            <a:r>
+              <a:rPr lang="pt-BR" sz="1600" dirty="0" err="1"/>
+              <a:t>VMs</a:t>
+            </a:r>
+            <a:r>
+              <a:rPr lang="pt-BR" sz="1600" dirty="0"/>
+              <a:t>.</a:t>
+            </a:r>
+          </a:p>
+        </p:txBody>
+      </p:sp>
+      <p:pic>
+        <p:nvPicPr>
+          <p:cNvPr id="3" name="Imagem 2"/>
+          <p:cNvPicPr>
+            <a:picLocks noChangeAspect="1"/>
+          </p:cNvPicPr>
+          <p:nvPr/>
+        </p:nvPicPr>
+        <p:blipFill>
+          <a:blip r:embed="rId2"/>
+          <a:stretch>
+            <a:fillRect/>
+          </a:stretch>
+        </p:blipFill>
+        <p:spPr>
+          <a:xfrm>
+            <a:off x="4643004" y="1038225"/>
+            <a:ext cx="3238500" cy="3409950"/>
+          </a:xfrm>
+          <a:prstGeom prst="rect">
+            <a:avLst/>
+          </a:prstGeom>
+        </p:spPr>
+      </p:pic>
+      <p:sp>
+        <p:nvSpPr>
+          <p:cNvPr id="7" name="Espaço Reservado para Conteúdo 5"/>
+          <p:cNvSpPr txBox="1">
+            <a:spLocks/>
+          </p:cNvSpPr>
+          <p:nvPr/>
+        </p:nvSpPr>
+        <p:spPr>
+          <a:xfrm>
+            <a:off x="530577" y="4551523"/>
+            <a:ext cx="10519064" cy="2025921"/>
+          </a:xfrm>
+          <a:prstGeom prst="rect">
+            <a:avLst/>
+          </a:prstGeom>
+        </p:spPr>
+        <p:txBody>
+          <a:bodyPr vert="horz" lIns="91440" tIns="45720" rIns="91440" bIns="45720" rtlCol="0">
+            <a:noAutofit/>
+          </a:bodyPr>
+          <a:lstStyle>
+            <a:lvl1pPr marL="228600" indent="-228600" algn="l" defTabSz="914400" rtl="0" eaLnBrk="1" latinLnBrk="0" hangingPunct="1">
+              <a:lnSpc>
+                <a:spcPct val="90000"/>
+              </a:lnSpc>
+              <a:spcBef>
+                <a:spcPts val="1000"/>
+              </a:spcBef>
+              <a:buFont typeface="Arial" panose="020B0604020202020204" pitchFamily="34" charset="0"/>
+              <a:buChar char="•"/>
+              <a:defRPr sz="2800" kern="1200">
+                <a:solidFill>
+                  <a:schemeClr val="tx1"/>
+                </a:solidFill>
+                <a:latin typeface="+mn-lt"/>
+                <a:ea typeface="+mn-ea"/>
+                <a:cs typeface="+mn-cs"/>
+              </a:defRPr>
+            </a:lvl1pPr>
+            <a:lvl2pPr marL="685800" indent="-228600" algn="l" defTabSz="914400" rtl="0" eaLnBrk="1" latinLnBrk="0" hangingPunct="1">
+              <a:lnSpc>
+                <a:spcPct val="90000"/>
+              </a:lnSpc>
+              <a:spcBef>
+                <a:spcPts val="500"/>
+              </a:spcBef>
+              <a:buFont typeface="Arial" panose="020B0604020202020204" pitchFamily="34" charset="0"/>
+              <a:buChar char="•"/>
+              <a:defRPr sz="2400" kern="1200">
+                <a:solidFill>
+                  <a:schemeClr val="tx1"/>
+                </a:solidFill>
+                <a:latin typeface="+mn-lt"/>
+                <a:ea typeface="+mn-ea"/>
+                <a:cs typeface="+mn-cs"/>
+              </a:defRPr>
+            </a:lvl2pPr>
+            <a:lvl3pPr marL="1143000" indent="-228600" algn="l" defTabSz="914400" rtl="0" eaLnBrk="1" latinLnBrk="0" hangingPunct="1">
+              <a:lnSpc>
+                <a:spcPct val="90000"/>
+              </a:lnSpc>
+              <a:spcBef>
+                <a:spcPts val="500"/>
+              </a:spcBef>
+              <a:buFont typeface="Arial" panose="020B0604020202020204" pitchFamily="34" charset="0"/>
+              <a:buChar char="•"/>
+              <a:defRPr sz="2000" kern="1200">
+                <a:solidFill>
+                  <a:schemeClr val="tx1"/>
+                </a:solidFill>
+                <a:latin typeface="+mn-lt"/>
+                <a:ea typeface="+mn-ea"/>
+                <a:cs typeface="+mn-cs"/>
+              </a:defRPr>
+            </a:lvl3pPr>
+            <a:lvl4pPr marL="1600200" indent="-228600" algn="l" defTabSz="914400" rtl="0" eaLnBrk="1" latinLnBrk="0" hangingPunct="1">
+              <a:lnSpc>
+                <a:spcPct val="90000"/>
+              </a:lnSpc>
+              <a:spcBef>
+                <a:spcPts val="500"/>
+              </a:spcBef>
+              <a:buFont typeface="Arial" panose="020B0604020202020204" pitchFamily="34" charset="0"/>
+              <a:buChar char="•"/>
+              <a:defRPr sz="1800" kern="1200">
+                <a:solidFill>
+                  <a:schemeClr val="tx1"/>
+                </a:solidFill>
+                <a:latin typeface="+mn-lt"/>
+                <a:ea typeface="+mn-ea"/>
+                <a:cs typeface="+mn-cs"/>
+              </a:defRPr>
+            </a:lvl4pPr>
+            <a:lvl5pPr marL="2057400" indent="-228600" algn="l" defTabSz="914400" rtl="0" eaLnBrk="1" latinLnBrk="0" hangingPunct="1">
+              <a:lnSpc>
+                <a:spcPct val="90000"/>
+              </a:lnSpc>
+              <a:spcBef>
+                <a:spcPts val="500"/>
+              </a:spcBef>
+              <a:buFont typeface="Arial" panose="020B0604020202020204" pitchFamily="34" charset="0"/>
+              <a:buChar char="•"/>
+              <a:defRPr sz="1800" kern="1200">
+                <a:solidFill>
+                  <a:schemeClr val="tx1"/>
+                </a:solidFill>
+                <a:latin typeface="+mn-lt"/>
+                <a:ea typeface="+mn-ea"/>
+                <a:cs typeface="+mn-cs"/>
+              </a:defRPr>
+            </a:lvl5pPr>
+            <a:lvl6pPr marL="2514600" indent="-228600" algn="l" defTabSz="914400" rtl="0" eaLnBrk="1" latinLnBrk="0" hangingPunct="1">
+              <a:lnSpc>
+                <a:spcPct val="90000"/>
+              </a:lnSpc>
+              <a:spcBef>
+                <a:spcPts val="500"/>
+              </a:spcBef>
+              <a:buFont typeface="Arial" panose="020B0604020202020204" pitchFamily="34" charset="0"/>
+              <a:buChar char="•"/>
+              <a:defRPr sz="1800" kern="1200">
+                <a:solidFill>
+                  <a:schemeClr val="tx1"/>
+                </a:solidFill>
+                <a:latin typeface="+mn-lt"/>
+                <a:ea typeface="+mn-ea"/>
+                <a:cs typeface="+mn-cs"/>
+              </a:defRPr>
+            </a:lvl6pPr>
+            <a:lvl7pPr marL="2971800" indent="-228600" algn="l" defTabSz="914400" rtl="0" eaLnBrk="1" latinLnBrk="0" hangingPunct="1">
+              <a:lnSpc>
+                <a:spcPct val="90000"/>
+              </a:lnSpc>
+              <a:spcBef>
+                <a:spcPts val="500"/>
+              </a:spcBef>
+              <a:buFont typeface="Arial" panose="020B0604020202020204" pitchFamily="34" charset="0"/>
+              <a:buChar char="•"/>
+              <a:defRPr sz="1800" kern="1200">
+                <a:solidFill>
+                  <a:schemeClr val="tx1"/>
+                </a:solidFill>
+                <a:latin typeface="+mn-lt"/>
+                <a:ea typeface="+mn-ea"/>
+                <a:cs typeface="+mn-cs"/>
+              </a:defRPr>
+            </a:lvl7pPr>
+            <a:lvl8pPr marL="3429000" indent="-228600" algn="l" defTabSz="914400" rtl="0" eaLnBrk="1" latinLnBrk="0" hangingPunct="1">
+              <a:lnSpc>
+                <a:spcPct val="90000"/>
+              </a:lnSpc>
+              <a:spcBef>
+                <a:spcPts val="500"/>
+              </a:spcBef>
+              <a:buFont typeface="Arial" panose="020B0604020202020204" pitchFamily="34" charset="0"/>
+              <a:buChar char="•"/>
+              <a:defRPr sz="1800" kern="1200">
+                <a:solidFill>
+                  <a:schemeClr val="tx1"/>
+                </a:solidFill>
+                <a:latin typeface="+mn-lt"/>
+                <a:ea typeface="+mn-ea"/>
+                <a:cs typeface="+mn-cs"/>
+              </a:defRPr>
+            </a:lvl8pPr>
+            <a:lvl9pPr marL="3886200" indent="-228600" algn="l" defTabSz="914400" rtl="0" eaLnBrk="1" latinLnBrk="0" hangingPunct="1">
+              <a:lnSpc>
+                <a:spcPct val="90000"/>
+              </a:lnSpc>
+              <a:spcBef>
+                <a:spcPts val="500"/>
+              </a:spcBef>
+              <a:buFont typeface="Arial" panose="020B0604020202020204" pitchFamily="34" charset="0"/>
+              <a:buChar char="•"/>
+              <a:defRPr sz="1800" kern="1200">
+                <a:solidFill>
+                  <a:schemeClr val="tx1"/>
+                </a:solidFill>
+                <a:latin typeface="+mn-lt"/>
+                <a:ea typeface="+mn-ea"/>
+                <a:cs typeface="+mn-cs"/>
+              </a:defRPr>
+            </a:lvl9pPr>
+          </a:lstStyle>
+          <a:p>
+            <a:r>
+              <a:rPr lang="pt-BR" sz="1600" dirty="0"/>
+              <a:t>Problemas nessa arquitetura: </a:t>
+            </a:r>
+          </a:p>
+          <a:p>
+            <a:pPr lvl="1"/>
+            <a:r>
+              <a:rPr lang="pt-BR" sz="1600" dirty="0"/>
+              <a:t>Cada aplicação precisa de um S.O. específico</a:t>
+            </a:r>
+          </a:p>
+          <a:p>
+            <a:pPr lvl="1"/>
+            <a:r>
+              <a:rPr lang="pt-BR" sz="1600" dirty="0"/>
+              <a:t>Custo alto de configurações</a:t>
+            </a:r>
+          </a:p>
+          <a:p>
+            <a:pPr lvl="1"/>
+            <a:r>
+              <a:rPr lang="pt-BR" sz="1600" dirty="0"/>
+              <a:t>Tempo alto de manutenção dessas máquinas virtuais. Ao invés de se gastar tempo com o Core da empresa, gasta-se com softwares de infraestrutura</a:t>
+            </a:r>
+          </a:p>
+          <a:p>
+            <a:pPr marL="457200" lvl="1" indent="0">
+              <a:buNone/>
+            </a:pPr>
+            <a:endParaRPr lang="pt-BR" sz="1600" dirty="0"/>
+          </a:p>
+          <a:p>
+            <a:r>
+              <a:rPr lang="pt-BR" sz="2000" dirty="0"/>
+              <a:t>Com isso deu-se origem aos Containers</a:t>
+            </a:r>
+          </a:p>
+        </p:txBody>
+      </p:sp>
+    </p:spTree>
+    <p:extLst>
+      <p:ext uri="{BB962C8B-B14F-4D97-AF65-F5344CB8AC3E}">
+        <p14:creationId xmlns:p14="http://schemas.microsoft.com/office/powerpoint/2010/main" val="2702824203"/>
+      </p:ext>
+    </p:extLst>
+  </p:cSld>
+  <p:clrMapOvr>
+    <a:masterClrMapping/>
+  </p:clrMapOvr>
+</p:sld>
+</file>
+
+<file path=ppt/slides/slide6.xml><?xml version="1.0" encoding="utf-8"?>
+<p:sld xmlns:a="http://schemas.openxmlformats.org/drawingml/2006/main" xmlns:r="http://schemas.openxmlformats.org/officeDocument/2006/relationships" xmlns:p="http://schemas.openxmlformats.org/presentationml/2006/main">
+  <p:cSld>
+    <p:spTree>
+      <p:nvGrpSpPr>
+        <p:cNvPr id="1" name=""/>
+        <p:cNvGrpSpPr/>
+        <p:nvPr/>
+      </p:nvGrpSpPr>
+      <p:grpSpPr>
+        <a:xfrm>
+          <a:off x="0" y="0"/>
+          <a:ext cx="0" cy="0"/>
+          <a:chOff x="0" y="0"/>
+          <a:chExt cx="0" cy="0"/>
+        </a:xfrm>
+      </p:grpSpPr>
+      <p:sp>
+        <p:nvSpPr>
+          <p:cNvPr id="2" name="Título 1"/>
+          <p:cNvSpPr>
+            <a:spLocks noGrp="1"/>
+          </p:cNvSpPr>
+          <p:nvPr>
+            <p:ph type="title"/>
+          </p:nvPr>
+        </p:nvSpPr>
+        <p:spPr>
+          <a:xfrm>
+            <a:off x="759177" y="89552"/>
+            <a:ext cx="10515600" cy="549275"/>
+          </a:xfrm>
+        </p:spPr>
+        <p:txBody>
+          <a:bodyPr>
+            <a:normAutofit/>
+          </a:bodyPr>
+          <a:lstStyle/>
+          <a:p>
+            <a:pPr algn="ctr"/>
+            <a:r>
+              <a:rPr lang="pt-BR" sz="2800" b="1" dirty="0"/>
               <a:t>Containers</a:t>
             </a:r>
           </a:p>
@@ -13589,7 +16569,7 @@
 </p:sld>
 </file>
 
-<file path=ppt/slides/slide5.xml><?xml version="1.0" encoding="utf-8"?>
+<file path=ppt/slides/slide7.xml><?xml version="1.0" encoding="utf-8"?>
 <p:sld xmlns:a="http://schemas.openxmlformats.org/drawingml/2006/main" xmlns:r="http://schemas.openxmlformats.org/officeDocument/2006/relationships" xmlns:p="http://schemas.openxmlformats.org/presentationml/2006/main">
   <p:cSld>
     <p:spTree>
@@ -13999,7 +16979,7 @@
 </p:sld>
 </file>
 
-<file path=ppt/slides/slide6.xml><?xml version="1.0" encoding="utf-8"?>
+<file path=ppt/slides/slide8.xml><?xml version="1.0" encoding="utf-8"?>
 <p:sld xmlns:a="http://schemas.openxmlformats.org/drawingml/2006/main" xmlns:r="http://schemas.openxmlformats.org/officeDocument/2006/relationships" xmlns:p="http://schemas.openxmlformats.org/presentationml/2006/main">
   <p:cSld>
     <p:spTree>
@@ -14640,7 +17620,7 @@
 </p:sld>
 </file>
 
-<file path=ppt/slides/slide7.xml><?xml version="1.0" encoding="utf-8"?>
+<file path=ppt/slides/slide9.xml><?xml version="1.0" encoding="utf-8"?>
 <p:sld xmlns:a="http://schemas.openxmlformats.org/drawingml/2006/main" xmlns:r="http://schemas.openxmlformats.org/officeDocument/2006/relationships" xmlns:p="http://schemas.openxmlformats.org/presentationml/2006/main">
   <p:cSld>
     <p:spTree>
@@ -15352,1316 +18332,6 @@
     <p:extLst>
       <p:ext uri="{BB962C8B-B14F-4D97-AF65-F5344CB8AC3E}">
         <p14:creationId xmlns:p14="http://schemas.microsoft.com/office/powerpoint/2010/main" val="665658361"/>
-      </p:ext>
-    </p:extLst>
-  </p:cSld>
-  <p:clrMapOvr>
-    <a:masterClrMapping/>
-  </p:clrMapOvr>
-</p:sld>
-</file>
-
-<file path=ppt/slides/slide8.xml><?xml version="1.0" encoding="utf-8"?>
-<p:sld xmlns:a="http://schemas.openxmlformats.org/drawingml/2006/main" xmlns:r="http://schemas.openxmlformats.org/officeDocument/2006/relationships" xmlns:p="http://schemas.openxmlformats.org/presentationml/2006/main">
-  <p:cSld>
-    <p:spTree>
-      <p:nvGrpSpPr>
-        <p:cNvPr id="1" name=""/>
-        <p:cNvGrpSpPr/>
-        <p:nvPr/>
-      </p:nvGrpSpPr>
-      <p:grpSpPr>
-        <a:xfrm>
-          <a:off x="0" y="0"/>
-          <a:ext cx="0" cy="0"/>
-          <a:chOff x="0" y="0"/>
-          <a:chExt cx="0" cy="0"/>
-        </a:xfrm>
-      </p:grpSpPr>
-      <p:sp>
-        <p:nvSpPr>
-          <p:cNvPr id="4" name="Título 1"/>
-          <p:cNvSpPr txBox="1">
-            <a:spLocks/>
-          </p:cNvSpPr>
-          <p:nvPr/>
-        </p:nvSpPr>
-        <p:spPr>
-          <a:xfrm>
-            <a:off x="125627" y="115678"/>
-            <a:ext cx="11800761" cy="549275"/>
-          </a:xfrm>
-          <a:prstGeom prst="rect">
-            <a:avLst/>
-          </a:prstGeom>
-        </p:spPr>
-        <p:txBody>
-          <a:bodyPr vert="horz" lIns="91440" tIns="45720" rIns="91440" bIns="45720" rtlCol="0" anchor="ctr">
-            <a:normAutofit/>
-          </a:bodyPr>
-          <a:lstStyle>
-            <a:lvl1pPr algn="l" defTabSz="914400" rtl="0" eaLnBrk="1" latinLnBrk="0" hangingPunct="1">
-              <a:lnSpc>
-                <a:spcPct val="90000"/>
-              </a:lnSpc>
-              <a:spcBef>
-                <a:spcPct val="0"/>
-              </a:spcBef>
-              <a:buNone/>
-              <a:defRPr sz="4400" kern="1200">
-                <a:solidFill>
-                  <a:schemeClr val="tx1"/>
-                </a:solidFill>
-                <a:latin typeface="+mj-lt"/>
-                <a:ea typeface="+mj-ea"/>
-                <a:cs typeface="+mj-cs"/>
-              </a:defRPr>
-            </a:lvl1pPr>
-          </a:lstStyle>
-          <a:p>
-            <a:pPr algn="ctr"/>
-            <a:r>
-              <a:rPr lang="pt-BR" sz="2800" b="1" dirty="0"/>
-              <a:t>Diferença entre Imagens e Containers  - E alguns comandos</a:t>
-            </a:r>
-          </a:p>
-        </p:txBody>
-      </p:sp>
-      <p:sp>
-        <p:nvSpPr>
-          <p:cNvPr id="5" name="Espaço Reservado para Conteúdo 5"/>
-          <p:cNvSpPr txBox="1">
-            <a:spLocks/>
-          </p:cNvSpPr>
-          <p:nvPr/>
-        </p:nvSpPr>
-        <p:spPr>
-          <a:xfrm>
-            <a:off x="504450" y="1084496"/>
-            <a:ext cx="11421938" cy="3317687"/>
-          </a:xfrm>
-          <a:prstGeom prst="rect">
-            <a:avLst/>
-          </a:prstGeom>
-        </p:spPr>
-        <p:txBody>
-          <a:bodyPr vert="horz" lIns="91440" tIns="45720" rIns="91440" bIns="45720" rtlCol="0">
-            <a:normAutofit/>
-          </a:bodyPr>
-          <a:lstStyle>
-            <a:lvl1pPr marL="228600" indent="-228600" algn="l" defTabSz="914400" rtl="0" eaLnBrk="1" latinLnBrk="0" hangingPunct="1">
-              <a:lnSpc>
-                <a:spcPct val="90000"/>
-              </a:lnSpc>
-              <a:spcBef>
-                <a:spcPts val="1000"/>
-              </a:spcBef>
-              <a:buFont typeface="Arial" panose="020B0604020202020204" pitchFamily="34" charset="0"/>
-              <a:buChar char="•"/>
-              <a:defRPr sz="2800" kern="1200">
-                <a:solidFill>
-                  <a:schemeClr val="tx1"/>
-                </a:solidFill>
-                <a:latin typeface="+mn-lt"/>
-                <a:ea typeface="+mn-ea"/>
-                <a:cs typeface="+mn-cs"/>
-              </a:defRPr>
-            </a:lvl1pPr>
-            <a:lvl2pPr marL="685800" indent="-228600" algn="l" defTabSz="914400" rtl="0" eaLnBrk="1" latinLnBrk="0" hangingPunct="1">
-              <a:lnSpc>
-                <a:spcPct val="90000"/>
-              </a:lnSpc>
-              <a:spcBef>
-                <a:spcPts val="500"/>
-              </a:spcBef>
-              <a:buFont typeface="Arial" panose="020B0604020202020204" pitchFamily="34" charset="0"/>
-              <a:buChar char="•"/>
-              <a:defRPr sz="2400" kern="1200">
-                <a:solidFill>
-                  <a:schemeClr val="tx1"/>
-                </a:solidFill>
-                <a:latin typeface="+mn-lt"/>
-                <a:ea typeface="+mn-ea"/>
-                <a:cs typeface="+mn-cs"/>
-              </a:defRPr>
-            </a:lvl2pPr>
-            <a:lvl3pPr marL="1143000" indent="-228600" algn="l" defTabSz="914400" rtl="0" eaLnBrk="1" latinLnBrk="0" hangingPunct="1">
-              <a:lnSpc>
-                <a:spcPct val="90000"/>
-              </a:lnSpc>
-              <a:spcBef>
-                <a:spcPts val="500"/>
-              </a:spcBef>
-              <a:buFont typeface="Arial" panose="020B0604020202020204" pitchFamily="34" charset="0"/>
-              <a:buChar char="•"/>
-              <a:defRPr sz="2000" kern="1200">
-                <a:solidFill>
-                  <a:schemeClr val="tx1"/>
-                </a:solidFill>
-                <a:latin typeface="+mn-lt"/>
-                <a:ea typeface="+mn-ea"/>
-                <a:cs typeface="+mn-cs"/>
-              </a:defRPr>
-            </a:lvl3pPr>
-            <a:lvl4pPr marL="1600200" indent="-228600" algn="l" defTabSz="914400" rtl="0" eaLnBrk="1" latinLnBrk="0" hangingPunct="1">
-              <a:lnSpc>
-                <a:spcPct val="90000"/>
-              </a:lnSpc>
-              <a:spcBef>
-                <a:spcPts val="500"/>
-              </a:spcBef>
-              <a:buFont typeface="Arial" panose="020B0604020202020204" pitchFamily="34" charset="0"/>
-              <a:buChar char="•"/>
-              <a:defRPr sz="1800" kern="1200">
-                <a:solidFill>
-                  <a:schemeClr val="tx1"/>
-                </a:solidFill>
-                <a:latin typeface="+mn-lt"/>
-                <a:ea typeface="+mn-ea"/>
-                <a:cs typeface="+mn-cs"/>
-              </a:defRPr>
-            </a:lvl4pPr>
-            <a:lvl5pPr marL="2057400" indent="-228600" algn="l" defTabSz="914400" rtl="0" eaLnBrk="1" latinLnBrk="0" hangingPunct="1">
-              <a:lnSpc>
-                <a:spcPct val="90000"/>
-              </a:lnSpc>
-              <a:spcBef>
-                <a:spcPts val="500"/>
-              </a:spcBef>
-              <a:buFont typeface="Arial" panose="020B0604020202020204" pitchFamily="34" charset="0"/>
-              <a:buChar char="•"/>
-              <a:defRPr sz="1800" kern="1200">
-                <a:solidFill>
-                  <a:schemeClr val="tx1"/>
-                </a:solidFill>
-                <a:latin typeface="+mn-lt"/>
-                <a:ea typeface="+mn-ea"/>
-                <a:cs typeface="+mn-cs"/>
-              </a:defRPr>
-            </a:lvl5pPr>
-            <a:lvl6pPr marL="2514600" indent="-228600" algn="l" defTabSz="914400" rtl="0" eaLnBrk="1" latinLnBrk="0" hangingPunct="1">
-              <a:lnSpc>
-                <a:spcPct val="90000"/>
-              </a:lnSpc>
-              <a:spcBef>
-                <a:spcPts val="500"/>
-              </a:spcBef>
-              <a:buFont typeface="Arial" panose="020B0604020202020204" pitchFamily="34" charset="0"/>
-              <a:buChar char="•"/>
-              <a:defRPr sz="1800" kern="1200">
-                <a:solidFill>
-                  <a:schemeClr val="tx1"/>
-                </a:solidFill>
-                <a:latin typeface="+mn-lt"/>
-                <a:ea typeface="+mn-ea"/>
-                <a:cs typeface="+mn-cs"/>
-              </a:defRPr>
-            </a:lvl6pPr>
-            <a:lvl7pPr marL="2971800" indent="-228600" algn="l" defTabSz="914400" rtl="0" eaLnBrk="1" latinLnBrk="0" hangingPunct="1">
-              <a:lnSpc>
-                <a:spcPct val="90000"/>
-              </a:lnSpc>
-              <a:spcBef>
-                <a:spcPts val="500"/>
-              </a:spcBef>
-              <a:buFont typeface="Arial" panose="020B0604020202020204" pitchFamily="34" charset="0"/>
-              <a:buChar char="•"/>
-              <a:defRPr sz="1800" kern="1200">
-                <a:solidFill>
-                  <a:schemeClr val="tx1"/>
-                </a:solidFill>
-                <a:latin typeface="+mn-lt"/>
-                <a:ea typeface="+mn-ea"/>
-                <a:cs typeface="+mn-cs"/>
-              </a:defRPr>
-            </a:lvl7pPr>
-            <a:lvl8pPr marL="3429000" indent="-228600" algn="l" defTabSz="914400" rtl="0" eaLnBrk="1" latinLnBrk="0" hangingPunct="1">
-              <a:lnSpc>
-                <a:spcPct val="90000"/>
-              </a:lnSpc>
-              <a:spcBef>
-                <a:spcPts val="500"/>
-              </a:spcBef>
-              <a:buFont typeface="Arial" panose="020B0604020202020204" pitchFamily="34" charset="0"/>
-              <a:buChar char="•"/>
-              <a:defRPr sz="1800" kern="1200">
-                <a:solidFill>
-                  <a:schemeClr val="tx1"/>
-                </a:solidFill>
-                <a:latin typeface="+mn-lt"/>
-                <a:ea typeface="+mn-ea"/>
-                <a:cs typeface="+mn-cs"/>
-              </a:defRPr>
-            </a:lvl8pPr>
-            <a:lvl9pPr marL="3886200" indent="-228600" algn="l" defTabSz="914400" rtl="0" eaLnBrk="1" latinLnBrk="0" hangingPunct="1">
-              <a:lnSpc>
-                <a:spcPct val="90000"/>
-              </a:lnSpc>
-              <a:spcBef>
-                <a:spcPts val="500"/>
-              </a:spcBef>
-              <a:buFont typeface="Arial" panose="020B0604020202020204" pitchFamily="34" charset="0"/>
-              <a:buChar char="•"/>
-              <a:defRPr sz="1800" kern="1200">
-                <a:solidFill>
-                  <a:schemeClr val="tx1"/>
-                </a:solidFill>
-                <a:latin typeface="+mn-lt"/>
-                <a:ea typeface="+mn-ea"/>
-                <a:cs typeface="+mn-cs"/>
-              </a:defRPr>
-            </a:lvl9pPr>
-          </a:lstStyle>
-          <a:p>
-            <a:pPr marL="0" indent="0">
-              <a:buNone/>
-            </a:pPr>
-            <a:endParaRPr lang="pt-BR" sz="2000" dirty="0"/>
-          </a:p>
-        </p:txBody>
-      </p:sp>
-      <p:sp>
-        <p:nvSpPr>
-          <p:cNvPr id="8" name="Espaço Reservado para Conteúdo 5"/>
-          <p:cNvSpPr txBox="1">
-            <a:spLocks/>
-          </p:cNvSpPr>
-          <p:nvPr/>
-        </p:nvSpPr>
-        <p:spPr>
-          <a:xfrm>
-            <a:off x="504450" y="4729033"/>
-            <a:ext cx="11134556" cy="1671768"/>
-          </a:xfrm>
-          <a:prstGeom prst="rect">
-            <a:avLst/>
-          </a:prstGeom>
-        </p:spPr>
-        <p:txBody>
-          <a:bodyPr vert="horz" lIns="91440" tIns="45720" rIns="91440" bIns="45720" rtlCol="0">
-            <a:normAutofit/>
-          </a:bodyPr>
-          <a:lstStyle>
-            <a:lvl1pPr marL="228600" indent="-228600" algn="l" defTabSz="914400" rtl="0" eaLnBrk="1" latinLnBrk="0" hangingPunct="1">
-              <a:lnSpc>
-                <a:spcPct val="90000"/>
-              </a:lnSpc>
-              <a:spcBef>
-                <a:spcPts val="1000"/>
-              </a:spcBef>
-              <a:buFont typeface="Arial" panose="020B0604020202020204" pitchFamily="34" charset="0"/>
-              <a:buChar char="•"/>
-              <a:defRPr sz="2800" kern="1200">
-                <a:solidFill>
-                  <a:schemeClr val="tx1"/>
-                </a:solidFill>
-                <a:latin typeface="+mn-lt"/>
-                <a:ea typeface="+mn-ea"/>
-                <a:cs typeface="+mn-cs"/>
-              </a:defRPr>
-            </a:lvl1pPr>
-            <a:lvl2pPr marL="685800" indent="-228600" algn="l" defTabSz="914400" rtl="0" eaLnBrk="1" latinLnBrk="0" hangingPunct="1">
-              <a:lnSpc>
-                <a:spcPct val="90000"/>
-              </a:lnSpc>
-              <a:spcBef>
-                <a:spcPts val="500"/>
-              </a:spcBef>
-              <a:buFont typeface="Arial" panose="020B0604020202020204" pitchFamily="34" charset="0"/>
-              <a:buChar char="•"/>
-              <a:defRPr sz="2400" kern="1200">
-                <a:solidFill>
-                  <a:schemeClr val="tx1"/>
-                </a:solidFill>
-                <a:latin typeface="+mn-lt"/>
-                <a:ea typeface="+mn-ea"/>
-                <a:cs typeface="+mn-cs"/>
-              </a:defRPr>
-            </a:lvl2pPr>
-            <a:lvl3pPr marL="1143000" indent="-228600" algn="l" defTabSz="914400" rtl="0" eaLnBrk="1" latinLnBrk="0" hangingPunct="1">
-              <a:lnSpc>
-                <a:spcPct val="90000"/>
-              </a:lnSpc>
-              <a:spcBef>
-                <a:spcPts val="500"/>
-              </a:spcBef>
-              <a:buFont typeface="Arial" panose="020B0604020202020204" pitchFamily="34" charset="0"/>
-              <a:buChar char="•"/>
-              <a:defRPr sz="2000" kern="1200">
-                <a:solidFill>
-                  <a:schemeClr val="tx1"/>
-                </a:solidFill>
-                <a:latin typeface="+mn-lt"/>
-                <a:ea typeface="+mn-ea"/>
-                <a:cs typeface="+mn-cs"/>
-              </a:defRPr>
-            </a:lvl3pPr>
-            <a:lvl4pPr marL="1600200" indent="-228600" algn="l" defTabSz="914400" rtl="0" eaLnBrk="1" latinLnBrk="0" hangingPunct="1">
-              <a:lnSpc>
-                <a:spcPct val="90000"/>
-              </a:lnSpc>
-              <a:spcBef>
-                <a:spcPts val="500"/>
-              </a:spcBef>
-              <a:buFont typeface="Arial" panose="020B0604020202020204" pitchFamily="34" charset="0"/>
-              <a:buChar char="•"/>
-              <a:defRPr sz="1800" kern="1200">
-                <a:solidFill>
-                  <a:schemeClr val="tx1"/>
-                </a:solidFill>
-                <a:latin typeface="+mn-lt"/>
-                <a:ea typeface="+mn-ea"/>
-                <a:cs typeface="+mn-cs"/>
-              </a:defRPr>
-            </a:lvl4pPr>
-            <a:lvl5pPr marL="2057400" indent="-228600" algn="l" defTabSz="914400" rtl="0" eaLnBrk="1" latinLnBrk="0" hangingPunct="1">
-              <a:lnSpc>
-                <a:spcPct val="90000"/>
-              </a:lnSpc>
-              <a:spcBef>
-                <a:spcPts val="500"/>
-              </a:spcBef>
-              <a:buFont typeface="Arial" panose="020B0604020202020204" pitchFamily="34" charset="0"/>
-              <a:buChar char="•"/>
-              <a:defRPr sz="1800" kern="1200">
-                <a:solidFill>
-                  <a:schemeClr val="tx1"/>
-                </a:solidFill>
-                <a:latin typeface="+mn-lt"/>
-                <a:ea typeface="+mn-ea"/>
-                <a:cs typeface="+mn-cs"/>
-              </a:defRPr>
-            </a:lvl5pPr>
-            <a:lvl6pPr marL="2514600" indent="-228600" algn="l" defTabSz="914400" rtl="0" eaLnBrk="1" latinLnBrk="0" hangingPunct="1">
-              <a:lnSpc>
-                <a:spcPct val="90000"/>
-              </a:lnSpc>
-              <a:spcBef>
-                <a:spcPts val="500"/>
-              </a:spcBef>
-              <a:buFont typeface="Arial" panose="020B0604020202020204" pitchFamily="34" charset="0"/>
-              <a:buChar char="•"/>
-              <a:defRPr sz="1800" kern="1200">
-                <a:solidFill>
-                  <a:schemeClr val="tx1"/>
-                </a:solidFill>
-                <a:latin typeface="+mn-lt"/>
-                <a:ea typeface="+mn-ea"/>
-                <a:cs typeface="+mn-cs"/>
-              </a:defRPr>
-            </a:lvl6pPr>
-            <a:lvl7pPr marL="2971800" indent="-228600" algn="l" defTabSz="914400" rtl="0" eaLnBrk="1" latinLnBrk="0" hangingPunct="1">
-              <a:lnSpc>
-                <a:spcPct val="90000"/>
-              </a:lnSpc>
-              <a:spcBef>
-                <a:spcPts val="500"/>
-              </a:spcBef>
-              <a:buFont typeface="Arial" panose="020B0604020202020204" pitchFamily="34" charset="0"/>
-              <a:buChar char="•"/>
-              <a:defRPr sz="1800" kern="1200">
-                <a:solidFill>
-                  <a:schemeClr val="tx1"/>
-                </a:solidFill>
-                <a:latin typeface="+mn-lt"/>
-                <a:ea typeface="+mn-ea"/>
-                <a:cs typeface="+mn-cs"/>
-              </a:defRPr>
-            </a:lvl7pPr>
-            <a:lvl8pPr marL="3429000" indent="-228600" algn="l" defTabSz="914400" rtl="0" eaLnBrk="1" latinLnBrk="0" hangingPunct="1">
-              <a:lnSpc>
-                <a:spcPct val="90000"/>
-              </a:lnSpc>
-              <a:spcBef>
-                <a:spcPts val="500"/>
-              </a:spcBef>
-              <a:buFont typeface="Arial" panose="020B0604020202020204" pitchFamily="34" charset="0"/>
-              <a:buChar char="•"/>
-              <a:defRPr sz="1800" kern="1200">
-                <a:solidFill>
-                  <a:schemeClr val="tx1"/>
-                </a:solidFill>
-                <a:latin typeface="+mn-lt"/>
-                <a:ea typeface="+mn-ea"/>
-                <a:cs typeface="+mn-cs"/>
-              </a:defRPr>
-            </a:lvl8pPr>
-            <a:lvl9pPr marL="3886200" indent="-228600" algn="l" defTabSz="914400" rtl="0" eaLnBrk="1" latinLnBrk="0" hangingPunct="1">
-              <a:lnSpc>
-                <a:spcPct val="90000"/>
-              </a:lnSpc>
-              <a:spcBef>
-                <a:spcPts val="500"/>
-              </a:spcBef>
-              <a:buFont typeface="Arial" panose="020B0604020202020204" pitchFamily="34" charset="0"/>
-              <a:buChar char="•"/>
-              <a:defRPr sz="1800" kern="1200">
-                <a:solidFill>
-                  <a:schemeClr val="tx1"/>
-                </a:solidFill>
-                <a:latin typeface="+mn-lt"/>
-                <a:ea typeface="+mn-ea"/>
-                <a:cs typeface="+mn-cs"/>
-              </a:defRPr>
-            </a:lvl9pPr>
-          </a:lstStyle>
-          <a:p>
-            <a:endParaRPr lang="pt-BR" sz="2000" dirty="0"/>
-          </a:p>
-        </p:txBody>
-      </p:sp>
-      <p:sp>
-        <p:nvSpPr>
-          <p:cNvPr id="3" name="CaixaDeTexto 2"/>
-          <p:cNvSpPr txBox="1"/>
-          <p:nvPr/>
-        </p:nvSpPr>
-        <p:spPr>
-          <a:xfrm>
-            <a:off x="332016" y="1084496"/>
-            <a:ext cx="5883403" cy="3970318"/>
-          </a:xfrm>
-          <a:prstGeom prst="rect">
-            <a:avLst/>
-          </a:prstGeom>
-          <a:noFill/>
-        </p:spPr>
-        <p:txBody>
-          <a:bodyPr wrap="square" rtlCol="0">
-            <a:spAutoFit/>
-          </a:bodyPr>
-          <a:lstStyle/>
-          <a:p>
-            <a:endParaRPr lang="pt-BR" dirty="0"/>
-          </a:p>
-          <a:p>
-            <a:pPr marL="285750" indent="-285750">
-              <a:buFont typeface="Wingdings" panose="05000000000000000000" pitchFamily="2" charset="2"/>
-              <a:buChar char="Ø"/>
-            </a:pPr>
-            <a:r>
-              <a:rPr lang="pt-BR" dirty="0" err="1"/>
-              <a:t>docker</a:t>
-            </a:r>
-            <a:r>
-              <a:rPr lang="pt-BR" dirty="0"/>
-              <a:t> </a:t>
-            </a:r>
-            <a:r>
-              <a:rPr lang="pt-BR" dirty="0" err="1"/>
-              <a:t>run</a:t>
-            </a:r>
-            <a:r>
-              <a:rPr lang="pt-BR" dirty="0"/>
-              <a:t> </a:t>
-            </a:r>
-            <a:r>
-              <a:rPr lang="pt-BR" dirty="0" err="1"/>
-              <a:t>ubuntu</a:t>
-            </a:r>
-            <a:r>
-              <a:rPr lang="pt-BR" dirty="0"/>
-              <a:t> </a:t>
-            </a:r>
-            <a:r>
-              <a:rPr lang="pt-BR" dirty="0" err="1"/>
-              <a:t>echo</a:t>
-            </a:r>
-            <a:r>
-              <a:rPr lang="pt-BR" dirty="0"/>
-              <a:t> “ Olá Mundo!”</a:t>
-            </a:r>
-          </a:p>
-          <a:p>
-            <a:pPr marL="285750" indent="-285750">
-              <a:buFont typeface="Wingdings" panose="05000000000000000000" pitchFamily="2" charset="2"/>
-              <a:buChar char="Ø"/>
-            </a:pPr>
-            <a:endParaRPr lang="pt-BR" dirty="0"/>
-          </a:p>
-          <a:p>
-            <a:pPr marL="285750" indent="-285750">
-              <a:buFont typeface="Wingdings" panose="05000000000000000000" pitchFamily="2" charset="2"/>
-              <a:buChar char="Ø"/>
-            </a:pPr>
-            <a:r>
-              <a:rPr lang="pt-BR" dirty="0" err="1"/>
-              <a:t>docker</a:t>
-            </a:r>
-            <a:r>
-              <a:rPr lang="pt-BR" dirty="0"/>
-              <a:t> </a:t>
-            </a:r>
-            <a:r>
-              <a:rPr lang="pt-BR" dirty="0" err="1"/>
-              <a:t>run</a:t>
-            </a:r>
-            <a:r>
-              <a:rPr lang="pt-BR" dirty="0"/>
-              <a:t> -it </a:t>
-            </a:r>
-            <a:r>
-              <a:rPr lang="pt-BR" dirty="0" err="1"/>
-              <a:t>ubuntu</a:t>
-            </a:r>
-            <a:r>
-              <a:rPr lang="pt-BR" dirty="0"/>
-              <a:t>  - </a:t>
-            </a:r>
-            <a:r>
-              <a:rPr lang="pt-BR" b="1" dirty="0"/>
-              <a:t>Trabalhar dentro do Container</a:t>
-            </a:r>
-          </a:p>
-          <a:p>
-            <a:pPr marL="285750" indent="-285750">
-              <a:buFont typeface="Wingdings" panose="05000000000000000000" pitchFamily="2" charset="2"/>
-              <a:buChar char="Ø"/>
-            </a:pPr>
-            <a:endParaRPr lang="pt-BR" dirty="0"/>
-          </a:p>
-          <a:p>
-            <a:pPr marL="285750" indent="-285750">
-              <a:buFont typeface="Wingdings" panose="05000000000000000000" pitchFamily="2" charset="2"/>
-              <a:buChar char="Ø"/>
-            </a:pPr>
-            <a:r>
-              <a:rPr lang="pt-BR" dirty="0" err="1"/>
-              <a:t>docker</a:t>
-            </a:r>
-            <a:r>
-              <a:rPr lang="pt-BR" dirty="0"/>
-              <a:t> start –help - </a:t>
-            </a:r>
-            <a:r>
-              <a:rPr lang="pt-BR" b="1" dirty="0"/>
-              <a:t>Ajuda sobre comandos</a:t>
-            </a:r>
-          </a:p>
-          <a:p>
-            <a:endParaRPr lang="pt-BR" dirty="0"/>
-          </a:p>
-          <a:p>
-            <a:pPr marL="285750" indent="-285750">
-              <a:buFont typeface="Wingdings" panose="05000000000000000000" pitchFamily="2" charset="2"/>
-              <a:buChar char="Ø"/>
-            </a:pPr>
-            <a:r>
-              <a:rPr lang="pt-BR" dirty="0" err="1"/>
-              <a:t>docker</a:t>
-            </a:r>
-            <a:r>
-              <a:rPr lang="pt-BR" dirty="0"/>
-              <a:t> start 4139842e283a – </a:t>
-            </a:r>
-            <a:r>
-              <a:rPr lang="pt-BR" b="1" dirty="0"/>
-              <a:t>Iniciar um container</a:t>
-            </a:r>
-          </a:p>
-          <a:p>
-            <a:endParaRPr lang="pt-BR" dirty="0"/>
-          </a:p>
-          <a:p>
-            <a:pPr marL="285750" indent="-285750">
-              <a:buFont typeface="Wingdings" panose="05000000000000000000" pitchFamily="2" charset="2"/>
-              <a:buChar char="Ø"/>
-            </a:pPr>
-            <a:r>
-              <a:rPr lang="pt-BR" dirty="0" err="1"/>
-              <a:t>docker</a:t>
-            </a:r>
-            <a:r>
-              <a:rPr lang="pt-BR" dirty="0"/>
-              <a:t> stop 4139842e283a – </a:t>
-            </a:r>
-            <a:r>
-              <a:rPr lang="pt-BR" b="1" dirty="0"/>
-              <a:t>Parar um container</a:t>
-            </a:r>
-          </a:p>
-          <a:p>
-            <a:endParaRPr lang="pt-BR" dirty="0"/>
-          </a:p>
-          <a:p>
-            <a:pPr marL="285750" indent="-285750">
-              <a:buFont typeface="Wingdings" panose="05000000000000000000" pitchFamily="2" charset="2"/>
-              <a:buChar char="Ø"/>
-            </a:pPr>
-            <a:r>
-              <a:rPr lang="pt-BR" dirty="0" err="1"/>
-              <a:t>docker</a:t>
-            </a:r>
-            <a:r>
-              <a:rPr lang="pt-BR" dirty="0"/>
-              <a:t> start –a –i 4139842e283a – </a:t>
-            </a:r>
-            <a:r>
-              <a:rPr lang="pt-BR" b="1" dirty="0"/>
-              <a:t>Iniciar um container e já acessá-lo ( -a </a:t>
-            </a:r>
-            <a:r>
-              <a:rPr lang="pt-BR" b="1" dirty="0" err="1"/>
-              <a:t>attach</a:t>
-            </a:r>
-            <a:r>
-              <a:rPr lang="pt-BR" b="1" dirty="0"/>
-              <a:t> / -i </a:t>
-            </a:r>
-            <a:r>
-              <a:rPr lang="pt-BR" b="1" dirty="0" err="1"/>
-              <a:t>interactive</a:t>
-            </a:r>
-            <a:r>
-              <a:rPr lang="pt-BR" b="1" dirty="0"/>
-              <a:t> )</a:t>
-            </a:r>
-          </a:p>
-          <a:p>
-            <a:pPr marL="742950" lvl="1" indent="-285750">
-              <a:buFont typeface="Wingdings" panose="05000000000000000000" pitchFamily="2" charset="2"/>
-              <a:buChar char="Ø"/>
-            </a:pPr>
-            <a:r>
-              <a:rPr lang="pt-BR" dirty="0"/>
-              <a:t>root@4139842e283a</a:t>
-            </a:r>
-            <a:endParaRPr lang="pt-BR" b="1" dirty="0"/>
-          </a:p>
-        </p:txBody>
-      </p:sp>
-      <p:pic>
-        <p:nvPicPr>
-          <p:cNvPr id="6" name="Imagem 5"/>
-          <p:cNvPicPr>
-            <a:picLocks noChangeAspect="1"/>
-          </p:cNvPicPr>
-          <p:nvPr/>
-        </p:nvPicPr>
-        <p:blipFill>
-          <a:blip r:embed="rId2"/>
-          <a:stretch>
-            <a:fillRect/>
-          </a:stretch>
-        </p:blipFill>
-        <p:spPr>
-          <a:xfrm>
-            <a:off x="6387853" y="1941794"/>
-            <a:ext cx="5317752" cy="2277756"/>
-          </a:xfrm>
-          <a:prstGeom prst="rect">
-            <a:avLst/>
-          </a:prstGeom>
-        </p:spPr>
-      </p:pic>
-    </p:spTree>
-    <p:extLst>
-      <p:ext uri="{BB962C8B-B14F-4D97-AF65-F5344CB8AC3E}">
-        <p14:creationId xmlns:p14="http://schemas.microsoft.com/office/powerpoint/2010/main" val="743545617"/>
-      </p:ext>
-    </p:extLst>
-  </p:cSld>
-  <p:clrMapOvr>
-    <a:masterClrMapping/>
-  </p:clrMapOvr>
-</p:sld>
-</file>
-
-<file path=ppt/slides/slide9.xml><?xml version="1.0" encoding="utf-8"?>
-<p:sld xmlns:a="http://schemas.openxmlformats.org/drawingml/2006/main" xmlns:r="http://schemas.openxmlformats.org/officeDocument/2006/relationships" xmlns:p="http://schemas.openxmlformats.org/presentationml/2006/main">
-  <p:cSld>
-    <p:spTree>
-      <p:nvGrpSpPr>
-        <p:cNvPr id="1" name=""/>
-        <p:cNvGrpSpPr/>
-        <p:nvPr/>
-      </p:nvGrpSpPr>
-      <p:grpSpPr>
-        <a:xfrm>
-          <a:off x="0" y="0"/>
-          <a:ext cx="0" cy="0"/>
-          <a:chOff x="0" y="0"/>
-          <a:chExt cx="0" cy="0"/>
-        </a:xfrm>
-      </p:grpSpPr>
-      <p:sp>
-        <p:nvSpPr>
-          <p:cNvPr id="5" name="Espaço Reservado para Conteúdo 5"/>
-          <p:cNvSpPr txBox="1">
-            <a:spLocks/>
-          </p:cNvSpPr>
-          <p:nvPr/>
-        </p:nvSpPr>
-        <p:spPr>
-          <a:xfrm>
-            <a:off x="504450" y="1084496"/>
-            <a:ext cx="11421938" cy="3317687"/>
-          </a:xfrm>
-          <a:prstGeom prst="rect">
-            <a:avLst/>
-          </a:prstGeom>
-        </p:spPr>
-        <p:txBody>
-          <a:bodyPr vert="horz" lIns="91440" tIns="45720" rIns="91440" bIns="45720" rtlCol="0">
-            <a:normAutofit/>
-          </a:bodyPr>
-          <a:lstStyle>
-            <a:lvl1pPr marL="228600" indent="-228600" algn="l" defTabSz="914400" rtl="0" eaLnBrk="1" latinLnBrk="0" hangingPunct="1">
-              <a:lnSpc>
-                <a:spcPct val="90000"/>
-              </a:lnSpc>
-              <a:spcBef>
-                <a:spcPts val="1000"/>
-              </a:spcBef>
-              <a:buFont typeface="Arial" panose="020B0604020202020204" pitchFamily="34" charset="0"/>
-              <a:buChar char="•"/>
-              <a:defRPr sz="2800" kern="1200">
-                <a:solidFill>
-                  <a:schemeClr val="tx1"/>
-                </a:solidFill>
-                <a:latin typeface="+mn-lt"/>
-                <a:ea typeface="+mn-ea"/>
-                <a:cs typeface="+mn-cs"/>
-              </a:defRPr>
-            </a:lvl1pPr>
-            <a:lvl2pPr marL="685800" indent="-228600" algn="l" defTabSz="914400" rtl="0" eaLnBrk="1" latinLnBrk="0" hangingPunct="1">
-              <a:lnSpc>
-                <a:spcPct val="90000"/>
-              </a:lnSpc>
-              <a:spcBef>
-                <a:spcPts val="500"/>
-              </a:spcBef>
-              <a:buFont typeface="Arial" panose="020B0604020202020204" pitchFamily="34" charset="0"/>
-              <a:buChar char="•"/>
-              <a:defRPr sz="2400" kern="1200">
-                <a:solidFill>
-                  <a:schemeClr val="tx1"/>
-                </a:solidFill>
-                <a:latin typeface="+mn-lt"/>
-                <a:ea typeface="+mn-ea"/>
-                <a:cs typeface="+mn-cs"/>
-              </a:defRPr>
-            </a:lvl2pPr>
-            <a:lvl3pPr marL="1143000" indent="-228600" algn="l" defTabSz="914400" rtl="0" eaLnBrk="1" latinLnBrk="0" hangingPunct="1">
-              <a:lnSpc>
-                <a:spcPct val="90000"/>
-              </a:lnSpc>
-              <a:spcBef>
-                <a:spcPts val="500"/>
-              </a:spcBef>
-              <a:buFont typeface="Arial" panose="020B0604020202020204" pitchFamily="34" charset="0"/>
-              <a:buChar char="•"/>
-              <a:defRPr sz="2000" kern="1200">
-                <a:solidFill>
-                  <a:schemeClr val="tx1"/>
-                </a:solidFill>
-                <a:latin typeface="+mn-lt"/>
-                <a:ea typeface="+mn-ea"/>
-                <a:cs typeface="+mn-cs"/>
-              </a:defRPr>
-            </a:lvl3pPr>
-            <a:lvl4pPr marL="1600200" indent="-228600" algn="l" defTabSz="914400" rtl="0" eaLnBrk="1" latinLnBrk="0" hangingPunct="1">
-              <a:lnSpc>
-                <a:spcPct val="90000"/>
-              </a:lnSpc>
-              <a:spcBef>
-                <a:spcPts val="500"/>
-              </a:spcBef>
-              <a:buFont typeface="Arial" panose="020B0604020202020204" pitchFamily="34" charset="0"/>
-              <a:buChar char="•"/>
-              <a:defRPr sz="1800" kern="1200">
-                <a:solidFill>
-                  <a:schemeClr val="tx1"/>
-                </a:solidFill>
-                <a:latin typeface="+mn-lt"/>
-                <a:ea typeface="+mn-ea"/>
-                <a:cs typeface="+mn-cs"/>
-              </a:defRPr>
-            </a:lvl4pPr>
-            <a:lvl5pPr marL="2057400" indent="-228600" algn="l" defTabSz="914400" rtl="0" eaLnBrk="1" latinLnBrk="0" hangingPunct="1">
-              <a:lnSpc>
-                <a:spcPct val="90000"/>
-              </a:lnSpc>
-              <a:spcBef>
-                <a:spcPts val="500"/>
-              </a:spcBef>
-              <a:buFont typeface="Arial" panose="020B0604020202020204" pitchFamily="34" charset="0"/>
-              <a:buChar char="•"/>
-              <a:defRPr sz="1800" kern="1200">
-                <a:solidFill>
-                  <a:schemeClr val="tx1"/>
-                </a:solidFill>
-                <a:latin typeface="+mn-lt"/>
-                <a:ea typeface="+mn-ea"/>
-                <a:cs typeface="+mn-cs"/>
-              </a:defRPr>
-            </a:lvl5pPr>
-            <a:lvl6pPr marL="2514600" indent="-228600" algn="l" defTabSz="914400" rtl="0" eaLnBrk="1" latinLnBrk="0" hangingPunct="1">
-              <a:lnSpc>
-                <a:spcPct val="90000"/>
-              </a:lnSpc>
-              <a:spcBef>
-                <a:spcPts val="500"/>
-              </a:spcBef>
-              <a:buFont typeface="Arial" panose="020B0604020202020204" pitchFamily="34" charset="0"/>
-              <a:buChar char="•"/>
-              <a:defRPr sz="1800" kern="1200">
-                <a:solidFill>
-                  <a:schemeClr val="tx1"/>
-                </a:solidFill>
-                <a:latin typeface="+mn-lt"/>
-                <a:ea typeface="+mn-ea"/>
-                <a:cs typeface="+mn-cs"/>
-              </a:defRPr>
-            </a:lvl6pPr>
-            <a:lvl7pPr marL="2971800" indent="-228600" algn="l" defTabSz="914400" rtl="0" eaLnBrk="1" latinLnBrk="0" hangingPunct="1">
-              <a:lnSpc>
-                <a:spcPct val="90000"/>
-              </a:lnSpc>
-              <a:spcBef>
-                <a:spcPts val="500"/>
-              </a:spcBef>
-              <a:buFont typeface="Arial" panose="020B0604020202020204" pitchFamily="34" charset="0"/>
-              <a:buChar char="•"/>
-              <a:defRPr sz="1800" kern="1200">
-                <a:solidFill>
-                  <a:schemeClr val="tx1"/>
-                </a:solidFill>
-                <a:latin typeface="+mn-lt"/>
-                <a:ea typeface="+mn-ea"/>
-                <a:cs typeface="+mn-cs"/>
-              </a:defRPr>
-            </a:lvl7pPr>
-            <a:lvl8pPr marL="3429000" indent="-228600" algn="l" defTabSz="914400" rtl="0" eaLnBrk="1" latinLnBrk="0" hangingPunct="1">
-              <a:lnSpc>
-                <a:spcPct val="90000"/>
-              </a:lnSpc>
-              <a:spcBef>
-                <a:spcPts val="500"/>
-              </a:spcBef>
-              <a:buFont typeface="Arial" panose="020B0604020202020204" pitchFamily="34" charset="0"/>
-              <a:buChar char="•"/>
-              <a:defRPr sz="1800" kern="1200">
-                <a:solidFill>
-                  <a:schemeClr val="tx1"/>
-                </a:solidFill>
-                <a:latin typeface="+mn-lt"/>
-                <a:ea typeface="+mn-ea"/>
-                <a:cs typeface="+mn-cs"/>
-              </a:defRPr>
-            </a:lvl8pPr>
-            <a:lvl9pPr marL="3886200" indent="-228600" algn="l" defTabSz="914400" rtl="0" eaLnBrk="1" latinLnBrk="0" hangingPunct="1">
-              <a:lnSpc>
-                <a:spcPct val="90000"/>
-              </a:lnSpc>
-              <a:spcBef>
-                <a:spcPts val="500"/>
-              </a:spcBef>
-              <a:buFont typeface="Arial" panose="020B0604020202020204" pitchFamily="34" charset="0"/>
-              <a:buChar char="•"/>
-              <a:defRPr sz="1800" kern="1200">
-                <a:solidFill>
-                  <a:schemeClr val="tx1"/>
-                </a:solidFill>
-                <a:latin typeface="+mn-lt"/>
-                <a:ea typeface="+mn-ea"/>
-                <a:cs typeface="+mn-cs"/>
-              </a:defRPr>
-            </a:lvl9pPr>
-          </a:lstStyle>
-          <a:p>
-            <a:pPr marL="0" indent="0">
-              <a:buNone/>
-            </a:pPr>
-            <a:endParaRPr lang="pt-BR" sz="2000" dirty="0"/>
-          </a:p>
-        </p:txBody>
-      </p:sp>
-      <p:sp>
-        <p:nvSpPr>
-          <p:cNvPr id="8" name="Espaço Reservado para Conteúdo 5"/>
-          <p:cNvSpPr txBox="1">
-            <a:spLocks/>
-          </p:cNvSpPr>
-          <p:nvPr/>
-        </p:nvSpPr>
-        <p:spPr>
-          <a:xfrm>
-            <a:off x="504450" y="4729033"/>
-            <a:ext cx="11134556" cy="1671768"/>
-          </a:xfrm>
-          <a:prstGeom prst="rect">
-            <a:avLst/>
-          </a:prstGeom>
-        </p:spPr>
-        <p:txBody>
-          <a:bodyPr vert="horz" lIns="91440" tIns="45720" rIns="91440" bIns="45720" rtlCol="0">
-            <a:normAutofit/>
-          </a:bodyPr>
-          <a:lstStyle>
-            <a:lvl1pPr marL="228600" indent="-228600" algn="l" defTabSz="914400" rtl="0" eaLnBrk="1" latinLnBrk="0" hangingPunct="1">
-              <a:lnSpc>
-                <a:spcPct val="90000"/>
-              </a:lnSpc>
-              <a:spcBef>
-                <a:spcPts val="1000"/>
-              </a:spcBef>
-              <a:buFont typeface="Arial" panose="020B0604020202020204" pitchFamily="34" charset="0"/>
-              <a:buChar char="•"/>
-              <a:defRPr sz="2800" kern="1200">
-                <a:solidFill>
-                  <a:schemeClr val="tx1"/>
-                </a:solidFill>
-                <a:latin typeface="+mn-lt"/>
-                <a:ea typeface="+mn-ea"/>
-                <a:cs typeface="+mn-cs"/>
-              </a:defRPr>
-            </a:lvl1pPr>
-            <a:lvl2pPr marL="685800" indent="-228600" algn="l" defTabSz="914400" rtl="0" eaLnBrk="1" latinLnBrk="0" hangingPunct="1">
-              <a:lnSpc>
-                <a:spcPct val="90000"/>
-              </a:lnSpc>
-              <a:spcBef>
-                <a:spcPts val="500"/>
-              </a:spcBef>
-              <a:buFont typeface="Arial" panose="020B0604020202020204" pitchFamily="34" charset="0"/>
-              <a:buChar char="•"/>
-              <a:defRPr sz="2400" kern="1200">
-                <a:solidFill>
-                  <a:schemeClr val="tx1"/>
-                </a:solidFill>
-                <a:latin typeface="+mn-lt"/>
-                <a:ea typeface="+mn-ea"/>
-                <a:cs typeface="+mn-cs"/>
-              </a:defRPr>
-            </a:lvl2pPr>
-            <a:lvl3pPr marL="1143000" indent="-228600" algn="l" defTabSz="914400" rtl="0" eaLnBrk="1" latinLnBrk="0" hangingPunct="1">
-              <a:lnSpc>
-                <a:spcPct val="90000"/>
-              </a:lnSpc>
-              <a:spcBef>
-                <a:spcPts val="500"/>
-              </a:spcBef>
-              <a:buFont typeface="Arial" panose="020B0604020202020204" pitchFamily="34" charset="0"/>
-              <a:buChar char="•"/>
-              <a:defRPr sz="2000" kern="1200">
-                <a:solidFill>
-                  <a:schemeClr val="tx1"/>
-                </a:solidFill>
-                <a:latin typeface="+mn-lt"/>
-                <a:ea typeface="+mn-ea"/>
-                <a:cs typeface="+mn-cs"/>
-              </a:defRPr>
-            </a:lvl3pPr>
-            <a:lvl4pPr marL="1600200" indent="-228600" algn="l" defTabSz="914400" rtl="0" eaLnBrk="1" latinLnBrk="0" hangingPunct="1">
-              <a:lnSpc>
-                <a:spcPct val="90000"/>
-              </a:lnSpc>
-              <a:spcBef>
-                <a:spcPts val="500"/>
-              </a:spcBef>
-              <a:buFont typeface="Arial" panose="020B0604020202020204" pitchFamily="34" charset="0"/>
-              <a:buChar char="•"/>
-              <a:defRPr sz="1800" kern="1200">
-                <a:solidFill>
-                  <a:schemeClr val="tx1"/>
-                </a:solidFill>
-                <a:latin typeface="+mn-lt"/>
-                <a:ea typeface="+mn-ea"/>
-                <a:cs typeface="+mn-cs"/>
-              </a:defRPr>
-            </a:lvl4pPr>
-            <a:lvl5pPr marL="2057400" indent="-228600" algn="l" defTabSz="914400" rtl="0" eaLnBrk="1" latinLnBrk="0" hangingPunct="1">
-              <a:lnSpc>
-                <a:spcPct val="90000"/>
-              </a:lnSpc>
-              <a:spcBef>
-                <a:spcPts val="500"/>
-              </a:spcBef>
-              <a:buFont typeface="Arial" panose="020B0604020202020204" pitchFamily="34" charset="0"/>
-              <a:buChar char="•"/>
-              <a:defRPr sz="1800" kern="1200">
-                <a:solidFill>
-                  <a:schemeClr val="tx1"/>
-                </a:solidFill>
-                <a:latin typeface="+mn-lt"/>
-                <a:ea typeface="+mn-ea"/>
-                <a:cs typeface="+mn-cs"/>
-              </a:defRPr>
-            </a:lvl5pPr>
-            <a:lvl6pPr marL="2514600" indent="-228600" algn="l" defTabSz="914400" rtl="0" eaLnBrk="1" latinLnBrk="0" hangingPunct="1">
-              <a:lnSpc>
-                <a:spcPct val="90000"/>
-              </a:lnSpc>
-              <a:spcBef>
-                <a:spcPts val="500"/>
-              </a:spcBef>
-              <a:buFont typeface="Arial" panose="020B0604020202020204" pitchFamily="34" charset="0"/>
-              <a:buChar char="•"/>
-              <a:defRPr sz="1800" kern="1200">
-                <a:solidFill>
-                  <a:schemeClr val="tx1"/>
-                </a:solidFill>
-                <a:latin typeface="+mn-lt"/>
-                <a:ea typeface="+mn-ea"/>
-                <a:cs typeface="+mn-cs"/>
-              </a:defRPr>
-            </a:lvl6pPr>
-            <a:lvl7pPr marL="2971800" indent="-228600" algn="l" defTabSz="914400" rtl="0" eaLnBrk="1" latinLnBrk="0" hangingPunct="1">
-              <a:lnSpc>
-                <a:spcPct val="90000"/>
-              </a:lnSpc>
-              <a:spcBef>
-                <a:spcPts val="500"/>
-              </a:spcBef>
-              <a:buFont typeface="Arial" panose="020B0604020202020204" pitchFamily="34" charset="0"/>
-              <a:buChar char="•"/>
-              <a:defRPr sz="1800" kern="1200">
-                <a:solidFill>
-                  <a:schemeClr val="tx1"/>
-                </a:solidFill>
-                <a:latin typeface="+mn-lt"/>
-                <a:ea typeface="+mn-ea"/>
-                <a:cs typeface="+mn-cs"/>
-              </a:defRPr>
-            </a:lvl7pPr>
-            <a:lvl8pPr marL="3429000" indent="-228600" algn="l" defTabSz="914400" rtl="0" eaLnBrk="1" latinLnBrk="0" hangingPunct="1">
-              <a:lnSpc>
-                <a:spcPct val="90000"/>
-              </a:lnSpc>
-              <a:spcBef>
-                <a:spcPts val="500"/>
-              </a:spcBef>
-              <a:buFont typeface="Arial" panose="020B0604020202020204" pitchFamily="34" charset="0"/>
-              <a:buChar char="•"/>
-              <a:defRPr sz="1800" kern="1200">
-                <a:solidFill>
-                  <a:schemeClr val="tx1"/>
-                </a:solidFill>
-                <a:latin typeface="+mn-lt"/>
-                <a:ea typeface="+mn-ea"/>
-                <a:cs typeface="+mn-cs"/>
-              </a:defRPr>
-            </a:lvl8pPr>
-            <a:lvl9pPr marL="3886200" indent="-228600" algn="l" defTabSz="914400" rtl="0" eaLnBrk="1" latinLnBrk="0" hangingPunct="1">
-              <a:lnSpc>
-                <a:spcPct val="90000"/>
-              </a:lnSpc>
-              <a:spcBef>
-                <a:spcPts val="500"/>
-              </a:spcBef>
-              <a:buFont typeface="Arial" panose="020B0604020202020204" pitchFamily="34" charset="0"/>
-              <a:buChar char="•"/>
-              <a:defRPr sz="1800" kern="1200">
-                <a:solidFill>
-                  <a:schemeClr val="tx1"/>
-                </a:solidFill>
-                <a:latin typeface="+mn-lt"/>
-                <a:ea typeface="+mn-ea"/>
-                <a:cs typeface="+mn-cs"/>
-              </a:defRPr>
-            </a:lvl9pPr>
-          </a:lstStyle>
-          <a:p>
-            <a:endParaRPr lang="pt-BR" sz="2000" dirty="0"/>
-          </a:p>
-        </p:txBody>
-      </p:sp>
-      <p:sp>
-        <p:nvSpPr>
-          <p:cNvPr id="6" name="Retângulo 5"/>
-          <p:cNvSpPr/>
-          <p:nvPr/>
-        </p:nvSpPr>
-        <p:spPr>
-          <a:xfrm>
-            <a:off x="860050" y="1084496"/>
-            <a:ext cx="8982450" cy="2862322"/>
-          </a:xfrm>
-          <a:prstGeom prst="rect">
-            <a:avLst/>
-          </a:prstGeom>
-        </p:spPr>
-        <p:txBody>
-          <a:bodyPr wrap="square">
-            <a:spAutoFit/>
-          </a:bodyPr>
-          <a:lstStyle/>
-          <a:p>
-            <a:r>
-              <a:rPr lang="pt-BR" u="sng" dirty="0"/>
-              <a:t>Alguns comandos </a:t>
-            </a:r>
-            <a:r>
-              <a:rPr lang="pt-BR" dirty="0"/>
-              <a:t>: </a:t>
-            </a:r>
-          </a:p>
-          <a:p>
-            <a:endParaRPr lang="pt-BR" dirty="0"/>
-          </a:p>
-          <a:p>
-            <a:pPr marL="285750" indent="-285750">
-              <a:buFont typeface="Arial" panose="020B0604020202020204" pitchFamily="34" charset="0"/>
-              <a:buChar char="•"/>
-            </a:pPr>
-            <a:r>
-              <a:rPr lang="pt-BR" dirty="0"/>
-              <a:t>Remover um Container</a:t>
-            </a:r>
-          </a:p>
-          <a:p>
-            <a:r>
-              <a:rPr lang="pt-BR" dirty="0"/>
-              <a:t>	</a:t>
-            </a:r>
-            <a:r>
-              <a:rPr lang="pt-BR" b="1" dirty="0" err="1"/>
-              <a:t>docker</a:t>
-            </a:r>
-            <a:r>
-              <a:rPr lang="pt-BR" b="1" dirty="0"/>
-              <a:t> </a:t>
-            </a:r>
-            <a:r>
-              <a:rPr lang="pt-BR" b="1" dirty="0" err="1"/>
-              <a:t>rm</a:t>
-            </a:r>
-            <a:r>
-              <a:rPr lang="pt-BR" b="1" dirty="0"/>
-              <a:t> 9daa6a5cd330</a:t>
-            </a:r>
-          </a:p>
-          <a:p>
-            <a:endParaRPr lang="pt-BR" dirty="0"/>
-          </a:p>
-          <a:p>
-            <a:pPr marL="285750" indent="-285750">
-              <a:buFont typeface="Arial" panose="020B0604020202020204" pitchFamily="34" charset="0"/>
-              <a:buChar char="•"/>
-            </a:pPr>
-            <a:r>
-              <a:rPr lang="pt-BR" dirty="0"/>
-              <a:t>Remover todos os containers parados</a:t>
-            </a:r>
-          </a:p>
-          <a:p>
-            <a:r>
-              <a:rPr lang="pt-BR" dirty="0"/>
-              <a:t>	</a:t>
-            </a:r>
-            <a:r>
-              <a:rPr lang="pt-BR" b="1" dirty="0" err="1"/>
-              <a:t>docker</a:t>
-            </a:r>
-            <a:r>
-              <a:rPr lang="pt-BR" b="1" dirty="0"/>
-              <a:t> container </a:t>
-            </a:r>
-            <a:r>
-              <a:rPr lang="pt-BR" b="1" dirty="0" err="1"/>
-              <a:t>prune</a:t>
-            </a:r>
-            <a:endParaRPr lang="pt-BR" b="1" dirty="0"/>
-          </a:p>
-          <a:p>
-            <a:endParaRPr lang="pt-BR" dirty="0"/>
-          </a:p>
-          <a:p>
-            <a:pPr marL="285750" indent="-285750">
-              <a:buFont typeface="Arial" panose="020B0604020202020204" pitchFamily="34" charset="0"/>
-              <a:buChar char="•"/>
-            </a:pPr>
-            <a:r>
-              <a:rPr lang="pt-BR" dirty="0"/>
-              <a:t>Remover uma Imagem</a:t>
-            </a:r>
-          </a:p>
-          <a:p>
-            <a:r>
-              <a:rPr lang="pt-BR" dirty="0"/>
-              <a:t>	</a:t>
-            </a:r>
-            <a:r>
-              <a:rPr lang="pt-BR" b="1" dirty="0" err="1"/>
-              <a:t>docker</a:t>
-            </a:r>
-            <a:r>
-              <a:rPr lang="pt-BR" b="1" dirty="0"/>
-              <a:t> </a:t>
-            </a:r>
-            <a:r>
-              <a:rPr lang="pt-BR" b="1" dirty="0" err="1"/>
-              <a:t>rmi</a:t>
-            </a:r>
-            <a:r>
-              <a:rPr lang="pt-BR" b="1" dirty="0"/>
-              <a:t> </a:t>
-            </a:r>
-            <a:r>
-              <a:rPr lang="pt-BR" b="1" dirty="0" err="1"/>
-              <a:t>hello</a:t>
-            </a:r>
-            <a:r>
-              <a:rPr lang="pt-BR" b="1" dirty="0"/>
-              <a:t>-world</a:t>
-            </a:r>
-          </a:p>
-        </p:txBody>
-      </p:sp>
-      <p:sp>
-        <p:nvSpPr>
-          <p:cNvPr id="10" name="Título 1"/>
-          <p:cNvSpPr txBox="1">
-            <a:spLocks/>
-          </p:cNvSpPr>
-          <p:nvPr/>
-        </p:nvSpPr>
-        <p:spPr>
-          <a:xfrm>
-            <a:off x="125627" y="115678"/>
-            <a:ext cx="11800761" cy="549275"/>
-          </a:xfrm>
-          <a:prstGeom prst="rect">
-            <a:avLst/>
-          </a:prstGeom>
-        </p:spPr>
-        <p:txBody>
-          <a:bodyPr vert="horz" lIns="91440" tIns="45720" rIns="91440" bIns="45720" rtlCol="0" anchor="ctr">
-            <a:normAutofit/>
-          </a:bodyPr>
-          <a:lstStyle>
-            <a:lvl1pPr algn="l" defTabSz="914400" rtl="0" eaLnBrk="1" latinLnBrk="0" hangingPunct="1">
-              <a:lnSpc>
-                <a:spcPct val="90000"/>
-              </a:lnSpc>
-              <a:spcBef>
-                <a:spcPct val="0"/>
-              </a:spcBef>
-              <a:buNone/>
-              <a:defRPr sz="4400" kern="1200">
-                <a:solidFill>
-                  <a:schemeClr val="tx1"/>
-                </a:solidFill>
-                <a:latin typeface="+mj-lt"/>
-                <a:ea typeface="+mj-ea"/>
-                <a:cs typeface="+mj-cs"/>
-              </a:defRPr>
-            </a:lvl1pPr>
-          </a:lstStyle>
-          <a:p>
-            <a:pPr algn="ctr"/>
-            <a:r>
-              <a:rPr lang="pt-BR" sz="2800" b="1" dirty="0"/>
-              <a:t>Diferença entre Imagens e Containers  - E alguns comandos</a:t>
-            </a:r>
-          </a:p>
-        </p:txBody>
-      </p:sp>
-    </p:spTree>
-    <p:extLst>
-      <p:ext uri="{BB962C8B-B14F-4D97-AF65-F5344CB8AC3E}">
-        <p14:creationId xmlns:p14="http://schemas.microsoft.com/office/powerpoint/2010/main" val="576133055"/>
       </p:ext>
     </p:extLst>
   </p:cSld>
@@ -16930,4 +18600,265 @@
     </a:ext>
   </a:extLst>
 </a:theme>
+</file>
+
+<file path=ppt/theme/theme2.xml><?xml version="1.0" encoding="utf-8"?>
+<a:theme xmlns:a="http://schemas.openxmlformats.org/drawingml/2006/main" name="Tema do Office">
+  <a:themeElements>
+    <a:clrScheme name="Office">
+      <a:dk1>
+        <a:sysClr val="windowText" lastClr="000000"/>
+      </a:dk1>
+      <a:lt1>
+        <a:sysClr val="window" lastClr="FFFFFF"/>
+      </a:lt1>
+      <a:dk2>
+        <a:srgbClr val="44546A"/>
+      </a:dk2>
+      <a:lt2>
+        <a:srgbClr val="E7E6E6"/>
+      </a:lt2>
+      <a:accent1>
+        <a:srgbClr val="5B9BD5"/>
+      </a:accent1>
+      <a:accent2>
+        <a:srgbClr val="ED7D31"/>
+      </a:accent2>
+      <a:accent3>
+        <a:srgbClr val="A5A5A5"/>
+      </a:accent3>
+      <a:accent4>
+        <a:srgbClr val="FFC000"/>
+      </a:accent4>
+      <a:accent5>
+        <a:srgbClr val="4472C4"/>
+      </a:accent5>
+      <a:accent6>
+        <a:srgbClr val="70AD47"/>
+      </a:accent6>
+      <a:hlink>
+        <a:srgbClr val="0563C1"/>
+      </a:hlink>
+      <a:folHlink>
+        <a:srgbClr val="954F72"/>
+      </a:folHlink>
+    </a:clrScheme>
+    <a:fontScheme name="Office">
+      <a:majorFont>
+        <a:latin typeface="Calibri Light" panose="020F0302020204030204"/>
+        <a:ea typeface=""/>
+        <a:cs typeface=""/>
+        <a:font script="Jpan" typeface="游ゴシック Light"/>
+        <a:font script="Hang" typeface="맑은 고딕"/>
+        <a:font script="Hans" typeface="等线 Light"/>
+        <a:font script="Hant" typeface="新細明體"/>
+        <a:font script="Arab" typeface="Times New Roman"/>
+        <a:font script="Hebr" typeface="Times New Roman"/>
+        <a:font script="Thai" typeface="Angsana New"/>
+        <a:font script="Ethi" typeface="Nyala"/>
+        <a:font script="Beng" typeface="Vrinda"/>
+        <a:font script="Gujr" typeface="Shruti"/>
+        <a:font script="Khmr" typeface="MoolBoran"/>
+        <a:font script="Knda" typeface="Tunga"/>
+        <a:font script="Guru" typeface="Raavi"/>
+        <a:font script="Cans" typeface="Euphemia"/>
+        <a:font script="Cher" typeface="Plantagenet Cherokee"/>
+        <a:font script="Yiii" typeface="Microsoft Yi Baiti"/>
+        <a:font script="Tibt" typeface="Microsoft Himalaya"/>
+        <a:font script="Thaa" typeface="MV Boli"/>
+        <a:font script="Deva" typeface="Mangal"/>
+        <a:font script="Telu" typeface="Gautami"/>
+        <a:font script="Taml" typeface="Latha"/>
+        <a:font script="Syrc" typeface="Estrangelo Edessa"/>
+        <a:font script="Orya" typeface="Kalinga"/>
+        <a:font script="Mlym" typeface="Kartika"/>
+        <a:font script="Laoo" typeface="DokChampa"/>
+        <a:font script="Sinh" typeface="Iskoola Pota"/>
+        <a:font script="Mong" typeface="Mongolian Baiti"/>
+        <a:font script="Viet" typeface="Times New Roman"/>
+        <a:font script="Uigh" typeface="Microsoft Uighur"/>
+        <a:font script="Geor" typeface="Sylfaen"/>
+      </a:majorFont>
+      <a:minorFont>
+        <a:latin typeface="Calibri" panose="020F0502020204030204"/>
+        <a:ea typeface=""/>
+        <a:cs typeface=""/>
+        <a:font script="Jpan" typeface="游ゴシック"/>
+        <a:font script="Hang" typeface="맑은 고딕"/>
+        <a:font script="Hans" typeface="等线"/>
+        <a:font script="Hant" typeface="新細明體"/>
+        <a:font script="Arab" typeface="Arial"/>
+        <a:font script="Hebr" typeface="Arial"/>
+        <a:font script="Thai" typeface="Cordia New"/>
+        <a:font script="Ethi" typeface="Nyala"/>
+        <a:font script="Beng" typeface="Vrinda"/>
+        <a:font script="Gujr" typeface="Shruti"/>
+        <a:font script="Khmr" typeface="DaunPenh"/>
+        <a:font script="Knda" typeface="Tunga"/>
+        <a:font script="Guru" typeface="Raavi"/>
+        <a:font script="Cans" typeface="Euphemia"/>
+        <a:font script="Cher" typeface="Plantagenet Cherokee"/>
+        <a:font script="Yiii" typeface="Microsoft Yi Baiti"/>
+        <a:font script="Tibt" typeface="Microsoft Himalaya"/>
+        <a:font script="Thaa" typeface="MV Boli"/>
+        <a:font script="Deva" typeface="Mangal"/>
+        <a:font script="Telu" typeface="Gautami"/>
+        <a:font script="Taml" typeface="Latha"/>
+        <a:font script="Syrc" typeface="Estrangelo Edessa"/>
+        <a:font script="Orya" typeface="Kalinga"/>
+        <a:font script="Mlym" typeface="Kartika"/>
+        <a:font script="Laoo" typeface="DokChampa"/>
+        <a:font script="Sinh" typeface="Iskoola Pota"/>
+        <a:font script="Mong" typeface="Mongolian Baiti"/>
+        <a:font script="Viet" typeface="Arial"/>
+        <a:font script="Uigh" typeface="Microsoft Uighur"/>
+        <a:font script="Geor" typeface="Sylfaen"/>
+      </a:minorFont>
+    </a:fontScheme>
+    <a:fmtScheme name="Office">
+      <a:fillStyleLst>
+        <a:solidFill>
+          <a:schemeClr val="phClr"/>
+        </a:solidFill>
+        <a:gradFill rotWithShape="1">
+          <a:gsLst>
+            <a:gs pos="0">
+              <a:schemeClr val="phClr">
+                <a:lumMod val="110000"/>
+                <a:satMod val="105000"/>
+                <a:tint val="67000"/>
+              </a:schemeClr>
+            </a:gs>
+            <a:gs pos="50000">
+              <a:schemeClr val="phClr">
+                <a:lumMod val="105000"/>
+                <a:satMod val="103000"/>
+                <a:tint val="73000"/>
+              </a:schemeClr>
+            </a:gs>
+            <a:gs pos="100000">
+              <a:schemeClr val="phClr">
+                <a:lumMod val="105000"/>
+                <a:satMod val="109000"/>
+                <a:tint val="81000"/>
+              </a:schemeClr>
+            </a:gs>
+          </a:gsLst>
+          <a:lin ang="5400000" scaled="0"/>
+        </a:gradFill>
+        <a:gradFill rotWithShape="1">
+          <a:gsLst>
+            <a:gs pos="0">
+              <a:schemeClr val="phClr">
+                <a:satMod val="103000"/>
+                <a:lumMod val="102000"/>
+                <a:tint val="94000"/>
+              </a:schemeClr>
+            </a:gs>
+            <a:gs pos="50000">
+              <a:schemeClr val="phClr">
+                <a:satMod val="110000"/>
+                <a:lumMod val="100000"/>
+                <a:shade val="100000"/>
+              </a:schemeClr>
+            </a:gs>
+            <a:gs pos="100000">
+              <a:schemeClr val="phClr">
+                <a:lumMod val="99000"/>
+                <a:satMod val="120000"/>
+                <a:shade val="78000"/>
+              </a:schemeClr>
+            </a:gs>
+          </a:gsLst>
+          <a:lin ang="5400000" scaled="0"/>
+        </a:gradFill>
+      </a:fillStyleLst>
+      <a:lnStyleLst>
+        <a:ln w="6350" cap="flat" cmpd="sng" algn="ctr">
+          <a:solidFill>
+            <a:schemeClr val="phClr"/>
+          </a:solidFill>
+          <a:prstDash val="solid"/>
+          <a:miter lim="800000"/>
+        </a:ln>
+        <a:ln w="12700" cap="flat" cmpd="sng" algn="ctr">
+          <a:solidFill>
+            <a:schemeClr val="phClr"/>
+          </a:solidFill>
+          <a:prstDash val="solid"/>
+          <a:miter lim="800000"/>
+        </a:ln>
+        <a:ln w="19050" cap="flat" cmpd="sng" algn="ctr">
+          <a:solidFill>
+            <a:schemeClr val="phClr"/>
+          </a:solidFill>
+          <a:prstDash val="solid"/>
+          <a:miter lim="800000"/>
+        </a:ln>
+      </a:lnStyleLst>
+      <a:effectStyleLst>
+        <a:effectStyle>
+          <a:effectLst/>
+        </a:effectStyle>
+        <a:effectStyle>
+          <a:effectLst/>
+        </a:effectStyle>
+        <a:effectStyle>
+          <a:effectLst>
+            <a:outerShdw blurRad="57150" dist="19050" dir="5400000" algn="ctr" rotWithShape="0">
+              <a:srgbClr val="000000">
+                <a:alpha val="63000"/>
+              </a:srgbClr>
+            </a:outerShdw>
+          </a:effectLst>
+        </a:effectStyle>
+      </a:effectStyleLst>
+      <a:bgFillStyleLst>
+        <a:solidFill>
+          <a:schemeClr val="phClr"/>
+        </a:solidFill>
+        <a:solidFill>
+          <a:schemeClr val="phClr">
+            <a:tint val="95000"/>
+            <a:satMod val="170000"/>
+          </a:schemeClr>
+        </a:solidFill>
+        <a:gradFill rotWithShape="1">
+          <a:gsLst>
+            <a:gs pos="0">
+              <a:schemeClr val="phClr">
+                <a:tint val="93000"/>
+                <a:satMod val="150000"/>
+                <a:shade val="98000"/>
+                <a:lumMod val="102000"/>
+              </a:schemeClr>
+            </a:gs>
+            <a:gs pos="50000">
+              <a:schemeClr val="phClr">
+                <a:tint val="98000"/>
+                <a:satMod val="130000"/>
+                <a:shade val="90000"/>
+                <a:lumMod val="103000"/>
+              </a:schemeClr>
+            </a:gs>
+            <a:gs pos="100000">
+              <a:schemeClr val="phClr">
+                <a:shade val="63000"/>
+                <a:satMod val="120000"/>
+              </a:schemeClr>
+            </a:gs>
+          </a:gsLst>
+          <a:lin ang="5400000" scaled="0"/>
+        </a:gradFill>
+      </a:bgFillStyleLst>
+    </a:fmtScheme>
+  </a:themeElements>
+  <a:objectDefaults/>
+  <a:extraClrSchemeLst/>
+  <a:extLst>
+    <a:ext uri="{05A4C25C-085E-4340-85A3-A5531E510DB2}">
+      <thm15:themeFamily xmlns:thm15="http://schemas.microsoft.com/office/thememl/2012/main" name="Office Theme" id="{62F939B6-93AF-4DB8-9C6B-D6C7DFDC589F}" vid="{4A3C46E8-61CC-4603-A589-7422A47A8E4A}"/>
+    </a:ext>
+  </a:extLst>
+</a:theme>
 </file>
--- a/docs/docker-resumo.pptx
+++ b/docs/docker-resumo.pptx
@@ -5,7 +5,7 @@
     <p:sldMasterId id="2147483648" r:id="rId1"/>
   </p:sldMasterIdLst>
   <p:notesMasterIdLst>
-    <p:notesMasterId r:id="rId36"/>
+    <p:notesMasterId r:id="rId37"/>
   </p:notesMasterIdLst>
   <p:sldIdLst>
     <p:sldId id="256" r:id="rId2"/>
@@ -14,34 +14,35 @@
     <p:sldId id="314" r:id="rId5"/>
     <p:sldId id="287" r:id="rId6"/>
     <p:sldId id="288" r:id="rId7"/>
-    <p:sldId id="289" r:id="rId8"/>
-    <p:sldId id="290" r:id="rId9"/>
-    <p:sldId id="292" r:id="rId10"/>
-    <p:sldId id="291" r:id="rId11"/>
-    <p:sldId id="295" r:id="rId12"/>
-    <p:sldId id="296" r:id="rId13"/>
-    <p:sldId id="297" r:id="rId14"/>
-    <p:sldId id="293" r:id="rId15"/>
-    <p:sldId id="298" r:id="rId16"/>
-    <p:sldId id="299" r:id="rId17"/>
-    <p:sldId id="316" r:id="rId18"/>
-    <p:sldId id="300" r:id="rId19"/>
-    <p:sldId id="294" r:id="rId20"/>
-    <p:sldId id="301" r:id="rId21"/>
-    <p:sldId id="302" r:id="rId22"/>
-    <p:sldId id="313" r:id="rId23"/>
-    <p:sldId id="303" r:id="rId24"/>
-    <p:sldId id="281" r:id="rId25"/>
-    <p:sldId id="306" r:id="rId26"/>
-    <p:sldId id="304" r:id="rId27"/>
-    <p:sldId id="309" r:id="rId28"/>
-    <p:sldId id="310" r:id="rId29"/>
-    <p:sldId id="307" r:id="rId30"/>
-    <p:sldId id="305" r:id="rId31"/>
-    <p:sldId id="312" r:id="rId32"/>
-    <p:sldId id="311" r:id="rId33"/>
-    <p:sldId id="308" r:id="rId34"/>
-    <p:sldId id="285" r:id="rId35"/>
+    <p:sldId id="317" r:id="rId8"/>
+    <p:sldId id="289" r:id="rId9"/>
+    <p:sldId id="290" r:id="rId10"/>
+    <p:sldId id="292" r:id="rId11"/>
+    <p:sldId id="291" r:id="rId12"/>
+    <p:sldId id="295" r:id="rId13"/>
+    <p:sldId id="296" r:id="rId14"/>
+    <p:sldId id="297" r:id="rId15"/>
+    <p:sldId id="293" r:id="rId16"/>
+    <p:sldId id="298" r:id="rId17"/>
+    <p:sldId id="299" r:id="rId18"/>
+    <p:sldId id="316" r:id="rId19"/>
+    <p:sldId id="300" r:id="rId20"/>
+    <p:sldId id="294" r:id="rId21"/>
+    <p:sldId id="301" r:id="rId22"/>
+    <p:sldId id="302" r:id="rId23"/>
+    <p:sldId id="313" r:id="rId24"/>
+    <p:sldId id="303" r:id="rId25"/>
+    <p:sldId id="281" r:id="rId26"/>
+    <p:sldId id="306" r:id="rId27"/>
+    <p:sldId id="304" r:id="rId28"/>
+    <p:sldId id="309" r:id="rId29"/>
+    <p:sldId id="310" r:id="rId30"/>
+    <p:sldId id="307" r:id="rId31"/>
+    <p:sldId id="305" r:id="rId32"/>
+    <p:sldId id="312" r:id="rId33"/>
+    <p:sldId id="311" r:id="rId34"/>
+    <p:sldId id="308" r:id="rId35"/>
+    <p:sldId id="285" r:id="rId36"/>
   </p:sldIdLst>
   <p:sldSz cx="12192000" cy="6858000"/>
   <p:notesSz cx="6858000" cy="9144000"/>
@@ -230,7 +231,7 @@
           <a:p>
             <a:fld id="{00303553-004A-4AC0-97DD-6833C5CCC6AB}" type="datetimeFigureOut">
               <a:rPr lang="pt-BR" smtClean="0"/>
-              <a:t>13/12/2019</a:t>
+              <a:t>16/12/2019</a:t>
             </a:fld>
             <a:endParaRPr lang="pt-BR"/>
           </a:p>
@@ -626,6 +627,238 @@
 </p:notes>
 </file>
 
+<file path=ppt/notesSlides/notesSlide2.xml><?xml version="1.0" encoding="utf-8"?>
+<p:notes xmlns:a="http://schemas.openxmlformats.org/drawingml/2006/main" xmlns:r="http://schemas.openxmlformats.org/officeDocument/2006/relationships" xmlns:p="http://schemas.openxmlformats.org/presentationml/2006/main">
+  <p:cSld>
+    <p:spTree>
+      <p:nvGrpSpPr>
+        <p:cNvPr id="1" name=""/>
+        <p:cNvGrpSpPr/>
+        <p:nvPr/>
+      </p:nvGrpSpPr>
+      <p:grpSpPr>
+        <a:xfrm>
+          <a:off x="0" y="0"/>
+          <a:ext cx="0" cy="0"/>
+          <a:chOff x="0" y="0"/>
+          <a:chExt cx="0" cy="0"/>
+        </a:xfrm>
+      </p:grpSpPr>
+      <p:sp>
+        <p:nvSpPr>
+          <p:cNvPr id="2" name="Espaço Reservado para Imagem de Slide 1"/>
+          <p:cNvSpPr>
+            <a:spLocks noGrp="1" noRot="1" noChangeAspect="1"/>
+          </p:cNvSpPr>
+          <p:nvPr>
+            <p:ph type="sldImg"/>
+          </p:nvPr>
+        </p:nvSpPr>
+        <p:spPr/>
+      </p:sp>
+      <p:sp>
+        <p:nvSpPr>
+          <p:cNvPr id="3" name="Espaço Reservado para Anotações 2"/>
+          <p:cNvSpPr>
+            <a:spLocks noGrp="1"/>
+          </p:cNvSpPr>
+          <p:nvPr>
+            <p:ph type="body" idx="1"/>
+          </p:nvPr>
+        </p:nvSpPr>
+        <p:spPr/>
+        <p:txBody>
+          <a:bodyPr/>
+          <a:lstStyle/>
+          <a:p>
+            <a:r>
+              <a:rPr lang="pt-BR" dirty="0" smtClean="0"/>
+              <a:t>Um container irá conter sua aplicação; </a:t>
+            </a:r>
+          </a:p>
+          <a:p>
+            <a:r>
+              <a:rPr lang="pt-BR" dirty="0" smtClean="0"/>
+              <a:t>Muito leve subir ou parar um container;</a:t>
+            </a:r>
+          </a:p>
+          <a:p>
+            <a:endParaRPr lang="pt-BR" dirty="0" smtClean="0"/>
+          </a:p>
+          <a:p>
+            <a:r>
+              <a:rPr lang="pt-BR" dirty="0" smtClean="0"/>
+              <a:t>O normal seria deixar como está instalando tudo na sua máquina</a:t>
+            </a:r>
+          </a:p>
+          <a:p>
+            <a:endParaRPr lang="pt-BR" dirty="0" smtClean="0"/>
+          </a:p>
+          <a:p>
+            <a:r>
+              <a:rPr lang="pt-BR" dirty="0" smtClean="0"/>
+              <a:t>-</a:t>
+            </a:r>
+            <a:r>
+              <a:rPr lang="pt-BR" baseline="0" dirty="0" smtClean="0"/>
+              <a:t> Se travar uma aplicação, trava todo mundo</a:t>
+            </a:r>
+            <a:endParaRPr lang="pt-BR" dirty="0"/>
+          </a:p>
+        </p:txBody>
+      </p:sp>
+      <p:sp>
+        <p:nvSpPr>
+          <p:cNvPr id="4" name="Espaço Reservado para Número de Slide 3"/>
+          <p:cNvSpPr>
+            <a:spLocks noGrp="1"/>
+          </p:cNvSpPr>
+          <p:nvPr>
+            <p:ph type="sldNum" sz="quarter" idx="10"/>
+          </p:nvPr>
+        </p:nvSpPr>
+        <p:spPr/>
+        <p:txBody>
+          <a:bodyPr/>
+          <a:lstStyle/>
+          <a:p>
+            <a:fld id="{E99F75BA-2413-497C-9A18-77E2B7FB0011}" type="slidenum">
+              <a:rPr lang="pt-BR" smtClean="0"/>
+              <a:t>6</a:t>
+            </a:fld>
+            <a:endParaRPr lang="pt-BR"/>
+          </a:p>
+        </p:txBody>
+      </p:sp>
+    </p:spTree>
+    <p:extLst>
+      <p:ext uri="{BB962C8B-B14F-4D97-AF65-F5344CB8AC3E}">
+        <p14:creationId xmlns:p14="http://schemas.microsoft.com/office/powerpoint/2010/main" val="4151291761"/>
+      </p:ext>
+    </p:extLst>
+  </p:cSld>
+  <p:clrMapOvr>
+    <a:masterClrMapping/>
+  </p:clrMapOvr>
+</p:notes>
+</file>
+
+<file path=ppt/notesSlides/notesSlide3.xml><?xml version="1.0" encoding="utf-8"?>
+<p:notes xmlns:a="http://schemas.openxmlformats.org/drawingml/2006/main" xmlns:r="http://schemas.openxmlformats.org/officeDocument/2006/relationships" xmlns:p="http://schemas.openxmlformats.org/presentationml/2006/main">
+  <p:cSld>
+    <p:spTree>
+      <p:nvGrpSpPr>
+        <p:cNvPr id="1" name=""/>
+        <p:cNvGrpSpPr/>
+        <p:nvPr/>
+      </p:nvGrpSpPr>
+      <p:grpSpPr>
+        <a:xfrm>
+          <a:off x="0" y="0"/>
+          <a:ext cx="0" cy="0"/>
+          <a:chOff x="0" y="0"/>
+          <a:chExt cx="0" cy="0"/>
+        </a:xfrm>
+      </p:grpSpPr>
+      <p:sp>
+        <p:nvSpPr>
+          <p:cNvPr id="2" name="Espaço Reservado para Imagem de Slide 1"/>
+          <p:cNvSpPr>
+            <a:spLocks noGrp="1" noRot="1" noChangeAspect="1"/>
+          </p:cNvSpPr>
+          <p:nvPr>
+            <p:ph type="sldImg"/>
+          </p:nvPr>
+        </p:nvSpPr>
+        <p:spPr/>
+      </p:sp>
+      <p:sp>
+        <p:nvSpPr>
+          <p:cNvPr id="3" name="Espaço Reservado para Anotações 2"/>
+          <p:cNvSpPr>
+            <a:spLocks noGrp="1"/>
+          </p:cNvSpPr>
+          <p:nvPr>
+            <p:ph type="body" idx="1"/>
+          </p:nvPr>
+        </p:nvSpPr>
+        <p:spPr/>
+        <p:txBody>
+          <a:bodyPr/>
+          <a:lstStyle/>
+          <a:p>
+            <a:r>
+              <a:rPr lang="pt-BR" dirty="0" smtClean="0"/>
+              <a:t>Um container irá conter sua aplicação; </a:t>
+            </a:r>
+          </a:p>
+          <a:p>
+            <a:r>
+              <a:rPr lang="pt-BR" dirty="0" smtClean="0"/>
+              <a:t>Muito leve subir ou parar um container;</a:t>
+            </a:r>
+          </a:p>
+          <a:p>
+            <a:endParaRPr lang="pt-BR" dirty="0" smtClean="0"/>
+          </a:p>
+          <a:p>
+            <a:r>
+              <a:rPr lang="pt-BR" dirty="0" smtClean="0"/>
+              <a:t>O normal seria deixar como está instalando tudo na sua máquina</a:t>
+            </a:r>
+          </a:p>
+          <a:p>
+            <a:endParaRPr lang="pt-BR" dirty="0" smtClean="0"/>
+          </a:p>
+          <a:p>
+            <a:r>
+              <a:rPr lang="pt-BR" dirty="0" smtClean="0"/>
+              <a:t>-</a:t>
+            </a:r>
+            <a:r>
+              <a:rPr lang="pt-BR" baseline="0" dirty="0" smtClean="0"/>
+              <a:t> Se travar uma aplicação, trava todo mundo</a:t>
+            </a:r>
+            <a:endParaRPr lang="pt-BR" dirty="0"/>
+          </a:p>
+        </p:txBody>
+      </p:sp>
+      <p:sp>
+        <p:nvSpPr>
+          <p:cNvPr id="4" name="Espaço Reservado para Número de Slide 3"/>
+          <p:cNvSpPr>
+            <a:spLocks noGrp="1"/>
+          </p:cNvSpPr>
+          <p:nvPr>
+            <p:ph type="sldNum" sz="quarter" idx="10"/>
+          </p:nvPr>
+        </p:nvSpPr>
+        <p:spPr/>
+        <p:txBody>
+          <a:bodyPr/>
+          <a:lstStyle/>
+          <a:p>
+            <a:fld id="{E99F75BA-2413-497C-9A18-77E2B7FB0011}" type="slidenum">
+              <a:rPr lang="pt-BR" smtClean="0"/>
+              <a:t>7</a:t>
+            </a:fld>
+            <a:endParaRPr lang="pt-BR"/>
+          </a:p>
+        </p:txBody>
+      </p:sp>
+    </p:spTree>
+    <p:extLst>
+      <p:ext uri="{BB962C8B-B14F-4D97-AF65-F5344CB8AC3E}">
+        <p14:creationId xmlns:p14="http://schemas.microsoft.com/office/powerpoint/2010/main" val="369107536"/>
+      </p:ext>
+    </p:extLst>
+  </p:cSld>
+  <p:clrMapOvr>
+    <a:masterClrMapping/>
+  </p:clrMapOvr>
+</p:notes>
+</file>
+
 <file path=ppt/slideLayouts/slideLayout1.xml><?xml version="1.0" encoding="utf-8"?>
 <p:sldLayout xmlns:a="http://schemas.openxmlformats.org/drawingml/2006/main" xmlns:r="http://schemas.openxmlformats.org/officeDocument/2006/relationships" xmlns:p="http://schemas.openxmlformats.org/presentationml/2006/main" type="title" preserve="1">
   <p:cSld name="Slide de Título">
@@ -755,7 +988,7 @@
           <a:p>
             <a:fld id="{CC58B075-67F8-4A8D-AE1C-3D3E4193EBCA}" type="datetimeFigureOut">
               <a:rPr lang="pt-BR" smtClean="0"/>
-              <a:t>09/12/2019</a:t>
+              <a:t>16/12/2019</a:t>
             </a:fld>
             <a:endParaRPr lang="pt-BR"/>
           </a:p>
@@ -923,7 +1156,7 @@
           <a:p>
             <a:fld id="{CC58B075-67F8-4A8D-AE1C-3D3E4193EBCA}" type="datetimeFigureOut">
               <a:rPr lang="pt-BR" smtClean="0"/>
-              <a:t>09/12/2019</a:t>
+              <a:t>16/12/2019</a:t>
             </a:fld>
             <a:endParaRPr lang="pt-BR"/>
           </a:p>
@@ -1101,7 +1334,7 @@
           <a:p>
             <a:fld id="{CC58B075-67F8-4A8D-AE1C-3D3E4193EBCA}" type="datetimeFigureOut">
               <a:rPr lang="pt-BR" smtClean="0"/>
-              <a:t>09/12/2019</a:t>
+              <a:t>16/12/2019</a:t>
             </a:fld>
             <a:endParaRPr lang="pt-BR"/>
           </a:p>
@@ -1269,7 +1502,7 @@
           <a:p>
             <a:fld id="{CC58B075-67F8-4A8D-AE1C-3D3E4193EBCA}" type="datetimeFigureOut">
               <a:rPr lang="pt-BR" smtClean="0"/>
-              <a:t>09/12/2019</a:t>
+              <a:t>16/12/2019</a:t>
             </a:fld>
             <a:endParaRPr lang="pt-BR"/>
           </a:p>
@@ -1514,7 +1747,7 @@
           <a:p>
             <a:fld id="{CC58B075-67F8-4A8D-AE1C-3D3E4193EBCA}" type="datetimeFigureOut">
               <a:rPr lang="pt-BR" smtClean="0"/>
-              <a:t>09/12/2019</a:t>
+              <a:t>16/12/2019</a:t>
             </a:fld>
             <a:endParaRPr lang="pt-BR"/>
           </a:p>
@@ -1743,7 +1976,7 @@
           <a:p>
             <a:fld id="{CC58B075-67F8-4A8D-AE1C-3D3E4193EBCA}" type="datetimeFigureOut">
               <a:rPr lang="pt-BR" smtClean="0"/>
-              <a:t>09/12/2019</a:t>
+              <a:t>16/12/2019</a:t>
             </a:fld>
             <a:endParaRPr lang="pt-BR"/>
           </a:p>
@@ -2107,7 +2340,7 @@
           <a:p>
             <a:fld id="{CC58B075-67F8-4A8D-AE1C-3D3E4193EBCA}" type="datetimeFigureOut">
               <a:rPr lang="pt-BR" smtClean="0"/>
-              <a:t>09/12/2019</a:t>
+              <a:t>16/12/2019</a:t>
             </a:fld>
             <a:endParaRPr lang="pt-BR"/>
           </a:p>
@@ -2224,7 +2457,7 @@
           <a:p>
             <a:fld id="{CC58B075-67F8-4A8D-AE1C-3D3E4193EBCA}" type="datetimeFigureOut">
               <a:rPr lang="pt-BR" smtClean="0"/>
-              <a:t>09/12/2019</a:t>
+              <a:t>16/12/2019</a:t>
             </a:fld>
             <a:endParaRPr lang="pt-BR"/>
           </a:p>
@@ -2319,7 +2552,7 @@
           <a:p>
             <a:fld id="{CC58B075-67F8-4A8D-AE1C-3D3E4193EBCA}" type="datetimeFigureOut">
               <a:rPr lang="pt-BR" smtClean="0"/>
-              <a:t>09/12/2019</a:t>
+              <a:t>16/12/2019</a:t>
             </a:fld>
             <a:endParaRPr lang="pt-BR"/>
           </a:p>
@@ -2594,7 +2827,7 @@
           <a:p>
             <a:fld id="{CC58B075-67F8-4A8D-AE1C-3D3E4193EBCA}" type="datetimeFigureOut">
               <a:rPr lang="pt-BR" smtClean="0"/>
-              <a:t>09/12/2019</a:t>
+              <a:t>16/12/2019</a:t>
             </a:fld>
             <a:endParaRPr lang="pt-BR"/>
           </a:p>
@@ -2846,7 +3079,7 @@
           <a:p>
             <a:fld id="{CC58B075-67F8-4A8D-AE1C-3D3E4193EBCA}" type="datetimeFigureOut">
               <a:rPr lang="pt-BR" smtClean="0"/>
-              <a:t>09/12/2019</a:t>
+              <a:t>16/12/2019</a:t>
             </a:fld>
             <a:endParaRPr lang="pt-BR"/>
           </a:p>
@@ -3057,7 +3290,7 @@
           <a:p>
             <a:fld id="{CC58B075-67F8-4A8D-AE1C-3D3E4193EBCA}" type="datetimeFigureOut">
               <a:rPr lang="pt-BR" smtClean="0"/>
-              <a:t>09/12/2019</a:t>
+              <a:t>16/12/2019</a:t>
             </a:fld>
             <a:endParaRPr lang="pt-BR"/>
           </a:p>
@@ -3607,6 +3840,727 @@
             <a:pPr algn="ctr"/>
             <a:r>
               <a:rPr lang="pt-BR" sz="2800" b="1" dirty="0"/>
+              <a:t>Diferença entre Imagens e Containers</a:t>
+            </a:r>
+          </a:p>
+        </p:txBody>
+      </p:sp>
+      <p:sp>
+        <p:nvSpPr>
+          <p:cNvPr id="5" name="Espaço Reservado para Conteúdo 5"/>
+          <p:cNvSpPr txBox="1">
+            <a:spLocks/>
+          </p:cNvSpPr>
+          <p:nvPr/>
+        </p:nvSpPr>
+        <p:spPr>
+          <a:xfrm>
+            <a:off x="504450" y="1084496"/>
+            <a:ext cx="11421938" cy="3317687"/>
+          </a:xfrm>
+          <a:prstGeom prst="rect">
+            <a:avLst/>
+          </a:prstGeom>
+        </p:spPr>
+        <p:txBody>
+          <a:bodyPr vert="horz" lIns="91440" tIns="45720" rIns="91440" bIns="45720" rtlCol="0">
+            <a:normAutofit/>
+          </a:bodyPr>
+          <a:lstStyle>
+            <a:lvl1pPr marL="228600" indent="-228600" algn="l" defTabSz="914400" rtl="0" eaLnBrk="1" latinLnBrk="0" hangingPunct="1">
+              <a:lnSpc>
+                <a:spcPct val="90000"/>
+              </a:lnSpc>
+              <a:spcBef>
+                <a:spcPts val="1000"/>
+              </a:spcBef>
+              <a:buFont typeface="Arial" panose="020B0604020202020204" pitchFamily="34" charset="0"/>
+              <a:buChar char="•"/>
+              <a:defRPr sz="2800" kern="1200">
+                <a:solidFill>
+                  <a:schemeClr val="tx1"/>
+                </a:solidFill>
+                <a:latin typeface="+mn-lt"/>
+                <a:ea typeface="+mn-ea"/>
+                <a:cs typeface="+mn-cs"/>
+              </a:defRPr>
+            </a:lvl1pPr>
+            <a:lvl2pPr marL="685800" indent="-228600" algn="l" defTabSz="914400" rtl="0" eaLnBrk="1" latinLnBrk="0" hangingPunct="1">
+              <a:lnSpc>
+                <a:spcPct val="90000"/>
+              </a:lnSpc>
+              <a:spcBef>
+                <a:spcPts val="500"/>
+              </a:spcBef>
+              <a:buFont typeface="Arial" panose="020B0604020202020204" pitchFamily="34" charset="0"/>
+              <a:buChar char="•"/>
+              <a:defRPr sz="2400" kern="1200">
+                <a:solidFill>
+                  <a:schemeClr val="tx1"/>
+                </a:solidFill>
+                <a:latin typeface="+mn-lt"/>
+                <a:ea typeface="+mn-ea"/>
+                <a:cs typeface="+mn-cs"/>
+              </a:defRPr>
+            </a:lvl2pPr>
+            <a:lvl3pPr marL="1143000" indent="-228600" algn="l" defTabSz="914400" rtl="0" eaLnBrk="1" latinLnBrk="0" hangingPunct="1">
+              <a:lnSpc>
+                <a:spcPct val="90000"/>
+              </a:lnSpc>
+              <a:spcBef>
+                <a:spcPts val="500"/>
+              </a:spcBef>
+              <a:buFont typeface="Arial" panose="020B0604020202020204" pitchFamily="34" charset="0"/>
+              <a:buChar char="•"/>
+              <a:defRPr sz="2000" kern="1200">
+                <a:solidFill>
+                  <a:schemeClr val="tx1"/>
+                </a:solidFill>
+                <a:latin typeface="+mn-lt"/>
+                <a:ea typeface="+mn-ea"/>
+                <a:cs typeface="+mn-cs"/>
+              </a:defRPr>
+            </a:lvl3pPr>
+            <a:lvl4pPr marL="1600200" indent="-228600" algn="l" defTabSz="914400" rtl="0" eaLnBrk="1" latinLnBrk="0" hangingPunct="1">
+              <a:lnSpc>
+                <a:spcPct val="90000"/>
+              </a:lnSpc>
+              <a:spcBef>
+                <a:spcPts val="500"/>
+              </a:spcBef>
+              <a:buFont typeface="Arial" panose="020B0604020202020204" pitchFamily="34" charset="0"/>
+              <a:buChar char="•"/>
+              <a:defRPr sz="1800" kern="1200">
+                <a:solidFill>
+                  <a:schemeClr val="tx1"/>
+                </a:solidFill>
+                <a:latin typeface="+mn-lt"/>
+                <a:ea typeface="+mn-ea"/>
+                <a:cs typeface="+mn-cs"/>
+              </a:defRPr>
+            </a:lvl4pPr>
+            <a:lvl5pPr marL="2057400" indent="-228600" algn="l" defTabSz="914400" rtl="0" eaLnBrk="1" latinLnBrk="0" hangingPunct="1">
+              <a:lnSpc>
+                <a:spcPct val="90000"/>
+              </a:lnSpc>
+              <a:spcBef>
+                <a:spcPts val="500"/>
+              </a:spcBef>
+              <a:buFont typeface="Arial" panose="020B0604020202020204" pitchFamily="34" charset="0"/>
+              <a:buChar char="•"/>
+              <a:defRPr sz="1800" kern="1200">
+                <a:solidFill>
+                  <a:schemeClr val="tx1"/>
+                </a:solidFill>
+                <a:latin typeface="+mn-lt"/>
+                <a:ea typeface="+mn-ea"/>
+                <a:cs typeface="+mn-cs"/>
+              </a:defRPr>
+            </a:lvl5pPr>
+            <a:lvl6pPr marL="2514600" indent="-228600" algn="l" defTabSz="914400" rtl="0" eaLnBrk="1" latinLnBrk="0" hangingPunct="1">
+              <a:lnSpc>
+                <a:spcPct val="90000"/>
+              </a:lnSpc>
+              <a:spcBef>
+                <a:spcPts val="500"/>
+              </a:spcBef>
+              <a:buFont typeface="Arial" panose="020B0604020202020204" pitchFamily="34" charset="0"/>
+              <a:buChar char="•"/>
+              <a:defRPr sz="1800" kern="1200">
+                <a:solidFill>
+                  <a:schemeClr val="tx1"/>
+                </a:solidFill>
+                <a:latin typeface="+mn-lt"/>
+                <a:ea typeface="+mn-ea"/>
+                <a:cs typeface="+mn-cs"/>
+              </a:defRPr>
+            </a:lvl6pPr>
+            <a:lvl7pPr marL="2971800" indent="-228600" algn="l" defTabSz="914400" rtl="0" eaLnBrk="1" latinLnBrk="0" hangingPunct="1">
+              <a:lnSpc>
+                <a:spcPct val="90000"/>
+              </a:lnSpc>
+              <a:spcBef>
+                <a:spcPts val="500"/>
+              </a:spcBef>
+              <a:buFont typeface="Arial" panose="020B0604020202020204" pitchFamily="34" charset="0"/>
+              <a:buChar char="•"/>
+              <a:defRPr sz="1800" kern="1200">
+                <a:solidFill>
+                  <a:schemeClr val="tx1"/>
+                </a:solidFill>
+                <a:latin typeface="+mn-lt"/>
+                <a:ea typeface="+mn-ea"/>
+                <a:cs typeface="+mn-cs"/>
+              </a:defRPr>
+            </a:lvl7pPr>
+            <a:lvl8pPr marL="3429000" indent="-228600" algn="l" defTabSz="914400" rtl="0" eaLnBrk="1" latinLnBrk="0" hangingPunct="1">
+              <a:lnSpc>
+                <a:spcPct val="90000"/>
+              </a:lnSpc>
+              <a:spcBef>
+                <a:spcPts val="500"/>
+              </a:spcBef>
+              <a:buFont typeface="Arial" panose="020B0604020202020204" pitchFamily="34" charset="0"/>
+              <a:buChar char="•"/>
+              <a:defRPr sz="1800" kern="1200">
+                <a:solidFill>
+                  <a:schemeClr val="tx1"/>
+                </a:solidFill>
+                <a:latin typeface="+mn-lt"/>
+                <a:ea typeface="+mn-ea"/>
+                <a:cs typeface="+mn-cs"/>
+              </a:defRPr>
+            </a:lvl8pPr>
+            <a:lvl9pPr marL="3886200" indent="-228600" algn="l" defTabSz="914400" rtl="0" eaLnBrk="1" latinLnBrk="0" hangingPunct="1">
+              <a:lnSpc>
+                <a:spcPct val="90000"/>
+              </a:lnSpc>
+              <a:spcBef>
+                <a:spcPts val="500"/>
+              </a:spcBef>
+              <a:buFont typeface="Arial" panose="020B0604020202020204" pitchFamily="34" charset="0"/>
+              <a:buChar char="•"/>
+              <a:defRPr sz="1800" kern="1200">
+                <a:solidFill>
+                  <a:schemeClr val="tx1"/>
+                </a:solidFill>
+                <a:latin typeface="+mn-lt"/>
+                <a:ea typeface="+mn-ea"/>
+                <a:cs typeface="+mn-cs"/>
+              </a:defRPr>
+            </a:lvl9pPr>
+          </a:lstStyle>
+          <a:p>
+            <a:pPr marL="0" indent="0">
+              <a:buNone/>
+            </a:pPr>
+            <a:endParaRPr lang="pt-BR" sz="2000" dirty="0"/>
+          </a:p>
+        </p:txBody>
+      </p:sp>
+      <p:sp>
+        <p:nvSpPr>
+          <p:cNvPr id="8" name="Espaço Reservado para Conteúdo 5"/>
+          <p:cNvSpPr txBox="1">
+            <a:spLocks/>
+          </p:cNvSpPr>
+          <p:nvPr/>
+        </p:nvSpPr>
+        <p:spPr>
+          <a:xfrm>
+            <a:off x="504450" y="4729033"/>
+            <a:ext cx="11134556" cy="1671768"/>
+          </a:xfrm>
+          <a:prstGeom prst="rect">
+            <a:avLst/>
+          </a:prstGeom>
+        </p:spPr>
+        <p:txBody>
+          <a:bodyPr vert="horz" lIns="91440" tIns="45720" rIns="91440" bIns="45720" rtlCol="0">
+            <a:normAutofit/>
+          </a:bodyPr>
+          <a:lstStyle>
+            <a:lvl1pPr marL="228600" indent="-228600" algn="l" defTabSz="914400" rtl="0" eaLnBrk="1" latinLnBrk="0" hangingPunct="1">
+              <a:lnSpc>
+                <a:spcPct val="90000"/>
+              </a:lnSpc>
+              <a:spcBef>
+                <a:spcPts val="1000"/>
+              </a:spcBef>
+              <a:buFont typeface="Arial" panose="020B0604020202020204" pitchFamily="34" charset="0"/>
+              <a:buChar char="•"/>
+              <a:defRPr sz="2800" kern="1200">
+                <a:solidFill>
+                  <a:schemeClr val="tx1"/>
+                </a:solidFill>
+                <a:latin typeface="+mn-lt"/>
+                <a:ea typeface="+mn-ea"/>
+                <a:cs typeface="+mn-cs"/>
+              </a:defRPr>
+            </a:lvl1pPr>
+            <a:lvl2pPr marL="685800" indent="-228600" algn="l" defTabSz="914400" rtl="0" eaLnBrk="1" latinLnBrk="0" hangingPunct="1">
+              <a:lnSpc>
+                <a:spcPct val="90000"/>
+              </a:lnSpc>
+              <a:spcBef>
+                <a:spcPts val="500"/>
+              </a:spcBef>
+              <a:buFont typeface="Arial" panose="020B0604020202020204" pitchFamily="34" charset="0"/>
+              <a:buChar char="•"/>
+              <a:defRPr sz="2400" kern="1200">
+                <a:solidFill>
+                  <a:schemeClr val="tx1"/>
+                </a:solidFill>
+                <a:latin typeface="+mn-lt"/>
+                <a:ea typeface="+mn-ea"/>
+                <a:cs typeface="+mn-cs"/>
+              </a:defRPr>
+            </a:lvl2pPr>
+            <a:lvl3pPr marL="1143000" indent="-228600" algn="l" defTabSz="914400" rtl="0" eaLnBrk="1" latinLnBrk="0" hangingPunct="1">
+              <a:lnSpc>
+                <a:spcPct val="90000"/>
+              </a:lnSpc>
+              <a:spcBef>
+                <a:spcPts val="500"/>
+              </a:spcBef>
+              <a:buFont typeface="Arial" panose="020B0604020202020204" pitchFamily="34" charset="0"/>
+              <a:buChar char="•"/>
+              <a:defRPr sz="2000" kern="1200">
+                <a:solidFill>
+                  <a:schemeClr val="tx1"/>
+                </a:solidFill>
+                <a:latin typeface="+mn-lt"/>
+                <a:ea typeface="+mn-ea"/>
+                <a:cs typeface="+mn-cs"/>
+              </a:defRPr>
+            </a:lvl3pPr>
+            <a:lvl4pPr marL="1600200" indent="-228600" algn="l" defTabSz="914400" rtl="0" eaLnBrk="1" latinLnBrk="0" hangingPunct="1">
+              <a:lnSpc>
+                <a:spcPct val="90000"/>
+              </a:lnSpc>
+              <a:spcBef>
+                <a:spcPts val="500"/>
+              </a:spcBef>
+              <a:buFont typeface="Arial" panose="020B0604020202020204" pitchFamily="34" charset="0"/>
+              <a:buChar char="•"/>
+              <a:defRPr sz="1800" kern="1200">
+                <a:solidFill>
+                  <a:schemeClr val="tx1"/>
+                </a:solidFill>
+                <a:latin typeface="+mn-lt"/>
+                <a:ea typeface="+mn-ea"/>
+                <a:cs typeface="+mn-cs"/>
+              </a:defRPr>
+            </a:lvl4pPr>
+            <a:lvl5pPr marL="2057400" indent="-228600" algn="l" defTabSz="914400" rtl="0" eaLnBrk="1" latinLnBrk="0" hangingPunct="1">
+              <a:lnSpc>
+                <a:spcPct val="90000"/>
+              </a:lnSpc>
+              <a:spcBef>
+                <a:spcPts val="500"/>
+              </a:spcBef>
+              <a:buFont typeface="Arial" panose="020B0604020202020204" pitchFamily="34" charset="0"/>
+              <a:buChar char="•"/>
+              <a:defRPr sz="1800" kern="1200">
+                <a:solidFill>
+                  <a:schemeClr val="tx1"/>
+                </a:solidFill>
+                <a:latin typeface="+mn-lt"/>
+                <a:ea typeface="+mn-ea"/>
+                <a:cs typeface="+mn-cs"/>
+              </a:defRPr>
+            </a:lvl5pPr>
+            <a:lvl6pPr marL="2514600" indent="-228600" algn="l" defTabSz="914400" rtl="0" eaLnBrk="1" latinLnBrk="0" hangingPunct="1">
+              <a:lnSpc>
+                <a:spcPct val="90000"/>
+              </a:lnSpc>
+              <a:spcBef>
+                <a:spcPts val="500"/>
+              </a:spcBef>
+              <a:buFont typeface="Arial" panose="020B0604020202020204" pitchFamily="34" charset="0"/>
+              <a:buChar char="•"/>
+              <a:defRPr sz="1800" kern="1200">
+                <a:solidFill>
+                  <a:schemeClr val="tx1"/>
+                </a:solidFill>
+                <a:latin typeface="+mn-lt"/>
+                <a:ea typeface="+mn-ea"/>
+                <a:cs typeface="+mn-cs"/>
+              </a:defRPr>
+            </a:lvl6pPr>
+            <a:lvl7pPr marL="2971800" indent="-228600" algn="l" defTabSz="914400" rtl="0" eaLnBrk="1" latinLnBrk="0" hangingPunct="1">
+              <a:lnSpc>
+                <a:spcPct val="90000"/>
+              </a:lnSpc>
+              <a:spcBef>
+                <a:spcPts val="500"/>
+              </a:spcBef>
+              <a:buFont typeface="Arial" panose="020B0604020202020204" pitchFamily="34" charset="0"/>
+              <a:buChar char="•"/>
+              <a:defRPr sz="1800" kern="1200">
+                <a:solidFill>
+                  <a:schemeClr val="tx1"/>
+                </a:solidFill>
+                <a:latin typeface="+mn-lt"/>
+                <a:ea typeface="+mn-ea"/>
+                <a:cs typeface="+mn-cs"/>
+              </a:defRPr>
+            </a:lvl7pPr>
+            <a:lvl8pPr marL="3429000" indent="-228600" algn="l" defTabSz="914400" rtl="0" eaLnBrk="1" latinLnBrk="0" hangingPunct="1">
+              <a:lnSpc>
+                <a:spcPct val="90000"/>
+              </a:lnSpc>
+              <a:spcBef>
+                <a:spcPts val="500"/>
+              </a:spcBef>
+              <a:buFont typeface="Arial" panose="020B0604020202020204" pitchFamily="34" charset="0"/>
+              <a:buChar char="•"/>
+              <a:defRPr sz="1800" kern="1200">
+                <a:solidFill>
+                  <a:schemeClr val="tx1"/>
+                </a:solidFill>
+                <a:latin typeface="+mn-lt"/>
+                <a:ea typeface="+mn-ea"/>
+                <a:cs typeface="+mn-cs"/>
+              </a:defRPr>
+            </a:lvl8pPr>
+            <a:lvl9pPr marL="3886200" indent="-228600" algn="l" defTabSz="914400" rtl="0" eaLnBrk="1" latinLnBrk="0" hangingPunct="1">
+              <a:lnSpc>
+                <a:spcPct val="90000"/>
+              </a:lnSpc>
+              <a:spcBef>
+                <a:spcPts val="500"/>
+              </a:spcBef>
+              <a:buFont typeface="Arial" panose="020B0604020202020204" pitchFamily="34" charset="0"/>
+              <a:buChar char="•"/>
+              <a:defRPr sz="1800" kern="1200">
+                <a:solidFill>
+                  <a:schemeClr val="tx1"/>
+                </a:solidFill>
+                <a:latin typeface="+mn-lt"/>
+                <a:ea typeface="+mn-ea"/>
+                <a:cs typeface="+mn-cs"/>
+              </a:defRPr>
+            </a:lvl9pPr>
+          </a:lstStyle>
+          <a:p>
+            <a:endParaRPr lang="pt-BR" sz="2000" dirty="0"/>
+          </a:p>
+        </p:txBody>
+      </p:sp>
+      <p:sp>
+        <p:nvSpPr>
+          <p:cNvPr id="3" name="CaixaDeTexto 2"/>
+          <p:cNvSpPr txBox="1"/>
+          <p:nvPr/>
+        </p:nvSpPr>
+        <p:spPr>
+          <a:xfrm>
+            <a:off x="653084" y="2150243"/>
+            <a:ext cx="11396959" cy="2554545"/>
+          </a:xfrm>
+          <a:prstGeom prst="rect">
+            <a:avLst/>
+          </a:prstGeom>
+          <a:noFill/>
+        </p:spPr>
+        <p:txBody>
+          <a:bodyPr wrap="square" rtlCol="0">
+            <a:spAutoFit/>
+          </a:bodyPr>
+          <a:lstStyle/>
+          <a:p>
+            <a:r>
+              <a:rPr lang="pt-BR" sz="1600" dirty="0"/>
+              <a:t>A </a:t>
+            </a:r>
+            <a:r>
+              <a:rPr lang="pt-BR" sz="1600" b="1" dirty="0"/>
+              <a:t>imagem</a:t>
+            </a:r>
+            <a:r>
+              <a:rPr lang="pt-BR" sz="1600" dirty="0"/>
+              <a:t> é como se fosse uma receita de bolo, uma série de instruções que o </a:t>
+            </a:r>
+            <a:r>
+              <a:rPr lang="pt-BR" sz="1600" dirty="0" err="1"/>
+              <a:t>Docker</a:t>
+            </a:r>
+            <a:r>
+              <a:rPr lang="pt-BR" sz="1600" dirty="0"/>
+              <a:t> seguirá para criar um </a:t>
+            </a:r>
+            <a:r>
+              <a:rPr lang="pt-BR" sz="1600" b="1" i="1" dirty="0"/>
+              <a:t>container</a:t>
+            </a:r>
+            <a:r>
+              <a:rPr lang="pt-BR" sz="1600" dirty="0"/>
+              <a:t>, que irá conter as instruções da imagem.</a:t>
+            </a:r>
+          </a:p>
+          <a:p>
+            <a:endParaRPr lang="pt-BR" sz="1600" dirty="0"/>
+          </a:p>
+          <a:p>
+            <a:pPr marL="285750" indent="-285750">
+              <a:buFont typeface="Wingdings" panose="05000000000000000000" pitchFamily="2" charset="2"/>
+              <a:buChar char="Ø"/>
+            </a:pPr>
+            <a:r>
+              <a:rPr lang="pt-BR" sz="1600" dirty="0" err="1"/>
+              <a:t>docker</a:t>
+            </a:r>
+            <a:r>
+              <a:rPr lang="pt-BR" sz="1600" dirty="0"/>
+              <a:t> </a:t>
+            </a:r>
+            <a:r>
+              <a:rPr lang="pt-BR" sz="1600" dirty="0" err="1"/>
+              <a:t>ps</a:t>
+            </a:r>
+            <a:r>
+              <a:rPr lang="pt-BR" sz="1600" dirty="0"/>
+              <a:t> –a</a:t>
+            </a:r>
+          </a:p>
+          <a:p>
+            <a:endParaRPr lang="pt-BR" sz="1600" dirty="0"/>
+          </a:p>
+          <a:p>
+            <a:r>
+              <a:rPr lang="pt-BR" sz="1600" dirty="0"/>
+              <a:t>CONTAINER ID    IMAGE         COMMAND       CREATED         STATUS                     		PORTS     NAMES</a:t>
+            </a:r>
+          </a:p>
+          <a:p>
+            <a:r>
+              <a:rPr lang="pt-BR" sz="1600" dirty="0"/>
+              <a:t>4139842e283a    </a:t>
+            </a:r>
+            <a:r>
+              <a:rPr lang="pt-BR" sz="1600" dirty="0" err="1"/>
+              <a:t>ubuntu</a:t>
+            </a:r>
+            <a:r>
+              <a:rPr lang="pt-BR" sz="1600" dirty="0"/>
+              <a:t>        "/bin/</a:t>
+            </a:r>
+            <a:r>
+              <a:rPr lang="pt-BR" sz="1600" dirty="0" err="1"/>
+              <a:t>bash</a:t>
+            </a:r>
+            <a:r>
+              <a:rPr lang="pt-BR" sz="1600" dirty="0"/>
+              <a:t>"   3 minutes </a:t>
+            </a:r>
+            <a:r>
+              <a:rPr lang="pt-BR" sz="1600" dirty="0" err="1"/>
+              <a:t>ago</a:t>
+            </a:r>
+            <a:r>
+              <a:rPr lang="pt-BR" sz="1600" dirty="0"/>
+              <a:t>    </a:t>
+            </a:r>
+            <a:r>
+              <a:rPr lang="pt-BR" sz="1600" dirty="0" err="1"/>
+              <a:t>Exited</a:t>
+            </a:r>
+            <a:r>
+              <a:rPr lang="pt-BR" sz="1600" dirty="0"/>
+              <a:t> (0) 3 minutes </a:t>
+            </a:r>
+            <a:r>
+              <a:rPr lang="pt-BR" sz="1600" dirty="0" err="1"/>
+              <a:t>ago</a:t>
+            </a:r>
+            <a:r>
+              <a:rPr lang="pt-BR" sz="1600" dirty="0"/>
+              <a:t>          		</a:t>
+            </a:r>
+            <a:r>
+              <a:rPr lang="pt-BR" sz="1600" dirty="0" err="1"/>
+              <a:t>elastic_albattani</a:t>
+            </a:r>
+            <a:endParaRPr lang="pt-BR" sz="1600" dirty="0"/>
+          </a:p>
+          <a:p>
+            <a:r>
+              <a:rPr lang="pt-BR" sz="1600" dirty="0"/>
+              <a:t>c1a155091114    </a:t>
+            </a:r>
+            <a:r>
+              <a:rPr lang="pt-BR" sz="1600" dirty="0" err="1"/>
+              <a:t>hello</a:t>
+            </a:r>
+            <a:r>
+              <a:rPr lang="pt-BR" sz="1600" dirty="0"/>
+              <a:t>-world   "/</a:t>
+            </a:r>
+            <a:r>
+              <a:rPr lang="pt-BR" sz="1600" dirty="0" err="1"/>
+              <a:t>hello</a:t>
+            </a:r>
+            <a:r>
+              <a:rPr lang="pt-BR" sz="1600" dirty="0"/>
+              <a:t>"        4 </a:t>
+            </a:r>
+            <a:r>
+              <a:rPr lang="pt-BR" sz="1600" dirty="0" err="1"/>
+              <a:t>days</a:t>
+            </a:r>
+            <a:r>
+              <a:rPr lang="pt-BR" sz="1600" dirty="0"/>
+              <a:t> </a:t>
+            </a:r>
+            <a:r>
+              <a:rPr lang="pt-BR" sz="1600" dirty="0" err="1"/>
+              <a:t>ago</a:t>
+            </a:r>
+            <a:r>
+              <a:rPr lang="pt-BR" sz="1600" dirty="0"/>
+              <a:t>          </a:t>
+            </a:r>
+            <a:r>
+              <a:rPr lang="pt-BR" sz="1600" dirty="0" err="1"/>
+              <a:t>Exited</a:t>
+            </a:r>
+            <a:r>
+              <a:rPr lang="pt-BR" sz="1600" dirty="0"/>
+              <a:t> (0) 4 </a:t>
+            </a:r>
+            <a:r>
+              <a:rPr lang="pt-BR" sz="1600" dirty="0" err="1"/>
+              <a:t>days</a:t>
+            </a:r>
+            <a:r>
+              <a:rPr lang="pt-BR" sz="1600" dirty="0"/>
+              <a:t> </a:t>
+            </a:r>
+            <a:r>
+              <a:rPr lang="pt-BR" sz="1600" dirty="0" err="1"/>
+              <a:t>ago</a:t>
+            </a:r>
+            <a:r>
+              <a:rPr lang="pt-BR" sz="1600" dirty="0"/>
+              <a:t>                		</a:t>
+            </a:r>
+            <a:r>
+              <a:rPr lang="pt-BR" sz="1600" dirty="0" err="1"/>
+              <a:t>nifty_mcclintock</a:t>
+            </a:r>
+            <a:endParaRPr lang="pt-BR" sz="1600" dirty="0"/>
+          </a:p>
+          <a:p>
+            <a:endParaRPr lang="pt-BR" sz="1600" dirty="0"/>
+          </a:p>
+          <a:p>
+            <a:endParaRPr lang="pt-BR" sz="1600" dirty="0"/>
+          </a:p>
+        </p:txBody>
+      </p:sp>
+      <p:pic>
+        <p:nvPicPr>
+          <p:cNvPr id="2" name="Imagem 1"/>
+          <p:cNvPicPr>
+            <a:picLocks noChangeAspect="1"/>
+          </p:cNvPicPr>
+          <p:nvPr/>
+        </p:nvPicPr>
+        <p:blipFill>
+          <a:blip r:embed="rId2"/>
+          <a:stretch>
+            <a:fillRect/>
+          </a:stretch>
+        </p:blipFill>
+        <p:spPr>
+          <a:xfrm>
+            <a:off x="3940168" y="637340"/>
+            <a:ext cx="3257442" cy="1499520"/>
+          </a:xfrm>
+          <a:prstGeom prst="rect">
+            <a:avLst/>
+          </a:prstGeom>
+        </p:spPr>
+      </p:pic>
+      <p:pic>
+        <p:nvPicPr>
+          <p:cNvPr id="7" name="Imagem 6"/>
+          <p:cNvPicPr>
+            <a:picLocks noChangeAspect="1"/>
+          </p:cNvPicPr>
+          <p:nvPr/>
+        </p:nvPicPr>
+        <p:blipFill>
+          <a:blip r:embed="rId3"/>
+          <a:stretch>
+            <a:fillRect/>
+          </a:stretch>
+        </p:blipFill>
+        <p:spPr>
+          <a:xfrm>
+            <a:off x="3040761" y="4509054"/>
+            <a:ext cx="5695950" cy="1428750"/>
+          </a:xfrm>
+          <a:prstGeom prst="rect">
+            <a:avLst/>
+          </a:prstGeom>
+        </p:spPr>
+      </p:pic>
+    </p:spTree>
+    <p:extLst>
+      <p:ext uri="{BB962C8B-B14F-4D97-AF65-F5344CB8AC3E}">
+        <p14:creationId xmlns:p14="http://schemas.microsoft.com/office/powerpoint/2010/main" val="665658361"/>
+      </p:ext>
+    </p:extLst>
+  </p:cSld>
+  <p:clrMapOvr>
+    <a:masterClrMapping/>
+  </p:clrMapOvr>
+</p:sld>
+</file>
+
+<file path=ppt/slides/slide11.xml><?xml version="1.0" encoding="utf-8"?>
+<p:sld xmlns:a="http://schemas.openxmlformats.org/drawingml/2006/main" xmlns:r="http://schemas.openxmlformats.org/officeDocument/2006/relationships" xmlns:p="http://schemas.openxmlformats.org/presentationml/2006/main">
+  <p:cSld>
+    <p:spTree>
+      <p:nvGrpSpPr>
+        <p:cNvPr id="1" name=""/>
+        <p:cNvGrpSpPr/>
+        <p:nvPr/>
+      </p:nvGrpSpPr>
+      <p:grpSpPr>
+        <a:xfrm>
+          <a:off x="0" y="0"/>
+          <a:ext cx="0" cy="0"/>
+          <a:chOff x="0" y="0"/>
+          <a:chExt cx="0" cy="0"/>
+        </a:xfrm>
+      </p:grpSpPr>
+      <p:sp>
+        <p:nvSpPr>
+          <p:cNvPr id="4" name="Título 1"/>
+          <p:cNvSpPr txBox="1">
+            <a:spLocks/>
+          </p:cNvSpPr>
+          <p:nvPr/>
+        </p:nvSpPr>
+        <p:spPr>
+          <a:xfrm>
+            <a:off x="125627" y="115678"/>
+            <a:ext cx="11800761" cy="549275"/>
+          </a:xfrm>
+          <a:prstGeom prst="rect">
+            <a:avLst/>
+          </a:prstGeom>
+        </p:spPr>
+        <p:txBody>
+          <a:bodyPr vert="horz" lIns="91440" tIns="45720" rIns="91440" bIns="45720" rtlCol="0" anchor="ctr">
+            <a:normAutofit/>
+          </a:bodyPr>
+          <a:lstStyle>
+            <a:lvl1pPr algn="l" defTabSz="914400" rtl="0" eaLnBrk="1" latinLnBrk="0" hangingPunct="1">
+              <a:lnSpc>
+                <a:spcPct val="90000"/>
+              </a:lnSpc>
+              <a:spcBef>
+                <a:spcPct val="0"/>
+              </a:spcBef>
+              <a:buNone/>
+              <a:defRPr sz="4400" kern="1200">
+                <a:solidFill>
+                  <a:schemeClr val="tx1"/>
+                </a:solidFill>
+                <a:latin typeface="+mj-lt"/>
+                <a:ea typeface="+mj-ea"/>
+                <a:cs typeface="+mj-cs"/>
+              </a:defRPr>
+            </a:lvl1pPr>
+          </a:lstStyle>
+          <a:p>
+            <a:pPr algn="ctr"/>
+            <a:r>
+              <a:rPr lang="pt-BR" sz="2800" b="1" dirty="0"/>
               <a:t>Diferença entre Imagens e Containers  - E alguns comandos</a:t>
             </a:r>
           </a:p>
@@ -4252,7 +5206,7 @@
 </p:sld>
 </file>
 
-<file path=ppt/slides/slide11.xml><?xml version="1.0" encoding="utf-8"?>
+<file path=ppt/slides/slide12.xml><?xml version="1.0" encoding="utf-8"?>
 <p:sld xmlns:a="http://schemas.openxmlformats.org/drawingml/2006/main" xmlns:r="http://schemas.openxmlformats.org/officeDocument/2006/relationships" xmlns:p="http://schemas.openxmlformats.org/presentationml/2006/main">
   <p:cSld>
     <p:spTree>
@@ -4856,7 +5810,7 @@
 </p:sld>
 </file>
 
-<file path=ppt/slides/slide12.xml><?xml version="1.0" encoding="utf-8"?>
+<file path=ppt/slides/slide13.xml><?xml version="1.0" encoding="utf-8"?>
 <p:sld xmlns:a="http://schemas.openxmlformats.org/drawingml/2006/main" xmlns:r="http://schemas.openxmlformats.org/officeDocument/2006/relationships" xmlns:p="http://schemas.openxmlformats.org/presentationml/2006/main">
   <p:cSld>
     <p:spTree>
@@ -5409,7 +6363,7 @@
 </p:sld>
 </file>
 
-<file path=ppt/slides/slide13.xml><?xml version="1.0" encoding="utf-8"?>
+<file path=ppt/slides/slide14.xml><?xml version="1.0" encoding="utf-8"?>
 <p:sld xmlns:a="http://schemas.openxmlformats.org/drawingml/2006/main" xmlns:r="http://schemas.openxmlformats.org/officeDocument/2006/relationships" xmlns:p="http://schemas.openxmlformats.org/presentationml/2006/main">
   <p:cSld>
     <p:spTree>
@@ -5880,7 +6834,7 @@
 </p:sld>
 </file>
 
-<file path=ppt/slides/slide14.xml><?xml version="1.0" encoding="utf-8"?>
+<file path=ppt/slides/slide15.xml><?xml version="1.0" encoding="utf-8"?>
 <p:sld xmlns:a="http://schemas.openxmlformats.org/drawingml/2006/main" xmlns:r="http://schemas.openxmlformats.org/officeDocument/2006/relationships" xmlns:p="http://schemas.openxmlformats.org/presentationml/2006/main">
   <p:cSld>
     <p:spTree>
@@ -6339,7 +7293,7 @@
 </p:sld>
 </file>
 
-<file path=ppt/slides/slide15.xml><?xml version="1.0" encoding="utf-8"?>
+<file path=ppt/slides/slide16.xml><?xml version="1.0" encoding="utf-8"?>
 <p:sld xmlns:a="http://schemas.openxmlformats.org/drawingml/2006/main" xmlns:r="http://schemas.openxmlformats.org/officeDocument/2006/relationships" xmlns:p="http://schemas.openxmlformats.org/presentationml/2006/main">
   <p:cSld>
     <p:spTree>
@@ -6992,137 +7946,6 @@
     <p:extLst>
       <p:ext uri="{BB962C8B-B14F-4D97-AF65-F5344CB8AC3E}">
         <p14:creationId xmlns:p14="http://schemas.microsoft.com/office/powerpoint/2010/main" val="1061187663"/>
-      </p:ext>
-    </p:extLst>
-  </p:cSld>
-  <p:clrMapOvr>
-    <a:masterClrMapping/>
-  </p:clrMapOvr>
-  <p:timing>
-    <p:tnLst>
-      <p:par>
-        <p:cTn id="1" dur="indefinite" restart="never" nodeType="tmRoot"/>
-      </p:par>
-    </p:tnLst>
-  </p:timing>
-</p:sld>
-</file>
-
-<file path=ppt/slides/slide16.xml><?xml version="1.0" encoding="utf-8"?>
-<p:sld xmlns:a="http://schemas.openxmlformats.org/drawingml/2006/main" xmlns:r="http://schemas.openxmlformats.org/officeDocument/2006/relationships" xmlns:p="http://schemas.openxmlformats.org/presentationml/2006/main">
-  <p:cSld>
-    <p:spTree>
-      <p:nvGrpSpPr>
-        <p:cNvPr id="1" name=""/>
-        <p:cNvGrpSpPr/>
-        <p:nvPr/>
-      </p:nvGrpSpPr>
-      <p:grpSpPr>
-        <a:xfrm>
-          <a:off x="0" y="0"/>
-          <a:ext cx="0" cy="0"/>
-          <a:chOff x="0" y="0"/>
-          <a:chExt cx="0" cy="0"/>
-        </a:xfrm>
-      </p:grpSpPr>
-      <p:sp>
-        <p:nvSpPr>
-          <p:cNvPr id="2" name="Título 1"/>
-          <p:cNvSpPr>
-            <a:spLocks noGrp="1"/>
-          </p:cNvSpPr>
-          <p:nvPr>
-            <p:ph type="title"/>
-          </p:nvPr>
-        </p:nvSpPr>
-        <p:spPr>
-          <a:xfrm>
-            <a:off x="838200" y="161925"/>
-            <a:ext cx="10515600" cy="422275"/>
-          </a:xfrm>
-        </p:spPr>
-        <p:txBody>
-          <a:bodyPr vert="horz" lIns="91440" tIns="45720" rIns="91440" bIns="45720" rtlCol="0" anchor="ctr">
-            <a:normAutofit fontScale="90000"/>
-          </a:bodyPr>
-          <a:lstStyle/>
-          <a:p>
-            <a:pPr algn="ctr"/>
-            <a:r>
-              <a:rPr lang="pt-BR" sz="2800" b="1" dirty="0"/>
-              <a:t>Comandos do </a:t>
-            </a:r>
-            <a:r>
-              <a:rPr lang="pt-BR" sz="2800" b="1" dirty="0" err="1"/>
-              <a:t>Docker</a:t>
-            </a:r>
-            <a:endParaRPr lang="pt-BR" sz="2800" b="1" dirty="0"/>
-          </a:p>
-        </p:txBody>
-      </p:sp>
-      <p:sp>
-        <p:nvSpPr>
-          <p:cNvPr id="3" name="Espaço Reservado para Conteúdo 2"/>
-          <p:cNvSpPr>
-            <a:spLocks noGrp="1"/>
-          </p:cNvSpPr>
-          <p:nvPr>
-            <p:ph idx="1"/>
-          </p:nvPr>
-        </p:nvSpPr>
-        <p:spPr>
-          <a:xfrm>
-            <a:off x="286752" y="584199"/>
-            <a:ext cx="11618495" cy="5876759"/>
-          </a:xfrm>
-        </p:spPr>
-        <p:txBody>
-          <a:bodyPr>
-            <a:normAutofit/>
-          </a:bodyPr>
-          <a:lstStyle/>
-          <a:p>
-            <a:pPr algn="just"/>
-            <a:endParaRPr lang="pt-BR" sz="2000" b="1" i="1" dirty="0" smtClean="0"/>
-          </a:p>
-          <a:p>
-            <a:pPr algn="just"/>
-            <a:endParaRPr lang="pt-BR" sz="2000" b="1" i="1" dirty="0"/>
-          </a:p>
-          <a:p>
-            <a:pPr algn="just"/>
-            <a:endParaRPr lang="pt-BR" sz="2000" b="1" i="1" dirty="0" smtClean="0"/>
-          </a:p>
-          <a:p>
-            <a:pPr algn="just"/>
-            <a:r>
-              <a:rPr lang="pt-BR" sz="2000" b="1" i="1" dirty="0" smtClean="0"/>
-              <a:t>Colocar exemplo do MySQL e </a:t>
-            </a:r>
-            <a:r>
-              <a:rPr lang="pt-BR" sz="2000" b="1" i="1" dirty="0" err="1" smtClean="0"/>
-              <a:t>MySQLAdmin</a:t>
-            </a:r>
-            <a:endParaRPr lang="pt-BR" sz="1400" u="sng" dirty="0"/>
-          </a:p>
-          <a:p>
-            <a:pPr marL="457200" lvl="1" indent="0" algn="just">
-              <a:buNone/>
-            </a:pPr>
-            <a:endParaRPr lang="pt-BR" sz="1400" u="sng" dirty="0"/>
-          </a:p>
-          <a:p>
-            <a:pPr marL="457200" lvl="1" indent="0" algn="just">
-              <a:buNone/>
-            </a:pPr>
-            <a:endParaRPr lang="pt-BR" sz="1400" u="sng" dirty="0"/>
-          </a:p>
-        </p:txBody>
-      </p:sp>
-    </p:spTree>
-    <p:extLst>
-      <p:ext uri="{BB962C8B-B14F-4D97-AF65-F5344CB8AC3E}">
-        <p14:creationId xmlns:p14="http://schemas.microsoft.com/office/powerpoint/2010/main" val="2094361035"/>
       </p:ext>
     </p:extLst>
   </p:cSld>
@@ -7214,6 +8037,137 @@
           <a:lstStyle/>
           <a:p>
             <a:pPr algn="just"/>
+            <a:endParaRPr lang="pt-BR" sz="2000" b="1" i="1" dirty="0" smtClean="0"/>
+          </a:p>
+          <a:p>
+            <a:pPr algn="just"/>
+            <a:endParaRPr lang="pt-BR" sz="2000" b="1" i="1" dirty="0"/>
+          </a:p>
+          <a:p>
+            <a:pPr algn="just"/>
+            <a:endParaRPr lang="pt-BR" sz="2000" b="1" i="1" dirty="0" smtClean="0"/>
+          </a:p>
+          <a:p>
+            <a:pPr algn="just"/>
+            <a:r>
+              <a:rPr lang="pt-BR" sz="2000" b="1" i="1" dirty="0" smtClean="0"/>
+              <a:t>Colocar exemplo do MySQL e </a:t>
+            </a:r>
+            <a:r>
+              <a:rPr lang="pt-BR" sz="2000" b="1" i="1" dirty="0" err="1" smtClean="0"/>
+              <a:t>MySQLAdmin</a:t>
+            </a:r>
+            <a:endParaRPr lang="pt-BR" sz="1400" u="sng" dirty="0"/>
+          </a:p>
+          <a:p>
+            <a:pPr marL="457200" lvl="1" indent="0" algn="just">
+              <a:buNone/>
+            </a:pPr>
+            <a:endParaRPr lang="pt-BR" sz="1400" u="sng" dirty="0"/>
+          </a:p>
+          <a:p>
+            <a:pPr marL="457200" lvl="1" indent="0" algn="just">
+              <a:buNone/>
+            </a:pPr>
+            <a:endParaRPr lang="pt-BR" sz="1400" u="sng" dirty="0"/>
+          </a:p>
+        </p:txBody>
+      </p:sp>
+    </p:spTree>
+    <p:extLst>
+      <p:ext uri="{BB962C8B-B14F-4D97-AF65-F5344CB8AC3E}">
+        <p14:creationId xmlns:p14="http://schemas.microsoft.com/office/powerpoint/2010/main" val="2094361035"/>
+      </p:ext>
+    </p:extLst>
+  </p:cSld>
+  <p:clrMapOvr>
+    <a:masterClrMapping/>
+  </p:clrMapOvr>
+  <p:timing>
+    <p:tnLst>
+      <p:par>
+        <p:cTn id="1" dur="indefinite" restart="never" nodeType="tmRoot"/>
+      </p:par>
+    </p:tnLst>
+  </p:timing>
+</p:sld>
+</file>
+
+<file path=ppt/slides/slide18.xml><?xml version="1.0" encoding="utf-8"?>
+<p:sld xmlns:a="http://schemas.openxmlformats.org/drawingml/2006/main" xmlns:r="http://schemas.openxmlformats.org/officeDocument/2006/relationships" xmlns:p="http://schemas.openxmlformats.org/presentationml/2006/main">
+  <p:cSld>
+    <p:spTree>
+      <p:nvGrpSpPr>
+        <p:cNvPr id="1" name=""/>
+        <p:cNvGrpSpPr/>
+        <p:nvPr/>
+      </p:nvGrpSpPr>
+      <p:grpSpPr>
+        <a:xfrm>
+          <a:off x="0" y="0"/>
+          <a:ext cx="0" cy="0"/>
+          <a:chOff x="0" y="0"/>
+          <a:chExt cx="0" cy="0"/>
+        </a:xfrm>
+      </p:grpSpPr>
+      <p:sp>
+        <p:nvSpPr>
+          <p:cNvPr id="2" name="Título 1"/>
+          <p:cNvSpPr>
+            <a:spLocks noGrp="1"/>
+          </p:cNvSpPr>
+          <p:nvPr>
+            <p:ph type="title"/>
+          </p:nvPr>
+        </p:nvSpPr>
+        <p:spPr>
+          <a:xfrm>
+            <a:off x="838200" y="161925"/>
+            <a:ext cx="10515600" cy="422275"/>
+          </a:xfrm>
+        </p:spPr>
+        <p:txBody>
+          <a:bodyPr vert="horz" lIns="91440" tIns="45720" rIns="91440" bIns="45720" rtlCol="0" anchor="ctr">
+            <a:normAutofit fontScale="90000"/>
+          </a:bodyPr>
+          <a:lstStyle/>
+          <a:p>
+            <a:pPr algn="ctr"/>
+            <a:r>
+              <a:rPr lang="pt-BR" sz="2800" b="1" dirty="0"/>
+              <a:t>Comandos do </a:t>
+            </a:r>
+            <a:r>
+              <a:rPr lang="pt-BR" sz="2800" b="1" dirty="0" err="1"/>
+              <a:t>Docker</a:t>
+            </a:r>
+            <a:endParaRPr lang="pt-BR" sz="2800" b="1" dirty="0"/>
+          </a:p>
+        </p:txBody>
+      </p:sp>
+      <p:sp>
+        <p:nvSpPr>
+          <p:cNvPr id="3" name="Espaço Reservado para Conteúdo 2"/>
+          <p:cNvSpPr>
+            <a:spLocks noGrp="1"/>
+          </p:cNvSpPr>
+          <p:nvPr>
+            <p:ph idx="1"/>
+          </p:nvPr>
+        </p:nvSpPr>
+        <p:spPr>
+          <a:xfrm>
+            <a:off x="286752" y="584199"/>
+            <a:ext cx="11618495" cy="5876759"/>
+          </a:xfrm>
+        </p:spPr>
+        <p:txBody>
+          <a:bodyPr>
+            <a:normAutofit/>
+          </a:bodyPr>
+          <a:lstStyle/>
+          <a:p>
+            <a:pPr algn="just"/>
             <a:r>
               <a:rPr lang="pt-BR" sz="2000" b="1" i="1" dirty="0"/>
               <a:t>Nomeando um container – Para facilitar a localização do container posteriormente</a:t>
@@ -7598,7 +8552,7 @@
 </p:sld>
 </file>
 
-<file path=ppt/slides/slide18.xml><?xml version="1.0" encoding="utf-8"?>
+<file path=ppt/slides/slide19.xml><?xml version="1.0" encoding="utf-8"?>
 <p:sld xmlns:a="http://schemas.openxmlformats.org/drawingml/2006/main" xmlns:r="http://schemas.openxmlformats.org/officeDocument/2006/relationships" xmlns:p="http://schemas.openxmlformats.org/presentationml/2006/main">
   <p:cSld>
     <p:spTree>
@@ -8025,123 +8979,6 @@
     <p:extLst>
       <p:ext uri="{BB962C8B-B14F-4D97-AF65-F5344CB8AC3E}">
         <p14:creationId xmlns:p14="http://schemas.microsoft.com/office/powerpoint/2010/main" val="2636815561"/>
-      </p:ext>
-    </p:extLst>
-  </p:cSld>
-  <p:clrMapOvr>
-    <a:masterClrMapping/>
-  </p:clrMapOvr>
-</p:sld>
-</file>
-
-<file path=ppt/slides/slide19.xml><?xml version="1.0" encoding="utf-8"?>
-<p:sld xmlns:a="http://schemas.openxmlformats.org/drawingml/2006/main" xmlns:r="http://schemas.openxmlformats.org/officeDocument/2006/relationships" xmlns:p="http://schemas.openxmlformats.org/presentationml/2006/main">
-  <p:cSld>
-    <p:spTree>
-      <p:nvGrpSpPr>
-        <p:cNvPr id="1" name=""/>
-        <p:cNvGrpSpPr/>
-        <p:nvPr/>
-      </p:nvGrpSpPr>
-      <p:grpSpPr>
-        <a:xfrm>
-          <a:off x="0" y="0"/>
-          <a:ext cx="0" cy="0"/>
-          <a:chOff x="0" y="0"/>
-          <a:chExt cx="0" cy="0"/>
-        </a:xfrm>
-      </p:grpSpPr>
-      <p:sp>
-        <p:nvSpPr>
-          <p:cNvPr id="2" name="Título 1"/>
-          <p:cNvSpPr>
-            <a:spLocks noGrp="1"/>
-          </p:cNvSpPr>
-          <p:nvPr>
-            <p:ph type="title"/>
-          </p:nvPr>
-        </p:nvSpPr>
-        <p:spPr>
-          <a:xfrm>
-            <a:off x="838200" y="161925"/>
-            <a:ext cx="10515600" cy="422275"/>
-          </a:xfrm>
-        </p:spPr>
-        <p:txBody>
-          <a:bodyPr vert="horz" lIns="91440" tIns="45720" rIns="91440" bIns="45720" rtlCol="0" anchor="ctr">
-            <a:normAutofit fontScale="90000"/>
-          </a:bodyPr>
-          <a:lstStyle/>
-          <a:p>
-            <a:pPr algn="ctr"/>
-            <a:r>
-              <a:rPr lang="pt-BR" sz="2800" b="1" dirty="0"/>
-              <a:t>Volumes</a:t>
-            </a:r>
-          </a:p>
-        </p:txBody>
-      </p:sp>
-      <p:pic>
-        <p:nvPicPr>
-          <p:cNvPr id="3" name="Imagem 2"/>
-          <p:cNvPicPr>
-            <a:picLocks noChangeAspect="1"/>
-          </p:cNvPicPr>
-          <p:nvPr/>
-        </p:nvPicPr>
-        <p:blipFill>
-          <a:blip r:embed="rId2"/>
-          <a:stretch>
-            <a:fillRect/>
-          </a:stretch>
-        </p:blipFill>
-        <p:spPr>
-          <a:xfrm>
-            <a:off x="3039415" y="584200"/>
-            <a:ext cx="6166832" cy="4207420"/>
-          </a:xfrm>
-          <a:prstGeom prst="rect">
-            <a:avLst/>
-          </a:prstGeom>
-        </p:spPr>
-      </p:pic>
-      <p:sp>
-        <p:nvSpPr>
-          <p:cNvPr id="5" name="Espaço Reservado para Conteúdo 4"/>
-          <p:cNvSpPr>
-            <a:spLocks noGrp="1"/>
-          </p:cNvSpPr>
-          <p:nvPr>
-            <p:ph idx="1"/>
-          </p:nvPr>
-        </p:nvSpPr>
-        <p:spPr>
-          <a:xfrm>
-            <a:off x="1044262" y="5164428"/>
-            <a:ext cx="9980054" cy="1017432"/>
-          </a:xfrm>
-        </p:spPr>
-        <p:txBody>
-          <a:bodyPr>
-            <a:normAutofit/>
-          </a:bodyPr>
-          <a:lstStyle/>
-          <a:p>
-            <a:r>
-              <a:rPr lang="pt-BR" sz="2000" dirty="0"/>
-              <a:t>Se você escrever algo nesse container e este for removido, todo o conteúdo será perdido. Por isso é interessante que você utilize o conceito de </a:t>
-            </a:r>
-            <a:r>
-              <a:rPr lang="pt-BR" sz="2000" b="1" dirty="0"/>
-              <a:t>Volumes</a:t>
-            </a:r>
-          </a:p>
-        </p:txBody>
-      </p:sp>
-    </p:spTree>
-    <p:extLst>
-      <p:ext uri="{BB962C8B-B14F-4D97-AF65-F5344CB8AC3E}">
-        <p14:creationId xmlns:p14="http://schemas.microsoft.com/office/powerpoint/2010/main" val="1174364163"/>
       </p:ext>
     </p:extLst>
   </p:cSld>
@@ -8278,6 +9115,123 @@
         </p:nvSpPr>
         <p:spPr>
           <a:xfrm>
+            <a:off x="838200" y="161925"/>
+            <a:ext cx="10515600" cy="422275"/>
+          </a:xfrm>
+        </p:spPr>
+        <p:txBody>
+          <a:bodyPr vert="horz" lIns="91440" tIns="45720" rIns="91440" bIns="45720" rtlCol="0" anchor="ctr">
+            <a:normAutofit fontScale="90000"/>
+          </a:bodyPr>
+          <a:lstStyle/>
+          <a:p>
+            <a:pPr algn="ctr"/>
+            <a:r>
+              <a:rPr lang="pt-BR" sz="2800" b="1" dirty="0"/>
+              <a:t>Volumes</a:t>
+            </a:r>
+          </a:p>
+        </p:txBody>
+      </p:sp>
+      <p:pic>
+        <p:nvPicPr>
+          <p:cNvPr id="3" name="Imagem 2"/>
+          <p:cNvPicPr>
+            <a:picLocks noChangeAspect="1"/>
+          </p:cNvPicPr>
+          <p:nvPr/>
+        </p:nvPicPr>
+        <p:blipFill>
+          <a:blip r:embed="rId2"/>
+          <a:stretch>
+            <a:fillRect/>
+          </a:stretch>
+        </p:blipFill>
+        <p:spPr>
+          <a:xfrm>
+            <a:off x="3039415" y="584200"/>
+            <a:ext cx="6166832" cy="4207420"/>
+          </a:xfrm>
+          <a:prstGeom prst="rect">
+            <a:avLst/>
+          </a:prstGeom>
+        </p:spPr>
+      </p:pic>
+      <p:sp>
+        <p:nvSpPr>
+          <p:cNvPr id="5" name="Espaço Reservado para Conteúdo 4"/>
+          <p:cNvSpPr>
+            <a:spLocks noGrp="1"/>
+          </p:cNvSpPr>
+          <p:nvPr>
+            <p:ph idx="1"/>
+          </p:nvPr>
+        </p:nvSpPr>
+        <p:spPr>
+          <a:xfrm>
+            <a:off x="1044262" y="5164428"/>
+            <a:ext cx="9980054" cy="1017432"/>
+          </a:xfrm>
+        </p:spPr>
+        <p:txBody>
+          <a:bodyPr>
+            <a:normAutofit/>
+          </a:bodyPr>
+          <a:lstStyle/>
+          <a:p>
+            <a:r>
+              <a:rPr lang="pt-BR" sz="2000" dirty="0"/>
+              <a:t>Se você escrever algo nesse container e este for removido, todo o conteúdo será perdido. Por isso é interessante que você utilize o conceito de </a:t>
+            </a:r>
+            <a:r>
+              <a:rPr lang="pt-BR" sz="2000" b="1" dirty="0"/>
+              <a:t>Volumes</a:t>
+            </a:r>
+          </a:p>
+        </p:txBody>
+      </p:sp>
+    </p:spTree>
+    <p:extLst>
+      <p:ext uri="{BB962C8B-B14F-4D97-AF65-F5344CB8AC3E}">
+        <p14:creationId xmlns:p14="http://schemas.microsoft.com/office/powerpoint/2010/main" val="1174364163"/>
+      </p:ext>
+    </p:extLst>
+  </p:cSld>
+  <p:clrMapOvr>
+    <a:masterClrMapping/>
+  </p:clrMapOvr>
+</p:sld>
+</file>
+
+<file path=ppt/slides/slide21.xml><?xml version="1.0" encoding="utf-8"?>
+<p:sld xmlns:a="http://schemas.openxmlformats.org/drawingml/2006/main" xmlns:r="http://schemas.openxmlformats.org/officeDocument/2006/relationships" xmlns:p="http://schemas.openxmlformats.org/presentationml/2006/main">
+  <p:cSld>
+    <p:spTree>
+      <p:nvGrpSpPr>
+        <p:cNvPr id="1" name=""/>
+        <p:cNvGrpSpPr/>
+        <p:nvPr/>
+      </p:nvGrpSpPr>
+      <p:grpSpPr>
+        <a:xfrm>
+          <a:off x="0" y="0"/>
+          <a:ext cx="0" cy="0"/>
+          <a:chOff x="0" y="0"/>
+          <a:chExt cx="0" cy="0"/>
+        </a:xfrm>
+      </p:grpSpPr>
+      <p:sp>
+        <p:nvSpPr>
+          <p:cNvPr id="2" name="Título 1"/>
+          <p:cNvSpPr>
+            <a:spLocks noGrp="1"/>
+          </p:cNvSpPr>
+          <p:nvPr>
+            <p:ph type="title"/>
+          </p:nvPr>
+        </p:nvSpPr>
+        <p:spPr>
+          <a:xfrm>
             <a:off x="838200" y="123288"/>
             <a:ext cx="10515600" cy="422275"/>
           </a:xfrm>
@@ -8956,7 +9910,7 @@
 </p:sld>
 </file>
 
-<file path=ppt/slides/slide21.xml><?xml version="1.0" encoding="utf-8"?>
+<file path=ppt/slides/slide22.xml><?xml version="1.0" encoding="utf-8"?>
 <p:sld xmlns:a="http://schemas.openxmlformats.org/drawingml/2006/main" xmlns:r="http://schemas.openxmlformats.org/officeDocument/2006/relationships" xmlns:p="http://schemas.openxmlformats.org/presentationml/2006/main">
   <p:cSld>
     <p:spTree>
@@ -9298,7 +10252,7 @@
 </p:sld>
 </file>
 
-<file path=ppt/slides/slide22.xml><?xml version="1.0" encoding="utf-8"?>
+<file path=ppt/slides/slide23.xml><?xml version="1.0" encoding="utf-8"?>
 <p:sld xmlns:a="http://schemas.openxmlformats.org/drawingml/2006/main" xmlns:r="http://schemas.openxmlformats.org/officeDocument/2006/relationships" xmlns:p="http://schemas.openxmlformats.org/presentationml/2006/main">
   <p:cSld>
     <p:spTree>
@@ -9589,7 +10543,7 @@
 </p:sld>
 </file>
 
-<file path=ppt/slides/slide23.xml><?xml version="1.0" encoding="utf-8"?>
+<file path=ppt/slides/slide24.xml><?xml version="1.0" encoding="utf-8"?>
 <p:sld xmlns:a="http://schemas.openxmlformats.org/drawingml/2006/main" xmlns:r="http://schemas.openxmlformats.org/officeDocument/2006/relationships" xmlns:p="http://schemas.openxmlformats.org/presentationml/2006/main">
   <p:cSld>
     <p:spTree>
@@ -10360,7 +11314,7 @@
 </p:sld>
 </file>
 
-<file path=ppt/slides/slide24.xml><?xml version="1.0" encoding="utf-8"?>
+<file path=ppt/slides/slide25.xml><?xml version="1.0" encoding="utf-8"?>
 <p:sld xmlns:a="http://schemas.openxmlformats.org/drawingml/2006/main" xmlns:r="http://schemas.openxmlformats.org/officeDocument/2006/relationships" xmlns:p="http://schemas.openxmlformats.org/presentationml/2006/main">
   <p:cSld>
     <p:spTree>
@@ -10853,7 +11807,7 @@
 </p:sld>
 </file>
 
-<file path=ppt/slides/slide25.xml><?xml version="1.0" encoding="utf-8"?>
+<file path=ppt/slides/slide26.xml><?xml version="1.0" encoding="utf-8"?>
 <p:sld xmlns:a="http://schemas.openxmlformats.org/drawingml/2006/main" xmlns:r="http://schemas.openxmlformats.org/officeDocument/2006/relationships" xmlns:p="http://schemas.openxmlformats.org/presentationml/2006/main">
   <p:cSld>
     <p:spTree>
@@ -11273,7 +12227,7 @@
 </p:sld>
 </file>
 
-<file path=ppt/slides/slide26.xml><?xml version="1.0" encoding="utf-8"?>
+<file path=ppt/slides/slide27.xml><?xml version="1.0" encoding="utf-8"?>
 <p:sld xmlns:a="http://schemas.openxmlformats.org/drawingml/2006/main" xmlns:r="http://schemas.openxmlformats.org/officeDocument/2006/relationships" xmlns:p="http://schemas.openxmlformats.org/presentationml/2006/main">
   <p:cSld>
     <p:spTree>
@@ -11658,7 +12612,7 @@
 </p:sld>
 </file>
 
-<file path=ppt/slides/slide27.xml><?xml version="1.0" encoding="utf-8"?>
+<file path=ppt/slides/slide28.xml><?xml version="1.0" encoding="utf-8"?>
 <p:sld xmlns:a="http://schemas.openxmlformats.org/drawingml/2006/main" xmlns:r="http://schemas.openxmlformats.org/officeDocument/2006/relationships" xmlns:p="http://schemas.openxmlformats.org/presentationml/2006/main">
   <p:cSld>
     <p:spTree>
@@ -12078,719 +13032,6 @@
     <p:extLst>
       <p:ext uri="{BB962C8B-B14F-4D97-AF65-F5344CB8AC3E}">
         <p14:creationId xmlns:p14="http://schemas.microsoft.com/office/powerpoint/2010/main" val="1003111895"/>
-      </p:ext>
-    </p:extLst>
-  </p:cSld>
-  <p:clrMapOvr>
-    <a:masterClrMapping/>
-  </p:clrMapOvr>
-</p:sld>
-</file>
-
-<file path=ppt/slides/slide28.xml><?xml version="1.0" encoding="utf-8"?>
-<p:sld xmlns:a="http://schemas.openxmlformats.org/drawingml/2006/main" xmlns:r="http://schemas.openxmlformats.org/officeDocument/2006/relationships" xmlns:p="http://schemas.openxmlformats.org/presentationml/2006/main">
-  <p:cSld>
-    <p:spTree>
-      <p:nvGrpSpPr>
-        <p:cNvPr id="1" name=""/>
-        <p:cNvGrpSpPr/>
-        <p:nvPr/>
-      </p:nvGrpSpPr>
-      <p:grpSpPr>
-        <a:xfrm>
-          <a:off x="0" y="0"/>
-          <a:ext cx="0" cy="0"/>
-          <a:chOff x="0" y="0"/>
-          <a:chExt cx="0" cy="0"/>
-        </a:xfrm>
-      </p:grpSpPr>
-      <p:sp>
-        <p:nvSpPr>
-          <p:cNvPr id="5" name="Título 1"/>
-          <p:cNvSpPr>
-            <a:spLocks noGrp="1"/>
-          </p:cNvSpPr>
-          <p:nvPr>
-            <p:ph type="title"/>
-          </p:nvPr>
-        </p:nvSpPr>
-        <p:spPr>
-          <a:xfrm>
-            <a:off x="115910" y="123288"/>
-            <a:ext cx="11951594" cy="422275"/>
-          </a:xfrm>
-        </p:spPr>
-        <p:txBody>
-          <a:bodyPr vert="horz" lIns="91440" tIns="45720" rIns="91440" bIns="45720" rtlCol="0" anchor="ctr">
-            <a:normAutofit fontScale="90000"/>
-          </a:bodyPr>
-          <a:lstStyle/>
-          <a:p>
-            <a:pPr algn="ctr"/>
-            <a:r>
-              <a:rPr lang="pt-BR" sz="2800" b="1" dirty="0"/>
-              <a:t>Redes com </a:t>
-            </a:r>
-            <a:r>
-              <a:rPr lang="pt-BR" sz="2800" b="1" dirty="0" err="1"/>
-              <a:t>Docker</a:t>
-            </a:r>
-            <a:endParaRPr lang="pt-BR" sz="2800" b="1" dirty="0"/>
-          </a:p>
-        </p:txBody>
-      </p:sp>
-      <p:sp>
-        <p:nvSpPr>
-          <p:cNvPr id="4" name="Espaço Reservado para Conteúdo 4"/>
-          <p:cNvSpPr>
-            <a:spLocks noGrp="1"/>
-          </p:cNvSpPr>
-          <p:nvPr>
-            <p:ph idx="1"/>
-          </p:nvPr>
-        </p:nvSpPr>
-        <p:spPr>
-          <a:xfrm>
-            <a:off x="325677" y="545563"/>
-            <a:ext cx="11252005" cy="5943371"/>
-          </a:xfrm>
-        </p:spPr>
-        <p:txBody>
-          <a:bodyPr>
-            <a:normAutofit/>
-          </a:bodyPr>
-          <a:lstStyle/>
-          <a:p>
-            <a:r>
-              <a:rPr lang="pt-BR" sz="1700" dirty="0"/>
-              <a:t>Quando você disponibilizar uma aplicação pelo </a:t>
-            </a:r>
-            <a:r>
-              <a:rPr lang="pt-BR" sz="1700" dirty="0" err="1"/>
-              <a:t>Docker</a:t>
-            </a:r>
-            <a:r>
-              <a:rPr lang="pt-BR" sz="1700" dirty="0"/>
-              <a:t> é interessante que você coloque os containers na mesma rede, através da </a:t>
-            </a:r>
-            <a:r>
-              <a:rPr lang="pt-BR" sz="1700" dirty="0" err="1"/>
-              <a:t>flag</a:t>
-            </a:r>
-            <a:r>
-              <a:rPr lang="pt-BR" sz="1700" dirty="0"/>
-              <a:t> </a:t>
-            </a:r>
-            <a:r>
-              <a:rPr lang="pt-BR" sz="1700" b="1" dirty="0"/>
-              <a:t>--network</a:t>
-            </a:r>
-            <a:r>
-              <a:rPr lang="pt-BR" sz="1700" dirty="0"/>
-              <a:t>. </a:t>
-            </a:r>
-          </a:p>
-          <a:p>
-            <a:endParaRPr lang="pt-BR" sz="1700" dirty="0"/>
-          </a:p>
-          <a:p>
-            <a:pPr marL="742950" lvl="1" indent="-285750">
-              <a:buFont typeface="Wingdings" panose="05000000000000000000" pitchFamily="2" charset="2"/>
-              <a:buChar char="Ø"/>
-            </a:pPr>
-            <a:r>
-              <a:rPr lang="pt-BR" sz="1700" dirty="0" err="1">
-                <a:solidFill>
-                  <a:schemeClr val="accent5"/>
-                </a:solidFill>
-              </a:rPr>
-              <a:t>docker</a:t>
-            </a:r>
-            <a:r>
-              <a:rPr lang="pt-BR" sz="1700" dirty="0">
-                <a:solidFill>
-                  <a:schemeClr val="accent5"/>
-                </a:solidFill>
-              </a:rPr>
-              <a:t> </a:t>
-            </a:r>
-            <a:r>
-              <a:rPr lang="pt-BR" sz="1700" dirty="0" err="1">
-                <a:solidFill>
-                  <a:schemeClr val="accent5"/>
-                </a:solidFill>
-              </a:rPr>
-              <a:t>run</a:t>
-            </a:r>
-            <a:r>
-              <a:rPr lang="pt-BR" sz="1700" dirty="0">
-                <a:solidFill>
-                  <a:schemeClr val="accent5"/>
-                </a:solidFill>
-              </a:rPr>
-              <a:t> -it --</a:t>
-            </a:r>
-            <a:r>
-              <a:rPr lang="pt-BR" sz="1700" dirty="0" err="1">
-                <a:solidFill>
-                  <a:schemeClr val="accent5"/>
-                </a:solidFill>
-              </a:rPr>
-              <a:t>name</a:t>
-            </a:r>
-            <a:r>
-              <a:rPr lang="pt-BR" sz="1700" dirty="0">
-                <a:solidFill>
-                  <a:schemeClr val="accent5"/>
-                </a:solidFill>
-              </a:rPr>
-              <a:t> meu-container-de-</a:t>
-            </a:r>
-            <a:r>
-              <a:rPr lang="pt-BR" sz="1700" dirty="0" err="1">
-                <a:solidFill>
-                  <a:schemeClr val="accent5"/>
-                </a:solidFill>
-              </a:rPr>
-              <a:t>ubuntu</a:t>
-            </a:r>
-            <a:r>
-              <a:rPr lang="pt-BR" sz="1700" dirty="0">
-                <a:solidFill>
-                  <a:schemeClr val="accent5"/>
-                </a:solidFill>
-              </a:rPr>
-              <a:t> --network minha-rede </a:t>
-            </a:r>
-            <a:r>
-              <a:rPr lang="pt-BR" sz="1700" dirty="0" err="1">
-                <a:solidFill>
-                  <a:schemeClr val="accent5"/>
-                </a:solidFill>
-              </a:rPr>
-              <a:t>ubuntu</a:t>
-            </a:r>
-            <a:endParaRPr lang="pt-BR" sz="1700" dirty="0">
-              <a:solidFill>
-                <a:schemeClr val="accent5"/>
-              </a:solidFill>
-            </a:endParaRPr>
-          </a:p>
-          <a:p>
-            <a:pPr marL="742950" lvl="1" indent="-285750">
-              <a:buFont typeface="Wingdings" panose="05000000000000000000" pitchFamily="2" charset="2"/>
-              <a:buChar char="Ø"/>
-            </a:pPr>
-            <a:endParaRPr lang="pt-BR" sz="1700" dirty="0">
-              <a:solidFill>
-                <a:schemeClr val="accent5"/>
-              </a:solidFill>
-            </a:endParaRPr>
-          </a:p>
-          <a:p>
-            <a:r>
-              <a:rPr lang="pt-BR" sz="1700" dirty="0"/>
-              <a:t>Agora, se executarmos o comando </a:t>
-            </a:r>
-            <a:r>
-              <a:rPr lang="pt-BR" sz="1700" b="1" dirty="0" err="1"/>
-              <a:t>docker</a:t>
-            </a:r>
-            <a:r>
-              <a:rPr lang="pt-BR" sz="1700" b="1" dirty="0"/>
-              <a:t> </a:t>
-            </a:r>
-            <a:r>
-              <a:rPr lang="pt-BR" sz="1700" b="1" dirty="0" err="1"/>
-              <a:t>inspect</a:t>
-            </a:r>
-            <a:r>
-              <a:rPr lang="pt-BR" sz="1700" b="1" dirty="0"/>
-              <a:t> meu-container-de-</a:t>
-            </a:r>
-            <a:r>
-              <a:rPr lang="pt-BR" sz="1700" b="1" dirty="0" err="1"/>
-              <a:t>ubuntu</a:t>
-            </a:r>
-            <a:r>
-              <a:rPr lang="pt-BR" sz="1700" dirty="0"/>
-              <a:t>, podemos ver em </a:t>
-            </a:r>
-            <a:r>
-              <a:rPr lang="pt-BR" sz="1700" b="1" dirty="0" err="1"/>
-              <a:t>NetworkSettings</a:t>
-            </a:r>
-            <a:r>
-              <a:rPr lang="pt-BR" sz="1700" dirty="0"/>
-              <a:t> o container está na rede </a:t>
-            </a:r>
-            <a:r>
-              <a:rPr lang="pt-BR" sz="1700" b="1" dirty="0"/>
-              <a:t>minha-rede</a:t>
-            </a:r>
-            <a:r>
-              <a:rPr lang="pt-BR" sz="1700" dirty="0"/>
-              <a:t>. E para testar a comunicação entre os containers na nossa rede, vamos abrir outro terminal e criar um segundo container:</a:t>
-            </a:r>
-          </a:p>
-          <a:p>
-            <a:endParaRPr lang="pt-BR" sz="1700" dirty="0"/>
-          </a:p>
-          <a:p>
-            <a:pPr marL="742950" lvl="1" indent="-285750">
-              <a:buFont typeface="Wingdings" panose="05000000000000000000" pitchFamily="2" charset="2"/>
-              <a:buChar char="Ø"/>
-            </a:pPr>
-            <a:r>
-              <a:rPr lang="pt-BR" sz="1700" dirty="0" err="1">
-                <a:solidFill>
-                  <a:schemeClr val="accent5"/>
-                </a:solidFill>
-              </a:rPr>
-              <a:t>docker</a:t>
-            </a:r>
-            <a:r>
-              <a:rPr lang="pt-BR" sz="1700" dirty="0">
-                <a:solidFill>
-                  <a:schemeClr val="accent5"/>
-                </a:solidFill>
-              </a:rPr>
-              <a:t> </a:t>
-            </a:r>
-            <a:r>
-              <a:rPr lang="pt-BR" sz="1700" dirty="0" err="1">
-                <a:solidFill>
-                  <a:schemeClr val="accent5"/>
-                </a:solidFill>
-              </a:rPr>
-              <a:t>run</a:t>
-            </a:r>
-            <a:r>
-              <a:rPr lang="pt-BR" sz="1700" dirty="0">
-                <a:solidFill>
-                  <a:schemeClr val="accent5"/>
-                </a:solidFill>
-              </a:rPr>
-              <a:t> -it --</a:t>
-            </a:r>
-            <a:r>
-              <a:rPr lang="pt-BR" sz="1700" dirty="0" err="1">
-                <a:solidFill>
-                  <a:schemeClr val="accent5"/>
-                </a:solidFill>
-              </a:rPr>
-              <a:t>name</a:t>
-            </a:r>
-            <a:r>
-              <a:rPr lang="pt-BR" sz="1700" dirty="0">
-                <a:solidFill>
-                  <a:schemeClr val="accent5"/>
-                </a:solidFill>
-              </a:rPr>
-              <a:t> segundo-</a:t>
-            </a:r>
-            <a:r>
-              <a:rPr lang="pt-BR" sz="1700" dirty="0" err="1">
-                <a:solidFill>
-                  <a:schemeClr val="accent5"/>
-                </a:solidFill>
-              </a:rPr>
-              <a:t>ubuntu</a:t>
-            </a:r>
-            <a:r>
-              <a:rPr lang="pt-BR" sz="1700" dirty="0">
-                <a:solidFill>
-                  <a:schemeClr val="accent5"/>
-                </a:solidFill>
-              </a:rPr>
-              <a:t> --network minha-rede </a:t>
-            </a:r>
-            <a:r>
-              <a:rPr lang="pt-BR" sz="1700" dirty="0" err="1">
-                <a:solidFill>
-                  <a:schemeClr val="accent5"/>
-                </a:solidFill>
-              </a:rPr>
-              <a:t>ubuntu</a:t>
-            </a:r>
-            <a:endParaRPr lang="pt-BR" sz="1700" dirty="0">
-              <a:solidFill>
-                <a:schemeClr val="accent5"/>
-              </a:solidFill>
-            </a:endParaRPr>
-          </a:p>
-          <a:p>
-            <a:r>
-              <a:rPr lang="pt-BR" sz="1700" dirty="0"/>
-              <a:t>Agora, no segundo-</a:t>
-            </a:r>
-            <a:r>
-              <a:rPr lang="pt-BR" sz="1700" dirty="0" err="1"/>
-              <a:t>ubuntu</a:t>
-            </a:r>
-            <a:r>
-              <a:rPr lang="pt-BR" sz="1700" dirty="0"/>
-              <a:t>, instalamos o </a:t>
-            </a:r>
-            <a:r>
-              <a:rPr lang="pt-BR" sz="1700" dirty="0" err="1"/>
-              <a:t>ping</a:t>
-            </a:r>
-            <a:r>
-              <a:rPr lang="pt-BR" sz="1700" dirty="0"/>
-              <a:t> e testamos a comunicação com o meu-container-de-</a:t>
-            </a:r>
-            <a:r>
-              <a:rPr lang="pt-BR" sz="1700" dirty="0" err="1"/>
-              <a:t>ubuntu</a:t>
-            </a:r>
-            <a:r>
-              <a:rPr lang="pt-BR" sz="1700" dirty="0"/>
-              <a:t>:</a:t>
-            </a:r>
-          </a:p>
-          <a:p>
-            <a:endParaRPr lang="pt-BR" sz="1600" dirty="0"/>
-          </a:p>
-          <a:p>
-            <a:pPr marL="742950" lvl="1" indent="-285750">
-              <a:buFont typeface="Wingdings" panose="05000000000000000000" pitchFamily="2" charset="2"/>
-              <a:buChar char="Ø"/>
-            </a:pPr>
-            <a:r>
-              <a:rPr lang="pt-BR" sz="1700" dirty="0">
-                <a:solidFill>
-                  <a:schemeClr val="accent5"/>
-                </a:solidFill>
-              </a:rPr>
-              <a:t>root@00f93075d079:/# </a:t>
-            </a:r>
-            <a:r>
-              <a:rPr lang="pt-BR" sz="1700" dirty="0" err="1">
-                <a:solidFill>
-                  <a:schemeClr val="accent5"/>
-                </a:solidFill>
-              </a:rPr>
-              <a:t>ping</a:t>
-            </a:r>
-            <a:r>
-              <a:rPr lang="pt-BR" sz="1700" dirty="0">
-                <a:solidFill>
-                  <a:schemeClr val="accent5"/>
-                </a:solidFill>
-              </a:rPr>
-              <a:t> meu-container-de-</a:t>
-            </a:r>
-            <a:r>
-              <a:rPr lang="pt-BR" sz="1700" dirty="0" err="1">
-                <a:solidFill>
-                  <a:schemeClr val="accent5"/>
-                </a:solidFill>
-              </a:rPr>
-              <a:t>ubuntu</a:t>
-            </a:r>
-            <a:endParaRPr lang="pt-BR" sz="1700" dirty="0">
-              <a:solidFill>
-                <a:schemeClr val="accent5"/>
-              </a:solidFill>
-            </a:endParaRPr>
-          </a:p>
-          <a:p>
-            <a:pPr marL="457200" lvl="1" indent="0">
-              <a:buNone/>
-            </a:pPr>
-            <a:r>
-              <a:rPr lang="pt-BR" sz="1400" dirty="0"/>
-              <a:t>PING meu-container-de-</a:t>
-            </a:r>
-            <a:r>
-              <a:rPr lang="pt-BR" sz="1400" dirty="0" err="1"/>
-              <a:t>ubuntu</a:t>
-            </a:r>
-            <a:r>
-              <a:rPr lang="pt-BR" sz="1400" dirty="0"/>
-              <a:t> (172.18.0.2) 56(84) bytes </a:t>
-            </a:r>
-            <a:r>
-              <a:rPr lang="pt-BR" sz="1400" dirty="0" err="1"/>
-              <a:t>of</a:t>
-            </a:r>
-            <a:r>
-              <a:rPr lang="pt-BR" sz="1400" dirty="0"/>
-              <a:t> data.</a:t>
-            </a:r>
-          </a:p>
-          <a:p>
-            <a:pPr marL="457200" lvl="1" indent="0">
-              <a:buNone/>
-            </a:pPr>
-            <a:r>
-              <a:rPr lang="pt-BR" sz="1400" dirty="0"/>
-              <a:t>64 bytes </a:t>
-            </a:r>
-            <a:r>
-              <a:rPr lang="pt-BR" sz="1400" dirty="0" err="1"/>
-              <a:t>from</a:t>
-            </a:r>
-            <a:r>
-              <a:rPr lang="pt-BR" sz="1400" dirty="0"/>
-              <a:t> meu-container-de-</a:t>
-            </a:r>
-            <a:r>
-              <a:rPr lang="pt-BR" sz="1400" dirty="0" err="1"/>
-              <a:t>ubuntu.minha</a:t>
-            </a:r>
-            <a:r>
-              <a:rPr lang="pt-BR" sz="1400" dirty="0"/>
-              <a:t>-rede (172.18.0.2): </a:t>
-            </a:r>
-            <a:r>
-              <a:rPr lang="pt-BR" sz="1400" dirty="0" err="1"/>
-              <a:t>icmp_seq</a:t>
-            </a:r>
-            <a:r>
-              <a:rPr lang="pt-BR" sz="1400" dirty="0"/>
-              <a:t>=1 </a:t>
-            </a:r>
-            <a:r>
-              <a:rPr lang="pt-BR" sz="1400" dirty="0" err="1"/>
-              <a:t>ttl</a:t>
-            </a:r>
-            <a:r>
-              <a:rPr lang="pt-BR" sz="1400" dirty="0"/>
-              <a:t>=64 time=0.210 </a:t>
-            </a:r>
-            <a:r>
-              <a:rPr lang="pt-BR" sz="1400" dirty="0" err="1"/>
-              <a:t>ms</a:t>
-            </a:r>
-            <a:endParaRPr lang="pt-BR" sz="1400" dirty="0"/>
-          </a:p>
-          <a:p>
-            <a:pPr marL="457200" lvl="1" indent="0">
-              <a:buNone/>
-            </a:pPr>
-            <a:r>
-              <a:rPr lang="pt-BR" sz="1400" dirty="0"/>
-              <a:t>64 bytes </a:t>
-            </a:r>
-            <a:r>
-              <a:rPr lang="pt-BR" sz="1400" dirty="0" err="1"/>
-              <a:t>from</a:t>
-            </a:r>
-            <a:r>
-              <a:rPr lang="pt-BR" sz="1400" dirty="0"/>
-              <a:t> meu-container-de-</a:t>
-            </a:r>
-            <a:r>
-              <a:rPr lang="pt-BR" sz="1400" dirty="0" err="1"/>
-              <a:t>ubuntu.minha</a:t>
-            </a:r>
-            <a:r>
-              <a:rPr lang="pt-BR" sz="1400" dirty="0"/>
-              <a:t>-rede (172.18.0.2): </a:t>
-            </a:r>
-            <a:r>
-              <a:rPr lang="pt-BR" sz="1400" dirty="0" err="1"/>
-              <a:t>icmp_seq</a:t>
-            </a:r>
-            <a:r>
-              <a:rPr lang="pt-BR" sz="1400" dirty="0"/>
-              <a:t>=2 </a:t>
-            </a:r>
-            <a:r>
-              <a:rPr lang="pt-BR" sz="1400" dirty="0" err="1"/>
-              <a:t>ttl</a:t>
-            </a:r>
-            <a:r>
-              <a:rPr lang="pt-BR" sz="1400" dirty="0"/>
-              <a:t>=64 time=0.148 </a:t>
-            </a:r>
-            <a:r>
-              <a:rPr lang="pt-BR" sz="1400" dirty="0" err="1"/>
-              <a:t>ms</a:t>
-            </a:r>
-            <a:endParaRPr lang="pt-BR" sz="1400" dirty="0"/>
-          </a:p>
-          <a:p>
-            <a:pPr marL="457200" lvl="1" indent="0">
-              <a:buNone/>
-            </a:pPr>
-            <a:r>
-              <a:rPr lang="pt-BR" sz="1400" dirty="0"/>
-              <a:t>64 bytes </a:t>
-            </a:r>
-            <a:r>
-              <a:rPr lang="pt-BR" sz="1400" dirty="0" err="1"/>
-              <a:t>from</a:t>
-            </a:r>
-            <a:r>
-              <a:rPr lang="pt-BR" sz="1400" dirty="0"/>
-              <a:t> meu-container-de-</a:t>
-            </a:r>
-            <a:r>
-              <a:rPr lang="pt-BR" sz="1400" dirty="0" err="1"/>
-              <a:t>ubuntu.minha</a:t>
-            </a:r>
-            <a:r>
-              <a:rPr lang="pt-BR" sz="1400" dirty="0"/>
-              <a:t>-rede (172.18.0.2): </a:t>
-            </a:r>
-            <a:r>
-              <a:rPr lang="pt-BR" sz="1400" dirty="0" err="1"/>
-              <a:t>icmp_seq</a:t>
-            </a:r>
-            <a:r>
-              <a:rPr lang="pt-BR" sz="1400" dirty="0"/>
-              <a:t>=3 </a:t>
-            </a:r>
-            <a:r>
-              <a:rPr lang="pt-BR" sz="1400" dirty="0" err="1"/>
-              <a:t>ttl</a:t>
-            </a:r>
-            <a:r>
-              <a:rPr lang="pt-BR" sz="1400" dirty="0"/>
-              <a:t>=64 time=0.138 </a:t>
-            </a:r>
-            <a:r>
-              <a:rPr lang="pt-BR" sz="1400" dirty="0" err="1"/>
-              <a:t>ms</a:t>
-            </a:r>
-            <a:endParaRPr lang="pt-BR" sz="1400" dirty="0"/>
-          </a:p>
-          <a:p>
-            <a:pPr marL="457200" lvl="1" indent="0">
-              <a:buNone/>
-            </a:pPr>
-            <a:r>
-              <a:rPr lang="pt-BR" sz="1400" dirty="0"/>
-              <a:t>--- meu-container-de-</a:t>
-            </a:r>
-            <a:r>
-              <a:rPr lang="pt-BR" sz="1400" dirty="0" err="1"/>
-              <a:t>ubuntu</a:t>
-            </a:r>
-            <a:r>
-              <a:rPr lang="pt-BR" sz="1400" dirty="0"/>
-              <a:t> </a:t>
-            </a:r>
-            <a:r>
-              <a:rPr lang="pt-BR" sz="1400" dirty="0" err="1"/>
-              <a:t>ping</a:t>
-            </a:r>
-            <a:r>
-              <a:rPr lang="pt-BR" sz="1400" dirty="0"/>
-              <a:t> </a:t>
-            </a:r>
-            <a:r>
-              <a:rPr lang="pt-BR" sz="1400" dirty="0" err="1"/>
-              <a:t>statistics</a:t>
-            </a:r>
-            <a:r>
-              <a:rPr lang="pt-BR" sz="1400" dirty="0"/>
-              <a:t> ---</a:t>
-            </a:r>
-          </a:p>
-          <a:p>
-            <a:pPr marL="457200" lvl="1" indent="0">
-              <a:buNone/>
-            </a:pPr>
-            <a:r>
-              <a:rPr lang="pt-BR" sz="1400" dirty="0"/>
-              <a:t>3 </a:t>
-            </a:r>
-            <a:r>
-              <a:rPr lang="pt-BR" sz="1400" dirty="0" err="1"/>
-              <a:t>packets</a:t>
-            </a:r>
-            <a:r>
-              <a:rPr lang="pt-BR" sz="1400" dirty="0"/>
-              <a:t> </a:t>
-            </a:r>
-            <a:r>
-              <a:rPr lang="pt-BR" sz="1400" dirty="0" err="1"/>
-              <a:t>transmitted</a:t>
-            </a:r>
-            <a:r>
-              <a:rPr lang="pt-BR" sz="1400" dirty="0"/>
-              <a:t>, 3 </a:t>
-            </a:r>
-            <a:r>
-              <a:rPr lang="pt-BR" sz="1400" dirty="0" err="1"/>
-              <a:t>received</a:t>
-            </a:r>
-            <a:r>
-              <a:rPr lang="pt-BR" sz="1400" dirty="0"/>
-              <a:t>, 0% </a:t>
-            </a:r>
-            <a:r>
-              <a:rPr lang="pt-BR" sz="1400" dirty="0" err="1"/>
-              <a:t>packet</a:t>
-            </a:r>
-            <a:r>
-              <a:rPr lang="pt-BR" sz="1400" dirty="0"/>
-              <a:t> </a:t>
-            </a:r>
-            <a:r>
-              <a:rPr lang="pt-BR" sz="1400" dirty="0" err="1"/>
-              <a:t>loss</a:t>
-            </a:r>
-            <a:r>
-              <a:rPr lang="pt-BR" sz="1400" dirty="0"/>
-              <a:t>, time 2000ms</a:t>
-            </a:r>
-          </a:p>
-          <a:p>
-            <a:pPr marL="457200" lvl="1" indent="0">
-              <a:buNone/>
-            </a:pPr>
-            <a:r>
-              <a:rPr lang="pt-BR" sz="1400" dirty="0" err="1"/>
-              <a:t>rtt</a:t>
-            </a:r>
-            <a:r>
-              <a:rPr lang="pt-BR" sz="1400" dirty="0"/>
-              <a:t> min/</a:t>
-            </a:r>
-            <a:r>
-              <a:rPr lang="pt-BR" sz="1400" dirty="0" err="1"/>
-              <a:t>avg</a:t>
-            </a:r>
-            <a:r>
-              <a:rPr lang="pt-BR" sz="1400" dirty="0"/>
-              <a:t>/</a:t>
-            </a:r>
-            <a:r>
-              <a:rPr lang="pt-BR" sz="1400" dirty="0" err="1"/>
-              <a:t>max</a:t>
-            </a:r>
-            <a:r>
-              <a:rPr lang="pt-BR" sz="1400" dirty="0"/>
-              <a:t>/</a:t>
-            </a:r>
-            <a:r>
-              <a:rPr lang="pt-BR" sz="1400" dirty="0" err="1"/>
-              <a:t>mdev</a:t>
-            </a:r>
-            <a:r>
-              <a:rPr lang="pt-BR" sz="1400" dirty="0"/>
-              <a:t> = 0.138/0.165/0.210/0.033 </a:t>
-            </a:r>
-            <a:r>
-              <a:rPr lang="pt-BR" sz="1400" dirty="0" err="1"/>
-              <a:t>ms</a:t>
-            </a:r>
-            <a:endParaRPr lang="pt-BR" sz="1400" dirty="0"/>
-          </a:p>
-          <a:p>
-            <a:endParaRPr lang="pt-BR" sz="1600" dirty="0"/>
-          </a:p>
-        </p:txBody>
-      </p:sp>
-    </p:spTree>
-    <p:extLst>
-      <p:ext uri="{BB962C8B-B14F-4D97-AF65-F5344CB8AC3E}">
-        <p14:creationId xmlns:p14="http://schemas.microsoft.com/office/powerpoint/2010/main" val="4236748709"/>
       </p:ext>
     </p:extLst>
   </p:cSld>
@@ -12842,20 +13083,19 @@
             <a:pPr algn="ctr"/>
             <a:r>
               <a:rPr lang="pt-BR" sz="2800" b="1" dirty="0"/>
-              <a:t>Comunicação entre Containers – Recuperando dados de um Banco de Dados</a:t>
-            </a:r>
+              <a:t>Redes com </a:t>
+            </a:r>
+            <a:r>
+              <a:rPr lang="pt-BR" sz="2800" b="1" dirty="0" err="1"/>
+              <a:t>Docker</a:t>
+            </a:r>
+            <a:endParaRPr lang="pt-BR" sz="2800" b="1" dirty="0"/>
           </a:p>
         </p:txBody>
       </p:sp>
       <p:sp>
         <p:nvSpPr>
-          <p:cNvPr id="3" name="Espaço Reservado para Conteúdo 4">
-            <a:extLst>
-              <a:ext uri="{FF2B5EF4-FFF2-40B4-BE49-F238E27FC236}">
-                <a16:creationId xmlns:a16="http://schemas.microsoft.com/office/drawing/2014/main" id="{8FB13A9A-2550-DF43-9BB4-87071BD0122D}"/>
-              </a:ext>
-            </a:extLst>
-          </p:cNvPr>
+          <p:cNvPr id="4" name="Espaço Reservado para Conteúdo 4"/>
           <p:cNvSpPr>
             <a:spLocks noGrp="1"/>
           </p:cNvSpPr>
@@ -12865,476 +13105,646 @@
         </p:nvSpPr>
         <p:spPr>
           <a:xfrm>
-            <a:off x="334243" y="823858"/>
-            <a:ext cx="11259355" cy="5700691"/>
+            <a:off x="325677" y="545563"/>
+            <a:ext cx="11252005" cy="5943371"/>
           </a:xfrm>
         </p:spPr>
         <p:txBody>
           <a:bodyPr>
-            <a:noAutofit/>
+            <a:normAutofit/>
           </a:bodyPr>
           <a:lstStyle/>
           <a:p>
             <a:r>
-              <a:rPr lang="pt-BR" sz="2000" dirty="0"/>
-              <a:t>Este exemplo utilizamos uma imagem do </a:t>
-            </a:r>
-            <a:r>
-              <a:rPr lang="pt-BR" sz="2000" dirty="0" err="1"/>
-              <a:t>MongoDB</a:t>
-            </a:r>
-            <a:r>
-              <a:rPr lang="pt-BR" sz="2000" dirty="0"/>
-              <a:t> e de uma aplicação que recupera dados de livros. </a:t>
-            </a:r>
-          </a:p>
-          <a:p>
-            <a:r>
-              <a:rPr lang="pt-BR" sz="2000" dirty="0"/>
-              <a:t>Ficar sempre atento para quando subir os containers, colocá-los na mesma rede. Para que os mesmos possam se comunicar</a:t>
-            </a:r>
-          </a:p>
-          <a:p>
-            <a:pPr marL="0" indent="0">
-              <a:buNone/>
-            </a:pPr>
-            <a:r>
-              <a:rPr lang="pt-BR" sz="2000" dirty="0"/>
+              <a:rPr lang="pt-BR" sz="1700" dirty="0"/>
+              <a:t>Quando você disponibilizar uma aplicação pelo </a:t>
+            </a:r>
+            <a:r>
+              <a:rPr lang="pt-BR" sz="1700" dirty="0" err="1"/>
+              <a:t>Docker</a:t>
+            </a:r>
+            <a:r>
+              <a:rPr lang="pt-BR" sz="1700" dirty="0"/>
+              <a:t> é interessante que você coloque os containers na mesma rede, através da </a:t>
+            </a:r>
+            <a:r>
+              <a:rPr lang="pt-BR" sz="1700" dirty="0" err="1"/>
+              <a:t>flag</a:t>
+            </a:r>
+            <a:r>
+              <a:rPr lang="pt-BR" sz="1700" dirty="0"/>
               <a:t> </a:t>
             </a:r>
-            <a:endParaRPr lang="pt-BR" sz="2000" b="1" dirty="0"/>
-          </a:p>
-          <a:p>
-            <a:pPr lvl="1">
+            <a:r>
+              <a:rPr lang="pt-BR" sz="1700" b="1" dirty="0"/>
+              <a:t>--network</a:t>
+            </a:r>
+            <a:r>
+              <a:rPr lang="pt-BR" sz="1700" dirty="0"/>
+              <a:t>. </a:t>
+            </a:r>
+          </a:p>
+          <a:p>
+            <a:endParaRPr lang="pt-BR" sz="1700" dirty="0"/>
+          </a:p>
+          <a:p>
+            <a:pPr marL="742950" lvl="1" indent="-285750">
               <a:buFont typeface="Wingdings" panose="05000000000000000000" pitchFamily="2" charset="2"/>
               <a:buChar char="Ø"/>
             </a:pPr>
             <a:r>
-              <a:rPr lang="pt-BR" sz="2000" dirty="0" err="1">
-                <a:solidFill>
-                  <a:schemeClr val="accent1"/>
+              <a:rPr lang="pt-BR" sz="1700" dirty="0" err="1">
+                <a:solidFill>
+                  <a:schemeClr val="accent5"/>
                 </a:solidFill>
               </a:rPr>
               <a:t>docker</a:t>
             </a:r>
             <a:r>
-              <a:rPr lang="pt-BR" sz="2000" dirty="0">
-                <a:solidFill>
-                  <a:schemeClr val="accent1"/>
+              <a:rPr lang="pt-BR" sz="1700" dirty="0">
+                <a:solidFill>
+                  <a:schemeClr val="accent5"/>
                 </a:solidFill>
               </a:rPr>
               <a:t> </a:t>
             </a:r>
             <a:r>
-              <a:rPr lang="pt-BR" sz="2000" dirty="0" err="1">
-                <a:solidFill>
-                  <a:schemeClr val="accent1"/>
+              <a:rPr lang="pt-BR" sz="1700" dirty="0" err="1">
+                <a:solidFill>
+                  <a:schemeClr val="accent5"/>
                 </a:solidFill>
               </a:rPr>
               <a:t>run</a:t>
             </a:r>
             <a:r>
-              <a:rPr lang="pt-BR" sz="2000" dirty="0">
-                <a:solidFill>
-                  <a:schemeClr val="accent1"/>
-                </a:solidFill>
-              </a:rPr>
-              <a:t> </a:t>
-            </a:r>
-            <a:r>
-              <a:rPr lang="pt-BR" dirty="0">
-                <a:solidFill>
-                  <a:schemeClr val="accent1"/>
-                </a:solidFill>
-              </a:rPr>
-              <a:t>-</a:t>
-            </a:r>
-            <a:r>
-              <a:rPr lang="pt-BR" sz="2000" dirty="0" err="1">
-                <a:solidFill>
-                  <a:schemeClr val="accent1"/>
-                </a:solidFill>
-              </a:rPr>
-              <a:t>d</a:t>
-            </a:r>
-            <a:r>
-              <a:rPr lang="pt-BR" sz="2000" dirty="0">
-                <a:solidFill>
-                  <a:schemeClr val="accent1"/>
-                </a:solidFill>
-              </a:rPr>
-              <a:t> </a:t>
-            </a:r>
-            <a:r>
-              <a:rPr lang="pt-BR" dirty="0">
-                <a:solidFill>
-                  <a:schemeClr val="accent1"/>
-                </a:solidFill>
-              </a:rPr>
-              <a:t>--</a:t>
-            </a:r>
-            <a:r>
-              <a:rPr lang="pt-BR" sz="2000" dirty="0" err="1">
-                <a:solidFill>
-                  <a:schemeClr val="accent1"/>
+              <a:rPr lang="pt-BR" sz="1700" dirty="0">
+                <a:solidFill>
+                  <a:schemeClr val="accent5"/>
+                </a:solidFill>
+              </a:rPr>
+              <a:t> -it --</a:t>
+            </a:r>
+            <a:r>
+              <a:rPr lang="pt-BR" sz="1700" dirty="0" err="1">
+                <a:solidFill>
+                  <a:schemeClr val="accent5"/>
                 </a:solidFill>
               </a:rPr>
               <a:t>name</a:t>
             </a:r>
             <a:r>
-              <a:rPr lang="pt-BR" sz="2000" dirty="0">
-                <a:solidFill>
-                  <a:schemeClr val="accent1"/>
-                </a:solidFill>
-              </a:rPr>
-              <a:t> meu</a:t>
-            </a:r>
-            <a:r>
-              <a:rPr lang="pt-BR" dirty="0">
-                <a:solidFill>
-                  <a:schemeClr val="accent1"/>
-                </a:solidFill>
-              </a:rPr>
-              <a:t>-</a:t>
-            </a:r>
-            <a:r>
-              <a:rPr lang="pt-BR" sz="2000" dirty="0">
-                <a:solidFill>
-                  <a:schemeClr val="accent1"/>
-                </a:solidFill>
-              </a:rPr>
-              <a:t>mongo </a:t>
-            </a:r>
-            <a:r>
-              <a:rPr lang="pt-BR" dirty="0">
-                <a:solidFill>
-                  <a:schemeClr val="accent1"/>
-                </a:solidFill>
-              </a:rPr>
-              <a:t>--</a:t>
-            </a:r>
-            <a:r>
-              <a:rPr lang="pt-BR" sz="2000" dirty="0">
-                <a:solidFill>
-                  <a:schemeClr val="accent1"/>
-                </a:solidFill>
-              </a:rPr>
-              <a:t>network minha</a:t>
-            </a:r>
-            <a:r>
-              <a:rPr lang="pt-BR" dirty="0">
-                <a:solidFill>
-                  <a:schemeClr val="accent1"/>
-                </a:solidFill>
-              </a:rPr>
-              <a:t>-</a:t>
-            </a:r>
-            <a:r>
-              <a:rPr lang="pt-BR" sz="2000" dirty="0">
-                <a:solidFill>
-                  <a:schemeClr val="accent1"/>
-                </a:solidFill>
-              </a:rPr>
-              <a:t>rede mongo</a:t>
-            </a:r>
-          </a:p>
-          <a:p>
-            <a:pPr lvl="1">
-              <a:buFont typeface="Wingdings" panose="05000000000000000000" pitchFamily="2" charset="2"/>
-              <a:buChar char="Ø"/>
-            </a:pPr>
-            <a:endParaRPr lang="en-US" sz="2000" dirty="0">
-              <a:solidFill>
-                <a:schemeClr val="accent1"/>
-              </a:solidFill>
-            </a:endParaRPr>
-          </a:p>
-          <a:p>
-            <a:pPr lvl="1">
-              <a:buFont typeface="Wingdings" panose="05000000000000000000" pitchFamily="2" charset="2"/>
-              <a:buChar char="Ø"/>
-            </a:pPr>
-            <a:r>
-              <a:rPr lang="pt-BR" sz="2000" dirty="0" err="1">
-                <a:solidFill>
-                  <a:schemeClr val="accent1"/>
-                </a:solidFill>
-              </a:rPr>
-              <a:t>docker</a:t>
-            </a:r>
-            <a:r>
-              <a:rPr lang="pt-BR" sz="2000" dirty="0">
-                <a:solidFill>
-                  <a:schemeClr val="accent1"/>
-                </a:solidFill>
-              </a:rPr>
-              <a:t> </a:t>
-            </a:r>
-            <a:r>
-              <a:rPr lang="pt-BR" sz="2000" dirty="0" err="1">
-                <a:solidFill>
-                  <a:schemeClr val="accent1"/>
-                </a:solidFill>
-              </a:rPr>
-              <a:t>run</a:t>
-            </a:r>
-            <a:r>
-              <a:rPr lang="pt-BR" sz="2000" dirty="0">
-                <a:solidFill>
-                  <a:schemeClr val="accent1"/>
-                </a:solidFill>
-              </a:rPr>
-              <a:t> </a:t>
-            </a:r>
-            <a:r>
-              <a:rPr lang="pt-BR" dirty="0">
-                <a:solidFill>
-                  <a:schemeClr val="accent1"/>
-                </a:solidFill>
-              </a:rPr>
-              <a:t>--</a:t>
-            </a:r>
-            <a:r>
-              <a:rPr lang="pt-BR" sz="2000" dirty="0">
-                <a:solidFill>
-                  <a:schemeClr val="accent1"/>
-                </a:solidFill>
-              </a:rPr>
-              <a:t>network minha</a:t>
-            </a:r>
-            <a:r>
-              <a:rPr lang="pt-BR" dirty="0">
-                <a:solidFill>
-                  <a:schemeClr val="accent1"/>
-                </a:solidFill>
-              </a:rPr>
-              <a:t>-</a:t>
-            </a:r>
-            <a:r>
-              <a:rPr lang="pt-BR" sz="2000" dirty="0">
-                <a:solidFill>
-                  <a:schemeClr val="accent1"/>
-                </a:solidFill>
-              </a:rPr>
-              <a:t>rede </a:t>
-            </a:r>
-            <a:r>
-              <a:rPr lang="pt-BR" dirty="0">
-                <a:solidFill>
-                  <a:schemeClr val="accent1"/>
-                </a:solidFill>
-              </a:rPr>
-              <a:t>-</a:t>
-            </a:r>
-            <a:r>
-              <a:rPr lang="pt-BR" sz="2000" dirty="0" err="1">
-                <a:solidFill>
-                  <a:schemeClr val="accent1"/>
-                </a:solidFill>
-              </a:rPr>
-              <a:t>d</a:t>
-            </a:r>
-            <a:r>
-              <a:rPr lang="pt-BR" sz="2000" dirty="0">
-                <a:solidFill>
-                  <a:schemeClr val="accent1"/>
-                </a:solidFill>
-              </a:rPr>
-              <a:t> </a:t>
-            </a:r>
-            <a:r>
-              <a:rPr lang="pt-BR" dirty="0">
-                <a:solidFill>
-                  <a:schemeClr val="accent1"/>
-                </a:solidFill>
-              </a:rPr>
-              <a:t>-</a:t>
-            </a:r>
-            <a:r>
-              <a:rPr lang="pt-BR" sz="2000" dirty="0" err="1">
-                <a:solidFill>
-                  <a:schemeClr val="accent1"/>
-                </a:solidFill>
-              </a:rPr>
-              <a:t>p</a:t>
-            </a:r>
-            <a:r>
-              <a:rPr lang="pt-BR" sz="2000" dirty="0">
-                <a:solidFill>
-                  <a:schemeClr val="accent1"/>
-                </a:solidFill>
-              </a:rPr>
-              <a:t> </a:t>
-            </a:r>
-            <a:r>
-              <a:rPr lang="pt-BR" dirty="0">
-                <a:solidFill>
-                  <a:schemeClr val="accent1"/>
-                </a:solidFill>
-              </a:rPr>
-              <a:t>8080:3000</a:t>
-            </a:r>
-            <a:r>
-              <a:rPr lang="pt-BR" sz="2000" dirty="0">
-                <a:solidFill>
-                  <a:schemeClr val="accent1"/>
-                </a:solidFill>
-              </a:rPr>
-              <a:t> </a:t>
-            </a:r>
-            <a:r>
-              <a:rPr lang="pt-BR" sz="2000" dirty="0" err="1">
-                <a:solidFill>
-                  <a:schemeClr val="accent1"/>
-                </a:solidFill>
-              </a:rPr>
-              <a:t>douglasq</a:t>
-            </a:r>
-            <a:r>
-              <a:rPr lang="pt-BR" dirty="0">
-                <a:solidFill>
-                  <a:schemeClr val="accent1"/>
-                </a:solidFill>
-              </a:rPr>
-              <a:t>/</a:t>
-            </a:r>
-            <a:r>
-              <a:rPr lang="pt-BR" sz="2000" dirty="0">
-                <a:solidFill>
-                  <a:schemeClr val="accent1"/>
-                </a:solidFill>
-              </a:rPr>
-              <a:t>alura</a:t>
-            </a:r>
-            <a:r>
-              <a:rPr lang="pt-BR" dirty="0">
-                <a:solidFill>
-                  <a:schemeClr val="accent1"/>
-                </a:solidFill>
-              </a:rPr>
-              <a:t>-</a:t>
-            </a:r>
-            <a:r>
-              <a:rPr lang="pt-BR" sz="2000" dirty="0">
-                <a:solidFill>
-                  <a:schemeClr val="accent1"/>
-                </a:solidFill>
-              </a:rPr>
-              <a:t>books</a:t>
-            </a:r>
-            <a:r>
-              <a:rPr lang="pt-BR" dirty="0">
-                <a:solidFill>
-                  <a:schemeClr val="accent1"/>
-                </a:solidFill>
-              </a:rPr>
-              <a:t>:</a:t>
-            </a:r>
-            <a:r>
-              <a:rPr lang="pt-BR" sz="2000" dirty="0">
-                <a:solidFill>
-                  <a:schemeClr val="accent1"/>
-                </a:solidFill>
-              </a:rPr>
-              <a:t>cap05</a:t>
-            </a:r>
-          </a:p>
-          <a:p>
-            <a:pPr lvl="1">
-              <a:buFont typeface="Wingdings" panose="05000000000000000000" pitchFamily="2" charset="2"/>
-              <a:buChar char="Ø"/>
-            </a:pPr>
-            <a:endParaRPr lang="pt-BR" sz="2000" dirty="0">
+              <a:rPr lang="pt-BR" sz="1700" dirty="0">
+                <a:solidFill>
+                  <a:schemeClr val="accent5"/>
+                </a:solidFill>
+              </a:rPr>
+              <a:t> meu-container-de-</a:t>
+            </a:r>
+            <a:r>
+              <a:rPr lang="pt-BR" sz="1700" dirty="0" err="1">
+                <a:solidFill>
+                  <a:schemeClr val="accent5"/>
+                </a:solidFill>
+              </a:rPr>
+              <a:t>ubuntu</a:t>
+            </a:r>
+            <a:r>
+              <a:rPr lang="pt-BR" sz="1700" dirty="0">
+                <a:solidFill>
+                  <a:schemeClr val="accent5"/>
+                </a:solidFill>
+              </a:rPr>
+              <a:t> --network minha-rede </a:t>
+            </a:r>
+            <a:r>
+              <a:rPr lang="pt-BR" sz="1700" dirty="0" err="1">
+                <a:solidFill>
+                  <a:schemeClr val="accent5"/>
+                </a:solidFill>
+              </a:rPr>
+              <a:t>ubuntu</a:t>
+            </a:r>
+            <a:endParaRPr lang="pt-BR" sz="1700" dirty="0">
               <a:solidFill>
                 <a:schemeClr val="accent5"/>
               </a:solidFill>
             </a:endParaRPr>
           </a:p>
           <a:p>
-            <a:r>
-              <a:rPr lang="pt-BR" sz="2000" dirty="0"/>
-              <a:t>Acessando a rota da aplicação que cadastra os livros “</a:t>
-            </a:r>
-            <a:r>
-              <a:rPr lang="pt-BR" sz="2000" dirty="0" err="1"/>
-              <a:t>http</a:t>
-            </a:r>
-            <a:r>
-              <a:rPr lang="pt-BR" sz="2000" dirty="0"/>
-              <a:t>://</a:t>
-            </a:r>
-            <a:r>
-              <a:rPr lang="pt-BR" sz="2000" dirty="0" err="1"/>
-              <a:t>localhost</a:t>
-            </a:r>
-            <a:r>
-              <a:rPr lang="pt-BR" sz="2000" dirty="0"/>
-              <a:t>/</a:t>
-            </a:r>
-            <a:r>
-              <a:rPr lang="pt-BR" sz="2000" dirty="0" err="1"/>
-              <a:t>seed</a:t>
-            </a:r>
-            <a:r>
-              <a:rPr lang="pt-BR" sz="2000" dirty="0"/>
-              <a:t>”  e depois a rota “</a:t>
-            </a:r>
-            <a:r>
-              <a:rPr lang="pt-BR" sz="2000" dirty="0" err="1"/>
-              <a:t>http</a:t>
-            </a:r>
-            <a:r>
-              <a:rPr lang="pt-BR" sz="2000" dirty="0"/>
-              <a:t>://</a:t>
-            </a:r>
-            <a:r>
-              <a:rPr lang="pt-BR" sz="2000" dirty="0" err="1"/>
-              <a:t>localhost</a:t>
-            </a:r>
-            <a:r>
-              <a:rPr lang="pt-BR" sz="2000" dirty="0"/>
-              <a:t>” acharemos os livros na aplicação.</a:t>
-            </a:r>
-          </a:p>
-          <a:p>
-            <a:pPr lvl="1">
+            <a:pPr marL="742950" lvl="1" indent="-285750">
               <a:buFont typeface="Wingdings" panose="05000000000000000000" pitchFamily="2" charset="2"/>
               <a:buChar char="Ø"/>
             </a:pPr>
-            <a:endParaRPr lang="en-US" sz="2000" dirty="0">
+            <a:endParaRPr lang="pt-BR" sz="1700" dirty="0">
               <a:solidFill>
                 <a:schemeClr val="accent5"/>
               </a:solidFill>
             </a:endParaRPr>
           </a:p>
           <a:p>
-            <a:pPr lvl="2">
+            <a:r>
+              <a:rPr lang="pt-BR" sz="1700" dirty="0"/>
+              <a:t>Agora, se executarmos o comando </a:t>
+            </a:r>
+            <a:r>
+              <a:rPr lang="pt-BR" sz="1700" b="1" dirty="0" err="1"/>
+              <a:t>docker</a:t>
+            </a:r>
+            <a:r>
+              <a:rPr lang="pt-BR" sz="1700" b="1" dirty="0"/>
+              <a:t> </a:t>
+            </a:r>
+            <a:r>
+              <a:rPr lang="pt-BR" sz="1700" b="1" dirty="0" err="1"/>
+              <a:t>inspect</a:t>
+            </a:r>
+            <a:r>
+              <a:rPr lang="pt-BR" sz="1700" b="1" dirty="0"/>
+              <a:t> meu-container-de-</a:t>
+            </a:r>
+            <a:r>
+              <a:rPr lang="pt-BR" sz="1700" b="1" dirty="0" err="1"/>
+              <a:t>ubuntu</a:t>
+            </a:r>
+            <a:r>
+              <a:rPr lang="pt-BR" sz="1700" dirty="0"/>
+              <a:t>, podemos ver em </a:t>
+            </a:r>
+            <a:r>
+              <a:rPr lang="pt-BR" sz="1700" b="1" dirty="0" err="1"/>
+              <a:t>NetworkSettings</a:t>
+            </a:r>
+            <a:r>
+              <a:rPr lang="pt-BR" sz="1700" dirty="0"/>
+              <a:t> o container está na rede </a:t>
+            </a:r>
+            <a:r>
+              <a:rPr lang="pt-BR" sz="1700" b="1" dirty="0"/>
+              <a:t>minha-rede</a:t>
+            </a:r>
+            <a:r>
+              <a:rPr lang="pt-BR" sz="1700" dirty="0"/>
+              <a:t>. E para testar a comunicação entre os containers na nossa rede, vamos abrir outro terminal e criar um segundo container:</a:t>
+            </a:r>
+          </a:p>
+          <a:p>
+            <a:endParaRPr lang="pt-BR" sz="1700" dirty="0"/>
+          </a:p>
+          <a:p>
+            <a:pPr marL="742950" lvl="1" indent="-285750">
               <a:buFont typeface="Wingdings" panose="05000000000000000000" pitchFamily="2" charset="2"/>
               <a:buChar char="Ø"/>
             </a:pPr>
-            <a:endParaRPr lang="pt-BR" sz="1600" dirty="0">
+            <a:r>
+              <a:rPr lang="pt-BR" sz="1700" dirty="0" err="1">
+                <a:solidFill>
+                  <a:schemeClr val="accent5"/>
+                </a:solidFill>
+              </a:rPr>
+              <a:t>docker</a:t>
+            </a:r>
+            <a:r>
+              <a:rPr lang="pt-BR" sz="1700" dirty="0">
+                <a:solidFill>
+                  <a:schemeClr val="accent5"/>
+                </a:solidFill>
+              </a:rPr>
+              <a:t> </a:t>
+            </a:r>
+            <a:r>
+              <a:rPr lang="pt-BR" sz="1700" dirty="0" err="1">
+                <a:solidFill>
+                  <a:schemeClr val="accent5"/>
+                </a:solidFill>
+              </a:rPr>
+              <a:t>run</a:t>
+            </a:r>
+            <a:r>
+              <a:rPr lang="pt-BR" sz="1700" dirty="0">
+                <a:solidFill>
+                  <a:schemeClr val="accent5"/>
+                </a:solidFill>
+              </a:rPr>
+              <a:t> -it --</a:t>
+            </a:r>
+            <a:r>
+              <a:rPr lang="pt-BR" sz="1700" dirty="0" err="1">
+                <a:solidFill>
+                  <a:schemeClr val="accent5"/>
+                </a:solidFill>
+              </a:rPr>
+              <a:t>name</a:t>
+            </a:r>
+            <a:r>
+              <a:rPr lang="pt-BR" sz="1700" dirty="0">
+                <a:solidFill>
+                  <a:schemeClr val="accent5"/>
+                </a:solidFill>
+              </a:rPr>
+              <a:t> segundo-</a:t>
+            </a:r>
+            <a:r>
+              <a:rPr lang="pt-BR" sz="1700" dirty="0" err="1">
+                <a:solidFill>
+                  <a:schemeClr val="accent5"/>
+                </a:solidFill>
+              </a:rPr>
+              <a:t>ubuntu</a:t>
+            </a:r>
+            <a:r>
+              <a:rPr lang="pt-BR" sz="1700" dirty="0">
+                <a:solidFill>
+                  <a:schemeClr val="accent5"/>
+                </a:solidFill>
+              </a:rPr>
+              <a:t> --network minha-rede </a:t>
+            </a:r>
+            <a:r>
+              <a:rPr lang="pt-BR" sz="1700" dirty="0" err="1">
+                <a:solidFill>
+                  <a:schemeClr val="accent5"/>
+                </a:solidFill>
+              </a:rPr>
+              <a:t>ubuntu</a:t>
+            </a:r>
+            <a:endParaRPr lang="pt-BR" sz="1700" dirty="0">
               <a:solidFill>
                 <a:schemeClr val="accent5"/>
               </a:solidFill>
             </a:endParaRPr>
           </a:p>
           <a:p>
-            <a:pPr>
+            <a:r>
+              <a:rPr lang="pt-BR" sz="1700" dirty="0"/>
+              <a:t>Agora, no segundo-</a:t>
+            </a:r>
+            <a:r>
+              <a:rPr lang="pt-BR" sz="1700" dirty="0" err="1"/>
+              <a:t>ubuntu</a:t>
+            </a:r>
+            <a:r>
+              <a:rPr lang="pt-BR" sz="1700" dirty="0"/>
+              <a:t>, instalamos o </a:t>
+            </a:r>
+            <a:r>
+              <a:rPr lang="pt-BR" sz="1700" dirty="0" err="1"/>
+              <a:t>ping</a:t>
+            </a:r>
+            <a:r>
+              <a:rPr lang="pt-BR" sz="1700" dirty="0"/>
+              <a:t> e testamos a comunicação com o meu-container-de-</a:t>
+            </a:r>
+            <a:r>
+              <a:rPr lang="pt-BR" sz="1700" dirty="0" err="1"/>
+              <a:t>ubuntu</a:t>
+            </a:r>
+            <a:r>
+              <a:rPr lang="pt-BR" sz="1700" dirty="0"/>
+              <a:t>:</a:t>
+            </a:r>
+          </a:p>
+          <a:p>
+            <a:endParaRPr lang="pt-BR" sz="1600" dirty="0"/>
+          </a:p>
+          <a:p>
+            <a:pPr marL="742950" lvl="1" indent="-285750">
               <a:buFont typeface="Wingdings" panose="05000000000000000000" pitchFamily="2" charset="2"/>
               <a:buChar char="Ø"/>
             </a:pPr>
-            <a:endParaRPr lang="pt-BR" sz="2400" dirty="0">
+            <a:r>
+              <a:rPr lang="pt-BR" sz="1700" dirty="0">
+                <a:solidFill>
+                  <a:schemeClr val="accent5"/>
+                </a:solidFill>
+              </a:rPr>
+              <a:t>root@00f93075d079:/# </a:t>
+            </a:r>
+            <a:r>
+              <a:rPr lang="pt-BR" sz="1700" dirty="0" err="1">
+                <a:solidFill>
+                  <a:schemeClr val="accent5"/>
+                </a:solidFill>
+              </a:rPr>
+              <a:t>ping</a:t>
+            </a:r>
+            <a:r>
+              <a:rPr lang="pt-BR" sz="1700" dirty="0">
+                <a:solidFill>
+                  <a:schemeClr val="accent5"/>
+                </a:solidFill>
+              </a:rPr>
+              <a:t> meu-container-de-</a:t>
+            </a:r>
+            <a:r>
+              <a:rPr lang="pt-BR" sz="1700" dirty="0" err="1">
+                <a:solidFill>
+                  <a:schemeClr val="accent5"/>
+                </a:solidFill>
+              </a:rPr>
+              <a:t>ubuntu</a:t>
+            </a:r>
+            <a:endParaRPr lang="pt-BR" sz="1700" dirty="0">
               <a:solidFill>
                 <a:schemeClr val="accent5"/>
               </a:solidFill>
             </a:endParaRPr>
+          </a:p>
+          <a:p>
+            <a:pPr marL="457200" lvl="1" indent="0">
+              <a:buNone/>
+            </a:pPr>
+            <a:r>
+              <a:rPr lang="pt-BR" sz="1400" dirty="0"/>
+              <a:t>PING meu-container-de-</a:t>
+            </a:r>
+            <a:r>
+              <a:rPr lang="pt-BR" sz="1400" dirty="0" err="1"/>
+              <a:t>ubuntu</a:t>
+            </a:r>
+            <a:r>
+              <a:rPr lang="pt-BR" sz="1400" dirty="0"/>
+              <a:t> (172.18.0.2) 56(84) bytes </a:t>
+            </a:r>
+            <a:r>
+              <a:rPr lang="pt-BR" sz="1400" dirty="0" err="1"/>
+              <a:t>of</a:t>
+            </a:r>
+            <a:r>
+              <a:rPr lang="pt-BR" sz="1400" dirty="0"/>
+              <a:t> data.</a:t>
+            </a:r>
+          </a:p>
+          <a:p>
+            <a:pPr marL="457200" lvl="1" indent="0">
+              <a:buNone/>
+            </a:pPr>
+            <a:r>
+              <a:rPr lang="pt-BR" sz="1400" dirty="0"/>
+              <a:t>64 bytes </a:t>
+            </a:r>
+            <a:r>
+              <a:rPr lang="pt-BR" sz="1400" dirty="0" err="1"/>
+              <a:t>from</a:t>
+            </a:r>
+            <a:r>
+              <a:rPr lang="pt-BR" sz="1400" dirty="0"/>
+              <a:t> meu-container-de-</a:t>
+            </a:r>
+            <a:r>
+              <a:rPr lang="pt-BR" sz="1400" dirty="0" err="1"/>
+              <a:t>ubuntu.minha</a:t>
+            </a:r>
+            <a:r>
+              <a:rPr lang="pt-BR" sz="1400" dirty="0"/>
+              <a:t>-rede (172.18.0.2): </a:t>
+            </a:r>
+            <a:r>
+              <a:rPr lang="pt-BR" sz="1400" dirty="0" err="1"/>
+              <a:t>icmp_seq</a:t>
+            </a:r>
+            <a:r>
+              <a:rPr lang="pt-BR" sz="1400" dirty="0"/>
+              <a:t>=1 </a:t>
+            </a:r>
+            <a:r>
+              <a:rPr lang="pt-BR" sz="1400" dirty="0" err="1"/>
+              <a:t>ttl</a:t>
+            </a:r>
+            <a:r>
+              <a:rPr lang="pt-BR" sz="1400" dirty="0"/>
+              <a:t>=64 time=0.210 </a:t>
+            </a:r>
+            <a:r>
+              <a:rPr lang="pt-BR" sz="1400" dirty="0" err="1"/>
+              <a:t>ms</a:t>
+            </a:r>
+            <a:endParaRPr lang="pt-BR" sz="1400" dirty="0"/>
+          </a:p>
+          <a:p>
+            <a:pPr marL="457200" lvl="1" indent="0">
+              <a:buNone/>
+            </a:pPr>
+            <a:r>
+              <a:rPr lang="pt-BR" sz="1400" dirty="0"/>
+              <a:t>64 bytes </a:t>
+            </a:r>
+            <a:r>
+              <a:rPr lang="pt-BR" sz="1400" dirty="0" err="1"/>
+              <a:t>from</a:t>
+            </a:r>
+            <a:r>
+              <a:rPr lang="pt-BR" sz="1400" dirty="0"/>
+              <a:t> meu-container-de-</a:t>
+            </a:r>
+            <a:r>
+              <a:rPr lang="pt-BR" sz="1400" dirty="0" err="1"/>
+              <a:t>ubuntu.minha</a:t>
+            </a:r>
+            <a:r>
+              <a:rPr lang="pt-BR" sz="1400" dirty="0"/>
+              <a:t>-rede (172.18.0.2): </a:t>
+            </a:r>
+            <a:r>
+              <a:rPr lang="pt-BR" sz="1400" dirty="0" err="1"/>
+              <a:t>icmp_seq</a:t>
+            </a:r>
+            <a:r>
+              <a:rPr lang="pt-BR" sz="1400" dirty="0"/>
+              <a:t>=2 </a:t>
+            </a:r>
+            <a:r>
+              <a:rPr lang="pt-BR" sz="1400" dirty="0" err="1"/>
+              <a:t>ttl</a:t>
+            </a:r>
+            <a:r>
+              <a:rPr lang="pt-BR" sz="1400" dirty="0"/>
+              <a:t>=64 time=0.148 </a:t>
+            </a:r>
+            <a:r>
+              <a:rPr lang="pt-BR" sz="1400" dirty="0" err="1"/>
+              <a:t>ms</a:t>
+            </a:r>
+            <a:endParaRPr lang="pt-BR" sz="1400" dirty="0"/>
+          </a:p>
+          <a:p>
+            <a:pPr marL="457200" lvl="1" indent="0">
+              <a:buNone/>
+            </a:pPr>
+            <a:r>
+              <a:rPr lang="pt-BR" sz="1400" dirty="0"/>
+              <a:t>64 bytes </a:t>
+            </a:r>
+            <a:r>
+              <a:rPr lang="pt-BR" sz="1400" dirty="0" err="1"/>
+              <a:t>from</a:t>
+            </a:r>
+            <a:r>
+              <a:rPr lang="pt-BR" sz="1400" dirty="0"/>
+              <a:t> meu-container-de-</a:t>
+            </a:r>
+            <a:r>
+              <a:rPr lang="pt-BR" sz="1400" dirty="0" err="1"/>
+              <a:t>ubuntu.minha</a:t>
+            </a:r>
+            <a:r>
+              <a:rPr lang="pt-BR" sz="1400" dirty="0"/>
+              <a:t>-rede (172.18.0.2): </a:t>
+            </a:r>
+            <a:r>
+              <a:rPr lang="pt-BR" sz="1400" dirty="0" err="1"/>
+              <a:t>icmp_seq</a:t>
+            </a:r>
+            <a:r>
+              <a:rPr lang="pt-BR" sz="1400" dirty="0"/>
+              <a:t>=3 </a:t>
+            </a:r>
+            <a:r>
+              <a:rPr lang="pt-BR" sz="1400" dirty="0" err="1"/>
+              <a:t>ttl</a:t>
+            </a:r>
+            <a:r>
+              <a:rPr lang="pt-BR" sz="1400" dirty="0"/>
+              <a:t>=64 time=0.138 </a:t>
+            </a:r>
+            <a:r>
+              <a:rPr lang="pt-BR" sz="1400" dirty="0" err="1"/>
+              <a:t>ms</a:t>
+            </a:r>
+            <a:endParaRPr lang="pt-BR" sz="1400" dirty="0"/>
+          </a:p>
+          <a:p>
+            <a:pPr marL="457200" lvl="1" indent="0">
+              <a:buNone/>
+            </a:pPr>
+            <a:r>
+              <a:rPr lang="pt-BR" sz="1400" dirty="0"/>
+              <a:t>--- meu-container-de-</a:t>
+            </a:r>
+            <a:r>
+              <a:rPr lang="pt-BR" sz="1400" dirty="0" err="1"/>
+              <a:t>ubuntu</a:t>
+            </a:r>
+            <a:r>
+              <a:rPr lang="pt-BR" sz="1400" dirty="0"/>
+              <a:t> </a:t>
+            </a:r>
+            <a:r>
+              <a:rPr lang="pt-BR" sz="1400" dirty="0" err="1"/>
+              <a:t>ping</a:t>
+            </a:r>
+            <a:r>
+              <a:rPr lang="pt-BR" sz="1400" dirty="0"/>
+              <a:t> </a:t>
+            </a:r>
+            <a:r>
+              <a:rPr lang="pt-BR" sz="1400" dirty="0" err="1"/>
+              <a:t>statistics</a:t>
+            </a:r>
+            <a:r>
+              <a:rPr lang="pt-BR" sz="1400" dirty="0"/>
+              <a:t> ---</a:t>
+            </a:r>
+          </a:p>
+          <a:p>
+            <a:pPr marL="457200" lvl="1" indent="0">
+              <a:buNone/>
+            </a:pPr>
+            <a:r>
+              <a:rPr lang="pt-BR" sz="1400" dirty="0"/>
+              <a:t>3 </a:t>
+            </a:r>
+            <a:r>
+              <a:rPr lang="pt-BR" sz="1400" dirty="0" err="1"/>
+              <a:t>packets</a:t>
+            </a:r>
+            <a:r>
+              <a:rPr lang="pt-BR" sz="1400" dirty="0"/>
+              <a:t> </a:t>
+            </a:r>
+            <a:r>
+              <a:rPr lang="pt-BR" sz="1400" dirty="0" err="1"/>
+              <a:t>transmitted</a:t>
+            </a:r>
+            <a:r>
+              <a:rPr lang="pt-BR" sz="1400" dirty="0"/>
+              <a:t>, 3 </a:t>
+            </a:r>
+            <a:r>
+              <a:rPr lang="pt-BR" sz="1400" dirty="0" err="1"/>
+              <a:t>received</a:t>
+            </a:r>
+            <a:r>
+              <a:rPr lang="pt-BR" sz="1400" dirty="0"/>
+              <a:t>, 0% </a:t>
+            </a:r>
+            <a:r>
+              <a:rPr lang="pt-BR" sz="1400" dirty="0" err="1"/>
+              <a:t>packet</a:t>
+            </a:r>
+            <a:r>
+              <a:rPr lang="pt-BR" sz="1400" dirty="0"/>
+              <a:t> </a:t>
+            </a:r>
+            <a:r>
+              <a:rPr lang="pt-BR" sz="1400" dirty="0" err="1"/>
+              <a:t>loss</a:t>
+            </a:r>
+            <a:r>
+              <a:rPr lang="pt-BR" sz="1400" dirty="0"/>
+              <a:t>, time 2000ms</a:t>
+            </a:r>
+          </a:p>
+          <a:p>
+            <a:pPr marL="457200" lvl="1" indent="0">
+              <a:buNone/>
+            </a:pPr>
+            <a:r>
+              <a:rPr lang="pt-BR" sz="1400" dirty="0" err="1"/>
+              <a:t>rtt</a:t>
+            </a:r>
+            <a:r>
+              <a:rPr lang="pt-BR" sz="1400" dirty="0"/>
+              <a:t> min/</a:t>
+            </a:r>
+            <a:r>
+              <a:rPr lang="pt-BR" sz="1400" dirty="0" err="1"/>
+              <a:t>avg</a:t>
+            </a:r>
+            <a:r>
+              <a:rPr lang="pt-BR" sz="1400" dirty="0"/>
+              <a:t>/</a:t>
+            </a:r>
+            <a:r>
+              <a:rPr lang="pt-BR" sz="1400" dirty="0" err="1"/>
+              <a:t>max</a:t>
+            </a:r>
+            <a:r>
+              <a:rPr lang="pt-BR" sz="1400" dirty="0"/>
+              <a:t>/</a:t>
+            </a:r>
+            <a:r>
+              <a:rPr lang="pt-BR" sz="1400" dirty="0" err="1"/>
+              <a:t>mdev</a:t>
+            </a:r>
+            <a:r>
+              <a:rPr lang="pt-BR" sz="1400" dirty="0"/>
+              <a:t> = 0.138/0.165/0.210/0.033 </a:t>
+            </a:r>
+            <a:r>
+              <a:rPr lang="pt-BR" sz="1400" dirty="0" err="1"/>
+              <a:t>ms</a:t>
+            </a:r>
+            <a:endParaRPr lang="pt-BR" sz="1400" dirty="0"/>
+          </a:p>
+          <a:p>
+            <a:endParaRPr lang="pt-BR" sz="1600" dirty="0"/>
           </a:p>
         </p:txBody>
       </p:sp>
     </p:spTree>
     <p:extLst>
       <p:ext uri="{BB962C8B-B14F-4D97-AF65-F5344CB8AC3E}">
-        <p14:creationId xmlns:p14="http://schemas.microsoft.com/office/powerpoint/2010/main" val="3506319487"/>
+        <p14:creationId xmlns:p14="http://schemas.microsoft.com/office/powerpoint/2010/main" val="4236748709"/>
       </p:ext>
     </p:extLst>
   </p:cSld>
@@ -14304,6 +14714,550 @@
             <a:pPr algn="ctr"/>
             <a:r>
               <a:rPr lang="pt-BR" sz="2800" b="1" dirty="0"/>
+              <a:t>Comunicação entre Containers – Recuperando dados de um Banco de Dados</a:t>
+            </a:r>
+          </a:p>
+        </p:txBody>
+      </p:sp>
+      <p:sp>
+        <p:nvSpPr>
+          <p:cNvPr id="3" name="Espaço Reservado para Conteúdo 4">
+            <a:extLst>
+              <a:ext uri="{FF2B5EF4-FFF2-40B4-BE49-F238E27FC236}">
+                <a16:creationId xmlns:a16="http://schemas.microsoft.com/office/drawing/2014/main" id="{8FB13A9A-2550-DF43-9BB4-87071BD0122D}"/>
+              </a:ext>
+            </a:extLst>
+          </p:cNvPr>
+          <p:cNvSpPr>
+            <a:spLocks noGrp="1"/>
+          </p:cNvSpPr>
+          <p:nvPr>
+            <p:ph idx="1"/>
+          </p:nvPr>
+        </p:nvSpPr>
+        <p:spPr>
+          <a:xfrm>
+            <a:off x="334243" y="823858"/>
+            <a:ext cx="11259355" cy="5700691"/>
+          </a:xfrm>
+        </p:spPr>
+        <p:txBody>
+          <a:bodyPr>
+            <a:noAutofit/>
+          </a:bodyPr>
+          <a:lstStyle/>
+          <a:p>
+            <a:r>
+              <a:rPr lang="pt-BR" sz="2000" dirty="0"/>
+              <a:t>Este exemplo utilizamos uma imagem do </a:t>
+            </a:r>
+            <a:r>
+              <a:rPr lang="pt-BR" sz="2000" dirty="0" err="1"/>
+              <a:t>MongoDB</a:t>
+            </a:r>
+            <a:r>
+              <a:rPr lang="pt-BR" sz="2000" dirty="0"/>
+              <a:t> e de uma aplicação que recupera dados de livros. </a:t>
+            </a:r>
+          </a:p>
+          <a:p>
+            <a:r>
+              <a:rPr lang="pt-BR" sz="2000" dirty="0"/>
+              <a:t>Ficar sempre atento para quando subir os containers, colocá-los na mesma rede. Para que os mesmos possam se comunicar</a:t>
+            </a:r>
+          </a:p>
+          <a:p>
+            <a:pPr marL="0" indent="0">
+              <a:buNone/>
+            </a:pPr>
+            <a:r>
+              <a:rPr lang="pt-BR" sz="2000" dirty="0"/>
+              <a:t> </a:t>
+            </a:r>
+            <a:endParaRPr lang="pt-BR" sz="2000" b="1" dirty="0"/>
+          </a:p>
+          <a:p>
+            <a:pPr lvl="1">
+              <a:buFont typeface="Wingdings" panose="05000000000000000000" pitchFamily="2" charset="2"/>
+              <a:buChar char="Ø"/>
+            </a:pPr>
+            <a:r>
+              <a:rPr lang="pt-BR" sz="2000" dirty="0" err="1">
+                <a:solidFill>
+                  <a:schemeClr val="accent1"/>
+                </a:solidFill>
+              </a:rPr>
+              <a:t>docker</a:t>
+            </a:r>
+            <a:r>
+              <a:rPr lang="pt-BR" sz="2000" dirty="0">
+                <a:solidFill>
+                  <a:schemeClr val="accent1"/>
+                </a:solidFill>
+              </a:rPr>
+              <a:t> </a:t>
+            </a:r>
+            <a:r>
+              <a:rPr lang="pt-BR" sz="2000" dirty="0" err="1">
+                <a:solidFill>
+                  <a:schemeClr val="accent1"/>
+                </a:solidFill>
+              </a:rPr>
+              <a:t>run</a:t>
+            </a:r>
+            <a:r>
+              <a:rPr lang="pt-BR" sz="2000" dirty="0">
+                <a:solidFill>
+                  <a:schemeClr val="accent1"/>
+                </a:solidFill>
+              </a:rPr>
+              <a:t> </a:t>
+            </a:r>
+            <a:r>
+              <a:rPr lang="pt-BR" dirty="0">
+                <a:solidFill>
+                  <a:schemeClr val="accent1"/>
+                </a:solidFill>
+              </a:rPr>
+              <a:t>-</a:t>
+            </a:r>
+            <a:r>
+              <a:rPr lang="pt-BR" sz="2000" dirty="0" err="1">
+                <a:solidFill>
+                  <a:schemeClr val="accent1"/>
+                </a:solidFill>
+              </a:rPr>
+              <a:t>d</a:t>
+            </a:r>
+            <a:r>
+              <a:rPr lang="pt-BR" sz="2000" dirty="0">
+                <a:solidFill>
+                  <a:schemeClr val="accent1"/>
+                </a:solidFill>
+              </a:rPr>
+              <a:t> </a:t>
+            </a:r>
+            <a:r>
+              <a:rPr lang="pt-BR" dirty="0">
+                <a:solidFill>
+                  <a:schemeClr val="accent1"/>
+                </a:solidFill>
+              </a:rPr>
+              <a:t>--</a:t>
+            </a:r>
+            <a:r>
+              <a:rPr lang="pt-BR" sz="2000" dirty="0" err="1">
+                <a:solidFill>
+                  <a:schemeClr val="accent1"/>
+                </a:solidFill>
+              </a:rPr>
+              <a:t>name</a:t>
+            </a:r>
+            <a:r>
+              <a:rPr lang="pt-BR" sz="2000" dirty="0">
+                <a:solidFill>
+                  <a:schemeClr val="accent1"/>
+                </a:solidFill>
+              </a:rPr>
+              <a:t> meu</a:t>
+            </a:r>
+            <a:r>
+              <a:rPr lang="pt-BR" dirty="0">
+                <a:solidFill>
+                  <a:schemeClr val="accent1"/>
+                </a:solidFill>
+              </a:rPr>
+              <a:t>-</a:t>
+            </a:r>
+            <a:r>
+              <a:rPr lang="pt-BR" sz="2000" dirty="0">
+                <a:solidFill>
+                  <a:schemeClr val="accent1"/>
+                </a:solidFill>
+              </a:rPr>
+              <a:t>mongo </a:t>
+            </a:r>
+            <a:r>
+              <a:rPr lang="pt-BR" dirty="0">
+                <a:solidFill>
+                  <a:schemeClr val="accent1"/>
+                </a:solidFill>
+              </a:rPr>
+              <a:t>--</a:t>
+            </a:r>
+            <a:r>
+              <a:rPr lang="pt-BR" sz="2000" dirty="0">
+                <a:solidFill>
+                  <a:schemeClr val="accent1"/>
+                </a:solidFill>
+              </a:rPr>
+              <a:t>network minha</a:t>
+            </a:r>
+            <a:r>
+              <a:rPr lang="pt-BR" dirty="0">
+                <a:solidFill>
+                  <a:schemeClr val="accent1"/>
+                </a:solidFill>
+              </a:rPr>
+              <a:t>-</a:t>
+            </a:r>
+            <a:r>
+              <a:rPr lang="pt-BR" sz="2000" dirty="0">
+                <a:solidFill>
+                  <a:schemeClr val="accent1"/>
+                </a:solidFill>
+              </a:rPr>
+              <a:t>rede mongo</a:t>
+            </a:r>
+          </a:p>
+          <a:p>
+            <a:pPr lvl="1">
+              <a:buFont typeface="Wingdings" panose="05000000000000000000" pitchFamily="2" charset="2"/>
+              <a:buChar char="Ø"/>
+            </a:pPr>
+            <a:endParaRPr lang="en-US" sz="2000" dirty="0">
+              <a:solidFill>
+                <a:schemeClr val="accent1"/>
+              </a:solidFill>
+            </a:endParaRPr>
+          </a:p>
+          <a:p>
+            <a:pPr lvl="1">
+              <a:buFont typeface="Wingdings" panose="05000000000000000000" pitchFamily="2" charset="2"/>
+              <a:buChar char="Ø"/>
+            </a:pPr>
+            <a:r>
+              <a:rPr lang="pt-BR" sz="2000" dirty="0" err="1">
+                <a:solidFill>
+                  <a:schemeClr val="accent1"/>
+                </a:solidFill>
+              </a:rPr>
+              <a:t>docker</a:t>
+            </a:r>
+            <a:r>
+              <a:rPr lang="pt-BR" sz="2000" dirty="0">
+                <a:solidFill>
+                  <a:schemeClr val="accent1"/>
+                </a:solidFill>
+              </a:rPr>
+              <a:t> </a:t>
+            </a:r>
+            <a:r>
+              <a:rPr lang="pt-BR" sz="2000" dirty="0" err="1">
+                <a:solidFill>
+                  <a:schemeClr val="accent1"/>
+                </a:solidFill>
+              </a:rPr>
+              <a:t>run</a:t>
+            </a:r>
+            <a:r>
+              <a:rPr lang="pt-BR" sz="2000" dirty="0">
+                <a:solidFill>
+                  <a:schemeClr val="accent1"/>
+                </a:solidFill>
+              </a:rPr>
+              <a:t> </a:t>
+            </a:r>
+            <a:r>
+              <a:rPr lang="pt-BR" dirty="0">
+                <a:solidFill>
+                  <a:schemeClr val="accent1"/>
+                </a:solidFill>
+              </a:rPr>
+              <a:t>--</a:t>
+            </a:r>
+            <a:r>
+              <a:rPr lang="pt-BR" sz="2000" dirty="0">
+                <a:solidFill>
+                  <a:schemeClr val="accent1"/>
+                </a:solidFill>
+              </a:rPr>
+              <a:t>network minha</a:t>
+            </a:r>
+            <a:r>
+              <a:rPr lang="pt-BR" dirty="0">
+                <a:solidFill>
+                  <a:schemeClr val="accent1"/>
+                </a:solidFill>
+              </a:rPr>
+              <a:t>-</a:t>
+            </a:r>
+            <a:r>
+              <a:rPr lang="pt-BR" sz="2000" dirty="0">
+                <a:solidFill>
+                  <a:schemeClr val="accent1"/>
+                </a:solidFill>
+              </a:rPr>
+              <a:t>rede </a:t>
+            </a:r>
+            <a:r>
+              <a:rPr lang="pt-BR" dirty="0">
+                <a:solidFill>
+                  <a:schemeClr val="accent1"/>
+                </a:solidFill>
+              </a:rPr>
+              <a:t>-</a:t>
+            </a:r>
+            <a:r>
+              <a:rPr lang="pt-BR" sz="2000" dirty="0" err="1">
+                <a:solidFill>
+                  <a:schemeClr val="accent1"/>
+                </a:solidFill>
+              </a:rPr>
+              <a:t>d</a:t>
+            </a:r>
+            <a:r>
+              <a:rPr lang="pt-BR" sz="2000" dirty="0">
+                <a:solidFill>
+                  <a:schemeClr val="accent1"/>
+                </a:solidFill>
+              </a:rPr>
+              <a:t> </a:t>
+            </a:r>
+            <a:r>
+              <a:rPr lang="pt-BR" dirty="0">
+                <a:solidFill>
+                  <a:schemeClr val="accent1"/>
+                </a:solidFill>
+              </a:rPr>
+              <a:t>-</a:t>
+            </a:r>
+            <a:r>
+              <a:rPr lang="pt-BR" sz="2000" dirty="0" err="1">
+                <a:solidFill>
+                  <a:schemeClr val="accent1"/>
+                </a:solidFill>
+              </a:rPr>
+              <a:t>p</a:t>
+            </a:r>
+            <a:r>
+              <a:rPr lang="pt-BR" sz="2000" dirty="0">
+                <a:solidFill>
+                  <a:schemeClr val="accent1"/>
+                </a:solidFill>
+              </a:rPr>
+              <a:t> </a:t>
+            </a:r>
+            <a:r>
+              <a:rPr lang="pt-BR" dirty="0">
+                <a:solidFill>
+                  <a:schemeClr val="accent1"/>
+                </a:solidFill>
+              </a:rPr>
+              <a:t>8080:3000</a:t>
+            </a:r>
+            <a:r>
+              <a:rPr lang="pt-BR" sz="2000" dirty="0">
+                <a:solidFill>
+                  <a:schemeClr val="accent1"/>
+                </a:solidFill>
+              </a:rPr>
+              <a:t> </a:t>
+            </a:r>
+            <a:r>
+              <a:rPr lang="pt-BR" sz="2000" dirty="0" err="1">
+                <a:solidFill>
+                  <a:schemeClr val="accent1"/>
+                </a:solidFill>
+              </a:rPr>
+              <a:t>douglasq</a:t>
+            </a:r>
+            <a:r>
+              <a:rPr lang="pt-BR" dirty="0">
+                <a:solidFill>
+                  <a:schemeClr val="accent1"/>
+                </a:solidFill>
+              </a:rPr>
+              <a:t>/</a:t>
+            </a:r>
+            <a:r>
+              <a:rPr lang="pt-BR" sz="2000" dirty="0">
+                <a:solidFill>
+                  <a:schemeClr val="accent1"/>
+                </a:solidFill>
+              </a:rPr>
+              <a:t>alura</a:t>
+            </a:r>
+            <a:r>
+              <a:rPr lang="pt-BR" dirty="0">
+                <a:solidFill>
+                  <a:schemeClr val="accent1"/>
+                </a:solidFill>
+              </a:rPr>
+              <a:t>-</a:t>
+            </a:r>
+            <a:r>
+              <a:rPr lang="pt-BR" sz="2000" dirty="0">
+                <a:solidFill>
+                  <a:schemeClr val="accent1"/>
+                </a:solidFill>
+              </a:rPr>
+              <a:t>books</a:t>
+            </a:r>
+            <a:r>
+              <a:rPr lang="pt-BR" dirty="0">
+                <a:solidFill>
+                  <a:schemeClr val="accent1"/>
+                </a:solidFill>
+              </a:rPr>
+              <a:t>:</a:t>
+            </a:r>
+            <a:r>
+              <a:rPr lang="pt-BR" sz="2000" dirty="0">
+                <a:solidFill>
+                  <a:schemeClr val="accent1"/>
+                </a:solidFill>
+              </a:rPr>
+              <a:t>cap05</a:t>
+            </a:r>
+          </a:p>
+          <a:p>
+            <a:pPr lvl="1">
+              <a:buFont typeface="Wingdings" panose="05000000000000000000" pitchFamily="2" charset="2"/>
+              <a:buChar char="Ø"/>
+            </a:pPr>
+            <a:endParaRPr lang="pt-BR" sz="2000" dirty="0">
+              <a:solidFill>
+                <a:schemeClr val="accent5"/>
+              </a:solidFill>
+            </a:endParaRPr>
+          </a:p>
+          <a:p>
+            <a:r>
+              <a:rPr lang="pt-BR" sz="2000" dirty="0"/>
+              <a:t>Acessando a rota da aplicação que cadastra os livros “</a:t>
+            </a:r>
+            <a:r>
+              <a:rPr lang="pt-BR" sz="2000" dirty="0" err="1"/>
+              <a:t>http</a:t>
+            </a:r>
+            <a:r>
+              <a:rPr lang="pt-BR" sz="2000" dirty="0"/>
+              <a:t>://</a:t>
+            </a:r>
+            <a:r>
+              <a:rPr lang="pt-BR" sz="2000" dirty="0" err="1"/>
+              <a:t>localhost</a:t>
+            </a:r>
+            <a:r>
+              <a:rPr lang="pt-BR" sz="2000" dirty="0"/>
+              <a:t>/</a:t>
+            </a:r>
+            <a:r>
+              <a:rPr lang="pt-BR" sz="2000" dirty="0" err="1"/>
+              <a:t>seed</a:t>
+            </a:r>
+            <a:r>
+              <a:rPr lang="pt-BR" sz="2000" dirty="0"/>
+              <a:t>”  e depois a rota “</a:t>
+            </a:r>
+            <a:r>
+              <a:rPr lang="pt-BR" sz="2000" dirty="0" err="1"/>
+              <a:t>http</a:t>
+            </a:r>
+            <a:r>
+              <a:rPr lang="pt-BR" sz="2000" dirty="0"/>
+              <a:t>://</a:t>
+            </a:r>
+            <a:r>
+              <a:rPr lang="pt-BR" sz="2000" dirty="0" err="1"/>
+              <a:t>localhost</a:t>
+            </a:r>
+            <a:r>
+              <a:rPr lang="pt-BR" sz="2000" dirty="0"/>
+              <a:t>” acharemos os livros na aplicação.</a:t>
+            </a:r>
+          </a:p>
+          <a:p>
+            <a:pPr lvl="1">
+              <a:buFont typeface="Wingdings" panose="05000000000000000000" pitchFamily="2" charset="2"/>
+              <a:buChar char="Ø"/>
+            </a:pPr>
+            <a:endParaRPr lang="en-US" sz="2000" dirty="0">
+              <a:solidFill>
+                <a:schemeClr val="accent5"/>
+              </a:solidFill>
+            </a:endParaRPr>
+          </a:p>
+          <a:p>
+            <a:pPr lvl="2">
+              <a:buFont typeface="Wingdings" panose="05000000000000000000" pitchFamily="2" charset="2"/>
+              <a:buChar char="Ø"/>
+            </a:pPr>
+            <a:endParaRPr lang="pt-BR" sz="1600" dirty="0">
+              <a:solidFill>
+                <a:schemeClr val="accent5"/>
+              </a:solidFill>
+            </a:endParaRPr>
+          </a:p>
+          <a:p>
+            <a:pPr>
+              <a:buFont typeface="Wingdings" panose="05000000000000000000" pitchFamily="2" charset="2"/>
+              <a:buChar char="Ø"/>
+            </a:pPr>
+            <a:endParaRPr lang="pt-BR" sz="2400" dirty="0">
+              <a:solidFill>
+                <a:schemeClr val="accent5"/>
+              </a:solidFill>
+            </a:endParaRPr>
+          </a:p>
+        </p:txBody>
+      </p:sp>
+    </p:spTree>
+    <p:extLst>
+      <p:ext uri="{BB962C8B-B14F-4D97-AF65-F5344CB8AC3E}">
+        <p14:creationId xmlns:p14="http://schemas.microsoft.com/office/powerpoint/2010/main" val="3506319487"/>
+      </p:ext>
+    </p:extLst>
+  </p:cSld>
+  <p:clrMapOvr>
+    <a:masterClrMapping/>
+  </p:clrMapOvr>
+</p:sld>
+</file>
+
+<file path=ppt/slides/slide31.xml><?xml version="1.0" encoding="utf-8"?>
+<p:sld xmlns:a="http://schemas.openxmlformats.org/drawingml/2006/main" xmlns:r="http://schemas.openxmlformats.org/officeDocument/2006/relationships" xmlns:p="http://schemas.openxmlformats.org/presentationml/2006/main">
+  <p:cSld>
+    <p:spTree>
+      <p:nvGrpSpPr>
+        <p:cNvPr id="1" name=""/>
+        <p:cNvGrpSpPr/>
+        <p:nvPr/>
+      </p:nvGrpSpPr>
+      <p:grpSpPr>
+        <a:xfrm>
+          <a:off x="0" y="0"/>
+          <a:ext cx="0" cy="0"/>
+          <a:chOff x="0" y="0"/>
+          <a:chExt cx="0" cy="0"/>
+        </a:xfrm>
+      </p:grpSpPr>
+      <p:sp>
+        <p:nvSpPr>
+          <p:cNvPr id="5" name="Título 1"/>
+          <p:cNvSpPr>
+            <a:spLocks noGrp="1"/>
+          </p:cNvSpPr>
+          <p:nvPr>
+            <p:ph type="title"/>
+          </p:nvPr>
+        </p:nvSpPr>
+        <p:spPr>
+          <a:xfrm>
+            <a:off x="115910" y="123288"/>
+            <a:ext cx="11951594" cy="422275"/>
+          </a:xfrm>
+        </p:spPr>
+        <p:txBody>
+          <a:bodyPr vert="horz" lIns="91440" tIns="45720" rIns="91440" bIns="45720" rtlCol="0" anchor="ctr">
+            <a:normAutofit fontScale="90000"/>
+          </a:bodyPr>
+          <a:lstStyle/>
+          <a:p>
+            <a:pPr algn="ctr"/>
+            <a:r>
+              <a:rPr lang="pt-BR" sz="2800" b="1" dirty="0"/>
               <a:t>Trabalhando com o </a:t>
             </a:r>
             <a:r>
@@ -14856,7 +15810,7 @@
 </p:sld>
 </file>
 
-<file path=ppt/slides/slide31.xml><?xml version="1.0" encoding="utf-8"?>
+<file path=ppt/slides/slide32.xml><?xml version="1.0" encoding="utf-8"?>
 <p:sld xmlns:a="http://schemas.openxmlformats.org/drawingml/2006/main" xmlns:r="http://schemas.openxmlformats.org/officeDocument/2006/relationships" xmlns:p="http://schemas.openxmlformats.org/presentationml/2006/main">
   <p:cSld>
     <p:spTree>
@@ -15005,7 +15959,7 @@
 </p:sld>
 </file>
 
-<file path=ppt/slides/slide32.xml><?xml version="1.0" encoding="utf-8"?>
+<file path=ppt/slides/slide33.xml><?xml version="1.0" encoding="utf-8"?>
 <p:sld xmlns:a="http://schemas.openxmlformats.org/drawingml/2006/main" xmlns:r="http://schemas.openxmlformats.org/officeDocument/2006/relationships" xmlns:p="http://schemas.openxmlformats.org/presentationml/2006/main">
   <p:cSld>
     <p:spTree>
@@ -15138,7 +16092,7 @@
 </p:sld>
 </file>
 
-<file path=ppt/slides/slide33.xml><?xml version="1.0" encoding="utf-8"?>
+<file path=ppt/slides/slide34.xml><?xml version="1.0" encoding="utf-8"?>
 <p:sld xmlns:a="http://schemas.openxmlformats.org/drawingml/2006/main" xmlns:r="http://schemas.openxmlformats.org/officeDocument/2006/relationships" xmlns:p="http://schemas.openxmlformats.org/presentationml/2006/main">
   <p:cSld>
     <p:spTree>
@@ -15434,7 +16388,7 @@
 </p:sld>
 </file>
 
-<file path=ppt/slides/slide34.xml><?xml version="1.0" encoding="utf-8"?>
+<file path=ppt/slides/slide35.xml><?xml version="1.0" encoding="utf-8"?>
 <p:sld xmlns:a="http://schemas.openxmlformats.org/drawingml/2006/main" xmlns:r="http://schemas.openxmlformats.org/officeDocument/2006/relationships" xmlns:p="http://schemas.openxmlformats.org/presentationml/2006/main">
   <p:cSld>
     <p:spTree>
@@ -16320,7 +17274,7 @@
           <p:nvPr/>
         </p:nvPicPr>
         <p:blipFill>
-          <a:blip r:embed="rId2"/>
+          <a:blip r:embed="rId3"/>
           <a:stretch>
             <a:fillRect/>
           </a:stretch>
@@ -16328,7 +17282,7 @@
         <p:spPr>
           <a:xfrm>
             <a:off x="3726180" y="1111827"/>
-            <a:ext cx="2909751" cy="2622159"/>
+            <a:ext cx="3917633" cy="3169915"/>
           </a:xfrm>
           <a:prstGeom prst="rect">
             <a:avLst/>
@@ -16598,7 +17552,7 @@
         </p:nvSpPr>
         <p:spPr>
           <a:xfrm>
-            <a:off x="820460" y="2475394"/>
+            <a:off x="759177" y="89552"/>
             <a:ext cx="10515600" cy="549275"/>
           </a:xfrm>
         </p:spPr>
@@ -16611,365 +17565,39 @@
             <a:pPr algn="ctr"/>
             <a:r>
               <a:rPr lang="pt-BR" sz="2800" b="1" dirty="0"/>
-              <a:t>O que é o Docker?</a:t>
+              <a:t>Containers</a:t>
             </a:r>
           </a:p>
         </p:txBody>
       </p:sp>
-      <p:sp>
-        <p:nvSpPr>
-          <p:cNvPr id="10" name="Espaço Reservado para Conteúdo 5"/>
-          <p:cNvSpPr>
-            <a:spLocks noGrp="1"/>
-          </p:cNvSpPr>
-          <p:nvPr>
-            <p:ph idx="1"/>
-          </p:nvPr>
-        </p:nvSpPr>
+      <p:pic>
+        <p:nvPicPr>
+          <p:cNvPr id="5" name="Imagem 4"/>
+          <p:cNvPicPr>
+            <a:picLocks noChangeAspect="1"/>
+          </p:cNvPicPr>
+          <p:nvPr/>
+        </p:nvPicPr>
+        <p:blipFill>
+          <a:blip r:embed="rId3"/>
+          <a:stretch>
+            <a:fillRect/>
+          </a:stretch>
+        </p:blipFill>
         <p:spPr>
           <a:xfrm>
-            <a:off x="530577" y="757925"/>
-            <a:ext cx="11095366" cy="1763206"/>
-          </a:xfrm>
-        </p:spPr>
-        <p:txBody>
-          <a:bodyPr>
-            <a:normAutofit/>
-          </a:bodyPr>
-          <a:lstStyle/>
-          <a:p>
-            <a:r>
-              <a:rPr lang="pt-BR" sz="2000" dirty="0"/>
-              <a:t>a </a:t>
-            </a:r>
-            <a:r>
-              <a:rPr lang="pt-BR" sz="2000" b="1" dirty="0"/>
-              <a:t>Docker, Inc. </a:t>
-            </a:r>
-            <a:r>
-              <a:rPr lang="pt-BR" sz="2000" dirty="0"/>
-              <a:t>é</a:t>
-            </a:r>
-            <a:r>
-              <a:rPr lang="pt-BR" sz="2000" b="1" dirty="0"/>
-              <a:t> </a:t>
-            </a:r>
-            <a:r>
-              <a:rPr lang="pt-BR" sz="2000" dirty="0"/>
-              <a:t>empresa que toma conta do Docker e a tecnologia dos </a:t>
-            </a:r>
-            <a:r>
-              <a:rPr lang="pt-BR" sz="2000" i="1" dirty="0"/>
-              <a:t>containers</a:t>
-            </a:r>
-            <a:r>
-              <a:rPr lang="pt-BR" sz="2000" dirty="0"/>
-              <a:t>.</a:t>
-            </a:r>
-          </a:p>
-          <a:p>
-            <a:endParaRPr lang="pt-BR" sz="2000" dirty="0"/>
-          </a:p>
-          <a:p>
-            <a:r>
-              <a:rPr lang="pt-BR" sz="2000" dirty="0"/>
-              <a:t>O </a:t>
-            </a:r>
-            <a:r>
-              <a:rPr lang="pt-BR" sz="2000" b="1" dirty="0"/>
-              <a:t>Docker</a:t>
-            </a:r>
-            <a:r>
-              <a:rPr lang="pt-BR" sz="2000" dirty="0"/>
-              <a:t> nada mais é do que um conjunto de tecnologias para facilitar o </a:t>
-            </a:r>
-            <a:r>
-              <a:rPr lang="pt-BR" sz="2000" dirty="0" err="1"/>
-              <a:t>deploy</a:t>
-            </a:r>
-            <a:r>
-              <a:rPr lang="pt-BR" sz="2000" dirty="0"/>
-              <a:t> e a execução das nossas aplicações.</a:t>
-            </a:r>
-          </a:p>
-          <a:p>
-            <a:endParaRPr lang="pt-BR" sz="2000" dirty="0"/>
-          </a:p>
-          <a:p>
-            <a:endParaRPr lang="pt-BR" sz="2000" dirty="0"/>
-          </a:p>
-          <a:p>
-            <a:endParaRPr lang="pt-BR" sz="2000" dirty="0"/>
-          </a:p>
-          <a:p>
-            <a:endParaRPr lang="pt-BR" sz="2000" dirty="0"/>
-          </a:p>
-        </p:txBody>
-      </p:sp>
-      <p:sp>
-        <p:nvSpPr>
-          <p:cNvPr id="4" name="Título 1"/>
-          <p:cNvSpPr txBox="1">
-            <a:spLocks/>
-          </p:cNvSpPr>
-          <p:nvPr/>
-        </p:nvSpPr>
-        <p:spPr>
-          <a:xfrm>
-            <a:off x="125627" y="115678"/>
-            <a:ext cx="11800761" cy="549275"/>
+            <a:off x="3795271" y="846004"/>
+            <a:ext cx="4443412" cy="5502995"/>
           </a:xfrm>
           <a:prstGeom prst="rect">
             <a:avLst/>
           </a:prstGeom>
         </p:spPr>
-        <p:txBody>
-          <a:bodyPr vert="horz" lIns="91440" tIns="45720" rIns="91440" bIns="45720" rtlCol="0" anchor="ctr">
-            <a:normAutofit/>
-          </a:bodyPr>
-          <a:lstStyle>
-            <a:lvl1pPr algn="l" defTabSz="914400" rtl="0" eaLnBrk="1" latinLnBrk="0" hangingPunct="1">
-              <a:lnSpc>
-                <a:spcPct val="90000"/>
-              </a:lnSpc>
-              <a:spcBef>
-                <a:spcPct val="0"/>
-              </a:spcBef>
-              <a:buNone/>
-              <a:defRPr sz="4400" kern="1200">
-                <a:solidFill>
-                  <a:schemeClr val="tx1"/>
-                </a:solidFill>
-                <a:latin typeface="+mj-lt"/>
-                <a:ea typeface="+mj-ea"/>
-                <a:cs typeface="+mj-cs"/>
-              </a:defRPr>
-            </a:lvl1pPr>
-          </a:lstStyle>
-          <a:p>
-            <a:pPr algn="ctr"/>
-            <a:r>
-              <a:rPr lang="pt-BR" sz="2800" b="1" dirty="0" err="1"/>
-              <a:t>Hello</a:t>
-            </a:r>
-            <a:r>
-              <a:rPr lang="pt-BR" sz="2800" b="1" dirty="0"/>
-              <a:t> World</a:t>
-            </a:r>
-          </a:p>
-        </p:txBody>
-      </p:sp>
-      <p:sp>
-        <p:nvSpPr>
-          <p:cNvPr id="5" name="CaixaDeTexto 4"/>
-          <p:cNvSpPr txBox="1"/>
-          <p:nvPr/>
-        </p:nvSpPr>
-        <p:spPr>
-          <a:xfrm>
-            <a:off x="820460" y="3243610"/>
-            <a:ext cx="8704864" cy="1477328"/>
-          </a:xfrm>
-          <a:prstGeom prst="rect">
-            <a:avLst/>
-          </a:prstGeom>
-          <a:noFill/>
-        </p:spPr>
-        <p:txBody>
-          <a:bodyPr wrap="square" rtlCol="0">
-            <a:spAutoFit/>
-          </a:bodyPr>
-          <a:lstStyle/>
-          <a:p>
-            <a:r>
-              <a:rPr lang="pt-BR" dirty="0" err="1"/>
-              <a:t>docker</a:t>
-            </a:r>
-            <a:r>
-              <a:rPr lang="pt-BR" dirty="0"/>
-              <a:t> </a:t>
-            </a:r>
-            <a:r>
-              <a:rPr lang="pt-BR" dirty="0" err="1"/>
-              <a:t>version</a:t>
-            </a:r>
-            <a:endParaRPr lang="pt-BR" dirty="0"/>
-          </a:p>
-          <a:p>
-            <a:endParaRPr lang="pt-BR" dirty="0"/>
-          </a:p>
-          <a:p>
-            <a:r>
-              <a:rPr lang="pt-BR" dirty="0" err="1"/>
-              <a:t>docker</a:t>
-            </a:r>
-            <a:r>
-              <a:rPr lang="pt-BR" dirty="0"/>
-              <a:t> </a:t>
-            </a:r>
-            <a:r>
-              <a:rPr lang="pt-BR" dirty="0" err="1"/>
-              <a:t>run</a:t>
-            </a:r>
-            <a:r>
-              <a:rPr lang="pt-BR" dirty="0"/>
-              <a:t> </a:t>
-            </a:r>
-            <a:r>
-              <a:rPr lang="pt-BR" dirty="0" err="1"/>
-              <a:t>hello</a:t>
-            </a:r>
-            <a:r>
-              <a:rPr lang="pt-BR" dirty="0"/>
-              <a:t>-world </a:t>
-            </a:r>
-          </a:p>
-          <a:p>
-            <a:endParaRPr lang="pt-BR" dirty="0"/>
-          </a:p>
-          <a:p>
-            <a:endParaRPr lang="pt-BR" dirty="0"/>
-          </a:p>
-        </p:txBody>
-      </p:sp>
-      <p:sp>
-        <p:nvSpPr>
-          <p:cNvPr id="6" name="Retângulo 5"/>
-          <p:cNvSpPr/>
-          <p:nvPr/>
-        </p:nvSpPr>
-        <p:spPr>
-          <a:xfrm>
-            <a:off x="2207301" y="4547993"/>
-            <a:ext cx="6518688" cy="2000548"/>
-          </a:xfrm>
-          <a:prstGeom prst="rect">
-            <a:avLst/>
-          </a:prstGeom>
-        </p:spPr>
-        <p:txBody>
-          <a:bodyPr wrap="square">
-            <a:spAutoFit/>
-          </a:bodyPr>
-          <a:lstStyle/>
-          <a:p>
-            <a:pPr algn="ctr"/>
-            <a:endParaRPr lang="pt-BR" sz="2000" b="1" i="1" u="sng" dirty="0">
-              <a:effectLst>
-                <a:outerShdw blurRad="38100" dist="38100" dir="2700000" algn="tl">
-                  <a:srgbClr val="000000">
-                    <a:alpha val="43137"/>
-                  </a:srgbClr>
-                </a:outerShdw>
-              </a:effectLst>
-            </a:endParaRPr>
-          </a:p>
-          <a:p>
-            <a:pPr algn="ctr"/>
-            <a:r>
-              <a:rPr lang="pt-BR" sz="2400" b="1" i="1" u="sng" dirty="0">
-                <a:effectLst>
-                  <a:outerShdw blurRad="38100" dist="38100" dir="2700000" algn="tl">
-                    <a:srgbClr val="000000">
-                      <a:alpha val="43137"/>
-                    </a:srgbClr>
-                  </a:outerShdw>
-                </a:effectLst>
-              </a:rPr>
-              <a:t>Play </a:t>
-            </a:r>
-            <a:r>
-              <a:rPr lang="pt-BR" sz="2400" b="1" i="1" u="sng" dirty="0" err="1">
-                <a:effectLst>
-                  <a:outerShdw blurRad="38100" dist="38100" dir="2700000" algn="tl">
-                    <a:srgbClr val="000000">
-                      <a:alpha val="43137"/>
-                    </a:srgbClr>
-                  </a:outerShdw>
-                </a:effectLst>
-              </a:rPr>
-              <a:t>with</a:t>
-            </a:r>
-            <a:r>
-              <a:rPr lang="pt-BR" sz="2400" b="1" i="1" u="sng" dirty="0">
-                <a:effectLst>
-                  <a:outerShdw blurRad="38100" dist="38100" dir="2700000" algn="tl">
-                    <a:srgbClr val="000000">
-                      <a:alpha val="43137"/>
-                    </a:srgbClr>
-                  </a:outerShdw>
-                </a:effectLst>
-              </a:rPr>
-              <a:t> Docker</a:t>
-            </a:r>
-          </a:p>
-          <a:p>
-            <a:pPr algn="ctr"/>
-            <a:endParaRPr lang="pt-BR" sz="2000" b="1" i="1" u="sng" dirty="0">
-              <a:effectLst>
-                <a:outerShdw blurRad="38100" dist="38100" dir="2700000" algn="tl">
-                  <a:srgbClr val="000000">
-                    <a:alpha val="43137"/>
-                  </a:srgbClr>
-                </a:outerShdw>
-              </a:effectLst>
-            </a:endParaRPr>
-          </a:p>
-          <a:p>
-            <a:pPr algn="ctr"/>
-            <a:endParaRPr lang="pt-BR" sz="2000" b="1" i="1" u="sng" dirty="0">
-              <a:effectLst>
-                <a:outerShdw blurRad="38100" dist="38100" dir="2700000" algn="tl">
-                  <a:srgbClr val="000000">
-                    <a:alpha val="43137"/>
-                  </a:srgbClr>
-                </a:outerShdw>
-              </a:effectLst>
-            </a:endParaRPr>
-          </a:p>
-          <a:p>
-            <a:pPr algn="ctr"/>
-            <a:r>
-              <a:rPr lang="pt-BR" sz="2000" b="1" i="1" u="sng" dirty="0">
-                <a:effectLst>
-                  <a:outerShdw blurRad="38100" dist="38100" dir="2700000" algn="tl">
-                    <a:srgbClr val="000000">
-                      <a:alpha val="43137"/>
-                    </a:srgbClr>
-                  </a:outerShdw>
-                </a:effectLst>
-                <a:hlinkClick r:id="rId2"/>
-              </a:rPr>
-              <a:t>https://labs.play-with-docker.com/</a:t>
-            </a:r>
-            <a:endParaRPr lang="pt-BR" sz="2000" b="1" i="1" u="sng" dirty="0">
-              <a:effectLst>
-                <a:outerShdw blurRad="38100" dist="38100" dir="2700000" algn="tl">
-                  <a:srgbClr val="000000">
-                    <a:alpha val="43137"/>
-                  </a:srgbClr>
-                </a:outerShdw>
-              </a:effectLst>
-            </a:endParaRPr>
-          </a:p>
-          <a:p>
-            <a:pPr algn="ctr"/>
-            <a:endParaRPr lang="pt-BR" sz="2000" b="1" i="1" u="sng" dirty="0">
-              <a:effectLst>
-                <a:outerShdw blurRad="38100" dist="38100" dir="2700000" algn="tl">
-                  <a:srgbClr val="000000">
-                    <a:alpha val="43137"/>
-                  </a:srgbClr>
-                </a:outerShdw>
-              </a:effectLst>
-            </a:endParaRPr>
-          </a:p>
-        </p:txBody>
-      </p:sp>
+      </p:pic>
     </p:spTree>
     <p:extLst>
       <p:ext uri="{BB962C8B-B14F-4D97-AF65-F5344CB8AC3E}">
-        <p14:creationId xmlns:p14="http://schemas.microsoft.com/office/powerpoint/2010/main" val="1859767705"/>
+        <p14:creationId xmlns:p14="http://schemas.microsoft.com/office/powerpoint/2010/main" val="2215319761"/>
       </p:ext>
     </p:extLst>
   </p:cSld>
@@ -16998,6 +17626,126 @@
       </p:grpSpPr>
       <p:sp>
         <p:nvSpPr>
+          <p:cNvPr id="2" name="Título 1"/>
+          <p:cNvSpPr>
+            <a:spLocks noGrp="1"/>
+          </p:cNvSpPr>
+          <p:nvPr>
+            <p:ph type="title"/>
+          </p:nvPr>
+        </p:nvSpPr>
+        <p:spPr>
+          <a:xfrm>
+            <a:off x="820460" y="2475394"/>
+            <a:ext cx="10515600" cy="549275"/>
+          </a:xfrm>
+        </p:spPr>
+        <p:txBody>
+          <a:bodyPr>
+            <a:normAutofit/>
+          </a:bodyPr>
+          <a:lstStyle/>
+          <a:p>
+            <a:pPr algn="ctr"/>
+            <a:r>
+              <a:rPr lang="pt-BR" sz="2800" b="1" dirty="0"/>
+              <a:t>O que é o Docker?</a:t>
+            </a:r>
+          </a:p>
+        </p:txBody>
+      </p:sp>
+      <p:sp>
+        <p:nvSpPr>
+          <p:cNvPr id="10" name="Espaço Reservado para Conteúdo 5"/>
+          <p:cNvSpPr>
+            <a:spLocks noGrp="1"/>
+          </p:cNvSpPr>
+          <p:nvPr>
+            <p:ph idx="1"/>
+          </p:nvPr>
+        </p:nvSpPr>
+        <p:spPr>
+          <a:xfrm>
+            <a:off x="530577" y="757925"/>
+            <a:ext cx="11095366" cy="1763206"/>
+          </a:xfrm>
+        </p:spPr>
+        <p:txBody>
+          <a:bodyPr>
+            <a:normAutofit/>
+          </a:bodyPr>
+          <a:lstStyle/>
+          <a:p>
+            <a:r>
+              <a:rPr lang="pt-BR" sz="2000" dirty="0"/>
+              <a:t>a </a:t>
+            </a:r>
+            <a:r>
+              <a:rPr lang="pt-BR" sz="2000" b="1" dirty="0"/>
+              <a:t>Docker, Inc. </a:t>
+            </a:r>
+            <a:r>
+              <a:rPr lang="pt-BR" sz="2000" dirty="0"/>
+              <a:t>é</a:t>
+            </a:r>
+            <a:r>
+              <a:rPr lang="pt-BR" sz="2000" b="1" dirty="0"/>
+              <a:t> </a:t>
+            </a:r>
+            <a:r>
+              <a:rPr lang="pt-BR" sz="2000" dirty="0"/>
+              <a:t>empresa que toma conta do Docker e a tecnologia dos </a:t>
+            </a:r>
+            <a:r>
+              <a:rPr lang="pt-BR" sz="2000" i="1" dirty="0"/>
+              <a:t>containers</a:t>
+            </a:r>
+            <a:r>
+              <a:rPr lang="pt-BR" sz="2000" dirty="0"/>
+              <a:t>.</a:t>
+            </a:r>
+          </a:p>
+          <a:p>
+            <a:endParaRPr lang="pt-BR" sz="2000" dirty="0"/>
+          </a:p>
+          <a:p>
+            <a:r>
+              <a:rPr lang="pt-BR" sz="2000" dirty="0"/>
+              <a:t>O </a:t>
+            </a:r>
+            <a:r>
+              <a:rPr lang="pt-BR" sz="2000" b="1" dirty="0"/>
+              <a:t>Docker</a:t>
+            </a:r>
+            <a:r>
+              <a:rPr lang="pt-BR" sz="2000" dirty="0"/>
+              <a:t> nada mais é do que um conjunto de tecnologias para facilitar o </a:t>
+            </a:r>
+            <a:r>
+              <a:rPr lang="pt-BR" sz="2000" dirty="0" err="1"/>
+              <a:t>deploy</a:t>
+            </a:r>
+            <a:r>
+              <a:rPr lang="pt-BR" sz="2000" dirty="0"/>
+              <a:t> e a execução das nossas aplicações.</a:t>
+            </a:r>
+          </a:p>
+          <a:p>
+            <a:endParaRPr lang="pt-BR" sz="2000" dirty="0"/>
+          </a:p>
+          <a:p>
+            <a:endParaRPr lang="pt-BR" sz="2000" dirty="0"/>
+          </a:p>
+          <a:p>
+            <a:endParaRPr lang="pt-BR" sz="2000" dirty="0"/>
+          </a:p>
+          <a:p>
+            <a:endParaRPr lang="pt-BR" sz="2000" dirty="0"/>
+          </a:p>
+        </p:txBody>
+      </p:sp>
+      <p:sp>
+        <p:nvSpPr>
           <p:cNvPr id="4" name="Título 1"/>
           <p:cNvSpPr txBox="1">
             <a:spLocks/>
@@ -17039,491 +17787,99 @@
           <a:p>
             <a:pPr algn="ctr"/>
             <a:r>
+              <a:rPr lang="pt-BR" sz="2800" b="1" dirty="0" err="1"/>
+              <a:t>Hello</a:t>
+            </a:r>
+            <a:r>
               <a:rPr lang="pt-BR" sz="2800" b="1" dirty="0"/>
-              <a:t>Tecnologias Docker</a:t>
+              <a:t> World</a:t>
             </a:r>
           </a:p>
         </p:txBody>
       </p:sp>
       <p:sp>
         <p:nvSpPr>
-          <p:cNvPr id="5" name="Espaço Reservado para Conteúdo 5"/>
-          <p:cNvSpPr txBox="1">
-            <a:spLocks/>
-          </p:cNvSpPr>
+          <p:cNvPr id="5" name="CaixaDeTexto 4"/>
+          <p:cNvSpPr txBox="1"/>
           <p:nvPr/>
         </p:nvSpPr>
         <p:spPr>
           <a:xfrm>
-            <a:off x="504450" y="1084496"/>
-            <a:ext cx="11421938" cy="3317687"/>
+            <a:off x="820460" y="3243610"/>
+            <a:ext cx="8704864" cy="1477328"/>
           </a:xfrm>
           <a:prstGeom prst="rect">
             <a:avLst/>
           </a:prstGeom>
+          <a:noFill/>
         </p:spPr>
         <p:txBody>
-          <a:bodyPr vert="horz" lIns="91440" tIns="45720" rIns="91440" bIns="45720" rtlCol="0">
-            <a:normAutofit/>
+          <a:bodyPr wrap="square" rtlCol="0">
+            <a:spAutoFit/>
           </a:bodyPr>
-          <a:lstStyle>
-            <a:lvl1pPr marL="228600" indent="-228600" algn="l" defTabSz="914400" rtl="0" eaLnBrk="1" latinLnBrk="0" hangingPunct="1">
-              <a:lnSpc>
-                <a:spcPct val="90000"/>
-              </a:lnSpc>
-              <a:spcBef>
-                <a:spcPts val="1000"/>
-              </a:spcBef>
-              <a:buFont typeface="Arial" panose="020B0604020202020204" pitchFamily="34" charset="0"/>
-              <a:buChar char="•"/>
-              <a:defRPr sz="2800" kern="1200">
-                <a:solidFill>
-                  <a:schemeClr val="tx1"/>
-                </a:solidFill>
-                <a:latin typeface="+mn-lt"/>
-                <a:ea typeface="+mn-ea"/>
-                <a:cs typeface="+mn-cs"/>
-              </a:defRPr>
-            </a:lvl1pPr>
-            <a:lvl2pPr marL="685800" indent="-228600" algn="l" defTabSz="914400" rtl="0" eaLnBrk="1" latinLnBrk="0" hangingPunct="1">
-              <a:lnSpc>
-                <a:spcPct val="90000"/>
-              </a:lnSpc>
-              <a:spcBef>
-                <a:spcPts val="500"/>
-              </a:spcBef>
-              <a:buFont typeface="Arial" panose="020B0604020202020204" pitchFamily="34" charset="0"/>
-              <a:buChar char="•"/>
-              <a:defRPr sz="2400" kern="1200">
-                <a:solidFill>
-                  <a:schemeClr val="tx1"/>
-                </a:solidFill>
-                <a:latin typeface="+mn-lt"/>
-                <a:ea typeface="+mn-ea"/>
-                <a:cs typeface="+mn-cs"/>
-              </a:defRPr>
-            </a:lvl2pPr>
-            <a:lvl3pPr marL="1143000" indent="-228600" algn="l" defTabSz="914400" rtl="0" eaLnBrk="1" latinLnBrk="0" hangingPunct="1">
-              <a:lnSpc>
-                <a:spcPct val="90000"/>
-              </a:lnSpc>
-              <a:spcBef>
-                <a:spcPts val="500"/>
-              </a:spcBef>
-              <a:buFont typeface="Arial" panose="020B0604020202020204" pitchFamily="34" charset="0"/>
-              <a:buChar char="•"/>
-              <a:defRPr sz="2000" kern="1200">
-                <a:solidFill>
-                  <a:schemeClr val="tx1"/>
-                </a:solidFill>
-                <a:latin typeface="+mn-lt"/>
-                <a:ea typeface="+mn-ea"/>
-                <a:cs typeface="+mn-cs"/>
-              </a:defRPr>
-            </a:lvl3pPr>
-            <a:lvl4pPr marL="1600200" indent="-228600" algn="l" defTabSz="914400" rtl="0" eaLnBrk="1" latinLnBrk="0" hangingPunct="1">
-              <a:lnSpc>
-                <a:spcPct val="90000"/>
-              </a:lnSpc>
-              <a:spcBef>
-                <a:spcPts val="500"/>
-              </a:spcBef>
-              <a:buFont typeface="Arial" panose="020B0604020202020204" pitchFamily="34" charset="0"/>
-              <a:buChar char="•"/>
-              <a:defRPr sz="1800" kern="1200">
-                <a:solidFill>
-                  <a:schemeClr val="tx1"/>
-                </a:solidFill>
-                <a:latin typeface="+mn-lt"/>
-                <a:ea typeface="+mn-ea"/>
-                <a:cs typeface="+mn-cs"/>
-              </a:defRPr>
-            </a:lvl4pPr>
-            <a:lvl5pPr marL="2057400" indent="-228600" algn="l" defTabSz="914400" rtl="0" eaLnBrk="1" latinLnBrk="0" hangingPunct="1">
-              <a:lnSpc>
-                <a:spcPct val="90000"/>
-              </a:lnSpc>
-              <a:spcBef>
-                <a:spcPts val="500"/>
-              </a:spcBef>
-              <a:buFont typeface="Arial" panose="020B0604020202020204" pitchFamily="34" charset="0"/>
-              <a:buChar char="•"/>
-              <a:defRPr sz="1800" kern="1200">
-                <a:solidFill>
-                  <a:schemeClr val="tx1"/>
-                </a:solidFill>
-                <a:latin typeface="+mn-lt"/>
-                <a:ea typeface="+mn-ea"/>
-                <a:cs typeface="+mn-cs"/>
-              </a:defRPr>
-            </a:lvl5pPr>
-            <a:lvl6pPr marL="2514600" indent="-228600" algn="l" defTabSz="914400" rtl="0" eaLnBrk="1" latinLnBrk="0" hangingPunct="1">
-              <a:lnSpc>
-                <a:spcPct val="90000"/>
-              </a:lnSpc>
-              <a:spcBef>
-                <a:spcPts val="500"/>
-              </a:spcBef>
-              <a:buFont typeface="Arial" panose="020B0604020202020204" pitchFamily="34" charset="0"/>
-              <a:buChar char="•"/>
-              <a:defRPr sz="1800" kern="1200">
-                <a:solidFill>
-                  <a:schemeClr val="tx1"/>
-                </a:solidFill>
-                <a:latin typeface="+mn-lt"/>
-                <a:ea typeface="+mn-ea"/>
-                <a:cs typeface="+mn-cs"/>
-              </a:defRPr>
-            </a:lvl6pPr>
-            <a:lvl7pPr marL="2971800" indent="-228600" algn="l" defTabSz="914400" rtl="0" eaLnBrk="1" latinLnBrk="0" hangingPunct="1">
-              <a:lnSpc>
-                <a:spcPct val="90000"/>
-              </a:lnSpc>
-              <a:spcBef>
-                <a:spcPts val="500"/>
-              </a:spcBef>
-              <a:buFont typeface="Arial" panose="020B0604020202020204" pitchFamily="34" charset="0"/>
-              <a:buChar char="•"/>
-              <a:defRPr sz="1800" kern="1200">
-                <a:solidFill>
-                  <a:schemeClr val="tx1"/>
-                </a:solidFill>
-                <a:latin typeface="+mn-lt"/>
-                <a:ea typeface="+mn-ea"/>
-                <a:cs typeface="+mn-cs"/>
-              </a:defRPr>
-            </a:lvl7pPr>
-            <a:lvl8pPr marL="3429000" indent="-228600" algn="l" defTabSz="914400" rtl="0" eaLnBrk="1" latinLnBrk="0" hangingPunct="1">
-              <a:lnSpc>
-                <a:spcPct val="90000"/>
-              </a:lnSpc>
-              <a:spcBef>
-                <a:spcPts val="500"/>
-              </a:spcBef>
-              <a:buFont typeface="Arial" panose="020B0604020202020204" pitchFamily="34" charset="0"/>
-              <a:buChar char="•"/>
-              <a:defRPr sz="1800" kern="1200">
-                <a:solidFill>
-                  <a:schemeClr val="tx1"/>
-                </a:solidFill>
-                <a:latin typeface="+mn-lt"/>
-                <a:ea typeface="+mn-ea"/>
-                <a:cs typeface="+mn-cs"/>
-              </a:defRPr>
-            </a:lvl8pPr>
-            <a:lvl9pPr marL="3886200" indent="-228600" algn="l" defTabSz="914400" rtl="0" eaLnBrk="1" latinLnBrk="0" hangingPunct="1">
-              <a:lnSpc>
-                <a:spcPct val="90000"/>
-              </a:lnSpc>
-              <a:spcBef>
-                <a:spcPts val="500"/>
-              </a:spcBef>
-              <a:buFont typeface="Arial" panose="020B0604020202020204" pitchFamily="34" charset="0"/>
-              <a:buChar char="•"/>
-              <a:defRPr sz="1800" kern="1200">
-                <a:solidFill>
-                  <a:schemeClr val="tx1"/>
-                </a:solidFill>
-                <a:latin typeface="+mn-lt"/>
-                <a:ea typeface="+mn-ea"/>
-                <a:cs typeface="+mn-cs"/>
-              </a:defRPr>
-            </a:lvl9pPr>
-          </a:lstStyle>
-          <a:p>
-            <a:r>
-              <a:rPr lang="pt-BR" sz="2000" b="1" dirty="0"/>
-              <a:t>Docker </a:t>
-            </a:r>
-            <a:r>
-              <a:rPr lang="pt-BR" sz="2000" b="1" dirty="0" err="1"/>
-              <a:t>Compose</a:t>
-            </a:r>
-            <a:r>
-              <a:rPr lang="pt-BR" sz="2000" b="1" dirty="0"/>
-              <a:t> –</a:t>
-            </a:r>
-            <a:r>
-              <a:rPr lang="pt-BR" sz="2000" dirty="0"/>
-              <a:t> uma forma simples de orquestrar múltiplos containers.</a:t>
-            </a:r>
-          </a:p>
-          <a:p>
-            <a:endParaRPr lang="pt-BR" sz="2000" b="1" dirty="0"/>
-          </a:p>
-          <a:p>
-            <a:r>
-              <a:rPr lang="pt-BR" sz="2000" b="1" dirty="0"/>
-              <a:t>Docker </a:t>
-            </a:r>
-            <a:r>
-              <a:rPr lang="pt-BR" sz="2000" b="1" dirty="0" err="1"/>
-              <a:t>Swarm</a:t>
-            </a:r>
-            <a:r>
-              <a:rPr lang="pt-BR" sz="2000" b="1" dirty="0"/>
-              <a:t> –</a:t>
-            </a:r>
-            <a:r>
-              <a:rPr lang="pt-BR" sz="2000" dirty="0"/>
-              <a:t> uma ferramenta para colocar múltiplos </a:t>
-            </a:r>
-            <a:r>
-              <a:rPr lang="pt-BR" sz="2000" dirty="0" err="1"/>
+          <a:lstStyle/>
+          <a:p>
+            <a:r>
+              <a:rPr lang="pt-BR" dirty="0" err="1"/>
               <a:t>docker</a:t>
             </a:r>
             <a:r>
-              <a:rPr lang="pt-BR" sz="2000" dirty="0"/>
+              <a:rPr lang="pt-BR" dirty="0"/>
               <a:t> </a:t>
             </a:r>
             <a:r>
-              <a:rPr lang="pt-BR" sz="2000" dirty="0" err="1"/>
-              <a:t>engines</a:t>
-            </a:r>
-            <a:r>
-              <a:rPr lang="pt-BR" sz="2000" dirty="0"/>
-              <a:t> para funcionarem juntos num cluster.</a:t>
-            </a:r>
-          </a:p>
-          <a:p>
-            <a:endParaRPr lang="pt-BR" sz="2000" b="1" dirty="0"/>
-          </a:p>
-          <a:p>
-            <a:r>
-              <a:rPr lang="pt-BR" sz="2000" b="1" dirty="0"/>
-              <a:t>Docker Hub –</a:t>
-            </a:r>
-            <a:r>
-              <a:rPr lang="pt-BR" sz="2000" dirty="0"/>
-              <a:t> um repositório com mais de 250 mil imagens diferentes para os nossos containers.</a:t>
-            </a:r>
-          </a:p>
-          <a:p>
-            <a:endParaRPr lang="pt-BR" sz="2000" dirty="0"/>
-          </a:p>
-          <a:p>
-            <a:r>
-              <a:rPr lang="pt-BR" sz="2000" b="1" dirty="0"/>
-              <a:t>Docker </a:t>
-            </a:r>
-            <a:r>
-              <a:rPr lang="pt-BR" sz="2000" b="1" dirty="0" err="1"/>
-              <a:t>Machine</a:t>
-            </a:r>
-            <a:r>
-              <a:rPr lang="pt-BR" sz="2000" b="1" dirty="0"/>
-              <a:t> –</a:t>
-            </a:r>
-            <a:r>
-              <a:rPr lang="pt-BR" sz="2000" dirty="0"/>
-              <a:t> uma ferramenta que nos permite gerenciar o Docker num Host Virtual.</a:t>
-            </a:r>
-          </a:p>
-          <a:p>
-            <a:endParaRPr lang="pt-BR" sz="2000" dirty="0"/>
+              <a:rPr lang="pt-BR" dirty="0" err="1"/>
+              <a:t>version</a:t>
+            </a:r>
+            <a:endParaRPr lang="pt-BR" dirty="0"/>
+          </a:p>
+          <a:p>
+            <a:endParaRPr lang="pt-BR" dirty="0"/>
+          </a:p>
+          <a:p>
+            <a:r>
+              <a:rPr lang="pt-BR" dirty="0" err="1"/>
+              <a:t>docker</a:t>
+            </a:r>
+            <a:r>
+              <a:rPr lang="pt-BR" dirty="0"/>
+              <a:t> </a:t>
+            </a:r>
+            <a:r>
+              <a:rPr lang="pt-BR" dirty="0" err="1"/>
+              <a:t>run</a:t>
+            </a:r>
+            <a:r>
+              <a:rPr lang="pt-BR" dirty="0"/>
+              <a:t> </a:t>
+            </a:r>
+            <a:r>
+              <a:rPr lang="pt-BR" dirty="0" err="1"/>
+              <a:t>hello</a:t>
+            </a:r>
+            <a:r>
+              <a:rPr lang="pt-BR" dirty="0"/>
+              <a:t>-world </a:t>
+            </a:r>
+          </a:p>
+          <a:p>
+            <a:endParaRPr lang="pt-BR" dirty="0"/>
+          </a:p>
+          <a:p>
+            <a:endParaRPr lang="pt-BR" dirty="0"/>
           </a:p>
         </p:txBody>
       </p:sp>
       <p:sp>
         <p:nvSpPr>
-          <p:cNvPr id="8" name="Espaço Reservado para Conteúdo 5"/>
-          <p:cNvSpPr txBox="1">
-            <a:spLocks/>
-          </p:cNvSpPr>
-          <p:nvPr/>
-        </p:nvSpPr>
-        <p:spPr>
-          <a:xfrm>
-            <a:off x="504450" y="4729033"/>
-            <a:ext cx="11134556" cy="1671768"/>
-          </a:xfrm>
-          <a:prstGeom prst="rect">
-            <a:avLst/>
-          </a:prstGeom>
-        </p:spPr>
-        <p:txBody>
-          <a:bodyPr vert="horz" lIns="91440" tIns="45720" rIns="91440" bIns="45720" rtlCol="0">
-            <a:normAutofit/>
-          </a:bodyPr>
-          <a:lstStyle>
-            <a:lvl1pPr marL="228600" indent="-228600" algn="l" defTabSz="914400" rtl="0" eaLnBrk="1" latinLnBrk="0" hangingPunct="1">
-              <a:lnSpc>
-                <a:spcPct val="90000"/>
-              </a:lnSpc>
-              <a:spcBef>
-                <a:spcPts val="1000"/>
-              </a:spcBef>
-              <a:buFont typeface="Arial" panose="020B0604020202020204" pitchFamily="34" charset="0"/>
-              <a:buChar char="•"/>
-              <a:defRPr sz="2800" kern="1200">
-                <a:solidFill>
-                  <a:schemeClr val="tx1"/>
-                </a:solidFill>
-                <a:latin typeface="+mn-lt"/>
-                <a:ea typeface="+mn-ea"/>
-                <a:cs typeface="+mn-cs"/>
-              </a:defRPr>
-            </a:lvl1pPr>
-            <a:lvl2pPr marL="685800" indent="-228600" algn="l" defTabSz="914400" rtl="0" eaLnBrk="1" latinLnBrk="0" hangingPunct="1">
-              <a:lnSpc>
-                <a:spcPct val="90000"/>
-              </a:lnSpc>
-              <a:spcBef>
-                <a:spcPts val="500"/>
-              </a:spcBef>
-              <a:buFont typeface="Arial" panose="020B0604020202020204" pitchFamily="34" charset="0"/>
-              <a:buChar char="•"/>
-              <a:defRPr sz="2400" kern="1200">
-                <a:solidFill>
-                  <a:schemeClr val="tx1"/>
-                </a:solidFill>
-                <a:latin typeface="+mn-lt"/>
-                <a:ea typeface="+mn-ea"/>
-                <a:cs typeface="+mn-cs"/>
-              </a:defRPr>
-            </a:lvl2pPr>
-            <a:lvl3pPr marL="1143000" indent="-228600" algn="l" defTabSz="914400" rtl="0" eaLnBrk="1" latinLnBrk="0" hangingPunct="1">
-              <a:lnSpc>
-                <a:spcPct val="90000"/>
-              </a:lnSpc>
-              <a:spcBef>
-                <a:spcPts val="500"/>
-              </a:spcBef>
-              <a:buFont typeface="Arial" panose="020B0604020202020204" pitchFamily="34" charset="0"/>
-              <a:buChar char="•"/>
-              <a:defRPr sz="2000" kern="1200">
-                <a:solidFill>
-                  <a:schemeClr val="tx1"/>
-                </a:solidFill>
-                <a:latin typeface="+mn-lt"/>
-                <a:ea typeface="+mn-ea"/>
-                <a:cs typeface="+mn-cs"/>
-              </a:defRPr>
-            </a:lvl3pPr>
-            <a:lvl4pPr marL="1600200" indent="-228600" algn="l" defTabSz="914400" rtl="0" eaLnBrk="1" latinLnBrk="0" hangingPunct="1">
-              <a:lnSpc>
-                <a:spcPct val="90000"/>
-              </a:lnSpc>
-              <a:spcBef>
-                <a:spcPts val="500"/>
-              </a:spcBef>
-              <a:buFont typeface="Arial" panose="020B0604020202020204" pitchFamily="34" charset="0"/>
-              <a:buChar char="•"/>
-              <a:defRPr sz="1800" kern="1200">
-                <a:solidFill>
-                  <a:schemeClr val="tx1"/>
-                </a:solidFill>
-                <a:latin typeface="+mn-lt"/>
-                <a:ea typeface="+mn-ea"/>
-                <a:cs typeface="+mn-cs"/>
-              </a:defRPr>
-            </a:lvl4pPr>
-            <a:lvl5pPr marL="2057400" indent="-228600" algn="l" defTabSz="914400" rtl="0" eaLnBrk="1" latinLnBrk="0" hangingPunct="1">
-              <a:lnSpc>
-                <a:spcPct val="90000"/>
-              </a:lnSpc>
-              <a:spcBef>
-                <a:spcPts val="500"/>
-              </a:spcBef>
-              <a:buFont typeface="Arial" panose="020B0604020202020204" pitchFamily="34" charset="0"/>
-              <a:buChar char="•"/>
-              <a:defRPr sz="1800" kern="1200">
-                <a:solidFill>
-                  <a:schemeClr val="tx1"/>
-                </a:solidFill>
-                <a:latin typeface="+mn-lt"/>
-                <a:ea typeface="+mn-ea"/>
-                <a:cs typeface="+mn-cs"/>
-              </a:defRPr>
-            </a:lvl5pPr>
-            <a:lvl6pPr marL="2514600" indent="-228600" algn="l" defTabSz="914400" rtl="0" eaLnBrk="1" latinLnBrk="0" hangingPunct="1">
-              <a:lnSpc>
-                <a:spcPct val="90000"/>
-              </a:lnSpc>
-              <a:spcBef>
-                <a:spcPts val="500"/>
-              </a:spcBef>
-              <a:buFont typeface="Arial" panose="020B0604020202020204" pitchFamily="34" charset="0"/>
-              <a:buChar char="•"/>
-              <a:defRPr sz="1800" kern="1200">
-                <a:solidFill>
-                  <a:schemeClr val="tx1"/>
-                </a:solidFill>
-                <a:latin typeface="+mn-lt"/>
-                <a:ea typeface="+mn-ea"/>
-                <a:cs typeface="+mn-cs"/>
-              </a:defRPr>
-            </a:lvl6pPr>
-            <a:lvl7pPr marL="2971800" indent="-228600" algn="l" defTabSz="914400" rtl="0" eaLnBrk="1" latinLnBrk="0" hangingPunct="1">
-              <a:lnSpc>
-                <a:spcPct val="90000"/>
-              </a:lnSpc>
-              <a:spcBef>
-                <a:spcPts val="500"/>
-              </a:spcBef>
-              <a:buFont typeface="Arial" panose="020B0604020202020204" pitchFamily="34" charset="0"/>
-              <a:buChar char="•"/>
-              <a:defRPr sz="1800" kern="1200">
-                <a:solidFill>
-                  <a:schemeClr val="tx1"/>
-                </a:solidFill>
-                <a:latin typeface="+mn-lt"/>
-                <a:ea typeface="+mn-ea"/>
-                <a:cs typeface="+mn-cs"/>
-              </a:defRPr>
-            </a:lvl7pPr>
-            <a:lvl8pPr marL="3429000" indent="-228600" algn="l" defTabSz="914400" rtl="0" eaLnBrk="1" latinLnBrk="0" hangingPunct="1">
-              <a:lnSpc>
-                <a:spcPct val="90000"/>
-              </a:lnSpc>
-              <a:spcBef>
-                <a:spcPts val="500"/>
-              </a:spcBef>
-              <a:buFont typeface="Arial" panose="020B0604020202020204" pitchFamily="34" charset="0"/>
-              <a:buChar char="•"/>
-              <a:defRPr sz="1800" kern="1200">
-                <a:solidFill>
-                  <a:schemeClr val="tx1"/>
-                </a:solidFill>
-                <a:latin typeface="+mn-lt"/>
-                <a:ea typeface="+mn-ea"/>
-                <a:cs typeface="+mn-cs"/>
-              </a:defRPr>
-            </a:lvl8pPr>
-            <a:lvl9pPr marL="3886200" indent="-228600" algn="l" defTabSz="914400" rtl="0" eaLnBrk="1" latinLnBrk="0" hangingPunct="1">
-              <a:lnSpc>
-                <a:spcPct val="90000"/>
-              </a:lnSpc>
-              <a:spcBef>
-                <a:spcPts val="500"/>
-              </a:spcBef>
-              <a:buFont typeface="Arial" panose="020B0604020202020204" pitchFamily="34" charset="0"/>
-              <a:buChar char="•"/>
-              <a:defRPr sz="1800" kern="1200">
-                <a:solidFill>
-                  <a:schemeClr val="tx1"/>
-                </a:solidFill>
-                <a:latin typeface="+mn-lt"/>
-                <a:ea typeface="+mn-ea"/>
-                <a:cs typeface="+mn-cs"/>
-              </a:defRPr>
-            </a:lvl9pPr>
-          </a:lstStyle>
-          <a:p>
-            <a:endParaRPr lang="pt-BR" sz="2000" dirty="0"/>
-          </a:p>
-        </p:txBody>
-      </p:sp>
-      <p:sp>
-        <p:nvSpPr>
-          <p:cNvPr id="7" name="Retângulo 6"/>
+          <p:cNvPr id="6" name="Retângulo 5"/>
           <p:cNvSpPr/>
           <p:nvPr/>
         </p:nvSpPr>
         <p:spPr>
           <a:xfrm>
-            <a:off x="1898468" y="4964752"/>
-            <a:ext cx="7820297" cy="1323439"/>
+            <a:off x="2207301" y="4547993"/>
+            <a:ext cx="6518688" cy="2000548"/>
           </a:xfrm>
           <a:prstGeom prst="rect">
             <a:avLst/>
@@ -17535,6 +17891,7 @@
           </a:bodyPr>
           <a:lstStyle/>
           <a:p>
+            <a:pPr algn="ctr"/>
             <a:endParaRPr lang="pt-BR" sz="2000" b="1" i="1" u="sng" dirty="0">
               <a:effectLst>
                 <a:outerShdw blurRad="38100" dist="38100" dir="2700000" algn="tl">
@@ -17546,8 +17903,9 @@
             </a:endParaRPr>
           </a:p>
           <a:p>
-            <a:r>
-              <a:rPr lang="pt-BR" sz="2000" b="1" i="1" u="sng" dirty="0">
+            <a:pPr algn="ctr"/>
+            <a:r>
+              <a:rPr lang="pt-BR" sz="2400" b="1" i="1" u="sng" dirty="0">
                 <a:effectLst>
                   <a:outerShdw blurRad="38100" dist="38100" dir="2700000" algn="tl">
                     <a:srgbClr val="000000">
@@ -17556,10 +17914,10 @@
                   </a:outerShdw>
                 </a:effectLst>
               </a:rPr>
-              <a:t>O Docker é uma ferramenta Open </a:t>
-            </a:r>
-            <a:r>
-              <a:rPr lang="pt-BR" sz="2000" b="1" i="1" u="sng" dirty="0" err="1">
+              <a:t>Play </a:t>
+            </a:r>
+            <a:r>
+              <a:rPr lang="pt-BR" sz="2400" b="1" i="1" u="sng" dirty="0" err="1">
                 <a:effectLst>
                   <a:outerShdw blurRad="38100" dist="38100" dir="2700000" algn="tl">
                     <a:srgbClr val="000000">
@@ -17568,10 +17926,10 @@
                   </a:outerShdw>
                 </a:effectLst>
               </a:rPr>
-              <a:t>Source</a:t>
-            </a:r>
-            <a:r>
-              <a:rPr lang="pt-BR" sz="2000" b="1" i="1" u="sng" dirty="0">
+              <a:t>with</a:t>
+            </a:r>
+            <a:r>
+              <a:rPr lang="pt-BR" sz="2400" b="1" i="1" u="sng" dirty="0">
                 <a:effectLst>
                   <a:outerShdw blurRad="38100" dist="38100" dir="2700000" algn="tl">
                     <a:srgbClr val="000000">
@@ -17580,10 +17938,11 @@
                   </a:outerShdw>
                 </a:effectLst>
               </a:rPr>
-              <a:t> mantida pela Docker, Inc.</a:t>
-            </a:r>
-          </a:p>
-          <a:p>
+              <a:t> Docker</a:t>
+            </a:r>
+          </a:p>
+          <a:p>
+            <a:pPr algn="ctr"/>
             <a:endParaRPr lang="pt-BR" sz="2000" b="1" i="1" u="sng" dirty="0">
               <a:effectLst>
                 <a:outerShdw blurRad="38100" dist="38100" dir="2700000" algn="tl">
@@ -17595,6 +17954,7 @@
             </a:endParaRPr>
           </a:p>
           <a:p>
+            <a:pPr algn="ctr"/>
             <a:endParaRPr lang="pt-BR" sz="2000" b="1" i="1" u="sng" dirty="0">
               <a:effectLst>
                 <a:outerShdw blurRad="38100" dist="38100" dir="2700000" algn="tl">
@@ -17605,12 +17965,49 @@
               </a:effectLst>
             </a:endParaRPr>
           </a:p>
+          <a:p>
+            <a:pPr algn="ctr"/>
+            <a:r>
+              <a:rPr lang="pt-BR" sz="2000" b="1" i="1" u="sng" dirty="0">
+                <a:effectLst>
+                  <a:outerShdw blurRad="38100" dist="38100" dir="2700000" algn="tl">
+                    <a:srgbClr val="000000">
+                      <a:alpha val="43137"/>
+                    </a:srgbClr>
+                  </a:outerShdw>
+                </a:effectLst>
+                <a:hlinkClick r:id="rId2"/>
+              </a:rPr>
+              <a:t>https://labs.play-with-docker.com/</a:t>
+            </a:r>
+            <a:endParaRPr lang="pt-BR" sz="2000" b="1" i="1" u="sng" dirty="0">
+              <a:effectLst>
+                <a:outerShdw blurRad="38100" dist="38100" dir="2700000" algn="tl">
+                  <a:srgbClr val="000000">
+                    <a:alpha val="43137"/>
+                  </a:srgbClr>
+                </a:outerShdw>
+              </a:effectLst>
+            </a:endParaRPr>
+          </a:p>
+          <a:p>
+            <a:pPr algn="ctr"/>
+            <a:endParaRPr lang="pt-BR" sz="2000" b="1" i="1" u="sng" dirty="0">
+              <a:effectLst>
+                <a:outerShdw blurRad="38100" dist="38100" dir="2700000" algn="tl">
+                  <a:srgbClr val="000000">
+                    <a:alpha val="43137"/>
+                  </a:srgbClr>
+                </a:outerShdw>
+              </a:effectLst>
+            </a:endParaRPr>
+          </a:p>
         </p:txBody>
       </p:sp>
     </p:spTree>
     <p:extLst>
       <p:ext uri="{BB962C8B-B14F-4D97-AF65-F5344CB8AC3E}">
-        <p14:creationId xmlns:p14="http://schemas.microsoft.com/office/powerpoint/2010/main" val="3918615256"/>
+        <p14:creationId xmlns:p14="http://schemas.microsoft.com/office/powerpoint/2010/main" val="1859767705"/>
       </p:ext>
     </p:extLst>
   </p:cSld>
@@ -17681,7 +18078,7 @@
             <a:pPr algn="ctr"/>
             <a:r>
               <a:rPr lang="pt-BR" sz="2800" b="1" dirty="0"/>
-              <a:t>Diferença entre Imagens e Containers</a:t>
+              <a:t>Tecnologias Docker</a:t>
             </a:r>
           </a:p>
         </p:txBody>
@@ -17872,9 +18269,95 @@
             </a:lvl9pPr>
           </a:lstStyle>
           <a:p>
-            <a:pPr marL="0" indent="0">
-              <a:buNone/>
-            </a:pPr>
+            <a:r>
+              <a:rPr lang="pt-BR" sz="2000" b="1" dirty="0"/>
+              <a:t>Docker </a:t>
+            </a:r>
+            <a:r>
+              <a:rPr lang="pt-BR" sz="2000" b="1" dirty="0" err="1"/>
+              <a:t>Compose</a:t>
+            </a:r>
+            <a:r>
+              <a:rPr lang="pt-BR" sz="2000" b="1" dirty="0"/>
+              <a:t> –</a:t>
+            </a:r>
+            <a:r>
+              <a:rPr lang="pt-BR" sz="2000" dirty="0"/>
+              <a:t> uma forma simples de orquestrar múltiplos containers.</a:t>
+            </a:r>
+          </a:p>
+          <a:p>
+            <a:endParaRPr lang="pt-BR" sz="2000" b="1" dirty="0"/>
+          </a:p>
+          <a:p>
+            <a:r>
+              <a:rPr lang="pt-BR" sz="2000" b="1" dirty="0"/>
+              <a:t>Docker </a:t>
+            </a:r>
+            <a:r>
+              <a:rPr lang="pt-BR" sz="2000" b="1" dirty="0" err="1"/>
+              <a:t>Swarm</a:t>
+            </a:r>
+            <a:r>
+              <a:rPr lang="pt-BR" sz="2000" b="1" dirty="0"/>
+              <a:t> –</a:t>
+            </a:r>
+            <a:r>
+              <a:rPr lang="pt-BR" sz="2000" dirty="0"/>
+              <a:t> uma ferramenta para colocar múltiplos </a:t>
+            </a:r>
+            <a:r>
+              <a:rPr lang="pt-BR" sz="2000" dirty="0" err="1"/>
+              <a:t>docker</a:t>
+            </a:r>
+            <a:r>
+              <a:rPr lang="pt-BR" sz="2000" dirty="0"/>
+              <a:t> </a:t>
+            </a:r>
+            <a:r>
+              <a:rPr lang="pt-BR" sz="2000" dirty="0" err="1"/>
+              <a:t>engines</a:t>
+            </a:r>
+            <a:r>
+              <a:rPr lang="pt-BR" sz="2000" dirty="0"/>
+              <a:t> para funcionarem juntos num cluster.</a:t>
+            </a:r>
+          </a:p>
+          <a:p>
+            <a:endParaRPr lang="pt-BR" sz="2000" b="1" dirty="0"/>
+          </a:p>
+          <a:p>
+            <a:r>
+              <a:rPr lang="pt-BR" sz="2000" b="1" dirty="0"/>
+              <a:t>Docker Hub –</a:t>
+            </a:r>
+            <a:r>
+              <a:rPr lang="pt-BR" sz="2000" dirty="0"/>
+              <a:t> um repositório com mais de 250 mil imagens diferentes para os nossos containers.</a:t>
+            </a:r>
+          </a:p>
+          <a:p>
+            <a:endParaRPr lang="pt-BR" sz="2000" dirty="0"/>
+          </a:p>
+          <a:p>
+            <a:r>
+              <a:rPr lang="pt-BR" sz="2000" b="1" dirty="0"/>
+              <a:t>Docker </a:t>
+            </a:r>
+            <a:r>
+              <a:rPr lang="pt-BR" sz="2000" b="1" dirty="0" err="1"/>
+              <a:t>Machine</a:t>
+            </a:r>
+            <a:r>
+              <a:rPr lang="pt-BR" sz="2000" b="1" dirty="0"/>
+              <a:t> –</a:t>
+            </a:r>
+            <a:r>
+              <a:rPr lang="pt-BR" sz="2000" dirty="0"/>
+              <a:t> uma ferramenta que nos permite gerenciar o Docker num Host Virtual.</a:t>
+            </a:r>
+          </a:p>
+          <a:p>
             <a:endParaRPr lang="pt-BR" sz="2000" dirty="0"/>
           </a:p>
         </p:txBody>
@@ -18071,267 +18554,101 @@
       </p:sp>
       <p:sp>
         <p:nvSpPr>
-          <p:cNvPr id="3" name="CaixaDeTexto 2"/>
-          <p:cNvSpPr txBox="1"/>
+          <p:cNvPr id="7" name="Retângulo 6"/>
+          <p:cNvSpPr/>
           <p:nvPr/>
         </p:nvSpPr>
         <p:spPr>
           <a:xfrm>
-            <a:off x="653084" y="2150243"/>
-            <a:ext cx="11396959" cy="2554545"/>
-          </a:xfrm>
-          <a:prstGeom prst="rect">
-            <a:avLst/>
-          </a:prstGeom>
-          <a:noFill/>
-        </p:spPr>
-        <p:txBody>
-          <a:bodyPr wrap="square" rtlCol="0">
-            <a:spAutoFit/>
-          </a:bodyPr>
-          <a:lstStyle/>
-          <a:p>
-            <a:r>
-              <a:rPr lang="pt-BR" sz="1600" dirty="0"/>
-              <a:t>A </a:t>
-            </a:r>
-            <a:r>
-              <a:rPr lang="pt-BR" sz="1600" b="1" dirty="0"/>
-              <a:t>imagem</a:t>
-            </a:r>
-            <a:r>
-              <a:rPr lang="pt-BR" sz="1600" dirty="0"/>
-              <a:t> é como se fosse uma receita de bolo, uma série de instruções que o </a:t>
-            </a:r>
-            <a:r>
-              <a:rPr lang="pt-BR" sz="1600" dirty="0" err="1"/>
-              <a:t>Docker</a:t>
-            </a:r>
-            <a:r>
-              <a:rPr lang="pt-BR" sz="1600" dirty="0"/>
-              <a:t> seguirá para criar um </a:t>
-            </a:r>
-            <a:r>
-              <a:rPr lang="pt-BR" sz="1600" b="1" i="1" dirty="0"/>
-              <a:t>container</a:t>
-            </a:r>
-            <a:r>
-              <a:rPr lang="pt-BR" sz="1600" dirty="0"/>
-              <a:t>, que irá conter as instruções da imagem.</a:t>
-            </a:r>
-          </a:p>
-          <a:p>
-            <a:endParaRPr lang="pt-BR" sz="1600" dirty="0"/>
-          </a:p>
-          <a:p>
-            <a:pPr marL="285750" indent="-285750">
-              <a:buFont typeface="Wingdings" panose="05000000000000000000" pitchFamily="2" charset="2"/>
-              <a:buChar char="Ø"/>
-            </a:pPr>
-            <a:r>
-              <a:rPr lang="pt-BR" sz="1600" dirty="0" err="1"/>
-              <a:t>docker</a:t>
-            </a:r>
-            <a:r>
-              <a:rPr lang="pt-BR" sz="1600" dirty="0"/>
-              <a:t> </a:t>
-            </a:r>
-            <a:r>
-              <a:rPr lang="pt-BR" sz="1600" dirty="0" err="1"/>
-              <a:t>ps</a:t>
-            </a:r>
-            <a:r>
-              <a:rPr lang="pt-BR" sz="1600" dirty="0"/>
-              <a:t> –a</a:t>
-            </a:r>
-          </a:p>
-          <a:p>
-            <a:endParaRPr lang="pt-BR" sz="1600" dirty="0"/>
-          </a:p>
-          <a:p>
-            <a:r>
-              <a:rPr lang="pt-BR" sz="1600" dirty="0"/>
-              <a:t>CONTAINER ID    IMAGE         COMMAND       CREATED         STATUS                     		PORTS     NAMES</a:t>
-            </a:r>
-          </a:p>
-          <a:p>
-            <a:r>
-              <a:rPr lang="pt-BR" sz="1600" dirty="0"/>
-              <a:t>4139842e283a    </a:t>
-            </a:r>
-            <a:r>
-              <a:rPr lang="pt-BR" sz="1600" dirty="0" err="1"/>
-              <a:t>ubuntu</a:t>
-            </a:r>
-            <a:r>
-              <a:rPr lang="pt-BR" sz="1600" dirty="0"/>
-              <a:t>        "/bin/</a:t>
-            </a:r>
-            <a:r>
-              <a:rPr lang="pt-BR" sz="1600" dirty="0" err="1"/>
-              <a:t>bash</a:t>
-            </a:r>
-            <a:r>
-              <a:rPr lang="pt-BR" sz="1600" dirty="0"/>
-              <a:t>"   3 minutes </a:t>
-            </a:r>
-            <a:r>
-              <a:rPr lang="pt-BR" sz="1600" dirty="0" err="1"/>
-              <a:t>ago</a:t>
-            </a:r>
-            <a:r>
-              <a:rPr lang="pt-BR" sz="1600" dirty="0"/>
-              <a:t>    </a:t>
-            </a:r>
-            <a:r>
-              <a:rPr lang="pt-BR" sz="1600" dirty="0" err="1"/>
-              <a:t>Exited</a:t>
-            </a:r>
-            <a:r>
-              <a:rPr lang="pt-BR" sz="1600" dirty="0"/>
-              <a:t> (0) 3 minutes </a:t>
-            </a:r>
-            <a:r>
-              <a:rPr lang="pt-BR" sz="1600" dirty="0" err="1"/>
-              <a:t>ago</a:t>
-            </a:r>
-            <a:r>
-              <a:rPr lang="pt-BR" sz="1600" dirty="0"/>
-              <a:t>          		</a:t>
-            </a:r>
-            <a:r>
-              <a:rPr lang="pt-BR" sz="1600" dirty="0" err="1"/>
-              <a:t>elastic_albattani</a:t>
-            </a:r>
-            <a:endParaRPr lang="pt-BR" sz="1600" dirty="0"/>
-          </a:p>
-          <a:p>
-            <a:r>
-              <a:rPr lang="pt-BR" sz="1600" dirty="0"/>
-              <a:t>c1a155091114    </a:t>
-            </a:r>
-            <a:r>
-              <a:rPr lang="pt-BR" sz="1600" dirty="0" err="1"/>
-              <a:t>hello</a:t>
-            </a:r>
-            <a:r>
-              <a:rPr lang="pt-BR" sz="1600" dirty="0"/>
-              <a:t>-world   "/</a:t>
-            </a:r>
-            <a:r>
-              <a:rPr lang="pt-BR" sz="1600" dirty="0" err="1"/>
-              <a:t>hello</a:t>
-            </a:r>
-            <a:r>
-              <a:rPr lang="pt-BR" sz="1600" dirty="0"/>
-              <a:t>"        4 </a:t>
-            </a:r>
-            <a:r>
-              <a:rPr lang="pt-BR" sz="1600" dirty="0" err="1"/>
-              <a:t>days</a:t>
-            </a:r>
-            <a:r>
-              <a:rPr lang="pt-BR" sz="1600" dirty="0"/>
-              <a:t> </a:t>
-            </a:r>
-            <a:r>
-              <a:rPr lang="pt-BR" sz="1600" dirty="0" err="1"/>
-              <a:t>ago</a:t>
-            </a:r>
-            <a:r>
-              <a:rPr lang="pt-BR" sz="1600" dirty="0"/>
-              <a:t>          </a:t>
-            </a:r>
-            <a:r>
-              <a:rPr lang="pt-BR" sz="1600" dirty="0" err="1"/>
-              <a:t>Exited</a:t>
-            </a:r>
-            <a:r>
-              <a:rPr lang="pt-BR" sz="1600" dirty="0"/>
-              <a:t> (0) 4 </a:t>
-            </a:r>
-            <a:r>
-              <a:rPr lang="pt-BR" sz="1600" dirty="0" err="1"/>
-              <a:t>days</a:t>
-            </a:r>
-            <a:r>
-              <a:rPr lang="pt-BR" sz="1600" dirty="0"/>
-              <a:t> </a:t>
-            </a:r>
-            <a:r>
-              <a:rPr lang="pt-BR" sz="1600" dirty="0" err="1"/>
-              <a:t>ago</a:t>
-            </a:r>
-            <a:r>
-              <a:rPr lang="pt-BR" sz="1600" dirty="0"/>
-              <a:t>                		</a:t>
-            </a:r>
-            <a:r>
-              <a:rPr lang="pt-BR" sz="1600" dirty="0" err="1"/>
-              <a:t>nifty_mcclintock</a:t>
-            </a:r>
-            <a:endParaRPr lang="pt-BR" sz="1600" dirty="0"/>
-          </a:p>
-          <a:p>
-            <a:endParaRPr lang="pt-BR" sz="1600" dirty="0"/>
-          </a:p>
-          <a:p>
-            <a:endParaRPr lang="pt-BR" sz="1600" dirty="0"/>
-          </a:p>
-        </p:txBody>
-      </p:sp>
-      <p:pic>
-        <p:nvPicPr>
-          <p:cNvPr id="2" name="Imagem 1"/>
-          <p:cNvPicPr>
-            <a:picLocks noChangeAspect="1"/>
-          </p:cNvPicPr>
-          <p:nvPr/>
-        </p:nvPicPr>
-        <p:blipFill>
-          <a:blip r:embed="rId2"/>
-          <a:stretch>
-            <a:fillRect/>
-          </a:stretch>
-        </p:blipFill>
-        <p:spPr>
-          <a:xfrm>
-            <a:off x="3940168" y="637340"/>
-            <a:ext cx="3257442" cy="1499520"/>
+            <a:off x="1898468" y="4964752"/>
+            <a:ext cx="7820297" cy="1323439"/>
           </a:xfrm>
           <a:prstGeom prst="rect">
             <a:avLst/>
           </a:prstGeom>
         </p:spPr>
-      </p:pic>
-      <p:pic>
-        <p:nvPicPr>
-          <p:cNvPr id="7" name="Imagem 6"/>
-          <p:cNvPicPr>
-            <a:picLocks noChangeAspect="1"/>
-          </p:cNvPicPr>
-          <p:nvPr/>
-        </p:nvPicPr>
-        <p:blipFill>
-          <a:blip r:embed="rId3"/>
-          <a:stretch>
-            <a:fillRect/>
-          </a:stretch>
-        </p:blipFill>
-        <p:spPr>
-          <a:xfrm>
-            <a:off x="3040761" y="4509054"/>
-            <a:ext cx="5695950" cy="1428750"/>
-          </a:xfrm>
-          <a:prstGeom prst="rect">
-            <a:avLst/>
-          </a:prstGeom>
-        </p:spPr>
-      </p:pic>
+        <p:txBody>
+          <a:bodyPr wrap="square">
+            <a:spAutoFit/>
+          </a:bodyPr>
+          <a:lstStyle/>
+          <a:p>
+            <a:endParaRPr lang="pt-BR" sz="2000" b="1" i="1" u="sng" dirty="0">
+              <a:effectLst>
+                <a:outerShdw blurRad="38100" dist="38100" dir="2700000" algn="tl">
+                  <a:srgbClr val="000000">
+                    <a:alpha val="43137"/>
+                  </a:srgbClr>
+                </a:outerShdw>
+              </a:effectLst>
+            </a:endParaRPr>
+          </a:p>
+          <a:p>
+            <a:r>
+              <a:rPr lang="pt-BR" sz="2000" b="1" i="1" u="sng" dirty="0">
+                <a:effectLst>
+                  <a:outerShdw blurRad="38100" dist="38100" dir="2700000" algn="tl">
+                    <a:srgbClr val="000000">
+                      <a:alpha val="43137"/>
+                    </a:srgbClr>
+                  </a:outerShdw>
+                </a:effectLst>
+              </a:rPr>
+              <a:t>O Docker é uma ferramenta Open </a:t>
+            </a:r>
+            <a:r>
+              <a:rPr lang="pt-BR" sz="2000" b="1" i="1" u="sng" dirty="0" err="1">
+                <a:effectLst>
+                  <a:outerShdw blurRad="38100" dist="38100" dir="2700000" algn="tl">
+                    <a:srgbClr val="000000">
+                      <a:alpha val="43137"/>
+                    </a:srgbClr>
+                  </a:outerShdw>
+                </a:effectLst>
+              </a:rPr>
+              <a:t>Source</a:t>
+            </a:r>
+            <a:r>
+              <a:rPr lang="pt-BR" sz="2000" b="1" i="1" u="sng" dirty="0">
+                <a:effectLst>
+                  <a:outerShdw blurRad="38100" dist="38100" dir="2700000" algn="tl">
+                    <a:srgbClr val="000000">
+                      <a:alpha val="43137"/>
+                    </a:srgbClr>
+                  </a:outerShdw>
+                </a:effectLst>
+              </a:rPr>
+              <a:t> mantida pela Docker, Inc.</a:t>
+            </a:r>
+          </a:p>
+          <a:p>
+            <a:endParaRPr lang="pt-BR" sz="2000" b="1" i="1" u="sng" dirty="0">
+              <a:effectLst>
+                <a:outerShdw blurRad="38100" dist="38100" dir="2700000" algn="tl">
+                  <a:srgbClr val="000000">
+                    <a:alpha val="43137"/>
+                  </a:srgbClr>
+                </a:outerShdw>
+              </a:effectLst>
+            </a:endParaRPr>
+          </a:p>
+          <a:p>
+            <a:endParaRPr lang="pt-BR" sz="2000" b="1" i="1" u="sng" dirty="0">
+              <a:effectLst>
+                <a:outerShdw blurRad="38100" dist="38100" dir="2700000" algn="tl">
+                  <a:srgbClr val="000000">
+                    <a:alpha val="43137"/>
+                  </a:srgbClr>
+                </a:outerShdw>
+              </a:effectLst>
+            </a:endParaRPr>
+          </a:p>
+        </p:txBody>
+      </p:sp>
     </p:spTree>
     <p:extLst>
       <p:ext uri="{BB962C8B-B14F-4D97-AF65-F5344CB8AC3E}">
-        <p14:creationId xmlns:p14="http://schemas.microsoft.com/office/powerpoint/2010/main" val="665658361"/>
+        <p14:creationId xmlns:p14="http://schemas.microsoft.com/office/powerpoint/2010/main" val="3918615256"/>
       </p:ext>
     </p:extLst>
   </p:cSld>

--- a/docs/docker-resumo.pptx
+++ b/docs/docker-resumo.pptx
@@ -5,7 +5,7 @@
     <p:sldMasterId id="2147483648" r:id="rId1"/>
   </p:sldMasterIdLst>
   <p:notesMasterIdLst>
-    <p:notesMasterId r:id="rId37"/>
+    <p:notesMasterId r:id="rId38"/>
   </p:notesMasterIdLst>
   <p:sldIdLst>
     <p:sldId id="256" r:id="rId2"/>
@@ -20,29 +20,30 @@
     <p:sldId id="319" r:id="rId11"/>
     <p:sldId id="291" r:id="rId12"/>
     <p:sldId id="295" r:id="rId13"/>
-    <p:sldId id="292" r:id="rId14"/>
-    <p:sldId id="296" r:id="rId15"/>
-    <p:sldId id="297" r:id="rId16"/>
-    <p:sldId id="293" r:id="rId17"/>
-    <p:sldId id="298" r:id="rId18"/>
-    <p:sldId id="316" r:id="rId19"/>
-    <p:sldId id="300" r:id="rId20"/>
-    <p:sldId id="294" r:id="rId21"/>
-    <p:sldId id="301" r:id="rId22"/>
-    <p:sldId id="302" r:id="rId23"/>
-    <p:sldId id="313" r:id="rId24"/>
-    <p:sldId id="303" r:id="rId25"/>
-    <p:sldId id="281" r:id="rId26"/>
-    <p:sldId id="306" r:id="rId27"/>
-    <p:sldId id="304" r:id="rId28"/>
-    <p:sldId id="309" r:id="rId29"/>
-    <p:sldId id="310" r:id="rId30"/>
-    <p:sldId id="307" r:id="rId31"/>
-    <p:sldId id="305" r:id="rId32"/>
-    <p:sldId id="312" r:id="rId33"/>
-    <p:sldId id="311" r:id="rId34"/>
-    <p:sldId id="308" r:id="rId35"/>
-    <p:sldId id="285" r:id="rId36"/>
+    <p:sldId id="320" r:id="rId14"/>
+    <p:sldId id="292" r:id="rId15"/>
+    <p:sldId id="296" r:id="rId16"/>
+    <p:sldId id="297" r:id="rId17"/>
+    <p:sldId id="293" r:id="rId18"/>
+    <p:sldId id="298" r:id="rId19"/>
+    <p:sldId id="316" r:id="rId20"/>
+    <p:sldId id="300" r:id="rId21"/>
+    <p:sldId id="294" r:id="rId22"/>
+    <p:sldId id="301" r:id="rId23"/>
+    <p:sldId id="302" r:id="rId24"/>
+    <p:sldId id="313" r:id="rId25"/>
+    <p:sldId id="303" r:id="rId26"/>
+    <p:sldId id="281" r:id="rId27"/>
+    <p:sldId id="306" r:id="rId28"/>
+    <p:sldId id="304" r:id="rId29"/>
+    <p:sldId id="309" r:id="rId30"/>
+    <p:sldId id="310" r:id="rId31"/>
+    <p:sldId id="307" r:id="rId32"/>
+    <p:sldId id="305" r:id="rId33"/>
+    <p:sldId id="312" r:id="rId34"/>
+    <p:sldId id="311" r:id="rId35"/>
+    <p:sldId id="308" r:id="rId36"/>
+    <p:sldId id="285" r:id="rId37"/>
   </p:sldIdLst>
   <p:sldSz cx="12192000" cy="6858000"/>
   <p:notesSz cx="6858000" cy="9144000"/>
@@ -231,7 +232,7 @@
           <a:p>
             <a:fld id="{00303553-004A-4AC0-97DD-6833C5CCC6AB}" type="datetimeFigureOut">
               <a:rPr lang="pt-BR" smtClean="0"/>
-              <a:t>17/12/2019</a:t>
+              <a:t>17/08/2023</a:t>
             </a:fld>
             <a:endParaRPr lang="pt-BR"/>
           </a:p>
@@ -295,38 +296,37 @@
           <a:p>
             <a:pPr lvl="0"/>
             <a:r>
-              <a:rPr lang="pt-BR" smtClean="0"/>
+              <a:rPr lang="pt-BR"/>
               <a:t>Editar estilos de texto Mestre</a:t>
             </a:r>
           </a:p>
           <a:p>
             <a:pPr lvl="1"/>
             <a:r>
-              <a:rPr lang="pt-BR" smtClean="0"/>
+              <a:rPr lang="pt-BR"/>
               <a:t>Segundo nível</a:t>
             </a:r>
           </a:p>
           <a:p>
             <a:pPr lvl="2"/>
             <a:r>
-              <a:rPr lang="pt-BR" smtClean="0"/>
+              <a:rPr lang="pt-BR"/>
               <a:t>Terceiro nível</a:t>
             </a:r>
           </a:p>
           <a:p>
             <a:pPr lvl="3"/>
             <a:r>
-              <a:rPr lang="pt-BR" smtClean="0"/>
+              <a:rPr lang="pt-BR"/>
               <a:t>Quarto nível</a:t>
             </a:r>
           </a:p>
           <a:p>
             <a:pPr lvl="4"/>
             <a:r>
-              <a:rPr lang="pt-BR" smtClean="0"/>
+              <a:rPr lang="pt-BR"/>
               <a:t>Quinto nível</a:t>
             </a:r>
-            <a:endParaRPr lang="pt-BR"/>
           </a:p>
         </p:txBody>
       </p:sp>
@@ -648,7 +648,7 @@
           <a:p>
             <a:fld id="{E99F75BA-2413-497C-9A18-77E2B7FB0011}" type="slidenum">
               <a:rPr lang="pt-BR" smtClean="0"/>
-              <a:t>13</a:t>
+              <a:t>14</a:t>
             </a:fld>
             <a:endParaRPr lang="pt-BR"/>
           </a:p>
@@ -729,7 +729,7 @@
               <a:defRPr/>
             </a:pPr>
             <a:r>
-              <a:rPr lang="pt-BR" dirty="0" smtClean="0"/>
+              <a:rPr lang="pt-BR" dirty="0"/>
               <a:t>Economia de Espaço, porque uma imagem base pode ser reaproveitada em vários containers</a:t>
             </a:r>
           </a:p>
@@ -755,7 +755,7 @@
           <a:p>
             <a:fld id="{E99F75BA-2413-497C-9A18-77E2B7FB0011}" type="slidenum">
               <a:rPr lang="pt-BR" smtClean="0"/>
-              <a:t>14</a:t>
+              <a:t>15</a:t>
             </a:fld>
             <a:endParaRPr lang="pt-BR"/>
           </a:p>
@@ -822,7 +822,7 @@
               <a:buNone/>
             </a:pPr>
             <a:r>
-              <a:rPr lang="pt-BR" sz="1800" dirty="0" smtClean="0"/>
+              <a:rPr lang="pt-BR" sz="1800" dirty="0"/>
               <a:t>Rodar a primeira vez sem o -d</a:t>
             </a:r>
           </a:p>
@@ -831,7 +831,7 @@
               <a:buNone/>
             </a:pPr>
             <a:r>
-              <a:rPr lang="pt-BR" sz="1800" dirty="0" smtClean="0"/>
+              <a:rPr lang="pt-BR" sz="1800" dirty="0"/>
               <a:t>Observações: </a:t>
             </a:r>
           </a:p>
@@ -840,27 +840,27 @@
               <a:buNone/>
             </a:pPr>
             <a:r>
-              <a:rPr lang="pt-BR" sz="1800" dirty="0" smtClean="0"/>
+              <a:rPr lang="pt-BR" sz="1800" dirty="0"/>
               <a:t>	</a:t>
             </a:r>
             <a:r>
-              <a:rPr lang="pt-BR" sz="1400" dirty="0" smtClean="0"/>
+              <a:rPr lang="pt-BR" sz="1400" dirty="0"/>
               <a:t>Essa imagem não é uma imagem “oficial” e por isso, precisa colocar um </a:t>
             </a:r>
             <a:r>
-              <a:rPr lang="pt-BR" sz="1400" i="1" dirty="0" err="1" smtClean="0"/>
+              <a:rPr lang="pt-BR" sz="1400" i="1" dirty="0" err="1"/>
               <a:t>username</a:t>
             </a:r>
             <a:r>
-              <a:rPr lang="pt-BR" sz="1400" dirty="0" smtClean="0"/>
+              <a:rPr lang="pt-BR" sz="1400" dirty="0"/>
               <a:t> para ser baixada que no caso é </a:t>
             </a:r>
             <a:r>
-              <a:rPr lang="pt-BR" sz="1400" u="sng" dirty="0" err="1" smtClean="0"/>
+              <a:rPr lang="pt-BR" sz="1400" u="sng" dirty="0" err="1"/>
               <a:t>dockersamples</a:t>
             </a:r>
             <a:r>
-              <a:rPr lang="pt-BR" sz="1400" u="sng" dirty="0" smtClean="0"/>
+              <a:rPr lang="pt-BR" sz="1400" u="sng" dirty="0"/>
               <a:t>. </a:t>
             </a:r>
           </a:p>
@@ -869,31 +869,31 @@
               <a:buNone/>
             </a:pPr>
             <a:r>
-              <a:rPr lang="pt-BR" sz="1400" dirty="0" smtClean="0"/>
+              <a:rPr lang="pt-BR" sz="1400" dirty="0"/>
               <a:t>	Essa imagem executará um Servidor Web e por isso segurará o </a:t>
             </a:r>
             <a:r>
-              <a:rPr lang="pt-BR" sz="1400" dirty="0" err="1" smtClean="0"/>
+              <a:rPr lang="pt-BR" sz="1400" dirty="0" err="1"/>
               <a:t>prompt</a:t>
             </a:r>
             <a:r>
-              <a:rPr lang="pt-BR" sz="1400" dirty="0" smtClean="0"/>
+              <a:rPr lang="pt-BR" sz="1400" dirty="0"/>
               <a:t> do comando. Para isso não acontecer, você precisa executar no modo </a:t>
             </a:r>
             <a:r>
-              <a:rPr lang="pt-BR" sz="1400" dirty="0" err="1" smtClean="0"/>
+              <a:rPr lang="pt-BR" sz="1400" dirty="0" err="1"/>
               <a:t>detached</a:t>
             </a:r>
             <a:r>
-              <a:rPr lang="pt-BR" sz="1400" dirty="0" smtClean="0"/>
+              <a:rPr lang="pt-BR" sz="1400" dirty="0"/>
               <a:t>, passando a </a:t>
             </a:r>
             <a:r>
-              <a:rPr lang="pt-BR" sz="1400" dirty="0" err="1" smtClean="0"/>
+              <a:rPr lang="pt-BR" sz="1400" dirty="0" err="1"/>
               <a:t>Flag</a:t>
             </a:r>
             <a:r>
-              <a:rPr lang="pt-BR" sz="1400" dirty="0" smtClean="0"/>
+              <a:rPr lang="pt-BR" sz="1400" dirty="0"/>
               <a:t> “-d” </a:t>
             </a:r>
           </a:p>
@@ -919,7 +919,7 @@
           <a:p>
             <a:fld id="{E99F75BA-2413-497C-9A18-77E2B7FB0011}" type="slidenum">
               <a:rPr lang="pt-BR" smtClean="0"/>
-              <a:t>16</a:t>
+              <a:t>17</a:t>
             </a:fld>
             <a:endParaRPr lang="pt-BR"/>
           </a:p>
@@ -983,56 +983,56 @@
           <a:lstStyle/>
           <a:p>
             <a:r>
-              <a:rPr lang="pt-BR" dirty="0" smtClean="0"/>
+              <a:rPr lang="pt-BR" dirty="0"/>
               <a:t> </a:t>
             </a:r>
             <a:r>
-              <a:rPr lang="pt-BR" dirty="0" err="1" smtClean="0"/>
+              <a:rPr lang="pt-BR" dirty="0" err="1"/>
               <a:t>docker</a:t>
             </a:r>
             <a:r>
-              <a:rPr lang="pt-BR" dirty="0" smtClean="0"/>
+              <a:rPr lang="pt-BR" dirty="0"/>
               <a:t> </a:t>
             </a:r>
             <a:r>
-              <a:rPr lang="pt-BR" dirty="0" err="1" smtClean="0"/>
+              <a:rPr lang="pt-BR" dirty="0" err="1"/>
               <a:t>run</a:t>
             </a:r>
             <a:r>
-              <a:rPr lang="pt-BR" dirty="0" smtClean="0"/>
+              <a:rPr lang="pt-BR" dirty="0"/>
               <a:t> -d -P --</a:t>
             </a:r>
             <a:r>
-              <a:rPr lang="pt-BR" dirty="0" err="1" smtClean="0"/>
+              <a:rPr lang="pt-BR" dirty="0" err="1"/>
               <a:t>name</a:t>
             </a:r>
             <a:r>
-              <a:rPr lang="pt-BR" dirty="0" smtClean="0"/>
+              <a:rPr lang="pt-BR" dirty="0"/>
               <a:t> meu-site -e AUTHOR="Luciano Cordeiro" </a:t>
             </a:r>
             <a:r>
-              <a:rPr lang="pt-BR" dirty="0" err="1" smtClean="0"/>
+              <a:rPr lang="pt-BR" dirty="0" err="1"/>
               <a:t>dockersamples</a:t>
             </a:r>
             <a:r>
-              <a:rPr lang="pt-BR" dirty="0" smtClean="0"/>
+              <a:rPr lang="pt-BR" dirty="0"/>
               <a:t>/</a:t>
             </a:r>
             <a:r>
-              <a:rPr lang="pt-BR" dirty="0" err="1" smtClean="0"/>
+              <a:rPr lang="pt-BR" dirty="0" err="1"/>
               <a:t>static</a:t>
             </a:r>
             <a:r>
-              <a:rPr lang="pt-BR" dirty="0" smtClean="0"/>
+              <a:rPr lang="pt-BR" dirty="0"/>
               <a:t>-site</a:t>
             </a:r>
           </a:p>
           <a:p>
-            <a:endParaRPr lang="pt-BR" dirty="0" smtClean="0"/>
-          </a:p>
-          <a:p>
-            <a:r>
-              <a:rPr lang="de-DE" dirty="0" smtClean="0"/>
+            <a:endParaRPr lang="pt-BR" dirty="0"/>
+          </a:p>
+          <a:p>
+            <a:r>
+              <a:rPr lang="de-DE" dirty="0"/>
               <a:t>docker stop -t 0 20f2</a:t>
             </a:r>
           </a:p>
@@ -1058,7 +1058,7 @@
           <a:p>
             <a:fld id="{E99F75BA-2413-497C-9A18-77E2B7FB0011}" type="slidenum">
               <a:rPr lang="pt-BR" smtClean="0"/>
-              <a:t>17</a:t>
+              <a:t>18</a:t>
             </a:fld>
             <a:endParaRPr lang="pt-BR"/>
           </a:p>
@@ -1139,114 +1139,102 @@
               <a:defRPr/>
             </a:pPr>
             <a:r>
-              <a:rPr lang="pt-BR" dirty="0" err="1" smtClean="0"/>
+              <a:rPr lang="pt-BR" dirty="0" err="1"/>
               <a:t>docker</a:t>
             </a:r>
             <a:r>
-              <a:rPr lang="pt-BR" dirty="0" smtClean="0"/>
+              <a:rPr lang="pt-BR" dirty="0"/>
               <a:t> </a:t>
             </a:r>
             <a:r>
-              <a:rPr lang="pt-BR" dirty="0" err="1" smtClean="0"/>
+              <a:rPr lang="pt-BR" dirty="0" err="1"/>
               <a:t>run</a:t>
             </a:r>
             <a:r>
-              <a:rPr lang="pt-BR" dirty="0" smtClean="0"/>
+              <a:rPr lang="pt-BR" dirty="0"/>
               <a:t> -d --</a:t>
             </a:r>
             <a:r>
-              <a:rPr lang="pt-BR" dirty="0" err="1" smtClean="0"/>
+              <a:rPr lang="pt-BR" dirty="0" err="1"/>
               <a:t>name</a:t>
             </a:r>
             <a:r>
-              <a:rPr lang="pt-BR" dirty="0" smtClean="0"/>
+              <a:rPr lang="pt-BR" dirty="0"/>
               <a:t> meu-</a:t>
             </a:r>
             <a:r>
-              <a:rPr lang="pt-BR" dirty="0" err="1" smtClean="0"/>
+              <a:rPr lang="pt-BR" dirty="0" err="1"/>
               <a:t>mysql</a:t>
             </a:r>
             <a:r>
-              <a:rPr lang="pt-BR" dirty="0" smtClean="0"/>
+              <a:rPr lang="pt-BR" dirty="0"/>
               <a:t> --network minha-rede -p 3306:3306 -e MYSQL_ROOT_PASSWORD=root -v "C:/Users/cyft/Downloads/DownloadsAlura/spring-learning/database:/var/lib/mysql" nexus.petrobras.com.br:5000/mysql:5.7.28</a:t>
             </a:r>
             <a:br>
-              <a:rPr lang="pt-BR" dirty="0" smtClean="0"/>
+              <a:rPr lang="pt-BR" dirty="0"/>
             </a:br>
-            <a:r>
-              <a:rPr lang="pt-BR" dirty="0" smtClean="0"/>
-              <a:t/>
-            </a:r>
             <a:br>
-              <a:rPr lang="pt-BR" dirty="0" smtClean="0"/>
+              <a:rPr lang="pt-BR" dirty="0"/>
             </a:br>
-            <a:r>
-              <a:rPr lang="pt-BR" dirty="0" smtClean="0"/>
-              <a:t/>
-            </a:r>
             <a:br>
-              <a:rPr lang="pt-BR" dirty="0" smtClean="0"/>
+              <a:rPr lang="pt-BR" dirty="0"/>
             </a:br>
             <a:r>
-              <a:rPr lang="pt-BR" dirty="0" err="1" smtClean="0"/>
+              <a:rPr lang="pt-BR" dirty="0" err="1"/>
               <a:t>docker</a:t>
             </a:r>
             <a:r>
-              <a:rPr lang="pt-BR" dirty="0" smtClean="0"/>
+              <a:rPr lang="pt-BR" dirty="0"/>
               <a:t> </a:t>
             </a:r>
             <a:r>
-              <a:rPr lang="pt-BR" dirty="0" err="1" smtClean="0"/>
+              <a:rPr lang="pt-BR" dirty="0" err="1"/>
               <a:t>run</a:t>
             </a:r>
             <a:r>
-              <a:rPr lang="pt-BR" dirty="0" smtClean="0"/>
+              <a:rPr lang="pt-BR" dirty="0"/>
               <a:t> --</a:t>
             </a:r>
             <a:r>
-              <a:rPr lang="pt-BR" dirty="0" err="1" smtClean="0"/>
+              <a:rPr lang="pt-BR" dirty="0" err="1"/>
               <a:t>name</a:t>
             </a:r>
             <a:r>
-              <a:rPr lang="pt-BR" dirty="0" smtClean="0"/>
+              <a:rPr lang="pt-BR" dirty="0"/>
               <a:t> </a:t>
             </a:r>
             <a:r>
-              <a:rPr lang="pt-BR" dirty="0" err="1" smtClean="0"/>
+              <a:rPr lang="pt-BR" dirty="0" err="1"/>
               <a:t>mysql-admin</a:t>
             </a:r>
             <a:r>
-              <a:rPr lang="pt-BR" dirty="0" smtClean="0"/>
+              <a:rPr lang="pt-BR" dirty="0"/>
               <a:t> --network minha-rede -e MYSQL_ROOT_PASSWORD=root -e PMA_HOST="meu-</a:t>
             </a:r>
             <a:r>
-              <a:rPr lang="pt-BR" dirty="0" err="1" smtClean="0"/>
+              <a:rPr lang="pt-BR" dirty="0" err="1"/>
               <a:t>mysql</a:t>
             </a:r>
             <a:r>
-              <a:rPr lang="pt-BR" dirty="0" smtClean="0"/>
+              <a:rPr lang="pt-BR" dirty="0"/>
               <a:t>" -e PMA_PORT=3306 -p 8083:80 -d nexus.petrobras.com.br:5000/</a:t>
             </a:r>
             <a:r>
-              <a:rPr lang="pt-BR" dirty="0" err="1" smtClean="0"/>
+              <a:rPr lang="pt-BR" dirty="0" err="1"/>
               <a:t>phpmyadmin</a:t>
             </a:r>
             <a:r>
-              <a:rPr lang="pt-BR" dirty="0" smtClean="0"/>
+              <a:rPr lang="pt-BR" dirty="0"/>
               <a:t>/</a:t>
             </a:r>
             <a:r>
-              <a:rPr lang="pt-BR" dirty="0" err="1" smtClean="0"/>
+              <a:rPr lang="pt-BR" dirty="0" err="1"/>
               <a:t>phpmyadmin</a:t>
             </a:r>
-            <a:r>
-              <a:rPr lang="pt-BR" dirty="0" smtClean="0"/>
-              <a:t/>
-            </a:r>
             <a:br>
-              <a:rPr lang="pt-BR" dirty="0" smtClean="0"/>
+              <a:rPr lang="pt-BR" dirty="0"/>
             </a:br>
-            <a:endParaRPr lang="pt-BR" dirty="0" smtClean="0"/>
+            <a:endParaRPr lang="pt-BR" dirty="0"/>
           </a:p>
           <a:p>
             <a:endParaRPr lang="pt-BR" dirty="0"/>
@@ -1270,7 +1258,7 @@
           <a:p>
             <a:fld id="{E99F75BA-2413-497C-9A18-77E2B7FB0011}" type="slidenum">
               <a:rPr lang="pt-BR" smtClean="0"/>
-              <a:t>18</a:t>
+              <a:t>19</a:t>
             </a:fld>
             <a:endParaRPr lang="pt-BR"/>
           </a:p>
@@ -1351,114 +1339,102 @@
               <a:defRPr/>
             </a:pPr>
             <a:r>
-              <a:rPr lang="pt-BR" dirty="0" err="1" smtClean="0"/>
+              <a:rPr lang="pt-BR" dirty="0" err="1"/>
               <a:t>docker</a:t>
             </a:r>
             <a:r>
-              <a:rPr lang="pt-BR" dirty="0" smtClean="0"/>
+              <a:rPr lang="pt-BR" dirty="0"/>
               <a:t> </a:t>
             </a:r>
             <a:r>
-              <a:rPr lang="pt-BR" dirty="0" err="1" smtClean="0"/>
+              <a:rPr lang="pt-BR" dirty="0" err="1"/>
               <a:t>run</a:t>
             </a:r>
             <a:r>
-              <a:rPr lang="pt-BR" dirty="0" smtClean="0"/>
+              <a:rPr lang="pt-BR" dirty="0"/>
               <a:t> -d --</a:t>
             </a:r>
             <a:r>
-              <a:rPr lang="pt-BR" dirty="0" err="1" smtClean="0"/>
+              <a:rPr lang="pt-BR" dirty="0" err="1"/>
               <a:t>name</a:t>
             </a:r>
             <a:r>
-              <a:rPr lang="pt-BR" dirty="0" smtClean="0"/>
+              <a:rPr lang="pt-BR" dirty="0"/>
               <a:t> meu-</a:t>
             </a:r>
             <a:r>
-              <a:rPr lang="pt-BR" dirty="0" err="1" smtClean="0"/>
+              <a:rPr lang="pt-BR" dirty="0" err="1"/>
               <a:t>mysql</a:t>
             </a:r>
             <a:r>
-              <a:rPr lang="pt-BR" dirty="0" smtClean="0"/>
+              <a:rPr lang="pt-BR" dirty="0"/>
               <a:t> --network minha-rede -p 3306:3306 -e MYSQL_ROOT_PASSWORD=root -v "C:/Users/cyft/Downloads/DownloadsAlura/spring-learning/database:/var/lib/mysql" nexus.petrobras.com.br:5000/mysql:5.7.28</a:t>
             </a:r>
             <a:br>
-              <a:rPr lang="pt-BR" dirty="0" smtClean="0"/>
+              <a:rPr lang="pt-BR" dirty="0"/>
             </a:br>
-            <a:r>
-              <a:rPr lang="pt-BR" dirty="0" smtClean="0"/>
-              <a:t/>
-            </a:r>
             <a:br>
-              <a:rPr lang="pt-BR" dirty="0" smtClean="0"/>
+              <a:rPr lang="pt-BR" dirty="0"/>
             </a:br>
-            <a:r>
-              <a:rPr lang="pt-BR" dirty="0" smtClean="0"/>
-              <a:t/>
-            </a:r>
             <a:br>
-              <a:rPr lang="pt-BR" dirty="0" smtClean="0"/>
+              <a:rPr lang="pt-BR" dirty="0"/>
             </a:br>
             <a:r>
-              <a:rPr lang="pt-BR" dirty="0" err="1" smtClean="0"/>
+              <a:rPr lang="pt-BR" dirty="0" err="1"/>
               <a:t>docker</a:t>
             </a:r>
             <a:r>
-              <a:rPr lang="pt-BR" dirty="0" smtClean="0"/>
+              <a:rPr lang="pt-BR" dirty="0"/>
               <a:t> </a:t>
             </a:r>
             <a:r>
-              <a:rPr lang="pt-BR" dirty="0" err="1" smtClean="0"/>
+              <a:rPr lang="pt-BR" dirty="0" err="1"/>
               <a:t>run</a:t>
             </a:r>
             <a:r>
-              <a:rPr lang="pt-BR" dirty="0" smtClean="0"/>
+              <a:rPr lang="pt-BR" dirty="0"/>
               <a:t> --</a:t>
             </a:r>
             <a:r>
-              <a:rPr lang="pt-BR" dirty="0" err="1" smtClean="0"/>
+              <a:rPr lang="pt-BR" dirty="0" err="1"/>
               <a:t>name</a:t>
             </a:r>
             <a:r>
-              <a:rPr lang="pt-BR" dirty="0" smtClean="0"/>
+              <a:rPr lang="pt-BR" dirty="0"/>
               <a:t> </a:t>
             </a:r>
             <a:r>
-              <a:rPr lang="pt-BR" dirty="0" err="1" smtClean="0"/>
+              <a:rPr lang="pt-BR" dirty="0" err="1"/>
               <a:t>mysql-admin</a:t>
             </a:r>
             <a:r>
-              <a:rPr lang="pt-BR" dirty="0" smtClean="0"/>
+              <a:rPr lang="pt-BR" dirty="0"/>
               <a:t> --network minha-rede -e MYSQL_ROOT_PASSWORD=root -e PMA_HOST="meu-</a:t>
             </a:r>
             <a:r>
-              <a:rPr lang="pt-BR" dirty="0" err="1" smtClean="0"/>
+              <a:rPr lang="pt-BR" dirty="0" err="1"/>
               <a:t>mysql</a:t>
             </a:r>
             <a:r>
-              <a:rPr lang="pt-BR" dirty="0" smtClean="0"/>
+              <a:rPr lang="pt-BR" dirty="0"/>
               <a:t>" -e PMA_PORT=3306 -p 8083:80 -d nexus.petrobras.com.br:5000/</a:t>
             </a:r>
             <a:r>
-              <a:rPr lang="pt-BR" dirty="0" err="1" smtClean="0"/>
+              <a:rPr lang="pt-BR" dirty="0" err="1"/>
               <a:t>phpmyadmin</a:t>
             </a:r>
             <a:r>
-              <a:rPr lang="pt-BR" dirty="0" smtClean="0"/>
+              <a:rPr lang="pt-BR" dirty="0"/>
               <a:t>/</a:t>
             </a:r>
             <a:r>
-              <a:rPr lang="pt-BR" dirty="0" err="1" smtClean="0"/>
+              <a:rPr lang="pt-BR" dirty="0" err="1"/>
               <a:t>phpmyadmin</a:t>
             </a:r>
-            <a:r>
-              <a:rPr lang="pt-BR" dirty="0" smtClean="0"/>
-              <a:t/>
-            </a:r>
             <a:br>
-              <a:rPr lang="pt-BR" dirty="0" smtClean="0"/>
+              <a:rPr lang="pt-BR" dirty="0"/>
             </a:br>
-            <a:endParaRPr lang="pt-BR" dirty="0" smtClean="0"/>
+            <a:endParaRPr lang="pt-BR" dirty="0"/>
           </a:p>
           <a:p>
             <a:endParaRPr lang="pt-BR" dirty="0"/>
@@ -1482,7 +1458,7 @@
           <a:p>
             <a:fld id="{E99F75BA-2413-497C-9A18-77E2B7FB0011}" type="slidenum">
               <a:rPr lang="pt-BR" smtClean="0"/>
-              <a:t>30</a:t>
+              <a:t>31</a:t>
             </a:fld>
             <a:endParaRPr lang="pt-BR"/>
           </a:p>
@@ -1546,45 +1522,45 @@
           <a:lstStyle/>
           <a:p>
             <a:r>
-              <a:rPr lang="pt-BR" dirty="0" smtClean="0"/>
+              <a:rPr lang="pt-BR" dirty="0"/>
               <a:t>Várias Máquinas</a:t>
             </a:r>
           </a:p>
           <a:p>
             <a:r>
-              <a:rPr lang="pt-BR" dirty="0" smtClean="0"/>
+              <a:rPr lang="pt-BR" dirty="0"/>
               <a:t>Vários Sistemas Operacionais</a:t>
             </a:r>
           </a:p>
           <a:p>
             <a:r>
-              <a:rPr lang="pt-BR" dirty="0" smtClean="0"/>
+              <a:rPr lang="pt-BR" dirty="0"/>
               <a:t>Custos com Energia</a:t>
             </a:r>
           </a:p>
           <a:p>
             <a:r>
-              <a:rPr lang="pt-BR" dirty="0" smtClean="0"/>
+              <a:rPr lang="pt-BR" dirty="0"/>
               <a:t>Custo de Manutenção</a:t>
             </a:r>
           </a:p>
           <a:p>
             <a:r>
-              <a:rPr lang="pt-BR" dirty="0" smtClean="0"/>
+              <a:rPr lang="pt-BR" dirty="0"/>
               <a:t>Velocidades lentas de </a:t>
             </a:r>
             <a:r>
-              <a:rPr lang="pt-BR" dirty="0" err="1" smtClean="0"/>
+              <a:rPr lang="pt-BR" dirty="0" err="1"/>
               <a:t>Deploy</a:t>
             </a:r>
             <a:r>
-              <a:rPr lang="pt-BR" dirty="0" smtClean="0"/>
+              <a:rPr lang="pt-BR" dirty="0"/>
               <a:t> </a:t>
             </a:r>
           </a:p>
           <a:p>
             <a:r>
-              <a:rPr lang="pt-BR" dirty="0" smtClean="0"/>
+              <a:rPr lang="pt-BR" dirty="0"/>
               <a:t>Capacidade pouco Aproveitada</a:t>
             </a:r>
           </a:p>
@@ -1674,7 +1650,7 @@
           <a:lstStyle/>
           <a:p>
             <a:r>
-              <a:rPr lang="pt-BR" sz="2000" dirty="0" smtClean="0"/>
+              <a:rPr lang="pt-BR" sz="2000" dirty="0"/>
               <a:t>Com isso deu-se origem aos Containers</a:t>
             </a:r>
           </a:p>
@@ -1764,55 +1740,51 @@
           <a:lstStyle/>
           <a:p>
             <a:r>
-              <a:rPr lang="pt-BR" dirty="0" smtClean="0"/>
+              <a:rPr lang="pt-BR" dirty="0"/>
               <a:t>Um container irá conter sua aplicação; </a:t>
             </a:r>
           </a:p>
           <a:p>
             <a:r>
-              <a:rPr lang="pt-BR" dirty="0" smtClean="0"/>
+              <a:rPr lang="pt-BR" dirty="0"/>
               <a:t>Muito leve subir ou parar um container;</a:t>
             </a:r>
           </a:p>
           <a:p>
-            <a:endParaRPr lang="pt-BR" dirty="0" smtClean="0"/>
-          </a:p>
-          <a:p>
-            <a:r>
-              <a:rPr lang="pt-BR" dirty="0" smtClean="0"/>
+            <a:endParaRPr lang="pt-BR" dirty="0"/>
+          </a:p>
+          <a:p>
+            <a:r>
+              <a:rPr lang="pt-BR" dirty="0"/>
               <a:t>O normal seria deixar como está instalando tudo na sua máquina</a:t>
             </a:r>
           </a:p>
           <a:p>
-            <a:endParaRPr lang="pt-BR" dirty="0" smtClean="0"/>
-          </a:p>
-          <a:p>
-            <a:r>
-              <a:rPr lang="pt-BR" dirty="0" smtClean="0"/>
+            <a:endParaRPr lang="pt-BR" dirty="0"/>
+          </a:p>
+          <a:p>
+            <a:r>
+              <a:rPr lang="pt-BR" dirty="0"/>
               <a:t>-</a:t>
             </a:r>
             <a:r>
-              <a:rPr lang="pt-BR" baseline="0" dirty="0" smtClean="0"/>
-              <a:t> Se travar uma aplicação, trava todo </a:t>
-            </a:r>
-            <a:r>
-              <a:rPr lang="pt-BR" baseline="0" dirty="0" smtClean="0"/>
-              <a:t>mundo. Uma query pesada .... Se tudo tiver na mesma máquina cai todo mundo junto. Por isso é importante ter essa separação. E essa separação </a:t>
-            </a:r>
-            <a:r>
-              <a:rPr lang="pt-BR" baseline="0" dirty="0" err="1" smtClean="0"/>
+              <a:rPr lang="pt-BR" baseline="0" dirty="0"/>
+              <a:t> Se travar uma aplicação, trava todo mundo. Uma query pesada .... Se tudo tiver na mesma máquina cai todo mundo junto. Por isso é importante ter essa separação. E essa separação </a:t>
+            </a:r>
+            <a:r>
+              <a:rPr lang="pt-BR" baseline="0" dirty="0" err="1"/>
               <a:t>vc</a:t>
             </a:r>
             <a:r>
-              <a:rPr lang="pt-BR" baseline="0" dirty="0" smtClean="0"/>
+              <a:rPr lang="pt-BR" baseline="0" dirty="0"/>
               <a:t> consegue com Containers e </a:t>
             </a:r>
             <a:r>
-              <a:rPr lang="pt-BR" baseline="0" dirty="0" err="1" smtClean="0"/>
+              <a:rPr lang="pt-BR" baseline="0" dirty="0" err="1"/>
               <a:t>VMs</a:t>
             </a:r>
             <a:r>
-              <a:rPr lang="pt-BR" baseline="0" dirty="0" smtClean="0"/>
+              <a:rPr lang="pt-BR" baseline="0" dirty="0"/>
               <a:t>, mas os containers com mais vantagens.</a:t>
             </a:r>
             <a:endParaRPr lang="pt-BR" dirty="0"/>
@@ -1900,33 +1872,33 @@
           <a:lstStyle/>
           <a:p>
             <a:r>
-              <a:rPr lang="pt-BR" dirty="0" smtClean="0"/>
+              <a:rPr lang="pt-BR" dirty="0"/>
               <a:t>Você pode fazer por exemplo refinos em questões de CPU e memória</a:t>
             </a:r>
           </a:p>
           <a:p>
-            <a:endParaRPr lang="pt-BR" dirty="0" smtClean="0"/>
-          </a:p>
-          <a:p>
-            <a:r>
-              <a:rPr lang="pt-BR" dirty="0" smtClean="0"/>
+            <a:endParaRPr lang="pt-BR" dirty="0"/>
+          </a:p>
+          <a:p>
+            <a:r>
+              <a:rPr lang="pt-BR" dirty="0"/>
               <a:t>Desvantagens:</a:t>
             </a:r>
           </a:p>
           <a:p>
             <a:r>
-              <a:rPr lang="pt-BR" sz="2000" dirty="0" smtClean="0"/>
+              <a:rPr lang="pt-BR" sz="2000" dirty="0"/>
               <a:t> - Divisão de recursos de hardware entre os containers</a:t>
             </a:r>
           </a:p>
           <a:p>
             <a:r>
-              <a:rPr lang="pt-BR" sz="2000" dirty="0" smtClean="0"/>
+              <a:rPr lang="pt-BR" sz="2000" dirty="0"/>
               <a:t> - Dificuldade na persistência dos dados</a:t>
             </a:r>
           </a:p>
           <a:p>
-            <a:endParaRPr lang="pt-BR" dirty="0" smtClean="0"/>
+            <a:endParaRPr lang="pt-BR" dirty="0"/>
           </a:p>
         </p:txBody>
       </p:sp>
@@ -2028,7 +2000,7 @@
               <a:defRPr/>
             </a:pPr>
             <a:r>
-              <a:rPr lang="pt-BR" sz="1200" b="1" i="0" kern="1200" dirty="0" err="1" smtClean="0">
+              <a:rPr lang="pt-BR" sz="1200" b="1" i="0" kern="1200" dirty="0" err="1">
                 <a:solidFill>
                   <a:schemeClr val="tx1"/>
                 </a:solidFill>
@@ -2040,7 +2012,7 @@
               <a:t>Docker</a:t>
             </a:r>
             <a:r>
-              <a:rPr lang="pt-BR" sz="1200" b="1" i="0" kern="1200" dirty="0" smtClean="0">
+              <a:rPr lang="pt-BR" sz="1200" b="1" i="0" kern="1200" dirty="0">
                 <a:solidFill>
                   <a:schemeClr val="tx1"/>
                 </a:solidFill>
@@ -2052,7 +2024,7 @@
               <a:t>, Inc.</a:t>
             </a:r>
             <a:r>
-              <a:rPr lang="pt-BR" sz="1200" b="0" i="0" kern="1200" dirty="0" smtClean="0">
+              <a:rPr lang="pt-BR" sz="1200" b="0" i="0" kern="1200" dirty="0">
                 <a:solidFill>
                   <a:schemeClr val="tx1"/>
                 </a:solidFill>
@@ -2064,7 +2036,7 @@
               <a:t>, que no início era chamada de </a:t>
             </a:r>
             <a:r>
-              <a:rPr lang="pt-BR" sz="1200" b="1" i="0" kern="1200" dirty="0" err="1" smtClean="0">
+              <a:rPr lang="pt-BR" sz="1200" b="1" i="0" kern="1200" dirty="0" err="1">
                 <a:solidFill>
                   <a:schemeClr val="tx1"/>
                 </a:solidFill>
@@ -2076,7 +2048,7 @@
               <a:t>dotCloud</a:t>
             </a:r>
             <a:r>
-              <a:rPr lang="pt-BR" sz="1200" b="0" i="0" kern="1200" dirty="0" smtClean="0">
+              <a:rPr lang="pt-BR" sz="1200" b="0" i="0" kern="1200" dirty="0">
                 <a:solidFill>
                   <a:schemeClr val="tx1"/>
                 </a:solidFill>
@@ -2088,7 +2060,7 @@
               <a:t>. A </a:t>
             </a:r>
             <a:r>
-              <a:rPr lang="pt-BR" sz="1200" b="1" i="0" kern="1200" dirty="0" err="1" smtClean="0">
+              <a:rPr lang="pt-BR" sz="1200" b="1" i="0" kern="1200" dirty="0" err="1">
                 <a:solidFill>
                   <a:schemeClr val="tx1"/>
                 </a:solidFill>
@@ -2100,7 +2072,7 @@
               <a:t>dotCloud</a:t>
             </a:r>
             <a:r>
-              <a:rPr lang="pt-BR" sz="1200" b="0" i="0" kern="1200" dirty="0" smtClean="0">
+              <a:rPr lang="pt-BR" sz="1200" b="0" i="0" kern="1200" dirty="0">
                 <a:solidFill>
                   <a:schemeClr val="tx1"/>
                 </a:solidFill>
@@ -2112,7 +2084,7 @@
               <a:t> era uma empresa de </a:t>
             </a:r>
             <a:r>
-              <a:rPr lang="pt-BR" sz="1200" b="1" i="0" kern="1200" dirty="0" err="1" smtClean="0">
+              <a:rPr lang="pt-BR" sz="1200" b="1" i="0" kern="1200" dirty="0" err="1">
                 <a:solidFill>
                   <a:schemeClr val="tx1"/>
                 </a:solidFill>
@@ -2124,7 +2096,7 @@
               <a:t>PaaS</a:t>
             </a:r>
             <a:r>
-              <a:rPr lang="pt-BR" sz="1200" b="0" i="0" kern="1200" dirty="0" smtClean="0">
+              <a:rPr lang="pt-BR" sz="1200" b="0" i="0" kern="1200" dirty="0">
                 <a:solidFill>
                   <a:schemeClr val="tx1"/>
                 </a:solidFill>
@@ -2136,7 +2108,7 @@
               <a:t> (</a:t>
             </a:r>
             <a:r>
-              <a:rPr lang="pt-BR" sz="1200" b="1" i="1" kern="1200" dirty="0" smtClean="0">
+              <a:rPr lang="pt-BR" sz="1200" b="1" i="1" kern="1200" dirty="0">
                 <a:solidFill>
                   <a:schemeClr val="tx1"/>
                 </a:solidFill>
@@ -2148,7 +2120,7 @@
               <a:t>P*</a:t>
             </a:r>
             <a:r>
-              <a:rPr lang="pt-BR" sz="1200" b="1" i="1" kern="1200" dirty="0" err="1" smtClean="0">
+              <a:rPr lang="pt-BR" sz="1200" b="1" i="1" kern="1200" dirty="0" err="1">
                 <a:solidFill>
                   <a:schemeClr val="tx1"/>
                 </a:solidFill>
@@ -2160,7 +2132,7 @@
               <a:t>latform</a:t>
             </a:r>
             <a:r>
-              <a:rPr lang="pt-BR" sz="1200" b="1" i="1" kern="1200" dirty="0" smtClean="0">
+              <a:rPr lang="pt-BR" sz="1200" b="1" i="1" kern="1200" dirty="0">
                 <a:solidFill>
                   <a:schemeClr val="tx1"/>
                 </a:solidFill>
@@ -2172,7 +2144,7 @@
               <a:t> *a</a:t>
             </a:r>
             <a:r>
-              <a:rPr lang="pt-BR" sz="1200" b="0" i="1" kern="1200" dirty="0" smtClean="0">
+              <a:rPr lang="pt-BR" sz="1200" b="0" i="1" kern="1200" dirty="0">
                 <a:solidFill>
                   <a:schemeClr val="tx1"/>
                 </a:solidFill>
@@ -2184,7 +2156,7 @@
               <a:t>s </a:t>
             </a:r>
             <a:r>
-              <a:rPr lang="pt-BR" sz="1200" b="1" i="1" kern="1200" dirty="0" smtClean="0">
+              <a:rPr lang="pt-BR" sz="1200" b="1" i="1" kern="1200" dirty="0">
                 <a:solidFill>
                   <a:schemeClr val="tx1"/>
                 </a:solidFill>
@@ -2196,7 +2168,7 @@
               <a:t>a** **S</a:t>
             </a:r>
             <a:r>
-              <a:rPr lang="pt-BR" sz="1200" b="0" i="1" kern="1200" dirty="0" smtClean="0">
+              <a:rPr lang="pt-BR" sz="1200" b="0" i="1" kern="1200" dirty="0">
                 <a:solidFill>
                   <a:schemeClr val="tx1"/>
                 </a:solidFill>
@@ -2208,7 +2180,7 @@
               <a:t>ervice</a:t>
             </a:r>
             <a:r>
-              <a:rPr lang="pt-BR" sz="1200" b="0" i="0" kern="1200" dirty="0" smtClean="0">
+              <a:rPr lang="pt-BR" sz="1200" b="0" i="0" kern="1200" dirty="0">
                 <a:solidFill>
                   <a:schemeClr val="tx1"/>
                 </a:solidFill>
@@ -2220,80 +2192,80 @@
               <a:t>). A</a:t>
             </a:r>
             <a:r>
-              <a:rPr lang="pt-BR" sz="1200" dirty="0" smtClean="0"/>
+              <a:rPr lang="pt-BR" sz="1200" dirty="0"/>
               <a:t> </a:t>
             </a:r>
             <a:r>
-              <a:rPr lang="pt-BR" sz="1200" b="1" dirty="0" err="1" smtClean="0"/>
+              <a:rPr lang="pt-BR" sz="1200" b="1" dirty="0" err="1"/>
               <a:t>Docker</a:t>
             </a:r>
             <a:r>
-              <a:rPr lang="pt-BR" sz="1200" b="1" dirty="0" smtClean="0"/>
+              <a:rPr lang="pt-BR" sz="1200" b="1" dirty="0"/>
               <a:t>, Inc. </a:t>
             </a:r>
             <a:r>
-              <a:rPr lang="pt-BR" sz="1200" dirty="0" smtClean="0"/>
+              <a:rPr lang="pt-BR" sz="1200" dirty="0"/>
               <a:t>é</a:t>
             </a:r>
             <a:r>
-              <a:rPr lang="pt-BR" sz="1200" b="1" dirty="0" smtClean="0"/>
+              <a:rPr lang="pt-BR" sz="1200" b="1" dirty="0"/>
               <a:t> </a:t>
             </a:r>
             <a:r>
-              <a:rPr lang="pt-BR" sz="1200" dirty="0" smtClean="0"/>
+              <a:rPr lang="pt-BR" sz="1200" dirty="0"/>
               <a:t>empresa que toma conta do </a:t>
             </a:r>
             <a:r>
-              <a:rPr lang="pt-BR" sz="1200" dirty="0" err="1" smtClean="0"/>
+              <a:rPr lang="pt-BR" sz="1200" dirty="0" err="1"/>
               <a:t>Docker</a:t>
             </a:r>
             <a:r>
-              <a:rPr lang="pt-BR" sz="1200" dirty="0" smtClean="0"/>
+              <a:rPr lang="pt-BR" sz="1200" dirty="0"/>
               <a:t> e a tecnologia dos </a:t>
             </a:r>
             <a:r>
-              <a:rPr lang="pt-BR" sz="1200" i="1" dirty="0" smtClean="0"/>
+              <a:rPr lang="pt-BR" sz="1200" i="1" dirty="0"/>
               <a:t>containers</a:t>
             </a:r>
             <a:r>
-              <a:rPr lang="pt-BR" sz="1200" dirty="0" smtClean="0"/>
+              <a:rPr lang="pt-BR" sz="1200" dirty="0"/>
               <a:t>. Como a </a:t>
             </a:r>
             <a:r>
-              <a:rPr lang="pt-BR" sz="1200" dirty="0" err="1" smtClean="0"/>
+              <a:rPr lang="pt-BR" sz="1200" dirty="0" err="1"/>
               <a:t>Heroku</a:t>
             </a:r>
             <a:r>
-              <a:rPr lang="pt-BR" sz="1200" dirty="0" smtClean="0"/>
+              <a:rPr lang="pt-BR" sz="1200" dirty="0"/>
               <a:t>; </a:t>
             </a:r>
             <a:r>
-              <a:rPr lang="pt-BR" sz="1200" dirty="0" err="1" smtClean="0"/>
+              <a:rPr lang="pt-BR" sz="1200" dirty="0" err="1"/>
               <a:t>Azure</a:t>
             </a:r>
             <a:r>
-              <a:rPr lang="pt-BR" sz="1200" dirty="0" smtClean="0"/>
+              <a:rPr lang="pt-BR" sz="1200" dirty="0"/>
               <a:t>; </a:t>
             </a:r>
             <a:r>
-              <a:rPr lang="pt-BR" sz="1200" dirty="0" err="1" smtClean="0"/>
+              <a:rPr lang="pt-BR" sz="1200" dirty="0" err="1"/>
               <a:t>google</a:t>
             </a:r>
             <a:r>
-              <a:rPr lang="pt-BR" sz="1200" dirty="0" smtClean="0"/>
+              <a:rPr lang="pt-BR" sz="1200" dirty="0"/>
               <a:t> </a:t>
             </a:r>
             <a:r>
-              <a:rPr lang="pt-BR" sz="1200" dirty="0" err="1" smtClean="0"/>
+              <a:rPr lang="pt-BR" sz="1200" dirty="0" err="1"/>
               <a:t>Cloud</a:t>
             </a:r>
             <a:r>
-              <a:rPr lang="pt-BR" sz="1200" dirty="0" smtClean="0"/>
+              <a:rPr lang="pt-BR" sz="1200" dirty="0"/>
               <a:t> Platform</a:t>
             </a:r>
           </a:p>
           <a:p>
-            <a:endParaRPr lang="pt-BR" sz="1200" b="0" i="0" kern="1200" dirty="0" smtClean="0">
+            <a:endParaRPr lang="pt-BR" sz="1200" b="0" i="0" kern="1200" dirty="0">
               <a:solidFill>
                 <a:schemeClr val="tx1"/>
               </a:solidFill>
@@ -2322,76 +2294,75 @@
               <a:defRPr/>
             </a:pPr>
             <a:r>
-              <a:rPr lang="pt-BR" sz="1200" dirty="0" smtClean="0"/>
+              <a:rPr lang="pt-BR" sz="1200" dirty="0"/>
               <a:t>O </a:t>
             </a:r>
             <a:r>
-              <a:rPr lang="pt-BR" sz="1200" b="1" dirty="0" err="1" smtClean="0"/>
+              <a:rPr lang="pt-BR" sz="1200" b="1" dirty="0" err="1"/>
               <a:t>Docker</a:t>
             </a:r>
             <a:r>
-              <a:rPr lang="pt-BR" sz="1200" dirty="0" smtClean="0"/>
+              <a:rPr lang="pt-BR" sz="1200" dirty="0"/>
               <a:t> nada mais é do que um conjunto de tecnologias para facilitar o </a:t>
             </a:r>
             <a:r>
-              <a:rPr lang="pt-BR" sz="1200" dirty="0" err="1" smtClean="0"/>
+              <a:rPr lang="pt-BR" sz="1200" dirty="0" err="1"/>
               <a:t>deploy</a:t>
             </a:r>
             <a:r>
-              <a:rPr lang="pt-BR" sz="1200" dirty="0" smtClean="0"/>
+              <a:rPr lang="pt-BR" sz="1200" dirty="0"/>
               <a:t> e a execução das nossas aplicações.</a:t>
             </a:r>
           </a:p>
           <a:p>
-            <a:endParaRPr lang="pt-BR" dirty="0" smtClean="0"/>
-          </a:p>
-          <a:p>
-            <a:endParaRPr lang="pt-BR" dirty="0" smtClean="0"/>
-          </a:p>
-          <a:p>
-            <a:r>
-              <a:rPr lang="pt-BR" dirty="0" err="1" smtClean="0"/>
+            <a:endParaRPr lang="pt-BR" dirty="0"/>
+          </a:p>
+          <a:p>
+            <a:endParaRPr lang="pt-BR" dirty="0"/>
+          </a:p>
+          <a:p>
+            <a:r>
+              <a:rPr lang="pt-BR" dirty="0" err="1"/>
               <a:t>docker</a:t>
             </a:r>
             <a:r>
-              <a:rPr lang="pt-BR" dirty="0" smtClean="0"/>
+              <a:rPr lang="pt-BR" dirty="0"/>
               <a:t> </a:t>
             </a:r>
             <a:r>
-              <a:rPr lang="pt-BR" dirty="0" err="1" smtClean="0"/>
+              <a:rPr lang="pt-BR" dirty="0" err="1"/>
               <a:t>version</a:t>
             </a:r>
-            <a:endParaRPr lang="pt-BR" dirty="0" smtClean="0"/>
-          </a:p>
-          <a:p>
-            <a:endParaRPr lang="pt-BR" dirty="0" smtClean="0"/>
-          </a:p>
-          <a:p>
-            <a:r>
-              <a:rPr lang="pt-BR" dirty="0" err="1" smtClean="0"/>
+            <a:endParaRPr lang="pt-BR" dirty="0"/>
+          </a:p>
+          <a:p>
+            <a:endParaRPr lang="pt-BR" dirty="0"/>
+          </a:p>
+          <a:p>
+            <a:r>
+              <a:rPr lang="pt-BR" dirty="0" err="1"/>
               <a:t>docker</a:t>
             </a:r>
             <a:r>
-              <a:rPr lang="pt-BR" dirty="0" smtClean="0"/>
+              <a:rPr lang="pt-BR" dirty="0"/>
               <a:t> </a:t>
             </a:r>
             <a:r>
-              <a:rPr lang="pt-BR" dirty="0" err="1" smtClean="0"/>
+              <a:rPr lang="pt-BR" dirty="0" err="1"/>
               <a:t>run</a:t>
             </a:r>
             <a:r>
-              <a:rPr lang="pt-BR" dirty="0" smtClean="0"/>
+              <a:rPr lang="pt-BR" dirty="0"/>
               <a:t> </a:t>
             </a:r>
             <a:r>
-              <a:rPr lang="pt-BR" dirty="0" err="1" smtClean="0"/>
+              <a:rPr lang="pt-BR" dirty="0" err="1"/>
               <a:t>hello</a:t>
             </a:r>
             <a:r>
-              <a:rPr lang="pt-BR" dirty="0" smtClean="0"/>
+              <a:rPr lang="pt-BR" dirty="0"/>
               <a:t>-world</a:t>
             </a:r>
-            <a:endParaRPr lang="pt-BR" dirty="0"/>
           </a:p>
         </p:txBody>
       </p:sp>
@@ -2644,70 +2615,70 @@
           <a:lstStyle/>
           <a:p>
             <a:r>
-              <a:rPr lang="en-US" dirty="0" err="1" smtClean="0"/>
+              <a:rPr lang="en-US" dirty="0" err="1"/>
               <a:t>Abrir</a:t>
             </a:r>
             <a:r>
-              <a:rPr lang="en-US" baseline="0" dirty="0" smtClean="0"/>
+              <a:rPr lang="en-US" baseline="0" dirty="0"/>
               <a:t> outro terminal e </a:t>
             </a:r>
             <a:r>
-              <a:rPr lang="en-US" baseline="0" dirty="0" err="1" smtClean="0"/>
+              <a:rPr lang="en-US" baseline="0" dirty="0" err="1"/>
               <a:t>ver</a:t>
             </a:r>
             <a:r>
-              <a:rPr lang="en-US" baseline="0" dirty="0" smtClean="0"/>
+              <a:rPr lang="en-US" baseline="0" dirty="0"/>
               <a:t> o outro container </a:t>
             </a:r>
             <a:r>
-              <a:rPr lang="en-US" baseline="0" dirty="0" err="1" smtClean="0"/>
+              <a:rPr lang="en-US" baseline="0" dirty="0" err="1"/>
               <a:t>ativo</a:t>
             </a:r>
-            <a:endParaRPr lang="en-US" baseline="0" dirty="0" smtClean="0"/>
-          </a:p>
-          <a:p>
-            <a:r>
-              <a:rPr lang="en-US" baseline="0" dirty="0" smtClean="0"/>
+            <a:endParaRPr lang="en-US" baseline="0" dirty="0"/>
+          </a:p>
+          <a:p>
+            <a:r>
+              <a:rPr lang="en-US" baseline="0" dirty="0"/>
               <a:t>Touch arquivo1.txt</a:t>
             </a:r>
           </a:p>
           <a:p>
             <a:r>
-              <a:rPr lang="en-US" baseline="0" dirty="0" smtClean="0"/>
+              <a:rPr lang="en-US" baseline="0" dirty="0"/>
               <a:t>echo “Teste no container” &gt; arquivo1.txt</a:t>
             </a:r>
           </a:p>
           <a:p>
             <a:r>
-              <a:rPr lang="en-US" baseline="0" dirty="0" smtClean="0"/>
+              <a:rPr lang="en-US" baseline="0" dirty="0"/>
               <a:t>cat arquivo1.txt</a:t>
             </a:r>
-            <a:endParaRPr lang="en-US" dirty="0" smtClean="0"/>
-          </a:p>
-          <a:p>
-            <a:r>
-              <a:rPr lang="en-US" dirty="0" smtClean="0"/>
+            <a:endParaRPr lang="en-US" dirty="0"/>
+          </a:p>
+          <a:p>
+            <a:r>
+              <a:rPr lang="en-US" dirty="0"/>
               <a:t> </a:t>
             </a:r>
             <a:r>
-              <a:rPr lang="en-US" dirty="0" err="1" smtClean="0"/>
+              <a:rPr lang="en-US" dirty="0" err="1"/>
               <a:t>docker</a:t>
             </a:r>
             <a:r>
-              <a:rPr lang="en-US" dirty="0" smtClean="0"/>
+              <a:rPr lang="en-US" dirty="0"/>
               <a:t> run -it -d --</a:t>
             </a:r>
             <a:r>
-              <a:rPr lang="en-US" dirty="0" err="1" smtClean="0"/>
+              <a:rPr lang="en-US" dirty="0" err="1"/>
               <a:t>rm</a:t>
             </a:r>
             <a:r>
-              <a:rPr lang="en-US" dirty="0" smtClean="0"/>
+              <a:rPr lang="en-US" dirty="0"/>
               <a:t> -p 8888:8080 tomcat:8.0</a:t>
             </a:r>
           </a:p>
           <a:p>
-            <a:endParaRPr lang="en-US" dirty="0" smtClean="0"/>
+            <a:endParaRPr lang="en-US" dirty="0"/>
           </a:p>
           <a:p>
             <a:endParaRPr lang="pt-BR" dirty="0"/>
@@ -2879,7 +2850,7 @@
           <a:p>
             <a:fld id="{CC58B075-67F8-4A8D-AE1C-3D3E4193EBCA}" type="datetimeFigureOut">
               <a:rPr lang="pt-BR" smtClean="0"/>
-              <a:t>17/12/2019</a:t>
+              <a:t>17/08/2023</a:t>
             </a:fld>
             <a:endParaRPr lang="pt-BR"/>
           </a:p>
@@ -3047,7 +3018,7 @@
           <a:p>
             <a:fld id="{CC58B075-67F8-4A8D-AE1C-3D3E4193EBCA}" type="datetimeFigureOut">
               <a:rPr lang="pt-BR" smtClean="0"/>
-              <a:t>17/12/2019</a:t>
+              <a:t>17/08/2023</a:t>
             </a:fld>
             <a:endParaRPr lang="pt-BR"/>
           </a:p>
@@ -3225,7 +3196,7 @@
           <a:p>
             <a:fld id="{CC58B075-67F8-4A8D-AE1C-3D3E4193EBCA}" type="datetimeFigureOut">
               <a:rPr lang="pt-BR" smtClean="0"/>
-              <a:t>17/12/2019</a:t>
+              <a:t>17/08/2023</a:t>
             </a:fld>
             <a:endParaRPr lang="pt-BR"/>
           </a:p>
@@ -3393,7 +3364,7 @@
           <a:p>
             <a:fld id="{CC58B075-67F8-4A8D-AE1C-3D3E4193EBCA}" type="datetimeFigureOut">
               <a:rPr lang="pt-BR" smtClean="0"/>
-              <a:t>17/12/2019</a:t>
+              <a:t>17/08/2023</a:t>
             </a:fld>
             <a:endParaRPr lang="pt-BR"/>
           </a:p>
@@ -3638,7 +3609,7 @@
           <a:p>
             <a:fld id="{CC58B075-67F8-4A8D-AE1C-3D3E4193EBCA}" type="datetimeFigureOut">
               <a:rPr lang="pt-BR" smtClean="0"/>
-              <a:t>17/12/2019</a:t>
+              <a:t>17/08/2023</a:t>
             </a:fld>
             <a:endParaRPr lang="pt-BR"/>
           </a:p>
@@ -3867,7 +3838,7 @@
           <a:p>
             <a:fld id="{CC58B075-67F8-4A8D-AE1C-3D3E4193EBCA}" type="datetimeFigureOut">
               <a:rPr lang="pt-BR" smtClean="0"/>
-              <a:t>17/12/2019</a:t>
+              <a:t>17/08/2023</a:t>
             </a:fld>
             <a:endParaRPr lang="pt-BR"/>
           </a:p>
@@ -4231,7 +4202,7 @@
           <a:p>
             <a:fld id="{CC58B075-67F8-4A8D-AE1C-3D3E4193EBCA}" type="datetimeFigureOut">
               <a:rPr lang="pt-BR" smtClean="0"/>
-              <a:t>17/12/2019</a:t>
+              <a:t>17/08/2023</a:t>
             </a:fld>
             <a:endParaRPr lang="pt-BR"/>
           </a:p>
@@ -4348,7 +4319,7 @@
           <a:p>
             <a:fld id="{CC58B075-67F8-4A8D-AE1C-3D3E4193EBCA}" type="datetimeFigureOut">
               <a:rPr lang="pt-BR" smtClean="0"/>
-              <a:t>17/12/2019</a:t>
+              <a:t>17/08/2023</a:t>
             </a:fld>
             <a:endParaRPr lang="pt-BR"/>
           </a:p>
@@ -4443,7 +4414,7 @@
           <a:p>
             <a:fld id="{CC58B075-67F8-4A8D-AE1C-3D3E4193EBCA}" type="datetimeFigureOut">
               <a:rPr lang="pt-BR" smtClean="0"/>
-              <a:t>17/12/2019</a:t>
+              <a:t>17/08/2023</a:t>
             </a:fld>
             <a:endParaRPr lang="pt-BR"/>
           </a:p>
@@ -4718,7 +4689,7 @@
           <a:p>
             <a:fld id="{CC58B075-67F8-4A8D-AE1C-3D3E4193EBCA}" type="datetimeFigureOut">
               <a:rPr lang="pt-BR" smtClean="0"/>
-              <a:t>17/12/2019</a:t>
+              <a:t>17/08/2023</a:t>
             </a:fld>
             <a:endParaRPr lang="pt-BR"/>
           </a:p>
@@ -4970,7 +4941,7 @@
           <a:p>
             <a:fld id="{CC58B075-67F8-4A8D-AE1C-3D3E4193EBCA}" type="datetimeFigureOut">
               <a:rPr lang="pt-BR" smtClean="0"/>
-              <a:t>17/12/2019</a:t>
+              <a:t>17/08/2023</a:t>
             </a:fld>
             <a:endParaRPr lang="pt-BR"/>
           </a:p>
@@ -5181,7 +5152,7 @@
           <a:p>
             <a:fld id="{CC58B075-67F8-4A8D-AE1C-3D3E4193EBCA}" type="datetimeFigureOut">
               <a:rPr lang="pt-BR" smtClean="0"/>
-              <a:t>17/12/2019</a:t>
+              <a:t>17/08/2023</a:t>
             </a:fld>
             <a:endParaRPr lang="pt-BR"/>
           </a:p>
@@ -5620,13 +5591,6 @@
   <p:clrMapOvr>
     <a:masterClrMapping/>
   </p:clrMapOvr>
-  <p:timing>
-    <p:tnLst>
-      <p:par>
-        <p:cTn id="1" dur="indefinite" restart="never" nodeType="tmRoot"/>
-      </p:par>
-    </p:tnLst>
-  </p:timing>
 </p:sld>
 </file>
 
@@ -5896,13 +5860,8 @@
             </a:r>
             <a:r>
               <a:rPr lang="pt-BR" sz="2000" dirty="0"/>
-              <a:t> uma forma simples de orquestrar múltiplos containers</a:t>
-            </a:r>
-            <a:r>
-              <a:rPr lang="pt-BR" sz="2000" dirty="0" smtClean="0"/>
-              <a:t>.</a:t>
-            </a:r>
-            <a:endParaRPr lang="pt-BR" sz="2000" dirty="0"/>
+              <a:t> uma forma simples de orquestrar múltiplos containers.</a:t>
+            </a:r>
           </a:p>
         </p:txBody>
       </p:sp>
@@ -6189,11 +6148,11 @@
           </a:lstStyle>
           <a:p>
             <a:r>
-              <a:rPr lang="pt-BR" sz="2000" b="1" dirty="0" err="1" smtClean="0"/>
+              <a:rPr lang="pt-BR" sz="2000" b="1" dirty="0" err="1"/>
               <a:t>Docker</a:t>
             </a:r>
             <a:r>
-              <a:rPr lang="pt-BR" sz="2000" b="1" dirty="0" smtClean="0"/>
+              <a:rPr lang="pt-BR" sz="2000" b="1" dirty="0"/>
               <a:t> </a:t>
             </a:r>
             <a:r>
@@ -6417,15 +6376,15 @@
           </a:lstStyle>
           <a:p>
             <a:r>
-              <a:rPr lang="pt-BR" sz="2000" b="1" dirty="0" err="1" smtClean="0"/>
+              <a:rPr lang="pt-BR" sz="2000" b="1" dirty="0" err="1"/>
               <a:t>Docker</a:t>
             </a:r>
             <a:r>
-              <a:rPr lang="pt-BR" sz="2000" b="1" dirty="0" smtClean="0"/>
+              <a:rPr lang="pt-BR" sz="2000" b="1" dirty="0"/>
               <a:t> Hub –</a:t>
             </a:r>
             <a:r>
-              <a:rPr lang="pt-BR" sz="2000" dirty="0" smtClean="0"/>
+              <a:rPr lang="pt-BR" sz="2000" dirty="0"/>
               <a:t> um repositório com mais de 250 mil imagens diferentes para os nossos containers.</a:t>
             </a:r>
           </a:p>
@@ -6618,34 +6577,33 @@
           </a:lstStyle>
           <a:p>
             <a:r>
-              <a:rPr lang="pt-BR" sz="2000" b="1" dirty="0" err="1" smtClean="0"/>
+              <a:rPr lang="pt-BR" sz="2000" b="1" dirty="0" err="1"/>
               <a:t>Docker</a:t>
             </a:r>
             <a:r>
-              <a:rPr lang="pt-BR" sz="2000" b="1" dirty="0" smtClean="0"/>
+              <a:rPr lang="pt-BR" sz="2000" b="1" dirty="0"/>
               <a:t> </a:t>
             </a:r>
             <a:r>
-              <a:rPr lang="pt-BR" sz="2000" b="1" dirty="0" err="1" smtClean="0"/>
+              <a:rPr lang="pt-BR" sz="2000" b="1" dirty="0" err="1"/>
               <a:t>Machine</a:t>
             </a:r>
             <a:r>
-              <a:rPr lang="pt-BR" sz="2000" b="1" dirty="0" smtClean="0"/>
+              <a:rPr lang="pt-BR" sz="2000" b="1" dirty="0"/>
               <a:t> –</a:t>
             </a:r>
             <a:r>
-              <a:rPr lang="pt-BR" sz="2000" dirty="0" smtClean="0"/>
+              <a:rPr lang="pt-BR" sz="2000" dirty="0"/>
               <a:t> uma ferramenta que nos permite gerenciar o </a:t>
             </a:r>
             <a:r>
-              <a:rPr lang="pt-BR" sz="2000" dirty="0" err="1" smtClean="0"/>
+              <a:rPr lang="pt-BR" sz="2000" dirty="0" err="1"/>
               <a:t>Docker</a:t>
             </a:r>
             <a:r>
-              <a:rPr lang="pt-BR" sz="2000" dirty="0" smtClean="0"/>
+              <a:rPr lang="pt-BR" sz="2000" dirty="0"/>
               <a:t> num Host Virtual.</a:t>
             </a:r>
-            <a:endParaRPr lang="pt-BR" sz="2000" dirty="0"/>
           </a:p>
         </p:txBody>
       </p:sp>
@@ -7658,7 +7616,7 @@
               <a:buFont typeface="Wingdings" panose="05000000000000000000" pitchFamily="2" charset="2"/>
               <a:buChar char="Ø"/>
             </a:pPr>
-            <a:endParaRPr lang="pt-BR" sz="2000" dirty="0" smtClean="0"/>
+            <a:endParaRPr lang="pt-BR" sz="2000" dirty="0"/>
           </a:p>
           <a:p>
             <a:pPr marL="285750" indent="-285750">
@@ -7706,7 +7664,7 @@
               <a:buFont typeface="Wingdings" panose="05000000000000000000" pitchFamily="2" charset="2"/>
               <a:buChar char="Ø"/>
             </a:pPr>
-            <a:endParaRPr lang="pt-BR" sz="2000" dirty="0" smtClean="0"/>
+            <a:endParaRPr lang="pt-BR" sz="2000" dirty="0"/>
           </a:p>
           <a:p>
             <a:pPr marL="285750" indent="-285750">
@@ -7734,7 +7692,7 @@
             </a:r>
           </a:p>
           <a:p>
-            <a:endParaRPr lang="pt-BR" sz="2000" dirty="0" smtClean="0"/>
+            <a:endParaRPr lang="pt-BR" sz="2000" dirty="0"/>
           </a:p>
           <a:p>
             <a:endParaRPr lang="pt-BR" sz="2000" dirty="0"/>
@@ -7758,7 +7716,7 @@
             </a:r>
           </a:p>
           <a:p>
-            <a:endParaRPr lang="pt-BR" sz="2000" dirty="0" smtClean="0"/>
+            <a:endParaRPr lang="pt-BR" sz="2000" dirty="0"/>
           </a:p>
           <a:p>
             <a:endParaRPr lang="pt-BR" sz="2000" dirty="0"/>
@@ -7782,7 +7740,7 @@
             </a:r>
           </a:p>
           <a:p>
-            <a:endParaRPr lang="pt-BR" sz="2000" dirty="0" smtClean="0"/>
+            <a:endParaRPr lang="pt-BR" sz="2000" dirty="0"/>
           </a:p>
           <a:p>
             <a:endParaRPr lang="pt-BR" sz="2000" dirty="0"/>
@@ -7810,23 +7768,15 @@
             </a:r>
             <a:r>
               <a:rPr lang="pt-BR" sz="2000" b="1" dirty="0"/>
-              <a:t> </a:t>
-            </a:r>
-            <a:r>
-              <a:rPr lang="pt-BR" sz="2000" b="1" dirty="0" smtClean="0"/>
-              <a:t> </a:t>
-            </a:r>
-            <a:r>
-              <a:rPr lang="pt-BR" sz="2000" dirty="0" smtClean="0"/>
+              <a:t>  </a:t>
+            </a:r>
+            <a:r>
+              <a:rPr lang="pt-BR" sz="2000" dirty="0"/>
               <a:t>- integrar os terminais </a:t>
             </a:r>
             <a:r>
-              <a:rPr lang="pt-BR" sz="2000" b="1" dirty="0" smtClean="0"/>
-              <a:t>/ </a:t>
-            </a:r>
-            <a:r>
               <a:rPr lang="pt-BR" sz="2000" b="1" dirty="0"/>
-              <a:t>-i </a:t>
+              <a:t>/ -i </a:t>
             </a:r>
             <a:r>
               <a:rPr lang="pt-BR" sz="2000" b="1" dirty="0" err="1"/>
@@ -7837,14 +7787,13 @@
               <a:t> </a:t>
             </a:r>
             <a:r>
-              <a:rPr lang="pt-BR" sz="2000" dirty="0" smtClean="0"/>
+              <a:rPr lang="pt-BR" sz="2000" dirty="0"/>
               <a:t>– interagir com o terminal</a:t>
             </a:r>
             <a:r>
-              <a:rPr lang="pt-BR" sz="2000" b="1" dirty="0" smtClean="0"/>
+              <a:rPr lang="pt-BR" sz="2000" b="1" dirty="0"/>
               <a:t>)</a:t>
             </a:r>
-            <a:endParaRPr lang="pt-BR" sz="2000" b="1" dirty="0"/>
           </a:p>
           <a:p>
             <a:pPr marL="742950" lvl="1" indent="-285750">
@@ -7926,10 +7875,9 @@
           <a:p>
             <a:pPr algn="ctr"/>
             <a:r>
-              <a:rPr lang="pt-BR" sz="2800" b="1" dirty="0" smtClean="0"/>
+              <a:rPr lang="pt-BR" sz="2800" b="1" dirty="0"/>
               <a:t>Comandos Básicos</a:t>
             </a:r>
-            <a:endParaRPr lang="pt-BR" sz="2800" b="1" dirty="0"/>
           </a:p>
         </p:txBody>
       </p:sp>
@@ -7943,13 +7891,6 @@
   <p:clrMapOvr>
     <a:masterClrMapping/>
   </p:clrMapOvr>
-  <p:timing>
-    <p:tnLst>
-      <p:par>
-        <p:cTn id="1" dur="indefinite" restart="never" nodeType="tmRoot"/>
-      </p:par>
-    </p:tnLst>
-  </p:timing>
 </p:sld>
 </file>
 
@@ -8361,8 +8302,8 @@
         </p:nvSpPr>
         <p:spPr>
           <a:xfrm>
-            <a:off x="771559" y="1395509"/>
-            <a:ext cx="10009511" cy="3170099"/>
+            <a:off x="1210663" y="766732"/>
+            <a:ext cx="10009511" cy="4401205"/>
           </a:xfrm>
           <a:prstGeom prst="rect">
             <a:avLst/>
@@ -8419,38 +8360,10 @@
             </a:r>
           </a:p>
           <a:p>
-            <a:endParaRPr lang="pt-BR" sz="2000" dirty="0"/>
-          </a:p>
-          <a:p>
             <a:pPr marL="285750" indent="-285750">
               <a:buFont typeface="Arial" panose="020B0604020202020204" pitchFamily="34" charset="0"/>
               <a:buChar char="•"/>
             </a:pPr>
-            <a:r>
-              <a:rPr lang="pt-BR" sz="2000" dirty="0"/>
-              <a:t>Remover todos os containers parados</a:t>
-            </a:r>
-          </a:p>
-          <a:p>
-            <a:r>
-              <a:rPr lang="pt-BR" sz="2000" dirty="0"/>
-              <a:t>	</a:t>
-            </a:r>
-            <a:r>
-              <a:rPr lang="pt-BR" sz="2000" b="1" dirty="0" err="1"/>
-              <a:t>docker</a:t>
-            </a:r>
-            <a:r>
-              <a:rPr lang="pt-BR" sz="2000" b="1" dirty="0"/>
-              <a:t> container </a:t>
-            </a:r>
-            <a:r>
-              <a:rPr lang="pt-BR" sz="2000" b="1" dirty="0" err="1"/>
-              <a:t>prune</a:t>
-            </a:r>
-            <a:endParaRPr lang="pt-BR" sz="2000" b="1" dirty="0"/>
-          </a:p>
-          <a:p>
             <a:endParaRPr lang="pt-BR" sz="2000" dirty="0"/>
           </a:p>
           <a:p>
@@ -8460,7 +8373,7 @@
             </a:pPr>
             <a:r>
               <a:rPr lang="pt-BR" sz="2000" dirty="0"/>
-              <a:t>Remover uma Imagem</a:t>
+              <a:t>Parar um Container e removê-lo</a:t>
             </a:r>
           </a:p>
           <a:p>
@@ -8478,7 +8391,66 @@
             </a:r>
             <a:r>
               <a:rPr lang="pt-BR" sz="2000" b="1" dirty="0" err="1"/>
-              <a:t>rmi</a:t>
+              <a:t>rm</a:t>
+            </a:r>
+            <a:r>
+              <a:rPr lang="pt-BR" sz="2000" b="1" dirty="0"/>
+              <a:t> 9daa --force</a:t>
+            </a:r>
+          </a:p>
+          <a:p>
+            <a:endParaRPr lang="pt-BR" sz="2000" dirty="0"/>
+          </a:p>
+          <a:p>
+            <a:pPr marL="285750" indent="-285750">
+              <a:buFont typeface="Arial" panose="020B0604020202020204" pitchFamily="34" charset="0"/>
+              <a:buChar char="•"/>
+            </a:pPr>
+            <a:r>
+              <a:rPr lang="pt-BR" sz="2000" dirty="0"/>
+              <a:t>Remover todos os containers parados</a:t>
+            </a:r>
+          </a:p>
+          <a:p>
+            <a:r>
+              <a:rPr lang="pt-BR" sz="2000" dirty="0"/>
+              <a:t>	</a:t>
+            </a:r>
+            <a:r>
+              <a:rPr lang="pt-BR" sz="2000" b="1" dirty="0" err="1"/>
+              <a:t>docker</a:t>
+            </a:r>
+            <a:r>
+              <a:rPr lang="pt-BR" sz="2000" b="1" dirty="0"/>
+              <a:t> container </a:t>
+            </a:r>
+            <a:r>
+              <a:rPr lang="pt-BR" sz="2000" b="1" dirty="0" err="1"/>
+              <a:t>prune</a:t>
+            </a:r>
+            <a:endParaRPr lang="pt-BR" sz="2000" b="1" dirty="0"/>
+          </a:p>
+          <a:p>
+            <a:endParaRPr lang="pt-BR" sz="2000" dirty="0"/>
+          </a:p>
+          <a:p>
+            <a:pPr marL="285750" indent="-285750">
+              <a:buFont typeface="Arial" panose="020B0604020202020204" pitchFamily="34" charset="0"/>
+              <a:buChar char="•"/>
+            </a:pPr>
+            <a:r>
+              <a:rPr lang="pt-BR" sz="2000" dirty="0"/>
+              <a:t>Remover uma Imagem</a:t>
+            </a:r>
+          </a:p>
+          <a:p>
+            <a:r>
+              <a:rPr lang="pt-BR" sz="2000" dirty="0"/>
+              <a:t>	</a:t>
+            </a:r>
+            <a:r>
+              <a:rPr lang="pt-BR" sz="2000" b="1" dirty="0" err="1"/>
+              <a:t>docker</a:t>
             </a:r>
             <a:r>
               <a:rPr lang="pt-BR" sz="2000" b="1" dirty="0"/>
@@ -8486,12 +8458,23 @@
             </a:r>
             <a:r>
               <a:rPr lang="pt-BR" sz="2000" b="1" dirty="0" err="1"/>
+              <a:t>rmi</a:t>
+            </a:r>
+            <a:r>
+              <a:rPr lang="pt-BR" sz="2000" b="1" dirty="0"/>
+              <a:t> </a:t>
+            </a:r>
+            <a:r>
+              <a:rPr lang="pt-BR" sz="2000" b="1" dirty="0" err="1"/>
               <a:t>hello</a:t>
             </a:r>
             <a:r>
               <a:rPr lang="pt-BR" sz="2000" b="1" dirty="0"/>
-              <a:t>-world</a:t>
-            </a:r>
+              <a:t>-world  </a:t>
+            </a:r>
+          </a:p>
+          <a:p>
+            <a:endParaRPr lang="pt-BR" sz="2000" dirty="0"/>
           </a:p>
         </p:txBody>
       </p:sp>
@@ -8538,10 +8521,9 @@
           <a:p>
             <a:pPr algn="ctr"/>
             <a:r>
-              <a:rPr lang="pt-BR" sz="2800" b="1" dirty="0" smtClean="0"/>
+              <a:rPr lang="pt-BR" sz="2800" b="1" dirty="0"/>
               <a:t>Comandos Básicos</a:t>
             </a:r>
-            <a:endParaRPr lang="pt-BR" sz="2800" b="1" dirty="0"/>
           </a:p>
         </p:txBody>
       </p:sp>
@@ -8555,13 +8537,6 @@
   <p:clrMapOvr>
     <a:masterClrMapping/>
   </p:clrMapOvr>
-  <p:timing>
-    <p:tnLst>
-      <p:par>
-        <p:cTn id="1" dur="indefinite" restart="never" nodeType="tmRoot"/>
-      </p:par>
-    </p:tnLst>
-  </p:timing>
 </p:sld>
 </file>
 
@@ -8967,6 +8942,644 @@
       </p:sp>
       <p:sp>
         <p:nvSpPr>
+          <p:cNvPr id="6" name="Retângulo 5"/>
+          <p:cNvSpPr/>
+          <p:nvPr/>
+        </p:nvSpPr>
+        <p:spPr>
+          <a:xfrm>
+            <a:off x="1210663" y="766732"/>
+            <a:ext cx="10009511" cy="3477875"/>
+          </a:xfrm>
+          <a:prstGeom prst="rect">
+            <a:avLst/>
+          </a:prstGeom>
+        </p:spPr>
+        <p:txBody>
+          <a:bodyPr wrap="square">
+            <a:spAutoFit/>
+          </a:bodyPr>
+          <a:lstStyle/>
+          <a:p>
+            <a:r>
+              <a:rPr lang="pt-BR" sz="2000" u="sng" dirty="0"/>
+              <a:t>Alguns comandos </a:t>
+            </a:r>
+            <a:r>
+              <a:rPr lang="pt-BR" sz="2000" dirty="0"/>
+              <a:t>: </a:t>
+            </a:r>
+          </a:p>
+          <a:p>
+            <a:pPr marL="342900" indent="-342900">
+              <a:buFont typeface="Arial" panose="020B0604020202020204" pitchFamily="34" charset="0"/>
+              <a:buChar char="•"/>
+            </a:pPr>
+            <a:endParaRPr lang="pt-BR" sz="2000" dirty="0"/>
+          </a:p>
+          <a:p>
+            <a:pPr marL="342900" indent="-342900">
+              <a:buFont typeface="Arial" panose="020B0604020202020204" pitchFamily="34" charset="0"/>
+              <a:buChar char="•"/>
+            </a:pPr>
+            <a:r>
+              <a:rPr lang="pt-BR" sz="2000" dirty="0"/>
+              <a:t>Executar um container e expor a porta interna em uma porta aleatória</a:t>
+            </a:r>
+          </a:p>
+          <a:p>
+            <a:r>
+              <a:rPr lang="pt-BR" sz="2000" b="1" dirty="0"/>
+              <a:t>	</a:t>
+            </a:r>
+            <a:r>
+              <a:rPr lang="pt-BR" sz="2000" b="1" dirty="0" err="1"/>
+              <a:t>docker</a:t>
+            </a:r>
+            <a:r>
+              <a:rPr lang="pt-BR" sz="2000" b="1" dirty="0"/>
+              <a:t> </a:t>
+            </a:r>
+            <a:r>
+              <a:rPr lang="pt-BR" sz="2000" b="1" dirty="0" err="1"/>
+              <a:t>run</a:t>
+            </a:r>
+            <a:r>
+              <a:rPr lang="pt-BR" sz="2000" b="1" dirty="0"/>
+              <a:t> -d -P </a:t>
+            </a:r>
+            <a:r>
+              <a:rPr lang="pt-BR" sz="2000" b="1" dirty="0" err="1"/>
+              <a:t>dockersamples</a:t>
+            </a:r>
+            <a:r>
+              <a:rPr lang="pt-BR" sz="2000" b="1" dirty="0"/>
+              <a:t>/</a:t>
+            </a:r>
+            <a:r>
+              <a:rPr lang="pt-BR" sz="2000" b="1" dirty="0" err="1"/>
+              <a:t>static</a:t>
+            </a:r>
+            <a:r>
+              <a:rPr lang="pt-BR" sz="2000" b="1" dirty="0"/>
+              <a:t>-site</a:t>
+            </a:r>
+          </a:p>
+          <a:p>
+            <a:endParaRPr lang="pt-BR" sz="2000" b="1" dirty="0"/>
+          </a:p>
+          <a:p>
+            <a:pPr marL="342900" indent="-342900">
+              <a:buFont typeface="Arial" panose="020B0604020202020204" pitchFamily="34" charset="0"/>
+              <a:buChar char="•"/>
+            </a:pPr>
+            <a:r>
+              <a:rPr lang="pt-BR" sz="2000" dirty="0"/>
+              <a:t>Verificar as portas que estão associadas a um container</a:t>
+            </a:r>
+          </a:p>
+          <a:p>
+            <a:r>
+              <a:rPr lang="pt-BR" sz="2000" b="1" dirty="0"/>
+              <a:t>	</a:t>
+            </a:r>
+            <a:r>
+              <a:rPr lang="pt-BR" sz="2000" b="1" dirty="0" err="1"/>
+              <a:t>docker</a:t>
+            </a:r>
+            <a:r>
+              <a:rPr lang="pt-BR" sz="2000" b="1" dirty="0"/>
+              <a:t> </a:t>
+            </a:r>
+            <a:r>
+              <a:rPr lang="pt-BR" sz="2000" b="1" dirty="0" err="1"/>
+              <a:t>port</a:t>
+            </a:r>
+            <a:r>
+              <a:rPr lang="pt-BR" sz="2000" b="1" dirty="0"/>
+              <a:t> f642</a:t>
+            </a:r>
+          </a:p>
+          <a:p>
+            <a:endParaRPr lang="pt-BR" sz="2000" dirty="0"/>
+          </a:p>
+          <a:p>
+            <a:pPr marL="342900" indent="-342900">
+              <a:buFont typeface="Arial" panose="020B0604020202020204" pitchFamily="34" charset="0"/>
+              <a:buChar char="•"/>
+            </a:pPr>
+            <a:r>
+              <a:rPr lang="pt-BR" sz="2000" dirty="0"/>
+              <a:t>Escolher uma porta específica para mapear com a porta interna do container</a:t>
+            </a:r>
+          </a:p>
+          <a:p>
+            <a:r>
+              <a:rPr lang="pt-BR" sz="2000" b="1" dirty="0"/>
+              <a:t>	</a:t>
+            </a:r>
+            <a:r>
+              <a:rPr lang="pt-BR" sz="2000" b="1" dirty="0" err="1"/>
+              <a:t>docker</a:t>
+            </a:r>
+            <a:r>
+              <a:rPr lang="pt-BR" sz="2000" b="1" dirty="0"/>
+              <a:t> </a:t>
+            </a:r>
+            <a:r>
+              <a:rPr lang="pt-BR" sz="2000" b="1" dirty="0" err="1"/>
+              <a:t>run</a:t>
+            </a:r>
+            <a:r>
+              <a:rPr lang="pt-BR" sz="2000" b="1" dirty="0"/>
+              <a:t> -d -p 8084:80 </a:t>
+            </a:r>
+            <a:r>
+              <a:rPr lang="pt-BR" sz="2000" b="1" dirty="0" err="1"/>
+              <a:t>dockersamples</a:t>
+            </a:r>
+            <a:r>
+              <a:rPr lang="pt-BR" sz="2000" b="1" dirty="0"/>
+              <a:t>/</a:t>
+            </a:r>
+            <a:r>
+              <a:rPr lang="pt-BR" sz="2000" b="1" dirty="0" err="1"/>
+              <a:t>static</a:t>
+            </a:r>
+            <a:r>
+              <a:rPr lang="pt-BR" sz="2000" b="1" dirty="0"/>
+              <a:t>-site</a:t>
+            </a:r>
+          </a:p>
+          <a:p>
+            <a:endParaRPr lang="pt-BR" sz="2000" b="1" dirty="0"/>
+          </a:p>
+        </p:txBody>
+      </p:sp>
+      <p:sp>
+        <p:nvSpPr>
+          <p:cNvPr id="10" name="Título 1"/>
+          <p:cNvSpPr txBox="1">
+            <a:spLocks/>
+          </p:cNvSpPr>
+          <p:nvPr/>
+        </p:nvSpPr>
+        <p:spPr>
+          <a:xfrm>
+            <a:off x="125627" y="115678"/>
+            <a:ext cx="11800761" cy="549275"/>
+          </a:xfrm>
+          <a:prstGeom prst="rect">
+            <a:avLst/>
+          </a:prstGeom>
+        </p:spPr>
+        <p:txBody>
+          <a:bodyPr vert="horz" lIns="91440" tIns="45720" rIns="91440" bIns="45720" rtlCol="0" anchor="ctr">
+            <a:normAutofit/>
+          </a:bodyPr>
+          <a:lstStyle>
+            <a:lvl1pPr algn="l" defTabSz="914400" rtl="0" eaLnBrk="1" latinLnBrk="0" hangingPunct="1">
+              <a:lnSpc>
+                <a:spcPct val="90000"/>
+              </a:lnSpc>
+              <a:spcBef>
+                <a:spcPct val="0"/>
+              </a:spcBef>
+              <a:buNone/>
+              <a:defRPr sz="4400" kern="1200">
+                <a:solidFill>
+                  <a:schemeClr val="tx1"/>
+                </a:solidFill>
+                <a:latin typeface="+mj-lt"/>
+                <a:ea typeface="+mj-ea"/>
+                <a:cs typeface="+mj-cs"/>
+              </a:defRPr>
+            </a:lvl1pPr>
+          </a:lstStyle>
+          <a:p>
+            <a:pPr algn="ctr"/>
+            <a:r>
+              <a:rPr lang="pt-BR" sz="2800" b="1" dirty="0"/>
+              <a:t>Comandos Básicos</a:t>
+            </a:r>
+          </a:p>
+        </p:txBody>
+      </p:sp>
+    </p:spTree>
+    <p:extLst>
+      <p:ext uri="{BB962C8B-B14F-4D97-AF65-F5344CB8AC3E}">
+        <p14:creationId xmlns:p14="http://schemas.microsoft.com/office/powerpoint/2010/main" val="1721016115"/>
+      </p:ext>
+    </p:extLst>
+  </p:cSld>
+  <p:clrMapOvr>
+    <a:masterClrMapping/>
+  </p:clrMapOvr>
+</p:sld>
+</file>
+
+<file path=ppt/slides/slide14.xml><?xml version="1.0" encoding="utf-8"?>
+<p:sld xmlns:a="http://schemas.openxmlformats.org/drawingml/2006/main" xmlns:r="http://schemas.openxmlformats.org/officeDocument/2006/relationships" xmlns:p="http://schemas.openxmlformats.org/presentationml/2006/main">
+  <p:cSld>
+    <p:spTree>
+      <p:nvGrpSpPr>
+        <p:cNvPr id="1" name=""/>
+        <p:cNvGrpSpPr/>
+        <p:nvPr/>
+      </p:nvGrpSpPr>
+      <p:grpSpPr>
+        <a:xfrm>
+          <a:off x="0" y="0"/>
+          <a:ext cx="0" cy="0"/>
+          <a:chOff x="0" y="0"/>
+          <a:chExt cx="0" cy="0"/>
+        </a:xfrm>
+      </p:grpSpPr>
+      <p:sp>
+        <p:nvSpPr>
+          <p:cNvPr id="5" name="Espaço Reservado para Conteúdo 5"/>
+          <p:cNvSpPr txBox="1">
+            <a:spLocks/>
+          </p:cNvSpPr>
+          <p:nvPr/>
+        </p:nvSpPr>
+        <p:spPr>
+          <a:xfrm>
+            <a:off x="504450" y="1084496"/>
+            <a:ext cx="11421938" cy="3317687"/>
+          </a:xfrm>
+          <a:prstGeom prst="rect">
+            <a:avLst/>
+          </a:prstGeom>
+        </p:spPr>
+        <p:txBody>
+          <a:bodyPr vert="horz" lIns="91440" tIns="45720" rIns="91440" bIns="45720" rtlCol="0">
+            <a:normAutofit/>
+          </a:bodyPr>
+          <a:lstStyle>
+            <a:lvl1pPr marL="228600" indent="-228600" algn="l" defTabSz="914400" rtl="0" eaLnBrk="1" latinLnBrk="0" hangingPunct="1">
+              <a:lnSpc>
+                <a:spcPct val="90000"/>
+              </a:lnSpc>
+              <a:spcBef>
+                <a:spcPts val="1000"/>
+              </a:spcBef>
+              <a:buFont typeface="Arial" panose="020B0604020202020204" pitchFamily="34" charset="0"/>
+              <a:buChar char="•"/>
+              <a:defRPr sz="2800" kern="1200">
+                <a:solidFill>
+                  <a:schemeClr val="tx1"/>
+                </a:solidFill>
+                <a:latin typeface="+mn-lt"/>
+                <a:ea typeface="+mn-ea"/>
+                <a:cs typeface="+mn-cs"/>
+              </a:defRPr>
+            </a:lvl1pPr>
+            <a:lvl2pPr marL="685800" indent="-228600" algn="l" defTabSz="914400" rtl="0" eaLnBrk="1" latinLnBrk="0" hangingPunct="1">
+              <a:lnSpc>
+                <a:spcPct val="90000"/>
+              </a:lnSpc>
+              <a:spcBef>
+                <a:spcPts val="500"/>
+              </a:spcBef>
+              <a:buFont typeface="Arial" panose="020B0604020202020204" pitchFamily="34" charset="0"/>
+              <a:buChar char="•"/>
+              <a:defRPr sz="2400" kern="1200">
+                <a:solidFill>
+                  <a:schemeClr val="tx1"/>
+                </a:solidFill>
+                <a:latin typeface="+mn-lt"/>
+                <a:ea typeface="+mn-ea"/>
+                <a:cs typeface="+mn-cs"/>
+              </a:defRPr>
+            </a:lvl2pPr>
+            <a:lvl3pPr marL="1143000" indent="-228600" algn="l" defTabSz="914400" rtl="0" eaLnBrk="1" latinLnBrk="0" hangingPunct="1">
+              <a:lnSpc>
+                <a:spcPct val="90000"/>
+              </a:lnSpc>
+              <a:spcBef>
+                <a:spcPts val="500"/>
+              </a:spcBef>
+              <a:buFont typeface="Arial" panose="020B0604020202020204" pitchFamily="34" charset="0"/>
+              <a:buChar char="•"/>
+              <a:defRPr sz="2000" kern="1200">
+                <a:solidFill>
+                  <a:schemeClr val="tx1"/>
+                </a:solidFill>
+                <a:latin typeface="+mn-lt"/>
+                <a:ea typeface="+mn-ea"/>
+                <a:cs typeface="+mn-cs"/>
+              </a:defRPr>
+            </a:lvl3pPr>
+            <a:lvl4pPr marL="1600200" indent="-228600" algn="l" defTabSz="914400" rtl="0" eaLnBrk="1" latinLnBrk="0" hangingPunct="1">
+              <a:lnSpc>
+                <a:spcPct val="90000"/>
+              </a:lnSpc>
+              <a:spcBef>
+                <a:spcPts val="500"/>
+              </a:spcBef>
+              <a:buFont typeface="Arial" panose="020B0604020202020204" pitchFamily="34" charset="0"/>
+              <a:buChar char="•"/>
+              <a:defRPr sz="1800" kern="1200">
+                <a:solidFill>
+                  <a:schemeClr val="tx1"/>
+                </a:solidFill>
+                <a:latin typeface="+mn-lt"/>
+                <a:ea typeface="+mn-ea"/>
+                <a:cs typeface="+mn-cs"/>
+              </a:defRPr>
+            </a:lvl4pPr>
+            <a:lvl5pPr marL="2057400" indent="-228600" algn="l" defTabSz="914400" rtl="0" eaLnBrk="1" latinLnBrk="0" hangingPunct="1">
+              <a:lnSpc>
+                <a:spcPct val="90000"/>
+              </a:lnSpc>
+              <a:spcBef>
+                <a:spcPts val="500"/>
+              </a:spcBef>
+              <a:buFont typeface="Arial" panose="020B0604020202020204" pitchFamily="34" charset="0"/>
+              <a:buChar char="•"/>
+              <a:defRPr sz="1800" kern="1200">
+                <a:solidFill>
+                  <a:schemeClr val="tx1"/>
+                </a:solidFill>
+                <a:latin typeface="+mn-lt"/>
+                <a:ea typeface="+mn-ea"/>
+                <a:cs typeface="+mn-cs"/>
+              </a:defRPr>
+            </a:lvl5pPr>
+            <a:lvl6pPr marL="2514600" indent="-228600" algn="l" defTabSz="914400" rtl="0" eaLnBrk="1" latinLnBrk="0" hangingPunct="1">
+              <a:lnSpc>
+                <a:spcPct val="90000"/>
+              </a:lnSpc>
+              <a:spcBef>
+                <a:spcPts val="500"/>
+              </a:spcBef>
+              <a:buFont typeface="Arial" panose="020B0604020202020204" pitchFamily="34" charset="0"/>
+              <a:buChar char="•"/>
+              <a:defRPr sz="1800" kern="1200">
+                <a:solidFill>
+                  <a:schemeClr val="tx1"/>
+                </a:solidFill>
+                <a:latin typeface="+mn-lt"/>
+                <a:ea typeface="+mn-ea"/>
+                <a:cs typeface="+mn-cs"/>
+              </a:defRPr>
+            </a:lvl6pPr>
+            <a:lvl7pPr marL="2971800" indent="-228600" algn="l" defTabSz="914400" rtl="0" eaLnBrk="1" latinLnBrk="0" hangingPunct="1">
+              <a:lnSpc>
+                <a:spcPct val="90000"/>
+              </a:lnSpc>
+              <a:spcBef>
+                <a:spcPts val="500"/>
+              </a:spcBef>
+              <a:buFont typeface="Arial" panose="020B0604020202020204" pitchFamily="34" charset="0"/>
+              <a:buChar char="•"/>
+              <a:defRPr sz="1800" kern="1200">
+                <a:solidFill>
+                  <a:schemeClr val="tx1"/>
+                </a:solidFill>
+                <a:latin typeface="+mn-lt"/>
+                <a:ea typeface="+mn-ea"/>
+                <a:cs typeface="+mn-cs"/>
+              </a:defRPr>
+            </a:lvl7pPr>
+            <a:lvl8pPr marL="3429000" indent="-228600" algn="l" defTabSz="914400" rtl="0" eaLnBrk="1" latinLnBrk="0" hangingPunct="1">
+              <a:lnSpc>
+                <a:spcPct val="90000"/>
+              </a:lnSpc>
+              <a:spcBef>
+                <a:spcPts val="500"/>
+              </a:spcBef>
+              <a:buFont typeface="Arial" panose="020B0604020202020204" pitchFamily="34" charset="0"/>
+              <a:buChar char="•"/>
+              <a:defRPr sz="1800" kern="1200">
+                <a:solidFill>
+                  <a:schemeClr val="tx1"/>
+                </a:solidFill>
+                <a:latin typeface="+mn-lt"/>
+                <a:ea typeface="+mn-ea"/>
+                <a:cs typeface="+mn-cs"/>
+              </a:defRPr>
+            </a:lvl8pPr>
+            <a:lvl9pPr marL="3886200" indent="-228600" algn="l" defTabSz="914400" rtl="0" eaLnBrk="1" latinLnBrk="0" hangingPunct="1">
+              <a:lnSpc>
+                <a:spcPct val="90000"/>
+              </a:lnSpc>
+              <a:spcBef>
+                <a:spcPts val="500"/>
+              </a:spcBef>
+              <a:buFont typeface="Arial" panose="020B0604020202020204" pitchFamily="34" charset="0"/>
+              <a:buChar char="•"/>
+              <a:defRPr sz="1800" kern="1200">
+                <a:solidFill>
+                  <a:schemeClr val="tx1"/>
+                </a:solidFill>
+                <a:latin typeface="+mn-lt"/>
+                <a:ea typeface="+mn-ea"/>
+                <a:cs typeface="+mn-cs"/>
+              </a:defRPr>
+            </a:lvl9pPr>
+          </a:lstStyle>
+          <a:p>
+            <a:pPr marL="0" indent="0">
+              <a:buNone/>
+            </a:pPr>
+            <a:endParaRPr lang="pt-BR" sz="2000" dirty="0"/>
+          </a:p>
+        </p:txBody>
+      </p:sp>
+      <p:sp>
+        <p:nvSpPr>
+          <p:cNvPr id="8" name="Espaço Reservado para Conteúdo 5"/>
+          <p:cNvSpPr txBox="1">
+            <a:spLocks/>
+          </p:cNvSpPr>
+          <p:nvPr/>
+        </p:nvSpPr>
+        <p:spPr>
+          <a:xfrm>
+            <a:off x="504450" y="4729033"/>
+            <a:ext cx="11134556" cy="1671768"/>
+          </a:xfrm>
+          <a:prstGeom prst="rect">
+            <a:avLst/>
+          </a:prstGeom>
+        </p:spPr>
+        <p:txBody>
+          <a:bodyPr vert="horz" lIns="91440" tIns="45720" rIns="91440" bIns="45720" rtlCol="0">
+            <a:normAutofit/>
+          </a:bodyPr>
+          <a:lstStyle>
+            <a:lvl1pPr marL="228600" indent="-228600" algn="l" defTabSz="914400" rtl="0" eaLnBrk="1" latinLnBrk="0" hangingPunct="1">
+              <a:lnSpc>
+                <a:spcPct val="90000"/>
+              </a:lnSpc>
+              <a:spcBef>
+                <a:spcPts val="1000"/>
+              </a:spcBef>
+              <a:buFont typeface="Arial" panose="020B0604020202020204" pitchFamily="34" charset="0"/>
+              <a:buChar char="•"/>
+              <a:defRPr sz="2800" kern="1200">
+                <a:solidFill>
+                  <a:schemeClr val="tx1"/>
+                </a:solidFill>
+                <a:latin typeface="+mn-lt"/>
+                <a:ea typeface="+mn-ea"/>
+                <a:cs typeface="+mn-cs"/>
+              </a:defRPr>
+            </a:lvl1pPr>
+            <a:lvl2pPr marL="685800" indent="-228600" algn="l" defTabSz="914400" rtl="0" eaLnBrk="1" latinLnBrk="0" hangingPunct="1">
+              <a:lnSpc>
+                <a:spcPct val="90000"/>
+              </a:lnSpc>
+              <a:spcBef>
+                <a:spcPts val="500"/>
+              </a:spcBef>
+              <a:buFont typeface="Arial" panose="020B0604020202020204" pitchFamily="34" charset="0"/>
+              <a:buChar char="•"/>
+              <a:defRPr sz="2400" kern="1200">
+                <a:solidFill>
+                  <a:schemeClr val="tx1"/>
+                </a:solidFill>
+                <a:latin typeface="+mn-lt"/>
+                <a:ea typeface="+mn-ea"/>
+                <a:cs typeface="+mn-cs"/>
+              </a:defRPr>
+            </a:lvl2pPr>
+            <a:lvl3pPr marL="1143000" indent="-228600" algn="l" defTabSz="914400" rtl="0" eaLnBrk="1" latinLnBrk="0" hangingPunct="1">
+              <a:lnSpc>
+                <a:spcPct val="90000"/>
+              </a:lnSpc>
+              <a:spcBef>
+                <a:spcPts val="500"/>
+              </a:spcBef>
+              <a:buFont typeface="Arial" panose="020B0604020202020204" pitchFamily="34" charset="0"/>
+              <a:buChar char="•"/>
+              <a:defRPr sz="2000" kern="1200">
+                <a:solidFill>
+                  <a:schemeClr val="tx1"/>
+                </a:solidFill>
+                <a:latin typeface="+mn-lt"/>
+                <a:ea typeface="+mn-ea"/>
+                <a:cs typeface="+mn-cs"/>
+              </a:defRPr>
+            </a:lvl3pPr>
+            <a:lvl4pPr marL="1600200" indent="-228600" algn="l" defTabSz="914400" rtl="0" eaLnBrk="1" latinLnBrk="0" hangingPunct="1">
+              <a:lnSpc>
+                <a:spcPct val="90000"/>
+              </a:lnSpc>
+              <a:spcBef>
+                <a:spcPts val="500"/>
+              </a:spcBef>
+              <a:buFont typeface="Arial" panose="020B0604020202020204" pitchFamily="34" charset="0"/>
+              <a:buChar char="•"/>
+              <a:defRPr sz="1800" kern="1200">
+                <a:solidFill>
+                  <a:schemeClr val="tx1"/>
+                </a:solidFill>
+                <a:latin typeface="+mn-lt"/>
+                <a:ea typeface="+mn-ea"/>
+                <a:cs typeface="+mn-cs"/>
+              </a:defRPr>
+            </a:lvl4pPr>
+            <a:lvl5pPr marL="2057400" indent="-228600" algn="l" defTabSz="914400" rtl="0" eaLnBrk="1" latinLnBrk="0" hangingPunct="1">
+              <a:lnSpc>
+                <a:spcPct val="90000"/>
+              </a:lnSpc>
+              <a:spcBef>
+                <a:spcPts val="500"/>
+              </a:spcBef>
+              <a:buFont typeface="Arial" panose="020B0604020202020204" pitchFamily="34" charset="0"/>
+              <a:buChar char="•"/>
+              <a:defRPr sz="1800" kern="1200">
+                <a:solidFill>
+                  <a:schemeClr val="tx1"/>
+                </a:solidFill>
+                <a:latin typeface="+mn-lt"/>
+                <a:ea typeface="+mn-ea"/>
+                <a:cs typeface="+mn-cs"/>
+              </a:defRPr>
+            </a:lvl5pPr>
+            <a:lvl6pPr marL="2514600" indent="-228600" algn="l" defTabSz="914400" rtl="0" eaLnBrk="1" latinLnBrk="0" hangingPunct="1">
+              <a:lnSpc>
+                <a:spcPct val="90000"/>
+              </a:lnSpc>
+              <a:spcBef>
+                <a:spcPts val="500"/>
+              </a:spcBef>
+              <a:buFont typeface="Arial" panose="020B0604020202020204" pitchFamily="34" charset="0"/>
+              <a:buChar char="•"/>
+              <a:defRPr sz="1800" kern="1200">
+                <a:solidFill>
+                  <a:schemeClr val="tx1"/>
+                </a:solidFill>
+                <a:latin typeface="+mn-lt"/>
+                <a:ea typeface="+mn-ea"/>
+                <a:cs typeface="+mn-cs"/>
+              </a:defRPr>
+            </a:lvl6pPr>
+            <a:lvl7pPr marL="2971800" indent="-228600" algn="l" defTabSz="914400" rtl="0" eaLnBrk="1" latinLnBrk="0" hangingPunct="1">
+              <a:lnSpc>
+                <a:spcPct val="90000"/>
+              </a:lnSpc>
+              <a:spcBef>
+                <a:spcPts val="500"/>
+              </a:spcBef>
+              <a:buFont typeface="Arial" panose="020B0604020202020204" pitchFamily="34" charset="0"/>
+              <a:buChar char="•"/>
+              <a:defRPr sz="1800" kern="1200">
+                <a:solidFill>
+                  <a:schemeClr val="tx1"/>
+                </a:solidFill>
+                <a:latin typeface="+mn-lt"/>
+                <a:ea typeface="+mn-ea"/>
+                <a:cs typeface="+mn-cs"/>
+              </a:defRPr>
+            </a:lvl7pPr>
+            <a:lvl8pPr marL="3429000" indent="-228600" algn="l" defTabSz="914400" rtl="0" eaLnBrk="1" latinLnBrk="0" hangingPunct="1">
+              <a:lnSpc>
+                <a:spcPct val="90000"/>
+              </a:lnSpc>
+              <a:spcBef>
+                <a:spcPts val="500"/>
+              </a:spcBef>
+              <a:buFont typeface="Arial" panose="020B0604020202020204" pitchFamily="34" charset="0"/>
+              <a:buChar char="•"/>
+              <a:defRPr sz="1800" kern="1200">
+                <a:solidFill>
+                  <a:schemeClr val="tx1"/>
+                </a:solidFill>
+                <a:latin typeface="+mn-lt"/>
+                <a:ea typeface="+mn-ea"/>
+                <a:cs typeface="+mn-cs"/>
+              </a:defRPr>
+            </a:lvl8pPr>
+            <a:lvl9pPr marL="3886200" indent="-228600" algn="l" defTabSz="914400" rtl="0" eaLnBrk="1" latinLnBrk="0" hangingPunct="1">
+              <a:lnSpc>
+                <a:spcPct val="90000"/>
+              </a:lnSpc>
+              <a:spcBef>
+                <a:spcPts val="500"/>
+              </a:spcBef>
+              <a:buFont typeface="Arial" panose="020B0604020202020204" pitchFamily="34" charset="0"/>
+              <a:buChar char="•"/>
+              <a:defRPr sz="1800" kern="1200">
+                <a:solidFill>
+                  <a:schemeClr val="tx1"/>
+                </a:solidFill>
+                <a:latin typeface="+mn-lt"/>
+                <a:ea typeface="+mn-ea"/>
+                <a:cs typeface="+mn-cs"/>
+              </a:defRPr>
+            </a:lvl9pPr>
+          </a:lstStyle>
+          <a:p>
+            <a:endParaRPr lang="pt-BR" sz="2000" dirty="0"/>
+          </a:p>
+        </p:txBody>
+      </p:sp>
+      <p:sp>
+        <p:nvSpPr>
           <p:cNvPr id="3" name="CaixaDeTexto 2"/>
           <p:cNvSpPr txBox="1"/>
           <p:nvPr/>
@@ -9013,13 +9626,8 @@
             </a:r>
             <a:r>
               <a:rPr lang="pt-BR" sz="2400" dirty="0"/>
-              <a:t>, que irá conter as instruções da imagem</a:t>
-            </a:r>
-            <a:r>
-              <a:rPr lang="pt-BR" sz="2400" dirty="0" smtClean="0"/>
-              <a:t>.</a:t>
-            </a:r>
-            <a:endParaRPr lang="pt-BR" sz="2400" dirty="0"/>
+              <a:t>, que irá conter as instruções da imagem.</a:t>
+            </a:r>
           </a:p>
         </p:txBody>
       </p:sp>
@@ -9081,17 +9689,10 @@
   <p:clrMapOvr>
     <a:masterClrMapping/>
   </p:clrMapOvr>
-  <p:timing>
-    <p:tnLst>
-      <p:par>
-        <p:cTn id="1" dur="indefinite" restart="never" nodeType="tmRoot"/>
-      </p:par>
-    </p:tnLst>
-  </p:timing>
 </p:sld>
 </file>
 
-<file path=ppt/slides/slide14.xml><?xml version="1.0" encoding="utf-8"?>
+<file path=ppt/slides/slide15.xml><?xml version="1.0" encoding="utf-8"?>
 <p:sld xmlns:a="http://schemas.openxmlformats.org/drawingml/2006/main" xmlns:r="http://schemas.openxmlformats.org/officeDocument/2006/relationships" xmlns:p="http://schemas.openxmlformats.org/presentationml/2006/main">
   <p:cSld>
     <p:spTree>
@@ -9612,17 +10213,10 @@
   <p:clrMapOvr>
     <a:masterClrMapping/>
   </p:clrMapOvr>
-  <p:timing>
-    <p:tnLst>
-      <p:par>
-        <p:cTn id="1" dur="indefinite" restart="never" nodeType="tmRoot"/>
-      </p:par>
-    </p:tnLst>
-  </p:timing>
 </p:sld>
 </file>
 
-<file path=ppt/slides/slide15.xml><?xml version="1.0" encoding="utf-8"?>
+<file path=ppt/slides/slide16.xml><?xml version="1.0" encoding="utf-8"?>
 <p:sld xmlns:a="http://schemas.openxmlformats.org/drawingml/2006/main" xmlns:r="http://schemas.openxmlformats.org/officeDocument/2006/relationships" xmlns:p="http://schemas.openxmlformats.org/presentationml/2006/main">
   <p:cSld>
     <p:spTree>
@@ -10090,17 +10684,10 @@
   <p:clrMapOvr>
     <a:masterClrMapping/>
   </p:clrMapOvr>
-  <p:timing>
-    <p:tnLst>
-      <p:par>
-        <p:cTn id="1" dur="indefinite" restart="never" nodeType="tmRoot"/>
-      </p:par>
-    </p:tnLst>
-  </p:timing>
 </p:sld>
 </file>
 
-<file path=ppt/slides/slide16.xml><?xml version="1.0" encoding="utf-8"?>
+<file path=ppt/slides/slide17.xml><?xml version="1.0" encoding="utf-8"?>
 <p:sld xmlns:a="http://schemas.openxmlformats.org/drawingml/2006/main" xmlns:r="http://schemas.openxmlformats.org/officeDocument/2006/relationships" xmlns:p="http://schemas.openxmlformats.org/presentationml/2006/main">
   <p:cSld>
     <p:spTree>
@@ -10299,17 +10886,10 @@
   <p:clrMapOvr>
     <a:masterClrMapping/>
   </p:clrMapOvr>
-  <p:timing>
-    <p:tnLst>
-      <p:par>
-        <p:cTn id="1" dur="indefinite" restart="never" nodeType="tmRoot"/>
-      </p:par>
-    </p:tnLst>
-  </p:timing>
 </p:sld>
 </file>
 
-<file path=ppt/slides/slide17.xml><?xml version="1.0" encoding="utf-8"?>
+<file path=ppt/slides/slide18.xml><?xml version="1.0" encoding="utf-8"?>
 <p:sld xmlns:a="http://schemas.openxmlformats.org/drawingml/2006/main" xmlns:r="http://schemas.openxmlformats.org/officeDocument/2006/relationships" xmlns:p="http://schemas.openxmlformats.org/presentationml/2006/main">
   <p:cSld>
     <p:spTree>
@@ -10968,17 +11548,10 @@
   <p:clrMapOvr>
     <a:masterClrMapping/>
   </p:clrMapOvr>
-  <p:timing>
-    <p:tnLst>
-      <p:par>
-        <p:cTn id="1" dur="indefinite" restart="never" nodeType="tmRoot"/>
-      </p:par>
-    </p:tnLst>
-  </p:timing>
 </p:sld>
 </file>
 
-<file path=ppt/slides/slide18.xml><?xml version="1.0" encoding="utf-8"?>
+<file path=ppt/slides/slide19.xml><?xml version="1.0" encoding="utf-8"?>
 <p:sld xmlns:a="http://schemas.openxmlformats.org/drawingml/2006/main" xmlns:r="http://schemas.openxmlformats.org/officeDocument/2006/relationships" xmlns:p="http://schemas.openxmlformats.org/presentationml/2006/main">
   <p:cSld>
     <p:spTree>
@@ -11427,456 +12000,6 @@
   <p:clrMapOvr>
     <a:masterClrMapping/>
   </p:clrMapOvr>
-  <p:timing>
-    <p:tnLst>
-      <p:par>
-        <p:cTn id="1" dur="indefinite" restart="never" nodeType="tmRoot"/>
-      </p:par>
-    </p:tnLst>
-  </p:timing>
-</p:sld>
-</file>
-
-<file path=ppt/slides/slide19.xml><?xml version="1.0" encoding="utf-8"?>
-<p:sld xmlns:a="http://schemas.openxmlformats.org/drawingml/2006/main" xmlns:r="http://schemas.openxmlformats.org/officeDocument/2006/relationships" xmlns:p="http://schemas.openxmlformats.org/presentationml/2006/main">
-  <p:cSld>
-    <p:spTree>
-      <p:nvGrpSpPr>
-        <p:cNvPr id="1" name=""/>
-        <p:cNvGrpSpPr/>
-        <p:nvPr/>
-      </p:nvGrpSpPr>
-      <p:grpSpPr>
-        <a:xfrm>
-          <a:off x="0" y="0"/>
-          <a:ext cx="0" cy="0"/>
-          <a:chOff x="0" y="0"/>
-          <a:chExt cx="0" cy="0"/>
-        </a:xfrm>
-      </p:grpSpPr>
-      <p:sp>
-        <p:nvSpPr>
-          <p:cNvPr id="2" name="Título 1"/>
-          <p:cNvSpPr>
-            <a:spLocks noGrp="1"/>
-          </p:cNvSpPr>
-          <p:nvPr>
-            <p:ph type="title"/>
-          </p:nvPr>
-        </p:nvSpPr>
-        <p:spPr>
-          <a:xfrm>
-            <a:off x="826168" y="89733"/>
-            <a:ext cx="10515600" cy="422275"/>
-          </a:xfrm>
-        </p:spPr>
-        <p:txBody>
-          <a:bodyPr vert="horz" lIns="91440" tIns="45720" rIns="91440" bIns="45720" rtlCol="0" anchor="ctr">
-            <a:normAutofit fontScale="90000"/>
-          </a:bodyPr>
-          <a:lstStyle/>
-          <a:p>
-            <a:pPr algn="ctr"/>
-            <a:r>
-              <a:rPr lang="pt-BR" sz="2800" b="1" dirty="0"/>
-              <a:t>Revisão Comandos do </a:t>
-            </a:r>
-            <a:r>
-              <a:rPr lang="pt-BR" sz="2800" b="1" dirty="0" err="1"/>
-              <a:t>Docker</a:t>
-            </a:r>
-            <a:endParaRPr lang="pt-BR" sz="2800" b="1" dirty="0"/>
-          </a:p>
-        </p:txBody>
-      </p:sp>
-      <p:sp>
-        <p:nvSpPr>
-          <p:cNvPr id="3" name="Espaço Reservado para Conteúdo 2"/>
-          <p:cNvSpPr>
-            <a:spLocks noGrp="1"/>
-          </p:cNvSpPr>
-          <p:nvPr>
-            <p:ph idx="1"/>
-          </p:nvPr>
-        </p:nvSpPr>
-        <p:spPr>
-          <a:xfrm>
-            <a:off x="166437" y="584200"/>
-            <a:ext cx="11492164" cy="6273800"/>
-          </a:xfrm>
-        </p:spPr>
-        <p:txBody>
-          <a:bodyPr>
-            <a:noAutofit/>
-          </a:bodyPr>
-          <a:lstStyle/>
-          <a:p>
-            <a:pPr lvl="1" algn="just">
-              <a:lnSpc>
-                <a:spcPct val="150000"/>
-              </a:lnSpc>
-            </a:pPr>
-            <a:r>
-              <a:rPr lang="pt-BR" sz="1600" b="1" dirty="0" err="1"/>
-              <a:t>docker</a:t>
-            </a:r>
-            <a:r>
-              <a:rPr lang="pt-BR" sz="1600" b="1" dirty="0"/>
-              <a:t> </a:t>
-            </a:r>
-            <a:r>
-              <a:rPr lang="pt-BR" sz="1600" b="1" dirty="0" err="1"/>
-              <a:t>ps</a:t>
-            </a:r>
-            <a:r>
-              <a:rPr lang="pt-BR" sz="1600" dirty="0"/>
-              <a:t> - exibe todos os containers em execução no momento.</a:t>
-            </a:r>
-          </a:p>
-          <a:p>
-            <a:pPr lvl="1" algn="just">
-              <a:lnSpc>
-                <a:spcPct val="150000"/>
-              </a:lnSpc>
-            </a:pPr>
-            <a:r>
-              <a:rPr lang="pt-BR" sz="1600" b="1" dirty="0" err="1"/>
-              <a:t>docker</a:t>
-            </a:r>
-            <a:r>
-              <a:rPr lang="pt-BR" sz="1600" b="1" dirty="0"/>
-              <a:t> </a:t>
-            </a:r>
-            <a:r>
-              <a:rPr lang="pt-BR" sz="1600" b="1" dirty="0" err="1"/>
-              <a:t>ps</a:t>
-            </a:r>
-            <a:r>
-              <a:rPr lang="pt-BR" sz="1600" b="1" dirty="0"/>
-              <a:t> -a</a:t>
-            </a:r>
-            <a:r>
-              <a:rPr lang="pt-BR" sz="1600" dirty="0"/>
-              <a:t> - exibe todos os containers, independentemente de estarem em execução ou não.</a:t>
-            </a:r>
-          </a:p>
-          <a:p>
-            <a:pPr lvl="1" algn="just">
-              <a:lnSpc>
-                <a:spcPct val="150000"/>
-              </a:lnSpc>
-            </a:pPr>
-            <a:r>
-              <a:rPr lang="pt-BR" sz="1600" b="1" dirty="0" err="1"/>
-              <a:t>docker</a:t>
-            </a:r>
-            <a:r>
-              <a:rPr lang="pt-BR" sz="1600" b="1" dirty="0"/>
-              <a:t> </a:t>
-            </a:r>
-            <a:r>
-              <a:rPr lang="pt-BR" sz="1600" b="1" dirty="0" err="1"/>
-              <a:t>run</a:t>
-            </a:r>
-            <a:r>
-              <a:rPr lang="pt-BR" sz="1600" b="1" dirty="0"/>
-              <a:t> -it NOME_DA_IMAGEM</a:t>
-            </a:r>
-            <a:r>
-              <a:rPr lang="pt-BR" sz="1600" dirty="0"/>
-              <a:t> - conecta o terminal que estamos utilizando com o do container.</a:t>
-            </a:r>
-          </a:p>
-          <a:p>
-            <a:pPr lvl="1" algn="just">
-              <a:lnSpc>
-                <a:spcPct val="150000"/>
-              </a:lnSpc>
-            </a:pPr>
-            <a:r>
-              <a:rPr lang="pt-BR" sz="1600" b="1" dirty="0" err="1"/>
-              <a:t>docker</a:t>
-            </a:r>
-            <a:r>
-              <a:rPr lang="pt-BR" sz="1600" b="1" dirty="0"/>
-              <a:t> start ID_CONTAINER</a:t>
-            </a:r>
-            <a:r>
-              <a:rPr lang="pt-BR" sz="1600" dirty="0"/>
-              <a:t> - inicia o container com id em questão.</a:t>
-            </a:r>
-          </a:p>
-          <a:p>
-            <a:pPr lvl="1" algn="just">
-              <a:lnSpc>
-                <a:spcPct val="150000"/>
-              </a:lnSpc>
-            </a:pPr>
-            <a:r>
-              <a:rPr lang="pt-BR" sz="1600" b="1" dirty="0" err="1"/>
-              <a:t>docker</a:t>
-            </a:r>
-            <a:r>
-              <a:rPr lang="pt-BR" sz="1600" b="1" dirty="0"/>
-              <a:t> stop ID_CONTAINER</a:t>
-            </a:r>
-            <a:r>
-              <a:rPr lang="pt-BR" sz="1600" dirty="0"/>
-              <a:t> - interrompe o container com id em questão.</a:t>
-            </a:r>
-          </a:p>
-          <a:p>
-            <a:pPr lvl="1" algn="just">
-              <a:lnSpc>
-                <a:spcPct val="150000"/>
-              </a:lnSpc>
-            </a:pPr>
-            <a:r>
-              <a:rPr lang="pt-BR" sz="1600" b="1" dirty="0" err="1"/>
-              <a:t>docker</a:t>
-            </a:r>
-            <a:r>
-              <a:rPr lang="pt-BR" sz="1600" b="1" dirty="0"/>
-              <a:t> start -a -i ID_CONTAINER</a:t>
-            </a:r>
-            <a:r>
-              <a:rPr lang="pt-BR" sz="1600" dirty="0"/>
-              <a:t> - inicia o container com id em questão e integra os terminais, além de permitir interação entre ambos.</a:t>
-            </a:r>
-          </a:p>
-          <a:p>
-            <a:pPr lvl="1" algn="just">
-              <a:lnSpc>
-                <a:spcPct val="150000"/>
-              </a:lnSpc>
-            </a:pPr>
-            <a:r>
-              <a:rPr lang="pt-BR" sz="1600" b="1" dirty="0" err="1"/>
-              <a:t>docker</a:t>
-            </a:r>
-            <a:r>
-              <a:rPr lang="pt-BR" sz="1600" b="1" dirty="0"/>
-              <a:t> </a:t>
-            </a:r>
-            <a:r>
-              <a:rPr lang="pt-BR" sz="1600" b="1" dirty="0" err="1"/>
-              <a:t>rm</a:t>
-            </a:r>
-            <a:r>
-              <a:rPr lang="pt-BR" sz="1600" b="1" dirty="0"/>
-              <a:t> ID_CONTAINER</a:t>
-            </a:r>
-            <a:r>
-              <a:rPr lang="pt-BR" sz="1600" dirty="0"/>
-              <a:t> - remove o container com id em questão.</a:t>
-            </a:r>
-          </a:p>
-          <a:p>
-            <a:pPr lvl="1" algn="just">
-              <a:lnSpc>
-                <a:spcPct val="150000"/>
-              </a:lnSpc>
-            </a:pPr>
-            <a:r>
-              <a:rPr lang="pt-BR" sz="1600" b="1" dirty="0" err="1"/>
-              <a:t>docker</a:t>
-            </a:r>
-            <a:r>
-              <a:rPr lang="pt-BR" sz="1600" b="1" dirty="0"/>
-              <a:t> </a:t>
-            </a:r>
-            <a:r>
-              <a:rPr lang="pt-BR" sz="1600" b="1" dirty="0" err="1"/>
-              <a:t>prune</a:t>
-            </a:r>
-            <a:r>
-              <a:rPr lang="pt-BR" sz="1600" dirty="0"/>
-              <a:t> - remove todos os containers que estão parados.</a:t>
-            </a:r>
-          </a:p>
-          <a:p>
-            <a:pPr lvl="1" algn="just">
-              <a:lnSpc>
-                <a:spcPct val="150000"/>
-              </a:lnSpc>
-            </a:pPr>
-            <a:r>
-              <a:rPr lang="pt-BR" sz="1600" b="1" dirty="0" err="1"/>
-              <a:t>docker</a:t>
-            </a:r>
-            <a:r>
-              <a:rPr lang="pt-BR" sz="1600" b="1" dirty="0"/>
-              <a:t> </a:t>
-            </a:r>
-            <a:r>
-              <a:rPr lang="pt-BR" sz="1600" b="1" dirty="0" err="1"/>
-              <a:t>rmi</a:t>
-            </a:r>
-            <a:r>
-              <a:rPr lang="pt-BR" sz="1600" b="1" dirty="0"/>
-              <a:t> NOME_DA_IMAGEM</a:t>
-            </a:r>
-            <a:r>
-              <a:rPr lang="pt-BR" sz="1600" dirty="0"/>
-              <a:t> - remove a imagem passada como parâmetro.</a:t>
-            </a:r>
-          </a:p>
-          <a:p>
-            <a:pPr lvl="1" algn="just">
-              <a:lnSpc>
-                <a:spcPct val="150000"/>
-              </a:lnSpc>
-            </a:pPr>
-            <a:r>
-              <a:rPr lang="pt-BR" sz="1600" b="1" dirty="0" err="1"/>
-              <a:t>docker</a:t>
-            </a:r>
-            <a:r>
-              <a:rPr lang="pt-BR" sz="1600" b="1" dirty="0"/>
-              <a:t> </a:t>
-            </a:r>
-            <a:r>
-              <a:rPr lang="pt-BR" sz="1600" b="1" dirty="0" err="1"/>
-              <a:t>run</a:t>
-            </a:r>
-            <a:r>
-              <a:rPr lang="pt-BR" sz="1600" b="1" dirty="0"/>
-              <a:t> -d -P --</a:t>
-            </a:r>
-            <a:r>
-              <a:rPr lang="pt-BR" sz="1600" b="1" dirty="0" err="1"/>
-              <a:t>name</a:t>
-            </a:r>
-            <a:r>
-              <a:rPr lang="pt-BR" sz="1600" b="1" dirty="0"/>
-              <a:t> NOME </a:t>
-            </a:r>
-            <a:r>
-              <a:rPr lang="pt-BR" sz="1600" b="1" dirty="0" err="1"/>
-              <a:t>dockersamples</a:t>
-            </a:r>
-            <a:r>
-              <a:rPr lang="pt-BR" sz="1600" b="1" dirty="0"/>
-              <a:t>/</a:t>
-            </a:r>
-            <a:r>
-              <a:rPr lang="pt-BR" sz="1600" b="1" dirty="0" err="1"/>
-              <a:t>static</a:t>
-            </a:r>
-            <a:r>
-              <a:rPr lang="pt-BR" sz="1600" b="1" dirty="0"/>
-              <a:t>-site</a:t>
-            </a:r>
-            <a:r>
-              <a:rPr lang="pt-BR" sz="1600" dirty="0"/>
-              <a:t> - ao executar, dá um nome ao container.</a:t>
-            </a:r>
-          </a:p>
-          <a:p>
-            <a:pPr lvl="1" algn="just">
-              <a:lnSpc>
-                <a:spcPct val="150000"/>
-              </a:lnSpc>
-            </a:pPr>
-            <a:r>
-              <a:rPr lang="pt-BR" sz="1600" b="1" dirty="0" err="1"/>
-              <a:t>docker</a:t>
-            </a:r>
-            <a:r>
-              <a:rPr lang="pt-BR" sz="1600" b="1" dirty="0"/>
-              <a:t> </a:t>
-            </a:r>
-            <a:r>
-              <a:rPr lang="pt-BR" sz="1600" b="1" dirty="0" err="1"/>
-              <a:t>run</a:t>
-            </a:r>
-            <a:r>
-              <a:rPr lang="pt-BR" sz="1600" b="1" dirty="0"/>
-              <a:t> -d -p 12345:80 </a:t>
-            </a:r>
-            <a:r>
-              <a:rPr lang="pt-BR" sz="1600" b="1" dirty="0" err="1"/>
-              <a:t>dockersamples</a:t>
-            </a:r>
-            <a:r>
-              <a:rPr lang="pt-BR" sz="1600" b="1" dirty="0"/>
-              <a:t>/</a:t>
-            </a:r>
-            <a:r>
-              <a:rPr lang="pt-BR" sz="1600" b="1" dirty="0" err="1"/>
-              <a:t>static</a:t>
-            </a:r>
-            <a:r>
-              <a:rPr lang="pt-BR" sz="1600" b="1" dirty="0"/>
-              <a:t>-site</a:t>
-            </a:r>
-            <a:r>
-              <a:rPr lang="pt-BR" sz="1600" dirty="0"/>
-              <a:t> - define uma porta específica para ser atribuída à porta 80 do container, neste caso 12345.</a:t>
-            </a:r>
-          </a:p>
-          <a:p>
-            <a:pPr lvl="1" algn="just">
-              <a:lnSpc>
-                <a:spcPct val="150000"/>
-              </a:lnSpc>
-            </a:pPr>
-            <a:r>
-              <a:rPr lang="pt-BR" sz="1600" b="1" dirty="0" err="1"/>
-              <a:t>docker</a:t>
-            </a:r>
-            <a:r>
-              <a:rPr lang="pt-BR" sz="1600" b="1" dirty="0"/>
-              <a:t> </a:t>
-            </a:r>
-            <a:r>
-              <a:rPr lang="pt-BR" sz="1600" b="1" dirty="0" err="1"/>
-              <a:t>run</a:t>
-            </a:r>
-            <a:r>
-              <a:rPr lang="pt-BR" sz="1600" b="1" dirty="0"/>
-              <a:t> -d -e AUTHOR="Fulano" </a:t>
-            </a:r>
-            <a:r>
-              <a:rPr lang="pt-BR" sz="1600" b="1" dirty="0" err="1"/>
-              <a:t>dockersamples</a:t>
-            </a:r>
-            <a:r>
-              <a:rPr lang="pt-BR" sz="1600" b="1" dirty="0"/>
-              <a:t>/</a:t>
-            </a:r>
-            <a:r>
-              <a:rPr lang="pt-BR" sz="1600" b="1" dirty="0" err="1"/>
-              <a:t>static</a:t>
-            </a:r>
-            <a:r>
-              <a:rPr lang="pt-BR" sz="1600" b="1" dirty="0"/>
-              <a:t>-site</a:t>
-            </a:r>
-            <a:r>
-              <a:rPr lang="pt-BR" sz="1600" dirty="0"/>
-              <a:t> - define uma variável de ambiente AUTHOR com o valor Fulano no container criado.</a:t>
-            </a:r>
-          </a:p>
-        </p:txBody>
-      </p:sp>
-    </p:spTree>
-    <p:extLst>
-      <p:ext uri="{BB962C8B-B14F-4D97-AF65-F5344CB8AC3E}">
-        <p14:creationId xmlns:p14="http://schemas.microsoft.com/office/powerpoint/2010/main" val="2636815561"/>
-      </p:ext>
-    </p:extLst>
-  </p:cSld>
-  <p:clrMapOvr>
-    <a:masterClrMapping/>
-  </p:clrMapOvr>
-  <p:timing>
-    <p:tnLst>
-      <p:par>
-        <p:cTn id="1" dur="indefinite" restart="never" nodeType="tmRoot"/>
-      </p:par>
-    </p:tnLst>
-  </p:timing>
 </p:sld>
 </file>
 
@@ -11921,10 +12044,9 @@
           <a:p>
             <a:pPr algn="ctr"/>
             <a:r>
-              <a:rPr lang="pt-BR" sz="2800" b="1" dirty="0" smtClean="0"/>
+              <a:rPr lang="pt-BR" sz="2800" b="1" dirty="0"/>
               <a:t>Agenda</a:t>
             </a:r>
-            <a:endParaRPr lang="pt-BR" sz="2800" b="1" dirty="0"/>
           </a:p>
         </p:txBody>
       </p:sp>
@@ -11951,10 +12073,9 @@
           <a:lstStyle/>
           <a:p>
             <a:r>
-              <a:rPr lang="pt-BR" sz="1600" dirty="0" smtClean="0"/>
+              <a:rPr lang="pt-BR" sz="1600" dirty="0"/>
               <a:t>Contexto</a:t>
             </a:r>
-            <a:endParaRPr lang="pt-BR" sz="1600" dirty="0"/>
           </a:p>
         </p:txBody>
       </p:sp>
@@ -11968,17 +12089,446 @@
   <p:clrMapOvr>
     <a:masterClrMapping/>
   </p:clrMapOvr>
-  <p:timing>
-    <p:tnLst>
-      <p:par>
-        <p:cTn id="1" dur="indefinite" restart="never" nodeType="tmRoot"/>
-      </p:par>
-    </p:tnLst>
-  </p:timing>
 </p:sld>
 </file>
 
 <file path=ppt/slides/slide20.xml><?xml version="1.0" encoding="utf-8"?>
+<p:sld xmlns:a="http://schemas.openxmlformats.org/drawingml/2006/main" xmlns:r="http://schemas.openxmlformats.org/officeDocument/2006/relationships" xmlns:p="http://schemas.openxmlformats.org/presentationml/2006/main">
+  <p:cSld>
+    <p:spTree>
+      <p:nvGrpSpPr>
+        <p:cNvPr id="1" name=""/>
+        <p:cNvGrpSpPr/>
+        <p:nvPr/>
+      </p:nvGrpSpPr>
+      <p:grpSpPr>
+        <a:xfrm>
+          <a:off x="0" y="0"/>
+          <a:ext cx="0" cy="0"/>
+          <a:chOff x="0" y="0"/>
+          <a:chExt cx="0" cy="0"/>
+        </a:xfrm>
+      </p:grpSpPr>
+      <p:sp>
+        <p:nvSpPr>
+          <p:cNvPr id="2" name="Título 1"/>
+          <p:cNvSpPr>
+            <a:spLocks noGrp="1"/>
+          </p:cNvSpPr>
+          <p:nvPr>
+            <p:ph type="title"/>
+          </p:nvPr>
+        </p:nvSpPr>
+        <p:spPr>
+          <a:xfrm>
+            <a:off x="826168" y="89733"/>
+            <a:ext cx="10515600" cy="422275"/>
+          </a:xfrm>
+        </p:spPr>
+        <p:txBody>
+          <a:bodyPr vert="horz" lIns="91440" tIns="45720" rIns="91440" bIns="45720" rtlCol="0" anchor="ctr">
+            <a:normAutofit fontScale="90000"/>
+          </a:bodyPr>
+          <a:lstStyle/>
+          <a:p>
+            <a:pPr algn="ctr"/>
+            <a:r>
+              <a:rPr lang="pt-BR" sz="2800" b="1" dirty="0"/>
+              <a:t>Revisão Comandos do </a:t>
+            </a:r>
+            <a:r>
+              <a:rPr lang="pt-BR" sz="2800" b="1" dirty="0" err="1"/>
+              <a:t>Docker</a:t>
+            </a:r>
+            <a:endParaRPr lang="pt-BR" sz="2800" b="1" dirty="0"/>
+          </a:p>
+        </p:txBody>
+      </p:sp>
+      <p:sp>
+        <p:nvSpPr>
+          <p:cNvPr id="3" name="Espaço Reservado para Conteúdo 2"/>
+          <p:cNvSpPr>
+            <a:spLocks noGrp="1"/>
+          </p:cNvSpPr>
+          <p:nvPr>
+            <p:ph idx="1"/>
+          </p:nvPr>
+        </p:nvSpPr>
+        <p:spPr>
+          <a:xfrm>
+            <a:off x="166437" y="584200"/>
+            <a:ext cx="11492164" cy="6273800"/>
+          </a:xfrm>
+        </p:spPr>
+        <p:txBody>
+          <a:bodyPr>
+            <a:noAutofit/>
+          </a:bodyPr>
+          <a:lstStyle/>
+          <a:p>
+            <a:pPr lvl="1" algn="just">
+              <a:lnSpc>
+                <a:spcPct val="150000"/>
+              </a:lnSpc>
+            </a:pPr>
+            <a:r>
+              <a:rPr lang="pt-BR" sz="1600" b="1" dirty="0" err="1"/>
+              <a:t>docker</a:t>
+            </a:r>
+            <a:r>
+              <a:rPr lang="pt-BR" sz="1600" b="1" dirty="0"/>
+              <a:t> </a:t>
+            </a:r>
+            <a:r>
+              <a:rPr lang="pt-BR" sz="1600" b="1" dirty="0" err="1"/>
+              <a:t>ps</a:t>
+            </a:r>
+            <a:r>
+              <a:rPr lang="pt-BR" sz="1600" dirty="0"/>
+              <a:t> - exibe todos os containers em execução no momento.</a:t>
+            </a:r>
+          </a:p>
+          <a:p>
+            <a:pPr lvl="1" algn="just">
+              <a:lnSpc>
+                <a:spcPct val="150000"/>
+              </a:lnSpc>
+            </a:pPr>
+            <a:r>
+              <a:rPr lang="pt-BR" sz="1600" b="1" dirty="0" err="1"/>
+              <a:t>docker</a:t>
+            </a:r>
+            <a:r>
+              <a:rPr lang="pt-BR" sz="1600" b="1" dirty="0"/>
+              <a:t> </a:t>
+            </a:r>
+            <a:r>
+              <a:rPr lang="pt-BR" sz="1600" b="1" dirty="0" err="1"/>
+              <a:t>ps</a:t>
+            </a:r>
+            <a:r>
+              <a:rPr lang="pt-BR" sz="1600" b="1" dirty="0"/>
+              <a:t> -a</a:t>
+            </a:r>
+            <a:r>
+              <a:rPr lang="pt-BR" sz="1600" dirty="0"/>
+              <a:t> - exibe todos os containers, independentemente de estarem em execução ou não.</a:t>
+            </a:r>
+          </a:p>
+          <a:p>
+            <a:pPr lvl="1" algn="just">
+              <a:lnSpc>
+                <a:spcPct val="150000"/>
+              </a:lnSpc>
+            </a:pPr>
+            <a:r>
+              <a:rPr lang="pt-BR" sz="1600" b="1" dirty="0" err="1"/>
+              <a:t>docker</a:t>
+            </a:r>
+            <a:r>
+              <a:rPr lang="pt-BR" sz="1600" b="1" dirty="0"/>
+              <a:t> </a:t>
+            </a:r>
+            <a:r>
+              <a:rPr lang="pt-BR" sz="1600" b="1" dirty="0" err="1"/>
+              <a:t>run</a:t>
+            </a:r>
+            <a:r>
+              <a:rPr lang="pt-BR" sz="1600" b="1" dirty="0"/>
+              <a:t> -it NOME_DA_IMAGEM</a:t>
+            </a:r>
+            <a:r>
+              <a:rPr lang="pt-BR" sz="1600" dirty="0"/>
+              <a:t> - conecta o terminal que estamos utilizando com o do container.</a:t>
+            </a:r>
+          </a:p>
+          <a:p>
+            <a:pPr lvl="1" algn="just">
+              <a:lnSpc>
+                <a:spcPct val="150000"/>
+              </a:lnSpc>
+            </a:pPr>
+            <a:r>
+              <a:rPr lang="pt-BR" sz="1600" b="1" dirty="0" err="1"/>
+              <a:t>docker</a:t>
+            </a:r>
+            <a:r>
+              <a:rPr lang="pt-BR" sz="1600" b="1" dirty="0"/>
+              <a:t> start ID_CONTAINER</a:t>
+            </a:r>
+            <a:r>
+              <a:rPr lang="pt-BR" sz="1600" dirty="0"/>
+              <a:t> - inicia o container com id em questão.</a:t>
+            </a:r>
+          </a:p>
+          <a:p>
+            <a:pPr lvl="1" algn="just">
+              <a:lnSpc>
+                <a:spcPct val="150000"/>
+              </a:lnSpc>
+            </a:pPr>
+            <a:r>
+              <a:rPr lang="pt-BR" sz="1600" b="1" dirty="0" err="1"/>
+              <a:t>docker</a:t>
+            </a:r>
+            <a:r>
+              <a:rPr lang="pt-BR" sz="1600" b="1" dirty="0"/>
+              <a:t> stop ID_CONTAINER</a:t>
+            </a:r>
+            <a:r>
+              <a:rPr lang="pt-BR" sz="1600" dirty="0"/>
+              <a:t> - interrompe o container com id em questão.</a:t>
+            </a:r>
+          </a:p>
+          <a:p>
+            <a:pPr lvl="1" algn="just">
+              <a:lnSpc>
+                <a:spcPct val="150000"/>
+              </a:lnSpc>
+            </a:pPr>
+            <a:r>
+              <a:rPr lang="pt-BR" sz="1600" b="1" dirty="0" err="1"/>
+              <a:t>docker</a:t>
+            </a:r>
+            <a:r>
+              <a:rPr lang="pt-BR" sz="1600" b="1" dirty="0"/>
+              <a:t> start -a -i ID_CONTAINER</a:t>
+            </a:r>
+            <a:r>
+              <a:rPr lang="pt-BR" sz="1600" dirty="0"/>
+              <a:t> - inicia o container com id em questão e integra os terminais, além de permitir interação entre ambos.</a:t>
+            </a:r>
+          </a:p>
+          <a:p>
+            <a:pPr lvl="1" algn="just">
+              <a:lnSpc>
+                <a:spcPct val="150000"/>
+              </a:lnSpc>
+            </a:pPr>
+            <a:r>
+              <a:rPr lang="pt-BR" sz="1600" b="1" dirty="0" err="1"/>
+              <a:t>docker</a:t>
+            </a:r>
+            <a:r>
+              <a:rPr lang="pt-BR" sz="1600" b="1" dirty="0"/>
+              <a:t> </a:t>
+            </a:r>
+            <a:r>
+              <a:rPr lang="pt-BR" sz="1600" b="1" dirty="0" err="1"/>
+              <a:t>rm</a:t>
+            </a:r>
+            <a:r>
+              <a:rPr lang="pt-BR" sz="1600" b="1" dirty="0"/>
+              <a:t> ID_CONTAINER</a:t>
+            </a:r>
+            <a:r>
+              <a:rPr lang="pt-BR" sz="1600" dirty="0"/>
+              <a:t> - remove o container com id em questão.</a:t>
+            </a:r>
+          </a:p>
+          <a:p>
+            <a:pPr lvl="1" algn="just">
+              <a:lnSpc>
+                <a:spcPct val="150000"/>
+              </a:lnSpc>
+            </a:pPr>
+            <a:r>
+              <a:rPr lang="pt-BR" sz="1600" b="1" dirty="0" err="1"/>
+              <a:t>docker</a:t>
+            </a:r>
+            <a:r>
+              <a:rPr lang="pt-BR" sz="1600" b="1" dirty="0"/>
+              <a:t> </a:t>
+            </a:r>
+            <a:r>
+              <a:rPr lang="pt-BR" sz="1600" b="1" dirty="0" err="1"/>
+              <a:t>prune</a:t>
+            </a:r>
+            <a:r>
+              <a:rPr lang="pt-BR" sz="1600" dirty="0"/>
+              <a:t> - remove todos os containers que estão parados.</a:t>
+            </a:r>
+          </a:p>
+          <a:p>
+            <a:pPr lvl="1" algn="just">
+              <a:lnSpc>
+                <a:spcPct val="150000"/>
+              </a:lnSpc>
+            </a:pPr>
+            <a:r>
+              <a:rPr lang="pt-BR" sz="1600" b="1" dirty="0" err="1"/>
+              <a:t>docker</a:t>
+            </a:r>
+            <a:r>
+              <a:rPr lang="pt-BR" sz="1600" b="1" dirty="0"/>
+              <a:t> </a:t>
+            </a:r>
+            <a:r>
+              <a:rPr lang="pt-BR" sz="1600" b="1" dirty="0" err="1"/>
+              <a:t>rmi</a:t>
+            </a:r>
+            <a:r>
+              <a:rPr lang="pt-BR" sz="1600" b="1" dirty="0"/>
+              <a:t> NOME_DA_IMAGEM</a:t>
+            </a:r>
+            <a:r>
+              <a:rPr lang="pt-BR" sz="1600" dirty="0"/>
+              <a:t> - remove a imagem passada como parâmetro.</a:t>
+            </a:r>
+          </a:p>
+          <a:p>
+            <a:pPr lvl="1" algn="just">
+              <a:lnSpc>
+                <a:spcPct val="150000"/>
+              </a:lnSpc>
+            </a:pPr>
+            <a:r>
+              <a:rPr lang="pt-BR" sz="1600" b="1" dirty="0" err="1"/>
+              <a:t>docker</a:t>
+            </a:r>
+            <a:r>
+              <a:rPr lang="pt-BR" sz="1600" b="1" dirty="0"/>
+              <a:t> </a:t>
+            </a:r>
+            <a:r>
+              <a:rPr lang="pt-BR" sz="1600" b="1" dirty="0" err="1"/>
+              <a:t>run</a:t>
+            </a:r>
+            <a:r>
+              <a:rPr lang="pt-BR" sz="1600" b="1" dirty="0"/>
+              <a:t> -d -P --</a:t>
+            </a:r>
+            <a:r>
+              <a:rPr lang="pt-BR" sz="1600" b="1" dirty="0" err="1"/>
+              <a:t>name</a:t>
+            </a:r>
+            <a:r>
+              <a:rPr lang="pt-BR" sz="1600" b="1" dirty="0"/>
+              <a:t> NOME </a:t>
+            </a:r>
+            <a:r>
+              <a:rPr lang="pt-BR" sz="1600" b="1" dirty="0" err="1"/>
+              <a:t>dockersamples</a:t>
+            </a:r>
+            <a:r>
+              <a:rPr lang="pt-BR" sz="1600" b="1" dirty="0"/>
+              <a:t>/</a:t>
+            </a:r>
+            <a:r>
+              <a:rPr lang="pt-BR" sz="1600" b="1" dirty="0" err="1"/>
+              <a:t>static</a:t>
+            </a:r>
+            <a:r>
+              <a:rPr lang="pt-BR" sz="1600" b="1" dirty="0"/>
+              <a:t>-site</a:t>
+            </a:r>
+            <a:r>
+              <a:rPr lang="pt-BR" sz="1600" dirty="0"/>
+              <a:t> - ao executar, dá um nome ao container.</a:t>
+            </a:r>
+          </a:p>
+          <a:p>
+            <a:pPr lvl="1" algn="just">
+              <a:lnSpc>
+                <a:spcPct val="150000"/>
+              </a:lnSpc>
+            </a:pPr>
+            <a:r>
+              <a:rPr lang="pt-BR" sz="1600" b="1" dirty="0" err="1"/>
+              <a:t>docker</a:t>
+            </a:r>
+            <a:r>
+              <a:rPr lang="pt-BR" sz="1600" b="1" dirty="0"/>
+              <a:t> </a:t>
+            </a:r>
+            <a:r>
+              <a:rPr lang="pt-BR" sz="1600" b="1" dirty="0" err="1"/>
+              <a:t>run</a:t>
+            </a:r>
+            <a:r>
+              <a:rPr lang="pt-BR" sz="1600" b="1" dirty="0"/>
+              <a:t> -d -p 12345:80 </a:t>
+            </a:r>
+            <a:r>
+              <a:rPr lang="pt-BR" sz="1600" b="1" dirty="0" err="1"/>
+              <a:t>dockersamples</a:t>
+            </a:r>
+            <a:r>
+              <a:rPr lang="pt-BR" sz="1600" b="1" dirty="0"/>
+              <a:t>/</a:t>
+            </a:r>
+            <a:r>
+              <a:rPr lang="pt-BR" sz="1600" b="1" dirty="0" err="1"/>
+              <a:t>static</a:t>
+            </a:r>
+            <a:r>
+              <a:rPr lang="pt-BR" sz="1600" b="1" dirty="0"/>
+              <a:t>-site</a:t>
+            </a:r>
+            <a:r>
+              <a:rPr lang="pt-BR" sz="1600" dirty="0"/>
+              <a:t> - define uma porta específica para ser atribuída à porta 80 do container, neste caso 12345.</a:t>
+            </a:r>
+          </a:p>
+          <a:p>
+            <a:pPr lvl="1" algn="just">
+              <a:lnSpc>
+                <a:spcPct val="150000"/>
+              </a:lnSpc>
+            </a:pPr>
+            <a:r>
+              <a:rPr lang="pt-BR" sz="1600" b="1" dirty="0" err="1"/>
+              <a:t>docker</a:t>
+            </a:r>
+            <a:r>
+              <a:rPr lang="pt-BR" sz="1600" b="1" dirty="0"/>
+              <a:t> </a:t>
+            </a:r>
+            <a:r>
+              <a:rPr lang="pt-BR" sz="1600" b="1" dirty="0" err="1"/>
+              <a:t>run</a:t>
+            </a:r>
+            <a:r>
+              <a:rPr lang="pt-BR" sz="1600" b="1" dirty="0"/>
+              <a:t> -d -e AUTHOR="Fulano" </a:t>
+            </a:r>
+            <a:r>
+              <a:rPr lang="pt-BR" sz="1600" b="1" dirty="0" err="1"/>
+              <a:t>dockersamples</a:t>
+            </a:r>
+            <a:r>
+              <a:rPr lang="pt-BR" sz="1600" b="1" dirty="0"/>
+              <a:t>/</a:t>
+            </a:r>
+            <a:r>
+              <a:rPr lang="pt-BR" sz="1600" b="1" dirty="0" err="1"/>
+              <a:t>static</a:t>
+            </a:r>
+            <a:r>
+              <a:rPr lang="pt-BR" sz="1600" b="1" dirty="0"/>
+              <a:t>-site</a:t>
+            </a:r>
+            <a:r>
+              <a:rPr lang="pt-BR" sz="1600" dirty="0"/>
+              <a:t> - define uma variável de ambiente AUTHOR com o valor Fulano no container criado.</a:t>
+            </a:r>
+          </a:p>
+        </p:txBody>
+      </p:sp>
+    </p:spTree>
+    <p:extLst>
+      <p:ext uri="{BB962C8B-B14F-4D97-AF65-F5344CB8AC3E}">
+        <p14:creationId xmlns:p14="http://schemas.microsoft.com/office/powerpoint/2010/main" val="2636815561"/>
+      </p:ext>
+    </p:extLst>
+  </p:cSld>
+  <p:clrMapOvr>
+    <a:masterClrMapping/>
+  </p:clrMapOvr>
+</p:sld>
+</file>
+
+<file path=ppt/slides/slide21.xml><?xml version="1.0" encoding="utf-8"?>
 <p:sld xmlns:a="http://schemas.openxmlformats.org/drawingml/2006/main" xmlns:r="http://schemas.openxmlformats.org/officeDocument/2006/relationships" xmlns:p="http://schemas.openxmlformats.org/presentationml/2006/main">
   <p:cSld>
     <p:spTree>
@@ -12092,17 +12642,10 @@
   <p:clrMapOvr>
     <a:masterClrMapping/>
   </p:clrMapOvr>
-  <p:timing>
-    <p:tnLst>
-      <p:par>
-        <p:cTn id="1" dur="indefinite" restart="never" nodeType="tmRoot"/>
-      </p:par>
-    </p:tnLst>
-  </p:timing>
 </p:sld>
 </file>
 
-<file path=ppt/slides/slide21.xml><?xml version="1.0" encoding="utf-8"?>
+<file path=ppt/slides/slide22.xml><?xml version="1.0" encoding="utf-8"?>
 <p:sld xmlns:a="http://schemas.openxmlformats.org/drawingml/2006/main" xmlns:r="http://schemas.openxmlformats.org/officeDocument/2006/relationships" xmlns:p="http://schemas.openxmlformats.org/presentationml/2006/main">
   <p:cSld>
     <p:spTree>
@@ -12806,362 +13349,6 @@
   <p:clrMapOvr>
     <a:masterClrMapping/>
   </p:clrMapOvr>
-  <p:timing>
-    <p:tnLst>
-      <p:par>
-        <p:cTn id="1" dur="indefinite" restart="never" nodeType="tmRoot"/>
-      </p:par>
-    </p:tnLst>
-  </p:timing>
-</p:sld>
-</file>
-
-<file path=ppt/slides/slide22.xml><?xml version="1.0" encoding="utf-8"?>
-<p:sld xmlns:a="http://schemas.openxmlformats.org/drawingml/2006/main" xmlns:r="http://schemas.openxmlformats.org/officeDocument/2006/relationships" xmlns:p="http://schemas.openxmlformats.org/presentationml/2006/main">
-  <p:cSld>
-    <p:spTree>
-      <p:nvGrpSpPr>
-        <p:cNvPr id="1" name=""/>
-        <p:cNvGrpSpPr/>
-        <p:nvPr/>
-      </p:nvGrpSpPr>
-      <p:grpSpPr>
-        <a:xfrm>
-          <a:off x="0" y="0"/>
-          <a:ext cx="0" cy="0"/>
-          <a:chOff x="0" y="0"/>
-          <a:chExt cx="0" cy="0"/>
-        </a:xfrm>
-      </p:grpSpPr>
-      <p:sp>
-        <p:nvSpPr>
-          <p:cNvPr id="2" name="Título 1"/>
-          <p:cNvSpPr>
-            <a:spLocks noGrp="1"/>
-          </p:cNvSpPr>
-          <p:nvPr>
-            <p:ph type="title"/>
-          </p:nvPr>
-        </p:nvSpPr>
-        <p:spPr>
-          <a:xfrm>
-            <a:off x="115910" y="123288"/>
-            <a:ext cx="11951594" cy="422275"/>
-          </a:xfrm>
-        </p:spPr>
-        <p:txBody>
-          <a:bodyPr vert="horz" lIns="91440" tIns="45720" rIns="91440" bIns="45720" rtlCol="0" anchor="ctr">
-            <a:normAutofit fontScale="90000"/>
-          </a:bodyPr>
-          <a:lstStyle/>
-          <a:p>
-            <a:pPr algn="ctr"/>
-            <a:r>
-              <a:rPr lang="pt-BR" sz="2800" b="1" dirty="0"/>
-              <a:t>Volumes</a:t>
-            </a:r>
-          </a:p>
-        </p:txBody>
-      </p:sp>
-      <p:sp>
-        <p:nvSpPr>
-          <p:cNvPr id="5" name="Espaço Reservado para Conteúdo 4"/>
-          <p:cNvSpPr>
-            <a:spLocks noGrp="1"/>
-          </p:cNvSpPr>
-          <p:nvPr>
-            <p:ph idx="1"/>
-          </p:nvPr>
-        </p:nvSpPr>
-        <p:spPr>
-          <a:xfrm>
-            <a:off x="241478" y="545562"/>
-            <a:ext cx="11259355" cy="5700691"/>
-          </a:xfrm>
-        </p:spPr>
-        <p:txBody>
-          <a:bodyPr>
-            <a:noAutofit/>
-          </a:bodyPr>
-          <a:lstStyle/>
-          <a:p>
-            <a:r>
-              <a:rPr lang="pt-BR" sz="2000" dirty="0"/>
-              <a:t>A pasta que é gerada no </a:t>
-            </a:r>
-            <a:r>
-              <a:rPr lang="pt-BR" sz="2000" dirty="0" err="1"/>
-              <a:t>Docker</a:t>
-            </a:r>
-            <a:r>
-              <a:rPr lang="pt-BR" sz="2000" dirty="0"/>
-              <a:t> Host pode ser configurada</a:t>
-            </a:r>
-          </a:p>
-          <a:p>
-            <a:endParaRPr lang="pt-BR" sz="2000" b="1" dirty="0"/>
-          </a:p>
-          <a:p>
-            <a:pPr lvl="1">
-              <a:buFont typeface="Wingdings" panose="05000000000000000000" pitchFamily="2" charset="2"/>
-              <a:buChar char="Ø"/>
-            </a:pPr>
-            <a:r>
-              <a:rPr lang="en-US" sz="2000" dirty="0" err="1">
-                <a:solidFill>
-                  <a:schemeClr val="accent5"/>
-                </a:solidFill>
-              </a:rPr>
-              <a:t>docker</a:t>
-            </a:r>
-            <a:r>
-              <a:rPr lang="en-US" sz="2000" dirty="0">
-                <a:solidFill>
-                  <a:schemeClr val="accent5"/>
-                </a:solidFill>
-              </a:rPr>
-              <a:t> run -it -v "C:\Users\Luciano\Desktop:/var/www" </a:t>
-            </a:r>
-            <a:r>
-              <a:rPr lang="en-US" sz="2000" dirty="0" err="1">
-                <a:solidFill>
-                  <a:schemeClr val="accent5"/>
-                </a:solidFill>
-              </a:rPr>
-              <a:t>ubuntu</a:t>
-            </a:r>
-            <a:endParaRPr lang="en-US" sz="2000" dirty="0">
-              <a:solidFill>
-                <a:schemeClr val="accent5"/>
-              </a:solidFill>
-            </a:endParaRPr>
-          </a:p>
-          <a:p>
-            <a:pPr lvl="1">
-              <a:buFont typeface="Wingdings" panose="05000000000000000000" pitchFamily="2" charset="2"/>
-              <a:buChar char="Ø"/>
-            </a:pPr>
-            <a:r>
-              <a:rPr lang="en-US" sz="2000" dirty="0">
-                <a:solidFill>
-                  <a:schemeClr val="accent5"/>
-                </a:solidFill>
-              </a:rPr>
-              <a:t>root@abd0286c0083:/#</a:t>
-            </a:r>
-          </a:p>
-          <a:p>
-            <a:pPr lvl="1">
-              <a:buFont typeface="Wingdings" panose="05000000000000000000" pitchFamily="2" charset="2"/>
-              <a:buChar char="Ø"/>
-            </a:pPr>
-            <a:endParaRPr lang="en-US" sz="2000" dirty="0">
-              <a:solidFill>
-                <a:schemeClr val="accent5"/>
-              </a:solidFill>
-            </a:endParaRPr>
-          </a:p>
-          <a:p>
-            <a:pPr lvl="1">
-              <a:buFont typeface="Wingdings" panose="05000000000000000000" pitchFamily="2" charset="2"/>
-              <a:buChar char="Ø"/>
-            </a:pPr>
-            <a:endParaRPr lang="en-US" sz="2000" dirty="0">
-              <a:solidFill>
-                <a:schemeClr val="accent5"/>
-              </a:solidFill>
-            </a:endParaRPr>
-          </a:p>
-          <a:p>
-            <a:pPr lvl="1">
-              <a:buFont typeface="Wingdings" panose="05000000000000000000" pitchFamily="2" charset="2"/>
-              <a:buChar char="Ø"/>
-            </a:pPr>
-            <a:r>
-              <a:rPr lang="pt-BR" sz="2000" dirty="0">
-                <a:solidFill>
-                  <a:schemeClr val="accent5"/>
-                </a:solidFill>
-              </a:rPr>
-              <a:t>root@6ec39d5e9175:/# </a:t>
-            </a:r>
-            <a:r>
-              <a:rPr lang="pt-BR" sz="2000" dirty="0" err="1">
-                <a:solidFill>
-                  <a:schemeClr val="accent5"/>
-                </a:solidFill>
-              </a:rPr>
-              <a:t>cd</a:t>
-            </a:r>
-            <a:r>
-              <a:rPr lang="pt-BR" sz="2000" dirty="0">
-                <a:solidFill>
-                  <a:schemeClr val="accent5"/>
-                </a:solidFill>
-              </a:rPr>
-              <a:t> /var/</a:t>
-            </a:r>
-            <a:r>
-              <a:rPr lang="pt-BR" sz="2000" dirty="0" err="1">
-                <a:solidFill>
-                  <a:schemeClr val="accent5"/>
-                </a:solidFill>
-              </a:rPr>
-              <a:t>www</a:t>
-            </a:r>
-            <a:r>
-              <a:rPr lang="pt-BR" sz="2000" dirty="0">
-                <a:solidFill>
-                  <a:schemeClr val="accent5"/>
-                </a:solidFill>
-              </a:rPr>
-              <a:t>/</a:t>
-            </a:r>
-          </a:p>
-          <a:p>
-            <a:pPr lvl="1">
-              <a:buFont typeface="Wingdings" panose="05000000000000000000" pitchFamily="2" charset="2"/>
-              <a:buChar char="Ø"/>
-            </a:pPr>
-            <a:r>
-              <a:rPr lang="pt-BR" sz="2000" dirty="0">
-                <a:solidFill>
-                  <a:schemeClr val="accent5"/>
-                </a:solidFill>
-              </a:rPr>
-              <a:t>root@6ec39d5e9175 :/var/</a:t>
-            </a:r>
-            <a:r>
-              <a:rPr lang="pt-BR" sz="2000" dirty="0" err="1">
-                <a:solidFill>
-                  <a:schemeClr val="accent5"/>
-                </a:solidFill>
-              </a:rPr>
-              <a:t>www</a:t>
-            </a:r>
-            <a:r>
-              <a:rPr lang="pt-BR" sz="2000" dirty="0">
-                <a:solidFill>
-                  <a:schemeClr val="accent5"/>
-                </a:solidFill>
-              </a:rPr>
-              <a:t># </a:t>
-            </a:r>
-            <a:r>
-              <a:rPr lang="pt-BR" sz="2000" dirty="0" err="1">
-                <a:solidFill>
-                  <a:schemeClr val="accent5"/>
-                </a:solidFill>
-              </a:rPr>
-              <a:t>touch</a:t>
-            </a:r>
-            <a:r>
-              <a:rPr lang="pt-BR" sz="2000" dirty="0">
-                <a:solidFill>
-                  <a:schemeClr val="accent5"/>
-                </a:solidFill>
-              </a:rPr>
-              <a:t> arquivo1.txt</a:t>
-            </a:r>
-          </a:p>
-          <a:p>
-            <a:pPr lvl="1">
-              <a:buFont typeface="Wingdings" panose="05000000000000000000" pitchFamily="2" charset="2"/>
-              <a:buChar char="Ø"/>
-            </a:pPr>
-            <a:r>
-              <a:rPr lang="pt-BR" sz="2000" dirty="0">
-                <a:solidFill>
-                  <a:schemeClr val="accent5"/>
-                </a:solidFill>
-              </a:rPr>
-              <a:t>root@6ec39d5e9175 :/var/</a:t>
-            </a:r>
-            <a:r>
-              <a:rPr lang="pt-BR" sz="2000" dirty="0" err="1">
-                <a:solidFill>
-                  <a:schemeClr val="accent5"/>
-                </a:solidFill>
-              </a:rPr>
-              <a:t>www</a:t>
-            </a:r>
-            <a:r>
-              <a:rPr lang="pt-BR" sz="2000" dirty="0">
-                <a:solidFill>
-                  <a:schemeClr val="accent5"/>
-                </a:solidFill>
-              </a:rPr>
-              <a:t># </a:t>
-            </a:r>
-            <a:r>
-              <a:rPr lang="pt-BR" sz="2000" dirty="0" err="1">
-                <a:solidFill>
-                  <a:schemeClr val="accent5"/>
-                </a:solidFill>
-              </a:rPr>
-              <a:t>echo</a:t>
-            </a:r>
-            <a:r>
-              <a:rPr lang="pt-BR" sz="2000" dirty="0">
-                <a:solidFill>
-                  <a:schemeClr val="accent5"/>
-                </a:solidFill>
-              </a:rPr>
-              <a:t> "Este arquivo foi criado dentro de um volume" &gt; arquivo1.txt</a:t>
-            </a:r>
-          </a:p>
-          <a:p>
-            <a:pPr lvl="1">
-              <a:buFont typeface="Wingdings" panose="05000000000000000000" pitchFamily="2" charset="2"/>
-              <a:buChar char="Ø"/>
-            </a:pPr>
-            <a:endParaRPr lang="pt-BR" sz="2000" dirty="0">
-              <a:solidFill>
-                <a:schemeClr val="accent5"/>
-              </a:solidFill>
-            </a:endParaRPr>
-          </a:p>
-          <a:p>
-            <a:pPr lvl="2">
-              <a:buFont typeface="Wingdings" panose="05000000000000000000" pitchFamily="2" charset="2"/>
-              <a:buChar char="Ø"/>
-            </a:pPr>
-            <a:endParaRPr lang="pt-BR" sz="1600" dirty="0">
-              <a:solidFill>
-                <a:schemeClr val="accent5"/>
-              </a:solidFill>
-            </a:endParaRPr>
-          </a:p>
-          <a:p>
-            <a:pPr>
-              <a:buFont typeface="Wingdings" panose="05000000000000000000" pitchFamily="2" charset="2"/>
-              <a:buChar char="Ø"/>
-            </a:pPr>
-            <a:endParaRPr lang="pt-BR" sz="2400" dirty="0">
-              <a:solidFill>
-                <a:schemeClr val="accent5"/>
-              </a:solidFill>
-            </a:endParaRPr>
-          </a:p>
-        </p:txBody>
-      </p:sp>
-    </p:spTree>
-    <p:extLst>
-      <p:ext uri="{BB962C8B-B14F-4D97-AF65-F5344CB8AC3E}">
-        <p14:creationId xmlns:p14="http://schemas.microsoft.com/office/powerpoint/2010/main" val="2857905960"/>
-      </p:ext>
-    </p:extLst>
-  </p:cSld>
-  <p:clrMapOvr>
-    <a:masterClrMapping/>
-  </p:clrMapOvr>
-  <p:timing>
-    <p:tnLst>
-      <p:par>
-        <p:cTn id="1" dur="indefinite" restart="never" nodeType="tmRoot"/>
-      </p:par>
-    </p:tnLst>
-  </p:timing>
 </p:sld>
 </file>
 
@@ -13206,18 +13393,359 @@
           <a:p>
             <a:pPr algn="ctr"/>
             <a:r>
-              <a:rPr lang="pt-BR" sz="2800" b="1" dirty="0" smtClean="0"/>
+              <a:rPr lang="pt-BR" sz="2800" b="1" dirty="0"/>
+              <a:t>Volumes</a:t>
+            </a:r>
+          </a:p>
+        </p:txBody>
+      </p:sp>
+      <p:sp>
+        <p:nvSpPr>
+          <p:cNvPr id="5" name="Espaço Reservado para Conteúdo 4"/>
+          <p:cNvSpPr>
+            <a:spLocks noGrp="1"/>
+          </p:cNvSpPr>
+          <p:nvPr>
+            <p:ph idx="1"/>
+          </p:nvPr>
+        </p:nvSpPr>
+        <p:spPr>
+          <a:xfrm>
+            <a:off x="241478" y="545562"/>
+            <a:ext cx="11259355" cy="5700691"/>
+          </a:xfrm>
+        </p:spPr>
+        <p:txBody>
+          <a:bodyPr>
+            <a:noAutofit/>
+          </a:bodyPr>
+          <a:lstStyle/>
+          <a:p>
+            <a:r>
+              <a:rPr lang="pt-BR" sz="2000" dirty="0"/>
+              <a:t>A pasta que é gerada no </a:t>
+            </a:r>
+            <a:r>
+              <a:rPr lang="pt-BR" sz="2000" dirty="0" err="1"/>
+              <a:t>Docker</a:t>
+            </a:r>
+            <a:r>
+              <a:rPr lang="pt-BR" sz="2000" dirty="0"/>
+              <a:t> Host pode ser configurada</a:t>
+            </a:r>
+          </a:p>
+          <a:p>
+            <a:endParaRPr lang="pt-BR" sz="2000" b="1" dirty="0"/>
+          </a:p>
+          <a:p>
+            <a:pPr lvl="1">
+              <a:buFont typeface="Wingdings" panose="05000000000000000000" pitchFamily="2" charset="2"/>
+              <a:buChar char="Ø"/>
+            </a:pPr>
+            <a:r>
+              <a:rPr lang="en-US" sz="2000" dirty="0" err="1">
+                <a:solidFill>
+                  <a:schemeClr val="accent5"/>
+                </a:solidFill>
+              </a:rPr>
+              <a:t>docker</a:t>
+            </a:r>
+            <a:r>
+              <a:rPr lang="en-US" sz="2000" dirty="0">
+                <a:solidFill>
+                  <a:schemeClr val="accent5"/>
+                </a:solidFill>
+              </a:rPr>
+              <a:t> run -it -v "C:\Users\Luciano\Desktop:/var/www" </a:t>
+            </a:r>
+            <a:r>
+              <a:rPr lang="en-US" sz="2000" dirty="0" err="1">
+                <a:solidFill>
+                  <a:schemeClr val="accent5"/>
+                </a:solidFill>
+              </a:rPr>
+              <a:t>ubuntu</a:t>
+            </a:r>
+            <a:endParaRPr lang="en-US" sz="2000" dirty="0">
+              <a:solidFill>
+                <a:schemeClr val="accent5"/>
+              </a:solidFill>
+            </a:endParaRPr>
+          </a:p>
+          <a:p>
+            <a:pPr lvl="1">
+              <a:buFont typeface="Wingdings" panose="05000000000000000000" pitchFamily="2" charset="2"/>
+              <a:buChar char="Ø"/>
+            </a:pPr>
+            <a:r>
+              <a:rPr lang="en-US" sz="2000" dirty="0">
+                <a:solidFill>
+                  <a:schemeClr val="accent5"/>
+                </a:solidFill>
+              </a:rPr>
+              <a:t>root@abd0286c0083:/#</a:t>
+            </a:r>
+          </a:p>
+          <a:p>
+            <a:pPr lvl="1">
+              <a:buFont typeface="Wingdings" panose="05000000000000000000" pitchFamily="2" charset="2"/>
+              <a:buChar char="Ø"/>
+            </a:pPr>
+            <a:endParaRPr lang="en-US" sz="2000" dirty="0">
+              <a:solidFill>
+                <a:schemeClr val="accent5"/>
+              </a:solidFill>
+            </a:endParaRPr>
+          </a:p>
+          <a:p>
+            <a:pPr lvl="1">
+              <a:buFont typeface="Wingdings" panose="05000000000000000000" pitchFamily="2" charset="2"/>
+              <a:buChar char="Ø"/>
+            </a:pPr>
+            <a:endParaRPr lang="en-US" sz="2000" dirty="0">
+              <a:solidFill>
+                <a:schemeClr val="accent5"/>
+              </a:solidFill>
+            </a:endParaRPr>
+          </a:p>
+          <a:p>
+            <a:pPr lvl="1">
+              <a:buFont typeface="Wingdings" panose="05000000000000000000" pitchFamily="2" charset="2"/>
+              <a:buChar char="Ø"/>
+            </a:pPr>
+            <a:r>
+              <a:rPr lang="pt-BR" sz="2000" dirty="0">
+                <a:solidFill>
+                  <a:schemeClr val="accent5"/>
+                </a:solidFill>
+              </a:rPr>
+              <a:t>root@6ec39d5e9175:/# </a:t>
+            </a:r>
+            <a:r>
+              <a:rPr lang="pt-BR" sz="2000" dirty="0" err="1">
+                <a:solidFill>
+                  <a:schemeClr val="accent5"/>
+                </a:solidFill>
+              </a:rPr>
+              <a:t>cd</a:t>
+            </a:r>
+            <a:r>
+              <a:rPr lang="pt-BR" sz="2000" dirty="0">
+                <a:solidFill>
+                  <a:schemeClr val="accent5"/>
+                </a:solidFill>
+              </a:rPr>
+              <a:t> /var/</a:t>
+            </a:r>
+            <a:r>
+              <a:rPr lang="pt-BR" sz="2000" dirty="0" err="1">
+                <a:solidFill>
+                  <a:schemeClr val="accent5"/>
+                </a:solidFill>
+              </a:rPr>
+              <a:t>www</a:t>
+            </a:r>
+            <a:r>
+              <a:rPr lang="pt-BR" sz="2000" dirty="0">
+                <a:solidFill>
+                  <a:schemeClr val="accent5"/>
+                </a:solidFill>
+              </a:rPr>
+              <a:t>/</a:t>
+            </a:r>
+          </a:p>
+          <a:p>
+            <a:pPr lvl="1">
+              <a:buFont typeface="Wingdings" panose="05000000000000000000" pitchFamily="2" charset="2"/>
+              <a:buChar char="Ø"/>
+            </a:pPr>
+            <a:r>
+              <a:rPr lang="pt-BR" sz="2000" dirty="0">
+                <a:solidFill>
+                  <a:schemeClr val="accent5"/>
+                </a:solidFill>
+              </a:rPr>
+              <a:t>root@6ec39d5e9175 :/var/</a:t>
+            </a:r>
+            <a:r>
+              <a:rPr lang="pt-BR" sz="2000" dirty="0" err="1">
+                <a:solidFill>
+                  <a:schemeClr val="accent5"/>
+                </a:solidFill>
+              </a:rPr>
+              <a:t>www</a:t>
+            </a:r>
+            <a:r>
+              <a:rPr lang="pt-BR" sz="2000" dirty="0">
+                <a:solidFill>
+                  <a:schemeClr val="accent5"/>
+                </a:solidFill>
+              </a:rPr>
+              <a:t># </a:t>
+            </a:r>
+            <a:r>
+              <a:rPr lang="pt-BR" sz="2000" dirty="0" err="1">
+                <a:solidFill>
+                  <a:schemeClr val="accent5"/>
+                </a:solidFill>
+              </a:rPr>
+              <a:t>touch</a:t>
+            </a:r>
+            <a:r>
+              <a:rPr lang="pt-BR" sz="2000" dirty="0">
+                <a:solidFill>
+                  <a:schemeClr val="accent5"/>
+                </a:solidFill>
+              </a:rPr>
+              <a:t> arquivo1.txt</a:t>
+            </a:r>
+          </a:p>
+          <a:p>
+            <a:pPr lvl="1">
+              <a:buFont typeface="Wingdings" panose="05000000000000000000" pitchFamily="2" charset="2"/>
+              <a:buChar char="Ø"/>
+            </a:pPr>
+            <a:r>
+              <a:rPr lang="pt-BR" sz="2000" dirty="0">
+                <a:solidFill>
+                  <a:schemeClr val="accent5"/>
+                </a:solidFill>
+              </a:rPr>
+              <a:t>root@6ec39d5e9175 :/var/</a:t>
+            </a:r>
+            <a:r>
+              <a:rPr lang="pt-BR" sz="2000" dirty="0" err="1">
+                <a:solidFill>
+                  <a:schemeClr val="accent5"/>
+                </a:solidFill>
+              </a:rPr>
+              <a:t>www</a:t>
+            </a:r>
+            <a:r>
+              <a:rPr lang="pt-BR" sz="2000" dirty="0">
+                <a:solidFill>
+                  <a:schemeClr val="accent5"/>
+                </a:solidFill>
+              </a:rPr>
+              <a:t># </a:t>
+            </a:r>
+            <a:r>
+              <a:rPr lang="pt-BR" sz="2000" dirty="0" err="1">
+                <a:solidFill>
+                  <a:schemeClr val="accent5"/>
+                </a:solidFill>
+              </a:rPr>
+              <a:t>echo</a:t>
+            </a:r>
+            <a:r>
+              <a:rPr lang="pt-BR" sz="2000" dirty="0">
+                <a:solidFill>
+                  <a:schemeClr val="accent5"/>
+                </a:solidFill>
+              </a:rPr>
+              <a:t> "Este arquivo foi criado dentro de um volume" &gt; arquivo1.txt</a:t>
+            </a:r>
+          </a:p>
+          <a:p>
+            <a:pPr lvl="1">
+              <a:buFont typeface="Wingdings" panose="05000000000000000000" pitchFamily="2" charset="2"/>
+              <a:buChar char="Ø"/>
+            </a:pPr>
+            <a:endParaRPr lang="pt-BR" sz="2000" dirty="0">
+              <a:solidFill>
+                <a:schemeClr val="accent5"/>
+              </a:solidFill>
+            </a:endParaRPr>
+          </a:p>
+          <a:p>
+            <a:pPr lvl="2">
+              <a:buFont typeface="Wingdings" panose="05000000000000000000" pitchFamily="2" charset="2"/>
+              <a:buChar char="Ø"/>
+            </a:pPr>
+            <a:endParaRPr lang="pt-BR" sz="1600" dirty="0">
+              <a:solidFill>
+                <a:schemeClr val="accent5"/>
+              </a:solidFill>
+            </a:endParaRPr>
+          </a:p>
+          <a:p>
+            <a:pPr>
+              <a:buFont typeface="Wingdings" panose="05000000000000000000" pitchFamily="2" charset="2"/>
+              <a:buChar char="Ø"/>
+            </a:pPr>
+            <a:endParaRPr lang="pt-BR" sz="2400" dirty="0">
+              <a:solidFill>
+                <a:schemeClr val="accent5"/>
+              </a:solidFill>
+            </a:endParaRPr>
+          </a:p>
+        </p:txBody>
+      </p:sp>
+    </p:spTree>
+    <p:extLst>
+      <p:ext uri="{BB962C8B-B14F-4D97-AF65-F5344CB8AC3E}">
+        <p14:creationId xmlns:p14="http://schemas.microsoft.com/office/powerpoint/2010/main" val="2857905960"/>
+      </p:ext>
+    </p:extLst>
+  </p:cSld>
+  <p:clrMapOvr>
+    <a:masterClrMapping/>
+  </p:clrMapOvr>
+</p:sld>
+</file>
+
+<file path=ppt/slides/slide24.xml><?xml version="1.0" encoding="utf-8"?>
+<p:sld xmlns:a="http://schemas.openxmlformats.org/drawingml/2006/main" xmlns:r="http://schemas.openxmlformats.org/officeDocument/2006/relationships" xmlns:p="http://schemas.openxmlformats.org/presentationml/2006/main">
+  <p:cSld>
+    <p:spTree>
+      <p:nvGrpSpPr>
+        <p:cNvPr id="1" name=""/>
+        <p:cNvGrpSpPr/>
+        <p:nvPr/>
+      </p:nvGrpSpPr>
+      <p:grpSpPr>
+        <a:xfrm>
+          <a:off x="0" y="0"/>
+          <a:ext cx="0" cy="0"/>
+          <a:chOff x="0" y="0"/>
+          <a:chExt cx="0" cy="0"/>
+        </a:xfrm>
+      </p:grpSpPr>
+      <p:sp>
+        <p:nvSpPr>
+          <p:cNvPr id="2" name="Título 1"/>
+          <p:cNvSpPr>
+            <a:spLocks noGrp="1"/>
+          </p:cNvSpPr>
+          <p:nvPr>
+            <p:ph type="title"/>
+          </p:nvPr>
+        </p:nvSpPr>
+        <p:spPr>
+          <a:xfrm>
+            <a:off x="115910" y="123288"/>
+            <a:ext cx="11951594" cy="422275"/>
+          </a:xfrm>
+        </p:spPr>
+        <p:txBody>
+          <a:bodyPr vert="horz" lIns="91440" tIns="45720" rIns="91440" bIns="45720" rtlCol="0" anchor="ctr">
+            <a:normAutofit fontScale="90000"/>
+          </a:bodyPr>
+          <a:lstStyle/>
+          <a:p>
+            <a:pPr algn="ctr"/>
+            <a:r>
+              <a:rPr lang="pt-BR" sz="2800" b="1" dirty="0"/>
               <a:t>Volumes no </a:t>
             </a:r>
             <a:r>
-              <a:rPr lang="pt-BR" sz="2800" b="1" dirty="0" err="1" smtClean="0"/>
+              <a:rPr lang="pt-BR" sz="2800" b="1" dirty="0" err="1"/>
               <a:t>Docker</a:t>
             </a:r>
             <a:r>
-              <a:rPr lang="pt-BR" sz="2800" b="1" dirty="0" smtClean="0"/>
+              <a:rPr lang="pt-BR" sz="2800" b="1" dirty="0"/>
               <a:t> Toolbox</a:t>
             </a:r>
-            <a:endParaRPr lang="pt-BR" sz="2800" b="1" dirty="0"/>
           </a:p>
         </p:txBody>
       </p:sp>
@@ -13249,12 +13777,8 @@
               </a:spcBef>
             </a:pPr>
             <a:r>
-              <a:rPr lang="pt-BR" sz="2000" dirty="0" smtClean="0"/>
-              <a:t>Detalhe </a:t>
-            </a:r>
-            <a:r>
               <a:rPr lang="pt-BR" sz="2000" dirty="0"/>
-              <a:t>Importante: Se você estiver rodando no </a:t>
+              <a:t>Detalhe Importante: Se você estiver rodando no </a:t>
             </a:r>
             <a:r>
               <a:rPr lang="pt-BR" sz="2000" dirty="0" err="1"/>
@@ -13380,20 +13904,18 @@
               <a:rPr lang="pt-BR" sz="1600" dirty="0"/>
               <a:t> ) </a:t>
             </a:r>
-            <a:endParaRPr lang="pt-BR" sz="1600" dirty="0" smtClean="0"/>
           </a:p>
           <a:p>
             <a:pPr marL="914400" lvl="2" indent="0">
               <a:buNone/>
             </a:pPr>
-            <a:endParaRPr lang="pt-BR" sz="1600" dirty="0" smtClean="0"/>
-          </a:p>
-          <a:p>
-            <a:r>
-              <a:rPr lang="pt-BR" sz="2400" dirty="0" smtClean="0"/>
+            <a:endParaRPr lang="pt-BR" sz="1600" dirty="0"/>
+          </a:p>
+          <a:p>
+            <a:r>
+              <a:rPr lang="pt-BR" sz="2400" dirty="0"/>
               <a:t>Além disso é necessário mapear na sua Virtual Box a pasta que será compartilhada com o volume do Container</a:t>
             </a:r>
-            <a:endParaRPr lang="pt-BR" sz="2400" dirty="0"/>
           </a:p>
           <a:p>
             <a:pPr lvl="2">
@@ -13453,17 +13975,10 @@
   <p:clrMapOvr>
     <a:masterClrMapping/>
   </p:clrMapOvr>
-  <p:timing>
-    <p:tnLst>
-      <p:par>
-        <p:cTn id="1" dur="indefinite" restart="never" nodeType="tmRoot"/>
-      </p:par>
-    </p:tnLst>
-  </p:timing>
 </p:sld>
 </file>
 
-<file path=ppt/slides/slide24.xml><?xml version="1.0" encoding="utf-8"?>
+<file path=ppt/slides/slide25.xml><?xml version="1.0" encoding="utf-8"?>
 <p:sld xmlns:a="http://schemas.openxmlformats.org/drawingml/2006/main" xmlns:r="http://schemas.openxmlformats.org/officeDocument/2006/relationships" xmlns:p="http://schemas.openxmlformats.org/presentationml/2006/main">
   <p:cSld>
     <p:spTree>
@@ -14231,17 +14746,10 @@
   <p:clrMapOvr>
     <a:masterClrMapping/>
   </p:clrMapOvr>
-  <p:timing>
-    <p:tnLst>
-      <p:par>
-        <p:cTn id="1" dur="indefinite" restart="never" nodeType="tmRoot"/>
-      </p:par>
-    </p:tnLst>
-  </p:timing>
 </p:sld>
 </file>
 
-<file path=ppt/slides/slide25.xml><?xml version="1.0" encoding="utf-8"?>
+<file path=ppt/slides/slide26.xml><?xml version="1.0" encoding="utf-8"?>
 <p:sld xmlns:a="http://schemas.openxmlformats.org/drawingml/2006/main" xmlns:r="http://schemas.openxmlformats.org/officeDocument/2006/relationships" xmlns:p="http://schemas.openxmlformats.org/presentationml/2006/main">
   <p:cSld>
     <p:spTree>
@@ -14699,16 +15207,12 @@
               <a:t> cria uma nova </a:t>
             </a:r>
             <a:r>
-              <a:rPr lang="pt-BR" sz="1800" i="1" dirty="0" err="1" smtClean="0"/>
+              <a:rPr lang="pt-BR" sz="1800" i="1" dirty="0" err="1"/>
               <a:t>layer</a:t>
             </a:r>
             <a:r>
-              <a:rPr lang="pt-BR" sz="1800" i="1" dirty="0" smtClean="0"/>
-              <a:t> </a:t>
-            </a:r>
-            <a:r>
               <a:rPr lang="pt-BR" sz="1800" i="1" dirty="0"/>
-              <a:t>em cima da última </a:t>
+              <a:t> em cima da última </a:t>
             </a:r>
             <a:r>
               <a:rPr lang="pt-BR" sz="1800" i="1" dirty="0" err="1"/>
@@ -14731,17 +15235,10 @@
   <p:clrMapOvr>
     <a:masterClrMapping/>
   </p:clrMapOvr>
-  <p:timing>
-    <p:tnLst>
-      <p:par>
-        <p:cTn id="1" dur="indefinite" restart="never" nodeType="tmRoot"/>
-      </p:par>
-    </p:tnLst>
-  </p:timing>
 </p:sld>
 </file>
 
-<file path=ppt/slides/slide26.xml><?xml version="1.0" encoding="utf-8"?>
+<file path=ppt/slides/slide27.xml><?xml version="1.0" encoding="utf-8"?>
 <p:sld xmlns:a="http://schemas.openxmlformats.org/drawingml/2006/main" xmlns:r="http://schemas.openxmlformats.org/officeDocument/2006/relationships" xmlns:p="http://schemas.openxmlformats.org/presentationml/2006/main">
   <p:cSld>
     <p:spTree>
@@ -15158,17 +15655,10 @@
   <p:clrMapOvr>
     <a:masterClrMapping/>
   </p:clrMapOvr>
-  <p:timing>
-    <p:tnLst>
-      <p:par>
-        <p:cTn id="1" dur="indefinite" restart="never" nodeType="tmRoot"/>
-      </p:par>
-    </p:tnLst>
-  </p:timing>
 </p:sld>
 </file>
 
-<file path=ppt/slides/slide27.xml><?xml version="1.0" encoding="utf-8"?>
+<file path=ppt/slides/slide28.xml><?xml version="1.0" encoding="utf-8"?>
 <p:sld xmlns:a="http://schemas.openxmlformats.org/drawingml/2006/main" xmlns:r="http://schemas.openxmlformats.org/officeDocument/2006/relationships" xmlns:p="http://schemas.openxmlformats.org/presentationml/2006/main">
   <p:cSld>
     <p:spTree>
@@ -15550,17 +16040,10 @@
   <p:clrMapOvr>
     <a:masterClrMapping/>
   </p:clrMapOvr>
-  <p:timing>
-    <p:tnLst>
-      <p:par>
-        <p:cTn id="1" dur="indefinite" restart="never" nodeType="tmRoot"/>
-      </p:par>
-    </p:tnLst>
-  </p:timing>
 </p:sld>
 </file>
 
-<file path=ppt/slides/slide28.xml><?xml version="1.0" encoding="utf-8"?>
+<file path=ppt/slides/slide29.xml><?xml version="1.0" encoding="utf-8"?>
 <p:sld xmlns:a="http://schemas.openxmlformats.org/drawingml/2006/main" xmlns:r="http://schemas.openxmlformats.org/officeDocument/2006/relationships" xmlns:p="http://schemas.openxmlformats.org/presentationml/2006/main">
   <p:cSld>
     <p:spTree>
@@ -15986,733 +16469,6 @@
   <p:clrMapOvr>
     <a:masterClrMapping/>
   </p:clrMapOvr>
-  <p:timing>
-    <p:tnLst>
-      <p:par>
-        <p:cTn id="1" dur="indefinite" restart="never" nodeType="tmRoot"/>
-      </p:par>
-    </p:tnLst>
-  </p:timing>
-</p:sld>
-</file>
-
-<file path=ppt/slides/slide29.xml><?xml version="1.0" encoding="utf-8"?>
-<p:sld xmlns:a="http://schemas.openxmlformats.org/drawingml/2006/main" xmlns:r="http://schemas.openxmlformats.org/officeDocument/2006/relationships" xmlns:p="http://schemas.openxmlformats.org/presentationml/2006/main">
-  <p:cSld>
-    <p:spTree>
-      <p:nvGrpSpPr>
-        <p:cNvPr id="1" name=""/>
-        <p:cNvGrpSpPr/>
-        <p:nvPr/>
-      </p:nvGrpSpPr>
-      <p:grpSpPr>
-        <a:xfrm>
-          <a:off x="0" y="0"/>
-          <a:ext cx="0" cy="0"/>
-          <a:chOff x="0" y="0"/>
-          <a:chExt cx="0" cy="0"/>
-        </a:xfrm>
-      </p:grpSpPr>
-      <p:sp>
-        <p:nvSpPr>
-          <p:cNvPr id="5" name="Título 1"/>
-          <p:cNvSpPr>
-            <a:spLocks noGrp="1"/>
-          </p:cNvSpPr>
-          <p:nvPr>
-            <p:ph type="title"/>
-          </p:nvPr>
-        </p:nvSpPr>
-        <p:spPr>
-          <a:xfrm>
-            <a:off x="115910" y="123288"/>
-            <a:ext cx="11951594" cy="422275"/>
-          </a:xfrm>
-        </p:spPr>
-        <p:txBody>
-          <a:bodyPr vert="horz" lIns="91440" tIns="45720" rIns="91440" bIns="45720" rtlCol="0" anchor="ctr">
-            <a:normAutofit fontScale="90000"/>
-          </a:bodyPr>
-          <a:lstStyle/>
-          <a:p>
-            <a:pPr algn="ctr"/>
-            <a:r>
-              <a:rPr lang="pt-BR" sz="2800" b="1" dirty="0"/>
-              <a:t>Redes com </a:t>
-            </a:r>
-            <a:r>
-              <a:rPr lang="pt-BR" sz="2800" b="1" dirty="0" err="1"/>
-              <a:t>Docker</a:t>
-            </a:r>
-            <a:endParaRPr lang="pt-BR" sz="2800" b="1" dirty="0"/>
-          </a:p>
-        </p:txBody>
-      </p:sp>
-      <p:sp>
-        <p:nvSpPr>
-          <p:cNvPr id="4" name="Espaço Reservado para Conteúdo 4"/>
-          <p:cNvSpPr>
-            <a:spLocks noGrp="1"/>
-          </p:cNvSpPr>
-          <p:nvPr>
-            <p:ph idx="1"/>
-          </p:nvPr>
-        </p:nvSpPr>
-        <p:spPr>
-          <a:xfrm>
-            <a:off x="325677" y="545563"/>
-            <a:ext cx="11252005" cy="5943371"/>
-          </a:xfrm>
-        </p:spPr>
-        <p:txBody>
-          <a:bodyPr>
-            <a:normAutofit/>
-          </a:bodyPr>
-          <a:lstStyle/>
-          <a:p>
-            <a:r>
-              <a:rPr lang="pt-BR" sz="1700" dirty="0"/>
-              <a:t>Quando você disponibilizar uma aplicação pelo </a:t>
-            </a:r>
-            <a:r>
-              <a:rPr lang="pt-BR" sz="1700" dirty="0" err="1"/>
-              <a:t>Docker</a:t>
-            </a:r>
-            <a:r>
-              <a:rPr lang="pt-BR" sz="1700" dirty="0"/>
-              <a:t> é interessante que você coloque os containers na mesma rede, através da </a:t>
-            </a:r>
-            <a:r>
-              <a:rPr lang="pt-BR" sz="1700" dirty="0" err="1"/>
-              <a:t>flag</a:t>
-            </a:r>
-            <a:r>
-              <a:rPr lang="pt-BR" sz="1700" dirty="0"/>
-              <a:t> </a:t>
-            </a:r>
-            <a:r>
-              <a:rPr lang="pt-BR" sz="1700" b="1" dirty="0"/>
-              <a:t>--network</a:t>
-            </a:r>
-            <a:r>
-              <a:rPr lang="pt-BR" sz="1700" dirty="0"/>
-              <a:t>. </a:t>
-            </a:r>
-          </a:p>
-          <a:p>
-            <a:endParaRPr lang="pt-BR" sz="1700" dirty="0"/>
-          </a:p>
-          <a:p>
-            <a:pPr marL="742950" lvl="1" indent="-285750">
-              <a:buFont typeface="Wingdings" panose="05000000000000000000" pitchFamily="2" charset="2"/>
-              <a:buChar char="Ø"/>
-            </a:pPr>
-            <a:r>
-              <a:rPr lang="pt-BR" sz="1700" dirty="0" err="1">
-                <a:solidFill>
-                  <a:schemeClr val="accent5"/>
-                </a:solidFill>
-              </a:rPr>
-              <a:t>docker</a:t>
-            </a:r>
-            <a:r>
-              <a:rPr lang="pt-BR" sz="1700" dirty="0">
-                <a:solidFill>
-                  <a:schemeClr val="accent5"/>
-                </a:solidFill>
-              </a:rPr>
-              <a:t> </a:t>
-            </a:r>
-            <a:r>
-              <a:rPr lang="pt-BR" sz="1700" dirty="0" err="1">
-                <a:solidFill>
-                  <a:schemeClr val="accent5"/>
-                </a:solidFill>
-              </a:rPr>
-              <a:t>run</a:t>
-            </a:r>
-            <a:r>
-              <a:rPr lang="pt-BR" sz="1700" dirty="0">
-                <a:solidFill>
-                  <a:schemeClr val="accent5"/>
-                </a:solidFill>
-              </a:rPr>
-              <a:t> -it --</a:t>
-            </a:r>
-            <a:r>
-              <a:rPr lang="pt-BR" sz="1700" dirty="0" err="1">
-                <a:solidFill>
-                  <a:schemeClr val="accent5"/>
-                </a:solidFill>
-              </a:rPr>
-              <a:t>name</a:t>
-            </a:r>
-            <a:r>
-              <a:rPr lang="pt-BR" sz="1700" dirty="0">
-                <a:solidFill>
-                  <a:schemeClr val="accent5"/>
-                </a:solidFill>
-              </a:rPr>
-              <a:t> meu-container-de-</a:t>
-            </a:r>
-            <a:r>
-              <a:rPr lang="pt-BR" sz="1700" dirty="0" err="1">
-                <a:solidFill>
-                  <a:schemeClr val="accent5"/>
-                </a:solidFill>
-              </a:rPr>
-              <a:t>ubuntu</a:t>
-            </a:r>
-            <a:r>
-              <a:rPr lang="pt-BR" sz="1700" dirty="0">
-                <a:solidFill>
-                  <a:schemeClr val="accent5"/>
-                </a:solidFill>
-              </a:rPr>
-              <a:t> --network minha-rede </a:t>
-            </a:r>
-            <a:r>
-              <a:rPr lang="pt-BR" sz="1700" dirty="0" err="1">
-                <a:solidFill>
-                  <a:schemeClr val="accent5"/>
-                </a:solidFill>
-              </a:rPr>
-              <a:t>ubuntu</a:t>
-            </a:r>
-            <a:endParaRPr lang="pt-BR" sz="1700" dirty="0">
-              <a:solidFill>
-                <a:schemeClr val="accent5"/>
-              </a:solidFill>
-            </a:endParaRPr>
-          </a:p>
-          <a:p>
-            <a:pPr marL="742950" lvl="1" indent="-285750">
-              <a:buFont typeface="Wingdings" panose="05000000000000000000" pitchFamily="2" charset="2"/>
-              <a:buChar char="Ø"/>
-            </a:pPr>
-            <a:endParaRPr lang="pt-BR" sz="1700" dirty="0">
-              <a:solidFill>
-                <a:schemeClr val="accent5"/>
-              </a:solidFill>
-            </a:endParaRPr>
-          </a:p>
-          <a:p>
-            <a:r>
-              <a:rPr lang="pt-BR" sz="1700" dirty="0"/>
-              <a:t>Agora, se executarmos o comando </a:t>
-            </a:r>
-            <a:r>
-              <a:rPr lang="pt-BR" sz="1700" b="1" dirty="0" err="1"/>
-              <a:t>docker</a:t>
-            </a:r>
-            <a:r>
-              <a:rPr lang="pt-BR" sz="1700" b="1" dirty="0"/>
-              <a:t> </a:t>
-            </a:r>
-            <a:r>
-              <a:rPr lang="pt-BR" sz="1700" b="1" dirty="0" err="1"/>
-              <a:t>inspect</a:t>
-            </a:r>
-            <a:r>
-              <a:rPr lang="pt-BR" sz="1700" b="1" dirty="0"/>
-              <a:t> meu-container-de-</a:t>
-            </a:r>
-            <a:r>
-              <a:rPr lang="pt-BR" sz="1700" b="1" dirty="0" err="1"/>
-              <a:t>ubuntu</a:t>
-            </a:r>
-            <a:r>
-              <a:rPr lang="pt-BR" sz="1700" dirty="0"/>
-              <a:t>, podemos ver em </a:t>
-            </a:r>
-            <a:r>
-              <a:rPr lang="pt-BR" sz="1700" b="1" dirty="0" err="1"/>
-              <a:t>NetworkSettings</a:t>
-            </a:r>
-            <a:r>
-              <a:rPr lang="pt-BR" sz="1700" dirty="0"/>
-              <a:t> o container está na rede </a:t>
-            </a:r>
-            <a:r>
-              <a:rPr lang="pt-BR" sz="1700" b="1" dirty="0"/>
-              <a:t>minha-rede</a:t>
-            </a:r>
-            <a:r>
-              <a:rPr lang="pt-BR" sz="1700" dirty="0"/>
-              <a:t>. E para testar a comunicação entre os containers na nossa rede, vamos abrir outro terminal e criar um segundo container:</a:t>
-            </a:r>
-          </a:p>
-          <a:p>
-            <a:endParaRPr lang="pt-BR" sz="1700" dirty="0"/>
-          </a:p>
-          <a:p>
-            <a:pPr marL="742950" lvl="1" indent="-285750">
-              <a:buFont typeface="Wingdings" panose="05000000000000000000" pitchFamily="2" charset="2"/>
-              <a:buChar char="Ø"/>
-            </a:pPr>
-            <a:r>
-              <a:rPr lang="pt-BR" sz="1700" dirty="0" err="1">
-                <a:solidFill>
-                  <a:schemeClr val="accent5"/>
-                </a:solidFill>
-              </a:rPr>
-              <a:t>docker</a:t>
-            </a:r>
-            <a:r>
-              <a:rPr lang="pt-BR" sz="1700" dirty="0">
-                <a:solidFill>
-                  <a:schemeClr val="accent5"/>
-                </a:solidFill>
-              </a:rPr>
-              <a:t> </a:t>
-            </a:r>
-            <a:r>
-              <a:rPr lang="pt-BR" sz="1700" dirty="0" err="1">
-                <a:solidFill>
-                  <a:schemeClr val="accent5"/>
-                </a:solidFill>
-              </a:rPr>
-              <a:t>run</a:t>
-            </a:r>
-            <a:r>
-              <a:rPr lang="pt-BR" sz="1700" dirty="0">
-                <a:solidFill>
-                  <a:schemeClr val="accent5"/>
-                </a:solidFill>
-              </a:rPr>
-              <a:t> -it --</a:t>
-            </a:r>
-            <a:r>
-              <a:rPr lang="pt-BR" sz="1700" dirty="0" err="1">
-                <a:solidFill>
-                  <a:schemeClr val="accent5"/>
-                </a:solidFill>
-              </a:rPr>
-              <a:t>name</a:t>
-            </a:r>
-            <a:r>
-              <a:rPr lang="pt-BR" sz="1700" dirty="0">
-                <a:solidFill>
-                  <a:schemeClr val="accent5"/>
-                </a:solidFill>
-              </a:rPr>
-              <a:t> segundo-</a:t>
-            </a:r>
-            <a:r>
-              <a:rPr lang="pt-BR" sz="1700" dirty="0" err="1">
-                <a:solidFill>
-                  <a:schemeClr val="accent5"/>
-                </a:solidFill>
-              </a:rPr>
-              <a:t>ubuntu</a:t>
-            </a:r>
-            <a:r>
-              <a:rPr lang="pt-BR" sz="1700" dirty="0">
-                <a:solidFill>
-                  <a:schemeClr val="accent5"/>
-                </a:solidFill>
-              </a:rPr>
-              <a:t> --network minha-rede </a:t>
-            </a:r>
-            <a:r>
-              <a:rPr lang="pt-BR" sz="1700" dirty="0" err="1">
-                <a:solidFill>
-                  <a:schemeClr val="accent5"/>
-                </a:solidFill>
-              </a:rPr>
-              <a:t>ubuntu</a:t>
-            </a:r>
-            <a:endParaRPr lang="pt-BR" sz="1700" dirty="0">
-              <a:solidFill>
-                <a:schemeClr val="accent5"/>
-              </a:solidFill>
-            </a:endParaRPr>
-          </a:p>
-          <a:p>
-            <a:r>
-              <a:rPr lang="pt-BR" sz="1700" dirty="0"/>
-              <a:t>Agora, no segundo-</a:t>
-            </a:r>
-            <a:r>
-              <a:rPr lang="pt-BR" sz="1700" dirty="0" err="1"/>
-              <a:t>ubuntu</a:t>
-            </a:r>
-            <a:r>
-              <a:rPr lang="pt-BR" sz="1700" dirty="0"/>
-              <a:t>, instalamos o </a:t>
-            </a:r>
-            <a:r>
-              <a:rPr lang="pt-BR" sz="1700" dirty="0" err="1"/>
-              <a:t>ping</a:t>
-            </a:r>
-            <a:r>
-              <a:rPr lang="pt-BR" sz="1700" dirty="0"/>
-              <a:t> e testamos a comunicação com o meu-container-de-</a:t>
-            </a:r>
-            <a:r>
-              <a:rPr lang="pt-BR" sz="1700" dirty="0" err="1"/>
-              <a:t>ubuntu</a:t>
-            </a:r>
-            <a:r>
-              <a:rPr lang="pt-BR" sz="1700" dirty="0"/>
-              <a:t>:</a:t>
-            </a:r>
-          </a:p>
-          <a:p>
-            <a:endParaRPr lang="pt-BR" sz="1600" dirty="0"/>
-          </a:p>
-          <a:p>
-            <a:pPr marL="742950" lvl="1" indent="-285750">
-              <a:buFont typeface="Wingdings" panose="05000000000000000000" pitchFamily="2" charset="2"/>
-              <a:buChar char="Ø"/>
-            </a:pPr>
-            <a:r>
-              <a:rPr lang="pt-BR" sz="1700" dirty="0">
-                <a:solidFill>
-                  <a:schemeClr val="accent5"/>
-                </a:solidFill>
-              </a:rPr>
-              <a:t>root@00f93075d079:/# </a:t>
-            </a:r>
-            <a:r>
-              <a:rPr lang="pt-BR" sz="1700" dirty="0" err="1">
-                <a:solidFill>
-                  <a:schemeClr val="accent5"/>
-                </a:solidFill>
-              </a:rPr>
-              <a:t>ping</a:t>
-            </a:r>
-            <a:r>
-              <a:rPr lang="pt-BR" sz="1700" dirty="0">
-                <a:solidFill>
-                  <a:schemeClr val="accent5"/>
-                </a:solidFill>
-              </a:rPr>
-              <a:t> meu-container-de-</a:t>
-            </a:r>
-            <a:r>
-              <a:rPr lang="pt-BR" sz="1700" dirty="0" err="1">
-                <a:solidFill>
-                  <a:schemeClr val="accent5"/>
-                </a:solidFill>
-              </a:rPr>
-              <a:t>ubuntu</a:t>
-            </a:r>
-            <a:endParaRPr lang="pt-BR" sz="1700" dirty="0">
-              <a:solidFill>
-                <a:schemeClr val="accent5"/>
-              </a:solidFill>
-            </a:endParaRPr>
-          </a:p>
-          <a:p>
-            <a:pPr marL="457200" lvl="1" indent="0">
-              <a:buNone/>
-            </a:pPr>
-            <a:r>
-              <a:rPr lang="pt-BR" sz="1400" dirty="0"/>
-              <a:t>PING meu-container-de-</a:t>
-            </a:r>
-            <a:r>
-              <a:rPr lang="pt-BR" sz="1400" dirty="0" err="1"/>
-              <a:t>ubuntu</a:t>
-            </a:r>
-            <a:r>
-              <a:rPr lang="pt-BR" sz="1400" dirty="0"/>
-              <a:t> (172.18.0.2) 56(84) bytes </a:t>
-            </a:r>
-            <a:r>
-              <a:rPr lang="pt-BR" sz="1400" dirty="0" err="1"/>
-              <a:t>of</a:t>
-            </a:r>
-            <a:r>
-              <a:rPr lang="pt-BR" sz="1400" dirty="0"/>
-              <a:t> data.</a:t>
-            </a:r>
-          </a:p>
-          <a:p>
-            <a:pPr marL="457200" lvl="1" indent="0">
-              <a:buNone/>
-            </a:pPr>
-            <a:r>
-              <a:rPr lang="pt-BR" sz="1400" dirty="0"/>
-              <a:t>64 bytes </a:t>
-            </a:r>
-            <a:r>
-              <a:rPr lang="pt-BR" sz="1400" dirty="0" err="1"/>
-              <a:t>from</a:t>
-            </a:r>
-            <a:r>
-              <a:rPr lang="pt-BR" sz="1400" dirty="0"/>
-              <a:t> meu-container-de-</a:t>
-            </a:r>
-            <a:r>
-              <a:rPr lang="pt-BR" sz="1400" dirty="0" err="1"/>
-              <a:t>ubuntu.minha</a:t>
-            </a:r>
-            <a:r>
-              <a:rPr lang="pt-BR" sz="1400" dirty="0"/>
-              <a:t>-rede (172.18.0.2): </a:t>
-            </a:r>
-            <a:r>
-              <a:rPr lang="pt-BR" sz="1400" dirty="0" err="1"/>
-              <a:t>icmp_seq</a:t>
-            </a:r>
-            <a:r>
-              <a:rPr lang="pt-BR" sz="1400" dirty="0"/>
-              <a:t>=1 </a:t>
-            </a:r>
-            <a:r>
-              <a:rPr lang="pt-BR" sz="1400" dirty="0" err="1"/>
-              <a:t>ttl</a:t>
-            </a:r>
-            <a:r>
-              <a:rPr lang="pt-BR" sz="1400" dirty="0"/>
-              <a:t>=64 time=0.210 </a:t>
-            </a:r>
-            <a:r>
-              <a:rPr lang="pt-BR" sz="1400" dirty="0" err="1"/>
-              <a:t>ms</a:t>
-            </a:r>
-            <a:endParaRPr lang="pt-BR" sz="1400" dirty="0"/>
-          </a:p>
-          <a:p>
-            <a:pPr marL="457200" lvl="1" indent="0">
-              <a:buNone/>
-            </a:pPr>
-            <a:r>
-              <a:rPr lang="pt-BR" sz="1400" dirty="0"/>
-              <a:t>64 bytes </a:t>
-            </a:r>
-            <a:r>
-              <a:rPr lang="pt-BR" sz="1400" dirty="0" err="1"/>
-              <a:t>from</a:t>
-            </a:r>
-            <a:r>
-              <a:rPr lang="pt-BR" sz="1400" dirty="0"/>
-              <a:t> meu-container-de-</a:t>
-            </a:r>
-            <a:r>
-              <a:rPr lang="pt-BR" sz="1400" dirty="0" err="1"/>
-              <a:t>ubuntu.minha</a:t>
-            </a:r>
-            <a:r>
-              <a:rPr lang="pt-BR" sz="1400" dirty="0"/>
-              <a:t>-rede (172.18.0.2): </a:t>
-            </a:r>
-            <a:r>
-              <a:rPr lang="pt-BR" sz="1400" dirty="0" err="1"/>
-              <a:t>icmp_seq</a:t>
-            </a:r>
-            <a:r>
-              <a:rPr lang="pt-BR" sz="1400" dirty="0"/>
-              <a:t>=2 </a:t>
-            </a:r>
-            <a:r>
-              <a:rPr lang="pt-BR" sz="1400" dirty="0" err="1"/>
-              <a:t>ttl</a:t>
-            </a:r>
-            <a:r>
-              <a:rPr lang="pt-BR" sz="1400" dirty="0"/>
-              <a:t>=64 time=0.148 </a:t>
-            </a:r>
-            <a:r>
-              <a:rPr lang="pt-BR" sz="1400" dirty="0" err="1"/>
-              <a:t>ms</a:t>
-            </a:r>
-            <a:endParaRPr lang="pt-BR" sz="1400" dirty="0"/>
-          </a:p>
-          <a:p>
-            <a:pPr marL="457200" lvl="1" indent="0">
-              <a:buNone/>
-            </a:pPr>
-            <a:r>
-              <a:rPr lang="pt-BR" sz="1400" dirty="0"/>
-              <a:t>64 bytes </a:t>
-            </a:r>
-            <a:r>
-              <a:rPr lang="pt-BR" sz="1400" dirty="0" err="1"/>
-              <a:t>from</a:t>
-            </a:r>
-            <a:r>
-              <a:rPr lang="pt-BR" sz="1400" dirty="0"/>
-              <a:t> meu-container-de-</a:t>
-            </a:r>
-            <a:r>
-              <a:rPr lang="pt-BR" sz="1400" dirty="0" err="1"/>
-              <a:t>ubuntu.minha</a:t>
-            </a:r>
-            <a:r>
-              <a:rPr lang="pt-BR" sz="1400" dirty="0"/>
-              <a:t>-rede (172.18.0.2): </a:t>
-            </a:r>
-            <a:r>
-              <a:rPr lang="pt-BR" sz="1400" dirty="0" err="1"/>
-              <a:t>icmp_seq</a:t>
-            </a:r>
-            <a:r>
-              <a:rPr lang="pt-BR" sz="1400" dirty="0"/>
-              <a:t>=3 </a:t>
-            </a:r>
-            <a:r>
-              <a:rPr lang="pt-BR" sz="1400" dirty="0" err="1"/>
-              <a:t>ttl</a:t>
-            </a:r>
-            <a:r>
-              <a:rPr lang="pt-BR" sz="1400" dirty="0"/>
-              <a:t>=64 time=0.138 </a:t>
-            </a:r>
-            <a:r>
-              <a:rPr lang="pt-BR" sz="1400" dirty="0" err="1"/>
-              <a:t>ms</a:t>
-            </a:r>
-            <a:endParaRPr lang="pt-BR" sz="1400" dirty="0"/>
-          </a:p>
-          <a:p>
-            <a:pPr marL="457200" lvl="1" indent="0">
-              <a:buNone/>
-            </a:pPr>
-            <a:r>
-              <a:rPr lang="pt-BR" sz="1400" dirty="0"/>
-              <a:t>--- meu-container-de-</a:t>
-            </a:r>
-            <a:r>
-              <a:rPr lang="pt-BR" sz="1400" dirty="0" err="1"/>
-              <a:t>ubuntu</a:t>
-            </a:r>
-            <a:r>
-              <a:rPr lang="pt-BR" sz="1400" dirty="0"/>
-              <a:t> </a:t>
-            </a:r>
-            <a:r>
-              <a:rPr lang="pt-BR" sz="1400" dirty="0" err="1"/>
-              <a:t>ping</a:t>
-            </a:r>
-            <a:r>
-              <a:rPr lang="pt-BR" sz="1400" dirty="0"/>
-              <a:t> </a:t>
-            </a:r>
-            <a:r>
-              <a:rPr lang="pt-BR" sz="1400" dirty="0" err="1"/>
-              <a:t>statistics</a:t>
-            </a:r>
-            <a:r>
-              <a:rPr lang="pt-BR" sz="1400" dirty="0"/>
-              <a:t> ---</a:t>
-            </a:r>
-          </a:p>
-          <a:p>
-            <a:pPr marL="457200" lvl="1" indent="0">
-              <a:buNone/>
-            </a:pPr>
-            <a:r>
-              <a:rPr lang="pt-BR" sz="1400" dirty="0"/>
-              <a:t>3 </a:t>
-            </a:r>
-            <a:r>
-              <a:rPr lang="pt-BR" sz="1400" dirty="0" err="1"/>
-              <a:t>packets</a:t>
-            </a:r>
-            <a:r>
-              <a:rPr lang="pt-BR" sz="1400" dirty="0"/>
-              <a:t> </a:t>
-            </a:r>
-            <a:r>
-              <a:rPr lang="pt-BR" sz="1400" dirty="0" err="1"/>
-              <a:t>transmitted</a:t>
-            </a:r>
-            <a:r>
-              <a:rPr lang="pt-BR" sz="1400" dirty="0"/>
-              <a:t>, 3 </a:t>
-            </a:r>
-            <a:r>
-              <a:rPr lang="pt-BR" sz="1400" dirty="0" err="1"/>
-              <a:t>received</a:t>
-            </a:r>
-            <a:r>
-              <a:rPr lang="pt-BR" sz="1400" dirty="0"/>
-              <a:t>, 0% </a:t>
-            </a:r>
-            <a:r>
-              <a:rPr lang="pt-BR" sz="1400" dirty="0" err="1"/>
-              <a:t>packet</a:t>
-            </a:r>
-            <a:r>
-              <a:rPr lang="pt-BR" sz="1400" dirty="0"/>
-              <a:t> </a:t>
-            </a:r>
-            <a:r>
-              <a:rPr lang="pt-BR" sz="1400" dirty="0" err="1"/>
-              <a:t>loss</a:t>
-            </a:r>
-            <a:r>
-              <a:rPr lang="pt-BR" sz="1400" dirty="0"/>
-              <a:t>, time 2000ms</a:t>
-            </a:r>
-          </a:p>
-          <a:p>
-            <a:pPr marL="457200" lvl="1" indent="0">
-              <a:buNone/>
-            </a:pPr>
-            <a:r>
-              <a:rPr lang="pt-BR" sz="1400" dirty="0" err="1"/>
-              <a:t>rtt</a:t>
-            </a:r>
-            <a:r>
-              <a:rPr lang="pt-BR" sz="1400" dirty="0"/>
-              <a:t> min/</a:t>
-            </a:r>
-            <a:r>
-              <a:rPr lang="pt-BR" sz="1400" dirty="0" err="1"/>
-              <a:t>avg</a:t>
-            </a:r>
-            <a:r>
-              <a:rPr lang="pt-BR" sz="1400" dirty="0"/>
-              <a:t>/</a:t>
-            </a:r>
-            <a:r>
-              <a:rPr lang="pt-BR" sz="1400" dirty="0" err="1"/>
-              <a:t>max</a:t>
-            </a:r>
-            <a:r>
-              <a:rPr lang="pt-BR" sz="1400" dirty="0"/>
-              <a:t>/</a:t>
-            </a:r>
-            <a:r>
-              <a:rPr lang="pt-BR" sz="1400" dirty="0" err="1"/>
-              <a:t>mdev</a:t>
-            </a:r>
-            <a:r>
-              <a:rPr lang="pt-BR" sz="1400" dirty="0"/>
-              <a:t> = 0.138/0.165/0.210/0.033 </a:t>
-            </a:r>
-            <a:r>
-              <a:rPr lang="pt-BR" sz="1400" dirty="0" err="1"/>
-              <a:t>ms</a:t>
-            </a:r>
-            <a:endParaRPr lang="pt-BR" sz="1400" dirty="0"/>
-          </a:p>
-          <a:p>
-            <a:endParaRPr lang="pt-BR" sz="1600" dirty="0"/>
-          </a:p>
-        </p:txBody>
-      </p:sp>
-    </p:spTree>
-    <p:extLst>
-      <p:ext uri="{BB962C8B-B14F-4D97-AF65-F5344CB8AC3E}">
-        <p14:creationId xmlns:p14="http://schemas.microsoft.com/office/powerpoint/2010/main" val="4236748709"/>
-      </p:ext>
-    </p:extLst>
-  </p:cSld>
-  <p:clrMapOvr>
-    <a:masterClrMapping/>
-  </p:clrMapOvr>
-  <p:timing>
-    <p:tnLst>
-      <p:par>
-        <p:cTn id="1" dur="indefinite" restart="never" nodeType="tmRoot"/>
-      </p:par>
-    </p:tnLst>
-  </p:timing>
 </p:sld>
 </file>
 
@@ -16781,10 +16537,9 @@
           <a:p>
             <a:pPr algn="ctr"/>
             <a:r>
-              <a:rPr lang="pt-BR" sz="2800" b="1" dirty="0" smtClean="0"/>
+              <a:rPr lang="pt-BR" sz="2800" b="1" dirty="0"/>
               <a:t>Contexto</a:t>
             </a:r>
-            <a:endParaRPr lang="pt-BR" sz="2800" b="1" dirty="0"/>
           </a:p>
         </p:txBody>
       </p:sp>
@@ -17676,6 +17431,719 @@
             <a:pPr algn="ctr"/>
             <a:r>
               <a:rPr lang="pt-BR" sz="2800" b="1" dirty="0"/>
+              <a:t>Redes com </a:t>
+            </a:r>
+            <a:r>
+              <a:rPr lang="pt-BR" sz="2800" b="1" dirty="0" err="1"/>
+              <a:t>Docker</a:t>
+            </a:r>
+            <a:endParaRPr lang="pt-BR" sz="2800" b="1" dirty="0"/>
+          </a:p>
+        </p:txBody>
+      </p:sp>
+      <p:sp>
+        <p:nvSpPr>
+          <p:cNvPr id="4" name="Espaço Reservado para Conteúdo 4"/>
+          <p:cNvSpPr>
+            <a:spLocks noGrp="1"/>
+          </p:cNvSpPr>
+          <p:nvPr>
+            <p:ph idx="1"/>
+          </p:nvPr>
+        </p:nvSpPr>
+        <p:spPr>
+          <a:xfrm>
+            <a:off x="325677" y="545563"/>
+            <a:ext cx="11252005" cy="5943371"/>
+          </a:xfrm>
+        </p:spPr>
+        <p:txBody>
+          <a:bodyPr>
+            <a:normAutofit/>
+          </a:bodyPr>
+          <a:lstStyle/>
+          <a:p>
+            <a:r>
+              <a:rPr lang="pt-BR" sz="1700" dirty="0"/>
+              <a:t>Quando você disponibilizar uma aplicação pelo </a:t>
+            </a:r>
+            <a:r>
+              <a:rPr lang="pt-BR" sz="1700" dirty="0" err="1"/>
+              <a:t>Docker</a:t>
+            </a:r>
+            <a:r>
+              <a:rPr lang="pt-BR" sz="1700" dirty="0"/>
+              <a:t> é interessante que você coloque os containers na mesma rede, através da </a:t>
+            </a:r>
+            <a:r>
+              <a:rPr lang="pt-BR" sz="1700" dirty="0" err="1"/>
+              <a:t>flag</a:t>
+            </a:r>
+            <a:r>
+              <a:rPr lang="pt-BR" sz="1700" dirty="0"/>
+              <a:t> </a:t>
+            </a:r>
+            <a:r>
+              <a:rPr lang="pt-BR" sz="1700" b="1" dirty="0"/>
+              <a:t>--network</a:t>
+            </a:r>
+            <a:r>
+              <a:rPr lang="pt-BR" sz="1700" dirty="0"/>
+              <a:t>. </a:t>
+            </a:r>
+          </a:p>
+          <a:p>
+            <a:endParaRPr lang="pt-BR" sz="1700" dirty="0"/>
+          </a:p>
+          <a:p>
+            <a:pPr marL="742950" lvl="1" indent="-285750">
+              <a:buFont typeface="Wingdings" panose="05000000000000000000" pitchFamily="2" charset="2"/>
+              <a:buChar char="Ø"/>
+            </a:pPr>
+            <a:r>
+              <a:rPr lang="pt-BR" sz="1700" dirty="0" err="1">
+                <a:solidFill>
+                  <a:schemeClr val="accent5"/>
+                </a:solidFill>
+              </a:rPr>
+              <a:t>docker</a:t>
+            </a:r>
+            <a:r>
+              <a:rPr lang="pt-BR" sz="1700" dirty="0">
+                <a:solidFill>
+                  <a:schemeClr val="accent5"/>
+                </a:solidFill>
+              </a:rPr>
+              <a:t> </a:t>
+            </a:r>
+            <a:r>
+              <a:rPr lang="pt-BR" sz="1700" dirty="0" err="1">
+                <a:solidFill>
+                  <a:schemeClr val="accent5"/>
+                </a:solidFill>
+              </a:rPr>
+              <a:t>run</a:t>
+            </a:r>
+            <a:r>
+              <a:rPr lang="pt-BR" sz="1700" dirty="0">
+                <a:solidFill>
+                  <a:schemeClr val="accent5"/>
+                </a:solidFill>
+              </a:rPr>
+              <a:t> -it --</a:t>
+            </a:r>
+            <a:r>
+              <a:rPr lang="pt-BR" sz="1700" dirty="0" err="1">
+                <a:solidFill>
+                  <a:schemeClr val="accent5"/>
+                </a:solidFill>
+              </a:rPr>
+              <a:t>name</a:t>
+            </a:r>
+            <a:r>
+              <a:rPr lang="pt-BR" sz="1700" dirty="0">
+                <a:solidFill>
+                  <a:schemeClr val="accent5"/>
+                </a:solidFill>
+              </a:rPr>
+              <a:t> meu-container-de-</a:t>
+            </a:r>
+            <a:r>
+              <a:rPr lang="pt-BR" sz="1700" dirty="0" err="1">
+                <a:solidFill>
+                  <a:schemeClr val="accent5"/>
+                </a:solidFill>
+              </a:rPr>
+              <a:t>ubuntu</a:t>
+            </a:r>
+            <a:r>
+              <a:rPr lang="pt-BR" sz="1700" dirty="0">
+                <a:solidFill>
+                  <a:schemeClr val="accent5"/>
+                </a:solidFill>
+              </a:rPr>
+              <a:t> --network minha-rede </a:t>
+            </a:r>
+            <a:r>
+              <a:rPr lang="pt-BR" sz="1700" dirty="0" err="1">
+                <a:solidFill>
+                  <a:schemeClr val="accent5"/>
+                </a:solidFill>
+              </a:rPr>
+              <a:t>ubuntu</a:t>
+            </a:r>
+            <a:endParaRPr lang="pt-BR" sz="1700" dirty="0">
+              <a:solidFill>
+                <a:schemeClr val="accent5"/>
+              </a:solidFill>
+            </a:endParaRPr>
+          </a:p>
+          <a:p>
+            <a:pPr marL="742950" lvl="1" indent="-285750">
+              <a:buFont typeface="Wingdings" panose="05000000000000000000" pitchFamily="2" charset="2"/>
+              <a:buChar char="Ø"/>
+            </a:pPr>
+            <a:endParaRPr lang="pt-BR" sz="1700" dirty="0">
+              <a:solidFill>
+                <a:schemeClr val="accent5"/>
+              </a:solidFill>
+            </a:endParaRPr>
+          </a:p>
+          <a:p>
+            <a:r>
+              <a:rPr lang="pt-BR" sz="1700" dirty="0"/>
+              <a:t>Agora, se executarmos o comando </a:t>
+            </a:r>
+            <a:r>
+              <a:rPr lang="pt-BR" sz="1700" b="1" dirty="0" err="1"/>
+              <a:t>docker</a:t>
+            </a:r>
+            <a:r>
+              <a:rPr lang="pt-BR" sz="1700" b="1" dirty="0"/>
+              <a:t> </a:t>
+            </a:r>
+            <a:r>
+              <a:rPr lang="pt-BR" sz="1700" b="1" dirty="0" err="1"/>
+              <a:t>inspect</a:t>
+            </a:r>
+            <a:r>
+              <a:rPr lang="pt-BR" sz="1700" b="1" dirty="0"/>
+              <a:t> meu-container-de-</a:t>
+            </a:r>
+            <a:r>
+              <a:rPr lang="pt-BR" sz="1700" b="1" dirty="0" err="1"/>
+              <a:t>ubuntu</a:t>
+            </a:r>
+            <a:r>
+              <a:rPr lang="pt-BR" sz="1700" dirty="0"/>
+              <a:t>, podemos ver em </a:t>
+            </a:r>
+            <a:r>
+              <a:rPr lang="pt-BR" sz="1700" b="1" dirty="0" err="1"/>
+              <a:t>NetworkSettings</a:t>
+            </a:r>
+            <a:r>
+              <a:rPr lang="pt-BR" sz="1700" dirty="0"/>
+              <a:t> o container está na rede </a:t>
+            </a:r>
+            <a:r>
+              <a:rPr lang="pt-BR" sz="1700" b="1" dirty="0"/>
+              <a:t>minha-rede</a:t>
+            </a:r>
+            <a:r>
+              <a:rPr lang="pt-BR" sz="1700" dirty="0"/>
+              <a:t>. E para testar a comunicação entre os containers na nossa rede, vamos abrir outro terminal e criar um segundo container:</a:t>
+            </a:r>
+          </a:p>
+          <a:p>
+            <a:endParaRPr lang="pt-BR" sz="1700" dirty="0"/>
+          </a:p>
+          <a:p>
+            <a:pPr marL="742950" lvl="1" indent="-285750">
+              <a:buFont typeface="Wingdings" panose="05000000000000000000" pitchFamily="2" charset="2"/>
+              <a:buChar char="Ø"/>
+            </a:pPr>
+            <a:r>
+              <a:rPr lang="pt-BR" sz="1700" dirty="0" err="1">
+                <a:solidFill>
+                  <a:schemeClr val="accent5"/>
+                </a:solidFill>
+              </a:rPr>
+              <a:t>docker</a:t>
+            </a:r>
+            <a:r>
+              <a:rPr lang="pt-BR" sz="1700" dirty="0">
+                <a:solidFill>
+                  <a:schemeClr val="accent5"/>
+                </a:solidFill>
+              </a:rPr>
+              <a:t> </a:t>
+            </a:r>
+            <a:r>
+              <a:rPr lang="pt-BR" sz="1700" dirty="0" err="1">
+                <a:solidFill>
+                  <a:schemeClr val="accent5"/>
+                </a:solidFill>
+              </a:rPr>
+              <a:t>run</a:t>
+            </a:r>
+            <a:r>
+              <a:rPr lang="pt-BR" sz="1700" dirty="0">
+                <a:solidFill>
+                  <a:schemeClr val="accent5"/>
+                </a:solidFill>
+              </a:rPr>
+              <a:t> -it --</a:t>
+            </a:r>
+            <a:r>
+              <a:rPr lang="pt-BR" sz="1700" dirty="0" err="1">
+                <a:solidFill>
+                  <a:schemeClr val="accent5"/>
+                </a:solidFill>
+              </a:rPr>
+              <a:t>name</a:t>
+            </a:r>
+            <a:r>
+              <a:rPr lang="pt-BR" sz="1700" dirty="0">
+                <a:solidFill>
+                  <a:schemeClr val="accent5"/>
+                </a:solidFill>
+              </a:rPr>
+              <a:t> segundo-</a:t>
+            </a:r>
+            <a:r>
+              <a:rPr lang="pt-BR" sz="1700" dirty="0" err="1">
+                <a:solidFill>
+                  <a:schemeClr val="accent5"/>
+                </a:solidFill>
+              </a:rPr>
+              <a:t>ubuntu</a:t>
+            </a:r>
+            <a:r>
+              <a:rPr lang="pt-BR" sz="1700" dirty="0">
+                <a:solidFill>
+                  <a:schemeClr val="accent5"/>
+                </a:solidFill>
+              </a:rPr>
+              <a:t> --network minha-rede </a:t>
+            </a:r>
+            <a:r>
+              <a:rPr lang="pt-BR" sz="1700" dirty="0" err="1">
+                <a:solidFill>
+                  <a:schemeClr val="accent5"/>
+                </a:solidFill>
+              </a:rPr>
+              <a:t>ubuntu</a:t>
+            </a:r>
+            <a:endParaRPr lang="pt-BR" sz="1700" dirty="0">
+              <a:solidFill>
+                <a:schemeClr val="accent5"/>
+              </a:solidFill>
+            </a:endParaRPr>
+          </a:p>
+          <a:p>
+            <a:r>
+              <a:rPr lang="pt-BR" sz="1700" dirty="0"/>
+              <a:t>Agora, no segundo-</a:t>
+            </a:r>
+            <a:r>
+              <a:rPr lang="pt-BR" sz="1700" dirty="0" err="1"/>
+              <a:t>ubuntu</a:t>
+            </a:r>
+            <a:r>
+              <a:rPr lang="pt-BR" sz="1700" dirty="0"/>
+              <a:t>, instalamos o </a:t>
+            </a:r>
+            <a:r>
+              <a:rPr lang="pt-BR" sz="1700" dirty="0" err="1"/>
+              <a:t>ping</a:t>
+            </a:r>
+            <a:r>
+              <a:rPr lang="pt-BR" sz="1700" dirty="0"/>
+              <a:t> e testamos a comunicação com o meu-container-de-</a:t>
+            </a:r>
+            <a:r>
+              <a:rPr lang="pt-BR" sz="1700" dirty="0" err="1"/>
+              <a:t>ubuntu</a:t>
+            </a:r>
+            <a:r>
+              <a:rPr lang="pt-BR" sz="1700" dirty="0"/>
+              <a:t>:</a:t>
+            </a:r>
+          </a:p>
+          <a:p>
+            <a:endParaRPr lang="pt-BR" sz="1600" dirty="0"/>
+          </a:p>
+          <a:p>
+            <a:pPr marL="742950" lvl="1" indent="-285750">
+              <a:buFont typeface="Wingdings" panose="05000000000000000000" pitchFamily="2" charset="2"/>
+              <a:buChar char="Ø"/>
+            </a:pPr>
+            <a:r>
+              <a:rPr lang="pt-BR" sz="1700" dirty="0">
+                <a:solidFill>
+                  <a:schemeClr val="accent5"/>
+                </a:solidFill>
+              </a:rPr>
+              <a:t>root@00f93075d079:/# </a:t>
+            </a:r>
+            <a:r>
+              <a:rPr lang="pt-BR" sz="1700" dirty="0" err="1">
+                <a:solidFill>
+                  <a:schemeClr val="accent5"/>
+                </a:solidFill>
+              </a:rPr>
+              <a:t>ping</a:t>
+            </a:r>
+            <a:r>
+              <a:rPr lang="pt-BR" sz="1700" dirty="0">
+                <a:solidFill>
+                  <a:schemeClr val="accent5"/>
+                </a:solidFill>
+              </a:rPr>
+              <a:t> meu-container-de-</a:t>
+            </a:r>
+            <a:r>
+              <a:rPr lang="pt-BR" sz="1700" dirty="0" err="1">
+                <a:solidFill>
+                  <a:schemeClr val="accent5"/>
+                </a:solidFill>
+              </a:rPr>
+              <a:t>ubuntu</a:t>
+            </a:r>
+            <a:endParaRPr lang="pt-BR" sz="1700" dirty="0">
+              <a:solidFill>
+                <a:schemeClr val="accent5"/>
+              </a:solidFill>
+            </a:endParaRPr>
+          </a:p>
+          <a:p>
+            <a:pPr marL="457200" lvl="1" indent="0">
+              <a:buNone/>
+            </a:pPr>
+            <a:r>
+              <a:rPr lang="pt-BR" sz="1400" dirty="0"/>
+              <a:t>PING meu-container-de-</a:t>
+            </a:r>
+            <a:r>
+              <a:rPr lang="pt-BR" sz="1400" dirty="0" err="1"/>
+              <a:t>ubuntu</a:t>
+            </a:r>
+            <a:r>
+              <a:rPr lang="pt-BR" sz="1400" dirty="0"/>
+              <a:t> (172.18.0.2) 56(84) bytes </a:t>
+            </a:r>
+            <a:r>
+              <a:rPr lang="pt-BR" sz="1400" dirty="0" err="1"/>
+              <a:t>of</a:t>
+            </a:r>
+            <a:r>
+              <a:rPr lang="pt-BR" sz="1400" dirty="0"/>
+              <a:t> data.</a:t>
+            </a:r>
+          </a:p>
+          <a:p>
+            <a:pPr marL="457200" lvl="1" indent="0">
+              <a:buNone/>
+            </a:pPr>
+            <a:r>
+              <a:rPr lang="pt-BR" sz="1400" dirty="0"/>
+              <a:t>64 bytes </a:t>
+            </a:r>
+            <a:r>
+              <a:rPr lang="pt-BR" sz="1400" dirty="0" err="1"/>
+              <a:t>from</a:t>
+            </a:r>
+            <a:r>
+              <a:rPr lang="pt-BR" sz="1400" dirty="0"/>
+              <a:t> meu-container-de-</a:t>
+            </a:r>
+            <a:r>
+              <a:rPr lang="pt-BR" sz="1400" dirty="0" err="1"/>
+              <a:t>ubuntu.minha</a:t>
+            </a:r>
+            <a:r>
+              <a:rPr lang="pt-BR" sz="1400" dirty="0"/>
+              <a:t>-rede (172.18.0.2): </a:t>
+            </a:r>
+            <a:r>
+              <a:rPr lang="pt-BR" sz="1400" dirty="0" err="1"/>
+              <a:t>icmp_seq</a:t>
+            </a:r>
+            <a:r>
+              <a:rPr lang="pt-BR" sz="1400" dirty="0"/>
+              <a:t>=1 </a:t>
+            </a:r>
+            <a:r>
+              <a:rPr lang="pt-BR" sz="1400" dirty="0" err="1"/>
+              <a:t>ttl</a:t>
+            </a:r>
+            <a:r>
+              <a:rPr lang="pt-BR" sz="1400" dirty="0"/>
+              <a:t>=64 time=0.210 </a:t>
+            </a:r>
+            <a:r>
+              <a:rPr lang="pt-BR" sz="1400" dirty="0" err="1"/>
+              <a:t>ms</a:t>
+            </a:r>
+            <a:endParaRPr lang="pt-BR" sz="1400" dirty="0"/>
+          </a:p>
+          <a:p>
+            <a:pPr marL="457200" lvl="1" indent="0">
+              <a:buNone/>
+            </a:pPr>
+            <a:r>
+              <a:rPr lang="pt-BR" sz="1400" dirty="0"/>
+              <a:t>64 bytes </a:t>
+            </a:r>
+            <a:r>
+              <a:rPr lang="pt-BR" sz="1400" dirty="0" err="1"/>
+              <a:t>from</a:t>
+            </a:r>
+            <a:r>
+              <a:rPr lang="pt-BR" sz="1400" dirty="0"/>
+              <a:t> meu-container-de-</a:t>
+            </a:r>
+            <a:r>
+              <a:rPr lang="pt-BR" sz="1400" dirty="0" err="1"/>
+              <a:t>ubuntu.minha</a:t>
+            </a:r>
+            <a:r>
+              <a:rPr lang="pt-BR" sz="1400" dirty="0"/>
+              <a:t>-rede (172.18.0.2): </a:t>
+            </a:r>
+            <a:r>
+              <a:rPr lang="pt-BR" sz="1400" dirty="0" err="1"/>
+              <a:t>icmp_seq</a:t>
+            </a:r>
+            <a:r>
+              <a:rPr lang="pt-BR" sz="1400" dirty="0"/>
+              <a:t>=2 </a:t>
+            </a:r>
+            <a:r>
+              <a:rPr lang="pt-BR" sz="1400" dirty="0" err="1"/>
+              <a:t>ttl</a:t>
+            </a:r>
+            <a:r>
+              <a:rPr lang="pt-BR" sz="1400" dirty="0"/>
+              <a:t>=64 time=0.148 </a:t>
+            </a:r>
+            <a:r>
+              <a:rPr lang="pt-BR" sz="1400" dirty="0" err="1"/>
+              <a:t>ms</a:t>
+            </a:r>
+            <a:endParaRPr lang="pt-BR" sz="1400" dirty="0"/>
+          </a:p>
+          <a:p>
+            <a:pPr marL="457200" lvl="1" indent="0">
+              <a:buNone/>
+            </a:pPr>
+            <a:r>
+              <a:rPr lang="pt-BR" sz="1400" dirty="0"/>
+              <a:t>64 bytes </a:t>
+            </a:r>
+            <a:r>
+              <a:rPr lang="pt-BR" sz="1400" dirty="0" err="1"/>
+              <a:t>from</a:t>
+            </a:r>
+            <a:r>
+              <a:rPr lang="pt-BR" sz="1400" dirty="0"/>
+              <a:t> meu-container-de-</a:t>
+            </a:r>
+            <a:r>
+              <a:rPr lang="pt-BR" sz="1400" dirty="0" err="1"/>
+              <a:t>ubuntu.minha</a:t>
+            </a:r>
+            <a:r>
+              <a:rPr lang="pt-BR" sz="1400" dirty="0"/>
+              <a:t>-rede (172.18.0.2): </a:t>
+            </a:r>
+            <a:r>
+              <a:rPr lang="pt-BR" sz="1400" dirty="0" err="1"/>
+              <a:t>icmp_seq</a:t>
+            </a:r>
+            <a:r>
+              <a:rPr lang="pt-BR" sz="1400" dirty="0"/>
+              <a:t>=3 </a:t>
+            </a:r>
+            <a:r>
+              <a:rPr lang="pt-BR" sz="1400" dirty="0" err="1"/>
+              <a:t>ttl</a:t>
+            </a:r>
+            <a:r>
+              <a:rPr lang="pt-BR" sz="1400" dirty="0"/>
+              <a:t>=64 time=0.138 </a:t>
+            </a:r>
+            <a:r>
+              <a:rPr lang="pt-BR" sz="1400" dirty="0" err="1"/>
+              <a:t>ms</a:t>
+            </a:r>
+            <a:endParaRPr lang="pt-BR" sz="1400" dirty="0"/>
+          </a:p>
+          <a:p>
+            <a:pPr marL="457200" lvl="1" indent="0">
+              <a:buNone/>
+            </a:pPr>
+            <a:r>
+              <a:rPr lang="pt-BR" sz="1400" dirty="0"/>
+              <a:t>--- meu-container-de-</a:t>
+            </a:r>
+            <a:r>
+              <a:rPr lang="pt-BR" sz="1400" dirty="0" err="1"/>
+              <a:t>ubuntu</a:t>
+            </a:r>
+            <a:r>
+              <a:rPr lang="pt-BR" sz="1400" dirty="0"/>
+              <a:t> </a:t>
+            </a:r>
+            <a:r>
+              <a:rPr lang="pt-BR" sz="1400" dirty="0" err="1"/>
+              <a:t>ping</a:t>
+            </a:r>
+            <a:r>
+              <a:rPr lang="pt-BR" sz="1400" dirty="0"/>
+              <a:t> </a:t>
+            </a:r>
+            <a:r>
+              <a:rPr lang="pt-BR" sz="1400" dirty="0" err="1"/>
+              <a:t>statistics</a:t>
+            </a:r>
+            <a:r>
+              <a:rPr lang="pt-BR" sz="1400" dirty="0"/>
+              <a:t> ---</a:t>
+            </a:r>
+          </a:p>
+          <a:p>
+            <a:pPr marL="457200" lvl="1" indent="0">
+              <a:buNone/>
+            </a:pPr>
+            <a:r>
+              <a:rPr lang="pt-BR" sz="1400" dirty="0"/>
+              <a:t>3 </a:t>
+            </a:r>
+            <a:r>
+              <a:rPr lang="pt-BR" sz="1400" dirty="0" err="1"/>
+              <a:t>packets</a:t>
+            </a:r>
+            <a:r>
+              <a:rPr lang="pt-BR" sz="1400" dirty="0"/>
+              <a:t> </a:t>
+            </a:r>
+            <a:r>
+              <a:rPr lang="pt-BR" sz="1400" dirty="0" err="1"/>
+              <a:t>transmitted</a:t>
+            </a:r>
+            <a:r>
+              <a:rPr lang="pt-BR" sz="1400" dirty="0"/>
+              <a:t>, 3 </a:t>
+            </a:r>
+            <a:r>
+              <a:rPr lang="pt-BR" sz="1400" dirty="0" err="1"/>
+              <a:t>received</a:t>
+            </a:r>
+            <a:r>
+              <a:rPr lang="pt-BR" sz="1400" dirty="0"/>
+              <a:t>, 0% </a:t>
+            </a:r>
+            <a:r>
+              <a:rPr lang="pt-BR" sz="1400" dirty="0" err="1"/>
+              <a:t>packet</a:t>
+            </a:r>
+            <a:r>
+              <a:rPr lang="pt-BR" sz="1400" dirty="0"/>
+              <a:t> </a:t>
+            </a:r>
+            <a:r>
+              <a:rPr lang="pt-BR" sz="1400" dirty="0" err="1"/>
+              <a:t>loss</a:t>
+            </a:r>
+            <a:r>
+              <a:rPr lang="pt-BR" sz="1400" dirty="0"/>
+              <a:t>, time 2000ms</a:t>
+            </a:r>
+          </a:p>
+          <a:p>
+            <a:pPr marL="457200" lvl="1" indent="0">
+              <a:buNone/>
+            </a:pPr>
+            <a:r>
+              <a:rPr lang="pt-BR" sz="1400" dirty="0" err="1"/>
+              <a:t>rtt</a:t>
+            </a:r>
+            <a:r>
+              <a:rPr lang="pt-BR" sz="1400" dirty="0"/>
+              <a:t> min/</a:t>
+            </a:r>
+            <a:r>
+              <a:rPr lang="pt-BR" sz="1400" dirty="0" err="1"/>
+              <a:t>avg</a:t>
+            </a:r>
+            <a:r>
+              <a:rPr lang="pt-BR" sz="1400" dirty="0"/>
+              <a:t>/</a:t>
+            </a:r>
+            <a:r>
+              <a:rPr lang="pt-BR" sz="1400" dirty="0" err="1"/>
+              <a:t>max</a:t>
+            </a:r>
+            <a:r>
+              <a:rPr lang="pt-BR" sz="1400" dirty="0"/>
+              <a:t>/</a:t>
+            </a:r>
+            <a:r>
+              <a:rPr lang="pt-BR" sz="1400" dirty="0" err="1"/>
+              <a:t>mdev</a:t>
+            </a:r>
+            <a:r>
+              <a:rPr lang="pt-BR" sz="1400" dirty="0"/>
+              <a:t> = 0.138/0.165/0.210/0.033 </a:t>
+            </a:r>
+            <a:r>
+              <a:rPr lang="pt-BR" sz="1400" dirty="0" err="1"/>
+              <a:t>ms</a:t>
+            </a:r>
+            <a:endParaRPr lang="pt-BR" sz="1400" dirty="0"/>
+          </a:p>
+          <a:p>
+            <a:endParaRPr lang="pt-BR" sz="1600" dirty="0"/>
+          </a:p>
+        </p:txBody>
+      </p:sp>
+    </p:spTree>
+    <p:extLst>
+      <p:ext uri="{BB962C8B-B14F-4D97-AF65-F5344CB8AC3E}">
+        <p14:creationId xmlns:p14="http://schemas.microsoft.com/office/powerpoint/2010/main" val="4236748709"/>
+      </p:ext>
+    </p:extLst>
+  </p:cSld>
+  <p:clrMapOvr>
+    <a:masterClrMapping/>
+  </p:clrMapOvr>
+</p:sld>
+</file>
+
+<file path=ppt/slides/slide31.xml><?xml version="1.0" encoding="utf-8"?>
+<p:sld xmlns:a="http://schemas.openxmlformats.org/drawingml/2006/main" xmlns:r="http://schemas.openxmlformats.org/officeDocument/2006/relationships" xmlns:p="http://schemas.openxmlformats.org/presentationml/2006/main">
+  <p:cSld>
+    <p:spTree>
+      <p:nvGrpSpPr>
+        <p:cNvPr id="1" name=""/>
+        <p:cNvGrpSpPr/>
+        <p:nvPr/>
+      </p:nvGrpSpPr>
+      <p:grpSpPr>
+        <a:xfrm>
+          <a:off x="0" y="0"/>
+          <a:ext cx="0" cy="0"/>
+          <a:chOff x="0" y="0"/>
+          <a:chExt cx="0" cy="0"/>
+        </a:xfrm>
+      </p:grpSpPr>
+      <p:sp>
+        <p:nvSpPr>
+          <p:cNvPr id="5" name="Título 1"/>
+          <p:cNvSpPr>
+            <a:spLocks noGrp="1"/>
+          </p:cNvSpPr>
+          <p:nvPr>
+            <p:ph type="title"/>
+          </p:nvPr>
+        </p:nvSpPr>
+        <p:spPr>
+          <a:xfrm>
+            <a:off x="115910" y="123288"/>
+            <a:ext cx="11951594" cy="422275"/>
+          </a:xfrm>
+        </p:spPr>
+        <p:txBody>
+          <a:bodyPr vert="horz" lIns="91440" tIns="45720" rIns="91440" bIns="45720" rtlCol="0" anchor="ctr">
+            <a:normAutofit fontScale="90000"/>
+          </a:bodyPr>
+          <a:lstStyle/>
+          <a:p>
+            <a:pPr algn="ctr"/>
+            <a:r>
+              <a:rPr lang="pt-BR" sz="2800" b="1" dirty="0"/>
               <a:t>Comunicação entre Containers – Recuperando dados de um Banco de Dados</a:t>
             </a:r>
           </a:p>
@@ -18175,17 +18643,10 @@
   <p:clrMapOvr>
     <a:masterClrMapping/>
   </p:clrMapOvr>
-  <p:timing>
-    <p:tnLst>
-      <p:par>
-        <p:cTn id="1" dur="indefinite" restart="never" nodeType="tmRoot"/>
-      </p:par>
-    </p:tnLst>
-  </p:timing>
 </p:sld>
 </file>
 
-<file path=ppt/slides/slide31.xml><?xml version="1.0" encoding="utf-8"?>
+<file path=ppt/slides/slide32.xml><?xml version="1.0" encoding="utf-8"?>
 <p:sld xmlns:a="http://schemas.openxmlformats.org/drawingml/2006/main" xmlns:r="http://schemas.openxmlformats.org/officeDocument/2006/relationships" xmlns:p="http://schemas.openxmlformats.org/presentationml/2006/main">
   <p:cSld>
     <p:spTree>
@@ -18776,17 +19237,10 @@
   <p:clrMapOvr>
     <a:masterClrMapping/>
   </p:clrMapOvr>
-  <p:timing>
-    <p:tnLst>
-      <p:par>
-        <p:cTn id="1" dur="indefinite" restart="never" nodeType="tmRoot"/>
-      </p:par>
-    </p:tnLst>
-  </p:timing>
 </p:sld>
 </file>
 
-<file path=ppt/slides/slide32.xml><?xml version="1.0" encoding="utf-8"?>
+<file path=ppt/slides/slide33.xml><?xml version="1.0" encoding="utf-8"?>
 <p:sld xmlns:a="http://schemas.openxmlformats.org/drawingml/2006/main" xmlns:r="http://schemas.openxmlformats.org/officeDocument/2006/relationships" xmlns:p="http://schemas.openxmlformats.org/presentationml/2006/main">
   <p:cSld>
     <p:spTree>
@@ -18932,17 +19386,10 @@
   <p:clrMapOvr>
     <a:masterClrMapping/>
   </p:clrMapOvr>
-  <p:timing>
-    <p:tnLst>
-      <p:par>
-        <p:cTn id="1" dur="indefinite" restart="never" nodeType="tmRoot"/>
-      </p:par>
-    </p:tnLst>
-  </p:timing>
 </p:sld>
 </file>
 
-<file path=ppt/slides/slide33.xml><?xml version="1.0" encoding="utf-8"?>
+<file path=ppt/slides/slide34.xml><?xml version="1.0" encoding="utf-8"?>
 <p:sld xmlns:a="http://schemas.openxmlformats.org/drawingml/2006/main" xmlns:r="http://schemas.openxmlformats.org/officeDocument/2006/relationships" xmlns:p="http://schemas.openxmlformats.org/presentationml/2006/main">
   <p:cSld>
     <p:spTree>
@@ -19072,17 +19519,10 @@
   <p:clrMapOvr>
     <a:masterClrMapping/>
   </p:clrMapOvr>
-  <p:timing>
-    <p:tnLst>
-      <p:par>
-        <p:cTn id="1" dur="indefinite" restart="never" nodeType="tmRoot"/>
-      </p:par>
-    </p:tnLst>
-  </p:timing>
 </p:sld>
 </file>
 
-<file path=ppt/slides/slide34.xml><?xml version="1.0" encoding="utf-8"?>
+<file path=ppt/slides/slide35.xml><?xml version="1.0" encoding="utf-8"?>
 <p:sld xmlns:a="http://schemas.openxmlformats.org/drawingml/2006/main" xmlns:r="http://schemas.openxmlformats.org/officeDocument/2006/relationships" xmlns:p="http://schemas.openxmlformats.org/presentationml/2006/main">
   <p:cSld>
     <p:spTree>
@@ -19269,16 +19709,12 @@
               <a:t> - </a:t>
             </a:r>
             <a:r>
-              <a:rPr lang="pt-BR" sz="2000" dirty="0" err="1" smtClean="0"/>
+              <a:rPr lang="pt-BR" sz="2000" dirty="0" err="1"/>
               <a:t>pára</a:t>
             </a:r>
             <a:r>
-              <a:rPr lang="pt-BR" sz="2000" dirty="0" smtClean="0"/>
-              <a:t> </a:t>
-            </a:r>
-            <a:r>
               <a:rPr lang="pt-BR" sz="2000" dirty="0"/>
-              <a:t>os serviços criados.</a:t>
+              <a:t> os serviços criados.</a:t>
             </a:r>
           </a:p>
           <a:p>
@@ -19375,17 +19811,10 @@
   <p:clrMapOvr>
     <a:masterClrMapping/>
   </p:clrMapOvr>
-  <p:timing>
-    <p:tnLst>
-      <p:par>
-        <p:cTn id="1" dur="indefinite" restart="never" nodeType="tmRoot"/>
-      </p:par>
-    </p:tnLst>
-  </p:timing>
 </p:sld>
 </file>
 
-<file path=ppt/slides/slide35.xml><?xml version="1.0" encoding="utf-8"?>
+<file path=ppt/slides/slide36.xml><?xml version="1.0" encoding="utf-8"?>
 <p:sld xmlns:a="http://schemas.openxmlformats.org/drawingml/2006/main" xmlns:r="http://schemas.openxmlformats.org/officeDocument/2006/relationships" xmlns:p="http://schemas.openxmlformats.org/presentationml/2006/main">
   <p:cSld>
     <p:spTree>
@@ -19464,13 +19893,6 @@
   <p:clrMapOvr>
     <a:masterClrMapping/>
   </p:clrMapOvr>
-  <p:timing>
-    <p:tnLst>
-      <p:par>
-        <p:cTn id="1" dur="indefinite" restart="never" nodeType="tmRoot"/>
-      </p:par>
-    </p:tnLst>
-  </p:timing>
 </p:sld>
 </file>
 
@@ -20137,13 +20559,8 @@
             <a:pPr lvl="1"/>
             <a:r>
               <a:rPr lang="pt-BR" sz="1800" dirty="0"/>
-              <a:t>Tempo alto de manutenção dessas máquinas virtuais. Ao invés de se gastar tempo com o Core da empresa, gasta-se com softwares de </a:t>
-            </a:r>
-            <a:r>
-              <a:rPr lang="pt-BR" sz="1800" dirty="0" smtClean="0"/>
-              <a:t>infraestrutura</a:t>
-            </a:r>
-            <a:endParaRPr lang="pt-BR" sz="1800" dirty="0"/>
+              <a:t>Tempo alto de manutenção dessas máquinas virtuais. Ao invés de se gastar tempo com o Core da empresa, gasta-se com softwares de infraestrutura</a:t>
+            </a:r>
           </a:p>
         </p:txBody>
       </p:sp>
@@ -20157,13 +20574,6 @@
   <p:clrMapOvr>
     <a:masterClrMapping/>
   </p:clrMapOvr>
-  <p:timing>
-    <p:tnLst>
-      <p:par>
-        <p:cTn id="1" dur="indefinite" restart="never" nodeType="tmRoot"/>
-      </p:par>
-    </p:tnLst>
-  </p:timing>
 </p:sld>
 </file>
 
@@ -20448,12 +20858,11 @@
               <a:rPr lang="pt-BR" sz="1800" dirty="0"/>
               <a:t> Muito mais rápido pra subir </a:t>
             </a:r>
-            <a:endParaRPr lang="pt-BR" sz="1800" dirty="0" smtClean="0"/>
           </a:p>
           <a:p>
             <a:pPr lvl="1"/>
             <a:r>
-              <a:rPr lang="pt-BR" sz="1800" dirty="0" smtClean="0"/>
+              <a:rPr lang="pt-BR" sz="1800" dirty="0"/>
               <a:t>Agilidade na hora de subir ou parar um container</a:t>
             </a:r>
           </a:p>
@@ -20497,13 +20906,6 @@
   <p:clrMapOvr>
     <a:masterClrMapping/>
   </p:clrMapOvr>
-  <p:timing>
-    <p:tnLst>
-      <p:par>
-        <p:cTn id="1" dur="indefinite" restart="never" nodeType="tmRoot"/>
-      </p:par>
-    </p:tnLst>
-  </p:timing>
 </p:sld>
 </file>
 
@@ -20765,7 +21167,7 @@
           </a:lstStyle>
           <a:p>
             <a:r>
-              <a:rPr lang="pt-BR" sz="2000" dirty="0" smtClean="0"/>
+              <a:rPr lang="pt-BR" sz="2000" dirty="0"/>
               <a:t>Vantagens</a:t>
             </a:r>
           </a:p>
@@ -20800,11 +21202,7 @@
             <a:pPr lvl="1"/>
             <a:r>
               <a:rPr lang="pt-BR" sz="2000" dirty="0"/>
-              <a:t>Sem contar que uma única aplicação pode congelar um </a:t>
-            </a:r>
-            <a:r>
-              <a:rPr lang="pt-BR" sz="2000" dirty="0" smtClean="0"/>
-              <a:t>ambiente</a:t>
+              <a:t>Sem contar que uma única aplicação pode congelar um ambiente</a:t>
             </a:r>
           </a:p>
           <a:p>
@@ -20813,18 +21211,18 @@
           </a:p>
           <a:p>
             <a:pPr lvl="1"/>
-            <a:endParaRPr lang="pt-BR" sz="2000" dirty="0" smtClean="0"/>
-          </a:p>
-          <a:p>
-            <a:r>
-              <a:rPr lang="pt-BR" sz="2000" dirty="0" smtClean="0"/>
+            <a:endParaRPr lang="pt-BR" sz="2000" dirty="0"/>
+          </a:p>
+          <a:p>
+            <a:r>
+              <a:rPr lang="pt-BR" sz="2000" dirty="0"/>
               <a:t>Desvantagens</a:t>
             </a:r>
           </a:p>
           <a:p>
             <a:pPr lvl="1"/>
             <a:r>
-              <a:rPr lang="pt-BR" sz="1600" dirty="0" smtClean="0"/>
+              <a:rPr lang="pt-BR" sz="1600" dirty="0"/>
               <a:t>????</a:t>
             </a:r>
           </a:p>
@@ -20840,13 +21238,6 @@
   <p:clrMapOvr>
     <a:masterClrMapping/>
   </p:clrMapOvr>
-  <p:timing>
-    <p:tnLst>
-      <p:par>
-        <p:cTn id="1" dur="indefinite" restart="never" nodeType="tmRoot"/>
-      </p:par>
-    </p:tnLst>
-  </p:timing>
 </p:sld>
 </file>
 
@@ -21664,18 +22055,17 @@
           <a:p>
             <a:pPr algn="ctr"/>
             <a:r>
-              <a:rPr lang="pt-BR" sz="2800" b="1" dirty="0" smtClean="0"/>
+              <a:rPr lang="pt-BR" sz="2800" b="1" dirty="0"/>
               <a:t>O que é o </a:t>
             </a:r>
             <a:r>
-              <a:rPr lang="pt-BR" sz="2800" b="1" dirty="0" err="1" smtClean="0"/>
+              <a:rPr lang="pt-BR" sz="2800" b="1" dirty="0" err="1"/>
               <a:t>Docker</a:t>
             </a:r>
             <a:r>
-              <a:rPr lang="pt-BR" sz="2800" b="1" dirty="0" smtClean="0"/>
+              <a:rPr lang="pt-BR" sz="2800" b="1" dirty="0"/>
               <a:t>?</a:t>
             </a:r>
-            <a:endParaRPr lang="pt-BR" sz="2800" b="1" dirty="0"/>
           </a:p>
         </p:txBody>
       </p:sp>
@@ -21713,13 +22103,6 @@
   <p:clrMapOvr>
     <a:masterClrMapping/>
   </p:clrMapOvr>
-  <p:timing>
-    <p:tnLst>
-      <p:par>
-        <p:cTn id="1" dur="indefinite" restart="never" nodeType="tmRoot"/>
-      </p:par>
-    </p:tnLst>
-  </p:timing>
 </p:sld>
 </file>
 
